--- a/lectures3/Pythonlearn-09-Dictionaries.pptx
+++ b/lectures3/Pythonlearn-09-Dictionaries.pptx
@@ -593,8 +593,8 @@
         </p:nvSpPr>
         <p:spPr>
           <a:xfrm>
-            <a:off x="1143000" y="685800"/>
-            <a:ext cx="4572000" cy="3429000"/>
+            <a:off x="381000" y="685800"/>
+            <a:ext cx="6096000" cy="3429000"/>
           </a:xfrm>
           <a:custGeom>
             <a:avLst/>
@@ -699,8 +699,8 @@
         </p:nvSpPr>
         <p:spPr>
           <a:xfrm>
-            <a:off x="1143000" y="685800"/>
-            <a:ext cx="4572000" cy="3429000"/>
+            <a:off x="381000" y="685800"/>
+            <a:ext cx="6096000" cy="3429000"/>
           </a:xfrm>
           <a:custGeom>
             <a:avLst/>
@@ -911,8 +911,8 @@
         </p:nvSpPr>
         <p:spPr>
           <a:xfrm>
-            <a:off x="1143000" y="685800"/>
-            <a:ext cx="4572000" cy="3429000"/>
+            <a:off x="381000" y="685800"/>
+            <a:ext cx="6096000" cy="3429000"/>
           </a:xfrm>
           <a:custGeom>
             <a:avLst/>
@@ -1017,8 +1017,8 @@
         </p:nvSpPr>
         <p:spPr>
           <a:xfrm>
-            <a:off x="1143000" y="685800"/>
-            <a:ext cx="4572000" cy="3429000"/>
+            <a:off x="381000" y="685800"/>
+            <a:ext cx="6096000" cy="3429000"/>
           </a:xfrm>
           <a:custGeom>
             <a:avLst/>
@@ -1123,8 +1123,8 @@
         </p:nvSpPr>
         <p:spPr>
           <a:xfrm>
-            <a:off x="1143000" y="685800"/>
-            <a:ext cx="4572000" cy="3429000"/>
+            <a:off x="381000" y="685800"/>
+            <a:ext cx="6096000" cy="3429000"/>
           </a:xfrm>
           <a:custGeom>
             <a:avLst/>
@@ -1229,8 +1229,8 @@
         </p:nvSpPr>
         <p:spPr>
           <a:xfrm>
-            <a:off x="1143000" y="685800"/>
-            <a:ext cx="4572000" cy="3429000"/>
+            <a:off x="381000" y="685800"/>
+            <a:ext cx="6096000" cy="3429000"/>
           </a:xfrm>
           <a:custGeom>
             <a:avLst/>
@@ -1335,8 +1335,8 @@
         </p:nvSpPr>
         <p:spPr>
           <a:xfrm>
-            <a:off x="1143000" y="685800"/>
-            <a:ext cx="4572000" cy="3429000"/>
+            <a:off x="381000" y="685800"/>
+            <a:ext cx="6096000" cy="3429000"/>
           </a:xfrm>
           <a:custGeom>
             <a:avLst/>
@@ -1441,8 +1441,8 @@
         </p:nvSpPr>
         <p:spPr>
           <a:xfrm>
-            <a:off x="1143000" y="685800"/>
-            <a:ext cx="4572000" cy="3429000"/>
+            <a:off x="381000" y="685800"/>
+            <a:ext cx="6096000" cy="3429000"/>
           </a:xfrm>
           <a:custGeom>
             <a:avLst/>
@@ -1547,8 +1547,8 @@
         </p:nvSpPr>
         <p:spPr>
           <a:xfrm>
-            <a:off x="1143000" y="685800"/>
-            <a:ext cx="4572000" cy="3429000"/>
+            <a:off x="381000" y="685800"/>
+            <a:ext cx="6096000" cy="3429000"/>
           </a:xfrm>
           <a:custGeom>
             <a:avLst/>
@@ -1653,8 +1653,8 @@
         </p:nvSpPr>
         <p:spPr>
           <a:xfrm>
-            <a:off x="1143000" y="685800"/>
-            <a:ext cx="4572000" cy="3429000"/>
+            <a:off x="381000" y="685800"/>
+            <a:ext cx="6096000" cy="3429000"/>
           </a:xfrm>
           <a:custGeom>
             <a:avLst/>
@@ -1759,8 +1759,8 @@
         </p:nvSpPr>
         <p:spPr>
           <a:xfrm>
-            <a:off x="1143000" y="685800"/>
-            <a:ext cx="4572000" cy="3429000"/>
+            <a:off x="381000" y="685800"/>
+            <a:ext cx="6096000" cy="3429000"/>
           </a:xfrm>
           <a:custGeom>
             <a:avLst/>
@@ -1865,8 +1865,8 @@
         </p:nvSpPr>
         <p:spPr>
           <a:xfrm>
-            <a:off x="1143000" y="685800"/>
-            <a:ext cx="4572000" cy="3429000"/>
+            <a:off x="381000" y="685800"/>
+            <a:ext cx="6096000" cy="3429000"/>
           </a:xfrm>
           <a:custGeom>
             <a:avLst/>
@@ -1971,8 +1971,8 @@
         </p:nvSpPr>
         <p:spPr>
           <a:xfrm>
-            <a:off x="1143000" y="685800"/>
-            <a:ext cx="4572000" cy="3429000"/>
+            <a:off x="381000" y="685800"/>
+            <a:ext cx="6096000" cy="3429000"/>
           </a:xfrm>
           <a:custGeom>
             <a:avLst/>
@@ -2077,8 +2077,8 @@
         </p:nvSpPr>
         <p:spPr>
           <a:xfrm>
-            <a:off x="1143000" y="685800"/>
-            <a:ext cx="4572000" cy="3429000"/>
+            <a:off x="381000" y="685800"/>
+            <a:ext cx="6096000" cy="3429000"/>
           </a:xfrm>
           <a:custGeom>
             <a:avLst/>
@@ -2183,8 +2183,8 @@
         </p:nvSpPr>
         <p:spPr>
           <a:xfrm>
-            <a:off x="1143000" y="685800"/>
-            <a:ext cx="4572000" cy="3429000"/>
+            <a:off x="381000" y="685800"/>
+            <a:ext cx="6096000" cy="3429000"/>
           </a:xfrm>
           <a:custGeom>
             <a:avLst/>
@@ -2289,8 +2289,8 @@
         </p:nvSpPr>
         <p:spPr>
           <a:xfrm>
-            <a:off x="1143000" y="685800"/>
-            <a:ext cx="4572000" cy="3429000"/>
+            <a:off x="381000" y="685800"/>
+            <a:ext cx="6096000" cy="3429000"/>
           </a:xfrm>
           <a:custGeom>
             <a:avLst/>
@@ -2395,8 +2395,8 @@
         </p:nvSpPr>
         <p:spPr>
           <a:xfrm>
-            <a:off x="1143000" y="685800"/>
-            <a:ext cx="4572000" cy="3429000"/>
+            <a:off x="381000" y="685800"/>
+            <a:ext cx="6096000" cy="3429000"/>
           </a:xfrm>
           <a:custGeom>
             <a:avLst/>
@@ -2501,8 +2501,8 @@
         </p:nvSpPr>
         <p:spPr>
           <a:xfrm>
-            <a:off x="1143000" y="685800"/>
-            <a:ext cx="4572000" cy="3429000"/>
+            <a:off x="381000" y="685800"/>
+            <a:ext cx="6096000" cy="3429000"/>
           </a:xfrm>
           <a:custGeom>
             <a:avLst/>
@@ -2607,8 +2607,8 @@
         </p:nvSpPr>
         <p:spPr>
           <a:xfrm>
-            <a:off x="1143000" y="685800"/>
-            <a:ext cx="4572000" cy="3429000"/>
+            <a:off x="381000" y="685800"/>
+            <a:ext cx="6096000" cy="3429000"/>
           </a:xfrm>
           <a:custGeom>
             <a:avLst/>
@@ -2713,8 +2713,8 @@
         </p:nvSpPr>
         <p:spPr>
           <a:xfrm>
-            <a:off x="1143000" y="685800"/>
-            <a:ext cx="4572000" cy="3429000"/>
+            <a:off x="381000" y="685800"/>
+            <a:ext cx="6096000" cy="3429000"/>
           </a:xfrm>
           <a:custGeom>
             <a:avLst/>
@@ -2819,8 +2819,8 @@
         </p:nvSpPr>
         <p:spPr>
           <a:xfrm>
-            <a:off x="1143000" y="685800"/>
-            <a:ext cx="4572000" cy="3429000"/>
+            <a:off x="381000" y="685800"/>
+            <a:ext cx="6096000" cy="3429000"/>
           </a:xfrm>
           <a:custGeom>
             <a:avLst/>
@@ -2925,8 +2925,8 @@
         </p:nvSpPr>
         <p:spPr>
           <a:xfrm>
-            <a:off x="1143000" y="685800"/>
-            <a:ext cx="4572000" cy="3429000"/>
+            <a:off x="381000" y="685800"/>
+            <a:ext cx="6096000" cy="3429000"/>
           </a:xfrm>
           <a:custGeom>
             <a:avLst/>
@@ -2996,8 +2996,8 @@
         </p:nvSpPr>
         <p:spPr>
           <a:xfrm>
-            <a:off x="1143000" y="685800"/>
-            <a:ext cx="4572000" cy="3429000"/>
+            <a:off x="381000" y="685800"/>
+            <a:ext cx="6096000" cy="3429000"/>
           </a:xfrm>
           <a:custGeom>
             <a:avLst/>
@@ -3137,8 +3137,8 @@
         </p:nvSpPr>
         <p:spPr>
           <a:xfrm>
-            <a:off x="1143000" y="685800"/>
-            <a:ext cx="4572000" cy="3429000"/>
+            <a:off x="381000" y="685800"/>
+            <a:ext cx="6096000" cy="3429000"/>
           </a:xfrm>
           <a:custGeom>
             <a:avLst/>
@@ -3349,8 +3349,8 @@
         </p:nvSpPr>
         <p:spPr>
           <a:xfrm>
-            <a:off x="1143000" y="685800"/>
-            <a:ext cx="4572000" cy="3429000"/>
+            <a:off x="381000" y="685800"/>
+            <a:ext cx="6096000" cy="3429000"/>
           </a:xfrm>
           <a:custGeom>
             <a:avLst/>
@@ -3455,8 +3455,8 @@
         </p:nvSpPr>
         <p:spPr>
           <a:xfrm>
-            <a:off x="1143000" y="685800"/>
-            <a:ext cx="4572000" cy="3429000"/>
+            <a:off x="381000" y="685800"/>
+            <a:ext cx="6096000" cy="3429000"/>
           </a:xfrm>
           <a:custGeom>
             <a:avLst/>
@@ -3561,8 +3561,8 @@
         </p:nvSpPr>
         <p:spPr>
           <a:xfrm>
-            <a:off x="1143000" y="685800"/>
-            <a:ext cx="4572000" cy="3429000"/>
+            <a:off x="381000" y="685800"/>
+            <a:ext cx="6096000" cy="3429000"/>
           </a:xfrm>
           <a:custGeom>
             <a:avLst/>
@@ -3667,8 +3667,8 @@
         </p:nvSpPr>
         <p:spPr>
           <a:xfrm>
-            <a:off x="1143000" y="685800"/>
-            <a:ext cx="4572000" cy="3429000"/>
+            <a:off x="381000" y="685800"/>
+            <a:ext cx="6096000" cy="3429000"/>
           </a:xfrm>
           <a:custGeom>
             <a:avLst/>
@@ -3773,8 +3773,8 @@
         </p:nvSpPr>
         <p:spPr>
           <a:xfrm>
-            <a:off x="1143000" y="685800"/>
-            <a:ext cx="4572000" cy="3429000"/>
+            <a:off x="381000" y="685800"/>
+            <a:ext cx="6096000" cy="3429000"/>
           </a:xfrm>
           <a:custGeom>
             <a:avLst/>
@@ -3879,8 +3879,8 @@
         </p:nvSpPr>
         <p:spPr>
           <a:xfrm>
-            <a:off x="1143000" y="685800"/>
-            <a:ext cx="4572000" cy="3429000"/>
+            <a:off x="381000" y="685800"/>
+            <a:ext cx="6096000" cy="3429000"/>
           </a:xfrm>
           <a:custGeom>
             <a:avLst/>
@@ -21807,13 +21807,13 @@
               <a:buNone/>
             </a:pPr>
             <a:r>
-              <a:rPr lang="en-US" sz="7600" b="0" i="0" u="none" strike="noStrike" cap="none">
+              <a:rPr lang="en-US" sz="7600" u="none" strike="noStrike" cap="none">
                 <a:solidFill>
                   <a:srgbClr val="FFFF00"/>
                 </a:solidFill>
-                <a:latin typeface="Cabin"/>
-                <a:ea typeface="Cabin"/>
-                <a:cs typeface="Cabin"/>
+                <a:latin typeface="Arial" charset="0"/>
+                <a:ea typeface="Arial" charset="0"/>
+                <a:cs typeface="Arial" charset="0"/>
                 <a:sym typeface="Cabin"/>
               </a:rPr>
               <a:t>Python Dictionaries</a:t>
@@ -21868,13 +21868,13 @@
               <a:buNone/>
             </a:pPr>
             <a:r>
-              <a:rPr lang="en-US" sz="4800" b="0" i="0" u="none" strike="noStrike" cap="none">
+              <a:rPr lang="en-US" sz="4800" u="none" strike="noStrike" cap="none">
                 <a:solidFill>
                   <a:schemeClr val="lt1"/>
                 </a:solidFill>
-                <a:latin typeface="Cabin"/>
-                <a:ea typeface="Cabin"/>
-                <a:cs typeface="Cabin"/>
+                <a:latin typeface="Arial" charset="0"/>
+                <a:ea typeface="Arial" charset="0"/>
+                <a:cs typeface="Arial" charset="0"/>
                 <a:sym typeface="Cabin"/>
               </a:rPr>
               <a:t>Chapter 9</a:t>
@@ -21925,13 +21925,13 @@
               <a:buNone/>
             </a:pPr>
             <a:r>
-              <a:rPr lang="en-US" sz="3200" b="0" i="0" u="none" strike="noStrike" cap="none">
+              <a:rPr lang="en-US" sz="3200" u="none" strike="noStrike" cap="none">
                 <a:solidFill>
                   <a:srgbClr val="FFFF00"/>
                 </a:solidFill>
-                <a:latin typeface="Cabin"/>
-                <a:ea typeface="Cabin"/>
-                <a:cs typeface="Cabin"/>
+                <a:latin typeface="Arial" charset="0"/>
+                <a:ea typeface="Arial" charset="0"/>
+                <a:cs typeface="Arial" charset="0"/>
                 <a:sym typeface="Cabin"/>
               </a:rPr>
               <a:t>Python for Informatics: Exploring Information</a:t>
@@ -21956,13 +21956,13 @@
               <a:buNone/>
             </a:pPr>
             <a:r>
-              <a:rPr lang="en-US" sz="3200" b="0" i="0" u="sng" strike="noStrike" cap="none">
+              <a:rPr lang="en-US" sz="3200" u="sng" strike="noStrike" cap="none">
                 <a:solidFill>
                   <a:srgbClr val="FFFF00"/>
                 </a:solidFill>
-                <a:latin typeface="Cabin"/>
-                <a:ea typeface="Cabin"/>
-                <a:cs typeface="Cabin"/>
+                <a:latin typeface="Arial" charset="0"/>
+                <a:ea typeface="Arial" charset="0"/>
+                <a:cs typeface="Arial" charset="0"/>
                 <a:sym typeface="Cabin"/>
                 <a:hlinkClick r:id="rId3"/>
               </a:rPr>
@@ -22097,13 +22097,13 @@
               <a:buNone/>
             </a:pPr>
             <a:r>
-              <a:rPr lang="en-US" sz="7600" b="0" i="0" u="none" strike="noStrike" cap="none">
+              <a:rPr lang="en-US" sz="7600" u="none" strike="noStrike" cap="none">
                 <a:solidFill>
                   <a:srgbClr val="FFFF00"/>
                 </a:solidFill>
-                <a:latin typeface="Cabin"/>
-                <a:ea typeface="Cabin"/>
-                <a:cs typeface="Cabin"/>
+                <a:latin typeface="Arial" charset="0"/>
+                <a:ea typeface="Arial" charset="0"/>
+                <a:cs typeface="Arial" charset="0"/>
                 <a:sym typeface="Cabin"/>
               </a:rPr>
               <a:t>Dictionary Literals (Constants)</a:t>
@@ -22154,61 +22154,61 @@
               <a:buFont typeface="Cabin"/>
             </a:pPr>
             <a:r>
-              <a:rPr lang="en-US" sz="3600" b="0" i="0" u="none" strike="noStrike" cap="none">
+              <a:rPr lang="en-US" sz="3600" u="none" strike="noStrike" cap="none">
                 <a:solidFill>
                   <a:schemeClr val="lt1"/>
                 </a:solidFill>
-                <a:latin typeface="Cabin"/>
-                <a:ea typeface="Cabin"/>
-                <a:cs typeface="Cabin"/>
+                <a:latin typeface="Arial" charset="0"/>
+                <a:ea typeface="Arial" charset="0"/>
+                <a:cs typeface="Arial" charset="0"/>
                 <a:sym typeface="Cabin"/>
               </a:rPr>
               <a:t>Dictionary literals use curly braces and have a list of </a:t>
             </a:r>
             <a:r>
-              <a:rPr lang="en-US" sz="3600" b="0" i="0" u="none" strike="noStrike" cap="none">
+              <a:rPr lang="en-US" sz="3600" u="none" strike="noStrike" cap="none">
                 <a:solidFill>
                   <a:srgbClr val="00FF00"/>
                 </a:solidFill>
-                <a:latin typeface="Cabin"/>
-                <a:ea typeface="Cabin"/>
-                <a:cs typeface="Cabin"/>
+                <a:latin typeface="Arial" charset="0"/>
+                <a:ea typeface="Arial" charset="0"/>
+                <a:cs typeface="Arial" charset="0"/>
                 <a:sym typeface="Cabin"/>
               </a:rPr>
               <a:t>key</a:t>
             </a:r>
             <a:r>
-              <a:rPr lang="en-US" sz="3600" b="0" i="0" u="none" strike="noStrike" cap="none">
+              <a:rPr lang="en-US" sz="3600" u="none" strike="noStrike" cap="none">
                 <a:solidFill>
                   <a:schemeClr val="lt1"/>
                 </a:solidFill>
-                <a:latin typeface="Cabin"/>
-                <a:ea typeface="Cabin"/>
-                <a:cs typeface="Cabin"/>
+                <a:latin typeface="Arial" charset="0"/>
+                <a:ea typeface="Arial" charset="0"/>
+                <a:cs typeface="Arial" charset="0"/>
                 <a:sym typeface="Cabin"/>
               </a:rPr>
               <a:t> : </a:t>
             </a:r>
             <a:r>
-              <a:rPr lang="en-US" sz="3600" b="0" i="0" u="none" strike="noStrike" cap="none">
+              <a:rPr lang="en-US" sz="3600" u="none" strike="noStrike" cap="none">
                 <a:solidFill>
                   <a:srgbClr val="FF00FF"/>
                 </a:solidFill>
-                <a:latin typeface="Cabin"/>
-                <a:ea typeface="Cabin"/>
-                <a:cs typeface="Cabin"/>
+                <a:latin typeface="Arial" charset="0"/>
+                <a:ea typeface="Arial" charset="0"/>
+                <a:cs typeface="Arial" charset="0"/>
                 <a:sym typeface="Cabin"/>
               </a:rPr>
               <a:t>value</a:t>
             </a:r>
             <a:r>
-              <a:rPr lang="en-US" sz="3600" b="0" i="0" u="none" strike="noStrike" cap="none">
+              <a:rPr lang="en-US" sz="3600" u="none" strike="noStrike" cap="none">
                 <a:solidFill>
                   <a:schemeClr val="lt1"/>
                 </a:solidFill>
-                <a:latin typeface="Cabin"/>
-                <a:ea typeface="Cabin"/>
-                <a:cs typeface="Cabin"/>
+                <a:latin typeface="Arial" charset="0"/>
+                <a:ea typeface="Arial" charset="0"/>
+                <a:cs typeface="Arial" charset="0"/>
                 <a:sym typeface="Cabin"/>
               </a:rPr>
               <a:t> pairs</a:t>
@@ -22229,37 +22229,37 @@
               <a:buFont typeface="Cabin"/>
             </a:pPr>
             <a:r>
-              <a:rPr lang="en-US" sz="3600" b="0" i="0" u="none" strike="noStrike" cap="none">
+              <a:rPr lang="en-US" sz="3600" u="none" strike="noStrike" cap="none">
                 <a:solidFill>
                   <a:schemeClr val="lt1"/>
                 </a:solidFill>
-                <a:latin typeface="Cabin"/>
-                <a:ea typeface="Cabin"/>
-                <a:cs typeface="Cabin"/>
+                <a:latin typeface="Arial" charset="0"/>
+                <a:ea typeface="Arial" charset="0"/>
+                <a:cs typeface="Arial" charset="0"/>
                 <a:sym typeface="Cabin"/>
               </a:rPr>
               <a:t>You can make an </a:t>
             </a:r>
             <a:r>
-              <a:rPr lang="en-US" sz="3600" b="0" i="0" u="none" strike="noStrike" cap="none">
+              <a:rPr lang="en-US" sz="3600" u="none" strike="noStrike" cap="none">
                 <a:solidFill>
                   <a:srgbClr val="FF7F00"/>
                 </a:solidFill>
-                <a:latin typeface="Cabin"/>
-                <a:ea typeface="Cabin"/>
-                <a:cs typeface="Cabin"/>
+                <a:latin typeface="Arial" charset="0"/>
+                <a:ea typeface="Arial" charset="0"/>
+                <a:cs typeface="Arial" charset="0"/>
                 <a:sym typeface="Cabin"/>
               </a:rPr>
               <a:t>empty dictionary</a:t>
             </a:r>
             <a:r>
-              <a:rPr lang="en-US" sz="3600" b="0" i="0" u="none" strike="noStrike" cap="none">
+              <a:rPr lang="en-US" sz="3600" u="none" strike="noStrike" cap="none">
                 <a:solidFill>
                   <a:schemeClr val="lt1"/>
                 </a:solidFill>
-                <a:latin typeface="Cabin"/>
-                <a:ea typeface="Cabin"/>
-                <a:cs typeface="Cabin"/>
+                <a:latin typeface="Arial" charset="0"/>
+                <a:ea typeface="Arial" charset="0"/>
+                <a:cs typeface="Arial" charset="0"/>
                 <a:sym typeface="Cabin"/>
               </a:rPr>
               <a:t> using empty curly braces</a:t>
@@ -23025,13 +23025,13 @@
               <a:buNone/>
             </a:pPr>
             <a:r>
-              <a:rPr lang="en-US" sz="7600" b="0" i="0" u="none" strike="noStrike" cap="none">
+              <a:rPr lang="en-US" sz="7600" u="none" strike="noStrike" cap="none">
                 <a:solidFill>
                   <a:srgbClr val="FFFF00"/>
                 </a:solidFill>
-                <a:latin typeface="Cabin"/>
-                <a:ea typeface="Cabin"/>
-                <a:cs typeface="Cabin"/>
+                <a:latin typeface="Arial" charset="0"/>
+                <a:ea typeface="Arial" charset="0"/>
+                <a:cs typeface="Arial" charset="0"/>
                 <a:sym typeface="Cabin"/>
               </a:rPr>
               <a:t>Most Common Name?</a:t>
@@ -23082,13 +23082,13 @@
               <a:buNone/>
             </a:pPr>
             <a:r>
-              <a:rPr lang="en-US" sz="6600" b="0" i="0" u="none" strike="noStrike" cap="none">
+              <a:rPr lang="en-US" sz="6600" u="none" strike="noStrike" cap="none">
                 <a:solidFill>
                   <a:srgbClr val="FF00FF"/>
                 </a:solidFill>
-                <a:latin typeface="Cabin"/>
-                <a:ea typeface="Cabin"/>
-                <a:cs typeface="Cabin"/>
+                <a:latin typeface="Arial" charset="0"/>
+                <a:ea typeface="Arial" charset="0"/>
+                <a:cs typeface="Arial" charset="0"/>
                 <a:sym typeface="Cabin"/>
               </a:rPr>
               <a:t>csev</a:t>
@@ -23139,13 +23139,13 @@
               <a:buNone/>
             </a:pPr>
             <a:r>
-              <a:rPr lang="en-US" sz="6600" b="0" i="0" u="none" strike="noStrike" cap="none">
+              <a:rPr lang="en-US" sz="6600" u="none" strike="noStrike" cap="none">
                 <a:solidFill>
                   <a:srgbClr val="FF00FF"/>
                 </a:solidFill>
-                <a:latin typeface="Cabin"/>
-                <a:ea typeface="Cabin"/>
-                <a:cs typeface="Cabin"/>
+                <a:latin typeface="Arial" charset="0"/>
+                <a:ea typeface="Arial" charset="0"/>
+                <a:cs typeface="Arial" charset="0"/>
                 <a:sym typeface="Cabin"/>
               </a:rPr>
               <a:t>zhen</a:t>
@@ -23196,13 +23196,13 @@
               <a:buNone/>
             </a:pPr>
             <a:r>
-              <a:rPr lang="en-US" sz="6600" b="0" i="0" u="none" strike="noStrike" cap="none">
+              <a:rPr lang="en-US" sz="6600" u="none" strike="noStrike" cap="none">
                 <a:solidFill>
                   <a:srgbClr val="FF00FF"/>
                 </a:solidFill>
-                <a:latin typeface="Cabin"/>
-                <a:ea typeface="Cabin"/>
-                <a:cs typeface="Cabin"/>
+                <a:latin typeface="Arial" charset="0"/>
+                <a:ea typeface="Arial" charset="0"/>
+                <a:cs typeface="Arial" charset="0"/>
                 <a:sym typeface="Cabin"/>
               </a:rPr>
               <a:t>zhen</a:t>
@@ -23253,13 +23253,13 @@
               <a:buNone/>
             </a:pPr>
             <a:r>
-              <a:rPr lang="en-US" sz="6600" b="0" i="0" u="none" strike="noStrike" cap="none">
+              <a:rPr lang="en-US" sz="6600" u="none" strike="noStrike" cap="none">
                 <a:solidFill>
                   <a:srgbClr val="FF00FF"/>
                 </a:solidFill>
-                <a:latin typeface="Cabin"/>
-                <a:ea typeface="Cabin"/>
-                <a:cs typeface="Cabin"/>
+                <a:latin typeface="Arial" charset="0"/>
+                <a:ea typeface="Arial" charset="0"/>
+                <a:cs typeface="Arial" charset="0"/>
                 <a:sym typeface="Cabin"/>
               </a:rPr>
               <a:t>marquard</a:t>
@@ -23310,13 +23310,13 @@
               <a:buNone/>
             </a:pPr>
             <a:r>
-              <a:rPr lang="en-US" sz="6600" b="0" i="0" u="none" strike="noStrike" cap="none">
+              <a:rPr lang="en-US" sz="6600" u="none" strike="noStrike" cap="none">
                 <a:solidFill>
                   <a:srgbClr val="FF00FF"/>
                 </a:solidFill>
-                <a:latin typeface="Cabin"/>
-                <a:ea typeface="Cabin"/>
-                <a:cs typeface="Cabin"/>
+                <a:latin typeface="Arial" charset="0"/>
+                <a:ea typeface="Arial" charset="0"/>
+                <a:cs typeface="Arial" charset="0"/>
                 <a:sym typeface="Cabin"/>
               </a:rPr>
               <a:t>zhen</a:t>
@@ -23367,13 +23367,13 @@
               <a:buNone/>
             </a:pPr>
             <a:r>
-              <a:rPr lang="en-US" sz="6600" b="0" i="0" u="none" strike="noStrike" cap="none">
+              <a:rPr lang="en-US" sz="6600" u="none" strike="noStrike" cap="none">
                 <a:solidFill>
                   <a:srgbClr val="FF00FF"/>
                 </a:solidFill>
-                <a:latin typeface="Cabin"/>
-                <a:ea typeface="Cabin"/>
-                <a:cs typeface="Cabin"/>
+                <a:latin typeface="Arial" charset="0"/>
+                <a:ea typeface="Arial" charset="0"/>
+                <a:cs typeface="Arial" charset="0"/>
                 <a:sym typeface="Cabin"/>
               </a:rPr>
               <a:t>cwen</a:t>
@@ -23424,13 +23424,13 @@
               <a:buNone/>
             </a:pPr>
             <a:r>
-              <a:rPr lang="en-US" sz="6600" b="0" i="0" u="none" strike="noStrike" cap="none">
+              <a:rPr lang="en-US" sz="6600" u="none" strike="noStrike" cap="none">
                 <a:solidFill>
                   <a:srgbClr val="FF00FF"/>
                 </a:solidFill>
-                <a:latin typeface="Cabin"/>
-                <a:ea typeface="Cabin"/>
-                <a:cs typeface="Cabin"/>
+                <a:latin typeface="Arial" charset="0"/>
+                <a:ea typeface="Arial" charset="0"/>
+                <a:cs typeface="Arial" charset="0"/>
                 <a:sym typeface="Cabin"/>
               </a:rPr>
               <a:t>csev</a:t>
@@ -23481,13 +23481,13 @@
               <a:buNone/>
             </a:pPr>
             <a:r>
-              <a:rPr lang="en-US" sz="6600" b="0" i="0" u="none" strike="noStrike" cap="none">
+              <a:rPr lang="en-US" sz="6600" u="none" strike="noStrike" cap="none">
                 <a:solidFill>
                   <a:srgbClr val="FF00FF"/>
                 </a:solidFill>
-                <a:latin typeface="Cabin"/>
-                <a:ea typeface="Cabin"/>
-                <a:cs typeface="Cabin"/>
+                <a:latin typeface="Arial" charset="0"/>
+                <a:ea typeface="Arial" charset="0"/>
+                <a:cs typeface="Arial" charset="0"/>
                 <a:sym typeface="Cabin"/>
               </a:rPr>
               <a:t>marquard</a:t>
@@ -23538,13 +23538,13 @@
               <a:buNone/>
             </a:pPr>
             <a:r>
-              <a:rPr lang="en-US" sz="6600" b="0" i="0" u="none" strike="noStrike" cap="none">
+              <a:rPr lang="en-US" sz="6600" u="none" strike="noStrike" cap="none">
                 <a:solidFill>
                   <a:srgbClr val="FF00FF"/>
                 </a:solidFill>
-                <a:latin typeface="Cabin"/>
-                <a:ea typeface="Cabin"/>
-                <a:cs typeface="Cabin"/>
+                <a:latin typeface="Arial" charset="0"/>
+                <a:ea typeface="Arial" charset="0"/>
+                <a:cs typeface="Arial" charset="0"/>
                 <a:sym typeface="Cabin"/>
               </a:rPr>
               <a:t>zhen</a:t>
@@ -23595,13 +23595,13 @@
               <a:buNone/>
             </a:pPr>
             <a:r>
-              <a:rPr lang="en-US" sz="6600" b="0" i="0" u="none" strike="noStrike" cap="none">
+              <a:rPr lang="en-US" sz="6600" u="none" strike="noStrike" cap="none">
                 <a:solidFill>
                   <a:srgbClr val="FF00FF"/>
                 </a:solidFill>
-                <a:latin typeface="Cabin"/>
-                <a:ea typeface="Cabin"/>
-                <a:cs typeface="Cabin"/>
+                <a:latin typeface="Arial" charset="0"/>
+                <a:ea typeface="Arial" charset="0"/>
+                <a:cs typeface="Arial" charset="0"/>
                 <a:sym typeface="Cabin"/>
               </a:rPr>
               <a:t>marquard</a:t>
@@ -23652,13 +23652,13 @@
               <a:buNone/>
             </a:pPr>
             <a:r>
-              <a:rPr lang="en-US" sz="6600" b="0" i="0" u="none" strike="noStrike" cap="none">
+              <a:rPr lang="en-US" sz="6600" u="none" strike="noStrike" cap="none">
                 <a:solidFill>
                   <a:srgbClr val="FF00FF"/>
                 </a:solidFill>
-                <a:latin typeface="Cabin"/>
-                <a:ea typeface="Cabin"/>
-                <a:cs typeface="Cabin"/>
+                <a:latin typeface="Arial" charset="0"/>
+                <a:ea typeface="Arial" charset="0"/>
+                <a:cs typeface="Arial" charset="0"/>
                 <a:sym typeface="Cabin"/>
               </a:rPr>
               <a:t>csev</a:t>
@@ -23709,13 +23709,13 @@
               <a:buNone/>
             </a:pPr>
             <a:r>
-              <a:rPr lang="en-US" sz="6600" b="0" i="0" u="none" strike="noStrike" cap="none">
+              <a:rPr lang="en-US" sz="6600" u="none" strike="noStrike" cap="none">
                 <a:solidFill>
                   <a:srgbClr val="FF00FF"/>
                 </a:solidFill>
-                <a:latin typeface="Cabin"/>
-                <a:ea typeface="Cabin"/>
-                <a:cs typeface="Cabin"/>
+                <a:latin typeface="Arial" charset="0"/>
+                <a:ea typeface="Arial" charset="0"/>
+                <a:cs typeface="Arial" charset="0"/>
                 <a:sym typeface="Cabin"/>
               </a:rPr>
               <a:t>cwen</a:t>
@@ -23766,13 +23766,13 @@
               <a:buNone/>
             </a:pPr>
             <a:r>
-              <a:rPr lang="en-US" sz="6600" b="0" i="0" u="none" strike="noStrike" cap="none">
+              <a:rPr lang="en-US" sz="6600" u="none" strike="noStrike" cap="none">
                 <a:solidFill>
                   <a:srgbClr val="FF00FF"/>
                 </a:solidFill>
-                <a:latin typeface="Cabin"/>
-                <a:ea typeface="Cabin"/>
-                <a:cs typeface="Cabin"/>
+                <a:latin typeface="Arial" charset="0"/>
+                <a:ea typeface="Arial" charset="0"/>
+                <a:cs typeface="Arial" charset="0"/>
                 <a:sym typeface="Cabin"/>
               </a:rPr>
               <a:t>zhen</a:t>
@@ -24991,13 +24991,13 @@
               <a:buNone/>
             </a:pPr>
             <a:r>
-              <a:rPr lang="en-US" sz="7600" b="0" i="0" u="none" strike="noStrike" cap="none">
+              <a:rPr lang="en-US" sz="7600" u="none" strike="noStrike" cap="none">
                 <a:solidFill>
                   <a:srgbClr val="FFFF00"/>
                 </a:solidFill>
-                <a:latin typeface="Cabin"/>
-                <a:ea typeface="Cabin"/>
-                <a:cs typeface="Cabin"/>
+                <a:latin typeface="Arial" charset="0"/>
+                <a:ea typeface="Arial" charset="0"/>
+                <a:cs typeface="Arial" charset="0"/>
                 <a:sym typeface="Cabin"/>
               </a:rPr>
               <a:t>Most Common Name?</a:t>
@@ -25077,13 +25077,13 @@
               <a:buNone/>
             </a:pPr>
             <a:r>
-              <a:rPr lang="en-US" sz="7600" b="0" i="0" u="none" strike="noStrike" cap="none">
+              <a:rPr lang="en-US" sz="7600" u="none" strike="noStrike" cap="none">
                 <a:solidFill>
                   <a:srgbClr val="FFFF00"/>
                 </a:solidFill>
-                <a:latin typeface="Cabin"/>
-                <a:ea typeface="Cabin"/>
-                <a:cs typeface="Cabin"/>
+                <a:latin typeface="Arial" charset="0"/>
+                <a:ea typeface="Arial" charset="0"/>
+                <a:cs typeface="Arial" charset="0"/>
                 <a:sym typeface="Cabin"/>
               </a:rPr>
               <a:t>Most Common Name?</a:t>
@@ -25134,13 +25134,13 @@
               <a:buNone/>
             </a:pPr>
             <a:r>
-              <a:rPr lang="en-US" sz="6600" b="0" i="0" u="none" strike="noStrike" cap="none">
+              <a:rPr lang="en-US" sz="6600" u="none" strike="noStrike" cap="none">
                 <a:solidFill>
                   <a:srgbClr val="FF00FF"/>
                 </a:solidFill>
-                <a:latin typeface="Cabin"/>
-                <a:ea typeface="Cabin"/>
-                <a:cs typeface="Cabin"/>
+                <a:latin typeface="Arial" charset="0"/>
+                <a:ea typeface="Arial" charset="0"/>
+                <a:cs typeface="Arial" charset="0"/>
                 <a:sym typeface="Cabin"/>
               </a:rPr>
               <a:t>csev</a:t>
@@ -25191,13 +25191,13 @@
               <a:buNone/>
             </a:pPr>
             <a:r>
-              <a:rPr lang="en-US" sz="6600" b="0" i="0" u="none" strike="noStrike" cap="none">
+              <a:rPr lang="en-US" sz="6600" u="none" strike="noStrike" cap="none">
                 <a:solidFill>
                   <a:srgbClr val="FF00FF"/>
                 </a:solidFill>
-                <a:latin typeface="Cabin"/>
-                <a:ea typeface="Cabin"/>
-                <a:cs typeface="Cabin"/>
+                <a:latin typeface="Arial" charset="0"/>
+                <a:ea typeface="Arial" charset="0"/>
+                <a:cs typeface="Arial" charset="0"/>
                 <a:sym typeface="Cabin"/>
               </a:rPr>
               <a:t>zhen</a:t>
@@ -25248,13 +25248,13 @@
               <a:buNone/>
             </a:pPr>
             <a:r>
-              <a:rPr lang="en-US" sz="6600" b="0" i="0" u="none" strike="noStrike" cap="none">
+              <a:rPr lang="en-US" sz="6600" u="none" strike="noStrike" cap="none">
                 <a:solidFill>
                   <a:srgbClr val="FF00FF"/>
                 </a:solidFill>
-                <a:latin typeface="Cabin"/>
-                <a:ea typeface="Cabin"/>
-                <a:cs typeface="Cabin"/>
+                <a:latin typeface="Arial" charset="0"/>
+                <a:ea typeface="Arial" charset="0"/>
+                <a:cs typeface="Arial" charset="0"/>
                 <a:sym typeface="Cabin"/>
               </a:rPr>
               <a:t>zhen</a:t>
@@ -25305,13 +25305,13 @@
               <a:buNone/>
             </a:pPr>
             <a:r>
-              <a:rPr lang="en-US" sz="6600" b="0" i="0" u="none" strike="noStrike" cap="none">
+              <a:rPr lang="en-US" sz="6600" u="none" strike="noStrike" cap="none">
                 <a:solidFill>
                   <a:srgbClr val="FF00FF"/>
                 </a:solidFill>
-                <a:latin typeface="Cabin"/>
-                <a:ea typeface="Cabin"/>
-                <a:cs typeface="Cabin"/>
+                <a:latin typeface="Arial" charset="0"/>
+                <a:ea typeface="Arial" charset="0"/>
+                <a:cs typeface="Arial" charset="0"/>
                 <a:sym typeface="Cabin"/>
               </a:rPr>
               <a:t>marquard</a:t>
@@ -25362,13 +25362,13 @@
               <a:buNone/>
             </a:pPr>
             <a:r>
-              <a:rPr lang="en-US" sz="6600" b="0" i="0" u="none" strike="noStrike" cap="none">
+              <a:rPr lang="en-US" sz="6600" u="none" strike="noStrike" cap="none">
                 <a:solidFill>
                   <a:srgbClr val="FF00FF"/>
                 </a:solidFill>
-                <a:latin typeface="Cabin"/>
-                <a:ea typeface="Cabin"/>
-                <a:cs typeface="Cabin"/>
+                <a:latin typeface="Arial" charset="0"/>
+                <a:ea typeface="Arial" charset="0"/>
+                <a:cs typeface="Arial" charset="0"/>
                 <a:sym typeface="Cabin"/>
               </a:rPr>
               <a:t>zhen</a:t>
@@ -25419,13 +25419,13 @@
               <a:buNone/>
             </a:pPr>
             <a:r>
-              <a:rPr lang="en-US" sz="6600" b="0" i="0" u="none" strike="noStrike" cap="none">
+              <a:rPr lang="en-US" sz="6600" u="none" strike="noStrike" cap="none">
                 <a:solidFill>
                   <a:srgbClr val="FF00FF"/>
                 </a:solidFill>
-                <a:latin typeface="Cabin"/>
-                <a:ea typeface="Cabin"/>
-                <a:cs typeface="Cabin"/>
+                <a:latin typeface="Arial" charset="0"/>
+                <a:ea typeface="Arial" charset="0"/>
+                <a:cs typeface="Arial" charset="0"/>
                 <a:sym typeface="Cabin"/>
               </a:rPr>
               <a:t>cwen</a:t>
@@ -25476,13 +25476,13 @@
               <a:buNone/>
             </a:pPr>
             <a:r>
-              <a:rPr lang="en-US" sz="6600" b="0" i="0" u="none" strike="noStrike" cap="none">
+              <a:rPr lang="en-US" sz="6600" u="none" strike="noStrike" cap="none">
                 <a:solidFill>
                   <a:srgbClr val="FF00FF"/>
                 </a:solidFill>
-                <a:latin typeface="Cabin"/>
-                <a:ea typeface="Cabin"/>
-                <a:cs typeface="Cabin"/>
+                <a:latin typeface="Arial" charset="0"/>
+                <a:ea typeface="Arial" charset="0"/>
+                <a:cs typeface="Arial" charset="0"/>
                 <a:sym typeface="Cabin"/>
               </a:rPr>
               <a:t>csev</a:t>
@@ -25533,13 +25533,13 @@
               <a:buNone/>
             </a:pPr>
             <a:r>
-              <a:rPr lang="en-US" sz="6600" b="0" i="0" u="none" strike="noStrike" cap="none">
+              <a:rPr lang="en-US" sz="6600" u="none" strike="noStrike" cap="none">
                 <a:solidFill>
                   <a:srgbClr val="FF00FF"/>
                 </a:solidFill>
-                <a:latin typeface="Cabin"/>
-                <a:ea typeface="Cabin"/>
-                <a:cs typeface="Cabin"/>
+                <a:latin typeface="Arial" charset="0"/>
+                <a:ea typeface="Arial" charset="0"/>
+                <a:cs typeface="Arial" charset="0"/>
                 <a:sym typeface="Cabin"/>
               </a:rPr>
               <a:t>marquard</a:t>
@@ -25590,13 +25590,13 @@
               <a:buNone/>
             </a:pPr>
             <a:r>
-              <a:rPr lang="en-US" sz="6600" b="0" i="0" u="none" strike="noStrike" cap="none">
+              <a:rPr lang="en-US" sz="6600" u="none" strike="noStrike" cap="none">
                 <a:solidFill>
                   <a:srgbClr val="FF00FF"/>
                 </a:solidFill>
-                <a:latin typeface="Cabin"/>
-                <a:ea typeface="Cabin"/>
-                <a:cs typeface="Cabin"/>
+                <a:latin typeface="Arial" charset="0"/>
+                <a:ea typeface="Arial" charset="0"/>
+                <a:cs typeface="Arial" charset="0"/>
                 <a:sym typeface="Cabin"/>
               </a:rPr>
               <a:t>zhen</a:t>
@@ -25647,13 +25647,13 @@
               <a:buNone/>
             </a:pPr>
             <a:r>
-              <a:rPr lang="en-US" sz="6600" b="0" i="0" u="none" strike="noStrike" cap="none">
+              <a:rPr lang="en-US" sz="6600" u="none" strike="noStrike" cap="none">
                 <a:solidFill>
                   <a:srgbClr val="FF00FF"/>
                 </a:solidFill>
-                <a:latin typeface="Cabin"/>
-                <a:ea typeface="Cabin"/>
-                <a:cs typeface="Cabin"/>
+                <a:latin typeface="Arial" charset="0"/>
+                <a:ea typeface="Arial" charset="0"/>
+                <a:cs typeface="Arial" charset="0"/>
                 <a:sym typeface="Cabin"/>
               </a:rPr>
               <a:t>marquard</a:t>
@@ -25704,13 +25704,13 @@
               <a:buNone/>
             </a:pPr>
             <a:r>
-              <a:rPr lang="en-US" sz="6600" b="0" i="0" u="none" strike="noStrike" cap="none">
+              <a:rPr lang="en-US" sz="6600" u="none" strike="noStrike" cap="none">
                 <a:solidFill>
                   <a:srgbClr val="FF00FF"/>
                 </a:solidFill>
-                <a:latin typeface="Cabin"/>
-                <a:ea typeface="Cabin"/>
-                <a:cs typeface="Cabin"/>
+                <a:latin typeface="Arial" charset="0"/>
+                <a:ea typeface="Arial" charset="0"/>
+                <a:cs typeface="Arial" charset="0"/>
                 <a:sym typeface="Cabin"/>
               </a:rPr>
               <a:t>csev</a:t>
@@ -25761,13 +25761,13 @@
               <a:buNone/>
             </a:pPr>
             <a:r>
-              <a:rPr lang="en-US" sz="6600" b="0" i="0" u="none" strike="noStrike" cap="none">
+              <a:rPr lang="en-US" sz="6600" u="none" strike="noStrike" cap="none">
                 <a:solidFill>
                   <a:srgbClr val="FF00FF"/>
                 </a:solidFill>
-                <a:latin typeface="Cabin"/>
-                <a:ea typeface="Cabin"/>
-                <a:cs typeface="Cabin"/>
+                <a:latin typeface="Arial" charset="0"/>
+                <a:ea typeface="Arial" charset="0"/>
+                <a:cs typeface="Arial" charset="0"/>
                 <a:sym typeface="Cabin"/>
               </a:rPr>
               <a:t>cwen</a:t>
@@ -25818,13 +25818,13 @@
               <a:buNone/>
             </a:pPr>
             <a:r>
-              <a:rPr lang="en-US" sz="6600" b="0" i="0" u="none" strike="noStrike" cap="none">
+              <a:rPr lang="en-US" sz="6600" u="none" strike="noStrike" cap="none">
                 <a:solidFill>
                   <a:srgbClr val="FF00FF"/>
                 </a:solidFill>
-                <a:latin typeface="Cabin"/>
-                <a:ea typeface="Cabin"/>
-                <a:cs typeface="Cabin"/>
+                <a:latin typeface="Arial" charset="0"/>
+                <a:ea typeface="Arial" charset="0"/>
+                <a:cs typeface="Arial" charset="0"/>
                 <a:sym typeface="Cabin"/>
               </a:rPr>
               <a:t>zhen</a:t>
@@ -25904,13 +25904,13 @@
               <a:buNone/>
             </a:pPr>
             <a:r>
-              <a:rPr lang="en-US" sz="7600" b="0" i="0" u="none" strike="noStrike" cap="none">
+              <a:rPr lang="en-US" sz="7600" u="none" strike="noStrike" cap="none">
                 <a:solidFill>
                   <a:srgbClr val="FFFF00"/>
                 </a:solidFill>
-                <a:latin typeface="Cabin"/>
-                <a:ea typeface="Cabin"/>
-                <a:cs typeface="Cabin"/>
+                <a:latin typeface="Arial" charset="0"/>
+                <a:ea typeface="Arial" charset="0"/>
+                <a:cs typeface="Arial" charset="0"/>
                 <a:sym typeface="Cabin"/>
               </a:rPr>
               <a:t>Most Common Name?</a:t>
@@ -25961,13 +25961,13 @@
               <a:buNone/>
             </a:pPr>
             <a:r>
-              <a:rPr lang="en-US" sz="6600" b="0" i="0" u="none" strike="noStrike" cap="none">
+              <a:rPr lang="en-US" sz="6600" u="none" strike="noStrike" cap="none">
                 <a:solidFill>
                   <a:srgbClr val="FF00FF"/>
                 </a:solidFill>
-                <a:latin typeface="Cabin"/>
-                <a:ea typeface="Cabin"/>
-                <a:cs typeface="Cabin"/>
+                <a:latin typeface="Arial" charset="0"/>
+                <a:ea typeface="Arial" charset="0"/>
+                <a:cs typeface="Arial" charset="0"/>
                 <a:sym typeface="Cabin"/>
               </a:rPr>
               <a:t>csev</a:t>
@@ -26018,13 +26018,13 @@
               <a:buNone/>
             </a:pPr>
             <a:r>
-              <a:rPr lang="en-US" sz="6600" b="0" i="0" u="none" strike="noStrike" cap="none">
+              <a:rPr lang="en-US" sz="6600" u="none" strike="noStrike" cap="none">
                 <a:solidFill>
                   <a:srgbClr val="FF00FF"/>
                 </a:solidFill>
-                <a:latin typeface="Cabin"/>
-                <a:ea typeface="Cabin"/>
-                <a:cs typeface="Cabin"/>
+                <a:latin typeface="Arial" charset="0"/>
+                <a:ea typeface="Arial" charset="0"/>
+                <a:cs typeface="Arial" charset="0"/>
                 <a:sym typeface="Cabin"/>
               </a:rPr>
               <a:t>zhen</a:t>
@@ -26075,13 +26075,13 @@
               <a:buNone/>
             </a:pPr>
             <a:r>
-              <a:rPr lang="en-US" sz="6600" b="0" i="0" u="none" strike="noStrike" cap="none">
+              <a:rPr lang="en-US" sz="6600" u="none" strike="noStrike" cap="none">
                 <a:solidFill>
                   <a:srgbClr val="FF00FF"/>
                 </a:solidFill>
-                <a:latin typeface="Cabin"/>
-                <a:ea typeface="Cabin"/>
-                <a:cs typeface="Cabin"/>
+                <a:latin typeface="Arial" charset="0"/>
+                <a:ea typeface="Arial" charset="0"/>
+                <a:cs typeface="Arial" charset="0"/>
                 <a:sym typeface="Cabin"/>
               </a:rPr>
               <a:t>zhen</a:t>
@@ -26132,13 +26132,13 @@
               <a:buNone/>
             </a:pPr>
             <a:r>
-              <a:rPr lang="en-US" sz="6600" b="0" i="0" u="none" strike="noStrike" cap="none">
+              <a:rPr lang="en-US" sz="6600" u="none" strike="noStrike" cap="none">
                 <a:solidFill>
                   <a:srgbClr val="FF00FF"/>
                 </a:solidFill>
-                <a:latin typeface="Cabin"/>
-                <a:ea typeface="Cabin"/>
-                <a:cs typeface="Cabin"/>
+                <a:latin typeface="Arial" charset="0"/>
+                <a:ea typeface="Arial" charset="0"/>
+                <a:cs typeface="Arial" charset="0"/>
                 <a:sym typeface="Cabin"/>
               </a:rPr>
               <a:t>marquard</a:t>
@@ -26189,13 +26189,13 @@
               <a:buNone/>
             </a:pPr>
             <a:r>
-              <a:rPr lang="en-US" sz="6600" b="0" i="0" u="none" strike="noStrike" cap="none">
+              <a:rPr lang="en-US" sz="6600" u="none" strike="noStrike" cap="none">
                 <a:solidFill>
                   <a:srgbClr val="FF00FF"/>
                 </a:solidFill>
-                <a:latin typeface="Cabin"/>
-                <a:ea typeface="Cabin"/>
-                <a:cs typeface="Cabin"/>
+                <a:latin typeface="Arial" charset="0"/>
+                <a:ea typeface="Arial" charset="0"/>
+                <a:cs typeface="Arial" charset="0"/>
                 <a:sym typeface="Cabin"/>
               </a:rPr>
               <a:t>zhen</a:t>
@@ -26246,13 +26246,13 @@
               <a:buNone/>
             </a:pPr>
             <a:r>
-              <a:rPr lang="en-US" sz="6600" b="0" i="0" u="none" strike="noStrike" cap="none">
+              <a:rPr lang="en-US" sz="6600" u="none" strike="noStrike" cap="none">
                 <a:solidFill>
                   <a:srgbClr val="FF00FF"/>
                 </a:solidFill>
-                <a:latin typeface="Cabin"/>
-                <a:ea typeface="Cabin"/>
-                <a:cs typeface="Cabin"/>
+                <a:latin typeface="Arial" charset="0"/>
+                <a:ea typeface="Arial" charset="0"/>
+                <a:cs typeface="Arial" charset="0"/>
                 <a:sym typeface="Cabin"/>
               </a:rPr>
               <a:t>cwen</a:t>
@@ -26303,13 +26303,13 @@
               <a:buNone/>
             </a:pPr>
             <a:r>
-              <a:rPr lang="en-US" sz="6600" b="0" i="0" u="none" strike="noStrike" cap="none">
+              <a:rPr lang="en-US" sz="6600" u="none" strike="noStrike" cap="none">
                 <a:solidFill>
                   <a:srgbClr val="FF00FF"/>
                 </a:solidFill>
-                <a:latin typeface="Cabin"/>
-                <a:ea typeface="Cabin"/>
-                <a:cs typeface="Cabin"/>
+                <a:latin typeface="Arial" charset="0"/>
+                <a:ea typeface="Arial" charset="0"/>
+                <a:cs typeface="Arial" charset="0"/>
                 <a:sym typeface="Cabin"/>
               </a:rPr>
               <a:t>csev</a:t>
@@ -26360,13 +26360,13 @@
               <a:buNone/>
             </a:pPr>
             <a:r>
-              <a:rPr lang="en-US" sz="6600" b="0" i="0" u="none" strike="noStrike" cap="none">
+              <a:rPr lang="en-US" sz="6600" u="none" strike="noStrike" cap="none">
                 <a:solidFill>
                   <a:srgbClr val="FF00FF"/>
                 </a:solidFill>
-                <a:latin typeface="Cabin"/>
-                <a:ea typeface="Cabin"/>
-                <a:cs typeface="Cabin"/>
+                <a:latin typeface="Arial" charset="0"/>
+                <a:ea typeface="Arial" charset="0"/>
+                <a:cs typeface="Arial" charset="0"/>
                 <a:sym typeface="Cabin"/>
               </a:rPr>
               <a:t>marquard</a:t>
@@ -26417,13 +26417,13 @@
               <a:buNone/>
             </a:pPr>
             <a:r>
-              <a:rPr lang="en-US" sz="6600" b="0" i="0" u="none" strike="noStrike" cap="none">
+              <a:rPr lang="en-US" sz="6600" u="none" strike="noStrike" cap="none">
                 <a:solidFill>
                   <a:srgbClr val="FF00FF"/>
                 </a:solidFill>
-                <a:latin typeface="Cabin"/>
-                <a:ea typeface="Cabin"/>
-                <a:cs typeface="Cabin"/>
+                <a:latin typeface="Arial" charset="0"/>
+                <a:ea typeface="Arial" charset="0"/>
+                <a:cs typeface="Arial" charset="0"/>
                 <a:sym typeface="Cabin"/>
               </a:rPr>
               <a:t>zhen</a:t>
@@ -26474,13 +26474,13 @@
               <a:buNone/>
             </a:pPr>
             <a:r>
-              <a:rPr lang="en-US" sz="6600" b="0" i="0" u="none" strike="noStrike" cap="none">
+              <a:rPr lang="en-US" sz="6600" u="none" strike="noStrike" cap="none">
                 <a:solidFill>
                   <a:srgbClr val="FF00FF"/>
                 </a:solidFill>
-                <a:latin typeface="Cabin"/>
-                <a:ea typeface="Cabin"/>
-                <a:cs typeface="Cabin"/>
+                <a:latin typeface="Arial" charset="0"/>
+                <a:ea typeface="Arial" charset="0"/>
+                <a:cs typeface="Arial" charset="0"/>
                 <a:sym typeface="Cabin"/>
               </a:rPr>
               <a:t>marquard</a:t>
@@ -26531,13 +26531,13 @@
               <a:buNone/>
             </a:pPr>
             <a:r>
-              <a:rPr lang="en-US" sz="6600" b="0" i="0" u="none" strike="noStrike" cap="none">
+              <a:rPr lang="en-US" sz="6600" u="none" strike="noStrike" cap="none">
                 <a:solidFill>
                   <a:srgbClr val="FF00FF"/>
                 </a:solidFill>
-                <a:latin typeface="Cabin"/>
-                <a:ea typeface="Cabin"/>
-                <a:cs typeface="Cabin"/>
+                <a:latin typeface="Arial" charset="0"/>
+                <a:ea typeface="Arial" charset="0"/>
+                <a:cs typeface="Arial" charset="0"/>
                 <a:sym typeface="Cabin"/>
               </a:rPr>
               <a:t>csev</a:t>
@@ -26588,13 +26588,13 @@
               <a:buNone/>
             </a:pPr>
             <a:r>
-              <a:rPr lang="en-US" sz="6600" b="0" i="0" u="none" strike="noStrike" cap="none">
+              <a:rPr lang="en-US" sz="6600" u="none" strike="noStrike" cap="none">
                 <a:solidFill>
                   <a:srgbClr val="FF00FF"/>
                 </a:solidFill>
-                <a:latin typeface="Cabin"/>
-                <a:ea typeface="Cabin"/>
-                <a:cs typeface="Cabin"/>
+                <a:latin typeface="Arial" charset="0"/>
+                <a:ea typeface="Arial" charset="0"/>
+                <a:cs typeface="Arial" charset="0"/>
                 <a:sym typeface="Cabin"/>
               </a:rPr>
               <a:t>cwen</a:t>
@@ -26645,13 +26645,13 @@
               <a:buNone/>
             </a:pPr>
             <a:r>
-              <a:rPr lang="en-US" sz="6600" b="0" i="0" u="none" strike="noStrike" cap="none">
+              <a:rPr lang="en-US" sz="6600" u="none" strike="noStrike" cap="none">
                 <a:solidFill>
                   <a:srgbClr val="FF00FF"/>
                 </a:solidFill>
-                <a:latin typeface="Cabin"/>
-                <a:ea typeface="Cabin"/>
-                <a:cs typeface="Cabin"/>
+                <a:latin typeface="Arial" charset="0"/>
+                <a:ea typeface="Arial" charset="0"/>
+                <a:cs typeface="Arial" charset="0"/>
                 <a:sym typeface="Cabin"/>
               </a:rPr>
               <a:t>zhen</a:t>
@@ -26758,13 +26758,13 @@
               <a:buNone/>
             </a:pPr>
             <a:r>
-              <a:rPr lang="en-US" sz="7600" b="0" i="0" u="none" strike="noStrike" cap="none">
+              <a:rPr lang="en-US" sz="7600" u="none" strike="noStrike" cap="none">
                 <a:solidFill>
                   <a:srgbClr val="FFFF00"/>
                 </a:solidFill>
-                <a:latin typeface="Cabin"/>
-                <a:ea typeface="Cabin"/>
-                <a:cs typeface="Cabin"/>
+                <a:latin typeface="Arial" charset="0"/>
+                <a:ea typeface="Arial" charset="0"/>
+                <a:cs typeface="Arial" charset="0"/>
                 <a:sym typeface="Cabin"/>
               </a:rPr>
               <a:t>Many Counters with a Dictionary</a:t>
@@ -26819,37 +26819,37 @@
               <a:buChar char="•"/>
             </a:pPr>
             <a:r>
-              <a:rPr lang="en-US" sz="3600" b="0" i="0" u="none" strike="noStrike" cap="none">
+              <a:rPr lang="en-US" sz="3600" u="none" strike="noStrike" cap="none">
                 <a:solidFill>
                   <a:schemeClr val="lt1"/>
                 </a:solidFill>
-                <a:latin typeface="Cabin"/>
-                <a:ea typeface="Cabin"/>
-                <a:cs typeface="Cabin"/>
+                <a:latin typeface="Arial" charset="0"/>
+                <a:ea typeface="Arial" charset="0"/>
+                <a:cs typeface="Arial" charset="0"/>
                 <a:sym typeface="Cabin"/>
               </a:rPr>
               <a:t>One common use of dictionary is </a:t>
             </a:r>
             <a:r>
-              <a:rPr lang="en-US" sz="3600" b="0" i="0" u="none" strike="noStrike" cap="none">
+              <a:rPr lang="en-US" sz="3600" u="none" strike="noStrike" cap="none">
                 <a:solidFill>
                   <a:srgbClr val="FFFF00"/>
                 </a:solidFill>
-                <a:latin typeface="Cabin"/>
-                <a:ea typeface="Cabin"/>
-                <a:cs typeface="Cabin"/>
+                <a:latin typeface="Arial" charset="0"/>
+                <a:ea typeface="Arial" charset="0"/>
+                <a:cs typeface="Arial" charset="0"/>
                 <a:sym typeface="Cabin"/>
               </a:rPr>
               <a:t>counting</a:t>
             </a:r>
             <a:r>
-              <a:rPr lang="en-US" sz="3600" b="0" i="0" u="none" strike="noStrike" cap="none">
+              <a:rPr lang="en-US" sz="3600" u="none" strike="noStrike" cap="none">
                 <a:solidFill>
                   <a:schemeClr val="lt1"/>
                 </a:solidFill>
-                <a:latin typeface="Cabin"/>
-                <a:ea typeface="Cabin"/>
-                <a:cs typeface="Cabin"/>
+                <a:latin typeface="Arial" charset="0"/>
+                <a:ea typeface="Arial" charset="0"/>
+                <a:cs typeface="Arial" charset="0"/>
                 <a:sym typeface="Cabin"/>
               </a:rPr>
               <a:t> how often we </a:t>
@@ -26867,13 +26867,13 @@
               <a:t>“</a:t>
             </a:r>
             <a:r>
-              <a:rPr lang="en-US" sz="3600" b="0" i="0" u="none" strike="noStrike" cap="none">
+              <a:rPr lang="en-US" sz="3600" u="none" strike="noStrike" cap="none">
                 <a:solidFill>
                   <a:schemeClr val="lt1"/>
                 </a:solidFill>
-                <a:latin typeface="Cabin"/>
-                <a:ea typeface="Cabin"/>
-                <a:cs typeface="Cabin"/>
+                <a:latin typeface="Arial" charset="0"/>
+                <a:ea typeface="Arial" charset="0"/>
+                <a:cs typeface="Arial" charset="0"/>
                 <a:sym typeface="Cabin"/>
               </a:rPr>
               <a:t>see</a:t>
@@ -26891,13 +26891,13 @@
               <a:t>”</a:t>
             </a:r>
             <a:r>
-              <a:rPr lang="en-US" sz="3600" b="0" i="0" u="none" strike="noStrike" cap="none">
+              <a:rPr lang="en-US" sz="3600" u="none" strike="noStrike" cap="none">
                 <a:solidFill>
                   <a:schemeClr val="lt1"/>
                 </a:solidFill>
-                <a:latin typeface="Cabin"/>
-                <a:ea typeface="Cabin"/>
-                <a:cs typeface="Cabin"/>
+                <a:latin typeface="Arial" charset="0"/>
+                <a:ea typeface="Arial" charset="0"/>
+                <a:cs typeface="Arial" charset="0"/>
                 <a:sym typeface="Cabin"/>
               </a:rPr>
               <a:t> something</a:t>
@@ -26975,13 +26975,13 @@
               <a:buNone/>
             </a:pPr>
             <a:r>
-              <a:rPr lang="en-US" sz="3600" b="0" i="0" u="none" strike="noStrike" cap="none">
+              <a:rPr lang="en-US" sz="3600" u="none" strike="noStrike" cap="none">
                 <a:solidFill>
                   <a:srgbClr val="FF7F00"/>
                 </a:solidFill>
-                <a:latin typeface="Cabin"/>
-                <a:ea typeface="Cabin"/>
-                <a:cs typeface="Cabin"/>
+                <a:latin typeface="Arial" charset="0"/>
+                <a:ea typeface="Arial" charset="0"/>
+                <a:cs typeface="Arial" charset="0"/>
                 <a:sym typeface="Cabin"/>
               </a:rPr>
               <a:t>Key</a:t>
@@ -27032,13 +27032,13 @@
               <a:buNone/>
             </a:pPr>
             <a:r>
-              <a:rPr lang="en-US" sz="3600" b="0" i="0" u="none" strike="noStrike" cap="none">
+              <a:rPr lang="en-US" sz="3600" u="none" strike="noStrike" cap="none">
                 <a:solidFill>
                   <a:srgbClr val="FF00FF"/>
                 </a:solidFill>
-                <a:latin typeface="Cabin"/>
-                <a:ea typeface="Cabin"/>
-                <a:cs typeface="Cabin"/>
+                <a:latin typeface="Arial" charset="0"/>
+                <a:ea typeface="Arial" charset="0"/>
+                <a:cs typeface="Arial" charset="0"/>
                 <a:sym typeface="Cabin"/>
               </a:rPr>
               <a:t>Value</a:t>
@@ -27920,13 +27920,13 @@
               <a:buNone/>
             </a:pPr>
             <a:r>
-              <a:rPr lang="en-US" sz="7600" b="0" i="0" u="none" strike="noStrike" cap="none">
+              <a:rPr lang="en-US" sz="7600" u="none" strike="noStrike" cap="none">
                 <a:solidFill>
                   <a:srgbClr val="FFFF00"/>
                 </a:solidFill>
-                <a:latin typeface="Cabin"/>
-                <a:ea typeface="Cabin"/>
-                <a:cs typeface="Cabin"/>
+                <a:latin typeface="Arial" charset="0"/>
+                <a:ea typeface="Arial" charset="0"/>
+                <a:cs typeface="Arial" charset="0"/>
                 <a:sym typeface="Cabin"/>
               </a:rPr>
               <a:t>Dictionary Tracebacks</a:t>
@@ -27981,37 +27981,37 @@
               <a:buChar char="•"/>
             </a:pPr>
             <a:r>
-              <a:rPr lang="en-US" sz="3600" b="0" i="0" u="none" strike="noStrike" cap="none">
+              <a:rPr lang="en-US" sz="3600" u="none" strike="noStrike" cap="none">
                 <a:solidFill>
                   <a:schemeClr val="lt1"/>
                 </a:solidFill>
-                <a:latin typeface="Cabin"/>
-                <a:ea typeface="Cabin"/>
-                <a:cs typeface="Cabin"/>
+                <a:latin typeface="Arial" charset="0"/>
+                <a:ea typeface="Arial" charset="0"/>
+                <a:cs typeface="Arial" charset="0"/>
                 <a:sym typeface="Cabin"/>
               </a:rPr>
               <a:t>It is an </a:t>
             </a:r>
             <a:r>
-              <a:rPr lang="en-US" sz="3600" b="0" i="0" u="none" strike="noStrike" cap="none">
+              <a:rPr lang="en-US" sz="3600" u="none" strike="noStrike" cap="none">
                 <a:solidFill>
                   <a:srgbClr val="FF66FF"/>
                 </a:solidFill>
-                <a:latin typeface="Cabin"/>
-                <a:ea typeface="Cabin"/>
-                <a:cs typeface="Cabin"/>
+                <a:latin typeface="Arial" charset="0"/>
+                <a:ea typeface="Arial" charset="0"/>
+                <a:cs typeface="Arial" charset="0"/>
                 <a:sym typeface="Cabin"/>
               </a:rPr>
               <a:t>error</a:t>
             </a:r>
             <a:r>
-              <a:rPr lang="en-US" sz="3600" b="0" i="0" u="none" strike="noStrike" cap="none">
+              <a:rPr lang="en-US" sz="3600" u="none" strike="noStrike" cap="none">
                 <a:solidFill>
                   <a:schemeClr val="lt1"/>
                 </a:solidFill>
-                <a:latin typeface="Cabin"/>
-                <a:ea typeface="Cabin"/>
-                <a:cs typeface="Cabin"/>
+                <a:latin typeface="Arial" charset="0"/>
+                <a:ea typeface="Arial" charset="0"/>
+                <a:cs typeface="Arial" charset="0"/>
                 <a:sym typeface="Cabin"/>
               </a:rPr>
               <a:t> to reference a key which is not in the dictionary</a:t>
@@ -28036,37 +28036,37 @@
               <a:buChar char="•"/>
             </a:pPr>
             <a:r>
-              <a:rPr lang="en-US" sz="3600" b="0" i="0" u="none" strike="noStrike" cap="none">
+              <a:rPr lang="en-US" sz="3600" u="none" strike="noStrike" cap="none">
                 <a:solidFill>
                   <a:schemeClr val="lt1"/>
                 </a:solidFill>
-                <a:latin typeface="Cabin"/>
-                <a:ea typeface="Cabin"/>
-                <a:cs typeface="Cabin"/>
+                <a:latin typeface="Arial" charset="0"/>
+                <a:ea typeface="Arial" charset="0"/>
+                <a:cs typeface="Arial" charset="0"/>
                 <a:sym typeface="Cabin"/>
               </a:rPr>
               <a:t>We can use the </a:t>
             </a:r>
             <a:r>
-              <a:rPr lang="en-US" sz="3600" b="0" i="0" u="none" strike="noStrike" cap="none">
+              <a:rPr lang="en-US" sz="3600" u="none" strike="noStrike" cap="none">
                 <a:solidFill>
                   <a:srgbClr val="00FF00"/>
                 </a:solidFill>
-                <a:latin typeface="Cabin"/>
-                <a:ea typeface="Cabin"/>
-                <a:cs typeface="Cabin"/>
+                <a:latin typeface="Arial" charset="0"/>
+                <a:ea typeface="Arial" charset="0"/>
+                <a:cs typeface="Arial" charset="0"/>
                 <a:sym typeface="Cabin"/>
               </a:rPr>
               <a:t>in</a:t>
             </a:r>
             <a:r>
-              <a:rPr lang="en-US" sz="3600" b="0" i="0" u="none" strike="noStrike" cap="none">
+              <a:rPr lang="en-US" sz="3600" u="none" strike="noStrike" cap="none">
                 <a:solidFill>
                   <a:schemeClr val="lt1"/>
                 </a:solidFill>
-                <a:latin typeface="Cabin"/>
-                <a:ea typeface="Cabin"/>
-                <a:cs typeface="Cabin"/>
+                <a:latin typeface="Arial" charset="0"/>
+                <a:ea typeface="Arial" charset="0"/>
+                <a:cs typeface="Arial" charset="0"/>
                 <a:sym typeface="Cabin"/>
               </a:rPr>
               <a:t> operator to see if a key is in the dictionary</a:t>
@@ -28497,13 +28497,13 @@
               <a:buNone/>
             </a:pPr>
             <a:r>
-              <a:rPr lang="en-US" sz="7600" b="0" i="0" u="none" strike="noStrike" cap="none">
+              <a:rPr lang="en-US" sz="7600" u="none" strike="noStrike" cap="none">
                 <a:solidFill>
                   <a:srgbClr val="FFFF00"/>
                 </a:solidFill>
-                <a:latin typeface="Cabin"/>
-                <a:ea typeface="Cabin"/>
-                <a:cs typeface="Cabin"/>
+                <a:latin typeface="Arial" charset="0"/>
+                <a:ea typeface="Arial" charset="0"/>
+                <a:cs typeface="Arial" charset="0"/>
                 <a:sym typeface="Cabin"/>
               </a:rPr>
               <a:t>When we see a new name</a:t>
@@ -28554,97 +28554,97 @@
               <a:buFont typeface="Cabin"/>
             </a:pPr>
             <a:r>
-              <a:rPr lang="en-US" sz="3600" b="0" i="0" u="none" strike="noStrike" cap="none">
+              <a:rPr lang="en-US" sz="3600" u="none" strike="noStrike" cap="none">
                 <a:solidFill>
                   <a:schemeClr val="lt1"/>
                 </a:solidFill>
-                <a:latin typeface="Cabin"/>
-                <a:ea typeface="Cabin"/>
-                <a:cs typeface="Cabin"/>
+                <a:latin typeface="Arial" charset="0"/>
+                <a:ea typeface="Arial" charset="0"/>
+                <a:cs typeface="Arial" charset="0"/>
                 <a:sym typeface="Cabin"/>
               </a:rPr>
               <a:t>When we encounter a new name, we need to add a new entry in the </a:t>
             </a:r>
             <a:r>
-              <a:rPr lang="en-US" sz="3600" b="0" i="0" u="none" strike="noStrike" cap="none">
+              <a:rPr lang="en-US" sz="3600" u="none" strike="noStrike" cap="none">
                 <a:solidFill>
                   <a:srgbClr val="FF00FF"/>
                 </a:solidFill>
-                <a:latin typeface="Cabin"/>
-                <a:ea typeface="Cabin"/>
-                <a:cs typeface="Cabin"/>
+                <a:latin typeface="Arial" charset="0"/>
+                <a:ea typeface="Arial" charset="0"/>
+                <a:cs typeface="Arial" charset="0"/>
                 <a:sym typeface="Cabin"/>
               </a:rPr>
               <a:t>dictionary</a:t>
             </a:r>
             <a:r>
-              <a:rPr lang="en-US" sz="3600" b="0" i="0" u="none" strike="noStrike" cap="none">
+              <a:rPr lang="en-US" sz="3600" u="none" strike="noStrike" cap="none">
                 <a:solidFill>
                   <a:schemeClr val="lt1"/>
                 </a:solidFill>
-                <a:latin typeface="Cabin"/>
-                <a:ea typeface="Cabin"/>
-                <a:cs typeface="Cabin"/>
+                <a:latin typeface="Arial" charset="0"/>
+                <a:ea typeface="Arial" charset="0"/>
+                <a:cs typeface="Arial" charset="0"/>
                 <a:sym typeface="Cabin"/>
               </a:rPr>
               <a:t> and if this the second or later time we have seen the </a:t>
             </a:r>
             <a:r>
-              <a:rPr lang="en-US" sz="3600" b="0" i="0" u="none" strike="noStrike" cap="none">
+              <a:rPr lang="en-US" sz="3600" u="none" strike="noStrike" cap="none">
                 <a:solidFill>
                   <a:srgbClr val="00FF00"/>
                 </a:solidFill>
-                <a:latin typeface="Cabin"/>
-                <a:ea typeface="Cabin"/>
-                <a:cs typeface="Cabin"/>
+                <a:latin typeface="Arial" charset="0"/>
+                <a:ea typeface="Arial" charset="0"/>
+                <a:cs typeface="Arial" charset="0"/>
                 <a:sym typeface="Cabin"/>
               </a:rPr>
               <a:t>name</a:t>
             </a:r>
             <a:r>
-              <a:rPr lang="en-US" sz="3600" b="0" i="0" u="none" strike="noStrike" cap="none">
+              <a:rPr lang="en-US" sz="3600" u="none" strike="noStrike" cap="none">
                 <a:solidFill>
                   <a:schemeClr val="lt1"/>
                 </a:solidFill>
-                <a:latin typeface="Cabin"/>
-                <a:ea typeface="Cabin"/>
-                <a:cs typeface="Cabin"/>
+                <a:latin typeface="Arial" charset="0"/>
+                <a:ea typeface="Arial" charset="0"/>
+                <a:cs typeface="Arial" charset="0"/>
                 <a:sym typeface="Cabin"/>
               </a:rPr>
               <a:t>, we simply add one to the count in the </a:t>
             </a:r>
             <a:r>
-              <a:rPr lang="en-US" sz="3600" b="0" i="0" u="none" strike="noStrike" cap="none">
+              <a:rPr lang="en-US" sz="3600" u="none" strike="noStrike" cap="none">
                 <a:solidFill>
                   <a:srgbClr val="FF00FF"/>
                 </a:solidFill>
-                <a:latin typeface="Cabin"/>
-                <a:ea typeface="Cabin"/>
-                <a:cs typeface="Cabin"/>
+                <a:latin typeface="Arial" charset="0"/>
+                <a:ea typeface="Arial" charset="0"/>
+                <a:cs typeface="Arial" charset="0"/>
                 <a:sym typeface="Cabin"/>
               </a:rPr>
               <a:t>dictionary</a:t>
             </a:r>
             <a:r>
-              <a:rPr lang="en-US" sz="3600" b="0" i="0" u="none" strike="noStrike" cap="none">
+              <a:rPr lang="en-US" sz="3600" u="none" strike="noStrike" cap="none">
                 <a:solidFill>
                   <a:schemeClr val="lt1"/>
                 </a:solidFill>
-                <a:latin typeface="Cabin"/>
-                <a:ea typeface="Cabin"/>
-                <a:cs typeface="Cabin"/>
+                <a:latin typeface="Arial" charset="0"/>
+                <a:ea typeface="Arial" charset="0"/>
+                <a:cs typeface="Arial" charset="0"/>
                 <a:sym typeface="Cabin"/>
               </a:rPr>
               <a:t> under that </a:t>
             </a:r>
             <a:r>
-              <a:rPr lang="en-US" sz="3600" b="0" i="0" u="none" strike="noStrike" cap="none">
+              <a:rPr lang="en-US" sz="3600" u="none" strike="noStrike" cap="none">
                 <a:solidFill>
                   <a:srgbClr val="00FF00"/>
                 </a:solidFill>
-                <a:latin typeface="Cabin"/>
-                <a:ea typeface="Cabin"/>
-                <a:cs typeface="Cabin"/>
+                <a:latin typeface="Arial" charset="0"/>
+                <a:ea typeface="Arial" charset="0"/>
+                <a:cs typeface="Arial" charset="0"/>
                 <a:sym typeface="Cabin"/>
               </a:rPr>
               <a:t>name</a:t>
@@ -29341,85 +29341,85 @@
               <a:buNone/>
             </a:pPr>
             <a:r>
-              <a:rPr lang="en-US" sz="3600" b="0" i="0" u="none" strike="noStrike" cap="none">
+              <a:rPr lang="en-US" sz="3600" u="none" strike="noStrike" cap="none">
                 <a:solidFill>
                   <a:srgbClr val="FF00FF"/>
                 </a:solidFill>
-                <a:latin typeface="Cabin"/>
-                <a:ea typeface="Cabin"/>
-                <a:cs typeface="Cabin"/>
+                <a:latin typeface="Arial" charset="0"/>
+                <a:ea typeface="Arial" charset="0"/>
+                <a:cs typeface="Arial" charset="0"/>
                 <a:sym typeface="Cabin"/>
               </a:rPr>
               <a:t>{</a:t>
             </a:r>
             <a:r>
-              <a:rPr lang="en-US" sz="3600" b="0" i="0" u="none" strike="noStrike" cap="none">
+              <a:rPr lang="en-US" sz="3600" u="none" strike="noStrike" cap="none">
                 <a:solidFill>
                   <a:srgbClr val="00FFFF"/>
                 </a:solidFill>
-                <a:latin typeface="Cabin"/>
-                <a:ea typeface="Cabin"/>
-                <a:cs typeface="Cabin"/>
+                <a:latin typeface="Arial" charset="0"/>
+                <a:ea typeface="Arial" charset="0"/>
+                <a:cs typeface="Arial" charset="0"/>
                 <a:sym typeface="Cabin"/>
               </a:rPr>
               <a:t>'csev'</a:t>
             </a:r>
             <a:r>
-              <a:rPr lang="en-US" sz="3600" b="0" i="0" u="none" strike="noStrike" cap="none">
+              <a:rPr lang="en-US" sz="3600" u="none" strike="noStrike" cap="none">
                 <a:solidFill>
                   <a:srgbClr val="FF00FF"/>
                 </a:solidFill>
-                <a:latin typeface="Cabin"/>
-                <a:ea typeface="Cabin"/>
-                <a:cs typeface="Cabin"/>
+                <a:latin typeface="Arial" charset="0"/>
+                <a:ea typeface="Arial" charset="0"/>
+                <a:cs typeface="Arial" charset="0"/>
                 <a:sym typeface="Cabin"/>
               </a:rPr>
               <a:t>: 2, </a:t>
             </a:r>
             <a:r>
-              <a:rPr lang="en-US" sz="3600" b="0" i="0" u="none" strike="noStrike" cap="none">
+              <a:rPr lang="en-US" sz="3600" u="none" strike="noStrike" cap="none">
                 <a:solidFill>
                   <a:srgbClr val="00FFFF"/>
                 </a:solidFill>
-                <a:latin typeface="Cabin"/>
-                <a:ea typeface="Cabin"/>
-                <a:cs typeface="Cabin"/>
+                <a:latin typeface="Arial" charset="0"/>
+                <a:ea typeface="Arial" charset="0"/>
+                <a:cs typeface="Arial" charset="0"/>
                 <a:sym typeface="Cabin"/>
               </a:rPr>
               <a:t>'zqian'</a:t>
             </a:r>
             <a:r>
-              <a:rPr lang="en-US" sz="3600" b="0" i="0" u="none" strike="noStrike" cap="none">
+              <a:rPr lang="en-US" sz="3600" u="none" strike="noStrike" cap="none">
                 <a:solidFill>
                   <a:srgbClr val="FF00FF"/>
                 </a:solidFill>
-                <a:latin typeface="Cabin"/>
-                <a:ea typeface="Cabin"/>
-                <a:cs typeface="Cabin"/>
+                <a:latin typeface="Arial" charset="0"/>
+                <a:ea typeface="Arial" charset="0"/>
+                <a:cs typeface="Arial" charset="0"/>
                 <a:sym typeface="Cabin"/>
               </a:rPr>
               <a:t>: 1,</a:t>
             </a:r>
             <a:r>
-              <a:rPr lang="en-US" sz="3600" b="0" i="0" u="none" strike="noStrike" cap="none">
+              <a:rPr lang="en-US" sz="3600" u="none" strike="noStrike" cap="none">
                 <a:solidFill>
                   <a:srgbClr val="00FFFF"/>
                 </a:solidFill>
-                <a:latin typeface="Cabin"/>
-                <a:ea typeface="Cabin"/>
-                <a:cs typeface="Cabin"/>
+                <a:latin typeface="Arial" charset="0"/>
+                <a:ea typeface="Arial" charset="0"/>
+                <a:cs typeface="Arial" charset="0"/>
                 <a:sym typeface="Cabin"/>
               </a:rPr>
               <a:t> 'cwen'</a:t>
             </a:r>
             <a:r>
-              <a:rPr lang="en-US" sz="3600" b="0" i="0" u="none" strike="noStrike" cap="none">
+              <a:rPr lang="en-US" sz="3600" u="none" strike="noStrike" cap="none">
                 <a:solidFill>
                   <a:srgbClr val="FF00FF"/>
                 </a:solidFill>
-                <a:latin typeface="Cabin"/>
-                <a:ea typeface="Cabin"/>
-                <a:cs typeface="Cabin"/>
+                <a:latin typeface="Arial" charset="0"/>
+                <a:ea typeface="Arial" charset="0"/>
+                <a:cs typeface="Arial" charset="0"/>
                 <a:sym typeface="Cabin"/>
               </a:rPr>
               <a:t>: 2}</a:t>
@@ -29499,37 +29499,37 @@
               <a:buNone/>
             </a:pPr>
             <a:r>
-              <a:rPr lang="en-US" sz="7600" b="0" i="0" u="none" strike="noStrike" cap="none">
+              <a:rPr lang="en-US" sz="7600" u="none" strike="noStrike" cap="none">
                 <a:solidFill>
                   <a:srgbClr val="FFFF00"/>
                 </a:solidFill>
-                <a:latin typeface="Cabin"/>
-                <a:ea typeface="Cabin"/>
-                <a:cs typeface="Cabin"/>
+                <a:latin typeface="Arial" charset="0"/>
+                <a:ea typeface="Arial" charset="0"/>
+                <a:cs typeface="Arial" charset="0"/>
                 <a:sym typeface="Cabin"/>
               </a:rPr>
               <a:t>The </a:t>
             </a:r>
             <a:r>
-              <a:rPr lang="en-US" sz="7600" b="0" i="0" u="none" strike="noStrike" cap="none">
+              <a:rPr lang="en-US" sz="7600" u="none" strike="noStrike" cap="none">
                 <a:solidFill>
                   <a:srgbClr val="FF00FF"/>
                 </a:solidFill>
-                <a:latin typeface="Cabin"/>
-                <a:ea typeface="Cabin"/>
-                <a:cs typeface="Cabin"/>
+                <a:latin typeface="Arial" charset="0"/>
+                <a:ea typeface="Arial" charset="0"/>
+                <a:cs typeface="Arial" charset="0"/>
                 <a:sym typeface="Cabin"/>
               </a:rPr>
               <a:t>get</a:t>
             </a:r>
             <a:r>
-              <a:rPr lang="en-US" sz="7600" b="0" i="0" u="none" strike="noStrike" cap="none">
+              <a:rPr lang="en-US" sz="7600" u="none" strike="noStrike" cap="none">
                 <a:solidFill>
                   <a:srgbClr val="FFFF00"/>
                 </a:solidFill>
-                <a:latin typeface="Cabin"/>
-                <a:ea typeface="Cabin"/>
-                <a:cs typeface="Cabin"/>
+                <a:latin typeface="Arial" charset="0"/>
+                <a:ea typeface="Arial" charset="0"/>
+                <a:cs typeface="Arial" charset="0"/>
                 <a:sym typeface="Cabin"/>
               </a:rPr>
               <a:t> method for dictionaries</a:t>
@@ -29580,109 +29580,109 @@
               <a:buFont typeface="Cabin"/>
             </a:pPr>
             <a:r>
-              <a:rPr lang="en-US" sz="3600" b="0" i="0" u="none" strike="noStrike" cap="none">
+              <a:rPr lang="en-US" sz="3600" u="none" strike="noStrike" cap="none">
                 <a:solidFill>
                   <a:schemeClr val="lt1"/>
                 </a:solidFill>
-                <a:latin typeface="Cabin"/>
-                <a:ea typeface="Cabin"/>
-                <a:cs typeface="Cabin"/>
+                <a:latin typeface="Arial" charset="0"/>
+                <a:ea typeface="Arial" charset="0"/>
+                <a:cs typeface="Arial" charset="0"/>
                 <a:sym typeface="Cabin"/>
               </a:rPr>
               <a:t>This pattern of checking to see if a </a:t>
             </a:r>
             <a:r>
-              <a:rPr lang="en-US" sz="3600" b="0" i="0" u="none" strike="noStrike" cap="none">
+              <a:rPr lang="en-US" sz="3600" u="none" strike="noStrike" cap="none">
                 <a:solidFill>
                   <a:srgbClr val="00FFFF"/>
                 </a:solidFill>
-                <a:latin typeface="Cabin"/>
-                <a:ea typeface="Cabin"/>
-                <a:cs typeface="Cabin"/>
+                <a:latin typeface="Arial" charset="0"/>
+                <a:ea typeface="Arial" charset="0"/>
+                <a:cs typeface="Arial" charset="0"/>
                 <a:sym typeface="Cabin"/>
               </a:rPr>
               <a:t>key</a:t>
             </a:r>
             <a:r>
-              <a:rPr lang="en-US" sz="3600" b="0" i="0" u="none" strike="noStrike" cap="none">
+              <a:rPr lang="en-US" sz="3600" u="none" strike="noStrike" cap="none">
                 <a:solidFill>
                   <a:schemeClr val="lt1"/>
                 </a:solidFill>
-                <a:latin typeface="Cabin"/>
-                <a:ea typeface="Cabin"/>
-                <a:cs typeface="Cabin"/>
+                <a:latin typeface="Arial" charset="0"/>
+                <a:ea typeface="Arial" charset="0"/>
+                <a:cs typeface="Arial" charset="0"/>
                 <a:sym typeface="Cabin"/>
               </a:rPr>
               <a:t> is already in a dictionary and assuming a default value if the </a:t>
             </a:r>
             <a:r>
-              <a:rPr lang="en-US" sz="3600" b="0" i="0" u="none" strike="noStrike" cap="none">
+              <a:rPr lang="en-US" sz="3600" u="none" strike="noStrike" cap="none">
                 <a:solidFill>
                   <a:srgbClr val="00FFFF"/>
                 </a:solidFill>
-                <a:latin typeface="Cabin"/>
-                <a:ea typeface="Cabin"/>
-                <a:cs typeface="Cabin"/>
+                <a:latin typeface="Arial" charset="0"/>
+                <a:ea typeface="Arial" charset="0"/>
+                <a:cs typeface="Arial" charset="0"/>
                 <a:sym typeface="Cabin"/>
               </a:rPr>
               <a:t>key</a:t>
             </a:r>
             <a:r>
-              <a:rPr lang="en-US" sz="3600" b="0" i="0" u="none" strike="noStrike" cap="none">
+              <a:rPr lang="en-US" sz="3600" u="none" strike="noStrike" cap="none">
                 <a:solidFill>
                   <a:schemeClr val="lt1"/>
                 </a:solidFill>
-                <a:latin typeface="Cabin"/>
-                <a:ea typeface="Cabin"/>
-                <a:cs typeface="Cabin"/>
+                <a:latin typeface="Arial" charset="0"/>
+                <a:ea typeface="Arial" charset="0"/>
+                <a:cs typeface="Arial" charset="0"/>
                 <a:sym typeface="Cabin"/>
               </a:rPr>
               <a:t> is not there is so common, that there is a </a:t>
             </a:r>
             <a:r>
-              <a:rPr lang="en-US" sz="3600" b="0" i="0" u="none" strike="noStrike" cap="none">
+              <a:rPr lang="en-US" sz="3600" u="none" strike="noStrike" cap="none">
                 <a:solidFill>
                   <a:srgbClr val="FF00FF"/>
                 </a:solidFill>
-                <a:latin typeface="Cabin"/>
-                <a:ea typeface="Cabin"/>
-                <a:cs typeface="Cabin"/>
+                <a:latin typeface="Arial" charset="0"/>
+                <a:ea typeface="Arial" charset="0"/>
+                <a:cs typeface="Arial" charset="0"/>
                 <a:sym typeface="Cabin"/>
               </a:rPr>
               <a:t>method</a:t>
             </a:r>
             <a:r>
-              <a:rPr lang="en-US" sz="3600" b="0" i="0" u="none" strike="noStrike" cap="none">
+              <a:rPr lang="en-US" sz="3600" u="none" strike="noStrike" cap="none">
                 <a:solidFill>
                   <a:schemeClr val="lt1"/>
                 </a:solidFill>
-                <a:latin typeface="Cabin"/>
-                <a:ea typeface="Cabin"/>
-                <a:cs typeface="Cabin"/>
+                <a:latin typeface="Arial" charset="0"/>
+                <a:ea typeface="Arial" charset="0"/>
+                <a:cs typeface="Arial" charset="0"/>
                 <a:sym typeface="Cabin"/>
               </a:rPr>
               <a:t> called </a:t>
             </a:r>
             <a:r>
-              <a:rPr lang="en-US" sz="3600" b="0" i="0" u="none" strike="noStrike" cap="none">
+              <a:rPr lang="en-US" sz="3600" u="none" strike="noStrike" cap="none">
                 <a:solidFill>
                   <a:srgbClr val="FF00FF"/>
                 </a:solidFill>
-                <a:latin typeface="Cabin"/>
-                <a:ea typeface="Cabin"/>
-                <a:cs typeface="Cabin"/>
+                <a:latin typeface="Arial" charset="0"/>
+                <a:ea typeface="Arial" charset="0"/>
+                <a:cs typeface="Arial" charset="0"/>
                 <a:sym typeface="Cabin"/>
               </a:rPr>
               <a:t>get</a:t>
             </a:r>
             <a:r>
-              <a:rPr lang="en-US" sz="3600" b="0" i="0" u="none" strike="noStrike" cap="none">
+              <a:rPr lang="en-US" sz="3600" u="none" strike="noStrike" cap="none">
                 <a:solidFill>
                   <a:schemeClr val="lt1"/>
                 </a:solidFill>
-                <a:latin typeface="Cabin"/>
-                <a:ea typeface="Cabin"/>
-                <a:cs typeface="Cabin"/>
+                <a:latin typeface="Arial" charset="0"/>
+                <a:ea typeface="Arial" charset="0"/>
+                <a:cs typeface="Arial" charset="0"/>
                 <a:sym typeface="Cabin"/>
               </a:rPr>
               <a:t>() that does this for us</a:t>
@@ -30204,13 +30204,13 @@
               <a:buNone/>
             </a:pPr>
             <a:r>
-              <a:rPr lang="en-US" sz="3600" b="0" i="0" u="none" strike="noStrike" cap="none">
+              <a:rPr lang="en-US" sz="3600" u="none" strike="noStrike" cap="none">
                 <a:solidFill>
                   <a:srgbClr val="FF7F00"/>
                 </a:solidFill>
-                <a:latin typeface="Cabin"/>
-                <a:ea typeface="Cabin"/>
-                <a:cs typeface="Cabin"/>
+                <a:latin typeface="Arial" charset="0"/>
+                <a:ea typeface="Arial" charset="0"/>
+                <a:cs typeface="Arial" charset="0"/>
                 <a:sym typeface="Cabin"/>
               </a:rPr>
               <a:t>Default value if key does not exist (and no Traceback).</a:t>
@@ -30261,85 +30261,85 @@
               <a:buNone/>
             </a:pPr>
             <a:r>
-              <a:rPr lang="en-US" sz="3600" b="0" i="0" u="none" strike="noStrike" cap="none">
+              <a:rPr lang="en-US" sz="3600" u="none" strike="noStrike" cap="none">
                 <a:solidFill>
                   <a:srgbClr val="FF00FF"/>
                 </a:solidFill>
-                <a:latin typeface="Cabin"/>
-                <a:ea typeface="Cabin"/>
-                <a:cs typeface="Cabin"/>
+                <a:latin typeface="Arial" charset="0"/>
+                <a:ea typeface="Arial" charset="0"/>
+                <a:cs typeface="Arial" charset="0"/>
                 <a:sym typeface="Cabin"/>
               </a:rPr>
               <a:t>{</a:t>
             </a:r>
             <a:r>
-              <a:rPr lang="en-US" sz="3600" b="0" i="0" u="none" strike="noStrike" cap="none">
+              <a:rPr lang="en-US" sz="3600" u="none" strike="noStrike" cap="none">
                 <a:solidFill>
                   <a:srgbClr val="00FFFF"/>
                 </a:solidFill>
-                <a:latin typeface="Cabin"/>
-                <a:ea typeface="Cabin"/>
-                <a:cs typeface="Cabin"/>
+                <a:latin typeface="Arial" charset="0"/>
+                <a:ea typeface="Arial" charset="0"/>
+                <a:cs typeface="Arial" charset="0"/>
                 <a:sym typeface="Cabin"/>
               </a:rPr>
               <a:t>'csev'</a:t>
             </a:r>
             <a:r>
-              <a:rPr lang="en-US" sz="3600" b="0" i="0" u="none" strike="noStrike" cap="none">
+              <a:rPr lang="en-US" sz="3600" u="none" strike="noStrike" cap="none">
                 <a:solidFill>
                   <a:srgbClr val="FF00FF"/>
                 </a:solidFill>
-                <a:latin typeface="Cabin"/>
-                <a:ea typeface="Cabin"/>
-                <a:cs typeface="Cabin"/>
+                <a:latin typeface="Arial" charset="0"/>
+                <a:ea typeface="Arial" charset="0"/>
+                <a:cs typeface="Arial" charset="0"/>
                 <a:sym typeface="Cabin"/>
               </a:rPr>
               <a:t>: 2, </a:t>
             </a:r>
             <a:r>
-              <a:rPr lang="en-US" sz="3600" b="0" i="0" u="none" strike="noStrike" cap="none">
+              <a:rPr lang="en-US" sz="3600" u="none" strike="noStrike" cap="none">
                 <a:solidFill>
                   <a:srgbClr val="00FFFF"/>
                 </a:solidFill>
-                <a:latin typeface="Cabin"/>
-                <a:ea typeface="Cabin"/>
-                <a:cs typeface="Cabin"/>
+                <a:latin typeface="Arial" charset="0"/>
+                <a:ea typeface="Arial" charset="0"/>
+                <a:cs typeface="Arial" charset="0"/>
                 <a:sym typeface="Cabin"/>
               </a:rPr>
               <a:t>'zqian'</a:t>
             </a:r>
             <a:r>
-              <a:rPr lang="en-US" sz="3600" b="0" i="0" u="none" strike="noStrike" cap="none">
+              <a:rPr lang="en-US" sz="3600" u="none" strike="noStrike" cap="none">
                 <a:solidFill>
                   <a:srgbClr val="FF00FF"/>
                 </a:solidFill>
-                <a:latin typeface="Cabin"/>
-                <a:ea typeface="Cabin"/>
-                <a:cs typeface="Cabin"/>
+                <a:latin typeface="Arial" charset="0"/>
+                <a:ea typeface="Arial" charset="0"/>
+                <a:cs typeface="Arial" charset="0"/>
                 <a:sym typeface="Cabin"/>
               </a:rPr>
               <a:t>: 1,</a:t>
             </a:r>
             <a:r>
-              <a:rPr lang="en-US" sz="3600" b="0" i="0" u="none" strike="noStrike" cap="none">
+              <a:rPr lang="en-US" sz="3600" u="none" strike="noStrike" cap="none">
                 <a:solidFill>
                   <a:srgbClr val="00FFFF"/>
                 </a:solidFill>
-                <a:latin typeface="Cabin"/>
-                <a:ea typeface="Cabin"/>
-                <a:cs typeface="Cabin"/>
+                <a:latin typeface="Arial" charset="0"/>
+                <a:ea typeface="Arial" charset="0"/>
+                <a:cs typeface="Arial" charset="0"/>
                 <a:sym typeface="Cabin"/>
               </a:rPr>
               <a:t> 'cwen'</a:t>
             </a:r>
             <a:r>
-              <a:rPr lang="en-US" sz="3600" b="0" i="0" u="none" strike="noStrike" cap="none">
+              <a:rPr lang="en-US" sz="3600" u="none" strike="noStrike" cap="none">
                 <a:solidFill>
                   <a:srgbClr val="FF00FF"/>
                 </a:solidFill>
-                <a:latin typeface="Cabin"/>
-                <a:ea typeface="Cabin"/>
-                <a:cs typeface="Cabin"/>
+                <a:latin typeface="Arial" charset="0"/>
+                <a:ea typeface="Arial" charset="0"/>
+                <a:cs typeface="Arial" charset="0"/>
                 <a:sym typeface="Cabin"/>
               </a:rPr>
               <a:t>: 2}</a:t>
@@ -30419,13 +30419,13 @@
               <a:buNone/>
             </a:pPr>
             <a:r>
-              <a:rPr lang="en-US" sz="7600" b="0" i="0" u="none" strike="noStrike" cap="none">
+              <a:rPr lang="en-US" sz="7600" u="none" strike="noStrike" cap="none">
                 <a:solidFill>
                   <a:srgbClr val="FFFF00"/>
                 </a:solidFill>
-                <a:latin typeface="Cabin"/>
-                <a:ea typeface="Cabin"/>
-                <a:cs typeface="Cabin"/>
+                <a:latin typeface="Arial" charset="0"/>
+                <a:ea typeface="Arial" charset="0"/>
+                <a:cs typeface="Arial" charset="0"/>
                 <a:sym typeface="Cabin"/>
               </a:rPr>
               <a:t>What is a Collection?</a:t>
@@ -30480,13 +30480,13 @@
               <a:buChar char="•"/>
             </a:pPr>
             <a:r>
-              <a:rPr lang="en-US" sz="3600" b="0" i="0" u="none" strike="noStrike" cap="none">
+              <a:rPr lang="en-US" sz="3600" u="none" strike="noStrike" cap="none">
                 <a:solidFill>
                   <a:schemeClr val="lt1"/>
                 </a:solidFill>
-                <a:latin typeface="Cabin"/>
-                <a:ea typeface="Cabin"/>
-                <a:cs typeface="Cabin"/>
+                <a:latin typeface="Arial" charset="0"/>
+                <a:ea typeface="Arial" charset="0"/>
+                <a:cs typeface="Arial" charset="0"/>
                 <a:sym typeface="Cabin"/>
               </a:rPr>
               <a:t>A collection is nice because we can put more than one value in </a:t>
@@ -30496,21 +30496,21 @@
                 <a:solidFill>
                   <a:schemeClr val="lt1"/>
                 </a:solidFill>
-                <a:latin typeface="Cabin"/>
-                <a:ea typeface="Cabin"/>
-                <a:cs typeface="Cabin"/>
+                <a:latin typeface="Arial" charset="0"/>
+                <a:ea typeface="Arial" charset="0"/>
+                <a:cs typeface="Arial" charset="0"/>
                 <a:sym typeface="Cabin"/>
               </a:rPr>
               <a:t>it</a:t>
             </a:r>
             <a:r>
-              <a:rPr lang="en-US" sz="3600" b="0" i="0" u="none" strike="noStrike" cap="none">
+              <a:rPr lang="en-US" sz="3600" u="none" strike="noStrike" cap="none">
                 <a:solidFill>
                   <a:schemeClr val="lt1"/>
                 </a:solidFill>
-                <a:latin typeface="Cabin"/>
-                <a:ea typeface="Cabin"/>
-                <a:cs typeface="Cabin"/>
+                <a:latin typeface="Arial" charset="0"/>
+                <a:ea typeface="Arial" charset="0"/>
+                <a:cs typeface="Arial" charset="0"/>
                 <a:sym typeface="Cabin"/>
               </a:rPr>
               <a:t> and carry them all around in one convenient package</a:t>
@@ -30535,13 +30535,13 @@
               <a:buChar char="•"/>
             </a:pPr>
             <a:r>
-              <a:rPr lang="en-US" sz="3600" b="0" i="0" u="none" strike="noStrike" cap="none">
+              <a:rPr lang="en-US" sz="3600" u="none" strike="noStrike" cap="none">
                 <a:solidFill>
                   <a:schemeClr val="lt1"/>
                 </a:solidFill>
-                <a:latin typeface="Cabin"/>
-                <a:ea typeface="Cabin"/>
-                <a:cs typeface="Cabin"/>
+                <a:latin typeface="Arial" charset="0"/>
+                <a:ea typeface="Arial" charset="0"/>
+                <a:cs typeface="Arial" charset="0"/>
                 <a:sym typeface="Cabin"/>
               </a:rPr>
               <a:t>We have a bunch of values in a single </a:t>
@@ -30559,13 +30559,13 @@
               <a:t>“</a:t>
             </a:r>
             <a:r>
-              <a:rPr lang="en-US" sz="3600" b="0" i="0" u="none" strike="noStrike" cap="none">
+              <a:rPr lang="en-US" sz="3600" u="none" strike="noStrike" cap="none">
                 <a:solidFill>
                   <a:schemeClr val="lt1"/>
                 </a:solidFill>
-                <a:latin typeface="Cabin"/>
-                <a:ea typeface="Cabin"/>
-                <a:cs typeface="Cabin"/>
+                <a:latin typeface="Arial" charset="0"/>
+                <a:ea typeface="Arial" charset="0"/>
+                <a:cs typeface="Arial" charset="0"/>
                 <a:sym typeface="Cabin"/>
               </a:rPr>
               <a:t>variable</a:t>
@@ -30602,13 +30602,13 @@
               <a:buChar char="•"/>
             </a:pPr>
             <a:r>
-              <a:rPr lang="en-US" sz="3600" b="0" i="0" u="none" strike="noStrike" cap="none">
+              <a:rPr lang="en-US" sz="3600" u="none" strike="noStrike" cap="none">
                 <a:solidFill>
                   <a:schemeClr val="lt1"/>
                 </a:solidFill>
-                <a:latin typeface="Cabin"/>
-                <a:ea typeface="Cabin"/>
-                <a:cs typeface="Cabin"/>
+                <a:latin typeface="Arial" charset="0"/>
+                <a:ea typeface="Arial" charset="0"/>
+                <a:cs typeface="Arial" charset="0"/>
                 <a:sym typeface="Cabin"/>
               </a:rPr>
               <a:t>We do this by having more than one place </a:t>
@@ -30626,13 +30626,13 @@
               <a:t>“</a:t>
             </a:r>
             <a:r>
-              <a:rPr lang="en-US" sz="3600" b="0" i="0" u="none" strike="noStrike" cap="none">
+              <a:rPr lang="en-US" sz="3600" u="none" strike="noStrike" cap="none">
                 <a:solidFill>
                   <a:schemeClr val="lt1"/>
                 </a:solidFill>
-                <a:latin typeface="Cabin"/>
-                <a:ea typeface="Cabin"/>
-                <a:cs typeface="Cabin"/>
+                <a:latin typeface="Arial" charset="0"/>
+                <a:ea typeface="Arial" charset="0"/>
+                <a:cs typeface="Arial" charset="0"/>
                 <a:sym typeface="Cabin"/>
               </a:rPr>
               <a:t>in</a:t>
@@ -30650,13 +30650,13 @@
               <a:t>”</a:t>
             </a:r>
             <a:r>
-              <a:rPr lang="en-US" sz="3600" b="0" i="0" u="none" strike="noStrike" cap="none">
+              <a:rPr lang="en-US" sz="3600" u="none" strike="noStrike" cap="none">
                 <a:solidFill>
                   <a:schemeClr val="lt1"/>
                 </a:solidFill>
-                <a:latin typeface="Cabin"/>
-                <a:ea typeface="Cabin"/>
-                <a:cs typeface="Cabin"/>
+                <a:latin typeface="Arial" charset="0"/>
+                <a:ea typeface="Arial" charset="0"/>
+                <a:cs typeface="Arial" charset="0"/>
                 <a:sym typeface="Cabin"/>
               </a:rPr>
               <a:t> the variable</a:t>
@@ -30681,13 +30681,13 @@
               <a:buChar char="•"/>
             </a:pPr>
             <a:r>
-              <a:rPr lang="en-US" sz="3600" b="0" i="0" u="none" strike="noStrike" cap="none">
+              <a:rPr lang="en-US" sz="3600" u="none" strike="noStrike" cap="none">
                 <a:solidFill>
                   <a:schemeClr val="lt1"/>
                 </a:solidFill>
-                <a:latin typeface="Cabin"/>
-                <a:ea typeface="Cabin"/>
-                <a:cs typeface="Cabin"/>
+                <a:latin typeface="Arial" charset="0"/>
+                <a:ea typeface="Arial" charset="0"/>
+                <a:cs typeface="Arial" charset="0"/>
                 <a:sym typeface="Cabin"/>
               </a:rPr>
               <a:t>We have ways of finding the different places in the variable</a:t>
@@ -30794,37 +30794,37 @@
               <a:buNone/>
             </a:pPr>
             <a:r>
-              <a:rPr lang="en-US" sz="7600" b="0" i="0" u="none" strike="noStrike" cap="none">
+              <a:rPr lang="en-US" sz="7600" u="none" strike="noStrike" cap="none">
                 <a:solidFill>
                   <a:srgbClr val="FFFF00"/>
                 </a:solidFill>
-                <a:latin typeface="Cabin"/>
-                <a:ea typeface="Cabin"/>
-                <a:cs typeface="Cabin"/>
+                <a:latin typeface="Arial" charset="0"/>
+                <a:ea typeface="Arial" charset="0"/>
+                <a:cs typeface="Arial" charset="0"/>
                 <a:sym typeface="Cabin"/>
               </a:rPr>
               <a:t>Simplified counting with </a:t>
             </a:r>
             <a:r>
-              <a:rPr lang="en-US" sz="7600" b="0" i="0" u="none" strike="noStrike" cap="none">
+              <a:rPr lang="en-US" sz="7600" u="none" strike="noStrike" cap="none">
                 <a:solidFill>
                   <a:srgbClr val="FF00FF"/>
                 </a:solidFill>
-                <a:latin typeface="Cabin"/>
-                <a:ea typeface="Cabin"/>
-                <a:cs typeface="Cabin"/>
+                <a:latin typeface="Arial" charset="0"/>
+                <a:ea typeface="Arial" charset="0"/>
+                <a:cs typeface="Arial" charset="0"/>
                 <a:sym typeface="Cabin"/>
               </a:rPr>
               <a:t>get</a:t>
             </a:r>
             <a:r>
-              <a:rPr lang="en-US" sz="7600" b="0" i="0" u="none" strike="noStrike" cap="none">
+              <a:rPr lang="en-US" sz="7600" u="none" strike="noStrike" cap="none">
                 <a:solidFill>
                   <a:srgbClr val="FFFF00"/>
                 </a:solidFill>
-                <a:latin typeface="Cabin"/>
-                <a:ea typeface="Cabin"/>
-                <a:cs typeface="Cabin"/>
+                <a:latin typeface="Arial" charset="0"/>
+                <a:ea typeface="Arial" charset="0"/>
+                <a:cs typeface="Arial" charset="0"/>
                 <a:sym typeface="Cabin"/>
               </a:rPr>
               <a:t>()</a:t>
@@ -30875,85 +30875,85 @@
               <a:buFont typeface="Cabin"/>
             </a:pPr>
             <a:r>
-              <a:rPr lang="en-US" sz="3600" b="0" i="0" u="none" strike="noStrike" cap="none">
+              <a:rPr lang="en-US" sz="3600" u="none" strike="noStrike" cap="none">
                 <a:solidFill>
                   <a:schemeClr val="lt1"/>
                 </a:solidFill>
-                <a:latin typeface="Cabin"/>
-                <a:ea typeface="Cabin"/>
-                <a:cs typeface="Cabin"/>
+                <a:latin typeface="Arial" charset="0"/>
+                <a:ea typeface="Arial" charset="0"/>
+                <a:cs typeface="Arial" charset="0"/>
                 <a:sym typeface="Cabin"/>
               </a:rPr>
               <a:t>We can use </a:t>
             </a:r>
             <a:r>
-              <a:rPr lang="en-US" sz="3600" b="0" i="0" u="none" strike="noStrike" cap="none">
+              <a:rPr lang="en-US" sz="3600" u="none" strike="noStrike" cap="none">
                 <a:solidFill>
                   <a:srgbClr val="FF00FF"/>
                 </a:solidFill>
-                <a:latin typeface="Cabin"/>
-                <a:ea typeface="Cabin"/>
-                <a:cs typeface="Cabin"/>
+                <a:latin typeface="Arial" charset="0"/>
+                <a:ea typeface="Arial" charset="0"/>
+                <a:cs typeface="Arial" charset="0"/>
                 <a:sym typeface="Cabin"/>
               </a:rPr>
               <a:t>get</a:t>
             </a:r>
             <a:r>
-              <a:rPr lang="en-US" sz="3600" b="0" i="0" u="none" strike="noStrike" cap="none">
+              <a:rPr lang="en-US" sz="3600" u="none" strike="noStrike" cap="none">
                 <a:solidFill>
                   <a:schemeClr val="lt1"/>
                 </a:solidFill>
-                <a:latin typeface="Cabin"/>
-                <a:ea typeface="Cabin"/>
-                <a:cs typeface="Cabin"/>
+                <a:latin typeface="Arial" charset="0"/>
+                <a:ea typeface="Arial" charset="0"/>
+                <a:cs typeface="Arial" charset="0"/>
                 <a:sym typeface="Cabin"/>
               </a:rPr>
               <a:t>() and provide a </a:t>
             </a:r>
             <a:r>
-              <a:rPr lang="en-US" sz="3600" b="0" i="0" u="none" strike="noStrike" cap="none">
+              <a:rPr lang="en-US" sz="3600" u="none" strike="noStrike" cap="none">
                 <a:solidFill>
                   <a:srgbClr val="FF7F00"/>
                 </a:solidFill>
-                <a:latin typeface="Cabin"/>
-                <a:ea typeface="Cabin"/>
-                <a:cs typeface="Cabin"/>
+                <a:latin typeface="Arial" charset="0"/>
+                <a:ea typeface="Arial" charset="0"/>
+                <a:cs typeface="Arial" charset="0"/>
                 <a:sym typeface="Cabin"/>
               </a:rPr>
               <a:t>default value of zero</a:t>
             </a:r>
             <a:r>
-              <a:rPr lang="en-US" sz="3600" b="0" i="0" u="none" strike="noStrike" cap="none">
+              <a:rPr lang="en-US" sz="3600" u="none" strike="noStrike" cap="none">
                 <a:solidFill>
                   <a:schemeClr val="lt1"/>
                 </a:solidFill>
-                <a:latin typeface="Cabin"/>
-                <a:ea typeface="Cabin"/>
-                <a:cs typeface="Cabin"/>
+                <a:latin typeface="Arial" charset="0"/>
+                <a:ea typeface="Arial" charset="0"/>
+                <a:cs typeface="Arial" charset="0"/>
                 <a:sym typeface="Cabin"/>
               </a:rPr>
               <a:t> when the </a:t>
             </a:r>
             <a:r>
-              <a:rPr lang="en-US" sz="3600" b="0" i="0" u="none" strike="noStrike" cap="none">
+              <a:rPr lang="en-US" sz="3600" u="none" strike="noStrike" cap="none">
                 <a:solidFill>
                   <a:srgbClr val="00FFFF"/>
                 </a:solidFill>
-                <a:latin typeface="Cabin"/>
-                <a:ea typeface="Cabin"/>
-                <a:cs typeface="Cabin"/>
+                <a:latin typeface="Arial" charset="0"/>
+                <a:ea typeface="Arial" charset="0"/>
+                <a:cs typeface="Arial" charset="0"/>
                 <a:sym typeface="Cabin"/>
               </a:rPr>
               <a:t>key</a:t>
             </a:r>
             <a:r>
-              <a:rPr lang="en-US" sz="3600" b="0" i="0" u="none" strike="noStrike" cap="none">
+              <a:rPr lang="en-US" sz="3600" u="none" strike="noStrike" cap="none">
                 <a:solidFill>
                   <a:schemeClr val="lt1"/>
                 </a:solidFill>
-                <a:latin typeface="Cabin"/>
-                <a:ea typeface="Cabin"/>
-                <a:cs typeface="Cabin"/>
+                <a:latin typeface="Arial" charset="0"/>
+                <a:ea typeface="Arial" charset="0"/>
+                <a:cs typeface="Arial" charset="0"/>
                 <a:sym typeface="Cabin"/>
               </a:rPr>
               <a:t> is not yet in the dictionary - and then just add one</a:t>
@@ -31461,13 +31461,13 @@
               <a:buNone/>
             </a:pPr>
             <a:r>
-              <a:rPr lang="en-US" sz="3600" b="0" i="0" u="none" strike="noStrike" cap="none">
+              <a:rPr lang="en-US" sz="3600" u="none" strike="noStrike" cap="none">
                 <a:solidFill>
                   <a:srgbClr val="FF7F00"/>
                 </a:solidFill>
-                <a:latin typeface="Cabin"/>
-                <a:ea typeface="Cabin"/>
-                <a:cs typeface="Cabin"/>
+                <a:latin typeface="Arial" charset="0"/>
+                <a:ea typeface="Arial" charset="0"/>
+                <a:cs typeface="Arial" charset="0"/>
                 <a:sym typeface="Cabin"/>
               </a:rPr>
               <a:t>Default</a:t>
@@ -31544,85 +31544,85 @@
               <a:buNone/>
             </a:pPr>
             <a:r>
-              <a:rPr lang="en-US" sz="3600" b="0" i="0" u="none" strike="noStrike" cap="none">
+              <a:rPr lang="en-US" sz="3600" u="none" strike="noStrike" cap="none">
                 <a:solidFill>
                   <a:srgbClr val="FF00FF"/>
                 </a:solidFill>
-                <a:latin typeface="Cabin"/>
-                <a:ea typeface="Cabin"/>
-                <a:cs typeface="Cabin"/>
+                <a:latin typeface="Arial" charset="0"/>
+                <a:ea typeface="Arial" charset="0"/>
+                <a:cs typeface="Arial" charset="0"/>
                 <a:sym typeface="Cabin"/>
               </a:rPr>
               <a:t>{</a:t>
             </a:r>
             <a:r>
-              <a:rPr lang="en-US" sz="3600" b="0" i="0" u="none" strike="noStrike" cap="none">
+              <a:rPr lang="en-US" sz="3600" u="none" strike="noStrike" cap="none">
                 <a:solidFill>
                   <a:srgbClr val="00FFFF"/>
                 </a:solidFill>
-                <a:latin typeface="Cabin"/>
-                <a:ea typeface="Cabin"/>
-                <a:cs typeface="Cabin"/>
+                <a:latin typeface="Arial" charset="0"/>
+                <a:ea typeface="Arial" charset="0"/>
+                <a:cs typeface="Arial" charset="0"/>
                 <a:sym typeface="Cabin"/>
               </a:rPr>
               <a:t>'csev'</a:t>
             </a:r>
             <a:r>
-              <a:rPr lang="en-US" sz="3600" b="0" i="0" u="none" strike="noStrike" cap="none">
+              <a:rPr lang="en-US" sz="3600" u="none" strike="noStrike" cap="none">
                 <a:solidFill>
                   <a:srgbClr val="FF00FF"/>
                 </a:solidFill>
-                <a:latin typeface="Cabin"/>
-                <a:ea typeface="Cabin"/>
-                <a:cs typeface="Cabin"/>
+                <a:latin typeface="Arial" charset="0"/>
+                <a:ea typeface="Arial" charset="0"/>
+                <a:cs typeface="Arial" charset="0"/>
                 <a:sym typeface="Cabin"/>
               </a:rPr>
               <a:t>: 2, </a:t>
             </a:r>
             <a:r>
-              <a:rPr lang="en-US" sz="3600" b="0" i="0" u="none" strike="noStrike" cap="none">
+              <a:rPr lang="en-US" sz="3600" u="none" strike="noStrike" cap="none">
                 <a:solidFill>
                   <a:srgbClr val="00FFFF"/>
                 </a:solidFill>
-                <a:latin typeface="Cabin"/>
-                <a:ea typeface="Cabin"/>
-                <a:cs typeface="Cabin"/>
+                <a:latin typeface="Arial" charset="0"/>
+                <a:ea typeface="Arial" charset="0"/>
+                <a:cs typeface="Arial" charset="0"/>
                 <a:sym typeface="Cabin"/>
               </a:rPr>
               <a:t>'zqian'</a:t>
             </a:r>
             <a:r>
-              <a:rPr lang="en-US" sz="3600" b="0" i="0" u="none" strike="noStrike" cap="none">
+              <a:rPr lang="en-US" sz="3600" u="none" strike="noStrike" cap="none">
                 <a:solidFill>
                   <a:srgbClr val="FF00FF"/>
                 </a:solidFill>
-                <a:latin typeface="Cabin"/>
-                <a:ea typeface="Cabin"/>
-                <a:cs typeface="Cabin"/>
+                <a:latin typeface="Arial" charset="0"/>
+                <a:ea typeface="Arial" charset="0"/>
+                <a:cs typeface="Arial" charset="0"/>
                 <a:sym typeface="Cabin"/>
               </a:rPr>
               <a:t>: 1,</a:t>
             </a:r>
             <a:r>
-              <a:rPr lang="en-US" sz="3600" b="0" i="0" u="none" strike="noStrike" cap="none">
+              <a:rPr lang="en-US" sz="3600" u="none" strike="noStrike" cap="none">
                 <a:solidFill>
                   <a:srgbClr val="00FFFF"/>
                 </a:solidFill>
-                <a:latin typeface="Cabin"/>
-                <a:ea typeface="Cabin"/>
-                <a:cs typeface="Cabin"/>
+                <a:latin typeface="Arial" charset="0"/>
+                <a:ea typeface="Arial" charset="0"/>
+                <a:cs typeface="Arial" charset="0"/>
                 <a:sym typeface="Cabin"/>
               </a:rPr>
               <a:t> 'cwen'</a:t>
             </a:r>
             <a:r>
-              <a:rPr lang="en-US" sz="3600" b="0" i="0" u="none" strike="noStrike" cap="none">
+              <a:rPr lang="en-US" sz="3600" u="none" strike="noStrike" cap="none">
                 <a:solidFill>
                   <a:srgbClr val="FF00FF"/>
                 </a:solidFill>
-                <a:latin typeface="Cabin"/>
-                <a:ea typeface="Cabin"/>
-                <a:cs typeface="Cabin"/>
+                <a:latin typeface="Arial" charset="0"/>
+                <a:ea typeface="Arial" charset="0"/>
+                <a:cs typeface="Arial" charset="0"/>
                 <a:sym typeface="Cabin"/>
               </a:rPr>
               <a:t>: 2}</a:t>
@@ -31725,13 +31725,13 @@
               <a:buNone/>
             </a:pPr>
             <a:r>
-              <a:rPr lang="en-US" sz="3000" b="0" i="0" u="sng" strike="noStrike" cap="none">
+              <a:rPr lang="en-US" sz="3000" u="sng" strike="noStrike" cap="none">
                 <a:solidFill>
                   <a:srgbClr val="FFFF00"/>
                 </a:solidFill>
-                <a:latin typeface="Cabin"/>
-                <a:ea typeface="Cabin"/>
-                <a:cs typeface="Cabin"/>
+                <a:latin typeface="Arial" charset="0"/>
+                <a:ea typeface="Arial" charset="0"/>
+                <a:cs typeface="Arial" charset="0"/>
                 <a:sym typeface="Cabin"/>
                 <a:hlinkClick r:id="rId4"/>
               </a:rPr>
@@ -32244,37 +32244,37 @@
               <a:buNone/>
             </a:pPr>
             <a:r>
-              <a:rPr lang="en-US" sz="7600" b="0" i="0" u="none" strike="noStrike" cap="none">
+              <a:rPr lang="en-US" sz="7600" u="none" strike="noStrike" cap="none">
                 <a:solidFill>
                   <a:srgbClr val="FFFF00"/>
                 </a:solidFill>
-                <a:latin typeface="Cabin"/>
-                <a:ea typeface="Cabin"/>
-                <a:cs typeface="Cabin"/>
+                <a:latin typeface="Arial" charset="0"/>
+                <a:ea typeface="Arial" charset="0"/>
+                <a:cs typeface="Arial" charset="0"/>
                 <a:sym typeface="Cabin"/>
               </a:rPr>
               <a:t>Simplified counting with </a:t>
             </a:r>
             <a:r>
-              <a:rPr lang="en-US" sz="7600" b="0" i="0" u="none" strike="noStrike" cap="none">
+              <a:rPr lang="en-US" sz="7600" u="none" strike="noStrike" cap="none">
                 <a:solidFill>
                   <a:srgbClr val="FF00FF"/>
                 </a:solidFill>
-                <a:latin typeface="Cabin"/>
-                <a:ea typeface="Cabin"/>
-                <a:cs typeface="Cabin"/>
+                <a:latin typeface="Arial" charset="0"/>
+                <a:ea typeface="Arial" charset="0"/>
+                <a:cs typeface="Arial" charset="0"/>
                 <a:sym typeface="Cabin"/>
               </a:rPr>
               <a:t>get</a:t>
             </a:r>
             <a:r>
-              <a:rPr lang="en-US" sz="7600" b="0" i="0" u="none" strike="noStrike" cap="none">
+              <a:rPr lang="en-US" sz="7600" u="none" strike="noStrike" cap="none">
                 <a:solidFill>
                   <a:srgbClr val="FFFF00"/>
                 </a:solidFill>
-                <a:latin typeface="Cabin"/>
-                <a:ea typeface="Cabin"/>
-                <a:cs typeface="Cabin"/>
+                <a:latin typeface="Arial" charset="0"/>
+                <a:ea typeface="Arial" charset="0"/>
+                <a:cs typeface="Arial" charset="0"/>
                 <a:sym typeface="Cabin"/>
               </a:rPr>
               <a:t>()</a:t>
@@ -32350,13 +32350,13 @@
               <a:buNone/>
             </a:pPr>
             <a:r>
-              <a:rPr lang="en-US" sz="3200" b="0" i="0" u="none" strike="noStrike" cap="none">
+              <a:rPr lang="en-US" sz="3200" u="none" strike="noStrike" cap="none">
                 <a:solidFill>
                   <a:srgbClr val="00FF00"/>
                 </a:solidFill>
-                <a:latin typeface="Cabin"/>
-                <a:ea typeface="Cabin"/>
-                <a:cs typeface="Cabin"/>
+                <a:latin typeface="Arial" charset="0"/>
+                <a:ea typeface="Arial" charset="0"/>
+                <a:cs typeface="Arial" charset="0"/>
                 <a:sym typeface="Cabin"/>
               </a:rPr>
               <a:t>Writing programs (or programming) is a very creative and rewarding activity.  You can write programs for many reasons ranging from making your living to solving a difficult data analysis problem to having fun to helping someone else solve a problem.  This book assumes that everyone needs to know how to program and that once you know how to program, you will figure out what you want to do with your newfound skills.</a:t>
@@ -32407,13 +32407,13 @@
               <a:buNone/>
             </a:pPr>
             <a:r>
-              <a:rPr lang="en-US" sz="3200" b="0" i="0" u="none" strike="noStrike" cap="none">
+              <a:rPr lang="en-US" sz="3200" u="none" strike="noStrike" cap="none">
                 <a:solidFill>
                   <a:srgbClr val="FFFF00"/>
                 </a:solidFill>
-                <a:latin typeface="Cabin"/>
-                <a:ea typeface="Cabin"/>
-                <a:cs typeface="Cabin"/>
+                <a:latin typeface="Arial" charset="0"/>
+                <a:ea typeface="Arial" charset="0"/>
+                <a:cs typeface="Arial" charset="0"/>
                 <a:sym typeface="Cabin"/>
               </a:rPr>
               <a:t>We are surrounded in our daily lives with computers ranging from laptops to cell phones.  We can think of these computers as our </a:t>
@@ -32423,21 +32423,21 @@
                 <a:solidFill>
                   <a:srgbClr val="FFFF00"/>
                 </a:solidFill>
-                <a:latin typeface="Cabin"/>
-                <a:ea typeface="Cabin"/>
-                <a:cs typeface="Cabin"/>
+                <a:latin typeface="Arial" charset="0"/>
+                <a:ea typeface="Arial" charset="0"/>
+                <a:cs typeface="Arial" charset="0"/>
                 <a:sym typeface="Cabin"/>
               </a:rPr>
               <a:t>''</a:t>
             </a:r>
             <a:r>
-              <a:rPr lang="en-US" sz="3200" b="0" i="0" u="none" strike="noStrike" cap="none">
+              <a:rPr lang="en-US" sz="3200" u="none" strike="noStrike" cap="none">
                 <a:solidFill>
                   <a:srgbClr val="FFFF00"/>
                 </a:solidFill>
-                <a:latin typeface="Cabin"/>
-                <a:ea typeface="Cabin"/>
-                <a:cs typeface="Cabin"/>
+                <a:latin typeface="Arial" charset="0"/>
+                <a:ea typeface="Arial" charset="0"/>
+                <a:cs typeface="Arial" charset="0"/>
                 <a:sym typeface="Cabin"/>
               </a:rPr>
               <a:t>personal assistants'' who can take care of many things on our behalf.  The hardware in our current-day computers is essentially built to continuously ask us the question, </a:t>
@@ -32447,21 +32447,21 @@
                 <a:solidFill>
                   <a:srgbClr val="FFFF00"/>
                 </a:solidFill>
-                <a:latin typeface="Cabin"/>
-                <a:ea typeface="Cabin"/>
-                <a:cs typeface="Cabin"/>
+                <a:latin typeface="Arial" charset="0"/>
+                <a:ea typeface="Arial" charset="0"/>
+                <a:cs typeface="Arial" charset="0"/>
                 <a:sym typeface="Cabin"/>
               </a:rPr>
               <a:t>''</a:t>
             </a:r>
             <a:r>
-              <a:rPr lang="en-US" sz="3200" b="0" i="0" u="none" strike="noStrike" cap="none">
+              <a:rPr lang="en-US" sz="3200" u="none" strike="noStrike" cap="none">
                 <a:solidFill>
                   <a:srgbClr val="FFFF00"/>
                 </a:solidFill>
-                <a:latin typeface="Cabin"/>
-                <a:ea typeface="Cabin"/>
-                <a:cs typeface="Cabin"/>
+                <a:latin typeface="Arial" charset="0"/>
+                <a:ea typeface="Arial" charset="0"/>
+                <a:cs typeface="Arial" charset="0"/>
                 <a:sym typeface="Cabin"/>
               </a:rPr>
               <a:t>What would you like me to do next?''</a:t>
@@ -32512,13 +32512,13 @@
               <a:buNone/>
             </a:pPr>
             <a:r>
-              <a:rPr lang="en-US" sz="3200" b="0" i="0" u="none" strike="noStrike" cap="none">
+              <a:rPr lang="en-US" sz="3200" u="none" strike="noStrike" cap="none">
                 <a:solidFill>
                   <a:srgbClr val="00FFFF"/>
                 </a:solidFill>
-                <a:latin typeface="Cabin"/>
-                <a:ea typeface="Cabin"/>
-                <a:cs typeface="Cabin"/>
+                <a:latin typeface="Arial" charset="0"/>
+                <a:ea typeface="Arial" charset="0"/>
+                <a:cs typeface="Arial" charset="0"/>
                 <a:sym typeface="Cabin"/>
               </a:rPr>
               <a:t>Our computers are fast and have vasts amounts of memory and could be very helpful to us if we only knew the language to speak to explain to the computer what we would like it to </a:t>
@@ -32528,21 +32528,21 @@
                 <a:solidFill>
                   <a:srgbClr val="00FFFF"/>
                 </a:solidFill>
-                <a:latin typeface="Cabin"/>
-                <a:ea typeface="Cabin"/>
-                <a:cs typeface="Cabin"/>
+                <a:latin typeface="Arial" charset="0"/>
+                <a:ea typeface="Arial" charset="0"/>
+                <a:cs typeface="Arial" charset="0"/>
                 <a:sym typeface="Cabin"/>
               </a:rPr>
               <a:t>''</a:t>
             </a:r>
             <a:r>
-              <a:rPr lang="en-US" sz="3200" b="0" i="0" u="none" strike="noStrike" cap="none">
+              <a:rPr lang="en-US" sz="3200" u="none" strike="noStrike" cap="none">
                 <a:solidFill>
                   <a:srgbClr val="00FFFF"/>
                 </a:solidFill>
-                <a:latin typeface="Cabin"/>
-                <a:ea typeface="Cabin"/>
-                <a:cs typeface="Cabin"/>
+                <a:latin typeface="Arial" charset="0"/>
+                <a:ea typeface="Arial" charset="0"/>
+                <a:cs typeface="Arial" charset="0"/>
                 <a:sym typeface="Cabin"/>
               </a:rPr>
               <a:t>do next''.  If we knew this language we could tell the computer to do tasks on our behalf that were repetitive. Interestingly, the kinds of things computers can do best are often the kinds of things that we humans find boring and mind-numbing.</a:t>
@@ -32618,13 +32618,13 @@
               <a:buNone/>
             </a:pPr>
             <a:r>
-              <a:rPr lang="en-US" sz="3600" b="0" i="0" u="none" strike="noStrike" cap="none">
+              <a:rPr lang="en-US" sz="3600" u="none" strike="noStrike" cap="none">
                 <a:solidFill>
                   <a:schemeClr val="lt1"/>
                 </a:solidFill>
-                <a:latin typeface="Cabin"/>
-                <a:ea typeface="Cabin"/>
-                <a:cs typeface="Cabin"/>
+                <a:latin typeface="Arial" charset="0"/>
+                <a:ea typeface="Arial" charset="0"/>
+                <a:cs typeface="Arial" charset="0"/>
                 <a:sym typeface="Cabin"/>
               </a:rPr>
               <a:t>the clown ran after the car and the car ran into the tent and the tent fell down on the clown and the car </a:t>
@@ -32731,13 +32731,13 @@
               <a:buNone/>
             </a:pPr>
             <a:r>
-              <a:rPr lang="en-US" sz="7600" b="0" i="0" u="none" strike="noStrike" cap="none">
+              <a:rPr lang="en-US" sz="7600" u="none" strike="noStrike" cap="none">
                 <a:solidFill>
                   <a:srgbClr val="FFFF00"/>
                 </a:solidFill>
-                <a:latin typeface="Cabin"/>
-                <a:ea typeface="Cabin"/>
-                <a:cs typeface="Cabin"/>
+                <a:latin typeface="Arial" charset="0"/>
+                <a:ea typeface="Arial" charset="0"/>
+                <a:cs typeface="Arial" charset="0"/>
                 <a:sym typeface="Cabin"/>
               </a:rPr>
               <a:t>Counting Pattern</a:t>
@@ -33438,61 +33438,61 @@
               <a:buNone/>
             </a:pPr>
             <a:r>
-              <a:rPr lang="en-US" sz="3200" i="0" u="none" strike="noStrike" cap="none">
+              <a:rPr lang="en-US" sz="3200" u="none" strike="noStrike" cap="none">
                 <a:solidFill>
                   <a:schemeClr val="lt1"/>
                 </a:solidFill>
-                <a:latin typeface="Cabin"/>
-                <a:ea typeface="Cabin"/>
-                <a:cs typeface="Cabin"/>
+                <a:latin typeface="Arial" charset="0"/>
+                <a:ea typeface="Arial" charset="0"/>
+                <a:cs typeface="Arial" charset="0"/>
                 <a:sym typeface="Cabin"/>
               </a:rPr>
               <a:t>The general pattern to count the words in a line of text is to </a:t>
             </a:r>
             <a:r>
-              <a:rPr lang="en-US" sz="3200" i="0" u="none" strike="noStrike" cap="none">
+              <a:rPr lang="en-US" sz="3200" u="none" strike="noStrike" cap="none">
                 <a:solidFill>
                   <a:srgbClr val="FF00FF"/>
                 </a:solidFill>
-                <a:latin typeface="Cabin"/>
-                <a:ea typeface="Cabin"/>
-                <a:cs typeface="Cabin"/>
+                <a:latin typeface="Arial" charset="0"/>
+                <a:ea typeface="Arial" charset="0"/>
+                <a:cs typeface="Arial" charset="0"/>
                 <a:sym typeface="Cabin"/>
               </a:rPr>
               <a:t>split</a:t>
             </a:r>
             <a:r>
-              <a:rPr lang="en-US" sz="3200" i="0" u="none" strike="noStrike" cap="none">
+              <a:rPr lang="en-US" sz="3200" u="none" strike="noStrike" cap="none">
                 <a:solidFill>
                   <a:schemeClr val="lt1"/>
                 </a:solidFill>
-                <a:latin typeface="Cabin"/>
-                <a:ea typeface="Cabin"/>
-                <a:cs typeface="Cabin"/>
+                <a:latin typeface="Arial" charset="0"/>
+                <a:ea typeface="Arial" charset="0"/>
+                <a:cs typeface="Arial" charset="0"/>
                 <a:sym typeface="Cabin"/>
               </a:rPr>
               <a:t> the line into words, then loop through the words and use a </a:t>
             </a:r>
             <a:r>
-              <a:rPr lang="en-US" sz="3200" i="0" u="none" strike="noStrike" cap="none">
+              <a:rPr lang="en-US" sz="3200" u="none" strike="noStrike" cap="none">
                 <a:solidFill>
                   <a:srgbClr val="00FF00"/>
                 </a:solidFill>
-                <a:latin typeface="Cabin"/>
-                <a:ea typeface="Cabin"/>
-                <a:cs typeface="Cabin"/>
+                <a:latin typeface="Arial" charset="0"/>
+                <a:ea typeface="Arial" charset="0"/>
+                <a:cs typeface="Arial" charset="0"/>
                 <a:sym typeface="Cabin"/>
               </a:rPr>
               <a:t>dictionary</a:t>
             </a:r>
             <a:r>
-              <a:rPr lang="en-US" sz="3200" i="0" u="none" strike="noStrike" cap="none">
+              <a:rPr lang="en-US" sz="3200" u="none" strike="noStrike" cap="none">
                 <a:solidFill>
                   <a:schemeClr val="lt1"/>
                 </a:solidFill>
-                <a:latin typeface="Cabin"/>
-                <a:ea typeface="Cabin"/>
-                <a:cs typeface="Cabin"/>
+                <a:latin typeface="Arial" charset="0"/>
+                <a:ea typeface="Arial" charset="0"/>
+                <a:cs typeface="Arial" charset="0"/>
                 <a:sym typeface="Cabin"/>
               </a:rPr>
               <a:t> to track the count of each word independently.</a:t>
@@ -33572,13 +33572,13 @@
               <a:buNone/>
             </a:pPr>
             <a:r>
-              <a:rPr lang="en-US" sz="7600" b="0" i="0" u="none" strike="noStrike" cap="none">
+              <a:rPr lang="en-US" sz="7600" u="none" strike="noStrike" cap="none">
                 <a:solidFill>
                   <a:srgbClr val="FFFF00"/>
                 </a:solidFill>
-                <a:latin typeface="Cabin"/>
-                <a:ea typeface="Cabin"/>
-                <a:cs typeface="Cabin"/>
+                <a:latin typeface="Arial" charset="0"/>
+                <a:ea typeface="Arial" charset="0"/>
+                <a:cs typeface="Arial" charset="0"/>
                 <a:sym typeface="Cabin"/>
               </a:rPr>
               <a:t>Counting Words</a:t>
@@ -34091,13 +34091,13 @@
               <a:buNone/>
             </a:pPr>
             <a:r>
-              <a:rPr lang="en-US" sz="3000" b="0" i="0" u="sng" strike="noStrike" cap="none">
+              <a:rPr lang="en-US" sz="3000" u="sng" strike="noStrike" cap="none">
                 <a:solidFill>
                   <a:srgbClr val="FFFF00"/>
                 </a:solidFill>
-                <a:latin typeface="Cabin"/>
-                <a:ea typeface="Cabin"/>
-                <a:cs typeface="Cabin"/>
+                <a:latin typeface="Arial" charset="0"/>
+                <a:ea typeface="Arial" charset="0"/>
+                <a:cs typeface="Arial" charset="0"/>
                 <a:sym typeface="Cabin"/>
                 <a:hlinkClick r:id="rId3"/>
               </a:rPr>
@@ -34775,13 +34775,13 @@
               <a:buNone/>
             </a:pPr>
             <a:r>
-              <a:rPr lang="en-US" sz="3100" b="0" i="0" u="none" strike="noStrike" cap="none">
+              <a:rPr lang="en-US" sz="3100" u="none" strike="noStrike" cap="none">
                 <a:solidFill>
                   <a:schemeClr val="lt1"/>
                 </a:solidFill>
-                <a:latin typeface="Cabin"/>
-                <a:ea typeface="Cabin"/>
-                <a:cs typeface="Cabin"/>
+                <a:latin typeface="Arial" charset="0"/>
+                <a:ea typeface="Arial" charset="0"/>
+                <a:cs typeface="Arial" charset="0"/>
                 <a:sym typeface="Cabin"/>
               </a:rPr>
               <a:t>Enter a line of text:</a:t>
@@ -34806,145 +34806,145 @@
               <a:buNone/>
             </a:pPr>
             <a:r>
-              <a:rPr lang="en-US" sz="3100" b="0" i="0" u="none" strike="noStrike" cap="none">
+              <a:rPr lang="en-US" sz="3100" u="none" strike="noStrike" cap="none">
                 <a:solidFill>
                   <a:srgbClr val="00FF00"/>
                 </a:solidFill>
-                <a:latin typeface="Cabin"/>
-                <a:ea typeface="Cabin"/>
-                <a:cs typeface="Cabin"/>
+                <a:latin typeface="Arial" charset="0"/>
+                <a:ea typeface="Arial" charset="0"/>
+                <a:cs typeface="Arial" charset="0"/>
                 <a:sym typeface="Cabin"/>
               </a:rPr>
               <a:t>the</a:t>
             </a:r>
             <a:r>
-              <a:rPr lang="en-US" sz="3100" b="0" i="0" u="none" strike="noStrike" cap="none">
+              <a:rPr lang="en-US" sz="3100" u="none" strike="noStrike" cap="none">
                 <a:solidFill>
                   <a:srgbClr val="FFFF00"/>
                 </a:solidFill>
-                <a:latin typeface="Cabin"/>
-                <a:ea typeface="Cabin"/>
-                <a:cs typeface="Cabin"/>
+                <a:latin typeface="Arial" charset="0"/>
+                <a:ea typeface="Arial" charset="0"/>
+                <a:cs typeface="Arial" charset="0"/>
                 <a:sym typeface="Cabin"/>
               </a:rPr>
               <a:t> clown ran after </a:t>
             </a:r>
             <a:r>
-              <a:rPr lang="en-US" sz="3100" b="0" i="0" u="none" strike="noStrike" cap="none">
+              <a:rPr lang="en-US" sz="3100" u="none" strike="noStrike" cap="none">
                 <a:solidFill>
                   <a:srgbClr val="00FF00"/>
                 </a:solidFill>
-                <a:latin typeface="Cabin"/>
-                <a:ea typeface="Cabin"/>
-                <a:cs typeface="Cabin"/>
+                <a:latin typeface="Arial" charset="0"/>
+                <a:ea typeface="Arial" charset="0"/>
+                <a:cs typeface="Arial" charset="0"/>
                 <a:sym typeface="Cabin"/>
               </a:rPr>
               <a:t>the</a:t>
             </a:r>
             <a:r>
-              <a:rPr lang="en-US" sz="3100" b="0" i="0" u="none" strike="noStrike" cap="none">
+              <a:rPr lang="en-US" sz="3100" u="none" strike="noStrike" cap="none">
                 <a:solidFill>
                   <a:srgbClr val="FFFF00"/>
                 </a:solidFill>
-                <a:latin typeface="Cabin"/>
-                <a:ea typeface="Cabin"/>
-                <a:cs typeface="Cabin"/>
+                <a:latin typeface="Arial" charset="0"/>
+                <a:ea typeface="Arial" charset="0"/>
+                <a:cs typeface="Arial" charset="0"/>
                 <a:sym typeface="Cabin"/>
               </a:rPr>
               <a:t> car and the car ran into </a:t>
             </a:r>
             <a:r>
-              <a:rPr lang="en-US" sz="3100" b="0" i="0" u="none" strike="noStrike" cap="none">
+              <a:rPr lang="en-US" sz="3100" u="none" strike="noStrike" cap="none">
                 <a:solidFill>
                   <a:srgbClr val="00FF00"/>
                 </a:solidFill>
-                <a:latin typeface="Cabin"/>
-                <a:ea typeface="Cabin"/>
-                <a:cs typeface="Cabin"/>
+                <a:latin typeface="Arial" charset="0"/>
+                <a:ea typeface="Arial" charset="0"/>
+                <a:cs typeface="Arial" charset="0"/>
                 <a:sym typeface="Cabin"/>
               </a:rPr>
               <a:t>the</a:t>
             </a:r>
             <a:r>
-              <a:rPr lang="en-US" sz="3100" b="0" i="0" u="none" strike="noStrike" cap="none">
+              <a:rPr lang="en-US" sz="3100" u="none" strike="noStrike" cap="none">
                 <a:solidFill>
                   <a:srgbClr val="FFFF00"/>
                 </a:solidFill>
-                <a:latin typeface="Cabin"/>
-                <a:ea typeface="Cabin"/>
-                <a:cs typeface="Cabin"/>
+                <a:latin typeface="Arial" charset="0"/>
+                <a:ea typeface="Arial" charset="0"/>
+                <a:cs typeface="Arial" charset="0"/>
                 <a:sym typeface="Cabin"/>
               </a:rPr>
               <a:t> tent and </a:t>
             </a:r>
             <a:r>
-              <a:rPr lang="en-US" sz="3100" b="0" i="0" u="none" strike="noStrike" cap="none">
+              <a:rPr lang="en-US" sz="3100" u="none" strike="noStrike" cap="none">
                 <a:solidFill>
                   <a:srgbClr val="00FF00"/>
                 </a:solidFill>
-                <a:latin typeface="Cabin"/>
-                <a:ea typeface="Cabin"/>
-                <a:cs typeface="Cabin"/>
+                <a:latin typeface="Arial" charset="0"/>
+                <a:ea typeface="Arial" charset="0"/>
+                <a:cs typeface="Arial" charset="0"/>
                 <a:sym typeface="Cabin"/>
               </a:rPr>
               <a:t>the</a:t>
             </a:r>
             <a:r>
-              <a:rPr lang="en-US" sz="3100" b="0" i="0" u="none" strike="noStrike" cap="none">
+              <a:rPr lang="en-US" sz="3100" u="none" strike="noStrike" cap="none">
                 <a:solidFill>
                   <a:srgbClr val="FFFF00"/>
                 </a:solidFill>
-                <a:latin typeface="Cabin"/>
-                <a:ea typeface="Cabin"/>
-                <a:cs typeface="Cabin"/>
+                <a:latin typeface="Arial" charset="0"/>
+                <a:ea typeface="Arial" charset="0"/>
+                <a:cs typeface="Arial" charset="0"/>
                 <a:sym typeface="Cabin"/>
               </a:rPr>
               <a:t> tent fell down on </a:t>
             </a:r>
             <a:r>
-              <a:rPr lang="en-US" sz="3100" b="0" i="0" u="none" strike="noStrike" cap="none">
+              <a:rPr lang="en-US" sz="3100" u="none" strike="noStrike" cap="none">
                 <a:solidFill>
                   <a:srgbClr val="00FF00"/>
                 </a:solidFill>
-                <a:latin typeface="Cabin"/>
-                <a:ea typeface="Cabin"/>
-                <a:cs typeface="Cabin"/>
+                <a:latin typeface="Arial" charset="0"/>
+                <a:ea typeface="Arial" charset="0"/>
+                <a:cs typeface="Arial" charset="0"/>
                 <a:sym typeface="Cabin"/>
               </a:rPr>
               <a:t>the</a:t>
             </a:r>
             <a:r>
-              <a:rPr lang="en-US" sz="3100" b="0" i="0" u="none" strike="noStrike" cap="none">
+              <a:rPr lang="en-US" sz="3100" u="none" strike="noStrike" cap="none">
                 <a:solidFill>
                   <a:srgbClr val="FFFF00"/>
                 </a:solidFill>
-                <a:latin typeface="Cabin"/>
-                <a:ea typeface="Cabin"/>
-                <a:cs typeface="Cabin"/>
+                <a:latin typeface="Arial" charset="0"/>
+                <a:ea typeface="Arial" charset="0"/>
+                <a:cs typeface="Arial" charset="0"/>
                 <a:sym typeface="Cabin"/>
               </a:rPr>
               <a:t> clown and </a:t>
             </a:r>
             <a:r>
-              <a:rPr lang="en-US" sz="3100" b="0" i="0" u="none" strike="noStrike" cap="none">
+              <a:rPr lang="en-US" sz="3100" u="none" strike="noStrike" cap="none">
                 <a:solidFill>
                   <a:srgbClr val="00FF00"/>
                 </a:solidFill>
-                <a:latin typeface="Cabin"/>
-                <a:ea typeface="Cabin"/>
-                <a:cs typeface="Cabin"/>
+                <a:latin typeface="Arial" charset="0"/>
+                <a:ea typeface="Arial" charset="0"/>
+                <a:cs typeface="Arial" charset="0"/>
                 <a:sym typeface="Cabin"/>
               </a:rPr>
               <a:t>the</a:t>
             </a:r>
             <a:r>
-              <a:rPr lang="en-US" sz="3100" b="0" i="0" u="none" strike="noStrike" cap="none">
+              <a:rPr lang="en-US" sz="3100" u="none" strike="noStrike" cap="none">
                 <a:solidFill>
                   <a:srgbClr val="FFFF00"/>
                 </a:solidFill>
-                <a:latin typeface="Cabin"/>
-                <a:ea typeface="Cabin"/>
-                <a:cs typeface="Cabin"/>
+                <a:latin typeface="Arial" charset="0"/>
+                <a:ea typeface="Arial" charset="0"/>
+                <a:cs typeface="Arial" charset="0"/>
                 <a:sym typeface="Cabin"/>
               </a:rPr>
               <a:t> car</a:t>
@@ -34963,13 +34963,13 @@
               </a:spcAft>
               <a:buNone/>
             </a:pPr>
-            <a:endParaRPr sz="3100" b="0" i="0" u="none" strike="noStrike" cap="none">
+            <a:endParaRPr sz="3100" u="none" strike="noStrike" cap="none">
               <a:solidFill>
                 <a:srgbClr val="FFFF00"/>
               </a:solidFill>
-              <a:latin typeface="Cabin"/>
-              <a:ea typeface="Cabin"/>
-              <a:cs typeface="Cabin"/>
+              <a:latin typeface="Arial" charset="0"/>
+              <a:ea typeface="Arial" charset="0"/>
+              <a:cs typeface="Arial" charset="0"/>
               <a:sym typeface="Cabin"/>
             </a:endParaRPr>
           </a:p>
@@ -34992,13 +34992,13 @@
               <a:buNone/>
             </a:pPr>
             <a:r>
-              <a:rPr lang="en-US" sz="3100" b="0" i="0" u="none" strike="noStrike" cap="none">
+              <a:rPr lang="en-US" sz="3100" u="none" strike="noStrike" cap="none">
                 <a:solidFill>
                   <a:schemeClr val="lt1"/>
                 </a:solidFill>
-                <a:latin typeface="Cabin"/>
-                <a:ea typeface="Cabin"/>
-                <a:cs typeface="Cabin"/>
+                <a:latin typeface="Arial" charset="0"/>
+                <a:ea typeface="Arial" charset="0"/>
+                <a:cs typeface="Arial" charset="0"/>
                 <a:sym typeface="Cabin"/>
               </a:rPr>
               <a:t>Words: ['the', 'clown', 'ran', 'after', 'the', 'car', 'and', 'the', 'car', 'ran', 'into', 'the', 'tent', 'and', 'the', 'tent', 'fell', 'down', 'on', 'the', 'clown', 'and', 'the', 'car']</a:t>
@@ -35023,13 +35023,13 @@
               <a:buNone/>
             </a:pPr>
             <a:r>
-              <a:rPr lang="en-US" sz="3100" b="0" i="0" u="none" strike="noStrike" cap="none">
+              <a:rPr lang="en-US" sz="3100" u="none" strike="noStrike" cap="none">
                 <a:solidFill>
                   <a:schemeClr val="lt1"/>
                 </a:solidFill>
-                <a:latin typeface="Cabin"/>
-                <a:ea typeface="Cabin"/>
-                <a:cs typeface="Cabin"/>
+                <a:latin typeface="Arial" charset="0"/>
+                <a:ea typeface="Arial" charset="0"/>
+                <a:cs typeface="Arial" charset="0"/>
                 <a:sym typeface="Cabin"/>
               </a:rPr>
               <a:t>Counting...</a:t>
@@ -35048,13 +35048,13 @@
               </a:spcAft>
               <a:buNone/>
             </a:pPr>
-            <a:endParaRPr sz="3100" b="0" i="0" u="none" strike="noStrike" cap="none">
+            <a:endParaRPr sz="3100" u="none" strike="noStrike" cap="none">
               <a:solidFill>
                 <a:schemeClr val="lt1"/>
               </a:solidFill>
-              <a:latin typeface="Cabin"/>
-              <a:ea typeface="Cabin"/>
-              <a:cs typeface="Cabin"/>
+              <a:latin typeface="Arial" charset="0"/>
+              <a:ea typeface="Arial" charset="0"/>
+              <a:cs typeface="Arial" charset="0"/>
               <a:sym typeface="Cabin"/>
             </a:endParaRPr>
           </a:p>
@@ -35077,37 +35077,37 @@
               <a:buNone/>
             </a:pPr>
             <a:r>
-              <a:rPr lang="en-US" sz="3100" b="0" i="0" u="none" strike="noStrike" cap="none">
+              <a:rPr lang="en-US" sz="3100" u="none" strike="noStrike" cap="none">
                 <a:solidFill>
                   <a:schemeClr val="lt1"/>
                 </a:solidFill>
-                <a:latin typeface="Cabin"/>
-                <a:ea typeface="Cabin"/>
-                <a:cs typeface="Cabin"/>
+                <a:latin typeface="Arial" charset="0"/>
+                <a:ea typeface="Arial" charset="0"/>
+                <a:cs typeface="Arial" charset="0"/>
                 <a:sym typeface="Cabin"/>
               </a:rPr>
               <a:t>Counts {'and': 3, 'on': 1, 'ran': 2, 'car': 3, 'into': 1, 'after': 1, 'clown': 2, 'down': 1, 'fell': 1, </a:t>
             </a:r>
             <a:r>
-              <a:rPr lang="en-US" sz="3100" b="0" i="0" u="none" strike="noStrike" cap="none">
+              <a:rPr lang="en-US" sz="3100" u="none" strike="noStrike" cap="none">
                 <a:solidFill>
                   <a:srgbClr val="00FF00"/>
                 </a:solidFill>
-                <a:latin typeface="Cabin"/>
-                <a:ea typeface="Cabin"/>
-                <a:cs typeface="Cabin"/>
+                <a:latin typeface="Arial" charset="0"/>
+                <a:ea typeface="Arial" charset="0"/>
+                <a:cs typeface="Arial" charset="0"/>
                 <a:sym typeface="Cabin"/>
               </a:rPr>
               <a:t>'the': 7</a:t>
             </a:r>
             <a:r>
-              <a:rPr lang="en-US" sz="3100" b="0" i="0" u="none" strike="noStrike" cap="none">
+              <a:rPr lang="en-US" sz="3100" u="none" strike="noStrike" cap="none">
                 <a:solidFill>
                   <a:schemeClr val="lt1"/>
                 </a:solidFill>
-                <a:latin typeface="Cabin"/>
-                <a:ea typeface="Cabin"/>
-                <a:cs typeface="Cabin"/>
+                <a:latin typeface="Arial" charset="0"/>
+                <a:ea typeface="Arial" charset="0"/>
+                <a:cs typeface="Arial" charset="0"/>
                 <a:sym typeface="Cabin"/>
               </a:rPr>
               <a:t>, 'tent': 2}</a:t>
@@ -35214,13 +35214,13 @@
               <a:buNone/>
             </a:pPr>
             <a:r>
-              <a:rPr lang="en-US" sz="7600" b="0" i="0" u="none" strike="noStrike" cap="none">
+              <a:rPr lang="en-US" sz="7600" u="none" strike="noStrike" cap="none">
                 <a:solidFill>
                   <a:srgbClr val="FFFF00"/>
                 </a:solidFill>
-                <a:latin typeface="Cabin"/>
-                <a:ea typeface="Cabin"/>
-                <a:cs typeface="Cabin"/>
+                <a:latin typeface="Arial" charset="0"/>
+                <a:ea typeface="Arial" charset="0"/>
+                <a:cs typeface="Arial" charset="0"/>
                 <a:sym typeface="Cabin"/>
               </a:rPr>
               <a:t>Definite Loops and Dictionaries</a:t>
@@ -35275,181 +35275,181 @@
               <a:buChar char="•"/>
             </a:pPr>
             <a:r>
-              <a:rPr lang="en-US" sz="3600" b="0" i="0" u="none" strike="noStrike" cap="none">
+              <a:rPr lang="en-US" sz="3600" u="none" strike="noStrike" cap="none">
                 <a:solidFill>
                   <a:schemeClr val="lt1"/>
                 </a:solidFill>
-                <a:latin typeface="Cabin"/>
-                <a:ea typeface="Cabin"/>
-                <a:cs typeface="Cabin"/>
+                <a:latin typeface="Arial" charset="0"/>
+                <a:ea typeface="Arial" charset="0"/>
+                <a:cs typeface="Arial" charset="0"/>
                 <a:sym typeface="Cabin"/>
               </a:rPr>
               <a:t>Even though </a:t>
             </a:r>
             <a:r>
-              <a:rPr lang="en-US" sz="3600" b="0" i="0" u="none" strike="noStrike" cap="none">
+              <a:rPr lang="en-US" sz="3600" u="none" strike="noStrike" cap="none">
                 <a:solidFill>
                   <a:srgbClr val="00FF00"/>
                 </a:solidFill>
-                <a:latin typeface="Cabin"/>
-                <a:ea typeface="Cabin"/>
-                <a:cs typeface="Cabin"/>
+                <a:latin typeface="Arial" charset="0"/>
+                <a:ea typeface="Arial" charset="0"/>
+                <a:cs typeface="Arial" charset="0"/>
                 <a:sym typeface="Cabin"/>
               </a:rPr>
               <a:t>dictionaries</a:t>
             </a:r>
             <a:r>
-              <a:rPr lang="en-US" sz="3600" b="0" i="0" u="none" strike="noStrike" cap="none">
+              <a:rPr lang="en-US" sz="3600" u="none" strike="noStrike" cap="none">
                 <a:solidFill>
                   <a:schemeClr val="lt1"/>
                 </a:solidFill>
-                <a:latin typeface="Cabin"/>
-                <a:ea typeface="Cabin"/>
-                <a:cs typeface="Cabin"/>
+                <a:latin typeface="Arial" charset="0"/>
+                <a:ea typeface="Arial" charset="0"/>
+                <a:cs typeface="Arial" charset="0"/>
                 <a:sym typeface="Cabin"/>
               </a:rPr>
               <a:t> are not stored in order, we can write a </a:t>
             </a:r>
             <a:r>
-              <a:rPr lang="en-US" sz="3600" b="0" i="0" u="none" strike="noStrike" cap="none">
+              <a:rPr lang="en-US" sz="3600" u="none" strike="noStrike" cap="none">
                 <a:solidFill>
                   <a:srgbClr val="FFFF00"/>
                 </a:solidFill>
-                <a:latin typeface="Cabin"/>
-                <a:ea typeface="Cabin"/>
-                <a:cs typeface="Cabin"/>
+                <a:latin typeface="Arial" charset="0"/>
+                <a:ea typeface="Arial" charset="0"/>
+                <a:cs typeface="Arial" charset="0"/>
                 <a:sym typeface="Cabin"/>
               </a:rPr>
               <a:t>for</a:t>
             </a:r>
             <a:r>
-              <a:rPr lang="en-US" sz="3600" b="0" i="0" u="none" strike="noStrike" cap="none">
+              <a:rPr lang="en-US" sz="3600" u="none" strike="noStrike" cap="none">
                 <a:solidFill>
                   <a:schemeClr val="lt1"/>
                 </a:solidFill>
-                <a:latin typeface="Cabin"/>
-                <a:ea typeface="Cabin"/>
-                <a:cs typeface="Cabin"/>
+                <a:latin typeface="Arial" charset="0"/>
+                <a:ea typeface="Arial" charset="0"/>
+                <a:cs typeface="Arial" charset="0"/>
                 <a:sym typeface="Cabin"/>
               </a:rPr>
               <a:t> loop that goes through all the </a:t>
             </a:r>
             <a:r>
-              <a:rPr lang="en-US" sz="3600" b="0" i="0" u="none" strike="noStrike" cap="none">
+              <a:rPr lang="en-US" sz="3600" u="none" strike="noStrike" cap="none">
                 <a:solidFill>
                   <a:srgbClr val="00FFFF"/>
                 </a:solidFill>
-                <a:latin typeface="Cabin"/>
-                <a:ea typeface="Cabin"/>
-                <a:cs typeface="Cabin"/>
+                <a:latin typeface="Arial" charset="0"/>
+                <a:ea typeface="Arial" charset="0"/>
+                <a:cs typeface="Arial" charset="0"/>
                 <a:sym typeface="Cabin"/>
               </a:rPr>
               <a:t>entries</a:t>
             </a:r>
             <a:r>
-              <a:rPr lang="en-US" sz="3600" b="0" i="0" u="none" strike="noStrike" cap="none">
+              <a:rPr lang="en-US" sz="3600" u="none" strike="noStrike" cap="none">
                 <a:solidFill>
                   <a:schemeClr val="lt1"/>
                 </a:solidFill>
-                <a:latin typeface="Cabin"/>
-                <a:ea typeface="Cabin"/>
-                <a:cs typeface="Cabin"/>
+                <a:latin typeface="Arial" charset="0"/>
+                <a:ea typeface="Arial" charset="0"/>
+                <a:cs typeface="Arial" charset="0"/>
                 <a:sym typeface="Cabin"/>
               </a:rPr>
               <a:t> in a </a:t>
             </a:r>
             <a:r>
-              <a:rPr lang="en-US" sz="3600" b="0" i="0" u="none" strike="noStrike" cap="none">
+              <a:rPr lang="en-US" sz="3600" u="none" strike="noStrike" cap="none">
                 <a:solidFill>
                   <a:srgbClr val="00FF00"/>
                 </a:solidFill>
-                <a:latin typeface="Cabin"/>
-                <a:ea typeface="Cabin"/>
-                <a:cs typeface="Cabin"/>
+                <a:latin typeface="Arial" charset="0"/>
+                <a:ea typeface="Arial" charset="0"/>
+                <a:cs typeface="Arial" charset="0"/>
                 <a:sym typeface="Cabin"/>
               </a:rPr>
               <a:t>dictionary</a:t>
             </a:r>
             <a:r>
-              <a:rPr lang="en-US" sz="3600" b="0" i="0" u="none" strike="noStrike" cap="none">
+              <a:rPr lang="en-US" sz="3600" u="none" strike="noStrike" cap="none">
                 <a:solidFill>
                   <a:schemeClr val="lt1"/>
                 </a:solidFill>
-                <a:latin typeface="Cabin"/>
-                <a:ea typeface="Cabin"/>
-                <a:cs typeface="Cabin"/>
+                <a:latin typeface="Arial" charset="0"/>
+                <a:ea typeface="Arial" charset="0"/>
+                <a:cs typeface="Arial" charset="0"/>
                 <a:sym typeface="Cabin"/>
               </a:rPr>
               <a:t> - actually it goes through all of the </a:t>
             </a:r>
             <a:r>
-              <a:rPr lang="en-US" sz="3600" b="0" i="0" u="none" strike="noStrike" cap="none">
+              <a:rPr lang="en-US" sz="3600" u="none" strike="noStrike" cap="none">
                 <a:solidFill>
                   <a:srgbClr val="00FFFF"/>
                 </a:solidFill>
-                <a:latin typeface="Cabin"/>
-                <a:ea typeface="Cabin"/>
-                <a:cs typeface="Cabin"/>
+                <a:latin typeface="Arial" charset="0"/>
+                <a:ea typeface="Arial" charset="0"/>
+                <a:cs typeface="Arial" charset="0"/>
                 <a:sym typeface="Cabin"/>
               </a:rPr>
               <a:t>keys</a:t>
             </a:r>
             <a:r>
-              <a:rPr lang="en-US" sz="3600" b="0" i="0" u="none" strike="noStrike" cap="none">
+              <a:rPr lang="en-US" sz="3600" u="none" strike="noStrike" cap="none">
                 <a:solidFill>
                   <a:schemeClr val="lt1"/>
                 </a:solidFill>
-                <a:latin typeface="Cabin"/>
-                <a:ea typeface="Cabin"/>
-                <a:cs typeface="Cabin"/>
+                <a:latin typeface="Arial" charset="0"/>
+                <a:ea typeface="Arial" charset="0"/>
+                <a:cs typeface="Arial" charset="0"/>
                 <a:sym typeface="Cabin"/>
               </a:rPr>
               <a:t> in the </a:t>
             </a:r>
             <a:r>
-              <a:rPr lang="en-US" sz="3600" b="0" i="0" u="none" strike="noStrike" cap="none">
+              <a:rPr lang="en-US" sz="3600" u="none" strike="noStrike" cap="none">
                 <a:solidFill>
                   <a:srgbClr val="00FF00"/>
                 </a:solidFill>
-                <a:latin typeface="Cabin"/>
-                <a:ea typeface="Cabin"/>
-                <a:cs typeface="Cabin"/>
+                <a:latin typeface="Arial" charset="0"/>
+                <a:ea typeface="Arial" charset="0"/>
+                <a:cs typeface="Arial" charset="0"/>
                 <a:sym typeface="Cabin"/>
               </a:rPr>
               <a:t>dictionary</a:t>
             </a:r>
             <a:r>
-              <a:rPr lang="en-US" sz="3600" b="0" i="0" u="none" strike="noStrike" cap="none">
+              <a:rPr lang="en-US" sz="3600" u="none" strike="noStrike" cap="none">
                 <a:solidFill>
                   <a:schemeClr val="lt1"/>
                 </a:solidFill>
-                <a:latin typeface="Cabin"/>
-                <a:ea typeface="Cabin"/>
-                <a:cs typeface="Cabin"/>
+                <a:latin typeface="Arial" charset="0"/>
+                <a:ea typeface="Arial" charset="0"/>
+                <a:cs typeface="Arial" charset="0"/>
                 <a:sym typeface="Cabin"/>
               </a:rPr>
               <a:t> and</a:t>
             </a:r>
             <a:r>
-              <a:rPr lang="en-US" sz="3600" b="0" i="0" u="none" strike="noStrike" cap="none">
+              <a:rPr lang="en-US" sz="3600" u="none" strike="noStrike" cap="none">
                 <a:solidFill>
                   <a:srgbClr val="00FFFF"/>
                 </a:solidFill>
-                <a:latin typeface="Cabin"/>
-                <a:ea typeface="Cabin"/>
-                <a:cs typeface="Cabin"/>
+                <a:latin typeface="Arial" charset="0"/>
+                <a:ea typeface="Arial" charset="0"/>
+                <a:cs typeface="Arial" charset="0"/>
                 <a:sym typeface="Cabin"/>
               </a:rPr>
               <a:t> looks up</a:t>
             </a:r>
             <a:r>
-              <a:rPr lang="en-US" sz="3600" b="0" i="0" u="none" strike="noStrike" cap="none">
+              <a:rPr lang="en-US" sz="3600" u="none" strike="noStrike" cap="none">
                 <a:solidFill>
                   <a:schemeClr val="lt1"/>
                 </a:solidFill>
-                <a:latin typeface="Cabin"/>
-                <a:ea typeface="Cabin"/>
-                <a:cs typeface="Cabin"/>
+                <a:latin typeface="Arial" charset="0"/>
+                <a:ea typeface="Arial" charset="0"/>
+                <a:cs typeface="Arial" charset="0"/>
                 <a:sym typeface="Cabin"/>
               </a:rPr>
               <a:t> the values</a:t>
@@ -36139,13 +36139,13 @@
               <a:buNone/>
             </a:pPr>
             <a:r>
-              <a:rPr lang="en-US" sz="7600" b="0" i="0" u="none" strike="noStrike" cap="none">
+              <a:rPr lang="en-US" sz="7600" u="none" strike="noStrike" cap="none">
                 <a:solidFill>
                   <a:srgbClr val="FFFF00"/>
                 </a:solidFill>
-                <a:latin typeface="Cabin"/>
-                <a:ea typeface="Cabin"/>
-                <a:cs typeface="Cabin"/>
+                <a:latin typeface="Arial" charset="0"/>
+                <a:ea typeface="Arial" charset="0"/>
+                <a:cs typeface="Arial" charset="0"/>
                 <a:sym typeface="Cabin"/>
               </a:rPr>
               <a:t>Retrieving lists of Keys and Values</a:t>
@@ -36196,85 +36196,85 @@
               <a:buFont typeface="Cabin"/>
             </a:pPr>
             <a:r>
-              <a:rPr lang="en-US" sz="3600" b="0" i="0" u="none" strike="noStrike" cap="none">
+              <a:rPr lang="en-US" sz="3600" u="none" strike="noStrike" cap="none">
                 <a:solidFill>
                   <a:schemeClr val="lt1"/>
                 </a:solidFill>
-                <a:latin typeface="Cabin"/>
-                <a:ea typeface="Cabin"/>
-                <a:cs typeface="Cabin"/>
+                <a:latin typeface="Arial" charset="0"/>
+                <a:ea typeface="Arial" charset="0"/>
+                <a:cs typeface="Arial" charset="0"/>
                 <a:sym typeface="Cabin"/>
               </a:rPr>
               <a:t>You can get a list of </a:t>
             </a:r>
             <a:r>
-              <a:rPr lang="en-US" sz="3600" b="0" i="0" u="none" strike="noStrike" cap="none">
+              <a:rPr lang="en-US" sz="3600" u="none" strike="noStrike" cap="none">
                 <a:solidFill>
                   <a:srgbClr val="00FF00"/>
                 </a:solidFill>
-                <a:latin typeface="Cabin"/>
-                <a:ea typeface="Cabin"/>
-                <a:cs typeface="Cabin"/>
+                <a:latin typeface="Arial" charset="0"/>
+                <a:ea typeface="Arial" charset="0"/>
+                <a:cs typeface="Arial" charset="0"/>
                 <a:sym typeface="Cabin"/>
               </a:rPr>
               <a:t>keys</a:t>
             </a:r>
             <a:r>
-              <a:rPr lang="en-US" sz="3600" b="0" i="0" u="none" strike="noStrike" cap="none">
+              <a:rPr lang="en-US" sz="3600" u="none" strike="noStrike" cap="none">
                 <a:solidFill>
                   <a:schemeClr val="lt1"/>
                 </a:solidFill>
-                <a:latin typeface="Cabin"/>
-                <a:ea typeface="Cabin"/>
-                <a:cs typeface="Cabin"/>
+                <a:latin typeface="Arial" charset="0"/>
+                <a:ea typeface="Arial" charset="0"/>
+                <a:cs typeface="Arial" charset="0"/>
                 <a:sym typeface="Cabin"/>
               </a:rPr>
               <a:t>, </a:t>
             </a:r>
             <a:r>
-              <a:rPr lang="en-US" sz="3600" b="0" i="0" u="none" strike="noStrike" cap="none">
+              <a:rPr lang="en-US" sz="3600" u="none" strike="noStrike" cap="none">
                 <a:solidFill>
                   <a:srgbClr val="FF00FF"/>
                 </a:solidFill>
-                <a:latin typeface="Cabin"/>
-                <a:ea typeface="Cabin"/>
-                <a:cs typeface="Cabin"/>
+                <a:latin typeface="Arial" charset="0"/>
+                <a:ea typeface="Arial" charset="0"/>
+                <a:cs typeface="Arial" charset="0"/>
                 <a:sym typeface="Cabin"/>
               </a:rPr>
               <a:t>values,</a:t>
             </a:r>
             <a:r>
-              <a:rPr lang="en-US" sz="3600" b="0" i="0" u="none" strike="noStrike" cap="none">
+              <a:rPr lang="en-US" sz="3600" u="none" strike="noStrike" cap="none">
                 <a:solidFill>
                   <a:schemeClr val="lt1"/>
                 </a:solidFill>
-                <a:latin typeface="Cabin"/>
-                <a:ea typeface="Cabin"/>
-                <a:cs typeface="Cabin"/>
+                <a:latin typeface="Arial" charset="0"/>
+                <a:ea typeface="Arial" charset="0"/>
+                <a:cs typeface="Arial" charset="0"/>
                 <a:sym typeface="Cabin"/>
               </a:rPr>
               <a:t> or</a:t>
             </a:r>
             <a:r>
-              <a:rPr lang="en-US" sz="3600" b="0" i="0" u="none" strike="noStrike" cap="none">
+              <a:rPr lang="en-US" sz="3600" u="none" strike="noStrike" cap="none">
                 <a:solidFill>
                   <a:srgbClr val="FF7F00"/>
                 </a:solidFill>
-                <a:latin typeface="Cabin"/>
-                <a:ea typeface="Cabin"/>
-                <a:cs typeface="Cabin"/>
+                <a:latin typeface="Arial" charset="0"/>
+                <a:ea typeface="Arial" charset="0"/>
+                <a:cs typeface="Arial" charset="0"/>
                 <a:sym typeface="Cabin"/>
               </a:rPr>
               <a:t> items (both)</a:t>
             </a:r>
             <a:r>
-              <a:rPr lang="en-US" sz="3600" b="0" i="0" u="none" strike="noStrike" cap="none">
+              <a:rPr lang="en-US" sz="3600" u="none" strike="noStrike" cap="none">
                 <a:solidFill>
                   <a:schemeClr val="lt1"/>
                 </a:solidFill>
-                <a:latin typeface="Cabin"/>
-                <a:ea typeface="Cabin"/>
-                <a:cs typeface="Cabin"/>
+                <a:latin typeface="Arial" charset="0"/>
+                <a:ea typeface="Arial" charset="0"/>
+                <a:cs typeface="Arial" charset="0"/>
                 <a:sym typeface="Cabin"/>
               </a:rPr>
               <a:t> from a dictionary</a:t>
@@ -36805,13 +36805,13 @@
               <a:buNone/>
             </a:pPr>
             <a:r>
-              <a:rPr lang="en-US" sz="3400" b="0" i="0" u="none" strike="noStrike" cap="none">
+              <a:rPr lang="en-US" sz="3400" u="none" strike="noStrike" cap="none">
                 <a:solidFill>
                   <a:schemeClr val="lt1"/>
                 </a:solidFill>
-                <a:latin typeface="Cabin"/>
-                <a:ea typeface="Cabin"/>
-                <a:cs typeface="Cabin"/>
+                <a:latin typeface="Arial" charset="0"/>
+                <a:ea typeface="Arial" charset="0"/>
+                <a:cs typeface="Arial" charset="0"/>
                 <a:sym typeface="Cabin"/>
               </a:rPr>
               <a:t>What is a 'tuple'? - coming soon...</a:t>
@@ -36917,13 +36917,13 @@
               <a:buNone/>
             </a:pPr>
             <a:r>
-              <a:rPr lang="en-US" sz="7600" b="0" i="0" u="none" strike="noStrike" cap="none">
+              <a:rPr lang="en-US" sz="7600" u="none" strike="noStrike" cap="none">
                 <a:solidFill>
                   <a:srgbClr val="FFFF00"/>
                 </a:solidFill>
-                <a:latin typeface="Cabin"/>
-                <a:ea typeface="Cabin"/>
-                <a:cs typeface="Cabin"/>
+                <a:latin typeface="Arial" charset="0"/>
+                <a:ea typeface="Arial" charset="0"/>
+                <a:cs typeface="Arial" charset="0"/>
                 <a:sym typeface="Cabin"/>
               </a:rPr>
               <a:t>Bonus: Two Iteration Variables!</a:t>
@@ -36974,61 +36974,61 @@
               <a:buFont typeface="Cabin"/>
             </a:pPr>
             <a:r>
-              <a:rPr lang="en-US" sz="3600" b="0" i="0" u="none" strike="noStrike" cap="none">
+              <a:rPr lang="en-US" sz="3600" u="none" strike="noStrike" cap="none">
                 <a:solidFill>
                   <a:schemeClr val="lt1"/>
                 </a:solidFill>
-                <a:latin typeface="Cabin"/>
-                <a:ea typeface="Cabin"/>
-                <a:cs typeface="Cabin"/>
+                <a:latin typeface="Arial" charset="0"/>
+                <a:ea typeface="Arial" charset="0"/>
+                <a:cs typeface="Arial" charset="0"/>
                 <a:sym typeface="Cabin"/>
               </a:rPr>
               <a:t>We loop through the </a:t>
             </a:r>
             <a:r>
-              <a:rPr lang="en-US" sz="3600" b="0" i="0" u="none" strike="noStrike" cap="none">
+              <a:rPr lang="en-US" sz="3600" u="none" strike="noStrike" cap="none">
                 <a:solidFill>
                   <a:srgbClr val="FF7F00"/>
                 </a:solidFill>
-                <a:latin typeface="Cabin"/>
-                <a:ea typeface="Cabin"/>
-                <a:cs typeface="Cabin"/>
+                <a:latin typeface="Arial" charset="0"/>
+                <a:ea typeface="Arial" charset="0"/>
+                <a:cs typeface="Arial" charset="0"/>
                 <a:sym typeface="Cabin"/>
               </a:rPr>
               <a:t>key</a:t>
             </a:r>
             <a:r>
-              <a:rPr lang="en-US" sz="3600" b="0" i="0" u="none" strike="noStrike" cap="none">
+              <a:rPr lang="en-US" sz="3600" u="none" strike="noStrike" cap="none">
                 <a:solidFill>
                   <a:schemeClr val="lt1"/>
                 </a:solidFill>
-                <a:latin typeface="Cabin"/>
-                <a:ea typeface="Cabin"/>
-                <a:cs typeface="Cabin"/>
+                <a:latin typeface="Arial" charset="0"/>
+                <a:ea typeface="Arial" charset="0"/>
+                <a:cs typeface="Arial" charset="0"/>
                 <a:sym typeface="Cabin"/>
               </a:rPr>
               <a:t>-</a:t>
             </a:r>
             <a:r>
-              <a:rPr lang="en-US" sz="3600" b="0" i="0" u="none" strike="noStrike" cap="none">
+              <a:rPr lang="en-US" sz="3600" u="none" strike="noStrike" cap="none">
                 <a:solidFill>
                   <a:srgbClr val="FFFF00"/>
                 </a:solidFill>
-                <a:latin typeface="Cabin"/>
-                <a:ea typeface="Cabin"/>
-                <a:cs typeface="Cabin"/>
+                <a:latin typeface="Arial" charset="0"/>
+                <a:ea typeface="Arial" charset="0"/>
+                <a:cs typeface="Arial" charset="0"/>
                 <a:sym typeface="Cabin"/>
               </a:rPr>
               <a:t>value</a:t>
             </a:r>
             <a:r>
-              <a:rPr lang="en-US" sz="3600" b="0" i="0" u="none" strike="noStrike" cap="none">
+              <a:rPr lang="en-US" sz="3600" u="none" strike="noStrike" cap="none">
                 <a:solidFill>
                   <a:schemeClr val="lt1"/>
                 </a:solidFill>
-                <a:latin typeface="Cabin"/>
-                <a:ea typeface="Cabin"/>
-                <a:cs typeface="Cabin"/>
+                <a:latin typeface="Arial" charset="0"/>
+                <a:ea typeface="Arial" charset="0"/>
+                <a:cs typeface="Arial" charset="0"/>
                 <a:sym typeface="Cabin"/>
               </a:rPr>
               <a:t> pairs in a dictionary using *two* iteration variables</a:t>
@@ -37049,85 +37049,61 @@
               <a:buFont typeface="Cabin"/>
             </a:pPr>
             <a:r>
-              <a:rPr lang="en-US" sz="3600" b="0" i="0" u="none" strike="noStrike" cap="none">
+              <a:rPr lang="en-US" sz="3600" u="none" strike="noStrike" cap="none">
                 <a:solidFill>
                   <a:schemeClr val="lt1"/>
                 </a:solidFill>
-                <a:latin typeface="Cabin"/>
-                <a:ea typeface="Cabin"/>
-                <a:cs typeface="Cabin"/>
+                <a:latin typeface="Arial" charset="0"/>
+                <a:ea typeface="Arial" charset="0"/>
+                <a:cs typeface="Arial" charset="0"/>
                 <a:sym typeface="Cabin"/>
               </a:rPr>
               <a:t>Each iteration, the first variable is the </a:t>
             </a:r>
             <a:r>
-              <a:rPr lang="en-US" sz="3600" b="0" i="0" u="none" strike="noStrike" cap="none">
+              <a:rPr lang="en-US" sz="3600" u="none" strike="noStrike" cap="none">
                 <a:solidFill>
                   <a:srgbClr val="FF7F00"/>
                 </a:solidFill>
-                <a:latin typeface="Cabin"/>
-                <a:ea typeface="Cabin"/>
-                <a:cs typeface="Cabin"/>
+                <a:latin typeface="Arial" charset="0"/>
+                <a:ea typeface="Arial" charset="0"/>
+                <a:cs typeface="Arial" charset="0"/>
                 <a:sym typeface="Cabin"/>
               </a:rPr>
               <a:t>key</a:t>
             </a:r>
             <a:r>
-              <a:rPr lang="en-US" sz="3600" b="0" i="0" u="none" strike="noStrike" cap="none">
+              <a:rPr lang="en-US" sz="3600" u="none" strike="noStrike" cap="none">
                 <a:solidFill>
                   <a:schemeClr val="lt1"/>
                 </a:solidFill>
-                <a:latin typeface="Cabin"/>
-                <a:ea typeface="Cabin"/>
-                <a:cs typeface="Cabin"/>
+                <a:latin typeface="Arial" charset="0"/>
+                <a:ea typeface="Arial" charset="0"/>
+                <a:cs typeface="Arial" charset="0"/>
                 <a:sym typeface="Cabin"/>
               </a:rPr>
-              <a:t> and the second variable is the </a:t>
-            </a:r>
-            <a:r>
-              <a:rPr lang="en-US" sz="3600" b="0" i="1" u="none" strike="noStrike" cap="none">
+              <a:t> and the second variable is the corresponding </a:t>
+            </a:r>
+            <a:r>
+              <a:rPr lang="en-US" sz="3600" u="none" strike="noStrike" cap="none">
+                <a:solidFill>
+                  <a:srgbClr val="FFFF00"/>
+                </a:solidFill>
+                <a:latin typeface="Arial" charset="0"/>
+                <a:ea typeface="Arial" charset="0"/>
+                <a:cs typeface="Arial" charset="0"/>
+                <a:sym typeface="Cabin"/>
+              </a:rPr>
+              <a:t>value </a:t>
+            </a:r>
+            <a:r>
+              <a:rPr lang="en-US" sz="3600" u="none" strike="noStrike" cap="none">
                 <a:solidFill>
                   <a:schemeClr val="lt1"/>
                 </a:solidFill>
-                <a:latin typeface="Cabin"/>
-                <a:ea typeface="Cabin"/>
-                <a:cs typeface="Cabin"/>
-                <a:sym typeface="Cabin"/>
-              </a:rPr>
-              <a:t>corresponding</a:t>
-            </a:r>
-            <a:r>
-              <a:rPr lang="en-US" sz="3600" b="0" i="0" u="none" strike="noStrike" cap="none">
-                <a:solidFill>
-                  <a:schemeClr val="lt1"/>
-                </a:solidFill>
-                <a:latin typeface="Cabin"/>
-                <a:ea typeface="Cabin"/>
-                <a:cs typeface="Cabin"/>
-                <a:sym typeface="Cabin"/>
-              </a:rPr>
-              <a:t> </a:t>
-            </a:r>
-            <a:r>
-              <a:rPr lang="en-US" sz="3600" b="0" i="0" u="none" strike="noStrike" cap="none">
-                <a:solidFill>
-                  <a:srgbClr val="FFFF00"/>
-                </a:solidFill>
-                <a:latin typeface="Cabin"/>
-                <a:ea typeface="Cabin"/>
-                <a:cs typeface="Cabin"/>
-                <a:sym typeface="Cabin"/>
-              </a:rPr>
-              <a:t>value </a:t>
-            </a:r>
-            <a:r>
-              <a:rPr lang="en-US" sz="3600" b="0" i="0" u="none" strike="noStrike" cap="none">
-                <a:solidFill>
-                  <a:schemeClr val="lt1"/>
-                </a:solidFill>
-                <a:latin typeface="Cabin"/>
-                <a:ea typeface="Cabin"/>
-                <a:cs typeface="Cabin"/>
+                <a:latin typeface="Arial" charset="0"/>
+                <a:ea typeface="Arial" charset="0"/>
+                <a:cs typeface="Arial" charset="0"/>
                 <a:sym typeface="Cabin"/>
               </a:rPr>
               <a:t>for the key</a:t>
@@ -37664,13 +37640,13 @@
               <a:buNone/>
             </a:pPr>
             <a:r>
-              <a:rPr lang="en-US" sz="3600" b="0" i="0" u="none" strike="noStrike" cap="none">
+              <a:rPr lang="en-US" sz="3600" u="none" strike="noStrike" cap="none">
                 <a:solidFill>
                   <a:srgbClr val="FF7F00"/>
                 </a:solidFill>
-                <a:latin typeface="Cabin"/>
-                <a:ea typeface="Cabin"/>
-                <a:cs typeface="Cabin"/>
+                <a:latin typeface="Arial" charset="0"/>
+                <a:ea typeface="Arial" charset="0"/>
+                <a:cs typeface="Arial" charset="0"/>
                 <a:sym typeface="Cabin"/>
               </a:rPr>
               <a:t>[chuck]</a:t>
@@ -37727,13 +37703,13 @@
               <a:buNone/>
             </a:pPr>
             <a:r>
-              <a:rPr lang="en-US" sz="3600" b="0" i="0" u="none" strike="noStrike" cap="none">
+              <a:rPr lang="en-US" sz="3600" u="none" strike="noStrike" cap="none">
                 <a:solidFill>
                   <a:schemeClr val="lt1"/>
                 </a:solidFill>
-                <a:latin typeface="Cabin"/>
-                <a:ea typeface="Cabin"/>
-                <a:cs typeface="Cabin"/>
+                <a:latin typeface="Arial" charset="0"/>
+                <a:ea typeface="Arial" charset="0"/>
+                <a:cs typeface="Arial" charset="0"/>
                 <a:sym typeface="Cabin"/>
               </a:rPr>
               <a:t>1</a:t>
@@ -37784,13 +37760,13 @@
               <a:buNone/>
             </a:pPr>
             <a:r>
-              <a:rPr lang="en-US" sz="3600" b="0" i="0" u="none" strike="noStrike" cap="none">
+              <a:rPr lang="en-US" sz="3600" u="none" strike="noStrike" cap="none">
                 <a:solidFill>
                   <a:srgbClr val="FF7F00"/>
                 </a:solidFill>
-                <a:latin typeface="Cabin"/>
-                <a:ea typeface="Cabin"/>
-                <a:cs typeface="Cabin"/>
+                <a:latin typeface="Arial" charset="0"/>
+                <a:ea typeface="Arial" charset="0"/>
+                <a:cs typeface="Arial" charset="0"/>
                 <a:sym typeface="Cabin"/>
               </a:rPr>
               <a:t>[fred]</a:t>
@@ -37847,13 +37823,13 @@
               <a:buNone/>
             </a:pPr>
             <a:r>
-              <a:rPr lang="en-US" sz="3600" b="0" i="0" u="none" strike="noStrike" cap="none">
+              <a:rPr lang="en-US" sz="3600" u="none" strike="noStrike" cap="none">
                 <a:solidFill>
                   <a:schemeClr val="lt1"/>
                 </a:solidFill>
-                <a:latin typeface="Cabin"/>
-                <a:ea typeface="Cabin"/>
-                <a:cs typeface="Cabin"/>
+                <a:latin typeface="Arial" charset="0"/>
+                <a:ea typeface="Arial" charset="0"/>
+                <a:cs typeface="Arial" charset="0"/>
                 <a:sym typeface="Cabin"/>
               </a:rPr>
               <a:t>42</a:t>
@@ -37904,13 +37880,13 @@
               <a:buNone/>
             </a:pPr>
             <a:r>
-              <a:rPr lang="en-US" sz="3600" b="0" i="0" u="none" strike="noStrike" cap="none">
+              <a:rPr lang="en-US" sz="3600" u="none" strike="noStrike" cap="none">
                 <a:solidFill>
                   <a:srgbClr val="FF7F00"/>
                 </a:solidFill>
-                <a:latin typeface="Cabin"/>
-                <a:ea typeface="Cabin"/>
-                <a:cs typeface="Cabin"/>
+                <a:latin typeface="Arial" charset="0"/>
+                <a:ea typeface="Arial" charset="0"/>
+                <a:cs typeface="Arial" charset="0"/>
                 <a:sym typeface="Cabin"/>
               </a:rPr>
               <a:t>aaa</a:t>
@@ -37961,13 +37937,13 @@
               <a:buNone/>
             </a:pPr>
             <a:r>
-              <a:rPr lang="en-US" sz="3600" b="0" i="0" u="none" strike="noStrike" cap="none">
+              <a:rPr lang="en-US" sz="3600" u="none" strike="noStrike" cap="none">
                 <a:solidFill>
                   <a:srgbClr val="FFFF00"/>
                 </a:solidFill>
-                <a:latin typeface="Cabin"/>
-                <a:ea typeface="Cabin"/>
-                <a:cs typeface="Cabin"/>
+                <a:latin typeface="Arial" charset="0"/>
+                <a:ea typeface="Arial" charset="0"/>
+                <a:cs typeface="Arial" charset="0"/>
                 <a:sym typeface="Cabin"/>
               </a:rPr>
               <a:t>bbb</a:t>
@@ -38018,13 +37994,13 @@
               <a:buNone/>
             </a:pPr>
             <a:r>
-              <a:rPr lang="en-US" sz="3600" b="0" i="0" u="none" strike="noStrike" cap="none">
+              <a:rPr lang="en-US" sz="3600" u="none" strike="noStrike" cap="none">
                 <a:solidFill>
                   <a:srgbClr val="FF7F00"/>
                 </a:solidFill>
-                <a:latin typeface="Cabin"/>
-                <a:ea typeface="Cabin"/>
-                <a:cs typeface="Cabin"/>
+                <a:latin typeface="Arial" charset="0"/>
+                <a:ea typeface="Arial" charset="0"/>
+                <a:cs typeface="Arial" charset="0"/>
                 <a:sym typeface="Cabin"/>
               </a:rPr>
               <a:t>[jan]</a:t>
@@ -38081,13 +38057,13 @@
               <a:buNone/>
             </a:pPr>
             <a:r>
-              <a:rPr lang="en-US" sz="3600" b="0" i="0" u="none" strike="noStrike" cap="none">
+              <a:rPr lang="en-US" sz="3600" u="none" strike="noStrike" cap="none">
                 <a:solidFill>
                   <a:schemeClr val="lt1"/>
                 </a:solidFill>
-                <a:latin typeface="Cabin"/>
-                <a:ea typeface="Cabin"/>
-                <a:cs typeface="Cabin"/>
+                <a:latin typeface="Arial" charset="0"/>
+                <a:ea typeface="Arial" charset="0"/>
+                <a:cs typeface="Arial" charset="0"/>
                 <a:sym typeface="Cabin"/>
               </a:rPr>
               <a:t>100</a:t>
@@ -38167,13 +38143,13 @@
               <a:buNone/>
             </a:pPr>
             <a:r>
-              <a:rPr lang="en-US" sz="7600" b="0" i="0" u="none" strike="noStrike" cap="none">
+              <a:rPr lang="en-US" sz="7600" u="none" strike="noStrike" cap="none">
                 <a:solidFill>
                   <a:srgbClr val="FFFF00"/>
                 </a:solidFill>
-                <a:latin typeface="Cabin"/>
-                <a:ea typeface="Cabin"/>
-                <a:cs typeface="Cabin"/>
+                <a:latin typeface="Arial" charset="0"/>
+                <a:ea typeface="Arial" charset="0"/>
+                <a:cs typeface="Arial" charset="0"/>
                 <a:sym typeface="Cabin"/>
               </a:rPr>
               <a:t>What is not a </a:t>
@@ -38191,13 +38167,13 @@
               <a:t>“</a:t>
             </a:r>
             <a:r>
-              <a:rPr lang="en-US" sz="7600" b="0" i="0" u="none" strike="noStrike" cap="none">
+              <a:rPr lang="en-US" sz="7600" u="none" strike="noStrike" cap="none">
                 <a:solidFill>
                   <a:srgbClr val="FFFF00"/>
                 </a:solidFill>
-                <a:latin typeface="Cabin"/>
-                <a:ea typeface="Cabin"/>
-                <a:cs typeface="Cabin"/>
+                <a:latin typeface="Arial" charset="0"/>
+                <a:ea typeface="Arial" charset="0"/>
+                <a:cs typeface="Arial" charset="0"/>
                 <a:sym typeface="Cabin"/>
               </a:rPr>
               <a:t>Collection</a:t>
@@ -38260,61 +38236,61 @@
               <a:buFont typeface="Cabin"/>
             </a:pPr>
             <a:r>
-              <a:rPr lang="en-US" sz="3600" b="0" i="0" u="none" strike="noStrike" cap="none">
+              <a:rPr lang="en-US" sz="3600" u="none" strike="noStrike" cap="none">
                 <a:solidFill>
                   <a:schemeClr val="lt1"/>
                 </a:solidFill>
-                <a:latin typeface="Cabin"/>
-                <a:ea typeface="Cabin"/>
-                <a:cs typeface="Cabin"/>
+                <a:latin typeface="Arial" charset="0"/>
+                <a:ea typeface="Arial" charset="0"/>
+                <a:cs typeface="Arial" charset="0"/>
                 <a:sym typeface="Cabin"/>
               </a:rPr>
               <a:t>Most of our </a:t>
             </a:r>
             <a:r>
-              <a:rPr lang="en-US" sz="3600" b="0" i="0" u="none" strike="noStrike" cap="none">
+              <a:rPr lang="en-US" sz="3600" u="none" strike="noStrike" cap="none">
                 <a:solidFill>
                   <a:srgbClr val="00FF00"/>
                 </a:solidFill>
-                <a:latin typeface="Cabin"/>
-                <a:ea typeface="Cabin"/>
-                <a:cs typeface="Cabin"/>
+                <a:latin typeface="Arial" charset="0"/>
+                <a:ea typeface="Arial" charset="0"/>
+                <a:cs typeface="Arial" charset="0"/>
                 <a:sym typeface="Cabin"/>
               </a:rPr>
               <a:t>variables</a:t>
             </a:r>
             <a:r>
-              <a:rPr lang="en-US" sz="3600" b="0" i="0" u="none" strike="noStrike" cap="none">
+              <a:rPr lang="en-US" sz="3600" u="none" strike="noStrike" cap="none">
                 <a:solidFill>
                   <a:schemeClr val="lt1"/>
                 </a:solidFill>
-                <a:latin typeface="Cabin"/>
-                <a:ea typeface="Cabin"/>
-                <a:cs typeface="Cabin"/>
+                <a:latin typeface="Arial" charset="0"/>
+                <a:ea typeface="Arial" charset="0"/>
+                <a:cs typeface="Arial" charset="0"/>
                 <a:sym typeface="Cabin"/>
               </a:rPr>
               <a:t> have one value in them - when we put a new value in the </a:t>
             </a:r>
             <a:r>
-              <a:rPr lang="en-US" sz="3600" b="0" i="0" u="none" strike="noStrike" cap="none">
+              <a:rPr lang="en-US" sz="3600" u="none" strike="noStrike" cap="none">
                 <a:solidFill>
                   <a:srgbClr val="00FF00"/>
                 </a:solidFill>
-                <a:latin typeface="Cabin"/>
-                <a:ea typeface="Cabin"/>
-                <a:cs typeface="Cabin"/>
+                <a:latin typeface="Arial" charset="0"/>
+                <a:ea typeface="Arial" charset="0"/>
+                <a:cs typeface="Arial" charset="0"/>
                 <a:sym typeface="Cabin"/>
               </a:rPr>
               <a:t>variable</a:t>
             </a:r>
             <a:r>
-              <a:rPr lang="en-US" sz="3600" b="0" i="0" u="none" strike="noStrike" cap="none">
+              <a:rPr lang="en-US" sz="3600" u="none" strike="noStrike" cap="none">
                 <a:solidFill>
                   <a:schemeClr val="lt1"/>
                 </a:solidFill>
-                <a:latin typeface="Cabin"/>
-                <a:ea typeface="Cabin"/>
-                <a:cs typeface="Cabin"/>
+                <a:latin typeface="Arial" charset="0"/>
+                <a:ea typeface="Arial" charset="0"/>
+                <a:cs typeface="Arial" charset="0"/>
                 <a:sym typeface="Cabin"/>
               </a:rPr>
               <a:t> - the old value is overwritten</a:t>
@@ -39276,21 +39252,21 @@
                 <a:solidFill>
                   <a:srgbClr val="FFFF00"/>
                 </a:solidFill>
-                <a:latin typeface="Cabin"/>
-                <a:ea typeface="Cabin"/>
-                <a:cs typeface="Cabin"/>
+                <a:latin typeface="Arial" charset="0"/>
+                <a:ea typeface="Arial" charset="0"/>
+                <a:cs typeface="Arial" charset="0"/>
                 <a:sym typeface="Cabin"/>
               </a:rPr>
               <a:t> </a:t>
             </a:r>
             <a:r>
-              <a:rPr lang="en-US" sz="3600" b="0" i="0" u="none" strike="noStrike" cap="none">
+              <a:rPr lang="en-US" sz="3600" u="none" strike="noStrike" cap="none">
                 <a:solidFill>
                   <a:srgbClr val="FFFF00"/>
                 </a:solidFill>
-                <a:latin typeface="Cabin"/>
-                <a:ea typeface="Cabin"/>
-                <a:cs typeface="Cabin"/>
+                <a:latin typeface="Arial" charset="0"/>
+                <a:ea typeface="Arial" charset="0"/>
+                <a:cs typeface="Arial" charset="0"/>
                 <a:sym typeface="Cabin"/>
               </a:rPr>
               <a:t>python words.py </a:t>
@@ -39319,21 +39295,21 @@
                 <a:solidFill>
                   <a:srgbClr val="FFFF00"/>
                 </a:solidFill>
-                <a:latin typeface="Cabin"/>
-                <a:ea typeface="Cabin"/>
-                <a:cs typeface="Cabin"/>
+                <a:latin typeface="Arial" charset="0"/>
+                <a:ea typeface="Arial" charset="0"/>
+                <a:cs typeface="Arial" charset="0"/>
                 <a:sym typeface="Cabin"/>
               </a:rPr>
               <a:t> </a:t>
             </a:r>
             <a:r>
-              <a:rPr lang="en-US" sz="3600" b="0" i="0" u="none" strike="noStrike" cap="none">
+              <a:rPr lang="en-US" sz="3600" u="none" strike="noStrike" cap="none">
                 <a:solidFill>
                   <a:srgbClr val="FFFF00"/>
                 </a:solidFill>
-                <a:latin typeface="Cabin"/>
-                <a:ea typeface="Cabin"/>
-                <a:cs typeface="Cabin"/>
+                <a:latin typeface="Arial" charset="0"/>
+                <a:ea typeface="Arial" charset="0"/>
+                <a:cs typeface="Arial" charset="0"/>
                 <a:sym typeface="Cabin"/>
               </a:rPr>
               <a:t>Enter file: </a:t>
@@ -39343,21 +39319,21 @@
                 <a:solidFill>
                   <a:schemeClr val="lt1"/>
                 </a:solidFill>
-                <a:latin typeface="Cabin"/>
-                <a:ea typeface="Cabin"/>
-                <a:cs typeface="Cabin"/>
+                <a:latin typeface="Arial" charset="0"/>
+                <a:ea typeface="Arial" charset="0"/>
+                <a:cs typeface="Arial" charset="0"/>
                 <a:sym typeface="Cabin"/>
               </a:rPr>
               <a:t>clown</a:t>
             </a:r>
             <a:r>
-              <a:rPr lang="en-US" sz="3600" b="0" i="0" u="none" strike="noStrike" cap="none">
+              <a:rPr lang="en-US" sz="3600" u="none" strike="noStrike" cap="none">
                 <a:solidFill>
                   <a:schemeClr val="lt1"/>
                 </a:solidFill>
-                <a:latin typeface="Cabin"/>
-                <a:ea typeface="Cabin"/>
-                <a:cs typeface="Cabin"/>
+                <a:latin typeface="Arial" charset="0"/>
+                <a:ea typeface="Arial" charset="0"/>
+                <a:cs typeface="Arial" charset="0"/>
                 <a:sym typeface="Cabin"/>
               </a:rPr>
               <a:t>.txt</a:t>
@@ -39386,21 +39362,21 @@
                 <a:solidFill>
                   <a:srgbClr val="FFFF00"/>
                 </a:solidFill>
-                <a:latin typeface="Cabin"/>
-                <a:ea typeface="Cabin"/>
-                <a:cs typeface="Cabin"/>
+                <a:latin typeface="Arial" charset="0"/>
+                <a:ea typeface="Arial" charset="0"/>
+                <a:cs typeface="Arial" charset="0"/>
                 <a:sym typeface="Cabin"/>
               </a:rPr>
               <a:t> </a:t>
             </a:r>
             <a:r>
-              <a:rPr lang="en-US" sz="3600" b="0" i="0" u="none" strike="noStrike" cap="none">
+              <a:rPr lang="en-US" sz="3600" u="none" strike="noStrike" cap="none">
                 <a:solidFill>
                   <a:srgbClr val="FFFF00"/>
                 </a:solidFill>
-                <a:latin typeface="Cabin"/>
-                <a:ea typeface="Cabin"/>
-                <a:cs typeface="Cabin"/>
+                <a:latin typeface="Arial" charset="0"/>
+                <a:ea typeface="Arial" charset="0"/>
+                <a:cs typeface="Arial" charset="0"/>
                 <a:sym typeface="Cabin"/>
               </a:rPr>
               <a:t>t</a:t>
@@ -39410,9 +39386,9 @@
                 <a:solidFill>
                   <a:srgbClr val="FFFF00"/>
                 </a:solidFill>
-                <a:latin typeface="Cabin"/>
-                <a:ea typeface="Cabin"/>
-                <a:cs typeface="Cabin"/>
+                <a:latin typeface="Arial" charset="0"/>
+                <a:ea typeface="Arial" charset="0"/>
+                <a:cs typeface="Arial" charset="0"/>
                 <a:sym typeface="Cabin"/>
               </a:rPr>
               <a:t>he 7</a:t>
@@ -39473,21 +39449,21 @@
                 <a:solidFill>
                   <a:srgbClr val="FFFF00"/>
                 </a:solidFill>
-                <a:latin typeface="Cabin"/>
-                <a:ea typeface="Cabin"/>
-                <a:cs typeface="Cabin"/>
+                <a:latin typeface="Arial" charset="0"/>
+                <a:ea typeface="Arial" charset="0"/>
+                <a:cs typeface="Arial" charset="0"/>
                 <a:sym typeface="Cabin"/>
               </a:rPr>
               <a:t> </a:t>
             </a:r>
             <a:r>
-              <a:rPr lang="en-US" sz="3600" b="0" i="0" u="none" strike="noStrike" cap="none">
+              <a:rPr lang="en-US" sz="3600" u="none" strike="noStrike" cap="none">
                 <a:solidFill>
                   <a:srgbClr val="FFFF00"/>
                 </a:solidFill>
-                <a:latin typeface="Cabin"/>
-                <a:ea typeface="Cabin"/>
-                <a:cs typeface="Cabin"/>
+                <a:latin typeface="Arial" charset="0"/>
+                <a:ea typeface="Arial" charset="0"/>
+                <a:cs typeface="Arial" charset="0"/>
                 <a:sym typeface="Cabin"/>
               </a:rPr>
               <a:t>python words.py </a:t>
@@ -39516,33 +39492,33 @@
                 <a:solidFill>
                   <a:srgbClr val="FFFF00"/>
                 </a:solidFill>
-                <a:latin typeface="Cabin"/>
-                <a:ea typeface="Cabin"/>
-                <a:cs typeface="Cabin"/>
+                <a:latin typeface="Arial" charset="0"/>
+                <a:ea typeface="Arial" charset="0"/>
+                <a:cs typeface="Arial" charset="0"/>
                 <a:sym typeface="Cabin"/>
               </a:rPr>
               <a:t> </a:t>
             </a:r>
             <a:r>
-              <a:rPr lang="en-US" sz="3600" b="0" i="0" u="none" strike="noStrike" cap="none">
+              <a:rPr lang="en-US" sz="3600" u="none" strike="noStrike" cap="none">
                 <a:solidFill>
                   <a:srgbClr val="FFFF00"/>
                 </a:solidFill>
-                <a:latin typeface="Cabin"/>
-                <a:ea typeface="Cabin"/>
-                <a:cs typeface="Cabin"/>
+                <a:latin typeface="Arial" charset="0"/>
+                <a:ea typeface="Arial" charset="0"/>
+                <a:cs typeface="Arial" charset="0"/>
                 <a:sym typeface="Cabin"/>
               </a:rPr>
               <a:t>Enter file: </a:t>
             </a:r>
             <a:r>
-              <a:rPr lang="en-US" sz="3600" b="0" i="0" u="none" strike="noStrike" cap="none">
+              <a:rPr lang="en-US" sz="3600" u="none" strike="noStrike" cap="none">
                 <a:solidFill>
                   <a:schemeClr val="lt1"/>
                 </a:solidFill>
-                <a:latin typeface="Cabin"/>
-                <a:ea typeface="Cabin"/>
-                <a:cs typeface="Cabin"/>
+                <a:latin typeface="Arial" charset="0"/>
+                <a:ea typeface="Arial" charset="0"/>
+                <a:cs typeface="Arial" charset="0"/>
                 <a:sym typeface="Cabin"/>
               </a:rPr>
               <a:t>words.txt</a:t>
@@ -39571,21 +39547,21 @@
                 <a:solidFill>
                   <a:srgbClr val="FFFF00"/>
                 </a:solidFill>
-                <a:latin typeface="Cabin"/>
-                <a:ea typeface="Cabin"/>
-                <a:cs typeface="Cabin"/>
+                <a:latin typeface="Arial" charset="0"/>
+                <a:ea typeface="Arial" charset="0"/>
+                <a:cs typeface="Arial" charset="0"/>
                 <a:sym typeface="Cabin"/>
               </a:rPr>
               <a:t> </a:t>
             </a:r>
             <a:r>
-              <a:rPr lang="en-US" sz="3600" b="0" i="0" u="none" strike="noStrike" cap="none">
+              <a:rPr lang="en-US" sz="3600" u="none" strike="noStrike" cap="none">
                 <a:solidFill>
                   <a:srgbClr val="FFFF00"/>
                 </a:solidFill>
-                <a:latin typeface="Cabin"/>
-                <a:ea typeface="Cabin"/>
-                <a:cs typeface="Cabin"/>
+                <a:latin typeface="Arial" charset="0"/>
+                <a:ea typeface="Arial" charset="0"/>
+                <a:cs typeface="Arial" charset="0"/>
                 <a:sym typeface="Cabin"/>
               </a:rPr>
               <a:t>to 16</a:t>
@@ -39665,13 +39641,13 @@
               <a:buNone/>
             </a:pPr>
             <a:r>
-              <a:rPr lang="en-US" sz="7600" b="0" i="0" u="none" strike="noStrike" cap="none">
+              <a:rPr lang="en-US" sz="7600" u="none" strike="noStrike" cap="none">
                 <a:solidFill>
                   <a:srgbClr val="FFFF00"/>
                 </a:solidFill>
-                <a:latin typeface="Cabin"/>
-                <a:ea typeface="Cabin"/>
-                <a:cs typeface="Cabin"/>
+                <a:latin typeface="Arial" charset="0"/>
+                <a:ea typeface="Arial" charset="0"/>
+                <a:cs typeface="Arial" charset="0"/>
                 <a:sym typeface="Cabin"/>
               </a:rPr>
               <a:t>Summary</a:t>
@@ -40110,13 +40086,13 @@
               <a:buNone/>
             </a:pPr>
             <a:r>
-              <a:rPr lang="en-US" sz="7600" b="0" i="0" u="none" strike="noStrike" cap="none">
+              <a:rPr lang="en-US" sz="7600" u="none" strike="noStrike" cap="none">
                 <a:solidFill>
                   <a:srgbClr val="FFFF00"/>
                 </a:solidFill>
-                <a:latin typeface="Cabin"/>
-                <a:ea typeface="Cabin"/>
-                <a:cs typeface="Cabin"/>
+                <a:latin typeface="Arial" charset="0"/>
+                <a:ea typeface="Arial" charset="0"/>
+                <a:cs typeface="Arial" charset="0"/>
                 <a:sym typeface="Cabin"/>
               </a:rPr>
               <a:t>A Story of  Two Collections..</a:t>
@@ -40171,13 +40147,13 @@
               <a:buChar char="•"/>
             </a:pPr>
             <a:r>
-              <a:rPr lang="en-US" sz="3600" b="0" i="0" u="none" strike="noStrike" cap="none">
+              <a:rPr lang="en-US" sz="3600" u="none" strike="noStrike" cap="none">
                 <a:solidFill>
                   <a:srgbClr val="00FF00"/>
                 </a:solidFill>
-                <a:latin typeface="Cabin"/>
-                <a:ea typeface="Cabin"/>
-                <a:cs typeface="Cabin"/>
+                <a:latin typeface="Arial" charset="0"/>
+                <a:ea typeface="Arial" charset="0"/>
+                <a:cs typeface="Arial" charset="0"/>
                 <a:sym typeface="Cabin"/>
               </a:rPr>
               <a:t>List</a:t>
@@ -40201,13 +40177,13 @@
               <a:buFont typeface="Cabin"/>
             </a:pPr>
             <a:r>
-              <a:rPr lang="en-US" sz="3600" b="0" i="0" u="none" strike="noStrike" cap="none">
+              <a:rPr lang="en-US" sz="3600" u="none" strike="noStrike" cap="none">
                 <a:solidFill>
                   <a:schemeClr val="lt1"/>
                 </a:solidFill>
-                <a:latin typeface="Cabin"/>
-                <a:ea typeface="Cabin"/>
-                <a:cs typeface="Cabin"/>
+                <a:latin typeface="Arial" charset="0"/>
+                <a:ea typeface="Arial" charset="0"/>
+                <a:cs typeface="Arial" charset="0"/>
                 <a:sym typeface="Cabin"/>
               </a:rPr>
               <a:t>A linear collection of values that stay in order</a:t>
@@ -40228,13 +40204,13 @@
               <a:buFont typeface="Cabin"/>
               <a:buNone/>
             </a:pPr>
-            <a:endParaRPr sz="3600" b="0" i="0" u="none" strike="noStrike" cap="none">
+            <a:endParaRPr sz="3600" u="none" strike="noStrike" cap="none">
               <a:solidFill>
                 <a:schemeClr val="lt1"/>
               </a:solidFill>
-              <a:latin typeface="Cabin"/>
-              <a:ea typeface="Cabin"/>
-              <a:cs typeface="Cabin"/>
+              <a:latin typeface="Arial" charset="0"/>
+              <a:ea typeface="Arial" charset="0"/>
+              <a:cs typeface="Arial" charset="0"/>
               <a:sym typeface="Cabin"/>
             </a:endParaRPr>
           </a:p>
@@ -40257,13 +40233,13 @@
               <a:buChar char="•"/>
             </a:pPr>
             <a:r>
-              <a:rPr lang="en-US" sz="3600" b="0" i="0" u="none" strike="noStrike" cap="none">
+              <a:rPr lang="en-US" sz="3600" u="none" strike="noStrike" cap="none">
                 <a:solidFill>
                   <a:srgbClr val="FF00FF"/>
                 </a:solidFill>
-                <a:latin typeface="Cabin"/>
-                <a:ea typeface="Cabin"/>
-                <a:cs typeface="Cabin"/>
+                <a:latin typeface="Arial" charset="0"/>
+                <a:ea typeface="Arial" charset="0"/>
+                <a:cs typeface="Arial" charset="0"/>
                 <a:sym typeface="Cabin"/>
               </a:rPr>
               <a:t>Dictionary</a:t>
@@ -40287,13 +40263,13 @@
               <a:buFont typeface="Cabin"/>
             </a:pPr>
             <a:r>
-              <a:rPr lang="en-US" sz="3600" b="0" i="0" u="none" strike="noStrike" cap="none">
+              <a:rPr lang="en-US" sz="3600" u="none" strike="noStrike" cap="none">
                 <a:solidFill>
                   <a:schemeClr val="lt1"/>
                 </a:solidFill>
-                <a:latin typeface="Cabin"/>
-                <a:ea typeface="Cabin"/>
-                <a:cs typeface="Cabin"/>
+                <a:latin typeface="Arial" charset="0"/>
+                <a:ea typeface="Arial" charset="0"/>
+                <a:cs typeface="Arial" charset="0"/>
                 <a:sym typeface="Cabin"/>
               </a:rPr>
               <a:t>A </a:t>
@@ -40311,13 +40287,13 @@
               <a:t>“</a:t>
             </a:r>
             <a:r>
-              <a:rPr lang="en-US" sz="3600" b="0" i="0" u="none" strike="noStrike" cap="none">
+              <a:rPr lang="en-US" sz="3600" u="none" strike="noStrike" cap="none">
                 <a:solidFill>
                   <a:schemeClr val="lt1"/>
                 </a:solidFill>
-                <a:latin typeface="Cabin"/>
-                <a:ea typeface="Cabin"/>
-                <a:cs typeface="Cabin"/>
+                <a:latin typeface="Arial" charset="0"/>
+                <a:ea typeface="Arial" charset="0"/>
+                <a:cs typeface="Arial" charset="0"/>
                 <a:sym typeface="Cabin"/>
               </a:rPr>
               <a:t>bag</a:t>
@@ -40335,13 +40311,13 @@
               <a:t>”</a:t>
             </a:r>
             <a:r>
-              <a:rPr lang="en-US" sz="3600" b="0" i="0" u="none" strike="noStrike" cap="none">
+              <a:rPr lang="en-US" sz="3600" u="none" strike="noStrike" cap="none">
                 <a:solidFill>
                   <a:schemeClr val="lt1"/>
                 </a:solidFill>
-                <a:latin typeface="Cabin"/>
-                <a:ea typeface="Cabin"/>
-                <a:cs typeface="Cabin"/>
+                <a:latin typeface="Arial" charset="0"/>
+                <a:ea typeface="Arial" charset="0"/>
+                <a:cs typeface="Arial" charset="0"/>
                 <a:sym typeface="Cabin"/>
               </a:rPr>
               <a:t> of values, each with its own label</a:t>
@@ -40556,13 +40532,13 @@
               <a:buNone/>
             </a:pPr>
             <a:r>
-              <a:rPr lang="en-US" sz="7600" b="0" i="0" u="none" strike="noStrike" cap="none">
+              <a:rPr lang="en-US" sz="7600" u="none" strike="noStrike" cap="none">
                 <a:solidFill>
                   <a:srgbClr val="FFFF00"/>
                 </a:solidFill>
-                <a:latin typeface="Cabin"/>
-                <a:ea typeface="Cabin"/>
-                <a:cs typeface="Cabin"/>
+                <a:latin typeface="Arial" charset="0"/>
+                <a:ea typeface="Arial" charset="0"/>
+                <a:cs typeface="Arial" charset="0"/>
                 <a:sym typeface="Cabin"/>
               </a:rPr>
               <a:t>Dictionaries</a:t>
@@ -40669,13 +40645,13 @@
               <a:buNone/>
             </a:pPr>
             <a:r>
-              <a:rPr lang="en-US" sz="3600" b="0" i="0" u="none" strike="noStrike" cap="none">
+              <a:rPr lang="en-US" sz="3600" u="none" strike="noStrike" cap="none">
                 <a:solidFill>
                   <a:schemeClr val="lt1"/>
                 </a:solidFill>
-                <a:latin typeface="Cabin"/>
-                <a:ea typeface="Cabin"/>
-                <a:cs typeface="Cabin"/>
+                <a:latin typeface="Arial" charset="0"/>
+                <a:ea typeface="Arial" charset="0"/>
+                <a:cs typeface="Arial" charset="0"/>
                 <a:sym typeface="Cabin"/>
               </a:rPr>
               <a:t>money</a:t>
@@ -40728,13 +40704,13 @@
               <a:buNone/>
             </a:pPr>
             <a:r>
-              <a:rPr lang="en-US" sz="3600" b="0" i="0" u="none" strike="noStrike" cap="none">
+              <a:rPr lang="en-US" sz="3600" u="none" strike="noStrike" cap="none">
                 <a:solidFill>
                   <a:schemeClr val="lt1"/>
                 </a:solidFill>
-                <a:latin typeface="Cabin"/>
-                <a:ea typeface="Cabin"/>
-                <a:cs typeface="Cabin"/>
+                <a:latin typeface="Arial" charset="0"/>
+                <a:ea typeface="Arial" charset="0"/>
+                <a:cs typeface="Arial" charset="0"/>
                 <a:sym typeface="Cabin"/>
               </a:rPr>
               <a:t>tissue</a:t>
@@ -40787,13 +40763,13 @@
               <a:buNone/>
             </a:pPr>
             <a:r>
-              <a:rPr lang="en-US" sz="3600" b="0" i="0" u="none" strike="noStrike" cap="none">
+              <a:rPr lang="en-US" sz="3600" u="none" strike="noStrike" cap="none">
                 <a:solidFill>
                   <a:schemeClr val="lt1"/>
                 </a:solidFill>
-                <a:latin typeface="Cabin"/>
-                <a:ea typeface="Cabin"/>
-                <a:cs typeface="Cabin"/>
+                <a:latin typeface="Arial" charset="0"/>
+                <a:ea typeface="Arial" charset="0"/>
+                <a:cs typeface="Arial" charset="0"/>
                 <a:sym typeface="Cabin"/>
               </a:rPr>
               <a:t>calculator</a:t>
@@ -40846,13 +40822,13 @@
               <a:buNone/>
             </a:pPr>
             <a:r>
-              <a:rPr lang="en-US" sz="3600" b="0" i="0" u="none" strike="noStrike" cap="none">
+              <a:rPr lang="en-US" sz="3600" u="none" strike="noStrike" cap="none">
                 <a:solidFill>
                   <a:schemeClr val="lt1"/>
                 </a:solidFill>
-                <a:latin typeface="Cabin"/>
-                <a:ea typeface="Cabin"/>
-                <a:cs typeface="Cabin"/>
+                <a:latin typeface="Arial" charset="0"/>
+                <a:ea typeface="Arial" charset="0"/>
+                <a:cs typeface="Arial" charset="0"/>
                 <a:sym typeface="Cabin"/>
               </a:rPr>
               <a:t>perfume</a:t>
@@ -40905,13 +40881,13 @@
               <a:buNone/>
             </a:pPr>
             <a:r>
-              <a:rPr lang="en-US" sz="3600" b="0" i="0" u="none" strike="noStrike" cap="none">
+              <a:rPr lang="en-US" sz="3600" u="none" strike="noStrike" cap="none">
                 <a:solidFill>
                   <a:schemeClr val="lt1"/>
                 </a:solidFill>
-                <a:latin typeface="Cabin"/>
-                <a:ea typeface="Cabin"/>
-                <a:cs typeface="Cabin"/>
+                <a:latin typeface="Arial" charset="0"/>
+                <a:ea typeface="Arial" charset="0"/>
+                <a:cs typeface="Arial" charset="0"/>
                 <a:sym typeface="Cabin"/>
               </a:rPr>
               <a:t>candy</a:t>
@@ -40962,13 +40938,13 @@
               <a:buNone/>
             </a:pPr>
             <a:r>
-              <a:rPr lang="en-US" sz="3000" b="0" i="0" u="sng" strike="noStrike" cap="none">
+              <a:rPr lang="en-US" sz="3000" u="sng" strike="noStrike" cap="none">
                 <a:solidFill>
                   <a:srgbClr val="FFFF00"/>
                 </a:solidFill>
-                <a:latin typeface="Cabin"/>
-                <a:ea typeface="Cabin"/>
-                <a:cs typeface="Cabin"/>
+                <a:latin typeface="Arial" charset="0"/>
+                <a:ea typeface="Arial" charset="0"/>
+                <a:cs typeface="Arial" charset="0"/>
                 <a:sym typeface="Cabin"/>
                 <a:hlinkClick r:id="rId5"/>
               </a:rPr>
@@ -41049,13 +41025,13 @@
               <a:buNone/>
             </a:pPr>
             <a:r>
-              <a:rPr lang="en-US" sz="7600" b="0" i="0" u="none" strike="noStrike" cap="none">
+              <a:rPr lang="en-US" sz="7600" u="none" strike="noStrike" cap="none">
                 <a:solidFill>
                   <a:srgbClr val="FFFF00"/>
                 </a:solidFill>
-                <a:latin typeface="Cabin"/>
-                <a:ea typeface="Cabin"/>
-                <a:cs typeface="Cabin"/>
+                <a:latin typeface="Arial" charset="0"/>
+                <a:ea typeface="Arial" charset="0"/>
+                <a:cs typeface="Arial" charset="0"/>
                 <a:sym typeface="Cabin"/>
               </a:rPr>
               <a:t>Dictionaries</a:t>
@@ -41110,13 +41086,13 @@
               <a:buChar char="•"/>
             </a:pPr>
             <a:r>
-              <a:rPr lang="en-US" sz="3000" b="0" i="0" u="none" strike="noStrike" cap="none">
+              <a:rPr lang="en-US" sz="3000" u="none" strike="noStrike" cap="none">
                 <a:solidFill>
                   <a:schemeClr val="lt1"/>
                 </a:solidFill>
-                <a:latin typeface="Cabin"/>
-                <a:ea typeface="Cabin"/>
-                <a:cs typeface="Cabin"/>
+                <a:latin typeface="Arial" charset="0"/>
+                <a:ea typeface="Arial" charset="0"/>
+                <a:cs typeface="Arial" charset="0"/>
                 <a:sym typeface="Cabin"/>
               </a:rPr>
               <a:t>Dictionaries are Python’s most powerful data collection</a:t>
@@ -41141,13 +41117,13 @@
               <a:buChar char="•"/>
             </a:pPr>
             <a:r>
-              <a:rPr lang="en-US" sz="3000" b="0" i="0" u="none" strike="noStrike" cap="none">
+              <a:rPr lang="en-US" sz="3000" u="none" strike="noStrike" cap="none">
                 <a:solidFill>
                   <a:schemeClr val="lt1"/>
                 </a:solidFill>
-                <a:latin typeface="Cabin"/>
-                <a:ea typeface="Cabin"/>
-                <a:cs typeface="Cabin"/>
+                <a:latin typeface="Arial" charset="0"/>
+                <a:ea typeface="Arial" charset="0"/>
+                <a:cs typeface="Arial" charset="0"/>
                 <a:sym typeface="Cabin"/>
               </a:rPr>
               <a:t>Dictionaries allow us to do fast database-like operations in Python</a:t>
@@ -41172,13 +41148,13 @@
               <a:buChar char="•"/>
             </a:pPr>
             <a:r>
-              <a:rPr lang="en-US" sz="3000" b="0" i="0" u="none" strike="noStrike" cap="none">
+              <a:rPr lang="en-US" sz="3000" u="none" strike="noStrike" cap="none">
                 <a:solidFill>
                   <a:schemeClr val="lt1"/>
                 </a:solidFill>
-                <a:latin typeface="Cabin"/>
-                <a:ea typeface="Cabin"/>
-                <a:cs typeface="Cabin"/>
+                <a:latin typeface="Arial" charset="0"/>
+                <a:ea typeface="Arial" charset="0"/>
+                <a:cs typeface="Arial" charset="0"/>
                 <a:sym typeface="Cabin"/>
               </a:rPr>
               <a:t>Dictionaries have different names in different languages</a:t>
@@ -41202,13 +41178,13 @@
               <a:buFont typeface="Cabin"/>
             </a:pPr>
             <a:r>
-              <a:rPr lang="en-US" sz="3000" b="0" i="0" u="none" strike="noStrike" cap="none">
+              <a:rPr lang="en-US" sz="3000" u="none" strike="noStrike" cap="none">
                 <a:solidFill>
                   <a:schemeClr val="lt1"/>
                 </a:solidFill>
-                <a:latin typeface="Cabin"/>
-                <a:ea typeface="Cabin"/>
-                <a:cs typeface="Cabin"/>
+                <a:latin typeface="Arial" charset="0"/>
+                <a:ea typeface="Arial" charset="0"/>
+                <a:cs typeface="Arial" charset="0"/>
                 <a:sym typeface="Cabin"/>
               </a:rPr>
               <a:t>Associative Arrays - Perl / P</a:t>
@@ -41218,9 +41194,9 @@
                 <a:solidFill>
                   <a:schemeClr val="lt1"/>
                 </a:solidFill>
-                <a:latin typeface="Cabin"/>
-                <a:ea typeface="Cabin"/>
-                <a:cs typeface="Cabin"/>
+                <a:latin typeface="Arial" charset="0"/>
+                <a:ea typeface="Arial" charset="0"/>
+                <a:cs typeface="Arial" charset="0"/>
                 <a:sym typeface="Cabin"/>
               </a:rPr>
               <a:t>HP</a:t>
@@ -41244,13 +41220,13 @@
               <a:buFont typeface="Cabin"/>
             </a:pPr>
             <a:r>
-              <a:rPr lang="en-US" sz="3000" b="0" i="0" u="none" strike="noStrike" cap="none">
+              <a:rPr lang="en-US" sz="3000" u="none" strike="noStrike" cap="none">
                 <a:solidFill>
                   <a:schemeClr val="lt1"/>
                 </a:solidFill>
-                <a:latin typeface="Cabin"/>
-                <a:ea typeface="Cabin"/>
-                <a:cs typeface="Cabin"/>
+                <a:latin typeface="Arial" charset="0"/>
+                <a:ea typeface="Arial" charset="0"/>
+                <a:cs typeface="Arial" charset="0"/>
                 <a:sym typeface="Cabin"/>
               </a:rPr>
               <a:t>Properties or Map or HashMap - Java</a:t>
@@ -41274,13 +41250,13 @@
               <a:buFont typeface="Cabin"/>
             </a:pPr>
             <a:r>
-              <a:rPr lang="en-US" sz="3000" b="0" i="0" u="none" strike="noStrike" cap="none">
+              <a:rPr lang="en-US" sz="3000" u="none" strike="noStrike" cap="none">
                 <a:solidFill>
                   <a:schemeClr val="lt1"/>
                 </a:solidFill>
-                <a:latin typeface="Cabin"/>
-                <a:ea typeface="Cabin"/>
-                <a:cs typeface="Cabin"/>
+                <a:latin typeface="Arial" charset="0"/>
+                <a:ea typeface="Arial" charset="0"/>
+                <a:cs typeface="Arial" charset="0"/>
                 <a:sym typeface="Cabin"/>
               </a:rPr>
               <a:t>Property Bag - C# / .Net</a:t>
@@ -41331,13 +41307,13 @@
               <a:buNone/>
             </a:pPr>
             <a:r>
-              <a:rPr lang="en-US" sz="3000" b="0" i="0" u="sng" strike="noStrike" cap="none">
+              <a:rPr lang="en-US" sz="3000" u="sng" strike="noStrike" cap="none">
                 <a:solidFill>
                   <a:srgbClr val="FFFF00"/>
                 </a:solidFill>
-                <a:latin typeface="Cabin"/>
-                <a:ea typeface="Cabin"/>
-                <a:cs typeface="Cabin"/>
+                <a:latin typeface="Arial" charset="0"/>
+                <a:ea typeface="Arial" charset="0"/>
+                <a:cs typeface="Arial" charset="0"/>
                 <a:sym typeface="Cabin"/>
                 <a:hlinkClick r:id="rId3"/>
               </a:rPr>
@@ -41445,13 +41421,13 @@
               <a:buNone/>
             </a:pPr>
             <a:r>
-              <a:rPr lang="en-US" sz="7600" b="0" i="0" u="none" strike="noStrike" cap="none">
+              <a:rPr lang="en-US" sz="7600" u="none" strike="noStrike" cap="none">
                 <a:solidFill>
                   <a:srgbClr val="FFFF00"/>
                 </a:solidFill>
-                <a:latin typeface="Cabin"/>
-                <a:ea typeface="Cabin"/>
-                <a:cs typeface="Cabin"/>
+                <a:latin typeface="Arial" charset="0"/>
+                <a:ea typeface="Arial" charset="0"/>
+                <a:cs typeface="Arial" charset="0"/>
                 <a:sym typeface="Cabin"/>
               </a:rPr>
               <a:t>Dictionaries</a:t>
@@ -41506,37 +41482,37 @@
               <a:buChar char="•"/>
             </a:pPr>
             <a:r>
-              <a:rPr lang="en-US" sz="3600" b="0" i="0" u="none" strike="noStrike" cap="none">
+              <a:rPr lang="en-US" sz="3600" u="none" strike="noStrike" cap="none">
                 <a:solidFill>
                   <a:schemeClr val="lt1"/>
                 </a:solidFill>
-                <a:latin typeface="Cabin"/>
-                <a:ea typeface="Cabin"/>
-                <a:cs typeface="Cabin"/>
+                <a:latin typeface="Arial" charset="0"/>
+                <a:ea typeface="Arial" charset="0"/>
+                <a:cs typeface="Arial" charset="0"/>
                 <a:sym typeface="Cabin"/>
               </a:rPr>
               <a:t>Lists </a:t>
             </a:r>
             <a:r>
-              <a:rPr lang="en-US" sz="3600" b="0" i="0" u="none" strike="noStrike" cap="none">
+              <a:rPr lang="en-US" sz="3600" u="none" strike="noStrike" cap="none">
                 <a:solidFill>
                   <a:srgbClr val="00FFFF"/>
                 </a:solidFill>
-                <a:latin typeface="Cabin"/>
-                <a:ea typeface="Cabin"/>
-                <a:cs typeface="Cabin"/>
+                <a:latin typeface="Arial" charset="0"/>
+                <a:ea typeface="Arial" charset="0"/>
+                <a:cs typeface="Arial" charset="0"/>
                 <a:sym typeface="Cabin"/>
               </a:rPr>
               <a:t>index</a:t>
             </a:r>
             <a:r>
-              <a:rPr lang="en-US" sz="3600" b="0" i="0" u="none" strike="noStrike" cap="none">
+              <a:rPr lang="en-US" sz="3600" u="none" strike="noStrike" cap="none">
                 <a:solidFill>
                   <a:schemeClr val="lt1"/>
                 </a:solidFill>
-                <a:latin typeface="Cabin"/>
-                <a:ea typeface="Cabin"/>
-                <a:cs typeface="Cabin"/>
+                <a:latin typeface="Arial" charset="0"/>
+                <a:ea typeface="Arial" charset="0"/>
+                <a:cs typeface="Arial" charset="0"/>
                 <a:sym typeface="Cabin"/>
               </a:rPr>
               <a:t> their entries based on the position in the list</a:t>
@@ -41561,25 +41537,25 @@
               <a:buChar char="•"/>
             </a:pPr>
             <a:r>
-              <a:rPr lang="en-US" sz="3600" b="0" i="0" u="none" strike="noStrike" cap="none">
+              <a:rPr lang="en-US" sz="3600" u="none" strike="noStrike" cap="none">
                 <a:solidFill>
                   <a:srgbClr val="FF00FF"/>
                 </a:solidFill>
-                <a:latin typeface="Cabin"/>
-                <a:ea typeface="Cabin"/>
-                <a:cs typeface="Cabin"/>
+                <a:latin typeface="Arial" charset="0"/>
+                <a:ea typeface="Arial" charset="0"/>
+                <a:cs typeface="Arial" charset="0"/>
                 <a:sym typeface="Cabin"/>
               </a:rPr>
               <a:t>Dictionaries</a:t>
             </a:r>
             <a:r>
-              <a:rPr lang="en-US" sz="3600" b="0" i="0" u="none" strike="noStrike" cap="none">
+              <a:rPr lang="en-US" sz="3600" u="none" strike="noStrike" cap="none">
                 <a:solidFill>
                   <a:schemeClr val="lt1"/>
                 </a:solidFill>
-                <a:latin typeface="Cabin"/>
-                <a:ea typeface="Cabin"/>
-                <a:cs typeface="Cabin"/>
+                <a:latin typeface="Arial" charset="0"/>
+                <a:ea typeface="Arial" charset="0"/>
+                <a:cs typeface="Arial" charset="0"/>
                 <a:sym typeface="Cabin"/>
               </a:rPr>
               <a:t> are like bags - no order</a:t>
@@ -41604,61 +41580,61 @@
               <a:buChar char="•"/>
             </a:pPr>
             <a:r>
-              <a:rPr lang="en-US" sz="3600" b="0" i="0" u="none" strike="noStrike" cap="none">
+              <a:rPr lang="en-US" sz="3600" u="none" strike="noStrike" cap="none">
                 <a:solidFill>
                   <a:schemeClr val="lt1"/>
                 </a:solidFill>
-                <a:latin typeface="Cabin"/>
-                <a:ea typeface="Cabin"/>
-                <a:cs typeface="Cabin"/>
+                <a:latin typeface="Arial" charset="0"/>
+                <a:ea typeface="Arial" charset="0"/>
+                <a:cs typeface="Arial" charset="0"/>
                 <a:sym typeface="Cabin"/>
               </a:rPr>
               <a:t>So we </a:t>
             </a:r>
             <a:r>
-              <a:rPr lang="en-US" sz="3600" b="0" i="0" u="none" strike="noStrike" cap="none">
+              <a:rPr lang="en-US" sz="3600" u="none" strike="noStrike" cap="none">
                 <a:solidFill>
                   <a:srgbClr val="00FFFF"/>
                 </a:solidFill>
-                <a:latin typeface="Cabin"/>
-                <a:ea typeface="Cabin"/>
-                <a:cs typeface="Cabin"/>
+                <a:latin typeface="Arial" charset="0"/>
+                <a:ea typeface="Arial" charset="0"/>
+                <a:cs typeface="Arial" charset="0"/>
                 <a:sym typeface="Cabin"/>
               </a:rPr>
               <a:t>index</a:t>
             </a:r>
             <a:r>
-              <a:rPr lang="en-US" sz="3600" b="0" i="0" u="none" strike="noStrike" cap="none">
+              <a:rPr lang="en-US" sz="3600" u="none" strike="noStrike" cap="none">
                 <a:solidFill>
                   <a:schemeClr val="lt1"/>
                 </a:solidFill>
-                <a:latin typeface="Cabin"/>
-                <a:ea typeface="Cabin"/>
-                <a:cs typeface="Cabin"/>
+                <a:latin typeface="Arial" charset="0"/>
+                <a:ea typeface="Arial" charset="0"/>
+                <a:cs typeface="Arial" charset="0"/>
                 <a:sym typeface="Cabin"/>
               </a:rPr>
               <a:t> the things we put in the </a:t>
             </a:r>
             <a:r>
-              <a:rPr lang="en-US" sz="3600" b="0" i="0" u="none" strike="noStrike" cap="none">
+              <a:rPr lang="en-US" sz="3600" u="none" strike="noStrike" cap="none">
                 <a:solidFill>
                   <a:srgbClr val="FF00FF"/>
                 </a:solidFill>
-                <a:latin typeface="Cabin"/>
-                <a:ea typeface="Cabin"/>
-                <a:cs typeface="Cabin"/>
+                <a:latin typeface="Arial" charset="0"/>
+                <a:ea typeface="Arial" charset="0"/>
+                <a:cs typeface="Arial" charset="0"/>
                 <a:sym typeface="Cabin"/>
               </a:rPr>
               <a:t>dictionary</a:t>
             </a:r>
             <a:r>
-              <a:rPr lang="en-US" sz="3600" b="0" i="0" u="none" strike="noStrike" cap="none">
+              <a:rPr lang="en-US" sz="3600" u="none" strike="noStrike" cap="none">
                 <a:solidFill>
                   <a:schemeClr val="lt1"/>
                 </a:solidFill>
-                <a:latin typeface="Cabin"/>
-                <a:ea typeface="Cabin"/>
-                <a:cs typeface="Cabin"/>
+                <a:latin typeface="Arial" charset="0"/>
+                <a:ea typeface="Arial" charset="0"/>
+                <a:cs typeface="Arial" charset="0"/>
                 <a:sym typeface="Cabin"/>
               </a:rPr>
               <a:t> with a </a:t>
@@ -41676,13 +41652,13 @@
               <a:t>“</a:t>
             </a:r>
             <a:r>
-              <a:rPr lang="en-US" sz="3600" b="0" i="0" u="none" strike="noStrike" cap="none">
+              <a:rPr lang="en-US" sz="3600" u="none" strike="noStrike" cap="none">
                 <a:solidFill>
                   <a:srgbClr val="00FFFF"/>
                 </a:solidFill>
-                <a:latin typeface="Cabin"/>
-                <a:ea typeface="Cabin"/>
-                <a:cs typeface="Cabin"/>
+                <a:latin typeface="Arial" charset="0"/>
+                <a:ea typeface="Arial" charset="0"/>
+                <a:cs typeface="Arial" charset="0"/>
                 <a:sym typeface="Cabin"/>
               </a:rPr>
               <a:t>lookup tag</a:t>
@@ -42513,13 +42489,13 @@
               <a:buNone/>
             </a:pPr>
             <a:r>
-              <a:rPr lang="en-US" sz="7600" b="0" i="0" u="none" strike="noStrike" cap="none">
+              <a:rPr lang="en-US" sz="7600" u="none" strike="noStrike" cap="none">
                 <a:solidFill>
                   <a:srgbClr val="FFFF00"/>
                 </a:solidFill>
-                <a:latin typeface="Cabin"/>
-                <a:ea typeface="Cabin"/>
-                <a:cs typeface="Cabin"/>
+                <a:latin typeface="Arial" charset="0"/>
+                <a:ea typeface="Arial" charset="0"/>
+                <a:cs typeface="Arial" charset="0"/>
                 <a:sym typeface="Cabin"/>
               </a:rPr>
               <a:t>Comparing Lists and Dictionaries</a:t>
@@ -42574,25 +42550,25 @@
               <a:buChar char="•"/>
             </a:pPr>
             <a:r>
-              <a:rPr lang="en-US" sz="3600" b="0" i="0" u="none" strike="noStrike" cap="none">
+              <a:rPr lang="en-US" sz="3600" u="none" strike="noStrike" cap="none">
                 <a:solidFill>
                   <a:srgbClr val="FF00FF"/>
                 </a:solidFill>
-                <a:latin typeface="Cabin"/>
-                <a:ea typeface="Cabin"/>
-                <a:cs typeface="Cabin"/>
+                <a:latin typeface="Arial" charset="0"/>
+                <a:ea typeface="Arial" charset="0"/>
+                <a:cs typeface="Arial" charset="0"/>
                 <a:sym typeface="Cabin"/>
               </a:rPr>
               <a:t>Dictionaries</a:t>
             </a:r>
             <a:r>
-              <a:rPr lang="en-US" sz="3600" b="0" i="0" u="none" strike="noStrike" cap="none">
+              <a:rPr lang="en-US" sz="3600" u="none" strike="noStrike" cap="none">
                 <a:solidFill>
                   <a:schemeClr val="lt1"/>
                 </a:solidFill>
-                <a:latin typeface="Cabin"/>
-                <a:ea typeface="Cabin"/>
-                <a:cs typeface="Cabin"/>
+                <a:latin typeface="Arial" charset="0"/>
+                <a:ea typeface="Arial" charset="0"/>
+                <a:cs typeface="Arial" charset="0"/>
                 <a:sym typeface="Cabin"/>
               </a:rPr>
               <a:t> are like </a:t>
@@ -42602,93 +42578,93 @@
                 <a:solidFill>
                   <a:srgbClr val="00FF00"/>
                 </a:solidFill>
-                <a:latin typeface="Cabin"/>
-                <a:ea typeface="Cabin"/>
-                <a:cs typeface="Cabin"/>
+                <a:latin typeface="Arial" charset="0"/>
+                <a:ea typeface="Arial" charset="0"/>
+                <a:cs typeface="Arial" charset="0"/>
                 <a:sym typeface="Cabin"/>
               </a:rPr>
               <a:t>l</a:t>
             </a:r>
             <a:r>
-              <a:rPr lang="en-US" sz="3600" b="0" i="0" u="none" strike="noStrike" cap="none">
+              <a:rPr lang="en-US" sz="3600" u="none" strike="noStrike" cap="none">
                 <a:solidFill>
                   <a:srgbClr val="00FF00"/>
                 </a:solidFill>
-                <a:latin typeface="Cabin"/>
-                <a:ea typeface="Cabin"/>
-                <a:cs typeface="Cabin"/>
+                <a:latin typeface="Arial" charset="0"/>
+                <a:ea typeface="Arial" charset="0"/>
+                <a:cs typeface="Arial" charset="0"/>
                 <a:sym typeface="Cabin"/>
               </a:rPr>
               <a:t>ists</a:t>
             </a:r>
             <a:r>
-              <a:rPr lang="en-US" sz="3600" b="0" i="0" u="none" strike="noStrike" cap="none">
+              <a:rPr lang="en-US" sz="3600" u="none" strike="noStrike" cap="none">
                 <a:solidFill>
                   <a:schemeClr val="lt1"/>
                 </a:solidFill>
-                <a:latin typeface="Cabin"/>
-                <a:ea typeface="Cabin"/>
-                <a:cs typeface="Cabin"/>
+                <a:latin typeface="Arial" charset="0"/>
+                <a:ea typeface="Arial" charset="0"/>
+                <a:cs typeface="Arial" charset="0"/>
                 <a:sym typeface="Cabin"/>
               </a:rPr>
               <a:t> except that they use </a:t>
             </a:r>
             <a:r>
-              <a:rPr lang="en-US" sz="3600" b="0" i="0" u="none" strike="noStrike" cap="none">
+              <a:rPr lang="en-US" sz="3600" u="none" strike="noStrike" cap="none">
                 <a:solidFill>
                   <a:srgbClr val="FF7F00"/>
                 </a:solidFill>
-                <a:latin typeface="Cabin"/>
-                <a:ea typeface="Cabin"/>
-                <a:cs typeface="Cabin"/>
+                <a:latin typeface="Arial" charset="0"/>
+                <a:ea typeface="Arial" charset="0"/>
+                <a:cs typeface="Arial" charset="0"/>
                 <a:sym typeface="Cabin"/>
               </a:rPr>
               <a:t>keys</a:t>
             </a:r>
             <a:r>
-              <a:rPr lang="en-US" sz="3600" b="0" i="0" u="none" strike="noStrike" cap="none">
+              <a:rPr lang="en-US" sz="3600" u="none" strike="noStrike" cap="none">
                 <a:solidFill>
                   <a:schemeClr val="lt1"/>
                 </a:solidFill>
-                <a:latin typeface="Cabin"/>
-                <a:ea typeface="Cabin"/>
-                <a:cs typeface="Cabin"/>
+                <a:latin typeface="Arial" charset="0"/>
+                <a:ea typeface="Arial" charset="0"/>
+                <a:cs typeface="Arial" charset="0"/>
                 <a:sym typeface="Cabin"/>
               </a:rPr>
               <a:t> instead of </a:t>
             </a:r>
             <a:r>
-              <a:rPr lang="en-US" sz="3600" b="0" i="0" u="none" strike="noStrike" cap="none">
+              <a:rPr lang="en-US" sz="3600" u="none" strike="noStrike" cap="none">
                 <a:solidFill>
                   <a:srgbClr val="FFFFFF"/>
                 </a:solidFill>
-                <a:latin typeface="Cabin"/>
-                <a:ea typeface="Cabin"/>
-                <a:cs typeface="Cabin"/>
+                <a:latin typeface="Arial" charset="0"/>
+                <a:ea typeface="Arial" charset="0"/>
+                <a:cs typeface="Arial" charset="0"/>
                 <a:sym typeface="Cabin"/>
               </a:rPr>
               <a:t>numbers</a:t>
             </a:r>
             <a:r>
-              <a:rPr lang="en-US" sz="3600" b="0" i="0" u="none" strike="noStrike" cap="none">
+              <a:rPr lang="en-US" sz="3600" u="none" strike="noStrike" cap="none">
                 <a:solidFill>
                   <a:schemeClr val="lt1"/>
                 </a:solidFill>
-                <a:latin typeface="Cabin"/>
-                <a:ea typeface="Cabin"/>
-                <a:cs typeface="Cabin"/>
+                <a:latin typeface="Arial" charset="0"/>
+                <a:ea typeface="Arial" charset="0"/>
+                <a:cs typeface="Arial" charset="0"/>
                 <a:sym typeface="Cabin"/>
               </a:rPr>
               <a:t> to look up </a:t>
             </a:r>
             <a:r>
-              <a:rPr lang="en-US" sz="3600" b="0" i="0" u="none" strike="noStrike" cap="none">
+              <a:rPr lang="en-US" sz="3600" u="none" strike="noStrike" cap="none">
                 <a:solidFill>
                   <a:srgbClr val="FFFF00"/>
                 </a:solidFill>
-                <a:latin typeface="Cabin"/>
-                <a:ea typeface="Cabin"/>
-                <a:cs typeface="Cabin"/>
+                <a:latin typeface="Arial" charset="0"/>
+                <a:ea typeface="Arial" charset="0"/>
+                <a:cs typeface="Arial" charset="0"/>
                 <a:sym typeface="Cabin"/>
               </a:rPr>
               <a:t>values</a:t>
@@ -45012,13 +44988,13 @@
               <a:buNone/>
             </a:pPr>
             <a:r>
-              <a:rPr lang="en-US" sz="3600" b="0" i="0" u="none" strike="noStrike" cap="none">
+              <a:rPr lang="en-US" sz="3600" u="none" strike="noStrike" cap="none">
                 <a:solidFill>
                   <a:srgbClr val="FF7F00"/>
                 </a:solidFill>
-                <a:latin typeface="Cabin"/>
-                <a:ea typeface="Cabin"/>
-                <a:cs typeface="Cabin"/>
+                <a:latin typeface="Arial" charset="0"/>
+                <a:ea typeface="Arial" charset="0"/>
+                <a:cs typeface="Arial" charset="0"/>
                 <a:sym typeface="Cabin"/>
               </a:rPr>
               <a:t>[0]</a:t>
@@ -45079,21 +45055,21 @@
                 <a:solidFill>
                   <a:schemeClr val="lt1"/>
                 </a:solidFill>
-                <a:latin typeface="Cabin"/>
-                <a:ea typeface="Cabin"/>
-                <a:cs typeface="Cabin"/>
+                <a:latin typeface="Arial" charset="0"/>
+                <a:ea typeface="Arial" charset="0"/>
+                <a:cs typeface="Arial" charset="0"/>
                 <a:sym typeface="Cabin"/>
               </a:rPr>
               <a:t> </a:t>
             </a:r>
             <a:r>
-              <a:rPr lang="en-US" sz="3600" b="0" i="0" u="none" strike="noStrike" cap="none">
+              <a:rPr lang="en-US" sz="3600" u="none" strike="noStrike" cap="none">
                 <a:solidFill>
                   <a:schemeClr val="lt1"/>
                 </a:solidFill>
-                <a:latin typeface="Cabin"/>
-                <a:ea typeface="Cabin"/>
-                <a:cs typeface="Cabin"/>
+                <a:latin typeface="Arial" charset="0"/>
+                <a:ea typeface="Arial" charset="0"/>
+                <a:cs typeface="Arial" charset="0"/>
                 <a:sym typeface="Cabin"/>
               </a:rPr>
               <a:t>21</a:t>
@@ -45144,13 +45120,13 @@
               <a:buNone/>
             </a:pPr>
             <a:r>
-              <a:rPr lang="en-US" sz="3600" b="0" i="0" u="none" strike="noStrike" cap="none">
+              <a:rPr lang="en-US" sz="3600" u="none" strike="noStrike" cap="none">
                 <a:solidFill>
                   <a:srgbClr val="FF7F00"/>
                 </a:solidFill>
-                <a:latin typeface="Cabin"/>
-                <a:ea typeface="Cabin"/>
-                <a:cs typeface="Cabin"/>
+                <a:latin typeface="Arial" charset="0"/>
+                <a:ea typeface="Arial" charset="0"/>
+                <a:cs typeface="Arial" charset="0"/>
                 <a:sym typeface="Cabin"/>
               </a:rPr>
               <a:t>[1]</a:t>
@@ -45211,21 +45187,21 @@
                 <a:solidFill>
                   <a:schemeClr val="lt1"/>
                 </a:solidFill>
-                <a:latin typeface="Cabin"/>
-                <a:ea typeface="Cabin"/>
-                <a:cs typeface="Cabin"/>
+                <a:latin typeface="Arial" charset="0"/>
+                <a:ea typeface="Arial" charset="0"/>
+                <a:cs typeface="Arial" charset="0"/>
                 <a:sym typeface="Cabin"/>
               </a:rPr>
               <a:t> </a:t>
             </a:r>
             <a:r>
-              <a:rPr lang="en-US" sz="3600" b="0" i="0" u="none" strike="noStrike" cap="none">
+              <a:rPr lang="en-US" sz="3600" u="none" strike="noStrike" cap="none">
                 <a:solidFill>
                   <a:schemeClr val="lt1"/>
                 </a:solidFill>
-                <a:latin typeface="Cabin"/>
-                <a:ea typeface="Cabin"/>
-                <a:cs typeface="Cabin"/>
+                <a:latin typeface="Arial" charset="0"/>
+                <a:ea typeface="Arial" charset="0"/>
+                <a:cs typeface="Arial" charset="0"/>
                 <a:sym typeface="Cabin"/>
               </a:rPr>
               <a:t>183</a:t>
@@ -45276,13 +45252,13 @@
               <a:buNone/>
             </a:pPr>
             <a:r>
-              <a:rPr lang="en-US" sz="4600" b="0" i="0" u="none" strike="noStrike" cap="none">
+              <a:rPr lang="en-US" sz="4600" u="none" strike="noStrike" cap="none">
                 <a:solidFill>
                   <a:srgbClr val="00FF00"/>
                 </a:solidFill>
-                <a:latin typeface="Cabin"/>
-                <a:ea typeface="Cabin"/>
-                <a:cs typeface="Cabin"/>
+                <a:latin typeface="Arial" charset="0"/>
+                <a:ea typeface="Arial" charset="0"/>
+                <a:cs typeface="Arial" charset="0"/>
                 <a:sym typeface="Cabin"/>
               </a:rPr>
               <a:t>l</a:t>
@@ -45292,9 +45268,9 @@
                 <a:solidFill>
                   <a:srgbClr val="00FF00"/>
                 </a:solidFill>
-                <a:latin typeface="Cabin"/>
-                <a:ea typeface="Cabin"/>
-                <a:cs typeface="Cabin"/>
+                <a:latin typeface="Arial" charset="0"/>
+                <a:ea typeface="Arial" charset="0"/>
+                <a:cs typeface="Arial" charset="0"/>
                 <a:sym typeface="Cabin"/>
               </a:rPr>
               <a:t>st</a:t>
@@ -45345,13 +45321,13 @@
               <a:buNone/>
             </a:pPr>
             <a:r>
-              <a:rPr lang="en-US" sz="3600" b="0" i="0" u="none" strike="noStrike" cap="none">
+              <a:rPr lang="en-US" sz="3600" u="none" strike="noStrike" cap="none">
                 <a:solidFill>
                   <a:srgbClr val="FF7F00"/>
                 </a:solidFill>
-                <a:latin typeface="Cabin"/>
-                <a:ea typeface="Cabin"/>
-                <a:cs typeface="Cabin"/>
+                <a:latin typeface="Arial" charset="0"/>
+                <a:ea typeface="Arial" charset="0"/>
+                <a:cs typeface="Arial" charset="0"/>
                 <a:sym typeface="Cabin"/>
               </a:rPr>
               <a:t>Key</a:t>
@@ -45402,13 +45378,13 @@
               <a:buNone/>
             </a:pPr>
             <a:r>
-              <a:rPr lang="en-US" sz="3600" b="0" i="0" u="none" strike="noStrike" cap="none">
+              <a:rPr lang="en-US" sz="3600" u="none" strike="noStrike" cap="none">
                 <a:solidFill>
                   <a:srgbClr val="FFFF00"/>
                 </a:solidFill>
-                <a:latin typeface="Cabin"/>
-                <a:ea typeface="Cabin"/>
-                <a:cs typeface="Cabin"/>
+                <a:latin typeface="Arial" charset="0"/>
+                <a:ea typeface="Arial" charset="0"/>
+                <a:cs typeface="Arial" charset="0"/>
                 <a:sym typeface="Cabin"/>
               </a:rPr>
               <a:t>Value</a:t>
@@ -45459,13 +45435,13 @@
               <a:buNone/>
             </a:pPr>
             <a:r>
-              <a:rPr lang="en-US" sz="3600" b="0" i="0" u="none" strike="noStrike" cap="none">
+              <a:rPr lang="en-US" sz="3600" u="none" strike="noStrike" cap="none">
                 <a:solidFill>
                   <a:srgbClr val="FF7F00"/>
                 </a:solidFill>
-                <a:latin typeface="Cabin"/>
-                <a:ea typeface="Cabin"/>
-                <a:cs typeface="Cabin"/>
+                <a:latin typeface="Arial" charset="0"/>
+                <a:ea typeface="Arial" charset="0"/>
+                <a:cs typeface="Arial" charset="0"/>
                 <a:sym typeface="Cabin"/>
               </a:rPr>
               <a:t>['course']</a:t>
@@ -45526,21 +45502,21 @@
                 <a:solidFill>
                   <a:schemeClr val="lt1"/>
                 </a:solidFill>
-                <a:latin typeface="Cabin"/>
-                <a:ea typeface="Cabin"/>
-                <a:cs typeface="Cabin"/>
+                <a:latin typeface="Arial" charset="0"/>
+                <a:ea typeface="Arial" charset="0"/>
+                <a:cs typeface="Arial" charset="0"/>
                 <a:sym typeface="Cabin"/>
               </a:rPr>
               <a:t> </a:t>
             </a:r>
             <a:r>
-              <a:rPr lang="en-US" sz="3600" b="0" i="0" u="none" strike="noStrike" cap="none">
+              <a:rPr lang="en-US" sz="3600" u="none" strike="noStrike" cap="none">
                 <a:solidFill>
                   <a:schemeClr val="lt1"/>
                 </a:solidFill>
-                <a:latin typeface="Cabin"/>
-                <a:ea typeface="Cabin"/>
-                <a:cs typeface="Cabin"/>
+                <a:latin typeface="Arial" charset="0"/>
+                <a:ea typeface="Arial" charset="0"/>
+                <a:cs typeface="Arial" charset="0"/>
                 <a:sym typeface="Cabin"/>
               </a:rPr>
               <a:t>18</a:t>
@@ -45550,9 +45526,9 @@
                 <a:solidFill>
                   <a:schemeClr val="lt1"/>
                 </a:solidFill>
-                <a:latin typeface="Cabin"/>
-                <a:ea typeface="Cabin"/>
-                <a:cs typeface="Cabin"/>
+                <a:latin typeface="Arial" charset="0"/>
+                <a:ea typeface="Arial" charset="0"/>
+                <a:cs typeface="Arial" charset="0"/>
                 <a:sym typeface="Cabin"/>
               </a:rPr>
               <a:t>2</a:t>
@@ -45603,13 +45579,13 @@
               <a:buNone/>
             </a:pPr>
             <a:r>
-              <a:rPr lang="en-US" sz="3600" b="0" i="0" u="none" strike="noStrike" cap="none">
+              <a:rPr lang="en-US" sz="3600" u="none" strike="noStrike" cap="none">
                 <a:solidFill>
                   <a:srgbClr val="FF7F00"/>
                 </a:solidFill>
-                <a:latin typeface="Cabin"/>
-                <a:ea typeface="Cabin"/>
-                <a:cs typeface="Cabin"/>
+                <a:latin typeface="Arial" charset="0"/>
+                <a:ea typeface="Arial" charset="0"/>
+                <a:cs typeface="Arial" charset="0"/>
                 <a:sym typeface="Cabin"/>
               </a:rPr>
               <a:t>['age']</a:t>
@@ -45670,21 +45646,21 @@
                 <a:solidFill>
                   <a:schemeClr val="lt1"/>
                 </a:solidFill>
-                <a:latin typeface="Cabin"/>
-                <a:ea typeface="Cabin"/>
-                <a:cs typeface="Cabin"/>
+                <a:latin typeface="Arial" charset="0"/>
+                <a:ea typeface="Arial" charset="0"/>
+                <a:cs typeface="Arial" charset="0"/>
                 <a:sym typeface="Cabin"/>
               </a:rPr>
               <a:t> </a:t>
             </a:r>
             <a:r>
-              <a:rPr lang="en-US" sz="3600" b="0" i="0" u="none" strike="noStrike" cap="none">
+              <a:rPr lang="en-US" sz="3600" u="none" strike="noStrike" cap="none">
                 <a:solidFill>
                   <a:schemeClr val="lt1"/>
                 </a:solidFill>
-                <a:latin typeface="Cabin"/>
-                <a:ea typeface="Cabin"/>
-                <a:cs typeface="Cabin"/>
+                <a:latin typeface="Arial" charset="0"/>
+                <a:ea typeface="Arial" charset="0"/>
+                <a:cs typeface="Arial" charset="0"/>
                 <a:sym typeface="Cabin"/>
               </a:rPr>
               <a:t>21</a:t>
@@ -45735,13 +45711,13 @@
               <a:buNone/>
             </a:pPr>
             <a:r>
-              <a:rPr lang="en-US" sz="4600" b="0" i="0" u="none" strike="noStrike" cap="none">
+              <a:rPr lang="en-US" sz="4600" u="none" strike="noStrike" cap="none">
                 <a:solidFill>
                   <a:srgbClr val="FF00FF"/>
                 </a:solidFill>
-                <a:latin typeface="Cabin"/>
-                <a:ea typeface="Cabin"/>
-                <a:cs typeface="Cabin"/>
+                <a:latin typeface="Arial" charset="0"/>
+                <a:ea typeface="Arial" charset="0"/>
+                <a:cs typeface="Arial" charset="0"/>
                 <a:sym typeface="Cabin"/>
               </a:rPr>
               <a:t>ddd</a:t>
@@ -45792,13 +45768,13 @@
               <a:buNone/>
             </a:pPr>
             <a:r>
-              <a:rPr lang="en-US" sz="3600" b="0" i="0" u="none" strike="noStrike" cap="none">
+              <a:rPr lang="en-US" sz="3600" u="none" strike="noStrike" cap="none">
                 <a:solidFill>
                   <a:srgbClr val="FF7F00"/>
                 </a:solidFill>
-                <a:latin typeface="Cabin"/>
-                <a:ea typeface="Cabin"/>
-                <a:cs typeface="Cabin"/>
+                <a:latin typeface="Arial" charset="0"/>
+                <a:ea typeface="Arial" charset="0"/>
+                <a:cs typeface="Arial" charset="0"/>
                 <a:sym typeface="Cabin"/>
               </a:rPr>
               <a:t>Key</a:t>
@@ -45849,13 +45825,13 @@
               <a:buNone/>
             </a:pPr>
             <a:r>
-              <a:rPr lang="en-US" sz="3600" b="0" i="0" u="none" strike="noStrike" cap="none">
+              <a:rPr lang="en-US" sz="3600" u="none" strike="noStrike" cap="none">
                 <a:solidFill>
                   <a:srgbClr val="FFFF00"/>
                 </a:solidFill>
-                <a:latin typeface="Cabin"/>
-                <a:ea typeface="Cabin"/>
-                <a:cs typeface="Cabin"/>
+                <a:latin typeface="Arial" charset="0"/>
+                <a:ea typeface="Arial" charset="0"/>
+                <a:cs typeface="Arial" charset="0"/>
                 <a:sym typeface="Cabin"/>
               </a:rPr>
               <a:t>Value</a:t>
@@ -45906,13 +45882,13 @@
               <a:buNone/>
             </a:pPr>
             <a:r>
-              <a:rPr lang="en-US" sz="4600" b="0" i="0" u="none" strike="noStrike" cap="none">
+              <a:rPr lang="en-US" sz="4600" u="none" strike="noStrike" cap="none">
                 <a:solidFill>
                   <a:srgbClr val="00FF00"/>
                 </a:solidFill>
-                <a:latin typeface="Cabin"/>
-                <a:ea typeface="Cabin"/>
-                <a:cs typeface="Cabin"/>
+                <a:latin typeface="Arial" charset="0"/>
+                <a:ea typeface="Arial" charset="0"/>
+                <a:cs typeface="Arial" charset="0"/>
                 <a:sym typeface="Cabin"/>
               </a:rPr>
               <a:t>List</a:t>
@@ -45963,13 +45939,13 @@
               <a:buNone/>
             </a:pPr>
             <a:r>
-              <a:rPr lang="en-US" sz="4600" b="0" i="0" u="none" strike="noStrike" cap="none">
+              <a:rPr lang="en-US" sz="4600" u="none" strike="noStrike" cap="none">
                 <a:solidFill>
                   <a:srgbClr val="FF00FF"/>
                 </a:solidFill>
-                <a:latin typeface="Cabin"/>
-                <a:ea typeface="Cabin"/>
-                <a:cs typeface="Cabin"/>
+                <a:latin typeface="Arial" charset="0"/>
+                <a:ea typeface="Arial" charset="0"/>
+                <a:cs typeface="Arial" charset="0"/>
                 <a:sym typeface="Cabin"/>
               </a:rPr>
               <a:t>Dictionary</a:t>

--- a/lectures3/Pythonlearn-09-Dictionaries.pptx
+++ b/lectures3/Pythonlearn-09-Dictionaries.pptx
@@ -36,7 +36,7 @@
     <p:sldId id="282" r:id="rId27"/>
     <p:sldId id="283" r:id="rId28"/>
     <p:sldId id="284" r:id="rId29"/>
-    <p:sldId id="285" r:id="rId30"/>
+    <p:sldId id="288" r:id="rId30"/>
     <p:sldId id="286" r:id="rId31"/>
     <p:sldId id="287" r:id="rId32"/>
   </p:sldIdLst>
@@ -2846,7 +2846,7 @@
     </p:spTree>
     <p:extLst>
       <p:ext uri="{BB962C8B-B14F-4D97-AF65-F5344CB8AC3E}">
-        <p14:creationId xmlns:p14="http://schemas.microsoft.com/office/powerpoint/2010/main" val="338096537"/>
+        <p14:creationId xmlns:p14="http://schemas.microsoft.com/office/powerpoint/2010/main" val="1191879564"/>
       </p:ext>
     </p:extLst>
   </p:cSld>
@@ -11730,6 +11730,13 @@
   <p:clrMapOvr>
     <a:masterClrMapping/>
   </p:clrMapOvr>
+  <p:timing>
+    <p:tnLst>
+      <p:par>
+        <p:cTn id="1" dur="indefinite" restart="never" nodeType="tmRoot"/>
+      </p:par>
+    </p:tnLst>
+  </p:timing>
 </p:sld>
 </file>
 
@@ -12433,6 +12440,13 @@
   <p:clrMapOvr>
     <a:masterClrMapping/>
   </p:clrMapOvr>
+  <p:timing>
+    <p:tnLst>
+      <p:par>
+        <p:cTn id="1" dur="indefinite" restart="never" nodeType="tmRoot"/>
+      </p:par>
+    </p:tnLst>
+  </p:timing>
 </p:sld>
 </file>
 
@@ -13632,6 +13646,13 @@
   <p:clrMapOvr>
     <a:masterClrMapping/>
   </p:clrMapOvr>
+  <p:timing>
+    <p:tnLst>
+      <p:par>
+        <p:cTn id="1" dur="indefinite" restart="never" nodeType="tmRoot"/>
+      </p:par>
+    </p:tnLst>
+  </p:timing>
 </p:sld>
 </file>
 
@@ -14644,6 +14665,13 @@
   <p:clrMapOvr>
     <a:masterClrMapping/>
   </p:clrMapOvr>
+  <p:timing>
+    <p:tnLst>
+      <p:par>
+        <p:cTn id="1" dur="indefinite" restart="never" nodeType="tmRoot"/>
+      </p:par>
+    </p:tnLst>
+  </p:timing>
 </p:sld>
 </file>
 
@@ -16048,6 +16076,13 @@
   <p:clrMapOvr>
     <a:masterClrMapping/>
   </p:clrMapOvr>
+  <p:timing>
+    <p:tnLst>
+      <p:par>
+        <p:cTn id="1" dur="indefinite" restart="never" nodeType="tmRoot"/>
+      </p:par>
+    </p:tnLst>
+  </p:timing>
 </p:sld>
 </file>
 
@@ -16825,6 +16860,13 @@
   <p:clrMapOvr>
     <a:masterClrMapping/>
   </p:clrMapOvr>
+  <p:timing>
+    <p:tnLst>
+      <p:par>
+        <p:cTn id="1" dur="indefinite" restart="never" nodeType="tmRoot"/>
+      </p:par>
+    </p:tnLst>
+  </p:timing>
 </p:sld>
 </file>
 
@@ -17117,6 +17159,13 @@
   <p:clrMapOvr>
     <a:masterClrMapping/>
   </p:clrMapOvr>
+  <p:timing>
+    <p:tnLst>
+      <p:par>
+        <p:cTn id="1" dur="indefinite" restart="never" nodeType="tmRoot"/>
+      </p:par>
+    </p:tnLst>
+  </p:timing>
 </p:sld>
 </file>
 
@@ -23396,116 +23445,6 @@
             </a:r>
           </a:p>
           <a:p>
-            <a:pPr marL="0" marR="0" lvl="0" indent="0" algn="l" rtl="0">
-              <a:lnSpc>
-                <a:spcPct val="100000"/>
-              </a:lnSpc>
-              <a:spcBef>
-                <a:spcPts val="0"/>
-              </a:spcBef>
-              <a:spcAft>
-                <a:spcPts val="0"/>
-              </a:spcAft>
-              <a:buClr>
-                <a:srgbClr val="00FF00"/>
-              </a:buClr>
-              <a:buSzPct val="25000"/>
-              <a:buFont typeface="Cabin"/>
-              <a:buNone/>
-            </a:pPr>
-            <a:r>
-              <a:rPr lang="en-US" sz="2600" b="1" i="0" u="none" strike="noStrike" cap="none" dirty="0">
-                <a:solidFill>
-                  <a:srgbClr val="00FF00"/>
-                </a:solidFill>
-                <a:latin typeface="Courier New"/>
-                <a:ea typeface="Courier New"/>
-                <a:cs typeface="Courier New"/>
-                <a:sym typeface="Courier New"/>
-              </a:rPr>
-              <a:t>text = </a:t>
-            </a:r>
-            <a:r>
-              <a:rPr lang="en-US" sz="2600" b="1" i="0" u="none" strike="noStrike" cap="none" dirty="0" err="1">
-                <a:solidFill>
-                  <a:srgbClr val="00FF00"/>
-                </a:solidFill>
-                <a:latin typeface="Courier New"/>
-                <a:ea typeface="Courier New"/>
-                <a:cs typeface="Courier New"/>
-                <a:sym typeface="Courier New"/>
-              </a:rPr>
-              <a:t>handle.read</a:t>
-            </a:r>
-            <a:r>
-              <a:rPr lang="en-US" sz="2600" b="1" i="0" u="none" strike="noStrike" cap="none" dirty="0">
-                <a:solidFill>
-                  <a:srgbClr val="00FF00"/>
-                </a:solidFill>
-                <a:latin typeface="Courier New"/>
-                <a:ea typeface="Courier New"/>
-                <a:cs typeface="Courier New"/>
-                <a:sym typeface="Courier New"/>
-              </a:rPr>
-              <a:t>()</a:t>
-            </a:r>
-          </a:p>
-          <a:p>
-            <a:pPr marL="0" marR="0" lvl="0" indent="0" algn="l" rtl="0">
-              <a:lnSpc>
-                <a:spcPct val="100000"/>
-              </a:lnSpc>
-              <a:spcBef>
-                <a:spcPts val="0"/>
-              </a:spcBef>
-              <a:spcAft>
-                <a:spcPts val="0"/>
-              </a:spcAft>
-              <a:buClr>
-                <a:srgbClr val="00FF00"/>
-              </a:buClr>
-              <a:buSzPct val="25000"/>
-              <a:buFont typeface="Cabin"/>
-              <a:buNone/>
-            </a:pPr>
-            <a:r>
-              <a:rPr lang="en-US" sz="2600" b="1" i="0" u="none" strike="noStrike" cap="none" dirty="0">
-                <a:solidFill>
-                  <a:srgbClr val="00FF00"/>
-                </a:solidFill>
-                <a:latin typeface="Courier New"/>
-                <a:ea typeface="Courier New"/>
-                <a:cs typeface="Courier New"/>
-                <a:sym typeface="Courier New"/>
-              </a:rPr>
-              <a:t>words = </a:t>
-            </a:r>
-            <a:r>
-              <a:rPr lang="en-US" sz="2600" b="1" i="0" u="none" strike="noStrike" cap="none" dirty="0" err="1">
-                <a:solidFill>
-                  <a:srgbClr val="00FF00"/>
-                </a:solidFill>
-                <a:latin typeface="Courier New"/>
-                <a:ea typeface="Courier New"/>
-                <a:cs typeface="Courier New"/>
-                <a:sym typeface="Courier New"/>
-              </a:rPr>
-              <a:t>text.split</a:t>
-            </a:r>
-            <a:r>
-              <a:rPr lang="en-US" sz="2600" b="1" i="0" u="none" strike="noStrike" cap="none" dirty="0">
-                <a:solidFill>
-                  <a:srgbClr val="00FF00"/>
-                </a:solidFill>
-                <a:latin typeface="Courier New"/>
-                <a:ea typeface="Courier New"/>
-                <a:cs typeface="Courier New"/>
-                <a:sym typeface="Courier New"/>
-              </a:rPr>
-              <a:t>()</a:t>
-            </a:r>
-          </a:p>
-          <a:p>
             <a:pPr marL="0" marR="0" lvl="0" indent="0" algn="ctr" rtl="0">
               <a:lnSpc>
                 <a:spcPct val="100000"/>
@@ -23584,6 +23523,94 @@
             </a:r>
           </a:p>
           <a:p>
+            <a:pPr lvl="0">
+              <a:buClr>
+                <a:srgbClr val="00FF00"/>
+              </a:buClr>
+              <a:buSzPct val="25000"/>
+            </a:pPr>
+            <a:r>
+              <a:rPr lang="en-US" sz="2600" b="1" dirty="0">
+                <a:solidFill>
+                  <a:srgbClr val="FF00FF"/>
+                </a:solidFill>
+                <a:latin typeface="Courier New"/>
+                <a:ea typeface="Courier New"/>
+                <a:cs typeface="Courier New"/>
+                <a:sym typeface="Courier New"/>
+              </a:rPr>
+              <a:t>for line in handle</a:t>
+            </a:r>
+            <a:r>
+              <a:rPr lang="en-US" sz="2600" b="1" dirty="0" smtClean="0">
+                <a:solidFill>
+                  <a:srgbClr val="FF00FF"/>
+                </a:solidFill>
+                <a:latin typeface="Courier New"/>
+                <a:ea typeface="Courier New"/>
+                <a:cs typeface="Courier New"/>
+                <a:sym typeface="Courier New"/>
+              </a:rPr>
+              <a:t>:</a:t>
+            </a:r>
+          </a:p>
+          <a:p>
+            <a:pPr lvl="0">
+              <a:buClr>
+                <a:srgbClr val="00FF00"/>
+              </a:buClr>
+              <a:buSzPct val="25000"/>
+            </a:pPr>
+            <a:r>
+              <a:rPr lang="en-US" sz="2600" b="1" dirty="0" smtClean="0">
+                <a:solidFill>
+                  <a:srgbClr val="FF00FF"/>
+                </a:solidFill>
+                <a:latin typeface="Courier New"/>
+                <a:ea typeface="Courier New"/>
+                <a:cs typeface="Courier New"/>
+                <a:sym typeface="Courier New"/>
+              </a:rPr>
+              <a:t>    </a:t>
+            </a:r>
+            <a:r>
+              <a:rPr lang="en-US" sz="2600" b="1" dirty="0">
+                <a:solidFill>
+                  <a:srgbClr val="FF00FF"/>
+                </a:solidFill>
+                <a:latin typeface="Courier New"/>
+                <a:ea typeface="Courier New"/>
+                <a:cs typeface="Courier New"/>
+                <a:sym typeface="Courier New"/>
+              </a:rPr>
+              <a:t>words = </a:t>
+            </a:r>
+            <a:r>
+              <a:rPr lang="en-US" sz="2600" b="1" dirty="0" err="1">
+                <a:solidFill>
+                  <a:srgbClr val="FF00FF"/>
+                </a:solidFill>
+                <a:latin typeface="Courier New"/>
+                <a:ea typeface="Courier New"/>
+                <a:cs typeface="Courier New"/>
+                <a:sym typeface="Courier New"/>
+              </a:rPr>
+              <a:t>line.split</a:t>
+            </a:r>
+            <a:r>
+              <a:rPr lang="en-US" sz="2600" b="1" dirty="0">
+                <a:solidFill>
+                  <a:srgbClr val="FF00FF"/>
+                </a:solidFill>
+                <a:latin typeface="Courier New"/>
+                <a:ea typeface="Courier New"/>
+                <a:cs typeface="Courier New"/>
+                <a:sym typeface="Courier New"/>
+              </a:rPr>
+              <a:t>()</a:t>
+            </a:r>
+          </a:p>
+          <a:p>
             <a:pPr marL="0" marR="0" lvl="0" indent="0" algn="l" rtl="0">
               <a:lnSpc>
                 <a:spcPct val="100000"/>
@@ -23602,6 +23629,18 @@
               <a:buNone/>
             </a:pPr>
             <a:r>
+              <a:rPr lang="en-US" sz="2600" b="1" i="0" u="none" strike="noStrike" cap="none" dirty="0" smtClean="0">
+                <a:solidFill>
+                  <a:srgbClr val="FF00FF"/>
+                </a:solidFill>
+                <a:latin typeface="Courier New"/>
+                <a:ea typeface="Courier New"/>
+                <a:cs typeface="Courier New"/>
+                <a:sym typeface="Courier New"/>
+              </a:rPr>
+              <a:t>    for </a:t>
+            </a:r>
+            <a:r>
               <a:rPr lang="en-US" sz="2600" b="1" i="0" u="none" strike="noStrike" cap="none" dirty="0">
                 <a:solidFill>
                   <a:srgbClr val="FF00FF"/>
@@ -23611,7 +23650,7 @@
                 <a:cs typeface="Courier New"/>
                 <a:sym typeface="Courier New"/>
               </a:rPr>
-              <a:t>for word in words:</a:t>
+              <a:t>word in words:</a:t>
             </a:r>
           </a:p>
           <a:p>
@@ -23633,6 +23672,18 @@
               <a:buNone/>
             </a:pPr>
             <a:r>
+              <a:rPr lang="en-US" sz="2600" b="1" i="0" u="none" strike="noStrike" cap="none" dirty="0" smtClean="0">
+                <a:solidFill>
+                  <a:srgbClr val="FF00FF"/>
+                </a:solidFill>
+                <a:latin typeface="Courier New"/>
+                <a:ea typeface="Courier New"/>
+                <a:cs typeface="Courier New"/>
+                <a:sym typeface="Courier New"/>
+              </a:rPr>
+              <a:t>        </a:t>
+            </a:r>
+            <a:r>
               <a:rPr lang="en-US" sz="2600" b="1" i="0" u="none" strike="noStrike" cap="none" dirty="0">
                 <a:solidFill>
                   <a:srgbClr val="FF00FF"/>
@@ -23642,7 +23693,7 @@
                 <a:cs typeface="Courier New"/>
                 <a:sym typeface="Courier New"/>
               </a:rPr>
-              <a:t>   counts[word] = </a:t>
+              <a:t>counts[word] = </a:t>
             </a:r>
             <a:r>
               <a:rPr lang="en-US" sz="2600" b="1" i="0" u="none" strike="noStrike" cap="none" dirty="0" err="1">
@@ -24216,7 +24267,7 @@
               <a:buNone/>
             </a:pPr>
             <a:r>
-              <a:rPr lang="en-US" sz="3600">
+              <a:rPr lang="en-US" sz="3600" dirty="0">
                 <a:solidFill>
                   <a:srgbClr val="FFFF00"/>
                 </a:solidFill>
@@ -24228,7 +24279,7 @@
               <a:t> </a:t>
             </a:r>
             <a:r>
-              <a:rPr lang="en-US" sz="3600" u="none" strike="noStrike" cap="none">
+              <a:rPr lang="en-US" sz="3600" u="none" strike="noStrike" cap="none" dirty="0">
                 <a:solidFill>
                   <a:srgbClr val="FFFF00"/>
                 </a:solidFill>
@@ -24237,8 +24288,41 @@
                 <a:cs typeface="Arial" charset="0"/>
                 <a:sym typeface="Cabin"/>
               </a:rPr>
-              <a:t>python words.py </a:t>
-            </a:r>
+              <a:t>python </a:t>
+            </a:r>
+            <a:r>
+              <a:rPr lang="en-US" sz="3600" u="none" strike="noStrike" cap="none" dirty="0" err="1" smtClean="0">
+                <a:solidFill>
+                  <a:srgbClr val="FFFF00"/>
+                </a:solidFill>
+                <a:latin typeface="Arial" charset="0"/>
+                <a:ea typeface="Arial" charset="0"/>
+                <a:cs typeface="Arial" charset="0"/>
+                <a:sym typeface="Cabin"/>
+              </a:rPr>
+              <a:t>words.py</a:t>
+            </a:r>
+            <a:r>
+              <a:rPr lang="en-US" sz="3600" u="none" strike="noStrike" cap="none" dirty="0" smtClean="0">
+                <a:solidFill>
+                  <a:srgbClr val="FFFF00"/>
+                </a:solidFill>
+                <a:latin typeface="Arial" charset="0"/>
+                <a:ea typeface="Arial" charset="0"/>
+                <a:cs typeface="Arial" charset="0"/>
+                <a:sym typeface="Cabin"/>
+              </a:rPr>
+              <a:t> </a:t>
+            </a:r>
+            <a:endParaRPr lang="en-US" sz="3600" u="none" strike="noStrike" cap="none" dirty="0">
+              <a:solidFill>
+                <a:srgbClr val="FFFF00"/>
+              </a:solidFill>
+              <a:latin typeface="Arial" charset="0"/>
+              <a:ea typeface="Arial" charset="0"/>
+              <a:cs typeface="Arial" charset="0"/>
+              <a:sym typeface="Cabin"/>
+            </a:endParaRPr>
           </a:p>
           <a:p>
             <a:pPr marL="0" marR="0" lvl="0" indent="0" algn="l" rtl="0">
@@ -24259,7 +24343,7 @@
               <a:buNone/>
             </a:pPr>
             <a:r>
-              <a:rPr lang="en-US" sz="3600">
+              <a:rPr lang="en-US" sz="3600" dirty="0">
                 <a:solidFill>
                   <a:srgbClr val="FFFF00"/>
                 </a:solidFill>
@@ -24271,7 +24355,7 @@
               <a:t> </a:t>
             </a:r>
             <a:r>
-              <a:rPr lang="en-US" sz="3600" u="none" strike="noStrike" cap="none">
+              <a:rPr lang="en-US" sz="3600" u="none" strike="noStrike" cap="none" dirty="0">
                 <a:solidFill>
                   <a:srgbClr val="FFFF00"/>
                 </a:solidFill>
@@ -24283,7 +24367,7 @@
               <a:t>Enter file: </a:t>
             </a:r>
             <a:r>
-              <a:rPr lang="en-US" sz="3600">
+              <a:rPr lang="en-US" sz="3600" dirty="0" err="1">
                 <a:solidFill>
                   <a:schemeClr val="lt1"/>
                 </a:solidFill>
@@ -24295,7 +24379,7 @@
               <a:t>clown</a:t>
             </a:r>
             <a:r>
-              <a:rPr lang="en-US" sz="3600" u="none" strike="noStrike" cap="none">
+              <a:rPr lang="en-US" sz="3600" u="none" strike="noStrike" cap="none" dirty="0" err="1">
                 <a:solidFill>
                   <a:schemeClr val="lt1"/>
                 </a:solidFill>
@@ -24306,6 +24390,15 @@
               </a:rPr>
               <a:t>.txt</a:t>
             </a:r>
+            <a:endParaRPr lang="en-US" sz="3600" u="none" strike="noStrike" cap="none" dirty="0">
+              <a:solidFill>
+                <a:schemeClr val="lt1"/>
+              </a:solidFill>
+              <a:latin typeface="Arial" charset="0"/>
+              <a:ea typeface="Arial" charset="0"/>
+              <a:cs typeface="Arial" charset="0"/>
+              <a:sym typeface="Cabin"/>
+            </a:endParaRPr>
           </a:p>
           <a:p>
             <a:pPr marL="0" marR="0" lvl="0" indent="0" algn="l" rtl="0">
@@ -24326,7 +24419,7 @@
               <a:buNone/>
             </a:pPr>
             <a:r>
-              <a:rPr lang="en-US" sz="3600">
+              <a:rPr lang="en-US" sz="3600" dirty="0">
                 <a:solidFill>
                   <a:srgbClr val="FFFF00"/>
                 </a:solidFill>
@@ -24338,7 +24431,7 @@
               <a:t> </a:t>
             </a:r>
             <a:r>
-              <a:rPr lang="en-US" sz="3600" u="none" strike="noStrike" cap="none">
+              <a:rPr lang="en-US" sz="3600" u="none" strike="noStrike" cap="none" dirty="0">
                 <a:solidFill>
                   <a:srgbClr val="FFFF00"/>
                 </a:solidFill>
@@ -24350,7 +24443,7 @@
               <a:t>t</a:t>
             </a:r>
             <a:r>
-              <a:rPr lang="en-US" sz="3600">
+              <a:rPr lang="en-US" sz="3600" dirty="0">
                 <a:solidFill>
                   <a:srgbClr val="FFFF00"/>
                 </a:solidFill>
@@ -24413,7 +24506,7 @@
               <a:buNone/>
             </a:pPr>
             <a:r>
-              <a:rPr lang="en-US" sz="3600">
+              <a:rPr lang="en-US" sz="3600" dirty="0">
                 <a:solidFill>
                   <a:srgbClr val="FFFF00"/>
                 </a:solidFill>
@@ -24425,7 +24518,7 @@
               <a:t> </a:t>
             </a:r>
             <a:r>
-              <a:rPr lang="en-US" sz="3600" u="none" strike="noStrike" cap="none">
+              <a:rPr lang="en-US" sz="3600" u="none" strike="noStrike" cap="none" dirty="0">
                 <a:solidFill>
                   <a:srgbClr val="FFFF00"/>
                 </a:solidFill>
@@ -24434,8 +24527,41 @@
                 <a:cs typeface="Arial" charset="0"/>
                 <a:sym typeface="Cabin"/>
               </a:rPr>
-              <a:t>python words.py </a:t>
-            </a:r>
+              <a:t>python </a:t>
+            </a:r>
+            <a:r>
+              <a:rPr lang="en-US" sz="3600" u="none" strike="noStrike" cap="none" dirty="0" err="1" smtClean="0">
+                <a:solidFill>
+                  <a:srgbClr val="FFFF00"/>
+                </a:solidFill>
+                <a:latin typeface="Arial" charset="0"/>
+                <a:ea typeface="Arial" charset="0"/>
+                <a:cs typeface="Arial" charset="0"/>
+                <a:sym typeface="Cabin"/>
+              </a:rPr>
+              <a:t>words.py</a:t>
+            </a:r>
+            <a:r>
+              <a:rPr lang="en-US" sz="3600" u="none" strike="noStrike" cap="none" dirty="0" smtClean="0">
+                <a:solidFill>
+                  <a:srgbClr val="FFFF00"/>
+                </a:solidFill>
+                <a:latin typeface="Arial" charset="0"/>
+                <a:ea typeface="Arial" charset="0"/>
+                <a:cs typeface="Arial" charset="0"/>
+                <a:sym typeface="Cabin"/>
+              </a:rPr>
+              <a:t> </a:t>
+            </a:r>
+            <a:endParaRPr lang="en-US" sz="3600" u="none" strike="noStrike" cap="none" dirty="0">
+              <a:solidFill>
+                <a:srgbClr val="FFFF00"/>
+              </a:solidFill>
+              <a:latin typeface="Arial" charset="0"/>
+              <a:ea typeface="Arial" charset="0"/>
+              <a:cs typeface="Arial" charset="0"/>
+              <a:sym typeface="Cabin"/>
+            </a:endParaRPr>
           </a:p>
           <a:p>
             <a:pPr marL="0" marR="0" lvl="0" indent="0" algn="l" rtl="0">
@@ -24456,7 +24582,7 @@
               <a:buNone/>
             </a:pPr>
             <a:r>
-              <a:rPr lang="en-US" sz="3600">
+              <a:rPr lang="en-US" sz="3600" dirty="0">
                 <a:solidFill>
                   <a:srgbClr val="FFFF00"/>
                 </a:solidFill>
@@ -24468,7 +24594,7 @@
               <a:t> </a:t>
             </a:r>
             <a:r>
-              <a:rPr lang="en-US" sz="3600" u="none" strike="noStrike" cap="none">
+              <a:rPr lang="en-US" sz="3600" u="none" strike="noStrike" cap="none" dirty="0">
                 <a:solidFill>
                   <a:srgbClr val="FFFF00"/>
                 </a:solidFill>
@@ -24480,7 +24606,7 @@
               <a:t>Enter file: </a:t>
             </a:r>
             <a:r>
-              <a:rPr lang="en-US" sz="3600" u="none" strike="noStrike" cap="none">
+              <a:rPr lang="en-US" sz="3600" u="none" strike="noStrike" cap="none" dirty="0" err="1">
                 <a:solidFill>
                   <a:schemeClr val="lt1"/>
                 </a:solidFill>
@@ -24491,6 +24617,15 @@
               </a:rPr>
               <a:t>words.txt</a:t>
             </a:r>
+            <a:endParaRPr lang="en-US" sz="3600" u="none" strike="noStrike" cap="none" dirty="0">
+              <a:solidFill>
+                <a:schemeClr val="lt1"/>
+              </a:solidFill>
+              <a:latin typeface="Arial" charset="0"/>
+              <a:ea typeface="Arial" charset="0"/>
+              <a:cs typeface="Arial" charset="0"/>
+              <a:sym typeface="Cabin"/>
+            </a:endParaRPr>
           </a:p>
           <a:p>
             <a:pPr marL="0" marR="0" lvl="0" indent="0" algn="l" rtl="0">
@@ -24511,7 +24646,7 @@
               <a:buNone/>
             </a:pPr>
             <a:r>
-              <a:rPr lang="en-US" sz="3600">
+              <a:rPr lang="en-US" sz="3600" dirty="0">
                 <a:solidFill>
                   <a:srgbClr val="FFFF00"/>
                 </a:solidFill>
@@ -24523,7 +24658,7 @@
               <a:t> </a:t>
             </a:r>
             <a:r>
-              <a:rPr lang="en-US" sz="3600" u="none" strike="noStrike" cap="none">
+              <a:rPr lang="en-US" sz="3600" u="none" strike="noStrike" cap="none" dirty="0">
                 <a:solidFill>
                   <a:srgbClr val="FFFF00"/>
                 </a:solidFill>
@@ -24534,10 +24669,53 @@
               </a:rPr>
               <a:t>to 16</a:t>
             </a:r>
+          </a:p>
+        </p:txBody>
+      </p:sp>
+      <p:sp>
+        <p:nvSpPr>
+          <p:cNvPr id="2" name="TextBox 1"/>
+          <p:cNvSpPr txBox="1"/>
+          <p:nvPr/>
+        </p:nvSpPr>
+        <p:spPr>
+          <a:xfrm>
+            <a:off x="10829925" y="7630538"/>
+            <a:ext cx="4421403" cy="584775"/>
+          </a:xfrm>
+          <a:prstGeom prst="rect">
+            <a:avLst/>
+          </a:prstGeom>
+          <a:noFill/>
+        </p:spPr>
+        <p:txBody>
+          <a:bodyPr wrap="none" rtlCol="0">
+            <a:spAutoFit/>
+          </a:bodyPr>
+          <a:lstStyle/>
+          <a:p>
+            <a:r>
+              <a:rPr lang="en-US" sz="3200" dirty="0" smtClean="0">
+                <a:solidFill>
+                  <a:schemeClr val="bg1"/>
+                </a:solidFill>
+              </a:rPr>
+              <a:t>Using two nested loops</a:t>
+            </a:r>
+            <a:endParaRPr lang="en-US" sz="3200" dirty="0">
+              <a:solidFill>
+                <a:schemeClr val="bg1"/>
+              </a:solidFill>
+            </a:endParaRPr>
           </a:p>
         </p:txBody>
       </p:sp>
     </p:spTree>
+    <p:extLst>
+      <p:ext uri="{BB962C8B-B14F-4D97-AF65-F5344CB8AC3E}">
+        <p14:creationId xmlns:p14="http://schemas.microsoft.com/office/powerpoint/2010/main" val="1572319757"/>
+      </p:ext>
+    </p:extLst>
   </p:cSld>
   <p:clrMapOvr>
     <a:masterClrMapping/>

--- a/lectures3/Pythonlearn-09-Dictionaries.pptx
+++ b/lectures3/Pythonlearn-09-Dictionaries.pptx
@@ -5848,6 +5848,13 @@
   <p:clrMapOvr>
     <a:masterClrMapping/>
   </p:clrMapOvr>
+  <p:timing>
+    <p:tnLst>
+      <p:par>
+        <p:cTn id="1" dur="indefinite" restart="never" nodeType="tmRoot"/>
+      </p:par>
+    </p:tnLst>
+  </p:timing>
 </p:sld>
 </file>
 
@@ -13641,6 +13648,33 @@
           </a:p>
         </p:txBody>
       </p:sp>
+      <p:pic>
+        <p:nvPicPr>
+          <p:cNvPr id="6" name="Shape 370"/>
+          <p:cNvPicPr preferRelativeResize="0"/>
+          <p:nvPr/>
+        </p:nvPicPr>
+        <p:blipFill rotWithShape="1">
+          <a:blip r:embed="rId3">
+            <a:alphaModFix/>
+          </a:blip>
+          <a:srcRect/>
+          <a:stretch/>
+        </p:blipFill>
+        <p:spPr>
+          <a:xfrm>
+            <a:off x="11429999" y="6550800"/>
+            <a:ext cx="3987189" cy="2269269"/>
+          </a:xfrm>
+          <a:prstGeom prst="rect">
+            <a:avLst/>
+          </a:prstGeom>
+          <a:noFill/>
+          <a:ln>
+            <a:noFill/>
+          </a:ln>
+        </p:spPr>
+      </p:pic>
     </p:spTree>
   </p:cSld>
   <p:clrMapOvr>
@@ -13950,7 +13984,7 @@
               <a:buNone/>
             </a:pPr>
             <a:r>
-              <a:rPr lang="en-US" sz="3000" b="1" i="0" u="none" strike="noStrike" cap="none">
+              <a:rPr lang="en-US" sz="3000" b="1" i="0" u="none" strike="noStrike" cap="none" dirty="0">
                 <a:solidFill>
                   <a:schemeClr val="lt1"/>
                 </a:solidFill>
@@ -13962,7 +13996,7 @@
               <a:t>   </a:t>
             </a:r>
             <a:r>
-              <a:rPr lang="en-US" sz="3000" b="1" i="0" u="none" strike="noStrike" cap="none">
+              <a:rPr lang="en-US" sz="3000" b="1" i="0" u="none" strike="noStrike" cap="none" dirty="0">
                 <a:solidFill>
                   <a:srgbClr val="FFFF00"/>
                 </a:solidFill>
@@ -13974,7 +14008,7 @@
               <a:t> if </a:t>
             </a:r>
             <a:r>
-              <a:rPr lang="en-US" sz="3000" b="1" i="0" u="none" strike="noStrike" cap="none">
+              <a:rPr lang="en-US" sz="3000" b="1" i="0" u="none" strike="noStrike" cap="none" dirty="0">
                 <a:solidFill>
                   <a:srgbClr val="00FF00"/>
                 </a:solidFill>
@@ -13986,7 +14020,7 @@
               <a:t>name</a:t>
             </a:r>
             <a:r>
-              <a:rPr lang="en-US" sz="3000" b="1" i="0" u="none" strike="noStrike" cap="none">
+              <a:rPr lang="en-US" sz="3000" b="1" i="0" u="none" strike="noStrike" cap="none" dirty="0">
                 <a:solidFill>
                   <a:schemeClr val="lt1"/>
                 </a:solidFill>
@@ -13998,7 +14032,7 @@
               <a:t> </a:t>
             </a:r>
             <a:r>
-              <a:rPr lang="en-US" sz="3000" b="1" i="0" u="none" strike="noStrike" cap="none">
+              <a:rPr lang="en-US" sz="3000" b="1" i="0" u="none" strike="noStrike" cap="none" dirty="0">
                 <a:solidFill>
                   <a:srgbClr val="FFFF00"/>
                 </a:solidFill>
@@ -14010,7 +14044,7 @@
               <a:t>in</a:t>
             </a:r>
             <a:r>
-              <a:rPr lang="en-US" sz="3000" b="1" i="0" u="none" strike="noStrike" cap="none">
+              <a:rPr lang="en-US" sz="3000" b="1" i="0" u="none" strike="noStrike" cap="none" dirty="0">
                 <a:solidFill>
                   <a:schemeClr val="lt1"/>
                 </a:solidFill>
@@ -14022,7 +14056,7 @@
               <a:t> </a:t>
             </a:r>
             <a:r>
-              <a:rPr lang="en-US" sz="3000" b="1" i="0" u="none" strike="noStrike" cap="none">
+              <a:rPr lang="en-US" sz="3000" b="1" i="0" u="none" strike="noStrike" cap="none" dirty="0">
                 <a:solidFill>
                   <a:srgbClr val="00FF00"/>
                 </a:solidFill>
@@ -14034,7 +14068,7 @@
               <a:t>counts</a:t>
             </a:r>
             <a:r>
-              <a:rPr lang="en-US" sz="3000" b="1" i="0" u="none" strike="noStrike" cap="none">
+              <a:rPr lang="en-US" sz="3000" b="1" i="0" u="none" strike="noStrike" cap="none" dirty="0">
                 <a:solidFill>
                   <a:schemeClr val="lt1"/>
                 </a:solidFill>
@@ -14065,7 +14099,7 @@
               <a:buNone/>
             </a:pPr>
             <a:r>
-              <a:rPr lang="en-US" sz="3000" b="1" i="0" u="none" strike="noStrike" cap="none">
+              <a:rPr lang="en-US" sz="3000" b="1" i="0" u="none" strike="noStrike" cap="none" dirty="0">
                 <a:solidFill>
                   <a:schemeClr val="lt1"/>
                 </a:solidFill>
@@ -14077,7 +14111,7 @@
               <a:t>       </a:t>
             </a:r>
             <a:r>
-              <a:rPr lang="en-US" sz="3000" b="1" i="0" u="none" strike="noStrike" cap="none">
+              <a:rPr lang="en-US" sz="3000" b="1" i="0" u="none" strike="noStrike" cap="none" dirty="0">
                 <a:solidFill>
                   <a:srgbClr val="FFFF00"/>
                 </a:solidFill>
@@ -14089,7 +14123,7 @@
               <a:t>x =</a:t>
             </a:r>
             <a:r>
-              <a:rPr lang="en-US" sz="3000" b="1" i="0" u="none" strike="noStrike" cap="none">
+              <a:rPr lang="en-US" sz="3000" b="1" i="0" u="none" strike="noStrike" cap="none" dirty="0">
                 <a:solidFill>
                   <a:srgbClr val="00FF00"/>
                 </a:solidFill>
@@ -14101,7 +14135,7 @@
               <a:t> counts</a:t>
             </a:r>
             <a:r>
-              <a:rPr lang="en-US" sz="3000" b="1" i="0" u="none" strike="noStrike" cap="none">
+              <a:rPr lang="en-US" sz="3000" b="1" i="0" u="none" strike="noStrike" cap="none" dirty="0">
                 <a:solidFill>
                   <a:srgbClr val="00FFFF"/>
                 </a:solidFill>
@@ -14132,7 +14166,7 @@
               <a:buNone/>
             </a:pPr>
             <a:r>
-              <a:rPr lang="en-US" sz="3000" b="1" i="0" u="none" strike="noStrike" cap="none">
+              <a:rPr lang="en-US" sz="3000" b="1" i="0" u="none" strike="noStrike" cap="none" dirty="0">
                 <a:solidFill>
                   <a:schemeClr val="lt1"/>
                 </a:solidFill>
@@ -14144,7 +14178,7 @@
               <a:t>    </a:t>
             </a:r>
             <a:r>
-              <a:rPr lang="en-US" sz="3000" b="1" i="0" u="none" strike="noStrike" cap="none">
+              <a:rPr lang="en-US" sz="3000" b="1" i="0" u="none" strike="noStrike" cap="none" dirty="0">
                 <a:solidFill>
                   <a:srgbClr val="FFFF00"/>
                 </a:solidFill>
@@ -14156,7 +14190,7 @@
               <a:t>else</a:t>
             </a:r>
             <a:r>
-              <a:rPr lang="en-US" sz="3000" b="1" i="0" u="none" strike="noStrike" cap="none">
+              <a:rPr lang="en-US" sz="3000" b="1" i="0" u="none" strike="noStrike" cap="none" dirty="0">
                 <a:solidFill>
                   <a:schemeClr val="lt1"/>
                 </a:solidFill>
@@ -14187,7 +14221,7 @@
               <a:buNone/>
             </a:pPr>
             <a:r>
-              <a:rPr lang="en-US" sz="3000" b="1" i="0" u="none" strike="noStrike" cap="none">
+              <a:rPr lang="en-US" sz="3000" b="1" i="0" u="none" strike="noStrike" cap="none" dirty="0">
                 <a:solidFill>
                   <a:schemeClr val="lt1"/>
                 </a:solidFill>
@@ -14199,7 +14233,7 @@
               <a:t>       </a:t>
             </a:r>
             <a:r>
-              <a:rPr lang="en-US" sz="3000" b="1" i="0" u="none" strike="noStrike" cap="none">
+              <a:rPr lang="en-US" sz="3000" b="1" i="0" u="none" strike="noStrike" cap="none" dirty="0">
                 <a:solidFill>
                   <a:srgbClr val="FFFF00"/>
                 </a:solidFill>
@@ -14211,7 +14245,7 @@
               <a:t>x =</a:t>
             </a:r>
             <a:r>
-              <a:rPr lang="en-US" sz="3000" b="1" i="0" u="none" strike="noStrike" cap="none">
+              <a:rPr lang="en-US" sz="3000" b="1" i="0" u="none" strike="noStrike" cap="none" dirty="0">
                 <a:solidFill>
                   <a:schemeClr val="lt1"/>
                 </a:solidFill>
@@ -14223,7 +14257,7 @@
               <a:t> </a:t>
             </a:r>
             <a:r>
-              <a:rPr lang="en-US" sz="3000" b="1" i="0" u="none" strike="noStrike" cap="none">
+              <a:rPr lang="en-US" sz="3000" b="1" i="0" u="none" strike="noStrike" cap="none" dirty="0">
                 <a:solidFill>
                   <a:srgbClr val="FF7F00"/>
                 </a:solidFill>
@@ -15043,6 +15077,13 @@
   <p:clrMapOvr>
     <a:masterClrMapping/>
   </p:clrMapOvr>
+  <p:timing>
+    <p:tnLst>
+      <p:par>
+        <p:cTn id="1" dur="indefinite" restart="never" nodeType="tmRoot"/>
+      </p:par>
+    </p:tnLst>
+  </p:timing>
 </p:sld>
 </file>
 
@@ -17465,7 +17506,7 @@
               <a:t>line = </a:t>
             </a:r>
             <a:r>
-              <a:rPr lang="en-US" sz="3000" b="1" i="0" u="none" strike="noStrike" cap="none" dirty="0" err="1">
+              <a:rPr lang="en-US" sz="3000" b="1" i="0" u="none" strike="noStrike" cap="none" dirty="0" smtClean="0">
                 <a:solidFill>
                   <a:srgbClr val="FF00FF"/>
                 </a:solidFill>
@@ -17474,7 +17515,7 @@
                 <a:cs typeface="Courier New"/>
                 <a:sym typeface="Courier New"/>
               </a:rPr>
-              <a:t>raw_input</a:t>
+              <a:t>input</a:t>
             </a:r>
             <a:r>
               <a:rPr lang="en-US" sz="3000" b="1" i="0" u="none" strike="noStrike" cap="none" dirty="0">
@@ -18126,6 +18167,13 @@
   <p:clrMapOvr>
     <a:masterClrMapping/>
   </p:clrMapOvr>
+  <p:timing>
+    <p:tnLst>
+      <p:par>
+        <p:cTn id="1" dur="indefinite" restart="never" nodeType="tmRoot"/>
+      </p:par>
+    </p:tnLst>
+  </p:timing>
 </p:sld>
 </file>
 
@@ -18722,6 +18770,13 @@
   <p:clrMapOvr>
     <a:masterClrMapping/>
   </p:clrMapOvr>
+  <p:timing>
+    <p:tnLst>
+      <p:par>
+        <p:cTn id="1" dur="indefinite" restart="never" nodeType="tmRoot"/>
+      </p:par>
+    </p:tnLst>
+  </p:timing>
 </p:sld>
 </file>
 
@@ -19832,6 +19887,13 @@
   <p:clrMapOvr>
     <a:masterClrMapping/>
   </p:clrMapOvr>
+  <p:timing>
+    <p:tnLst>
+      <p:par>
+        <p:cTn id="1" dur="indefinite" restart="never" nodeType="tmRoot"/>
+      </p:par>
+    </p:tnLst>
+  </p:timing>
 </p:sld>
 </file>
 
@@ -20822,6 +20884,13 @@
   <p:clrMapOvr>
     <a:masterClrMapping/>
   </p:clrMapOvr>
+  <p:timing>
+    <p:tnLst>
+      <p:par>
+        <p:cTn id="1" dur="indefinite" restart="never" nodeType="tmRoot"/>
+      </p:par>
+    </p:tnLst>
+  </p:timing>
 </p:sld>
 </file>
 
@@ -21960,6 +22029,13 @@
   <p:clrMapOvr>
     <a:masterClrMapping/>
   </p:clrMapOvr>
+  <p:timing>
+    <p:tnLst>
+      <p:par>
+        <p:cTn id="1" dur="indefinite" restart="never" nodeType="tmRoot"/>
+      </p:par>
+    </p:tnLst>
+  </p:timing>
 </p:sld>
 </file>
 
@@ -23314,6 +23390,13 @@
   <p:clrMapOvr>
     <a:masterClrMapping/>
   </p:clrMapOvr>
+  <p:timing>
+    <p:tnLst>
+      <p:par>
+        <p:cTn id="1" dur="indefinite" restart="never" nodeType="tmRoot"/>
+      </p:par>
+    </p:tnLst>
+  </p:timing>
 </p:sld>
 </file>
 
@@ -23386,10 +23469,10 @@
                 <a:cs typeface="Courier New"/>
                 <a:sym typeface="Courier New"/>
               </a:rPr>
-              <a:t>name = </a:t>
-            </a:r>
-            <a:r>
-              <a:rPr lang="en-US" sz="2600" b="1" i="0" u="none" strike="noStrike" cap="none" dirty="0" err="1">
+              <a:t>name </a:t>
+            </a:r>
+            <a:r>
+              <a:rPr lang="en-US" sz="2600" b="1" i="0" u="none" strike="noStrike" cap="none">
                 <a:solidFill>
                   <a:srgbClr val="00FF00"/>
                 </a:solidFill>
@@ -23398,7 +23481,19 @@
                 <a:cs typeface="Courier New"/>
                 <a:sym typeface="Courier New"/>
               </a:rPr>
-              <a:t>raw_input</a:t>
+              <a:t>= </a:t>
+            </a:r>
+            <a:r>
+              <a:rPr lang="en-US" sz="2600" b="1" i="0" u="none" strike="noStrike" cap="none" smtClean="0">
+                <a:solidFill>
+                  <a:srgbClr val="00FF00"/>
+                </a:solidFill>
+                <a:latin typeface="Courier New"/>
+                <a:ea typeface="Courier New"/>
+                <a:cs typeface="Courier New"/>
+                <a:sym typeface="Courier New"/>
+              </a:rPr>
+              <a:t>input</a:t>
             </a:r>
             <a:r>
               <a:rPr lang="en-US" sz="2600" b="1" i="0" u="none" strike="noStrike" cap="none" dirty="0">
@@ -24720,6 +24815,13 @@
   <p:clrMapOvr>
     <a:masterClrMapping/>
   </p:clrMapOvr>
+  <p:timing>
+    <p:tnLst>
+      <p:par>
+        <p:cTn id="1" dur="indefinite" restart="never" nodeType="tmRoot"/>
+      </p:par>
+    </p:tnLst>
+  </p:timing>
 </p:sld>
 </file>
 
@@ -25229,6 +25331,13 @@
   <p:clrMapOvr>
     <a:masterClrMapping/>
   </p:clrMapOvr>
+  <p:timing>
+    <p:tnLst>
+      <p:par>
+        <p:cTn id="1" dur="indefinite" restart="never" nodeType="tmRoot"/>
+      </p:par>
+    </p:tnLst>
+  </p:timing>
 </p:sld>
 </file>
 
@@ -25357,6 +25466,13 @@
   <p:clrMapOvr>
     <a:masterClrMapping/>
   </p:clrMapOvr>
+  <p:timing>
+    <p:tnLst>
+      <p:par>
+        <p:cTn id="1" dur="indefinite" restart="never" nodeType="tmRoot"/>
+      </p:par>
+    </p:tnLst>
+  </p:timing>
 </p:sld>
 </file>
 
@@ -25654,6 +25770,13 @@
   <p:clrMapOvr>
     <a:masterClrMapping/>
   </p:clrMapOvr>
+  <p:timing>
+    <p:tnLst>
+      <p:par>
+        <p:cTn id="1" dur="indefinite" restart="never" nodeType="tmRoot"/>
+      </p:par>
+    </p:tnLst>
+  </p:timing>
 </p:sld>
 </file>
 
@@ -26092,6 +26215,13 @@
   <p:clrMapOvr>
     <a:masterClrMapping/>
   </p:clrMapOvr>
+  <p:timing>
+    <p:tnLst>
+      <p:par>
+        <p:cTn id="1" dur="indefinite" restart="never" nodeType="tmRoot"/>
+      </p:par>
+    </p:tnLst>
+  </p:timing>
 </p:sld>
 </file>
 
@@ -26585,6 +26715,13 @@
   <p:clrMapOvr>
     <a:masterClrMapping/>
   </p:clrMapOvr>
+  <p:timing>
+    <p:tnLst>
+      <p:par>
+        <p:cTn id="1" dur="indefinite" restart="never" nodeType="tmRoot"/>
+      </p:par>
+    </p:tnLst>
+  </p:timing>
 </p:sld>
 </file>
 
@@ -26915,6 +27052,13 @@
   <p:clrMapOvr>
     <a:masterClrMapping/>
   </p:clrMapOvr>
+  <p:timing>
+    <p:tnLst>
+      <p:par>
+        <p:cTn id="1" dur="indefinite" restart="never" nodeType="tmRoot"/>
+      </p:par>
+    </p:tnLst>
+  </p:timing>
 </p:sld>
 </file>
 

--- a/lectures3/Pythonlearn-09-Dictionaries.pptx
+++ b/lectures3/Pythonlearn-09-Dictionaries.pptx
@@ -244,7 +244,18 @@
   </p:defaultTextStyle>
   <p:extLst>
     <p:ext uri="{EFAFB233-063F-42B5-8137-9DF3F51BA10A}">
-      <p15:sldGuideLst xmlns="" xmlns:p15="http://schemas.microsoft.com/office/powerpoint/2012/main"/>
+      <p15:sldGuideLst xmlns:p15="http://schemas.microsoft.com/office/powerpoint/2012/main">
+        <p15:guide id="1" orient="horz" pos="2880">
+          <p15:clr>
+            <a:srgbClr val="A4A3A4"/>
+          </p15:clr>
+        </p15:guide>
+        <p15:guide id="2" pos="5120">
+          <p15:clr>
+            <a:srgbClr val="A4A3A4"/>
+          </p15:clr>
+        </p15:guide>
+      </p15:sldGuideLst>
     </p:ext>
   </p:extLst>
 </p:presentation>
@@ -5637,7 +5648,7 @@
   <p:timing>
     <p:tnLst>
       <p:par>
-        <p:cTn xmlns:p14="http://schemas.microsoft.com/office/powerpoint/2010/main" id="1" dur="indefinite" restart="never" nodeType="tmRoot"/>
+        <p:cTn id="1" dur="indefinite" restart="never" nodeType="tmRoot"/>
       </p:par>
     </p:tnLst>
   </p:timing>
@@ -5917,7 +5928,7 @@
               <a:buNone/>
             </a:pPr>
             <a:r>
-              <a:rPr lang="en-US" sz="3000" i="0" u="none" strike="noStrike" cap="none" dirty="0">
+              <a:rPr lang="en-US" sz="3000" b="1" i="0" u="none" strike="noStrike" cap="none" dirty="0">
                 <a:solidFill>
                   <a:schemeClr val="lt1"/>
                 </a:solidFill>
@@ -5929,7 +5940,7 @@
               <a:t>&gt;&gt;&gt; </a:t>
             </a:r>
             <a:r>
-              <a:rPr lang="en-US" sz="3000" i="0" u="none" strike="noStrike" cap="none" dirty="0" err="1">
+              <a:rPr lang="en-US" sz="3000" b="1" i="0" u="none" strike="noStrike" cap="none" dirty="0" err="1">
                 <a:solidFill>
                   <a:schemeClr val="lt1"/>
                 </a:solidFill>
@@ -5941,7 +5952,7 @@
               <a:t>jjj</a:t>
             </a:r>
             <a:r>
-              <a:rPr lang="en-US" sz="3000" i="0" u="none" strike="noStrike" cap="none" dirty="0">
+              <a:rPr lang="en-US" sz="3000" b="1" i="0" u="none" strike="noStrike" cap="none" dirty="0">
                 <a:solidFill>
                   <a:schemeClr val="lt1"/>
                 </a:solidFill>
@@ -5953,7 +5964,7 @@
               <a:t> = { '</a:t>
             </a:r>
             <a:r>
-              <a:rPr lang="en-US" sz="3000" i="0" u="none" strike="noStrike" cap="none" dirty="0">
+              <a:rPr lang="en-US" sz="3000" b="1" i="0" u="none" strike="noStrike" cap="none" dirty="0">
                 <a:solidFill>
                   <a:srgbClr val="00FF00"/>
                 </a:solidFill>
@@ -5965,7 +5976,7 @@
               <a:t>chuck</a:t>
             </a:r>
             <a:r>
-              <a:rPr lang="en-US" sz="3000" i="0" u="none" strike="noStrike" cap="none" dirty="0">
+              <a:rPr lang="en-US" sz="3000" b="1" i="0" u="none" strike="noStrike" cap="none" dirty="0">
                 <a:solidFill>
                   <a:schemeClr val="lt1"/>
                 </a:solidFill>
@@ -5977,7 +5988,7 @@
               <a:t>' : </a:t>
             </a:r>
             <a:r>
-              <a:rPr lang="en-US" sz="3000" i="0" u="none" strike="noStrike" cap="none" dirty="0">
+              <a:rPr lang="en-US" sz="3000" b="1" i="0" u="none" strike="noStrike" cap="none" dirty="0">
                 <a:solidFill>
                   <a:srgbClr val="FF00FF"/>
                 </a:solidFill>
@@ -5989,7 +6000,7 @@
               <a:t>1</a:t>
             </a:r>
             <a:r>
-              <a:rPr lang="en-US" sz="3000" i="0" u="none" strike="noStrike" cap="none" dirty="0">
+              <a:rPr lang="en-US" sz="3000" b="1" i="0" u="none" strike="noStrike" cap="none" dirty="0">
                 <a:solidFill>
                   <a:schemeClr val="lt1"/>
                 </a:solidFill>
@@ -6001,7 +6012,7 @@
               <a:t> , '</a:t>
             </a:r>
             <a:r>
-              <a:rPr lang="en-US" sz="3000" i="0" u="none" strike="noStrike" cap="none" dirty="0" err="1">
+              <a:rPr lang="en-US" sz="3000" b="1" i="0" u="none" strike="noStrike" cap="none" dirty="0" err="1">
                 <a:solidFill>
                   <a:srgbClr val="00FF00"/>
                 </a:solidFill>
@@ -6013,7 +6024,7 @@
               <a:t>fred</a:t>
             </a:r>
             <a:r>
-              <a:rPr lang="en-US" sz="3000" i="0" u="none" strike="noStrike" cap="none" dirty="0">
+              <a:rPr lang="en-US" sz="3000" b="1" i="0" u="none" strike="noStrike" cap="none" dirty="0">
                 <a:solidFill>
                   <a:schemeClr val="lt1"/>
                 </a:solidFill>
@@ -6025,7 +6036,7 @@
               <a:t>' : </a:t>
             </a:r>
             <a:r>
-              <a:rPr lang="en-US" sz="3000" i="0" u="none" strike="noStrike" cap="none" dirty="0">
+              <a:rPr lang="en-US" sz="3000" b="1" i="0" u="none" strike="noStrike" cap="none" dirty="0">
                 <a:solidFill>
                   <a:srgbClr val="FF00FF"/>
                 </a:solidFill>
@@ -6037,7 +6048,7 @@
               <a:t>42</a:t>
             </a:r>
             <a:r>
-              <a:rPr lang="en-US" sz="3000" i="0" u="none" strike="noStrike" cap="none" dirty="0">
+              <a:rPr lang="en-US" sz="3000" b="1" i="0" u="none" strike="noStrike" cap="none" dirty="0">
                 <a:solidFill>
                   <a:schemeClr val="lt1"/>
                 </a:solidFill>
@@ -6049,7 +6060,7 @@
               <a:t>, '</a:t>
             </a:r>
             <a:r>
-              <a:rPr lang="en-US" sz="3000" i="0" u="none" strike="noStrike" cap="none" dirty="0" err="1">
+              <a:rPr lang="en-US" sz="3000" b="1" i="0" u="none" strike="noStrike" cap="none" dirty="0" err="1">
                 <a:solidFill>
                   <a:srgbClr val="00FF00"/>
                 </a:solidFill>
@@ -6061,7 +6072,7 @@
               <a:t>jan</a:t>
             </a:r>
             <a:r>
-              <a:rPr lang="en-US" sz="3000" i="0" u="none" strike="noStrike" cap="none" dirty="0">
+              <a:rPr lang="en-US" sz="3000" b="1" i="0" u="none" strike="noStrike" cap="none" dirty="0">
                 <a:solidFill>
                   <a:schemeClr val="lt1"/>
                 </a:solidFill>
@@ -6073,7 +6084,7 @@
               <a:t>': </a:t>
             </a:r>
             <a:r>
-              <a:rPr lang="en-US" sz="3000" i="0" u="none" strike="noStrike" cap="none" dirty="0">
+              <a:rPr lang="en-US" sz="3000" b="1" i="0" u="none" strike="noStrike" cap="none" dirty="0">
                 <a:solidFill>
                   <a:srgbClr val="FF00FF"/>
                 </a:solidFill>
@@ -6085,7 +6096,7 @@
               <a:t>100</a:t>
             </a:r>
             <a:r>
-              <a:rPr lang="en-US" sz="3000" i="0" u="none" strike="noStrike" cap="none" dirty="0">
+              <a:rPr lang="en-US" sz="3000" b="1" i="0" u="none" strike="noStrike" cap="none" dirty="0">
                 <a:solidFill>
                   <a:schemeClr val="lt1"/>
                 </a:solidFill>
@@ -6116,7 +6127,7 @@
               <a:buNone/>
             </a:pPr>
             <a:r>
-              <a:rPr lang="en-US" sz="3000" i="0" u="none" strike="noStrike" cap="none" dirty="0">
+              <a:rPr lang="en-US" sz="3000" b="1" i="0" u="none" strike="noStrike" cap="none" dirty="0">
                 <a:solidFill>
                   <a:schemeClr val="lt1"/>
                 </a:solidFill>
@@ -6128,7 +6139,7 @@
               <a:t>&gt;&gt;&gt; </a:t>
             </a:r>
             <a:r>
-              <a:rPr lang="en-US" sz="3000" i="0" u="none" strike="noStrike" cap="none" dirty="0" smtClean="0">
+              <a:rPr lang="en-US" sz="3000" b="1" i="0" u="none" strike="noStrike" cap="none" dirty="0" smtClean="0">
                 <a:solidFill>
                   <a:srgbClr val="FFFF00"/>
                 </a:solidFill>
@@ -6140,7 +6151,7 @@
               <a:t>print(</a:t>
             </a:r>
             <a:r>
-              <a:rPr lang="en-US" sz="3000" i="0" u="none" strike="noStrike" cap="none" dirty="0" err="1" smtClean="0">
+              <a:rPr lang="en-US" sz="3000" b="1" i="0" u="none" strike="noStrike" cap="none" dirty="0" err="1" smtClean="0">
                 <a:solidFill>
                   <a:schemeClr val="lt1"/>
                 </a:solidFill>
@@ -6152,7 +6163,7 @@
               <a:t>jjj</a:t>
             </a:r>
             <a:r>
-              <a:rPr lang="en-US" sz="3000" i="0" u="none" strike="noStrike" cap="none" dirty="0" smtClean="0">
+              <a:rPr lang="en-US" sz="3000" b="1" i="0" u="none" strike="noStrike" cap="none" dirty="0" smtClean="0">
                 <a:solidFill>
                   <a:srgbClr val="FFFF00"/>
                 </a:solidFill>
@@ -6163,7 +6174,7 @@
               </a:rPr>
               <a:t>)</a:t>
             </a:r>
-            <a:endParaRPr lang="en-US" sz="3000" i="0" u="none" strike="noStrike" cap="none" dirty="0">
+            <a:endParaRPr lang="en-US" sz="3000" b="1" i="0" u="none" strike="noStrike" cap="none" dirty="0">
               <a:solidFill>
                 <a:srgbClr val="FFFF00"/>
               </a:solidFill>
@@ -6192,7 +6203,7 @@
               <a:buNone/>
             </a:pPr>
             <a:r>
-              <a:rPr lang="en-US" sz="3000" i="0" u="none" strike="noStrike" cap="none" dirty="0">
+              <a:rPr lang="en-US" sz="3000" b="1" i="0" u="none" strike="noStrike" cap="none" dirty="0">
                 <a:solidFill>
                   <a:schemeClr val="lt1"/>
                 </a:solidFill>
@@ -6204,7 +6215,7 @@
               <a:t>{'</a:t>
             </a:r>
             <a:r>
-              <a:rPr lang="en-US" sz="3000" i="0" u="none" strike="noStrike" cap="none" dirty="0" err="1">
+              <a:rPr lang="en-US" sz="3000" b="1" i="0" u="none" strike="noStrike" cap="none" dirty="0" err="1">
                 <a:solidFill>
                   <a:srgbClr val="00FF00"/>
                 </a:solidFill>
@@ -6216,7 +6227,7 @@
               <a:t>jan</a:t>
             </a:r>
             <a:r>
-              <a:rPr lang="en-US" sz="3000" i="0" u="none" strike="noStrike" cap="none" dirty="0">
+              <a:rPr lang="en-US" sz="3000" b="1" i="0" u="none" strike="noStrike" cap="none" dirty="0">
                 <a:solidFill>
                   <a:schemeClr val="lt1"/>
                 </a:solidFill>
@@ -6228,7 +6239,7 @@
               <a:t>': </a:t>
             </a:r>
             <a:r>
-              <a:rPr lang="en-US" sz="3000" i="0" u="none" strike="noStrike" cap="none" dirty="0">
+              <a:rPr lang="en-US" sz="3000" b="1" i="0" u="none" strike="noStrike" cap="none" dirty="0">
                 <a:solidFill>
                   <a:srgbClr val="FF00FF"/>
                 </a:solidFill>
@@ -6240,7 +6251,7 @@
               <a:t>100</a:t>
             </a:r>
             <a:r>
-              <a:rPr lang="en-US" sz="3000" i="0" u="none" strike="noStrike" cap="none" dirty="0">
+              <a:rPr lang="en-US" sz="3000" b="1" i="0" u="none" strike="noStrike" cap="none" dirty="0">
                 <a:solidFill>
                   <a:schemeClr val="lt1"/>
                 </a:solidFill>
@@ -6252,7 +6263,7 @@
               <a:t>, '</a:t>
             </a:r>
             <a:r>
-              <a:rPr lang="en-US" sz="3000" i="0" u="none" strike="noStrike" cap="none" dirty="0">
+              <a:rPr lang="en-US" sz="3000" b="1" i="0" u="none" strike="noStrike" cap="none" dirty="0">
                 <a:solidFill>
                   <a:srgbClr val="00FF00"/>
                 </a:solidFill>
@@ -6264,7 +6275,7 @@
               <a:t>chuck</a:t>
             </a:r>
             <a:r>
-              <a:rPr lang="en-US" sz="3000" i="0" u="none" strike="noStrike" cap="none" dirty="0">
+              <a:rPr lang="en-US" sz="3000" b="1" i="0" u="none" strike="noStrike" cap="none" dirty="0">
                 <a:solidFill>
                   <a:schemeClr val="lt1"/>
                 </a:solidFill>
@@ -6276,7 +6287,7 @@
               <a:t>': </a:t>
             </a:r>
             <a:r>
-              <a:rPr lang="en-US" sz="3000" i="0" u="none" strike="noStrike" cap="none" dirty="0">
+              <a:rPr lang="en-US" sz="3000" b="1" i="0" u="none" strike="noStrike" cap="none" dirty="0">
                 <a:solidFill>
                   <a:srgbClr val="FF00FF"/>
                 </a:solidFill>
@@ -6288,7 +6299,7 @@
               <a:t>1</a:t>
             </a:r>
             <a:r>
-              <a:rPr lang="en-US" sz="3000" i="0" u="none" strike="noStrike" cap="none" dirty="0">
+              <a:rPr lang="en-US" sz="3000" b="1" i="0" u="none" strike="noStrike" cap="none" dirty="0">
                 <a:solidFill>
                   <a:schemeClr val="lt1"/>
                 </a:solidFill>
@@ -6300,7 +6311,7 @@
               <a:t>, '</a:t>
             </a:r>
             <a:r>
-              <a:rPr lang="en-US" sz="3000" i="0" u="none" strike="noStrike" cap="none" dirty="0" err="1">
+              <a:rPr lang="en-US" sz="3000" b="1" i="0" u="none" strike="noStrike" cap="none" dirty="0" err="1">
                 <a:solidFill>
                   <a:srgbClr val="00FF00"/>
                 </a:solidFill>
@@ -6312,7 +6323,7 @@
               <a:t>fred</a:t>
             </a:r>
             <a:r>
-              <a:rPr lang="en-US" sz="3000" i="0" u="none" strike="noStrike" cap="none" dirty="0">
+              <a:rPr lang="en-US" sz="3000" b="1" i="0" u="none" strike="noStrike" cap="none" dirty="0">
                 <a:solidFill>
                   <a:schemeClr val="lt1"/>
                 </a:solidFill>
@@ -6324,7 +6335,7 @@
               <a:t>': </a:t>
             </a:r>
             <a:r>
-              <a:rPr lang="en-US" sz="3000" i="0" u="none" strike="noStrike" cap="none" dirty="0">
+              <a:rPr lang="en-US" sz="3000" b="1" i="0" u="none" strike="noStrike" cap="none" dirty="0">
                 <a:solidFill>
                   <a:srgbClr val="FF00FF"/>
                 </a:solidFill>
@@ -6336,7 +6347,7 @@
               <a:t>42</a:t>
             </a:r>
             <a:r>
-              <a:rPr lang="en-US" sz="3000" i="0" u="none" strike="noStrike" cap="none" dirty="0">
+              <a:rPr lang="en-US" sz="3000" b="1" i="0" u="none" strike="noStrike" cap="none" dirty="0">
                 <a:solidFill>
                   <a:schemeClr val="lt1"/>
                 </a:solidFill>
@@ -6367,7 +6378,7 @@
               <a:buNone/>
             </a:pPr>
             <a:r>
-              <a:rPr lang="en-US" sz="3000" i="0" u="none" strike="noStrike" cap="none" dirty="0">
+              <a:rPr lang="en-US" sz="3000" b="1" i="0" u="none" strike="noStrike" cap="none" dirty="0">
                 <a:solidFill>
                   <a:schemeClr val="lt1"/>
                 </a:solidFill>
@@ -6379,7 +6390,7 @@
               <a:t>&gt;&gt;&gt; </a:t>
             </a:r>
             <a:r>
-              <a:rPr lang="en-US" sz="3000" i="0" u="none" strike="noStrike" cap="none" dirty="0" err="1">
+              <a:rPr lang="en-US" sz="3000" b="1" i="0" u="none" strike="noStrike" cap="none" dirty="0" err="1">
                 <a:solidFill>
                   <a:schemeClr val="lt1"/>
                 </a:solidFill>
@@ -6391,9 +6402,33 @@
               <a:t>ooo</a:t>
             </a:r>
             <a:r>
-              <a:rPr lang="en-US" sz="3000" i="0" u="none" strike="noStrike" cap="none" dirty="0">
-                <a:solidFill>
-                  <a:schemeClr val="lt1"/>
+              <a:rPr lang="en-US" sz="3000" b="1" i="0" u="none" strike="noStrike" cap="none" dirty="0">
+                <a:solidFill>
+                  <a:schemeClr val="lt1"/>
+                </a:solidFill>
+                <a:latin typeface="Courier New"/>
+                <a:ea typeface="Courier New"/>
+                <a:cs typeface="Courier New"/>
+                <a:sym typeface="Courier New"/>
+              </a:rPr>
+              <a:t> = </a:t>
+            </a:r>
+            <a:r>
+              <a:rPr lang="en-US" sz="3000" b="1" i="0" u="none" strike="noStrike" cap="none" dirty="0" smtClean="0">
+                <a:solidFill>
+                  <a:srgbClr val="FF7F00"/>
+                </a:solidFill>
+                <a:latin typeface="Courier New"/>
+                <a:ea typeface="Courier New"/>
+                <a:cs typeface="Courier New"/>
+                <a:sym typeface="Courier New"/>
+              </a:rPr>
+              <a:t>{</a:t>
+            </a:r>
+            <a:r>
+              <a:rPr lang="en-US" sz="3000" b="1" i="0" u="none" strike="noStrike" cap="none" dirty="0" smtClean="0">
+                <a:solidFill>
+                  <a:srgbClr val="0000FF"/>
                 </a:solidFill>
                 <a:latin typeface="Courier New"/>
                 <a:ea typeface="Courier New"/>
@@ -6403,19 +6438,7 @@
               <a:t> </a:t>
             </a:r>
             <a:r>
-              <a:rPr lang="en-US" sz="3000" i="0" u="none" strike="noStrike" cap="none">
-                <a:solidFill>
-                  <a:schemeClr val="lt1"/>
-                </a:solidFill>
-                <a:latin typeface="Courier New"/>
-                <a:ea typeface="Courier New"/>
-                <a:cs typeface="Courier New"/>
-                <a:sym typeface="Courier New"/>
-              </a:rPr>
-              <a:t>= </a:t>
-            </a:r>
-            <a:r>
-              <a:rPr lang="en-US" sz="3000" i="0" u="none" strike="noStrike" cap="none" smtClean="0">
+              <a:rPr lang="en-US" sz="3000" b="1" i="0" u="none" strike="noStrike" cap="none" dirty="0" smtClean="0">
                 <a:solidFill>
                   <a:srgbClr val="FF7F00"/>
                 </a:solidFill>
@@ -6424,33 +6447,9 @@
                 <a:cs typeface="Courier New"/>
                 <a:sym typeface="Courier New"/>
               </a:rPr>
-              <a:t>{</a:t>
-            </a:r>
-            <a:r>
-              <a:rPr lang="en-US" sz="3000" i="0" u="none" strike="noStrike" cap="none" smtClean="0">
-                <a:solidFill>
-                  <a:srgbClr val="0000FF"/>
-                </a:solidFill>
-                <a:latin typeface="Courier New"/>
-                <a:ea typeface="Courier New"/>
-                <a:cs typeface="Courier New"/>
-                <a:sym typeface="Courier New"/>
-              </a:rPr>
-              <a:t> </a:t>
-            </a:r>
-            <a:r>
-              <a:rPr lang="en-US" sz="3000" i="0" u="none" strike="noStrike" cap="none" smtClean="0">
-                <a:solidFill>
-                  <a:srgbClr val="FF7F00"/>
-                </a:solidFill>
-                <a:latin typeface="Courier New"/>
-                <a:ea typeface="Courier New"/>
-                <a:cs typeface="Courier New"/>
-                <a:sym typeface="Courier New"/>
-              </a:rPr>
               <a:t>}</a:t>
             </a:r>
-            <a:endParaRPr lang="en-US" sz="3000" i="0" u="none" strike="noStrike" cap="none" dirty="0">
+            <a:endParaRPr lang="en-US" sz="3000" b="1" i="0" u="none" strike="noStrike" cap="none" dirty="0">
               <a:solidFill>
                 <a:srgbClr val="FF7F00"/>
               </a:solidFill>
@@ -6479,7 +6478,7 @@
               <a:buNone/>
             </a:pPr>
             <a:r>
-              <a:rPr lang="en-US" sz="3000" i="0" u="none" strike="noStrike" cap="none" dirty="0">
+              <a:rPr lang="en-US" sz="3000" b="1" i="0" u="none" strike="noStrike" cap="none" dirty="0">
                 <a:solidFill>
                   <a:schemeClr val="lt1"/>
                 </a:solidFill>
@@ -6491,7 +6490,7 @@
               <a:t>&gt;&gt;&gt; </a:t>
             </a:r>
             <a:r>
-              <a:rPr lang="en-US" sz="3000" i="0" u="none" strike="noStrike" cap="none" dirty="0" smtClean="0">
+              <a:rPr lang="en-US" sz="3000" b="1" i="0" u="none" strike="noStrike" cap="none" dirty="0" smtClean="0">
                 <a:solidFill>
                   <a:srgbClr val="FFFF00"/>
                 </a:solidFill>
@@ -6503,7 +6502,7 @@
               <a:t>print(</a:t>
             </a:r>
             <a:r>
-              <a:rPr lang="en-US" sz="3000" i="0" u="none" strike="noStrike" cap="none" dirty="0" err="1" smtClean="0">
+              <a:rPr lang="en-US" sz="3000" b="1" i="0" u="none" strike="noStrike" cap="none" dirty="0" err="1" smtClean="0">
                 <a:solidFill>
                   <a:schemeClr val="lt1"/>
                 </a:solidFill>
@@ -6515,7 +6514,7 @@
               <a:t>ooo</a:t>
             </a:r>
             <a:r>
-              <a:rPr lang="en-US" sz="3000" i="0" u="none" strike="noStrike" cap="none" dirty="0" smtClean="0">
+              <a:rPr lang="en-US" sz="3000" b="1" i="0" u="none" strike="noStrike" cap="none" dirty="0" smtClean="0">
                 <a:solidFill>
                   <a:srgbClr val="FFFF00"/>
                 </a:solidFill>
@@ -6526,7 +6525,7 @@
               </a:rPr>
               <a:t>)</a:t>
             </a:r>
-            <a:endParaRPr lang="en-US" sz="3000" i="0" u="none" strike="noStrike" cap="none" dirty="0">
+            <a:endParaRPr lang="en-US" sz="3000" b="1" i="0" u="none" strike="noStrike" cap="none" dirty="0">
               <a:solidFill>
                 <a:srgbClr val="FFFF00"/>
               </a:solidFill>
@@ -6555,7 +6554,7 @@
               <a:buNone/>
             </a:pPr>
             <a:r>
-              <a:rPr lang="en-US" sz="3000" i="0" u="none" strike="noStrike" cap="none" dirty="0">
+              <a:rPr lang="en-US" sz="3000" b="1" i="0" u="none" strike="noStrike" cap="none" dirty="0">
                 <a:solidFill>
                   <a:srgbClr val="FF7F00"/>
                 </a:solidFill>
@@ -6586,7 +6585,7 @@
               <a:buNone/>
             </a:pPr>
             <a:r>
-              <a:rPr lang="en-US" sz="3000" i="0" u="none" strike="noStrike" cap="none" dirty="0">
+              <a:rPr lang="en-US" sz="3000" b="1" i="0" u="none" strike="noStrike" cap="none" dirty="0">
                 <a:solidFill>
                   <a:schemeClr val="lt1"/>
                 </a:solidFill>
@@ -6608,7 +6607,7 @@
   <p:timing>
     <p:tnLst>
       <p:par>
-        <p:cTn xmlns:p14="http://schemas.microsoft.com/office/powerpoint/2010/main" id="1" dur="indefinite" restart="never" nodeType="tmRoot"/>
+        <p:cTn id="1" dur="indefinite" restart="never" nodeType="tmRoot"/>
       </p:par>
     </p:tnLst>
   </p:timing>
@@ -6697,7 +6696,7 @@
   <p:timing>
     <p:tnLst>
       <p:par>
-        <p:cTn xmlns:p14="http://schemas.microsoft.com/office/powerpoint/2010/main" id="1" dur="indefinite" restart="never" nodeType="tmRoot"/>
+        <p:cTn id="1" dur="indefinite" restart="never" nodeType="tmRoot"/>
       </p:par>
     </p:tnLst>
   </p:timing>
@@ -7527,7 +7526,7 @@
   <p:timing>
     <p:tnLst>
       <p:par>
-        <p:cTn xmlns:p14="http://schemas.microsoft.com/office/powerpoint/2010/main" id="1" dur="indefinite" restart="never" nodeType="tmRoot"/>
+        <p:cTn id="1" dur="indefinite" restart="never" nodeType="tmRoot"/>
       </p:par>
     </p:tnLst>
   </p:timing>
@@ -8384,7 +8383,7 @@
   <p:timing>
     <p:tnLst>
       <p:par>
-        <p:cTn xmlns:p14="http://schemas.microsoft.com/office/powerpoint/2010/main" id="1" dur="indefinite" restart="never" nodeType="tmRoot"/>
+        <p:cTn id="1" dur="indefinite" restart="never" nodeType="tmRoot"/>
       </p:par>
     </p:tnLst>
   </p:timing>
@@ -8805,7 +8804,7 @@
               <a:buNone/>
             </a:pPr>
             <a:r>
-              <a:rPr lang="en-US" sz="3000" i="0" u="none" strike="noStrike" cap="none" dirty="0">
+              <a:rPr lang="en-US" sz="3000" b="1" i="0" u="none" strike="noStrike" cap="none" dirty="0">
                 <a:solidFill>
                   <a:schemeClr val="lt1"/>
                 </a:solidFill>
@@ -8817,7 +8816,7 @@
               <a:t>&gt;&gt;&gt; </a:t>
             </a:r>
             <a:r>
-              <a:rPr lang="en-US" sz="3000" i="0" u="none" strike="noStrike" cap="none" dirty="0">
+              <a:rPr lang="en-US" sz="3000" b="1" i="0" u="none" strike="noStrike" cap="none" dirty="0">
                 <a:solidFill>
                   <a:srgbClr val="00FF00"/>
                 </a:solidFill>
@@ -8829,7 +8828,7 @@
               <a:t>ccc</a:t>
             </a:r>
             <a:r>
-              <a:rPr lang="en-US" sz="3000" i="0" u="none" strike="noStrike" cap="none" dirty="0">
+              <a:rPr lang="en-US" sz="3000" b="1" i="0" u="none" strike="noStrike" cap="none" dirty="0">
                 <a:solidFill>
                   <a:schemeClr val="lt1"/>
                 </a:solidFill>
@@ -8841,7 +8840,7 @@
               <a:t> = </a:t>
             </a:r>
             <a:r>
-              <a:rPr lang="en-US" sz="3000" i="0" u="none" strike="noStrike" cap="none" dirty="0" err="1">
+              <a:rPr lang="en-US" sz="3000" b="1" i="0" u="none" strike="noStrike" cap="none" dirty="0" err="1">
                 <a:solidFill>
                   <a:srgbClr val="FF00FF"/>
                 </a:solidFill>
@@ -8853,7 +8852,7 @@
               <a:t>dict</a:t>
             </a:r>
             <a:r>
-              <a:rPr lang="en-US" sz="3000" i="0" u="none" strike="noStrike" cap="none" dirty="0">
+              <a:rPr lang="en-US" sz="3000" b="1" i="0" u="none" strike="noStrike" cap="none" dirty="0">
                 <a:solidFill>
                   <a:schemeClr val="lt1"/>
                 </a:solidFill>
@@ -8884,7 +8883,7 @@
               <a:buNone/>
             </a:pPr>
             <a:r>
-              <a:rPr lang="en-US" sz="3000" i="0" u="none" strike="noStrike" cap="none" dirty="0">
+              <a:rPr lang="en-US" sz="3000" b="1" i="0" u="none" strike="noStrike" cap="none" dirty="0">
                 <a:solidFill>
                   <a:schemeClr val="lt1"/>
                 </a:solidFill>
@@ -8896,7 +8895,7 @@
               <a:t>&gt;&gt;&gt; </a:t>
             </a:r>
             <a:r>
-              <a:rPr lang="en-US" sz="3000" i="0" u="none" strike="noStrike" cap="none" dirty="0">
+              <a:rPr lang="en-US" sz="3000" b="1" i="0" u="none" strike="noStrike" cap="none" dirty="0">
                 <a:solidFill>
                   <a:srgbClr val="00FF00"/>
                 </a:solidFill>
@@ -8908,7 +8907,7 @@
               <a:t>ccc</a:t>
             </a:r>
             <a:r>
-              <a:rPr lang="en-US" sz="3000" i="0" u="none" strike="noStrike" cap="none" dirty="0">
+              <a:rPr lang="en-US" sz="3000" b="1" i="0" u="none" strike="noStrike" cap="none" dirty="0">
                 <a:solidFill>
                   <a:schemeClr val="lt1"/>
                 </a:solidFill>
@@ -8920,7 +8919,7 @@
               <a:t>['</a:t>
             </a:r>
             <a:r>
-              <a:rPr lang="en-US" sz="3000" i="0" u="none" strike="noStrike" cap="none" dirty="0" err="1">
+              <a:rPr lang="en-US" sz="3000" b="1" i="0" u="none" strike="noStrike" cap="none" dirty="0" err="1">
                 <a:solidFill>
                   <a:srgbClr val="FF7F00"/>
                 </a:solidFill>
@@ -8932,7 +8931,7 @@
               <a:t>csev</a:t>
             </a:r>
             <a:r>
-              <a:rPr lang="en-US" sz="3000" i="0" u="none" strike="noStrike" cap="none" dirty="0">
+              <a:rPr lang="en-US" sz="3000" b="1" i="0" u="none" strike="noStrike" cap="none" dirty="0">
                 <a:solidFill>
                   <a:schemeClr val="lt1"/>
                 </a:solidFill>
@@ -8944,7 +8943,7 @@
               <a:t>'] = </a:t>
             </a:r>
             <a:r>
-              <a:rPr lang="en-US" sz="3000" i="0" u="none" strike="noStrike" cap="none" dirty="0">
+              <a:rPr lang="en-US" sz="3000" b="1" i="0" u="none" strike="noStrike" cap="none" dirty="0">
                 <a:solidFill>
                   <a:srgbClr val="FF00FF"/>
                 </a:solidFill>
@@ -8975,7 +8974,7 @@
               <a:buNone/>
             </a:pPr>
             <a:r>
-              <a:rPr lang="en-US" sz="3000" i="0" u="none" strike="noStrike" cap="none" dirty="0">
+              <a:rPr lang="en-US" sz="3000" b="1" i="0" u="none" strike="noStrike" cap="none" dirty="0">
                 <a:solidFill>
                   <a:schemeClr val="lt1"/>
                 </a:solidFill>
@@ -8987,7 +8986,7 @@
               <a:t>&gt;&gt;&gt; </a:t>
             </a:r>
             <a:r>
-              <a:rPr lang="en-US" sz="3000" i="0" u="none" strike="noStrike" cap="none" dirty="0">
+              <a:rPr lang="en-US" sz="3000" b="1" i="0" u="none" strike="noStrike" cap="none" dirty="0">
                 <a:solidFill>
                   <a:srgbClr val="00FF00"/>
                 </a:solidFill>
@@ -8999,7 +8998,7 @@
               <a:t>ccc</a:t>
             </a:r>
             <a:r>
-              <a:rPr lang="en-US" sz="3000" i="0" u="none" strike="noStrike" cap="none" dirty="0">
+              <a:rPr lang="en-US" sz="3000" b="1" i="0" u="none" strike="noStrike" cap="none" dirty="0">
                 <a:solidFill>
                   <a:schemeClr val="lt1"/>
                 </a:solidFill>
@@ -9011,7 +9010,7 @@
               <a:t>['</a:t>
             </a:r>
             <a:r>
-              <a:rPr lang="en-US" sz="3000" i="0" u="none" strike="noStrike" cap="none" dirty="0" err="1">
+              <a:rPr lang="en-US" sz="3000" b="1" i="0" u="none" strike="noStrike" cap="none" dirty="0" err="1">
                 <a:solidFill>
                   <a:srgbClr val="FF7F00"/>
                 </a:solidFill>
@@ -9023,7 +9022,7 @@
               <a:t>cwen</a:t>
             </a:r>
             <a:r>
-              <a:rPr lang="en-US" sz="3000" i="0" u="none" strike="noStrike" cap="none" dirty="0">
+              <a:rPr lang="en-US" sz="3000" b="1" i="0" u="none" strike="noStrike" cap="none" dirty="0">
                 <a:solidFill>
                   <a:schemeClr val="lt1"/>
                 </a:solidFill>
@@ -9035,7 +9034,7 @@
               <a:t>'] = </a:t>
             </a:r>
             <a:r>
-              <a:rPr lang="en-US" sz="3000" i="0" u="none" strike="noStrike" cap="none" dirty="0">
+              <a:rPr lang="en-US" sz="3000" b="1" i="0" u="none" strike="noStrike" cap="none" dirty="0">
                 <a:solidFill>
                   <a:srgbClr val="FF00FF"/>
                 </a:solidFill>
@@ -9066,7 +9065,7 @@
               <a:buNone/>
             </a:pPr>
             <a:r>
-              <a:rPr lang="en-US" sz="3000" i="0" u="none" strike="noStrike" cap="none" dirty="0">
+              <a:rPr lang="en-US" sz="3000" b="1" i="0" u="none" strike="noStrike" cap="none" dirty="0">
                 <a:solidFill>
                   <a:schemeClr val="lt1"/>
                 </a:solidFill>
@@ -9078,7 +9077,7 @@
               <a:t>&gt;&gt;&gt; </a:t>
             </a:r>
             <a:r>
-              <a:rPr lang="en-US" sz="3000" i="0" u="none" strike="noStrike" cap="none" dirty="0" smtClean="0">
+              <a:rPr lang="en-US" sz="3000" b="1" i="0" u="none" strike="noStrike" cap="none" dirty="0" smtClean="0">
                 <a:solidFill>
                   <a:srgbClr val="FFFF00"/>
                 </a:solidFill>
@@ -9090,7 +9089,7 @@
               <a:t>print(</a:t>
             </a:r>
             <a:r>
-              <a:rPr lang="en-US" sz="3000" i="0" u="none" strike="noStrike" cap="none" dirty="0" smtClean="0">
+              <a:rPr lang="en-US" sz="3000" b="1" i="0" u="none" strike="noStrike" cap="none" dirty="0" smtClean="0">
                 <a:solidFill>
                   <a:srgbClr val="00FF00"/>
                 </a:solidFill>
@@ -9102,7 +9101,7 @@
               <a:t>ccc</a:t>
             </a:r>
             <a:r>
-              <a:rPr lang="en-US" sz="3000" i="0" u="none" strike="noStrike" cap="none" dirty="0" smtClean="0">
+              <a:rPr lang="en-US" sz="3000" b="1" i="0" u="none" strike="noStrike" cap="none" dirty="0" smtClean="0">
                 <a:solidFill>
                   <a:srgbClr val="FFFF00"/>
                 </a:solidFill>
@@ -9113,7 +9112,7 @@
               </a:rPr>
               <a:t>)</a:t>
             </a:r>
-            <a:endParaRPr lang="en-US" sz="3000" i="0" u="none" strike="noStrike" cap="none" dirty="0">
+            <a:endParaRPr lang="en-US" sz="3000" b="1" i="0" u="none" strike="noStrike" cap="none" dirty="0">
               <a:solidFill>
                 <a:srgbClr val="FFFF00"/>
               </a:solidFill>
@@ -9142,7 +9141,7 @@
               <a:buNone/>
             </a:pPr>
             <a:r>
-              <a:rPr lang="en-US" sz="3000" i="0" u="none" strike="noStrike" cap="none" dirty="0">
+              <a:rPr lang="en-US" sz="3000" b="1" i="0" u="none" strike="noStrike" cap="none" dirty="0">
                 <a:solidFill>
                   <a:schemeClr val="lt1"/>
                 </a:solidFill>
@@ -9154,7 +9153,7 @@
               <a:t>{'</a:t>
             </a:r>
             <a:r>
-              <a:rPr lang="en-US" sz="3000" i="0" u="none" strike="noStrike" cap="none" dirty="0" err="1">
+              <a:rPr lang="en-US" sz="3000" b="1" i="0" u="none" strike="noStrike" cap="none" dirty="0" err="1">
                 <a:solidFill>
                   <a:srgbClr val="FF7F00"/>
                 </a:solidFill>
@@ -9166,7 +9165,7 @@
               <a:t>csev</a:t>
             </a:r>
             <a:r>
-              <a:rPr lang="en-US" sz="3000" i="0" u="none" strike="noStrike" cap="none" dirty="0">
+              <a:rPr lang="en-US" sz="3000" b="1" i="0" u="none" strike="noStrike" cap="none" dirty="0">
                 <a:solidFill>
                   <a:schemeClr val="lt1"/>
                 </a:solidFill>
@@ -9178,7 +9177,7 @@
               <a:t>': </a:t>
             </a:r>
             <a:r>
-              <a:rPr lang="en-US" sz="3000" i="0" u="none" strike="noStrike" cap="none" dirty="0">
+              <a:rPr lang="en-US" sz="3000" b="1" i="0" u="none" strike="noStrike" cap="none" dirty="0">
                 <a:solidFill>
                   <a:srgbClr val="FF00FF"/>
                 </a:solidFill>
@@ -9190,7 +9189,7 @@
               <a:t>1</a:t>
             </a:r>
             <a:r>
-              <a:rPr lang="en-US" sz="3000" i="0" u="none" strike="noStrike" cap="none" dirty="0">
+              <a:rPr lang="en-US" sz="3000" b="1" i="0" u="none" strike="noStrike" cap="none" dirty="0">
                 <a:solidFill>
                   <a:schemeClr val="lt1"/>
                 </a:solidFill>
@@ -9202,7 +9201,7 @@
               <a:t>, '</a:t>
             </a:r>
             <a:r>
-              <a:rPr lang="en-US" sz="3000" i="0" u="none" strike="noStrike" cap="none" dirty="0" err="1">
+              <a:rPr lang="en-US" sz="3000" b="1" i="0" u="none" strike="noStrike" cap="none" dirty="0" err="1">
                 <a:solidFill>
                   <a:srgbClr val="FF7F00"/>
                 </a:solidFill>
@@ -9214,7 +9213,7 @@
               <a:t>cwen</a:t>
             </a:r>
             <a:r>
-              <a:rPr lang="en-US" sz="3000" i="0" u="none" strike="noStrike" cap="none" dirty="0">
+              <a:rPr lang="en-US" sz="3000" b="1" i="0" u="none" strike="noStrike" cap="none" dirty="0">
                 <a:solidFill>
                   <a:schemeClr val="lt1"/>
                 </a:solidFill>
@@ -9226,7 +9225,7 @@
               <a:t>': </a:t>
             </a:r>
             <a:r>
-              <a:rPr lang="en-US" sz="3000" i="0" u="none" strike="noStrike" cap="none" dirty="0">
+              <a:rPr lang="en-US" sz="3000" b="1" i="0" u="none" strike="noStrike" cap="none" dirty="0">
                 <a:solidFill>
                   <a:srgbClr val="FF00FF"/>
                 </a:solidFill>
@@ -9238,7 +9237,7 @@
               <a:t>1</a:t>
             </a:r>
             <a:r>
-              <a:rPr lang="en-US" sz="3000" i="0" u="none" strike="noStrike" cap="none" dirty="0">
+              <a:rPr lang="en-US" sz="3000" b="1" i="0" u="none" strike="noStrike" cap="none" dirty="0">
                 <a:solidFill>
                   <a:schemeClr val="lt1"/>
                 </a:solidFill>
@@ -9269,7 +9268,7 @@
               <a:buNone/>
             </a:pPr>
             <a:r>
-              <a:rPr lang="en-US" sz="3000" i="0" u="none" strike="noStrike" cap="none" dirty="0">
+              <a:rPr lang="en-US" sz="3000" b="1" i="0" u="none" strike="noStrike" cap="none" dirty="0">
                 <a:solidFill>
                   <a:schemeClr val="lt1"/>
                 </a:solidFill>
@@ -9281,7 +9280,7 @@
               <a:t>&gt;&gt;&gt; </a:t>
             </a:r>
             <a:r>
-              <a:rPr lang="en-US" sz="3000" i="0" u="none" strike="noStrike" cap="none" dirty="0">
+              <a:rPr lang="en-US" sz="3000" b="1" i="0" u="none" strike="noStrike" cap="none" dirty="0">
                 <a:solidFill>
                   <a:srgbClr val="00FF00"/>
                 </a:solidFill>
@@ -9293,7 +9292,7 @@
               <a:t>ccc</a:t>
             </a:r>
             <a:r>
-              <a:rPr lang="en-US" sz="3000" i="0" u="none" strike="noStrike" cap="none" dirty="0">
+              <a:rPr lang="en-US" sz="3000" b="1" i="0" u="none" strike="noStrike" cap="none" dirty="0">
                 <a:solidFill>
                   <a:schemeClr val="lt1"/>
                 </a:solidFill>
@@ -9305,7 +9304,7 @@
               <a:t>['</a:t>
             </a:r>
             <a:r>
-              <a:rPr lang="en-US" sz="3000" i="0" u="none" strike="noStrike" cap="none" dirty="0" err="1">
+              <a:rPr lang="en-US" sz="3000" b="1" i="0" u="none" strike="noStrike" cap="none" dirty="0" err="1">
                 <a:solidFill>
                   <a:srgbClr val="FF7F00"/>
                 </a:solidFill>
@@ -9317,7 +9316,7 @@
               <a:t>cwen</a:t>
             </a:r>
             <a:r>
-              <a:rPr lang="en-US" sz="3000" i="0" u="none" strike="noStrike" cap="none" dirty="0">
+              <a:rPr lang="en-US" sz="3000" b="1" i="0" u="none" strike="noStrike" cap="none" dirty="0">
                 <a:solidFill>
                   <a:schemeClr val="lt1"/>
                 </a:solidFill>
@@ -9329,7 +9328,7 @@
               <a:t>'] = </a:t>
             </a:r>
             <a:r>
-              <a:rPr lang="en-US" sz="3000" i="0" u="none" strike="noStrike" cap="none" dirty="0">
+              <a:rPr lang="en-US" sz="3000" b="1" i="0" u="none" strike="noStrike" cap="none" dirty="0">
                 <a:solidFill>
                   <a:srgbClr val="00FF00"/>
                 </a:solidFill>
@@ -9341,7 +9340,7 @@
               <a:t>ccc</a:t>
             </a:r>
             <a:r>
-              <a:rPr lang="en-US" sz="3000" i="0" u="none" strike="noStrike" cap="none" dirty="0">
+              <a:rPr lang="en-US" sz="3000" b="1" i="0" u="none" strike="noStrike" cap="none" dirty="0">
                 <a:solidFill>
                   <a:schemeClr val="lt1"/>
                 </a:solidFill>
@@ -9353,7 +9352,7 @@
               <a:t>['</a:t>
             </a:r>
             <a:r>
-              <a:rPr lang="en-US" sz="3000" i="0" u="none" strike="noStrike" cap="none" dirty="0" err="1">
+              <a:rPr lang="en-US" sz="3000" b="1" i="0" u="none" strike="noStrike" cap="none" dirty="0" err="1">
                 <a:solidFill>
                   <a:srgbClr val="FF7F00"/>
                 </a:solidFill>
@@ -9365,7 +9364,7 @@
               <a:t>cwen</a:t>
             </a:r>
             <a:r>
-              <a:rPr lang="en-US" sz="3000" i="0" u="none" strike="noStrike" cap="none" dirty="0">
+              <a:rPr lang="en-US" sz="3000" b="1" i="0" u="none" strike="noStrike" cap="none" dirty="0">
                 <a:solidFill>
                   <a:schemeClr val="lt1"/>
                 </a:solidFill>
@@ -9377,7 +9376,7 @@
               <a:t>'] + </a:t>
             </a:r>
             <a:r>
-              <a:rPr lang="en-US" sz="3000" i="0" u="none" strike="noStrike" cap="none" dirty="0">
+              <a:rPr lang="en-US" sz="3000" b="1" i="0" u="none" strike="noStrike" cap="none" dirty="0">
                 <a:solidFill>
                   <a:srgbClr val="FF00FF"/>
                 </a:solidFill>
@@ -9397,7 +9396,7 @@
               <a:buSzPct val="25000"/>
             </a:pPr>
             <a:r>
-              <a:rPr lang="en-US" sz="3000" i="0" u="none" strike="noStrike" cap="none" dirty="0">
+              <a:rPr lang="en-US" sz="3000" b="1" i="0" u="none" strike="noStrike" cap="none" dirty="0">
                 <a:solidFill>
                   <a:schemeClr val="lt1"/>
                 </a:solidFill>
@@ -9409,7 +9408,7 @@
               <a:t>&gt;&gt;&gt; </a:t>
             </a:r>
             <a:r>
-              <a:rPr lang="en-US" sz="3000" i="0" u="none" strike="noStrike" cap="none" dirty="0" smtClean="0">
+              <a:rPr lang="en-US" sz="3000" b="1" i="0" u="none" strike="noStrike" cap="none" dirty="0" smtClean="0">
                 <a:solidFill>
                   <a:srgbClr val="FFFF00"/>
                 </a:solidFill>
@@ -9421,7 +9420,7 @@
               <a:t>print(</a:t>
             </a:r>
             <a:r>
-              <a:rPr lang="en-US" sz="3000" i="0" u="none" strike="noStrike" cap="none" dirty="0" smtClean="0">
+              <a:rPr lang="en-US" sz="3000" b="1" i="0" u="none" strike="noStrike" cap="none" dirty="0" smtClean="0">
                 <a:solidFill>
                   <a:schemeClr val="lt1"/>
                 </a:solidFill>
@@ -9433,7 +9432,7 @@
               <a:t>ccc</a:t>
             </a:r>
             <a:r>
-              <a:rPr lang="en-US" sz="3000" dirty="0" smtClean="0">
+              <a:rPr lang="en-US" sz="3000" b="1" dirty="0" smtClean="0">
                 <a:solidFill>
                   <a:srgbClr val="FFFF00"/>
                 </a:solidFill>
@@ -9444,7 +9443,7 @@
               </a:rPr>
               <a:t>)</a:t>
             </a:r>
-            <a:endParaRPr lang="en-US" sz="3000" i="0" u="none" strike="noStrike" cap="none" dirty="0">
+            <a:endParaRPr lang="en-US" sz="3000" b="1" i="0" u="none" strike="noStrike" cap="none" dirty="0">
               <a:solidFill>
                 <a:schemeClr val="lt1"/>
               </a:solidFill>
@@ -9473,7 +9472,7 @@
               <a:buNone/>
             </a:pPr>
             <a:r>
-              <a:rPr lang="en-US" sz="3000" i="0" u="none" strike="noStrike" cap="none" dirty="0">
+              <a:rPr lang="en-US" sz="3000" b="1" i="0" u="none" strike="noStrike" cap="none" dirty="0">
                 <a:solidFill>
                   <a:schemeClr val="lt1"/>
                 </a:solidFill>
@@ -9485,7 +9484,7 @@
               <a:t>{'</a:t>
             </a:r>
             <a:r>
-              <a:rPr lang="en-US" sz="3000" i="0" u="none" strike="noStrike" cap="none" dirty="0" err="1">
+              <a:rPr lang="en-US" sz="3000" b="1" i="0" u="none" strike="noStrike" cap="none" dirty="0" err="1">
                 <a:solidFill>
                   <a:srgbClr val="FF7F00"/>
                 </a:solidFill>
@@ -9497,7 +9496,7 @@
               <a:t>csev</a:t>
             </a:r>
             <a:r>
-              <a:rPr lang="en-US" sz="3000" i="0" u="none" strike="noStrike" cap="none" dirty="0">
+              <a:rPr lang="en-US" sz="3000" b="1" i="0" u="none" strike="noStrike" cap="none" dirty="0">
                 <a:solidFill>
                   <a:schemeClr val="lt1"/>
                 </a:solidFill>
@@ -9509,7 +9508,7 @@
               <a:t>': </a:t>
             </a:r>
             <a:r>
-              <a:rPr lang="en-US" sz="3000" i="0" u="none" strike="noStrike" cap="none" dirty="0">
+              <a:rPr lang="en-US" sz="3000" b="1" i="0" u="none" strike="noStrike" cap="none" dirty="0">
                 <a:solidFill>
                   <a:srgbClr val="FF00FF"/>
                 </a:solidFill>
@@ -9521,7 +9520,7 @@
               <a:t>1</a:t>
             </a:r>
             <a:r>
-              <a:rPr lang="en-US" sz="3000" i="0" u="none" strike="noStrike" cap="none" dirty="0">
+              <a:rPr lang="en-US" sz="3000" b="1" i="0" u="none" strike="noStrike" cap="none" dirty="0">
                 <a:solidFill>
                   <a:schemeClr val="lt1"/>
                 </a:solidFill>
@@ -9533,7 +9532,7 @@
               <a:t>, '</a:t>
             </a:r>
             <a:r>
-              <a:rPr lang="en-US" sz="3000" i="0" u="none" strike="noStrike" cap="none" dirty="0" err="1">
+              <a:rPr lang="en-US" sz="3000" b="1" i="0" u="none" strike="noStrike" cap="none" dirty="0" err="1">
                 <a:solidFill>
                   <a:srgbClr val="FF7F00"/>
                 </a:solidFill>
@@ -9545,7 +9544,7 @@
               <a:t>cwen</a:t>
             </a:r>
             <a:r>
-              <a:rPr lang="en-US" sz="3000" i="0" u="none" strike="noStrike" cap="none" dirty="0">
+              <a:rPr lang="en-US" sz="3000" b="1" i="0" u="none" strike="noStrike" cap="none" dirty="0">
                 <a:solidFill>
                   <a:schemeClr val="lt1"/>
                 </a:solidFill>
@@ -9557,7 +9556,7 @@
               <a:t>': </a:t>
             </a:r>
             <a:r>
-              <a:rPr lang="en-US" sz="3000" i="0" u="none" strike="noStrike" cap="none" dirty="0">
+              <a:rPr lang="en-US" sz="3000" b="1" i="0" u="none" strike="noStrike" cap="none" dirty="0">
                 <a:solidFill>
                   <a:srgbClr val="FF00FF"/>
                 </a:solidFill>
@@ -9569,7 +9568,7 @@
               <a:t>2</a:t>
             </a:r>
             <a:r>
-              <a:rPr lang="en-US" sz="3000" i="0" u="none" strike="noStrike" cap="none" dirty="0">
+              <a:rPr lang="en-US" sz="3000" b="1" i="0" u="none" strike="noStrike" cap="none" dirty="0">
                 <a:solidFill>
                   <a:schemeClr val="lt1"/>
                 </a:solidFill>
@@ -9591,7 +9590,7 @@
   <p:timing>
     <p:tnLst>
       <p:par>
-        <p:cTn xmlns:p14="http://schemas.microsoft.com/office/powerpoint/2010/main" id="1" dur="indefinite" restart="never" nodeType="tmRoot"/>
+        <p:cTn id="1" dur="indefinite" restart="never" nodeType="tmRoot"/>
       </p:par>
     </p:tnLst>
   </p:timing>
@@ -9855,7 +9854,7 @@
               <a:buNone/>
             </a:pPr>
             <a:r>
-              <a:rPr lang="en-US" sz="3000" i="0" u="none" strike="noStrike" cap="none" dirty="0">
+              <a:rPr lang="en-US" sz="3000" b="1" i="0" u="none" strike="noStrike" cap="none" dirty="0">
                 <a:solidFill>
                   <a:schemeClr val="lt1"/>
                 </a:solidFill>
@@ -9867,7 +9866,7 @@
               <a:t>&gt;&gt;&gt; ccc = </a:t>
             </a:r>
             <a:r>
-              <a:rPr lang="en-US" sz="3000" i="0" u="none" strike="noStrike" cap="none" dirty="0" err="1">
+              <a:rPr lang="en-US" sz="3000" b="1" i="0" u="none" strike="noStrike" cap="none" dirty="0" err="1">
                 <a:solidFill>
                   <a:srgbClr val="00FFFF"/>
                 </a:solidFill>
@@ -9879,7 +9878,7 @@
               <a:t>dict</a:t>
             </a:r>
             <a:r>
-              <a:rPr lang="en-US" sz="3000" i="0" u="none" strike="noStrike" cap="none" dirty="0">
+              <a:rPr lang="en-US" sz="3000" b="1" i="0" u="none" strike="noStrike" cap="none" dirty="0">
                 <a:solidFill>
                   <a:srgbClr val="00FFFF"/>
                 </a:solidFill>
@@ -9899,7 +9898,7 @@
               <a:buSzPct val="25000"/>
             </a:pPr>
             <a:r>
-              <a:rPr lang="en-US" sz="3000" i="0" u="none" strike="noStrike" cap="none" dirty="0">
+              <a:rPr lang="en-US" sz="3000" b="1" i="0" u="none" strike="noStrike" cap="none" dirty="0">
                 <a:solidFill>
                   <a:schemeClr val="lt1"/>
                 </a:solidFill>
@@ -9911,7 +9910,7 @@
               <a:t>&gt;&gt;&gt;</a:t>
             </a:r>
             <a:r>
-              <a:rPr lang="en-US" sz="3000" i="0" u="none" strike="noStrike" cap="none" dirty="0">
+              <a:rPr lang="en-US" sz="3000" b="1" i="0" u="none" strike="noStrike" cap="none" dirty="0">
                 <a:solidFill>
                   <a:srgbClr val="FF0000"/>
                 </a:solidFill>
@@ -9923,7 +9922,7 @@
               <a:t> </a:t>
             </a:r>
             <a:r>
-              <a:rPr lang="en-US" sz="3000" i="0" u="none" strike="noStrike" cap="none" dirty="0" smtClean="0">
+              <a:rPr lang="en-US" sz="3000" b="1" i="0" u="none" strike="noStrike" cap="none" dirty="0" smtClean="0">
                 <a:solidFill>
                   <a:srgbClr val="FFFF00"/>
                 </a:solidFill>
@@ -9935,7 +9934,7 @@
               <a:t>print(</a:t>
             </a:r>
             <a:r>
-              <a:rPr lang="en-US" sz="3000" i="0" u="none" strike="noStrike" cap="none" dirty="0" smtClean="0">
+              <a:rPr lang="en-US" sz="3000" b="1" i="0" u="none" strike="noStrike" cap="none" dirty="0" smtClean="0">
                 <a:solidFill>
                   <a:srgbClr val="FF66FF"/>
                 </a:solidFill>
@@ -9947,7 +9946,7 @@
               <a:t>ccc</a:t>
             </a:r>
             <a:r>
-              <a:rPr lang="en-US" sz="3000" i="0" u="none" strike="noStrike" cap="none" dirty="0">
+              <a:rPr lang="en-US" sz="3000" b="1" i="0" u="none" strike="noStrike" cap="none" dirty="0">
                 <a:solidFill>
                   <a:srgbClr val="FF66FF"/>
                 </a:solidFill>
@@ -9959,7 +9958,7 @@
               <a:t>['</a:t>
             </a:r>
             <a:r>
-              <a:rPr lang="en-US" sz="3000" i="0" u="none" strike="noStrike" cap="none" dirty="0" err="1">
+              <a:rPr lang="en-US" sz="3000" b="1" i="0" u="none" strike="noStrike" cap="none" dirty="0" err="1">
                 <a:solidFill>
                   <a:srgbClr val="FF66FF"/>
                 </a:solidFill>
@@ -9971,7 +9970,7 @@
               <a:t>csev</a:t>
             </a:r>
             <a:r>
-              <a:rPr lang="en-US" sz="3000" i="0" u="none" strike="noStrike" cap="none" dirty="0" smtClean="0">
+              <a:rPr lang="en-US" sz="3000" b="1" i="0" u="none" strike="noStrike" cap="none" dirty="0" smtClean="0">
                 <a:solidFill>
                   <a:srgbClr val="FF66FF"/>
                 </a:solidFill>
@@ -9983,7 +9982,7 @@
               <a:t>']</a:t>
             </a:r>
             <a:r>
-              <a:rPr lang="en-US" sz="3000" dirty="0" smtClean="0">
+              <a:rPr lang="en-US" sz="3000" b="1" dirty="0" smtClean="0">
                 <a:solidFill>
                   <a:srgbClr val="FFFF00"/>
                 </a:solidFill>
@@ -9994,7 +9993,7 @@
               </a:rPr>
               <a:t>)</a:t>
             </a:r>
-            <a:endParaRPr lang="en-US" sz="3000" i="0" u="none" strike="noStrike" cap="none" dirty="0">
+            <a:endParaRPr lang="en-US" sz="3000" b="1" i="0" u="none" strike="noStrike" cap="none" dirty="0">
               <a:solidFill>
                 <a:srgbClr val="FF66FF"/>
               </a:solidFill>
@@ -10023,7 +10022,7 @@
               <a:buNone/>
             </a:pPr>
             <a:r>
-              <a:rPr lang="en-US" sz="3000" i="0" u="none" strike="noStrike" cap="none" dirty="0" err="1">
+              <a:rPr lang="en-US" sz="3000" b="1" i="0" u="none" strike="noStrike" cap="none" dirty="0" err="1">
                 <a:solidFill>
                   <a:schemeClr val="lt1"/>
                 </a:solidFill>
@@ -10035,7 +10034,7 @@
               <a:t>Traceback</a:t>
             </a:r>
             <a:r>
-              <a:rPr lang="en-US" sz="3000" i="0" u="none" strike="noStrike" cap="none" dirty="0">
+              <a:rPr lang="en-US" sz="3000" b="1" i="0" u="none" strike="noStrike" cap="none" dirty="0">
                 <a:solidFill>
                   <a:schemeClr val="lt1"/>
                 </a:solidFill>
@@ -10066,7 +10065,7 @@
               <a:buNone/>
             </a:pPr>
             <a:r>
-              <a:rPr lang="en-US" sz="3000" i="0" u="none" strike="noStrike" cap="none" dirty="0">
+              <a:rPr lang="en-US" sz="3000" b="1" i="0" u="none" strike="noStrike" cap="none" dirty="0">
                 <a:solidFill>
                   <a:schemeClr val="lt1"/>
                 </a:solidFill>
@@ -10078,7 +10077,7 @@
               <a:t>  File "&lt;</a:t>
             </a:r>
             <a:r>
-              <a:rPr lang="en-US" sz="3000" i="0" u="none" strike="noStrike" cap="none" dirty="0" err="1">
+              <a:rPr lang="en-US" sz="3000" b="1" i="0" u="none" strike="noStrike" cap="none" dirty="0" err="1">
                 <a:solidFill>
                   <a:schemeClr val="lt1"/>
                 </a:solidFill>
@@ -10090,7 +10089,7 @@
               <a:t>stdin</a:t>
             </a:r>
             <a:r>
-              <a:rPr lang="en-US" sz="3000" i="0" u="none" strike="noStrike" cap="none" dirty="0">
+              <a:rPr lang="en-US" sz="3000" b="1" i="0" u="none" strike="noStrike" cap="none" dirty="0">
                 <a:solidFill>
                   <a:schemeClr val="lt1"/>
                 </a:solidFill>
@@ -10121,7 +10120,7 @@
               <a:buNone/>
             </a:pPr>
             <a:r>
-              <a:rPr lang="en-US" sz="3000" i="0" u="none" strike="noStrike" cap="none" dirty="0" err="1">
+              <a:rPr lang="en-US" sz="3000" b="1" i="0" u="none" strike="noStrike" cap="none" dirty="0" err="1">
                 <a:solidFill>
                   <a:srgbClr val="FF66FF"/>
                 </a:solidFill>
@@ -10133,7 +10132,7 @@
               <a:t>KeyError</a:t>
             </a:r>
             <a:r>
-              <a:rPr lang="en-US" sz="3000" i="0" u="none" strike="noStrike" cap="none" dirty="0">
+              <a:rPr lang="en-US" sz="3000" b="1" i="0" u="none" strike="noStrike" cap="none" dirty="0">
                 <a:solidFill>
                   <a:srgbClr val="FF66FF"/>
                 </a:solidFill>
@@ -10145,7 +10144,7 @@
               <a:t>: '</a:t>
             </a:r>
             <a:r>
-              <a:rPr lang="en-US" sz="3000" i="0" u="none" strike="noStrike" cap="none" dirty="0" err="1">
+              <a:rPr lang="en-US" sz="3000" b="1" i="0" u="none" strike="noStrike" cap="none" dirty="0" err="1">
                 <a:solidFill>
                   <a:srgbClr val="FF66FF"/>
                 </a:solidFill>
@@ -10157,7 +10156,7 @@
               <a:t>csev</a:t>
             </a:r>
             <a:r>
-              <a:rPr lang="en-US" sz="3000" i="0" u="none" strike="noStrike" cap="none" dirty="0">
+              <a:rPr lang="en-US" sz="3000" b="1" i="0" u="none" strike="noStrike" cap="none" dirty="0">
                 <a:solidFill>
                   <a:srgbClr val="FF66FF"/>
                 </a:solidFill>
@@ -10188,7 +10187,7 @@
               <a:buNone/>
             </a:pPr>
             <a:r>
-              <a:rPr lang="en-US" sz="3000" i="0" u="none" strike="noStrike" cap="none" dirty="0">
+              <a:rPr lang="en-US" sz="3000" b="1" i="0" u="none" strike="noStrike" cap="none" dirty="0">
                 <a:solidFill>
                   <a:schemeClr val="lt1"/>
                 </a:solidFill>
@@ -10200,7 +10199,7 @@
               <a:t>&gt;&gt;&gt; </a:t>
             </a:r>
             <a:r>
-              <a:rPr lang="en-US" sz="3000" i="0" u="none" strike="noStrike" cap="none" dirty="0" smtClean="0">
+              <a:rPr lang="en-US" sz="3000" b="1" i="0" u="none" strike="noStrike" cap="none" dirty="0" smtClean="0">
                 <a:solidFill>
                   <a:schemeClr val="lt1"/>
                 </a:solidFill>
@@ -10212,7 +10211,7 @@
               <a:t>'</a:t>
             </a:r>
             <a:r>
-              <a:rPr lang="en-US" sz="3000" i="0" u="none" strike="noStrike" cap="none" dirty="0" err="1" smtClean="0">
+              <a:rPr lang="en-US" sz="3000" b="1" i="0" u="none" strike="noStrike" cap="none" dirty="0" err="1" smtClean="0">
                 <a:solidFill>
                   <a:schemeClr val="lt1"/>
                 </a:solidFill>
@@ -10224,7 +10223,7 @@
               <a:t>csev</a:t>
             </a:r>
             <a:r>
-              <a:rPr lang="en-US" sz="3000" i="0" u="none" strike="noStrike" cap="none" dirty="0">
+              <a:rPr lang="en-US" sz="3000" b="1" i="0" u="none" strike="noStrike" cap="none" dirty="0">
                 <a:solidFill>
                   <a:schemeClr val="lt1"/>
                 </a:solidFill>
@@ -10236,7 +10235,7 @@
               <a:t>' </a:t>
             </a:r>
             <a:r>
-              <a:rPr lang="en-US" sz="3000" i="0" u="none" strike="noStrike" cap="none" dirty="0">
+              <a:rPr lang="en-US" sz="3000" b="1" i="0" u="none" strike="noStrike" cap="none" dirty="0">
                 <a:solidFill>
                   <a:srgbClr val="FFFF00"/>
                 </a:solidFill>
@@ -10248,7 +10247,7 @@
               <a:t>in</a:t>
             </a:r>
             <a:r>
-              <a:rPr lang="en-US" sz="3000" i="0" u="none" strike="noStrike" cap="none" dirty="0">
+              <a:rPr lang="en-US" sz="3000" b="1" i="0" u="none" strike="noStrike" cap="none" dirty="0">
                 <a:solidFill>
                   <a:schemeClr val="lt1"/>
                 </a:solidFill>
@@ -10279,7 +10278,7 @@
               <a:buNone/>
             </a:pPr>
             <a:r>
-              <a:rPr lang="en-US" sz="3000" i="0" u="none" strike="noStrike" cap="none" dirty="0">
+              <a:rPr lang="en-US" sz="3000" b="1" i="0" u="none" strike="noStrike" cap="none" dirty="0">
                 <a:solidFill>
                   <a:schemeClr val="lt1"/>
                 </a:solidFill>
@@ -10301,7 +10300,7 @@
   <p:timing>
     <p:tnLst>
       <p:par>
-        <p:cTn xmlns:p14="http://schemas.microsoft.com/office/powerpoint/2010/main" id="1" dur="indefinite" restart="never" nodeType="tmRoot"/>
+        <p:cTn id="1" dur="indefinite" restart="never" nodeType="tmRoot"/>
       </p:par>
     </p:tnLst>
   </p:timing>
@@ -10566,7 +10565,7 @@
               <a:buNone/>
             </a:pPr>
             <a:r>
-              <a:rPr lang="en-US" sz="2600" i="0" u="none" strike="noStrike" cap="none" dirty="0">
+              <a:rPr lang="en-US" sz="2600" b="1" i="0" u="none" strike="noStrike" cap="none" dirty="0">
                 <a:solidFill>
                   <a:srgbClr val="00FF00"/>
                 </a:solidFill>
@@ -10578,7 +10577,7 @@
               <a:t>counts</a:t>
             </a:r>
             <a:r>
-              <a:rPr lang="en-US" sz="2600" i="0" u="none" strike="noStrike" cap="none" dirty="0">
+              <a:rPr lang="en-US" sz="2600" b="1" i="0" u="none" strike="noStrike" cap="none" dirty="0">
                 <a:solidFill>
                   <a:schemeClr val="lt1"/>
                 </a:solidFill>
@@ -10590,7 +10589,7 @@
               <a:t> = </a:t>
             </a:r>
             <a:r>
-              <a:rPr lang="en-US" sz="2600" i="0" u="none" strike="noStrike" cap="none" dirty="0" err="1">
+              <a:rPr lang="en-US" sz="2600" b="1" i="0" u="none" strike="noStrike" cap="none" dirty="0" err="1">
                 <a:solidFill>
                   <a:srgbClr val="FF00FF"/>
                 </a:solidFill>
@@ -10602,7 +10601,7 @@
               <a:t>dict</a:t>
             </a:r>
             <a:r>
-              <a:rPr lang="en-US" sz="2600" i="0" u="none" strike="noStrike" cap="none" dirty="0">
+              <a:rPr lang="en-US" sz="2600" b="1" i="0" u="none" strike="noStrike" cap="none" dirty="0">
                 <a:solidFill>
                   <a:schemeClr val="lt1"/>
                 </a:solidFill>
@@ -10633,7 +10632,7 @@
               <a:buNone/>
             </a:pPr>
             <a:r>
-              <a:rPr lang="en-US" sz="2600" i="0" u="none" strike="noStrike" cap="none" dirty="0">
+              <a:rPr lang="en-US" sz="2600" b="1" i="0" u="none" strike="noStrike" cap="none" dirty="0">
                 <a:solidFill>
                   <a:srgbClr val="00FF00"/>
                 </a:solidFill>
@@ -10645,7 +10644,7 @@
               <a:t>names</a:t>
             </a:r>
             <a:r>
-              <a:rPr lang="en-US" sz="2600" i="0" u="none" strike="noStrike" cap="none" dirty="0">
+              <a:rPr lang="en-US" sz="2600" b="1" i="0" u="none" strike="noStrike" cap="none" dirty="0">
                 <a:solidFill>
                   <a:schemeClr val="lt1"/>
                 </a:solidFill>
@@ -10657,7 +10656,7 @@
               <a:t> = ['</a:t>
             </a:r>
             <a:r>
-              <a:rPr lang="en-US" sz="2600" i="0" u="none" strike="noStrike" cap="none" dirty="0" err="1">
+              <a:rPr lang="en-US" sz="2600" b="1" i="0" u="none" strike="noStrike" cap="none" dirty="0" err="1">
                 <a:solidFill>
                   <a:schemeClr val="lt1"/>
                 </a:solidFill>
@@ -10669,7 +10668,7 @@
               <a:t>csev</a:t>
             </a:r>
             <a:r>
-              <a:rPr lang="en-US" sz="2600" i="0" u="none" strike="noStrike" cap="none" dirty="0">
+              <a:rPr lang="en-US" sz="2600" b="1" i="0" u="none" strike="noStrike" cap="none" dirty="0">
                 <a:solidFill>
                   <a:schemeClr val="lt1"/>
                 </a:solidFill>
@@ -10681,7 +10680,7 @@
               <a:t>', '</a:t>
             </a:r>
             <a:r>
-              <a:rPr lang="en-US" sz="2600" i="0" u="none" strike="noStrike" cap="none" dirty="0" err="1">
+              <a:rPr lang="en-US" sz="2600" b="1" i="0" u="none" strike="noStrike" cap="none" dirty="0" err="1">
                 <a:solidFill>
                   <a:schemeClr val="lt1"/>
                 </a:solidFill>
@@ -10693,7 +10692,7 @@
               <a:t>cwen</a:t>
             </a:r>
             <a:r>
-              <a:rPr lang="en-US" sz="2600" i="0" u="none" strike="noStrike" cap="none" dirty="0">
+              <a:rPr lang="en-US" sz="2600" b="1" i="0" u="none" strike="noStrike" cap="none" dirty="0">
                 <a:solidFill>
                   <a:schemeClr val="lt1"/>
                 </a:solidFill>
@@ -10705,7 +10704,7 @@
               <a:t>', '</a:t>
             </a:r>
             <a:r>
-              <a:rPr lang="en-US" sz="2600" i="0" u="none" strike="noStrike" cap="none" dirty="0" err="1">
+              <a:rPr lang="en-US" sz="2600" b="1" i="0" u="none" strike="noStrike" cap="none" dirty="0" err="1">
                 <a:solidFill>
                   <a:schemeClr val="lt1"/>
                 </a:solidFill>
@@ -10717,7 +10716,7 @@
               <a:t>csev</a:t>
             </a:r>
             <a:r>
-              <a:rPr lang="en-US" sz="2600" i="0" u="none" strike="noStrike" cap="none" dirty="0">
+              <a:rPr lang="en-US" sz="2600" b="1" i="0" u="none" strike="noStrike" cap="none" dirty="0">
                 <a:solidFill>
                   <a:schemeClr val="lt1"/>
                 </a:solidFill>
@@ -10729,7 +10728,7 @@
               <a:t>', '</a:t>
             </a:r>
             <a:r>
-              <a:rPr lang="en-US" sz="2600" i="0" u="none" strike="noStrike" cap="none" dirty="0" err="1">
+              <a:rPr lang="en-US" sz="2600" b="1" i="0" u="none" strike="noStrike" cap="none" dirty="0" err="1">
                 <a:solidFill>
                   <a:schemeClr val="lt1"/>
                 </a:solidFill>
@@ -10741,7 +10740,7 @@
               <a:t>zqian</a:t>
             </a:r>
             <a:r>
-              <a:rPr lang="en-US" sz="2600" i="0" u="none" strike="noStrike" cap="none" dirty="0">
+              <a:rPr lang="en-US" sz="2600" b="1" i="0" u="none" strike="noStrike" cap="none" dirty="0">
                 <a:solidFill>
                   <a:schemeClr val="lt1"/>
                 </a:solidFill>
@@ -10753,7 +10752,7 @@
               <a:t>', '</a:t>
             </a:r>
             <a:r>
-              <a:rPr lang="en-US" sz="2600" i="0" u="none" strike="noStrike" cap="none" dirty="0" err="1">
+              <a:rPr lang="en-US" sz="2600" b="1" i="0" u="none" strike="noStrike" cap="none" dirty="0" err="1">
                 <a:solidFill>
                   <a:schemeClr val="lt1"/>
                 </a:solidFill>
@@ -10765,7 +10764,7 @@
               <a:t>cwen</a:t>
             </a:r>
             <a:r>
-              <a:rPr lang="en-US" sz="2600" i="0" u="none" strike="noStrike" cap="none" dirty="0">
+              <a:rPr lang="en-US" sz="2600" b="1" i="0" u="none" strike="noStrike" cap="none" dirty="0">
                 <a:solidFill>
                   <a:schemeClr val="lt1"/>
                 </a:solidFill>
@@ -10796,7 +10795,7 @@
               <a:buNone/>
             </a:pPr>
             <a:r>
-              <a:rPr lang="en-US" sz="2600" i="0" u="none" strike="noStrike" cap="none" dirty="0">
+              <a:rPr lang="en-US" sz="2600" b="1" i="0" u="none" strike="noStrike" cap="none" dirty="0">
                 <a:solidFill>
                   <a:srgbClr val="FFFF00"/>
                 </a:solidFill>
@@ -10808,7 +10807,7 @@
               <a:t>for</a:t>
             </a:r>
             <a:r>
-              <a:rPr lang="en-US" sz="2600" i="0" u="none" strike="noStrike" cap="none" dirty="0">
+              <a:rPr lang="en-US" sz="2600" b="1" i="0" u="none" strike="noStrike" cap="none" dirty="0">
                 <a:solidFill>
                   <a:schemeClr val="lt1"/>
                 </a:solidFill>
@@ -10820,7 +10819,7 @@
               <a:t> </a:t>
             </a:r>
             <a:r>
-              <a:rPr lang="en-US" sz="2600" i="0" u="none" strike="noStrike" cap="none" dirty="0">
+              <a:rPr lang="en-US" sz="2600" b="1" i="0" u="none" strike="noStrike" cap="none" dirty="0">
                 <a:solidFill>
                   <a:srgbClr val="00FF00"/>
                 </a:solidFill>
@@ -10832,7 +10831,7 @@
               <a:t>name</a:t>
             </a:r>
             <a:r>
-              <a:rPr lang="en-US" sz="2600" i="0" u="none" strike="noStrike" cap="none" dirty="0">
+              <a:rPr lang="en-US" sz="2600" b="1" i="0" u="none" strike="noStrike" cap="none" dirty="0">
                 <a:solidFill>
                   <a:schemeClr val="lt1"/>
                 </a:solidFill>
@@ -10844,7 +10843,7 @@
               <a:t> </a:t>
             </a:r>
             <a:r>
-              <a:rPr lang="en-US" sz="2600" i="0" u="none" strike="noStrike" cap="none" dirty="0">
+              <a:rPr lang="en-US" sz="2600" b="1" i="0" u="none" strike="noStrike" cap="none" dirty="0">
                 <a:solidFill>
                   <a:srgbClr val="FFFF00"/>
                 </a:solidFill>
@@ -10856,7 +10855,7 @@
               <a:t>in</a:t>
             </a:r>
             <a:r>
-              <a:rPr lang="en-US" sz="2600" i="0" u="none" strike="noStrike" cap="none" dirty="0">
+              <a:rPr lang="en-US" sz="2600" b="1" i="0" u="none" strike="noStrike" cap="none" dirty="0">
                 <a:solidFill>
                   <a:schemeClr val="lt1"/>
                 </a:solidFill>
@@ -10868,7 +10867,7 @@
               <a:t> </a:t>
             </a:r>
             <a:r>
-              <a:rPr lang="en-US" sz="2600" i="0" u="none" strike="noStrike" cap="none" dirty="0">
+              <a:rPr lang="en-US" sz="2600" b="1" i="0" u="none" strike="noStrike" cap="none" dirty="0">
                 <a:solidFill>
                   <a:srgbClr val="00FF00"/>
                 </a:solidFill>
@@ -10880,7 +10879,7 @@
               <a:t>names</a:t>
             </a:r>
             <a:r>
-              <a:rPr lang="en-US" sz="2600" i="0" u="none" strike="noStrike" cap="none" dirty="0">
+              <a:rPr lang="en-US" sz="2600" b="1" i="0" u="none" strike="noStrike" cap="none" dirty="0">
                 <a:solidFill>
                   <a:schemeClr val="lt1"/>
                 </a:solidFill>
@@ -10911,7 +10910,7 @@
               <a:buNone/>
             </a:pPr>
             <a:r>
-              <a:rPr lang="en-US" sz="2600" i="0" u="none" strike="noStrike" cap="none" dirty="0">
+              <a:rPr lang="en-US" sz="2600" b="1" i="0" u="none" strike="noStrike" cap="none" dirty="0">
                 <a:solidFill>
                   <a:schemeClr val="lt1"/>
                 </a:solidFill>
@@ -10923,7 +10922,7 @@
               <a:t>   </a:t>
             </a:r>
             <a:r>
-              <a:rPr lang="en-US" sz="2600" i="0" u="none" strike="noStrike" cap="none" dirty="0">
+              <a:rPr lang="en-US" sz="2600" b="1" i="0" u="none" strike="noStrike" cap="none" dirty="0">
                 <a:solidFill>
                   <a:srgbClr val="FFFF00"/>
                 </a:solidFill>
@@ -10935,7 +10934,7 @@
               <a:t> if </a:t>
             </a:r>
             <a:r>
-              <a:rPr lang="en-US" sz="2600" i="0" u="none" strike="noStrike" cap="none" dirty="0">
+              <a:rPr lang="en-US" sz="2600" b="1" i="0" u="none" strike="noStrike" cap="none" dirty="0">
                 <a:solidFill>
                   <a:srgbClr val="00FF00"/>
                 </a:solidFill>
@@ -10947,7 +10946,7 @@
               <a:t>name</a:t>
             </a:r>
             <a:r>
-              <a:rPr lang="en-US" sz="2600" i="0" u="none" strike="noStrike" cap="none" dirty="0">
+              <a:rPr lang="en-US" sz="2600" b="1" i="0" u="none" strike="noStrike" cap="none" dirty="0">
                 <a:solidFill>
                   <a:schemeClr val="lt1"/>
                 </a:solidFill>
@@ -10959,7 +10958,7 @@
               <a:t> </a:t>
             </a:r>
             <a:r>
-              <a:rPr lang="en-US" sz="2600" i="0" u="none" strike="noStrike" cap="none" dirty="0">
+              <a:rPr lang="en-US" sz="2600" b="1" i="0" u="none" strike="noStrike" cap="none" dirty="0">
                 <a:solidFill>
                   <a:srgbClr val="FFFF00"/>
                 </a:solidFill>
@@ -10971,7 +10970,7 @@
               <a:t>not in</a:t>
             </a:r>
             <a:r>
-              <a:rPr lang="en-US" sz="2600" i="0" u="none" strike="noStrike" cap="none" dirty="0">
+              <a:rPr lang="en-US" sz="2600" b="1" i="0" u="none" strike="noStrike" cap="none" dirty="0">
                 <a:solidFill>
                   <a:schemeClr val="lt1"/>
                 </a:solidFill>
@@ -10983,7 +10982,7 @@
               <a:t> </a:t>
             </a:r>
             <a:r>
-              <a:rPr lang="en-US" sz="2600" i="0" u="none" strike="noStrike" cap="none" dirty="0">
+              <a:rPr lang="en-US" sz="2600" b="1" i="0" u="none" strike="noStrike" cap="none" dirty="0">
                 <a:solidFill>
                   <a:srgbClr val="00FF00"/>
                 </a:solidFill>
@@ -10995,7 +10994,7 @@
               <a:t>counts</a:t>
             </a:r>
             <a:r>
-              <a:rPr lang="en-US" sz="2600" i="0" u="none" strike="noStrike" cap="none" dirty="0">
+              <a:rPr lang="en-US" sz="2600" b="1" i="0" u="none" strike="noStrike" cap="none" dirty="0">
                 <a:solidFill>
                   <a:schemeClr val="lt1"/>
                 </a:solidFill>
@@ -11026,7 +11025,7 @@
               <a:buNone/>
             </a:pPr>
             <a:r>
-              <a:rPr lang="en-US" sz="2600" i="0" u="none" strike="noStrike" cap="none" dirty="0">
+              <a:rPr lang="en-US" sz="2600" b="1" i="0" u="none" strike="noStrike" cap="none" dirty="0">
                 <a:solidFill>
                   <a:schemeClr val="lt1"/>
                 </a:solidFill>
@@ -11038,7 +11037,7 @@
               <a:t>       </a:t>
             </a:r>
             <a:r>
-              <a:rPr lang="en-US" sz="2600" i="0" u="none" strike="noStrike" cap="none" dirty="0">
+              <a:rPr lang="en-US" sz="2600" b="1" i="0" u="none" strike="noStrike" cap="none" dirty="0">
                 <a:solidFill>
                   <a:srgbClr val="00FF00"/>
                 </a:solidFill>
@@ -11050,7 +11049,7 @@
               <a:t>counts</a:t>
             </a:r>
             <a:r>
-              <a:rPr lang="en-US" sz="2600" i="0" u="none" strike="noStrike" cap="none" dirty="0">
+              <a:rPr lang="en-US" sz="2600" b="1" i="0" u="none" strike="noStrike" cap="none" dirty="0">
                 <a:solidFill>
                   <a:srgbClr val="00FFFF"/>
                 </a:solidFill>
@@ -11062,7 +11061,7 @@
               <a:t>[name]</a:t>
             </a:r>
             <a:r>
-              <a:rPr lang="en-US" sz="2600" i="0" u="none" strike="noStrike" cap="none" dirty="0">
+              <a:rPr lang="en-US" sz="2600" b="1" i="0" u="none" strike="noStrike" cap="none" dirty="0">
                 <a:solidFill>
                   <a:schemeClr val="lt1"/>
                 </a:solidFill>
@@ -11093,7 +11092,7 @@
               <a:buNone/>
             </a:pPr>
             <a:r>
-              <a:rPr lang="en-US" sz="2600" i="0" u="none" strike="noStrike" cap="none" dirty="0">
+              <a:rPr lang="en-US" sz="2600" b="1" i="0" u="none" strike="noStrike" cap="none" dirty="0">
                 <a:solidFill>
                   <a:schemeClr val="lt1"/>
                 </a:solidFill>
@@ -11105,7 +11104,7 @@
               <a:t>    </a:t>
             </a:r>
             <a:r>
-              <a:rPr lang="en-US" sz="2600" i="0" u="none" strike="noStrike" cap="none" dirty="0">
+              <a:rPr lang="en-US" sz="2600" b="1" i="0" u="none" strike="noStrike" cap="none" dirty="0">
                 <a:solidFill>
                   <a:srgbClr val="FFFF00"/>
                 </a:solidFill>
@@ -11117,7 +11116,7 @@
               <a:t>else</a:t>
             </a:r>
             <a:r>
-              <a:rPr lang="en-US" sz="2600" i="0" u="none" strike="noStrike" cap="none" dirty="0">
+              <a:rPr lang="en-US" sz="2600" b="1" i="0" u="none" strike="noStrike" cap="none" dirty="0">
                 <a:solidFill>
                   <a:schemeClr val="lt1"/>
                 </a:solidFill>
@@ -11148,7 +11147,7 @@
               <a:buNone/>
             </a:pPr>
             <a:r>
-              <a:rPr lang="en-US" sz="2600" i="0" u="none" strike="noStrike" cap="none" dirty="0">
+              <a:rPr lang="en-US" sz="2600" b="1" i="0" u="none" strike="noStrike" cap="none" dirty="0">
                 <a:solidFill>
                   <a:schemeClr val="lt1"/>
                 </a:solidFill>
@@ -11160,7 +11159,7 @@
               <a:t>        </a:t>
             </a:r>
             <a:r>
-              <a:rPr lang="en-US" sz="2600" i="0" u="none" strike="noStrike" cap="none" dirty="0">
+              <a:rPr lang="en-US" sz="2600" b="1" i="0" u="none" strike="noStrike" cap="none" dirty="0">
                 <a:solidFill>
                   <a:srgbClr val="00FF00"/>
                 </a:solidFill>
@@ -11172,7 +11171,7 @@
               <a:t>counts</a:t>
             </a:r>
             <a:r>
-              <a:rPr lang="en-US" sz="2600" i="0" u="none" strike="noStrike" cap="none" dirty="0">
+              <a:rPr lang="en-US" sz="2600" b="1" i="0" u="none" strike="noStrike" cap="none" dirty="0">
                 <a:solidFill>
                   <a:srgbClr val="00FFFF"/>
                 </a:solidFill>
@@ -11184,7 +11183,7 @@
               <a:t>[name]</a:t>
             </a:r>
             <a:r>
-              <a:rPr lang="en-US" sz="2600" i="0" u="none" strike="noStrike" cap="none" dirty="0">
+              <a:rPr lang="en-US" sz="2600" b="1" i="0" u="none" strike="noStrike" cap="none" dirty="0">
                 <a:solidFill>
                   <a:schemeClr val="lt1"/>
                 </a:solidFill>
@@ -11196,7 +11195,7 @@
               <a:t> = </a:t>
             </a:r>
             <a:r>
-              <a:rPr lang="en-US" sz="2600" i="0" u="none" strike="noStrike" cap="none" dirty="0">
+              <a:rPr lang="en-US" sz="2600" b="1" i="0" u="none" strike="noStrike" cap="none" dirty="0">
                 <a:solidFill>
                   <a:srgbClr val="00FF00"/>
                 </a:solidFill>
@@ -11208,7 +11207,7 @@
               <a:t>counts</a:t>
             </a:r>
             <a:r>
-              <a:rPr lang="en-US" sz="2600" i="0" u="none" strike="noStrike" cap="none" dirty="0">
+              <a:rPr lang="en-US" sz="2600" b="1" i="0" u="none" strike="noStrike" cap="none" dirty="0">
                 <a:solidFill>
                   <a:srgbClr val="00FFFF"/>
                 </a:solidFill>
@@ -11220,7 +11219,7 @@
               <a:t>[name]</a:t>
             </a:r>
             <a:r>
-              <a:rPr lang="en-US" sz="2600" i="0" u="none" strike="noStrike" cap="none" dirty="0">
+              <a:rPr lang="en-US" sz="2600" b="1" i="0" u="none" strike="noStrike" cap="none" dirty="0">
                 <a:solidFill>
                   <a:schemeClr val="lt1"/>
                 </a:solidFill>
@@ -11251,7 +11250,7 @@
               <a:buNone/>
             </a:pPr>
             <a:r>
-              <a:rPr lang="en-US" sz="2600" i="0" u="none" strike="noStrike" cap="none" dirty="0" smtClean="0">
+              <a:rPr lang="en-US" sz="2600" b="1" i="0" u="none" strike="noStrike" cap="none" dirty="0" smtClean="0">
                 <a:solidFill>
                   <a:srgbClr val="FFFF00"/>
                 </a:solidFill>
@@ -11263,7 +11262,7 @@
               <a:t>print(</a:t>
             </a:r>
             <a:r>
-              <a:rPr lang="en-US" sz="2600" i="0" u="none" strike="noStrike" cap="none" dirty="0" smtClean="0">
+              <a:rPr lang="en-US" sz="2600" b="1" i="0" u="none" strike="noStrike" cap="none" dirty="0" smtClean="0">
                 <a:solidFill>
                   <a:srgbClr val="00FF00"/>
                 </a:solidFill>
@@ -11275,7 +11274,7 @@
               <a:t>counts</a:t>
             </a:r>
             <a:r>
-              <a:rPr lang="en-US" sz="2600" i="0" u="none" strike="noStrike" cap="none" dirty="0" smtClean="0">
+              <a:rPr lang="en-US" sz="2600" b="1" i="0" u="none" strike="noStrike" cap="none" dirty="0" smtClean="0">
                 <a:solidFill>
                   <a:srgbClr val="FFFF00"/>
                 </a:solidFill>
@@ -11286,7 +11285,7 @@
               </a:rPr>
               <a:t>)</a:t>
             </a:r>
-            <a:endParaRPr lang="en-US" sz="2600" i="0" u="none" strike="noStrike" cap="none" dirty="0">
+            <a:endParaRPr lang="en-US" sz="2600" b="1" i="0" u="none" strike="noStrike" cap="none" dirty="0">
               <a:solidFill>
                 <a:srgbClr val="FFFF00"/>
               </a:solidFill>
@@ -11534,7 +11533,7 @@
   <p:timing>
     <p:tnLst>
       <p:par>
-        <p:cTn xmlns:p14="http://schemas.microsoft.com/office/powerpoint/2010/main" id="1" dur="indefinite" restart="never" nodeType="tmRoot"/>
+        <p:cTn id="1" dur="indefinite" restart="never" nodeType="tmRoot"/>
       </p:par>
     </p:tnLst>
   </p:timing>
@@ -11892,10 +11891,34 @@
                 <a:cs typeface="Courier New"/>
                 <a:sym typeface="Courier New"/>
               </a:rPr>
+              <a:t> if </a:t>
+            </a:r>
+            <a:r>
+              <a:rPr lang="en-US" sz="3000" b="1" i="0" u="none" strike="noStrike" cap="none" dirty="0">
+                <a:solidFill>
+                  <a:srgbClr val="00FF00"/>
+                </a:solidFill>
+                <a:latin typeface="Courier New"/>
+                <a:ea typeface="Courier New"/>
+                <a:cs typeface="Courier New"/>
+                <a:sym typeface="Courier New"/>
+              </a:rPr>
+              <a:t>name</a:t>
+            </a:r>
+            <a:r>
+              <a:rPr lang="en-US" sz="3000" b="1" i="0" u="none" strike="noStrike" cap="none" dirty="0">
+                <a:solidFill>
+                  <a:schemeClr val="lt1"/>
+                </a:solidFill>
+                <a:latin typeface="Courier New"/>
+                <a:ea typeface="Courier New"/>
+                <a:cs typeface="Courier New"/>
+                <a:sym typeface="Courier New"/>
+              </a:rPr>
               <a:t> </a:t>
             </a:r>
             <a:r>
-              <a:rPr lang="en-US" sz="3000" i="0" u="none" strike="noStrike" cap="none" dirty="0">
+              <a:rPr lang="en-US" sz="3000" b="1" i="0" u="none" strike="noStrike" cap="none" dirty="0">
                 <a:solidFill>
                   <a:srgbClr val="FFFF00"/>
                 </a:solidFill>
@@ -11904,10 +11927,22 @@
                 <a:cs typeface="Courier New"/>
                 <a:sym typeface="Courier New"/>
               </a:rPr>
-              <a:t>if </a:t>
-            </a:r>
-            <a:r>
-              <a:rPr lang="en-US" sz="3000" i="0" u="none" strike="noStrike" cap="none" dirty="0">
+              <a:t>in</a:t>
+            </a:r>
+            <a:r>
+              <a:rPr lang="en-US" sz="3000" b="1" i="0" u="none" strike="noStrike" cap="none" dirty="0">
+                <a:solidFill>
+                  <a:schemeClr val="lt1"/>
+                </a:solidFill>
+                <a:latin typeface="Courier New"/>
+                <a:ea typeface="Courier New"/>
+                <a:cs typeface="Courier New"/>
+                <a:sym typeface="Courier New"/>
+              </a:rPr>
+              <a:t> </a:t>
+            </a:r>
+            <a:r>
+              <a:rPr lang="en-US" sz="3000" b="1" i="0" u="none" strike="noStrike" cap="none" dirty="0">
                 <a:solidFill>
                   <a:srgbClr val="00FF00"/>
                 </a:solidFill>
@@ -11916,58 +11951,10 @@
                 <a:cs typeface="Courier New"/>
                 <a:sym typeface="Courier New"/>
               </a:rPr>
-              <a:t>name</a:t>
-            </a:r>
-            <a:r>
-              <a:rPr lang="en-US" sz="3000" i="0" u="none" strike="noStrike" cap="none" dirty="0">
-                <a:solidFill>
-                  <a:schemeClr val="lt1"/>
-                </a:solidFill>
-                <a:latin typeface="Courier New"/>
-                <a:ea typeface="Courier New"/>
-                <a:cs typeface="Courier New"/>
-                <a:sym typeface="Courier New"/>
-              </a:rPr>
-              <a:t> </a:t>
-            </a:r>
-            <a:r>
-              <a:rPr lang="en-US" sz="3000" i="0" u="none" strike="noStrike" cap="none" dirty="0">
-                <a:solidFill>
-                  <a:srgbClr val="FFFF00"/>
-                </a:solidFill>
-                <a:latin typeface="Courier New"/>
-                <a:ea typeface="Courier New"/>
-                <a:cs typeface="Courier New"/>
-                <a:sym typeface="Courier New"/>
-              </a:rPr>
-              <a:t>in</a:t>
-            </a:r>
-            <a:r>
-              <a:rPr lang="en-US" sz="3000" i="0" u="none" strike="noStrike" cap="none" dirty="0">
-                <a:solidFill>
-                  <a:schemeClr val="lt1"/>
-                </a:solidFill>
-                <a:latin typeface="Courier New"/>
-                <a:ea typeface="Courier New"/>
-                <a:cs typeface="Courier New"/>
-                <a:sym typeface="Courier New"/>
-              </a:rPr>
-              <a:t> </a:t>
-            </a:r>
-            <a:r>
-              <a:rPr lang="en-US" sz="3000" i="0" u="none" strike="noStrike" cap="none" dirty="0">
-                <a:solidFill>
-                  <a:srgbClr val="00FF00"/>
-                </a:solidFill>
-                <a:latin typeface="Courier New"/>
-                <a:ea typeface="Courier New"/>
-                <a:cs typeface="Courier New"/>
-                <a:sym typeface="Courier New"/>
-              </a:rPr>
               <a:t>counts</a:t>
             </a:r>
             <a:r>
-              <a:rPr lang="en-US" sz="3000" i="0" u="none" strike="noStrike" cap="none" dirty="0">
+              <a:rPr lang="en-US" sz="3000" b="1" i="0" u="none" strike="noStrike" cap="none" dirty="0">
                 <a:solidFill>
                   <a:schemeClr val="lt1"/>
                 </a:solidFill>
@@ -11998,7 +11985,7 @@
               <a:buNone/>
             </a:pPr>
             <a:r>
-              <a:rPr lang="en-US" sz="3000" i="0" u="none" strike="noStrike" cap="none" dirty="0">
+              <a:rPr lang="en-US" sz="3000" b="1" i="0" u="none" strike="noStrike" cap="none" dirty="0">
                 <a:solidFill>
                   <a:schemeClr val="lt1"/>
                 </a:solidFill>
@@ -12010,7 +11997,7 @@
               <a:t>       </a:t>
             </a:r>
             <a:r>
-              <a:rPr lang="en-US" sz="3000" i="0" u="none" strike="noStrike" cap="none" dirty="0">
+              <a:rPr lang="en-US" sz="3000" b="1" i="0" u="none" strike="noStrike" cap="none" dirty="0">
                 <a:solidFill>
                   <a:srgbClr val="FFFF00"/>
                 </a:solidFill>
@@ -12022,7 +12009,7 @@
               <a:t>x =</a:t>
             </a:r>
             <a:r>
-              <a:rPr lang="en-US" sz="3000" i="0" u="none" strike="noStrike" cap="none" dirty="0">
+              <a:rPr lang="en-US" sz="3000" b="1" i="0" u="none" strike="noStrike" cap="none" dirty="0">
                 <a:solidFill>
                   <a:srgbClr val="00FF00"/>
                 </a:solidFill>
@@ -12034,7 +12021,7 @@
               <a:t> counts</a:t>
             </a:r>
             <a:r>
-              <a:rPr lang="en-US" sz="3000" i="0" u="none" strike="noStrike" cap="none" dirty="0">
+              <a:rPr lang="en-US" sz="3000" b="1" i="0" u="none" strike="noStrike" cap="none" dirty="0">
                 <a:solidFill>
                   <a:srgbClr val="00FFFF"/>
                 </a:solidFill>
@@ -12065,7 +12052,7 @@
               <a:buNone/>
             </a:pPr>
             <a:r>
-              <a:rPr lang="en-US" sz="3000" i="0" u="none" strike="noStrike" cap="none" dirty="0">
+              <a:rPr lang="en-US" sz="3000" b="1" i="0" u="none" strike="noStrike" cap="none" dirty="0">
                 <a:solidFill>
                   <a:schemeClr val="lt1"/>
                 </a:solidFill>
@@ -12077,7 +12064,7 @@
               <a:t>    </a:t>
             </a:r>
             <a:r>
-              <a:rPr lang="en-US" sz="3000" i="0" u="none" strike="noStrike" cap="none" dirty="0">
+              <a:rPr lang="en-US" sz="3000" b="1" i="0" u="none" strike="noStrike" cap="none" dirty="0">
                 <a:solidFill>
                   <a:srgbClr val="FFFF00"/>
                 </a:solidFill>
@@ -12089,7 +12076,7 @@
               <a:t>else</a:t>
             </a:r>
             <a:r>
-              <a:rPr lang="en-US" sz="3000" i="0" u="none" strike="noStrike" cap="none" dirty="0">
+              <a:rPr lang="en-US" sz="3000" b="1" i="0" u="none" strike="noStrike" cap="none" dirty="0">
                 <a:solidFill>
                   <a:schemeClr val="lt1"/>
                 </a:solidFill>
@@ -12120,7 +12107,7 @@
               <a:buNone/>
             </a:pPr>
             <a:r>
-              <a:rPr lang="en-US" sz="3000" i="0" u="none" strike="noStrike" cap="none" dirty="0">
+              <a:rPr lang="en-US" sz="3000" b="1" i="0" u="none" strike="noStrike" cap="none" dirty="0">
                 <a:solidFill>
                   <a:schemeClr val="lt1"/>
                 </a:solidFill>
@@ -12132,7 +12119,7 @@
               <a:t>       </a:t>
             </a:r>
             <a:r>
-              <a:rPr lang="en-US" sz="3000" i="0" u="none" strike="noStrike" cap="none" dirty="0">
+              <a:rPr lang="en-US" sz="3000" b="1" i="0" u="none" strike="noStrike" cap="none" dirty="0">
                 <a:solidFill>
                   <a:srgbClr val="FFFF00"/>
                 </a:solidFill>
@@ -12144,7 +12131,7 @@
               <a:t>x =</a:t>
             </a:r>
             <a:r>
-              <a:rPr lang="en-US" sz="3000" i="0" u="none" strike="noStrike" cap="none" dirty="0">
+              <a:rPr lang="en-US" sz="3000" b="1" i="0" u="none" strike="noStrike" cap="none" dirty="0">
                 <a:solidFill>
                   <a:schemeClr val="lt1"/>
                 </a:solidFill>
@@ -12156,7 +12143,7 @@
               <a:t> </a:t>
             </a:r>
             <a:r>
-              <a:rPr lang="en-US" sz="3000" i="0" u="none" strike="noStrike" cap="none" dirty="0">
+              <a:rPr lang="en-US" sz="3000" b="1" i="0" u="none" strike="noStrike" cap="none" dirty="0">
                 <a:solidFill>
                   <a:srgbClr val="FF7F00"/>
                 </a:solidFill>
@@ -12213,7 +12200,7 @@
               <a:buNone/>
             </a:pPr>
             <a:r>
-              <a:rPr lang="en-US" sz="3000" i="0" u="none" strike="noStrike" cap="none">
+              <a:rPr lang="en-US" sz="3000" b="1" i="0" u="none" strike="noStrike" cap="none" dirty="0">
                 <a:solidFill>
                   <a:srgbClr val="FFFF00"/>
                 </a:solidFill>
@@ -12225,7 +12212,7 @@
               <a:t>x = </a:t>
             </a:r>
             <a:r>
-              <a:rPr lang="en-US" sz="3000" i="0" u="none" strike="noStrike" cap="none">
+              <a:rPr lang="en-US" sz="3000" b="1" i="0" u="none" strike="noStrike" cap="none" dirty="0" err="1">
                 <a:solidFill>
                   <a:srgbClr val="00FF00"/>
                 </a:solidFill>
@@ -12237,7 +12224,7 @@
               <a:t>counts</a:t>
             </a:r>
             <a:r>
-              <a:rPr lang="en-US" sz="3000" i="0" u="none" strike="noStrike" cap="none">
+              <a:rPr lang="en-US" sz="3000" b="1" i="0" u="none" strike="noStrike" cap="none" dirty="0" err="1">
                 <a:solidFill>
                   <a:srgbClr val="FF00FF"/>
                 </a:solidFill>
@@ -12249,7 +12236,7 @@
               <a:t>.get</a:t>
             </a:r>
             <a:r>
-              <a:rPr lang="en-US" sz="3000" i="0" u="none" strike="noStrike" cap="none">
+              <a:rPr lang="en-US" sz="3000" b="1" i="0" u="none" strike="noStrike" cap="none" dirty="0">
                 <a:solidFill>
                   <a:schemeClr val="lt1"/>
                 </a:solidFill>
@@ -12261,7 +12248,7 @@
               <a:t>(</a:t>
             </a:r>
             <a:r>
-              <a:rPr lang="en-US" sz="3000" i="0" u="none" strike="noStrike" cap="none">
+              <a:rPr lang="en-US" sz="3000" b="1" i="0" u="none" strike="noStrike" cap="none" dirty="0">
                 <a:solidFill>
                   <a:srgbClr val="00FFFF"/>
                 </a:solidFill>
@@ -12273,7 +12260,7 @@
               <a:t>name</a:t>
             </a:r>
             <a:r>
-              <a:rPr lang="en-US" sz="3000" i="0" u="none" strike="noStrike" cap="none">
+              <a:rPr lang="en-US" sz="3000" b="1" i="0" u="none" strike="noStrike" cap="none" dirty="0">
                 <a:solidFill>
                   <a:schemeClr val="lt1"/>
                 </a:solidFill>
@@ -12285,7 +12272,7 @@
               <a:t>, </a:t>
             </a:r>
             <a:r>
-              <a:rPr lang="en-US" sz="3000" i="0" u="none" strike="noStrike" cap="none">
+              <a:rPr lang="en-US" sz="3000" b="1" i="0" u="none" strike="noStrike" cap="none" dirty="0">
                 <a:solidFill>
                   <a:srgbClr val="FF7F00"/>
                 </a:solidFill>
@@ -12297,7 +12284,7 @@
               <a:t>0</a:t>
             </a:r>
             <a:r>
-              <a:rPr lang="en-US" sz="3000" i="0" u="none" strike="noStrike" cap="none">
+              <a:rPr lang="en-US" sz="3000" b="1" i="0" u="none" strike="noStrike" cap="none" dirty="0">
                 <a:solidFill>
                   <a:schemeClr val="lt1"/>
                 </a:solidFill>
@@ -12601,7 +12588,7 @@
   <p:timing>
     <p:tnLst>
       <p:par>
-        <p:cTn xmlns:p14="http://schemas.microsoft.com/office/powerpoint/2010/main" id="1" dur="indefinite" restart="never" nodeType="tmRoot"/>
+        <p:cTn id="1" dur="indefinite" restart="never" nodeType="tmRoot"/>
       </p:par>
     </p:tnLst>
   </p:timing>
@@ -12878,7 +12865,7 @@
               <a:buNone/>
             </a:pPr>
             <a:r>
-              <a:rPr lang="en-US" sz="2800" i="0" u="none" strike="noStrike" cap="none" dirty="0">
+              <a:rPr lang="en-US" sz="2800" b="1" i="0" u="none" strike="noStrike" cap="none" dirty="0">
                 <a:solidFill>
                   <a:srgbClr val="00FF00"/>
                 </a:solidFill>
@@ -12890,7 +12877,7 @@
               <a:t>counts</a:t>
             </a:r>
             <a:r>
-              <a:rPr lang="en-US" sz="2800" i="0" u="none" strike="noStrike" cap="none" dirty="0">
+              <a:rPr lang="en-US" sz="2800" b="1" i="0" u="none" strike="noStrike" cap="none" dirty="0">
                 <a:solidFill>
                   <a:schemeClr val="lt1"/>
                 </a:solidFill>
@@ -12902,7 +12889,7 @@
               <a:t> = </a:t>
             </a:r>
             <a:r>
-              <a:rPr lang="en-US" sz="2800" i="0" u="none" strike="noStrike" cap="none" dirty="0" err="1">
+              <a:rPr lang="en-US" sz="2800" b="1" i="0" u="none" strike="noStrike" cap="none" dirty="0" err="1">
                 <a:solidFill>
                   <a:srgbClr val="FF00FF"/>
                 </a:solidFill>
@@ -12914,7 +12901,7 @@
               <a:t>dict</a:t>
             </a:r>
             <a:r>
-              <a:rPr lang="en-US" sz="2800" i="0" u="none" strike="noStrike" cap="none" dirty="0">
+              <a:rPr lang="en-US" sz="2800" b="1" i="0" u="none" strike="noStrike" cap="none" dirty="0">
                 <a:solidFill>
                   <a:schemeClr val="lt1"/>
                 </a:solidFill>
@@ -12945,7 +12932,7 @@
               <a:buNone/>
             </a:pPr>
             <a:r>
-              <a:rPr lang="en-US" sz="2800" i="0" u="none" strike="noStrike" cap="none" dirty="0">
+              <a:rPr lang="en-US" sz="2800" b="1" i="0" u="none" strike="noStrike" cap="none" dirty="0">
                 <a:solidFill>
                   <a:srgbClr val="00FF00"/>
                 </a:solidFill>
@@ -12957,7 +12944,7 @@
               <a:t>names</a:t>
             </a:r>
             <a:r>
-              <a:rPr lang="en-US" sz="2800" i="0" u="none" strike="noStrike" cap="none" dirty="0">
+              <a:rPr lang="en-US" sz="2800" b="1" i="0" u="none" strike="noStrike" cap="none" dirty="0">
                 <a:solidFill>
                   <a:schemeClr val="lt1"/>
                 </a:solidFill>
@@ -12969,7 +12956,7 @@
               <a:t> = ['</a:t>
             </a:r>
             <a:r>
-              <a:rPr lang="en-US" sz="2800" i="0" u="none" strike="noStrike" cap="none" dirty="0" err="1">
+              <a:rPr lang="en-US" sz="2800" b="1" i="0" u="none" strike="noStrike" cap="none" dirty="0" err="1">
                 <a:solidFill>
                   <a:schemeClr val="lt1"/>
                 </a:solidFill>
@@ -12981,7 +12968,7 @@
               <a:t>csev</a:t>
             </a:r>
             <a:r>
-              <a:rPr lang="en-US" sz="2800" i="0" u="none" strike="noStrike" cap="none" dirty="0">
+              <a:rPr lang="en-US" sz="2800" b="1" i="0" u="none" strike="noStrike" cap="none" dirty="0">
                 <a:solidFill>
                   <a:schemeClr val="lt1"/>
                 </a:solidFill>
@@ -12993,7 +12980,7 @@
               <a:t>', '</a:t>
             </a:r>
             <a:r>
-              <a:rPr lang="en-US" sz="2800" i="0" u="none" strike="noStrike" cap="none" dirty="0" err="1">
+              <a:rPr lang="en-US" sz="2800" b="1" i="0" u="none" strike="noStrike" cap="none" dirty="0" err="1">
                 <a:solidFill>
                   <a:schemeClr val="lt1"/>
                 </a:solidFill>
@@ -13005,7 +12992,7 @@
               <a:t>cwen</a:t>
             </a:r>
             <a:r>
-              <a:rPr lang="en-US" sz="2800" i="0" u="none" strike="noStrike" cap="none" dirty="0">
+              <a:rPr lang="en-US" sz="2800" b="1" i="0" u="none" strike="noStrike" cap="none" dirty="0">
                 <a:solidFill>
                   <a:schemeClr val="lt1"/>
                 </a:solidFill>
@@ -13017,7 +13004,7 @@
               <a:t>', '</a:t>
             </a:r>
             <a:r>
-              <a:rPr lang="en-US" sz="2800" i="0" u="none" strike="noStrike" cap="none" dirty="0" err="1">
+              <a:rPr lang="en-US" sz="2800" b="1" i="0" u="none" strike="noStrike" cap="none" dirty="0" err="1">
                 <a:solidFill>
                   <a:schemeClr val="lt1"/>
                 </a:solidFill>
@@ -13029,7 +13016,7 @@
               <a:t>csev</a:t>
             </a:r>
             <a:r>
-              <a:rPr lang="en-US" sz="2800" i="0" u="none" strike="noStrike" cap="none" dirty="0">
+              <a:rPr lang="en-US" sz="2800" b="1" i="0" u="none" strike="noStrike" cap="none" dirty="0">
                 <a:solidFill>
                   <a:schemeClr val="lt1"/>
                 </a:solidFill>
@@ -13041,7 +13028,7 @@
               <a:t>', '</a:t>
             </a:r>
             <a:r>
-              <a:rPr lang="en-US" sz="2800" i="0" u="none" strike="noStrike" cap="none" dirty="0" err="1">
+              <a:rPr lang="en-US" sz="2800" b="1" i="0" u="none" strike="noStrike" cap="none" dirty="0" err="1">
                 <a:solidFill>
                   <a:schemeClr val="lt1"/>
                 </a:solidFill>
@@ -13053,7 +13040,7 @@
               <a:t>zqian</a:t>
             </a:r>
             <a:r>
-              <a:rPr lang="en-US" sz="2800" i="0" u="none" strike="noStrike" cap="none" dirty="0">
+              <a:rPr lang="en-US" sz="2800" b="1" i="0" u="none" strike="noStrike" cap="none" dirty="0">
                 <a:solidFill>
                   <a:schemeClr val="lt1"/>
                 </a:solidFill>
@@ -13065,7 +13052,7 @@
               <a:t>', '</a:t>
             </a:r>
             <a:r>
-              <a:rPr lang="en-US" sz="2800" i="0" u="none" strike="noStrike" cap="none" dirty="0" err="1">
+              <a:rPr lang="en-US" sz="2800" b="1" i="0" u="none" strike="noStrike" cap="none" dirty="0" err="1">
                 <a:solidFill>
                   <a:schemeClr val="lt1"/>
                 </a:solidFill>
@@ -13077,7 +13064,7 @@
               <a:t>cwen</a:t>
             </a:r>
             <a:r>
-              <a:rPr lang="en-US" sz="2800" i="0" u="none" strike="noStrike" cap="none" dirty="0">
+              <a:rPr lang="en-US" sz="2800" b="1" i="0" u="none" strike="noStrike" cap="none" dirty="0">
                 <a:solidFill>
                   <a:schemeClr val="lt1"/>
                 </a:solidFill>
@@ -13108,7 +13095,7 @@
               <a:buNone/>
             </a:pPr>
             <a:r>
-              <a:rPr lang="en-US" sz="2800" i="0" u="none" strike="noStrike" cap="none" dirty="0">
+              <a:rPr lang="en-US" sz="2800" b="1" i="0" u="none" strike="noStrike" cap="none" dirty="0">
                 <a:solidFill>
                   <a:srgbClr val="FFFF00"/>
                 </a:solidFill>
@@ -13120,7 +13107,7 @@
               <a:t>for</a:t>
             </a:r>
             <a:r>
-              <a:rPr lang="en-US" sz="2800" i="0" u="none" strike="noStrike" cap="none" dirty="0">
+              <a:rPr lang="en-US" sz="2800" b="1" i="0" u="none" strike="noStrike" cap="none" dirty="0">
                 <a:solidFill>
                   <a:schemeClr val="lt1"/>
                 </a:solidFill>
@@ -13132,7 +13119,7 @@
               <a:t> </a:t>
             </a:r>
             <a:r>
-              <a:rPr lang="en-US" sz="2800" i="0" u="none" strike="noStrike" cap="none" dirty="0">
+              <a:rPr lang="en-US" sz="2800" b="1" i="0" u="none" strike="noStrike" cap="none" dirty="0">
                 <a:solidFill>
                   <a:srgbClr val="00FF00"/>
                 </a:solidFill>
@@ -13144,7 +13131,7 @@
               <a:t>name</a:t>
             </a:r>
             <a:r>
-              <a:rPr lang="en-US" sz="2800" i="0" u="none" strike="noStrike" cap="none" dirty="0">
+              <a:rPr lang="en-US" sz="2800" b="1" i="0" u="none" strike="noStrike" cap="none" dirty="0">
                 <a:solidFill>
                   <a:schemeClr val="lt1"/>
                 </a:solidFill>
@@ -13156,7 +13143,7 @@
               <a:t> </a:t>
             </a:r>
             <a:r>
-              <a:rPr lang="en-US" sz="2800" i="0" u="none" strike="noStrike" cap="none" dirty="0">
+              <a:rPr lang="en-US" sz="2800" b="1" i="0" u="none" strike="noStrike" cap="none" dirty="0">
                 <a:solidFill>
                   <a:srgbClr val="FFFF00"/>
                 </a:solidFill>
@@ -13168,7 +13155,7 @@
               <a:t>in</a:t>
             </a:r>
             <a:r>
-              <a:rPr lang="en-US" sz="2800" i="0" u="none" strike="noStrike" cap="none" dirty="0">
+              <a:rPr lang="en-US" sz="2800" b="1" i="0" u="none" strike="noStrike" cap="none" dirty="0">
                 <a:solidFill>
                   <a:schemeClr val="lt1"/>
                 </a:solidFill>
@@ -13180,7 +13167,7 @@
               <a:t> </a:t>
             </a:r>
             <a:r>
-              <a:rPr lang="en-US" sz="2800" i="0" u="none" strike="noStrike" cap="none" dirty="0">
+              <a:rPr lang="en-US" sz="2800" b="1" i="0" u="none" strike="noStrike" cap="none" dirty="0">
                 <a:solidFill>
                   <a:srgbClr val="00FF00"/>
                 </a:solidFill>
@@ -13192,7 +13179,7 @@
               <a:t>names</a:t>
             </a:r>
             <a:r>
-              <a:rPr lang="en-US" sz="2800" i="0" u="none" strike="noStrike" cap="none" dirty="0">
+              <a:rPr lang="en-US" sz="2800" b="1" i="0" u="none" strike="noStrike" cap="none" dirty="0">
                 <a:solidFill>
                   <a:schemeClr val="lt1"/>
                 </a:solidFill>
@@ -13223,7 +13210,7 @@
               <a:buNone/>
             </a:pPr>
             <a:r>
-              <a:rPr lang="en-US" sz="2800" i="0" u="none" strike="noStrike" cap="none" dirty="0">
+              <a:rPr lang="en-US" sz="2800" b="1" i="0" u="none" strike="noStrike" cap="none" dirty="0">
                 <a:solidFill>
                   <a:schemeClr val="lt1"/>
                 </a:solidFill>
@@ -13235,7 +13222,7 @@
               <a:t>    </a:t>
             </a:r>
             <a:r>
-              <a:rPr lang="en-US" sz="2800" i="0" u="none" strike="noStrike" cap="none" dirty="0">
+              <a:rPr lang="en-US" sz="2800" b="1" i="0" u="none" strike="noStrike" cap="none" dirty="0">
                 <a:solidFill>
                   <a:srgbClr val="00FF00"/>
                 </a:solidFill>
@@ -13247,7 +13234,7 @@
               <a:t>counts</a:t>
             </a:r>
             <a:r>
-              <a:rPr lang="en-US" sz="2800" i="0" u="none" strike="noStrike" cap="none" dirty="0">
+              <a:rPr lang="en-US" sz="2800" b="1" i="0" u="none" strike="noStrike" cap="none" dirty="0">
                 <a:solidFill>
                   <a:srgbClr val="00FFFF"/>
                 </a:solidFill>
@@ -13259,7 +13246,7 @@
               <a:t>[name]</a:t>
             </a:r>
             <a:r>
-              <a:rPr lang="en-US" sz="2800" i="0" u="none" strike="noStrike" cap="none" dirty="0">
+              <a:rPr lang="en-US" sz="2800" b="1" i="0" u="none" strike="noStrike" cap="none" dirty="0">
                 <a:solidFill>
                   <a:schemeClr val="lt1"/>
                 </a:solidFill>
@@ -13271,7 +13258,7 @@
               <a:t> = </a:t>
             </a:r>
             <a:r>
-              <a:rPr lang="en-US" sz="2800" i="0" u="none" strike="noStrike" cap="none" dirty="0" err="1">
+              <a:rPr lang="en-US" sz="2800" b="1" i="0" u="none" strike="noStrike" cap="none" dirty="0" err="1">
                 <a:solidFill>
                   <a:srgbClr val="00FF00"/>
                 </a:solidFill>
@@ -13283,7 +13270,7 @@
               <a:t>counts</a:t>
             </a:r>
             <a:r>
-              <a:rPr lang="en-US" sz="2800" i="0" u="none" strike="noStrike" cap="none" dirty="0" err="1">
+              <a:rPr lang="en-US" sz="2800" b="1" i="0" u="none" strike="noStrike" cap="none" dirty="0" err="1">
                 <a:solidFill>
                   <a:srgbClr val="FF00FF"/>
                 </a:solidFill>
@@ -13295,7 +13282,7 @@
               <a:t>.get</a:t>
             </a:r>
             <a:r>
-              <a:rPr lang="en-US" sz="2800" i="0" u="none" strike="noStrike" cap="none" dirty="0">
+              <a:rPr lang="en-US" sz="2800" b="1" i="0" u="none" strike="noStrike" cap="none" dirty="0">
                 <a:solidFill>
                   <a:srgbClr val="00FF00"/>
                 </a:solidFill>
@@ -13307,7 +13294,7 @@
               <a:t>(</a:t>
             </a:r>
             <a:r>
-              <a:rPr lang="en-US" sz="2800" i="0" u="none" strike="noStrike" cap="none" dirty="0">
+              <a:rPr lang="en-US" sz="2800" b="1" i="0" u="none" strike="noStrike" cap="none" dirty="0">
                 <a:solidFill>
                   <a:srgbClr val="00FFFF"/>
                 </a:solidFill>
@@ -13319,7 +13306,7 @@
               <a:t>name, </a:t>
             </a:r>
             <a:r>
-              <a:rPr lang="en-US" sz="2800" i="0" u="none" strike="noStrike" cap="none" dirty="0">
+              <a:rPr lang="en-US" sz="2800" b="1" i="0" u="none" strike="noStrike" cap="none" dirty="0">
                 <a:solidFill>
                   <a:srgbClr val="FF7F00"/>
                 </a:solidFill>
@@ -13331,7 +13318,7 @@
               <a:t>0</a:t>
             </a:r>
             <a:r>
-              <a:rPr lang="en-US" sz="2800" i="0" u="none" strike="noStrike" cap="none" dirty="0">
+              <a:rPr lang="en-US" sz="2800" b="1" i="0" u="none" strike="noStrike" cap="none" dirty="0">
                 <a:solidFill>
                   <a:srgbClr val="00FFFF"/>
                 </a:solidFill>
@@ -13343,7 +13330,7 @@
               <a:t>)</a:t>
             </a:r>
             <a:r>
-              <a:rPr lang="en-US" sz="2800" i="0" u="none" strike="noStrike" cap="none" dirty="0">
+              <a:rPr lang="en-US" sz="2800" b="1" i="0" u="none" strike="noStrike" cap="none" dirty="0">
                 <a:solidFill>
                   <a:schemeClr val="lt1"/>
                 </a:solidFill>
@@ -13374,7 +13361,7 @@
               <a:buNone/>
             </a:pPr>
             <a:r>
-              <a:rPr lang="en-US" sz="2800" i="0" u="none" strike="noStrike" cap="none" dirty="0" smtClean="0">
+              <a:rPr lang="en-US" sz="2800" b="1" i="0" u="none" strike="noStrike" cap="none" dirty="0" smtClean="0">
                 <a:solidFill>
                   <a:srgbClr val="FFFF00"/>
                 </a:solidFill>
@@ -13386,7 +13373,7 @@
               <a:t>print(</a:t>
             </a:r>
             <a:r>
-              <a:rPr lang="en-US" sz="2800" i="0" u="none" strike="noStrike" cap="none" dirty="0" smtClean="0">
+              <a:rPr lang="en-US" sz="2800" b="1" i="0" u="none" strike="noStrike" cap="none" dirty="0" smtClean="0">
                 <a:solidFill>
                   <a:srgbClr val="00FF00"/>
                 </a:solidFill>
@@ -13398,7 +13385,7 @@
               <a:t>counts</a:t>
             </a:r>
             <a:r>
-              <a:rPr lang="en-US" sz="2800" i="0" u="none" strike="noStrike" cap="none" dirty="0" smtClean="0">
+              <a:rPr lang="en-US" sz="2800" b="1" i="0" u="none" strike="noStrike" cap="none" dirty="0" smtClean="0">
                 <a:solidFill>
                   <a:srgbClr val="FFFF00"/>
                 </a:solidFill>
@@ -13409,7 +13396,7 @@
               </a:rPr>
               <a:t>)</a:t>
             </a:r>
-            <a:endParaRPr lang="en-US" sz="2800" i="0" u="none" strike="noStrike" cap="none" dirty="0">
+            <a:endParaRPr lang="en-US" sz="2800" b="1" i="0" u="none" strike="noStrike" cap="none" dirty="0">
               <a:solidFill>
                 <a:srgbClr val="FFFF00"/>
               </a:solidFill>
@@ -13641,7 +13628,7 @@
   <p:timing>
     <p:tnLst>
       <p:par>
-        <p:cTn xmlns:p14="http://schemas.microsoft.com/office/powerpoint/2010/main" id="1" dur="indefinite" restart="never" nodeType="tmRoot"/>
+        <p:cTn id="1" dur="indefinite" restart="never" nodeType="tmRoot"/>
       </p:par>
     </p:tnLst>
   </p:timing>
@@ -13793,7 +13780,7 @@
               <a:buNone/>
             </a:pPr>
             <a:r>
-              <a:rPr lang="en-US" sz="2800" i="0" u="none" strike="noStrike" cap="none" dirty="0">
+              <a:rPr lang="en-US" sz="2800" b="1" i="0" u="none" strike="noStrike" cap="none" dirty="0">
                 <a:solidFill>
                   <a:srgbClr val="00FF00"/>
                 </a:solidFill>
@@ -13805,7 +13792,7 @@
               <a:t>counts</a:t>
             </a:r>
             <a:r>
-              <a:rPr lang="en-US" sz="2800" i="0" u="none" strike="noStrike" cap="none" dirty="0">
+              <a:rPr lang="en-US" sz="2800" b="1" i="0" u="none" strike="noStrike" cap="none" dirty="0">
                 <a:solidFill>
                   <a:schemeClr val="lt1"/>
                 </a:solidFill>
@@ -13817,7 +13804,7 @@
               <a:t> = </a:t>
             </a:r>
             <a:r>
-              <a:rPr lang="en-US" sz="2800" i="0" u="none" strike="noStrike" cap="none" dirty="0" err="1">
+              <a:rPr lang="en-US" sz="2800" b="1" i="0" u="none" strike="noStrike" cap="none" dirty="0" err="1">
                 <a:solidFill>
                   <a:srgbClr val="FF00FF"/>
                 </a:solidFill>
@@ -13829,7 +13816,7 @@
               <a:t>dict</a:t>
             </a:r>
             <a:r>
-              <a:rPr lang="en-US" sz="2800" i="0" u="none" strike="noStrike" cap="none" dirty="0">
+              <a:rPr lang="en-US" sz="2800" b="1" i="0" u="none" strike="noStrike" cap="none" dirty="0">
                 <a:solidFill>
                   <a:schemeClr val="lt1"/>
                 </a:solidFill>
@@ -13860,7 +13847,7 @@
               <a:buNone/>
             </a:pPr>
             <a:r>
-              <a:rPr lang="en-US" sz="2800" i="0" u="none" strike="noStrike" cap="none" dirty="0">
+              <a:rPr lang="en-US" sz="2800" b="1" i="0" u="none" strike="noStrike" cap="none" dirty="0">
                 <a:solidFill>
                   <a:srgbClr val="00FF00"/>
                 </a:solidFill>
@@ -13872,7 +13859,7 @@
               <a:t>names</a:t>
             </a:r>
             <a:r>
-              <a:rPr lang="en-US" sz="2800" i="0" u="none" strike="noStrike" cap="none" dirty="0">
+              <a:rPr lang="en-US" sz="2800" b="1" i="0" u="none" strike="noStrike" cap="none" dirty="0">
                 <a:solidFill>
                   <a:schemeClr val="lt1"/>
                 </a:solidFill>
@@ -13884,7 +13871,7 @@
               <a:t> = ['</a:t>
             </a:r>
             <a:r>
-              <a:rPr lang="en-US" sz="2800" i="0" u="none" strike="noStrike" cap="none" dirty="0" err="1">
+              <a:rPr lang="en-US" sz="2800" b="1" i="0" u="none" strike="noStrike" cap="none" dirty="0" err="1">
                 <a:solidFill>
                   <a:schemeClr val="lt1"/>
                 </a:solidFill>
@@ -13896,7 +13883,7 @@
               <a:t>csev</a:t>
             </a:r>
             <a:r>
-              <a:rPr lang="en-US" sz="2800" i="0" u="none" strike="noStrike" cap="none" dirty="0">
+              <a:rPr lang="en-US" sz="2800" b="1" i="0" u="none" strike="noStrike" cap="none" dirty="0">
                 <a:solidFill>
                   <a:schemeClr val="lt1"/>
                 </a:solidFill>
@@ -13908,7 +13895,7 @@
               <a:t>', '</a:t>
             </a:r>
             <a:r>
-              <a:rPr lang="en-US" sz="2800" i="0" u="none" strike="noStrike" cap="none" dirty="0" err="1">
+              <a:rPr lang="en-US" sz="2800" b="1" i="0" u="none" strike="noStrike" cap="none" dirty="0" err="1">
                 <a:solidFill>
                   <a:schemeClr val="lt1"/>
                 </a:solidFill>
@@ -13920,7 +13907,7 @@
               <a:t>cwen</a:t>
             </a:r>
             <a:r>
-              <a:rPr lang="en-US" sz="2800" i="0" u="none" strike="noStrike" cap="none" dirty="0">
+              <a:rPr lang="en-US" sz="2800" b="1" i="0" u="none" strike="noStrike" cap="none" dirty="0">
                 <a:solidFill>
                   <a:schemeClr val="lt1"/>
                 </a:solidFill>
@@ -13932,7 +13919,7 @@
               <a:t>', '</a:t>
             </a:r>
             <a:r>
-              <a:rPr lang="en-US" sz="2800" i="0" u="none" strike="noStrike" cap="none" dirty="0" err="1">
+              <a:rPr lang="en-US" sz="2800" b="1" i="0" u="none" strike="noStrike" cap="none" dirty="0" err="1">
                 <a:solidFill>
                   <a:schemeClr val="lt1"/>
                 </a:solidFill>
@@ -13944,7 +13931,7 @@
               <a:t>csev</a:t>
             </a:r>
             <a:r>
-              <a:rPr lang="en-US" sz="2800" i="0" u="none" strike="noStrike" cap="none" dirty="0">
+              <a:rPr lang="en-US" sz="2800" b="1" i="0" u="none" strike="noStrike" cap="none" dirty="0">
                 <a:solidFill>
                   <a:schemeClr val="lt1"/>
                 </a:solidFill>
@@ -13956,7 +13943,7 @@
               <a:t>', '</a:t>
             </a:r>
             <a:r>
-              <a:rPr lang="en-US" sz="2800" i="0" u="none" strike="noStrike" cap="none" dirty="0" err="1">
+              <a:rPr lang="en-US" sz="2800" b="1" i="0" u="none" strike="noStrike" cap="none" dirty="0" err="1">
                 <a:solidFill>
                   <a:schemeClr val="lt1"/>
                 </a:solidFill>
@@ -13968,7 +13955,7 @@
               <a:t>zqian</a:t>
             </a:r>
             <a:r>
-              <a:rPr lang="en-US" sz="2800" i="0" u="none" strike="noStrike" cap="none" dirty="0">
+              <a:rPr lang="en-US" sz="2800" b="1" i="0" u="none" strike="noStrike" cap="none" dirty="0">
                 <a:solidFill>
                   <a:schemeClr val="lt1"/>
                 </a:solidFill>
@@ -13980,7 +13967,7 @@
               <a:t>', '</a:t>
             </a:r>
             <a:r>
-              <a:rPr lang="en-US" sz="2800" i="0" u="none" strike="noStrike" cap="none" dirty="0" err="1">
+              <a:rPr lang="en-US" sz="2800" b="1" i="0" u="none" strike="noStrike" cap="none" dirty="0" err="1">
                 <a:solidFill>
                   <a:schemeClr val="lt1"/>
                 </a:solidFill>
@@ -13992,7 +13979,7 @@
               <a:t>cwen</a:t>
             </a:r>
             <a:r>
-              <a:rPr lang="en-US" sz="2800" i="0" u="none" strike="noStrike" cap="none" dirty="0">
+              <a:rPr lang="en-US" sz="2800" b="1" i="0" u="none" strike="noStrike" cap="none" dirty="0">
                 <a:solidFill>
                   <a:schemeClr val="lt1"/>
                 </a:solidFill>
@@ -14023,7 +14010,7 @@
               <a:buNone/>
             </a:pPr>
             <a:r>
-              <a:rPr lang="en-US" sz="2800" i="0" u="none" strike="noStrike" cap="none" dirty="0">
+              <a:rPr lang="en-US" sz="2800" b="1" i="0" u="none" strike="noStrike" cap="none" dirty="0">
                 <a:solidFill>
                   <a:srgbClr val="FFFF00"/>
                 </a:solidFill>
@@ -14035,7 +14022,7 @@
               <a:t>for</a:t>
             </a:r>
             <a:r>
-              <a:rPr lang="en-US" sz="2800" i="0" u="none" strike="noStrike" cap="none" dirty="0">
+              <a:rPr lang="en-US" sz="2800" b="1" i="0" u="none" strike="noStrike" cap="none" dirty="0">
                 <a:solidFill>
                   <a:schemeClr val="lt1"/>
                 </a:solidFill>
@@ -14047,7 +14034,7 @@
               <a:t> </a:t>
             </a:r>
             <a:r>
-              <a:rPr lang="en-US" sz="2800" i="0" u="none" strike="noStrike" cap="none" dirty="0">
+              <a:rPr lang="en-US" sz="2800" b="1" i="0" u="none" strike="noStrike" cap="none" dirty="0">
                 <a:solidFill>
                   <a:srgbClr val="00FF00"/>
                 </a:solidFill>
@@ -14059,7 +14046,7 @@
               <a:t>name</a:t>
             </a:r>
             <a:r>
-              <a:rPr lang="en-US" sz="2800" i="0" u="none" strike="noStrike" cap="none" dirty="0">
+              <a:rPr lang="en-US" sz="2800" b="1" i="0" u="none" strike="noStrike" cap="none" dirty="0">
                 <a:solidFill>
                   <a:schemeClr val="lt1"/>
                 </a:solidFill>
@@ -14071,7 +14058,7 @@
               <a:t> </a:t>
             </a:r>
             <a:r>
-              <a:rPr lang="en-US" sz="2800" i="0" u="none" strike="noStrike" cap="none" dirty="0">
+              <a:rPr lang="en-US" sz="2800" b="1" i="0" u="none" strike="noStrike" cap="none" dirty="0">
                 <a:solidFill>
                   <a:srgbClr val="FFFF00"/>
                 </a:solidFill>
@@ -14083,7 +14070,7 @@
               <a:t>in</a:t>
             </a:r>
             <a:r>
-              <a:rPr lang="en-US" sz="2800" i="0" u="none" strike="noStrike" cap="none" dirty="0">
+              <a:rPr lang="en-US" sz="2800" b="1" i="0" u="none" strike="noStrike" cap="none" dirty="0">
                 <a:solidFill>
                   <a:schemeClr val="lt1"/>
                 </a:solidFill>
@@ -14095,7 +14082,7 @@
               <a:t> </a:t>
             </a:r>
             <a:r>
-              <a:rPr lang="en-US" sz="2800" i="0" u="none" strike="noStrike" cap="none" dirty="0">
+              <a:rPr lang="en-US" sz="2800" b="1" i="0" u="none" strike="noStrike" cap="none" dirty="0">
                 <a:solidFill>
                   <a:srgbClr val="00FF00"/>
                 </a:solidFill>
@@ -14107,7 +14094,7 @@
               <a:t>names</a:t>
             </a:r>
             <a:r>
-              <a:rPr lang="en-US" sz="2800" i="0" u="none" strike="noStrike" cap="none" dirty="0">
+              <a:rPr lang="en-US" sz="2800" b="1" i="0" u="none" strike="noStrike" cap="none" dirty="0">
                 <a:solidFill>
                   <a:schemeClr val="lt1"/>
                 </a:solidFill>
@@ -14138,7 +14125,7 @@
               <a:buNone/>
             </a:pPr>
             <a:r>
-              <a:rPr lang="en-US" sz="2800" i="0" u="none" strike="noStrike" cap="none" dirty="0">
+              <a:rPr lang="en-US" sz="2800" b="1" i="0" u="none" strike="noStrike" cap="none" dirty="0">
                 <a:solidFill>
                   <a:schemeClr val="lt1"/>
                 </a:solidFill>
@@ -14150,7 +14137,7 @@
               <a:t>    </a:t>
             </a:r>
             <a:r>
-              <a:rPr lang="en-US" sz="2800" i="0" u="none" strike="noStrike" cap="none" dirty="0">
+              <a:rPr lang="en-US" sz="2800" b="1" i="0" u="none" strike="noStrike" cap="none" dirty="0">
                 <a:solidFill>
                   <a:srgbClr val="00FF00"/>
                 </a:solidFill>
@@ -14162,7 +14149,7 @@
               <a:t>counts</a:t>
             </a:r>
             <a:r>
-              <a:rPr lang="en-US" sz="2800" i="0" u="none" strike="noStrike" cap="none" dirty="0">
+              <a:rPr lang="en-US" sz="2800" b="1" i="0" u="none" strike="noStrike" cap="none" dirty="0">
                 <a:solidFill>
                   <a:srgbClr val="00FFFF"/>
                 </a:solidFill>
@@ -14174,7 +14161,7 @@
               <a:t>[name]</a:t>
             </a:r>
             <a:r>
-              <a:rPr lang="en-US" sz="2800" i="0" u="none" strike="noStrike" cap="none" dirty="0">
+              <a:rPr lang="en-US" sz="2800" b="1" i="0" u="none" strike="noStrike" cap="none" dirty="0">
                 <a:solidFill>
                   <a:schemeClr val="lt1"/>
                 </a:solidFill>
@@ -14186,7 +14173,7 @@
               <a:t> = </a:t>
             </a:r>
             <a:r>
-              <a:rPr lang="en-US" sz="2800" i="0" u="none" strike="noStrike" cap="none" dirty="0" err="1">
+              <a:rPr lang="en-US" sz="2800" b="1" i="0" u="none" strike="noStrike" cap="none" dirty="0" err="1">
                 <a:solidFill>
                   <a:srgbClr val="00FF00"/>
                 </a:solidFill>
@@ -14198,7 +14185,7 @@
               <a:t>counts</a:t>
             </a:r>
             <a:r>
-              <a:rPr lang="en-US" sz="2800" i="0" u="none" strike="noStrike" cap="none" dirty="0" err="1">
+              <a:rPr lang="en-US" sz="2800" b="1" i="0" u="none" strike="noStrike" cap="none" dirty="0" err="1">
                 <a:solidFill>
                   <a:srgbClr val="FF00FF"/>
                 </a:solidFill>
@@ -14210,7 +14197,7 @@
               <a:t>.get</a:t>
             </a:r>
             <a:r>
-              <a:rPr lang="en-US" sz="2800" i="0" u="none" strike="noStrike" cap="none" dirty="0">
+              <a:rPr lang="en-US" sz="2800" b="1" i="0" u="none" strike="noStrike" cap="none" dirty="0">
                 <a:solidFill>
                   <a:srgbClr val="00FF00"/>
                 </a:solidFill>
@@ -14222,7 +14209,7 @@
               <a:t>(</a:t>
             </a:r>
             <a:r>
-              <a:rPr lang="en-US" sz="2800" i="0" u="none" strike="noStrike" cap="none" dirty="0">
+              <a:rPr lang="en-US" sz="2800" b="1" i="0" u="none" strike="noStrike" cap="none" dirty="0">
                 <a:solidFill>
                   <a:srgbClr val="00FFFF"/>
                 </a:solidFill>
@@ -14234,7 +14221,7 @@
               <a:t>name, </a:t>
             </a:r>
             <a:r>
-              <a:rPr lang="en-US" sz="2800" i="0" u="none" strike="noStrike" cap="none" dirty="0">
+              <a:rPr lang="en-US" sz="2800" b="1" i="0" u="none" strike="noStrike" cap="none" dirty="0">
                 <a:solidFill>
                   <a:srgbClr val="FF7F00"/>
                 </a:solidFill>
@@ -14246,7 +14233,7 @@
               <a:t>0</a:t>
             </a:r>
             <a:r>
-              <a:rPr lang="en-US" sz="2800" i="0" u="none" strike="noStrike" cap="none" dirty="0">
+              <a:rPr lang="en-US" sz="2800" b="1" i="0" u="none" strike="noStrike" cap="none" dirty="0">
                 <a:solidFill>
                   <a:srgbClr val="00FFFF"/>
                 </a:solidFill>
@@ -14258,7 +14245,7 @@
               <a:t>)</a:t>
             </a:r>
             <a:r>
-              <a:rPr lang="en-US" sz="2800" i="0" u="none" strike="noStrike" cap="none" dirty="0">
+              <a:rPr lang="en-US" sz="2800" b="1" i="0" u="none" strike="noStrike" cap="none" dirty="0">
                 <a:solidFill>
                   <a:schemeClr val="lt1"/>
                 </a:solidFill>
@@ -14289,7 +14276,7 @@
               <a:buNone/>
             </a:pPr>
             <a:r>
-              <a:rPr lang="en-US" sz="2800" i="0" u="none" strike="noStrike" cap="none" dirty="0" smtClean="0">
+              <a:rPr lang="en-US" sz="2800" b="1" i="0" u="none" strike="noStrike" cap="none" dirty="0" smtClean="0">
                 <a:solidFill>
                   <a:srgbClr val="FFFF00"/>
                 </a:solidFill>
@@ -14301,7 +14288,7 @@
               <a:t>print(</a:t>
             </a:r>
             <a:r>
-              <a:rPr lang="en-US" sz="2800" i="0" u="none" strike="noStrike" cap="none" dirty="0" smtClean="0">
+              <a:rPr lang="en-US" sz="2800" b="1" i="0" u="none" strike="noStrike" cap="none" dirty="0" smtClean="0">
                 <a:solidFill>
                   <a:srgbClr val="00FF00"/>
                 </a:solidFill>
@@ -14313,7 +14300,7 @@
               <a:t>counts</a:t>
             </a:r>
             <a:r>
-              <a:rPr lang="en-US" sz="2800" i="0" u="none" strike="noStrike" cap="none" dirty="0" smtClean="0">
+              <a:rPr lang="en-US" sz="2800" b="1" i="0" u="none" strike="noStrike" cap="none" dirty="0" smtClean="0">
                 <a:solidFill>
                   <a:srgbClr val="FFFF00"/>
                 </a:solidFill>
@@ -14324,7 +14311,7 @@
               </a:rPr>
               <a:t>)</a:t>
             </a:r>
-            <a:endParaRPr lang="en-US" sz="2800" i="0" u="none" strike="noStrike" cap="none" dirty="0">
+            <a:endParaRPr lang="en-US" sz="2800" b="1" i="0" u="none" strike="noStrike" cap="none" dirty="0">
               <a:solidFill>
                 <a:srgbClr val="FFFF00"/>
               </a:solidFill>
@@ -14425,7 +14412,7 @@
   <p:timing>
     <p:tnLst>
       <p:par>
-        <p:cTn xmlns:p14="http://schemas.microsoft.com/office/powerpoint/2010/main" id="1" dur="indefinite" restart="never" nodeType="tmRoot"/>
+        <p:cTn id="1" dur="indefinite" restart="never" nodeType="tmRoot"/>
       </p:par>
     </p:tnLst>
   </p:timing>
@@ -14803,7 +14790,7 @@
   <p:timing>
     <p:tnLst>
       <p:par>
-        <p:cTn xmlns:p14="http://schemas.microsoft.com/office/powerpoint/2010/main" id="1" dur="indefinite" restart="never" nodeType="tmRoot"/>
+        <p:cTn id="1" dur="indefinite" restart="never" nodeType="tmRoot"/>
       </p:par>
     </p:tnLst>
   </p:timing>
@@ -15195,7 +15182,7 @@
   <p:timing>
     <p:tnLst>
       <p:par>
-        <p:cTn xmlns:p14="http://schemas.microsoft.com/office/powerpoint/2010/main" id="1" dur="indefinite" restart="never" nodeType="tmRoot"/>
+        <p:cTn id="1" dur="indefinite" restart="never" nodeType="tmRoot"/>
       </p:par>
     </p:tnLst>
   </p:timing>
@@ -15319,7 +15306,7 @@
               <a:buNone/>
             </a:pPr>
             <a:r>
-              <a:rPr lang="en-US" sz="3000" i="0" u="none" strike="noStrike" cap="none" dirty="0">
+              <a:rPr lang="en-US" sz="3000" b="1" i="0" u="none" strike="noStrike" cap="none" dirty="0">
                 <a:solidFill>
                   <a:srgbClr val="00FF00"/>
                 </a:solidFill>
@@ -15331,7 +15318,7 @@
               <a:t>counts</a:t>
             </a:r>
             <a:r>
-              <a:rPr lang="en-US" sz="3000" i="0" u="none" strike="noStrike" cap="none" dirty="0">
+              <a:rPr lang="en-US" sz="3000" b="1" i="0" u="none" strike="noStrike" cap="none" dirty="0">
                 <a:solidFill>
                   <a:schemeClr val="lt1"/>
                 </a:solidFill>
@@ -15343,7 +15330,7 @@
               <a:t> = </a:t>
             </a:r>
             <a:r>
-              <a:rPr lang="en-US" sz="3000" i="0" u="none" strike="noStrike" cap="none" dirty="0" err="1">
+              <a:rPr lang="en-US" sz="3000" b="1" i="0" u="none" strike="noStrike" cap="none" dirty="0" err="1">
                 <a:solidFill>
                   <a:srgbClr val="00FFFF"/>
                 </a:solidFill>
@@ -15355,7 +15342,7 @@
               <a:t>dict</a:t>
             </a:r>
             <a:r>
-              <a:rPr lang="en-US" sz="3000" i="0" u="none" strike="noStrike" cap="none" dirty="0">
+              <a:rPr lang="en-US" sz="3000" b="1" i="0" u="none" strike="noStrike" cap="none" dirty="0">
                 <a:solidFill>
                   <a:schemeClr val="lt1"/>
                 </a:solidFill>
@@ -15386,7 +15373,7 @@
               <a:buNone/>
             </a:pPr>
             <a:r>
-              <a:rPr lang="en-US" sz="3000" i="0" u="none" strike="noStrike" cap="none" dirty="0" smtClean="0">
+              <a:rPr lang="en-US" sz="3000" b="1" i="0" u="none" strike="noStrike" cap="none" dirty="0" smtClean="0">
                 <a:solidFill>
                   <a:srgbClr val="FFFF00"/>
                 </a:solidFill>
@@ -15398,7 +15385,7 @@
               <a:t>print(</a:t>
             </a:r>
             <a:r>
-              <a:rPr lang="en-US" sz="3000" i="0" u="none" strike="noStrike" cap="none" dirty="0" smtClean="0">
+              <a:rPr lang="en-US" sz="3000" b="1" i="0" u="none" strike="noStrike" cap="none" dirty="0" smtClean="0">
                 <a:solidFill>
                   <a:schemeClr val="lt1"/>
                 </a:solidFill>
@@ -15410,7 +15397,7 @@
               <a:t>'Enter </a:t>
             </a:r>
             <a:r>
-              <a:rPr lang="en-US" sz="3000" i="0" u="none" strike="noStrike" cap="none" dirty="0">
+              <a:rPr lang="en-US" sz="3000" b="1" i="0" u="none" strike="noStrike" cap="none" dirty="0">
                 <a:solidFill>
                   <a:schemeClr val="lt1"/>
                 </a:solidFill>
@@ -15422,7 +15409,7 @@
               <a:t>a line of text</a:t>
             </a:r>
             <a:r>
-              <a:rPr lang="en-US" sz="3000" i="0" u="none" strike="noStrike" cap="none" dirty="0" smtClean="0">
+              <a:rPr lang="en-US" sz="3000" b="1" i="0" u="none" strike="noStrike" cap="none" dirty="0" smtClean="0">
                 <a:solidFill>
                   <a:schemeClr val="lt1"/>
                 </a:solidFill>
@@ -15434,7 +15421,7 @@
               <a:t>:</a:t>
             </a:r>
             <a:r>
-              <a:rPr lang="en-US" sz="3000" dirty="0" smtClean="0">
+              <a:rPr lang="en-US" sz="3000" b="1" dirty="0" smtClean="0">
                 <a:solidFill>
                   <a:schemeClr val="lt1"/>
                 </a:solidFill>
@@ -15446,7 +15433,7 @@
               <a:t>'</a:t>
             </a:r>
             <a:r>
-              <a:rPr lang="en-US" sz="3000" dirty="0" smtClean="0">
+              <a:rPr lang="en-US" sz="3000" b="1" dirty="0" smtClean="0">
                 <a:solidFill>
                   <a:srgbClr val="FFFF00"/>
                 </a:solidFill>
@@ -15457,7 +15444,7 @@
               </a:rPr>
               <a:t>)</a:t>
             </a:r>
-            <a:endParaRPr lang="en-US" sz="3000" dirty="0">
+            <a:endParaRPr lang="en-US" sz="3000" b="1" dirty="0">
               <a:solidFill>
                 <a:srgbClr val="FFFF00"/>
               </a:solidFill>
@@ -15486,7 +15473,7 @@
               <a:buNone/>
             </a:pPr>
             <a:r>
-              <a:rPr lang="en-US" sz="3000" i="0" u="none" strike="noStrike" cap="none" dirty="0">
+              <a:rPr lang="en-US" sz="3000" b="1" i="0" u="none" strike="noStrike" cap="none" dirty="0">
                 <a:solidFill>
                   <a:schemeClr val="lt1"/>
                 </a:solidFill>
@@ -15498,7 +15485,7 @@
               <a:t>line = </a:t>
             </a:r>
             <a:r>
-              <a:rPr lang="en-US" sz="3000" i="0" u="none" strike="noStrike" cap="none" dirty="0" smtClean="0">
+              <a:rPr lang="en-US" sz="3000" b="1" i="0" u="none" strike="noStrike" cap="none" dirty="0" smtClean="0">
                 <a:solidFill>
                   <a:srgbClr val="FF00FF"/>
                 </a:solidFill>
@@ -15510,7 +15497,7 @@
               <a:t>input</a:t>
             </a:r>
             <a:r>
-              <a:rPr lang="en-US" sz="3000" i="0" u="none" strike="noStrike" cap="none" dirty="0">
+              <a:rPr lang="en-US" sz="3000" b="1" i="0" u="none" strike="noStrike" cap="none" dirty="0">
                 <a:solidFill>
                   <a:schemeClr val="lt1"/>
                 </a:solidFill>
@@ -15535,7 +15522,7 @@
               </a:spcAft>
               <a:buNone/>
             </a:pPr>
-            <a:endParaRPr sz="3000" i="0" u="none" strike="noStrike" cap="none" dirty="0">
+            <a:endParaRPr sz="3000" b="1" i="0" u="none" strike="noStrike" cap="none" dirty="0">
               <a:solidFill>
                 <a:schemeClr val="lt1"/>
               </a:solidFill>
@@ -15564,7 +15551,7 @@
               <a:buNone/>
             </a:pPr>
             <a:r>
-              <a:rPr lang="en-US" sz="3000" i="0" u="none" strike="noStrike" cap="none" dirty="0">
+              <a:rPr lang="en-US" sz="3000" b="1" i="0" u="none" strike="noStrike" cap="none" dirty="0">
                 <a:solidFill>
                   <a:schemeClr val="lt1"/>
                 </a:solidFill>
@@ -15576,7 +15563,7 @@
               <a:t>words = </a:t>
             </a:r>
             <a:r>
-              <a:rPr lang="en-US" sz="3000" i="0" u="none" strike="noStrike" cap="none" dirty="0" err="1">
+              <a:rPr lang="en-US" sz="3000" b="1" i="0" u="none" strike="noStrike" cap="none" dirty="0" err="1">
                 <a:solidFill>
                   <a:schemeClr val="lt1"/>
                 </a:solidFill>
@@ -15588,7 +15575,7 @@
               <a:t>line.</a:t>
             </a:r>
             <a:r>
-              <a:rPr lang="en-US" sz="3000" i="0" u="none" strike="noStrike" cap="none" dirty="0" err="1">
+              <a:rPr lang="en-US" sz="3000" b="1" i="0" u="none" strike="noStrike" cap="none" dirty="0" err="1">
                 <a:solidFill>
                   <a:srgbClr val="FF00FF"/>
                 </a:solidFill>
@@ -15600,7 +15587,7 @@
               <a:t>split</a:t>
             </a:r>
             <a:r>
-              <a:rPr lang="en-US" sz="3000" i="0" u="none" strike="noStrike" cap="none" dirty="0">
+              <a:rPr lang="en-US" sz="3000" b="1" i="0" u="none" strike="noStrike" cap="none" dirty="0">
                 <a:solidFill>
                   <a:schemeClr val="lt1"/>
                 </a:solidFill>
@@ -15625,7 +15612,7 @@
               </a:spcAft>
               <a:buNone/>
             </a:pPr>
-            <a:endParaRPr sz="3000" i="0" u="none" strike="noStrike" cap="none" dirty="0">
+            <a:endParaRPr sz="3000" b="1" i="0" u="none" strike="noStrike" cap="none" dirty="0">
               <a:solidFill>
                 <a:schemeClr val="lt1"/>
               </a:solidFill>
@@ -15643,7 +15630,7 @@
               <a:buSzPct val="25000"/>
             </a:pPr>
             <a:r>
-              <a:rPr lang="en-US" sz="3000" i="0" u="none" strike="noStrike" cap="none" dirty="0" smtClean="0">
+              <a:rPr lang="en-US" sz="3000" b="1" i="0" u="none" strike="noStrike" cap="none" dirty="0" smtClean="0">
                 <a:solidFill>
                   <a:srgbClr val="FFFF00"/>
                 </a:solidFill>
@@ -15655,7 +15642,7 @@
               <a:t>print(</a:t>
             </a:r>
             <a:r>
-              <a:rPr lang="en-US" sz="3000" i="0" u="none" strike="noStrike" cap="none" dirty="0" smtClean="0">
+              <a:rPr lang="en-US" sz="3000" b="1" i="0" u="none" strike="noStrike" cap="none" dirty="0" smtClean="0">
                 <a:solidFill>
                   <a:schemeClr val="lt1"/>
                 </a:solidFill>
@@ -15667,7 +15654,7 @@
               <a:t>'Words</a:t>
             </a:r>
             <a:r>
-              <a:rPr lang="en-US" sz="3000" i="0" u="none" strike="noStrike" cap="none" dirty="0">
+              <a:rPr lang="en-US" sz="3000" b="1" i="0" u="none" strike="noStrike" cap="none" dirty="0">
                 <a:solidFill>
                   <a:schemeClr val="lt1"/>
                 </a:solidFill>
@@ -15679,7 +15666,7 @@
               <a:t>:', </a:t>
             </a:r>
             <a:r>
-              <a:rPr lang="en-US" sz="3000" i="0" u="none" strike="noStrike" cap="none" dirty="0" smtClean="0">
+              <a:rPr lang="en-US" sz="3000" b="1" i="0" u="none" strike="noStrike" cap="none" dirty="0" smtClean="0">
                 <a:solidFill>
                   <a:schemeClr val="lt1"/>
                 </a:solidFill>
@@ -15691,7 +15678,7 @@
               <a:t>words</a:t>
             </a:r>
             <a:r>
-              <a:rPr lang="en-US" sz="3000" dirty="0" smtClean="0">
+              <a:rPr lang="en-US" sz="3000" b="1" dirty="0" smtClean="0">
                 <a:solidFill>
                   <a:srgbClr val="FFFF00"/>
                 </a:solidFill>
@@ -15702,7 +15689,7 @@
               </a:rPr>
               <a:t>)</a:t>
             </a:r>
-            <a:endParaRPr lang="en-US" sz="3000" i="0" u="none" strike="noStrike" cap="none" dirty="0">
+            <a:endParaRPr lang="en-US" sz="3000" b="1" i="0" u="none" strike="noStrike" cap="none" dirty="0">
               <a:solidFill>
                 <a:schemeClr val="lt1"/>
               </a:solidFill>
@@ -15725,7 +15712,7 @@
               </a:spcAft>
               <a:buNone/>
             </a:pPr>
-            <a:endParaRPr sz="3000" i="0" u="none" strike="noStrike" cap="none" dirty="0">
+            <a:endParaRPr sz="3000" b="1" i="0" u="none" strike="noStrike" cap="none" dirty="0">
               <a:solidFill>
                 <a:srgbClr val="FFFF00"/>
               </a:solidFill>
@@ -15743,7 +15730,7 @@
               <a:buSzPct val="25000"/>
             </a:pPr>
             <a:r>
-              <a:rPr lang="en-US" sz="3000" i="0" u="none" strike="noStrike" cap="none" dirty="0" smtClean="0">
+              <a:rPr lang="en-US" sz="3000" b="1" i="0" u="none" strike="noStrike" cap="none" dirty="0" smtClean="0">
                 <a:solidFill>
                   <a:srgbClr val="FFFF00"/>
                 </a:solidFill>
@@ -15755,7 +15742,7 @@
               <a:t>print(</a:t>
             </a:r>
             <a:r>
-              <a:rPr lang="en-US" sz="3000" i="0" u="none" strike="noStrike" cap="none" dirty="0" smtClean="0">
+              <a:rPr lang="en-US" sz="3000" b="1" i="0" u="none" strike="noStrike" cap="none" dirty="0" smtClean="0">
                 <a:solidFill>
                   <a:schemeClr val="lt1"/>
                 </a:solidFill>
@@ -15767,7 +15754,7 @@
               <a:t>'Counting...</a:t>
             </a:r>
             <a:r>
-              <a:rPr lang="en-US" sz="3000" dirty="0" smtClean="0">
+              <a:rPr lang="en-US" sz="3000" b="1" dirty="0" smtClean="0">
                 <a:solidFill>
                   <a:schemeClr val="lt1"/>
                 </a:solidFill>
@@ -15779,7 +15766,7 @@
               <a:t>'</a:t>
             </a:r>
             <a:r>
-              <a:rPr lang="en-US" sz="3000" dirty="0" smtClean="0">
+              <a:rPr lang="en-US" sz="3000" b="1" dirty="0" smtClean="0">
                 <a:solidFill>
                   <a:srgbClr val="FFFF00"/>
                 </a:solidFill>
@@ -15790,7 +15777,7 @@
               </a:rPr>
               <a:t>)</a:t>
             </a:r>
-            <a:endParaRPr lang="en-US" sz="3000" dirty="0">
+            <a:endParaRPr lang="en-US" sz="3000" b="1" dirty="0">
               <a:solidFill>
                 <a:schemeClr val="lt1"/>
               </a:solidFill>
@@ -15819,7 +15806,7 @@
               <a:buNone/>
             </a:pPr>
             <a:r>
-              <a:rPr lang="en-US" sz="3000" i="0" u="none" strike="noStrike" cap="none" dirty="0">
+              <a:rPr lang="en-US" sz="3000" b="1" i="0" u="none" strike="noStrike" cap="none" dirty="0">
                 <a:solidFill>
                   <a:srgbClr val="FFFF00"/>
                 </a:solidFill>
@@ -15831,7 +15818,7 @@
               <a:t>for</a:t>
             </a:r>
             <a:r>
-              <a:rPr lang="en-US" sz="3000" i="0" u="none" strike="noStrike" cap="none" dirty="0">
+              <a:rPr lang="en-US" sz="3000" b="1" i="0" u="none" strike="noStrike" cap="none" dirty="0">
                 <a:solidFill>
                   <a:schemeClr val="lt1"/>
                 </a:solidFill>
@@ -15843,7 +15830,7 @@
               <a:t> word </a:t>
             </a:r>
             <a:r>
-              <a:rPr lang="en-US" sz="3000" i="0" u="none" strike="noStrike" cap="none" dirty="0">
+              <a:rPr lang="en-US" sz="3000" b="1" i="0" u="none" strike="noStrike" cap="none" dirty="0">
                 <a:solidFill>
                   <a:srgbClr val="FFFF00"/>
                 </a:solidFill>
@@ -15855,7 +15842,7 @@
               <a:t>in</a:t>
             </a:r>
             <a:r>
-              <a:rPr lang="en-US" sz="3000" i="0" u="none" strike="noStrike" cap="none" dirty="0">
+              <a:rPr lang="en-US" sz="3000" b="1" i="0" u="none" strike="noStrike" cap="none" dirty="0">
                 <a:solidFill>
                   <a:schemeClr val="lt1"/>
                 </a:solidFill>
@@ -15886,7 +15873,7 @@
               <a:buNone/>
             </a:pPr>
             <a:r>
-              <a:rPr lang="en-US" sz="3000" i="0" u="none" strike="noStrike" cap="none" dirty="0">
+              <a:rPr lang="en-US" sz="3000" b="1" i="0" u="none" strike="noStrike" cap="none" dirty="0">
                 <a:solidFill>
                   <a:schemeClr val="lt1"/>
                 </a:solidFill>
@@ -15898,7 +15885,7 @@
               <a:t>    </a:t>
             </a:r>
             <a:r>
-              <a:rPr lang="en-US" sz="3000" i="0" u="none" strike="noStrike" cap="none" dirty="0">
+              <a:rPr lang="en-US" sz="3000" b="1" i="0" u="none" strike="noStrike" cap="none" dirty="0">
                 <a:solidFill>
                   <a:srgbClr val="00FF00"/>
                 </a:solidFill>
@@ -15910,7 +15897,7 @@
               <a:t>counts</a:t>
             </a:r>
             <a:r>
-              <a:rPr lang="en-US" sz="3000" i="0" u="none" strike="noStrike" cap="none" dirty="0">
+              <a:rPr lang="en-US" sz="3000" b="1" i="0" u="none" strike="noStrike" cap="none" dirty="0">
                 <a:solidFill>
                   <a:schemeClr val="lt1"/>
                 </a:solidFill>
@@ -15922,7 +15909,7 @@
               <a:t>[word] = </a:t>
             </a:r>
             <a:r>
-              <a:rPr lang="en-US" sz="3000" i="0" u="none" strike="noStrike" cap="none" dirty="0" err="1">
+              <a:rPr lang="en-US" sz="3000" b="1" i="0" u="none" strike="noStrike" cap="none" dirty="0" err="1">
                 <a:solidFill>
                   <a:srgbClr val="00FF00"/>
                 </a:solidFill>
@@ -15934,7 +15921,7 @@
               <a:t>counts</a:t>
             </a:r>
             <a:r>
-              <a:rPr lang="en-US" sz="3000" i="0" u="none" strike="noStrike" cap="none" dirty="0" err="1">
+              <a:rPr lang="en-US" sz="3000" b="1" i="0" u="none" strike="noStrike" cap="none" dirty="0" err="1">
                 <a:solidFill>
                   <a:schemeClr val="lt1"/>
                 </a:solidFill>
@@ -15946,7 +15933,7 @@
               <a:t>.</a:t>
             </a:r>
             <a:r>
-              <a:rPr lang="en-US" sz="3000" i="0" u="none" strike="noStrike" cap="none" dirty="0" err="1">
+              <a:rPr lang="en-US" sz="3000" b="1" i="0" u="none" strike="noStrike" cap="none" dirty="0" err="1">
                 <a:solidFill>
                   <a:srgbClr val="FF00FF"/>
                 </a:solidFill>
@@ -15958,7 +15945,7 @@
               <a:t>get</a:t>
             </a:r>
             <a:r>
-              <a:rPr lang="en-US" sz="3000" i="0" u="none" strike="noStrike" cap="none" dirty="0">
+              <a:rPr lang="en-US" sz="3000" b="1" i="0" u="none" strike="noStrike" cap="none" dirty="0">
                 <a:solidFill>
                   <a:schemeClr val="lt1"/>
                 </a:solidFill>
@@ -15978,7 +15965,7 @@
               <a:buSzPct val="25000"/>
             </a:pPr>
             <a:r>
-              <a:rPr lang="en-US" sz="3000" i="0" u="none" strike="noStrike" cap="none" dirty="0" smtClean="0">
+              <a:rPr lang="en-US" sz="3000" b="1" i="0" u="none" strike="noStrike" cap="none" dirty="0" smtClean="0">
                 <a:solidFill>
                   <a:srgbClr val="FFFF00"/>
                 </a:solidFill>
@@ -15990,7 +15977,7 @@
               <a:t>print(</a:t>
             </a:r>
             <a:r>
-              <a:rPr lang="en-US" sz="3000" i="0" u="none" strike="noStrike" cap="none" dirty="0" smtClean="0">
+              <a:rPr lang="en-US" sz="3000" b="1" i="0" u="none" strike="noStrike" cap="none" dirty="0" smtClean="0">
                 <a:solidFill>
                   <a:schemeClr val="lt1"/>
                 </a:solidFill>
@@ -16002,7 +15989,7 @@
               <a:t>'Counts</a:t>
             </a:r>
             <a:r>
-              <a:rPr lang="en-US" sz="3000" i="0" u="none" strike="noStrike" cap="none" dirty="0">
+              <a:rPr lang="en-US" sz="3000" b="1" i="0" u="none" strike="noStrike" cap="none" dirty="0">
                 <a:solidFill>
                   <a:schemeClr val="lt1"/>
                 </a:solidFill>
@@ -16014,7 +16001,7 @@
               <a:t>', </a:t>
             </a:r>
             <a:r>
-              <a:rPr lang="en-US" sz="3000" i="0" u="none" strike="noStrike" cap="none" dirty="0" smtClean="0">
+              <a:rPr lang="en-US" sz="3000" b="1" i="0" u="none" strike="noStrike" cap="none" dirty="0" smtClean="0">
                 <a:solidFill>
                   <a:srgbClr val="00FF00"/>
                 </a:solidFill>
@@ -16026,7 +16013,7 @@
               <a:t>counts</a:t>
             </a:r>
             <a:r>
-              <a:rPr lang="en-US" sz="3000" dirty="0" smtClean="0">
+              <a:rPr lang="en-US" sz="3000" b="1" dirty="0" smtClean="0">
                 <a:solidFill>
                   <a:srgbClr val="FFFF00"/>
                 </a:solidFill>
@@ -16037,7 +16024,7 @@
               </a:rPr>
               <a:t>)</a:t>
             </a:r>
-            <a:endParaRPr lang="en-US" sz="3000" dirty="0">
+            <a:endParaRPr lang="en-US" sz="3000" b="1" dirty="0">
               <a:solidFill>
                 <a:srgbClr val="FFFF00"/>
               </a:solidFill>
@@ -16162,7 +16149,7 @@
   <p:timing>
     <p:tnLst>
       <p:par>
-        <p:cTn xmlns:p14="http://schemas.microsoft.com/office/powerpoint/2010/main" id="1" dur="indefinite" restart="never" nodeType="tmRoot"/>
+        <p:cTn id="1" dur="indefinite" restart="never" nodeType="tmRoot"/>
       </p:par>
     </p:tnLst>
   </p:timing>
@@ -16229,7 +16216,7 @@
               <a:buNone/>
             </a:pPr>
             <a:r>
-              <a:rPr lang="en-US" sz="2600" i="0" u="none" strike="noStrike" cap="none" dirty="0">
+              <a:rPr lang="en-US" sz="2600" b="1" i="0" u="none" strike="noStrike" cap="none" dirty="0">
                 <a:solidFill>
                   <a:srgbClr val="FFFF00"/>
                 </a:solidFill>
@@ -16241,7 +16228,7 @@
               <a:t>python </a:t>
             </a:r>
             <a:r>
-              <a:rPr lang="en-US" sz="2600" i="0" u="none" strike="noStrike" cap="none" dirty="0" err="1">
+              <a:rPr lang="en-US" sz="2600" b="1" i="0" u="none" strike="noStrike" cap="none" dirty="0" err="1">
                 <a:solidFill>
                   <a:srgbClr val="FFFF00"/>
                 </a:solidFill>
@@ -16253,7 +16240,7 @@
               <a:t>wordcount.py</a:t>
             </a:r>
             <a:r>
-              <a:rPr lang="en-US" sz="2600" i="0" u="none" strike="noStrike" cap="none" dirty="0">
+              <a:rPr lang="en-US" sz="2600" b="1" i="0" u="none" strike="noStrike" cap="none" dirty="0">
                 <a:solidFill>
                   <a:srgbClr val="FFFF00"/>
                 </a:solidFill>
@@ -16284,7 +16271,7 @@
               <a:buNone/>
             </a:pPr>
             <a:r>
-              <a:rPr lang="en-US" sz="2600" i="0" u="none" strike="noStrike" cap="none" dirty="0">
+              <a:rPr lang="en-US" sz="2600" b="1" i="0" u="none" strike="noStrike" cap="none" dirty="0">
                 <a:solidFill>
                   <a:schemeClr val="lt1"/>
                 </a:solidFill>
@@ -16315,7 +16302,7 @@
               <a:buNone/>
             </a:pPr>
             <a:r>
-              <a:rPr lang="en-US" sz="2600" i="0" u="none" strike="noStrike" cap="none" dirty="0">
+              <a:rPr lang="en-US" sz="2600" b="1" i="0" u="none" strike="noStrike" cap="none" dirty="0">
                 <a:solidFill>
                   <a:srgbClr val="00FF00"/>
                 </a:solidFill>
@@ -16327,7 +16314,7 @@
               <a:t>the</a:t>
             </a:r>
             <a:r>
-              <a:rPr lang="en-US" sz="2600" i="0" u="none" strike="noStrike" cap="none" dirty="0">
+              <a:rPr lang="en-US" sz="2600" b="1" i="0" u="none" strike="noStrike" cap="none" dirty="0">
                 <a:solidFill>
                   <a:srgbClr val="FFFF00"/>
                 </a:solidFill>
@@ -16339,7 +16326,7 @@
               <a:t> clown ran after </a:t>
             </a:r>
             <a:r>
-              <a:rPr lang="en-US" sz="2600" i="0" u="none" strike="noStrike" cap="none" dirty="0">
+              <a:rPr lang="en-US" sz="2600" b="1" i="0" u="none" strike="noStrike" cap="none" dirty="0">
                 <a:solidFill>
                   <a:srgbClr val="00FF00"/>
                 </a:solidFill>
@@ -16351,7 +16338,7 @@
               <a:t>the</a:t>
             </a:r>
             <a:r>
-              <a:rPr lang="en-US" sz="2600" i="0" u="none" strike="noStrike" cap="none" dirty="0">
+              <a:rPr lang="en-US" sz="2600" b="1" i="0" u="none" strike="noStrike" cap="none" dirty="0">
                 <a:solidFill>
                   <a:srgbClr val="FFFF00"/>
                 </a:solidFill>
@@ -16363,7 +16350,7 @@
               <a:t> car and </a:t>
             </a:r>
             <a:r>
-              <a:rPr lang="en-US" sz="2600" i="0" u="none" strike="noStrike" cap="none" dirty="0">
+              <a:rPr lang="en-US" sz="2600" b="1" i="0" u="none" strike="noStrike" cap="none" dirty="0">
                 <a:solidFill>
                   <a:srgbClr val="00FF00"/>
                 </a:solidFill>
@@ -16375,7 +16362,7 @@
               <a:t>the</a:t>
             </a:r>
             <a:r>
-              <a:rPr lang="en-US" sz="2600" i="0" u="none" strike="noStrike" cap="none" dirty="0">
+              <a:rPr lang="en-US" sz="2600" b="1" i="0" u="none" strike="noStrike" cap="none" dirty="0">
                 <a:solidFill>
                   <a:srgbClr val="FFFF00"/>
                 </a:solidFill>
@@ -16387,7 +16374,7 @@
               <a:t> car ran into </a:t>
             </a:r>
             <a:r>
-              <a:rPr lang="en-US" sz="2600" i="0" u="none" strike="noStrike" cap="none" dirty="0">
+              <a:rPr lang="en-US" sz="2600" b="1" i="0" u="none" strike="noStrike" cap="none" dirty="0">
                 <a:solidFill>
                   <a:srgbClr val="00FF00"/>
                 </a:solidFill>
@@ -16399,7 +16386,7 @@
               <a:t>the</a:t>
             </a:r>
             <a:r>
-              <a:rPr lang="en-US" sz="2600" i="0" u="none" strike="noStrike" cap="none" dirty="0">
+              <a:rPr lang="en-US" sz="2600" b="1" i="0" u="none" strike="noStrike" cap="none" dirty="0">
                 <a:solidFill>
                   <a:srgbClr val="FFFF00"/>
                 </a:solidFill>
@@ -16411,7 +16398,7 @@
               <a:t> tent and </a:t>
             </a:r>
             <a:r>
-              <a:rPr lang="en-US" sz="2600" i="0" u="none" strike="noStrike" cap="none" dirty="0">
+              <a:rPr lang="en-US" sz="2600" b="1" i="0" u="none" strike="noStrike" cap="none" dirty="0">
                 <a:solidFill>
                   <a:srgbClr val="00FF00"/>
                 </a:solidFill>
@@ -16423,7 +16410,7 @@
               <a:t>the</a:t>
             </a:r>
             <a:r>
-              <a:rPr lang="en-US" sz="2600" i="0" u="none" strike="noStrike" cap="none" dirty="0">
+              <a:rPr lang="en-US" sz="2600" b="1" i="0" u="none" strike="noStrike" cap="none" dirty="0">
                 <a:solidFill>
                   <a:srgbClr val="FFFF00"/>
                 </a:solidFill>
@@ -16435,7 +16422,7 @@
               <a:t> tent fell down on </a:t>
             </a:r>
             <a:r>
-              <a:rPr lang="en-US" sz="2600" i="0" u="none" strike="noStrike" cap="none" dirty="0">
+              <a:rPr lang="en-US" sz="2600" b="1" i="0" u="none" strike="noStrike" cap="none" dirty="0">
                 <a:solidFill>
                   <a:srgbClr val="00FF00"/>
                 </a:solidFill>
@@ -16447,7 +16434,7 @@
               <a:t>the</a:t>
             </a:r>
             <a:r>
-              <a:rPr lang="en-US" sz="2600" i="0" u="none" strike="noStrike" cap="none" dirty="0">
+              <a:rPr lang="en-US" sz="2600" b="1" i="0" u="none" strike="noStrike" cap="none" dirty="0">
                 <a:solidFill>
                   <a:srgbClr val="FFFF00"/>
                 </a:solidFill>
@@ -16459,7 +16446,7 @@
               <a:t> clown and </a:t>
             </a:r>
             <a:r>
-              <a:rPr lang="en-US" sz="2600" i="0" u="none" strike="noStrike" cap="none" dirty="0">
+              <a:rPr lang="en-US" sz="2600" b="1" i="0" u="none" strike="noStrike" cap="none" dirty="0">
                 <a:solidFill>
                   <a:srgbClr val="00FF00"/>
                 </a:solidFill>
@@ -16471,7 +16458,7 @@
               <a:t>the</a:t>
             </a:r>
             <a:r>
-              <a:rPr lang="en-US" sz="2600" i="0" u="none" strike="noStrike" cap="none" dirty="0">
+              <a:rPr lang="en-US" sz="2600" b="1" i="0" u="none" strike="noStrike" cap="none" dirty="0">
                 <a:solidFill>
                   <a:srgbClr val="FFFF00"/>
                 </a:solidFill>
@@ -16502,7 +16489,7 @@
               <a:buNone/>
             </a:pPr>
             <a:r>
-              <a:rPr lang="en-US" sz="2600" i="0" u="none" strike="noStrike" cap="none" dirty="0">
+              <a:rPr lang="en-US" sz="2600" b="1" i="0" u="none" strike="noStrike" cap="none" dirty="0">
                 <a:solidFill>
                   <a:srgbClr val="FFFF00"/>
                 </a:solidFill>
@@ -16533,7 +16520,7 @@
               <a:buNone/>
             </a:pPr>
             <a:r>
-              <a:rPr lang="en-US" sz="2600" i="0" u="none" strike="noStrike" cap="none" dirty="0">
+              <a:rPr lang="en-US" sz="2600" b="1" i="0" u="none" strike="noStrike" cap="none" dirty="0">
                 <a:solidFill>
                   <a:schemeClr val="lt1"/>
                 </a:solidFill>
@@ -16564,7 +16551,7 @@
               <a:buNone/>
             </a:pPr>
             <a:r>
-              <a:rPr lang="en-US" sz="2600" i="0" u="none" strike="noStrike" cap="none" dirty="0">
+              <a:rPr lang="en-US" sz="2600" b="1" i="0" u="none" strike="noStrike" cap="none" dirty="0">
                 <a:solidFill>
                   <a:schemeClr val="lt1"/>
                 </a:solidFill>
@@ -16576,7 +16563,7 @@
               <a:t>Counting</a:t>
             </a:r>
             <a:r>
-              <a:rPr lang="en-US" sz="2600" dirty="0">
+              <a:rPr lang="en-US" sz="2600" b="1" dirty="0">
                 <a:solidFill>
                   <a:schemeClr val="lt1"/>
                 </a:solidFill>
@@ -16605,7 +16592,7 @@
               <a:buFont typeface="Cabin"/>
               <a:buNone/>
             </a:pPr>
-            <a:endParaRPr sz="2600" dirty="0">
+            <a:endParaRPr sz="2600" b="1" dirty="0">
               <a:solidFill>
                 <a:schemeClr val="lt1"/>
               </a:solidFill>
@@ -16634,7 +16621,7 @@
               <a:buNone/>
             </a:pPr>
             <a:r>
-              <a:rPr lang="en-US" sz="2600" i="0" u="none" strike="noStrike" cap="none" dirty="0">
+              <a:rPr lang="en-US" sz="2600" b="1" i="0" u="none" strike="noStrike" cap="none" dirty="0">
                 <a:solidFill>
                   <a:schemeClr val="lt1"/>
                 </a:solidFill>
@@ -16646,7 +16633,7 @@
               <a:t>Counts {'and': 3, 'on': 1, 'ran': 2, 'car': 3, 'into': 1, 'after': 1, 'clown': 2, 'down': 1, 'fell': 1, </a:t>
             </a:r>
             <a:r>
-              <a:rPr lang="en-US" sz="2600" i="0" u="none" strike="noStrike" cap="none" dirty="0">
+              <a:rPr lang="en-US" sz="2600" b="1" i="0" u="none" strike="noStrike" cap="none" dirty="0">
                 <a:solidFill>
                   <a:srgbClr val="00FF00"/>
                 </a:solidFill>
@@ -16658,7 +16645,7 @@
               <a:t>'the': 7</a:t>
             </a:r>
             <a:r>
-              <a:rPr lang="en-US" sz="2600" i="0" u="none" strike="noStrike" cap="none" dirty="0">
+              <a:rPr lang="en-US" sz="2600" b="1" i="0" u="none" strike="noStrike" cap="none" dirty="0">
                 <a:solidFill>
                   <a:schemeClr val="lt1"/>
                 </a:solidFill>
@@ -16765,7 +16752,7 @@
   <p:timing>
     <p:tnLst>
       <p:par>
-        <p:cTn xmlns:p14="http://schemas.microsoft.com/office/powerpoint/2010/main" id="1" dur="indefinite" restart="never" nodeType="tmRoot"/>
+        <p:cTn id="1" dur="indefinite" restart="never" nodeType="tmRoot"/>
       </p:par>
     </p:tnLst>
   </p:timing>
@@ -16832,7 +16819,7 @@
               <a:buNone/>
             </a:pPr>
             <a:r>
-              <a:rPr lang="en-US" sz="2400" i="0" u="none" strike="noStrike" cap="none" dirty="0">
+              <a:rPr lang="en-US" sz="2400" b="1" i="0" u="none" strike="noStrike" cap="none" dirty="0">
                 <a:solidFill>
                   <a:schemeClr val="lt1"/>
                 </a:solidFill>
@@ -16844,7 +16831,7 @@
               <a:t>counts = </a:t>
             </a:r>
             <a:r>
-              <a:rPr lang="en-US" sz="2400" i="0" u="none" strike="noStrike" cap="none" dirty="0" err="1">
+              <a:rPr lang="en-US" sz="2400" b="1" i="0" u="none" strike="noStrike" cap="none" dirty="0" err="1">
                 <a:solidFill>
                   <a:srgbClr val="FF7F00"/>
                 </a:solidFill>
@@ -16856,7 +16843,7 @@
               <a:t>dict</a:t>
             </a:r>
             <a:r>
-              <a:rPr lang="en-US" sz="2400" i="0" u="none" strike="noStrike" cap="none" dirty="0" smtClean="0">
+              <a:rPr lang="en-US" sz="2400" b="1" i="0" u="none" strike="noStrike" cap="none" dirty="0" smtClean="0">
                 <a:solidFill>
                   <a:schemeClr val="lt1"/>
                 </a:solidFill>
@@ -16867,7 +16854,7 @@
               </a:rPr>
               <a:t>()</a:t>
             </a:r>
-            <a:endParaRPr lang="en-US" sz="2400" dirty="0">
+            <a:endParaRPr lang="en-US" sz="2400" b="1" dirty="0">
               <a:solidFill>
                 <a:schemeClr val="lt1"/>
               </a:solidFill>
@@ -16885,7 +16872,7 @@
               <a:buSzPct val="25000"/>
             </a:pPr>
             <a:r>
-              <a:rPr lang="en-US" sz="2400" i="0" u="none" strike="noStrike" cap="none" dirty="0">
+              <a:rPr lang="en-US" sz="2400" b="1" i="0" u="none" strike="noStrike" cap="none" dirty="0">
                 <a:solidFill>
                   <a:schemeClr val="lt1"/>
                 </a:solidFill>
@@ -16897,7 +16884,7 @@
               <a:t>line = </a:t>
             </a:r>
             <a:r>
-              <a:rPr lang="en-US" sz="2400" i="0" u="none" strike="noStrike" cap="none" dirty="0" smtClean="0">
+              <a:rPr lang="en-US" sz="2400" b="1" i="0" u="none" strike="noStrike" cap="none" dirty="0" smtClean="0">
                 <a:solidFill>
                   <a:srgbClr val="FF00FF"/>
                 </a:solidFill>
@@ -16909,7 +16896,7 @@
               <a:t>input</a:t>
             </a:r>
             <a:r>
-              <a:rPr lang="en-US" sz="2400" dirty="0">
+              <a:rPr lang="en-US" sz="2400" b="1" dirty="0">
                 <a:solidFill>
                   <a:schemeClr val="lt1"/>
                 </a:solidFill>
@@ -16921,7 +16908,7 @@
               <a:t>('Enter a line of text:'</a:t>
             </a:r>
             <a:r>
-              <a:rPr lang="en-US" sz="2400" i="0" u="none" strike="noStrike" cap="none" dirty="0" smtClean="0">
+              <a:rPr lang="en-US" sz="2400" b="1" i="0" u="none" strike="noStrike" cap="none" dirty="0" smtClean="0">
                 <a:solidFill>
                   <a:schemeClr val="lt1"/>
                 </a:solidFill>
@@ -16932,7 +16919,7 @@
               </a:rPr>
               <a:t>)</a:t>
             </a:r>
-            <a:endParaRPr lang="en-US" sz="2400" i="0" u="none" strike="noStrike" cap="none" dirty="0">
+            <a:endParaRPr lang="en-US" sz="2400" b="1" i="0" u="none" strike="noStrike" cap="none" dirty="0">
               <a:solidFill>
                 <a:schemeClr val="lt1"/>
               </a:solidFill>
@@ -16961,7 +16948,7 @@
               <a:buNone/>
             </a:pPr>
             <a:r>
-              <a:rPr lang="en-US" sz="2400" i="0" u="none" strike="noStrike" cap="none" dirty="0">
+              <a:rPr lang="en-US" sz="2400" b="1" i="0" u="none" strike="noStrike" cap="none" dirty="0">
                 <a:solidFill>
                   <a:schemeClr val="lt1"/>
                 </a:solidFill>
@@ -16973,7 +16960,7 @@
               <a:t>words = </a:t>
             </a:r>
             <a:r>
-              <a:rPr lang="en-US" sz="2400" i="0" u="none" strike="noStrike" cap="none" dirty="0" err="1">
+              <a:rPr lang="en-US" sz="2400" b="1" i="0" u="none" strike="noStrike" cap="none" dirty="0" err="1">
                 <a:solidFill>
                   <a:schemeClr val="lt1"/>
                 </a:solidFill>
@@ -16985,7 +16972,7 @@
               <a:t>line.</a:t>
             </a:r>
             <a:r>
-              <a:rPr lang="en-US" sz="2400" i="0" u="none" strike="noStrike" cap="none" dirty="0" err="1">
+              <a:rPr lang="en-US" sz="2400" b="1" i="0" u="none" strike="noStrike" cap="none" dirty="0" err="1">
                 <a:solidFill>
                   <a:srgbClr val="FF00FF"/>
                 </a:solidFill>
@@ -16997,7 +16984,7 @@
               <a:t>split</a:t>
             </a:r>
             <a:r>
-              <a:rPr lang="en-US" sz="2400" i="0" u="none" strike="noStrike" cap="none" dirty="0">
+              <a:rPr lang="en-US" sz="2400" b="1" i="0" u="none" strike="noStrike" cap="none" dirty="0">
                 <a:solidFill>
                   <a:schemeClr val="lt1"/>
                 </a:solidFill>
@@ -17022,7 +17009,7 @@
               </a:spcAft>
               <a:buNone/>
             </a:pPr>
-            <a:endParaRPr sz="2400" i="0" u="none" strike="noStrike" cap="none" dirty="0">
+            <a:endParaRPr sz="2400" b="1" i="0" u="none" strike="noStrike" cap="none" dirty="0">
               <a:solidFill>
                 <a:srgbClr val="FFFF00"/>
               </a:solidFill>
@@ -17051,7 +17038,7 @@
               <a:buNone/>
             </a:pPr>
             <a:r>
-              <a:rPr lang="en-US" sz="2400" i="0" u="none" strike="noStrike" cap="none" dirty="0" smtClean="0">
+              <a:rPr lang="en-US" sz="2400" b="1" i="0" u="none" strike="noStrike" cap="none" dirty="0" smtClean="0">
                 <a:solidFill>
                   <a:srgbClr val="FFFF00"/>
                 </a:solidFill>
@@ -17063,7 +17050,7 @@
               <a:t>print(</a:t>
             </a:r>
             <a:r>
-              <a:rPr lang="en-US" sz="2400" i="0" u="none" strike="noStrike" cap="none" dirty="0" smtClean="0">
+              <a:rPr lang="en-US" sz="2400" b="1" i="0" u="none" strike="noStrike" cap="none" dirty="0" smtClean="0">
                 <a:solidFill>
                   <a:schemeClr val="lt1"/>
                 </a:solidFill>
@@ -17075,7 +17062,7 @@
               <a:t>'Words</a:t>
             </a:r>
             <a:r>
-              <a:rPr lang="en-US" sz="2400" i="0" u="none" strike="noStrike" cap="none" dirty="0">
+              <a:rPr lang="en-US" sz="2400" b="1" i="0" u="none" strike="noStrike" cap="none" dirty="0">
                 <a:solidFill>
                   <a:schemeClr val="lt1"/>
                 </a:solidFill>
@@ -17087,7 +17074,7 @@
               <a:t>:', </a:t>
             </a:r>
             <a:r>
-              <a:rPr lang="en-US" sz="2400" i="0" u="none" strike="noStrike" cap="none" dirty="0" smtClean="0">
+              <a:rPr lang="en-US" sz="2400" b="1" i="0" u="none" strike="noStrike" cap="none" dirty="0" smtClean="0">
                 <a:solidFill>
                   <a:schemeClr val="lt1"/>
                 </a:solidFill>
@@ -17099,7 +17086,7 @@
               <a:t>words</a:t>
             </a:r>
             <a:r>
-              <a:rPr lang="en-US" sz="2400" i="0" u="none" strike="noStrike" cap="none" dirty="0" smtClean="0">
+              <a:rPr lang="en-US" sz="2400" b="1" i="0" u="none" strike="noStrike" cap="none" dirty="0" smtClean="0">
                 <a:solidFill>
                   <a:srgbClr val="FFFF00"/>
                 </a:solidFill>
@@ -17110,7 +17097,7 @@
               </a:rPr>
               <a:t>)</a:t>
             </a:r>
-            <a:endParaRPr lang="en-US" sz="2400" i="0" u="none" strike="noStrike" cap="none" dirty="0">
+            <a:endParaRPr lang="en-US" sz="2400" b="1" i="0" u="none" strike="noStrike" cap="none" dirty="0">
               <a:solidFill>
                 <a:srgbClr val="FFFF00"/>
               </a:solidFill>
@@ -17128,7 +17115,7 @@
               <a:buSzPct val="25000"/>
             </a:pPr>
             <a:r>
-              <a:rPr lang="en-US" sz="2400" i="0" u="none" strike="noStrike" cap="none" dirty="0" smtClean="0">
+              <a:rPr lang="en-US" sz="2400" b="1" i="0" u="none" strike="noStrike" cap="none" dirty="0" smtClean="0">
                 <a:solidFill>
                   <a:srgbClr val="FFFF00"/>
                 </a:solidFill>
@@ -17140,7 +17127,7 @@
               <a:t>print(</a:t>
             </a:r>
             <a:r>
-              <a:rPr lang="en-US" sz="2400" i="0" u="none" strike="noStrike" cap="none" dirty="0" smtClean="0">
+              <a:rPr lang="en-US" sz="2400" b="1" i="0" u="none" strike="noStrike" cap="none" dirty="0" smtClean="0">
                 <a:solidFill>
                   <a:schemeClr val="lt1"/>
                 </a:solidFill>
@@ -17152,7 +17139,7 @@
               <a:t>'Counting...’</a:t>
             </a:r>
             <a:r>
-              <a:rPr lang="en-US" sz="2400" dirty="0" smtClean="0">
+              <a:rPr lang="en-US" sz="2400" b="1" dirty="0" smtClean="0">
                 <a:solidFill>
                   <a:srgbClr val="FFFF00"/>
                 </a:solidFill>
@@ -17163,7 +17150,7 @@
               </a:rPr>
               <a:t>)</a:t>
             </a:r>
-            <a:endParaRPr lang="en-US" sz="2400" i="0" u="none" strike="noStrike" cap="none" dirty="0">
+            <a:endParaRPr lang="en-US" sz="2400" b="1" i="0" u="none" strike="noStrike" cap="none" dirty="0">
               <a:solidFill>
                 <a:schemeClr val="lt1"/>
               </a:solidFill>
@@ -17186,7 +17173,7 @@
               </a:spcAft>
               <a:buNone/>
             </a:pPr>
-            <a:endParaRPr sz="2400" i="0" u="none" strike="noStrike" cap="none" dirty="0">
+            <a:endParaRPr sz="2400" b="1" i="0" u="none" strike="noStrike" cap="none" dirty="0">
               <a:solidFill>
                 <a:schemeClr val="lt1"/>
               </a:solidFill>
@@ -17215,7 +17202,7 @@
               <a:buNone/>
             </a:pPr>
             <a:r>
-              <a:rPr lang="en-US" sz="2400" i="0" u="none" strike="noStrike" cap="none" dirty="0">
+              <a:rPr lang="en-US" sz="2400" b="1" i="0" u="none" strike="noStrike" cap="none" dirty="0">
                 <a:solidFill>
                   <a:srgbClr val="FFFF00"/>
                 </a:solidFill>
@@ -17227,7 +17214,7 @@
               <a:t>for</a:t>
             </a:r>
             <a:r>
-              <a:rPr lang="en-US" sz="2400" i="0" u="none" strike="noStrike" cap="none" dirty="0">
+              <a:rPr lang="en-US" sz="2400" b="1" i="0" u="none" strike="noStrike" cap="none" dirty="0">
                 <a:solidFill>
                   <a:schemeClr val="lt1"/>
                 </a:solidFill>
@@ -17239,7 +17226,7 @@
               <a:t> word </a:t>
             </a:r>
             <a:r>
-              <a:rPr lang="en-US" sz="2400" i="0" u="none" strike="noStrike" cap="none" dirty="0">
+              <a:rPr lang="en-US" sz="2400" b="1" i="0" u="none" strike="noStrike" cap="none" dirty="0">
                 <a:solidFill>
                   <a:srgbClr val="FFFF00"/>
                 </a:solidFill>
@@ -17251,7 +17238,7 @@
               <a:t>in</a:t>
             </a:r>
             <a:r>
-              <a:rPr lang="en-US" sz="2400" i="0" u="none" strike="noStrike" cap="none" dirty="0">
+              <a:rPr lang="en-US" sz="2400" b="1" i="0" u="none" strike="noStrike" cap="none" dirty="0">
                 <a:solidFill>
                   <a:schemeClr val="lt1"/>
                 </a:solidFill>
@@ -17282,7 +17269,7 @@
               <a:buNone/>
             </a:pPr>
             <a:r>
-              <a:rPr lang="en-US" sz="2400" i="0" u="none" strike="noStrike" cap="none" dirty="0">
+              <a:rPr lang="en-US" sz="2400" b="1" i="0" u="none" strike="noStrike" cap="none" dirty="0">
                 <a:solidFill>
                   <a:schemeClr val="lt1"/>
                 </a:solidFill>
@@ -17294,7 +17281,7 @@
               <a:t>    counts[word] = </a:t>
             </a:r>
             <a:r>
-              <a:rPr lang="en-US" sz="2400" i="0" u="none" strike="noStrike" cap="none" dirty="0" err="1">
+              <a:rPr lang="en-US" sz="2400" b="1" i="0" u="none" strike="noStrike" cap="none" dirty="0" err="1">
                 <a:solidFill>
                   <a:schemeClr val="lt1"/>
                 </a:solidFill>
@@ -17306,7 +17293,7 @@
               <a:t>counts.</a:t>
             </a:r>
             <a:r>
-              <a:rPr lang="en-US" sz="2400" i="0" u="none" strike="noStrike" cap="none" dirty="0" err="1">
+              <a:rPr lang="en-US" sz="2400" b="1" i="0" u="none" strike="noStrike" cap="none" dirty="0" err="1">
                 <a:solidFill>
                   <a:srgbClr val="FF00FF"/>
                 </a:solidFill>
@@ -17318,7 +17305,7 @@
               <a:t>get</a:t>
             </a:r>
             <a:r>
-              <a:rPr lang="en-US" sz="2400" i="0" u="none" strike="noStrike" cap="none" dirty="0">
+              <a:rPr lang="en-US" sz="2400" b="1" i="0" u="none" strike="noStrike" cap="none" dirty="0">
                 <a:solidFill>
                   <a:schemeClr val="lt1"/>
                 </a:solidFill>
@@ -17338,7 +17325,7 @@
               <a:buSzPct val="25000"/>
             </a:pPr>
             <a:r>
-              <a:rPr lang="en-US" sz="2400" i="0" u="none" strike="noStrike" cap="none" dirty="0" smtClean="0">
+              <a:rPr lang="en-US" sz="2400" b="1" i="0" u="none" strike="noStrike" cap="none" dirty="0" smtClean="0">
                 <a:solidFill>
                   <a:srgbClr val="FFFF00"/>
                 </a:solidFill>
@@ -17350,7 +17337,7 @@
               <a:t>print(</a:t>
             </a:r>
             <a:r>
-              <a:rPr lang="en-US" sz="2400" i="0" u="none" strike="noStrike" cap="none" dirty="0" smtClean="0">
+              <a:rPr lang="en-US" sz="2400" b="1" i="0" u="none" strike="noStrike" cap="none" dirty="0" smtClean="0">
                 <a:solidFill>
                   <a:schemeClr val="lt1"/>
                 </a:solidFill>
@@ -17362,7 +17349,7 @@
               <a:t>'Counts</a:t>
             </a:r>
             <a:r>
-              <a:rPr lang="en-US" sz="2400" i="0" u="none" strike="noStrike" cap="none" dirty="0">
+              <a:rPr lang="en-US" sz="2400" b="1" i="0" u="none" strike="noStrike" cap="none" dirty="0">
                 <a:solidFill>
                   <a:schemeClr val="lt1"/>
                 </a:solidFill>
@@ -17374,7 +17361,7 @@
               <a:t>', </a:t>
             </a:r>
             <a:r>
-              <a:rPr lang="en-US" sz="2400" i="0" u="none" strike="noStrike" cap="none" dirty="0" smtClean="0">
+              <a:rPr lang="en-US" sz="2400" b="1" i="0" u="none" strike="noStrike" cap="none" dirty="0" smtClean="0">
                 <a:solidFill>
                   <a:schemeClr val="lt1"/>
                 </a:solidFill>
@@ -17386,7 +17373,7 @@
               <a:t>counts</a:t>
             </a:r>
             <a:r>
-              <a:rPr lang="en-US" sz="2400" dirty="0" smtClean="0">
+              <a:rPr lang="en-US" sz="2400" b="1" dirty="0" smtClean="0">
                 <a:solidFill>
                   <a:srgbClr val="FFFF00"/>
                 </a:solidFill>
@@ -17397,7 +17384,7 @@
               </a:rPr>
               <a:t>)</a:t>
             </a:r>
-            <a:endParaRPr lang="en-US" sz="2400" dirty="0">
+            <a:endParaRPr lang="en-US" sz="2400" b="1" dirty="0">
               <a:solidFill>
                 <a:srgbClr val="FFFF00"/>
               </a:solidFill>
@@ -17882,7 +17869,7 @@
   <p:timing>
     <p:tnLst>
       <p:par>
-        <p:cTn xmlns:p14="http://schemas.microsoft.com/office/powerpoint/2010/main" id="1" dur="indefinite" restart="never" nodeType="tmRoot"/>
+        <p:cTn id="1" dur="indefinite" restart="never" nodeType="tmRoot"/>
       </p:par>
     </p:tnLst>
   </p:timing>
@@ -18234,7 +18221,7 @@
               <a:buNone/>
             </a:pPr>
             <a:r>
-              <a:rPr lang="en-US" sz="2400" i="0" u="none" strike="noStrike" cap="none" dirty="0">
+              <a:rPr lang="en-US" sz="2400" b="1" i="0" u="none" strike="noStrike" cap="none" dirty="0">
                 <a:solidFill>
                   <a:schemeClr val="lt1"/>
                 </a:solidFill>
@@ -18246,7 +18233,7 @@
               <a:t>&gt;&gt;&gt; </a:t>
             </a:r>
             <a:r>
-              <a:rPr lang="en-US" sz="2400" i="0" u="none" strike="noStrike" cap="none" dirty="0">
+              <a:rPr lang="en-US" sz="2400" b="1" i="0" u="none" strike="noStrike" cap="none" dirty="0">
                 <a:solidFill>
                   <a:srgbClr val="00FF00"/>
                 </a:solidFill>
@@ -18258,7 +18245,7 @@
               <a:t>counts</a:t>
             </a:r>
             <a:r>
-              <a:rPr lang="en-US" sz="2400" i="0" u="none" strike="noStrike" cap="none" dirty="0">
+              <a:rPr lang="en-US" sz="2400" b="1" i="0" u="none" strike="noStrike" cap="none" dirty="0">
                 <a:solidFill>
                   <a:schemeClr val="lt1"/>
                 </a:solidFill>
@@ -18270,7 +18257,7 @@
               <a:t> = { </a:t>
             </a:r>
             <a:r>
-              <a:rPr lang="en-US" sz="2400" i="0" u="none" strike="noStrike" cap="none" dirty="0">
+              <a:rPr lang="en-US" sz="2400" b="1" i="0" u="none" strike="noStrike" cap="none" dirty="0">
                 <a:solidFill>
                   <a:srgbClr val="00FFFF"/>
                 </a:solidFill>
@@ -18282,7 +18269,7 @@
               <a:t>'chuck'</a:t>
             </a:r>
             <a:r>
-              <a:rPr lang="en-US" sz="2400" i="0" u="none" strike="noStrike" cap="none" dirty="0">
+              <a:rPr lang="en-US" sz="2400" b="1" i="0" u="none" strike="noStrike" cap="none" dirty="0">
                 <a:solidFill>
                   <a:schemeClr val="lt1"/>
                 </a:solidFill>
@@ -18294,7 +18281,7 @@
               <a:t> : 1 , </a:t>
             </a:r>
             <a:r>
-              <a:rPr lang="en-US" sz="2400" i="0" u="none" strike="noStrike" cap="none" dirty="0">
+              <a:rPr lang="en-US" sz="2400" b="1" i="0" u="none" strike="noStrike" cap="none" dirty="0">
                 <a:solidFill>
                   <a:srgbClr val="00FFFF"/>
                 </a:solidFill>
@@ -18306,7 +18293,7 @@
               <a:t>'</a:t>
             </a:r>
             <a:r>
-              <a:rPr lang="en-US" sz="2400" i="0" u="none" strike="noStrike" cap="none" dirty="0" err="1">
+              <a:rPr lang="en-US" sz="2400" b="1" i="0" u="none" strike="noStrike" cap="none" dirty="0" err="1">
                 <a:solidFill>
                   <a:srgbClr val="00FFFF"/>
                 </a:solidFill>
@@ -18318,7 +18305,7 @@
               <a:t>fred</a:t>
             </a:r>
             <a:r>
-              <a:rPr lang="en-US" sz="2400" i="0" u="none" strike="noStrike" cap="none" dirty="0">
+              <a:rPr lang="en-US" sz="2400" b="1" i="0" u="none" strike="noStrike" cap="none" dirty="0">
                 <a:solidFill>
                   <a:srgbClr val="00FFFF"/>
                 </a:solidFill>
@@ -18330,7 +18317,7 @@
               <a:t>'</a:t>
             </a:r>
             <a:r>
-              <a:rPr lang="en-US" sz="2400" i="0" u="none" strike="noStrike" cap="none" dirty="0">
+              <a:rPr lang="en-US" sz="2400" b="1" i="0" u="none" strike="noStrike" cap="none" dirty="0">
                 <a:solidFill>
                   <a:schemeClr val="lt1"/>
                 </a:solidFill>
@@ -18342,7 +18329,7 @@
               <a:t> : 42, </a:t>
             </a:r>
             <a:r>
-              <a:rPr lang="en-US" sz="2400" i="0" u="none" strike="noStrike" cap="none" dirty="0">
+              <a:rPr lang="en-US" sz="2400" b="1" i="0" u="none" strike="noStrike" cap="none" dirty="0">
                 <a:solidFill>
                   <a:srgbClr val="00FFFF"/>
                 </a:solidFill>
@@ -18354,7 +18341,7 @@
               <a:t>'</a:t>
             </a:r>
             <a:r>
-              <a:rPr lang="en-US" sz="2400" i="0" u="none" strike="noStrike" cap="none" dirty="0" err="1">
+              <a:rPr lang="en-US" sz="2400" b="1" i="0" u="none" strike="noStrike" cap="none" dirty="0" err="1">
                 <a:solidFill>
                   <a:srgbClr val="00FFFF"/>
                 </a:solidFill>
@@ -18366,7 +18353,7 @@
               <a:t>jan</a:t>
             </a:r>
             <a:r>
-              <a:rPr lang="en-US" sz="2400" i="0" u="none" strike="noStrike" cap="none" dirty="0">
+              <a:rPr lang="en-US" sz="2400" b="1" i="0" u="none" strike="noStrike" cap="none" dirty="0">
                 <a:solidFill>
                   <a:srgbClr val="00FFFF"/>
                 </a:solidFill>
@@ -18378,7 +18365,7 @@
               <a:t>'</a:t>
             </a:r>
             <a:r>
-              <a:rPr lang="en-US" sz="2400" i="0" u="none" strike="noStrike" cap="none" dirty="0">
+              <a:rPr lang="en-US" sz="2400" b="1" i="0" u="none" strike="noStrike" cap="none" dirty="0">
                 <a:solidFill>
                   <a:schemeClr val="lt1"/>
                 </a:solidFill>
@@ -18409,7 +18396,7 @@
               <a:buNone/>
             </a:pPr>
             <a:r>
-              <a:rPr lang="en-US" sz="2400" i="0" u="none" strike="noStrike" cap="none" dirty="0">
+              <a:rPr lang="en-US" sz="2400" b="1" i="0" u="none" strike="noStrike" cap="none" dirty="0">
                 <a:solidFill>
                   <a:schemeClr val="lt1"/>
                 </a:solidFill>
@@ -18421,7 +18408,7 @@
               <a:t>&gt;&gt;&gt; </a:t>
             </a:r>
             <a:r>
-              <a:rPr lang="en-US" sz="2400" i="0" u="none" strike="noStrike" cap="none" dirty="0">
+              <a:rPr lang="en-US" sz="2400" b="1" i="0" u="none" strike="noStrike" cap="none" dirty="0">
                 <a:solidFill>
                   <a:srgbClr val="FFFF00"/>
                 </a:solidFill>
@@ -18433,7 +18420,7 @@
               <a:t>for</a:t>
             </a:r>
             <a:r>
-              <a:rPr lang="en-US" sz="2400" i="0" u="none" strike="noStrike" cap="none" dirty="0">
+              <a:rPr lang="en-US" sz="2400" b="1" i="0" u="none" strike="noStrike" cap="none" dirty="0">
                 <a:solidFill>
                   <a:schemeClr val="lt1"/>
                 </a:solidFill>
@@ -18445,7 +18432,7 @@
               <a:t> </a:t>
             </a:r>
             <a:r>
-              <a:rPr lang="en-US" sz="2400" i="0" u="none" strike="noStrike" cap="none" dirty="0">
+              <a:rPr lang="en-US" sz="2400" b="1" i="0" u="none" strike="noStrike" cap="none" dirty="0">
                 <a:solidFill>
                   <a:srgbClr val="00FFFF"/>
                 </a:solidFill>
@@ -18457,7 +18444,7 @@
               <a:t>key</a:t>
             </a:r>
             <a:r>
-              <a:rPr lang="en-US" sz="2400" i="0" u="none" strike="noStrike" cap="none" dirty="0">
+              <a:rPr lang="en-US" sz="2400" b="1" i="0" u="none" strike="noStrike" cap="none" dirty="0">
                 <a:solidFill>
                   <a:schemeClr val="lt1"/>
                 </a:solidFill>
@@ -18469,7 +18456,7 @@
               <a:t> </a:t>
             </a:r>
             <a:r>
-              <a:rPr lang="en-US" sz="2400" i="0" u="none" strike="noStrike" cap="none" dirty="0">
+              <a:rPr lang="en-US" sz="2400" b="1" i="0" u="none" strike="noStrike" cap="none" dirty="0">
                 <a:solidFill>
                   <a:srgbClr val="FFFF00"/>
                 </a:solidFill>
@@ -18481,7 +18468,7 @@
               <a:t>in</a:t>
             </a:r>
             <a:r>
-              <a:rPr lang="en-US" sz="2400" i="0" u="none" strike="noStrike" cap="none" dirty="0">
+              <a:rPr lang="en-US" sz="2400" b="1" i="0" u="none" strike="noStrike" cap="none" dirty="0">
                 <a:solidFill>
                   <a:schemeClr val="lt1"/>
                 </a:solidFill>
@@ -18493,7 +18480,7 @@
               <a:t> </a:t>
             </a:r>
             <a:r>
-              <a:rPr lang="en-US" sz="2400" i="0" u="none" strike="noStrike" cap="none" dirty="0">
+              <a:rPr lang="en-US" sz="2400" b="1" i="0" u="none" strike="noStrike" cap="none" dirty="0">
                 <a:solidFill>
                   <a:srgbClr val="00FF00"/>
                 </a:solidFill>
@@ -18505,7 +18492,7 @@
               <a:t>counts</a:t>
             </a:r>
             <a:r>
-              <a:rPr lang="en-US" sz="2400" i="0" u="none" strike="noStrike" cap="none" dirty="0">
+              <a:rPr lang="en-US" sz="2400" b="1" i="0" u="none" strike="noStrike" cap="none" dirty="0">
                 <a:solidFill>
                   <a:schemeClr val="lt1"/>
                 </a:solidFill>
@@ -18536,7 +18523,7 @@
               <a:buNone/>
             </a:pPr>
             <a:r>
-              <a:rPr lang="en-US" sz="2400" i="0" u="none" strike="noStrike" cap="none" dirty="0">
+              <a:rPr lang="en-US" sz="2400" b="1" i="0" u="none" strike="noStrike" cap="none" dirty="0">
                 <a:solidFill>
                   <a:schemeClr val="lt1"/>
                 </a:solidFill>
@@ -18548,7 +18535,7 @@
               <a:t>...     </a:t>
             </a:r>
             <a:r>
-              <a:rPr lang="en-US" sz="2400" i="0" u="none" strike="noStrike" cap="none" dirty="0" smtClean="0">
+              <a:rPr lang="en-US" sz="2400" b="1" i="0" u="none" strike="noStrike" cap="none" dirty="0" smtClean="0">
                 <a:solidFill>
                   <a:srgbClr val="FFFF00"/>
                 </a:solidFill>
@@ -18560,7 +18547,7 @@
               <a:t>print(</a:t>
             </a:r>
             <a:r>
-              <a:rPr lang="en-US" sz="2400" i="0" u="none" strike="noStrike" cap="none" dirty="0" smtClean="0">
+              <a:rPr lang="en-US" sz="2400" b="1" i="0" u="none" strike="noStrike" cap="none" dirty="0" smtClean="0">
                 <a:solidFill>
                   <a:srgbClr val="00FFFF"/>
                 </a:solidFill>
@@ -18572,7 +18559,7 @@
               <a:t>key</a:t>
             </a:r>
             <a:r>
-              <a:rPr lang="en-US" sz="2400" i="0" u="none" strike="noStrike" cap="none" dirty="0">
+              <a:rPr lang="en-US" sz="2400" b="1" i="0" u="none" strike="noStrike" cap="none" dirty="0">
                 <a:solidFill>
                   <a:schemeClr val="lt1"/>
                 </a:solidFill>
@@ -18584,7 +18571,7 @@
               <a:t>, </a:t>
             </a:r>
             <a:r>
-              <a:rPr lang="en-US" sz="2400" i="0" u="none" strike="noStrike" cap="none" dirty="0">
+              <a:rPr lang="en-US" sz="2400" b="1" i="0" u="none" strike="noStrike" cap="none" dirty="0">
                 <a:solidFill>
                   <a:srgbClr val="00FF00"/>
                 </a:solidFill>
@@ -18596,7 +18583,7 @@
               <a:t>counts</a:t>
             </a:r>
             <a:r>
-              <a:rPr lang="en-US" sz="2400" i="0" u="none" strike="noStrike" cap="none" dirty="0">
+              <a:rPr lang="en-US" sz="2400" b="1" i="0" u="none" strike="noStrike" cap="none" dirty="0">
                 <a:solidFill>
                   <a:srgbClr val="00FFFF"/>
                 </a:solidFill>
@@ -18608,7 +18595,7 @@
               <a:t>[key</a:t>
             </a:r>
             <a:r>
-              <a:rPr lang="en-US" sz="2400" i="0" u="none" strike="noStrike" cap="none" dirty="0" smtClean="0">
+              <a:rPr lang="en-US" sz="2400" b="1" i="0" u="none" strike="noStrike" cap="none" dirty="0" smtClean="0">
                 <a:solidFill>
                   <a:srgbClr val="00FFFF"/>
                 </a:solidFill>
@@ -18620,7 +18607,7 @@
               <a:t>]</a:t>
             </a:r>
             <a:r>
-              <a:rPr lang="en-US" sz="2400" i="0" u="none" strike="noStrike" cap="none" dirty="0" smtClean="0">
+              <a:rPr lang="en-US" sz="2400" b="1" i="0" u="none" strike="noStrike" cap="none" dirty="0" smtClean="0">
                 <a:solidFill>
                   <a:srgbClr val="FFFF00"/>
                 </a:solidFill>
@@ -18631,7 +18618,7 @@
               </a:rPr>
               <a:t>)</a:t>
             </a:r>
-            <a:endParaRPr lang="en-US" sz="2400" i="0" u="none" strike="noStrike" cap="none" dirty="0">
+            <a:endParaRPr lang="en-US" sz="2400" b="1" i="0" u="none" strike="noStrike" cap="none" dirty="0">
               <a:solidFill>
                 <a:srgbClr val="FFFF00"/>
               </a:solidFill>
@@ -18660,7 +18647,7 @@
               <a:buNone/>
             </a:pPr>
             <a:r>
-              <a:rPr lang="en-US" sz="2400" i="0" u="none" strike="noStrike" cap="none" dirty="0">
+              <a:rPr lang="en-US" sz="2400" b="1" i="0" u="none" strike="noStrike" cap="none" dirty="0">
                 <a:solidFill>
                   <a:schemeClr val="lt1"/>
                 </a:solidFill>
@@ -18691,7 +18678,7 @@
               <a:buNone/>
             </a:pPr>
             <a:r>
-              <a:rPr lang="en-US" sz="2400" i="0" u="none" strike="noStrike" cap="none" dirty="0" err="1">
+              <a:rPr lang="en-US" sz="2400" b="1" i="0" u="none" strike="noStrike" cap="none" dirty="0" err="1">
                 <a:solidFill>
                   <a:srgbClr val="00FFFF"/>
                 </a:solidFill>
@@ -18703,7 +18690,7 @@
               <a:t>jan</a:t>
             </a:r>
             <a:r>
-              <a:rPr lang="en-US" sz="2400" i="0" u="none" strike="noStrike" cap="none" dirty="0">
+              <a:rPr lang="en-US" sz="2400" b="1" i="0" u="none" strike="noStrike" cap="none" dirty="0">
                 <a:solidFill>
                   <a:schemeClr val="lt1"/>
                 </a:solidFill>
@@ -18715,7 +18702,7 @@
               <a:t> </a:t>
             </a:r>
             <a:r>
-              <a:rPr lang="en-US" sz="2400" i="0" u="none" strike="noStrike" cap="none" dirty="0">
+              <a:rPr lang="en-US" sz="2400" b="1" i="0" u="none" strike="noStrike" cap="none" dirty="0">
                 <a:solidFill>
                   <a:srgbClr val="00FF00"/>
                 </a:solidFill>
@@ -18746,7 +18733,7 @@
               <a:buNone/>
             </a:pPr>
             <a:r>
-              <a:rPr lang="en-US" sz="2400" i="0" u="none" strike="noStrike" cap="none" dirty="0">
+              <a:rPr lang="en-US" sz="2400" b="1" i="0" u="none" strike="noStrike" cap="none" dirty="0">
                 <a:solidFill>
                   <a:srgbClr val="00FFFF"/>
                 </a:solidFill>
@@ -18758,7 +18745,7 @@
               <a:t>chuck</a:t>
             </a:r>
             <a:r>
-              <a:rPr lang="en-US" sz="2400" i="0" u="none" strike="noStrike" cap="none" dirty="0">
+              <a:rPr lang="en-US" sz="2400" b="1" i="0" u="none" strike="noStrike" cap="none" dirty="0">
                 <a:solidFill>
                   <a:schemeClr val="lt1"/>
                 </a:solidFill>
@@ -18770,7 +18757,7 @@
               <a:t> </a:t>
             </a:r>
             <a:r>
-              <a:rPr lang="en-US" sz="2400" i="0" u="none" strike="noStrike" cap="none" dirty="0">
+              <a:rPr lang="en-US" sz="2400" b="1" i="0" u="none" strike="noStrike" cap="none" dirty="0">
                 <a:solidFill>
                   <a:srgbClr val="00FF00"/>
                 </a:solidFill>
@@ -18801,7 +18788,7 @@
               <a:buNone/>
             </a:pPr>
             <a:r>
-              <a:rPr lang="en-US" sz="2400" i="0" u="none" strike="noStrike" cap="none" dirty="0" err="1">
+              <a:rPr lang="en-US" sz="2400" b="1" i="0" u="none" strike="noStrike" cap="none" dirty="0" err="1">
                 <a:solidFill>
                   <a:srgbClr val="00FFFF"/>
                 </a:solidFill>
@@ -18813,7 +18800,7 @@
               <a:t>fred</a:t>
             </a:r>
             <a:r>
-              <a:rPr lang="en-US" sz="2400" i="0" u="none" strike="noStrike" cap="none" dirty="0">
+              <a:rPr lang="en-US" sz="2400" b="1" i="0" u="none" strike="noStrike" cap="none" dirty="0">
                 <a:solidFill>
                   <a:schemeClr val="lt1"/>
                 </a:solidFill>
@@ -18825,7 +18812,7 @@
               <a:t> </a:t>
             </a:r>
             <a:r>
-              <a:rPr lang="en-US" sz="2400" i="0" u="none" strike="noStrike" cap="none" dirty="0">
+              <a:rPr lang="en-US" sz="2400" b="1" i="0" u="none" strike="noStrike" cap="none" dirty="0">
                 <a:solidFill>
                   <a:srgbClr val="00FF00"/>
                 </a:solidFill>
@@ -18856,7 +18843,7 @@
               <a:buNone/>
             </a:pPr>
             <a:r>
-              <a:rPr lang="en-US" sz="2400" i="0" u="none" strike="noStrike" cap="none" dirty="0">
+              <a:rPr lang="en-US" sz="2400" b="1" i="0" u="none" strike="noStrike" cap="none" dirty="0">
                 <a:solidFill>
                   <a:schemeClr val="lt1"/>
                 </a:solidFill>
@@ -18878,7 +18865,7 @@
   <p:timing>
     <p:tnLst>
       <p:par>
-        <p:cTn xmlns:p14="http://schemas.microsoft.com/office/powerpoint/2010/main" id="1" dur="indefinite" restart="never" nodeType="tmRoot"/>
+        <p:cTn id="1" dur="indefinite" restart="never" nodeType="tmRoot"/>
       </p:par>
     </p:tnLst>
   </p:timing>
@@ -19131,7 +19118,7 @@
               <a:buNone/>
             </a:pPr>
             <a:r>
-              <a:rPr lang="en-US" sz="2500" i="0" u="none" strike="noStrike" cap="none" dirty="0">
+              <a:rPr lang="en-US" sz="2500" b="1" i="0" u="none" strike="noStrike" cap="none" dirty="0">
                 <a:solidFill>
                   <a:schemeClr val="lt1"/>
                 </a:solidFill>
@@ -19143,7 +19130,7 @@
               <a:t>&gt;&gt;&gt; </a:t>
             </a:r>
             <a:r>
-              <a:rPr lang="en-US" sz="2500" i="0" u="none" strike="noStrike" cap="none" dirty="0" err="1">
+              <a:rPr lang="en-US" sz="2500" b="1" i="0" u="none" strike="noStrike" cap="none" dirty="0" err="1">
                 <a:solidFill>
                   <a:schemeClr val="lt1"/>
                 </a:solidFill>
@@ -19155,7 +19142,7 @@
               <a:t>jjj</a:t>
             </a:r>
             <a:r>
-              <a:rPr lang="en-US" sz="2500" i="0" u="none" strike="noStrike" cap="none" dirty="0">
+              <a:rPr lang="en-US" sz="2500" b="1" i="0" u="none" strike="noStrike" cap="none" dirty="0">
                 <a:solidFill>
                   <a:schemeClr val="lt1"/>
                 </a:solidFill>
@@ -19167,7 +19154,7 @@
               <a:t> = { 'chuck' : 1 , '</a:t>
             </a:r>
             <a:r>
-              <a:rPr lang="en-US" sz="2500" i="0" u="none" strike="noStrike" cap="none" dirty="0" err="1">
+              <a:rPr lang="en-US" sz="2500" b="1" i="0" u="none" strike="noStrike" cap="none" dirty="0" err="1">
                 <a:solidFill>
                   <a:schemeClr val="lt1"/>
                 </a:solidFill>
@@ -19179,7 +19166,7 @@
               <a:t>fred</a:t>
             </a:r>
             <a:r>
-              <a:rPr lang="en-US" sz="2500" i="0" u="none" strike="noStrike" cap="none" dirty="0">
+              <a:rPr lang="en-US" sz="2500" b="1" i="0" u="none" strike="noStrike" cap="none" dirty="0">
                 <a:solidFill>
                   <a:schemeClr val="lt1"/>
                 </a:solidFill>
@@ -19191,7 +19178,7 @@
               <a:t>' : 42, '</a:t>
             </a:r>
             <a:r>
-              <a:rPr lang="en-US" sz="2500" i="0" u="none" strike="noStrike" cap="none" dirty="0" err="1">
+              <a:rPr lang="en-US" sz="2500" b="1" i="0" u="none" strike="noStrike" cap="none" dirty="0" err="1">
                 <a:solidFill>
                   <a:schemeClr val="lt1"/>
                 </a:solidFill>
@@ -19203,7 +19190,7 @@
               <a:t>jan</a:t>
             </a:r>
             <a:r>
-              <a:rPr lang="en-US" sz="2500" i="0" u="none" strike="noStrike" cap="none" dirty="0">
+              <a:rPr lang="en-US" sz="2500" b="1" i="0" u="none" strike="noStrike" cap="none" dirty="0">
                 <a:solidFill>
                   <a:schemeClr val="lt1"/>
                 </a:solidFill>
@@ -19223,7 +19210,7 @@
               <a:buSzPct val="25000"/>
             </a:pPr>
             <a:r>
-              <a:rPr lang="en-US" sz="2500" i="0" u="none" strike="noStrike" cap="none" dirty="0">
+              <a:rPr lang="en-US" sz="2500" b="1" i="0" u="none" strike="noStrike" cap="none" dirty="0">
                 <a:solidFill>
                   <a:schemeClr val="lt1"/>
                 </a:solidFill>
@@ -19235,7 +19222,7 @@
               <a:t>&gt;&gt;&gt; </a:t>
             </a:r>
             <a:r>
-              <a:rPr lang="en-US" sz="2500" i="0" u="none" strike="noStrike" cap="none" dirty="0" smtClean="0">
+              <a:rPr lang="en-US" sz="2500" b="1" i="0" u="none" strike="noStrike" cap="none" dirty="0" smtClean="0">
                 <a:solidFill>
                   <a:srgbClr val="FFFF00"/>
                 </a:solidFill>
@@ -19247,7 +19234,7 @@
               <a:t>print(</a:t>
             </a:r>
             <a:r>
-              <a:rPr lang="en-US" sz="2500" i="0" u="none" strike="noStrike" cap="none" dirty="0" smtClean="0">
+              <a:rPr lang="en-US" sz="2500" b="1" i="0" u="none" strike="noStrike" cap="none" dirty="0" smtClean="0">
                 <a:solidFill>
                   <a:srgbClr val="FF00FF"/>
                 </a:solidFill>
@@ -19259,7 +19246,7 @@
               <a:t>list</a:t>
             </a:r>
             <a:r>
-              <a:rPr lang="en-US" sz="2500" i="0" u="none" strike="noStrike" cap="none" dirty="0" smtClean="0">
+              <a:rPr lang="en-US" sz="2500" b="1" i="0" u="none" strike="noStrike" cap="none" dirty="0" smtClean="0">
                 <a:solidFill>
                   <a:schemeClr val="lt1"/>
                 </a:solidFill>
@@ -19271,7 +19258,7 @@
               <a:t>(</a:t>
             </a:r>
             <a:r>
-              <a:rPr lang="en-US" sz="2500" i="0" u="none" strike="noStrike" cap="none" dirty="0" err="1" smtClean="0">
+              <a:rPr lang="en-US" sz="2500" b="1" i="0" u="none" strike="noStrike" cap="none" dirty="0" err="1" smtClean="0">
                 <a:solidFill>
                   <a:schemeClr val="lt1"/>
                 </a:solidFill>
@@ -19283,7 +19270,7 @@
               <a:t>jjj</a:t>
             </a:r>
             <a:r>
-              <a:rPr lang="en-US" sz="2500" dirty="0" smtClean="0">
+              <a:rPr lang="en-US" sz="2500" b="1" dirty="0" smtClean="0">
                 <a:solidFill>
                   <a:schemeClr val="lt1"/>
                 </a:solidFill>
@@ -19295,7 +19282,7 @@
               <a:t>)</a:t>
             </a:r>
             <a:r>
-              <a:rPr lang="en-US" sz="2500" dirty="0" smtClean="0">
+              <a:rPr lang="en-US" sz="2500" b="1" dirty="0" smtClean="0">
                 <a:solidFill>
                   <a:srgbClr val="FFFF00"/>
                 </a:solidFill>
@@ -19306,7 +19293,7 @@
               </a:rPr>
               <a:t>)</a:t>
             </a:r>
-            <a:endParaRPr lang="en-US" sz="2500" i="0" u="none" strike="noStrike" cap="none" dirty="0">
+            <a:endParaRPr lang="en-US" sz="2500" b="1" i="0" u="none" strike="noStrike" cap="none" dirty="0">
               <a:solidFill>
                 <a:srgbClr val="FFFF00"/>
               </a:solidFill>
@@ -19335,7 +19322,7 @@
               <a:buNone/>
             </a:pPr>
             <a:r>
-              <a:rPr lang="en-US" sz="2500" i="0" u="none" strike="noStrike" cap="none" dirty="0">
+              <a:rPr lang="en-US" sz="2500" b="1" i="0" u="none" strike="noStrike" cap="none" dirty="0">
                 <a:solidFill>
                   <a:srgbClr val="00FF00"/>
                 </a:solidFill>
@@ -19347,7 +19334,7 @@
               <a:t>['</a:t>
             </a:r>
             <a:r>
-              <a:rPr lang="en-US" sz="2500" i="0" u="none" strike="noStrike" cap="none" dirty="0" err="1">
+              <a:rPr lang="en-US" sz="2500" b="1" i="0" u="none" strike="noStrike" cap="none" dirty="0" err="1">
                 <a:solidFill>
                   <a:srgbClr val="00FF00"/>
                 </a:solidFill>
@@ -19359,7 +19346,7 @@
               <a:t>jan</a:t>
             </a:r>
             <a:r>
-              <a:rPr lang="en-US" sz="2500" i="0" u="none" strike="noStrike" cap="none" dirty="0">
+              <a:rPr lang="en-US" sz="2500" b="1" i="0" u="none" strike="noStrike" cap="none" dirty="0">
                 <a:solidFill>
                   <a:srgbClr val="00FF00"/>
                 </a:solidFill>
@@ -19371,7 +19358,7 @@
               <a:t>', 'chuck', '</a:t>
             </a:r>
             <a:r>
-              <a:rPr lang="en-US" sz="2500" i="0" u="none" strike="noStrike" cap="none" dirty="0" err="1">
+              <a:rPr lang="en-US" sz="2500" b="1" i="0" u="none" strike="noStrike" cap="none" dirty="0" err="1">
                 <a:solidFill>
                   <a:srgbClr val="00FF00"/>
                 </a:solidFill>
@@ -19383,7 +19370,7 @@
               <a:t>fred</a:t>
             </a:r>
             <a:r>
-              <a:rPr lang="en-US" sz="2500" i="0" u="none" strike="noStrike" cap="none" dirty="0">
+              <a:rPr lang="en-US" sz="2500" b="1" i="0" u="none" strike="noStrike" cap="none" dirty="0">
                 <a:solidFill>
                   <a:srgbClr val="00FF00"/>
                 </a:solidFill>
@@ -19403,7 +19390,7 @@
               <a:buSzPct val="25000"/>
             </a:pPr>
             <a:r>
-              <a:rPr lang="en-US" sz="2500" i="0" u="none" strike="noStrike" cap="none" dirty="0" smtClean="0">
+              <a:rPr lang="en-US" sz="2500" b="1" i="0" u="none" strike="noStrike" cap="none" dirty="0" smtClean="0">
                 <a:solidFill>
                   <a:schemeClr val="lt1"/>
                 </a:solidFill>
@@ -19415,7 +19402,7 @@
               <a:t>&gt;&gt;&gt; </a:t>
             </a:r>
             <a:r>
-              <a:rPr lang="en-US" sz="2500" i="0" u="none" strike="noStrike" cap="none" dirty="0" smtClean="0">
+              <a:rPr lang="en-US" sz="2500" b="1" i="0" u="none" strike="noStrike" cap="none" dirty="0" smtClean="0">
                 <a:solidFill>
                   <a:srgbClr val="FFFF00"/>
                 </a:solidFill>
@@ -19427,7 +19414,7 @@
               <a:t>print(</a:t>
             </a:r>
             <a:r>
-              <a:rPr lang="en-US" sz="2500" i="0" u="none" strike="noStrike" cap="none" dirty="0" err="1" smtClean="0">
+              <a:rPr lang="en-US" sz="2500" b="1" i="0" u="none" strike="noStrike" cap="none" dirty="0" err="1" smtClean="0">
                 <a:solidFill>
                   <a:schemeClr val="lt1"/>
                 </a:solidFill>
@@ -19439,7 +19426,7 @@
               <a:t>jjj.</a:t>
             </a:r>
             <a:r>
-              <a:rPr lang="en-US" sz="2500" i="0" u="none" strike="noStrike" cap="none" dirty="0" err="1" smtClean="0">
+              <a:rPr lang="en-US" sz="2500" b="1" i="0" u="none" strike="noStrike" cap="none" dirty="0" err="1" smtClean="0">
                 <a:solidFill>
                   <a:srgbClr val="FF00FF"/>
                 </a:solidFill>
@@ -19451,7 +19438,7 @@
               <a:t>keys</a:t>
             </a:r>
             <a:r>
-              <a:rPr lang="en-US" sz="2500" i="0" u="none" strike="noStrike" cap="none" dirty="0" smtClean="0">
+              <a:rPr lang="en-US" sz="2500" b="1" i="0" u="none" strike="noStrike" cap="none" dirty="0" smtClean="0">
                 <a:solidFill>
                   <a:srgbClr val="FF00FF"/>
                 </a:solidFill>
@@ -19463,7 +19450,7 @@
               <a:t>()</a:t>
             </a:r>
             <a:r>
-              <a:rPr lang="en-US" sz="2500" dirty="0" smtClean="0">
+              <a:rPr lang="en-US" sz="2500" b="1" dirty="0" smtClean="0">
                 <a:solidFill>
                   <a:srgbClr val="FFFF00"/>
                 </a:solidFill>
@@ -19474,7 +19461,7 @@
               </a:rPr>
               <a:t>)</a:t>
             </a:r>
-            <a:endParaRPr lang="en-US" sz="2500" i="0" u="none" strike="noStrike" cap="none" dirty="0" smtClean="0">
+            <a:endParaRPr lang="en-US" sz="2500" b="1" i="0" u="none" strike="noStrike" cap="none" dirty="0" smtClean="0">
               <a:solidFill>
                 <a:srgbClr val="FF00FF"/>
               </a:solidFill>
@@ -19503,7 +19490,7 @@
               <a:buNone/>
             </a:pPr>
             <a:r>
-              <a:rPr lang="en-US" sz="2500" i="0" u="none" strike="noStrike" cap="none" dirty="0" smtClean="0">
+              <a:rPr lang="en-US" sz="2500" b="1" i="0" u="none" strike="noStrike" cap="none" dirty="0" smtClean="0">
                 <a:solidFill>
                   <a:srgbClr val="00FF00"/>
                 </a:solidFill>
@@ -19515,7 +19502,7 @@
               <a:t>[</a:t>
             </a:r>
             <a:r>
-              <a:rPr lang="en-US" sz="2500" i="0" u="none" strike="noStrike" cap="none" dirty="0">
+              <a:rPr lang="en-US" sz="2500" b="1" i="0" u="none" strike="noStrike" cap="none" dirty="0">
                 <a:solidFill>
                   <a:srgbClr val="00FF00"/>
                 </a:solidFill>
@@ -19527,7 +19514,7 @@
               <a:t>'</a:t>
             </a:r>
             <a:r>
-              <a:rPr lang="en-US" sz="2500" i="0" u="none" strike="noStrike" cap="none" dirty="0" err="1">
+              <a:rPr lang="en-US" sz="2500" b="1" i="0" u="none" strike="noStrike" cap="none" dirty="0" err="1">
                 <a:solidFill>
                   <a:srgbClr val="00FF00"/>
                 </a:solidFill>
@@ -19539,7 +19526,7 @@
               <a:t>jan</a:t>
             </a:r>
             <a:r>
-              <a:rPr lang="en-US" sz="2500" i="0" u="none" strike="noStrike" cap="none" dirty="0">
+              <a:rPr lang="en-US" sz="2500" b="1" i="0" u="none" strike="noStrike" cap="none" dirty="0">
                 <a:solidFill>
                   <a:srgbClr val="00FF00"/>
                 </a:solidFill>
@@ -19551,7 +19538,7 @@
               <a:t>', 'chuck', '</a:t>
             </a:r>
             <a:r>
-              <a:rPr lang="en-US" sz="2500" i="0" u="none" strike="noStrike" cap="none" dirty="0" err="1">
+              <a:rPr lang="en-US" sz="2500" b="1" i="0" u="none" strike="noStrike" cap="none" dirty="0" err="1">
                 <a:solidFill>
                   <a:srgbClr val="00FF00"/>
                 </a:solidFill>
@@ -19563,7 +19550,7 @@
               <a:t>fred</a:t>
             </a:r>
             <a:r>
-              <a:rPr lang="en-US" sz="2500" i="0" u="none" strike="noStrike" cap="none" dirty="0">
+              <a:rPr lang="en-US" sz="2500" b="1" i="0" u="none" strike="noStrike" cap="none" dirty="0">
                 <a:solidFill>
                   <a:srgbClr val="00FF00"/>
                 </a:solidFill>
@@ -19583,7 +19570,7 @@
               <a:buSzPct val="25000"/>
             </a:pPr>
             <a:r>
-              <a:rPr lang="en-US" sz="2500" i="0" u="none" strike="noStrike" cap="none" dirty="0" smtClean="0">
+              <a:rPr lang="en-US" sz="2500" b="1" i="0" u="none" strike="noStrike" cap="none" dirty="0" smtClean="0">
                 <a:solidFill>
                   <a:schemeClr val="lt1"/>
                 </a:solidFill>
@@ -19595,7 +19582,7 @@
               <a:t>&gt;&gt;&gt; </a:t>
             </a:r>
             <a:r>
-              <a:rPr lang="en-US" sz="2500" i="0" u="none" strike="noStrike" cap="none" dirty="0" smtClean="0">
+              <a:rPr lang="en-US" sz="2500" b="1" i="0" u="none" strike="noStrike" cap="none" dirty="0" smtClean="0">
                 <a:solidFill>
                   <a:srgbClr val="FFFF00"/>
                 </a:solidFill>
@@ -19607,7 +19594,7 @@
               <a:t>print(</a:t>
             </a:r>
             <a:r>
-              <a:rPr lang="en-US" sz="2500" i="0" u="none" strike="noStrike" cap="none" dirty="0" err="1" smtClean="0">
+              <a:rPr lang="en-US" sz="2500" b="1" i="0" u="none" strike="noStrike" cap="none" dirty="0" err="1" smtClean="0">
                 <a:solidFill>
                   <a:schemeClr val="lt1"/>
                 </a:solidFill>
@@ -19619,7 +19606,7 @@
               <a:t>jjj.</a:t>
             </a:r>
             <a:r>
-              <a:rPr lang="en-US" sz="2500" i="0" u="none" strike="noStrike" cap="none" dirty="0" err="1" smtClean="0">
+              <a:rPr lang="en-US" sz="2500" b="1" i="0" u="none" strike="noStrike" cap="none" dirty="0" err="1" smtClean="0">
                 <a:solidFill>
                   <a:srgbClr val="FF00FF"/>
                 </a:solidFill>
@@ -19631,7 +19618,7 @@
               <a:t>values</a:t>
             </a:r>
             <a:r>
-              <a:rPr lang="en-US" sz="2500" i="0" u="none" strike="noStrike" cap="none" dirty="0" smtClean="0">
+              <a:rPr lang="en-US" sz="2500" b="1" i="0" u="none" strike="noStrike" cap="none" dirty="0" smtClean="0">
                 <a:solidFill>
                   <a:srgbClr val="FF00FF"/>
                 </a:solidFill>
@@ -19643,7 +19630,7 @@
               <a:t>()</a:t>
             </a:r>
             <a:r>
-              <a:rPr lang="en-US" sz="2500" dirty="0" smtClean="0">
+              <a:rPr lang="en-US" sz="2500" b="1" dirty="0" smtClean="0">
                 <a:solidFill>
                   <a:srgbClr val="FFFF00"/>
                 </a:solidFill>
@@ -19654,7 +19641,7 @@
               </a:rPr>
               <a:t>)</a:t>
             </a:r>
-            <a:endParaRPr lang="en-US" sz="2500" i="0" u="none" strike="noStrike" cap="none" dirty="0" smtClean="0">
+            <a:endParaRPr lang="en-US" sz="2500" b="1" i="0" u="none" strike="noStrike" cap="none" dirty="0" smtClean="0">
               <a:solidFill>
                 <a:srgbClr val="FF00FF"/>
               </a:solidFill>
@@ -19683,7 +19670,7 @@
               <a:buNone/>
             </a:pPr>
             <a:r>
-              <a:rPr lang="en-US" sz="2500" i="0" u="none" strike="noStrike" cap="none" dirty="0" smtClean="0">
+              <a:rPr lang="en-US" sz="2500" b="1" i="0" u="none" strike="noStrike" cap="none" dirty="0" smtClean="0">
                 <a:solidFill>
                   <a:srgbClr val="FF00FF"/>
                 </a:solidFill>
@@ -19695,7 +19682,7 @@
               <a:t>[</a:t>
             </a:r>
             <a:r>
-              <a:rPr lang="en-US" sz="2500" i="0" u="none" strike="noStrike" cap="none" dirty="0">
+              <a:rPr lang="en-US" sz="2500" b="1" i="0" u="none" strike="noStrike" cap="none" dirty="0">
                 <a:solidFill>
                   <a:srgbClr val="FF00FF"/>
                 </a:solidFill>
@@ -19715,7 +19702,7 @@
               <a:buSzPct val="25000"/>
             </a:pPr>
             <a:r>
-              <a:rPr lang="en-US" sz="2500" i="0" u="none" strike="noStrike" cap="none" dirty="0" smtClean="0">
+              <a:rPr lang="en-US" sz="2500" b="1" i="0" u="none" strike="noStrike" cap="none" dirty="0" smtClean="0">
                 <a:solidFill>
                   <a:schemeClr val="lt1"/>
                 </a:solidFill>
@@ -19727,7 +19714,7 @@
               <a:t>&gt;&gt;&gt; </a:t>
             </a:r>
             <a:r>
-              <a:rPr lang="en-US" sz="2500" i="0" u="none" strike="noStrike" cap="none" dirty="0" smtClean="0">
+              <a:rPr lang="en-US" sz="2500" b="1" i="0" u="none" strike="noStrike" cap="none" dirty="0" smtClean="0">
                 <a:solidFill>
                   <a:srgbClr val="FFFF00"/>
                 </a:solidFill>
@@ -19739,7 +19726,7 @@
               <a:t>print(</a:t>
             </a:r>
             <a:r>
-              <a:rPr lang="en-US" sz="2500" i="0" u="none" strike="noStrike" cap="none" dirty="0" err="1" smtClean="0">
+              <a:rPr lang="en-US" sz="2500" b="1" i="0" u="none" strike="noStrike" cap="none" dirty="0" err="1" smtClean="0">
                 <a:solidFill>
                   <a:schemeClr val="lt1"/>
                 </a:solidFill>
@@ -19751,7 +19738,7 @@
               <a:t>jjj.</a:t>
             </a:r>
             <a:r>
-              <a:rPr lang="en-US" sz="2500" i="0" u="none" strike="noStrike" cap="none" dirty="0" err="1" smtClean="0">
+              <a:rPr lang="en-US" sz="2500" b="1" i="0" u="none" strike="noStrike" cap="none" dirty="0" err="1" smtClean="0">
                 <a:solidFill>
                   <a:srgbClr val="FF7F00"/>
                 </a:solidFill>
@@ -19763,7 +19750,7 @@
               <a:t>items</a:t>
             </a:r>
             <a:r>
-              <a:rPr lang="en-US" sz="2500" i="0" u="none" strike="noStrike" cap="none" dirty="0" smtClean="0">
+              <a:rPr lang="en-US" sz="2500" b="1" i="0" u="none" strike="noStrike" cap="none" dirty="0" smtClean="0">
                 <a:solidFill>
                   <a:srgbClr val="FF7F00"/>
                 </a:solidFill>
@@ -19775,7 +19762,7 @@
               <a:t>()</a:t>
             </a:r>
             <a:r>
-              <a:rPr lang="en-US" sz="2500" dirty="0" smtClean="0">
+              <a:rPr lang="en-US" sz="2500" b="1" dirty="0" smtClean="0">
                 <a:solidFill>
                   <a:srgbClr val="FFFF00"/>
                 </a:solidFill>
@@ -19786,7 +19773,7 @@
               </a:rPr>
               <a:t>)</a:t>
             </a:r>
-            <a:endParaRPr lang="en-US" sz="2500" i="0" u="none" strike="noStrike" cap="none" dirty="0" smtClean="0">
+            <a:endParaRPr lang="en-US" sz="2500" b="1" i="0" u="none" strike="noStrike" cap="none" dirty="0" smtClean="0">
               <a:solidFill>
                 <a:srgbClr val="FF7F00"/>
               </a:solidFill>
@@ -19815,7 +19802,7 @@
               <a:buNone/>
             </a:pPr>
             <a:r>
-              <a:rPr lang="en-US" sz="2500" i="0" u="none" strike="noStrike" cap="none" dirty="0" smtClean="0">
+              <a:rPr lang="en-US" sz="2500" b="1" i="0" u="none" strike="noStrike" cap="none" dirty="0" smtClean="0">
                 <a:solidFill>
                   <a:srgbClr val="FF7F00"/>
                 </a:solidFill>
@@ -19827,7 +19814,7 @@
               <a:t>[(</a:t>
             </a:r>
             <a:r>
-              <a:rPr lang="en-US" sz="2500" i="0" u="none" strike="noStrike" cap="none" dirty="0">
+              <a:rPr lang="en-US" sz="2500" b="1" i="0" u="none" strike="noStrike" cap="none" dirty="0">
                 <a:solidFill>
                   <a:srgbClr val="FF7F00"/>
                 </a:solidFill>
@@ -19839,7 +19826,7 @@
               <a:t>'</a:t>
             </a:r>
             <a:r>
-              <a:rPr lang="en-US" sz="2500" i="0" u="none" strike="noStrike" cap="none" dirty="0" err="1">
+              <a:rPr lang="en-US" sz="2500" b="1" i="0" u="none" strike="noStrike" cap="none" dirty="0" err="1">
                 <a:solidFill>
                   <a:srgbClr val="FF7F00"/>
                 </a:solidFill>
@@ -19851,7 +19838,7 @@
               <a:t>jan</a:t>
             </a:r>
             <a:r>
-              <a:rPr lang="en-US" sz="2500" i="0" u="none" strike="noStrike" cap="none" dirty="0">
+              <a:rPr lang="en-US" sz="2500" b="1" i="0" u="none" strike="noStrike" cap="none" dirty="0">
                 <a:solidFill>
                   <a:srgbClr val="FF7F00"/>
                 </a:solidFill>
@@ -19863,7 +19850,7 @@
               <a:t>', 100), ('chuck', 1), ('</a:t>
             </a:r>
             <a:r>
-              <a:rPr lang="en-US" sz="2500" i="0" u="none" strike="noStrike" cap="none" dirty="0" err="1">
+              <a:rPr lang="en-US" sz="2500" b="1" i="0" u="none" strike="noStrike" cap="none" dirty="0" err="1">
                 <a:solidFill>
                   <a:srgbClr val="FF7F00"/>
                 </a:solidFill>
@@ -19875,7 +19862,7 @@
               <a:t>fred</a:t>
             </a:r>
             <a:r>
-              <a:rPr lang="en-US" sz="2500" i="0" u="none" strike="noStrike" cap="none" dirty="0">
+              <a:rPr lang="en-US" sz="2500" b="1" i="0" u="none" strike="noStrike" cap="none" dirty="0">
                 <a:solidFill>
                   <a:srgbClr val="FF7F00"/>
                 </a:solidFill>
@@ -19906,7 +19893,7 @@
               <a:buNone/>
             </a:pPr>
             <a:r>
-              <a:rPr lang="en-US" sz="2500" i="0" u="none" strike="noStrike" cap="none" dirty="0">
+              <a:rPr lang="en-US" sz="2500" b="1" i="0" u="none" strike="noStrike" cap="none" dirty="0">
                 <a:solidFill>
                   <a:schemeClr val="lt1"/>
                 </a:solidFill>
@@ -20047,7 +20034,7 @@
   <p:timing>
     <p:tnLst>
       <p:par>
-        <p:cTn xmlns:p14="http://schemas.microsoft.com/office/powerpoint/2010/main" id="1" dur="indefinite" restart="never" nodeType="tmRoot"/>
+        <p:cTn id="1" dur="indefinite" restart="never" nodeType="tmRoot"/>
       </p:par>
     </p:tnLst>
   </p:timing>
@@ -20351,7 +20338,7 @@
               <a:buNone/>
             </a:pPr>
             <a:r>
-              <a:rPr lang="en-US" sz="2400" i="0" u="none" strike="noStrike" cap="none" dirty="0" err="1" smtClean="0">
+              <a:rPr lang="en-US" sz="2400" b="1" i="0" u="none" strike="noStrike" cap="none" dirty="0" err="1" smtClean="0">
                 <a:solidFill>
                   <a:srgbClr val="00FF00"/>
                 </a:solidFill>
@@ -20363,7 +20350,7 @@
               <a:t>jjj</a:t>
             </a:r>
             <a:r>
-              <a:rPr lang="en-US" sz="2400" i="0" u="none" strike="noStrike" cap="none" dirty="0" smtClean="0">
+              <a:rPr lang="en-US" sz="2400" b="1" i="0" u="none" strike="noStrike" cap="none" dirty="0" smtClean="0">
                 <a:solidFill>
                   <a:schemeClr val="lt1"/>
                 </a:solidFill>
@@ -20375,7 +20362,7 @@
               <a:t> </a:t>
             </a:r>
             <a:r>
-              <a:rPr lang="en-US" sz="2400" i="0" u="none" strike="noStrike" cap="none" dirty="0">
+              <a:rPr lang="en-US" sz="2400" b="1" i="0" u="none" strike="noStrike" cap="none" dirty="0">
                 <a:solidFill>
                   <a:schemeClr val="lt1"/>
                 </a:solidFill>
@@ -20387,7 +20374,7 @@
               <a:t>= { 'chuck' : 1 , '</a:t>
             </a:r>
             <a:r>
-              <a:rPr lang="en-US" sz="2400" i="0" u="none" strike="noStrike" cap="none" dirty="0" err="1">
+              <a:rPr lang="en-US" sz="2400" b="1" i="0" u="none" strike="noStrike" cap="none" dirty="0" err="1">
                 <a:solidFill>
                   <a:schemeClr val="lt1"/>
                 </a:solidFill>
@@ -20399,7 +20386,7 @@
               <a:t>fred</a:t>
             </a:r>
             <a:r>
-              <a:rPr lang="en-US" sz="2400" i="0" u="none" strike="noStrike" cap="none" dirty="0">
+              <a:rPr lang="en-US" sz="2400" b="1" i="0" u="none" strike="noStrike" cap="none" dirty="0">
                 <a:solidFill>
                   <a:schemeClr val="lt1"/>
                 </a:solidFill>
@@ -20411,7 +20398,7 @@
               <a:t>' : 42, '</a:t>
             </a:r>
             <a:r>
-              <a:rPr lang="en-US" sz="2400" i="0" u="none" strike="noStrike" cap="none" dirty="0" err="1">
+              <a:rPr lang="en-US" sz="2400" b="1" i="0" u="none" strike="noStrike" cap="none" dirty="0" err="1">
                 <a:solidFill>
                   <a:schemeClr val="lt1"/>
                 </a:solidFill>
@@ -20423,7 +20410,7 @@
               <a:t>jan</a:t>
             </a:r>
             <a:r>
-              <a:rPr lang="en-US" sz="2400" i="0" u="none" strike="noStrike" cap="none" dirty="0">
+              <a:rPr lang="en-US" sz="2400" b="1" i="0" u="none" strike="noStrike" cap="none" dirty="0">
                 <a:solidFill>
                   <a:schemeClr val="lt1"/>
                 </a:solidFill>
@@ -20454,7 +20441,7 @@
               <a:buNone/>
             </a:pPr>
             <a:r>
-              <a:rPr lang="en-US" sz="2400" i="0" u="none" strike="noStrike" cap="none" dirty="0" smtClean="0">
+              <a:rPr lang="en-US" sz="2400" b="1" i="0" u="none" strike="noStrike" cap="none" dirty="0" smtClean="0">
                 <a:solidFill>
                   <a:schemeClr val="lt1"/>
                 </a:solidFill>
@@ -20466,7 +20453,7 @@
               <a:t>for </a:t>
             </a:r>
             <a:r>
-              <a:rPr lang="en-US" sz="2400" i="0" u="none" strike="noStrike" cap="none" dirty="0" err="1">
+              <a:rPr lang="en-US" sz="2400" b="1" i="0" u="none" strike="noStrike" cap="none" dirty="0" err="1">
                 <a:solidFill>
                   <a:srgbClr val="FF7F00"/>
                 </a:solidFill>
@@ -20478,7 +20465,7 @@
               <a:t>aaa</a:t>
             </a:r>
             <a:r>
-              <a:rPr lang="en-US" sz="2400" i="0" u="none" strike="noStrike" cap="none" dirty="0" err="1">
+              <a:rPr lang="en-US" sz="2400" b="1" i="0" u="none" strike="noStrike" cap="none" dirty="0" err="1">
                 <a:solidFill>
                   <a:schemeClr val="lt1"/>
                 </a:solidFill>
@@ -20490,7 +20477,7 @@
               <a:t>,</a:t>
             </a:r>
             <a:r>
-              <a:rPr lang="en-US" sz="2400" i="0" u="none" strike="noStrike" cap="none" dirty="0" err="1">
+              <a:rPr lang="en-US" sz="2400" b="1" i="0" u="none" strike="noStrike" cap="none" dirty="0" err="1">
                 <a:solidFill>
                   <a:srgbClr val="FFFF00"/>
                 </a:solidFill>
@@ -20502,7 +20489,7 @@
               <a:t>bbb</a:t>
             </a:r>
             <a:r>
-              <a:rPr lang="en-US" sz="2400" i="0" u="none" strike="noStrike" cap="none" dirty="0">
+              <a:rPr lang="en-US" sz="2400" b="1" i="0" u="none" strike="noStrike" cap="none" dirty="0">
                 <a:solidFill>
                   <a:schemeClr val="lt1"/>
                 </a:solidFill>
@@ -20514,7 +20501,7 @@
               <a:t> in </a:t>
             </a:r>
             <a:r>
-              <a:rPr lang="en-US" sz="2400" i="0" u="none" strike="noStrike" cap="none" dirty="0" err="1">
+              <a:rPr lang="en-US" sz="2400" b="1" i="0" u="none" strike="noStrike" cap="none" dirty="0" err="1">
                 <a:solidFill>
                   <a:srgbClr val="00FF00"/>
                 </a:solidFill>
@@ -20526,7 +20513,7 @@
               <a:t>jjj</a:t>
             </a:r>
             <a:r>
-              <a:rPr lang="en-US" sz="2400" i="0" u="none" strike="noStrike" cap="none" dirty="0" err="1">
+              <a:rPr lang="en-US" sz="2400" b="1" i="0" u="none" strike="noStrike" cap="none" dirty="0" err="1">
                 <a:solidFill>
                   <a:srgbClr val="FF00FF"/>
                 </a:solidFill>
@@ -20538,7 +20525,7 @@
               <a:t>.items</a:t>
             </a:r>
             <a:r>
-              <a:rPr lang="en-US" sz="2400" i="0" u="none" strike="noStrike" cap="none" dirty="0">
+              <a:rPr lang="en-US" sz="2400" b="1" i="0" u="none" strike="noStrike" cap="none" dirty="0">
                 <a:solidFill>
                   <a:schemeClr val="lt1"/>
                 </a:solidFill>
@@ -20558,7 +20545,7 @@
               <a:buSzPct val="25000"/>
             </a:pPr>
             <a:r>
-              <a:rPr lang="en-US" sz="2400" i="0" u="none" strike="noStrike" cap="none" dirty="0" smtClean="0">
+              <a:rPr lang="en-US" sz="2400" b="1" i="0" u="none" strike="noStrike" cap="none" dirty="0" smtClean="0">
                 <a:solidFill>
                   <a:schemeClr val="lt1"/>
                 </a:solidFill>
@@ -20570,7 +20557,7 @@
               <a:t>    print(</a:t>
             </a:r>
             <a:r>
-              <a:rPr lang="en-US" sz="2400" i="0" u="none" strike="noStrike" cap="none" dirty="0" err="1" smtClean="0">
+              <a:rPr lang="en-US" sz="2400" b="1" i="0" u="none" strike="noStrike" cap="none" dirty="0" err="1" smtClean="0">
                 <a:solidFill>
                   <a:srgbClr val="FF7F00"/>
                 </a:solidFill>
@@ -20582,7 +20569,7 @@
               <a:t>aaa</a:t>
             </a:r>
             <a:r>
-              <a:rPr lang="en-US" sz="2400" i="0" u="none" strike="noStrike" cap="none" dirty="0">
+              <a:rPr lang="en-US" sz="2400" b="1" i="0" u="none" strike="noStrike" cap="none" dirty="0">
                 <a:solidFill>
                   <a:schemeClr val="lt1"/>
                 </a:solidFill>
@@ -20594,7 +20581,7 @@
               <a:t>, </a:t>
             </a:r>
             <a:r>
-              <a:rPr lang="en-US" sz="2400" i="0" u="none" strike="noStrike" cap="none" dirty="0" err="1" smtClean="0">
+              <a:rPr lang="en-US" sz="2400" b="1" i="0" u="none" strike="noStrike" cap="none" dirty="0" err="1" smtClean="0">
                 <a:solidFill>
                   <a:srgbClr val="FFFF00"/>
                 </a:solidFill>
@@ -20606,7 +20593,7 @@
               <a:t>bbb</a:t>
             </a:r>
             <a:r>
-              <a:rPr lang="en-US" sz="2400" dirty="0">
+              <a:rPr lang="en-US" sz="2400" b="1" dirty="0">
                 <a:solidFill>
                   <a:schemeClr val="lt1"/>
                 </a:solidFill>
@@ -20617,7 +20604,7 @@
               </a:rPr>
               <a:t>)</a:t>
             </a:r>
-            <a:endParaRPr lang="en-US" sz="2400" i="0" u="none" strike="noStrike" cap="none" dirty="0">
+            <a:endParaRPr lang="en-US" sz="2400" b="1" i="0" u="none" strike="noStrike" cap="none" dirty="0">
               <a:solidFill>
                 <a:srgbClr val="FFFF00"/>
               </a:solidFill>
@@ -20733,7 +20720,7 @@
               <a:buNone/>
             </a:pPr>
             <a:r>
-              <a:rPr lang="en-US" sz="2400" i="0" u="none" strike="noStrike" cap="none" dirty="0" err="1" smtClean="0">
+              <a:rPr lang="en-US" sz="2400" b="1" i="0" u="none" strike="noStrike" cap="none" dirty="0" err="1" smtClean="0">
                 <a:solidFill>
                   <a:srgbClr val="FF7F00"/>
                 </a:solidFill>
@@ -20745,7 +20732,7 @@
               <a:t>jan</a:t>
             </a:r>
             <a:r>
-              <a:rPr lang="en-US" sz="2400" i="0" u="none" strike="noStrike" cap="none" dirty="0" smtClean="0">
+              <a:rPr lang="en-US" sz="2400" b="1" i="0" u="none" strike="noStrike" cap="none" dirty="0" smtClean="0">
                 <a:solidFill>
                   <a:srgbClr val="FFFF00"/>
                 </a:solidFill>
@@ -20776,7 +20763,7 @@
               <a:buNone/>
             </a:pPr>
             <a:r>
-              <a:rPr lang="en-US" sz="2400" i="0" u="none" strike="noStrike" cap="none" dirty="0" smtClean="0">
+              <a:rPr lang="en-US" sz="2400" b="1" i="0" u="none" strike="noStrike" cap="none" dirty="0" smtClean="0">
                 <a:solidFill>
                   <a:srgbClr val="FF7F00"/>
                 </a:solidFill>
@@ -20788,7 +20775,7 @@
               <a:t>chuck</a:t>
             </a:r>
             <a:r>
-              <a:rPr lang="en-US" sz="2400" i="0" u="none" strike="noStrike" cap="none" dirty="0" smtClean="0">
+              <a:rPr lang="en-US" sz="2400" b="1" i="0" u="none" strike="noStrike" cap="none" dirty="0" smtClean="0">
                 <a:solidFill>
                   <a:srgbClr val="FFFF00"/>
                 </a:solidFill>
@@ -20800,7 +20787,7 @@
               <a:t> </a:t>
             </a:r>
             <a:r>
-              <a:rPr lang="en-US" sz="2400" i="0" u="none" strike="noStrike" cap="none" dirty="0">
+              <a:rPr lang="en-US" sz="2400" b="1" i="0" u="none" strike="noStrike" cap="none" dirty="0">
                 <a:solidFill>
                   <a:srgbClr val="FFFF00"/>
                 </a:solidFill>
@@ -20831,7 +20818,7 @@
               <a:buNone/>
             </a:pPr>
             <a:r>
-              <a:rPr lang="en-US" sz="2400" i="0" u="none" strike="noStrike" cap="none" dirty="0" err="1">
+              <a:rPr lang="en-US" sz="2400" b="1" i="0" u="none" strike="noStrike" cap="none" dirty="0" err="1">
                 <a:solidFill>
                   <a:srgbClr val="FF7F00"/>
                 </a:solidFill>
@@ -20843,7 +20830,7 @@
               <a:t>fred</a:t>
             </a:r>
             <a:r>
-              <a:rPr lang="en-US" sz="2400" i="0" u="none" strike="noStrike" cap="none" dirty="0">
+              <a:rPr lang="en-US" sz="2400" b="1" i="0" u="none" strike="noStrike" cap="none" dirty="0">
                 <a:solidFill>
                   <a:srgbClr val="FFFF00"/>
                 </a:solidFill>
@@ -21408,7 +21395,7 @@
   <p:timing>
     <p:tnLst>
       <p:par>
-        <p:cTn xmlns:p14="http://schemas.microsoft.com/office/powerpoint/2010/main" id="1" dur="indefinite" restart="never" nodeType="tmRoot"/>
+        <p:cTn id="1" dur="indefinite" restart="never" nodeType="tmRoot"/>
       </p:par>
     </p:tnLst>
   </p:timing>
@@ -21475,7 +21462,7 @@
               <a:buNone/>
             </a:pPr>
             <a:r>
-              <a:rPr lang="en-US" sz="2600" i="0" u="none" strike="noStrike" cap="none" dirty="0">
+              <a:rPr lang="en-US" sz="2600" b="1" i="0" u="none" strike="noStrike" cap="none" dirty="0">
                 <a:solidFill>
                   <a:srgbClr val="00FF00"/>
                 </a:solidFill>
@@ -21484,10 +21471,10 @@
                 <a:cs typeface="Courier New"/>
                 <a:sym typeface="Courier New"/>
               </a:rPr>
-              <a:t>name </a:t>
-            </a:r>
-            <a:r>
-              <a:rPr lang="en-US" sz="2600" i="0" u="none" strike="noStrike" cap="none">
+              <a:t>name = </a:t>
+            </a:r>
+            <a:r>
+              <a:rPr lang="en-US" sz="2600" b="1" i="0" u="none" strike="noStrike" cap="none" dirty="0" smtClean="0">
                 <a:solidFill>
                   <a:srgbClr val="00FF00"/>
                 </a:solidFill>
@@ -21496,22 +21483,10 @@
                 <a:cs typeface="Courier New"/>
                 <a:sym typeface="Courier New"/>
               </a:rPr>
-              <a:t>= </a:t>
-            </a:r>
-            <a:r>
-              <a:rPr lang="en-US" sz="2600" i="0" u="none" strike="noStrike" cap="none" smtClean="0">
-                <a:solidFill>
-                  <a:srgbClr val="00FF00"/>
-                </a:solidFill>
-                <a:latin typeface="Courier New"/>
-                <a:ea typeface="Courier New"/>
-                <a:cs typeface="Courier New"/>
-                <a:sym typeface="Courier New"/>
-              </a:rPr>
               <a:t>input</a:t>
             </a:r>
             <a:r>
-              <a:rPr lang="en-US" sz="2600" i="0" u="none" strike="noStrike" cap="none" dirty="0">
+              <a:rPr lang="en-US" sz="2600" b="1" i="0" u="none" strike="noStrike" cap="none" dirty="0">
                 <a:solidFill>
                   <a:srgbClr val="00FF00"/>
                 </a:solidFill>
@@ -21542,7 +21517,7 @@
               <a:buNone/>
             </a:pPr>
             <a:r>
-              <a:rPr lang="en-US" sz="2600" i="0" u="none" strike="noStrike" cap="none" dirty="0">
+              <a:rPr lang="en-US" sz="2600" b="1" i="0" u="none" strike="noStrike" cap="none" dirty="0">
                 <a:solidFill>
                   <a:srgbClr val="00FF00"/>
                 </a:solidFill>
@@ -21567,7 +21542,7 @@
               </a:spcAft>
               <a:buNone/>
             </a:pPr>
-            <a:endParaRPr sz="2600" i="0" u="none" strike="noStrike" cap="none" dirty="0">
+            <a:endParaRPr sz="2600" b="1" i="0" u="none" strike="noStrike" cap="none" dirty="0">
               <a:solidFill>
                 <a:srgbClr val="00FF00"/>
               </a:solidFill>
@@ -21596,7 +21571,7 @@
               <a:buNone/>
             </a:pPr>
             <a:r>
-              <a:rPr lang="en-US" sz="2600" i="0" u="none" strike="noStrike" cap="none" dirty="0">
+              <a:rPr lang="en-US" sz="2600" b="1" i="0" u="none" strike="noStrike" cap="none" dirty="0">
                 <a:solidFill>
                   <a:srgbClr val="FF00FF"/>
                 </a:solidFill>
@@ -21608,7 +21583,7 @@
               <a:t>counts = </a:t>
             </a:r>
             <a:r>
-              <a:rPr lang="en-US" sz="2600" i="0" u="none" strike="noStrike" cap="none" dirty="0" err="1">
+              <a:rPr lang="en-US" sz="2600" b="1" i="0" u="none" strike="noStrike" cap="none" dirty="0" err="1">
                 <a:solidFill>
                   <a:srgbClr val="FF00FF"/>
                 </a:solidFill>
@@ -21620,7 +21595,7 @@
               <a:t>dict</a:t>
             </a:r>
             <a:r>
-              <a:rPr lang="en-US" sz="2600" i="0" u="none" strike="noStrike" cap="none" dirty="0">
+              <a:rPr lang="en-US" sz="2600" b="1" i="0" u="none" strike="noStrike" cap="none" dirty="0">
                 <a:solidFill>
                   <a:srgbClr val="FF00FF"/>
                 </a:solidFill>
@@ -21640,7 +21615,7 @@
               <a:buSzPct val="25000"/>
             </a:pPr>
             <a:r>
-              <a:rPr lang="en-US" sz="2600" dirty="0">
+              <a:rPr lang="en-US" sz="2600" b="1" dirty="0">
                 <a:solidFill>
                   <a:srgbClr val="FF00FF"/>
                 </a:solidFill>
@@ -21652,7 +21627,7 @@
               <a:t>for line in handle</a:t>
             </a:r>
             <a:r>
-              <a:rPr lang="en-US" sz="2600" dirty="0" smtClean="0">
+              <a:rPr lang="en-US" sz="2600" b="1" dirty="0" smtClean="0">
                 <a:solidFill>
                   <a:srgbClr val="FF00FF"/>
                 </a:solidFill>
@@ -21672,7 +21647,7 @@
               <a:buSzPct val="25000"/>
             </a:pPr>
             <a:r>
-              <a:rPr lang="en-US" sz="2600" dirty="0" smtClean="0">
+              <a:rPr lang="en-US" sz="2600" b="1" dirty="0" smtClean="0">
                 <a:solidFill>
                   <a:srgbClr val="FF00FF"/>
                 </a:solidFill>
@@ -21684,7 +21659,7 @@
               <a:t>    </a:t>
             </a:r>
             <a:r>
-              <a:rPr lang="en-US" sz="2600" dirty="0">
+              <a:rPr lang="en-US" sz="2600" b="1" dirty="0">
                 <a:solidFill>
                   <a:srgbClr val="FF00FF"/>
                 </a:solidFill>
@@ -21696,7 +21671,7 @@
               <a:t>words = </a:t>
             </a:r>
             <a:r>
-              <a:rPr lang="en-US" sz="2600" dirty="0" err="1">
+              <a:rPr lang="en-US" sz="2600" b="1" dirty="0" err="1">
                 <a:solidFill>
                   <a:srgbClr val="FF00FF"/>
                 </a:solidFill>
@@ -21708,7 +21683,7 @@
               <a:t>line.split</a:t>
             </a:r>
             <a:r>
-              <a:rPr lang="en-US" sz="2600" dirty="0">
+              <a:rPr lang="en-US" sz="2600" b="1" dirty="0">
                 <a:solidFill>
                   <a:srgbClr val="FF00FF"/>
                 </a:solidFill>
@@ -21739,7 +21714,7 @@
               <a:buNone/>
             </a:pPr>
             <a:r>
-              <a:rPr lang="en-US" sz="2600" i="0" u="none" strike="noStrike" cap="none" dirty="0" smtClean="0">
+              <a:rPr lang="en-US" sz="2600" b="1" i="0" u="none" strike="noStrike" cap="none" dirty="0" smtClean="0">
                 <a:solidFill>
                   <a:srgbClr val="FF00FF"/>
                 </a:solidFill>
@@ -21751,7 +21726,7 @@
               <a:t>    for </a:t>
             </a:r>
             <a:r>
-              <a:rPr lang="en-US" sz="2600" i="0" u="none" strike="noStrike" cap="none" dirty="0">
+              <a:rPr lang="en-US" sz="2600" b="1" i="0" u="none" strike="noStrike" cap="none" dirty="0">
                 <a:solidFill>
                   <a:srgbClr val="FF00FF"/>
                 </a:solidFill>
@@ -21782,7 +21757,7 @@
               <a:buNone/>
             </a:pPr>
             <a:r>
-              <a:rPr lang="en-US" sz="2600" i="0" u="none" strike="noStrike" cap="none" dirty="0" smtClean="0">
+              <a:rPr lang="en-US" sz="2600" b="1" i="0" u="none" strike="noStrike" cap="none" dirty="0" smtClean="0">
                 <a:solidFill>
                   <a:srgbClr val="FF00FF"/>
                 </a:solidFill>
@@ -21794,7 +21769,7 @@
               <a:t>        </a:t>
             </a:r>
             <a:r>
-              <a:rPr lang="en-US" sz="2600" i="0" u="none" strike="noStrike" cap="none" dirty="0">
+              <a:rPr lang="en-US" sz="2600" b="1" i="0" u="none" strike="noStrike" cap="none" dirty="0">
                 <a:solidFill>
                   <a:srgbClr val="FF00FF"/>
                 </a:solidFill>
@@ -21806,7 +21781,7 @@
               <a:t>counts[word] = </a:t>
             </a:r>
             <a:r>
-              <a:rPr lang="en-US" sz="2600" i="0" u="none" strike="noStrike" cap="none" dirty="0" err="1">
+              <a:rPr lang="en-US" sz="2600" b="1" i="0" u="none" strike="noStrike" cap="none" dirty="0" err="1">
                 <a:solidFill>
                   <a:srgbClr val="FF00FF"/>
                 </a:solidFill>
@@ -21818,7 +21793,7 @@
               <a:t>counts.get</a:t>
             </a:r>
             <a:r>
-              <a:rPr lang="en-US" sz="2600" i="0" u="none" strike="noStrike" cap="none" dirty="0">
+              <a:rPr lang="en-US" sz="2600" b="1" i="0" u="none" strike="noStrike" cap="none" dirty="0">
                 <a:solidFill>
                   <a:srgbClr val="FF00FF"/>
                 </a:solidFill>
@@ -21847,7 +21822,7 @@
               <a:buFont typeface="Cabin"/>
               <a:buNone/>
             </a:pPr>
-            <a:endParaRPr sz="2600" dirty="0">
+            <a:endParaRPr sz="2600" b="1" dirty="0">
               <a:solidFill>
                 <a:srgbClr val="00FF00"/>
               </a:solidFill>
@@ -21876,7 +21851,7 @@
               <a:buNone/>
             </a:pPr>
             <a:r>
-              <a:rPr lang="en-US" sz="2600" i="0" u="none" strike="noStrike" cap="none" dirty="0" err="1">
+              <a:rPr lang="en-US" sz="2600" b="1" i="0" u="none" strike="noStrike" cap="none" dirty="0" err="1">
                 <a:solidFill>
                   <a:srgbClr val="00FFFF"/>
                 </a:solidFill>
@@ -21888,7 +21863,7 @@
               <a:t>bigcount</a:t>
             </a:r>
             <a:r>
-              <a:rPr lang="en-US" sz="2600" i="0" u="none" strike="noStrike" cap="none" dirty="0">
+              <a:rPr lang="en-US" sz="2600" b="1" i="0" u="none" strike="noStrike" cap="none" dirty="0">
                 <a:solidFill>
                   <a:srgbClr val="00FFFF"/>
                 </a:solidFill>
@@ -21919,7 +21894,7 @@
               <a:buNone/>
             </a:pPr>
             <a:r>
-              <a:rPr lang="en-US" sz="2600" i="0" u="none" strike="noStrike" cap="none" dirty="0" err="1">
+              <a:rPr lang="en-US" sz="2600" b="1" i="0" u="none" strike="noStrike" cap="none" dirty="0" err="1">
                 <a:solidFill>
                   <a:srgbClr val="00FFFF"/>
                 </a:solidFill>
@@ -21931,7 +21906,7 @@
               <a:t>bigword</a:t>
             </a:r>
             <a:r>
-              <a:rPr lang="en-US" sz="2600" i="0" u="none" strike="noStrike" cap="none" dirty="0">
+              <a:rPr lang="en-US" sz="2600" b="1" i="0" u="none" strike="noStrike" cap="none" dirty="0">
                 <a:solidFill>
                   <a:srgbClr val="00FFFF"/>
                 </a:solidFill>
@@ -21962,7 +21937,7 @@
               <a:buNone/>
             </a:pPr>
             <a:r>
-              <a:rPr lang="en-US" sz="2600" i="0" u="none" strike="noStrike" cap="none" dirty="0">
+              <a:rPr lang="en-US" sz="2600" b="1" i="0" u="none" strike="noStrike" cap="none" dirty="0">
                 <a:solidFill>
                   <a:srgbClr val="00FFFF"/>
                 </a:solidFill>
@@ -21974,7 +21949,7 @@
               <a:t>for </a:t>
             </a:r>
             <a:r>
-              <a:rPr lang="en-US" sz="2600" i="0" u="none" strike="noStrike" cap="none" dirty="0" err="1">
+              <a:rPr lang="en-US" sz="2600" b="1" i="0" u="none" strike="noStrike" cap="none" dirty="0" err="1">
                 <a:solidFill>
                   <a:srgbClr val="00FFFF"/>
                 </a:solidFill>
@@ -21986,7 +21961,7 @@
               <a:t>word,count</a:t>
             </a:r>
             <a:r>
-              <a:rPr lang="en-US" sz="2600" i="0" u="none" strike="noStrike" cap="none" dirty="0">
+              <a:rPr lang="en-US" sz="2600" b="1" i="0" u="none" strike="noStrike" cap="none" dirty="0">
                 <a:solidFill>
                   <a:srgbClr val="00FFFF"/>
                 </a:solidFill>
@@ -21998,7 +21973,7 @@
               <a:t> in </a:t>
             </a:r>
             <a:r>
-              <a:rPr lang="en-US" sz="2600" i="0" u="none" strike="noStrike" cap="none" dirty="0" err="1">
+              <a:rPr lang="en-US" sz="2600" b="1" i="0" u="none" strike="noStrike" cap="none" dirty="0" err="1">
                 <a:solidFill>
                   <a:srgbClr val="00FFFF"/>
                 </a:solidFill>
@@ -22010,7 +21985,7 @@
               <a:t>counts.items</a:t>
             </a:r>
             <a:r>
-              <a:rPr lang="en-US" sz="2600" i="0" u="none" strike="noStrike" cap="none" dirty="0">
+              <a:rPr lang="en-US" sz="2600" b="1" i="0" u="none" strike="noStrike" cap="none" dirty="0">
                 <a:solidFill>
                   <a:srgbClr val="00FFFF"/>
                 </a:solidFill>
@@ -22041,7 +22016,7 @@
               <a:buNone/>
             </a:pPr>
             <a:r>
-              <a:rPr lang="en-US" sz="2600" i="0" u="none" strike="noStrike" cap="none" dirty="0">
+              <a:rPr lang="en-US" sz="2600" b="1" i="0" u="none" strike="noStrike" cap="none" dirty="0">
                 <a:solidFill>
                   <a:srgbClr val="00FFFF"/>
                 </a:solidFill>
@@ -22053,7 +22028,7 @@
               <a:t>    if </a:t>
             </a:r>
             <a:r>
-              <a:rPr lang="en-US" sz="2600" i="0" u="none" strike="noStrike" cap="none" dirty="0" err="1">
+              <a:rPr lang="en-US" sz="2600" b="1" i="0" u="none" strike="noStrike" cap="none" dirty="0" err="1">
                 <a:solidFill>
                   <a:srgbClr val="00FFFF"/>
                 </a:solidFill>
@@ -22065,7 +22040,7 @@
               <a:t>bigcount</a:t>
             </a:r>
             <a:r>
-              <a:rPr lang="en-US" sz="2600" i="0" u="none" strike="noStrike" cap="none" dirty="0">
+              <a:rPr lang="en-US" sz="2600" b="1" i="0" u="none" strike="noStrike" cap="none" dirty="0">
                 <a:solidFill>
                   <a:srgbClr val="00FFFF"/>
                 </a:solidFill>
@@ -22077,7 +22052,7 @@
               <a:t> is None or count &gt; </a:t>
             </a:r>
             <a:r>
-              <a:rPr lang="en-US" sz="2600" i="0" u="none" strike="noStrike" cap="none" dirty="0" err="1">
+              <a:rPr lang="en-US" sz="2600" b="1" i="0" u="none" strike="noStrike" cap="none" dirty="0" err="1">
                 <a:solidFill>
                   <a:srgbClr val="00FFFF"/>
                 </a:solidFill>
@@ -22089,7 +22064,7 @@
               <a:t>bigcount</a:t>
             </a:r>
             <a:r>
-              <a:rPr lang="en-US" sz="2600" i="0" u="none" strike="noStrike" cap="none" dirty="0">
+              <a:rPr lang="en-US" sz="2600" b="1" i="0" u="none" strike="noStrike" cap="none" dirty="0">
                 <a:solidFill>
                   <a:srgbClr val="00FFFF"/>
                 </a:solidFill>
@@ -22120,7 +22095,7 @@
               <a:buNone/>
             </a:pPr>
             <a:r>
-              <a:rPr lang="en-US" sz="2600" i="0" u="none" strike="noStrike" cap="none" dirty="0">
+              <a:rPr lang="en-US" sz="2600" b="1" i="0" u="none" strike="noStrike" cap="none" dirty="0">
                 <a:solidFill>
                   <a:srgbClr val="00FFFF"/>
                 </a:solidFill>
@@ -22132,7 +22107,7 @@
               <a:t>        </a:t>
             </a:r>
             <a:r>
-              <a:rPr lang="en-US" sz="2600" i="0" u="none" strike="noStrike" cap="none" dirty="0" err="1">
+              <a:rPr lang="en-US" sz="2600" b="1" i="0" u="none" strike="noStrike" cap="none" dirty="0" err="1">
                 <a:solidFill>
                   <a:srgbClr val="00FFFF"/>
                 </a:solidFill>
@@ -22144,7 +22119,7 @@
               <a:t>bigword</a:t>
             </a:r>
             <a:r>
-              <a:rPr lang="en-US" sz="2600" i="0" u="none" strike="noStrike" cap="none" dirty="0">
+              <a:rPr lang="en-US" sz="2600" b="1" i="0" u="none" strike="noStrike" cap="none" dirty="0">
                 <a:solidFill>
                   <a:srgbClr val="00FFFF"/>
                 </a:solidFill>
@@ -22175,7 +22150,7 @@
               <a:buNone/>
             </a:pPr>
             <a:r>
-              <a:rPr lang="en-US" sz="2600" i="0" u="none" strike="noStrike" cap="none" dirty="0">
+              <a:rPr lang="en-US" sz="2600" b="1" i="0" u="none" strike="noStrike" cap="none" dirty="0">
                 <a:solidFill>
                   <a:srgbClr val="00FFFF"/>
                 </a:solidFill>
@@ -22187,7 +22162,7 @@
               <a:t>        </a:t>
             </a:r>
             <a:r>
-              <a:rPr lang="en-US" sz="2600" i="0" u="none" strike="noStrike" cap="none" dirty="0" err="1">
+              <a:rPr lang="en-US" sz="2600" b="1" i="0" u="none" strike="noStrike" cap="none" dirty="0" err="1">
                 <a:solidFill>
                   <a:srgbClr val="00FFFF"/>
                 </a:solidFill>
@@ -22199,7 +22174,7 @@
               <a:t>bigcount</a:t>
             </a:r>
             <a:r>
-              <a:rPr lang="en-US" sz="2600" i="0" u="none" strike="noStrike" cap="none" dirty="0">
+              <a:rPr lang="en-US" sz="2600" b="1" i="0" u="none" strike="noStrike" cap="none" dirty="0">
                 <a:solidFill>
                   <a:srgbClr val="00FFFF"/>
                 </a:solidFill>
@@ -22228,7 +22203,7 @@
               <a:buFont typeface="Cabin"/>
               <a:buNone/>
             </a:pPr>
-            <a:endParaRPr sz="2600" dirty="0">
+            <a:endParaRPr sz="2600" b="1" dirty="0">
               <a:solidFill>
                 <a:srgbClr val="00FF00"/>
               </a:solidFill>
@@ -22257,7 +22232,7 @@
               <a:buNone/>
             </a:pPr>
             <a:r>
-              <a:rPr lang="en-US" sz="2600" i="0" u="none" strike="noStrike" cap="none" dirty="0" smtClean="0">
+              <a:rPr lang="en-US" sz="2600" b="1" i="0" u="none" strike="noStrike" cap="none" dirty="0" smtClean="0">
                 <a:solidFill>
                   <a:srgbClr val="FF7F00"/>
                 </a:solidFill>
@@ -22269,7 +22244,7 @@
               <a:t>print(</a:t>
             </a:r>
             <a:r>
-              <a:rPr lang="en-US" sz="2600" i="0" u="none" strike="noStrike" cap="none" dirty="0" err="1" smtClean="0">
+              <a:rPr lang="en-US" sz="2600" b="1" i="0" u="none" strike="noStrike" cap="none" dirty="0" err="1" smtClean="0">
                 <a:solidFill>
                   <a:srgbClr val="FF7F00"/>
                 </a:solidFill>
@@ -22281,7 +22256,7 @@
               <a:t>bigword</a:t>
             </a:r>
             <a:r>
-              <a:rPr lang="en-US" sz="2600" i="0" u="none" strike="noStrike" cap="none" dirty="0">
+              <a:rPr lang="en-US" sz="2600" b="1" i="0" u="none" strike="noStrike" cap="none" dirty="0">
                 <a:solidFill>
                   <a:srgbClr val="FF7F00"/>
                 </a:solidFill>
@@ -22293,7 +22268,7 @@
               <a:t>, </a:t>
             </a:r>
             <a:r>
-              <a:rPr lang="en-US" sz="2600" i="0" u="none" strike="noStrike" cap="none" dirty="0" err="1" smtClean="0">
+              <a:rPr lang="en-US" sz="2600" b="1" i="0" u="none" strike="noStrike" cap="none" dirty="0" err="1" smtClean="0">
                 <a:solidFill>
                   <a:srgbClr val="FF7F00"/>
                 </a:solidFill>
@@ -22305,7 +22280,7 @@
               <a:t>bigcount</a:t>
             </a:r>
             <a:r>
-              <a:rPr lang="en-US" sz="2600" i="0" u="none" strike="noStrike" cap="none" dirty="0" smtClean="0">
+              <a:rPr lang="en-US" sz="2600" b="1" i="0" u="none" strike="noStrike" cap="none" dirty="0" smtClean="0">
                 <a:solidFill>
                   <a:srgbClr val="FF7F00"/>
                 </a:solidFill>
@@ -22316,7 +22291,7 @@
               </a:rPr>
               <a:t>)</a:t>
             </a:r>
-            <a:endParaRPr lang="en-US" sz="2600" i="0" u="none" strike="noStrike" cap="none" dirty="0">
+            <a:endParaRPr lang="en-US" sz="2600" b="1" i="0" u="none" strike="noStrike" cap="none" dirty="0">
               <a:solidFill>
                 <a:srgbClr val="FF7F00"/>
               </a:solidFill>
@@ -22833,7 +22808,7 @@
   <p:timing>
     <p:tnLst>
       <p:par>
-        <p:cTn xmlns:p14="http://schemas.microsoft.com/office/powerpoint/2010/main" id="1" dur="indefinite" restart="never" nodeType="tmRoot"/>
+        <p:cTn id="1" dur="indefinite" restart="never" nodeType="tmRoot"/>
       </p:par>
     </p:tnLst>
   </p:timing>
@@ -22949,7 +22924,7 @@
   <p:timing>
     <p:tnLst>
       <p:par>
-        <p:cTn xmlns:p14="http://schemas.microsoft.com/office/powerpoint/2010/main" id="1" dur="indefinite" restart="never" nodeType="tmRoot"/>
+        <p:cTn id="1" dur="indefinite" restart="never" nodeType="tmRoot"/>
       </p:par>
     </p:tnLst>
   </p:timing>
@@ -23253,7 +23228,7 @@
   <p:timing>
     <p:tnLst>
       <p:par>
-        <p:cTn xmlns:p14="http://schemas.microsoft.com/office/powerpoint/2010/main" id="1" dur="indefinite" restart="never" nodeType="tmRoot"/>
+        <p:cTn id="1" dur="indefinite" restart="never" nodeType="tmRoot"/>
       </p:par>
     </p:tnLst>
   </p:timing>
@@ -23527,7 +23502,7 @@
               <a:buNone/>
             </a:pPr>
             <a:r>
-              <a:rPr lang="en-US" sz="3000" i="0" u="none" strike="noStrike" cap="none" dirty="0">
+              <a:rPr lang="en-US" sz="3000" b="1" i="0" u="none" strike="noStrike" cap="none" dirty="0">
                 <a:solidFill>
                   <a:schemeClr val="lt1"/>
                 </a:solidFill>
@@ -23539,7 +23514,7 @@
               <a:t>$ </a:t>
             </a:r>
             <a:r>
-              <a:rPr lang="en-US" sz="3000" i="0" u="none" strike="noStrike" cap="none" dirty="0">
+              <a:rPr lang="en-US" sz="3000" b="1" i="0" u="none" strike="noStrike" cap="none" dirty="0">
                 <a:solidFill>
                   <a:srgbClr val="FFFF00"/>
                 </a:solidFill>
@@ -23570,7 +23545,7 @@
               <a:buNone/>
             </a:pPr>
             <a:r>
-              <a:rPr lang="en-US" sz="3000" i="0" u="none" strike="noStrike" cap="none" dirty="0" smtClean="0">
+              <a:rPr lang="en-US" sz="3000" b="1" i="0" u="none" strike="noStrike" cap="none" dirty="0" smtClean="0">
                 <a:solidFill>
                   <a:schemeClr val="lt1"/>
                 </a:solidFill>
@@ -23582,7 +23557,7 @@
               <a:t>&gt;&gt;&gt; </a:t>
             </a:r>
             <a:r>
-              <a:rPr lang="en-US" sz="3000" i="0" u="none" strike="noStrike" cap="none" dirty="0">
+              <a:rPr lang="en-US" sz="3000" b="1" i="0" u="none" strike="noStrike" cap="none" dirty="0">
                 <a:solidFill>
                   <a:srgbClr val="00FF00"/>
                 </a:solidFill>
@@ -23594,7 +23569,7 @@
               <a:t>x</a:t>
             </a:r>
             <a:r>
-              <a:rPr lang="en-US" sz="3000" i="0" u="none" strike="noStrike" cap="none" dirty="0">
+              <a:rPr lang="en-US" sz="3000" b="1" i="0" u="none" strike="noStrike" cap="none" dirty="0">
                 <a:solidFill>
                   <a:schemeClr val="lt1"/>
                 </a:solidFill>
@@ -23625,7 +23600,7 @@
               <a:buNone/>
             </a:pPr>
             <a:r>
-              <a:rPr lang="en-US" sz="3000" i="0" u="none" strike="noStrike" cap="none" dirty="0">
+              <a:rPr lang="en-US" sz="3000" b="1" i="0" u="none" strike="noStrike" cap="none" dirty="0">
                 <a:solidFill>
                   <a:schemeClr val="lt1"/>
                 </a:solidFill>
@@ -23637,7 +23612,7 @@
               <a:t>&gt;&gt;&gt; </a:t>
             </a:r>
             <a:r>
-              <a:rPr lang="en-US" sz="3000" i="0" u="none" strike="noStrike" cap="none" dirty="0">
+              <a:rPr lang="en-US" sz="3000" b="1" i="0" u="none" strike="noStrike" cap="none" dirty="0">
                 <a:solidFill>
                   <a:srgbClr val="00FF00"/>
                 </a:solidFill>
@@ -23649,7 +23624,7 @@
               <a:t>x</a:t>
             </a:r>
             <a:r>
-              <a:rPr lang="en-US" sz="3000" i="0" u="none" strike="noStrike" cap="none" dirty="0">
+              <a:rPr lang="en-US" sz="3000" b="1" i="0" u="none" strike="noStrike" cap="none" dirty="0">
                 <a:solidFill>
                   <a:schemeClr val="lt1"/>
                 </a:solidFill>
@@ -23680,7 +23655,7 @@
               <a:buNone/>
             </a:pPr>
             <a:r>
-              <a:rPr lang="en-US" sz="3000" i="0" u="none" strike="noStrike" cap="none" dirty="0">
+              <a:rPr lang="en-US" sz="3000" b="1" i="0" u="none" strike="noStrike" cap="none" dirty="0">
                 <a:solidFill>
                   <a:schemeClr val="lt1"/>
                 </a:solidFill>
@@ -23692,7 +23667,7 @@
               <a:t>&gt;&gt;&gt; </a:t>
             </a:r>
             <a:r>
-              <a:rPr lang="en-US" sz="3000" i="0" u="none" strike="noStrike" cap="none" dirty="0" smtClean="0">
+              <a:rPr lang="en-US" sz="3000" b="1" i="0" u="none" strike="noStrike" cap="none" dirty="0" smtClean="0">
                 <a:solidFill>
                   <a:srgbClr val="FFFF00"/>
                 </a:solidFill>
@@ -23704,7 +23679,7 @@
               <a:t>print(</a:t>
             </a:r>
             <a:r>
-              <a:rPr lang="en-US" sz="3000" i="0" u="none" strike="noStrike" cap="none" dirty="0" smtClean="0">
+              <a:rPr lang="en-US" sz="3000" b="1" i="0" u="none" strike="noStrike" cap="none" dirty="0" smtClean="0">
                 <a:solidFill>
                   <a:srgbClr val="00FF00"/>
                 </a:solidFill>
@@ -23716,7 +23691,7 @@
               <a:t>x</a:t>
             </a:r>
             <a:r>
-              <a:rPr lang="en-US" sz="3000" i="0" u="none" strike="noStrike" cap="none" dirty="0" smtClean="0">
+              <a:rPr lang="en-US" sz="3000" b="1" i="0" u="none" strike="noStrike" cap="none" dirty="0" smtClean="0">
                 <a:solidFill>
                   <a:srgbClr val="FFFF00"/>
                 </a:solidFill>
@@ -23727,7 +23702,7 @@
               </a:rPr>
               <a:t>)</a:t>
             </a:r>
-            <a:endParaRPr lang="en-US" sz="3000" i="0" u="none" strike="noStrike" cap="none" dirty="0">
+            <a:endParaRPr lang="en-US" sz="3000" b="1" i="0" u="none" strike="noStrike" cap="none" dirty="0">
               <a:solidFill>
                 <a:srgbClr val="FFFF00"/>
               </a:solidFill>
@@ -23756,7 +23731,7 @@
               <a:buNone/>
             </a:pPr>
             <a:r>
-              <a:rPr lang="en-US" sz="3000" i="0" u="none" strike="noStrike" cap="none" dirty="0">
+              <a:rPr lang="en-US" sz="3000" b="1" i="0" u="none" strike="noStrike" cap="none" dirty="0">
                 <a:solidFill>
                   <a:schemeClr val="lt1"/>
                 </a:solidFill>
@@ -23778,7 +23753,7 @@
   <p:timing>
     <p:tnLst>
       <p:par>
-        <p:cTn xmlns:p14="http://schemas.microsoft.com/office/powerpoint/2010/main" id="1" dur="indefinite" restart="never" nodeType="tmRoot"/>
+        <p:cTn id="1" dur="indefinite" restart="never" nodeType="tmRoot"/>
       </p:par>
     </p:tnLst>
   </p:timing>
@@ -24248,7 +24223,7 @@
   <p:timing>
     <p:tnLst>
       <p:par>
-        <p:cTn xmlns:p14="http://schemas.microsoft.com/office/powerpoint/2010/main" id="1" dur="indefinite" restart="never" nodeType="tmRoot"/>
+        <p:cTn id="1" dur="indefinite" restart="never" nodeType="tmRoot"/>
       </p:par>
     </p:tnLst>
   </p:timing>
@@ -24748,7 +24723,7 @@
   <p:timing>
     <p:tnLst>
       <p:par>
-        <p:cTn xmlns:p14="http://schemas.microsoft.com/office/powerpoint/2010/main" id="1" dur="indefinite" restart="never" nodeType="tmRoot"/>
+        <p:cTn id="1" dur="indefinite" restart="never" nodeType="tmRoot"/>
       </p:par>
     </p:tnLst>
   </p:timing>
@@ -25085,7 +25060,7 @@
   <p:timing>
     <p:tnLst>
       <p:par>
-        <p:cTn xmlns:p14="http://schemas.microsoft.com/office/powerpoint/2010/main" id="1" dur="indefinite" restart="never" nodeType="tmRoot"/>
+        <p:cTn id="1" dur="indefinite" restart="never" nodeType="tmRoot"/>
       </p:par>
     </p:tnLst>
   </p:timing>
@@ -25452,7 +25427,7 @@
               <a:buNone/>
             </a:pPr>
             <a:r>
-              <a:rPr lang="en-US" sz="2400" i="0" u="none" strike="noStrike" cap="none" dirty="0">
+              <a:rPr lang="en-US" sz="2400" b="1" i="0" u="none" strike="noStrike" cap="none" dirty="0">
                 <a:solidFill>
                   <a:schemeClr val="lt1"/>
                 </a:solidFill>
@@ -25464,7 +25439,7 @@
               <a:t>&gt;&gt;&gt; </a:t>
             </a:r>
             <a:r>
-              <a:rPr lang="en-US" sz="2400" i="0" u="none" strike="noStrike" cap="none" dirty="0">
+              <a:rPr lang="en-US" sz="2400" b="1" i="0" u="none" strike="noStrike" cap="none" dirty="0">
                 <a:solidFill>
                   <a:srgbClr val="00FF00"/>
                 </a:solidFill>
@@ -25476,7 +25451,7 @@
               <a:t>purse</a:t>
             </a:r>
             <a:r>
-              <a:rPr lang="en-US" sz="2400" i="0" u="none" strike="noStrike" cap="none" dirty="0">
+              <a:rPr lang="en-US" sz="2400" b="1" i="0" u="none" strike="noStrike" cap="none" dirty="0">
                 <a:solidFill>
                   <a:schemeClr val="lt1"/>
                 </a:solidFill>
@@ -25488,7 +25463,7 @@
               <a:t> = </a:t>
             </a:r>
             <a:r>
-              <a:rPr lang="en-US" sz="2400" i="0" u="none" strike="noStrike" cap="none" dirty="0" err="1">
+              <a:rPr lang="en-US" sz="2400" b="1" i="0" u="none" strike="noStrike" cap="none" dirty="0" err="1">
                 <a:solidFill>
                   <a:srgbClr val="FF00FF"/>
                 </a:solidFill>
@@ -25500,7 +25475,7 @@
               <a:t>dict</a:t>
             </a:r>
             <a:r>
-              <a:rPr lang="en-US" sz="2400" i="0" u="none" strike="noStrike" cap="none" dirty="0">
+              <a:rPr lang="en-US" sz="2400" b="1" i="0" u="none" strike="noStrike" cap="none" dirty="0">
                 <a:solidFill>
                   <a:schemeClr val="lt1"/>
                 </a:solidFill>
@@ -25531,7 +25506,7 @@
               <a:buNone/>
             </a:pPr>
             <a:r>
-              <a:rPr lang="en-US" sz="2400" i="0" u="none" strike="noStrike" cap="none" dirty="0">
+              <a:rPr lang="en-US" sz="2400" b="1" i="0" u="none" strike="noStrike" cap="none" dirty="0">
                 <a:solidFill>
                   <a:schemeClr val="lt1"/>
                 </a:solidFill>
@@ -25543,7 +25518,7 @@
               <a:t>&gt;&gt;&gt; </a:t>
             </a:r>
             <a:r>
-              <a:rPr lang="en-US" sz="2400" i="0" u="none" strike="noStrike" cap="none" dirty="0">
+              <a:rPr lang="en-US" sz="2400" b="1" i="0" u="none" strike="noStrike" cap="none" dirty="0">
                 <a:solidFill>
                   <a:srgbClr val="00FF00"/>
                 </a:solidFill>
@@ -25555,7 +25530,7 @@
               <a:t>purse</a:t>
             </a:r>
             <a:r>
-              <a:rPr lang="en-US" sz="2400" i="0" u="none" strike="noStrike" cap="none" dirty="0">
+              <a:rPr lang="en-US" sz="2400" b="1" i="0" u="none" strike="noStrike" cap="none" dirty="0">
                 <a:solidFill>
                   <a:srgbClr val="00FFFF"/>
                 </a:solidFill>
@@ -25567,7 +25542,7 @@
               <a:t>['money']</a:t>
             </a:r>
             <a:r>
-              <a:rPr lang="en-US" sz="2400" i="0" u="none" strike="noStrike" cap="none" dirty="0">
+              <a:rPr lang="en-US" sz="2400" b="1" i="0" u="none" strike="noStrike" cap="none" dirty="0">
                 <a:solidFill>
                   <a:schemeClr val="lt1"/>
                 </a:solidFill>
@@ -25598,7 +25573,7 @@
               <a:buNone/>
             </a:pPr>
             <a:r>
-              <a:rPr lang="en-US" sz="2400" i="0" u="none" strike="noStrike" cap="none" dirty="0">
+              <a:rPr lang="en-US" sz="2400" b="1" i="0" u="none" strike="noStrike" cap="none" dirty="0">
                 <a:solidFill>
                   <a:schemeClr val="lt1"/>
                 </a:solidFill>
@@ -25610,7 +25585,7 @@
               <a:t>&gt;&gt;&gt; </a:t>
             </a:r>
             <a:r>
-              <a:rPr lang="en-US" sz="2400" i="0" u="none" strike="noStrike" cap="none" dirty="0">
+              <a:rPr lang="en-US" sz="2400" b="1" i="0" u="none" strike="noStrike" cap="none" dirty="0">
                 <a:solidFill>
                   <a:srgbClr val="00FF00"/>
                 </a:solidFill>
@@ -25622,7 +25597,7 @@
               <a:t>purse</a:t>
             </a:r>
             <a:r>
-              <a:rPr lang="en-US" sz="2400" i="0" u="none" strike="noStrike" cap="none" dirty="0">
+              <a:rPr lang="en-US" sz="2400" b="1" i="0" u="none" strike="noStrike" cap="none" dirty="0">
                 <a:solidFill>
                   <a:srgbClr val="00FFFF"/>
                 </a:solidFill>
@@ -25634,7 +25609,7 @@
               <a:t>['candy']</a:t>
             </a:r>
             <a:r>
-              <a:rPr lang="en-US" sz="2400" i="0" u="none" strike="noStrike" cap="none" dirty="0">
+              <a:rPr lang="en-US" sz="2400" b="1" i="0" u="none" strike="noStrike" cap="none" dirty="0">
                 <a:solidFill>
                   <a:schemeClr val="lt1"/>
                 </a:solidFill>
@@ -25665,7 +25640,7 @@
               <a:buNone/>
             </a:pPr>
             <a:r>
-              <a:rPr lang="en-US" sz="2400" i="0" u="none" strike="noStrike" cap="none" dirty="0">
+              <a:rPr lang="en-US" sz="2400" b="1" i="0" u="none" strike="noStrike" cap="none" dirty="0">
                 <a:solidFill>
                   <a:schemeClr val="lt1"/>
                 </a:solidFill>
@@ -25677,7 +25652,7 @@
               <a:t>&gt;&gt;&gt; </a:t>
             </a:r>
             <a:r>
-              <a:rPr lang="en-US" sz="2400" i="0" u="none" strike="noStrike" cap="none" dirty="0">
+              <a:rPr lang="en-US" sz="2400" b="1" i="0" u="none" strike="noStrike" cap="none" dirty="0">
                 <a:solidFill>
                   <a:srgbClr val="00FF00"/>
                 </a:solidFill>
@@ -25689,7 +25664,7 @@
               <a:t>purse</a:t>
             </a:r>
             <a:r>
-              <a:rPr lang="en-US" sz="2400" i="0" u="none" strike="noStrike" cap="none" dirty="0">
+              <a:rPr lang="en-US" sz="2400" b="1" i="0" u="none" strike="noStrike" cap="none" dirty="0">
                 <a:solidFill>
                   <a:srgbClr val="00FFFF"/>
                 </a:solidFill>
@@ -25701,7 +25676,7 @@
               <a:t>['tissues']</a:t>
             </a:r>
             <a:r>
-              <a:rPr lang="en-US" sz="2400" i="0" u="none" strike="noStrike" cap="none" dirty="0">
+              <a:rPr lang="en-US" sz="2400" b="1" i="0" u="none" strike="noStrike" cap="none" dirty="0">
                 <a:solidFill>
                   <a:schemeClr val="lt1"/>
                 </a:solidFill>
@@ -25732,7 +25707,7 @@
               <a:buNone/>
             </a:pPr>
             <a:r>
-              <a:rPr lang="en-US" sz="2400" i="0" u="none" strike="noStrike" cap="none" dirty="0">
+              <a:rPr lang="en-US" sz="2400" b="1" i="0" u="none" strike="noStrike" cap="none" dirty="0">
                 <a:solidFill>
                   <a:schemeClr val="lt1"/>
                 </a:solidFill>
@@ -25744,7 +25719,7 @@
               <a:t>&gt;&gt;&gt; </a:t>
             </a:r>
             <a:r>
-              <a:rPr lang="en-US" sz="2400" i="0" u="none" strike="noStrike" cap="none" dirty="0" smtClean="0">
+              <a:rPr lang="en-US" sz="2400" b="1" i="0" u="none" strike="noStrike" cap="none" dirty="0" smtClean="0">
                 <a:solidFill>
                   <a:srgbClr val="FFFF00"/>
                 </a:solidFill>
@@ -25756,7 +25731,7 @@
               <a:t>print(</a:t>
             </a:r>
             <a:r>
-              <a:rPr lang="en-US" sz="2400" i="0" u="none" strike="noStrike" cap="none" dirty="0" smtClean="0">
+              <a:rPr lang="en-US" sz="2400" b="1" i="0" u="none" strike="noStrike" cap="none" dirty="0" smtClean="0">
                 <a:solidFill>
                   <a:srgbClr val="00FF00"/>
                 </a:solidFill>
@@ -25768,7 +25743,7 @@
               <a:t>purse</a:t>
             </a:r>
             <a:r>
-              <a:rPr lang="en-US" sz="2400" i="0" u="none" strike="noStrike" cap="none" dirty="0" smtClean="0">
+              <a:rPr lang="en-US" sz="2400" b="1" i="0" u="none" strike="noStrike" cap="none" dirty="0" smtClean="0">
                 <a:solidFill>
                   <a:srgbClr val="FFFF00"/>
                 </a:solidFill>
@@ -25779,7 +25754,7 @@
               </a:rPr>
               <a:t>)</a:t>
             </a:r>
-            <a:endParaRPr lang="en-US" sz="2400" i="0" u="none" strike="noStrike" cap="none" dirty="0">
+            <a:endParaRPr lang="en-US" sz="2400" b="1" i="0" u="none" strike="noStrike" cap="none" dirty="0">
               <a:solidFill>
                 <a:srgbClr val="FFFF00"/>
               </a:solidFill>
@@ -25808,7 +25783,7 @@
               <a:buNone/>
             </a:pPr>
             <a:r>
-              <a:rPr lang="en-US" sz="2400" i="0" u="none" strike="noStrike" cap="none" dirty="0">
+              <a:rPr lang="en-US" sz="2400" b="1" i="0" u="none" strike="noStrike" cap="none" dirty="0">
                 <a:solidFill>
                   <a:schemeClr val="lt1"/>
                 </a:solidFill>
@@ -25828,7 +25803,7 @@
               <a:buSzPct val="25000"/>
             </a:pPr>
             <a:r>
-              <a:rPr lang="en-US" sz="2400" i="0" u="none" strike="noStrike" cap="none" dirty="0">
+              <a:rPr lang="en-US" sz="2400" b="1" i="0" u="none" strike="noStrike" cap="none" dirty="0">
                 <a:solidFill>
                   <a:schemeClr val="lt1"/>
                 </a:solidFill>
@@ -25840,7 +25815,7 @@
               <a:t>&gt;&gt;&gt; </a:t>
             </a:r>
             <a:r>
-              <a:rPr lang="en-US" sz="2400" i="0" u="none" strike="noStrike" cap="none" dirty="0" smtClean="0">
+              <a:rPr lang="en-US" sz="2400" b="1" i="0" u="none" strike="noStrike" cap="none" dirty="0" smtClean="0">
                 <a:solidFill>
                   <a:srgbClr val="FFFF00"/>
                 </a:solidFill>
@@ -25852,7 +25827,7 @@
               <a:t>print(</a:t>
             </a:r>
             <a:r>
-              <a:rPr lang="en-US" sz="2400" i="0" u="none" strike="noStrike" cap="none" dirty="0" smtClean="0">
+              <a:rPr lang="en-US" sz="2400" b="1" i="0" u="none" strike="noStrike" cap="none" dirty="0" smtClean="0">
                 <a:solidFill>
                   <a:srgbClr val="00FF00"/>
                 </a:solidFill>
@@ -25864,7 +25839,7 @@
               <a:t>purse</a:t>
             </a:r>
             <a:r>
-              <a:rPr lang="en-US" sz="2400" i="0" u="none" strike="noStrike" cap="none" dirty="0">
+              <a:rPr lang="en-US" sz="2400" b="1" i="0" u="none" strike="noStrike" cap="none" dirty="0">
                 <a:solidFill>
                   <a:srgbClr val="00FFFF"/>
                 </a:solidFill>
@@ -25876,7 +25851,7 @@
               <a:t>['candy</a:t>
             </a:r>
             <a:r>
-              <a:rPr lang="en-US" sz="2400" i="0" u="none" strike="noStrike" cap="none" dirty="0" smtClean="0">
+              <a:rPr lang="en-US" sz="2400" b="1" i="0" u="none" strike="noStrike" cap="none" dirty="0" smtClean="0">
                 <a:solidFill>
                   <a:srgbClr val="00FFFF"/>
                 </a:solidFill>
@@ -25888,7 +25863,7 @@
               <a:t>']</a:t>
             </a:r>
             <a:r>
-              <a:rPr lang="en-US" sz="2400" dirty="0" smtClean="0">
+              <a:rPr lang="en-US" sz="2400" b="1" dirty="0" smtClean="0">
                 <a:solidFill>
                   <a:srgbClr val="FFFF00"/>
                 </a:solidFill>
@@ -25899,7 +25874,7 @@
               </a:rPr>
               <a:t>)</a:t>
             </a:r>
-            <a:endParaRPr lang="en-US" sz="2400" i="0" u="none" strike="noStrike" cap="none" dirty="0">
+            <a:endParaRPr lang="en-US" sz="2400" b="1" i="0" u="none" strike="noStrike" cap="none" dirty="0">
               <a:solidFill>
                 <a:srgbClr val="00FFFF"/>
               </a:solidFill>
@@ -25928,7 +25903,7 @@
               <a:buNone/>
             </a:pPr>
             <a:r>
-              <a:rPr lang="en-US" sz="2400" i="0" u="none" strike="noStrike" cap="none" dirty="0">
+              <a:rPr lang="en-US" sz="2400" b="1" i="0" u="none" strike="noStrike" cap="none" dirty="0">
                 <a:solidFill>
                   <a:schemeClr val="lt1"/>
                 </a:solidFill>
@@ -25959,7 +25934,7 @@
               <a:buNone/>
             </a:pPr>
             <a:r>
-              <a:rPr lang="en-US" sz="2400" i="0" u="none" strike="noStrike" cap="none" dirty="0">
+              <a:rPr lang="en-US" sz="2400" b="1" i="0" u="none" strike="noStrike" cap="none" dirty="0">
                 <a:solidFill>
                   <a:schemeClr val="lt1"/>
                 </a:solidFill>
@@ -25971,7 +25946,7 @@
               <a:t>&gt;&gt;&gt; </a:t>
             </a:r>
             <a:r>
-              <a:rPr lang="en-US" sz="2400" i="0" u="none" strike="noStrike" cap="none" dirty="0">
+              <a:rPr lang="en-US" sz="2400" b="1" i="0" u="none" strike="noStrike" cap="none" dirty="0">
                 <a:solidFill>
                   <a:srgbClr val="00FF00"/>
                 </a:solidFill>
@@ -25983,7 +25958,7 @@
               <a:t>purse</a:t>
             </a:r>
             <a:r>
-              <a:rPr lang="en-US" sz="2400" i="0" u="none" strike="noStrike" cap="none" dirty="0">
+              <a:rPr lang="en-US" sz="2400" b="1" i="0" u="none" strike="noStrike" cap="none" dirty="0">
                 <a:solidFill>
                   <a:srgbClr val="00FFFF"/>
                 </a:solidFill>
@@ -25995,7 +25970,7 @@
               <a:t>['candy']</a:t>
             </a:r>
             <a:r>
-              <a:rPr lang="en-US" sz="2400" i="0" u="none" strike="noStrike" cap="none" dirty="0">
+              <a:rPr lang="en-US" sz="2400" b="1" i="0" u="none" strike="noStrike" cap="none" dirty="0">
                 <a:solidFill>
                   <a:schemeClr val="lt1"/>
                 </a:solidFill>
@@ -26007,7 +25982,7 @@
               <a:t> = </a:t>
             </a:r>
             <a:r>
-              <a:rPr lang="en-US" sz="2400" i="0" u="none" strike="noStrike" cap="none" dirty="0">
+              <a:rPr lang="en-US" sz="2400" b="1" i="0" u="none" strike="noStrike" cap="none" dirty="0">
                 <a:solidFill>
                   <a:srgbClr val="00FF00"/>
                 </a:solidFill>
@@ -26019,7 +25994,7 @@
               <a:t>purse</a:t>
             </a:r>
             <a:r>
-              <a:rPr lang="en-US" sz="2400" i="0" u="none" strike="noStrike" cap="none" dirty="0">
+              <a:rPr lang="en-US" sz="2400" b="1" i="0" u="none" strike="noStrike" cap="none" dirty="0">
                 <a:solidFill>
                   <a:srgbClr val="00FFFF"/>
                 </a:solidFill>
@@ -26031,7 +26006,7 @@
               <a:t>['candy']</a:t>
             </a:r>
             <a:r>
-              <a:rPr lang="en-US" sz="2400" i="0" u="none" strike="noStrike" cap="none" dirty="0">
+              <a:rPr lang="en-US" sz="2400" b="1" i="0" u="none" strike="noStrike" cap="none" dirty="0">
                 <a:solidFill>
                   <a:schemeClr val="lt1"/>
                 </a:solidFill>
@@ -26051,7 +26026,7 @@
               <a:buSzPct val="25000"/>
             </a:pPr>
             <a:r>
-              <a:rPr lang="en-US" sz="2400" i="0" u="none" strike="noStrike" cap="none" dirty="0">
+              <a:rPr lang="en-US" sz="2400" b="1" i="0" u="none" strike="noStrike" cap="none" dirty="0">
                 <a:solidFill>
                   <a:schemeClr val="lt1"/>
                 </a:solidFill>
@@ -26063,7 +26038,7 @@
               <a:t>&gt;&gt;&gt; </a:t>
             </a:r>
             <a:r>
-              <a:rPr lang="en-US" sz="2400" i="0" u="none" strike="noStrike" cap="none" dirty="0" smtClean="0">
+              <a:rPr lang="en-US" sz="2400" b="1" i="0" u="none" strike="noStrike" cap="none" dirty="0" smtClean="0">
                 <a:solidFill>
                   <a:srgbClr val="FFFF00"/>
                 </a:solidFill>
@@ -26075,7 +26050,7 @@
               <a:t>print(</a:t>
             </a:r>
             <a:r>
-              <a:rPr lang="en-US" sz="2400" i="0" u="none" strike="noStrike" cap="none" dirty="0" smtClean="0">
+              <a:rPr lang="en-US" sz="2400" b="1" i="0" u="none" strike="noStrike" cap="none" dirty="0" smtClean="0">
                 <a:solidFill>
                   <a:srgbClr val="00FF00"/>
                 </a:solidFill>
@@ -26087,7 +26062,7 @@
               <a:t>purse</a:t>
             </a:r>
             <a:r>
-              <a:rPr lang="en-US" sz="2400" dirty="0" smtClean="0">
+              <a:rPr lang="en-US" sz="2400" b="1" dirty="0" smtClean="0">
                 <a:solidFill>
                   <a:srgbClr val="FFFF00"/>
                 </a:solidFill>
@@ -26098,7 +26073,7 @@
               </a:rPr>
               <a:t>)</a:t>
             </a:r>
-            <a:endParaRPr lang="en-US" sz="2400" i="0" u="none" strike="noStrike" cap="none" dirty="0">
+            <a:endParaRPr lang="en-US" sz="2400" b="1" i="0" u="none" strike="noStrike" cap="none" dirty="0">
               <a:solidFill>
                 <a:srgbClr val="00FF00"/>
               </a:solidFill>
@@ -26127,7 +26102,7 @@
               <a:buNone/>
             </a:pPr>
             <a:r>
-              <a:rPr lang="en-US" sz="2400" i="0" u="none" strike="noStrike" cap="none" dirty="0">
+              <a:rPr lang="en-US" sz="2400" b="1" i="0" u="none" strike="noStrike" cap="none" dirty="0">
                 <a:solidFill>
                   <a:schemeClr val="lt1"/>
                 </a:solidFill>
@@ -26139,7 +26114,7 @@
               <a:t>{'money': 12, 'tissues': 75, </a:t>
             </a:r>
             <a:r>
-              <a:rPr lang="en-US" sz="2400" i="0" u="none" strike="noStrike" cap="none" dirty="0">
+              <a:rPr lang="en-US" sz="2400" b="1" i="0" u="none" strike="noStrike" cap="none" dirty="0">
                 <a:solidFill>
                   <a:srgbClr val="00FFFF"/>
                 </a:solidFill>
@@ -26151,7 +26126,7 @@
               <a:t>'candy': 5</a:t>
             </a:r>
             <a:r>
-              <a:rPr lang="en-US" sz="2400" i="0" u="none" strike="noStrike" cap="none" dirty="0">
+              <a:rPr lang="en-US" sz="2400" b="1" i="0" u="none" strike="noStrike" cap="none" dirty="0">
                 <a:solidFill>
                   <a:schemeClr val="lt1"/>
                 </a:solidFill>
@@ -26173,7 +26148,7 @@
   <p:timing>
     <p:tnLst>
       <p:par>
-        <p:cTn xmlns:p14="http://schemas.microsoft.com/office/powerpoint/2010/main" id="1" dur="indefinite" restart="never" nodeType="tmRoot"/>
+        <p:cTn id="1" dur="indefinite" restart="never" nodeType="tmRoot"/>
       </p:par>
     </p:tnLst>
   </p:timing>
@@ -26465,7 +26440,7 @@
               <a:buNone/>
             </a:pPr>
             <a:r>
-              <a:rPr lang="en-US" sz="3000" i="0" u="none" strike="noStrike" cap="none" dirty="0">
+              <a:rPr lang="en-US" sz="3000" b="1" i="0" u="none" strike="noStrike" cap="none" dirty="0">
                 <a:solidFill>
                   <a:srgbClr val="00FF00"/>
                 </a:solidFill>
@@ -26477,7 +26452,7 @@
               <a:t>&gt;&gt;&gt; </a:t>
             </a:r>
             <a:r>
-              <a:rPr lang="en-US" sz="3000" i="0" u="none" strike="noStrike" cap="none" dirty="0" err="1">
+              <a:rPr lang="en-US" sz="3000" b="1" i="0" u="none" strike="noStrike" cap="none" dirty="0" err="1">
                 <a:solidFill>
                   <a:srgbClr val="00FF00"/>
                 </a:solidFill>
@@ -26489,7 +26464,7 @@
               <a:t>lst</a:t>
             </a:r>
             <a:r>
-              <a:rPr lang="en-US" sz="3000" i="0" u="none" strike="noStrike" cap="none" dirty="0">
+              <a:rPr lang="en-US" sz="3000" b="1" i="0" u="none" strike="noStrike" cap="none" dirty="0">
                 <a:solidFill>
                   <a:srgbClr val="00FF00"/>
                 </a:solidFill>
@@ -26501,7 +26476,7 @@
               <a:t> = </a:t>
             </a:r>
             <a:r>
-              <a:rPr lang="en-US" sz="3000" i="0" u="none" strike="noStrike" cap="none" dirty="0">
+              <a:rPr lang="en-US" sz="3000" b="1" i="0" u="none" strike="noStrike" cap="none" dirty="0">
                 <a:solidFill>
                   <a:srgbClr val="00FFFF"/>
                 </a:solidFill>
@@ -26532,7 +26507,7 @@
               <a:buNone/>
             </a:pPr>
             <a:r>
-              <a:rPr lang="en-US" sz="3000" i="0" u="none" strike="noStrike" cap="none" dirty="0">
+              <a:rPr lang="en-US" sz="3000" b="1" i="0" u="none" strike="noStrike" cap="none" dirty="0">
                 <a:solidFill>
                   <a:srgbClr val="00FF00"/>
                 </a:solidFill>
@@ -26544,7 +26519,7 @@
               <a:t>&gt;&gt;&gt; </a:t>
             </a:r>
             <a:r>
-              <a:rPr lang="en-US" sz="3000" i="0" u="none" strike="noStrike" cap="none" dirty="0" err="1">
+              <a:rPr lang="en-US" sz="3000" b="1" i="0" u="none" strike="noStrike" cap="none" dirty="0" err="1">
                 <a:solidFill>
                   <a:srgbClr val="00FF00"/>
                 </a:solidFill>
@@ -26556,7 +26531,7 @@
               <a:t>lst.</a:t>
             </a:r>
             <a:r>
-              <a:rPr lang="en-US" sz="3000" i="0" u="none" strike="noStrike" cap="none" dirty="0" err="1">
+              <a:rPr lang="en-US" sz="3000" b="1" i="0" u="none" strike="noStrike" cap="none" dirty="0" err="1">
                 <a:solidFill>
                   <a:srgbClr val="FF00FF"/>
                 </a:solidFill>
@@ -26568,7 +26543,7 @@
               <a:t>append</a:t>
             </a:r>
             <a:r>
-              <a:rPr lang="en-US" sz="3000" i="0" u="none" strike="noStrike" cap="none" dirty="0">
+              <a:rPr lang="en-US" sz="3000" b="1" i="0" u="none" strike="noStrike" cap="none" dirty="0">
                 <a:solidFill>
                   <a:srgbClr val="00FF00"/>
                 </a:solidFill>
@@ -26580,7 +26555,7 @@
               <a:t>(</a:t>
             </a:r>
             <a:r>
-              <a:rPr lang="en-US" sz="3000" i="0" u="none" strike="noStrike" cap="none" dirty="0">
+              <a:rPr lang="en-US" sz="3000" b="1" i="0" u="none" strike="noStrike" cap="none" dirty="0">
                 <a:solidFill>
                   <a:srgbClr val="FFFF00"/>
                 </a:solidFill>
@@ -26592,7 +26567,7 @@
               <a:t>21</a:t>
             </a:r>
             <a:r>
-              <a:rPr lang="en-US" sz="3000" i="0" u="none" strike="noStrike" cap="none" dirty="0">
+              <a:rPr lang="en-US" sz="3000" b="1" i="0" u="none" strike="noStrike" cap="none" dirty="0">
                 <a:solidFill>
                   <a:srgbClr val="00FF00"/>
                 </a:solidFill>
@@ -26623,7 +26598,7 @@
               <a:buNone/>
             </a:pPr>
             <a:r>
-              <a:rPr lang="en-US" sz="3000" i="0" u="none" strike="noStrike" cap="none" dirty="0">
+              <a:rPr lang="en-US" sz="3000" b="1" i="0" u="none" strike="noStrike" cap="none" dirty="0">
                 <a:solidFill>
                   <a:srgbClr val="00FF00"/>
                 </a:solidFill>
@@ -26635,7 +26610,7 @@
               <a:t>&gt;&gt;&gt; </a:t>
             </a:r>
             <a:r>
-              <a:rPr lang="en-US" sz="3000" i="0" u="none" strike="noStrike" cap="none" dirty="0" err="1">
+              <a:rPr lang="en-US" sz="3000" b="1" i="0" u="none" strike="noStrike" cap="none" dirty="0" err="1">
                 <a:solidFill>
                   <a:srgbClr val="00FF00"/>
                 </a:solidFill>
@@ -26647,7 +26622,7 @@
               <a:t>lst.</a:t>
             </a:r>
             <a:r>
-              <a:rPr lang="en-US" sz="3000" i="0" u="none" strike="noStrike" cap="none" dirty="0" err="1">
+              <a:rPr lang="en-US" sz="3000" b="1" i="0" u="none" strike="noStrike" cap="none" dirty="0" err="1">
                 <a:solidFill>
                   <a:srgbClr val="FF00FF"/>
                 </a:solidFill>
@@ -26659,7 +26634,7 @@
               <a:t>append</a:t>
             </a:r>
             <a:r>
-              <a:rPr lang="en-US" sz="3000" i="0" u="none" strike="noStrike" cap="none" dirty="0">
+              <a:rPr lang="en-US" sz="3000" b="1" i="0" u="none" strike="noStrike" cap="none" dirty="0">
                 <a:solidFill>
                   <a:srgbClr val="00FF00"/>
                 </a:solidFill>
@@ -26671,7 +26646,7 @@
               <a:t>(</a:t>
             </a:r>
             <a:r>
-              <a:rPr lang="en-US" sz="3000" i="0" u="none" strike="noStrike" cap="none" dirty="0">
+              <a:rPr lang="en-US" sz="3000" b="1" i="0" u="none" strike="noStrike" cap="none" dirty="0">
                 <a:solidFill>
                   <a:srgbClr val="FFFF00"/>
                 </a:solidFill>
@@ -26683,7 +26658,7 @@
               <a:t>183</a:t>
             </a:r>
             <a:r>
-              <a:rPr lang="en-US" sz="3000" i="0" u="none" strike="noStrike" cap="none" dirty="0">
+              <a:rPr lang="en-US" sz="3000" b="1" i="0" u="none" strike="noStrike" cap="none" dirty="0">
                 <a:solidFill>
                   <a:srgbClr val="00FF00"/>
                 </a:solidFill>
@@ -26714,7 +26689,7 @@
               <a:buNone/>
             </a:pPr>
             <a:r>
-              <a:rPr lang="en-US" sz="3000" i="0" u="none" strike="noStrike" cap="none" dirty="0">
+              <a:rPr lang="en-US" sz="3000" b="1" i="0" u="none" strike="noStrike" cap="none" dirty="0">
                 <a:solidFill>
                   <a:srgbClr val="00FF00"/>
                 </a:solidFill>
@@ -26726,7 +26701,7 @@
               <a:t>&gt;&gt;&gt; </a:t>
             </a:r>
             <a:r>
-              <a:rPr lang="en-US" sz="3000" i="0" u="none" strike="noStrike" cap="none" dirty="0" smtClean="0">
+              <a:rPr lang="en-US" sz="3000" b="1" i="0" u="none" strike="noStrike" cap="none" dirty="0" smtClean="0">
                 <a:solidFill>
                   <a:srgbClr val="FFFF00"/>
                 </a:solidFill>
@@ -26738,7 +26713,7 @@
               <a:t>print(</a:t>
             </a:r>
             <a:r>
-              <a:rPr lang="en-US" sz="3000" i="0" u="none" strike="noStrike" cap="none" dirty="0" err="1" smtClean="0">
+              <a:rPr lang="en-US" sz="3000" b="1" i="0" u="none" strike="noStrike" cap="none" dirty="0" err="1" smtClean="0">
                 <a:solidFill>
                   <a:srgbClr val="00FF00"/>
                 </a:solidFill>
@@ -26750,7 +26725,7 @@
               <a:t>lst</a:t>
             </a:r>
             <a:r>
-              <a:rPr lang="en-US" sz="3000" i="0" u="none" strike="noStrike" cap="none" dirty="0" smtClean="0">
+              <a:rPr lang="en-US" sz="3000" b="1" i="0" u="none" strike="noStrike" cap="none" dirty="0" smtClean="0">
                 <a:solidFill>
                   <a:srgbClr val="FFFF00"/>
                 </a:solidFill>
@@ -26761,7 +26736,7 @@
               </a:rPr>
               <a:t>)</a:t>
             </a:r>
-            <a:endParaRPr lang="en-US" sz="3000" i="0" u="none" strike="noStrike" cap="none" dirty="0">
+            <a:endParaRPr lang="en-US" sz="3000" b="1" i="0" u="none" strike="noStrike" cap="none" dirty="0">
               <a:solidFill>
                 <a:srgbClr val="FFFF00"/>
               </a:solidFill>
@@ -26790,7 +26765,7 @@
               <a:buNone/>
             </a:pPr>
             <a:r>
-              <a:rPr lang="en-US" sz="3000" i="0" u="none" strike="noStrike" cap="none" dirty="0">
+              <a:rPr lang="en-US" sz="3000" b="1" i="0" u="none" strike="noStrike" cap="none" dirty="0">
                 <a:solidFill>
                   <a:srgbClr val="00FF00"/>
                 </a:solidFill>
@@ -26802,7 +26777,7 @@
               <a:t>[</a:t>
             </a:r>
             <a:r>
-              <a:rPr lang="en-US" sz="3000" i="0" u="none" strike="noStrike" cap="none" dirty="0">
+              <a:rPr lang="en-US" sz="3000" b="1" i="0" u="none" strike="noStrike" cap="none" dirty="0">
                 <a:solidFill>
                   <a:srgbClr val="FFFF00"/>
                 </a:solidFill>
@@ -26814,7 +26789,7 @@
               <a:t>21, 183</a:t>
             </a:r>
             <a:r>
-              <a:rPr lang="en-US" sz="3000" i="0" u="none" strike="noStrike" cap="none" dirty="0">
+              <a:rPr lang="en-US" sz="3000" b="1" i="0" u="none" strike="noStrike" cap="none" dirty="0">
                 <a:solidFill>
                   <a:srgbClr val="00FF00"/>
                 </a:solidFill>
@@ -26845,7 +26820,7 @@
               <a:buNone/>
             </a:pPr>
             <a:r>
-              <a:rPr lang="en-US" sz="3000" i="0" u="none" strike="noStrike" cap="none" dirty="0">
+              <a:rPr lang="en-US" sz="3000" b="1" i="0" u="none" strike="noStrike" cap="none" dirty="0">
                 <a:solidFill>
                   <a:srgbClr val="00FF00"/>
                 </a:solidFill>
@@ -26857,7 +26832,7 @@
               <a:t>&gt;&gt;&gt; </a:t>
             </a:r>
             <a:r>
-              <a:rPr lang="en-US" sz="3000" i="0" u="none" strike="noStrike" cap="none" dirty="0" err="1">
+              <a:rPr lang="en-US" sz="3000" b="1" i="0" u="none" strike="noStrike" cap="none" dirty="0" err="1">
                 <a:solidFill>
                   <a:srgbClr val="00FF00"/>
                 </a:solidFill>
@@ -26869,7 +26844,7 @@
               <a:t>lst</a:t>
             </a:r>
             <a:r>
-              <a:rPr lang="en-US" sz="3000" i="0" u="none" strike="noStrike" cap="none" dirty="0">
+              <a:rPr lang="en-US" sz="3000" b="1" i="0" u="none" strike="noStrike" cap="none" dirty="0">
                 <a:solidFill>
                   <a:srgbClr val="00FF00"/>
                 </a:solidFill>
@@ -26881,7 +26856,7 @@
               <a:t>[</a:t>
             </a:r>
             <a:r>
-              <a:rPr lang="en-US" sz="3000" i="0" u="none" strike="noStrike" cap="none" dirty="0">
+              <a:rPr lang="en-US" sz="3000" b="1" i="0" u="none" strike="noStrike" cap="none" dirty="0">
                 <a:solidFill>
                   <a:srgbClr val="FFFFFF"/>
                 </a:solidFill>
@@ -26893,7 +26868,7 @@
               <a:t>0</a:t>
             </a:r>
             <a:r>
-              <a:rPr lang="en-US" sz="3000" i="0" u="none" strike="noStrike" cap="none" dirty="0">
+              <a:rPr lang="en-US" sz="3000" b="1" i="0" u="none" strike="noStrike" cap="none" dirty="0">
                 <a:solidFill>
                   <a:srgbClr val="00FF00"/>
                 </a:solidFill>
@@ -26905,7 +26880,7 @@
               <a:t>] = </a:t>
             </a:r>
             <a:r>
-              <a:rPr lang="en-US" sz="3000" i="0" u="none" strike="noStrike" cap="none" dirty="0">
+              <a:rPr lang="en-US" sz="3000" b="1" i="0" u="none" strike="noStrike" cap="none" dirty="0">
                 <a:solidFill>
                   <a:srgbClr val="FFFF00"/>
                 </a:solidFill>
@@ -26925,7 +26900,7 @@
               <a:buSzPct val="25000"/>
             </a:pPr>
             <a:r>
-              <a:rPr lang="en-US" sz="3000" i="0" u="none" strike="noStrike" cap="none" dirty="0">
+              <a:rPr lang="en-US" sz="3000" b="1" i="0" u="none" strike="noStrike" cap="none" dirty="0">
                 <a:solidFill>
                   <a:srgbClr val="00FF00"/>
                 </a:solidFill>
@@ -26937,7 +26912,7 @@
               <a:t>&gt;&gt;&gt; </a:t>
             </a:r>
             <a:r>
-              <a:rPr lang="en-US" sz="3000" i="0" u="none" strike="noStrike" cap="none" dirty="0" smtClean="0">
+              <a:rPr lang="en-US" sz="3000" b="1" i="0" u="none" strike="noStrike" cap="none" dirty="0" smtClean="0">
                 <a:solidFill>
                   <a:srgbClr val="FFFF00"/>
                 </a:solidFill>
@@ -26949,7 +26924,7 @@
               <a:t>print(</a:t>
             </a:r>
             <a:r>
-              <a:rPr lang="en-US" sz="3000" i="0" u="none" strike="noStrike" cap="none" dirty="0" err="1" smtClean="0">
+              <a:rPr lang="en-US" sz="3000" b="1" i="0" u="none" strike="noStrike" cap="none" dirty="0" err="1" smtClean="0">
                 <a:solidFill>
                   <a:srgbClr val="00FF00"/>
                 </a:solidFill>
@@ -26961,7 +26936,7 @@
               <a:t>lst</a:t>
             </a:r>
             <a:r>
-              <a:rPr lang="en-US" sz="3000" dirty="0" smtClean="0">
+              <a:rPr lang="en-US" sz="3000" b="1" dirty="0" smtClean="0">
                 <a:solidFill>
                   <a:srgbClr val="FFFF00"/>
                 </a:solidFill>
@@ -26972,7 +26947,7 @@
               </a:rPr>
               <a:t>)</a:t>
             </a:r>
-            <a:endParaRPr lang="en-US" sz="3000" i="0" u="none" strike="noStrike" cap="none" dirty="0">
+            <a:endParaRPr lang="en-US" sz="3000" b="1" i="0" u="none" strike="noStrike" cap="none" dirty="0">
               <a:solidFill>
                 <a:srgbClr val="00FF00"/>
               </a:solidFill>
@@ -27001,7 +26976,7 @@
               <a:buNone/>
             </a:pPr>
             <a:r>
-              <a:rPr lang="en-US" sz="3000" i="0" u="none" strike="noStrike" cap="none" dirty="0">
+              <a:rPr lang="en-US" sz="3000" b="1" i="0" u="none" strike="noStrike" cap="none" dirty="0">
                 <a:solidFill>
                   <a:srgbClr val="00FF00"/>
                 </a:solidFill>
@@ -27013,7 +26988,7 @@
               <a:t>[</a:t>
             </a:r>
             <a:r>
-              <a:rPr lang="en-US" sz="3000" i="0" u="none" strike="noStrike" cap="none" dirty="0">
+              <a:rPr lang="en-US" sz="3000" b="1" i="0" u="none" strike="noStrike" cap="none" dirty="0">
                 <a:solidFill>
                   <a:srgbClr val="FFFF00"/>
                 </a:solidFill>
@@ -27025,7 +27000,7 @@
               <a:t>23, 183</a:t>
             </a:r>
             <a:r>
-              <a:rPr lang="en-US" sz="3000" i="0" u="none" strike="noStrike" cap="none" dirty="0">
+              <a:rPr lang="en-US" sz="3000" b="1" i="0" u="none" strike="noStrike" cap="none" dirty="0">
                 <a:solidFill>
                   <a:srgbClr val="00FF00"/>
                 </a:solidFill>
@@ -27082,7 +27057,7 @@
               <a:buNone/>
             </a:pPr>
             <a:r>
-              <a:rPr lang="en-US" sz="3000" i="0" u="none" strike="noStrike" cap="none" dirty="0">
+              <a:rPr lang="en-US" sz="3000" b="1" i="0" u="none" strike="noStrike" cap="none" dirty="0">
                 <a:solidFill>
                   <a:srgbClr val="FF00FF"/>
                 </a:solidFill>
@@ -27094,7 +27069,7 @@
               <a:t>&gt;&gt;&gt; </a:t>
             </a:r>
             <a:r>
-              <a:rPr lang="en-US" sz="3000" i="0" u="none" strike="noStrike" cap="none" dirty="0" err="1">
+              <a:rPr lang="en-US" sz="3000" b="1" i="0" u="none" strike="noStrike" cap="none" dirty="0" err="1">
                 <a:solidFill>
                   <a:srgbClr val="FF00FF"/>
                 </a:solidFill>
@@ -27106,7 +27081,7 @@
               <a:t>ddd</a:t>
             </a:r>
             <a:r>
-              <a:rPr lang="en-US" sz="3000" i="0" u="none" strike="noStrike" cap="none" dirty="0">
+              <a:rPr lang="en-US" sz="3000" b="1" i="0" u="none" strike="noStrike" cap="none" dirty="0">
                 <a:solidFill>
                   <a:srgbClr val="FF00FF"/>
                 </a:solidFill>
@@ -27118,7 +27093,7 @@
               <a:t> =</a:t>
             </a:r>
             <a:r>
-              <a:rPr lang="en-US" sz="3000" i="0" u="none" strike="noStrike" cap="none" dirty="0">
+              <a:rPr lang="en-US" sz="3000" b="1" i="0" u="none" strike="noStrike" cap="none" dirty="0">
                 <a:solidFill>
                   <a:srgbClr val="0000FF"/>
                 </a:solidFill>
@@ -27130,7 +27105,7 @@
               <a:t> </a:t>
             </a:r>
             <a:r>
-              <a:rPr lang="en-US" sz="3000" i="0" u="none" strike="noStrike" cap="none" dirty="0" err="1">
+              <a:rPr lang="en-US" sz="3000" b="1" i="0" u="none" strike="noStrike" cap="none" dirty="0" err="1">
                 <a:solidFill>
                   <a:srgbClr val="00FFFF"/>
                 </a:solidFill>
@@ -27142,7 +27117,7 @@
               <a:t>dict</a:t>
             </a:r>
             <a:r>
-              <a:rPr lang="en-US" sz="3000" i="0" u="none" strike="noStrike" cap="none" dirty="0">
+              <a:rPr lang="en-US" sz="3000" b="1" i="0" u="none" strike="noStrike" cap="none" dirty="0">
                 <a:solidFill>
                   <a:srgbClr val="00FFFF"/>
                 </a:solidFill>
@@ -27173,7 +27148,7 @@
               <a:buNone/>
             </a:pPr>
             <a:r>
-              <a:rPr lang="en-US" sz="3000" i="0" u="none" strike="noStrike" cap="none" dirty="0">
+              <a:rPr lang="en-US" sz="3000" b="1" i="0" u="none" strike="noStrike" cap="none" dirty="0">
                 <a:solidFill>
                   <a:srgbClr val="FF00FF"/>
                 </a:solidFill>
@@ -27185,7 +27160,7 @@
               <a:t>&gt;&gt;&gt; </a:t>
             </a:r>
             <a:r>
-              <a:rPr lang="en-US" sz="3000" i="0" u="none" strike="noStrike" cap="none" dirty="0" err="1">
+              <a:rPr lang="en-US" sz="3000" b="1" i="0" u="none" strike="noStrike" cap="none" dirty="0" err="1">
                 <a:solidFill>
                   <a:srgbClr val="FF00FF"/>
                 </a:solidFill>
@@ -27197,7 +27172,7 @@
               <a:t>ddd</a:t>
             </a:r>
             <a:r>
-              <a:rPr lang="en-US" sz="3000" i="0" u="none" strike="noStrike" cap="none" dirty="0">
+              <a:rPr lang="en-US" sz="3000" b="1" i="0" u="none" strike="noStrike" cap="none" dirty="0">
                 <a:solidFill>
                   <a:srgbClr val="FF00FF"/>
                 </a:solidFill>
@@ -27209,7 +27184,7 @@
               <a:t>[</a:t>
             </a:r>
             <a:r>
-              <a:rPr lang="en-US" sz="3000" i="0" u="none" strike="noStrike" cap="none" dirty="0">
+              <a:rPr lang="en-US" sz="3000" b="1" i="0" u="none" strike="noStrike" cap="none" dirty="0">
                 <a:solidFill>
                   <a:srgbClr val="FF7F00"/>
                 </a:solidFill>
@@ -27221,7 +27196,7 @@
               <a:t>'age'</a:t>
             </a:r>
             <a:r>
-              <a:rPr lang="en-US" sz="3000" i="0" u="none" strike="noStrike" cap="none" dirty="0">
+              <a:rPr lang="en-US" sz="3000" b="1" i="0" u="none" strike="noStrike" cap="none" dirty="0">
                 <a:solidFill>
                   <a:srgbClr val="FF00FF"/>
                 </a:solidFill>
@@ -27233,7 +27208,7 @@
               <a:t>] = </a:t>
             </a:r>
             <a:r>
-              <a:rPr lang="en-US" sz="3000" i="0" u="none" strike="noStrike" cap="none" dirty="0">
+              <a:rPr lang="en-US" sz="3000" b="1" i="0" u="none" strike="noStrike" cap="none" dirty="0">
                 <a:solidFill>
                   <a:srgbClr val="FFFF00"/>
                 </a:solidFill>
@@ -27264,7 +27239,7 @@
               <a:buNone/>
             </a:pPr>
             <a:r>
-              <a:rPr lang="en-US" sz="3000" i="0" u="none" strike="noStrike" cap="none" dirty="0">
+              <a:rPr lang="en-US" sz="3000" b="1" i="0" u="none" strike="noStrike" cap="none" dirty="0">
                 <a:solidFill>
                   <a:srgbClr val="FF00FF"/>
                 </a:solidFill>
@@ -27276,7 +27251,7 @@
               <a:t>&gt;&gt;&gt; </a:t>
             </a:r>
             <a:r>
-              <a:rPr lang="en-US" sz="3000" i="0" u="none" strike="noStrike" cap="none" dirty="0" err="1">
+              <a:rPr lang="en-US" sz="3000" b="1" i="0" u="none" strike="noStrike" cap="none" dirty="0" err="1">
                 <a:solidFill>
                   <a:srgbClr val="FF00FF"/>
                 </a:solidFill>
@@ -27288,7 +27263,7 @@
               <a:t>ddd</a:t>
             </a:r>
             <a:r>
-              <a:rPr lang="en-US" sz="3000" i="0" u="none" strike="noStrike" cap="none" dirty="0">
+              <a:rPr lang="en-US" sz="3000" b="1" i="0" u="none" strike="noStrike" cap="none" dirty="0">
                 <a:solidFill>
                   <a:srgbClr val="FF00FF"/>
                 </a:solidFill>
@@ -27300,7 +27275,7 @@
               <a:t>[</a:t>
             </a:r>
             <a:r>
-              <a:rPr lang="en-US" sz="3000" i="0" u="none" strike="noStrike" cap="none" dirty="0">
+              <a:rPr lang="en-US" sz="3000" b="1" i="0" u="none" strike="noStrike" cap="none" dirty="0">
                 <a:solidFill>
                   <a:srgbClr val="FF7F00"/>
                 </a:solidFill>
@@ -27312,7 +27287,7 @@
               <a:t>'course'</a:t>
             </a:r>
             <a:r>
-              <a:rPr lang="en-US" sz="3000" i="0" u="none" strike="noStrike" cap="none" dirty="0">
+              <a:rPr lang="en-US" sz="3000" b="1" i="0" u="none" strike="noStrike" cap="none" dirty="0">
                 <a:solidFill>
                   <a:srgbClr val="FF00FF"/>
                 </a:solidFill>
@@ -27324,7 +27299,7 @@
               <a:t>] = </a:t>
             </a:r>
             <a:r>
-              <a:rPr lang="en-US" sz="3000" i="0" u="none" strike="noStrike" cap="none" dirty="0">
+              <a:rPr lang="en-US" sz="3000" b="1" i="0" u="none" strike="noStrike" cap="none" dirty="0">
                 <a:solidFill>
                   <a:srgbClr val="FFFF00"/>
                 </a:solidFill>
@@ -27344,7 +27319,7 @@
               <a:buSzPct val="25000"/>
             </a:pPr>
             <a:r>
-              <a:rPr lang="en-US" sz="3000" i="0" u="none" strike="noStrike" cap="none" dirty="0">
+              <a:rPr lang="en-US" sz="3000" b="1" i="0" u="none" strike="noStrike" cap="none" dirty="0">
                 <a:solidFill>
                   <a:srgbClr val="FF00FF"/>
                 </a:solidFill>
@@ -27356,7 +27331,7 @@
               <a:t>&gt;&gt;&gt; </a:t>
             </a:r>
             <a:r>
-              <a:rPr lang="en-US" sz="3000" i="0" u="none" strike="noStrike" cap="none" dirty="0" smtClean="0">
+              <a:rPr lang="en-US" sz="3000" b="1" i="0" u="none" strike="noStrike" cap="none" dirty="0" smtClean="0">
                 <a:solidFill>
                   <a:srgbClr val="FFFF00"/>
                 </a:solidFill>
@@ -27368,7 +27343,7 @@
               <a:t>print(</a:t>
             </a:r>
             <a:r>
-              <a:rPr lang="en-US" sz="3000" i="0" u="none" strike="noStrike" cap="none" dirty="0" err="1" smtClean="0">
+              <a:rPr lang="en-US" sz="3000" b="1" i="0" u="none" strike="noStrike" cap="none" dirty="0" err="1" smtClean="0">
                 <a:solidFill>
                   <a:srgbClr val="FF00FF"/>
                 </a:solidFill>
@@ -27380,7 +27355,7 @@
               <a:t>ddd</a:t>
             </a:r>
             <a:r>
-              <a:rPr lang="en-US" sz="3000" dirty="0" smtClean="0">
+              <a:rPr lang="en-US" sz="3000" b="1" dirty="0" smtClean="0">
                 <a:solidFill>
                   <a:srgbClr val="FFFF00"/>
                 </a:solidFill>
@@ -27391,7 +27366,7 @@
               </a:rPr>
               <a:t>)</a:t>
             </a:r>
-            <a:endParaRPr lang="en-US" sz="3000" i="0" u="none" strike="noStrike" cap="none" dirty="0">
+            <a:endParaRPr lang="en-US" sz="3000" b="1" i="0" u="none" strike="noStrike" cap="none" dirty="0">
               <a:solidFill>
                 <a:srgbClr val="FF00FF"/>
               </a:solidFill>
@@ -27420,7 +27395,7 @@
               <a:buNone/>
             </a:pPr>
             <a:r>
-              <a:rPr lang="en-US" sz="3000" i="0" u="none" strike="noStrike" cap="none" dirty="0">
+              <a:rPr lang="en-US" sz="3000" b="1" i="0" u="none" strike="noStrike" cap="none" dirty="0">
                 <a:solidFill>
                   <a:srgbClr val="FF00FF"/>
                 </a:solidFill>
@@ -27432,7 +27407,7 @@
               <a:t>{</a:t>
             </a:r>
             <a:r>
-              <a:rPr lang="en-US" sz="3000" i="0" u="none" strike="noStrike" cap="none" dirty="0">
+              <a:rPr lang="en-US" sz="3000" b="1" i="0" u="none" strike="noStrike" cap="none" dirty="0">
                 <a:solidFill>
                   <a:srgbClr val="FF7F00"/>
                 </a:solidFill>
@@ -27444,7 +27419,7 @@
               <a:t>'course'</a:t>
             </a:r>
             <a:r>
-              <a:rPr lang="en-US" sz="3000" i="0" u="none" strike="noStrike" cap="none" dirty="0">
+              <a:rPr lang="en-US" sz="3000" b="1" i="0" u="none" strike="noStrike" cap="none" dirty="0">
                 <a:solidFill>
                   <a:srgbClr val="FF00FF"/>
                 </a:solidFill>
@@ -27456,7 +27431,7 @@
               <a:t>: </a:t>
             </a:r>
             <a:r>
-              <a:rPr lang="en-US" sz="3000" i="0" u="none" strike="noStrike" cap="none" dirty="0">
+              <a:rPr lang="en-US" sz="3000" b="1" i="0" u="none" strike="noStrike" cap="none" dirty="0">
                 <a:solidFill>
                   <a:srgbClr val="FFFF00"/>
                 </a:solidFill>
@@ -27468,7 +27443,7 @@
               <a:t>182</a:t>
             </a:r>
             <a:r>
-              <a:rPr lang="en-US" sz="3000" i="0" u="none" strike="noStrike" cap="none" dirty="0">
+              <a:rPr lang="en-US" sz="3000" b="1" i="0" u="none" strike="noStrike" cap="none" dirty="0">
                 <a:solidFill>
                   <a:srgbClr val="FF00FF"/>
                 </a:solidFill>
@@ -27480,7 +27455,7 @@
               <a:t>, </a:t>
             </a:r>
             <a:r>
-              <a:rPr lang="en-US" sz="3000" i="0" u="none" strike="noStrike" cap="none" dirty="0">
+              <a:rPr lang="en-US" sz="3000" b="1" i="0" u="none" strike="noStrike" cap="none" dirty="0">
                 <a:solidFill>
                   <a:srgbClr val="FF7F00"/>
                 </a:solidFill>
@@ -27492,7 +27467,7 @@
               <a:t>'age'</a:t>
             </a:r>
             <a:r>
-              <a:rPr lang="en-US" sz="3000" i="0" u="none" strike="noStrike" cap="none" dirty="0">
+              <a:rPr lang="en-US" sz="3000" b="1" i="0" u="none" strike="noStrike" cap="none" dirty="0">
                 <a:solidFill>
                   <a:srgbClr val="FF00FF"/>
                 </a:solidFill>
@@ -27504,7 +27479,7 @@
               <a:t>: </a:t>
             </a:r>
             <a:r>
-              <a:rPr lang="en-US" sz="3000" i="0" u="none" strike="noStrike" cap="none" dirty="0">
+              <a:rPr lang="en-US" sz="3000" b="1" i="0" u="none" strike="noStrike" cap="none" dirty="0">
                 <a:solidFill>
                   <a:srgbClr val="FFFF00"/>
                 </a:solidFill>
@@ -27516,7 +27491,7 @@
               <a:t>21</a:t>
             </a:r>
             <a:r>
-              <a:rPr lang="en-US" sz="3000" i="0" u="none" strike="noStrike" cap="none" dirty="0">
+              <a:rPr lang="en-US" sz="3000" b="1" i="0" u="none" strike="noStrike" cap="none" dirty="0">
                 <a:solidFill>
                   <a:srgbClr val="FF00FF"/>
                 </a:solidFill>
@@ -27547,7 +27522,7 @@
               <a:buNone/>
             </a:pPr>
             <a:r>
-              <a:rPr lang="en-US" sz="3000" i="0" u="none" strike="noStrike" cap="none" dirty="0">
+              <a:rPr lang="en-US" sz="3000" b="1" i="0" u="none" strike="noStrike" cap="none" dirty="0">
                 <a:solidFill>
                   <a:srgbClr val="FF00FF"/>
                 </a:solidFill>
@@ -27559,7 +27534,7 @@
               <a:t>&gt;&gt;&gt; </a:t>
             </a:r>
             <a:r>
-              <a:rPr lang="en-US" sz="3000" i="0" u="none" strike="noStrike" cap="none" dirty="0" err="1">
+              <a:rPr lang="en-US" sz="3000" b="1" i="0" u="none" strike="noStrike" cap="none" dirty="0" err="1">
                 <a:solidFill>
                   <a:srgbClr val="FF00FF"/>
                 </a:solidFill>
@@ -27571,7 +27546,7 @@
               <a:t>ddd</a:t>
             </a:r>
             <a:r>
-              <a:rPr lang="en-US" sz="3000" i="0" u="none" strike="noStrike" cap="none" dirty="0">
+              <a:rPr lang="en-US" sz="3000" b="1" i="0" u="none" strike="noStrike" cap="none" dirty="0">
                 <a:solidFill>
                   <a:srgbClr val="FF00FF"/>
                 </a:solidFill>
@@ -27583,7 +27558,7 @@
               <a:t>[</a:t>
             </a:r>
             <a:r>
-              <a:rPr lang="en-US" sz="3000" i="0" u="none" strike="noStrike" cap="none" dirty="0">
+              <a:rPr lang="en-US" sz="3000" b="1" i="0" u="none" strike="noStrike" cap="none" dirty="0">
                 <a:solidFill>
                   <a:srgbClr val="FF7F00"/>
                 </a:solidFill>
@@ -27595,7 +27570,7 @@
               <a:t>'age'</a:t>
             </a:r>
             <a:r>
-              <a:rPr lang="en-US" sz="3000" i="0" u="none" strike="noStrike" cap="none" dirty="0">
+              <a:rPr lang="en-US" sz="3000" b="1" i="0" u="none" strike="noStrike" cap="none" dirty="0">
                 <a:solidFill>
                   <a:srgbClr val="FF00FF"/>
                 </a:solidFill>
@@ -27615,7 +27590,7 @@
               <a:buSzPct val="25000"/>
             </a:pPr>
             <a:r>
-              <a:rPr lang="en-US" sz="3000" i="0" u="none" strike="noStrike" cap="none" dirty="0">
+              <a:rPr lang="en-US" sz="3000" b="1" i="0" u="none" strike="noStrike" cap="none" dirty="0">
                 <a:solidFill>
                   <a:srgbClr val="FF00FF"/>
                 </a:solidFill>
@@ -27627,7 +27602,7 @@
               <a:t>&gt;&gt;&gt; </a:t>
             </a:r>
             <a:r>
-              <a:rPr lang="en-US" sz="3000" i="0" u="none" strike="noStrike" cap="none" dirty="0" smtClean="0">
+              <a:rPr lang="en-US" sz="3000" b="1" i="0" u="none" strike="noStrike" cap="none" dirty="0" smtClean="0">
                 <a:solidFill>
                   <a:srgbClr val="FFFF00"/>
                 </a:solidFill>
@@ -27639,7 +27614,7 @@
               <a:t>print(</a:t>
             </a:r>
             <a:r>
-              <a:rPr lang="en-US" sz="3000" i="0" u="none" strike="noStrike" cap="none" dirty="0" err="1" smtClean="0">
+              <a:rPr lang="en-US" sz="3000" b="1" i="0" u="none" strike="noStrike" cap="none" dirty="0" err="1" smtClean="0">
                 <a:solidFill>
                   <a:srgbClr val="FF00FF"/>
                 </a:solidFill>
@@ -27651,7 +27626,7 @@
               <a:t>ddd</a:t>
             </a:r>
             <a:r>
-              <a:rPr lang="en-US" sz="3000" dirty="0" smtClean="0">
+              <a:rPr lang="en-US" sz="3000" b="1" dirty="0" smtClean="0">
                 <a:solidFill>
                   <a:srgbClr val="FFFF00"/>
                 </a:solidFill>
@@ -27662,7 +27637,7 @@
               </a:rPr>
               <a:t>)</a:t>
             </a:r>
-            <a:endParaRPr lang="en-US" sz="3000" i="0" u="none" strike="noStrike" cap="none" dirty="0">
+            <a:endParaRPr lang="en-US" sz="3000" b="1" i="0" u="none" strike="noStrike" cap="none" dirty="0">
               <a:solidFill>
                 <a:srgbClr val="FF00FF"/>
               </a:solidFill>
@@ -27691,7 +27666,7 @@
               <a:buNone/>
             </a:pPr>
             <a:r>
-              <a:rPr lang="en-US" sz="3000" i="0" u="none" strike="noStrike" cap="none" dirty="0">
+              <a:rPr lang="en-US" sz="3000" b="1" i="0" u="none" strike="noStrike" cap="none" dirty="0">
                 <a:solidFill>
                   <a:srgbClr val="FF00FF"/>
                 </a:solidFill>
@@ -27703,7 +27678,7 @@
               <a:t>{</a:t>
             </a:r>
             <a:r>
-              <a:rPr lang="en-US" sz="3000" i="0" u="none" strike="noStrike" cap="none" dirty="0">
+              <a:rPr lang="en-US" sz="3000" b="1" i="0" u="none" strike="noStrike" cap="none" dirty="0">
                 <a:solidFill>
                   <a:srgbClr val="FF7F00"/>
                 </a:solidFill>
@@ -27715,7 +27690,7 @@
               <a:t>'course'</a:t>
             </a:r>
             <a:r>
-              <a:rPr lang="en-US" sz="3000" i="0" u="none" strike="noStrike" cap="none" dirty="0">
+              <a:rPr lang="en-US" sz="3000" b="1" i="0" u="none" strike="noStrike" cap="none" dirty="0">
                 <a:solidFill>
                   <a:srgbClr val="FF00FF"/>
                 </a:solidFill>
@@ -27727,7 +27702,7 @@
               <a:t>: </a:t>
             </a:r>
             <a:r>
-              <a:rPr lang="en-US" sz="3000" i="0" u="none" strike="noStrike" cap="none" dirty="0">
+              <a:rPr lang="en-US" sz="3000" b="1" i="0" u="none" strike="noStrike" cap="none" dirty="0">
                 <a:solidFill>
                   <a:srgbClr val="FFFF00"/>
                 </a:solidFill>
@@ -27739,7 +27714,7 @@
               <a:t>182</a:t>
             </a:r>
             <a:r>
-              <a:rPr lang="en-US" sz="3000" i="0" u="none" strike="noStrike" cap="none" dirty="0">
+              <a:rPr lang="en-US" sz="3000" b="1" i="0" u="none" strike="noStrike" cap="none" dirty="0">
                 <a:solidFill>
                   <a:srgbClr val="FF00FF"/>
                 </a:solidFill>
@@ -27751,7 +27726,7 @@
               <a:t>, </a:t>
             </a:r>
             <a:r>
-              <a:rPr lang="en-US" sz="3000" i="0" u="none" strike="noStrike" cap="none" dirty="0">
+              <a:rPr lang="en-US" sz="3000" b="1" i="0" u="none" strike="noStrike" cap="none" dirty="0">
                 <a:solidFill>
                   <a:srgbClr val="FF7F00"/>
                 </a:solidFill>
@@ -27763,7 +27738,7 @@
               <a:t>'age'</a:t>
             </a:r>
             <a:r>
-              <a:rPr lang="en-US" sz="3000" i="0" u="none" strike="noStrike" cap="none" dirty="0">
+              <a:rPr lang="en-US" sz="3000" b="1" i="0" u="none" strike="noStrike" cap="none" dirty="0">
                 <a:solidFill>
                   <a:srgbClr val="FF00FF"/>
                 </a:solidFill>
@@ -27775,7 +27750,7 @@
               <a:t>: </a:t>
             </a:r>
             <a:r>
-              <a:rPr lang="en-US" sz="3000" i="0" u="none" strike="noStrike" cap="none" dirty="0">
+              <a:rPr lang="en-US" sz="3000" b="1" i="0" u="none" strike="noStrike" cap="none" dirty="0">
                 <a:solidFill>
                   <a:srgbClr val="FFFF00"/>
                 </a:solidFill>
@@ -27787,7 +27762,7 @@
               <a:t>23</a:t>
             </a:r>
             <a:r>
-              <a:rPr lang="en-US" sz="3000" i="0" u="none" strike="noStrike" cap="none" dirty="0">
+              <a:rPr lang="en-US" sz="3000" b="1" i="0" u="none" strike="noStrike" cap="none" dirty="0">
                 <a:solidFill>
                   <a:srgbClr val="FF00FF"/>
                 </a:solidFill>
@@ -27809,7 +27784,7 @@
   <p:timing>
     <p:tnLst>
       <p:par>
-        <p:cTn xmlns:p14="http://schemas.microsoft.com/office/powerpoint/2010/main" id="1" dur="indefinite" restart="never" nodeType="tmRoot"/>
+        <p:cTn id="1" dur="indefinite" restart="never" nodeType="tmRoot"/>
       </p:par>
     </p:tnLst>
   </p:timing>
@@ -27876,7 +27851,7 @@
               <a:buNone/>
             </a:pPr>
             <a:r>
-              <a:rPr lang="en-US" sz="2800" i="0" u="none" strike="noStrike" cap="none" dirty="0">
+              <a:rPr lang="en-US" sz="2800" b="1" i="0" u="none" strike="noStrike" cap="none" dirty="0">
                 <a:solidFill>
                   <a:srgbClr val="00FF00"/>
                 </a:solidFill>
@@ -27888,7 +27863,7 @@
               <a:t>&gt;&gt;&gt; </a:t>
             </a:r>
             <a:r>
-              <a:rPr lang="en-US" sz="2800" i="0" u="none" strike="noStrike" cap="none" dirty="0" err="1">
+              <a:rPr lang="en-US" sz="2800" b="1" i="0" u="none" strike="noStrike" cap="none" dirty="0" err="1">
                 <a:solidFill>
                   <a:srgbClr val="00FF00"/>
                 </a:solidFill>
@@ -27900,7 +27875,7 @@
               <a:t>lst</a:t>
             </a:r>
             <a:r>
-              <a:rPr lang="en-US" sz="2800" i="0" u="none" strike="noStrike" cap="none" dirty="0">
+              <a:rPr lang="en-US" sz="2800" b="1" i="0" u="none" strike="noStrike" cap="none" dirty="0">
                 <a:solidFill>
                   <a:srgbClr val="00FF00"/>
                 </a:solidFill>
@@ -27912,7 +27887,7 @@
               <a:t> =</a:t>
             </a:r>
             <a:r>
-              <a:rPr lang="en-US" sz="2800" i="0" u="none" strike="noStrike" cap="none" dirty="0">
+              <a:rPr lang="en-US" sz="2800" b="1" i="0" u="none" strike="noStrike" cap="none" dirty="0">
                 <a:solidFill>
                   <a:srgbClr val="0000FF"/>
                 </a:solidFill>
@@ -27924,7 +27899,7 @@
               <a:t> </a:t>
             </a:r>
             <a:r>
-              <a:rPr lang="en-US" sz="2800" i="0" u="none" strike="noStrike" cap="none" dirty="0">
+              <a:rPr lang="en-US" sz="2800" b="1" i="0" u="none" strike="noStrike" cap="none" dirty="0">
                 <a:solidFill>
                   <a:srgbClr val="00FFFF"/>
                 </a:solidFill>
@@ -27955,7 +27930,7 @@
               <a:buNone/>
             </a:pPr>
             <a:r>
-              <a:rPr lang="en-US" sz="2800" i="0" u="none" strike="noStrike" cap="none" dirty="0">
+              <a:rPr lang="en-US" sz="2800" b="1" i="0" u="none" strike="noStrike" cap="none" dirty="0">
                 <a:solidFill>
                   <a:srgbClr val="00FF00"/>
                 </a:solidFill>
@@ -27967,7 +27942,7 @@
               <a:t>&gt;&gt;&gt; </a:t>
             </a:r>
             <a:r>
-              <a:rPr lang="en-US" sz="2800" i="0" u="none" strike="noStrike" cap="none" dirty="0" err="1">
+              <a:rPr lang="en-US" sz="2800" b="1" i="0" u="none" strike="noStrike" cap="none" dirty="0" err="1">
                 <a:solidFill>
                   <a:srgbClr val="00FF00"/>
                 </a:solidFill>
@@ -27979,7 +27954,7 @@
               <a:t>lst.append</a:t>
             </a:r>
             <a:r>
-              <a:rPr lang="en-US" sz="2800" i="0" u="none" strike="noStrike" cap="none" dirty="0">
+              <a:rPr lang="en-US" sz="2800" b="1" i="0" u="none" strike="noStrike" cap="none" dirty="0">
                 <a:solidFill>
                   <a:srgbClr val="00FF00"/>
                 </a:solidFill>
@@ -27991,7 +27966,7 @@
               <a:t>(</a:t>
             </a:r>
             <a:r>
-              <a:rPr lang="en-US" sz="2800" i="0" u="none" strike="noStrike" cap="none" dirty="0">
+              <a:rPr lang="en-US" sz="2800" b="1" i="0" u="none" strike="noStrike" cap="none" dirty="0">
                 <a:solidFill>
                   <a:srgbClr val="FFFF00"/>
                 </a:solidFill>
@@ -28003,7 +27978,7 @@
               <a:t>21</a:t>
             </a:r>
             <a:r>
-              <a:rPr lang="en-US" sz="2800" i="0" u="none" strike="noStrike" cap="none" dirty="0">
+              <a:rPr lang="en-US" sz="2800" b="1" i="0" u="none" strike="noStrike" cap="none" dirty="0">
                 <a:solidFill>
                   <a:srgbClr val="00FF00"/>
                 </a:solidFill>
@@ -28034,7 +28009,7 @@
               <a:buNone/>
             </a:pPr>
             <a:r>
-              <a:rPr lang="en-US" sz="2800" i="0" u="none" strike="noStrike" cap="none" dirty="0">
+              <a:rPr lang="en-US" sz="2800" b="1" i="0" u="none" strike="noStrike" cap="none" dirty="0">
                 <a:solidFill>
                   <a:srgbClr val="00FF00"/>
                 </a:solidFill>
@@ -28046,7 +28021,7 @@
               <a:t>&gt;&gt;&gt; </a:t>
             </a:r>
             <a:r>
-              <a:rPr lang="en-US" sz="2800" i="0" u="none" strike="noStrike" cap="none" dirty="0" err="1">
+              <a:rPr lang="en-US" sz="2800" b="1" i="0" u="none" strike="noStrike" cap="none" dirty="0" err="1">
                 <a:solidFill>
                   <a:srgbClr val="00FF00"/>
                 </a:solidFill>
@@ -28058,7 +28033,7 @@
               <a:t>lst.append</a:t>
             </a:r>
             <a:r>
-              <a:rPr lang="en-US" sz="2800" i="0" u="none" strike="noStrike" cap="none" dirty="0">
+              <a:rPr lang="en-US" sz="2800" b="1" i="0" u="none" strike="noStrike" cap="none" dirty="0">
                 <a:solidFill>
                   <a:srgbClr val="00FF00"/>
                 </a:solidFill>
@@ -28070,7 +28045,7 @@
               <a:t>(</a:t>
             </a:r>
             <a:r>
-              <a:rPr lang="en-US" sz="2800" i="0" u="none" strike="noStrike" cap="none" dirty="0">
+              <a:rPr lang="en-US" sz="2800" b="1" i="0" u="none" strike="noStrike" cap="none" dirty="0">
                 <a:solidFill>
                   <a:srgbClr val="FFFF00"/>
                 </a:solidFill>
@@ -28082,7 +28057,7 @@
               <a:t>183</a:t>
             </a:r>
             <a:r>
-              <a:rPr lang="en-US" sz="2800" i="0" u="none" strike="noStrike" cap="none" dirty="0">
+              <a:rPr lang="en-US" sz="2800" b="1" i="0" u="none" strike="noStrike" cap="none" dirty="0">
                 <a:solidFill>
                   <a:srgbClr val="00FF00"/>
                 </a:solidFill>
@@ -28102,7 +28077,7 @@
               <a:buSzPct val="25000"/>
             </a:pPr>
             <a:r>
-              <a:rPr lang="en-US" sz="2800" i="0" u="none" strike="noStrike" cap="none" dirty="0">
+              <a:rPr lang="en-US" sz="2800" b="1" i="0" u="none" strike="noStrike" cap="none" dirty="0">
                 <a:solidFill>
                   <a:srgbClr val="00FF00"/>
                 </a:solidFill>
@@ -28114,7 +28089,7 @@
               <a:t>&gt;&gt;&gt; </a:t>
             </a:r>
             <a:r>
-              <a:rPr lang="en-US" sz="2800" i="0" u="none" strike="noStrike" cap="none" dirty="0" smtClean="0">
+              <a:rPr lang="en-US" sz="2800" b="1" i="0" u="none" strike="noStrike" cap="none" dirty="0" smtClean="0">
                 <a:solidFill>
                   <a:srgbClr val="FFFF00"/>
                 </a:solidFill>
@@ -28126,7 +28101,7 @@
               <a:t>print(</a:t>
             </a:r>
             <a:r>
-              <a:rPr lang="en-US" sz="2800" i="0" u="none" strike="noStrike" cap="none" dirty="0" err="1" smtClean="0">
+              <a:rPr lang="en-US" sz="2800" b="1" i="0" u="none" strike="noStrike" cap="none" dirty="0" err="1" smtClean="0">
                 <a:solidFill>
                   <a:srgbClr val="00FF00"/>
                 </a:solidFill>
@@ -28138,7 +28113,7 @@
               <a:t>lst</a:t>
             </a:r>
             <a:r>
-              <a:rPr lang="en-US" sz="2800" dirty="0" smtClean="0">
+              <a:rPr lang="en-US" sz="2800" b="1" dirty="0" smtClean="0">
                 <a:solidFill>
                   <a:srgbClr val="FFFF00"/>
                 </a:solidFill>
@@ -28149,7 +28124,7 @@
               </a:rPr>
               <a:t>)</a:t>
             </a:r>
-            <a:endParaRPr lang="en-US" sz="2800" i="0" u="none" strike="noStrike" cap="none" dirty="0">
+            <a:endParaRPr lang="en-US" sz="2800" b="1" i="0" u="none" strike="noStrike" cap="none" dirty="0">
               <a:solidFill>
                 <a:srgbClr val="00FF00"/>
               </a:solidFill>
@@ -28178,7 +28153,7 @@
               <a:buNone/>
             </a:pPr>
             <a:r>
-              <a:rPr lang="en-US" sz="2800" i="0" u="none" strike="noStrike" cap="none" dirty="0">
+              <a:rPr lang="en-US" sz="2800" b="1" i="0" u="none" strike="noStrike" cap="none" dirty="0">
                 <a:solidFill>
                   <a:srgbClr val="00FF00"/>
                 </a:solidFill>
@@ -28190,7 +28165,7 @@
               <a:t>[</a:t>
             </a:r>
             <a:r>
-              <a:rPr lang="en-US" sz="2800" i="0" u="none" strike="noStrike" cap="none" dirty="0">
+              <a:rPr lang="en-US" sz="2800" b="1" i="0" u="none" strike="noStrike" cap="none" dirty="0">
                 <a:solidFill>
                   <a:srgbClr val="FFFF00"/>
                 </a:solidFill>
@@ -28202,7 +28177,7 @@
               <a:t>21, 183</a:t>
             </a:r>
             <a:r>
-              <a:rPr lang="en-US" sz="2800" i="0" u="none" strike="noStrike" cap="none" dirty="0">
+              <a:rPr lang="en-US" sz="2800" b="1" i="0" u="none" strike="noStrike" cap="none" dirty="0">
                 <a:solidFill>
                   <a:srgbClr val="00FF00"/>
                 </a:solidFill>
@@ -28233,7 +28208,7 @@
               <a:buNone/>
             </a:pPr>
             <a:r>
-              <a:rPr lang="en-US" sz="2800" i="0" u="none" strike="noStrike" cap="none" dirty="0">
+              <a:rPr lang="en-US" sz="2800" b="1" i="0" u="none" strike="noStrike" cap="none" dirty="0">
                 <a:solidFill>
                   <a:srgbClr val="00FF00"/>
                 </a:solidFill>
@@ -28245,7 +28220,7 @@
               <a:t>&gt;&gt;&gt; </a:t>
             </a:r>
             <a:r>
-              <a:rPr lang="en-US" sz="2800" i="0" u="none" strike="noStrike" cap="none" dirty="0" err="1">
+              <a:rPr lang="en-US" sz="2800" b="1" i="0" u="none" strike="noStrike" cap="none" dirty="0" err="1">
                 <a:solidFill>
                   <a:srgbClr val="00FF00"/>
                 </a:solidFill>
@@ -28257,7 +28232,7 @@
               <a:t>lst</a:t>
             </a:r>
             <a:r>
-              <a:rPr lang="en-US" sz="2800" i="0" u="none" strike="noStrike" cap="none" dirty="0">
+              <a:rPr lang="en-US" sz="2800" b="1" i="0" u="none" strike="noStrike" cap="none" dirty="0">
                 <a:solidFill>
                   <a:srgbClr val="FF7F00"/>
                 </a:solidFill>
@@ -28269,7 +28244,7 @@
               <a:t>[0]</a:t>
             </a:r>
             <a:r>
-              <a:rPr lang="en-US" sz="2800" i="0" u="none" strike="noStrike" cap="none" dirty="0">
+              <a:rPr lang="en-US" sz="2800" b="1" i="0" u="none" strike="noStrike" cap="none" dirty="0">
                 <a:solidFill>
                   <a:srgbClr val="00FF00"/>
                 </a:solidFill>
@@ -28281,7 +28256,7 @@
               <a:t> = </a:t>
             </a:r>
             <a:r>
-              <a:rPr lang="en-US" sz="2800" i="0" u="none" strike="noStrike" cap="none" dirty="0">
+              <a:rPr lang="en-US" sz="2800" b="1" i="0" u="none" strike="noStrike" cap="none" dirty="0">
                 <a:solidFill>
                   <a:srgbClr val="FFFF00"/>
                 </a:solidFill>
@@ -28301,7 +28276,7 @@
               <a:buSzPct val="25000"/>
             </a:pPr>
             <a:r>
-              <a:rPr lang="en-US" sz="2800" i="0" u="none" strike="noStrike" cap="none" dirty="0">
+              <a:rPr lang="en-US" sz="2800" b="1" i="0" u="none" strike="noStrike" cap="none" dirty="0">
                 <a:solidFill>
                   <a:srgbClr val="00FF00"/>
                 </a:solidFill>
@@ -28313,7 +28288,7 @@
               <a:t>&gt;&gt;&gt; </a:t>
             </a:r>
             <a:r>
-              <a:rPr lang="en-US" sz="2800" i="0" u="none" strike="noStrike" cap="none" dirty="0" smtClean="0">
+              <a:rPr lang="en-US" sz="2800" b="1" i="0" u="none" strike="noStrike" cap="none" dirty="0" smtClean="0">
                 <a:solidFill>
                   <a:srgbClr val="FFFF00"/>
                 </a:solidFill>
@@ -28325,7 +28300,7 @@
               <a:t>print(</a:t>
             </a:r>
             <a:r>
-              <a:rPr lang="en-US" sz="2800" i="0" u="none" strike="noStrike" cap="none" dirty="0" err="1" smtClean="0">
+              <a:rPr lang="en-US" sz="2800" b="1" i="0" u="none" strike="noStrike" cap="none" dirty="0" err="1" smtClean="0">
                 <a:solidFill>
                   <a:srgbClr val="00FF00"/>
                 </a:solidFill>
@@ -28337,7 +28312,7 @@
               <a:t>lst</a:t>
             </a:r>
             <a:r>
-              <a:rPr lang="en-US" sz="2800" dirty="0" smtClean="0">
+              <a:rPr lang="en-US" sz="2800" b="1" dirty="0" smtClean="0">
                 <a:solidFill>
                   <a:srgbClr val="FFFF00"/>
                 </a:solidFill>
@@ -28348,7 +28323,7 @@
               </a:rPr>
               <a:t>)</a:t>
             </a:r>
-            <a:endParaRPr lang="en-US" sz="2800" i="0" u="none" strike="noStrike" cap="none" dirty="0">
+            <a:endParaRPr lang="en-US" sz="2800" b="1" i="0" u="none" strike="noStrike" cap="none" dirty="0">
               <a:solidFill>
                 <a:srgbClr val="00FF00"/>
               </a:solidFill>
@@ -28377,7 +28352,7 @@
               <a:buNone/>
             </a:pPr>
             <a:r>
-              <a:rPr lang="en-US" sz="2800" i="0" u="none" strike="noStrike" cap="none" dirty="0">
+              <a:rPr lang="en-US" sz="2800" b="1" i="0" u="none" strike="noStrike" cap="none" dirty="0">
                 <a:solidFill>
                   <a:srgbClr val="00FF00"/>
                 </a:solidFill>
@@ -28389,7 +28364,7 @@
               <a:t>[</a:t>
             </a:r>
             <a:r>
-              <a:rPr lang="en-US" sz="2800" i="0" u="none" strike="noStrike" cap="none" dirty="0">
+              <a:rPr lang="en-US" sz="2800" b="1" i="0" u="none" strike="noStrike" cap="none" dirty="0">
                 <a:solidFill>
                   <a:srgbClr val="FFFF00"/>
                 </a:solidFill>
@@ -28401,7 +28376,7 @@
               <a:t>23, 183</a:t>
             </a:r>
             <a:r>
-              <a:rPr lang="en-US" sz="2800" i="0" u="none" strike="noStrike" cap="none" dirty="0">
+              <a:rPr lang="en-US" sz="2800" b="1" i="0" u="none" strike="noStrike" cap="none" dirty="0">
                 <a:solidFill>
                   <a:srgbClr val="00FF00"/>
                 </a:solidFill>
@@ -28458,7 +28433,7 @@
               <a:buNone/>
             </a:pPr>
             <a:r>
-              <a:rPr lang="en-US" sz="2800" i="0" u="none" strike="noStrike" cap="none" dirty="0">
+              <a:rPr lang="en-US" sz="2800" b="1" i="0" u="none" strike="noStrike" cap="none" dirty="0">
                 <a:solidFill>
                   <a:srgbClr val="FF00FF"/>
                 </a:solidFill>
@@ -28470,7 +28445,7 @@
               <a:t>&gt;&gt;&gt; </a:t>
             </a:r>
             <a:r>
-              <a:rPr lang="en-US" sz="2800" i="0" u="none" strike="noStrike" cap="none" dirty="0" err="1">
+              <a:rPr lang="en-US" sz="2800" b="1" i="0" u="none" strike="noStrike" cap="none" dirty="0" err="1">
                 <a:solidFill>
                   <a:srgbClr val="FF00FF"/>
                 </a:solidFill>
@@ -28482,7 +28457,7 @@
               <a:t>ddd</a:t>
             </a:r>
             <a:r>
-              <a:rPr lang="en-US" sz="2800" i="0" u="none" strike="noStrike" cap="none" dirty="0">
+              <a:rPr lang="en-US" sz="2800" b="1" i="0" u="none" strike="noStrike" cap="none" dirty="0">
                 <a:solidFill>
                   <a:srgbClr val="FF00FF"/>
                 </a:solidFill>
@@ -28494,7 +28469,7 @@
               <a:t> = </a:t>
             </a:r>
             <a:r>
-              <a:rPr lang="en-US" sz="2800" i="0" u="none" strike="noStrike" cap="none" dirty="0" err="1">
+              <a:rPr lang="en-US" sz="2800" b="1" i="0" u="none" strike="noStrike" cap="none" dirty="0" err="1">
                 <a:solidFill>
                   <a:srgbClr val="00FFFF"/>
                 </a:solidFill>
@@ -28506,7 +28481,7 @@
               <a:t>dict</a:t>
             </a:r>
             <a:r>
-              <a:rPr lang="en-US" sz="2800" i="0" u="none" strike="noStrike" cap="none" dirty="0">
+              <a:rPr lang="en-US" sz="2800" b="1" i="0" u="none" strike="noStrike" cap="none" dirty="0">
                 <a:solidFill>
                   <a:srgbClr val="00FFFF"/>
                 </a:solidFill>
@@ -28537,7 +28512,7 @@
               <a:buNone/>
             </a:pPr>
             <a:r>
-              <a:rPr lang="en-US" sz="2800" i="0" u="none" strike="noStrike" cap="none" dirty="0">
+              <a:rPr lang="en-US" sz="2800" b="1" i="0" u="none" strike="noStrike" cap="none" dirty="0">
                 <a:solidFill>
                   <a:srgbClr val="FF00FF"/>
                 </a:solidFill>
@@ -28549,7 +28524,7 @@
               <a:t>&gt;&gt;&gt; </a:t>
             </a:r>
             <a:r>
-              <a:rPr lang="en-US" sz="2800" i="0" u="none" strike="noStrike" cap="none" dirty="0" err="1">
+              <a:rPr lang="en-US" sz="2800" b="1" i="0" u="none" strike="noStrike" cap="none" dirty="0" err="1">
                 <a:solidFill>
                   <a:srgbClr val="FF00FF"/>
                 </a:solidFill>
@@ -28561,7 +28536,7 @@
               <a:t>ddd</a:t>
             </a:r>
             <a:r>
-              <a:rPr lang="en-US" sz="2800" i="0" u="none" strike="noStrike" cap="none" dirty="0">
+              <a:rPr lang="en-US" sz="2800" b="1" i="0" u="none" strike="noStrike" cap="none" dirty="0">
                 <a:solidFill>
                   <a:srgbClr val="FF00FF"/>
                 </a:solidFill>
@@ -28573,7 +28548,7 @@
               <a:t>[</a:t>
             </a:r>
             <a:r>
-              <a:rPr lang="en-US" sz="2800" i="0" u="none" strike="noStrike" cap="none" dirty="0">
+              <a:rPr lang="en-US" sz="2800" b="1" i="0" u="none" strike="noStrike" cap="none" dirty="0">
                 <a:solidFill>
                   <a:srgbClr val="FF7F00"/>
                 </a:solidFill>
@@ -28585,7 +28560,7 @@
               <a:t>'age'</a:t>
             </a:r>
             <a:r>
-              <a:rPr lang="en-US" sz="2800" i="0" u="none" strike="noStrike" cap="none" dirty="0">
+              <a:rPr lang="en-US" sz="2800" b="1" i="0" u="none" strike="noStrike" cap="none" dirty="0">
                 <a:solidFill>
                   <a:srgbClr val="FF00FF"/>
                 </a:solidFill>
@@ -28597,7 +28572,7 @@
               <a:t>] = </a:t>
             </a:r>
             <a:r>
-              <a:rPr lang="en-US" sz="2800" i="0" u="none" strike="noStrike" cap="none" dirty="0">
+              <a:rPr lang="en-US" sz="2800" b="1" i="0" u="none" strike="noStrike" cap="none" dirty="0">
                 <a:solidFill>
                   <a:srgbClr val="FFFF00"/>
                 </a:solidFill>
@@ -28628,7 +28603,7 @@
               <a:buNone/>
             </a:pPr>
             <a:r>
-              <a:rPr lang="en-US" sz="2800" i="0" u="none" strike="noStrike" cap="none" dirty="0">
+              <a:rPr lang="en-US" sz="2800" b="1" i="0" u="none" strike="noStrike" cap="none" dirty="0">
                 <a:solidFill>
                   <a:srgbClr val="FF00FF"/>
                 </a:solidFill>
@@ -28640,7 +28615,7 @@
               <a:t>&gt;&gt;&gt; </a:t>
             </a:r>
             <a:r>
-              <a:rPr lang="en-US" sz="2800" i="0" u="none" strike="noStrike" cap="none" dirty="0" err="1">
+              <a:rPr lang="en-US" sz="2800" b="1" i="0" u="none" strike="noStrike" cap="none" dirty="0" err="1">
                 <a:solidFill>
                   <a:srgbClr val="FF00FF"/>
                 </a:solidFill>
@@ -28652,7 +28627,7 @@
               <a:t>ddd</a:t>
             </a:r>
             <a:r>
-              <a:rPr lang="en-US" sz="2800" i="0" u="none" strike="noStrike" cap="none" dirty="0">
+              <a:rPr lang="en-US" sz="2800" b="1" i="0" u="none" strike="noStrike" cap="none" dirty="0">
                 <a:solidFill>
                   <a:srgbClr val="FF00FF"/>
                 </a:solidFill>
@@ -28664,7 +28639,7 @@
               <a:t>[</a:t>
             </a:r>
             <a:r>
-              <a:rPr lang="en-US" sz="2800" i="0" u="none" strike="noStrike" cap="none" dirty="0">
+              <a:rPr lang="en-US" sz="2800" b="1" i="0" u="none" strike="noStrike" cap="none" dirty="0">
                 <a:solidFill>
                   <a:srgbClr val="FF7F00"/>
                 </a:solidFill>
@@ -28676,7 +28651,7 @@
               <a:t>'course'</a:t>
             </a:r>
             <a:r>
-              <a:rPr lang="en-US" sz="2800" i="0" u="none" strike="noStrike" cap="none" dirty="0">
+              <a:rPr lang="en-US" sz="2800" b="1" i="0" u="none" strike="noStrike" cap="none" dirty="0">
                 <a:solidFill>
                   <a:srgbClr val="FF00FF"/>
                 </a:solidFill>
@@ -28688,7 +28663,7 @@
               <a:t>] = </a:t>
             </a:r>
             <a:r>
-              <a:rPr lang="en-US" sz="2800" i="0" u="none" strike="noStrike" cap="none" dirty="0">
+              <a:rPr lang="en-US" sz="2800" b="1" i="0" u="none" strike="noStrike" cap="none" dirty="0">
                 <a:solidFill>
                   <a:srgbClr val="FFFF00"/>
                 </a:solidFill>
@@ -28708,7 +28683,7 @@
               <a:buSzPct val="25000"/>
             </a:pPr>
             <a:r>
-              <a:rPr lang="en-US" sz="2800" i="0" u="none" strike="noStrike" cap="none" dirty="0">
+              <a:rPr lang="en-US" sz="2800" b="1" i="0" u="none" strike="noStrike" cap="none" dirty="0">
                 <a:solidFill>
                   <a:srgbClr val="FF00FF"/>
                 </a:solidFill>
@@ -28720,7 +28695,7 @@
               <a:t>&gt;&gt;&gt; </a:t>
             </a:r>
             <a:r>
-              <a:rPr lang="en-US" sz="2800" i="0" u="none" strike="noStrike" cap="none" dirty="0" smtClean="0">
+              <a:rPr lang="en-US" sz="2800" b="1" i="0" u="none" strike="noStrike" cap="none" dirty="0" smtClean="0">
                 <a:solidFill>
                   <a:srgbClr val="FFFF00"/>
                 </a:solidFill>
@@ -28732,7 +28707,7 @@
               <a:t>print(</a:t>
             </a:r>
             <a:r>
-              <a:rPr lang="en-US" sz="2800" i="0" u="none" strike="noStrike" cap="none" dirty="0" err="1" smtClean="0">
+              <a:rPr lang="en-US" sz="2800" b="1" i="0" u="none" strike="noStrike" cap="none" dirty="0" err="1" smtClean="0">
                 <a:solidFill>
                   <a:srgbClr val="FF00FF"/>
                 </a:solidFill>
@@ -28744,7 +28719,7 @@
               <a:t>ddd</a:t>
             </a:r>
             <a:r>
-              <a:rPr lang="en-US" sz="2800" dirty="0" smtClean="0">
+              <a:rPr lang="en-US" sz="2800" b="1" dirty="0" smtClean="0">
                 <a:solidFill>
                   <a:srgbClr val="FFFF00"/>
                 </a:solidFill>
@@ -28755,7 +28730,7 @@
               </a:rPr>
               <a:t>)</a:t>
             </a:r>
-            <a:endParaRPr lang="en-US" sz="2800" i="0" u="none" strike="noStrike" cap="none" dirty="0">
+            <a:endParaRPr lang="en-US" sz="2800" b="1" i="0" u="none" strike="noStrike" cap="none" dirty="0">
               <a:solidFill>
                 <a:srgbClr val="FF00FF"/>
               </a:solidFill>
@@ -28784,7 +28759,7 @@
               <a:buNone/>
             </a:pPr>
             <a:r>
-              <a:rPr lang="en-US" sz="2800" i="0" u="none" strike="noStrike" cap="none" dirty="0">
+              <a:rPr lang="en-US" sz="2800" b="1" i="0" u="none" strike="noStrike" cap="none" dirty="0">
                 <a:solidFill>
                   <a:srgbClr val="FF00FF"/>
                 </a:solidFill>
@@ -28796,7 +28771,7 @@
               <a:t>{</a:t>
             </a:r>
             <a:r>
-              <a:rPr lang="en-US" sz="2800" i="0" u="none" strike="noStrike" cap="none" dirty="0">
+              <a:rPr lang="en-US" sz="2800" b="1" i="0" u="none" strike="noStrike" cap="none" dirty="0">
                 <a:solidFill>
                   <a:srgbClr val="FF7F00"/>
                 </a:solidFill>
@@ -28808,7 +28783,7 @@
               <a:t>'course'</a:t>
             </a:r>
             <a:r>
-              <a:rPr lang="en-US" sz="2800" i="0" u="none" strike="noStrike" cap="none" dirty="0">
+              <a:rPr lang="en-US" sz="2800" b="1" i="0" u="none" strike="noStrike" cap="none" dirty="0">
                 <a:solidFill>
                   <a:srgbClr val="FF00FF"/>
                 </a:solidFill>
@@ -28820,7 +28795,7 @@
               <a:t>: </a:t>
             </a:r>
             <a:r>
-              <a:rPr lang="en-US" sz="2800" i="0" u="none" strike="noStrike" cap="none" dirty="0">
+              <a:rPr lang="en-US" sz="2800" b="1" i="0" u="none" strike="noStrike" cap="none" dirty="0">
                 <a:solidFill>
                   <a:srgbClr val="FFFF00"/>
                 </a:solidFill>
@@ -28832,7 +28807,7 @@
               <a:t>182</a:t>
             </a:r>
             <a:r>
-              <a:rPr lang="en-US" sz="2800" i="0" u="none" strike="noStrike" cap="none" dirty="0">
+              <a:rPr lang="en-US" sz="2800" b="1" i="0" u="none" strike="noStrike" cap="none" dirty="0">
                 <a:solidFill>
                   <a:srgbClr val="FF00FF"/>
                 </a:solidFill>
@@ -28844,7 +28819,7 @@
               <a:t>, </a:t>
             </a:r>
             <a:r>
-              <a:rPr lang="en-US" sz="2800" i="0" u="none" strike="noStrike" cap="none" dirty="0">
+              <a:rPr lang="en-US" sz="2800" b="1" i="0" u="none" strike="noStrike" cap="none" dirty="0">
                 <a:solidFill>
                   <a:srgbClr val="FF7F00"/>
                 </a:solidFill>
@@ -28856,7 +28831,7 @@
               <a:t>'age'</a:t>
             </a:r>
             <a:r>
-              <a:rPr lang="en-US" sz="2800" i="0" u="none" strike="noStrike" cap="none" dirty="0">
+              <a:rPr lang="en-US" sz="2800" b="1" i="0" u="none" strike="noStrike" cap="none" dirty="0">
                 <a:solidFill>
                   <a:srgbClr val="FF00FF"/>
                 </a:solidFill>
@@ -28868,7 +28843,7 @@
               <a:t>: </a:t>
             </a:r>
             <a:r>
-              <a:rPr lang="en-US" sz="2800" i="0" u="none" strike="noStrike" cap="none" dirty="0">
+              <a:rPr lang="en-US" sz="2800" b="1" i="0" u="none" strike="noStrike" cap="none" dirty="0">
                 <a:solidFill>
                   <a:srgbClr val="FFFF00"/>
                 </a:solidFill>
@@ -28880,7 +28855,7 @@
               <a:t>21</a:t>
             </a:r>
             <a:r>
-              <a:rPr lang="en-US" sz="2800" i="0" u="none" strike="noStrike" cap="none" dirty="0">
+              <a:rPr lang="en-US" sz="2800" b="1" i="0" u="none" strike="noStrike" cap="none" dirty="0">
                 <a:solidFill>
                   <a:srgbClr val="FF00FF"/>
                 </a:solidFill>
@@ -28911,7 +28886,7 @@
               <a:buNone/>
             </a:pPr>
             <a:r>
-              <a:rPr lang="en-US" sz="2800" i="0" u="none" strike="noStrike" cap="none" dirty="0">
+              <a:rPr lang="en-US" sz="2800" b="1" i="0" u="none" strike="noStrike" cap="none" dirty="0">
                 <a:solidFill>
                   <a:srgbClr val="FF00FF"/>
                 </a:solidFill>
@@ -28923,7 +28898,7 @@
               <a:t>&gt;&gt;&gt; </a:t>
             </a:r>
             <a:r>
-              <a:rPr lang="en-US" sz="2800" i="0" u="none" strike="noStrike" cap="none" dirty="0" err="1">
+              <a:rPr lang="en-US" sz="2800" b="1" i="0" u="none" strike="noStrike" cap="none" dirty="0" err="1">
                 <a:solidFill>
                   <a:srgbClr val="FF00FF"/>
                 </a:solidFill>
@@ -28935,7 +28910,7 @@
               <a:t>ddd</a:t>
             </a:r>
             <a:r>
-              <a:rPr lang="en-US" sz="2800" i="0" u="none" strike="noStrike" cap="none" dirty="0">
+              <a:rPr lang="en-US" sz="2800" b="1" i="0" u="none" strike="noStrike" cap="none" dirty="0">
                 <a:solidFill>
                   <a:srgbClr val="FF00FF"/>
                 </a:solidFill>
@@ -28947,7 +28922,7 @@
               <a:t>[</a:t>
             </a:r>
             <a:r>
-              <a:rPr lang="en-US" sz="2800" i="0" u="none" strike="noStrike" cap="none" dirty="0">
+              <a:rPr lang="en-US" sz="2800" b="1" i="0" u="none" strike="noStrike" cap="none" dirty="0">
                 <a:solidFill>
                   <a:srgbClr val="FF7F00"/>
                 </a:solidFill>
@@ -28959,7 +28934,7 @@
               <a:t>'age'</a:t>
             </a:r>
             <a:r>
-              <a:rPr lang="en-US" sz="2800" i="0" u="none" strike="noStrike" cap="none" dirty="0">
+              <a:rPr lang="en-US" sz="2800" b="1" i="0" u="none" strike="noStrike" cap="none" dirty="0">
                 <a:solidFill>
                   <a:srgbClr val="FF00FF"/>
                 </a:solidFill>
@@ -28979,7 +28954,7 @@
               <a:buSzPct val="25000"/>
             </a:pPr>
             <a:r>
-              <a:rPr lang="en-US" sz="2800" i="0" u="none" strike="noStrike" cap="none" dirty="0">
+              <a:rPr lang="en-US" sz="2800" b="1" i="0" u="none" strike="noStrike" cap="none" dirty="0">
                 <a:solidFill>
                   <a:srgbClr val="FF00FF"/>
                 </a:solidFill>
@@ -28991,7 +28966,7 @@
               <a:t>&gt;&gt;&gt; </a:t>
             </a:r>
             <a:r>
-              <a:rPr lang="en-US" sz="2800" i="0" u="none" strike="noStrike" cap="none" dirty="0" smtClean="0">
+              <a:rPr lang="en-US" sz="2800" b="1" i="0" u="none" strike="noStrike" cap="none" dirty="0" smtClean="0">
                 <a:solidFill>
                   <a:srgbClr val="FFFF00"/>
                 </a:solidFill>
@@ -29003,7 +28978,7 @@
               <a:t>print(</a:t>
             </a:r>
             <a:r>
-              <a:rPr lang="en-US" sz="2800" i="0" u="none" strike="noStrike" cap="none" dirty="0" err="1" smtClean="0">
+              <a:rPr lang="en-US" sz="2800" b="1" i="0" u="none" strike="noStrike" cap="none" dirty="0" err="1" smtClean="0">
                 <a:solidFill>
                   <a:srgbClr val="FF00FF"/>
                 </a:solidFill>
@@ -29015,7 +28990,7 @@
               <a:t>ddd</a:t>
             </a:r>
             <a:r>
-              <a:rPr lang="en-US" sz="2800" dirty="0" smtClean="0">
+              <a:rPr lang="en-US" sz="2800" b="1" dirty="0" smtClean="0">
                 <a:solidFill>
                   <a:srgbClr val="FFFF00"/>
                 </a:solidFill>
@@ -29026,7 +29001,7 @@
               </a:rPr>
               <a:t>)</a:t>
             </a:r>
-            <a:endParaRPr lang="en-US" sz="2800" i="0" u="none" strike="noStrike" cap="none" dirty="0">
+            <a:endParaRPr lang="en-US" sz="2800" b="1" i="0" u="none" strike="noStrike" cap="none" dirty="0">
               <a:solidFill>
                 <a:srgbClr val="FF00FF"/>
               </a:solidFill>
@@ -29055,7 +29030,7 @@
               <a:buNone/>
             </a:pPr>
             <a:r>
-              <a:rPr lang="en-US" sz="2800" i="0" u="none" strike="noStrike" cap="none" dirty="0">
+              <a:rPr lang="en-US" sz="2800" b="1" i="0" u="none" strike="noStrike" cap="none" dirty="0">
                 <a:solidFill>
                   <a:srgbClr val="FF00FF"/>
                 </a:solidFill>
@@ -29067,7 +29042,7 @@
               <a:t>{</a:t>
             </a:r>
             <a:r>
-              <a:rPr lang="en-US" sz="2800" i="0" u="none" strike="noStrike" cap="none" dirty="0">
+              <a:rPr lang="en-US" sz="2800" b="1" i="0" u="none" strike="noStrike" cap="none" dirty="0">
                 <a:solidFill>
                   <a:srgbClr val="FF7F00"/>
                 </a:solidFill>
@@ -29079,7 +29054,7 @@
               <a:t>'course'</a:t>
             </a:r>
             <a:r>
-              <a:rPr lang="en-US" sz="2800" i="0" u="none" strike="noStrike" cap="none" dirty="0">
+              <a:rPr lang="en-US" sz="2800" b="1" i="0" u="none" strike="noStrike" cap="none" dirty="0">
                 <a:solidFill>
                   <a:srgbClr val="FF00FF"/>
                 </a:solidFill>
@@ -29091,7 +29066,7 @@
               <a:t>: </a:t>
             </a:r>
             <a:r>
-              <a:rPr lang="en-US" sz="2800" i="0" u="none" strike="noStrike" cap="none" dirty="0">
+              <a:rPr lang="en-US" sz="2800" b="1" i="0" u="none" strike="noStrike" cap="none" dirty="0">
                 <a:solidFill>
                   <a:srgbClr val="FFFF00"/>
                 </a:solidFill>
@@ -29103,7 +29078,7 @@
               <a:t>182</a:t>
             </a:r>
             <a:r>
-              <a:rPr lang="en-US" sz="2800" i="0" u="none" strike="noStrike" cap="none" dirty="0">
+              <a:rPr lang="en-US" sz="2800" b="1" i="0" u="none" strike="noStrike" cap="none" dirty="0">
                 <a:solidFill>
                   <a:srgbClr val="FF00FF"/>
                 </a:solidFill>
@@ -29115,7 +29090,7 @@
               <a:t>, </a:t>
             </a:r>
             <a:r>
-              <a:rPr lang="en-US" sz="2800" i="0" u="none" strike="noStrike" cap="none" dirty="0">
+              <a:rPr lang="en-US" sz="2800" b="1" i="0" u="none" strike="noStrike" cap="none" dirty="0">
                 <a:solidFill>
                   <a:srgbClr val="FF7F00"/>
                 </a:solidFill>
@@ -29127,7 +29102,7 @@
               <a:t>'age'</a:t>
             </a:r>
             <a:r>
-              <a:rPr lang="en-US" sz="2800" i="0" u="none" strike="noStrike" cap="none" dirty="0">
+              <a:rPr lang="en-US" sz="2800" b="1" i="0" u="none" strike="noStrike" cap="none" dirty="0">
                 <a:solidFill>
                   <a:srgbClr val="FF00FF"/>
                 </a:solidFill>
@@ -29139,7 +29114,7 @@
               <a:t>: </a:t>
             </a:r>
             <a:r>
-              <a:rPr lang="en-US" sz="2800" i="0" u="none" strike="noStrike" cap="none" dirty="0">
+              <a:rPr lang="en-US" sz="2800" b="1" i="0" u="none" strike="noStrike" cap="none" dirty="0">
                 <a:solidFill>
                   <a:srgbClr val="FFFF00"/>
                 </a:solidFill>
@@ -29151,7 +29126,7 @@
               <a:t>23</a:t>
             </a:r>
             <a:r>
-              <a:rPr lang="en-US" sz="2800" i="0" u="none" strike="noStrike" cap="none" dirty="0">
+              <a:rPr lang="en-US" sz="2800" b="1" i="0" u="none" strike="noStrike" cap="none" dirty="0">
                 <a:solidFill>
                   <a:srgbClr val="FF00FF"/>
                 </a:solidFill>
@@ -30181,7 +30156,7 @@
   <p:timing>
     <p:tnLst>
       <p:par>
-        <p:cTn xmlns:p14="http://schemas.microsoft.com/office/powerpoint/2010/main" id="1" dur="indefinite" restart="never" nodeType="tmRoot"/>
+        <p:cTn id="1" dur="indefinite" restart="never" nodeType="tmRoot"/>
       </p:par>
     </p:tnLst>
   </p:timing>

--- a/lectures3/Pythonlearn-09-Dictionaries.pptx
+++ b/lectures3/Pythonlearn-09-Dictionaries.pptx
@@ -5,7 +5,7 @@
     <p:sldMasterId id="2147483704" r:id="rId1"/>
   </p:sldMasterIdLst>
   <p:notesMasterIdLst>
-    <p:notesMasterId r:id="rId31"/>
+    <p:notesMasterId r:id="rId33"/>
   </p:notesMasterIdLst>
   <p:sldIdLst>
     <p:sldId id="256" r:id="rId2"/>
@@ -20,23 +20,25 @@
     <p:sldId id="265" r:id="rId11"/>
     <p:sldId id="268" r:id="rId12"/>
     <p:sldId id="269" r:id="rId13"/>
-    <p:sldId id="270" r:id="rId14"/>
-    <p:sldId id="271" r:id="rId15"/>
-    <p:sldId id="272" r:id="rId16"/>
-    <p:sldId id="273" r:id="rId17"/>
-    <p:sldId id="274" r:id="rId18"/>
-    <p:sldId id="275" r:id="rId19"/>
-    <p:sldId id="276" r:id="rId20"/>
-    <p:sldId id="277" r:id="rId21"/>
-    <p:sldId id="279" r:id="rId22"/>
-    <p:sldId id="280" r:id="rId23"/>
-    <p:sldId id="281" r:id="rId24"/>
-    <p:sldId id="282" r:id="rId25"/>
-    <p:sldId id="283" r:id="rId26"/>
-    <p:sldId id="284" r:id="rId27"/>
-    <p:sldId id="288" r:id="rId28"/>
-    <p:sldId id="286" r:id="rId29"/>
-    <p:sldId id="287" r:id="rId30"/>
+    <p:sldId id="289" r:id="rId14"/>
+    <p:sldId id="270" r:id="rId15"/>
+    <p:sldId id="271" r:id="rId16"/>
+    <p:sldId id="272" r:id="rId17"/>
+    <p:sldId id="273" r:id="rId18"/>
+    <p:sldId id="274" r:id="rId19"/>
+    <p:sldId id="275" r:id="rId20"/>
+    <p:sldId id="276" r:id="rId21"/>
+    <p:sldId id="290" r:id="rId22"/>
+    <p:sldId id="277" r:id="rId23"/>
+    <p:sldId id="279" r:id="rId24"/>
+    <p:sldId id="280" r:id="rId25"/>
+    <p:sldId id="281" r:id="rId26"/>
+    <p:sldId id="282" r:id="rId27"/>
+    <p:sldId id="283" r:id="rId28"/>
+    <p:sldId id="284" r:id="rId29"/>
+    <p:sldId id="288" r:id="rId30"/>
+    <p:sldId id="286" r:id="rId31"/>
+    <p:sldId id="287" r:id="rId32"/>
   </p:sldIdLst>
   <p:sldSz cx="16256000" cy="9144000"/>
   <p:notesSz cx="6858000" cy="9144000"/>
@@ -575,13 +577,42 @@
               <a:buNone/>
             </a:pPr>
             <a:r>
-              <a:rPr lang="en-US">
+              <a:rPr lang="en-US" dirty="0">
                 <a:solidFill>
                   <a:schemeClr val="dk2"/>
                 </a:solidFill>
               </a:rPr>
-              <a:t>Note from Chuck.  If you are using these materials, you can remove the UM logo and replace it with your own, but please retain the CC-BY logo on the first page as well as retain the entire last page.</a:t>
-            </a:r>
+              <a:t>Note from Chuck.  If you are using these materials, you can remove the UM logo and replace it with your own, but please retain the CC-BY logo on the first page as well </a:t>
+            </a:r>
+            <a:r>
+              <a:rPr lang="en-US" dirty="0" smtClean="0">
+                <a:solidFill>
+                  <a:schemeClr val="dk2"/>
+                </a:solidFill>
+              </a:rPr>
+              <a:t>the acknowledgement page(s)</a:t>
+            </a:r>
+            <a:r>
+              <a:rPr lang="en-US" baseline="0" dirty="0" smtClean="0">
+                <a:solidFill>
+                  <a:schemeClr val="dk2"/>
+                </a:solidFill>
+              </a:rPr>
+              <a:t> at the end</a:t>
+            </a:r>
+            <a:r>
+              <a:rPr lang="en-US" dirty="0" smtClean="0">
+                <a:solidFill>
+                  <a:schemeClr val="dk2"/>
+                </a:solidFill>
+              </a:rPr>
+              <a:t>.</a:t>
+            </a:r>
+            <a:endParaRPr lang="en-US" dirty="0">
+              <a:solidFill>
+                <a:schemeClr val="dk2"/>
+              </a:solidFill>
+            </a:endParaRPr>
           </a:p>
         </p:txBody>
       </p:sp>
@@ -962,6 +993,112 @@
   <p:cSld>
     <p:spTree>
       <p:nvGrpSpPr>
+        <p:cNvPr id="1" name="Shape 327"/>
+        <p:cNvGrpSpPr/>
+        <p:nvPr/>
+      </p:nvGrpSpPr>
+      <p:grpSpPr>
+        <a:xfrm>
+          <a:off x="0" y="0"/>
+          <a:ext cx="0" cy="0"/>
+          <a:chOff x="0" y="0"/>
+          <a:chExt cx="0" cy="0"/>
+        </a:xfrm>
+      </p:grpSpPr>
+      <p:sp>
+        <p:nvSpPr>
+          <p:cNvPr id="328" name="Shape 328"/>
+          <p:cNvSpPr txBox="1">
+            <a:spLocks noGrp="1"/>
+          </p:cNvSpPr>
+          <p:nvPr>
+            <p:ph type="body" idx="1"/>
+          </p:nvPr>
+        </p:nvSpPr>
+        <p:spPr>
+          <a:xfrm>
+            <a:off x="685800" y="4343400"/>
+            <a:ext cx="5486399" cy="4114800"/>
+          </a:xfrm>
+          <a:prstGeom prst="rect">
+            <a:avLst/>
+          </a:prstGeom>
+        </p:spPr>
+        <p:txBody>
+          <a:bodyPr lIns="91425" tIns="91425" rIns="91425" bIns="91425" anchor="ctr" anchorCtr="0">
+            <a:noAutofit/>
+          </a:bodyPr>
+          <a:lstStyle/>
+          <a:p>
+            <a:pPr lvl="0">
+              <a:spcBef>
+                <a:spcPts val="0"/>
+              </a:spcBef>
+              <a:buNone/>
+            </a:pPr>
+            <a:endParaRPr/>
+          </a:p>
+        </p:txBody>
+      </p:sp>
+      <p:sp>
+        <p:nvSpPr>
+          <p:cNvPr id="329" name="Shape 329"/>
+          <p:cNvSpPr>
+            <a:spLocks noGrp="1" noRot="1" noChangeAspect="1"/>
+          </p:cNvSpPr>
+          <p:nvPr>
+            <p:ph type="sldImg" idx="2"/>
+          </p:nvPr>
+        </p:nvSpPr>
+        <p:spPr>
+          <a:xfrm>
+            <a:off x="381000" y="685800"/>
+            <a:ext cx="6096000" cy="3429000"/>
+          </a:xfrm>
+          <a:custGeom>
+            <a:avLst/>
+            <a:gdLst/>
+            <a:ahLst/>
+            <a:cxnLst/>
+            <a:rect l="0" t="0" r="0" b="0"/>
+            <a:pathLst>
+              <a:path w="120000" h="120000" extrusionOk="0">
+                <a:moveTo>
+                  <a:pt x="0" y="0"/>
+                </a:moveTo>
+                <a:lnTo>
+                  <a:pt x="120000" y="0"/>
+                </a:lnTo>
+                <a:lnTo>
+                  <a:pt x="120000" y="120000"/>
+                </a:lnTo>
+                <a:lnTo>
+                  <a:pt x="0" y="120000"/>
+                </a:lnTo>
+                <a:close/>
+              </a:path>
+            </a:pathLst>
+          </a:custGeom>
+        </p:spPr>
+      </p:sp>
+    </p:spTree>
+    <p:extLst>
+      <p:ext uri="{BB962C8B-B14F-4D97-AF65-F5344CB8AC3E}">
+        <p14:creationId xmlns:p14="http://schemas.microsoft.com/office/powerpoint/2010/main" val="136956958"/>
+      </p:ext>
+    </p:extLst>
+  </p:cSld>
+  <p:clrMapOvr>
+    <a:masterClrMapping/>
+  </p:clrMapOvr>
+</p:notes>
+</file>
+
+<file path=ppt/notesSlides/notesSlide14.xml><?xml version="1.0" encoding="utf-8"?>
+<p:notes xmlns:a="http://schemas.openxmlformats.org/drawingml/2006/main" xmlns:r="http://schemas.openxmlformats.org/officeDocument/2006/relationships" xmlns:p="http://schemas.openxmlformats.org/presentationml/2006/main" showMasterSp="0" showMasterPhAnim="0">
+  <p:cSld>
+    <p:spTree>
+      <p:nvGrpSpPr>
         <p:cNvPr id="1" name="Shape 345"/>
         <p:cNvGrpSpPr/>
         <p:nvPr/>
@@ -1063,7 +1200,7 @@
 </p:notes>
 </file>
 
-<file path=ppt/notesSlides/notesSlide14.xml><?xml version="1.0" encoding="utf-8"?>
+<file path=ppt/notesSlides/notesSlide15.xml><?xml version="1.0" encoding="utf-8"?>
 <p:notes xmlns:a="http://schemas.openxmlformats.org/drawingml/2006/main" xmlns:r="http://schemas.openxmlformats.org/officeDocument/2006/relationships" xmlns:p="http://schemas.openxmlformats.org/presentationml/2006/main" showMasterSp="0" showMasterPhAnim="0">
   <p:cSld>
     <p:spTree>
@@ -1169,7 +1306,7 @@
 </p:notes>
 </file>
 
-<file path=ppt/notesSlides/notesSlide15.xml><?xml version="1.0" encoding="utf-8"?>
+<file path=ppt/notesSlides/notesSlide16.xml><?xml version="1.0" encoding="utf-8"?>
 <p:notes xmlns:a="http://schemas.openxmlformats.org/drawingml/2006/main" xmlns:r="http://schemas.openxmlformats.org/officeDocument/2006/relationships" xmlns:p="http://schemas.openxmlformats.org/presentationml/2006/main" showMasterSp="0" showMasterPhAnim="0">
   <p:cSld>
     <p:spTree>
@@ -1275,7 +1412,7 @@
 </p:notes>
 </file>
 
-<file path=ppt/notesSlides/notesSlide16.xml><?xml version="1.0" encoding="utf-8"?>
+<file path=ppt/notesSlides/notesSlide17.xml><?xml version="1.0" encoding="utf-8"?>
 <p:notes xmlns:a="http://schemas.openxmlformats.org/drawingml/2006/main" xmlns:r="http://schemas.openxmlformats.org/officeDocument/2006/relationships" xmlns:p="http://schemas.openxmlformats.org/presentationml/2006/main" showMasterSp="0" showMasterPhAnim="0">
   <p:cSld>
     <p:spTree>
@@ -1381,7 +1518,7 @@
 </p:notes>
 </file>
 
-<file path=ppt/notesSlides/notesSlide17.xml><?xml version="1.0" encoding="utf-8"?>
+<file path=ppt/notesSlides/notesSlide18.xml><?xml version="1.0" encoding="utf-8"?>
 <p:notes xmlns:a="http://schemas.openxmlformats.org/drawingml/2006/main" xmlns:r="http://schemas.openxmlformats.org/officeDocument/2006/relationships" xmlns:p="http://schemas.openxmlformats.org/presentationml/2006/main" showMasterSp="0" showMasterPhAnim="0">
   <p:cSld>
     <p:spTree>
@@ -1487,7 +1624,7 @@
 </p:notes>
 </file>
 
-<file path=ppt/notesSlides/notesSlide18.xml><?xml version="1.0" encoding="utf-8"?>
+<file path=ppt/notesSlides/notesSlide19.xml><?xml version="1.0" encoding="utf-8"?>
 <p:notes xmlns:a="http://schemas.openxmlformats.org/drawingml/2006/main" xmlns:r="http://schemas.openxmlformats.org/officeDocument/2006/relationships" xmlns:p="http://schemas.openxmlformats.org/presentationml/2006/main" showMasterSp="0" showMasterPhAnim="0">
   <p:cSld>
     <p:spTree>
@@ -1584,112 +1721,6 @@
     <p:extLst>
       <p:ext uri="{BB962C8B-B14F-4D97-AF65-F5344CB8AC3E}">
         <p14:creationId xmlns:p14="http://schemas.microsoft.com/office/powerpoint/2010/main" val="700242332"/>
-      </p:ext>
-    </p:extLst>
-  </p:cSld>
-  <p:clrMapOvr>
-    <a:masterClrMapping/>
-  </p:clrMapOvr>
-</p:notes>
-</file>
-
-<file path=ppt/notesSlides/notesSlide19.xml><?xml version="1.0" encoding="utf-8"?>
-<p:notes xmlns:a="http://schemas.openxmlformats.org/drawingml/2006/main" xmlns:r="http://schemas.openxmlformats.org/officeDocument/2006/relationships" xmlns:p="http://schemas.openxmlformats.org/presentationml/2006/main" showMasterSp="0" showMasterPhAnim="0">
-  <p:cSld>
-    <p:spTree>
-      <p:nvGrpSpPr>
-        <p:cNvPr id="1" name="Shape 409"/>
-        <p:cNvGrpSpPr/>
-        <p:nvPr/>
-      </p:nvGrpSpPr>
-      <p:grpSpPr>
-        <a:xfrm>
-          <a:off x="0" y="0"/>
-          <a:ext cx="0" cy="0"/>
-          <a:chOff x="0" y="0"/>
-          <a:chExt cx="0" cy="0"/>
-        </a:xfrm>
-      </p:grpSpPr>
-      <p:sp>
-        <p:nvSpPr>
-          <p:cNvPr id="410" name="Shape 410"/>
-          <p:cNvSpPr txBox="1">
-            <a:spLocks noGrp="1"/>
-          </p:cNvSpPr>
-          <p:nvPr>
-            <p:ph type="body" idx="1"/>
-          </p:nvPr>
-        </p:nvSpPr>
-        <p:spPr>
-          <a:xfrm>
-            <a:off x="685800" y="4343400"/>
-            <a:ext cx="5486399" cy="4114800"/>
-          </a:xfrm>
-          <a:prstGeom prst="rect">
-            <a:avLst/>
-          </a:prstGeom>
-        </p:spPr>
-        <p:txBody>
-          <a:bodyPr lIns="91425" tIns="91425" rIns="91425" bIns="91425" anchor="ctr" anchorCtr="0">
-            <a:noAutofit/>
-          </a:bodyPr>
-          <a:lstStyle/>
-          <a:p>
-            <a:pPr lvl="0">
-              <a:spcBef>
-                <a:spcPts val="0"/>
-              </a:spcBef>
-              <a:buNone/>
-            </a:pPr>
-            <a:endParaRPr/>
-          </a:p>
-        </p:txBody>
-      </p:sp>
-      <p:sp>
-        <p:nvSpPr>
-          <p:cNvPr id="411" name="Shape 411"/>
-          <p:cNvSpPr>
-            <a:spLocks noGrp="1" noRot="1" noChangeAspect="1"/>
-          </p:cNvSpPr>
-          <p:nvPr>
-            <p:ph type="sldImg" idx="2"/>
-          </p:nvPr>
-        </p:nvSpPr>
-        <p:spPr>
-          <a:xfrm>
-            <a:off x="381000" y="685800"/>
-            <a:ext cx="6096000" cy="3429000"/>
-          </a:xfrm>
-          <a:custGeom>
-            <a:avLst/>
-            <a:gdLst/>
-            <a:ahLst/>
-            <a:cxnLst/>
-            <a:rect l="0" t="0" r="0" b="0"/>
-            <a:pathLst>
-              <a:path w="120000" h="120000" extrusionOk="0">
-                <a:moveTo>
-                  <a:pt x="0" y="0"/>
-                </a:moveTo>
-                <a:lnTo>
-                  <a:pt x="120000" y="0"/>
-                </a:lnTo>
-                <a:lnTo>
-                  <a:pt x="120000" y="120000"/>
-                </a:lnTo>
-                <a:lnTo>
-                  <a:pt x="0" y="120000"/>
-                </a:lnTo>
-                <a:close/>
-              </a:path>
-            </a:pathLst>
-          </a:custGeom>
-        </p:spPr>
-      </p:sp>
-    </p:spTree>
-    <p:extLst>
-      <p:ext uri="{BB962C8B-B14F-4D97-AF65-F5344CB8AC3E}">
-        <p14:creationId xmlns:p14="http://schemas.microsoft.com/office/powerpoint/2010/main" val="762488364"/>
       </p:ext>
     </p:extLst>
   </p:cSld>
@@ -1810,6 +1841,218 @@
   <p:cSld>
     <p:spTree>
       <p:nvGrpSpPr>
+        <p:cNvPr id="1" name="Shape 409"/>
+        <p:cNvGrpSpPr/>
+        <p:nvPr/>
+      </p:nvGrpSpPr>
+      <p:grpSpPr>
+        <a:xfrm>
+          <a:off x="0" y="0"/>
+          <a:ext cx="0" cy="0"/>
+          <a:chOff x="0" y="0"/>
+          <a:chExt cx="0" cy="0"/>
+        </a:xfrm>
+      </p:grpSpPr>
+      <p:sp>
+        <p:nvSpPr>
+          <p:cNvPr id="410" name="Shape 410"/>
+          <p:cNvSpPr txBox="1">
+            <a:spLocks noGrp="1"/>
+          </p:cNvSpPr>
+          <p:nvPr>
+            <p:ph type="body" idx="1"/>
+          </p:nvPr>
+        </p:nvSpPr>
+        <p:spPr>
+          <a:xfrm>
+            <a:off x="685800" y="4343400"/>
+            <a:ext cx="5486399" cy="4114800"/>
+          </a:xfrm>
+          <a:prstGeom prst="rect">
+            <a:avLst/>
+          </a:prstGeom>
+        </p:spPr>
+        <p:txBody>
+          <a:bodyPr lIns="91425" tIns="91425" rIns="91425" bIns="91425" anchor="ctr" anchorCtr="0">
+            <a:noAutofit/>
+          </a:bodyPr>
+          <a:lstStyle/>
+          <a:p>
+            <a:pPr lvl="0">
+              <a:spcBef>
+                <a:spcPts val="0"/>
+              </a:spcBef>
+              <a:buNone/>
+            </a:pPr>
+            <a:endParaRPr/>
+          </a:p>
+        </p:txBody>
+      </p:sp>
+      <p:sp>
+        <p:nvSpPr>
+          <p:cNvPr id="411" name="Shape 411"/>
+          <p:cNvSpPr>
+            <a:spLocks noGrp="1" noRot="1" noChangeAspect="1"/>
+          </p:cNvSpPr>
+          <p:nvPr>
+            <p:ph type="sldImg" idx="2"/>
+          </p:nvPr>
+        </p:nvSpPr>
+        <p:spPr>
+          <a:xfrm>
+            <a:off x="381000" y="685800"/>
+            <a:ext cx="6096000" cy="3429000"/>
+          </a:xfrm>
+          <a:custGeom>
+            <a:avLst/>
+            <a:gdLst/>
+            <a:ahLst/>
+            <a:cxnLst/>
+            <a:rect l="0" t="0" r="0" b="0"/>
+            <a:pathLst>
+              <a:path w="120000" h="120000" extrusionOk="0">
+                <a:moveTo>
+                  <a:pt x="0" y="0"/>
+                </a:moveTo>
+                <a:lnTo>
+                  <a:pt x="120000" y="0"/>
+                </a:lnTo>
+                <a:lnTo>
+                  <a:pt x="120000" y="120000"/>
+                </a:lnTo>
+                <a:lnTo>
+                  <a:pt x="0" y="120000"/>
+                </a:lnTo>
+                <a:close/>
+              </a:path>
+            </a:pathLst>
+          </a:custGeom>
+        </p:spPr>
+      </p:sp>
+    </p:spTree>
+    <p:extLst>
+      <p:ext uri="{BB962C8B-B14F-4D97-AF65-F5344CB8AC3E}">
+        <p14:creationId xmlns:p14="http://schemas.microsoft.com/office/powerpoint/2010/main" val="762488364"/>
+      </p:ext>
+    </p:extLst>
+  </p:cSld>
+  <p:clrMapOvr>
+    <a:masterClrMapping/>
+  </p:clrMapOvr>
+</p:notes>
+</file>
+
+<file path=ppt/notesSlides/notesSlide21.xml><?xml version="1.0" encoding="utf-8"?>
+<p:notes xmlns:a="http://schemas.openxmlformats.org/drawingml/2006/main" xmlns:r="http://schemas.openxmlformats.org/officeDocument/2006/relationships" xmlns:p="http://schemas.openxmlformats.org/presentationml/2006/main" showMasterSp="0" showMasterPhAnim="0">
+  <p:cSld>
+    <p:spTree>
+      <p:nvGrpSpPr>
+        <p:cNvPr id="1" name="Shape 409"/>
+        <p:cNvGrpSpPr/>
+        <p:nvPr/>
+      </p:nvGrpSpPr>
+      <p:grpSpPr>
+        <a:xfrm>
+          <a:off x="0" y="0"/>
+          <a:ext cx="0" cy="0"/>
+          <a:chOff x="0" y="0"/>
+          <a:chExt cx="0" cy="0"/>
+        </a:xfrm>
+      </p:grpSpPr>
+      <p:sp>
+        <p:nvSpPr>
+          <p:cNvPr id="410" name="Shape 410"/>
+          <p:cNvSpPr txBox="1">
+            <a:spLocks noGrp="1"/>
+          </p:cNvSpPr>
+          <p:nvPr>
+            <p:ph type="body" idx="1"/>
+          </p:nvPr>
+        </p:nvSpPr>
+        <p:spPr>
+          <a:xfrm>
+            <a:off x="685800" y="4343400"/>
+            <a:ext cx="5486399" cy="4114800"/>
+          </a:xfrm>
+          <a:prstGeom prst="rect">
+            <a:avLst/>
+          </a:prstGeom>
+        </p:spPr>
+        <p:txBody>
+          <a:bodyPr lIns="91425" tIns="91425" rIns="91425" bIns="91425" anchor="ctr" anchorCtr="0">
+            <a:noAutofit/>
+          </a:bodyPr>
+          <a:lstStyle/>
+          <a:p>
+            <a:pPr lvl="0">
+              <a:spcBef>
+                <a:spcPts val="0"/>
+              </a:spcBef>
+              <a:buNone/>
+            </a:pPr>
+            <a:endParaRPr/>
+          </a:p>
+        </p:txBody>
+      </p:sp>
+      <p:sp>
+        <p:nvSpPr>
+          <p:cNvPr id="411" name="Shape 411"/>
+          <p:cNvSpPr>
+            <a:spLocks noGrp="1" noRot="1" noChangeAspect="1"/>
+          </p:cNvSpPr>
+          <p:nvPr>
+            <p:ph type="sldImg" idx="2"/>
+          </p:nvPr>
+        </p:nvSpPr>
+        <p:spPr>
+          <a:xfrm>
+            <a:off x="381000" y="685800"/>
+            <a:ext cx="6096000" cy="3429000"/>
+          </a:xfrm>
+          <a:custGeom>
+            <a:avLst/>
+            <a:gdLst/>
+            <a:ahLst/>
+            <a:cxnLst/>
+            <a:rect l="0" t="0" r="0" b="0"/>
+            <a:pathLst>
+              <a:path w="120000" h="120000" extrusionOk="0">
+                <a:moveTo>
+                  <a:pt x="0" y="0"/>
+                </a:moveTo>
+                <a:lnTo>
+                  <a:pt x="120000" y="0"/>
+                </a:lnTo>
+                <a:lnTo>
+                  <a:pt x="120000" y="120000"/>
+                </a:lnTo>
+                <a:lnTo>
+                  <a:pt x="0" y="120000"/>
+                </a:lnTo>
+                <a:close/>
+              </a:path>
+            </a:pathLst>
+          </a:custGeom>
+        </p:spPr>
+      </p:sp>
+    </p:spTree>
+    <p:extLst>
+      <p:ext uri="{BB962C8B-B14F-4D97-AF65-F5344CB8AC3E}">
+        <p14:creationId xmlns:p14="http://schemas.microsoft.com/office/powerpoint/2010/main" val="1528882264"/>
+      </p:ext>
+    </p:extLst>
+  </p:cSld>
+  <p:clrMapOvr>
+    <a:masterClrMapping/>
+  </p:clrMapOvr>
+</p:notes>
+</file>
+
+<file path=ppt/notesSlides/notesSlide22.xml><?xml version="1.0" encoding="utf-8"?>
+<p:notes xmlns:a="http://schemas.openxmlformats.org/drawingml/2006/main" xmlns:r="http://schemas.openxmlformats.org/officeDocument/2006/relationships" xmlns:p="http://schemas.openxmlformats.org/presentationml/2006/main" showMasterSp="0" showMasterPhAnim="0">
+  <p:cSld>
+    <p:spTree>
+      <p:nvGrpSpPr>
         <p:cNvPr id="1" name="Shape 417"/>
         <p:cNvGrpSpPr/>
         <p:nvPr/>
@@ -1911,7 +2154,7 @@
 </p:notes>
 </file>
 
-<file path=ppt/notesSlides/notesSlide21.xml><?xml version="1.0" encoding="utf-8"?>
+<file path=ppt/notesSlides/notesSlide23.xml><?xml version="1.0" encoding="utf-8"?>
 <p:notes xmlns:a="http://schemas.openxmlformats.org/drawingml/2006/main" xmlns:r="http://schemas.openxmlformats.org/officeDocument/2006/relationships" xmlns:p="http://schemas.openxmlformats.org/presentationml/2006/main" showMasterSp="0" showMasterPhAnim="0">
   <p:cSld>
     <p:spTree>
@@ -2017,7 +2260,7 @@
 </p:notes>
 </file>
 
-<file path=ppt/notesSlides/notesSlide22.xml><?xml version="1.0" encoding="utf-8"?>
+<file path=ppt/notesSlides/notesSlide24.xml><?xml version="1.0" encoding="utf-8"?>
 <p:notes xmlns:a="http://schemas.openxmlformats.org/drawingml/2006/main" xmlns:r="http://schemas.openxmlformats.org/officeDocument/2006/relationships" xmlns:p="http://schemas.openxmlformats.org/presentationml/2006/main" showMasterSp="0" showMasterPhAnim="0">
   <p:cSld>
     <p:spTree>
@@ -2123,7 +2366,7 @@
 </p:notes>
 </file>
 
-<file path=ppt/notesSlides/notesSlide23.xml><?xml version="1.0" encoding="utf-8"?>
+<file path=ppt/notesSlides/notesSlide25.xml><?xml version="1.0" encoding="utf-8"?>
 <p:notes xmlns:a="http://schemas.openxmlformats.org/drawingml/2006/main" xmlns:r="http://schemas.openxmlformats.org/officeDocument/2006/relationships" xmlns:p="http://schemas.openxmlformats.org/presentationml/2006/main" showMasterSp="0" showMasterPhAnim="0">
   <p:cSld>
     <p:spTree>
@@ -2229,7 +2472,7 @@
 </p:notes>
 </file>
 
-<file path=ppt/notesSlides/notesSlide24.xml><?xml version="1.0" encoding="utf-8"?>
+<file path=ppt/notesSlides/notesSlide26.xml><?xml version="1.0" encoding="utf-8"?>
 <p:notes xmlns:a="http://schemas.openxmlformats.org/drawingml/2006/main" xmlns:r="http://schemas.openxmlformats.org/officeDocument/2006/relationships" xmlns:p="http://schemas.openxmlformats.org/presentationml/2006/main" showMasterSp="0" showMasterPhAnim="0">
   <p:cSld>
     <p:spTree>
@@ -2335,7 +2578,7 @@
 </p:notes>
 </file>
 
-<file path=ppt/notesSlides/notesSlide25.xml><?xml version="1.0" encoding="utf-8"?>
+<file path=ppt/notesSlides/notesSlide27.xml><?xml version="1.0" encoding="utf-8"?>
 <p:notes xmlns:a="http://schemas.openxmlformats.org/drawingml/2006/main" xmlns:r="http://schemas.openxmlformats.org/officeDocument/2006/relationships" xmlns:p="http://schemas.openxmlformats.org/presentationml/2006/main" showMasterSp="0" showMasterPhAnim="0">
   <p:cSld>
     <p:spTree>
@@ -2441,7 +2684,7 @@
 </p:notes>
 </file>
 
-<file path=ppt/notesSlides/notesSlide26.xml><?xml version="1.0" encoding="utf-8"?>
+<file path=ppt/notesSlides/notesSlide28.xml><?xml version="1.0" encoding="utf-8"?>
 <p:notes xmlns:a="http://schemas.openxmlformats.org/drawingml/2006/main" xmlns:r="http://schemas.openxmlformats.org/officeDocument/2006/relationships" xmlns:p="http://schemas.openxmlformats.org/presentationml/2006/main" showMasterSp="0" showMasterPhAnim="0">
   <p:cSld>
     <p:spTree>
@@ -2547,7 +2790,7 @@
 </p:notes>
 </file>
 
-<file path=ppt/notesSlides/notesSlide27.xml><?xml version="1.0" encoding="utf-8"?>
+<file path=ppt/notesSlides/notesSlide29.xml><?xml version="1.0" encoding="utf-8"?>
 <p:notes xmlns:a="http://schemas.openxmlformats.org/drawingml/2006/main" xmlns:r="http://schemas.openxmlformats.org/officeDocument/2006/relationships" xmlns:p="http://schemas.openxmlformats.org/presentationml/2006/main" showMasterSp="0" showMasterPhAnim="0">
   <p:cSld>
     <p:spTree>
@@ -2653,7 +2896,113 @@
 </p:notes>
 </file>
 
-<file path=ppt/notesSlides/notesSlide28.xml><?xml version="1.0" encoding="utf-8"?>
+<file path=ppt/notesSlides/notesSlide3.xml><?xml version="1.0" encoding="utf-8"?>
+<p:notes xmlns:a="http://schemas.openxmlformats.org/drawingml/2006/main" xmlns:r="http://schemas.openxmlformats.org/officeDocument/2006/relationships" xmlns:p="http://schemas.openxmlformats.org/presentationml/2006/main" showMasterSp="0" showMasterPhAnim="0">
+  <p:cSld>
+    <p:spTree>
+      <p:nvGrpSpPr>
+        <p:cNvPr id="1" name="Shape 215"/>
+        <p:cNvGrpSpPr/>
+        <p:nvPr/>
+      </p:nvGrpSpPr>
+      <p:grpSpPr>
+        <a:xfrm>
+          <a:off x="0" y="0"/>
+          <a:ext cx="0" cy="0"/>
+          <a:chOff x="0" y="0"/>
+          <a:chExt cx="0" cy="0"/>
+        </a:xfrm>
+      </p:grpSpPr>
+      <p:sp>
+        <p:nvSpPr>
+          <p:cNvPr id="216" name="Shape 216"/>
+          <p:cNvSpPr txBox="1">
+            <a:spLocks noGrp="1"/>
+          </p:cNvSpPr>
+          <p:nvPr>
+            <p:ph type="body" idx="1"/>
+          </p:nvPr>
+        </p:nvSpPr>
+        <p:spPr>
+          <a:xfrm>
+            <a:off x="685800" y="4343400"/>
+            <a:ext cx="5486399" cy="4114800"/>
+          </a:xfrm>
+          <a:prstGeom prst="rect">
+            <a:avLst/>
+          </a:prstGeom>
+        </p:spPr>
+        <p:txBody>
+          <a:bodyPr lIns="91425" tIns="91425" rIns="91425" bIns="91425" anchor="ctr" anchorCtr="0">
+            <a:noAutofit/>
+          </a:bodyPr>
+          <a:lstStyle/>
+          <a:p>
+            <a:pPr lvl="0">
+              <a:spcBef>
+                <a:spcPts val="0"/>
+              </a:spcBef>
+              <a:buNone/>
+            </a:pPr>
+            <a:endParaRPr/>
+          </a:p>
+        </p:txBody>
+      </p:sp>
+      <p:sp>
+        <p:nvSpPr>
+          <p:cNvPr id="217" name="Shape 217"/>
+          <p:cNvSpPr>
+            <a:spLocks noGrp="1" noRot="1" noChangeAspect="1"/>
+          </p:cNvSpPr>
+          <p:nvPr>
+            <p:ph type="sldImg" idx="2"/>
+          </p:nvPr>
+        </p:nvSpPr>
+        <p:spPr>
+          <a:xfrm>
+            <a:off x="381000" y="685800"/>
+            <a:ext cx="6096000" cy="3429000"/>
+          </a:xfrm>
+          <a:custGeom>
+            <a:avLst/>
+            <a:gdLst/>
+            <a:ahLst/>
+            <a:cxnLst/>
+            <a:rect l="0" t="0" r="0" b="0"/>
+            <a:pathLst>
+              <a:path w="120000" h="120000" extrusionOk="0">
+                <a:moveTo>
+                  <a:pt x="0" y="0"/>
+                </a:moveTo>
+                <a:lnTo>
+                  <a:pt x="120000" y="0"/>
+                </a:lnTo>
+                <a:lnTo>
+                  <a:pt x="120000" y="120000"/>
+                </a:lnTo>
+                <a:lnTo>
+                  <a:pt x="0" y="120000"/>
+                </a:lnTo>
+                <a:close/>
+              </a:path>
+            </a:pathLst>
+          </a:custGeom>
+        </p:spPr>
+      </p:sp>
+    </p:spTree>
+    <p:extLst>
+      <p:ext uri="{BB962C8B-B14F-4D97-AF65-F5344CB8AC3E}">
+        <p14:creationId xmlns:p14="http://schemas.microsoft.com/office/powerpoint/2010/main" val="1170866674"/>
+      </p:ext>
+    </p:extLst>
+  </p:cSld>
+  <p:clrMapOvr>
+    <a:masterClrMapping/>
+  </p:clrMapOvr>
+</p:notes>
+</file>
+
+<file path=ppt/notesSlides/notesSlide30.xml><?xml version="1.0" encoding="utf-8"?>
 <p:notes xmlns:a="http://schemas.openxmlformats.org/drawingml/2006/main" xmlns:r="http://schemas.openxmlformats.org/officeDocument/2006/relationships" xmlns:p="http://schemas.openxmlformats.org/presentationml/2006/main" showMasterSp="0" showMasterPhAnim="0">
   <p:cSld>
     <p:spTree>
@@ -2759,7 +3108,7 @@
 </p:notes>
 </file>
 
-<file path=ppt/notesSlides/notesSlide29.xml><?xml version="1.0" encoding="utf-8"?>
+<file path=ppt/notesSlides/notesSlide31.xml><?xml version="1.0" encoding="utf-8"?>
 <p:notes xmlns:a="http://schemas.openxmlformats.org/drawingml/2006/main" xmlns:r="http://schemas.openxmlformats.org/officeDocument/2006/relationships" xmlns:p="http://schemas.openxmlformats.org/presentationml/2006/main" showMasterSp="0" showMasterPhAnim="0">
   <p:cSld>
     <p:spTree>
@@ -2856,112 +3205,6 @@
     <p:extLst>
       <p:ext uri="{BB962C8B-B14F-4D97-AF65-F5344CB8AC3E}">
         <p14:creationId xmlns:p14="http://schemas.microsoft.com/office/powerpoint/2010/main" val="1408414623"/>
-      </p:ext>
-    </p:extLst>
-  </p:cSld>
-  <p:clrMapOvr>
-    <a:masterClrMapping/>
-  </p:clrMapOvr>
-</p:notes>
-</file>
-
-<file path=ppt/notesSlides/notesSlide3.xml><?xml version="1.0" encoding="utf-8"?>
-<p:notes xmlns:a="http://schemas.openxmlformats.org/drawingml/2006/main" xmlns:r="http://schemas.openxmlformats.org/officeDocument/2006/relationships" xmlns:p="http://schemas.openxmlformats.org/presentationml/2006/main" showMasterSp="0" showMasterPhAnim="0">
-  <p:cSld>
-    <p:spTree>
-      <p:nvGrpSpPr>
-        <p:cNvPr id="1" name="Shape 215"/>
-        <p:cNvGrpSpPr/>
-        <p:nvPr/>
-      </p:nvGrpSpPr>
-      <p:grpSpPr>
-        <a:xfrm>
-          <a:off x="0" y="0"/>
-          <a:ext cx="0" cy="0"/>
-          <a:chOff x="0" y="0"/>
-          <a:chExt cx="0" cy="0"/>
-        </a:xfrm>
-      </p:grpSpPr>
-      <p:sp>
-        <p:nvSpPr>
-          <p:cNvPr id="216" name="Shape 216"/>
-          <p:cNvSpPr txBox="1">
-            <a:spLocks noGrp="1"/>
-          </p:cNvSpPr>
-          <p:nvPr>
-            <p:ph type="body" idx="1"/>
-          </p:nvPr>
-        </p:nvSpPr>
-        <p:spPr>
-          <a:xfrm>
-            <a:off x="685800" y="4343400"/>
-            <a:ext cx="5486399" cy="4114800"/>
-          </a:xfrm>
-          <a:prstGeom prst="rect">
-            <a:avLst/>
-          </a:prstGeom>
-        </p:spPr>
-        <p:txBody>
-          <a:bodyPr lIns="91425" tIns="91425" rIns="91425" bIns="91425" anchor="ctr" anchorCtr="0">
-            <a:noAutofit/>
-          </a:bodyPr>
-          <a:lstStyle/>
-          <a:p>
-            <a:pPr lvl="0">
-              <a:spcBef>
-                <a:spcPts val="0"/>
-              </a:spcBef>
-              <a:buNone/>
-            </a:pPr>
-            <a:endParaRPr/>
-          </a:p>
-        </p:txBody>
-      </p:sp>
-      <p:sp>
-        <p:nvSpPr>
-          <p:cNvPr id="217" name="Shape 217"/>
-          <p:cNvSpPr>
-            <a:spLocks noGrp="1" noRot="1" noChangeAspect="1"/>
-          </p:cNvSpPr>
-          <p:nvPr>
-            <p:ph type="sldImg" idx="2"/>
-          </p:nvPr>
-        </p:nvSpPr>
-        <p:spPr>
-          <a:xfrm>
-            <a:off x="381000" y="685800"/>
-            <a:ext cx="6096000" cy="3429000"/>
-          </a:xfrm>
-          <a:custGeom>
-            <a:avLst/>
-            <a:gdLst/>
-            <a:ahLst/>
-            <a:cxnLst/>
-            <a:rect l="0" t="0" r="0" b="0"/>
-            <a:pathLst>
-              <a:path w="120000" h="120000" extrusionOk="0">
-                <a:moveTo>
-                  <a:pt x="0" y="0"/>
-                </a:moveTo>
-                <a:lnTo>
-                  <a:pt x="120000" y="0"/>
-                </a:lnTo>
-                <a:lnTo>
-                  <a:pt x="120000" y="120000"/>
-                </a:lnTo>
-                <a:lnTo>
-                  <a:pt x="0" y="120000"/>
-                </a:lnTo>
-                <a:close/>
-              </a:path>
-            </a:pathLst>
-          </a:custGeom>
-        </p:spPr>
-      </p:sp>
-    </p:spTree>
-    <p:extLst>
-      <p:ext uri="{BB962C8B-B14F-4D97-AF65-F5344CB8AC3E}">
-        <p14:creationId xmlns:p14="http://schemas.microsoft.com/office/powerpoint/2010/main" val="1170866674"/>
       </p:ext>
     </p:extLst>
   </p:cSld>
@@ -6785,7 +7028,7 @@
         </p:nvSpPr>
         <p:spPr>
           <a:xfrm>
-            <a:off x="1344600" y="5705416"/>
+            <a:off x="1344600" y="5653100"/>
             <a:ext cx="1909500" cy="1066799"/>
           </a:xfrm>
           <a:prstGeom prst="rect">
@@ -6831,6 +7074,15 @@
               </a:rPr>
               <a:t>csev</a:t>
             </a:r>
+            <a:endParaRPr lang="en-US" sz="6000" u="none" strike="noStrike" cap="none" dirty="0">
+              <a:solidFill>
+                <a:srgbClr val="FF00FF"/>
+              </a:solidFill>
+              <a:latin typeface="Arial" charset="0"/>
+              <a:ea typeface="Arial" charset="0"/>
+              <a:cs typeface="Arial" charset="0"/>
+              <a:sym typeface="Cabin"/>
+            </a:endParaRPr>
           </a:p>
         </p:txBody>
       </p:sp>
@@ -6877,7 +7129,7 @@
               <a:buNone/>
             </a:pPr>
             <a:r>
-              <a:rPr lang="en-US" sz="6000" u="none" strike="noStrike" cap="none">
+              <a:rPr lang="en-US" sz="6000" u="none" strike="noStrike" cap="none" dirty="0" err="1">
                 <a:solidFill>
                   <a:srgbClr val="FF00FF"/>
                 </a:solidFill>
@@ -6888,6 +7140,15 @@
               </a:rPr>
               <a:t>zhen</a:t>
             </a:r>
+            <a:endParaRPr lang="en-US" sz="6000" u="none" strike="noStrike" cap="none" dirty="0">
+              <a:solidFill>
+                <a:srgbClr val="FF00FF"/>
+              </a:solidFill>
+              <a:latin typeface="Arial" charset="0"/>
+              <a:ea typeface="Arial" charset="0"/>
+              <a:cs typeface="Arial" charset="0"/>
+              <a:sym typeface="Cabin"/>
+            </a:endParaRPr>
           </a:p>
         </p:txBody>
       </p:sp>
@@ -6945,6 +7206,15 @@
               </a:rPr>
               <a:t>zhen</a:t>
             </a:r>
+            <a:endParaRPr lang="en-US" sz="6000" u="none" strike="noStrike" cap="none" dirty="0">
+              <a:solidFill>
+                <a:srgbClr val="FF00FF"/>
+              </a:solidFill>
+              <a:latin typeface="Arial" charset="0"/>
+              <a:ea typeface="Arial" charset="0"/>
+              <a:cs typeface="Arial" charset="0"/>
+              <a:sym typeface="Cabin"/>
+            </a:endParaRPr>
           </a:p>
         </p:txBody>
       </p:sp>
@@ -6991,7 +7261,7 @@
               <a:buNone/>
             </a:pPr>
             <a:r>
-              <a:rPr lang="en-US" sz="6000" u="none" strike="noStrike" cap="none">
+              <a:rPr lang="en-US" sz="6000" u="none" strike="noStrike" cap="none" dirty="0" err="1">
                 <a:solidFill>
                   <a:srgbClr val="FF00FF"/>
                 </a:solidFill>
@@ -7002,6 +7272,15 @@
               </a:rPr>
               <a:t>marquard</a:t>
             </a:r>
+            <a:endParaRPr lang="en-US" sz="6000" u="none" strike="noStrike" cap="none" dirty="0">
+              <a:solidFill>
+                <a:srgbClr val="FF00FF"/>
+              </a:solidFill>
+              <a:latin typeface="Arial" charset="0"/>
+              <a:ea typeface="Arial" charset="0"/>
+              <a:cs typeface="Arial" charset="0"/>
+              <a:sym typeface="Cabin"/>
+            </a:endParaRPr>
           </a:p>
         </p:txBody>
       </p:sp>
@@ -7059,6 +7338,15 @@
               </a:rPr>
               <a:t>zhen</a:t>
             </a:r>
+            <a:endParaRPr lang="en-US" sz="6000" u="none" strike="noStrike" cap="none" dirty="0">
+              <a:solidFill>
+                <a:srgbClr val="FF00FF"/>
+              </a:solidFill>
+              <a:latin typeface="Arial" charset="0"/>
+              <a:ea typeface="Arial" charset="0"/>
+              <a:cs typeface="Arial" charset="0"/>
+              <a:sym typeface="Cabin"/>
+            </a:endParaRPr>
           </a:p>
         </p:txBody>
       </p:sp>
@@ -7116,6 +7404,15 @@
               </a:rPr>
               <a:t>cwen</a:t>
             </a:r>
+            <a:endParaRPr lang="en-US" sz="6000" u="none" strike="noStrike" cap="none" dirty="0">
+              <a:solidFill>
+                <a:srgbClr val="FF00FF"/>
+              </a:solidFill>
+              <a:latin typeface="Arial" charset="0"/>
+              <a:ea typeface="Arial" charset="0"/>
+              <a:cs typeface="Arial" charset="0"/>
+              <a:sym typeface="Cabin"/>
+            </a:endParaRPr>
           </a:p>
         </p:txBody>
       </p:sp>
@@ -7173,6 +7470,15 @@
               </a:rPr>
               <a:t>csev</a:t>
             </a:r>
+            <a:endParaRPr lang="en-US" sz="6000" u="none" strike="noStrike" cap="none" dirty="0">
+              <a:solidFill>
+                <a:srgbClr val="FF00FF"/>
+              </a:solidFill>
+              <a:latin typeface="Arial" charset="0"/>
+              <a:ea typeface="Arial" charset="0"/>
+              <a:cs typeface="Arial" charset="0"/>
+              <a:sym typeface="Cabin"/>
+            </a:endParaRPr>
           </a:p>
         </p:txBody>
       </p:sp>
@@ -7219,7 +7525,7 @@
               <a:buNone/>
             </a:pPr>
             <a:r>
-              <a:rPr lang="en-US" sz="6000" u="none" strike="noStrike" cap="none">
+              <a:rPr lang="en-US" sz="6000" u="none" strike="noStrike" cap="none" dirty="0" err="1">
                 <a:solidFill>
                   <a:srgbClr val="FF00FF"/>
                 </a:solidFill>
@@ -7230,6 +7536,15 @@
               </a:rPr>
               <a:t>marquard</a:t>
             </a:r>
+            <a:endParaRPr lang="en-US" sz="6000" u="none" strike="noStrike" cap="none" dirty="0">
+              <a:solidFill>
+                <a:srgbClr val="FF00FF"/>
+              </a:solidFill>
+              <a:latin typeface="Arial" charset="0"/>
+              <a:ea typeface="Arial" charset="0"/>
+              <a:cs typeface="Arial" charset="0"/>
+              <a:sym typeface="Cabin"/>
+            </a:endParaRPr>
           </a:p>
         </p:txBody>
       </p:sp>
@@ -7287,6 +7602,15 @@
               </a:rPr>
               <a:t>zhen</a:t>
             </a:r>
+            <a:endParaRPr lang="en-US" sz="6000" u="none" strike="noStrike" cap="none" dirty="0">
+              <a:solidFill>
+                <a:srgbClr val="FF00FF"/>
+              </a:solidFill>
+              <a:latin typeface="Arial" charset="0"/>
+              <a:ea typeface="Arial" charset="0"/>
+              <a:cs typeface="Arial" charset="0"/>
+              <a:sym typeface="Cabin"/>
+            </a:endParaRPr>
           </a:p>
         </p:txBody>
       </p:sp>
@@ -7344,6 +7668,15 @@
               </a:rPr>
               <a:t>marquard</a:t>
             </a:r>
+            <a:endParaRPr lang="en-US" sz="6000" u="none" strike="noStrike" cap="none" dirty="0">
+              <a:solidFill>
+                <a:srgbClr val="FF00FF"/>
+              </a:solidFill>
+              <a:latin typeface="Arial" charset="0"/>
+              <a:ea typeface="Arial" charset="0"/>
+              <a:cs typeface="Arial" charset="0"/>
+              <a:sym typeface="Cabin"/>
+            </a:endParaRPr>
           </a:p>
         </p:txBody>
       </p:sp>
@@ -7401,6 +7734,15 @@
               </a:rPr>
               <a:t>csev</a:t>
             </a:r>
+            <a:endParaRPr lang="en-US" sz="6000" u="none" strike="noStrike" cap="none" dirty="0">
+              <a:solidFill>
+                <a:srgbClr val="FF00FF"/>
+              </a:solidFill>
+              <a:latin typeface="Arial" charset="0"/>
+              <a:ea typeface="Arial" charset="0"/>
+              <a:cs typeface="Arial" charset="0"/>
+              <a:sym typeface="Cabin"/>
+            </a:endParaRPr>
           </a:p>
         </p:txBody>
       </p:sp>
@@ -7447,7 +7789,7 @@
               <a:buNone/>
             </a:pPr>
             <a:r>
-              <a:rPr lang="en-US" sz="6000" u="none" strike="noStrike" cap="none">
+              <a:rPr lang="en-US" sz="6000" u="none" strike="noStrike" cap="none" dirty="0" err="1">
                 <a:solidFill>
                   <a:srgbClr val="FF00FF"/>
                 </a:solidFill>
@@ -7458,6 +7800,15 @@
               </a:rPr>
               <a:t>cwen</a:t>
             </a:r>
+            <a:endParaRPr lang="en-US" sz="6000" u="none" strike="noStrike" cap="none" dirty="0">
+              <a:solidFill>
+                <a:srgbClr val="FF00FF"/>
+              </a:solidFill>
+              <a:latin typeface="Arial" charset="0"/>
+              <a:ea typeface="Arial" charset="0"/>
+              <a:cs typeface="Arial" charset="0"/>
+              <a:sym typeface="Cabin"/>
+            </a:endParaRPr>
           </a:p>
         </p:txBody>
       </p:sp>
@@ -7504,7 +7855,7 @@
               <a:buNone/>
             </a:pPr>
             <a:r>
-              <a:rPr lang="en-US" sz="6000" u="none" strike="noStrike" cap="none">
+              <a:rPr lang="en-US" sz="6000" u="none" strike="noStrike" cap="none" dirty="0" err="1">
                 <a:solidFill>
                   <a:srgbClr val="FF00FF"/>
                 </a:solidFill>
@@ -7515,10 +7866,2172 @@
               </a:rPr>
               <a:t>zhen</a:t>
             </a:r>
+            <a:endParaRPr lang="en-US" sz="6000" u="none" strike="noStrike" cap="none" dirty="0">
+              <a:solidFill>
+                <a:srgbClr val="FF00FF"/>
+              </a:solidFill>
+              <a:latin typeface="Arial" charset="0"/>
+              <a:ea typeface="Arial" charset="0"/>
+              <a:cs typeface="Arial" charset="0"/>
+              <a:sym typeface="Cabin"/>
+            </a:endParaRPr>
           </a:p>
         </p:txBody>
       </p:sp>
     </p:spTree>
+  </p:cSld>
+  <p:clrMapOvr>
+    <a:masterClrMapping/>
+  </p:clrMapOvr>
+  <p:timing>
+    <p:tnLst>
+      <p:par>
+        <p:cTn id="1" dur="indefinite" restart="never" nodeType="tmRoot">
+          <p:childTnLst>
+            <p:seq concurrent="1" nextAc="seek">
+              <p:cTn id="2" dur="indefinite" nodeType="mainSeq">
+                <p:childTnLst>
+                  <p:par>
+                    <p:cTn id="3" fill="hold">
+                      <p:stCondLst>
+                        <p:cond delay="indefinite"/>
+                      </p:stCondLst>
+                      <p:childTnLst>
+                        <p:par>
+                          <p:cTn id="4" fill="hold">
+                            <p:stCondLst>
+                              <p:cond delay="0"/>
+                            </p:stCondLst>
+                            <p:childTnLst>
+                              <p:par>
+                                <p:cTn id="5" presetID="1" presetClass="entr" presetSubtype="0" fill="hold" grpId="0" nodeType="clickEffect">
+                                  <p:stCondLst>
+                                    <p:cond delay="0"/>
+                                  </p:stCondLst>
+                                  <p:childTnLst>
+                                    <p:set>
+                                      <p:cBhvr>
+                                        <p:cTn id="6" dur="1" fill="hold">
+                                          <p:stCondLst>
+                                            <p:cond delay="0"/>
+                                          </p:stCondLst>
+                                        </p:cTn>
+                                        <p:tgtEl>
+                                          <p:spTgt spid="335"/>
+                                        </p:tgtEl>
+                                        <p:attrNameLst>
+                                          <p:attrName>style.visibility</p:attrName>
+                                        </p:attrNameLst>
+                                      </p:cBhvr>
+                                      <p:to>
+                                        <p:strVal val="visible"/>
+                                      </p:to>
+                                    </p:set>
+                                  </p:childTnLst>
+                                </p:cTn>
+                              </p:par>
+                            </p:childTnLst>
+                          </p:cTn>
+                        </p:par>
+                      </p:childTnLst>
+                    </p:cTn>
+                  </p:par>
+                  <p:par>
+                    <p:cTn id="7" fill="hold">
+                      <p:stCondLst>
+                        <p:cond delay="indefinite"/>
+                      </p:stCondLst>
+                      <p:childTnLst>
+                        <p:par>
+                          <p:cTn id="8" fill="hold">
+                            <p:stCondLst>
+                              <p:cond delay="0"/>
+                            </p:stCondLst>
+                            <p:childTnLst>
+                              <p:par>
+                                <p:cTn id="9" presetID="1" presetClass="entr" presetSubtype="0" fill="hold" grpId="0" nodeType="clickEffect">
+                                  <p:stCondLst>
+                                    <p:cond delay="0"/>
+                                  </p:stCondLst>
+                                  <p:childTnLst>
+                                    <p:set>
+                                      <p:cBhvr>
+                                        <p:cTn id="10" dur="1" fill="hold">
+                                          <p:stCondLst>
+                                            <p:cond delay="0"/>
+                                          </p:stCondLst>
+                                        </p:cTn>
+                                        <p:tgtEl>
+                                          <p:spTgt spid="333"/>
+                                        </p:tgtEl>
+                                        <p:attrNameLst>
+                                          <p:attrName>style.visibility</p:attrName>
+                                        </p:attrNameLst>
+                                      </p:cBhvr>
+                                      <p:to>
+                                        <p:strVal val="visible"/>
+                                      </p:to>
+                                    </p:set>
+                                  </p:childTnLst>
+                                </p:cTn>
+                              </p:par>
+                            </p:childTnLst>
+                          </p:cTn>
+                        </p:par>
+                      </p:childTnLst>
+                    </p:cTn>
+                  </p:par>
+                  <p:par>
+                    <p:cTn id="11" fill="hold">
+                      <p:stCondLst>
+                        <p:cond delay="indefinite"/>
+                      </p:stCondLst>
+                      <p:childTnLst>
+                        <p:par>
+                          <p:cTn id="12" fill="hold">
+                            <p:stCondLst>
+                              <p:cond delay="0"/>
+                            </p:stCondLst>
+                            <p:childTnLst>
+                              <p:par>
+                                <p:cTn id="13" presetID="9" presetClass="exit" presetSubtype="0" fill="hold" grpId="1" nodeType="clickEffect">
+                                  <p:stCondLst>
+                                    <p:cond delay="0"/>
+                                  </p:stCondLst>
+                                  <p:childTnLst>
+                                    <p:animEffect transition="out" filter="dissolve">
+                                      <p:cBhvr>
+                                        <p:cTn id="14" dur="500"/>
+                                        <p:tgtEl>
+                                          <p:spTgt spid="335"/>
+                                        </p:tgtEl>
+                                      </p:cBhvr>
+                                    </p:animEffect>
+                                    <p:set>
+                                      <p:cBhvr>
+                                        <p:cTn id="15" dur="1" fill="hold">
+                                          <p:stCondLst>
+                                            <p:cond delay="499"/>
+                                          </p:stCondLst>
+                                        </p:cTn>
+                                        <p:tgtEl>
+                                          <p:spTgt spid="335"/>
+                                        </p:tgtEl>
+                                        <p:attrNameLst>
+                                          <p:attrName>style.visibility</p:attrName>
+                                        </p:attrNameLst>
+                                      </p:cBhvr>
+                                      <p:to>
+                                        <p:strVal val="hidden"/>
+                                      </p:to>
+                                    </p:set>
+                                  </p:childTnLst>
+                                </p:cTn>
+                              </p:par>
+                            </p:childTnLst>
+                          </p:cTn>
+                        </p:par>
+                      </p:childTnLst>
+                    </p:cTn>
+                  </p:par>
+                  <p:par>
+                    <p:cTn id="16" fill="hold">
+                      <p:stCondLst>
+                        <p:cond delay="indefinite"/>
+                      </p:stCondLst>
+                      <p:childTnLst>
+                        <p:par>
+                          <p:cTn id="17" fill="hold">
+                            <p:stCondLst>
+                              <p:cond delay="0"/>
+                            </p:stCondLst>
+                            <p:childTnLst>
+                              <p:par>
+                                <p:cTn id="18" presetID="1" presetClass="entr" presetSubtype="0" fill="hold" grpId="0" nodeType="clickEffect">
+                                  <p:stCondLst>
+                                    <p:cond delay="0"/>
+                                  </p:stCondLst>
+                                  <p:childTnLst>
+                                    <p:set>
+                                      <p:cBhvr>
+                                        <p:cTn id="19" dur="1" fill="hold">
+                                          <p:stCondLst>
+                                            <p:cond delay="0"/>
+                                          </p:stCondLst>
+                                        </p:cTn>
+                                        <p:tgtEl>
+                                          <p:spTgt spid="332"/>
+                                        </p:tgtEl>
+                                        <p:attrNameLst>
+                                          <p:attrName>style.visibility</p:attrName>
+                                        </p:attrNameLst>
+                                      </p:cBhvr>
+                                      <p:to>
+                                        <p:strVal val="visible"/>
+                                      </p:to>
+                                    </p:set>
+                                  </p:childTnLst>
+                                </p:cTn>
+                              </p:par>
+                            </p:childTnLst>
+                          </p:cTn>
+                        </p:par>
+                      </p:childTnLst>
+                    </p:cTn>
+                  </p:par>
+                  <p:par>
+                    <p:cTn id="20" fill="hold">
+                      <p:stCondLst>
+                        <p:cond delay="indefinite"/>
+                      </p:stCondLst>
+                      <p:childTnLst>
+                        <p:par>
+                          <p:cTn id="21" fill="hold">
+                            <p:stCondLst>
+                              <p:cond delay="0"/>
+                            </p:stCondLst>
+                            <p:childTnLst>
+                              <p:par>
+                                <p:cTn id="22" presetID="9" presetClass="exit" presetSubtype="0" fill="hold" grpId="1" nodeType="clickEffect">
+                                  <p:stCondLst>
+                                    <p:cond delay="0"/>
+                                  </p:stCondLst>
+                                  <p:childTnLst>
+                                    <p:animEffect transition="out" filter="dissolve">
+                                      <p:cBhvr>
+                                        <p:cTn id="23" dur="500"/>
+                                        <p:tgtEl>
+                                          <p:spTgt spid="333"/>
+                                        </p:tgtEl>
+                                      </p:cBhvr>
+                                    </p:animEffect>
+                                    <p:set>
+                                      <p:cBhvr>
+                                        <p:cTn id="24" dur="1" fill="hold">
+                                          <p:stCondLst>
+                                            <p:cond delay="499"/>
+                                          </p:stCondLst>
+                                        </p:cTn>
+                                        <p:tgtEl>
+                                          <p:spTgt spid="333"/>
+                                        </p:tgtEl>
+                                        <p:attrNameLst>
+                                          <p:attrName>style.visibility</p:attrName>
+                                        </p:attrNameLst>
+                                      </p:cBhvr>
+                                      <p:to>
+                                        <p:strVal val="hidden"/>
+                                      </p:to>
+                                    </p:set>
+                                  </p:childTnLst>
+                                </p:cTn>
+                              </p:par>
+                            </p:childTnLst>
+                          </p:cTn>
+                        </p:par>
+                      </p:childTnLst>
+                    </p:cTn>
+                  </p:par>
+                  <p:par>
+                    <p:cTn id="25" fill="hold">
+                      <p:stCondLst>
+                        <p:cond delay="indefinite"/>
+                      </p:stCondLst>
+                      <p:childTnLst>
+                        <p:par>
+                          <p:cTn id="26" fill="hold">
+                            <p:stCondLst>
+                              <p:cond delay="0"/>
+                            </p:stCondLst>
+                            <p:childTnLst>
+                              <p:par>
+                                <p:cTn id="27" presetID="1" presetClass="entr" presetSubtype="0" fill="hold" grpId="0" nodeType="clickEffect">
+                                  <p:stCondLst>
+                                    <p:cond delay="0"/>
+                                  </p:stCondLst>
+                                  <p:childTnLst>
+                                    <p:set>
+                                      <p:cBhvr>
+                                        <p:cTn id="28" dur="1" fill="hold">
+                                          <p:stCondLst>
+                                            <p:cond delay="0"/>
+                                          </p:stCondLst>
+                                        </p:cTn>
+                                        <p:tgtEl>
+                                          <p:spTgt spid="334"/>
+                                        </p:tgtEl>
+                                        <p:attrNameLst>
+                                          <p:attrName>style.visibility</p:attrName>
+                                        </p:attrNameLst>
+                                      </p:cBhvr>
+                                      <p:to>
+                                        <p:strVal val="visible"/>
+                                      </p:to>
+                                    </p:set>
+                                  </p:childTnLst>
+                                </p:cTn>
+                              </p:par>
+                            </p:childTnLst>
+                          </p:cTn>
+                        </p:par>
+                      </p:childTnLst>
+                    </p:cTn>
+                  </p:par>
+                  <p:par>
+                    <p:cTn id="29" fill="hold">
+                      <p:stCondLst>
+                        <p:cond delay="indefinite"/>
+                      </p:stCondLst>
+                      <p:childTnLst>
+                        <p:par>
+                          <p:cTn id="30" fill="hold">
+                            <p:stCondLst>
+                              <p:cond delay="0"/>
+                            </p:stCondLst>
+                            <p:childTnLst>
+                              <p:par>
+                                <p:cTn id="31" presetID="9" presetClass="exit" presetSubtype="0" fill="hold" grpId="1" nodeType="clickEffect">
+                                  <p:stCondLst>
+                                    <p:cond delay="0"/>
+                                  </p:stCondLst>
+                                  <p:childTnLst>
+                                    <p:animEffect transition="out" filter="dissolve">
+                                      <p:cBhvr>
+                                        <p:cTn id="32" dur="500"/>
+                                        <p:tgtEl>
+                                          <p:spTgt spid="332"/>
+                                        </p:tgtEl>
+                                      </p:cBhvr>
+                                    </p:animEffect>
+                                    <p:set>
+                                      <p:cBhvr>
+                                        <p:cTn id="33" dur="1" fill="hold">
+                                          <p:stCondLst>
+                                            <p:cond delay="499"/>
+                                          </p:stCondLst>
+                                        </p:cTn>
+                                        <p:tgtEl>
+                                          <p:spTgt spid="332"/>
+                                        </p:tgtEl>
+                                        <p:attrNameLst>
+                                          <p:attrName>style.visibility</p:attrName>
+                                        </p:attrNameLst>
+                                      </p:cBhvr>
+                                      <p:to>
+                                        <p:strVal val="hidden"/>
+                                      </p:to>
+                                    </p:set>
+                                  </p:childTnLst>
+                                </p:cTn>
+                              </p:par>
+                            </p:childTnLst>
+                          </p:cTn>
+                        </p:par>
+                      </p:childTnLst>
+                    </p:cTn>
+                  </p:par>
+                  <p:par>
+                    <p:cTn id="34" fill="hold">
+                      <p:stCondLst>
+                        <p:cond delay="indefinite"/>
+                      </p:stCondLst>
+                      <p:childTnLst>
+                        <p:par>
+                          <p:cTn id="35" fill="hold">
+                            <p:stCondLst>
+                              <p:cond delay="0"/>
+                            </p:stCondLst>
+                            <p:childTnLst>
+                              <p:par>
+                                <p:cTn id="36" presetID="1" presetClass="entr" presetSubtype="0" fill="hold" grpId="0" nodeType="clickEffect">
+                                  <p:stCondLst>
+                                    <p:cond delay="0"/>
+                                  </p:stCondLst>
+                                  <p:childTnLst>
+                                    <p:set>
+                                      <p:cBhvr>
+                                        <p:cTn id="37" dur="1" fill="hold">
+                                          <p:stCondLst>
+                                            <p:cond delay="0"/>
+                                          </p:stCondLst>
+                                        </p:cTn>
+                                        <p:tgtEl>
+                                          <p:spTgt spid="343"/>
+                                        </p:tgtEl>
+                                        <p:attrNameLst>
+                                          <p:attrName>style.visibility</p:attrName>
+                                        </p:attrNameLst>
+                                      </p:cBhvr>
+                                      <p:to>
+                                        <p:strVal val="visible"/>
+                                      </p:to>
+                                    </p:set>
+                                  </p:childTnLst>
+                                </p:cTn>
+                              </p:par>
+                            </p:childTnLst>
+                          </p:cTn>
+                        </p:par>
+                      </p:childTnLst>
+                    </p:cTn>
+                  </p:par>
+                  <p:par>
+                    <p:cTn id="38" fill="hold">
+                      <p:stCondLst>
+                        <p:cond delay="indefinite"/>
+                      </p:stCondLst>
+                      <p:childTnLst>
+                        <p:par>
+                          <p:cTn id="39" fill="hold">
+                            <p:stCondLst>
+                              <p:cond delay="0"/>
+                            </p:stCondLst>
+                            <p:childTnLst>
+                              <p:par>
+                                <p:cTn id="40" presetID="1" presetClass="exit" presetSubtype="0" fill="hold" grpId="1" nodeType="clickEffect">
+                                  <p:stCondLst>
+                                    <p:cond delay="0"/>
+                                  </p:stCondLst>
+                                  <p:childTnLst>
+                                    <p:set>
+                                      <p:cBhvr>
+                                        <p:cTn id="41" dur="1" fill="hold">
+                                          <p:stCondLst>
+                                            <p:cond delay="0"/>
+                                          </p:stCondLst>
+                                        </p:cTn>
+                                        <p:tgtEl>
+                                          <p:spTgt spid="334"/>
+                                        </p:tgtEl>
+                                        <p:attrNameLst>
+                                          <p:attrName>style.visibility</p:attrName>
+                                        </p:attrNameLst>
+                                      </p:cBhvr>
+                                      <p:to>
+                                        <p:strVal val="hidden"/>
+                                      </p:to>
+                                    </p:set>
+                                  </p:childTnLst>
+                                </p:cTn>
+                              </p:par>
+                            </p:childTnLst>
+                          </p:cTn>
+                        </p:par>
+                      </p:childTnLst>
+                    </p:cTn>
+                  </p:par>
+                  <p:par>
+                    <p:cTn id="42" fill="hold">
+                      <p:stCondLst>
+                        <p:cond delay="indefinite"/>
+                      </p:stCondLst>
+                      <p:childTnLst>
+                        <p:par>
+                          <p:cTn id="43" fill="hold">
+                            <p:stCondLst>
+                              <p:cond delay="0"/>
+                            </p:stCondLst>
+                            <p:childTnLst>
+                              <p:par>
+                                <p:cTn id="44" presetID="1" presetClass="entr" presetSubtype="0" fill="hold" grpId="0" nodeType="clickEffect">
+                                  <p:stCondLst>
+                                    <p:cond delay="0"/>
+                                  </p:stCondLst>
+                                  <p:childTnLst>
+                                    <p:set>
+                                      <p:cBhvr>
+                                        <p:cTn id="45" dur="1" fill="hold">
+                                          <p:stCondLst>
+                                            <p:cond delay="0"/>
+                                          </p:stCondLst>
+                                        </p:cTn>
+                                        <p:tgtEl>
+                                          <p:spTgt spid="341"/>
+                                        </p:tgtEl>
+                                        <p:attrNameLst>
+                                          <p:attrName>style.visibility</p:attrName>
+                                        </p:attrNameLst>
+                                      </p:cBhvr>
+                                      <p:to>
+                                        <p:strVal val="visible"/>
+                                      </p:to>
+                                    </p:set>
+                                  </p:childTnLst>
+                                </p:cTn>
+                              </p:par>
+                            </p:childTnLst>
+                          </p:cTn>
+                        </p:par>
+                      </p:childTnLst>
+                    </p:cTn>
+                  </p:par>
+                  <p:par>
+                    <p:cTn id="46" fill="hold">
+                      <p:stCondLst>
+                        <p:cond delay="indefinite"/>
+                      </p:stCondLst>
+                      <p:childTnLst>
+                        <p:par>
+                          <p:cTn id="47" fill="hold">
+                            <p:stCondLst>
+                              <p:cond delay="0"/>
+                            </p:stCondLst>
+                            <p:childTnLst>
+                              <p:par>
+                                <p:cTn id="48" presetID="1" presetClass="exit" presetSubtype="0" fill="hold" grpId="1" nodeType="clickEffect">
+                                  <p:stCondLst>
+                                    <p:cond delay="0"/>
+                                  </p:stCondLst>
+                                  <p:childTnLst>
+                                    <p:set>
+                                      <p:cBhvr>
+                                        <p:cTn id="49" dur="1" fill="hold">
+                                          <p:stCondLst>
+                                            <p:cond delay="0"/>
+                                          </p:stCondLst>
+                                        </p:cTn>
+                                        <p:tgtEl>
+                                          <p:spTgt spid="343"/>
+                                        </p:tgtEl>
+                                        <p:attrNameLst>
+                                          <p:attrName>style.visibility</p:attrName>
+                                        </p:attrNameLst>
+                                      </p:cBhvr>
+                                      <p:to>
+                                        <p:strVal val="hidden"/>
+                                      </p:to>
+                                    </p:set>
+                                  </p:childTnLst>
+                                </p:cTn>
+                              </p:par>
+                            </p:childTnLst>
+                          </p:cTn>
+                        </p:par>
+                      </p:childTnLst>
+                    </p:cTn>
+                  </p:par>
+                  <p:par>
+                    <p:cTn id="50" fill="hold">
+                      <p:stCondLst>
+                        <p:cond delay="indefinite"/>
+                      </p:stCondLst>
+                      <p:childTnLst>
+                        <p:par>
+                          <p:cTn id="51" fill="hold">
+                            <p:stCondLst>
+                              <p:cond delay="0"/>
+                            </p:stCondLst>
+                            <p:childTnLst>
+                              <p:par>
+                                <p:cTn id="52" presetID="1" presetClass="entr" presetSubtype="0" fill="hold" grpId="0" nodeType="clickEffect">
+                                  <p:stCondLst>
+                                    <p:cond delay="0"/>
+                                  </p:stCondLst>
+                                  <p:childTnLst>
+                                    <p:set>
+                                      <p:cBhvr>
+                                        <p:cTn id="53" dur="1" fill="hold">
+                                          <p:stCondLst>
+                                            <p:cond delay="0"/>
+                                          </p:stCondLst>
+                                        </p:cTn>
+                                        <p:tgtEl>
+                                          <p:spTgt spid="340"/>
+                                        </p:tgtEl>
+                                        <p:attrNameLst>
+                                          <p:attrName>style.visibility</p:attrName>
+                                        </p:attrNameLst>
+                                      </p:cBhvr>
+                                      <p:to>
+                                        <p:strVal val="visible"/>
+                                      </p:to>
+                                    </p:set>
+                                  </p:childTnLst>
+                                </p:cTn>
+                              </p:par>
+                            </p:childTnLst>
+                          </p:cTn>
+                        </p:par>
+                      </p:childTnLst>
+                    </p:cTn>
+                  </p:par>
+                  <p:par>
+                    <p:cTn id="54" fill="hold">
+                      <p:stCondLst>
+                        <p:cond delay="indefinite"/>
+                      </p:stCondLst>
+                      <p:childTnLst>
+                        <p:par>
+                          <p:cTn id="55" fill="hold">
+                            <p:stCondLst>
+                              <p:cond delay="0"/>
+                            </p:stCondLst>
+                            <p:childTnLst>
+                              <p:par>
+                                <p:cTn id="56" presetID="9" presetClass="exit" presetSubtype="0" fill="hold" grpId="1" nodeType="clickEffect">
+                                  <p:stCondLst>
+                                    <p:cond delay="0"/>
+                                  </p:stCondLst>
+                                  <p:childTnLst>
+                                    <p:animEffect transition="out" filter="dissolve">
+                                      <p:cBhvr>
+                                        <p:cTn id="57" dur="500"/>
+                                        <p:tgtEl>
+                                          <p:spTgt spid="341"/>
+                                        </p:tgtEl>
+                                      </p:cBhvr>
+                                    </p:animEffect>
+                                    <p:set>
+                                      <p:cBhvr>
+                                        <p:cTn id="58" dur="1" fill="hold">
+                                          <p:stCondLst>
+                                            <p:cond delay="499"/>
+                                          </p:stCondLst>
+                                        </p:cTn>
+                                        <p:tgtEl>
+                                          <p:spTgt spid="341"/>
+                                        </p:tgtEl>
+                                        <p:attrNameLst>
+                                          <p:attrName>style.visibility</p:attrName>
+                                        </p:attrNameLst>
+                                      </p:cBhvr>
+                                      <p:to>
+                                        <p:strVal val="hidden"/>
+                                      </p:to>
+                                    </p:set>
+                                  </p:childTnLst>
+                                </p:cTn>
+                              </p:par>
+                            </p:childTnLst>
+                          </p:cTn>
+                        </p:par>
+                      </p:childTnLst>
+                    </p:cTn>
+                  </p:par>
+                  <p:par>
+                    <p:cTn id="59" fill="hold">
+                      <p:stCondLst>
+                        <p:cond delay="indefinite"/>
+                      </p:stCondLst>
+                      <p:childTnLst>
+                        <p:par>
+                          <p:cTn id="60" fill="hold">
+                            <p:stCondLst>
+                              <p:cond delay="0"/>
+                            </p:stCondLst>
+                            <p:childTnLst>
+                              <p:par>
+                                <p:cTn id="61" presetID="1" presetClass="entr" presetSubtype="0" fill="hold" grpId="0" nodeType="clickEffect">
+                                  <p:stCondLst>
+                                    <p:cond delay="0"/>
+                                  </p:stCondLst>
+                                  <p:childTnLst>
+                                    <p:set>
+                                      <p:cBhvr>
+                                        <p:cTn id="62" dur="1" fill="hold">
+                                          <p:stCondLst>
+                                            <p:cond delay="0"/>
+                                          </p:stCondLst>
+                                        </p:cTn>
+                                        <p:tgtEl>
+                                          <p:spTgt spid="342"/>
+                                        </p:tgtEl>
+                                        <p:attrNameLst>
+                                          <p:attrName>style.visibility</p:attrName>
+                                        </p:attrNameLst>
+                                      </p:cBhvr>
+                                      <p:to>
+                                        <p:strVal val="visible"/>
+                                      </p:to>
+                                    </p:set>
+                                  </p:childTnLst>
+                                </p:cTn>
+                              </p:par>
+                            </p:childTnLst>
+                          </p:cTn>
+                        </p:par>
+                      </p:childTnLst>
+                    </p:cTn>
+                  </p:par>
+                  <p:par>
+                    <p:cTn id="63" fill="hold">
+                      <p:stCondLst>
+                        <p:cond delay="indefinite"/>
+                      </p:stCondLst>
+                      <p:childTnLst>
+                        <p:par>
+                          <p:cTn id="64" fill="hold">
+                            <p:stCondLst>
+                              <p:cond delay="0"/>
+                            </p:stCondLst>
+                            <p:childTnLst>
+                              <p:par>
+                                <p:cTn id="65" presetID="9" presetClass="exit" presetSubtype="0" fill="hold" grpId="1" nodeType="clickEffect">
+                                  <p:stCondLst>
+                                    <p:cond delay="0"/>
+                                  </p:stCondLst>
+                                  <p:childTnLst>
+                                    <p:animEffect transition="out" filter="dissolve">
+                                      <p:cBhvr>
+                                        <p:cTn id="66" dur="500"/>
+                                        <p:tgtEl>
+                                          <p:spTgt spid="340"/>
+                                        </p:tgtEl>
+                                      </p:cBhvr>
+                                    </p:animEffect>
+                                    <p:set>
+                                      <p:cBhvr>
+                                        <p:cTn id="67" dur="1" fill="hold">
+                                          <p:stCondLst>
+                                            <p:cond delay="499"/>
+                                          </p:stCondLst>
+                                        </p:cTn>
+                                        <p:tgtEl>
+                                          <p:spTgt spid="340"/>
+                                        </p:tgtEl>
+                                        <p:attrNameLst>
+                                          <p:attrName>style.visibility</p:attrName>
+                                        </p:attrNameLst>
+                                      </p:cBhvr>
+                                      <p:to>
+                                        <p:strVal val="hidden"/>
+                                      </p:to>
+                                    </p:set>
+                                  </p:childTnLst>
+                                </p:cTn>
+                              </p:par>
+                            </p:childTnLst>
+                          </p:cTn>
+                        </p:par>
+                      </p:childTnLst>
+                    </p:cTn>
+                  </p:par>
+                  <p:par>
+                    <p:cTn id="68" fill="hold">
+                      <p:stCondLst>
+                        <p:cond delay="indefinite"/>
+                      </p:stCondLst>
+                      <p:childTnLst>
+                        <p:par>
+                          <p:cTn id="69" fill="hold">
+                            <p:stCondLst>
+                              <p:cond delay="0"/>
+                            </p:stCondLst>
+                            <p:childTnLst>
+                              <p:par>
+                                <p:cTn id="70" presetID="1" presetClass="entr" presetSubtype="0" fill="hold" grpId="0" nodeType="clickEffect">
+                                  <p:stCondLst>
+                                    <p:cond delay="0"/>
+                                  </p:stCondLst>
+                                  <p:childTnLst>
+                                    <p:set>
+                                      <p:cBhvr>
+                                        <p:cTn id="71" dur="1" fill="hold">
+                                          <p:stCondLst>
+                                            <p:cond delay="0"/>
+                                          </p:stCondLst>
+                                        </p:cTn>
+                                        <p:tgtEl>
+                                          <p:spTgt spid="337"/>
+                                        </p:tgtEl>
+                                        <p:attrNameLst>
+                                          <p:attrName>style.visibility</p:attrName>
+                                        </p:attrNameLst>
+                                      </p:cBhvr>
+                                      <p:to>
+                                        <p:strVal val="visible"/>
+                                      </p:to>
+                                    </p:set>
+                                  </p:childTnLst>
+                                </p:cTn>
+                              </p:par>
+                            </p:childTnLst>
+                          </p:cTn>
+                        </p:par>
+                      </p:childTnLst>
+                    </p:cTn>
+                  </p:par>
+                  <p:par>
+                    <p:cTn id="72" fill="hold">
+                      <p:stCondLst>
+                        <p:cond delay="indefinite"/>
+                      </p:stCondLst>
+                      <p:childTnLst>
+                        <p:par>
+                          <p:cTn id="73" fill="hold">
+                            <p:stCondLst>
+                              <p:cond delay="0"/>
+                            </p:stCondLst>
+                            <p:childTnLst>
+                              <p:par>
+                                <p:cTn id="74" presetID="9" presetClass="exit" presetSubtype="0" fill="hold" grpId="1" nodeType="clickEffect">
+                                  <p:stCondLst>
+                                    <p:cond delay="0"/>
+                                  </p:stCondLst>
+                                  <p:childTnLst>
+                                    <p:animEffect transition="out" filter="dissolve">
+                                      <p:cBhvr>
+                                        <p:cTn id="75" dur="500"/>
+                                        <p:tgtEl>
+                                          <p:spTgt spid="342"/>
+                                        </p:tgtEl>
+                                      </p:cBhvr>
+                                    </p:animEffect>
+                                    <p:set>
+                                      <p:cBhvr>
+                                        <p:cTn id="76" dur="1" fill="hold">
+                                          <p:stCondLst>
+                                            <p:cond delay="499"/>
+                                          </p:stCondLst>
+                                        </p:cTn>
+                                        <p:tgtEl>
+                                          <p:spTgt spid="342"/>
+                                        </p:tgtEl>
+                                        <p:attrNameLst>
+                                          <p:attrName>style.visibility</p:attrName>
+                                        </p:attrNameLst>
+                                      </p:cBhvr>
+                                      <p:to>
+                                        <p:strVal val="hidden"/>
+                                      </p:to>
+                                    </p:set>
+                                  </p:childTnLst>
+                                </p:cTn>
+                              </p:par>
+                            </p:childTnLst>
+                          </p:cTn>
+                        </p:par>
+                      </p:childTnLst>
+                    </p:cTn>
+                  </p:par>
+                  <p:par>
+                    <p:cTn id="77" fill="hold">
+                      <p:stCondLst>
+                        <p:cond delay="indefinite"/>
+                      </p:stCondLst>
+                      <p:childTnLst>
+                        <p:par>
+                          <p:cTn id="78" fill="hold">
+                            <p:stCondLst>
+                              <p:cond delay="0"/>
+                            </p:stCondLst>
+                            <p:childTnLst>
+                              <p:par>
+                                <p:cTn id="79" presetID="1" presetClass="entr" presetSubtype="0" fill="hold" grpId="0" nodeType="clickEffect">
+                                  <p:stCondLst>
+                                    <p:cond delay="0"/>
+                                  </p:stCondLst>
+                                  <p:childTnLst>
+                                    <p:set>
+                                      <p:cBhvr>
+                                        <p:cTn id="80" dur="1" fill="hold">
+                                          <p:stCondLst>
+                                            <p:cond delay="0"/>
+                                          </p:stCondLst>
+                                        </p:cTn>
+                                        <p:tgtEl>
+                                          <p:spTgt spid="344"/>
+                                        </p:tgtEl>
+                                        <p:attrNameLst>
+                                          <p:attrName>style.visibility</p:attrName>
+                                        </p:attrNameLst>
+                                      </p:cBhvr>
+                                      <p:to>
+                                        <p:strVal val="visible"/>
+                                      </p:to>
+                                    </p:set>
+                                  </p:childTnLst>
+                                </p:cTn>
+                              </p:par>
+                            </p:childTnLst>
+                          </p:cTn>
+                        </p:par>
+                      </p:childTnLst>
+                    </p:cTn>
+                  </p:par>
+                  <p:par>
+                    <p:cTn id="81" fill="hold">
+                      <p:stCondLst>
+                        <p:cond delay="indefinite"/>
+                      </p:stCondLst>
+                      <p:childTnLst>
+                        <p:par>
+                          <p:cTn id="82" fill="hold">
+                            <p:stCondLst>
+                              <p:cond delay="0"/>
+                            </p:stCondLst>
+                            <p:childTnLst>
+                              <p:par>
+                                <p:cTn id="83" presetID="9" presetClass="exit" presetSubtype="0" fill="hold" grpId="1" nodeType="clickEffect">
+                                  <p:stCondLst>
+                                    <p:cond delay="0"/>
+                                  </p:stCondLst>
+                                  <p:childTnLst>
+                                    <p:animEffect transition="out" filter="dissolve">
+                                      <p:cBhvr>
+                                        <p:cTn id="84" dur="500"/>
+                                        <p:tgtEl>
+                                          <p:spTgt spid="337"/>
+                                        </p:tgtEl>
+                                      </p:cBhvr>
+                                    </p:animEffect>
+                                    <p:set>
+                                      <p:cBhvr>
+                                        <p:cTn id="85" dur="1" fill="hold">
+                                          <p:stCondLst>
+                                            <p:cond delay="499"/>
+                                          </p:stCondLst>
+                                        </p:cTn>
+                                        <p:tgtEl>
+                                          <p:spTgt spid="337"/>
+                                        </p:tgtEl>
+                                        <p:attrNameLst>
+                                          <p:attrName>style.visibility</p:attrName>
+                                        </p:attrNameLst>
+                                      </p:cBhvr>
+                                      <p:to>
+                                        <p:strVal val="hidden"/>
+                                      </p:to>
+                                    </p:set>
+                                  </p:childTnLst>
+                                </p:cTn>
+                              </p:par>
+                            </p:childTnLst>
+                          </p:cTn>
+                        </p:par>
+                      </p:childTnLst>
+                    </p:cTn>
+                  </p:par>
+                  <p:par>
+                    <p:cTn id="86" fill="hold">
+                      <p:stCondLst>
+                        <p:cond delay="indefinite"/>
+                      </p:stCondLst>
+                      <p:childTnLst>
+                        <p:par>
+                          <p:cTn id="87" fill="hold">
+                            <p:stCondLst>
+                              <p:cond delay="0"/>
+                            </p:stCondLst>
+                            <p:childTnLst>
+                              <p:par>
+                                <p:cTn id="88" presetID="1" presetClass="entr" presetSubtype="0" fill="hold" grpId="0" nodeType="clickEffect">
+                                  <p:stCondLst>
+                                    <p:cond delay="0"/>
+                                  </p:stCondLst>
+                                  <p:childTnLst>
+                                    <p:set>
+                                      <p:cBhvr>
+                                        <p:cTn id="89" dur="1" fill="hold">
+                                          <p:stCondLst>
+                                            <p:cond delay="0"/>
+                                          </p:stCondLst>
+                                        </p:cTn>
+                                        <p:tgtEl>
+                                          <p:spTgt spid="338"/>
+                                        </p:tgtEl>
+                                        <p:attrNameLst>
+                                          <p:attrName>style.visibility</p:attrName>
+                                        </p:attrNameLst>
+                                      </p:cBhvr>
+                                      <p:to>
+                                        <p:strVal val="visible"/>
+                                      </p:to>
+                                    </p:set>
+                                  </p:childTnLst>
+                                </p:cTn>
+                              </p:par>
+                            </p:childTnLst>
+                          </p:cTn>
+                        </p:par>
+                      </p:childTnLst>
+                    </p:cTn>
+                  </p:par>
+                  <p:par>
+                    <p:cTn id="90" fill="hold">
+                      <p:stCondLst>
+                        <p:cond delay="indefinite"/>
+                      </p:stCondLst>
+                      <p:childTnLst>
+                        <p:par>
+                          <p:cTn id="91" fill="hold">
+                            <p:stCondLst>
+                              <p:cond delay="0"/>
+                            </p:stCondLst>
+                            <p:childTnLst>
+                              <p:par>
+                                <p:cTn id="92" presetID="9" presetClass="exit" presetSubtype="0" fill="hold" grpId="1" nodeType="clickEffect">
+                                  <p:stCondLst>
+                                    <p:cond delay="0"/>
+                                  </p:stCondLst>
+                                  <p:childTnLst>
+                                    <p:animEffect transition="out" filter="dissolve">
+                                      <p:cBhvr>
+                                        <p:cTn id="93" dur="500"/>
+                                        <p:tgtEl>
+                                          <p:spTgt spid="344"/>
+                                        </p:tgtEl>
+                                      </p:cBhvr>
+                                    </p:animEffect>
+                                    <p:set>
+                                      <p:cBhvr>
+                                        <p:cTn id="94" dur="1" fill="hold">
+                                          <p:stCondLst>
+                                            <p:cond delay="499"/>
+                                          </p:stCondLst>
+                                        </p:cTn>
+                                        <p:tgtEl>
+                                          <p:spTgt spid="344"/>
+                                        </p:tgtEl>
+                                        <p:attrNameLst>
+                                          <p:attrName>style.visibility</p:attrName>
+                                        </p:attrNameLst>
+                                      </p:cBhvr>
+                                      <p:to>
+                                        <p:strVal val="hidden"/>
+                                      </p:to>
+                                    </p:set>
+                                  </p:childTnLst>
+                                </p:cTn>
+                              </p:par>
+                            </p:childTnLst>
+                          </p:cTn>
+                        </p:par>
+                      </p:childTnLst>
+                    </p:cTn>
+                  </p:par>
+                  <p:par>
+                    <p:cTn id="95" fill="hold">
+                      <p:stCondLst>
+                        <p:cond delay="indefinite"/>
+                      </p:stCondLst>
+                      <p:childTnLst>
+                        <p:par>
+                          <p:cTn id="96" fill="hold">
+                            <p:stCondLst>
+                              <p:cond delay="0"/>
+                            </p:stCondLst>
+                            <p:childTnLst>
+                              <p:par>
+                                <p:cTn id="97" presetID="1" presetClass="entr" presetSubtype="0" fill="hold" grpId="0" nodeType="clickEffect">
+                                  <p:stCondLst>
+                                    <p:cond delay="0"/>
+                                  </p:stCondLst>
+                                  <p:childTnLst>
+                                    <p:set>
+                                      <p:cBhvr>
+                                        <p:cTn id="98" dur="1" fill="hold">
+                                          <p:stCondLst>
+                                            <p:cond delay="0"/>
+                                          </p:stCondLst>
+                                        </p:cTn>
+                                        <p:tgtEl>
+                                          <p:spTgt spid="339"/>
+                                        </p:tgtEl>
+                                        <p:attrNameLst>
+                                          <p:attrName>style.visibility</p:attrName>
+                                        </p:attrNameLst>
+                                      </p:cBhvr>
+                                      <p:to>
+                                        <p:strVal val="visible"/>
+                                      </p:to>
+                                    </p:set>
+                                  </p:childTnLst>
+                                </p:cTn>
+                              </p:par>
+                            </p:childTnLst>
+                          </p:cTn>
+                        </p:par>
+                      </p:childTnLst>
+                    </p:cTn>
+                  </p:par>
+                  <p:par>
+                    <p:cTn id="99" fill="hold">
+                      <p:stCondLst>
+                        <p:cond delay="indefinite"/>
+                      </p:stCondLst>
+                      <p:childTnLst>
+                        <p:par>
+                          <p:cTn id="100" fill="hold">
+                            <p:stCondLst>
+                              <p:cond delay="0"/>
+                            </p:stCondLst>
+                            <p:childTnLst>
+                              <p:par>
+                                <p:cTn id="101" presetID="9" presetClass="exit" presetSubtype="0" fill="hold" grpId="1" nodeType="clickEffect">
+                                  <p:stCondLst>
+                                    <p:cond delay="0"/>
+                                  </p:stCondLst>
+                                  <p:childTnLst>
+                                    <p:animEffect transition="out" filter="dissolve">
+                                      <p:cBhvr>
+                                        <p:cTn id="102" dur="500"/>
+                                        <p:tgtEl>
+                                          <p:spTgt spid="338"/>
+                                        </p:tgtEl>
+                                      </p:cBhvr>
+                                    </p:animEffect>
+                                    <p:set>
+                                      <p:cBhvr>
+                                        <p:cTn id="103" dur="1" fill="hold">
+                                          <p:stCondLst>
+                                            <p:cond delay="499"/>
+                                          </p:stCondLst>
+                                        </p:cTn>
+                                        <p:tgtEl>
+                                          <p:spTgt spid="338"/>
+                                        </p:tgtEl>
+                                        <p:attrNameLst>
+                                          <p:attrName>style.visibility</p:attrName>
+                                        </p:attrNameLst>
+                                      </p:cBhvr>
+                                      <p:to>
+                                        <p:strVal val="hidden"/>
+                                      </p:to>
+                                    </p:set>
+                                  </p:childTnLst>
+                                </p:cTn>
+                              </p:par>
+                            </p:childTnLst>
+                          </p:cTn>
+                        </p:par>
+                      </p:childTnLst>
+                    </p:cTn>
+                  </p:par>
+                  <p:par>
+                    <p:cTn id="104" fill="hold">
+                      <p:stCondLst>
+                        <p:cond delay="indefinite"/>
+                      </p:stCondLst>
+                      <p:childTnLst>
+                        <p:par>
+                          <p:cTn id="105" fill="hold">
+                            <p:stCondLst>
+                              <p:cond delay="0"/>
+                            </p:stCondLst>
+                            <p:childTnLst>
+                              <p:par>
+                                <p:cTn id="106" presetID="1" presetClass="entr" presetSubtype="0" fill="hold" grpId="0" nodeType="clickEffect">
+                                  <p:stCondLst>
+                                    <p:cond delay="0"/>
+                                  </p:stCondLst>
+                                  <p:childTnLst>
+                                    <p:set>
+                                      <p:cBhvr>
+                                        <p:cTn id="107" dur="1" fill="hold">
+                                          <p:stCondLst>
+                                            <p:cond delay="0"/>
+                                          </p:stCondLst>
+                                        </p:cTn>
+                                        <p:tgtEl>
+                                          <p:spTgt spid="336"/>
+                                        </p:tgtEl>
+                                        <p:attrNameLst>
+                                          <p:attrName>style.visibility</p:attrName>
+                                        </p:attrNameLst>
+                                      </p:cBhvr>
+                                      <p:to>
+                                        <p:strVal val="visible"/>
+                                      </p:to>
+                                    </p:set>
+                                  </p:childTnLst>
+                                </p:cTn>
+                              </p:par>
+                            </p:childTnLst>
+                          </p:cTn>
+                        </p:par>
+                      </p:childTnLst>
+                    </p:cTn>
+                  </p:par>
+                  <p:par>
+                    <p:cTn id="108" fill="hold">
+                      <p:stCondLst>
+                        <p:cond delay="indefinite"/>
+                      </p:stCondLst>
+                      <p:childTnLst>
+                        <p:par>
+                          <p:cTn id="109" fill="hold">
+                            <p:stCondLst>
+                              <p:cond delay="0"/>
+                            </p:stCondLst>
+                            <p:childTnLst>
+                              <p:par>
+                                <p:cTn id="110" presetID="9" presetClass="exit" presetSubtype="0" fill="hold" grpId="1" nodeType="clickEffect">
+                                  <p:stCondLst>
+                                    <p:cond delay="0"/>
+                                  </p:stCondLst>
+                                  <p:childTnLst>
+                                    <p:animEffect transition="out" filter="dissolve">
+                                      <p:cBhvr>
+                                        <p:cTn id="111" dur="500"/>
+                                        <p:tgtEl>
+                                          <p:spTgt spid="339"/>
+                                        </p:tgtEl>
+                                      </p:cBhvr>
+                                    </p:animEffect>
+                                    <p:set>
+                                      <p:cBhvr>
+                                        <p:cTn id="112" dur="1" fill="hold">
+                                          <p:stCondLst>
+                                            <p:cond delay="499"/>
+                                          </p:stCondLst>
+                                        </p:cTn>
+                                        <p:tgtEl>
+                                          <p:spTgt spid="339"/>
+                                        </p:tgtEl>
+                                        <p:attrNameLst>
+                                          <p:attrName>style.visibility</p:attrName>
+                                        </p:attrNameLst>
+                                      </p:cBhvr>
+                                      <p:to>
+                                        <p:strVal val="hidden"/>
+                                      </p:to>
+                                    </p:set>
+                                  </p:childTnLst>
+                                </p:cTn>
+                              </p:par>
+                            </p:childTnLst>
+                          </p:cTn>
+                        </p:par>
+                      </p:childTnLst>
+                    </p:cTn>
+                  </p:par>
+                  <p:par>
+                    <p:cTn id="113" fill="hold">
+                      <p:stCondLst>
+                        <p:cond delay="indefinite"/>
+                      </p:stCondLst>
+                      <p:childTnLst>
+                        <p:par>
+                          <p:cTn id="114" fill="hold">
+                            <p:stCondLst>
+                              <p:cond delay="0"/>
+                            </p:stCondLst>
+                            <p:childTnLst>
+                              <p:par>
+                                <p:cTn id="115" presetID="9" presetClass="exit" presetSubtype="0" fill="hold" grpId="1" nodeType="clickEffect">
+                                  <p:stCondLst>
+                                    <p:cond delay="0"/>
+                                  </p:stCondLst>
+                                  <p:childTnLst>
+                                    <p:animEffect transition="out" filter="dissolve">
+                                      <p:cBhvr>
+                                        <p:cTn id="116" dur="500"/>
+                                        <p:tgtEl>
+                                          <p:spTgt spid="336"/>
+                                        </p:tgtEl>
+                                      </p:cBhvr>
+                                    </p:animEffect>
+                                    <p:set>
+                                      <p:cBhvr>
+                                        <p:cTn id="117" dur="1" fill="hold">
+                                          <p:stCondLst>
+                                            <p:cond delay="499"/>
+                                          </p:stCondLst>
+                                        </p:cTn>
+                                        <p:tgtEl>
+                                          <p:spTgt spid="336"/>
+                                        </p:tgtEl>
+                                        <p:attrNameLst>
+                                          <p:attrName>style.visibility</p:attrName>
+                                        </p:attrNameLst>
+                                      </p:cBhvr>
+                                      <p:to>
+                                        <p:strVal val="hidden"/>
+                                      </p:to>
+                                    </p:set>
+                                  </p:childTnLst>
+                                </p:cTn>
+                              </p:par>
+                            </p:childTnLst>
+                          </p:cTn>
+                        </p:par>
+                      </p:childTnLst>
+                    </p:cTn>
+                  </p:par>
+                </p:childTnLst>
+              </p:cTn>
+              <p:prevCondLst>
+                <p:cond evt="onPrev" delay="0">
+                  <p:tgtEl>
+                    <p:sldTgt/>
+                  </p:tgtEl>
+                </p:cond>
+              </p:prevCondLst>
+              <p:nextCondLst>
+                <p:cond evt="onNext" delay="0">
+                  <p:tgtEl>
+                    <p:sldTgt/>
+                  </p:tgtEl>
+                </p:cond>
+              </p:nextCondLst>
+            </p:seq>
+          </p:childTnLst>
+        </p:cTn>
+      </p:par>
+    </p:tnLst>
+    <p:bldLst>
+      <p:bldP spid="332" grpId="0"/>
+      <p:bldP spid="332" grpId="1"/>
+      <p:bldP spid="333" grpId="0"/>
+      <p:bldP spid="333" grpId="1"/>
+      <p:bldP spid="334" grpId="0"/>
+      <p:bldP spid="334" grpId="1"/>
+      <p:bldP spid="335" grpId="0"/>
+      <p:bldP spid="335" grpId="1"/>
+      <p:bldP spid="336" grpId="0"/>
+      <p:bldP spid="336" grpId="1"/>
+      <p:bldP spid="337" grpId="0"/>
+      <p:bldP spid="337" grpId="1"/>
+      <p:bldP spid="338" grpId="0"/>
+      <p:bldP spid="338" grpId="1"/>
+      <p:bldP spid="339" grpId="0"/>
+      <p:bldP spid="339" grpId="1"/>
+      <p:bldP spid="340" grpId="0"/>
+      <p:bldP spid="340" grpId="1"/>
+      <p:bldP spid="341" grpId="0"/>
+      <p:bldP spid="341" grpId="1"/>
+      <p:bldP spid="342" grpId="0"/>
+      <p:bldP spid="342" grpId="1"/>
+      <p:bldP spid="343" grpId="0"/>
+      <p:bldP spid="343" grpId="1"/>
+      <p:bldP spid="344" grpId="0"/>
+      <p:bldP spid="344" grpId="1"/>
+    </p:bldLst>
+  </p:timing>
+</p:sld>
+</file>
+
+<file path=ppt/slides/slide13.xml><?xml version="1.0" encoding="utf-8"?>
+<p:sld xmlns:a="http://schemas.openxmlformats.org/drawingml/2006/main" xmlns:r="http://schemas.openxmlformats.org/officeDocument/2006/relationships" xmlns:p="http://schemas.openxmlformats.org/presentationml/2006/main">
+  <p:cSld>
+    <p:spTree>
+      <p:nvGrpSpPr>
+        <p:cNvPr id="1" name="Shape 330"/>
+        <p:cNvGrpSpPr/>
+        <p:nvPr/>
+      </p:nvGrpSpPr>
+      <p:grpSpPr>
+        <a:xfrm>
+          <a:off x="0" y="0"/>
+          <a:ext cx="0" cy="0"/>
+          <a:chOff x="0" y="0"/>
+          <a:chExt cx="0" cy="0"/>
+        </a:xfrm>
+      </p:grpSpPr>
+      <p:sp>
+        <p:nvSpPr>
+          <p:cNvPr id="331" name="Shape 331"/>
+          <p:cNvSpPr txBox="1">
+            <a:spLocks noGrp="1"/>
+          </p:cNvSpPr>
+          <p:nvPr>
+            <p:ph type="title"/>
+          </p:nvPr>
+        </p:nvSpPr>
+        <p:spPr>
+          <a:prstGeom prst="rect">
+            <a:avLst/>
+          </a:prstGeom>
+          <a:noFill/>
+          <a:ln>
+            <a:noFill/>
+          </a:ln>
+        </p:spPr>
+        <p:txBody>
+          <a:bodyPr lIns="38100" tIns="38100" rIns="38100" bIns="38100" anchor="ctr" anchorCtr="0">
+            <a:noAutofit/>
+          </a:bodyPr>
+          <a:lstStyle/>
+          <a:p>
+            <a:pPr marL="0" marR="0" lvl="0" indent="0" algn="ctr" rtl="0">
+              <a:lnSpc>
+                <a:spcPct val="100000"/>
+              </a:lnSpc>
+              <a:spcBef>
+                <a:spcPts val="0"/>
+              </a:spcBef>
+              <a:spcAft>
+                <a:spcPts val="0"/>
+              </a:spcAft>
+              <a:buClr>
+                <a:srgbClr val="00FF00"/>
+              </a:buClr>
+              <a:buSzPct val="25000"/>
+              <a:buFont typeface="Cabin"/>
+              <a:buNone/>
+            </a:pPr>
+            <a:r>
+              <a:rPr lang="en-US" sz="7600" u="none" strike="noStrike" cap="none">
+                <a:solidFill>
+                  <a:srgbClr val="FFFF00"/>
+                </a:solidFill>
+                <a:latin typeface="Arial" charset="0"/>
+                <a:ea typeface="Arial" charset="0"/>
+                <a:cs typeface="Arial" charset="0"/>
+                <a:sym typeface="Cabin"/>
+              </a:rPr>
+              <a:t>Most Common Name?</a:t>
+            </a:r>
+          </a:p>
+        </p:txBody>
+      </p:sp>
+      <p:sp>
+        <p:nvSpPr>
+          <p:cNvPr id="332" name="Shape 332"/>
+          <p:cNvSpPr txBox="1"/>
+          <p:nvPr/>
+        </p:nvSpPr>
+        <p:spPr>
+          <a:xfrm>
+            <a:off x="1344600" y="5705416"/>
+            <a:ext cx="1909500" cy="1066799"/>
+          </a:xfrm>
+          <a:prstGeom prst="rect">
+            <a:avLst/>
+          </a:prstGeom>
+          <a:noFill/>
+          <a:ln>
+            <a:noFill/>
+          </a:ln>
+        </p:spPr>
+        <p:txBody>
+          <a:bodyPr lIns="0" tIns="0" rIns="0" bIns="0" anchor="ctr" anchorCtr="0">
+            <a:noAutofit/>
+          </a:bodyPr>
+          <a:lstStyle/>
+          <a:p>
+            <a:pPr marL="0" marR="0" lvl="0" indent="0" algn="ctr" rtl="0">
+              <a:lnSpc>
+                <a:spcPct val="100000"/>
+              </a:lnSpc>
+              <a:spcBef>
+                <a:spcPts val="0"/>
+              </a:spcBef>
+              <a:spcAft>
+                <a:spcPts val="0"/>
+              </a:spcAft>
+              <a:buClr>
+                <a:srgbClr val="FF00FF"/>
+              </a:buClr>
+              <a:buSzPct val="25000"/>
+              <a:buFont typeface="Cabin"/>
+              <a:buNone/>
+            </a:pPr>
+            <a:r>
+              <a:rPr lang="en-US" sz="6000" u="none" strike="noStrike" cap="none">
+                <a:solidFill>
+                  <a:srgbClr val="FF00FF"/>
+                </a:solidFill>
+                <a:latin typeface="Arial" charset="0"/>
+                <a:ea typeface="Arial" charset="0"/>
+                <a:cs typeface="Arial" charset="0"/>
+                <a:sym typeface="Cabin"/>
+              </a:rPr>
+              <a:t>csev</a:t>
+            </a:r>
+          </a:p>
+        </p:txBody>
+      </p:sp>
+      <p:sp>
+        <p:nvSpPr>
+          <p:cNvPr id="333" name="Shape 333"/>
+          <p:cNvSpPr txBox="1"/>
+          <p:nvPr/>
+        </p:nvSpPr>
+        <p:spPr>
+          <a:xfrm>
+            <a:off x="1344600" y="4274708"/>
+            <a:ext cx="2067599" cy="1066799"/>
+          </a:xfrm>
+          <a:prstGeom prst="rect">
+            <a:avLst/>
+          </a:prstGeom>
+          <a:noFill/>
+          <a:ln>
+            <a:noFill/>
+          </a:ln>
+        </p:spPr>
+        <p:txBody>
+          <a:bodyPr lIns="0" tIns="0" rIns="0" bIns="0" anchor="ctr" anchorCtr="0">
+            <a:noAutofit/>
+          </a:bodyPr>
+          <a:lstStyle/>
+          <a:p>
+            <a:pPr marL="0" marR="0" lvl="0" indent="0" algn="ctr" rtl="0">
+              <a:lnSpc>
+                <a:spcPct val="100000"/>
+              </a:lnSpc>
+              <a:spcBef>
+                <a:spcPts val="0"/>
+              </a:spcBef>
+              <a:spcAft>
+                <a:spcPts val="0"/>
+              </a:spcAft>
+              <a:buClr>
+                <a:srgbClr val="FF00FF"/>
+              </a:buClr>
+              <a:buSzPct val="25000"/>
+              <a:buFont typeface="Cabin"/>
+              <a:buNone/>
+            </a:pPr>
+            <a:r>
+              <a:rPr lang="en-US" sz="6000" u="none" strike="noStrike" cap="none">
+                <a:solidFill>
+                  <a:srgbClr val="FF00FF"/>
+                </a:solidFill>
+                <a:latin typeface="Arial" charset="0"/>
+                <a:ea typeface="Arial" charset="0"/>
+                <a:cs typeface="Arial" charset="0"/>
+                <a:sym typeface="Cabin"/>
+              </a:rPr>
+              <a:t>zhen</a:t>
+            </a:r>
+          </a:p>
+        </p:txBody>
+      </p:sp>
+      <p:sp>
+        <p:nvSpPr>
+          <p:cNvPr id="334" name="Shape 334"/>
+          <p:cNvSpPr txBox="1"/>
+          <p:nvPr/>
+        </p:nvSpPr>
+        <p:spPr>
+          <a:xfrm>
+            <a:off x="1344600" y="7136125"/>
+            <a:ext cx="2189100" cy="1066799"/>
+          </a:xfrm>
+          <a:prstGeom prst="rect">
+            <a:avLst/>
+          </a:prstGeom>
+          <a:noFill/>
+          <a:ln>
+            <a:noFill/>
+          </a:ln>
+        </p:spPr>
+        <p:txBody>
+          <a:bodyPr lIns="0" tIns="0" rIns="0" bIns="0" anchor="ctr" anchorCtr="0">
+            <a:noAutofit/>
+          </a:bodyPr>
+          <a:lstStyle/>
+          <a:p>
+            <a:pPr marL="0" marR="0" lvl="0" indent="0" algn="ctr" rtl="0">
+              <a:lnSpc>
+                <a:spcPct val="100000"/>
+              </a:lnSpc>
+              <a:spcBef>
+                <a:spcPts val="0"/>
+              </a:spcBef>
+              <a:spcAft>
+                <a:spcPts val="0"/>
+              </a:spcAft>
+              <a:buClr>
+                <a:srgbClr val="FF00FF"/>
+              </a:buClr>
+              <a:buSzPct val="25000"/>
+              <a:buFont typeface="Cabin"/>
+              <a:buNone/>
+            </a:pPr>
+            <a:r>
+              <a:rPr lang="en-US" sz="6000" u="none" strike="noStrike" cap="none">
+                <a:solidFill>
+                  <a:srgbClr val="FF00FF"/>
+                </a:solidFill>
+                <a:latin typeface="Arial" charset="0"/>
+                <a:ea typeface="Arial" charset="0"/>
+                <a:cs typeface="Arial" charset="0"/>
+                <a:sym typeface="Cabin"/>
+              </a:rPr>
+              <a:t>zhen</a:t>
+            </a:r>
+          </a:p>
+        </p:txBody>
+      </p:sp>
+      <p:sp>
+        <p:nvSpPr>
+          <p:cNvPr id="335" name="Shape 335"/>
+          <p:cNvSpPr txBox="1"/>
+          <p:nvPr/>
+        </p:nvSpPr>
+        <p:spPr>
+          <a:xfrm>
+            <a:off x="1344600" y="2844000"/>
+            <a:ext cx="3887699" cy="1066799"/>
+          </a:xfrm>
+          <a:prstGeom prst="rect">
+            <a:avLst/>
+          </a:prstGeom>
+          <a:noFill/>
+          <a:ln>
+            <a:noFill/>
+          </a:ln>
+        </p:spPr>
+        <p:txBody>
+          <a:bodyPr lIns="0" tIns="0" rIns="0" bIns="0" anchor="ctr" anchorCtr="0">
+            <a:noAutofit/>
+          </a:bodyPr>
+          <a:lstStyle/>
+          <a:p>
+            <a:pPr marL="0" marR="0" lvl="0" indent="0" algn="ctr" rtl="0">
+              <a:lnSpc>
+                <a:spcPct val="100000"/>
+              </a:lnSpc>
+              <a:spcBef>
+                <a:spcPts val="0"/>
+              </a:spcBef>
+              <a:spcAft>
+                <a:spcPts val="0"/>
+              </a:spcAft>
+              <a:buClr>
+                <a:srgbClr val="FF00FF"/>
+              </a:buClr>
+              <a:buSzPct val="25000"/>
+              <a:buFont typeface="Cabin"/>
+              <a:buNone/>
+            </a:pPr>
+            <a:r>
+              <a:rPr lang="en-US" sz="6000" u="none" strike="noStrike" cap="none">
+                <a:solidFill>
+                  <a:srgbClr val="FF00FF"/>
+                </a:solidFill>
+                <a:latin typeface="Arial" charset="0"/>
+                <a:ea typeface="Arial" charset="0"/>
+                <a:cs typeface="Arial" charset="0"/>
+                <a:sym typeface="Cabin"/>
+              </a:rPr>
+              <a:t>marquard</a:t>
+            </a:r>
+          </a:p>
+        </p:txBody>
+      </p:sp>
+      <p:sp>
+        <p:nvSpPr>
+          <p:cNvPr id="336" name="Shape 336"/>
+          <p:cNvSpPr txBox="1"/>
+          <p:nvPr/>
+        </p:nvSpPr>
+        <p:spPr>
+          <a:xfrm>
+            <a:off x="11505925" y="7173950"/>
+            <a:ext cx="2189100" cy="1066799"/>
+          </a:xfrm>
+          <a:prstGeom prst="rect">
+            <a:avLst/>
+          </a:prstGeom>
+          <a:noFill/>
+          <a:ln>
+            <a:noFill/>
+          </a:ln>
+        </p:spPr>
+        <p:txBody>
+          <a:bodyPr lIns="0" tIns="0" rIns="0" bIns="0" anchor="ctr" anchorCtr="0">
+            <a:noAutofit/>
+          </a:bodyPr>
+          <a:lstStyle/>
+          <a:p>
+            <a:pPr marL="0" marR="0" lvl="0" indent="0" algn="l" rtl="0">
+              <a:lnSpc>
+                <a:spcPct val="100000"/>
+              </a:lnSpc>
+              <a:spcBef>
+                <a:spcPts val="0"/>
+              </a:spcBef>
+              <a:spcAft>
+                <a:spcPts val="0"/>
+              </a:spcAft>
+              <a:buClr>
+                <a:srgbClr val="FF00FF"/>
+              </a:buClr>
+              <a:buSzPct val="25000"/>
+              <a:buFont typeface="Cabin"/>
+              <a:buNone/>
+            </a:pPr>
+            <a:r>
+              <a:rPr lang="en-US" sz="6000" u="none" strike="noStrike" cap="none">
+                <a:solidFill>
+                  <a:srgbClr val="FF00FF"/>
+                </a:solidFill>
+                <a:latin typeface="Arial" charset="0"/>
+                <a:ea typeface="Arial" charset="0"/>
+                <a:cs typeface="Arial" charset="0"/>
+                <a:sym typeface="Cabin"/>
+              </a:rPr>
+              <a:t>zhen</a:t>
+            </a:r>
+          </a:p>
+        </p:txBody>
+      </p:sp>
+      <p:sp>
+        <p:nvSpPr>
+          <p:cNvPr id="337" name="Shape 337"/>
+          <p:cNvSpPr txBox="1"/>
+          <p:nvPr/>
+        </p:nvSpPr>
+        <p:spPr>
+          <a:xfrm>
+            <a:off x="11505925" y="2842050"/>
+            <a:ext cx="1887599" cy="1066799"/>
+          </a:xfrm>
+          <a:prstGeom prst="rect">
+            <a:avLst/>
+          </a:prstGeom>
+          <a:noFill/>
+          <a:ln>
+            <a:noFill/>
+          </a:ln>
+        </p:spPr>
+        <p:txBody>
+          <a:bodyPr lIns="0" tIns="0" rIns="0" bIns="0" anchor="ctr" anchorCtr="0">
+            <a:noAutofit/>
+          </a:bodyPr>
+          <a:lstStyle/>
+          <a:p>
+            <a:pPr marL="0" marR="0" lvl="0" indent="0" algn="ctr" rtl="0">
+              <a:lnSpc>
+                <a:spcPct val="100000"/>
+              </a:lnSpc>
+              <a:spcBef>
+                <a:spcPts val="0"/>
+              </a:spcBef>
+              <a:spcAft>
+                <a:spcPts val="0"/>
+              </a:spcAft>
+              <a:buClr>
+                <a:srgbClr val="FF00FF"/>
+              </a:buClr>
+              <a:buSzPct val="25000"/>
+              <a:buFont typeface="Cabin"/>
+              <a:buNone/>
+            </a:pPr>
+            <a:r>
+              <a:rPr lang="en-US" sz="6000" u="none" strike="noStrike" cap="none">
+                <a:solidFill>
+                  <a:srgbClr val="FF00FF"/>
+                </a:solidFill>
+                <a:latin typeface="Arial" charset="0"/>
+                <a:ea typeface="Arial" charset="0"/>
+                <a:cs typeface="Arial" charset="0"/>
+                <a:sym typeface="Cabin"/>
+              </a:rPr>
+              <a:t>cwen</a:t>
+            </a:r>
+          </a:p>
+        </p:txBody>
+      </p:sp>
+      <p:sp>
+        <p:nvSpPr>
+          <p:cNvPr id="338" name="Shape 338"/>
+          <p:cNvSpPr txBox="1"/>
+          <p:nvPr/>
+        </p:nvSpPr>
+        <p:spPr>
+          <a:xfrm>
+            <a:off x="11505925" y="5008000"/>
+            <a:ext cx="1889100" cy="1066799"/>
+          </a:xfrm>
+          <a:prstGeom prst="rect">
+            <a:avLst/>
+          </a:prstGeom>
+          <a:noFill/>
+          <a:ln>
+            <a:noFill/>
+          </a:ln>
+        </p:spPr>
+        <p:txBody>
+          <a:bodyPr lIns="0" tIns="0" rIns="0" bIns="0" anchor="ctr" anchorCtr="0">
+            <a:noAutofit/>
+          </a:bodyPr>
+          <a:lstStyle/>
+          <a:p>
+            <a:pPr marL="0" marR="0" lvl="0" indent="0" algn="l" rtl="0">
+              <a:lnSpc>
+                <a:spcPct val="100000"/>
+              </a:lnSpc>
+              <a:spcBef>
+                <a:spcPts val="0"/>
+              </a:spcBef>
+              <a:spcAft>
+                <a:spcPts val="0"/>
+              </a:spcAft>
+              <a:buClr>
+                <a:srgbClr val="FF00FF"/>
+              </a:buClr>
+              <a:buSzPct val="25000"/>
+              <a:buFont typeface="Cabin"/>
+              <a:buNone/>
+            </a:pPr>
+            <a:r>
+              <a:rPr lang="en-US" sz="6000" u="none" strike="noStrike" cap="none">
+                <a:solidFill>
+                  <a:srgbClr val="FF00FF"/>
+                </a:solidFill>
+                <a:latin typeface="Arial" charset="0"/>
+                <a:ea typeface="Arial" charset="0"/>
+                <a:cs typeface="Arial" charset="0"/>
+                <a:sym typeface="Cabin"/>
+              </a:rPr>
+              <a:t>csev</a:t>
+            </a:r>
+          </a:p>
+        </p:txBody>
+      </p:sp>
+      <p:sp>
+        <p:nvSpPr>
+          <p:cNvPr id="339" name="Shape 339"/>
+          <p:cNvSpPr txBox="1"/>
+          <p:nvPr/>
+        </p:nvSpPr>
+        <p:spPr>
+          <a:xfrm>
+            <a:off x="11505925" y="6090975"/>
+            <a:ext cx="4035000" cy="1066799"/>
+          </a:xfrm>
+          <a:prstGeom prst="rect">
+            <a:avLst/>
+          </a:prstGeom>
+          <a:noFill/>
+          <a:ln>
+            <a:noFill/>
+          </a:ln>
+        </p:spPr>
+        <p:txBody>
+          <a:bodyPr lIns="0" tIns="0" rIns="0" bIns="0" anchor="ctr" anchorCtr="0">
+            <a:noAutofit/>
+          </a:bodyPr>
+          <a:lstStyle/>
+          <a:p>
+            <a:pPr marL="0" marR="0" lvl="0" indent="0" algn="l" rtl="0">
+              <a:lnSpc>
+                <a:spcPct val="100000"/>
+              </a:lnSpc>
+              <a:spcBef>
+                <a:spcPts val="0"/>
+              </a:spcBef>
+              <a:spcAft>
+                <a:spcPts val="0"/>
+              </a:spcAft>
+              <a:buClr>
+                <a:srgbClr val="FF00FF"/>
+              </a:buClr>
+              <a:buSzPct val="25000"/>
+              <a:buFont typeface="Cabin"/>
+              <a:buNone/>
+            </a:pPr>
+            <a:r>
+              <a:rPr lang="en-US" sz="6000" u="none" strike="noStrike" cap="none">
+                <a:solidFill>
+                  <a:srgbClr val="FF00FF"/>
+                </a:solidFill>
+                <a:latin typeface="Arial" charset="0"/>
+                <a:ea typeface="Arial" charset="0"/>
+                <a:cs typeface="Arial" charset="0"/>
+                <a:sym typeface="Cabin"/>
+              </a:rPr>
+              <a:t>marquard</a:t>
+            </a:r>
+            <a:endParaRPr lang="en-US" sz="6000" u="none" strike="noStrike" cap="none" dirty="0">
+              <a:solidFill>
+                <a:srgbClr val="FF00FF"/>
+              </a:solidFill>
+              <a:latin typeface="Arial" charset="0"/>
+              <a:ea typeface="Arial" charset="0"/>
+              <a:cs typeface="Arial" charset="0"/>
+              <a:sym typeface="Cabin"/>
+            </a:endParaRPr>
+          </a:p>
+        </p:txBody>
+      </p:sp>
+      <p:sp>
+        <p:nvSpPr>
+          <p:cNvPr id="340" name="Shape 340"/>
+          <p:cNvSpPr txBox="1"/>
+          <p:nvPr/>
+        </p:nvSpPr>
+        <p:spPr>
+          <a:xfrm>
+            <a:off x="6049446" y="5653100"/>
+            <a:ext cx="2189100" cy="1066799"/>
+          </a:xfrm>
+          <a:prstGeom prst="rect">
+            <a:avLst/>
+          </a:prstGeom>
+          <a:noFill/>
+          <a:ln>
+            <a:noFill/>
+          </a:ln>
+        </p:spPr>
+        <p:txBody>
+          <a:bodyPr lIns="0" tIns="0" rIns="0" bIns="0" anchor="ctr" anchorCtr="0">
+            <a:noAutofit/>
+          </a:bodyPr>
+          <a:lstStyle/>
+          <a:p>
+            <a:pPr marL="0" marR="0" lvl="0" indent="0" algn="l" rtl="0">
+              <a:lnSpc>
+                <a:spcPct val="100000"/>
+              </a:lnSpc>
+              <a:spcBef>
+                <a:spcPts val="0"/>
+              </a:spcBef>
+              <a:spcAft>
+                <a:spcPts val="0"/>
+              </a:spcAft>
+              <a:buClr>
+                <a:srgbClr val="FF00FF"/>
+              </a:buClr>
+              <a:buSzPct val="25000"/>
+              <a:buFont typeface="Cabin"/>
+              <a:buNone/>
+            </a:pPr>
+            <a:r>
+              <a:rPr lang="en-US" sz="6000" u="none" strike="noStrike" cap="none">
+                <a:solidFill>
+                  <a:srgbClr val="FF00FF"/>
+                </a:solidFill>
+                <a:latin typeface="Arial" charset="0"/>
+                <a:ea typeface="Arial" charset="0"/>
+                <a:cs typeface="Arial" charset="0"/>
+                <a:sym typeface="Cabin"/>
+              </a:rPr>
+              <a:t>zhen</a:t>
+            </a:r>
+          </a:p>
+        </p:txBody>
+      </p:sp>
+      <p:sp>
+        <p:nvSpPr>
+          <p:cNvPr id="341" name="Shape 341"/>
+          <p:cNvSpPr txBox="1"/>
+          <p:nvPr/>
+        </p:nvSpPr>
+        <p:spPr>
+          <a:xfrm>
+            <a:off x="6049446" y="4197225"/>
+            <a:ext cx="3676499" cy="1066799"/>
+          </a:xfrm>
+          <a:prstGeom prst="rect">
+            <a:avLst/>
+          </a:prstGeom>
+          <a:noFill/>
+          <a:ln>
+            <a:noFill/>
+          </a:ln>
+        </p:spPr>
+        <p:txBody>
+          <a:bodyPr lIns="0" tIns="0" rIns="0" bIns="0" anchor="ctr" anchorCtr="0">
+            <a:noAutofit/>
+          </a:bodyPr>
+          <a:lstStyle/>
+          <a:p>
+            <a:pPr marL="0" marR="0" lvl="0" indent="0" algn="ctr" rtl="0">
+              <a:lnSpc>
+                <a:spcPct val="100000"/>
+              </a:lnSpc>
+              <a:spcBef>
+                <a:spcPts val="0"/>
+              </a:spcBef>
+              <a:spcAft>
+                <a:spcPts val="0"/>
+              </a:spcAft>
+              <a:buClr>
+                <a:srgbClr val="FF00FF"/>
+              </a:buClr>
+              <a:buSzPct val="25000"/>
+              <a:buFont typeface="Cabin"/>
+              <a:buNone/>
+            </a:pPr>
+            <a:r>
+              <a:rPr lang="en-US" sz="6000" u="none" strike="noStrike" cap="none">
+                <a:solidFill>
+                  <a:srgbClr val="FF00FF"/>
+                </a:solidFill>
+                <a:latin typeface="Arial" charset="0"/>
+                <a:ea typeface="Arial" charset="0"/>
+                <a:cs typeface="Arial" charset="0"/>
+                <a:sym typeface="Cabin"/>
+              </a:rPr>
+              <a:t>marquard</a:t>
+            </a:r>
+          </a:p>
+        </p:txBody>
+      </p:sp>
+      <p:sp>
+        <p:nvSpPr>
+          <p:cNvPr id="342" name="Shape 342"/>
+          <p:cNvSpPr txBox="1"/>
+          <p:nvPr/>
+        </p:nvSpPr>
+        <p:spPr>
+          <a:xfrm>
+            <a:off x="6049446" y="7108975"/>
+            <a:ext cx="1909500" cy="1066799"/>
+          </a:xfrm>
+          <a:prstGeom prst="rect">
+            <a:avLst/>
+          </a:prstGeom>
+          <a:noFill/>
+          <a:ln>
+            <a:noFill/>
+          </a:ln>
+        </p:spPr>
+        <p:txBody>
+          <a:bodyPr lIns="0" tIns="0" rIns="0" bIns="0" anchor="ctr" anchorCtr="0">
+            <a:noAutofit/>
+          </a:bodyPr>
+          <a:lstStyle/>
+          <a:p>
+            <a:pPr marL="0" marR="0" lvl="0" indent="0" algn="l" rtl="0">
+              <a:lnSpc>
+                <a:spcPct val="100000"/>
+              </a:lnSpc>
+              <a:spcBef>
+                <a:spcPts val="0"/>
+              </a:spcBef>
+              <a:spcAft>
+                <a:spcPts val="0"/>
+              </a:spcAft>
+              <a:buClr>
+                <a:srgbClr val="FF00FF"/>
+              </a:buClr>
+              <a:buSzPct val="25000"/>
+              <a:buFont typeface="Cabin"/>
+              <a:buNone/>
+            </a:pPr>
+            <a:r>
+              <a:rPr lang="en-US" sz="6000" u="none" strike="noStrike" cap="none">
+                <a:solidFill>
+                  <a:srgbClr val="FF00FF"/>
+                </a:solidFill>
+                <a:latin typeface="Arial" charset="0"/>
+                <a:ea typeface="Arial" charset="0"/>
+                <a:cs typeface="Arial" charset="0"/>
+                <a:sym typeface="Cabin"/>
+              </a:rPr>
+              <a:t>csev</a:t>
+            </a:r>
+          </a:p>
+        </p:txBody>
+      </p:sp>
+      <p:sp>
+        <p:nvSpPr>
+          <p:cNvPr id="343" name="Shape 343"/>
+          <p:cNvSpPr txBox="1"/>
+          <p:nvPr/>
+        </p:nvSpPr>
+        <p:spPr>
+          <a:xfrm>
+            <a:off x="6049446" y="2741350"/>
+            <a:ext cx="1889100" cy="1066799"/>
+          </a:xfrm>
+          <a:prstGeom prst="rect">
+            <a:avLst/>
+          </a:prstGeom>
+          <a:noFill/>
+          <a:ln>
+            <a:noFill/>
+          </a:ln>
+        </p:spPr>
+        <p:txBody>
+          <a:bodyPr lIns="0" tIns="0" rIns="0" bIns="0" anchor="ctr" anchorCtr="0">
+            <a:noAutofit/>
+          </a:bodyPr>
+          <a:lstStyle/>
+          <a:p>
+            <a:pPr marL="0" marR="0" lvl="0" indent="0" algn="ctr" rtl="0">
+              <a:lnSpc>
+                <a:spcPct val="100000"/>
+              </a:lnSpc>
+              <a:spcBef>
+                <a:spcPts val="0"/>
+              </a:spcBef>
+              <a:spcAft>
+                <a:spcPts val="0"/>
+              </a:spcAft>
+              <a:buClr>
+                <a:srgbClr val="FF00FF"/>
+              </a:buClr>
+              <a:buSzPct val="25000"/>
+              <a:buFont typeface="Cabin"/>
+              <a:buNone/>
+            </a:pPr>
+            <a:r>
+              <a:rPr lang="en-US" sz="6000" u="none" strike="noStrike" cap="none">
+                <a:solidFill>
+                  <a:srgbClr val="FF00FF"/>
+                </a:solidFill>
+                <a:latin typeface="Arial" charset="0"/>
+                <a:ea typeface="Arial" charset="0"/>
+                <a:cs typeface="Arial" charset="0"/>
+                <a:sym typeface="Cabin"/>
+              </a:rPr>
+              <a:t>cwen</a:t>
+            </a:r>
+          </a:p>
+        </p:txBody>
+      </p:sp>
+      <p:sp>
+        <p:nvSpPr>
+          <p:cNvPr id="344" name="Shape 344"/>
+          <p:cNvSpPr txBox="1"/>
+          <p:nvPr/>
+        </p:nvSpPr>
+        <p:spPr>
+          <a:xfrm>
+            <a:off x="11505925" y="3925025"/>
+            <a:ext cx="2313600" cy="1066799"/>
+          </a:xfrm>
+          <a:prstGeom prst="rect">
+            <a:avLst/>
+          </a:prstGeom>
+          <a:noFill/>
+          <a:ln>
+            <a:noFill/>
+          </a:ln>
+        </p:spPr>
+        <p:txBody>
+          <a:bodyPr lIns="0" tIns="0" rIns="0" bIns="0" anchor="ctr" anchorCtr="0">
+            <a:noAutofit/>
+          </a:bodyPr>
+          <a:lstStyle/>
+          <a:p>
+            <a:pPr marL="0" marR="0" lvl="0" indent="0" algn="l" rtl="0">
+              <a:lnSpc>
+                <a:spcPct val="100000"/>
+              </a:lnSpc>
+              <a:spcBef>
+                <a:spcPts val="0"/>
+              </a:spcBef>
+              <a:spcAft>
+                <a:spcPts val="0"/>
+              </a:spcAft>
+              <a:buClr>
+                <a:srgbClr val="FF00FF"/>
+              </a:buClr>
+              <a:buSzPct val="25000"/>
+              <a:buFont typeface="Cabin"/>
+              <a:buNone/>
+            </a:pPr>
+            <a:r>
+              <a:rPr lang="en-US" sz="6000" u="none" strike="noStrike" cap="none">
+                <a:solidFill>
+                  <a:srgbClr val="FF00FF"/>
+                </a:solidFill>
+                <a:latin typeface="Arial" charset="0"/>
+                <a:ea typeface="Arial" charset="0"/>
+                <a:cs typeface="Arial" charset="0"/>
+                <a:sym typeface="Cabin"/>
+              </a:rPr>
+              <a:t>zhen</a:t>
+            </a:r>
+          </a:p>
+        </p:txBody>
+      </p:sp>
+    </p:spTree>
+    <p:extLst>
+      <p:ext uri="{BB962C8B-B14F-4D97-AF65-F5344CB8AC3E}">
+        <p14:creationId xmlns:p14="http://schemas.microsoft.com/office/powerpoint/2010/main" val="1460838787"/>
+      </p:ext>
+    </p:extLst>
   </p:cSld>
   <p:clrMapOvr>
     <a:masterClrMapping/>
@@ -7533,7 +10046,7 @@
 </p:sld>
 </file>
 
-<file path=ppt/slides/slide13.xml><?xml version="1.0" encoding="utf-8"?>
+<file path=ppt/slides/slide14.xml><?xml version="1.0" encoding="utf-8"?>
 <p:sld xmlns:a="http://schemas.openxmlformats.org/drawingml/2006/main" xmlns:r="http://schemas.openxmlformats.org/officeDocument/2006/relationships" xmlns:p="http://schemas.openxmlformats.org/presentationml/2006/main">
   <p:cSld>
     <p:spTree>
@@ -8008,63 +10521,6 @@
       </p:sp>
       <p:sp>
         <p:nvSpPr>
-          <p:cNvPr id="357" name="Shape 357"/>
-          <p:cNvSpPr txBox="1"/>
-          <p:nvPr/>
-        </p:nvSpPr>
-        <p:spPr>
-          <a:xfrm>
-            <a:off x="11505925" y="6090975"/>
-            <a:ext cx="4035000" cy="1066799"/>
-          </a:xfrm>
-          <a:prstGeom prst="rect">
-            <a:avLst/>
-          </a:prstGeom>
-          <a:noFill/>
-          <a:ln>
-            <a:noFill/>
-          </a:ln>
-        </p:spPr>
-        <p:txBody>
-          <a:bodyPr lIns="0" tIns="0" rIns="0" bIns="0" anchor="ctr" anchorCtr="0">
-            <a:noAutofit/>
-          </a:bodyPr>
-          <a:lstStyle/>
-          <a:p>
-            <a:pPr marL="0" marR="0" lvl="0" indent="0" algn="l" rtl="0">
-              <a:lnSpc>
-                <a:spcPct val="100000"/>
-              </a:lnSpc>
-              <a:spcBef>
-                <a:spcPts val="0"/>
-              </a:spcBef>
-              <a:spcAft>
-                <a:spcPts val="0"/>
-              </a:spcAft>
-              <a:buClr>
-                <a:srgbClr val="FF00FF"/>
-              </a:buClr>
-              <a:buSzPct val="25000"/>
-              <a:buFont typeface="Cabin"/>
-              <a:buNone/>
-            </a:pPr>
-            <a:r>
-              <a:rPr lang="en-US" sz="6600" u="none" strike="noStrike" cap="none">
-                <a:solidFill>
-                  <a:srgbClr val="FF00FF"/>
-                </a:solidFill>
-                <a:latin typeface="Arial" charset="0"/>
-                <a:ea typeface="Arial" charset="0"/>
-                <a:cs typeface="Arial" charset="0"/>
-                <a:sym typeface="Cabin"/>
-              </a:rPr>
-              <a:t>marquard</a:t>
-            </a:r>
-          </a:p>
-        </p:txBody>
-      </p:sp>
-      <p:sp>
-        <p:nvSpPr>
           <p:cNvPr id="358" name="Shape 358"/>
           <p:cNvSpPr txBox="1"/>
           <p:nvPr/>
@@ -8375,6 +10831,72 @@
           </a:ln>
         </p:spPr>
       </p:pic>
+      <p:sp>
+        <p:nvSpPr>
+          <p:cNvPr id="17" name="Shape 339"/>
+          <p:cNvSpPr txBox="1"/>
+          <p:nvPr/>
+        </p:nvSpPr>
+        <p:spPr>
+          <a:xfrm>
+            <a:off x="11505925" y="6090975"/>
+            <a:ext cx="4035000" cy="1066799"/>
+          </a:xfrm>
+          <a:prstGeom prst="rect">
+            <a:avLst/>
+          </a:prstGeom>
+          <a:noFill/>
+          <a:ln>
+            <a:noFill/>
+          </a:ln>
+        </p:spPr>
+        <p:txBody>
+          <a:bodyPr lIns="0" tIns="0" rIns="0" bIns="0" anchor="ctr" anchorCtr="0">
+            <a:noAutofit/>
+          </a:bodyPr>
+          <a:lstStyle/>
+          <a:p>
+            <a:pPr marL="0" marR="0" lvl="0" indent="0" algn="l" rtl="0">
+              <a:lnSpc>
+                <a:spcPct val="100000"/>
+              </a:lnSpc>
+              <a:spcBef>
+                <a:spcPts val="0"/>
+              </a:spcBef>
+              <a:spcAft>
+                <a:spcPts val="0"/>
+              </a:spcAft>
+              <a:buClr>
+                <a:srgbClr val="FF00FF"/>
+              </a:buClr>
+              <a:buSzPct val="25000"/>
+              <a:buFont typeface="Cabin"/>
+              <a:buNone/>
+            </a:pPr>
+            <a:r>
+              <a:rPr lang="en-US" sz="6000" u="none" strike="noStrike" cap="none">
+                <a:solidFill>
+                  <a:srgbClr val="FF00FF"/>
+                </a:solidFill>
+                <a:latin typeface="Arial" charset="0"/>
+                <a:ea typeface="Arial" charset="0"/>
+                <a:cs typeface="Arial" charset="0"/>
+                <a:sym typeface="Cabin"/>
+              </a:rPr>
+              <a:t>marquard</a:t>
+            </a:r>
+            <a:endParaRPr lang="en-US" sz="6000" u="none" strike="noStrike" cap="none" dirty="0">
+              <a:solidFill>
+                <a:srgbClr val="FF00FF"/>
+              </a:solidFill>
+              <a:latin typeface="Arial" charset="0"/>
+              <a:ea typeface="Arial" charset="0"/>
+              <a:cs typeface="Arial" charset="0"/>
+              <a:sym typeface="Cabin"/>
+            </a:endParaRPr>
+          </a:p>
+        </p:txBody>
+      </p:sp>
     </p:spTree>
   </p:cSld>
   <p:clrMapOvr>
@@ -8390,7 +10912,7 @@
 </p:sld>
 </file>
 
-<file path=ppt/slides/slide14.xml><?xml version="1.0" encoding="utf-8"?>
+<file path=ppt/slides/slide15.xml><?xml version="1.0" encoding="utf-8"?>
 <p:sld xmlns:a="http://schemas.openxmlformats.org/drawingml/2006/main" xmlns:r="http://schemas.openxmlformats.org/officeDocument/2006/relationships" xmlns:p="http://schemas.openxmlformats.org/presentationml/2006/main">
   <p:cSld>
     <p:spTree>
@@ -9597,7 +12119,7 @@
 </p:sld>
 </file>
 
-<file path=ppt/slides/slide15.xml><?xml version="1.0" encoding="utf-8"?>
+<file path=ppt/slides/slide16.xml><?xml version="1.0" encoding="utf-8"?>
 <p:sld xmlns:a="http://schemas.openxmlformats.org/drawingml/2006/main" xmlns:r="http://schemas.openxmlformats.org/officeDocument/2006/relationships" xmlns:p="http://schemas.openxmlformats.org/presentationml/2006/main">
   <p:cSld>
     <p:spTree>
@@ -10307,7 +12829,7 @@
 </p:sld>
 </file>
 
-<file path=ppt/slides/slide16.xml><?xml version="1.0" encoding="utf-8"?>
+<file path=ppt/slides/slide17.xml><?xml version="1.0" encoding="utf-8"?>
 <p:sld xmlns:a="http://schemas.openxmlformats.org/drawingml/2006/main" xmlns:r="http://schemas.openxmlformats.org/officeDocument/2006/relationships" xmlns:p="http://schemas.openxmlformats.org/presentationml/2006/main">
   <p:cSld>
     <p:spTree>
@@ -11540,7 +14062,7 @@
 </p:sld>
 </file>
 
-<file path=ppt/slides/slide17.xml><?xml version="1.0" encoding="utf-8"?>
+<file path=ppt/slides/slide18.xml><?xml version="1.0" encoding="utf-8"?>
 <p:sld xmlns:a="http://schemas.openxmlformats.org/drawingml/2006/main" xmlns:r="http://schemas.openxmlformats.org/officeDocument/2006/relationships" xmlns:p="http://schemas.openxmlformats.org/presentationml/2006/main">
   <p:cSld>
     <p:spTree>
@@ -12595,7 +15117,7 @@
 </p:sld>
 </file>
 
-<file path=ppt/slides/slide18.xml><?xml version="1.0" encoding="utf-8"?>
+<file path=ppt/slides/slide19.xml><?xml version="1.0" encoding="utf-8"?>
 <p:sld xmlns:a="http://schemas.openxmlformats.org/drawingml/2006/main" xmlns:r="http://schemas.openxmlformats.org/officeDocument/2006/relationships" xmlns:p="http://schemas.openxmlformats.org/presentationml/2006/main">
   <p:cSld>
     <p:spTree>
@@ -13635,7 +16157,385 @@
 </p:sld>
 </file>
 
-<file path=ppt/slides/slide19.xml><?xml version="1.0" encoding="utf-8"?>
+<file path=ppt/slides/slide2.xml><?xml version="1.0" encoding="utf-8"?>
+<p:sld xmlns:a="http://schemas.openxmlformats.org/drawingml/2006/main" xmlns:r="http://schemas.openxmlformats.org/officeDocument/2006/relationships" xmlns:p="http://schemas.openxmlformats.org/presentationml/2006/main">
+  <p:cSld>
+    <p:spTree>
+      <p:nvGrpSpPr>
+        <p:cNvPr id="1" name="Shape 211"/>
+        <p:cNvGrpSpPr/>
+        <p:nvPr/>
+      </p:nvGrpSpPr>
+      <p:grpSpPr>
+        <a:xfrm>
+          <a:off x="0" y="0"/>
+          <a:ext cx="0" cy="0"/>
+          <a:chOff x="0" y="0"/>
+          <a:chExt cx="0" cy="0"/>
+        </a:xfrm>
+      </p:grpSpPr>
+      <p:sp>
+        <p:nvSpPr>
+          <p:cNvPr id="212" name="Shape 212"/>
+          <p:cNvSpPr txBox="1">
+            <a:spLocks noGrp="1"/>
+          </p:cNvSpPr>
+          <p:nvPr>
+            <p:ph type="title"/>
+          </p:nvPr>
+        </p:nvSpPr>
+        <p:spPr>
+          <a:xfrm>
+            <a:off x="1155700" y="789709"/>
+            <a:ext cx="9788525" cy="1750290"/>
+          </a:xfrm>
+          <a:prstGeom prst="rect">
+            <a:avLst/>
+          </a:prstGeom>
+          <a:noFill/>
+          <a:ln>
+            <a:noFill/>
+          </a:ln>
+        </p:spPr>
+        <p:txBody>
+          <a:bodyPr lIns="38100" tIns="38100" rIns="38100" bIns="38100" anchor="ctr" anchorCtr="0">
+            <a:noAutofit/>
+          </a:bodyPr>
+          <a:lstStyle/>
+          <a:p>
+            <a:pPr marL="0" marR="0" lvl="0" indent="0" algn="ctr" rtl="0">
+              <a:lnSpc>
+                <a:spcPct val="100000"/>
+              </a:lnSpc>
+              <a:spcBef>
+                <a:spcPts val="0"/>
+              </a:spcBef>
+              <a:spcAft>
+                <a:spcPts val="0"/>
+              </a:spcAft>
+              <a:buClr>
+                <a:srgbClr val="FF00FF"/>
+              </a:buClr>
+              <a:buSzPct val="25000"/>
+              <a:buFont typeface="Cabin"/>
+              <a:buNone/>
+            </a:pPr>
+            <a:r>
+              <a:rPr lang="en-US" sz="7600" u="none" strike="noStrike" cap="none">
+                <a:solidFill>
+                  <a:srgbClr val="FFFF00"/>
+                </a:solidFill>
+                <a:latin typeface="Arial" charset="0"/>
+                <a:ea typeface="Arial" charset="0"/>
+                <a:cs typeface="Arial" charset="0"/>
+                <a:sym typeface="Cabin"/>
+              </a:rPr>
+              <a:t>What is a Collection?</a:t>
+            </a:r>
+          </a:p>
+        </p:txBody>
+      </p:sp>
+      <p:sp>
+        <p:nvSpPr>
+          <p:cNvPr id="213" name="Shape 213"/>
+          <p:cNvSpPr txBox="1">
+            <a:spLocks noGrp="1"/>
+          </p:cNvSpPr>
+          <p:nvPr>
+            <p:ph type="body" idx="1"/>
+          </p:nvPr>
+        </p:nvSpPr>
+        <p:spPr>
+          <a:prstGeom prst="rect">
+            <a:avLst/>
+          </a:prstGeom>
+          <a:noFill/>
+          <a:ln>
+            <a:noFill/>
+          </a:ln>
+        </p:spPr>
+        <p:txBody>
+          <a:bodyPr lIns="38100" tIns="38100" rIns="38100" bIns="38100" anchor="ctr" anchorCtr="0">
+            <a:noAutofit/>
+          </a:bodyPr>
+          <a:lstStyle/>
+          <a:p>
+            <a:pPr marL="749300" marR="0" lvl="0" indent="-371094" algn="l" rtl="0">
+              <a:lnSpc>
+                <a:spcPct val="100000"/>
+              </a:lnSpc>
+              <a:spcBef>
+                <a:spcPts val="0"/>
+              </a:spcBef>
+              <a:spcAft>
+                <a:spcPts val="0"/>
+              </a:spcAft>
+              <a:buClr>
+                <a:schemeClr val="lt1"/>
+              </a:buClr>
+              <a:buSzPct val="100000"/>
+              <a:buFont typeface="Cabin"/>
+              <a:buChar char="•"/>
+            </a:pPr>
+            <a:r>
+              <a:rPr lang="en-US" sz="3600" u="none" strike="noStrike" cap="none">
+                <a:solidFill>
+                  <a:schemeClr val="lt1"/>
+                </a:solidFill>
+                <a:latin typeface="Arial" charset="0"/>
+                <a:ea typeface="Arial" charset="0"/>
+                <a:cs typeface="Arial" charset="0"/>
+                <a:sym typeface="Cabin"/>
+              </a:rPr>
+              <a:t>A collection is nice because we can put more than one value in </a:t>
+            </a:r>
+            <a:r>
+              <a:rPr lang="en-US" sz="3600">
+                <a:solidFill>
+                  <a:schemeClr val="lt1"/>
+                </a:solidFill>
+                <a:latin typeface="Arial" charset="0"/>
+                <a:ea typeface="Arial" charset="0"/>
+                <a:cs typeface="Arial" charset="0"/>
+                <a:sym typeface="Cabin"/>
+              </a:rPr>
+              <a:t>it</a:t>
+            </a:r>
+            <a:r>
+              <a:rPr lang="en-US" sz="3600" u="none" strike="noStrike" cap="none">
+                <a:solidFill>
+                  <a:schemeClr val="lt1"/>
+                </a:solidFill>
+                <a:latin typeface="Arial" charset="0"/>
+                <a:ea typeface="Arial" charset="0"/>
+                <a:cs typeface="Arial" charset="0"/>
+                <a:sym typeface="Cabin"/>
+              </a:rPr>
+              <a:t> and carry them all around in one convenient package</a:t>
+            </a:r>
+          </a:p>
+          <a:p>
+            <a:pPr marL="749300" marR="0" lvl="0" indent="-371094" algn="l" rtl="0">
+              <a:lnSpc>
+                <a:spcPct val="100000"/>
+              </a:lnSpc>
+              <a:spcBef>
+                <a:spcPts val="3500"/>
+              </a:spcBef>
+              <a:spcAft>
+                <a:spcPts val="0"/>
+              </a:spcAft>
+              <a:buClr>
+                <a:schemeClr val="lt1"/>
+              </a:buClr>
+              <a:buSzPct val="100000"/>
+              <a:buFont typeface="Cabin"/>
+              <a:buChar char="•"/>
+            </a:pPr>
+            <a:r>
+              <a:rPr lang="en-US" sz="3600" u="none" strike="noStrike" cap="none">
+                <a:solidFill>
+                  <a:schemeClr val="lt1"/>
+                </a:solidFill>
+                <a:latin typeface="Arial" charset="0"/>
+                <a:ea typeface="Arial" charset="0"/>
+                <a:cs typeface="Arial" charset="0"/>
+                <a:sym typeface="Cabin"/>
+              </a:rPr>
+              <a:t>We have a bunch of values in a single </a:t>
+            </a:r>
+            <a:r>
+              <a:rPr lang="en-US" sz="3600" b="0" i="0" u="none" strike="noStrike" cap="none">
+                <a:solidFill>
+                  <a:schemeClr val="lt1"/>
+                </a:solidFill>
+                <a:latin typeface="Arial"/>
+                <a:ea typeface="Arial"/>
+                <a:cs typeface="Arial"/>
+                <a:sym typeface="Arial"/>
+              </a:rPr>
+              <a:t>“</a:t>
+            </a:r>
+            <a:r>
+              <a:rPr lang="en-US" sz="3600" u="none" strike="noStrike" cap="none">
+                <a:solidFill>
+                  <a:schemeClr val="lt1"/>
+                </a:solidFill>
+                <a:latin typeface="Arial" charset="0"/>
+                <a:ea typeface="Arial" charset="0"/>
+                <a:cs typeface="Arial" charset="0"/>
+                <a:sym typeface="Cabin"/>
+              </a:rPr>
+              <a:t>variable</a:t>
+            </a:r>
+            <a:r>
+              <a:rPr lang="en-US" sz="3600" b="0" i="0" u="none" strike="noStrike" cap="none">
+                <a:solidFill>
+                  <a:schemeClr val="lt1"/>
+                </a:solidFill>
+                <a:latin typeface="Arial"/>
+                <a:ea typeface="Arial"/>
+                <a:cs typeface="Arial"/>
+                <a:sym typeface="Arial"/>
+              </a:rPr>
+              <a:t>”</a:t>
+            </a:r>
+          </a:p>
+          <a:p>
+            <a:pPr marL="749300" marR="0" lvl="0" indent="-371094" algn="l" rtl="0">
+              <a:lnSpc>
+                <a:spcPct val="100000"/>
+              </a:lnSpc>
+              <a:spcBef>
+                <a:spcPts val="3500"/>
+              </a:spcBef>
+              <a:spcAft>
+                <a:spcPts val="0"/>
+              </a:spcAft>
+              <a:buClr>
+                <a:schemeClr val="lt1"/>
+              </a:buClr>
+              <a:buSzPct val="100000"/>
+              <a:buFont typeface="Cabin"/>
+              <a:buChar char="•"/>
+            </a:pPr>
+            <a:r>
+              <a:rPr lang="en-US" sz="3600" u="none" strike="noStrike" cap="none">
+                <a:solidFill>
+                  <a:schemeClr val="lt1"/>
+                </a:solidFill>
+                <a:latin typeface="Arial" charset="0"/>
+                <a:ea typeface="Arial" charset="0"/>
+                <a:cs typeface="Arial" charset="0"/>
+                <a:sym typeface="Cabin"/>
+              </a:rPr>
+              <a:t>We do this by having more than one place </a:t>
+            </a:r>
+            <a:r>
+              <a:rPr lang="en-US" sz="3600" b="0" i="0" u="none" strike="noStrike" cap="none">
+                <a:solidFill>
+                  <a:schemeClr val="lt1"/>
+                </a:solidFill>
+                <a:latin typeface="Arial"/>
+                <a:ea typeface="Arial"/>
+                <a:cs typeface="Arial"/>
+                <a:sym typeface="Arial"/>
+              </a:rPr>
+              <a:t>“</a:t>
+            </a:r>
+            <a:r>
+              <a:rPr lang="en-US" sz="3600" u="none" strike="noStrike" cap="none">
+                <a:solidFill>
+                  <a:schemeClr val="lt1"/>
+                </a:solidFill>
+                <a:latin typeface="Arial" charset="0"/>
+                <a:ea typeface="Arial" charset="0"/>
+                <a:cs typeface="Arial" charset="0"/>
+                <a:sym typeface="Cabin"/>
+              </a:rPr>
+              <a:t>in</a:t>
+            </a:r>
+            <a:r>
+              <a:rPr lang="en-US" sz="3600" b="0" i="0" u="none" strike="noStrike" cap="none">
+                <a:solidFill>
+                  <a:schemeClr val="lt1"/>
+                </a:solidFill>
+                <a:latin typeface="Arial"/>
+                <a:ea typeface="Arial"/>
+                <a:cs typeface="Arial"/>
+                <a:sym typeface="Arial"/>
+              </a:rPr>
+              <a:t>”</a:t>
+            </a:r>
+            <a:r>
+              <a:rPr lang="en-US" sz="3600" u="none" strike="noStrike" cap="none">
+                <a:solidFill>
+                  <a:schemeClr val="lt1"/>
+                </a:solidFill>
+                <a:latin typeface="Arial" charset="0"/>
+                <a:ea typeface="Arial" charset="0"/>
+                <a:cs typeface="Arial" charset="0"/>
+                <a:sym typeface="Cabin"/>
+              </a:rPr>
+              <a:t> the variable</a:t>
+            </a:r>
+          </a:p>
+          <a:p>
+            <a:pPr marL="749300" marR="0" lvl="0" indent="-371094" algn="l" rtl="0">
+              <a:lnSpc>
+                <a:spcPct val="100000"/>
+              </a:lnSpc>
+              <a:spcBef>
+                <a:spcPts val="3500"/>
+              </a:spcBef>
+              <a:spcAft>
+                <a:spcPts val="0"/>
+              </a:spcAft>
+              <a:buClr>
+                <a:schemeClr val="lt1"/>
+              </a:buClr>
+              <a:buSzPct val="100000"/>
+              <a:buFont typeface="Cabin"/>
+              <a:buChar char="•"/>
+            </a:pPr>
+            <a:r>
+              <a:rPr lang="en-US" sz="3600" u="none" strike="noStrike" cap="none">
+                <a:solidFill>
+                  <a:schemeClr val="lt1"/>
+                </a:solidFill>
+                <a:latin typeface="Arial" charset="0"/>
+                <a:ea typeface="Arial" charset="0"/>
+                <a:cs typeface="Arial" charset="0"/>
+                <a:sym typeface="Cabin"/>
+              </a:rPr>
+              <a:t>We have ways of finding the different places in the variable</a:t>
+            </a:r>
+          </a:p>
+        </p:txBody>
+      </p:sp>
+      <p:pic>
+        <p:nvPicPr>
+          <p:cNvPr id="214" name="Shape 214"/>
+          <p:cNvPicPr preferRelativeResize="0"/>
+          <p:nvPr/>
+        </p:nvPicPr>
+        <p:blipFill rotWithShape="1">
+          <a:blip r:embed="rId3">
+            <a:alphaModFix/>
+          </a:blip>
+          <a:srcRect/>
+          <a:stretch/>
+        </p:blipFill>
+        <p:spPr>
+          <a:xfrm>
+            <a:off x="12515849" y="860850"/>
+            <a:ext cx="2357975" cy="1742650"/>
+          </a:xfrm>
+          <a:prstGeom prst="rect">
+            <a:avLst/>
+          </a:prstGeom>
+          <a:noFill/>
+          <a:ln>
+            <a:noFill/>
+          </a:ln>
+        </p:spPr>
+      </p:pic>
+    </p:spTree>
+  </p:cSld>
+  <p:clrMapOvr>
+    <a:masterClrMapping/>
+  </p:clrMapOvr>
+  <p:timing>
+    <p:tnLst>
+      <p:par>
+        <p:cTn id="1" dur="indefinite" restart="never" nodeType="tmRoot"/>
+      </p:par>
+    </p:tnLst>
+  </p:timing>
+</p:sld>
+</file>
+
+<file path=ppt/slides/slide20.xml><?xml version="1.0" encoding="utf-8"?>
 <p:sld xmlns:a="http://schemas.openxmlformats.org/drawingml/2006/main" xmlns:r="http://schemas.openxmlformats.org/officeDocument/2006/relationships" xmlns:p="http://schemas.openxmlformats.org/presentationml/2006/main">
   <p:cSld>
     <p:spTree>
@@ -14419,12 +17319,12 @@
 </p:sld>
 </file>
 
-<file path=ppt/slides/slide2.xml><?xml version="1.0" encoding="utf-8"?>
+<file path=ppt/slides/slide21.xml><?xml version="1.0" encoding="utf-8"?>
 <p:sld xmlns:a="http://schemas.openxmlformats.org/drawingml/2006/main" xmlns:r="http://schemas.openxmlformats.org/officeDocument/2006/relationships" xmlns:p="http://schemas.openxmlformats.org/presentationml/2006/main">
   <p:cSld>
     <p:spTree>
       <p:nvGrpSpPr>
-        <p:cNvPr id="1" name="Shape 211"/>
+        <p:cNvPr id="1" name="Shape 412"/>
         <p:cNvGrpSpPr/>
         <p:nvPr/>
       </p:nvGrpSpPr>
@@ -14438,73 +17338,12 @@
       </p:grpSpPr>
       <p:sp>
         <p:nvSpPr>
-          <p:cNvPr id="212" name="Shape 212"/>
+          <p:cNvPr id="416" name="Shape 416"/>
           <p:cNvSpPr txBox="1">
             <a:spLocks noGrp="1"/>
           </p:cNvSpPr>
           <p:nvPr>
             <p:ph type="title"/>
-          </p:nvPr>
-        </p:nvSpPr>
-        <p:spPr>
-          <a:xfrm>
-            <a:off x="1155700" y="789709"/>
-            <a:ext cx="9788525" cy="1750290"/>
-          </a:xfrm>
-          <a:prstGeom prst="rect">
-            <a:avLst/>
-          </a:prstGeom>
-          <a:noFill/>
-          <a:ln>
-            <a:noFill/>
-          </a:ln>
-        </p:spPr>
-        <p:txBody>
-          <a:bodyPr lIns="38100" tIns="38100" rIns="38100" bIns="38100" anchor="ctr" anchorCtr="0">
-            <a:noAutofit/>
-          </a:bodyPr>
-          <a:lstStyle/>
-          <a:p>
-            <a:pPr marL="0" marR="0" lvl="0" indent="0" algn="ctr" rtl="0">
-              <a:lnSpc>
-                <a:spcPct val="100000"/>
-              </a:lnSpc>
-              <a:spcBef>
-                <a:spcPts val="0"/>
-              </a:spcBef>
-              <a:spcAft>
-                <a:spcPts val="0"/>
-              </a:spcAft>
-              <a:buClr>
-                <a:srgbClr val="FF00FF"/>
-              </a:buClr>
-              <a:buSzPct val="25000"/>
-              <a:buFont typeface="Cabin"/>
-              <a:buNone/>
-            </a:pPr>
-            <a:r>
-              <a:rPr lang="en-US" sz="7600" u="none" strike="noStrike" cap="none">
-                <a:solidFill>
-                  <a:srgbClr val="FFFF00"/>
-                </a:solidFill>
-                <a:latin typeface="Arial" charset="0"/>
-                <a:ea typeface="Arial" charset="0"/>
-                <a:cs typeface="Arial" charset="0"/>
-                <a:sym typeface="Cabin"/>
-              </a:rPr>
-              <a:t>What is a Collection?</a:t>
-            </a:r>
-          </a:p>
-        </p:txBody>
-      </p:sp>
-      <p:sp>
-        <p:nvSpPr>
-          <p:cNvPr id="213" name="Shape 213"/>
-          <p:cNvSpPr txBox="1">
-            <a:spLocks noGrp="1"/>
-          </p:cNvSpPr>
-          <p:nvPr>
-            <p:ph type="body" idx="1"/>
           </p:nvPr>
         </p:nvSpPr>
         <p:spPr>
@@ -14522,7 +17361,7 @@
           </a:bodyPr>
           <a:lstStyle/>
           <a:p>
-            <a:pPr marL="749300" marR="0" lvl="0" indent="-371094" algn="l" rtl="0">
+            <a:pPr marL="0" marR="0" lvl="0" indent="0" algn="ctr" rtl="0">
               <a:lnSpc>
                 <a:spcPct val="100000"/>
               </a:lnSpc>
@@ -14533,256 +17372,42 @@
                 <a:spcPts val="0"/>
               </a:spcAft>
               <a:buClr>
-                <a:schemeClr val="lt1"/>
+                <a:srgbClr val="FFFF00"/>
               </a:buClr>
-              <a:buSzPct val="100000"/>
+              <a:buSzPct val="25000"/>
               <a:buFont typeface="Cabin"/>
-              <a:buChar char="•"/>
-            </a:pPr>
-            <a:r>
-              <a:rPr lang="en-US" sz="3600" u="none" strike="noStrike" cap="none">
-                <a:solidFill>
-                  <a:schemeClr val="lt1"/>
-                </a:solidFill>
-                <a:latin typeface="Arial" charset="0"/>
-                <a:ea typeface="Arial" charset="0"/>
-                <a:cs typeface="Arial" charset="0"/>
-                <a:sym typeface="Cabin"/>
-              </a:rPr>
-              <a:t>A collection is nice because we can put more than one value in </a:t>
-            </a:r>
-            <a:r>
-              <a:rPr lang="en-US" sz="3600">
-                <a:solidFill>
-                  <a:schemeClr val="lt1"/>
-                </a:solidFill>
-                <a:latin typeface="Arial" charset="0"/>
-                <a:ea typeface="Arial" charset="0"/>
-                <a:cs typeface="Arial" charset="0"/>
-                <a:sym typeface="Cabin"/>
-              </a:rPr>
-              <a:t>it</a:t>
-            </a:r>
-            <a:r>
-              <a:rPr lang="en-US" sz="3600" u="none" strike="noStrike" cap="none">
-                <a:solidFill>
-                  <a:schemeClr val="lt1"/>
-                </a:solidFill>
-                <a:latin typeface="Arial" charset="0"/>
-                <a:ea typeface="Arial" charset="0"/>
-                <a:cs typeface="Arial" charset="0"/>
-                <a:sym typeface="Cabin"/>
-              </a:rPr>
-              <a:t> and carry them all around in one convenient package</a:t>
-            </a:r>
-          </a:p>
-          <a:p>
-            <a:pPr marL="749300" marR="0" lvl="0" indent="-371094" algn="l" rtl="0">
-              <a:lnSpc>
-                <a:spcPct val="100000"/>
-              </a:lnSpc>
-              <a:spcBef>
-                <a:spcPts val="3500"/>
-              </a:spcBef>
-              <a:spcAft>
-                <a:spcPts val="0"/>
-              </a:spcAft>
-              <a:buClr>
-                <a:schemeClr val="lt1"/>
-              </a:buClr>
-              <a:buSzPct val="100000"/>
-              <a:buFont typeface="Cabin"/>
-              <a:buChar char="•"/>
-            </a:pPr>
-            <a:r>
-              <a:rPr lang="en-US" sz="3600" u="none" strike="noStrike" cap="none">
-                <a:solidFill>
-                  <a:schemeClr val="lt1"/>
-                </a:solidFill>
-                <a:latin typeface="Arial" charset="0"/>
-                <a:ea typeface="Arial" charset="0"/>
-                <a:cs typeface="Arial" charset="0"/>
-                <a:sym typeface="Cabin"/>
-              </a:rPr>
-              <a:t>We have a bunch of values in a single </a:t>
-            </a:r>
-            <a:r>
-              <a:rPr lang="en-US" sz="3600" b="0" i="0" u="none" strike="noStrike" cap="none">
-                <a:solidFill>
-                  <a:schemeClr val="lt1"/>
-                </a:solidFill>
-                <a:latin typeface="Arial"/>
-                <a:ea typeface="Arial"/>
-                <a:cs typeface="Arial"/>
-                <a:sym typeface="Arial"/>
-              </a:rPr>
-              <a:t>“</a:t>
-            </a:r>
-            <a:r>
-              <a:rPr lang="en-US" sz="3600" u="none" strike="noStrike" cap="none">
-                <a:solidFill>
-                  <a:schemeClr val="lt1"/>
-                </a:solidFill>
-                <a:latin typeface="Arial" charset="0"/>
-                <a:ea typeface="Arial" charset="0"/>
-                <a:cs typeface="Arial" charset="0"/>
-                <a:sym typeface="Cabin"/>
-              </a:rPr>
-              <a:t>variable</a:t>
-            </a:r>
-            <a:r>
-              <a:rPr lang="en-US" sz="3600" b="0" i="0" u="none" strike="noStrike" cap="none">
-                <a:solidFill>
-                  <a:schemeClr val="lt1"/>
-                </a:solidFill>
-                <a:latin typeface="Arial"/>
-                <a:ea typeface="Arial"/>
-                <a:cs typeface="Arial"/>
-                <a:sym typeface="Arial"/>
-              </a:rPr>
-              <a:t>”</a:t>
-            </a:r>
-          </a:p>
-          <a:p>
-            <a:pPr marL="749300" marR="0" lvl="0" indent="-371094" algn="l" rtl="0">
-              <a:lnSpc>
-                <a:spcPct val="100000"/>
-              </a:lnSpc>
-              <a:spcBef>
-                <a:spcPts val="3500"/>
-              </a:spcBef>
-              <a:spcAft>
-                <a:spcPts val="0"/>
-              </a:spcAft>
-              <a:buClr>
-                <a:schemeClr val="lt1"/>
-              </a:buClr>
-              <a:buSzPct val="100000"/>
-              <a:buFont typeface="Cabin"/>
-              <a:buChar char="•"/>
-            </a:pPr>
-            <a:r>
-              <a:rPr lang="en-US" sz="3600" u="none" strike="noStrike" cap="none">
-                <a:solidFill>
-                  <a:schemeClr val="lt1"/>
-                </a:solidFill>
-                <a:latin typeface="Arial" charset="0"/>
-                <a:ea typeface="Arial" charset="0"/>
-                <a:cs typeface="Arial" charset="0"/>
-                <a:sym typeface="Cabin"/>
-              </a:rPr>
-              <a:t>We do this by having more than one place </a:t>
-            </a:r>
-            <a:r>
-              <a:rPr lang="en-US" sz="3600" b="0" i="0" u="none" strike="noStrike" cap="none">
-                <a:solidFill>
-                  <a:schemeClr val="lt1"/>
-                </a:solidFill>
-                <a:latin typeface="Arial"/>
-                <a:ea typeface="Arial"/>
-                <a:cs typeface="Arial"/>
-                <a:sym typeface="Arial"/>
-              </a:rPr>
-              <a:t>“</a:t>
-            </a:r>
-            <a:r>
-              <a:rPr lang="en-US" sz="3600" u="none" strike="noStrike" cap="none">
-                <a:solidFill>
-                  <a:schemeClr val="lt1"/>
-                </a:solidFill>
-                <a:latin typeface="Arial" charset="0"/>
-                <a:ea typeface="Arial" charset="0"/>
-                <a:cs typeface="Arial" charset="0"/>
-                <a:sym typeface="Cabin"/>
-              </a:rPr>
-              <a:t>in</a:t>
-            </a:r>
-            <a:r>
-              <a:rPr lang="en-US" sz="3600" b="0" i="0" u="none" strike="noStrike" cap="none">
-                <a:solidFill>
-                  <a:schemeClr val="lt1"/>
-                </a:solidFill>
-                <a:latin typeface="Arial"/>
-                <a:ea typeface="Arial"/>
-                <a:cs typeface="Arial"/>
-                <a:sym typeface="Arial"/>
-              </a:rPr>
-              <a:t>”</a:t>
-            </a:r>
-            <a:r>
-              <a:rPr lang="en-US" sz="3600" u="none" strike="noStrike" cap="none">
-                <a:solidFill>
-                  <a:schemeClr val="lt1"/>
-                </a:solidFill>
-                <a:latin typeface="Arial" charset="0"/>
-                <a:ea typeface="Arial" charset="0"/>
-                <a:cs typeface="Arial" charset="0"/>
-                <a:sym typeface="Cabin"/>
-              </a:rPr>
-              <a:t> the variable</a:t>
-            </a:r>
-          </a:p>
-          <a:p>
-            <a:pPr marL="749300" marR="0" lvl="0" indent="-371094" algn="l" rtl="0">
-              <a:lnSpc>
-                <a:spcPct val="100000"/>
-              </a:lnSpc>
-              <a:spcBef>
-                <a:spcPts val="3500"/>
-              </a:spcBef>
-              <a:spcAft>
-                <a:spcPts val="0"/>
-              </a:spcAft>
-              <a:buClr>
-                <a:schemeClr val="lt1"/>
-              </a:buClr>
-              <a:buSzPct val="100000"/>
-              <a:buFont typeface="Cabin"/>
-              <a:buChar char="•"/>
-            </a:pPr>
-            <a:r>
-              <a:rPr lang="en-US" sz="3600" u="none" strike="noStrike" cap="none">
-                <a:solidFill>
-                  <a:schemeClr val="lt1"/>
-                </a:solidFill>
-                <a:latin typeface="Arial" charset="0"/>
-                <a:ea typeface="Arial" charset="0"/>
-                <a:cs typeface="Arial" charset="0"/>
-                <a:sym typeface="Cabin"/>
-              </a:rPr>
-              <a:t>We have ways of finding the different places in the variable</a:t>
-            </a:r>
+              <a:buNone/>
+            </a:pPr>
+            <a:r>
+              <a:rPr lang="en-US" sz="7600" u="none" strike="noStrike" cap="none" dirty="0" smtClean="0">
+                <a:solidFill>
+                  <a:srgbClr val="FFFF00"/>
+                </a:solidFill>
+                <a:latin typeface="Arial" charset="0"/>
+                <a:ea typeface="Arial" charset="0"/>
+                <a:cs typeface="Arial" charset="0"/>
+                <a:sym typeface="Cabin"/>
+              </a:rPr>
+              <a:t>Counting Words</a:t>
+            </a:r>
+            <a:endParaRPr lang="en-US" sz="7600" u="none" strike="noStrike" cap="none" dirty="0">
+              <a:solidFill>
+                <a:srgbClr val="FFFF00"/>
+              </a:solidFill>
+              <a:latin typeface="Arial" charset="0"/>
+              <a:ea typeface="Arial" charset="0"/>
+              <a:cs typeface="Arial" charset="0"/>
+              <a:sym typeface="Cabin"/>
+            </a:endParaRPr>
           </a:p>
         </p:txBody>
       </p:sp>
-      <p:pic>
-        <p:nvPicPr>
-          <p:cNvPr id="214" name="Shape 214"/>
-          <p:cNvPicPr preferRelativeResize="0"/>
-          <p:nvPr/>
-        </p:nvPicPr>
-        <p:blipFill rotWithShape="1">
-          <a:blip r:embed="rId3">
-            <a:alphaModFix/>
-          </a:blip>
-          <a:srcRect/>
-          <a:stretch/>
-        </p:blipFill>
-        <p:spPr>
-          <a:xfrm>
-            <a:off x="12515849" y="860850"/>
-            <a:ext cx="2357975" cy="1742650"/>
-          </a:xfrm>
-          <a:prstGeom prst="rect">
-            <a:avLst/>
-          </a:prstGeom>
-          <a:noFill/>
-          <a:ln>
-            <a:noFill/>
-          </a:ln>
-        </p:spPr>
-      </p:pic>
     </p:spTree>
+    <p:extLst>
+      <p:ext uri="{BB962C8B-B14F-4D97-AF65-F5344CB8AC3E}">
+        <p14:creationId xmlns:p14="http://schemas.microsoft.com/office/powerpoint/2010/main" val="370377610"/>
+      </p:ext>
+    </p:extLst>
   </p:cSld>
   <p:clrMapOvr>
     <a:masterClrMapping/>
@@ -14797,7 +17422,7 @@
 </p:sld>
 </file>
 
-<file path=ppt/slides/slide20.xml><?xml version="1.0" encoding="utf-8"?>
+<file path=ppt/slides/slide22.xml><?xml version="1.0" encoding="utf-8"?>
 <p:sld xmlns:a="http://schemas.openxmlformats.org/drawingml/2006/main" xmlns:r="http://schemas.openxmlformats.org/officeDocument/2006/relationships" xmlns:p="http://schemas.openxmlformats.org/presentationml/2006/main">
   <p:cSld>
     <p:spTree>
@@ -15189,7 +17814,7 @@
 </p:sld>
 </file>
 
-<file path=ppt/slides/slide21.xml><?xml version="1.0" encoding="utf-8"?>
+<file path=ppt/slides/slide23.xml><?xml version="1.0" encoding="utf-8"?>
 <p:sld xmlns:a="http://schemas.openxmlformats.org/drawingml/2006/main" xmlns:r="http://schemas.openxmlformats.org/officeDocument/2006/relationships" xmlns:p="http://schemas.openxmlformats.org/presentationml/2006/main">
   <p:cSld>
     <p:spTree>
@@ -16156,7 +18781,7 @@
 </p:sld>
 </file>
 
-<file path=ppt/slides/slide22.xml><?xml version="1.0" encoding="utf-8"?>
+<file path=ppt/slides/slide24.xml><?xml version="1.0" encoding="utf-8"?>
 <p:sld xmlns:a="http://schemas.openxmlformats.org/drawingml/2006/main" xmlns:r="http://schemas.openxmlformats.org/officeDocument/2006/relationships" xmlns:p="http://schemas.openxmlformats.org/presentationml/2006/main">
   <p:cSld>
     <p:spTree>
@@ -16759,7 +19384,7 @@
 </p:sld>
 </file>
 
-<file path=ppt/slides/slide23.xml><?xml version="1.0" encoding="utf-8"?>
+<file path=ppt/slides/slide25.xml><?xml version="1.0" encoding="utf-8"?>
 <p:sld xmlns:a="http://schemas.openxmlformats.org/drawingml/2006/main" xmlns:r="http://schemas.openxmlformats.org/officeDocument/2006/relationships" xmlns:p="http://schemas.openxmlformats.org/presentationml/2006/main">
   <p:cSld>
     <p:spTree>
@@ -17876,7 +20501,7 @@
 </p:sld>
 </file>
 
-<file path=ppt/slides/slide24.xml><?xml version="1.0" encoding="utf-8"?>
+<file path=ppt/slides/slide26.xml><?xml version="1.0" encoding="utf-8"?>
 <p:sld xmlns:a="http://schemas.openxmlformats.org/drawingml/2006/main" xmlns:r="http://schemas.openxmlformats.org/officeDocument/2006/relationships" xmlns:p="http://schemas.openxmlformats.org/presentationml/2006/main">
   <p:cSld>
     <p:spTree>
@@ -18872,7 +21497,7 @@
 </p:sld>
 </file>
 
-<file path=ppt/slides/slide25.xml><?xml version="1.0" encoding="utf-8"?>
+<file path=ppt/slides/slide27.xml><?xml version="1.0" encoding="utf-8"?>
 <p:sld xmlns:a="http://schemas.openxmlformats.org/drawingml/2006/main" xmlns:r="http://schemas.openxmlformats.org/officeDocument/2006/relationships" xmlns:p="http://schemas.openxmlformats.org/presentationml/2006/main">
   <p:cSld>
     <p:spTree>
@@ -20041,7 +22666,7 @@
 </p:sld>
 </file>
 
-<file path=ppt/slides/slide26.xml><?xml version="1.0" encoding="utf-8"?>
+<file path=ppt/slides/slide28.xml><?xml version="1.0" encoding="utf-8"?>
 <p:sld xmlns:a="http://schemas.openxmlformats.org/drawingml/2006/main" xmlns:r="http://schemas.openxmlformats.org/officeDocument/2006/relationships" xmlns:p="http://schemas.openxmlformats.org/presentationml/2006/main">
   <p:cSld>
     <p:spTree>
@@ -21402,7 +24027,7 @@
 </p:sld>
 </file>
 
-<file path=ppt/slides/slide27.xml><?xml version="1.0" encoding="utf-8"?>
+<file path=ppt/slides/slide29.xml><?xml version="1.0" encoding="utf-8"?>
 <p:sld xmlns:a="http://schemas.openxmlformats.org/drawingml/2006/main" xmlns:r="http://schemas.openxmlformats.org/officeDocument/2006/relationships" xmlns:p="http://schemas.openxmlformats.org/presentationml/2006/main">
   <p:cSld>
     <p:spTree>
@@ -22815,7 +25440,532 @@
 </p:sld>
 </file>
 
-<file path=ppt/slides/slide28.xml><?xml version="1.0" encoding="utf-8"?>
+<file path=ppt/slides/slide3.xml><?xml version="1.0" encoding="utf-8"?>
+<p:sld xmlns:a="http://schemas.openxmlformats.org/drawingml/2006/main" xmlns:r="http://schemas.openxmlformats.org/officeDocument/2006/relationships" xmlns:p="http://schemas.openxmlformats.org/presentationml/2006/main">
+  <p:cSld>
+    <p:spTree>
+      <p:nvGrpSpPr>
+        <p:cNvPr id="1" name="Shape 218"/>
+        <p:cNvGrpSpPr/>
+        <p:nvPr/>
+      </p:nvGrpSpPr>
+      <p:grpSpPr>
+        <a:xfrm>
+          <a:off x="0" y="0"/>
+          <a:ext cx="0" cy="0"/>
+          <a:chOff x="0" y="0"/>
+          <a:chExt cx="0" cy="0"/>
+        </a:xfrm>
+      </p:grpSpPr>
+      <p:sp>
+        <p:nvSpPr>
+          <p:cNvPr id="219" name="Shape 219"/>
+          <p:cNvSpPr txBox="1">
+            <a:spLocks noGrp="1"/>
+          </p:cNvSpPr>
+          <p:nvPr>
+            <p:ph type="title"/>
+          </p:nvPr>
+        </p:nvSpPr>
+        <p:spPr>
+          <a:prstGeom prst="rect">
+            <a:avLst/>
+          </a:prstGeom>
+          <a:noFill/>
+          <a:ln>
+            <a:noFill/>
+          </a:ln>
+        </p:spPr>
+        <p:txBody>
+          <a:bodyPr lIns="38100" tIns="38100" rIns="38100" bIns="38100" anchor="ctr" anchorCtr="0">
+            <a:noAutofit/>
+          </a:bodyPr>
+          <a:lstStyle/>
+          <a:p>
+            <a:pPr marL="0" marR="0" lvl="0" indent="0" algn="ctr" rtl="0">
+              <a:lnSpc>
+                <a:spcPct val="100000"/>
+              </a:lnSpc>
+              <a:spcBef>
+                <a:spcPts val="0"/>
+              </a:spcBef>
+              <a:spcAft>
+                <a:spcPts val="0"/>
+              </a:spcAft>
+              <a:buClr>
+                <a:schemeClr val="lt1"/>
+              </a:buClr>
+              <a:buSzPct val="25000"/>
+              <a:buFont typeface="Cabin"/>
+              <a:buNone/>
+            </a:pPr>
+            <a:r>
+              <a:rPr lang="en-US" sz="7600" u="none" strike="noStrike" cap="none">
+                <a:solidFill>
+                  <a:srgbClr val="FFFF00"/>
+                </a:solidFill>
+                <a:latin typeface="Arial" charset="0"/>
+                <a:ea typeface="Arial" charset="0"/>
+                <a:cs typeface="Arial" charset="0"/>
+                <a:sym typeface="Cabin"/>
+              </a:rPr>
+              <a:t>What is not a </a:t>
+            </a:r>
+            <a:r>
+              <a:rPr lang="en-US" sz="7600" b="0" i="0" u="none" strike="noStrike" cap="none">
+                <a:solidFill>
+                  <a:srgbClr val="FFFF00"/>
+                </a:solidFill>
+                <a:latin typeface="Arial"/>
+                <a:ea typeface="Arial"/>
+                <a:cs typeface="Arial"/>
+                <a:sym typeface="Arial"/>
+              </a:rPr>
+              <a:t>“</a:t>
+            </a:r>
+            <a:r>
+              <a:rPr lang="en-US" sz="7600" u="none" strike="noStrike" cap="none">
+                <a:solidFill>
+                  <a:srgbClr val="FFFF00"/>
+                </a:solidFill>
+                <a:latin typeface="Arial" charset="0"/>
+                <a:ea typeface="Arial" charset="0"/>
+                <a:cs typeface="Arial" charset="0"/>
+                <a:sym typeface="Cabin"/>
+              </a:rPr>
+              <a:t>Collection</a:t>
+            </a:r>
+            <a:r>
+              <a:rPr lang="en-US" sz="7600" b="0" i="0" u="none" strike="noStrike" cap="none" smtClean="0">
+                <a:solidFill>
+                  <a:srgbClr val="FFFF00"/>
+                </a:solidFill>
+                <a:latin typeface="Arial"/>
+                <a:ea typeface="Arial"/>
+                <a:cs typeface="Arial"/>
+                <a:sym typeface="Arial"/>
+              </a:rPr>
+              <a:t>”?</a:t>
+            </a:r>
+            <a:endParaRPr lang="en-US" sz="7600" b="0" i="0" u="none" strike="noStrike" cap="none">
+              <a:solidFill>
+                <a:srgbClr val="FFFF00"/>
+              </a:solidFill>
+              <a:latin typeface="Arial"/>
+              <a:ea typeface="Arial"/>
+              <a:cs typeface="Arial"/>
+              <a:sym typeface="Arial"/>
+            </a:endParaRPr>
+          </a:p>
+        </p:txBody>
+      </p:sp>
+      <p:sp>
+        <p:nvSpPr>
+          <p:cNvPr id="220" name="Shape 220"/>
+          <p:cNvSpPr txBox="1">
+            <a:spLocks noGrp="1"/>
+          </p:cNvSpPr>
+          <p:nvPr>
+            <p:ph type="body" idx="1"/>
+          </p:nvPr>
+        </p:nvSpPr>
+        <p:spPr>
+          <a:xfrm>
+            <a:off x="1155700" y="2603501"/>
+            <a:ext cx="13931900" cy="1839912"/>
+          </a:xfrm>
+          <a:prstGeom prst="rect">
+            <a:avLst/>
+          </a:prstGeom>
+          <a:noFill/>
+          <a:ln>
+            <a:noFill/>
+          </a:ln>
+        </p:spPr>
+        <p:txBody>
+          <a:bodyPr lIns="38100" tIns="38100" rIns="38100" bIns="38100" anchor="ctr" anchorCtr="0">
+            <a:noAutofit/>
+          </a:bodyPr>
+          <a:lstStyle/>
+          <a:p>
+            <a:pPr marL="457200" marR="0" lvl="0" indent="-457200" algn="l" rtl="0">
+              <a:lnSpc>
+                <a:spcPct val="100000"/>
+              </a:lnSpc>
+              <a:spcBef>
+                <a:spcPts val="0"/>
+              </a:spcBef>
+              <a:spcAft>
+                <a:spcPts val="0"/>
+              </a:spcAft>
+              <a:buSzPct val="100000"/>
+              <a:buFont typeface="Cabin"/>
+            </a:pPr>
+            <a:r>
+              <a:rPr lang="en-US" sz="3600" u="none" strike="noStrike" cap="none" dirty="0">
+                <a:solidFill>
+                  <a:schemeClr val="lt1"/>
+                </a:solidFill>
+                <a:latin typeface="Arial" charset="0"/>
+                <a:ea typeface="Arial" charset="0"/>
+                <a:cs typeface="Arial" charset="0"/>
+                <a:sym typeface="Cabin"/>
+              </a:rPr>
+              <a:t>Most of our </a:t>
+            </a:r>
+            <a:r>
+              <a:rPr lang="en-US" sz="3600" u="none" strike="noStrike" cap="none" dirty="0">
+                <a:solidFill>
+                  <a:srgbClr val="00FF00"/>
+                </a:solidFill>
+                <a:latin typeface="Arial" charset="0"/>
+                <a:ea typeface="Arial" charset="0"/>
+                <a:cs typeface="Arial" charset="0"/>
+                <a:sym typeface="Cabin"/>
+              </a:rPr>
+              <a:t>variables</a:t>
+            </a:r>
+            <a:r>
+              <a:rPr lang="en-US" sz="3600" u="none" strike="noStrike" cap="none" dirty="0">
+                <a:solidFill>
+                  <a:schemeClr val="lt1"/>
+                </a:solidFill>
+                <a:latin typeface="Arial" charset="0"/>
+                <a:ea typeface="Arial" charset="0"/>
+                <a:cs typeface="Arial" charset="0"/>
+                <a:sym typeface="Cabin"/>
+              </a:rPr>
+              <a:t> have one value in them - when we put a new value in the </a:t>
+            </a:r>
+            <a:r>
+              <a:rPr lang="en-US" sz="3600" u="none" strike="noStrike" cap="none" dirty="0">
+                <a:solidFill>
+                  <a:srgbClr val="00FF00"/>
+                </a:solidFill>
+                <a:latin typeface="Arial" charset="0"/>
+                <a:ea typeface="Arial" charset="0"/>
+                <a:cs typeface="Arial" charset="0"/>
+                <a:sym typeface="Cabin"/>
+              </a:rPr>
+              <a:t>variable</a:t>
+            </a:r>
+            <a:r>
+              <a:rPr lang="en-US" sz="3600" u="none" strike="noStrike" cap="none" dirty="0">
+                <a:solidFill>
+                  <a:schemeClr val="lt1"/>
+                </a:solidFill>
+                <a:latin typeface="Arial" charset="0"/>
+                <a:ea typeface="Arial" charset="0"/>
+                <a:cs typeface="Arial" charset="0"/>
+                <a:sym typeface="Cabin"/>
+              </a:rPr>
+              <a:t> - the old value is overwritten</a:t>
+            </a:r>
+          </a:p>
+        </p:txBody>
+      </p:sp>
+      <p:sp>
+        <p:nvSpPr>
+          <p:cNvPr id="221" name="Shape 221"/>
+          <p:cNvSpPr txBox="1"/>
+          <p:nvPr/>
+        </p:nvSpPr>
+        <p:spPr>
+          <a:xfrm>
+            <a:off x="2859087" y="4289542"/>
+            <a:ext cx="12547499" cy="3194048"/>
+          </a:xfrm>
+          <a:prstGeom prst="rect">
+            <a:avLst/>
+          </a:prstGeom>
+          <a:noFill/>
+          <a:ln>
+            <a:noFill/>
+          </a:ln>
+        </p:spPr>
+        <p:txBody>
+          <a:bodyPr lIns="0" tIns="0" rIns="0" bIns="0" anchor="ctr" anchorCtr="0">
+            <a:noAutofit/>
+          </a:bodyPr>
+          <a:lstStyle/>
+          <a:p>
+            <a:pPr marL="0" marR="0" lvl="0" indent="0" algn="l" rtl="0">
+              <a:lnSpc>
+                <a:spcPct val="100000"/>
+              </a:lnSpc>
+              <a:spcBef>
+                <a:spcPts val="0"/>
+              </a:spcBef>
+              <a:spcAft>
+                <a:spcPts val="0"/>
+              </a:spcAft>
+              <a:buClr>
+                <a:schemeClr val="lt1"/>
+              </a:buClr>
+              <a:buSzPct val="25000"/>
+              <a:buFont typeface="Cabin"/>
+              <a:buNone/>
+            </a:pPr>
+            <a:r>
+              <a:rPr lang="en-US" sz="3000" b="1" i="0" u="none" strike="noStrike" cap="none" dirty="0">
+                <a:solidFill>
+                  <a:schemeClr val="lt1"/>
+                </a:solidFill>
+                <a:latin typeface="Courier New"/>
+                <a:ea typeface="Courier New"/>
+                <a:cs typeface="Courier New"/>
+                <a:sym typeface="Courier New"/>
+              </a:rPr>
+              <a:t>$ </a:t>
+            </a:r>
+            <a:r>
+              <a:rPr lang="en-US" sz="3000" b="1" i="0" u="none" strike="noStrike" cap="none" dirty="0">
+                <a:solidFill>
+                  <a:srgbClr val="FFFF00"/>
+                </a:solidFill>
+                <a:latin typeface="Courier New"/>
+                <a:ea typeface="Courier New"/>
+                <a:cs typeface="Courier New"/>
+                <a:sym typeface="Courier New"/>
+              </a:rPr>
+              <a:t>python</a:t>
+            </a:r>
+          </a:p>
+          <a:p>
+            <a:pPr marL="0" marR="0" lvl="0" indent="0" algn="l" rtl="0">
+              <a:lnSpc>
+                <a:spcPct val="100000"/>
+              </a:lnSpc>
+              <a:spcBef>
+                <a:spcPts val="0"/>
+              </a:spcBef>
+              <a:spcAft>
+                <a:spcPts val="0"/>
+              </a:spcAft>
+              <a:buClr>
+                <a:schemeClr val="lt1"/>
+              </a:buClr>
+              <a:buSzPct val="25000"/>
+              <a:buFont typeface="Cabin"/>
+              <a:buNone/>
+            </a:pPr>
+            <a:r>
+              <a:rPr lang="en-US" sz="3000" b="1" i="0" u="none" strike="noStrike" cap="none" dirty="0" smtClean="0">
+                <a:solidFill>
+                  <a:schemeClr val="lt1"/>
+                </a:solidFill>
+                <a:latin typeface="Courier New"/>
+                <a:ea typeface="Courier New"/>
+                <a:cs typeface="Courier New"/>
+                <a:sym typeface="Courier New"/>
+              </a:rPr>
+              <a:t>&gt;&gt;&gt; </a:t>
+            </a:r>
+            <a:r>
+              <a:rPr lang="en-US" sz="3000" b="1" i="0" u="none" strike="noStrike" cap="none" dirty="0">
+                <a:solidFill>
+                  <a:srgbClr val="00FF00"/>
+                </a:solidFill>
+                <a:latin typeface="Courier New"/>
+                <a:ea typeface="Courier New"/>
+                <a:cs typeface="Courier New"/>
+                <a:sym typeface="Courier New"/>
+              </a:rPr>
+              <a:t>x</a:t>
+            </a:r>
+            <a:r>
+              <a:rPr lang="en-US" sz="3000" b="1" i="0" u="none" strike="noStrike" cap="none" dirty="0">
+                <a:solidFill>
+                  <a:schemeClr val="lt1"/>
+                </a:solidFill>
+                <a:latin typeface="Courier New"/>
+                <a:ea typeface="Courier New"/>
+                <a:cs typeface="Courier New"/>
+                <a:sym typeface="Courier New"/>
+              </a:rPr>
+              <a:t> = 2</a:t>
+            </a:r>
+          </a:p>
+          <a:p>
+            <a:pPr marL="0" marR="0" lvl="0" indent="0" algn="l" rtl="0">
+              <a:lnSpc>
+                <a:spcPct val="100000"/>
+              </a:lnSpc>
+              <a:spcBef>
+                <a:spcPts val="0"/>
+              </a:spcBef>
+              <a:spcAft>
+                <a:spcPts val="0"/>
+              </a:spcAft>
+              <a:buClr>
+                <a:schemeClr val="lt1"/>
+              </a:buClr>
+              <a:buSzPct val="25000"/>
+              <a:buFont typeface="Cabin"/>
+              <a:buNone/>
+            </a:pPr>
+            <a:r>
+              <a:rPr lang="en-US" sz="3000" b="1" i="0" u="none" strike="noStrike" cap="none" dirty="0">
+                <a:solidFill>
+                  <a:schemeClr val="lt1"/>
+                </a:solidFill>
+                <a:latin typeface="Courier New"/>
+                <a:ea typeface="Courier New"/>
+                <a:cs typeface="Courier New"/>
+                <a:sym typeface="Courier New"/>
+              </a:rPr>
+              <a:t>&gt;&gt;&gt; </a:t>
+            </a:r>
+            <a:r>
+              <a:rPr lang="en-US" sz="3000" b="1" i="0" u="none" strike="noStrike" cap="none" dirty="0">
+                <a:solidFill>
+                  <a:srgbClr val="00FF00"/>
+                </a:solidFill>
+                <a:latin typeface="Courier New"/>
+                <a:ea typeface="Courier New"/>
+                <a:cs typeface="Courier New"/>
+                <a:sym typeface="Courier New"/>
+              </a:rPr>
+              <a:t>x</a:t>
+            </a:r>
+            <a:r>
+              <a:rPr lang="en-US" sz="3000" b="1" i="0" u="none" strike="noStrike" cap="none" dirty="0">
+                <a:solidFill>
+                  <a:schemeClr val="lt1"/>
+                </a:solidFill>
+                <a:latin typeface="Courier New"/>
+                <a:ea typeface="Courier New"/>
+                <a:cs typeface="Courier New"/>
+                <a:sym typeface="Courier New"/>
+              </a:rPr>
+              <a:t> = 4</a:t>
+            </a:r>
+          </a:p>
+          <a:p>
+            <a:pPr marL="0" marR="0" lvl="0" indent="0" algn="l" rtl="0">
+              <a:lnSpc>
+                <a:spcPct val="100000"/>
+              </a:lnSpc>
+              <a:spcBef>
+                <a:spcPts val="0"/>
+              </a:spcBef>
+              <a:spcAft>
+                <a:spcPts val="0"/>
+              </a:spcAft>
+              <a:buClr>
+                <a:schemeClr val="lt1"/>
+              </a:buClr>
+              <a:buSzPct val="25000"/>
+              <a:buFont typeface="Cabin"/>
+              <a:buNone/>
+            </a:pPr>
+            <a:r>
+              <a:rPr lang="en-US" sz="3000" b="1" i="0" u="none" strike="noStrike" cap="none" dirty="0">
+                <a:solidFill>
+                  <a:schemeClr val="lt1"/>
+                </a:solidFill>
+                <a:latin typeface="Courier New"/>
+                <a:ea typeface="Courier New"/>
+                <a:cs typeface="Courier New"/>
+                <a:sym typeface="Courier New"/>
+              </a:rPr>
+              <a:t>&gt;&gt;&gt; </a:t>
+            </a:r>
+            <a:r>
+              <a:rPr lang="en-US" sz="3000" b="1" i="0" u="none" strike="noStrike" cap="none" dirty="0" smtClean="0">
+                <a:solidFill>
+                  <a:srgbClr val="FFFF00"/>
+                </a:solidFill>
+                <a:latin typeface="Courier New"/>
+                <a:ea typeface="Courier New"/>
+                <a:cs typeface="Courier New"/>
+                <a:sym typeface="Courier New"/>
+              </a:rPr>
+              <a:t>print(</a:t>
+            </a:r>
+            <a:r>
+              <a:rPr lang="en-US" sz="3000" b="1" i="0" u="none" strike="noStrike" cap="none" dirty="0" smtClean="0">
+                <a:solidFill>
+                  <a:srgbClr val="00FF00"/>
+                </a:solidFill>
+                <a:latin typeface="Courier New"/>
+                <a:ea typeface="Courier New"/>
+                <a:cs typeface="Courier New"/>
+                <a:sym typeface="Courier New"/>
+              </a:rPr>
+              <a:t>x</a:t>
+            </a:r>
+            <a:r>
+              <a:rPr lang="en-US" sz="3000" b="1" i="0" u="none" strike="noStrike" cap="none" dirty="0" smtClean="0">
+                <a:solidFill>
+                  <a:srgbClr val="FFFF00"/>
+                </a:solidFill>
+                <a:latin typeface="Courier New"/>
+                <a:ea typeface="Courier New"/>
+                <a:cs typeface="Courier New"/>
+                <a:sym typeface="Courier New"/>
+              </a:rPr>
+              <a:t>)</a:t>
+            </a:r>
+            <a:endParaRPr lang="en-US" sz="3000" b="1" i="0" u="none" strike="noStrike" cap="none" dirty="0">
+              <a:solidFill>
+                <a:srgbClr val="FFFF00"/>
+              </a:solidFill>
+              <a:latin typeface="Courier New"/>
+              <a:ea typeface="Courier New"/>
+              <a:cs typeface="Courier New"/>
+              <a:sym typeface="Courier New"/>
+            </a:endParaRPr>
+          </a:p>
+          <a:p>
+            <a:pPr marL="0" marR="0" lvl="0" indent="0" algn="l" rtl="0">
+              <a:lnSpc>
+                <a:spcPct val="100000"/>
+              </a:lnSpc>
+              <a:spcBef>
+                <a:spcPts val="0"/>
+              </a:spcBef>
+              <a:spcAft>
+                <a:spcPts val="0"/>
+              </a:spcAft>
+              <a:buClr>
+                <a:schemeClr val="lt1"/>
+              </a:buClr>
+              <a:buSzPct val="25000"/>
+              <a:buFont typeface="Cabin"/>
+              <a:buNone/>
+            </a:pPr>
+            <a:r>
+              <a:rPr lang="en-US" sz="3000" b="1" i="0" u="none" strike="noStrike" cap="none" dirty="0">
+                <a:solidFill>
+                  <a:schemeClr val="lt1"/>
+                </a:solidFill>
+                <a:latin typeface="Courier New"/>
+                <a:ea typeface="Courier New"/>
+                <a:cs typeface="Courier New"/>
+                <a:sym typeface="Courier New"/>
+              </a:rPr>
+              <a:t>4</a:t>
+            </a:r>
+          </a:p>
+        </p:txBody>
+      </p:sp>
+    </p:spTree>
+  </p:cSld>
+  <p:clrMapOvr>
+    <a:masterClrMapping/>
+  </p:clrMapOvr>
+  <p:timing>
+    <p:tnLst>
+      <p:par>
+        <p:cTn id="1" dur="indefinite" restart="never" nodeType="tmRoot"/>
+      </p:par>
+    </p:tnLst>
+  </p:timing>
+</p:sld>
+</file>
+
+<file path=ppt/slides/slide30.xml><?xml version="1.0" encoding="utf-8"?>
 <p:sld xmlns:a="http://schemas.openxmlformats.org/drawingml/2006/main" xmlns:r="http://schemas.openxmlformats.org/officeDocument/2006/relationships" xmlns:p="http://schemas.openxmlformats.org/presentationml/2006/main">
   <p:cSld>
     <p:spTree>
@@ -22931,7 +26081,7 @@
 </p:sld>
 </file>
 
-<file path=ppt/slides/slide29.xml><?xml version="1.0" encoding="utf-8"?>
+<file path=ppt/slides/slide31.xml><?xml version="1.0" encoding="utf-8"?>
 <p:sld xmlns:a="http://schemas.openxmlformats.org/drawingml/2006/main" xmlns:r="http://schemas.openxmlformats.org/officeDocument/2006/relationships" xmlns:p="http://schemas.openxmlformats.org/presentationml/2006/main">
   <p:cSld>
     <p:spTree>
@@ -23216,531 +26366,6 @@
                 </a:solidFill>
               </a:rPr>
               <a:t>...</a:t>
-            </a:r>
-          </a:p>
-        </p:txBody>
-      </p:sp>
-    </p:spTree>
-  </p:cSld>
-  <p:clrMapOvr>
-    <a:masterClrMapping/>
-  </p:clrMapOvr>
-  <p:timing>
-    <p:tnLst>
-      <p:par>
-        <p:cTn id="1" dur="indefinite" restart="never" nodeType="tmRoot"/>
-      </p:par>
-    </p:tnLst>
-  </p:timing>
-</p:sld>
-</file>
-
-<file path=ppt/slides/slide3.xml><?xml version="1.0" encoding="utf-8"?>
-<p:sld xmlns:a="http://schemas.openxmlformats.org/drawingml/2006/main" xmlns:r="http://schemas.openxmlformats.org/officeDocument/2006/relationships" xmlns:p="http://schemas.openxmlformats.org/presentationml/2006/main">
-  <p:cSld>
-    <p:spTree>
-      <p:nvGrpSpPr>
-        <p:cNvPr id="1" name="Shape 218"/>
-        <p:cNvGrpSpPr/>
-        <p:nvPr/>
-      </p:nvGrpSpPr>
-      <p:grpSpPr>
-        <a:xfrm>
-          <a:off x="0" y="0"/>
-          <a:ext cx="0" cy="0"/>
-          <a:chOff x="0" y="0"/>
-          <a:chExt cx="0" cy="0"/>
-        </a:xfrm>
-      </p:grpSpPr>
-      <p:sp>
-        <p:nvSpPr>
-          <p:cNvPr id="219" name="Shape 219"/>
-          <p:cNvSpPr txBox="1">
-            <a:spLocks noGrp="1"/>
-          </p:cNvSpPr>
-          <p:nvPr>
-            <p:ph type="title"/>
-          </p:nvPr>
-        </p:nvSpPr>
-        <p:spPr>
-          <a:prstGeom prst="rect">
-            <a:avLst/>
-          </a:prstGeom>
-          <a:noFill/>
-          <a:ln>
-            <a:noFill/>
-          </a:ln>
-        </p:spPr>
-        <p:txBody>
-          <a:bodyPr lIns="38100" tIns="38100" rIns="38100" bIns="38100" anchor="ctr" anchorCtr="0">
-            <a:noAutofit/>
-          </a:bodyPr>
-          <a:lstStyle/>
-          <a:p>
-            <a:pPr marL="0" marR="0" lvl="0" indent="0" algn="ctr" rtl="0">
-              <a:lnSpc>
-                <a:spcPct val="100000"/>
-              </a:lnSpc>
-              <a:spcBef>
-                <a:spcPts val="0"/>
-              </a:spcBef>
-              <a:spcAft>
-                <a:spcPts val="0"/>
-              </a:spcAft>
-              <a:buClr>
-                <a:schemeClr val="lt1"/>
-              </a:buClr>
-              <a:buSzPct val="25000"/>
-              <a:buFont typeface="Cabin"/>
-              <a:buNone/>
-            </a:pPr>
-            <a:r>
-              <a:rPr lang="en-US" sz="7600" u="none" strike="noStrike" cap="none">
-                <a:solidFill>
-                  <a:srgbClr val="FFFF00"/>
-                </a:solidFill>
-                <a:latin typeface="Arial" charset="0"/>
-                <a:ea typeface="Arial" charset="0"/>
-                <a:cs typeface="Arial" charset="0"/>
-                <a:sym typeface="Cabin"/>
-              </a:rPr>
-              <a:t>What is not a </a:t>
-            </a:r>
-            <a:r>
-              <a:rPr lang="en-US" sz="7600" b="0" i="0" u="none" strike="noStrike" cap="none">
-                <a:solidFill>
-                  <a:srgbClr val="FFFF00"/>
-                </a:solidFill>
-                <a:latin typeface="Arial"/>
-                <a:ea typeface="Arial"/>
-                <a:cs typeface="Arial"/>
-                <a:sym typeface="Arial"/>
-              </a:rPr>
-              <a:t>“</a:t>
-            </a:r>
-            <a:r>
-              <a:rPr lang="en-US" sz="7600" u="none" strike="noStrike" cap="none">
-                <a:solidFill>
-                  <a:srgbClr val="FFFF00"/>
-                </a:solidFill>
-                <a:latin typeface="Arial" charset="0"/>
-                <a:ea typeface="Arial" charset="0"/>
-                <a:cs typeface="Arial" charset="0"/>
-                <a:sym typeface="Cabin"/>
-              </a:rPr>
-              <a:t>Collection</a:t>
-            </a:r>
-            <a:r>
-              <a:rPr lang="en-US" sz="7600" b="0" i="0" u="none" strike="noStrike" cap="none" smtClean="0">
-                <a:solidFill>
-                  <a:srgbClr val="FFFF00"/>
-                </a:solidFill>
-                <a:latin typeface="Arial"/>
-                <a:ea typeface="Arial"/>
-                <a:cs typeface="Arial"/>
-                <a:sym typeface="Arial"/>
-              </a:rPr>
-              <a:t>”?</a:t>
-            </a:r>
-            <a:endParaRPr lang="en-US" sz="7600" b="0" i="0" u="none" strike="noStrike" cap="none">
-              <a:solidFill>
-                <a:srgbClr val="FFFF00"/>
-              </a:solidFill>
-              <a:latin typeface="Arial"/>
-              <a:ea typeface="Arial"/>
-              <a:cs typeface="Arial"/>
-              <a:sym typeface="Arial"/>
-            </a:endParaRPr>
-          </a:p>
-        </p:txBody>
-      </p:sp>
-      <p:sp>
-        <p:nvSpPr>
-          <p:cNvPr id="220" name="Shape 220"/>
-          <p:cNvSpPr txBox="1">
-            <a:spLocks noGrp="1"/>
-          </p:cNvSpPr>
-          <p:nvPr>
-            <p:ph type="body" idx="1"/>
-          </p:nvPr>
-        </p:nvSpPr>
-        <p:spPr>
-          <a:xfrm>
-            <a:off x="1155700" y="2603501"/>
-            <a:ext cx="13931900" cy="1839912"/>
-          </a:xfrm>
-          <a:prstGeom prst="rect">
-            <a:avLst/>
-          </a:prstGeom>
-          <a:noFill/>
-          <a:ln>
-            <a:noFill/>
-          </a:ln>
-        </p:spPr>
-        <p:txBody>
-          <a:bodyPr lIns="38100" tIns="38100" rIns="38100" bIns="38100" anchor="ctr" anchorCtr="0">
-            <a:noAutofit/>
-          </a:bodyPr>
-          <a:lstStyle/>
-          <a:p>
-            <a:pPr marL="457200" marR="0" lvl="0" indent="-457200" algn="l" rtl="0">
-              <a:lnSpc>
-                <a:spcPct val="100000"/>
-              </a:lnSpc>
-              <a:spcBef>
-                <a:spcPts val="0"/>
-              </a:spcBef>
-              <a:spcAft>
-                <a:spcPts val="0"/>
-              </a:spcAft>
-              <a:buSzPct val="100000"/>
-              <a:buFont typeface="Cabin"/>
-            </a:pPr>
-            <a:r>
-              <a:rPr lang="en-US" sz="3600" u="none" strike="noStrike" cap="none" dirty="0">
-                <a:solidFill>
-                  <a:schemeClr val="lt1"/>
-                </a:solidFill>
-                <a:latin typeface="Arial" charset="0"/>
-                <a:ea typeface="Arial" charset="0"/>
-                <a:cs typeface="Arial" charset="0"/>
-                <a:sym typeface="Cabin"/>
-              </a:rPr>
-              <a:t>Most of our </a:t>
-            </a:r>
-            <a:r>
-              <a:rPr lang="en-US" sz="3600" u="none" strike="noStrike" cap="none" dirty="0">
-                <a:solidFill>
-                  <a:srgbClr val="00FF00"/>
-                </a:solidFill>
-                <a:latin typeface="Arial" charset="0"/>
-                <a:ea typeface="Arial" charset="0"/>
-                <a:cs typeface="Arial" charset="0"/>
-                <a:sym typeface="Cabin"/>
-              </a:rPr>
-              <a:t>variables</a:t>
-            </a:r>
-            <a:r>
-              <a:rPr lang="en-US" sz="3600" u="none" strike="noStrike" cap="none" dirty="0">
-                <a:solidFill>
-                  <a:schemeClr val="lt1"/>
-                </a:solidFill>
-                <a:latin typeface="Arial" charset="0"/>
-                <a:ea typeface="Arial" charset="0"/>
-                <a:cs typeface="Arial" charset="0"/>
-                <a:sym typeface="Cabin"/>
-              </a:rPr>
-              <a:t> have one value in them - when we put a new value in the </a:t>
-            </a:r>
-            <a:r>
-              <a:rPr lang="en-US" sz="3600" u="none" strike="noStrike" cap="none" dirty="0">
-                <a:solidFill>
-                  <a:srgbClr val="00FF00"/>
-                </a:solidFill>
-                <a:latin typeface="Arial" charset="0"/>
-                <a:ea typeface="Arial" charset="0"/>
-                <a:cs typeface="Arial" charset="0"/>
-                <a:sym typeface="Cabin"/>
-              </a:rPr>
-              <a:t>variable</a:t>
-            </a:r>
-            <a:r>
-              <a:rPr lang="en-US" sz="3600" u="none" strike="noStrike" cap="none" dirty="0">
-                <a:solidFill>
-                  <a:schemeClr val="lt1"/>
-                </a:solidFill>
-                <a:latin typeface="Arial" charset="0"/>
-                <a:ea typeface="Arial" charset="0"/>
-                <a:cs typeface="Arial" charset="0"/>
-                <a:sym typeface="Cabin"/>
-              </a:rPr>
-              <a:t> - the old value is overwritten</a:t>
-            </a:r>
-          </a:p>
-        </p:txBody>
-      </p:sp>
-      <p:sp>
-        <p:nvSpPr>
-          <p:cNvPr id="221" name="Shape 221"/>
-          <p:cNvSpPr txBox="1"/>
-          <p:nvPr/>
-        </p:nvSpPr>
-        <p:spPr>
-          <a:xfrm>
-            <a:off x="2859087" y="4289542"/>
-            <a:ext cx="12547499" cy="3194048"/>
-          </a:xfrm>
-          <a:prstGeom prst="rect">
-            <a:avLst/>
-          </a:prstGeom>
-          <a:noFill/>
-          <a:ln>
-            <a:noFill/>
-          </a:ln>
-        </p:spPr>
-        <p:txBody>
-          <a:bodyPr lIns="0" tIns="0" rIns="0" bIns="0" anchor="ctr" anchorCtr="0">
-            <a:noAutofit/>
-          </a:bodyPr>
-          <a:lstStyle/>
-          <a:p>
-            <a:pPr marL="0" marR="0" lvl="0" indent="0" algn="l" rtl="0">
-              <a:lnSpc>
-                <a:spcPct val="100000"/>
-              </a:lnSpc>
-              <a:spcBef>
-                <a:spcPts val="0"/>
-              </a:spcBef>
-              <a:spcAft>
-                <a:spcPts val="0"/>
-              </a:spcAft>
-              <a:buClr>
-                <a:schemeClr val="lt1"/>
-              </a:buClr>
-              <a:buSzPct val="25000"/>
-              <a:buFont typeface="Cabin"/>
-              <a:buNone/>
-            </a:pPr>
-            <a:r>
-              <a:rPr lang="en-US" sz="3000" b="1" i="0" u="none" strike="noStrike" cap="none" dirty="0">
-                <a:solidFill>
-                  <a:schemeClr val="lt1"/>
-                </a:solidFill>
-                <a:latin typeface="Courier New"/>
-                <a:ea typeface="Courier New"/>
-                <a:cs typeface="Courier New"/>
-                <a:sym typeface="Courier New"/>
-              </a:rPr>
-              <a:t>$ </a:t>
-            </a:r>
-            <a:r>
-              <a:rPr lang="en-US" sz="3000" b="1" i="0" u="none" strike="noStrike" cap="none" dirty="0">
-                <a:solidFill>
-                  <a:srgbClr val="FFFF00"/>
-                </a:solidFill>
-                <a:latin typeface="Courier New"/>
-                <a:ea typeface="Courier New"/>
-                <a:cs typeface="Courier New"/>
-                <a:sym typeface="Courier New"/>
-              </a:rPr>
-              <a:t>python</a:t>
-            </a:r>
-          </a:p>
-          <a:p>
-            <a:pPr marL="0" marR="0" lvl="0" indent="0" algn="l" rtl="0">
-              <a:lnSpc>
-                <a:spcPct val="100000"/>
-              </a:lnSpc>
-              <a:spcBef>
-                <a:spcPts val="0"/>
-              </a:spcBef>
-              <a:spcAft>
-                <a:spcPts val="0"/>
-              </a:spcAft>
-              <a:buClr>
-                <a:schemeClr val="lt1"/>
-              </a:buClr>
-              <a:buSzPct val="25000"/>
-              <a:buFont typeface="Cabin"/>
-              <a:buNone/>
-            </a:pPr>
-            <a:r>
-              <a:rPr lang="en-US" sz="3000" b="1" i="0" u="none" strike="noStrike" cap="none" dirty="0" smtClean="0">
-                <a:solidFill>
-                  <a:schemeClr val="lt1"/>
-                </a:solidFill>
-                <a:latin typeface="Courier New"/>
-                <a:ea typeface="Courier New"/>
-                <a:cs typeface="Courier New"/>
-                <a:sym typeface="Courier New"/>
-              </a:rPr>
-              <a:t>&gt;&gt;&gt; </a:t>
-            </a:r>
-            <a:r>
-              <a:rPr lang="en-US" sz="3000" b="1" i="0" u="none" strike="noStrike" cap="none" dirty="0">
-                <a:solidFill>
-                  <a:srgbClr val="00FF00"/>
-                </a:solidFill>
-                <a:latin typeface="Courier New"/>
-                <a:ea typeface="Courier New"/>
-                <a:cs typeface="Courier New"/>
-                <a:sym typeface="Courier New"/>
-              </a:rPr>
-              <a:t>x</a:t>
-            </a:r>
-            <a:r>
-              <a:rPr lang="en-US" sz="3000" b="1" i="0" u="none" strike="noStrike" cap="none" dirty="0">
-                <a:solidFill>
-                  <a:schemeClr val="lt1"/>
-                </a:solidFill>
-                <a:latin typeface="Courier New"/>
-                <a:ea typeface="Courier New"/>
-                <a:cs typeface="Courier New"/>
-                <a:sym typeface="Courier New"/>
-              </a:rPr>
-              <a:t> = 2</a:t>
-            </a:r>
-          </a:p>
-          <a:p>
-            <a:pPr marL="0" marR="0" lvl="0" indent="0" algn="l" rtl="0">
-              <a:lnSpc>
-                <a:spcPct val="100000"/>
-              </a:lnSpc>
-              <a:spcBef>
-                <a:spcPts val="0"/>
-              </a:spcBef>
-              <a:spcAft>
-                <a:spcPts val="0"/>
-              </a:spcAft>
-              <a:buClr>
-                <a:schemeClr val="lt1"/>
-              </a:buClr>
-              <a:buSzPct val="25000"/>
-              <a:buFont typeface="Cabin"/>
-              <a:buNone/>
-            </a:pPr>
-            <a:r>
-              <a:rPr lang="en-US" sz="3000" b="1" i="0" u="none" strike="noStrike" cap="none" dirty="0">
-                <a:solidFill>
-                  <a:schemeClr val="lt1"/>
-                </a:solidFill>
-                <a:latin typeface="Courier New"/>
-                <a:ea typeface="Courier New"/>
-                <a:cs typeface="Courier New"/>
-                <a:sym typeface="Courier New"/>
-              </a:rPr>
-              <a:t>&gt;&gt;&gt; </a:t>
-            </a:r>
-            <a:r>
-              <a:rPr lang="en-US" sz="3000" b="1" i="0" u="none" strike="noStrike" cap="none" dirty="0">
-                <a:solidFill>
-                  <a:srgbClr val="00FF00"/>
-                </a:solidFill>
-                <a:latin typeface="Courier New"/>
-                <a:ea typeface="Courier New"/>
-                <a:cs typeface="Courier New"/>
-                <a:sym typeface="Courier New"/>
-              </a:rPr>
-              <a:t>x</a:t>
-            </a:r>
-            <a:r>
-              <a:rPr lang="en-US" sz="3000" b="1" i="0" u="none" strike="noStrike" cap="none" dirty="0">
-                <a:solidFill>
-                  <a:schemeClr val="lt1"/>
-                </a:solidFill>
-                <a:latin typeface="Courier New"/>
-                <a:ea typeface="Courier New"/>
-                <a:cs typeface="Courier New"/>
-                <a:sym typeface="Courier New"/>
-              </a:rPr>
-              <a:t> = 4</a:t>
-            </a:r>
-          </a:p>
-          <a:p>
-            <a:pPr marL="0" marR="0" lvl="0" indent="0" algn="l" rtl="0">
-              <a:lnSpc>
-                <a:spcPct val="100000"/>
-              </a:lnSpc>
-              <a:spcBef>
-                <a:spcPts val="0"/>
-              </a:spcBef>
-              <a:spcAft>
-                <a:spcPts val="0"/>
-              </a:spcAft>
-              <a:buClr>
-                <a:schemeClr val="lt1"/>
-              </a:buClr>
-              <a:buSzPct val="25000"/>
-              <a:buFont typeface="Cabin"/>
-              <a:buNone/>
-            </a:pPr>
-            <a:r>
-              <a:rPr lang="en-US" sz="3000" b="1" i="0" u="none" strike="noStrike" cap="none" dirty="0">
-                <a:solidFill>
-                  <a:schemeClr val="lt1"/>
-                </a:solidFill>
-                <a:latin typeface="Courier New"/>
-                <a:ea typeface="Courier New"/>
-                <a:cs typeface="Courier New"/>
-                <a:sym typeface="Courier New"/>
-              </a:rPr>
-              <a:t>&gt;&gt;&gt; </a:t>
-            </a:r>
-            <a:r>
-              <a:rPr lang="en-US" sz="3000" b="1" i="0" u="none" strike="noStrike" cap="none" dirty="0" smtClean="0">
-                <a:solidFill>
-                  <a:srgbClr val="FFFF00"/>
-                </a:solidFill>
-                <a:latin typeface="Courier New"/>
-                <a:ea typeface="Courier New"/>
-                <a:cs typeface="Courier New"/>
-                <a:sym typeface="Courier New"/>
-              </a:rPr>
-              <a:t>print(</a:t>
-            </a:r>
-            <a:r>
-              <a:rPr lang="en-US" sz="3000" b="1" i="0" u="none" strike="noStrike" cap="none" dirty="0" smtClean="0">
-                <a:solidFill>
-                  <a:srgbClr val="00FF00"/>
-                </a:solidFill>
-                <a:latin typeface="Courier New"/>
-                <a:ea typeface="Courier New"/>
-                <a:cs typeface="Courier New"/>
-                <a:sym typeface="Courier New"/>
-              </a:rPr>
-              <a:t>x</a:t>
-            </a:r>
-            <a:r>
-              <a:rPr lang="en-US" sz="3000" b="1" i="0" u="none" strike="noStrike" cap="none" dirty="0" smtClean="0">
-                <a:solidFill>
-                  <a:srgbClr val="FFFF00"/>
-                </a:solidFill>
-                <a:latin typeface="Courier New"/>
-                <a:ea typeface="Courier New"/>
-                <a:cs typeface="Courier New"/>
-                <a:sym typeface="Courier New"/>
-              </a:rPr>
-              <a:t>)</a:t>
-            </a:r>
-            <a:endParaRPr lang="en-US" sz="3000" b="1" i="0" u="none" strike="noStrike" cap="none" dirty="0">
-              <a:solidFill>
-                <a:srgbClr val="FFFF00"/>
-              </a:solidFill>
-              <a:latin typeface="Courier New"/>
-              <a:ea typeface="Courier New"/>
-              <a:cs typeface="Courier New"/>
-              <a:sym typeface="Courier New"/>
-            </a:endParaRPr>
-          </a:p>
-          <a:p>
-            <a:pPr marL="0" marR="0" lvl="0" indent="0" algn="l" rtl="0">
-              <a:lnSpc>
-                <a:spcPct val="100000"/>
-              </a:lnSpc>
-              <a:spcBef>
-                <a:spcPts val="0"/>
-              </a:spcBef>
-              <a:spcAft>
-                <a:spcPts val="0"/>
-              </a:spcAft>
-              <a:buClr>
-                <a:schemeClr val="lt1"/>
-              </a:buClr>
-              <a:buSzPct val="25000"/>
-              <a:buFont typeface="Cabin"/>
-              <a:buNone/>
-            </a:pPr>
-            <a:r>
-              <a:rPr lang="en-US" sz="3000" b="1" i="0" u="none" strike="noStrike" cap="none" dirty="0">
-                <a:solidFill>
-                  <a:schemeClr val="lt1"/>
-                </a:solidFill>
-                <a:latin typeface="Courier New"/>
-                <a:ea typeface="Courier New"/>
-                <a:cs typeface="Courier New"/>
-                <a:sym typeface="Courier New"/>
-              </a:rPr>
-              <a:t>4</a:t>
             </a:r>
           </a:p>
         </p:txBody>

--- a/lectures3/Pythonlearn-09-Dictionaries.pptx
+++ b/lectures3/Pythonlearn-09-Dictionaries.pptx
@@ -5888,6 +5888,14 @@
   <p:clrMapOvr>
     <a:masterClrMapping/>
   </p:clrMapOvr>
+  <mc:AlternateContent xmlns:mc="http://schemas.openxmlformats.org/markup-compatibility/2006">
+    <mc:Choice xmlns:p14="http://schemas.microsoft.com/office/powerpoint/2010/main" Requires="p14">
+      <p:transition spd="slow" p14:dur="2000" advClick="0"/>
+    </mc:Choice>
+    <mc:Fallback>
+      <p:transition spd="slow" advClick="0"/>
+    </mc:Fallback>
+  </mc:AlternateContent>
   <p:timing>
     <p:tnLst>
       <p:par>
@@ -17388,7 +17396,7 @@
                 <a:cs typeface="Arial" charset="0"/>
                 <a:sym typeface="Cabin"/>
               </a:rPr>
-              <a:t>Counting Words</a:t>
+              <a:t>Counting Words in Text</a:t>
             </a:r>
             <a:endParaRPr lang="en-US" sz="7600" u="none" strike="noStrike" cap="none" dirty="0">
               <a:solidFill>

--- a/lectures3/Pythonlearn-09-Dictionaries.pptx
+++ b/lectures3/Pythonlearn-09-Dictionaries.pptx
@@ -5409,7 +5409,7 @@
             <a:r>
               <a:rPr lang="en-US" sz="7600" u="none" strike="noStrike" cap="none">
                 <a:solidFill>
-                  <a:srgbClr val="FFFF00"/>
+                  <a:srgbClr val="FFD966"/>
                 </a:solidFill>
                 <a:latin typeface="Arial" charset="0"/>
                 <a:ea typeface="Arial" charset="0"/>
@@ -5718,7 +5718,7 @@
             <a:r>
               <a:rPr lang="en-US" sz="7600" u="none" strike="noStrike" cap="none">
                 <a:solidFill>
-                  <a:srgbClr val="FFFF00"/>
+                  <a:srgbClr val="FFD966"/>
                 </a:solidFill>
                 <a:latin typeface="Arial" charset="0"/>
                 <a:ea typeface="Arial" charset="0"/>
@@ -6677,7 +6677,7 @@
             <a:r>
               <a:rPr lang="en-US" sz="7600" u="none" strike="noStrike" cap="none">
                 <a:solidFill>
-                  <a:srgbClr val="FFFF00"/>
+                  <a:srgbClr val="FFD966"/>
                 </a:solidFill>
                 <a:latin typeface="Arial" charset="0"/>
                 <a:ea typeface="Arial" charset="0"/>
@@ -6766,7 +6766,7 @@
             <a:r>
               <a:rPr lang="en-US" sz="7600" u="none" strike="noStrike" cap="none">
                 <a:solidFill>
-                  <a:srgbClr val="FFFF00"/>
+                  <a:srgbClr val="FFD966"/>
                 </a:solidFill>
                 <a:latin typeface="Arial" charset="0"/>
                 <a:ea typeface="Arial" charset="0"/>
@@ -7596,7 +7596,7 @@
             <a:r>
               <a:rPr lang="en-US" sz="7600" u="none" strike="noStrike" cap="none">
                 <a:solidFill>
-                  <a:srgbClr val="FFFF00"/>
+                  <a:srgbClr val="FFD966"/>
                 </a:solidFill>
                 <a:latin typeface="Arial" charset="0"/>
                 <a:ea typeface="Arial" charset="0"/>
@@ -8453,7 +8453,7 @@
             <a:r>
               <a:rPr lang="en-US" sz="7200" u="none" strike="noStrike" cap="none" dirty="0">
                 <a:solidFill>
-                  <a:srgbClr val="FFFF00"/>
+                  <a:srgbClr val="FFD966"/>
                 </a:solidFill>
                 <a:latin typeface="Arial" charset="0"/>
                 <a:ea typeface="Arial" charset="0"/>
@@ -9660,7 +9660,7 @@
             <a:r>
               <a:rPr lang="en-US" sz="7600" u="none" strike="noStrike" cap="none">
                 <a:solidFill>
-                  <a:srgbClr val="FFFF00"/>
+                  <a:srgbClr val="FFD966"/>
                 </a:solidFill>
                 <a:latin typeface="Arial" charset="0"/>
                 <a:ea typeface="Arial" charset="0"/>
@@ -10374,7 +10374,7 @@
             <a:r>
               <a:rPr lang="en-US" sz="7600" u="none" strike="noStrike" cap="none">
                 <a:solidFill>
-                  <a:srgbClr val="FFFF00"/>
+                  <a:srgbClr val="FFD966"/>
                 </a:solidFill>
                 <a:latin typeface="Arial" charset="0"/>
                 <a:ea typeface="Arial" charset="0"/>
@@ -11607,6 +11607,18 @@
             <a:r>
               <a:rPr lang="en-US" sz="7600" u="none" strike="noStrike" cap="none">
                 <a:solidFill>
+                  <a:srgbClr val="FFD966"/>
+                </a:solidFill>
+                <a:latin typeface="Arial" charset="0"/>
+                <a:ea typeface="Arial" charset="0"/>
+                <a:cs typeface="Arial" charset="0"/>
+                <a:sym typeface="Cabin"/>
+              </a:rPr>
+              <a:t>The</a:t>
+            </a:r>
+            <a:r>
+              <a:rPr lang="en-US" sz="7600" u="none" strike="noStrike" cap="none">
+                <a:solidFill>
                   <a:srgbClr val="FFFF00"/>
                 </a:solidFill>
                 <a:latin typeface="Arial" charset="0"/>
@@ -11614,7 +11626,7 @@
                 <a:cs typeface="Arial" charset="0"/>
                 <a:sym typeface="Cabin"/>
               </a:rPr>
-              <a:t>The </a:t>
+              <a:t> </a:t>
             </a:r>
             <a:r>
               <a:rPr lang="en-US" sz="7600" u="none" strike="noStrike" cap="none">
@@ -11638,7 +11650,19 @@
                 <a:cs typeface="Arial" charset="0"/>
                 <a:sym typeface="Cabin"/>
               </a:rPr>
-              <a:t> Method for Dictionaries</a:t>
+              <a:t> </a:t>
+            </a:r>
+            <a:r>
+              <a:rPr lang="en-US" sz="7600" u="none" strike="noStrike" cap="none">
+                <a:solidFill>
+                  <a:srgbClr val="FFD966"/>
+                </a:solidFill>
+                <a:latin typeface="Arial" charset="0"/>
+                <a:ea typeface="Arial" charset="0"/>
+                <a:cs typeface="Arial" charset="0"/>
+                <a:sym typeface="Cabin"/>
+              </a:rPr>
+              <a:t>Method for Dictionaries</a:t>
             </a:r>
           </a:p>
         </p:txBody>
@@ -12674,7 +12698,7 @@
             <a:r>
               <a:rPr lang="en-US" sz="7600" u="none" strike="noStrike" cap="none">
                 <a:solidFill>
-                  <a:srgbClr val="FFFF00"/>
+                  <a:srgbClr val="FFD966"/>
                 </a:solidFill>
                 <a:latin typeface="Arial" charset="0"/>
                 <a:ea typeface="Arial" charset="0"/>
@@ -12693,19 +12717,7 @@
                 <a:cs typeface="Arial" charset="0"/>
                 <a:sym typeface="Cabin"/>
               </a:rPr>
-              <a:t>get</a:t>
-            </a:r>
-            <a:r>
-              <a:rPr lang="en-US" sz="7600" u="none" strike="noStrike" cap="none">
-                <a:solidFill>
-                  <a:srgbClr val="FFFF00"/>
-                </a:solidFill>
-                <a:latin typeface="Arial" charset="0"/>
-                <a:ea typeface="Arial" charset="0"/>
-                <a:cs typeface="Arial" charset="0"/>
-                <a:sym typeface="Cabin"/>
-              </a:rPr>
-              <a:t>()</a:t>
+              <a:t>get()</a:t>
             </a:r>
           </a:p>
         </p:txBody>
@@ -14385,7 +14397,7 @@
             <a:r>
               <a:rPr lang="en-US" sz="7600" u="none" strike="noStrike" cap="none">
                 <a:solidFill>
-                  <a:srgbClr val="FFFF00"/>
+                  <a:srgbClr val="FFD966"/>
                 </a:solidFill>
                 <a:latin typeface="Arial" charset="0"/>
                 <a:ea typeface="Arial" charset="0"/>
@@ -14404,19 +14416,7 @@
                 <a:cs typeface="Arial" charset="0"/>
                 <a:sym typeface="Cabin"/>
               </a:rPr>
-              <a:t>get</a:t>
-            </a:r>
-            <a:r>
-              <a:rPr lang="en-US" sz="7600" u="none" strike="noStrike" cap="none">
-                <a:solidFill>
-                  <a:srgbClr val="FFFF00"/>
-                </a:solidFill>
-                <a:latin typeface="Arial" charset="0"/>
-                <a:ea typeface="Arial" charset="0"/>
-                <a:cs typeface="Arial" charset="0"/>
-                <a:sym typeface="Cabin"/>
-              </a:rPr>
-              <a:t>()</a:t>
+              <a:t>get()</a:t>
             </a:r>
           </a:p>
         </p:txBody>
@@ -14502,7 +14502,7 @@
             <a:r>
               <a:rPr lang="en-US" sz="7600" u="none" strike="noStrike" cap="none">
                 <a:solidFill>
-                  <a:srgbClr val="FFFF00"/>
+                  <a:srgbClr val="FFD966"/>
                 </a:solidFill>
                 <a:latin typeface="Arial" charset="0"/>
                 <a:ea typeface="Arial" charset="0"/>
@@ -14855,7 +14855,7 @@
             <a:r>
               <a:rPr lang="en-US" sz="7600" dirty="0">
                 <a:solidFill>
-                  <a:srgbClr val="FFFF00"/>
+                  <a:srgbClr val="FFD966"/>
                 </a:solidFill>
                 <a:latin typeface="Arial" charset="0"/>
                 <a:ea typeface="Arial" charset="0"/>
@@ -14864,7 +14864,11 @@
               </a:rPr>
               <a:t>Counting Words in Text</a:t>
             </a:r>
-            <a:endParaRPr lang="en-US"/>
+            <a:endParaRPr lang="en-US">
+              <a:solidFill>
+                <a:srgbClr val="FFD966"/>
+              </a:solidFill>
+            </a:endParaRPr>
           </a:p>
         </p:txBody>
       </p:sp>
@@ -15339,7 +15343,7 @@
             <a:r>
               <a:rPr lang="en-US" sz="7600" u="none" strike="noStrike" cap="none">
                 <a:solidFill>
-                  <a:srgbClr val="FFFF00"/>
+                  <a:srgbClr val="FFD966"/>
                 </a:solidFill>
                 <a:latin typeface="Arial" charset="0"/>
                 <a:ea typeface="Arial" charset="0"/>
@@ -18026,7 +18030,7 @@
             <a:r>
               <a:rPr lang="en-US" sz="7600" u="none" strike="noStrike" cap="none">
                 <a:solidFill>
-                  <a:srgbClr val="FFFF00"/>
+                  <a:srgbClr val="FFD966"/>
                 </a:solidFill>
                 <a:latin typeface="Arial" charset="0"/>
                 <a:ea typeface="Arial" charset="0"/>
@@ -19022,7 +19026,7 @@
             <a:r>
               <a:rPr lang="en-US" sz="6600" u="none" strike="noStrike" cap="none" dirty="0">
                 <a:solidFill>
-                  <a:srgbClr val="FFFF00"/>
+                  <a:srgbClr val="FFD966"/>
                 </a:solidFill>
                 <a:latin typeface="Arial" charset="0"/>
                 <a:ea typeface="Arial" charset="0"/>
@@ -20191,7 +20195,7 @@
             <a:r>
               <a:rPr lang="en-US" sz="7600" u="none" strike="noStrike" cap="none">
                 <a:solidFill>
-                  <a:srgbClr val="FFFF00"/>
+                  <a:srgbClr val="FFD966"/>
                 </a:solidFill>
                 <a:latin typeface="Arial" charset="0"/>
                 <a:ea typeface="Arial" charset="0"/>
@@ -22965,7 +22969,7 @@
             <a:r>
               <a:rPr lang="en-US" sz="7600" u="none" strike="noStrike" cap="none">
                 <a:solidFill>
-                  <a:srgbClr val="FFFF00"/>
+                  <a:srgbClr val="FFD966"/>
                 </a:solidFill>
                 <a:latin typeface="Arial" charset="0"/>
                 <a:ea typeface="Arial" charset="0"/>
@@ -23081,19 +23085,19 @@
             <a:r>
               <a:rPr lang="en-US" sz="7600" u="none" strike="noStrike" cap="none">
                 <a:solidFill>
-                  <a:srgbClr val="FFFF00"/>
-                </a:solidFill>
-                <a:latin typeface="Arial" charset="0"/>
-                <a:ea typeface="Arial" charset="0"/>
-                <a:cs typeface="Arial" charset="0"/>
-                <a:sym typeface="Cabin"/>
-              </a:rPr>
-              <a:t>What is not a </a:t>
+                  <a:srgbClr val="FFD966"/>
+                </a:solidFill>
+                <a:latin typeface="Arial" charset="0"/>
+                <a:ea typeface="Arial" charset="0"/>
+                <a:cs typeface="Arial" charset="0"/>
+                <a:sym typeface="Cabin"/>
+              </a:rPr>
+              <a:t>What is Not a </a:t>
             </a:r>
             <a:r>
               <a:rPr lang="en-US" sz="7600" b="0" i="0" u="none" strike="noStrike" cap="none">
                 <a:solidFill>
-                  <a:srgbClr val="FFFF00"/>
+                  <a:srgbClr val="FFD966"/>
                 </a:solidFill>
                 <a:latin typeface="Arial"/>
                 <a:ea typeface="Arial"/>
@@ -23105,7 +23109,7 @@
             <a:r>
               <a:rPr lang="en-US" sz="7600" u="none" strike="noStrike" cap="none">
                 <a:solidFill>
-                  <a:srgbClr val="FFFF00"/>
+                  <a:srgbClr val="FFD966"/>
                 </a:solidFill>
                 <a:latin typeface="Arial" charset="0"/>
                 <a:ea typeface="Arial" charset="0"/>
@@ -23117,7 +23121,7 @@
             <a:r>
               <a:rPr lang="en-US" sz="7600" b="0" i="0" u="none" strike="noStrike" cap="none" smtClean="0">
                 <a:solidFill>
-                  <a:srgbClr val="FFFF00"/>
+                  <a:srgbClr val="FFD966"/>
                 </a:solidFill>
                 <a:latin typeface="Arial"/>
                 <a:ea typeface="Arial"/>
@@ -23128,7 +23132,7 @@
             </a:r>
             <a:endParaRPr lang="en-US" sz="7600" b="0" i="0" u="none" strike="noStrike" cap="none">
               <a:solidFill>
-                <a:srgbClr val="FFFF00"/>
+                <a:srgbClr val="FFD966"/>
               </a:solidFill>
               <a:latin typeface="Arial"/>
               <a:ea typeface="Arial"/>
@@ -23914,14 +23918,14 @@
             <a:r>
               <a:rPr lang="en-US" sz="7600" u="none" strike="noStrike" cap="none">
                 <a:solidFill>
-                  <a:srgbClr val="FFFF00"/>
-                </a:solidFill>
-                <a:latin typeface="Arial" charset="0"/>
-                <a:ea typeface="Arial" charset="0"/>
-                <a:cs typeface="Arial" charset="0"/>
-                <a:sym typeface="Cabin"/>
-              </a:rPr>
-              <a:t>A Story of  Two Collections..</a:t>
+                  <a:srgbClr val="FFD966"/>
+                </a:solidFill>
+                <a:latin typeface="Arial" charset="0"/>
+                <a:ea typeface="Arial" charset="0"/>
+                <a:cs typeface="Arial" charset="0"/>
+                <a:sym typeface="Cabin"/>
+              </a:rPr>
+              <a:t>A Story of Two Collections..</a:t>
             </a:r>
           </a:p>
         </p:txBody>
@@ -24388,7 +24392,7 @@
             <a:r>
               <a:rPr lang="en-US" sz="7600" u="none" strike="noStrike" cap="none">
                 <a:solidFill>
-                  <a:srgbClr val="FFFF00"/>
+                  <a:srgbClr val="FFD966"/>
                 </a:solidFill>
                 <a:latin typeface="Arial" charset="0"/>
                 <a:ea typeface="Arial" charset="0"/>
@@ -24888,7 +24892,7 @@
             <a:r>
               <a:rPr lang="en-US" sz="7600" u="none" strike="noStrike" cap="none">
                 <a:solidFill>
-                  <a:srgbClr val="FFFF00"/>
+                  <a:srgbClr val="FFD966"/>
                 </a:solidFill>
                 <a:latin typeface="Arial" charset="0"/>
                 <a:ea typeface="Arial" charset="0"/>
@@ -25182,63 +25186,6 @@
       </p:grpSpPr>
       <p:sp>
         <p:nvSpPr>
-          <p:cNvPr id="258" name="Shape 258"/>
-          <p:cNvSpPr txBox="1">
-            <a:spLocks noGrp="1"/>
-          </p:cNvSpPr>
-          <p:nvPr>
-            <p:ph type="title"/>
-          </p:nvPr>
-        </p:nvSpPr>
-        <p:spPr>
-          <a:prstGeom prst="rect">
-            <a:avLst/>
-          </a:prstGeom>
-          <a:noFill/>
-          <a:ln>
-            <a:noFill/>
-          </a:ln>
-        </p:spPr>
-        <p:txBody>
-          <a:bodyPr lIns="38100" tIns="38100" rIns="38100" bIns="38100" anchor="ctr" anchorCtr="0">
-            <a:noAutofit/>
-          </a:bodyPr>
-          <a:lstStyle/>
-          <a:p>
-            <a:pPr marL="0" marR="0" lvl="0" indent="0" algn="ctr" rtl="0">
-              <a:lnSpc>
-                <a:spcPct val="100000"/>
-              </a:lnSpc>
-              <a:spcBef>
-                <a:spcPts val="0"/>
-              </a:spcBef>
-              <a:spcAft>
-                <a:spcPts val="0"/>
-              </a:spcAft>
-              <a:buClr>
-                <a:srgbClr val="FF00FF"/>
-              </a:buClr>
-              <a:buSzPct val="25000"/>
-              <a:buFont typeface="Cabin"/>
-              <a:buNone/>
-            </a:pPr>
-            <a:r>
-              <a:rPr lang="en-US" sz="7600" u="none" strike="noStrike" cap="none">
-                <a:solidFill>
-                  <a:srgbClr val="FFFF00"/>
-                </a:solidFill>
-                <a:latin typeface="Arial" charset="0"/>
-                <a:ea typeface="Arial" charset="0"/>
-                <a:cs typeface="Arial" charset="0"/>
-                <a:sym typeface="Cabin"/>
-              </a:rPr>
-              <a:t>Dictionaries</a:t>
-            </a:r>
-          </a:p>
-        </p:txBody>
-      </p:sp>
-      <p:sp>
-        <p:nvSpPr>
           <p:cNvPr id="259" name="Shape 259"/>
           <p:cNvSpPr txBox="1">
             <a:spLocks noGrp="1"/>
@@ -26232,6 +26179,67 @@
                 <a:sym typeface="Courier New"/>
               </a:rPr>
               <a:t>}</a:t>
+            </a:r>
+          </a:p>
+        </p:txBody>
+      </p:sp>
+      <p:sp>
+        <p:nvSpPr>
+          <p:cNvPr id="6" name="Shape 250"/>
+          <p:cNvSpPr txBox="1">
+            <a:spLocks noGrp="1"/>
+          </p:cNvSpPr>
+          <p:nvPr>
+            <p:ph type="title"/>
+          </p:nvPr>
+        </p:nvSpPr>
+        <p:spPr>
+          <a:xfrm>
+            <a:off x="1155700" y="789709"/>
+            <a:ext cx="12582521" cy="1750290"/>
+          </a:xfrm>
+          <a:prstGeom prst="rect">
+            <a:avLst/>
+          </a:prstGeom>
+          <a:noFill/>
+          <a:ln>
+            <a:noFill/>
+          </a:ln>
+        </p:spPr>
+        <p:txBody>
+          <a:bodyPr lIns="38100" tIns="38100" rIns="38100" bIns="38100" anchor="ctr" anchorCtr="0">
+            <a:noAutofit/>
+          </a:bodyPr>
+          <a:lstStyle/>
+          <a:p>
+            <a:pPr marL="0" marR="0" lvl="0" indent="0" algn="ctr" rtl="0">
+              <a:lnSpc>
+                <a:spcPct val="100000"/>
+              </a:lnSpc>
+              <a:spcBef>
+                <a:spcPts val="0"/>
+              </a:spcBef>
+              <a:spcAft>
+                <a:spcPts val="0"/>
+              </a:spcAft>
+              <a:buClr>
+                <a:srgbClr val="FF00FF"/>
+              </a:buClr>
+              <a:buSzPct val="25000"/>
+              <a:buFont typeface="Cabin"/>
+              <a:buNone/>
+            </a:pPr>
+            <a:r>
+              <a:rPr lang="en-US" sz="7600" u="none" strike="noStrike" cap="none">
+                <a:solidFill>
+                  <a:srgbClr val="FFD966"/>
+                </a:solidFill>
+                <a:latin typeface="Arial" charset="0"/>
+                <a:ea typeface="Arial" charset="0"/>
+                <a:cs typeface="Arial" charset="0"/>
+                <a:sym typeface="Cabin"/>
+              </a:rPr>
+              <a:t>Dictionaries</a:t>
             </a:r>
           </a:p>
         </p:txBody>
@@ -26313,7 +26321,7 @@
             <a:r>
               <a:rPr lang="en-US" sz="6600" u="none" strike="noStrike" cap="none" dirty="0">
                 <a:solidFill>
-                  <a:srgbClr val="FFFF00"/>
+                  <a:srgbClr val="FFD966"/>
                 </a:solidFill>
                 <a:latin typeface="Arial" charset="0"/>
                 <a:ea typeface="Arial" charset="0"/>

--- a/lectures3/Pythonlearn-09-Dictionaries.pptx
+++ b/lectures3/Pythonlearn-09-Dictionaries.pptx
@@ -245,7 +245,7 @@
   </p:defaultTextStyle>
   <p:extLst>
     <p:ext uri="{EFAFB233-063F-42B5-8137-9DF3F51BA10A}">
-      <p15:sldGuideLst xmlns:p15="http://schemas.microsoft.com/office/powerpoint/2012/main" xmlns="">
+      <p15:sldGuideLst xmlns:p15="http://schemas.microsoft.com/office/powerpoint/2012/main">
         <p15:guide id="1" orient="horz" pos="2880">
           <p15:clr>
             <a:srgbClr val="A4A3A4"/>
@@ -5649,7 +5649,7 @@
   <p:timing>
     <p:tnLst>
       <p:par>
-        <p:cTn xmlns:p14="http://schemas.microsoft.com/office/powerpoint/2010/main" id="1" dur="indefinite" restart="never" nodeType="tmRoot"/>
+        <p:cTn id="1" dur="indefinite" restart="never" nodeType="tmRoot"/>
       </p:par>
     </p:tnLst>
   </p:timing>
@@ -6608,7 +6608,7 @@
   <p:timing>
     <p:tnLst>
       <p:par>
-        <p:cTn xmlns:p14="http://schemas.microsoft.com/office/powerpoint/2010/main" id="1" dur="indefinite" restart="never" nodeType="tmRoot"/>
+        <p:cTn id="1" dur="indefinite" restart="never" nodeType="tmRoot"/>
       </p:par>
     </p:tnLst>
   </p:timing>
@@ -6697,7 +6697,7 @@
   <p:timing>
     <p:tnLst>
       <p:par>
-        <p:cTn xmlns:p14="http://schemas.microsoft.com/office/powerpoint/2010/main" id="1" dur="indefinite" restart="never" nodeType="tmRoot"/>
+        <p:cTn id="1" dur="indefinite" restart="never" nodeType="tmRoot"/>
       </p:par>
     </p:tnLst>
   </p:timing>
@@ -7527,7 +7527,7 @@
   <p:timing>
     <p:tnLst>
       <p:par>
-        <p:cTn xmlns:p14="http://schemas.microsoft.com/office/powerpoint/2010/main" id="1" dur="indefinite" restart="never" nodeType="tmRoot"/>
+        <p:cTn id="1" dur="indefinite" restart="never" nodeType="tmRoot"/>
       </p:par>
     </p:tnLst>
   </p:timing>
@@ -8384,7 +8384,7 @@
   <p:timing>
     <p:tnLst>
       <p:par>
-        <p:cTn xmlns:p14="http://schemas.microsoft.com/office/powerpoint/2010/main" id="1" dur="indefinite" restart="never" nodeType="tmRoot"/>
+        <p:cTn id="1" dur="indefinite" restart="never" nodeType="tmRoot"/>
       </p:par>
     </p:tnLst>
   </p:timing>
@@ -9591,7 +9591,7 @@
   <p:timing>
     <p:tnLst>
       <p:par>
-        <p:cTn xmlns:p14="http://schemas.microsoft.com/office/powerpoint/2010/main" id="1" dur="indefinite" restart="never" nodeType="tmRoot"/>
+        <p:cTn id="1" dur="indefinite" restart="never" nodeType="tmRoot"/>
       </p:par>
     </p:tnLst>
   </p:timing>
@@ -10301,7 +10301,7 @@
   <p:timing>
     <p:tnLst>
       <p:par>
-        <p:cTn xmlns:p14="http://schemas.microsoft.com/office/powerpoint/2010/main" id="1" dur="indefinite" restart="never" nodeType="tmRoot"/>
+        <p:cTn id="1" dur="indefinite" restart="never" nodeType="tmRoot"/>
       </p:par>
     </p:tnLst>
   </p:timing>
@@ -11538,7 +11538,7 @@
   <p:timing>
     <p:tnLst>
       <p:par>
-        <p:cTn xmlns:p14="http://schemas.microsoft.com/office/powerpoint/2010/main" id="1" dur="indefinite" restart="never" nodeType="tmRoot"/>
+        <p:cTn id="1" dur="indefinite" restart="never" nodeType="tmRoot"/>
       </p:par>
     </p:tnLst>
   </p:timing>
@@ -12629,7 +12629,7 @@
   <p:timing>
     <p:tnLst>
       <p:par>
-        <p:cTn xmlns:p14="http://schemas.microsoft.com/office/powerpoint/2010/main" id="1" dur="indefinite" restart="never" nodeType="tmRoot"/>
+        <p:cTn id="1" dur="indefinite" restart="never" nodeType="tmRoot"/>
       </p:par>
     </p:tnLst>
   </p:timing>
@@ -13657,7 +13657,7 @@
   <p:timing>
     <p:tnLst>
       <p:par>
-        <p:cTn xmlns:p14="http://schemas.microsoft.com/office/powerpoint/2010/main" id="1" dur="indefinite" restart="never" nodeType="tmRoot"/>
+        <p:cTn id="1" dur="indefinite" restart="never" nodeType="tmRoot"/>
       </p:par>
     </p:tnLst>
   </p:timing>
@@ -14429,7 +14429,7 @@
   <p:timing>
     <p:tnLst>
       <p:par>
-        <p:cTn xmlns:p14="http://schemas.microsoft.com/office/powerpoint/2010/main" id="1" dur="indefinite" restart="never" nodeType="tmRoot"/>
+        <p:cTn id="1" dur="indefinite" restart="never" nodeType="tmRoot"/>
       </p:par>
     </p:tnLst>
   </p:timing>
@@ -14807,7 +14807,7 @@
   <p:timing>
     <p:tnLst>
       <p:par>
-        <p:cTn xmlns:p14="http://schemas.microsoft.com/office/powerpoint/2010/main" id="1" dur="indefinite" restart="never" nodeType="tmRoot"/>
+        <p:cTn id="1" dur="indefinite" restart="never" nodeType="tmRoot"/>
       </p:par>
     </p:tnLst>
   </p:timing>
@@ -15270,7 +15270,7 @@
   <p:timing>
     <p:tnLst>
       <p:par>
-        <p:cTn xmlns:p14="http://schemas.microsoft.com/office/powerpoint/2010/main" id="1" dur="indefinite" restart="never" nodeType="tmRoot"/>
+        <p:cTn id="1" dur="indefinite" restart="never" nodeType="tmRoot"/>
       </p:par>
     </p:tnLst>
   </p:timing>
@@ -16241,7 +16241,7 @@
   <p:timing>
     <p:tnLst>
       <p:par>
-        <p:cTn xmlns:p14="http://schemas.microsoft.com/office/powerpoint/2010/main" id="1" dur="indefinite" restart="never" nodeType="tmRoot"/>
+        <p:cTn id="1" dur="indefinite" restart="never" nodeType="tmRoot"/>
       </p:par>
     </p:tnLst>
   </p:timing>
@@ -16844,7 +16844,7 @@
   <p:timing>
     <p:tnLst>
       <p:par>
-        <p:cTn xmlns:p14="http://schemas.microsoft.com/office/powerpoint/2010/main" id="1" dur="indefinite" restart="never" nodeType="tmRoot"/>
+        <p:cTn id="1" dur="indefinite" restart="never" nodeType="tmRoot"/>
       </p:par>
     </p:tnLst>
   </p:timing>
@@ -17961,7 +17961,7 @@
   <p:timing>
     <p:tnLst>
       <p:par>
-        <p:cTn xmlns:p14="http://schemas.microsoft.com/office/powerpoint/2010/main" id="1" dur="indefinite" restart="never" nodeType="tmRoot"/>
+        <p:cTn id="1" dur="indefinite" restart="never" nodeType="tmRoot"/>
       </p:par>
     </p:tnLst>
   </p:timing>
@@ -18957,7 +18957,7 @@
   <p:timing>
     <p:tnLst>
       <p:par>
-        <p:cTn xmlns:p14="http://schemas.microsoft.com/office/powerpoint/2010/main" id="1" dur="indefinite" restart="never" nodeType="tmRoot"/>
+        <p:cTn id="1" dur="indefinite" restart="never" nodeType="tmRoot"/>
       </p:par>
     </p:tnLst>
   </p:timing>
@@ -19503,7 +19503,7 @@
                 <a:cs typeface="Courier"/>
                 <a:sym typeface="Courier New"/>
               </a:rPr>
-              <a:t>print(</a:t>
+              <a:t>print(list(</a:t>
             </a:r>
             <a:r>
               <a:rPr lang="en-US" sz="2500" i="0" u="none" strike="noStrike" cap="none" dirty="0" err="1" smtClean="0">
@@ -19540,6 +19540,18 @@
                 <a:sym typeface="Courier New"/>
               </a:rPr>
               <a:t>()</a:t>
+            </a:r>
+            <a:r>
+              <a:rPr lang="en-US" sz="2500" i="0" u="none" strike="noStrike" cap="none" dirty="0" smtClean="0">
+                <a:solidFill>
+                  <a:srgbClr val="FFFF00"/>
+                </a:solidFill>
+                <a:latin typeface="Courier"/>
+                <a:ea typeface="Courier"/>
+                <a:cs typeface="Courier"/>
+                <a:sym typeface="Courier New"/>
+              </a:rPr>
+              <a:t>)</a:t>
             </a:r>
             <a:r>
               <a:rPr lang="en-US" sz="2500" dirty="0" smtClean="0">
@@ -19683,7 +19695,7 @@
                 <a:cs typeface="Courier"/>
                 <a:sym typeface="Courier New"/>
               </a:rPr>
-              <a:t>print(</a:t>
+              <a:t>print(list(</a:t>
             </a:r>
             <a:r>
               <a:rPr lang="en-US" sz="2500" i="0" u="none" strike="noStrike" cap="none" dirty="0" err="1" smtClean="0">
@@ -19719,7 +19731,7 @@
                 <a:cs typeface="Courier"/>
                 <a:sym typeface="Courier New"/>
               </a:rPr>
-              <a:t>()</a:t>
+              <a:t>())</a:t>
             </a:r>
             <a:r>
               <a:rPr lang="en-US" sz="2500" dirty="0" smtClean="0">
@@ -19815,7 +19827,7 @@
                 <a:cs typeface="Courier"/>
                 <a:sym typeface="Courier New"/>
               </a:rPr>
-              <a:t>print(</a:t>
+              <a:t>print(list(</a:t>
             </a:r>
             <a:r>
               <a:rPr lang="en-US" sz="2500" i="0" u="none" strike="noStrike" cap="none" dirty="0" err="1" smtClean="0">
@@ -19863,7 +19875,7 @@
                 <a:cs typeface="Courier"/>
                 <a:sym typeface="Courier New"/>
               </a:rPr>
-              <a:t>)</a:t>
+              <a:t>))</a:t>
             </a:r>
             <a:endParaRPr lang="en-US" sz="2500" i="0" u="none" strike="noStrike" cap="none" dirty="0" smtClean="0">
               <a:solidFill>
@@ -20126,7 +20138,7 @@
   <p:timing>
     <p:tnLst>
       <p:par>
-        <p:cTn xmlns:p14="http://schemas.microsoft.com/office/powerpoint/2010/main" id="1" dur="indefinite" restart="never" nodeType="tmRoot"/>
+        <p:cTn id="1" dur="indefinite" restart="never" nodeType="tmRoot"/>
       </p:par>
     </p:tnLst>
   </p:timing>
@@ -21487,7 +21499,7 @@
   <p:timing>
     <p:tnLst>
       <p:par>
-        <p:cTn xmlns:p14="http://schemas.microsoft.com/office/powerpoint/2010/main" id="1" dur="indefinite" restart="never" nodeType="tmRoot"/>
+        <p:cTn id="1" dur="indefinite" restart="never" nodeType="tmRoot"/>
       </p:par>
     </p:tnLst>
   </p:timing>
@@ -22900,7 +22912,7 @@
   <p:timing>
     <p:tnLst>
       <p:par>
-        <p:cTn xmlns:p14="http://schemas.microsoft.com/office/powerpoint/2010/main" id="1" dur="indefinite" restart="never" nodeType="tmRoot"/>
+        <p:cTn id="1" dur="indefinite" restart="never" nodeType="tmRoot"/>
       </p:par>
     </p:tnLst>
   </p:timing>
@@ -23016,7 +23028,7 @@
   <p:timing>
     <p:tnLst>
       <p:par>
-        <p:cTn xmlns:p14="http://schemas.microsoft.com/office/powerpoint/2010/main" id="1" dur="indefinite" restart="never" nodeType="tmRoot"/>
+        <p:cTn id="1" dur="indefinite" restart="never" nodeType="tmRoot"/>
       </p:par>
     </p:tnLst>
   </p:timing>
@@ -23541,7 +23553,7 @@
   <p:timing>
     <p:tnLst>
       <p:par>
-        <p:cTn xmlns:p14="http://schemas.microsoft.com/office/powerpoint/2010/main" id="1" dur="indefinite" restart="never" nodeType="tmRoot"/>
+        <p:cTn id="1" dur="indefinite" restart="never" nodeType="tmRoot"/>
       </p:par>
     </p:tnLst>
   </p:timing>
@@ -23845,7 +23857,7 @@
   <p:timing>
     <p:tnLst>
       <p:par>
-        <p:cTn xmlns:p14="http://schemas.microsoft.com/office/powerpoint/2010/main" id="1" dur="indefinite" restart="never" nodeType="tmRoot"/>
+        <p:cTn id="1" dur="indefinite" restart="never" nodeType="tmRoot"/>
       </p:par>
     </p:tnLst>
   </p:timing>
@@ -24319,7 +24331,7 @@
   <p:timing>
     <p:tnLst>
       <p:par>
-        <p:cTn xmlns:p14="http://schemas.microsoft.com/office/powerpoint/2010/main" id="1" dur="indefinite" restart="never" nodeType="tmRoot"/>
+        <p:cTn id="1" dur="indefinite" restart="never" nodeType="tmRoot"/>
       </p:par>
     </p:tnLst>
   </p:timing>
@@ -24819,7 +24831,7 @@
   <p:timing>
     <p:tnLst>
       <p:par>
-        <p:cTn xmlns:p14="http://schemas.microsoft.com/office/powerpoint/2010/main" id="1" dur="indefinite" restart="never" nodeType="tmRoot"/>
+        <p:cTn id="1" dur="indefinite" restart="never" nodeType="tmRoot"/>
       </p:par>
     </p:tnLst>
   </p:timing>
@@ -25160,7 +25172,7 @@
   <p:timing>
     <p:tnLst>
       <p:par>
-        <p:cTn xmlns:p14="http://schemas.microsoft.com/office/powerpoint/2010/main" id="1" dur="indefinite" restart="never" nodeType="tmRoot"/>
+        <p:cTn id="1" dur="indefinite" restart="never" nodeType="tmRoot"/>
       </p:par>
     </p:tnLst>
   </p:timing>
@@ -26252,7 +26264,7 @@
   <p:timing>
     <p:tnLst>
       <p:par>
-        <p:cTn xmlns:p14="http://schemas.microsoft.com/office/powerpoint/2010/main" id="1" dur="indefinite" restart="never" nodeType="tmRoot"/>
+        <p:cTn id="1" dur="indefinite" restart="never" nodeType="tmRoot"/>
       </p:par>
     </p:tnLst>
   </p:timing>
@@ -27888,7 +27900,7 @@
   <p:timing>
     <p:tnLst>
       <p:par>
-        <p:cTn xmlns:p14="http://schemas.microsoft.com/office/powerpoint/2010/main" id="1" dur="indefinite" restart="never" nodeType="tmRoot"/>
+        <p:cTn id="1" dur="indefinite" restart="never" nodeType="tmRoot"/>
       </p:par>
     </p:tnLst>
   </p:timing>
@@ -30260,7 +30272,7 @@
   <p:timing>
     <p:tnLst>
       <p:par>
-        <p:cTn xmlns:p14="http://schemas.microsoft.com/office/powerpoint/2010/main" id="1" dur="indefinite" restart="never" nodeType="tmRoot"/>
+        <p:cTn id="1" dur="indefinite" restart="never" nodeType="tmRoot"/>
       </p:par>
     </p:tnLst>
   </p:timing>

--- a/lectures3/Pythonlearn-09-Dictionaries.pptx
+++ b/lectures3/Pythonlearn-09-Dictionaries.pptx
@@ -12,31 +12,31 @@
     <p:sldId id="257" r:id="rId3"/>
     <p:sldId id="258" r:id="rId4"/>
     <p:sldId id="259" r:id="rId5"/>
-    <p:sldId id="260" r:id="rId6"/>
-    <p:sldId id="261" r:id="rId7"/>
-    <p:sldId id="262" r:id="rId8"/>
-    <p:sldId id="263" r:id="rId9"/>
-    <p:sldId id="264" r:id="rId10"/>
-    <p:sldId id="265" r:id="rId11"/>
-    <p:sldId id="268" r:id="rId12"/>
-    <p:sldId id="269" r:id="rId13"/>
-    <p:sldId id="270" r:id="rId14"/>
-    <p:sldId id="271" r:id="rId15"/>
-    <p:sldId id="272" r:id="rId16"/>
-    <p:sldId id="273" r:id="rId17"/>
-    <p:sldId id="274" r:id="rId18"/>
-    <p:sldId id="275" r:id="rId19"/>
-    <p:sldId id="276" r:id="rId20"/>
-    <p:sldId id="289" r:id="rId21"/>
-    <p:sldId id="277" r:id="rId22"/>
-    <p:sldId id="279" r:id="rId23"/>
-    <p:sldId id="280" r:id="rId24"/>
-    <p:sldId id="281" r:id="rId25"/>
-    <p:sldId id="282" r:id="rId26"/>
-    <p:sldId id="283" r:id="rId27"/>
-    <p:sldId id="284" r:id="rId28"/>
-    <p:sldId id="288" r:id="rId29"/>
-    <p:sldId id="286" r:id="rId30"/>
+    <p:sldId id="261" r:id="rId6"/>
+    <p:sldId id="291" r:id="rId7"/>
+    <p:sldId id="292" r:id="rId8"/>
+    <p:sldId id="262" r:id="rId9"/>
+    <p:sldId id="263" r:id="rId10"/>
+    <p:sldId id="264" r:id="rId11"/>
+    <p:sldId id="265" r:id="rId12"/>
+    <p:sldId id="268" r:id="rId13"/>
+    <p:sldId id="269" r:id="rId14"/>
+    <p:sldId id="270" r:id="rId15"/>
+    <p:sldId id="271" r:id="rId16"/>
+    <p:sldId id="272" r:id="rId17"/>
+    <p:sldId id="273" r:id="rId18"/>
+    <p:sldId id="274" r:id="rId19"/>
+    <p:sldId id="275" r:id="rId20"/>
+    <p:sldId id="276" r:id="rId21"/>
+    <p:sldId id="289" r:id="rId22"/>
+    <p:sldId id="277" r:id="rId23"/>
+    <p:sldId id="279" r:id="rId24"/>
+    <p:sldId id="280" r:id="rId25"/>
+    <p:sldId id="281" r:id="rId26"/>
+    <p:sldId id="282" r:id="rId27"/>
+    <p:sldId id="283" r:id="rId28"/>
+    <p:sldId id="284" r:id="rId29"/>
+    <p:sldId id="288" r:id="rId30"/>
     <p:sldId id="290" r:id="rId31"/>
     <p:sldId id="287" r:id="rId32"/>
   </p:sldIdLst>
@@ -646,112 +646,6 @@
   <p:cSld>
     <p:spTree>
       <p:nvGrpSpPr>
-        <p:cNvPr id="1" name="Shape 291"/>
-        <p:cNvGrpSpPr/>
-        <p:nvPr/>
-      </p:nvGrpSpPr>
-      <p:grpSpPr>
-        <a:xfrm>
-          <a:off x="0" y="0"/>
-          <a:ext cx="0" cy="0"/>
-          <a:chOff x="0" y="0"/>
-          <a:chExt cx="0" cy="0"/>
-        </a:xfrm>
-      </p:grpSpPr>
-      <p:sp>
-        <p:nvSpPr>
-          <p:cNvPr id="292" name="Shape 292"/>
-          <p:cNvSpPr txBox="1">
-            <a:spLocks noGrp="1"/>
-          </p:cNvSpPr>
-          <p:nvPr>
-            <p:ph type="body" idx="1"/>
-          </p:nvPr>
-        </p:nvSpPr>
-        <p:spPr>
-          <a:xfrm>
-            <a:off x="685800" y="4343400"/>
-            <a:ext cx="5486399" cy="4114800"/>
-          </a:xfrm>
-          <a:prstGeom prst="rect">
-            <a:avLst/>
-          </a:prstGeom>
-        </p:spPr>
-        <p:txBody>
-          <a:bodyPr lIns="91425" tIns="91425" rIns="91425" bIns="91425" anchor="ctr" anchorCtr="0">
-            <a:noAutofit/>
-          </a:bodyPr>
-          <a:lstStyle/>
-          <a:p>
-            <a:pPr lvl="0">
-              <a:spcBef>
-                <a:spcPts val="0"/>
-              </a:spcBef>
-              <a:buNone/>
-            </a:pPr>
-            <a:endParaRPr/>
-          </a:p>
-        </p:txBody>
-      </p:sp>
-      <p:sp>
-        <p:nvSpPr>
-          <p:cNvPr id="293" name="Shape 293"/>
-          <p:cNvSpPr>
-            <a:spLocks noGrp="1" noRot="1" noChangeAspect="1"/>
-          </p:cNvSpPr>
-          <p:nvPr>
-            <p:ph type="sldImg" idx="2"/>
-          </p:nvPr>
-        </p:nvSpPr>
-        <p:spPr>
-          <a:xfrm>
-            <a:off x="381000" y="685800"/>
-            <a:ext cx="6096000" cy="3429000"/>
-          </a:xfrm>
-          <a:custGeom>
-            <a:avLst/>
-            <a:gdLst/>
-            <a:ahLst/>
-            <a:cxnLst/>
-            <a:rect l="0" t="0" r="0" b="0"/>
-            <a:pathLst>
-              <a:path w="120000" h="120000" extrusionOk="0">
-                <a:moveTo>
-                  <a:pt x="0" y="0"/>
-                </a:moveTo>
-                <a:lnTo>
-                  <a:pt x="120000" y="0"/>
-                </a:lnTo>
-                <a:lnTo>
-                  <a:pt x="120000" y="120000"/>
-                </a:lnTo>
-                <a:lnTo>
-                  <a:pt x="0" y="120000"/>
-                </a:lnTo>
-                <a:close/>
-              </a:path>
-            </a:pathLst>
-          </a:custGeom>
-        </p:spPr>
-      </p:sp>
-    </p:spTree>
-    <p:extLst>
-      <p:ext uri="{BB962C8B-B14F-4D97-AF65-F5344CB8AC3E}">
-        <p14:creationId xmlns:p14="http://schemas.microsoft.com/office/powerpoint/2010/main" val="604870852"/>
-      </p:ext>
-    </p:extLst>
-  </p:cSld>
-  <p:clrMapOvr>
-    <a:masterClrMapping/>
-  </p:clrMapOvr>
-</p:notes>
-</file>
-
-<file path=ppt/notesSlides/notesSlide11.xml><?xml version="1.0" encoding="utf-8"?>
-<p:notes xmlns:a="http://schemas.openxmlformats.org/drawingml/2006/main" xmlns:r="http://schemas.openxmlformats.org/officeDocument/2006/relationships" xmlns:p="http://schemas.openxmlformats.org/presentationml/2006/main" showMasterSp="0" showMasterPhAnim="0">
-  <p:cSld>
-    <p:spTree>
-      <p:nvGrpSpPr>
         <p:cNvPr id="1" name="Shape 322"/>
         <p:cNvGrpSpPr/>
         <p:nvPr/>
@@ -853,7 +747,7 @@
 </p:notes>
 </file>
 
-<file path=ppt/notesSlides/notesSlide12.xml><?xml version="1.0" encoding="utf-8"?>
+<file path=ppt/notesSlides/notesSlide11.xml><?xml version="1.0" encoding="utf-8"?>
 <p:notes xmlns:a="http://schemas.openxmlformats.org/drawingml/2006/main" xmlns:r="http://schemas.openxmlformats.org/officeDocument/2006/relationships" xmlns:p="http://schemas.openxmlformats.org/presentationml/2006/main" showMasterSp="0" showMasterPhAnim="0">
   <p:cSld>
     <p:spTree>
@@ -959,7 +853,7 @@
 </p:notes>
 </file>
 
-<file path=ppt/notesSlides/notesSlide13.xml><?xml version="1.0" encoding="utf-8"?>
+<file path=ppt/notesSlides/notesSlide12.xml><?xml version="1.0" encoding="utf-8"?>
 <p:notes xmlns:a="http://schemas.openxmlformats.org/drawingml/2006/main" xmlns:r="http://schemas.openxmlformats.org/officeDocument/2006/relationships" xmlns:p="http://schemas.openxmlformats.org/presentationml/2006/main" showMasterSp="0" showMasterPhAnim="0">
   <p:cSld>
     <p:spTree>
@@ -1065,7 +959,7 @@
 </p:notes>
 </file>
 
-<file path=ppt/notesSlides/notesSlide14.xml><?xml version="1.0" encoding="utf-8"?>
+<file path=ppt/notesSlides/notesSlide13.xml><?xml version="1.0" encoding="utf-8"?>
 <p:notes xmlns:a="http://schemas.openxmlformats.org/drawingml/2006/main" xmlns:r="http://schemas.openxmlformats.org/officeDocument/2006/relationships" xmlns:p="http://schemas.openxmlformats.org/presentationml/2006/main" showMasterSp="0" showMasterPhAnim="0">
   <p:cSld>
     <p:spTree>
@@ -1171,7 +1065,7 @@
 </p:notes>
 </file>
 
-<file path=ppt/notesSlides/notesSlide15.xml><?xml version="1.0" encoding="utf-8"?>
+<file path=ppt/notesSlides/notesSlide14.xml><?xml version="1.0" encoding="utf-8"?>
 <p:notes xmlns:a="http://schemas.openxmlformats.org/drawingml/2006/main" xmlns:r="http://schemas.openxmlformats.org/officeDocument/2006/relationships" xmlns:p="http://schemas.openxmlformats.org/presentationml/2006/main" showMasterSp="0" showMasterPhAnim="0">
   <p:cSld>
     <p:spTree>
@@ -1277,7 +1171,7 @@
 </p:notes>
 </file>
 
-<file path=ppt/notesSlides/notesSlide16.xml><?xml version="1.0" encoding="utf-8"?>
+<file path=ppt/notesSlides/notesSlide15.xml><?xml version="1.0" encoding="utf-8"?>
 <p:notes xmlns:a="http://schemas.openxmlformats.org/drawingml/2006/main" xmlns:r="http://schemas.openxmlformats.org/officeDocument/2006/relationships" xmlns:p="http://schemas.openxmlformats.org/presentationml/2006/main" showMasterSp="0" showMasterPhAnim="0">
   <p:cSld>
     <p:spTree>
@@ -1383,7 +1277,7 @@
 </p:notes>
 </file>
 
-<file path=ppt/notesSlides/notesSlide17.xml><?xml version="1.0" encoding="utf-8"?>
+<file path=ppt/notesSlides/notesSlide16.xml><?xml version="1.0" encoding="utf-8"?>
 <p:notes xmlns:a="http://schemas.openxmlformats.org/drawingml/2006/main" xmlns:r="http://schemas.openxmlformats.org/officeDocument/2006/relationships" xmlns:p="http://schemas.openxmlformats.org/presentationml/2006/main" showMasterSp="0" showMasterPhAnim="0">
   <p:cSld>
     <p:spTree>
@@ -1489,7 +1383,7 @@
 </p:notes>
 </file>
 
-<file path=ppt/notesSlides/notesSlide18.xml><?xml version="1.0" encoding="utf-8"?>
+<file path=ppt/notesSlides/notesSlide17.xml><?xml version="1.0" encoding="utf-8"?>
 <p:notes xmlns:a="http://schemas.openxmlformats.org/drawingml/2006/main" xmlns:r="http://schemas.openxmlformats.org/officeDocument/2006/relationships" xmlns:p="http://schemas.openxmlformats.org/presentationml/2006/main" showMasterSp="0" showMasterPhAnim="0">
   <p:cSld>
     <p:spTree>
@@ -1595,7 +1489,7 @@
 </p:notes>
 </file>
 
-<file path=ppt/notesSlides/notesSlide19.xml><?xml version="1.0" encoding="utf-8"?>
+<file path=ppt/notesSlides/notesSlide18.xml><?xml version="1.0" encoding="utf-8"?>
 <p:notes xmlns:a="http://schemas.openxmlformats.org/drawingml/2006/main" xmlns:r="http://schemas.openxmlformats.org/officeDocument/2006/relationships" xmlns:p="http://schemas.openxmlformats.org/presentationml/2006/main" showMasterSp="0" showMasterPhAnim="0">
   <p:cSld>
     <p:spTree>
@@ -1692,6 +1586,112 @@
     <p:extLst>
       <p:ext uri="{BB962C8B-B14F-4D97-AF65-F5344CB8AC3E}">
         <p14:creationId xmlns:p14="http://schemas.microsoft.com/office/powerpoint/2010/main" val="762488364"/>
+      </p:ext>
+    </p:extLst>
+  </p:cSld>
+  <p:clrMapOvr>
+    <a:masterClrMapping/>
+  </p:clrMapOvr>
+</p:notes>
+</file>
+
+<file path=ppt/notesSlides/notesSlide19.xml><?xml version="1.0" encoding="utf-8"?>
+<p:notes xmlns:a="http://schemas.openxmlformats.org/drawingml/2006/main" xmlns:r="http://schemas.openxmlformats.org/officeDocument/2006/relationships" xmlns:p="http://schemas.openxmlformats.org/presentationml/2006/main" showMasterSp="0" showMasterPhAnim="0">
+  <p:cSld>
+    <p:spTree>
+      <p:nvGrpSpPr>
+        <p:cNvPr id="1" name="Shape 417"/>
+        <p:cNvGrpSpPr/>
+        <p:nvPr/>
+      </p:nvGrpSpPr>
+      <p:grpSpPr>
+        <a:xfrm>
+          <a:off x="0" y="0"/>
+          <a:ext cx="0" cy="0"/>
+          <a:chOff x="0" y="0"/>
+          <a:chExt cx="0" cy="0"/>
+        </a:xfrm>
+      </p:grpSpPr>
+      <p:sp>
+        <p:nvSpPr>
+          <p:cNvPr id="418" name="Shape 418"/>
+          <p:cNvSpPr txBox="1">
+            <a:spLocks noGrp="1"/>
+          </p:cNvSpPr>
+          <p:nvPr>
+            <p:ph type="body" idx="1"/>
+          </p:nvPr>
+        </p:nvSpPr>
+        <p:spPr>
+          <a:xfrm>
+            <a:off x="685800" y="4343400"/>
+            <a:ext cx="5486399" cy="4114800"/>
+          </a:xfrm>
+          <a:prstGeom prst="rect">
+            <a:avLst/>
+          </a:prstGeom>
+        </p:spPr>
+        <p:txBody>
+          <a:bodyPr lIns="91425" tIns="91425" rIns="91425" bIns="91425" anchor="ctr" anchorCtr="0">
+            <a:noAutofit/>
+          </a:bodyPr>
+          <a:lstStyle/>
+          <a:p>
+            <a:pPr lvl="0">
+              <a:spcBef>
+                <a:spcPts val="0"/>
+              </a:spcBef>
+              <a:buNone/>
+            </a:pPr>
+            <a:endParaRPr/>
+          </a:p>
+        </p:txBody>
+      </p:sp>
+      <p:sp>
+        <p:nvSpPr>
+          <p:cNvPr id="419" name="Shape 419"/>
+          <p:cNvSpPr>
+            <a:spLocks noGrp="1" noRot="1" noChangeAspect="1"/>
+          </p:cNvSpPr>
+          <p:nvPr>
+            <p:ph type="sldImg" idx="2"/>
+          </p:nvPr>
+        </p:nvSpPr>
+        <p:spPr>
+          <a:xfrm>
+            <a:off x="381000" y="685800"/>
+            <a:ext cx="6096000" cy="3429000"/>
+          </a:xfrm>
+          <a:custGeom>
+            <a:avLst/>
+            <a:gdLst/>
+            <a:ahLst/>
+            <a:cxnLst/>
+            <a:rect l="0" t="0" r="0" b="0"/>
+            <a:pathLst>
+              <a:path w="120000" h="120000" extrusionOk="0">
+                <a:moveTo>
+                  <a:pt x="0" y="0"/>
+                </a:moveTo>
+                <a:lnTo>
+                  <a:pt x="120000" y="0"/>
+                </a:lnTo>
+                <a:lnTo>
+                  <a:pt x="120000" y="120000"/>
+                </a:lnTo>
+                <a:lnTo>
+                  <a:pt x="0" y="120000"/>
+                </a:lnTo>
+                <a:close/>
+              </a:path>
+            </a:pathLst>
+          </a:custGeom>
+        </p:spPr>
+      </p:sp>
+    </p:spTree>
+    <p:extLst>
+      <p:ext uri="{BB962C8B-B14F-4D97-AF65-F5344CB8AC3E}">
+        <p14:creationId xmlns:p14="http://schemas.microsoft.com/office/powerpoint/2010/main" val="1107012099"/>
       </p:ext>
     </p:extLst>
   </p:cSld>
@@ -1812,112 +1812,6 @@
   <p:cSld>
     <p:spTree>
       <p:nvGrpSpPr>
-        <p:cNvPr id="1" name="Shape 417"/>
-        <p:cNvGrpSpPr/>
-        <p:nvPr/>
-      </p:nvGrpSpPr>
-      <p:grpSpPr>
-        <a:xfrm>
-          <a:off x="0" y="0"/>
-          <a:ext cx="0" cy="0"/>
-          <a:chOff x="0" y="0"/>
-          <a:chExt cx="0" cy="0"/>
-        </a:xfrm>
-      </p:grpSpPr>
-      <p:sp>
-        <p:nvSpPr>
-          <p:cNvPr id="418" name="Shape 418"/>
-          <p:cNvSpPr txBox="1">
-            <a:spLocks noGrp="1"/>
-          </p:cNvSpPr>
-          <p:nvPr>
-            <p:ph type="body" idx="1"/>
-          </p:nvPr>
-        </p:nvSpPr>
-        <p:spPr>
-          <a:xfrm>
-            <a:off x="685800" y="4343400"/>
-            <a:ext cx="5486399" cy="4114800"/>
-          </a:xfrm>
-          <a:prstGeom prst="rect">
-            <a:avLst/>
-          </a:prstGeom>
-        </p:spPr>
-        <p:txBody>
-          <a:bodyPr lIns="91425" tIns="91425" rIns="91425" bIns="91425" anchor="ctr" anchorCtr="0">
-            <a:noAutofit/>
-          </a:bodyPr>
-          <a:lstStyle/>
-          <a:p>
-            <a:pPr lvl="0">
-              <a:spcBef>
-                <a:spcPts val="0"/>
-              </a:spcBef>
-              <a:buNone/>
-            </a:pPr>
-            <a:endParaRPr/>
-          </a:p>
-        </p:txBody>
-      </p:sp>
-      <p:sp>
-        <p:nvSpPr>
-          <p:cNvPr id="419" name="Shape 419"/>
-          <p:cNvSpPr>
-            <a:spLocks noGrp="1" noRot="1" noChangeAspect="1"/>
-          </p:cNvSpPr>
-          <p:nvPr>
-            <p:ph type="sldImg" idx="2"/>
-          </p:nvPr>
-        </p:nvSpPr>
-        <p:spPr>
-          <a:xfrm>
-            <a:off x="381000" y="685800"/>
-            <a:ext cx="6096000" cy="3429000"/>
-          </a:xfrm>
-          <a:custGeom>
-            <a:avLst/>
-            <a:gdLst/>
-            <a:ahLst/>
-            <a:cxnLst/>
-            <a:rect l="0" t="0" r="0" b="0"/>
-            <a:pathLst>
-              <a:path w="120000" h="120000" extrusionOk="0">
-                <a:moveTo>
-                  <a:pt x="0" y="0"/>
-                </a:moveTo>
-                <a:lnTo>
-                  <a:pt x="120000" y="0"/>
-                </a:lnTo>
-                <a:lnTo>
-                  <a:pt x="120000" y="120000"/>
-                </a:lnTo>
-                <a:lnTo>
-                  <a:pt x="0" y="120000"/>
-                </a:lnTo>
-                <a:close/>
-              </a:path>
-            </a:pathLst>
-          </a:custGeom>
-        </p:spPr>
-      </p:sp>
-    </p:spTree>
-    <p:extLst>
-      <p:ext uri="{BB962C8B-B14F-4D97-AF65-F5344CB8AC3E}">
-        <p14:creationId xmlns:p14="http://schemas.microsoft.com/office/powerpoint/2010/main" val="1107012099"/>
-      </p:ext>
-    </p:extLst>
-  </p:cSld>
-  <p:clrMapOvr>
-    <a:masterClrMapping/>
-  </p:clrMapOvr>
-</p:notes>
-</file>
-
-<file path=ppt/notesSlides/notesSlide21.xml><?xml version="1.0" encoding="utf-8"?>
-<p:notes xmlns:a="http://schemas.openxmlformats.org/drawingml/2006/main" xmlns:r="http://schemas.openxmlformats.org/officeDocument/2006/relationships" xmlns:p="http://schemas.openxmlformats.org/presentationml/2006/main" showMasterSp="0" showMasterPhAnim="0">
-  <p:cSld>
-    <p:spTree>
-      <p:nvGrpSpPr>
         <p:cNvPr id="1" name="Shape 430"/>
         <p:cNvGrpSpPr/>
         <p:nvPr/>
@@ -2019,7 +1913,7 @@
 </p:notes>
 </file>
 
-<file path=ppt/notesSlides/notesSlide22.xml><?xml version="1.0" encoding="utf-8"?>
+<file path=ppt/notesSlides/notesSlide21.xml><?xml version="1.0" encoding="utf-8"?>
 <p:notes xmlns:a="http://schemas.openxmlformats.org/drawingml/2006/main" xmlns:r="http://schemas.openxmlformats.org/officeDocument/2006/relationships" xmlns:p="http://schemas.openxmlformats.org/presentationml/2006/main" showMasterSp="0" showMasterPhAnim="0">
   <p:cSld>
     <p:spTree>
@@ -2125,7 +2019,7 @@
 </p:notes>
 </file>
 
-<file path=ppt/notesSlides/notesSlide23.xml><?xml version="1.0" encoding="utf-8"?>
+<file path=ppt/notesSlides/notesSlide22.xml><?xml version="1.0" encoding="utf-8"?>
 <p:notes xmlns:a="http://schemas.openxmlformats.org/drawingml/2006/main" xmlns:r="http://schemas.openxmlformats.org/officeDocument/2006/relationships" xmlns:p="http://schemas.openxmlformats.org/presentationml/2006/main" showMasterSp="0" showMasterPhAnim="0">
   <p:cSld>
     <p:spTree>
@@ -2231,7 +2125,7 @@
 </p:notes>
 </file>
 
-<file path=ppt/notesSlides/notesSlide24.xml><?xml version="1.0" encoding="utf-8"?>
+<file path=ppt/notesSlides/notesSlide23.xml><?xml version="1.0" encoding="utf-8"?>
 <p:notes xmlns:a="http://schemas.openxmlformats.org/drawingml/2006/main" xmlns:r="http://schemas.openxmlformats.org/officeDocument/2006/relationships" xmlns:p="http://schemas.openxmlformats.org/presentationml/2006/main" showMasterSp="0" showMasterPhAnim="0">
   <p:cSld>
     <p:spTree>
@@ -2337,7 +2231,7 @@
 </p:notes>
 </file>
 
-<file path=ppt/notesSlides/notesSlide25.xml><?xml version="1.0" encoding="utf-8"?>
+<file path=ppt/notesSlides/notesSlide24.xml><?xml version="1.0" encoding="utf-8"?>
 <p:notes xmlns:a="http://schemas.openxmlformats.org/drawingml/2006/main" xmlns:r="http://schemas.openxmlformats.org/officeDocument/2006/relationships" xmlns:p="http://schemas.openxmlformats.org/presentationml/2006/main" showMasterSp="0" showMasterPhAnim="0">
   <p:cSld>
     <p:spTree>
@@ -2443,7 +2337,7 @@
 </p:notes>
 </file>
 
-<file path=ppt/notesSlides/notesSlide26.xml><?xml version="1.0" encoding="utf-8"?>
+<file path=ppt/notesSlides/notesSlide25.xml><?xml version="1.0" encoding="utf-8"?>
 <p:notes xmlns:a="http://schemas.openxmlformats.org/drawingml/2006/main" xmlns:r="http://schemas.openxmlformats.org/officeDocument/2006/relationships" xmlns:p="http://schemas.openxmlformats.org/presentationml/2006/main" showMasterSp="0" showMasterPhAnim="0">
   <p:cSld>
     <p:spTree>
@@ -2549,7 +2443,7 @@
 </p:notes>
 </file>
 
-<file path=ppt/notesSlides/notesSlide27.xml><?xml version="1.0" encoding="utf-8"?>
+<file path=ppt/notesSlides/notesSlide26.xml><?xml version="1.0" encoding="utf-8"?>
 <p:notes xmlns:a="http://schemas.openxmlformats.org/drawingml/2006/main" xmlns:r="http://schemas.openxmlformats.org/officeDocument/2006/relationships" xmlns:p="http://schemas.openxmlformats.org/presentationml/2006/main" showMasterSp="0" showMasterPhAnim="0">
   <p:cSld>
     <p:spTree>
@@ -2655,113 +2549,7 @@
 </p:notes>
 </file>
 
-<file path=ppt/notesSlides/notesSlide28.xml><?xml version="1.0" encoding="utf-8"?>
-<p:notes xmlns:a="http://schemas.openxmlformats.org/drawingml/2006/main" xmlns:r="http://schemas.openxmlformats.org/officeDocument/2006/relationships" xmlns:p="http://schemas.openxmlformats.org/presentationml/2006/main" showMasterSp="0" showMasterPhAnim="0">
-  <p:cSld>
-    <p:spTree>
-      <p:nvGrpSpPr>
-        <p:cNvPr id="1" name="Shape 490"/>
-        <p:cNvGrpSpPr/>
-        <p:nvPr/>
-      </p:nvGrpSpPr>
-      <p:grpSpPr>
-        <a:xfrm>
-          <a:off x="0" y="0"/>
-          <a:ext cx="0" cy="0"/>
-          <a:chOff x="0" y="0"/>
-          <a:chExt cx="0" cy="0"/>
-        </a:xfrm>
-      </p:grpSpPr>
-      <p:sp>
-        <p:nvSpPr>
-          <p:cNvPr id="491" name="Shape 491"/>
-          <p:cNvSpPr txBox="1">
-            <a:spLocks noGrp="1"/>
-          </p:cNvSpPr>
-          <p:nvPr>
-            <p:ph type="body" idx="1"/>
-          </p:nvPr>
-        </p:nvSpPr>
-        <p:spPr>
-          <a:xfrm>
-            <a:off x="685800" y="4343400"/>
-            <a:ext cx="5486399" cy="4114800"/>
-          </a:xfrm>
-          <a:prstGeom prst="rect">
-            <a:avLst/>
-          </a:prstGeom>
-        </p:spPr>
-        <p:txBody>
-          <a:bodyPr lIns="91425" tIns="91425" rIns="91425" bIns="91425" anchor="ctr" anchorCtr="0">
-            <a:noAutofit/>
-          </a:bodyPr>
-          <a:lstStyle/>
-          <a:p>
-            <a:pPr lvl="0">
-              <a:spcBef>
-                <a:spcPts val="0"/>
-              </a:spcBef>
-              <a:buNone/>
-            </a:pPr>
-            <a:endParaRPr/>
-          </a:p>
-        </p:txBody>
-      </p:sp>
-      <p:sp>
-        <p:nvSpPr>
-          <p:cNvPr id="492" name="Shape 492"/>
-          <p:cNvSpPr>
-            <a:spLocks noGrp="1" noRot="1" noChangeAspect="1"/>
-          </p:cNvSpPr>
-          <p:nvPr>
-            <p:ph type="sldImg" idx="2"/>
-          </p:nvPr>
-        </p:nvSpPr>
-        <p:spPr>
-          <a:xfrm>
-            <a:off x="381000" y="685800"/>
-            <a:ext cx="6096000" cy="3429000"/>
-          </a:xfrm>
-          <a:custGeom>
-            <a:avLst/>
-            <a:gdLst/>
-            <a:ahLst/>
-            <a:cxnLst/>
-            <a:rect l="0" t="0" r="0" b="0"/>
-            <a:pathLst>
-              <a:path w="120000" h="120000" extrusionOk="0">
-                <a:moveTo>
-                  <a:pt x="0" y="0"/>
-                </a:moveTo>
-                <a:lnTo>
-                  <a:pt x="120000" y="0"/>
-                </a:lnTo>
-                <a:lnTo>
-                  <a:pt x="120000" y="120000"/>
-                </a:lnTo>
-                <a:lnTo>
-                  <a:pt x="0" y="120000"/>
-                </a:lnTo>
-                <a:close/>
-              </a:path>
-            </a:pathLst>
-          </a:custGeom>
-        </p:spPr>
-      </p:sp>
-    </p:spTree>
-    <p:extLst>
-      <p:ext uri="{BB962C8B-B14F-4D97-AF65-F5344CB8AC3E}">
-        <p14:creationId xmlns:p14="http://schemas.microsoft.com/office/powerpoint/2010/main" val="146767397"/>
-      </p:ext>
-    </p:extLst>
-  </p:cSld>
-  <p:clrMapOvr>
-    <a:masterClrMapping/>
-  </p:clrMapOvr>
-</p:notes>
-</file>
-
-<file path=ppt/notesSlides/notesSlide29.xml><?xml version="1.0" encoding="utf-8"?>
+<file path=ppt/notesSlides/notesSlide27.xml><?xml version="1.0" encoding="utf-8"?>
 <p:notes xmlns:a="http://schemas.openxmlformats.org/drawingml/2006/main" xmlns:r="http://schemas.openxmlformats.org/officeDocument/2006/relationships" xmlns:p="http://schemas.openxmlformats.org/presentationml/2006/main" showMasterSp="0" showMasterPhAnim="0">
   <p:cSld>
     <p:spTree>
@@ -2867,113 +2655,7 @@
 </p:notes>
 </file>
 
-<file path=ppt/notesSlides/notesSlide3.xml><?xml version="1.0" encoding="utf-8"?>
-<p:notes xmlns:a="http://schemas.openxmlformats.org/drawingml/2006/main" xmlns:r="http://schemas.openxmlformats.org/officeDocument/2006/relationships" xmlns:p="http://schemas.openxmlformats.org/presentationml/2006/main" showMasterSp="0" showMasterPhAnim="0">
-  <p:cSld>
-    <p:spTree>
-      <p:nvGrpSpPr>
-        <p:cNvPr id="1" name="Shape 215"/>
-        <p:cNvGrpSpPr/>
-        <p:nvPr/>
-      </p:nvGrpSpPr>
-      <p:grpSpPr>
-        <a:xfrm>
-          <a:off x="0" y="0"/>
-          <a:ext cx="0" cy="0"/>
-          <a:chOff x="0" y="0"/>
-          <a:chExt cx="0" cy="0"/>
-        </a:xfrm>
-      </p:grpSpPr>
-      <p:sp>
-        <p:nvSpPr>
-          <p:cNvPr id="216" name="Shape 216"/>
-          <p:cNvSpPr txBox="1">
-            <a:spLocks noGrp="1"/>
-          </p:cNvSpPr>
-          <p:nvPr>
-            <p:ph type="body" idx="1"/>
-          </p:nvPr>
-        </p:nvSpPr>
-        <p:spPr>
-          <a:xfrm>
-            <a:off x="685800" y="4343400"/>
-            <a:ext cx="5486399" cy="4114800"/>
-          </a:xfrm>
-          <a:prstGeom prst="rect">
-            <a:avLst/>
-          </a:prstGeom>
-        </p:spPr>
-        <p:txBody>
-          <a:bodyPr lIns="91425" tIns="91425" rIns="91425" bIns="91425" anchor="ctr" anchorCtr="0">
-            <a:noAutofit/>
-          </a:bodyPr>
-          <a:lstStyle/>
-          <a:p>
-            <a:pPr lvl="0">
-              <a:spcBef>
-                <a:spcPts val="0"/>
-              </a:spcBef>
-              <a:buNone/>
-            </a:pPr>
-            <a:endParaRPr/>
-          </a:p>
-        </p:txBody>
-      </p:sp>
-      <p:sp>
-        <p:nvSpPr>
-          <p:cNvPr id="217" name="Shape 217"/>
-          <p:cNvSpPr>
-            <a:spLocks noGrp="1" noRot="1" noChangeAspect="1"/>
-          </p:cNvSpPr>
-          <p:nvPr>
-            <p:ph type="sldImg" idx="2"/>
-          </p:nvPr>
-        </p:nvSpPr>
-        <p:spPr>
-          <a:xfrm>
-            <a:off x="381000" y="685800"/>
-            <a:ext cx="6096000" cy="3429000"/>
-          </a:xfrm>
-          <a:custGeom>
-            <a:avLst/>
-            <a:gdLst/>
-            <a:ahLst/>
-            <a:cxnLst/>
-            <a:rect l="0" t="0" r="0" b="0"/>
-            <a:pathLst>
-              <a:path w="120000" h="120000" extrusionOk="0">
-                <a:moveTo>
-                  <a:pt x="0" y="0"/>
-                </a:moveTo>
-                <a:lnTo>
-                  <a:pt x="120000" y="0"/>
-                </a:lnTo>
-                <a:lnTo>
-                  <a:pt x="120000" y="120000"/>
-                </a:lnTo>
-                <a:lnTo>
-                  <a:pt x="0" y="120000"/>
-                </a:lnTo>
-                <a:close/>
-              </a:path>
-            </a:pathLst>
-          </a:custGeom>
-        </p:spPr>
-      </p:sp>
-    </p:spTree>
-    <p:extLst>
-      <p:ext uri="{BB962C8B-B14F-4D97-AF65-F5344CB8AC3E}">
-        <p14:creationId xmlns:p14="http://schemas.microsoft.com/office/powerpoint/2010/main" val="1170866674"/>
-      </p:ext>
-    </p:extLst>
-  </p:cSld>
-  <p:clrMapOvr>
-    <a:masterClrMapping/>
-  </p:clrMapOvr>
-</p:notes>
-</file>
-
-<file path=ppt/notesSlides/notesSlide30.xml><?xml version="1.0" encoding="utf-8"?>
+<file path=ppt/notesSlides/notesSlide28.xml><?xml version="1.0" encoding="utf-8"?>
 <p:notes xmlns:a="http://schemas.openxmlformats.org/drawingml/2006/main" xmlns:r="http://schemas.openxmlformats.org/officeDocument/2006/relationships" xmlns:p="http://schemas.openxmlformats.org/presentationml/2006/main" showMasterSp="0" showMasterPhAnim="0">
   <p:cSld>
     <p:spTree>
@@ -3079,6 +2761,112 @@
 </p:notes>
 </file>
 
+<file path=ppt/notesSlides/notesSlide3.xml><?xml version="1.0" encoding="utf-8"?>
+<p:notes xmlns:a="http://schemas.openxmlformats.org/drawingml/2006/main" xmlns:r="http://schemas.openxmlformats.org/officeDocument/2006/relationships" xmlns:p="http://schemas.openxmlformats.org/presentationml/2006/main" showMasterSp="0" showMasterPhAnim="0">
+  <p:cSld>
+    <p:spTree>
+      <p:nvGrpSpPr>
+        <p:cNvPr id="1" name="Shape 215"/>
+        <p:cNvGrpSpPr/>
+        <p:nvPr/>
+      </p:nvGrpSpPr>
+      <p:grpSpPr>
+        <a:xfrm>
+          <a:off x="0" y="0"/>
+          <a:ext cx="0" cy="0"/>
+          <a:chOff x="0" y="0"/>
+          <a:chExt cx="0" cy="0"/>
+        </a:xfrm>
+      </p:grpSpPr>
+      <p:sp>
+        <p:nvSpPr>
+          <p:cNvPr id="216" name="Shape 216"/>
+          <p:cNvSpPr txBox="1">
+            <a:spLocks noGrp="1"/>
+          </p:cNvSpPr>
+          <p:nvPr>
+            <p:ph type="body" idx="1"/>
+          </p:nvPr>
+        </p:nvSpPr>
+        <p:spPr>
+          <a:xfrm>
+            <a:off x="685800" y="4343400"/>
+            <a:ext cx="5486399" cy="4114800"/>
+          </a:xfrm>
+          <a:prstGeom prst="rect">
+            <a:avLst/>
+          </a:prstGeom>
+        </p:spPr>
+        <p:txBody>
+          <a:bodyPr lIns="91425" tIns="91425" rIns="91425" bIns="91425" anchor="ctr" anchorCtr="0">
+            <a:noAutofit/>
+          </a:bodyPr>
+          <a:lstStyle/>
+          <a:p>
+            <a:pPr lvl="0">
+              <a:spcBef>
+                <a:spcPts val="0"/>
+              </a:spcBef>
+              <a:buNone/>
+            </a:pPr>
+            <a:endParaRPr/>
+          </a:p>
+        </p:txBody>
+      </p:sp>
+      <p:sp>
+        <p:nvSpPr>
+          <p:cNvPr id="217" name="Shape 217"/>
+          <p:cNvSpPr>
+            <a:spLocks noGrp="1" noRot="1" noChangeAspect="1"/>
+          </p:cNvSpPr>
+          <p:nvPr>
+            <p:ph type="sldImg" idx="2"/>
+          </p:nvPr>
+        </p:nvSpPr>
+        <p:spPr>
+          <a:xfrm>
+            <a:off x="381000" y="685800"/>
+            <a:ext cx="6096000" cy="3429000"/>
+          </a:xfrm>
+          <a:custGeom>
+            <a:avLst/>
+            <a:gdLst/>
+            <a:ahLst/>
+            <a:cxnLst/>
+            <a:rect l="0" t="0" r="0" b="0"/>
+            <a:pathLst>
+              <a:path w="120000" h="120000" extrusionOk="0">
+                <a:moveTo>
+                  <a:pt x="0" y="0"/>
+                </a:moveTo>
+                <a:lnTo>
+                  <a:pt x="120000" y="0"/>
+                </a:lnTo>
+                <a:lnTo>
+                  <a:pt x="120000" y="120000"/>
+                </a:lnTo>
+                <a:lnTo>
+                  <a:pt x="0" y="120000"/>
+                </a:lnTo>
+                <a:close/>
+              </a:path>
+            </a:pathLst>
+          </a:custGeom>
+        </p:spPr>
+      </p:sp>
+    </p:spTree>
+    <p:extLst>
+      <p:ext uri="{BB962C8B-B14F-4D97-AF65-F5344CB8AC3E}">
+        <p14:creationId xmlns:p14="http://schemas.microsoft.com/office/powerpoint/2010/main" val="1170866674"/>
+      </p:ext>
+    </p:extLst>
+  </p:cSld>
+  <p:clrMapOvr>
+    <a:masterClrMapping/>
+  </p:clrMapOvr>
+</p:notes>
+</file>
+
 <file path=ppt/notesSlides/notesSlide4.xml><?xml version="1.0" encoding="utf-8"?>
 <p:notes xmlns:a="http://schemas.openxmlformats.org/drawingml/2006/main" xmlns:r="http://schemas.openxmlformats.org/officeDocument/2006/relationships" xmlns:p="http://schemas.openxmlformats.org/presentationml/2006/main" showMasterSp="0" showMasterPhAnim="0">
   <p:cSld>
@@ -3127,7 +2915,7 @@
               </a:spcBef>
               <a:buNone/>
             </a:pPr>
-            <a:endParaRPr/>
+            <a:endParaRPr dirty="0"/>
           </a:p>
         </p:txBody>
       </p:sp>
@@ -3190,112 +2978,6 @@
   <p:cSld>
     <p:spTree>
       <p:nvGrpSpPr>
-        <p:cNvPr id="1" name="Shape 233"/>
-        <p:cNvGrpSpPr/>
-        <p:nvPr/>
-      </p:nvGrpSpPr>
-      <p:grpSpPr>
-        <a:xfrm>
-          <a:off x="0" y="0"/>
-          <a:ext cx="0" cy="0"/>
-          <a:chOff x="0" y="0"/>
-          <a:chExt cx="0" cy="0"/>
-        </a:xfrm>
-      </p:grpSpPr>
-      <p:sp>
-        <p:nvSpPr>
-          <p:cNvPr id="234" name="Shape 234"/>
-          <p:cNvSpPr txBox="1">
-            <a:spLocks noGrp="1"/>
-          </p:cNvSpPr>
-          <p:nvPr>
-            <p:ph type="body" idx="1"/>
-          </p:nvPr>
-        </p:nvSpPr>
-        <p:spPr>
-          <a:xfrm>
-            <a:off x="685800" y="4343400"/>
-            <a:ext cx="5486399" cy="4114800"/>
-          </a:xfrm>
-          <a:prstGeom prst="rect">
-            <a:avLst/>
-          </a:prstGeom>
-        </p:spPr>
-        <p:txBody>
-          <a:bodyPr lIns="91425" tIns="91425" rIns="91425" bIns="91425" anchor="ctr" anchorCtr="0">
-            <a:noAutofit/>
-          </a:bodyPr>
-          <a:lstStyle/>
-          <a:p>
-            <a:pPr lvl="0">
-              <a:spcBef>
-                <a:spcPts val="0"/>
-              </a:spcBef>
-              <a:buNone/>
-            </a:pPr>
-            <a:endParaRPr/>
-          </a:p>
-        </p:txBody>
-      </p:sp>
-      <p:sp>
-        <p:nvSpPr>
-          <p:cNvPr id="235" name="Shape 235"/>
-          <p:cNvSpPr>
-            <a:spLocks noGrp="1" noRot="1" noChangeAspect="1"/>
-          </p:cNvSpPr>
-          <p:nvPr>
-            <p:ph type="sldImg" idx="2"/>
-          </p:nvPr>
-        </p:nvSpPr>
-        <p:spPr>
-          <a:xfrm>
-            <a:off x="381000" y="685800"/>
-            <a:ext cx="6096000" cy="3429000"/>
-          </a:xfrm>
-          <a:custGeom>
-            <a:avLst/>
-            <a:gdLst/>
-            <a:ahLst/>
-            <a:cxnLst/>
-            <a:rect l="0" t="0" r="0" b="0"/>
-            <a:pathLst>
-              <a:path w="120000" h="120000" extrusionOk="0">
-                <a:moveTo>
-                  <a:pt x="0" y="0"/>
-                </a:moveTo>
-                <a:lnTo>
-                  <a:pt x="120000" y="0"/>
-                </a:lnTo>
-                <a:lnTo>
-                  <a:pt x="120000" y="120000"/>
-                </a:lnTo>
-                <a:lnTo>
-                  <a:pt x="0" y="120000"/>
-                </a:lnTo>
-                <a:close/>
-              </a:path>
-            </a:pathLst>
-          </a:custGeom>
-        </p:spPr>
-      </p:sp>
-    </p:spTree>
-    <p:extLst>
-      <p:ext uri="{BB962C8B-B14F-4D97-AF65-F5344CB8AC3E}">
-        <p14:creationId xmlns:p14="http://schemas.microsoft.com/office/powerpoint/2010/main" val="1092007662"/>
-      </p:ext>
-    </p:extLst>
-  </p:cSld>
-  <p:clrMapOvr>
-    <a:masterClrMapping/>
-  </p:clrMapOvr>
-</p:notes>
-</file>
-
-<file path=ppt/notesSlides/notesSlide6.xml><?xml version="1.0" encoding="utf-8"?>
-<p:notes xmlns:a="http://schemas.openxmlformats.org/drawingml/2006/main" xmlns:r="http://schemas.openxmlformats.org/officeDocument/2006/relationships" xmlns:p="http://schemas.openxmlformats.org/presentationml/2006/main" showMasterSp="0" showMasterPhAnim="0">
-  <p:cSld>
-    <p:spTree>
-      <p:nvGrpSpPr>
         <p:cNvPr id="1" name="Shape 246"/>
         <p:cNvGrpSpPr/>
         <p:nvPr/>
@@ -3397,7 +3079,7 @@
 </p:notes>
 </file>
 
-<file path=ppt/notesSlides/notesSlide7.xml><?xml version="1.0" encoding="utf-8"?>
+<file path=ppt/notesSlides/notesSlide6.xml><?xml version="1.0" encoding="utf-8"?>
 <p:notes xmlns:a="http://schemas.openxmlformats.org/drawingml/2006/main" xmlns:r="http://schemas.openxmlformats.org/officeDocument/2006/relationships" xmlns:p="http://schemas.openxmlformats.org/presentationml/2006/main" showMasterSp="0" showMasterPhAnim="0">
   <p:cSld>
     <p:spTree>
@@ -3503,7 +3185,7 @@
 </p:notes>
 </file>
 
-<file path=ppt/notesSlides/notesSlide8.xml><?xml version="1.0" encoding="utf-8"?>
+<file path=ppt/notesSlides/notesSlide7.xml><?xml version="1.0" encoding="utf-8"?>
 <p:notes xmlns:a="http://schemas.openxmlformats.org/drawingml/2006/main" xmlns:r="http://schemas.openxmlformats.org/officeDocument/2006/relationships" xmlns:p="http://schemas.openxmlformats.org/presentationml/2006/main" showMasterSp="0" showMasterPhAnim="0">
   <p:cSld>
     <p:spTree>
@@ -3609,7 +3291,7 @@
 </p:notes>
 </file>
 
-<file path=ppt/notesSlides/notesSlide9.xml><?xml version="1.0" encoding="utf-8"?>
+<file path=ppt/notesSlides/notesSlide8.xml><?xml version="1.0" encoding="utf-8"?>
 <p:notes xmlns:a="http://schemas.openxmlformats.org/drawingml/2006/main" xmlns:r="http://schemas.openxmlformats.org/officeDocument/2006/relationships" xmlns:p="http://schemas.openxmlformats.org/presentationml/2006/main" showMasterSp="0" showMasterPhAnim="0">
   <p:cSld>
     <p:spTree>
@@ -3715,6 +3397,112 @@
 </p:notes>
 </file>
 
+<file path=ppt/notesSlides/notesSlide9.xml><?xml version="1.0" encoding="utf-8"?>
+<p:notes xmlns:a="http://schemas.openxmlformats.org/drawingml/2006/main" xmlns:r="http://schemas.openxmlformats.org/officeDocument/2006/relationships" xmlns:p="http://schemas.openxmlformats.org/presentationml/2006/main" showMasterSp="0" showMasterPhAnim="0">
+  <p:cSld>
+    <p:spTree>
+      <p:nvGrpSpPr>
+        <p:cNvPr id="1" name="Shape 291"/>
+        <p:cNvGrpSpPr/>
+        <p:nvPr/>
+      </p:nvGrpSpPr>
+      <p:grpSpPr>
+        <a:xfrm>
+          <a:off x="0" y="0"/>
+          <a:ext cx="0" cy="0"/>
+          <a:chOff x="0" y="0"/>
+          <a:chExt cx="0" cy="0"/>
+        </a:xfrm>
+      </p:grpSpPr>
+      <p:sp>
+        <p:nvSpPr>
+          <p:cNvPr id="292" name="Shape 292"/>
+          <p:cNvSpPr txBox="1">
+            <a:spLocks noGrp="1"/>
+          </p:cNvSpPr>
+          <p:nvPr>
+            <p:ph type="body" idx="1"/>
+          </p:nvPr>
+        </p:nvSpPr>
+        <p:spPr>
+          <a:xfrm>
+            <a:off x="685800" y="4343400"/>
+            <a:ext cx="5486399" cy="4114800"/>
+          </a:xfrm>
+          <a:prstGeom prst="rect">
+            <a:avLst/>
+          </a:prstGeom>
+        </p:spPr>
+        <p:txBody>
+          <a:bodyPr lIns="91425" tIns="91425" rIns="91425" bIns="91425" anchor="ctr" anchorCtr="0">
+            <a:noAutofit/>
+          </a:bodyPr>
+          <a:lstStyle/>
+          <a:p>
+            <a:pPr lvl="0">
+              <a:spcBef>
+                <a:spcPts val="0"/>
+              </a:spcBef>
+              <a:buNone/>
+            </a:pPr>
+            <a:endParaRPr/>
+          </a:p>
+        </p:txBody>
+      </p:sp>
+      <p:sp>
+        <p:nvSpPr>
+          <p:cNvPr id="293" name="Shape 293"/>
+          <p:cNvSpPr>
+            <a:spLocks noGrp="1" noRot="1" noChangeAspect="1"/>
+          </p:cNvSpPr>
+          <p:nvPr>
+            <p:ph type="sldImg" idx="2"/>
+          </p:nvPr>
+        </p:nvSpPr>
+        <p:spPr>
+          <a:xfrm>
+            <a:off x="381000" y="685800"/>
+            <a:ext cx="6096000" cy="3429000"/>
+          </a:xfrm>
+          <a:custGeom>
+            <a:avLst/>
+            <a:gdLst/>
+            <a:ahLst/>
+            <a:cxnLst/>
+            <a:rect l="0" t="0" r="0" b="0"/>
+            <a:pathLst>
+              <a:path w="120000" h="120000" extrusionOk="0">
+                <a:moveTo>
+                  <a:pt x="0" y="0"/>
+                </a:moveTo>
+                <a:lnTo>
+                  <a:pt x="120000" y="0"/>
+                </a:lnTo>
+                <a:lnTo>
+                  <a:pt x="120000" y="120000"/>
+                </a:lnTo>
+                <a:lnTo>
+                  <a:pt x="0" y="120000"/>
+                </a:lnTo>
+                <a:close/>
+              </a:path>
+            </a:pathLst>
+          </a:custGeom>
+        </p:spPr>
+      </p:sp>
+    </p:spTree>
+    <p:extLst>
+      <p:ext uri="{BB962C8B-B14F-4D97-AF65-F5344CB8AC3E}">
+        <p14:creationId xmlns:p14="http://schemas.microsoft.com/office/powerpoint/2010/main" val="604870852"/>
+      </p:ext>
+    </p:extLst>
+  </p:cSld>
+  <p:clrMapOvr>
+    <a:masterClrMapping/>
+  </p:clrMapOvr>
+</p:notes>
+</file>
+
 <file path=ppt/slideLayouts/slideLayout1.xml><?xml version="1.0" encoding="utf-8"?>
 <p:sldLayout xmlns:a="http://schemas.openxmlformats.org/drawingml/2006/main" xmlns:r="http://schemas.openxmlformats.org/officeDocument/2006/relationships" xmlns:p="http://schemas.openxmlformats.org/presentationml/2006/main" type="obj" preserve="1">
   <p:cSld name="Title Open">
@@ -3841,7 +3629,7 @@
             </a:lvl9pPr>
           </a:lstStyle>
           <a:p>
-            <a:endParaRPr/>
+            <a:endParaRPr dirty="0"/>
           </a:p>
         </p:txBody>
       </p:sp>
@@ -3878,7 +3666,11 @@
               <a:spcAft>
                 <a:spcPts val="0"/>
               </a:spcAft>
-              <a:defRPr/>
+              <a:defRPr sz="4000">
+                <a:solidFill>
+                  <a:schemeClr val="bg1"/>
+                </a:solidFill>
+              </a:defRPr>
             </a:lvl1pPr>
             <a:lvl2pPr marL="742950" lvl="1" indent="-285750" algn="ctr" rtl="0">
               <a:spcBef>
@@ -3954,7 +3746,7 @@
             </a:lvl9pPr>
           </a:lstStyle>
           <a:p>
-            <a:endParaRPr/>
+            <a:endParaRPr dirty="0"/>
           </a:p>
         </p:txBody>
       </p:sp>
@@ -4097,7 +3889,7 @@
             </a:lvl9pPr>
           </a:lstStyle>
           <a:p>
-            <a:endParaRPr/>
+            <a:endParaRPr dirty="0"/>
           </a:p>
         </p:txBody>
       </p:sp>
@@ -4108,7 +3900,7 @@
             <a:spLocks noGrp="1"/>
           </p:cNvSpPr>
           <p:nvPr>
-            <p:ph type="body" idx="1"/>
+            <p:ph type="body" idx="1" hasCustomPrompt="1"/>
           </p:nvPr>
         </p:nvSpPr>
         <p:spPr>
@@ -4127,7 +3919,7 @@
         <p:txBody>
           <a:bodyPr lIns="91425" tIns="91425" rIns="91425" bIns="91425" anchor="t" anchorCtr="0"/>
           <a:lstStyle>
-            <a:lvl1pPr marL="647700" lvl="0" indent="-165861" algn="l" rtl="0">
+            <a:lvl1pPr marL="749808" lvl="0" indent="-374904" algn="l" rtl="0">
               <a:spcBef>
                 <a:spcPts val="3500"/>
               </a:spcBef>
@@ -4137,9 +3929,13 @@
               <a:buClr>
                 <a:schemeClr val="lt1"/>
               </a:buClr>
-              <a:buFont typeface="Cabin"/>
+              <a:buFont typeface="Arial" panose="020B0604020202020204" pitchFamily="34" charset="0"/>
               <a:buChar char="•"/>
-              <a:defRPr sz="3200"/>
+              <a:defRPr sz="3600">
+                <a:solidFill>
+                  <a:schemeClr val="bg1"/>
+                </a:solidFill>
+              </a:defRPr>
             </a:lvl1pPr>
             <a:lvl2pPr marL="939800" lvl="1" indent="-165861" algn="l" rtl="0">
               <a:spcBef>
@@ -4255,6 +4051,10 @@
             </a:lvl9pPr>
           </a:lstStyle>
           <a:p>
+            <a:r>
+              <a:rPr lang="en-US" dirty="0"/>
+              <a:t>Enter</a:t>
+            </a:r>
             <a:endParaRPr dirty="0"/>
           </a:p>
         </p:txBody>
@@ -4398,7 +4198,7 @@
             </a:lvl9pPr>
           </a:lstStyle>
           <a:p>
-            <a:endParaRPr/>
+            <a:endParaRPr dirty="0"/>
           </a:p>
         </p:txBody>
       </p:sp>
@@ -4579,7 +4379,11 @@
             </a:lvl9pPr>
           </a:lstStyle>
           <a:p>
-            <a:endParaRPr/>
+            <a:r>
+              <a:rPr lang="en-US" dirty="0"/>
+              <a:t>Title</a:t>
+            </a:r>
+            <a:endParaRPr dirty="0"/>
           </a:p>
         </p:txBody>
       </p:sp>
@@ -4692,7 +4496,11 @@
             </a:lvl9pPr>
           </a:lstStyle>
           <a:p>
-            <a:endParaRPr/>
+            <a:r>
+              <a:rPr lang="en-US" dirty="0" err="1"/>
+              <a:t>dsdssdsdds</a:t>
+            </a:r>
+            <a:endParaRPr dirty="0"/>
           </a:p>
         </p:txBody>
       </p:sp>
@@ -5033,9 +4841,9 @@
           <a:spcPts val="0"/>
         </a:spcAft>
         <a:buNone/>
-        <a:defRPr sz="1400" b="0" i="0" u="none" strike="noStrike" cap="none">
+        <a:defRPr sz="7600" b="0" i="0" u="none" strike="noStrike" cap="none">
           <a:solidFill>
-            <a:srgbClr val="000000"/>
+            <a:srgbClr val="FFD966"/>
           </a:solidFill>
           <a:latin typeface="Arial"/>
           <a:ea typeface="Arial"/>
@@ -5067,9 +4875,9 @@
           <a:spcPts val="0"/>
         </a:spcAft>
         <a:buNone/>
-        <a:defRPr sz="1400" b="0" i="0" u="none" strike="noStrike" cap="none">
+        <a:defRPr sz="3600" b="0" i="0" u="none" strike="noStrike" cap="none">
           <a:solidFill>
-            <a:srgbClr val="000000"/>
+            <a:schemeClr val="bg1"/>
           </a:solidFill>
           <a:latin typeface="Arial"/>
           <a:ea typeface="Arial"/>
@@ -5750,6 +5558,2383 @@
   <p:cSld>
     <p:spTree>
       <p:nvGrpSpPr>
+        <p:cNvPr id="1" name="Shape 272"/>
+        <p:cNvGrpSpPr/>
+        <p:nvPr/>
+      </p:nvGrpSpPr>
+      <p:grpSpPr>
+        <a:xfrm>
+          <a:off x="0" y="0"/>
+          <a:ext cx="0" cy="0"/>
+          <a:chOff x="0" y="0"/>
+          <a:chExt cx="0" cy="0"/>
+        </a:xfrm>
+      </p:grpSpPr>
+      <p:sp>
+        <p:nvSpPr>
+          <p:cNvPr id="273" name="Shape 273"/>
+          <p:cNvSpPr txBox="1"/>
+          <p:nvPr/>
+        </p:nvSpPr>
+        <p:spPr>
+          <a:xfrm>
+            <a:off x="1586675" y="779399"/>
+            <a:ext cx="5690999" cy="3592576"/>
+          </a:xfrm>
+          <a:prstGeom prst="rect">
+            <a:avLst/>
+          </a:prstGeom>
+          <a:noFill/>
+          <a:ln>
+            <a:noFill/>
+          </a:ln>
+        </p:spPr>
+        <p:txBody>
+          <a:bodyPr lIns="0" tIns="0" rIns="0" bIns="0" anchor="ctr" anchorCtr="0">
+            <a:noAutofit/>
+          </a:bodyPr>
+          <a:lstStyle/>
+          <a:p>
+            <a:pPr marL="0" marR="0" lvl="0" indent="0" algn="l" rtl="0">
+              <a:lnSpc>
+                <a:spcPct val="100000"/>
+              </a:lnSpc>
+              <a:spcBef>
+                <a:spcPts val="0"/>
+              </a:spcBef>
+              <a:spcAft>
+                <a:spcPts val="0"/>
+              </a:spcAft>
+              <a:buClr>
+                <a:srgbClr val="00FF00"/>
+              </a:buClr>
+              <a:buSzPct val="25000"/>
+              <a:buFont typeface="Cabin"/>
+              <a:buNone/>
+            </a:pPr>
+            <a:r>
+              <a:rPr lang="en-US" sz="2800" b="1" i="0" u="none" strike="noStrike" cap="none" dirty="0">
+                <a:solidFill>
+                  <a:srgbClr val="00FF00"/>
+                </a:solidFill>
+                <a:latin typeface="Courier"/>
+                <a:ea typeface="Courier"/>
+                <a:cs typeface="Courier"/>
+                <a:sym typeface="Courier New"/>
+              </a:rPr>
+              <a:t>&gt;&gt;&gt; </a:t>
+            </a:r>
+            <a:r>
+              <a:rPr lang="en-US" sz="2800" b="1" i="0" u="none" strike="noStrike" cap="none" dirty="0" err="1">
+                <a:solidFill>
+                  <a:srgbClr val="00FF00"/>
+                </a:solidFill>
+                <a:latin typeface="Courier"/>
+                <a:ea typeface="Courier"/>
+                <a:cs typeface="Courier"/>
+                <a:sym typeface="Courier New"/>
+              </a:rPr>
+              <a:t>lst</a:t>
+            </a:r>
+            <a:r>
+              <a:rPr lang="en-US" sz="2800" b="1" i="0" u="none" strike="noStrike" cap="none" dirty="0">
+                <a:solidFill>
+                  <a:srgbClr val="00FF00"/>
+                </a:solidFill>
+                <a:latin typeface="Courier"/>
+                <a:ea typeface="Courier"/>
+                <a:cs typeface="Courier"/>
+                <a:sym typeface="Courier New"/>
+              </a:rPr>
+              <a:t> =</a:t>
+            </a:r>
+            <a:r>
+              <a:rPr lang="en-US" sz="2800" b="1" i="0" u="none" strike="noStrike" cap="none" dirty="0">
+                <a:solidFill>
+                  <a:srgbClr val="0000FF"/>
+                </a:solidFill>
+                <a:latin typeface="Courier"/>
+                <a:ea typeface="Courier"/>
+                <a:cs typeface="Courier"/>
+                <a:sym typeface="Courier New"/>
+              </a:rPr>
+              <a:t> </a:t>
+            </a:r>
+            <a:r>
+              <a:rPr lang="en-US" sz="2800" b="1" i="0" u="none" strike="noStrike" cap="none" dirty="0">
+                <a:solidFill>
+                  <a:srgbClr val="00FFFF"/>
+                </a:solidFill>
+                <a:latin typeface="Courier"/>
+                <a:ea typeface="Courier"/>
+                <a:cs typeface="Courier"/>
+                <a:sym typeface="Courier New"/>
+              </a:rPr>
+              <a:t>list()</a:t>
+            </a:r>
+          </a:p>
+          <a:p>
+            <a:pPr marL="0" marR="0" lvl="0" indent="0" algn="l" rtl="0">
+              <a:lnSpc>
+                <a:spcPct val="100000"/>
+              </a:lnSpc>
+              <a:spcBef>
+                <a:spcPts val="0"/>
+              </a:spcBef>
+              <a:spcAft>
+                <a:spcPts val="0"/>
+              </a:spcAft>
+              <a:buClr>
+                <a:srgbClr val="00FF00"/>
+              </a:buClr>
+              <a:buSzPct val="25000"/>
+              <a:buFont typeface="Cabin"/>
+              <a:buNone/>
+            </a:pPr>
+            <a:r>
+              <a:rPr lang="en-US" sz="2800" b="1" i="0" u="none" strike="noStrike" cap="none" dirty="0">
+                <a:solidFill>
+                  <a:srgbClr val="00FF00"/>
+                </a:solidFill>
+                <a:latin typeface="Courier"/>
+                <a:ea typeface="Courier"/>
+                <a:cs typeface="Courier"/>
+                <a:sym typeface="Courier New"/>
+              </a:rPr>
+              <a:t>&gt;&gt;&gt; </a:t>
+            </a:r>
+            <a:r>
+              <a:rPr lang="en-US" sz="2800" b="1" i="0" u="none" strike="noStrike" cap="none" dirty="0" err="1">
+                <a:solidFill>
+                  <a:srgbClr val="00FF00"/>
+                </a:solidFill>
+                <a:latin typeface="Courier"/>
+                <a:ea typeface="Courier"/>
+                <a:cs typeface="Courier"/>
+                <a:sym typeface="Courier New"/>
+              </a:rPr>
+              <a:t>lst.append</a:t>
+            </a:r>
+            <a:r>
+              <a:rPr lang="en-US" sz="2800" b="1" i="0" u="none" strike="noStrike" cap="none" dirty="0">
+                <a:solidFill>
+                  <a:srgbClr val="00FF00"/>
+                </a:solidFill>
+                <a:latin typeface="Courier"/>
+                <a:ea typeface="Courier"/>
+                <a:cs typeface="Courier"/>
+                <a:sym typeface="Courier New"/>
+              </a:rPr>
+              <a:t>(</a:t>
+            </a:r>
+            <a:r>
+              <a:rPr lang="en-US" sz="2800" b="1" i="0" u="none" strike="noStrike" cap="none" dirty="0">
+                <a:solidFill>
+                  <a:srgbClr val="FFFF00"/>
+                </a:solidFill>
+                <a:latin typeface="Courier"/>
+                <a:ea typeface="Courier"/>
+                <a:cs typeface="Courier"/>
+                <a:sym typeface="Courier New"/>
+              </a:rPr>
+              <a:t>21</a:t>
+            </a:r>
+            <a:r>
+              <a:rPr lang="en-US" sz="2800" b="1" i="0" u="none" strike="noStrike" cap="none" dirty="0">
+                <a:solidFill>
+                  <a:srgbClr val="00FF00"/>
+                </a:solidFill>
+                <a:latin typeface="Courier"/>
+                <a:ea typeface="Courier"/>
+                <a:cs typeface="Courier"/>
+                <a:sym typeface="Courier New"/>
+              </a:rPr>
+              <a:t>)</a:t>
+            </a:r>
+          </a:p>
+          <a:p>
+            <a:pPr marL="0" marR="0" lvl="0" indent="0" algn="l" rtl="0">
+              <a:lnSpc>
+                <a:spcPct val="100000"/>
+              </a:lnSpc>
+              <a:spcBef>
+                <a:spcPts val="0"/>
+              </a:spcBef>
+              <a:spcAft>
+                <a:spcPts val="0"/>
+              </a:spcAft>
+              <a:buClr>
+                <a:srgbClr val="00FF00"/>
+              </a:buClr>
+              <a:buSzPct val="25000"/>
+              <a:buFont typeface="Cabin"/>
+              <a:buNone/>
+            </a:pPr>
+            <a:r>
+              <a:rPr lang="en-US" sz="2800" b="1" i="0" u="none" strike="noStrike" cap="none" dirty="0">
+                <a:solidFill>
+                  <a:srgbClr val="00FF00"/>
+                </a:solidFill>
+                <a:latin typeface="Courier"/>
+                <a:ea typeface="Courier"/>
+                <a:cs typeface="Courier"/>
+                <a:sym typeface="Courier New"/>
+              </a:rPr>
+              <a:t>&gt;&gt;&gt; </a:t>
+            </a:r>
+            <a:r>
+              <a:rPr lang="en-US" sz="2800" b="1" i="0" u="none" strike="noStrike" cap="none" dirty="0" err="1">
+                <a:solidFill>
+                  <a:srgbClr val="00FF00"/>
+                </a:solidFill>
+                <a:latin typeface="Courier"/>
+                <a:ea typeface="Courier"/>
+                <a:cs typeface="Courier"/>
+                <a:sym typeface="Courier New"/>
+              </a:rPr>
+              <a:t>lst.append</a:t>
+            </a:r>
+            <a:r>
+              <a:rPr lang="en-US" sz="2800" b="1" i="0" u="none" strike="noStrike" cap="none" dirty="0">
+                <a:solidFill>
+                  <a:srgbClr val="00FF00"/>
+                </a:solidFill>
+                <a:latin typeface="Courier"/>
+                <a:ea typeface="Courier"/>
+                <a:cs typeface="Courier"/>
+                <a:sym typeface="Courier New"/>
+              </a:rPr>
+              <a:t>(</a:t>
+            </a:r>
+            <a:r>
+              <a:rPr lang="en-US" sz="2800" b="1" i="0" u="none" strike="noStrike" cap="none" dirty="0">
+                <a:solidFill>
+                  <a:srgbClr val="FFFF00"/>
+                </a:solidFill>
+                <a:latin typeface="Courier"/>
+                <a:ea typeface="Courier"/>
+                <a:cs typeface="Courier"/>
+                <a:sym typeface="Courier New"/>
+              </a:rPr>
+              <a:t>183</a:t>
+            </a:r>
+            <a:r>
+              <a:rPr lang="en-US" sz="2800" b="1" i="0" u="none" strike="noStrike" cap="none" dirty="0">
+                <a:solidFill>
+                  <a:srgbClr val="00FF00"/>
+                </a:solidFill>
+                <a:latin typeface="Courier"/>
+                <a:ea typeface="Courier"/>
+                <a:cs typeface="Courier"/>
+                <a:sym typeface="Courier New"/>
+              </a:rPr>
+              <a:t>)</a:t>
+            </a:r>
+          </a:p>
+          <a:p>
+            <a:pPr lvl="0">
+              <a:buClr>
+                <a:srgbClr val="00FF00"/>
+              </a:buClr>
+              <a:buSzPct val="25000"/>
+            </a:pPr>
+            <a:r>
+              <a:rPr lang="en-US" sz="2800" b="1" i="0" u="none" strike="noStrike" cap="none" dirty="0">
+                <a:solidFill>
+                  <a:srgbClr val="00FF00"/>
+                </a:solidFill>
+                <a:latin typeface="Courier"/>
+                <a:ea typeface="Courier"/>
+                <a:cs typeface="Courier"/>
+                <a:sym typeface="Courier New"/>
+              </a:rPr>
+              <a:t>&gt;&gt;&gt; </a:t>
+            </a:r>
+            <a:r>
+              <a:rPr lang="en-US" sz="2800" b="1" i="0" u="none" strike="noStrike" cap="none" dirty="0">
+                <a:solidFill>
+                  <a:srgbClr val="FFFF00"/>
+                </a:solidFill>
+                <a:latin typeface="Courier"/>
+                <a:ea typeface="Courier"/>
+                <a:cs typeface="Courier"/>
+                <a:sym typeface="Courier New"/>
+              </a:rPr>
+              <a:t>print(</a:t>
+            </a:r>
+            <a:r>
+              <a:rPr lang="en-US" sz="2800" b="1" i="0" u="none" strike="noStrike" cap="none" dirty="0" err="1">
+                <a:solidFill>
+                  <a:srgbClr val="00FF00"/>
+                </a:solidFill>
+                <a:latin typeface="Courier"/>
+                <a:ea typeface="Courier"/>
+                <a:cs typeface="Courier"/>
+                <a:sym typeface="Courier New"/>
+              </a:rPr>
+              <a:t>lst</a:t>
+            </a:r>
+            <a:r>
+              <a:rPr lang="en-US" sz="2800" b="1" dirty="0">
+                <a:solidFill>
+                  <a:srgbClr val="FFFF00"/>
+                </a:solidFill>
+                <a:latin typeface="Courier"/>
+                <a:ea typeface="Courier"/>
+                <a:cs typeface="Courier"/>
+                <a:sym typeface="Courier New"/>
+              </a:rPr>
+              <a:t>)</a:t>
+            </a:r>
+            <a:endParaRPr lang="en-US" sz="2800" b="1" i="0" u="none" strike="noStrike" cap="none" dirty="0">
+              <a:solidFill>
+                <a:srgbClr val="00FF00"/>
+              </a:solidFill>
+              <a:latin typeface="Courier"/>
+              <a:ea typeface="Courier"/>
+              <a:cs typeface="Courier"/>
+              <a:sym typeface="Courier New"/>
+            </a:endParaRPr>
+          </a:p>
+          <a:p>
+            <a:pPr marL="0" marR="0" lvl="0" indent="0" algn="l" rtl="0">
+              <a:lnSpc>
+                <a:spcPct val="100000"/>
+              </a:lnSpc>
+              <a:spcBef>
+                <a:spcPts val="0"/>
+              </a:spcBef>
+              <a:spcAft>
+                <a:spcPts val="0"/>
+              </a:spcAft>
+              <a:buClr>
+                <a:srgbClr val="00FF00"/>
+              </a:buClr>
+              <a:buSzPct val="25000"/>
+              <a:buFont typeface="Cabin"/>
+              <a:buNone/>
+            </a:pPr>
+            <a:r>
+              <a:rPr lang="en-US" sz="2800" b="1" i="0" u="none" strike="noStrike" cap="none" dirty="0">
+                <a:solidFill>
+                  <a:srgbClr val="00FF00"/>
+                </a:solidFill>
+                <a:latin typeface="Courier"/>
+                <a:ea typeface="Courier"/>
+                <a:cs typeface="Courier"/>
+                <a:sym typeface="Courier New"/>
+              </a:rPr>
+              <a:t>[</a:t>
+            </a:r>
+            <a:r>
+              <a:rPr lang="en-US" sz="2800" b="1" i="0" u="none" strike="noStrike" cap="none" dirty="0">
+                <a:solidFill>
+                  <a:srgbClr val="FFFF00"/>
+                </a:solidFill>
+                <a:latin typeface="Courier"/>
+                <a:ea typeface="Courier"/>
+                <a:cs typeface="Courier"/>
+                <a:sym typeface="Courier New"/>
+              </a:rPr>
+              <a:t>21, 183</a:t>
+            </a:r>
+            <a:r>
+              <a:rPr lang="en-US" sz="2800" b="1" i="0" u="none" strike="noStrike" cap="none" dirty="0">
+                <a:solidFill>
+                  <a:srgbClr val="00FF00"/>
+                </a:solidFill>
+                <a:latin typeface="Courier"/>
+                <a:ea typeface="Courier"/>
+                <a:cs typeface="Courier"/>
+                <a:sym typeface="Courier New"/>
+              </a:rPr>
+              <a:t>]</a:t>
+            </a:r>
+          </a:p>
+          <a:p>
+            <a:pPr marL="0" marR="0" lvl="0" indent="0" algn="l" rtl="0">
+              <a:lnSpc>
+                <a:spcPct val="100000"/>
+              </a:lnSpc>
+              <a:spcBef>
+                <a:spcPts val="0"/>
+              </a:spcBef>
+              <a:spcAft>
+                <a:spcPts val="0"/>
+              </a:spcAft>
+              <a:buClr>
+                <a:srgbClr val="00FF00"/>
+              </a:buClr>
+              <a:buSzPct val="25000"/>
+              <a:buFont typeface="Cabin"/>
+              <a:buNone/>
+            </a:pPr>
+            <a:r>
+              <a:rPr lang="en-US" sz="2800" b="1" i="0" u="none" strike="noStrike" cap="none" dirty="0">
+                <a:solidFill>
+                  <a:srgbClr val="00FF00"/>
+                </a:solidFill>
+                <a:latin typeface="Courier"/>
+                <a:ea typeface="Courier"/>
+                <a:cs typeface="Courier"/>
+                <a:sym typeface="Courier New"/>
+              </a:rPr>
+              <a:t>&gt;&gt;&gt; </a:t>
+            </a:r>
+            <a:r>
+              <a:rPr lang="en-US" sz="2800" b="1" i="0" u="none" strike="noStrike" cap="none" dirty="0" err="1">
+                <a:solidFill>
+                  <a:srgbClr val="00FF00"/>
+                </a:solidFill>
+                <a:latin typeface="Courier"/>
+                <a:ea typeface="Courier"/>
+                <a:cs typeface="Courier"/>
+                <a:sym typeface="Courier New"/>
+              </a:rPr>
+              <a:t>lst</a:t>
+            </a:r>
+            <a:r>
+              <a:rPr lang="en-US" sz="2800" b="1" i="0" u="none" strike="noStrike" cap="none" dirty="0">
+                <a:solidFill>
+                  <a:srgbClr val="FF7F00"/>
+                </a:solidFill>
+                <a:latin typeface="Courier"/>
+                <a:ea typeface="Courier"/>
+                <a:cs typeface="Courier"/>
+                <a:sym typeface="Courier New"/>
+              </a:rPr>
+              <a:t>[0]</a:t>
+            </a:r>
+            <a:r>
+              <a:rPr lang="en-US" sz="2800" b="1" i="0" u="none" strike="noStrike" cap="none" dirty="0">
+                <a:solidFill>
+                  <a:srgbClr val="00FF00"/>
+                </a:solidFill>
+                <a:latin typeface="Courier"/>
+                <a:ea typeface="Courier"/>
+                <a:cs typeface="Courier"/>
+                <a:sym typeface="Courier New"/>
+              </a:rPr>
+              <a:t> = </a:t>
+            </a:r>
+            <a:r>
+              <a:rPr lang="en-US" sz="2800" b="1" i="0" u="none" strike="noStrike" cap="none" dirty="0">
+                <a:solidFill>
+                  <a:srgbClr val="FFFF00"/>
+                </a:solidFill>
+                <a:latin typeface="Courier"/>
+                <a:ea typeface="Courier"/>
+                <a:cs typeface="Courier"/>
+                <a:sym typeface="Courier New"/>
+              </a:rPr>
+              <a:t>23</a:t>
+            </a:r>
+          </a:p>
+          <a:p>
+            <a:pPr lvl="0">
+              <a:buClr>
+                <a:srgbClr val="00FF00"/>
+              </a:buClr>
+              <a:buSzPct val="25000"/>
+            </a:pPr>
+            <a:r>
+              <a:rPr lang="en-US" sz="2800" b="1" i="0" u="none" strike="noStrike" cap="none" dirty="0">
+                <a:solidFill>
+                  <a:srgbClr val="00FF00"/>
+                </a:solidFill>
+                <a:latin typeface="Courier"/>
+                <a:ea typeface="Courier"/>
+                <a:cs typeface="Courier"/>
+                <a:sym typeface="Courier New"/>
+              </a:rPr>
+              <a:t>&gt;&gt;&gt; </a:t>
+            </a:r>
+            <a:r>
+              <a:rPr lang="en-US" sz="2800" b="1" i="0" u="none" strike="noStrike" cap="none" dirty="0">
+                <a:solidFill>
+                  <a:srgbClr val="FFFF00"/>
+                </a:solidFill>
+                <a:latin typeface="Courier"/>
+                <a:ea typeface="Courier"/>
+                <a:cs typeface="Courier"/>
+                <a:sym typeface="Courier New"/>
+              </a:rPr>
+              <a:t>print(</a:t>
+            </a:r>
+            <a:r>
+              <a:rPr lang="en-US" sz="2800" b="1" i="0" u="none" strike="noStrike" cap="none" dirty="0" err="1">
+                <a:solidFill>
+                  <a:srgbClr val="00FF00"/>
+                </a:solidFill>
+                <a:latin typeface="Courier"/>
+                <a:ea typeface="Courier"/>
+                <a:cs typeface="Courier"/>
+                <a:sym typeface="Courier New"/>
+              </a:rPr>
+              <a:t>lst</a:t>
+            </a:r>
+            <a:r>
+              <a:rPr lang="en-US" sz="2800" b="1" dirty="0">
+                <a:solidFill>
+                  <a:srgbClr val="FFFF00"/>
+                </a:solidFill>
+                <a:latin typeface="Courier"/>
+                <a:ea typeface="Courier"/>
+                <a:cs typeface="Courier"/>
+                <a:sym typeface="Courier New"/>
+              </a:rPr>
+              <a:t>)</a:t>
+            </a:r>
+            <a:endParaRPr lang="en-US" sz="2800" b="1" i="0" u="none" strike="noStrike" cap="none" dirty="0">
+              <a:solidFill>
+                <a:srgbClr val="00FF00"/>
+              </a:solidFill>
+              <a:latin typeface="Courier"/>
+              <a:ea typeface="Courier"/>
+              <a:cs typeface="Courier"/>
+              <a:sym typeface="Courier New"/>
+            </a:endParaRPr>
+          </a:p>
+          <a:p>
+            <a:pPr marL="0" marR="0" lvl="0" indent="0" algn="l" rtl="0">
+              <a:lnSpc>
+                <a:spcPct val="100000"/>
+              </a:lnSpc>
+              <a:spcBef>
+                <a:spcPts val="0"/>
+              </a:spcBef>
+              <a:spcAft>
+                <a:spcPts val="0"/>
+              </a:spcAft>
+              <a:buClr>
+                <a:srgbClr val="00FF00"/>
+              </a:buClr>
+              <a:buSzPct val="25000"/>
+              <a:buFont typeface="Cabin"/>
+              <a:buNone/>
+            </a:pPr>
+            <a:r>
+              <a:rPr lang="en-US" sz="2800" b="1" i="0" u="none" strike="noStrike" cap="none" dirty="0">
+                <a:solidFill>
+                  <a:srgbClr val="00FF00"/>
+                </a:solidFill>
+                <a:latin typeface="Courier"/>
+                <a:ea typeface="Courier"/>
+                <a:cs typeface="Courier"/>
+                <a:sym typeface="Courier New"/>
+              </a:rPr>
+              <a:t>[</a:t>
+            </a:r>
+            <a:r>
+              <a:rPr lang="en-US" sz="2800" b="1" i="0" u="none" strike="noStrike" cap="none" dirty="0">
+                <a:solidFill>
+                  <a:srgbClr val="FFFF00"/>
+                </a:solidFill>
+                <a:latin typeface="Courier"/>
+                <a:ea typeface="Courier"/>
+                <a:cs typeface="Courier"/>
+                <a:sym typeface="Courier New"/>
+              </a:rPr>
+              <a:t>23, 183</a:t>
+            </a:r>
+            <a:r>
+              <a:rPr lang="en-US" sz="2800" b="1" i="0" u="none" strike="noStrike" cap="none" dirty="0">
+                <a:solidFill>
+                  <a:srgbClr val="00FF00"/>
+                </a:solidFill>
+                <a:latin typeface="Courier"/>
+                <a:ea typeface="Courier"/>
+                <a:cs typeface="Courier"/>
+                <a:sym typeface="Courier New"/>
+              </a:rPr>
+              <a:t>]</a:t>
+            </a:r>
+          </a:p>
+        </p:txBody>
+      </p:sp>
+      <p:sp>
+        <p:nvSpPr>
+          <p:cNvPr id="274" name="Shape 274"/>
+          <p:cNvSpPr txBox="1"/>
+          <p:nvPr/>
+        </p:nvSpPr>
+        <p:spPr>
+          <a:xfrm>
+            <a:off x="1586675" y="4519499"/>
+            <a:ext cx="6215699" cy="3940200"/>
+          </a:xfrm>
+          <a:prstGeom prst="rect">
+            <a:avLst/>
+          </a:prstGeom>
+          <a:noFill/>
+          <a:ln>
+            <a:noFill/>
+          </a:ln>
+        </p:spPr>
+        <p:txBody>
+          <a:bodyPr lIns="0" tIns="0" rIns="0" bIns="0" anchor="ctr" anchorCtr="0">
+            <a:noAutofit/>
+          </a:bodyPr>
+          <a:lstStyle/>
+          <a:p>
+            <a:pPr marL="0" marR="0" lvl="0" indent="0" algn="l" rtl="0">
+              <a:lnSpc>
+                <a:spcPct val="100000"/>
+              </a:lnSpc>
+              <a:spcBef>
+                <a:spcPts val="0"/>
+              </a:spcBef>
+              <a:spcAft>
+                <a:spcPts val="0"/>
+              </a:spcAft>
+              <a:buClr>
+                <a:srgbClr val="FF00FF"/>
+              </a:buClr>
+              <a:buSzPct val="25000"/>
+              <a:buFont typeface="Cabin"/>
+              <a:buNone/>
+            </a:pPr>
+            <a:r>
+              <a:rPr lang="en-US" sz="2800" b="1" i="0" u="none" strike="noStrike" cap="none" dirty="0">
+                <a:solidFill>
+                  <a:srgbClr val="FF00FF"/>
+                </a:solidFill>
+                <a:latin typeface="Courier"/>
+                <a:ea typeface="Courier"/>
+                <a:cs typeface="Courier"/>
+                <a:sym typeface="Courier New"/>
+              </a:rPr>
+              <a:t>&gt;&gt;&gt; </a:t>
+            </a:r>
+            <a:r>
+              <a:rPr lang="en-US" sz="2800" b="1" i="0" u="none" strike="noStrike" cap="none" dirty="0" err="1">
+                <a:solidFill>
+                  <a:srgbClr val="FF00FF"/>
+                </a:solidFill>
+                <a:latin typeface="Courier"/>
+                <a:ea typeface="Courier"/>
+                <a:cs typeface="Courier"/>
+                <a:sym typeface="Courier New"/>
+              </a:rPr>
+              <a:t>ddd</a:t>
+            </a:r>
+            <a:r>
+              <a:rPr lang="en-US" sz="2800" b="1" i="0" u="none" strike="noStrike" cap="none" dirty="0">
+                <a:solidFill>
+                  <a:srgbClr val="FF00FF"/>
+                </a:solidFill>
+                <a:latin typeface="Courier"/>
+                <a:ea typeface="Courier"/>
+                <a:cs typeface="Courier"/>
+                <a:sym typeface="Courier New"/>
+              </a:rPr>
+              <a:t> = </a:t>
+            </a:r>
+            <a:r>
+              <a:rPr lang="en-US" sz="2800" b="1" i="0" u="none" strike="noStrike" cap="none" dirty="0" err="1">
+                <a:solidFill>
+                  <a:srgbClr val="00FFFF"/>
+                </a:solidFill>
+                <a:latin typeface="Courier"/>
+                <a:ea typeface="Courier"/>
+                <a:cs typeface="Courier"/>
+                <a:sym typeface="Courier New"/>
+              </a:rPr>
+              <a:t>dict</a:t>
+            </a:r>
+            <a:r>
+              <a:rPr lang="en-US" sz="2800" b="1" i="0" u="none" strike="noStrike" cap="none" dirty="0">
+                <a:solidFill>
+                  <a:srgbClr val="00FFFF"/>
+                </a:solidFill>
+                <a:latin typeface="Courier"/>
+                <a:ea typeface="Courier"/>
+                <a:cs typeface="Courier"/>
+                <a:sym typeface="Courier New"/>
+              </a:rPr>
+              <a:t>()</a:t>
+            </a:r>
+          </a:p>
+          <a:p>
+            <a:pPr marL="0" marR="0" lvl="0" indent="0" algn="l" rtl="0">
+              <a:lnSpc>
+                <a:spcPct val="100000"/>
+              </a:lnSpc>
+              <a:spcBef>
+                <a:spcPts val="0"/>
+              </a:spcBef>
+              <a:spcAft>
+                <a:spcPts val="0"/>
+              </a:spcAft>
+              <a:buClr>
+                <a:srgbClr val="FF00FF"/>
+              </a:buClr>
+              <a:buSzPct val="25000"/>
+              <a:buFont typeface="Cabin"/>
+              <a:buNone/>
+            </a:pPr>
+            <a:r>
+              <a:rPr lang="en-US" sz="2800" b="1" i="0" u="none" strike="noStrike" cap="none" dirty="0">
+                <a:solidFill>
+                  <a:srgbClr val="FF00FF"/>
+                </a:solidFill>
+                <a:latin typeface="Courier"/>
+                <a:ea typeface="Courier"/>
+                <a:cs typeface="Courier"/>
+                <a:sym typeface="Courier New"/>
+              </a:rPr>
+              <a:t>&gt;&gt;&gt; </a:t>
+            </a:r>
+            <a:r>
+              <a:rPr lang="en-US" sz="2800" b="1" i="0" u="none" strike="noStrike" cap="none" dirty="0" err="1">
+                <a:solidFill>
+                  <a:srgbClr val="FF00FF"/>
+                </a:solidFill>
+                <a:latin typeface="Courier"/>
+                <a:ea typeface="Courier"/>
+                <a:cs typeface="Courier"/>
+                <a:sym typeface="Courier New"/>
+              </a:rPr>
+              <a:t>ddd</a:t>
+            </a:r>
+            <a:r>
+              <a:rPr lang="en-US" sz="2800" b="1" i="0" u="none" strike="noStrike" cap="none" dirty="0">
+                <a:solidFill>
+                  <a:srgbClr val="FF00FF"/>
+                </a:solidFill>
+                <a:latin typeface="Courier"/>
+                <a:ea typeface="Courier"/>
+                <a:cs typeface="Courier"/>
+                <a:sym typeface="Courier New"/>
+              </a:rPr>
+              <a:t>[</a:t>
+            </a:r>
+            <a:r>
+              <a:rPr lang="en-US" sz="2800" b="1" i="0" u="none" strike="noStrike" cap="none" dirty="0">
+                <a:solidFill>
+                  <a:srgbClr val="FF7F00"/>
+                </a:solidFill>
+                <a:latin typeface="Courier"/>
+                <a:ea typeface="Courier"/>
+                <a:cs typeface="Courier"/>
+                <a:sym typeface="Courier New"/>
+              </a:rPr>
+              <a:t>'age'</a:t>
+            </a:r>
+            <a:r>
+              <a:rPr lang="en-US" sz="2800" b="1" i="0" u="none" strike="noStrike" cap="none" dirty="0">
+                <a:solidFill>
+                  <a:srgbClr val="FF00FF"/>
+                </a:solidFill>
+                <a:latin typeface="Courier"/>
+                <a:ea typeface="Courier"/>
+                <a:cs typeface="Courier"/>
+                <a:sym typeface="Courier New"/>
+              </a:rPr>
+              <a:t>] = </a:t>
+            </a:r>
+            <a:r>
+              <a:rPr lang="en-US" sz="2800" b="1" i="0" u="none" strike="noStrike" cap="none" dirty="0">
+                <a:solidFill>
+                  <a:srgbClr val="FFFF00"/>
+                </a:solidFill>
+                <a:latin typeface="Courier"/>
+                <a:ea typeface="Courier"/>
+                <a:cs typeface="Courier"/>
+                <a:sym typeface="Courier New"/>
+              </a:rPr>
+              <a:t>21</a:t>
+            </a:r>
+          </a:p>
+          <a:p>
+            <a:pPr marL="0" marR="0" lvl="0" indent="0" algn="l" rtl="0">
+              <a:lnSpc>
+                <a:spcPct val="100000"/>
+              </a:lnSpc>
+              <a:spcBef>
+                <a:spcPts val="0"/>
+              </a:spcBef>
+              <a:spcAft>
+                <a:spcPts val="0"/>
+              </a:spcAft>
+              <a:buClr>
+                <a:srgbClr val="FF00FF"/>
+              </a:buClr>
+              <a:buSzPct val="25000"/>
+              <a:buFont typeface="Cabin"/>
+              <a:buNone/>
+            </a:pPr>
+            <a:r>
+              <a:rPr lang="en-US" sz="2800" b="1" i="0" u="none" strike="noStrike" cap="none" dirty="0">
+                <a:solidFill>
+                  <a:srgbClr val="FF00FF"/>
+                </a:solidFill>
+                <a:latin typeface="Courier"/>
+                <a:ea typeface="Courier"/>
+                <a:cs typeface="Courier"/>
+                <a:sym typeface="Courier New"/>
+              </a:rPr>
+              <a:t>&gt;&gt;&gt; </a:t>
+            </a:r>
+            <a:r>
+              <a:rPr lang="en-US" sz="2800" b="1" i="0" u="none" strike="noStrike" cap="none" dirty="0" err="1">
+                <a:solidFill>
+                  <a:srgbClr val="FF00FF"/>
+                </a:solidFill>
+                <a:latin typeface="Courier"/>
+                <a:ea typeface="Courier"/>
+                <a:cs typeface="Courier"/>
+                <a:sym typeface="Courier New"/>
+              </a:rPr>
+              <a:t>ddd</a:t>
+            </a:r>
+            <a:r>
+              <a:rPr lang="en-US" sz="2800" b="1" i="0" u="none" strike="noStrike" cap="none" dirty="0">
+                <a:solidFill>
+                  <a:srgbClr val="FF00FF"/>
+                </a:solidFill>
+                <a:latin typeface="Courier"/>
+                <a:ea typeface="Courier"/>
+                <a:cs typeface="Courier"/>
+                <a:sym typeface="Courier New"/>
+              </a:rPr>
+              <a:t>[</a:t>
+            </a:r>
+            <a:r>
+              <a:rPr lang="en-US" sz="2800" b="1" i="0" u="none" strike="noStrike" cap="none" dirty="0">
+                <a:solidFill>
+                  <a:srgbClr val="FF7F00"/>
+                </a:solidFill>
+                <a:latin typeface="Courier"/>
+                <a:ea typeface="Courier"/>
+                <a:cs typeface="Courier"/>
+                <a:sym typeface="Courier New"/>
+              </a:rPr>
+              <a:t>'course'</a:t>
+            </a:r>
+            <a:r>
+              <a:rPr lang="en-US" sz="2800" b="1" i="0" u="none" strike="noStrike" cap="none" dirty="0">
+                <a:solidFill>
+                  <a:srgbClr val="FF00FF"/>
+                </a:solidFill>
+                <a:latin typeface="Courier"/>
+                <a:ea typeface="Courier"/>
+                <a:cs typeface="Courier"/>
+                <a:sym typeface="Courier New"/>
+              </a:rPr>
+              <a:t>] = </a:t>
+            </a:r>
+            <a:r>
+              <a:rPr lang="en-US" sz="2800" b="1" i="0" u="none" strike="noStrike" cap="none" dirty="0">
+                <a:solidFill>
+                  <a:srgbClr val="FFFF00"/>
+                </a:solidFill>
+                <a:latin typeface="Courier"/>
+                <a:ea typeface="Courier"/>
+                <a:cs typeface="Courier"/>
+                <a:sym typeface="Courier New"/>
+              </a:rPr>
+              <a:t>182</a:t>
+            </a:r>
+          </a:p>
+          <a:p>
+            <a:pPr lvl="0">
+              <a:buClr>
+                <a:srgbClr val="FF00FF"/>
+              </a:buClr>
+              <a:buSzPct val="25000"/>
+            </a:pPr>
+            <a:r>
+              <a:rPr lang="en-US" sz="2800" b="1" i="0" u="none" strike="noStrike" cap="none" dirty="0">
+                <a:solidFill>
+                  <a:srgbClr val="FF00FF"/>
+                </a:solidFill>
+                <a:latin typeface="Courier"/>
+                <a:ea typeface="Courier"/>
+                <a:cs typeface="Courier"/>
+                <a:sym typeface="Courier New"/>
+              </a:rPr>
+              <a:t>&gt;&gt;&gt; </a:t>
+            </a:r>
+            <a:r>
+              <a:rPr lang="en-US" sz="2800" b="1" i="0" u="none" strike="noStrike" cap="none" dirty="0">
+                <a:solidFill>
+                  <a:srgbClr val="FFFF00"/>
+                </a:solidFill>
+                <a:latin typeface="Courier"/>
+                <a:ea typeface="Courier"/>
+                <a:cs typeface="Courier"/>
+                <a:sym typeface="Courier New"/>
+              </a:rPr>
+              <a:t>print(</a:t>
+            </a:r>
+            <a:r>
+              <a:rPr lang="en-US" sz="2800" b="1" i="0" u="none" strike="noStrike" cap="none" dirty="0" err="1">
+                <a:solidFill>
+                  <a:srgbClr val="FF00FF"/>
+                </a:solidFill>
+                <a:latin typeface="Courier"/>
+                <a:ea typeface="Courier"/>
+                <a:cs typeface="Courier"/>
+                <a:sym typeface="Courier New"/>
+              </a:rPr>
+              <a:t>ddd</a:t>
+            </a:r>
+            <a:r>
+              <a:rPr lang="en-US" sz="2800" b="1" dirty="0">
+                <a:solidFill>
+                  <a:srgbClr val="FFFF00"/>
+                </a:solidFill>
+                <a:latin typeface="Courier"/>
+                <a:ea typeface="Courier"/>
+                <a:cs typeface="Courier"/>
+                <a:sym typeface="Courier New"/>
+              </a:rPr>
+              <a:t>)</a:t>
+            </a:r>
+            <a:endParaRPr lang="en-US" sz="2800" b="1" i="0" u="none" strike="noStrike" cap="none" dirty="0">
+              <a:solidFill>
+                <a:srgbClr val="FF00FF"/>
+              </a:solidFill>
+              <a:latin typeface="Courier"/>
+              <a:ea typeface="Courier"/>
+              <a:cs typeface="Courier"/>
+              <a:sym typeface="Courier New"/>
+            </a:endParaRPr>
+          </a:p>
+          <a:p>
+            <a:pPr marL="0" marR="0" lvl="0" indent="0" algn="l" rtl="0">
+              <a:lnSpc>
+                <a:spcPct val="100000"/>
+              </a:lnSpc>
+              <a:spcBef>
+                <a:spcPts val="0"/>
+              </a:spcBef>
+              <a:spcAft>
+                <a:spcPts val="0"/>
+              </a:spcAft>
+              <a:buClr>
+                <a:srgbClr val="FF00FF"/>
+              </a:buClr>
+              <a:buSzPct val="25000"/>
+              <a:buFont typeface="Cabin"/>
+              <a:buNone/>
+            </a:pPr>
+            <a:r>
+              <a:rPr lang="en-US" sz="2800" b="1" i="0" u="none" strike="noStrike" cap="none" dirty="0">
+                <a:solidFill>
+                  <a:srgbClr val="FF00FF"/>
+                </a:solidFill>
+                <a:latin typeface="Courier"/>
+                <a:ea typeface="Courier"/>
+                <a:cs typeface="Courier"/>
+                <a:sym typeface="Courier New"/>
+              </a:rPr>
+              <a:t>{</a:t>
+            </a:r>
+            <a:r>
+              <a:rPr lang="en-US" sz="2800" b="1" i="0" u="none" strike="noStrike" cap="none" dirty="0">
+                <a:solidFill>
+                  <a:srgbClr val="FF7F00"/>
+                </a:solidFill>
+                <a:latin typeface="Courier"/>
+                <a:ea typeface="Courier"/>
+                <a:cs typeface="Courier"/>
+                <a:sym typeface="Courier New"/>
+              </a:rPr>
+              <a:t>'age'</a:t>
+            </a:r>
+            <a:r>
+              <a:rPr lang="en-US" sz="2800" b="1" i="0" u="none" strike="noStrike" cap="none" dirty="0">
+                <a:solidFill>
+                  <a:srgbClr val="FF00FF"/>
+                </a:solidFill>
+                <a:latin typeface="Courier"/>
+                <a:ea typeface="Courier"/>
+                <a:cs typeface="Courier"/>
+                <a:sym typeface="Courier New"/>
+              </a:rPr>
+              <a:t>: </a:t>
+            </a:r>
+            <a:r>
+              <a:rPr lang="en-US" sz="2800" b="1" i="0" u="none" strike="noStrike" cap="none" dirty="0">
+                <a:solidFill>
+                  <a:srgbClr val="FFFF00"/>
+                </a:solidFill>
+                <a:latin typeface="Courier"/>
+                <a:ea typeface="Courier"/>
+                <a:cs typeface="Courier"/>
+                <a:sym typeface="Courier New"/>
+              </a:rPr>
+              <a:t>21</a:t>
+            </a:r>
+            <a:r>
+              <a:rPr lang="en-US" sz="2800" b="1" i="0" u="none" strike="noStrike" cap="none" dirty="0">
+                <a:solidFill>
+                  <a:srgbClr val="FF00FF"/>
+                </a:solidFill>
+                <a:latin typeface="Courier"/>
+                <a:ea typeface="Courier"/>
+                <a:cs typeface="Courier"/>
+                <a:sym typeface="Courier New"/>
+              </a:rPr>
+              <a:t>, </a:t>
+            </a:r>
+            <a:r>
+              <a:rPr lang="en-US" sz="2800" b="1" i="0" u="none" strike="noStrike" cap="none" dirty="0">
+                <a:solidFill>
+                  <a:srgbClr val="FF7F00"/>
+                </a:solidFill>
+                <a:latin typeface="Courier"/>
+                <a:ea typeface="Courier"/>
+                <a:cs typeface="Courier"/>
+                <a:sym typeface="Courier New"/>
+              </a:rPr>
+              <a:t>'course'</a:t>
+            </a:r>
+            <a:r>
+              <a:rPr lang="en-US" sz="2800" b="1" i="0" u="none" strike="noStrike" cap="none" dirty="0">
+                <a:solidFill>
+                  <a:srgbClr val="FF00FF"/>
+                </a:solidFill>
+                <a:latin typeface="Courier"/>
+                <a:ea typeface="Courier"/>
+                <a:cs typeface="Courier"/>
+                <a:sym typeface="Courier New"/>
+              </a:rPr>
+              <a:t>: </a:t>
+            </a:r>
+            <a:r>
+              <a:rPr lang="en-US" sz="2800" b="1" i="0" u="none" strike="noStrike" cap="none" dirty="0">
+                <a:solidFill>
+                  <a:srgbClr val="FFFF00"/>
+                </a:solidFill>
+                <a:latin typeface="Courier"/>
+                <a:ea typeface="Courier"/>
+                <a:cs typeface="Courier"/>
+                <a:sym typeface="Courier New"/>
+              </a:rPr>
+              <a:t>182</a:t>
+            </a:r>
+            <a:r>
+              <a:rPr lang="en-US" sz="2800" b="1" i="0" u="none" strike="noStrike" cap="none" dirty="0">
+                <a:solidFill>
+                  <a:srgbClr val="FF00FF"/>
+                </a:solidFill>
+                <a:latin typeface="Courier"/>
+                <a:ea typeface="Courier"/>
+                <a:cs typeface="Courier"/>
+                <a:sym typeface="Courier New"/>
+              </a:rPr>
+              <a:t>}</a:t>
+            </a:r>
+          </a:p>
+          <a:p>
+            <a:pPr marL="0" marR="0" lvl="0" indent="0" algn="l" rtl="0">
+              <a:lnSpc>
+                <a:spcPct val="100000"/>
+              </a:lnSpc>
+              <a:spcBef>
+                <a:spcPts val="0"/>
+              </a:spcBef>
+              <a:spcAft>
+                <a:spcPts val="0"/>
+              </a:spcAft>
+              <a:buClr>
+                <a:srgbClr val="FF00FF"/>
+              </a:buClr>
+              <a:buSzPct val="25000"/>
+              <a:buFont typeface="Cabin"/>
+              <a:buNone/>
+            </a:pPr>
+            <a:r>
+              <a:rPr lang="en-US" sz="2800" b="1" i="0" u="none" strike="noStrike" cap="none" dirty="0">
+                <a:solidFill>
+                  <a:srgbClr val="FF00FF"/>
+                </a:solidFill>
+                <a:latin typeface="Courier"/>
+                <a:ea typeface="Courier"/>
+                <a:cs typeface="Courier"/>
+                <a:sym typeface="Courier New"/>
+              </a:rPr>
+              <a:t>&gt;&gt;&gt; </a:t>
+            </a:r>
+            <a:r>
+              <a:rPr lang="en-US" sz="2800" b="1" i="0" u="none" strike="noStrike" cap="none" dirty="0" err="1">
+                <a:solidFill>
+                  <a:srgbClr val="FF00FF"/>
+                </a:solidFill>
+                <a:latin typeface="Courier"/>
+                <a:ea typeface="Courier"/>
+                <a:cs typeface="Courier"/>
+                <a:sym typeface="Courier New"/>
+              </a:rPr>
+              <a:t>ddd</a:t>
+            </a:r>
+            <a:r>
+              <a:rPr lang="en-US" sz="2800" b="1" i="0" u="none" strike="noStrike" cap="none" dirty="0">
+                <a:solidFill>
+                  <a:srgbClr val="FF00FF"/>
+                </a:solidFill>
+                <a:latin typeface="Courier"/>
+                <a:ea typeface="Courier"/>
+                <a:cs typeface="Courier"/>
+                <a:sym typeface="Courier New"/>
+              </a:rPr>
+              <a:t>[</a:t>
+            </a:r>
+            <a:r>
+              <a:rPr lang="en-US" sz="2800" b="1" i="0" u="none" strike="noStrike" cap="none" dirty="0">
+                <a:solidFill>
+                  <a:srgbClr val="FF7F00"/>
+                </a:solidFill>
+                <a:latin typeface="Courier"/>
+                <a:ea typeface="Courier"/>
+                <a:cs typeface="Courier"/>
+                <a:sym typeface="Courier New"/>
+              </a:rPr>
+              <a:t>'age'</a:t>
+            </a:r>
+            <a:r>
+              <a:rPr lang="en-US" sz="2800" b="1" i="0" u="none" strike="noStrike" cap="none" dirty="0">
+                <a:solidFill>
+                  <a:srgbClr val="FF00FF"/>
+                </a:solidFill>
+                <a:latin typeface="Courier"/>
+                <a:ea typeface="Courier"/>
+                <a:cs typeface="Courier"/>
+                <a:sym typeface="Courier New"/>
+              </a:rPr>
+              <a:t>] = 23</a:t>
+            </a:r>
+          </a:p>
+          <a:p>
+            <a:pPr lvl="0">
+              <a:buClr>
+                <a:srgbClr val="FF00FF"/>
+              </a:buClr>
+              <a:buSzPct val="25000"/>
+            </a:pPr>
+            <a:r>
+              <a:rPr lang="en-US" sz="2800" b="1" i="0" u="none" strike="noStrike" cap="none" dirty="0">
+                <a:solidFill>
+                  <a:srgbClr val="FF00FF"/>
+                </a:solidFill>
+                <a:latin typeface="Courier"/>
+                <a:ea typeface="Courier"/>
+                <a:cs typeface="Courier"/>
+                <a:sym typeface="Courier New"/>
+              </a:rPr>
+              <a:t>&gt;&gt;&gt; </a:t>
+            </a:r>
+            <a:r>
+              <a:rPr lang="en-US" sz="2800" b="1" i="0" u="none" strike="noStrike" cap="none" dirty="0">
+                <a:solidFill>
+                  <a:srgbClr val="FFFF00"/>
+                </a:solidFill>
+                <a:latin typeface="Courier"/>
+                <a:ea typeface="Courier"/>
+                <a:cs typeface="Courier"/>
+                <a:sym typeface="Courier New"/>
+              </a:rPr>
+              <a:t>print(</a:t>
+            </a:r>
+            <a:r>
+              <a:rPr lang="en-US" sz="2800" b="1" i="0" u="none" strike="noStrike" cap="none" dirty="0" err="1">
+                <a:solidFill>
+                  <a:srgbClr val="FF00FF"/>
+                </a:solidFill>
+                <a:latin typeface="Courier"/>
+                <a:ea typeface="Courier"/>
+                <a:cs typeface="Courier"/>
+                <a:sym typeface="Courier New"/>
+              </a:rPr>
+              <a:t>ddd</a:t>
+            </a:r>
+            <a:r>
+              <a:rPr lang="en-US" sz="2800" b="1" dirty="0">
+                <a:solidFill>
+                  <a:srgbClr val="FFFF00"/>
+                </a:solidFill>
+                <a:latin typeface="Courier"/>
+                <a:ea typeface="Courier"/>
+                <a:cs typeface="Courier"/>
+                <a:sym typeface="Courier New"/>
+              </a:rPr>
+              <a:t>)</a:t>
+            </a:r>
+            <a:endParaRPr lang="en-US" sz="2800" b="1" i="0" u="none" strike="noStrike" cap="none" dirty="0">
+              <a:solidFill>
+                <a:srgbClr val="FF00FF"/>
+              </a:solidFill>
+              <a:latin typeface="Courier"/>
+              <a:ea typeface="Courier"/>
+              <a:cs typeface="Courier"/>
+              <a:sym typeface="Courier New"/>
+            </a:endParaRPr>
+          </a:p>
+          <a:p>
+            <a:pPr marL="0" marR="0" lvl="0" indent="0" algn="l" rtl="0">
+              <a:lnSpc>
+                <a:spcPct val="100000"/>
+              </a:lnSpc>
+              <a:spcBef>
+                <a:spcPts val="0"/>
+              </a:spcBef>
+              <a:spcAft>
+                <a:spcPts val="0"/>
+              </a:spcAft>
+              <a:buClr>
+                <a:srgbClr val="FF00FF"/>
+              </a:buClr>
+              <a:buSzPct val="25000"/>
+              <a:buFont typeface="Cabin"/>
+              <a:buNone/>
+            </a:pPr>
+            <a:r>
+              <a:rPr lang="en-US" sz="2800" b="1" i="0" u="none" strike="noStrike" cap="none" dirty="0">
+                <a:solidFill>
+                  <a:srgbClr val="FF00FF"/>
+                </a:solidFill>
+                <a:latin typeface="Courier"/>
+                <a:ea typeface="Courier"/>
+                <a:cs typeface="Courier"/>
+                <a:sym typeface="Courier New"/>
+              </a:rPr>
+              <a:t>{</a:t>
+            </a:r>
+            <a:r>
+              <a:rPr lang="en-US" sz="2800" b="1" i="0" u="none" strike="noStrike" cap="none" dirty="0">
+                <a:solidFill>
+                  <a:srgbClr val="FF7F00"/>
+                </a:solidFill>
+                <a:latin typeface="Courier"/>
+                <a:ea typeface="Courier"/>
+                <a:cs typeface="Courier"/>
+                <a:sym typeface="Courier New"/>
+              </a:rPr>
+              <a:t>'age'</a:t>
+            </a:r>
+            <a:r>
+              <a:rPr lang="en-US" sz="2800" b="1" i="0" u="none" strike="noStrike" cap="none" dirty="0">
+                <a:solidFill>
+                  <a:srgbClr val="FF00FF"/>
+                </a:solidFill>
+                <a:latin typeface="Courier"/>
+                <a:ea typeface="Courier"/>
+                <a:cs typeface="Courier"/>
+                <a:sym typeface="Courier New"/>
+              </a:rPr>
+              <a:t>: </a:t>
+            </a:r>
+            <a:r>
+              <a:rPr lang="en-US" sz="2800" b="1" i="0" u="none" strike="noStrike" cap="none" dirty="0">
+                <a:solidFill>
+                  <a:srgbClr val="FFFF00"/>
+                </a:solidFill>
+                <a:latin typeface="Courier"/>
+                <a:ea typeface="Courier"/>
+                <a:cs typeface="Courier"/>
+                <a:sym typeface="Courier New"/>
+              </a:rPr>
+              <a:t>23</a:t>
+            </a:r>
+            <a:r>
+              <a:rPr lang="en-US" sz="2800" b="1" i="0" u="none" strike="noStrike" cap="none" dirty="0">
+                <a:solidFill>
+                  <a:srgbClr val="FF00FF"/>
+                </a:solidFill>
+                <a:latin typeface="Courier"/>
+                <a:ea typeface="Courier"/>
+                <a:cs typeface="Courier"/>
+                <a:sym typeface="Courier New"/>
+              </a:rPr>
+              <a:t>, </a:t>
+            </a:r>
+            <a:r>
+              <a:rPr lang="en-US" sz="2800" b="1" i="0" u="none" strike="noStrike" cap="none" dirty="0">
+                <a:solidFill>
+                  <a:srgbClr val="FF7F00"/>
+                </a:solidFill>
+                <a:latin typeface="Courier"/>
+                <a:ea typeface="Courier"/>
+                <a:cs typeface="Courier"/>
+                <a:sym typeface="Courier New"/>
+              </a:rPr>
+              <a:t>'course'</a:t>
+            </a:r>
+            <a:r>
+              <a:rPr lang="en-US" sz="2800" b="1" i="0" u="none" strike="noStrike" cap="none" dirty="0">
+                <a:solidFill>
+                  <a:srgbClr val="FF00FF"/>
+                </a:solidFill>
+                <a:latin typeface="Courier"/>
+                <a:ea typeface="Courier"/>
+                <a:cs typeface="Courier"/>
+                <a:sym typeface="Courier New"/>
+              </a:rPr>
+              <a:t>: </a:t>
+            </a:r>
+            <a:r>
+              <a:rPr lang="en-US" sz="2800" b="1" i="0" u="none" strike="noStrike" cap="none" dirty="0">
+                <a:solidFill>
+                  <a:srgbClr val="FFFF00"/>
+                </a:solidFill>
+                <a:latin typeface="Courier"/>
+                <a:ea typeface="Courier"/>
+                <a:cs typeface="Courier"/>
+                <a:sym typeface="Courier New"/>
+              </a:rPr>
+              <a:t>182</a:t>
+            </a:r>
+            <a:r>
+              <a:rPr lang="en-US" sz="2800" b="1" i="0" u="none" strike="noStrike" cap="none" dirty="0">
+                <a:solidFill>
+                  <a:srgbClr val="FF00FF"/>
+                </a:solidFill>
+                <a:latin typeface="Courier"/>
+                <a:ea typeface="Courier"/>
+                <a:cs typeface="Courier"/>
+                <a:sym typeface="Courier New"/>
+              </a:rPr>
+              <a:t>}</a:t>
+            </a:r>
+          </a:p>
+        </p:txBody>
+      </p:sp>
+      <p:sp>
+        <p:nvSpPr>
+          <p:cNvPr id="275" name="Shape 275"/>
+          <p:cNvSpPr txBox="1"/>
+          <p:nvPr/>
+        </p:nvSpPr>
+        <p:spPr>
+          <a:xfrm>
+            <a:off x="10278270" y="2265299"/>
+            <a:ext cx="647700" cy="622199"/>
+          </a:xfrm>
+          <a:prstGeom prst="rect">
+            <a:avLst/>
+          </a:prstGeom>
+          <a:noFill/>
+          <a:ln>
+            <a:noFill/>
+          </a:ln>
+        </p:spPr>
+        <p:txBody>
+          <a:bodyPr lIns="0" tIns="0" rIns="0" bIns="0" anchor="ctr" anchorCtr="0">
+            <a:noAutofit/>
+          </a:bodyPr>
+          <a:lstStyle/>
+          <a:p>
+            <a:pPr marL="0" marR="0" lvl="0" indent="0" algn="r" rtl="0">
+              <a:lnSpc>
+                <a:spcPct val="100000"/>
+              </a:lnSpc>
+              <a:spcBef>
+                <a:spcPts val="0"/>
+              </a:spcBef>
+              <a:spcAft>
+                <a:spcPts val="0"/>
+              </a:spcAft>
+              <a:buClr>
+                <a:srgbClr val="FF7F00"/>
+              </a:buClr>
+              <a:buSzPct val="25000"/>
+              <a:buFont typeface="Cabin"/>
+              <a:buNone/>
+            </a:pPr>
+            <a:r>
+              <a:rPr lang="en-US" sz="3200" u="none" strike="noStrike" cap="none">
+                <a:solidFill>
+                  <a:srgbClr val="FF7F00"/>
+                </a:solidFill>
+                <a:latin typeface="Arial" charset="0"/>
+                <a:ea typeface="Arial" charset="0"/>
+                <a:cs typeface="Arial" charset="0"/>
+                <a:sym typeface="Cabin"/>
+              </a:rPr>
+              <a:t>[0]</a:t>
+            </a:r>
+          </a:p>
+        </p:txBody>
+      </p:sp>
+      <p:sp>
+        <p:nvSpPr>
+          <p:cNvPr id="276" name="Shape 276"/>
+          <p:cNvSpPr txBox="1"/>
+          <p:nvPr/>
+        </p:nvSpPr>
+        <p:spPr>
+          <a:xfrm>
+            <a:off x="11602245" y="2252599"/>
+            <a:ext cx="597000" cy="647700"/>
+          </a:xfrm>
+          <a:prstGeom prst="rect">
+            <a:avLst/>
+          </a:prstGeom>
+          <a:noFill/>
+          <a:ln w="25400" cap="rnd" cmpd="sng">
+            <a:solidFill>
+              <a:srgbClr val="FFFF00"/>
+            </a:solidFill>
+            <a:prstDash val="solid"/>
+            <a:miter/>
+            <a:headEnd type="none" w="med" len="med"/>
+            <a:tailEnd type="none" w="med" len="med"/>
+          </a:ln>
+        </p:spPr>
+        <p:txBody>
+          <a:bodyPr lIns="0" tIns="0" rIns="0" bIns="0" anchor="ctr" anchorCtr="0">
+            <a:noAutofit/>
+          </a:bodyPr>
+          <a:lstStyle/>
+          <a:p>
+            <a:pPr marL="0" marR="0" lvl="0" indent="0" algn="l" rtl="0">
+              <a:lnSpc>
+                <a:spcPct val="100000"/>
+              </a:lnSpc>
+              <a:spcBef>
+                <a:spcPts val="0"/>
+              </a:spcBef>
+              <a:spcAft>
+                <a:spcPts val="0"/>
+              </a:spcAft>
+              <a:buClr>
+                <a:schemeClr val="lt1"/>
+              </a:buClr>
+              <a:buSzPct val="25000"/>
+              <a:buFont typeface="Cabin"/>
+              <a:buNone/>
+            </a:pPr>
+            <a:r>
+              <a:rPr lang="en-US" sz="3200">
+                <a:solidFill>
+                  <a:schemeClr val="lt1"/>
+                </a:solidFill>
+                <a:latin typeface="Arial" charset="0"/>
+                <a:ea typeface="Arial" charset="0"/>
+                <a:cs typeface="Arial" charset="0"/>
+                <a:sym typeface="Cabin"/>
+              </a:rPr>
+              <a:t> </a:t>
+            </a:r>
+            <a:r>
+              <a:rPr lang="en-US" sz="3200" u="none" strike="noStrike" cap="none">
+                <a:solidFill>
+                  <a:schemeClr val="lt1"/>
+                </a:solidFill>
+                <a:latin typeface="Arial" charset="0"/>
+                <a:ea typeface="Arial" charset="0"/>
+                <a:cs typeface="Arial" charset="0"/>
+                <a:sym typeface="Cabin"/>
+              </a:rPr>
+              <a:t>21</a:t>
+            </a:r>
+          </a:p>
+        </p:txBody>
+      </p:sp>
+      <p:sp>
+        <p:nvSpPr>
+          <p:cNvPr id="277" name="Shape 277"/>
+          <p:cNvSpPr txBox="1"/>
+          <p:nvPr/>
+        </p:nvSpPr>
+        <p:spPr>
+          <a:xfrm>
+            <a:off x="10278270" y="3027299"/>
+            <a:ext cx="647700" cy="622199"/>
+          </a:xfrm>
+          <a:prstGeom prst="rect">
+            <a:avLst/>
+          </a:prstGeom>
+          <a:noFill/>
+          <a:ln>
+            <a:noFill/>
+          </a:ln>
+        </p:spPr>
+        <p:txBody>
+          <a:bodyPr lIns="0" tIns="0" rIns="0" bIns="0" anchor="ctr" anchorCtr="0">
+            <a:noAutofit/>
+          </a:bodyPr>
+          <a:lstStyle/>
+          <a:p>
+            <a:pPr marL="0" marR="0" lvl="0" indent="0" algn="r" rtl="0">
+              <a:lnSpc>
+                <a:spcPct val="100000"/>
+              </a:lnSpc>
+              <a:spcBef>
+                <a:spcPts val="0"/>
+              </a:spcBef>
+              <a:spcAft>
+                <a:spcPts val="0"/>
+              </a:spcAft>
+              <a:buClr>
+                <a:srgbClr val="FF7F00"/>
+              </a:buClr>
+              <a:buSzPct val="25000"/>
+              <a:buFont typeface="Cabin"/>
+              <a:buNone/>
+            </a:pPr>
+            <a:r>
+              <a:rPr lang="en-US" sz="3200" u="none" strike="noStrike" cap="none">
+                <a:solidFill>
+                  <a:srgbClr val="FF7F00"/>
+                </a:solidFill>
+                <a:latin typeface="Arial" charset="0"/>
+                <a:ea typeface="Arial" charset="0"/>
+                <a:cs typeface="Arial" charset="0"/>
+                <a:sym typeface="Cabin"/>
+              </a:rPr>
+              <a:t>[1]</a:t>
+            </a:r>
+          </a:p>
+        </p:txBody>
+      </p:sp>
+      <p:sp>
+        <p:nvSpPr>
+          <p:cNvPr id="278" name="Shape 278"/>
+          <p:cNvSpPr txBox="1"/>
+          <p:nvPr/>
+        </p:nvSpPr>
+        <p:spPr>
+          <a:xfrm>
+            <a:off x="11602245" y="3014599"/>
+            <a:ext cx="947699" cy="647700"/>
+          </a:xfrm>
+          <a:prstGeom prst="rect">
+            <a:avLst/>
+          </a:prstGeom>
+          <a:noFill/>
+          <a:ln w="25400" cap="rnd" cmpd="sng">
+            <a:solidFill>
+              <a:srgbClr val="FFFF00"/>
+            </a:solidFill>
+            <a:prstDash val="solid"/>
+            <a:miter/>
+            <a:headEnd type="none" w="med" len="med"/>
+            <a:tailEnd type="none" w="med" len="med"/>
+          </a:ln>
+        </p:spPr>
+        <p:txBody>
+          <a:bodyPr lIns="0" tIns="0" rIns="0" bIns="0" anchor="ctr" anchorCtr="0">
+            <a:noAutofit/>
+          </a:bodyPr>
+          <a:lstStyle/>
+          <a:p>
+            <a:pPr marL="0" marR="0" lvl="0" indent="0" algn="l" rtl="0">
+              <a:lnSpc>
+                <a:spcPct val="100000"/>
+              </a:lnSpc>
+              <a:spcBef>
+                <a:spcPts val="0"/>
+              </a:spcBef>
+              <a:spcAft>
+                <a:spcPts val="0"/>
+              </a:spcAft>
+              <a:buClr>
+                <a:schemeClr val="lt1"/>
+              </a:buClr>
+              <a:buSzPct val="25000"/>
+              <a:buFont typeface="Cabin"/>
+              <a:buNone/>
+            </a:pPr>
+            <a:r>
+              <a:rPr lang="en-US" sz="3200">
+                <a:solidFill>
+                  <a:schemeClr val="lt1"/>
+                </a:solidFill>
+                <a:latin typeface="Arial" charset="0"/>
+                <a:ea typeface="Arial" charset="0"/>
+                <a:cs typeface="Arial" charset="0"/>
+                <a:sym typeface="Cabin"/>
+              </a:rPr>
+              <a:t> </a:t>
+            </a:r>
+            <a:r>
+              <a:rPr lang="en-US" sz="3200" u="none" strike="noStrike" cap="none">
+                <a:solidFill>
+                  <a:schemeClr val="lt1"/>
+                </a:solidFill>
+                <a:latin typeface="Arial" charset="0"/>
+                <a:ea typeface="Arial" charset="0"/>
+                <a:cs typeface="Arial" charset="0"/>
+                <a:sym typeface="Cabin"/>
+              </a:rPr>
+              <a:t>183</a:t>
+            </a:r>
+          </a:p>
+        </p:txBody>
+      </p:sp>
+      <p:sp>
+        <p:nvSpPr>
+          <p:cNvPr id="279" name="Shape 279"/>
+          <p:cNvSpPr txBox="1"/>
+          <p:nvPr/>
+        </p:nvSpPr>
+        <p:spPr>
+          <a:xfrm>
+            <a:off x="13773945" y="2417699"/>
+            <a:ext cx="647700" cy="774599"/>
+          </a:xfrm>
+          <a:prstGeom prst="rect">
+            <a:avLst/>
+          </a:prstGeom>
+          <a:noFill/>
+          <a:ln>
+            <a:noFill/>
+          </a:ln>
+        </p:spPr>
+        <p:txBody>
+          <a:bodyPr lIns="0" tIns="0" rIns="0" bIns="0" anchor="ctr" anchorCtr="0">
+            <a:noAutofit/>
+          </a:bodyPr>
+          <a:lstStyle/>
+          <a:p>
+            <a:pPr marL="0" marR="0" lvl="0" indent="0" algn="ctr" rtl="0">
+              <a:lnSpc>
+                <a:spcPct val="100000"/>
+              </a:lnSpc>
+              <a:spcBef>
+                <a:spcPts val="0"/>
+              </a:spcBef>
+              <a:spcAft>
+                <a:spcPts val="0"/>
+              </a:spcAft>
+              <a:buClr>
+                <a:srgbClr val="00FF00"/>
+              </a:buClr>
+              <a:buSzPct val="25000"/>
+              <a:buFont typeface="Cabin"/>
+              <a:buNone/>
+            </a:pPr>
+            <a:r>
+              <a:rPr lang="en-US" sz="3200" u="none" strike="noStrike" cap="none">
+                <a:solidFill>
+                  <a:srgbClr val="00FF00"/>
+                </a:solidFill>
+                <a:latin typeface="Arial" charset="0"/>
+                <a:ea typeface="Arial" charset="0"/>
+                <a:cs typeface="Arial" charset="0"/>
+                <a:sym typeface="Cabin"/>
+              </a:rPr>
+              <a:t>l</a:t>
+            </a:r>
+            <a:r>
+              <a:rPr lang="en-US" sz="3200">
+                <a:solidFill>
+                  <a:srgbClr val="00FF00"/>
+                </a:solidFill>
+                <a:latin typeface="Arial" charset="0"/>
+                <a:ea typeface="Arial" charset="0"/>
+                <a:cs typeface="Arial" charset="0"/>
+                <a:sym typeface="Cabin"/>
+              </a:rPr>
+              <a:t>st</a:t>
+            </a:r>
+          </a:p>
+        </p:txBody>
+      </p:sp>
+      <p:sp>
+        <p:nvSpPr>
+          <p:cNvPr id="280" name="Shape 280"/>
+          <p:cNvSpPr txBox="1"/>
+          <p:nvPr/>
+        </p:nvSpPr>
+        <p:spPr>
+          <a:xfrm>
+            <a:off x="10202070" y="1465199"/>
+            <a:ext cx="798600" cy="622199"/>
+          </a:xfrm>
+          <a:prstGeom prst="rect">
+            <a:avLst/>
+          </a:prstGeom>
+          <a:noFill/>
+          <a:ln>
+            <a:noFill/>
+          </a:ln>
+        </p:spPr>
+        <p:txBody>
+          <a:bodyPr lIns="0" tIns="0" rIns="0" bIns="0" anchor="ctr" anchorCtr="0">
+            <a:noAutofit/>
+          </a:bodyPr>
+          <a:lstStyle/>
+          <a:p>
+            <a:pPr marL="0" marR="0" lvl="0" indent="0" algn="ctr" rtl="0">
+              <a:lnSpc>
+                <a:spcPct val="100000"/>
+              </a:lnSpc>
+              <a:spcBef>
+                <a:spcPts val="0"/>
+              </a:spcBef>
+              <a:spcAft>
+                <a:spcPts val="0"/>
+              </a:spcAft>
+              <a:buClr>
+                <a:srgbClr val="FF7F00"/>
+              </a:buClr>
+              <a:buSzPct val="25000"/>
+              <a:buFont typeface="Cabin"/>
+              <a:buNone/>
+            </a:pPr>
+            <a:r>
+              <a:rPr lang="en-US" sz="3200" u="none" strike="noStrike" cap="none">
+                <a:solidFill>
+                  <a:srgbClr val="FF7F00"/>
+                </a:solidFill>
+                <a:latin typeface="Arial" charset="0"/>
+                <a:ea typeface="Arial" charset="0"/>
+                <a:cs typeface="Arial" charset="0"/>
+                <a:sym typeface="Cabin"/>
+              </a:rPr>
+              <a:t>Key</a:t>
+            </a:r>
+          </a:p>
+        </p:txBody>
+      </p:sp>
+      <p:sp>
+        <p:nvSpPr>
+          <p:cNvPr id="281" name="Shape 281"/>
+          <p:cNvSpPr txBox="1"/>
+          <p:nvPr/>
+        </p:nvSpPr>
+        <p:spPr>
+          <a:xfrm>
+            <a:off x="11622881" y="1465199"/>
+            <a:ext cx="1106487" cy="622299"/>
+          </a:xfrm>
+          <a:prstGeom prst="rect">
+            <a:avLst/>
+          </a:prstGeom>
+          <a:noFill/>
+          <a:ln>
+            <a:noFill/>
+          </a:ln>
+        </p:spPr>
+        <p:txBody>
+          <a:bodyPr lIns="0" tIns="0" rIns="0" bIns="0" anchor="ctr" anchorCtr="0">
+            <a:noAutofit/>
+          </a:bodyPr>
+          <a:lstStyle/>
+          <a:p>
+            <a:pPr marL="0" marR="0" lvl="0" indent="0" algn="ctr" rtl="0">
+              <a:lnSpc>
+                <a:spcPct val="100000"/>
+              </a:lnSpc>
+              <a:spcBef>
+                <a:spcPts val="0"/>
+              </a:spcBef>
+              <a:spcAft>
+                <a:spcPts val="0"/>
+              </a:spcAft>
+              <a:buClr>
+                <a:srgbClr val="FFFF00"/>
+              </a:buClr>
+              <a:buSzPct val="25000"/>
+              <a:buFont typeface="Cabin"/>
+              <a:buNone/>
+            </a:pPr>
+            <a:r>
+              <a:rPr lang="en-US" sz="3200" u="none" strike="noStrike" cap="none">
+                <a:solidFill>
+                  <a:srgbClr val="FFFF00"/>
+                </a:solidFill>
+                <a:latin typeface="Arial" charset="0"/>
+                <a:ea typeface="Arial" charset="0"/>
+                <a:cs typeface="Arial" charset="0"/>
+                <a:sym typeface="Cabin"/>
+              </a:rPr>
+              <a:t>Value</a:t>
+            </a:r>
+          </a:p>
+        </p:txBody>
+      </p:sp>
+      <p:sp>
+        <p:nvSpPr>
+          <p:cNvPr id="282" name="Shape 282"/>
+          <p:cNvSpPr txBox="1"/>
+          <p:nvPr/>
+        </p:nvSpPr>
+        <p:spPr>
+          <a:xfrm>
+            <a:off x="9442540" y="7153208"/>
+            <a:ext cx="1847699" cy="622199"/>
+          </a:xfrm>
+          <a:prstGeom prst="rect">
+            <a:avLst/>
+          </a:prstGeom>
+          <a:noFill/>
+          <a:ln>
+            <a:noFill/>
+          </a:ln>
+        </p:spPr>
+        <p:txBody>
+          <a:bodyPr lIns="0" tIns="0" rIns="0" bIns="0" anchor="ctr" anchorCtr="0">
+            <a:noAutofit/>
+          </a:bodyPr>
+          <a:lstStyle/>
+          <a:p>
+            <a:pPr marL="0" marR="0" lvl="0" indent="0" algn="r" rtl="0">
+              <a:lnSpc>
+                <a:spcPct val="100000"/>
+              </a:lnSpc>
+              <a:spcBef>
+                <a:spcPts val="0"/>
+              </a:spcBef>
+              <a:spcAft>
+                <a:spcPts val="0"/>
+              </a:spcAft>
+              <a:buClr>
+                <a:srgbClr val="FF7F00"/>
+              </a:buClr>
+              <a:buSzPct val="25000"/>
+              <a:buFont typeface="Cabin"/>
+              <a:buNone/>
+            </a:pPr>
+            <a:r>
+              <a:rPr lang="en-US" sz="3200" u="none" strike="noStrike" cap="none">
+                <a:solidFill>
+                  <a:srgbClr val="FF7F00"/>
+                </a:solidFill>
+                <a:latin typeface="Arial" charset="0"/>
+                <a:ea typeface="Arial" charset="0"/>
+                <a:cs typeface="Arial" charset="0"/>
+                <a:sym typeface="Cabin"/>
+              </a:rPr>
+              <a:t>['course']</a:t>
+            </a:r>
+          </a:p>
+        </p:txBody>
+      </p:sp>
+      <p:sp>
+        <p:nvSpPr>
+          <p:cNvPr id="283" name="Shape 283"/>
+          <p:cNvSpPr txBox="1"/>
+          <p:nvPr/>
+        </p:nvSpPr>
+        <p:spPr>
+          <a:xfrm>
+            <a:off x="11814265" y="7140508"/>
+            <a:ext cx="947699" cy="647700"/>
+          </a:xfrm>
+          <a:prstGeom prst="rect">
+            <a:avLst/>
+          </a:prstGeom>
+          <a:noFill/>
+          <a:ln w="25400" cap="rnd" cmpd="sng">
+            <a:solidFill>
+              <a:srgbClr val="FFFF00"/>
+            </a:solidFill>
+            <a:prstDash val="solid"/>
+            <a:miter/>
+            <a:headEnd type="none" w="med" len="med"/>
+            <a:tailEnd type="none" w="med" len="med"/>
+          </a:ln>
+        </p:spPr>
+        <p:txBody>
+          <a:bodyPr lIns="0" tIns="0" rIns="0" bIns="0" anchor="ctr" anchorCtr="0">
+            <a:noAutofit/>
+          </a:bodyPr>
+          <a:lstStyle/>
+          <a:p>
+            <a:pPr marL="0" marR="0" lvl="0" indent="0" algn="l" rtl="0">
+              <a:lnSpc>
+                <a:spcPct val="100000"/>
+              </a:lnSpc>
+              <a:spcBef>
+                <a:spcPts val="0"/>
+              </a:spcBef>
+              <a:spcAft>
+                <a:spcPts val="0"/>
+              </a:spcAft>
+              <a:buClr>
+                <a:schemeClr val="lt1"/>
+              </a:buClr>
+              <a:buSzPct val="25000"/>
+              <a:buFont typeface="Cabin"/>
+              <a:buNone/>
+            </a:pPr>
+            <a:r>
+              <a:rPr lang="en-US" sz="3200">
+                <a:solidFill>
+                  <a:schemeClr val="lt1"/>
+                </a:solidFill>
+                <a:latin typeface="Arial" charset="0"/>
+                <a:ea typeface="Arial" charset="0"/>
+                <a:cs typeface="Arial" charset="0"/>
+                <a:sym typeface="Cabin"/>
+              </a:rPr>
+              <a:t> </a:t>
+            </a:r>
+            <a:r>
+              <a:rPr lang="en-US" sz="3200" u="none" strike="noStrike" cap="none">
+                <a:solidFill>
+                  <a:schemeClr val="lt1"/>
+                </a:solidFill>
+                <a:latin typeface="Arial" charset="0"/>
+                <a:ea typeface="Arial" charset="0"/>
+                <a:cs typeface="Arial" charset="0"/>
+                <a:sym typeface="Cabin"/>
+              </a:rPr>
+              <a:t>18</a:t>
+            </a:r>
+            <a:r>
+              <a:rPr lang="en-US" sz="3200">
+                <a:solidFill>
+                  <a:schemeClr val="lt1"/>
+                </a:solidFill>
+                <a:latin typeface="Arial" charset="0"/>
+                <a:ea typeface="Arial" charset="0"/>
+                <a:cs typeface="Arial" charset="0"/>
+                <a:sym typeface="Cabin"/>
+              </a:rPr>
+              <a:t>2</a:t>
+            </a:r>
+          </a:p>
+        </p:txBody>
+      </p:sp>
+      <p:sp>
+        <p:nvSpPr>
+          <p:cNvPr id="286" name="Shape 286"/>
+          <p:cNvSpPr txBox="1"/>
+          <p:nvPr/>
+        </p:nvSpPr>
+        <p:spPr>
+          <a:xfrm>
+            <a:off x="13608845" y="6569007"/>
+            <a:ext cx="996950" cy="774700"/>
+          </a:xfrm>
+          <a:prstGeom prst="rect">
+            <a:avLst/>
+          </a:prstGeom>
+          <a:noFill/>
+          <a:ln>
+            <a:noFill/>
+          </a:ln>
+        </p:spPr>
+        <p:txBody>
+          <a:bodyPr lIns="0" tIns="0" rIns="0" bIns="0" anchor="ctr" anchorCtr="0">
+            <a:noAutofit/>
+          </a:bodyPr>
+          <a:lstStyle/>
+          <a:p>
+            <a:pPr marL="0" marR="0" lvl="0" indent="0" algn="ctr" rtl="0">
+              <a:lnSpc>
+                <a:spcPct val="100000"/>
+              </a:lnSpc>
+              <a:spcBef>
+                <a:spcPts val="0"/>
+              </a:spcBef>
+              <a:spcAft>
+                <a:spcPts val="0"/>
+              </a:spcAft>
+              <a:buClr>
+                <a:srgbClr val="FF00FF"/>
+              </a:buClr>
+              <a:buSzPct val="25000"/>
+              <a:buFont typeface="Cabin"/>
+              <a:buNone/>
+            </a:pPr>
+            <a:r>
+              <a:rPr lang="en-US" sz="3200" u="none" strike="noStrike" cap="none">
+                <a:solidFill>
+                  <a:srgbClr val="FF00FF"/>
+                </a:solidFill>
+                <a:latin typeface="Arial" charset="0"/>
+                <a:ea typeface="Arial" charset="0"/>
+                <a:cs typeface="Arial" charset="0"/>
+                <a:sym typeface="Cabin"/>
+              </a:rPr>
+              <a:t>ddd</a:t>
+            </a:r>
+          </a:p>
+        </p:txBody>
+      </p:sp>
+      <p:sp>
+        <p:nvSpPr>
+          <p:cNvPr id="287" name="Shape 287"/>
+          <p:cNvSpPr txBox="1"/>
+          <p:nvPr/>
+        </p:nvSpPr>
+        <p:spPr>
+          <a:xfrm>
+            <a:off x="10329070" y="5565707"/>
+            <a:ext cx="798512" cy="622299"/>
+          </a:xfrm>
+          <a:prstGeom prst="rect">
+            <a:avLst/>
+          </a:prstGeom>
+          <a:noFill/>
+          <a:ln>
+            <a:noFill/>
+          </a:ln>
+        </p:spPr>
+        <p:txBody>
+          <a:bodyPr lIns="0" tIns="0" rIns="0" bIns="0" anchor="ctr" anchorCtr="0">
+            <a:noAutofit/>
+          </a:bodyPr>
+          <a:lstStyle/>
+          <a:p>
+            <a:pPr marL="0" marR="0" lvl="0" indent="0" algn="ctr" rtl="0">
+              <a:lnSpc>
+                <a:spcPct val="100000"/>
+              </a:lnSpc>
+              <a:spcBef>
+                <a:spcPts val="0"/>
+              </a:spcBef>
+              <a:spcAft>
+                <a:spcPts val="0"/>
+              </a:spcAft>
+              <a:buClr>
+                <a:srgbClr val="FF7F00"/>
+              </a:buClr>
+              <a:buSzPct val="25000"/>
+              <a:buFont typeface="Cabin"/>
+              <a:buNone/>
+            </a:pPr>
+            <a:r>
+              <a:rPr lang="en-US" sz="3200" u="none" strike="noStrike" cap="none">
+                <a:solidFill>
+                  <a:srgbClr val="FF7F00"/>
+                </a:solidFill>
+                <a:latin typeface="Arial" charset="0"/>
+                <a:ea typeface="Arial" charset="0"/>
+                <a:cs typeface="Arial" charset="0"/>
+                <a:sym typeface="Cabin"/>
+              </a:rPr>
+              <a:t>Key</a:t>
+            </a:r>
+          </a:p>
+        </p:txBody>
+      </p:sp>
+      <p:sp>
+        <p:nvSpPr>
+          <p:cNvPr id="288" name="Shape 288"/>
+          <p:cNvSpPr txBox="1"/>
+          <p:nvPr/>
+        </p:nvSpPr>
+        <p:spPr>
+          <a:xfrm>
+            <a:off x="11749882" y="5565707"/>
+            <a:ext cx="1106400" cy="622199"/>
+          </a:xfrm>
+          <a:prstGeom prst="rect">
+            <a:avLst/>
+          </a:prstGeom>
+          <a:noFill/>
+          <a:ln>
+            <a:noFill/>
+          </a:ln>
+        </p:spPr>
+        <p:txBody>
+          <a:bodyPr lIns="0" tIns="0" rIns="0" bIns="0" anchor="ctr" anchorCtr="0">
+            <a:noAutofit/>
+          </a:bodyPr>
+          <a:lstStyle/>
+          <a:p>
+            <a:pPr marL="0" marR="0" lvl="0" indent="0" algn="ctr" rtl="0">
+              <a:lnSpc>
+                <a:spcPct val="100000"/>
+              </a:lnSpc>
+              <a:spcBef>
+                <a:spcPts val="0"/>
+              </a:spcBef>
+              <a:spcAft>
+                <a:spcPts val="0"/>
+              </a:spcAft>
+              <a:buClr>
+                <a:srgbClr val="FFFF00"/>
+              </a:buClr>
+              <a:buSzPct val="25000"/>
+              <a:buFont typeface="Cabin"/>
+              <a:buNone/>
+            </a:pPr>
+            <a:r>
+              <a:rPr lang="en-US" sz="3200" u="none" strike="noStrike" cap="none">
+                <a:solidFill>
+                  <a:srgbClr val="FFFF00"/>
+                </a:solidFill>
+                <a:latin typeface="Arial" charset="0"/>
+                <a:ea typeface="Arial" charset="0"/>
+                <a:cs typeface="Arial" charset="0"/>
+                <a:sym typeface="Cabin"/>
+              </a:rPr>
+              <a:t>Value</a:t>
+            </a:r>
+          </a:p>
+        </p:txBody>
+      </p:sp>
+      <p:sp>
+        <p:nvSpPr>
+          <p:cNvPr id="289" name="Shape 289"/>
+          <p:cNvSpPr txBox="1"/>
+          <p:nvPr/>
+        </p:nvSpPr>
+        <p:spPr>
+          <a:xfrm>
+            <a:off x="10838656" y="779399"/>
+            <a:ext cx="947737" cy="774700"/>
+          </a:xfrm>
+          <a:prstGeom prst="rect">
+            <a:avLst/>
+          </a:prstGeom>
+          <a:noFill/>
+          <a:ln>
+            <a:noFill/>
+          </a:ln>
+        </p:spPr>
+        <p:txBody>
+          <a:bodyPr lIns="0" tIns="0" rIns="0" bIns="0" anchor="ctr" anchorCtr="0">
+            <a:noAutofit/>
+          </a:bodyPr>
+          <a:lstStyle/>
+          <a:p>
+            <a:pPr marL="0" marR="0" lvl="0" indent="0" algn="ctr" rtl="0">
+              <a:lnSpc>
+                <a:spcPct val="100000"/>
+              </a:lnSpc>
+              <a:spcBef>
+                <a:spcPts val="0"/>
+              </a:spcBef>
+              <a:spcAft>
+                <a:spcPts val="0"/>
+              </a:spcAft>
+              <a:buClr>
+                <a:srgbClr val="00FF00"/>
+              </a:buClr>
+              <a:buSzPct val="25000"/>
+              <a:buFont typeface="Cabin"/>
+              <a:buNone/>
+            </a:pPr>
+            <a:r>
+              <a:rPr lang="en-US" sz="3200" u="none" strike="noStrike" cap="none">
+                <a:solidFill>
+                  <a:srgbClr val="00FF00"/>
+                </a:solidFill>
+                <a:latin typeface="Arial" charset="0"/>
+                <a:ea typeface="Arial" charset="0"/>
+                <a:cs typeface="Arial" charset="0"/>
+                <a:sym typeface="Cabin"/>
+              </a:rPr>
+              <a:t>List</a:t>
+            </a:r>
+          </a:p>
+        </p:txBody>
+      </p:sp>
+      <p:sp>
+        <p:nvSpPr>
+          <p:cNvPr id="290" name="Shape 290"/>
+          <p:cNvSpPr txBox="1"/>
+          <p:nvPr/>
+        </p:nvSpPr>
+        <p:spPr>
+          <a:xfrm>
+            <a:off x="10100470" y="4765607"/>
+            <a:ext cx="2627400" cy="774599"/>
+          </a:xfrm>
+          <a:prstGeom prst="rect">
+            <a:avLst/>
+          </a:prstGeom>
+          <a:noFill/>
+          <a:ln>
+            <a:noFill/>
+          </a:ln>
+        </p:spPr>
+        <p:txBody>
+          <a:bodyPr lIns="0" tIns="0" rIns="0" bIns="0" anchor="ctr" anchorCtr="0">
+            <a:noAutofit/>
+          </a:bodyPr>
+          <a:lstStyle/>
+          <a:p>
+            <a:pPr marL="0" marR="0" lvl="0" indent="0" algn="ctr" rtl="0">
+              <a:lnSpc>
+                <a:spcPct val="100000"/>
+              </a:lnSpc>
+              <a:spcBef>
+                <a:spcPts val="0"/>
+              </a:spcBef>
+              <a:spcAft>
+                <a:spcPts val="0"/>
+              </a:spcAft>
+              <a:buClr>
+                <a:srgbClr val="FF00FF"/>
+              </a:buClr>
+              <a:buSzPct val="25000"/>
+              <a:buFont typeface="Cabin"/>
+              <a:buNone/>
+            </a:pPr>
+            <a:r>
+              <a:rPr lang="en-US" sz="3200" u="none" strike="noStrike" cap="none">
+                <a:solidFill>
+                  <a:srgbClr val="FF00FF"/>
+                </a:solidFill>
+                <a:latin typeface="Arial" charset="0"/>
+                <a:ea typeface="Arial" charset="0"/>
+                <a:cs typeface="Arial" charset="0"/>
+                <a:sym typeface="Cabin"/>
+              </a:rPr>
+              <a:t>Dictionary</a:t>
+            </a:r>
+          </a:p>
+        </p:txBody>
+      </p:sp>
+      <p:sp>
+        <p:nvSpPr>
+          <p:cNvPr id="4" name="Shape 284">
+            <a:extLst>
+              <a:ext uri="{FF2B5EF4-FFF2-40B4-BE49-F238E27FC236}">
+                <a16:creationId xmlns:a16="http://schemas.microsoft.com/office/drawing/2014/main" id="{C128BC83-F767-A6C5-2E81-E8D09907BC41}"/>
+              </a:ext>
+            </a:extLst>
+          </p:cNvPr>
+          <p:cNvSpPr txBox="1"/>
+          <p:nvPr/>
+        </p:nvSpPr>
+        <p:spPr>
+          <a:xfrm>
+            <a:off x="10055846" y="6340408"/>
+            <a:ext cx="1200299" cy="622199"/>
+          </a:xfrm>
+          <a:prstGeom prst="rect">
+            <a:avLst/>
+          </a:prstGeom>
+          <a:noFill/>
+          <a:ln>
+            <a:noFill/>
+          </a:ln>
+        </p:spPr>
+        <p:txBody>
+          <a:bodyPr lIns="0" tIns="0" rIns="0" bIns="0" anchor="ctr" anchorCtr="0">
+            <a:noAutofit/>
+          </a:bodyPr>
+          <a:lstStyle/>
+          <a:p>
+            <a:pPr marL="0" marR="0" lvl="0" indent="0" algn="r" rtl="0">
+              <a:lnSpc>
+                <a:spcPct val="100000"/>
+              </a:lnSpc>
+              <a:spcBef>
+                <a:spcPts val="0"/>
+              </a:spcBef>
+              <a:spcAft>
+                <a:spcPts val="0"/>
+              </a:spcAft>
+              <a:buClr>
+                <a:srgbClr val="FF7F00"/>
+              </a:buClr>
+              <a:buSzPct val="25000"/>
+              <a:buFont typeface="Cabin"/>
+              <a:buNone/>
+            </a:pPr>
+            <a:r>
+              <a:rPr lang="en-US" sz="3200" u="none" strike="noStrike" cap="none">
+                <a:solidFill>
+                  <a:srgbClr val="FF7F00"/>
+                </a:solidFill>
+                <a:latin typeface="Arial" charset="0"/>
+                <a:ea typeface="Arial" charset="0"/>
+                <a:cs typeface="Arial" charset="0"/>
+                <a:sym typeface="Cabin"/>
+              </a:rPr>
+              <a:t>['age']</a:t>
+            </a:r>
+          </a:p>
+        </p:txBody>
+      </p:sp>
+      <p:sp>
+        <p:nvSpPr>
+          <p:cNvPr id="5" name="Shape 285">
+            <a:extLst>
+              <a:ext uri="{FF2B5EF4-FFF2-40B4-BE49-F238E27FC236}">
+                <a16:creationId xmlns:a16="http://schemas.microsoft.com/office/drawing/2014/main" id="{BCA962B4-01F0-A7EE-E6F4-9CE9999175C7}"/>
+              </a:ext>
+            </a:extLst>
+          </p:cNvPr>
+          <p:cNvSpPr txBox="1"/>
+          <p:nvPr/>
+        </p:nvSpPr>
+        <p:spPr>
+          <a:xfrm>
+            <a:off x="11779871" y="6327708"/>
+            <a:ext cx="597000" cy="647700"/>
+          </a:xfrm>
+          <a:prstGeom prst="rect">
+            <a:avLst/>
+          </a:prstGeom>
+          <a:noFill/>
+          <a:ln w="25400" cap="rnd" cmpd="sng">
+            <a:solidFill>
+              <a:srgbClr val="FFFF00"/>
+            </a:solidFill>
+            <a:prstDash val="solid"/>
+            <a:miter/>
+            <a:headEnd type="none" w="med" len="med"/>
+            <a:tailEnd type="none" w="med" len="med"/>
+          </a:ln>
+        </p:spPr>
+        <p:txBody>
+          <a:bodyPr lIns="0" tIns="0" rIns="0" bIns="0" anchor="ctr" anchorCtr="0">
+            <a:noAutofit/>
+          </a:bodyPr>
+          <a:lstStyle/>
+          <a:p>
+            <a:pPr marL="0" marR="0" lvl="0" indent="0" algn="l" rtl="0">
+              <a:lnSpc>
+                <a:spcPct val="100000"/>
+              </a:lnSpc>
+              <a:spcBef>
+                <a:spcPts val="0"/>
+              </a:spcBef>
+              <a:spcAft>
+                <a:spcPts val="0"/>
+              </a:spcAft>
+              <a:buClr>
+                <a:schemeClr val="lt1"/>
+              </a:buClr>
+              <a:buSzPct val="25000"/>
+              <a:buFont typeface="Cabin"/>
+              <a:buNone/>
+            </a:pPr>
+            <a:r>
+              <a:rPr lang="en-US" sz="3200">
+                <a:solidFill>
+                  <a:schemeClr val="lt1"/>
+                </a:solidFill>
+                <a:latin typeface="Arial" charset="0"/>
+                <a:ea typeface="Arial" charset="0"/>
+                <a:cs typeface="Arial" charset="0"/>
+                <a:sym typeface="Cabin"/>
+              </a:rPr>
+              <a:t> </a:t>
+            </a:r>
+            <a:r>
+              <a:rPr lang="en-US" sz="3200" u="none" strike="noStrike" cap="none">
+                <a:solidFill>
+                  <a:schemeClr val="lt1"/>
+                </a:solidFill>
+                <a:latin typeface="Arial" charset="0"/>
+                <a:ea typeface="Arial" charset="0"/>
+                <a:cs typeface="Arial" charset="0"/>
+                <a:sym typeface="Cabin"/>
+              </a:rPr>
+              <a:t>21</a:t>
+            </a:r>
+          </a:p>
+        </p:txBody>
+      </p:sp>
+    </p:spTree>
+  </p:cSld>
+  <p:clrMapOvr>
+    <a:masterClrMapping/>
+  </p:clrMapOvr>
+</p:sld>
+</file>
+
+<file path=ppt/slides/slide11.xml><?xml version="1.0" encoding="utf-8"?>
+<p:sld xmlns:a="http://schemas.openxmlformats.org/drawingml/2006/main" xmlns:r="http://schemas.openxmlformats.org/officeDocument/2006/relationships" xmlns:p="http://schemas.openxmlformats.org/presentationml/2006/main">
+  <p:cSld>
+    <p:spTree>
+      <p:nvGrpSpPr>
         <p:cNvPr id="1" name="Shape 294"/>
         <p:cNvGrpSpPr/>
         <p:nvPr/>
@@ -5831,8 +8016,8 @@
         </p:nvSpPr>
         <p:spPr>
           <a:xfrm>
-            <a:off x="1155700" y="2603501"/>
-            <a:ext cx="13931900" cy="1539874"/>
+            <a:off x="1155700" y="2539999"/>
+            <a:ext cx="13931900" cy="1603376"/>
           </a:xfrm>
           <a:prstGeom prst="rect">
             <a:avLst/>
@@ -5849,9 +8034,6 @@
           <a:lstStyle/>
           <a:p>
             <a:pPr marL="457200" marR="0" lvl="0" indent="-457200" algn="l" rtl="0">
-              <a:lnSpc>
-                <a:spcPct val="150000"/>
-              </a:lnSpc>
               <a:spcBef>
                 <a:spcPts val="0"/>
               </a:spcBef>
@@ -5871,47 +8053,71 @@
                 <a:cs typeface="Arial" charset="0"/>
                 <a:sym typeface="Cabin"/>
               </a:rPr>
-              <a:t>Dictionary literals use curly braces and have a list of </a:t>
+              <a:t>Dictionary literals use curly braces and </a:t>
+            </a:r>
+            <a:r>
+              <a:rPr lang="en-US" u="none" strike="noStrike" cap="none">
+                <a:solidFill>
+                  <a:schemeClr val="lt1"/>
+                </a:solidFill>
+                <a:latin typeface="Arial" charset="0"/>
+                <a:ea typeface="Arial" charset="0"/>
+                <a:cs typeface="Arial" charset="0"/>
+                <a:sym typeface="Cabin"/>
+              </a:rPr>
+              <a:t>have </a:t>
+            </a:r>
+            <a:r>
+              <a:rPr lang="en-US" u="none" strike="noStrike" cap="none">
+                <a:solidFill>
+                  <a:srgbClr val="00FF00"/>
+                </a:solidFill>
+                <a:latin typeface="Arial" charset="0"/>
+                <a:ea typeface="Arial" charset="0"/>
+                <a:cs typeface="Arial" charset="0"/>
+                <a:sym typeface="Cabin"/>
+              </a:rPr>
+              <a:t>key</a:t>
+            </a:r>
+            <a:r>
+              <a:rPr lang="en-US" u="none" strike="noStrike" cap="none">
+                <a:solidFill>
+                  <a:schemeClr val="lt1"/>
+                </a:solidFill>
+                <a:latin typeface="Arial" charset="0"/>
+                <a:ea typeface="Arial" charset="0"/>
+                <a:cs typeface="Arial" charset="0"/>
+                <a:sym typeface="Cabin"/>
+              </a:rPr>
+              <a:t> </a:t>
             </a:r>
             <a:r>
               <a:rPr lang="en-US" u="none" strike="noStrike" cap="none" dirty="0">
                 <a:solidFill>
-                  <a:srgbClr val="00FF00"/>
-                </a:solidFill>
-                <a:latin typeface="Arial" charset="0"/>
-                <a:ea typeface="Arial" charset="0"/>
-                <a:cs typeface="Arial" charset="0"/>
-                <a:sym typeface="Cabin"/>
-              </a:rPr>
-              <a:t>key</a:t>
+                  <a:schemeClr val="lt1"/>
+                </a:solidFill>
+                <a:latin typeface="Arial" charset="0"/>
+                <a:ea typeface="Arial" charset="0"/>
+                <a:cs typeface="Arial" charset="0"/>
+                <a:sym typeface="Cabin"/>
+              </a:rPr>
+              <a:t>: </a:t>
             </a:r>
             <a:r>
               <a:rPr lang="en-US" u="none" strike="noStrike" cap="none" dirty="0">
                 <a:solidFill>
-                  <a:schemeClr val="lt1"/>
-                </a:solidFill>
-                <a:latin typeface="Arial" charset="0"/>
-                <a:ea typeface="Arial" charset="0"/>
-                <a:cs typeface="Arial" charset="0"/>
-                <a:sym typeface="Cabin"/>
-              </a:rPr>
-              <a:t> : </a:t>
+                  <a:srgbClr val="FF00FF"/>
+                </a:solidFill>
+                <a:latin typeface="Arial" charset="0"/>
+                <a:ea typeface="Arial" charset="0"/>
+                <a:cs typeface="Arial" charset="0"/>
+                <a:sym typeface="Cabin"/>
+              </a:rPr>
+              <a:t>value</a:t>
             </a:r>
             <a:r>
               <a:rPr lang="en-US" u="none" strike="noStrike" cap="none" dirty="0">
                 <a:solidFill>
-                  <a:srgbClr val="FF00FF"/>
-                </a:solidFill>
-                <a:latin typeface="Arial" charset="0"/>
-                <a:ea typeface="Arial" charset="0"/>
-                <a:cs typeface="Arial" charset="0"/>
-                <a:sym typeface="Cabin"/>
-              </a:rPr>
-              <a:t>value</a:t>
-            </a:r>
-            <a:r>
-              <a:rPr lang="en-US" u="none" strike="noStrike" cap="none" dirty="0">
-                <a:solidFill>
                   <a:schemeClr val="lt1"/>
                 </a:solidFill>
                 <a:latin typeface="Arial" charset="0"/>
@@ -5924,11 +8130,8 @@
           </a:p>
           <a:p>
             <a:pPr marL="457200" marR="0" lvl="0" indent="-457200" algn="l" rtl="0">
-              <a:lnSpc>
-                <a:spcPct val="150000"/>
-              </a:lnSpc>
-              <a:spcBef>
-                <a:spcPts val="3500"/>
+              <a:spcBef>
+                <a:spcPts val="0"/>
               </a:spcBef>
               <a:spcAft>
                 <a:spcPts val="0"/>
@@ -6670,7 +8873,7 @@
 </p:sld>
 </file>
 
-<file path=ppt/slides/slide11.xml><?xml version="1.0" encoding="utf-8"?>
+<file path=ppt/slides/slide12.xml><?xml version="1.0" encoding="utf-8"?>
 <p:sld xmlns:a="http://schemas.openxmlformats.org/drawingml/2006/main" xmlns:r="http://schemas.openxmlformats.org/officeDocument/2006/relationships" xmlns:p="http://schemas.openxmlformats.org/presentationml/2006/main">
   <p:cSld>
     <p:spTree>
@@ -6752,7 +8955,7 @@
 </p:sld>
 </file>
 
-<file path=ppt/slides/slide12.xml><?xml version="1.0" encoding="utf-8"?>
+<file path=ppt/slides/slide13.xml><?xml version="1.0" encoding="utf-8"?>
 <p:sld xmlns:a="http://schemas.openxmlformats.org/drawingml/2006/main" xmlns:r="http://schemas.openxmlformats.org/officeDocument/2006/relationships" xmlns:p="http://schemas.openxmlformats.org/presentationml/2006/main">
   <p:cSld>
     <p:spTree>
@@ -7575,7 +9778,7 @@
 </p:sld>
 </file>
 
-<file path=ppt/slides/slide13.xml><?xml version="1.0" encoding="utf-8"?>
+<file path=ppt/slides/slide14.xml><?xml version="1.0" encoding="utf-8"?>
 <p:sld xmlns:a="http://schemas.openxmlformats.org/drawingml/2006/main" xmlns:r="http://schemas.openxmlformats.org/officeDocument/2006/relationships" xmlns:p="http://schemas.openxmlformats.org/presentationml/2006/main">
   <p:cSld>
     <p:spTree>
@@ -8425,7 +10628,7 @@
 </p:sld>
 </file>
 
-<file path=ppt/slides/slide14.xml><?xml version="1.0" encoding="utf-8"?>
+<file path=ppt/slides/slide15.xml><?xml version="1.0" encoding="utf-8"?>
 <p:sld xmlns:a="http://schemas.openxmlformats.org/drawingml/2006/main" xmlns:r="http://schemas.openxmlformats.org/officeDocument/2006/relationships" xmlns:p="http://schemas.openxmlformats.org/presentationml/2006/main">
   <p:cSld>
     <p:spTree>
@@ -9592,7 +11795,7 @@
 </p:sld>
 </file>
 
-<file path=ppt/slides/slide15.xml><?xml version="1.0" encoding="utf-8"?>
+<file path=ppt/slides/slide16.xml><?xml version="1.0" encoding="utf-8"?>
 <p:sld xmlns:a="http://schemas.openxmlformats.org/drawingml/2006/main" xmlns:r="http://schemas.openxmlformats.org/officeDocument/2006/relationships" xmlns:p="http://schemas.openxmlformats.org/presentationml/2006/main">
   <p:cSld>
     <p:spTree>
@@ -10271,7 +12474,7 @@
 </p:sld>
 </file>
 
-<file path=ppt/slides/slide16.xml><?xml version="1.0" encoding="utf-8"?>
+<file path=ppt/slides/slide17.xml><?xml version="1.0" encoding="utf-8"?>
 <p:sld xmlns:a="http://schemas.openxmlformats.org/drawingml/2006/main" xmlns:r="http://schemas.openxmlformats.org/officeDocument/2006/relationships" xmlns:p="http://schemas.openxmlformats.org/presentationml/2006/main">
   <p:cSld>
     <p:spTree>
@@ -11468,7 +13671,7 @@
 </p:sld>
 </file>
 
-<file path=ppt/slides/slide17.xml><?xml version="1.0" encoding="utf-8"?>
+<file path=ppt/slides/slide18.xml><?xml version="1.0" encoding="utf-8"?>
 <p:sld xmlns:a="http://schemas.openxmlformats.org/drawingml/2006/main" xmlns:r="http://schemas.openxmlformats.org/officeDocument/2006/relationships" xmlns:p="http://schemas.openxmlformats.org/presentationml/2006/main">
   <p:cSld>
     <p:spTree>
@@ -12480,7 +14683,7 @@
 </p:sld>
 </file>
 
-<file path=ppt/slides/slide18.xml><?xml version="1.0" encoding="utf-8"?>
+<file path=ppt/slides/slide19.xml><?xml version="1.0" encoding="utf-8"?>
 <p:sld xmlns:a="http://schemas.openxmlformats.org/drawingml/2006/main" xmlns:r="http://schemas.openxmlformats.org/officeDocument/2006/relationships" xmlns:p="http://schemas.openxmlformats.org/presentationml/2006/main">
   <p:cSld>
     <p:spTree>
@@ -13492,7 +15695,378 @@
 </p:sld>
 </file>
 
-<file path=ppt/slides/slide19.xml><?xml version="1.0" encoding="utf-8"?>
+<file path=ppt/slides/slide2.xml><?xml version="1.0" encoding="utf-8"?>
+<p:sld xmlns:a="http://schemas.openxmlformats.org/drawingml/2006/main" xmlns:r="http://schemas.openxmlformats.org/officeDocument/2006/relationships" xmlns:p="http://schemas.openxmlformats.org/presentationml/2006/main">
+  <p:cSld>
+    <p:spTree>
+      <p:nvGrpSpPr>
+        <p:cNvPr id="1" name="Shape 211"/>
+        <p:cNvGrpSpPr/>
+        <p:nvPr/>
+      </p:nvGrpSpPr>
+      <p:grpSpPr>
+        <a:xfrm>
+          <a:off x="0" y="0"/>
+          <a:ext cx="0" cy="0"/>
+          <a:chOff x="0" y="0"/>
+          <a:chExt cx="0" cy="0"/>
+        </a:xfrm>
+      </p:grpSpPr>
+      <p:sp>
+        <p:nvSpPr>
+          <p:cNvPr id="212" name="Shape 212"/>
+          <p:cNvSpPr txBox="1">
+            <a:spLocks noGrp="1"/>
+          </p:cNvSpPr>
+          <p:nvPr>
+            <p:ph type="title"/>
+          </p:nvPr>
+        </p:nvSpPr>
+        <p:spPr>
+          <a:xfrm>
+            <a:off x="1155700" y="789709"/>
+            <a:ext cx="9788525" cy="1750290"/>
+          </a:xfrm>
+          <a:prstGeom prst="rect">
+            <a:avLst/>
+          </a:prstGeom>
+          <a:noFill/>
+          <a:ln>
+            <a:noFill/>
+          </a:ln>
+        </p:spPr>
+        <p:txBody>
+          <a:bodyPr lIns="38100" tIns="38100" rIns="38100" bIns="38100" anchor="ctr" anchorCtr="0">
+            <a:noAutofit/>
+          </a:bodyPr>
+          <a:lstStyle/>
+          <a:p>
+            <a:pPr marL="0" marR="0" lvl="0" indent="0" algn="ctr" rtl="0">
+              <a:lnSpc>
+                <a:spcPct val="100000"/>
+              </a:lnSpc>
+              <a:spcBef>
+                <a:spcPts val="0"/>
+              </a:spcBef>
+              <a:spcAft>
+                <a:spcPts val="0"/>
+              </a:spcAft>
+              <a:buClr>
+                <a:srgbClr val="FF00FF"/>
+              </a:buClr>
+              <a:buSzPct val="25000"/>
+              <a:buFont typeface="Cabin"/>
+              <a:buNone/>
+            </a:pPr>
+            <a:r>
+              <a:rPr lang="en-US" sz="7600" u="none" strike="noStrike" cap="none" dirty="0">
+                <a:solidFill>
+                  <a:srgbClr val="FFD966"/>
+                </a:solidFill>
+                <a:latin typeface="Arial" charset="0"/>
+                <a:ea typeface="Arial" charset="0"/>
+                <a:cs typeface="Arial" charset="0"/>
+                <a:sym typeface="Cabin"/>
+              </a:rPr>
+              <a:t>What is a Collection?</a:t>
+            </a:r>
+          </a:p>
+        </p:txBody>
+      </p:sp>
+      <p:sp>
+        <p:nvSpPr>
+          <p:cNvPr id="213" name="Shape 213"/>
+          <p:cNvSpPr txBox="1">
+            <a:spLocks noGrp="1"/>
+          </p:cNvSpPr>
+          <p:nvPr>
+            <p:ph type="body" idx="1"/>
+          </p:nvPr>
+        </p:nvSpPr>
+        <p:spPr>
+          <a:prstGeom prst="rect">
+            <a:avLst/>
+          </a:prstGeom>
+          <a:noFill/>
+          <a:ln>
+            <a:noFill/>
+          </a:ln>
+        </p:spPr>
+        <p:txBody>
+          <a:bodyPr lIns="38100" tIns="38100" rIns="38100" bIns="38100" anchor="ctr" anchorCtr="0">
+            <a:noAutofit/>
+          </a:bodyPr>
+          <a:lstStyle/>
+          <a:p>
+            <a:pPr marL="749300" marR="0" lvl="0" indent="-371094" algn="l" rtl="0">
+              <a:lnSpc>
+                <a:spcPct val="100000"/>
+              </a:lnSpc>
+              <a:spcBef>
+                <a:spcPts val="0"/>
+              </a:spcBef>
+              <a:spcAft>
+                <a:spcPts val="0"/>
+              </a:spcAft>
+              <a:buClr>
+                <a:schemeClr val="lt1"/>
+              </a:buClr>
+              <a:buSzPct val="100000"/>
+              <a:buFont typeface="Cabin"/>
+              <a:buChar char="•"/>
+            </a:pPr>
+            <a:r>
+              <a:rPr lang="en-US" sz="3600" u="none" strike="noStrike" cap="none" dirty="0">
+                <a:solidFill>
+                  <a:schemeClr val="lt1"/>
+                </a:solidFill>
+                <a:latin typeface="Arial" charset="0"/>
+                <a:ea typeface="Arial" charset="0"/>
+                <a:cs typeface="Arial" charset="0"/>
+                <a:sym typeface="Cabin"/>
+              </a:rPr>
+              <a:t>A collection is nice because we can put more than one value in </a:t>
+            </a:r>
+            <a:r>
+              <a:rPr lang="en-US" sz="3600" dirty="0">
+                <a:solidFill>
+                  <a:schemeClr val="lt1"/>
+                </a:solidFill>
+                <a:latin typeface="Arial" charset="0"/>
+                <a:ea typeface="Arial" charset="0"/>
+                <a:cs typeface="Arial" charset="0"/>
+                <a:sym typeface="Cabin"/>
+              </a:rPr>
+              <a:t>it</a:t>
+            </a:r>
+            <a:r>
+              <a:rPr lang="en-US" sz="3600" u="none" strike="noStrike" cap="none" dirty="0">
+                <a:solidFill>
+                  <a:schemeClr val="lt1"/>
+                </a:solidFill>
+                <a:latin typeface="Arial" charset="0"/>
+                <a:ea typeface="Arial" charset="0"/>
+                <a:cs typeface="Arial" charset="0"/>
+                <a:sym typeface="Cabin"/>
+              </a:rPr>
+              <a:t> and carry them all around in one convenient package</a:t>
+            </a:r>
+          </a:p>
+          <a:p>
+            <a:pPr marL="749300" marR="0" lvl="0" indent="-371094" algn="l" rtl="0">
+              <a:lnSpc>
+                <a:spcPct val="100000"/>
+              </a:lnSpc>
+              <a:spcBef>
+                <a:spcPts val="3500"/>
+              </a:spcBef>
+              <a:spcAft>
+                <a:spcPts val="0"/>
+              </a:spcAft>
+              <a:buClr>
+                <a:schemeClr val="lt1"/>
+              </a:buClr>
+              <a:buSzPct val="100000"/>
+              <a:buFont typeface="Cabin"/>
+              <a:buChar char="•"/>
+            </a:pPr>
+            <a:r>
+              <a:rPr lang="en-US" sz="3600" u="none" strike="noStrike" cap="none" dirty="0">
+                <a:solidFill>
+                  <a:schemeClr val="lt1"/>
+                </a:solidFill>
+                <a:latin typeface="Arial" charset="0"/>
+                <a:ea typeface="Arial" charset="0"/>
+                <a:cs typeface="Arial" charset="0"/>
+                <a:sym typeface="Cabin"/>
+              </a:rPr>
+              <a:t>We have a bunch of values in a single </a:t>
+            </a:r>
+            <a:r>
+              <a:rPr lang="en-US" sz="3600" b="0" i="0" u="none" strike="noStrike" cap="none" dirty="0">
+                <a:solidFill>
+                  <a:schemeClr val="lt1"/>
+                </a:solidFill>
+                <a:latin typeface="Arial"/>
+                <a:ea typeface="Arial"/>
+                <a:cs typeface="Arial"/>
+                <a:sym typeface="Arial"/>
+              </a:rPr>
+              <a:t>“</a:t>
+            </a:r>
+            <a:r>
+              <a:rPr lang="en-US" sz="3600" u="none" strike="noStrike" cap="none" dirty="0">
+                <a:solidFill>
+                  <a:schemeClr val="lt1"/>
+                </a:solidFill>
+                <a:latin typeface="Arial" charset="0"/>
+                <a:ea typeface="Arial" charset="0"/>
+                <a:cs typeface="Arial" charset="0"/>
+                <a:sym typeface="Cabin"/>
+              </a:rPr>
+              <a:t>variable</a:t>
+            </a:r>
+            <a:r>
+              <a:rPr lang="en-US" sz="3600" b="0" i="0" u="none" strike="noStrike" cap="none" dirty="0">
+                <a:solidFill>
+                  <a:schemeClr val="lt1"/>
+                </a:solidFill>
+                <a:latin typeface="Arial"/>
+                <a:ea typeface="Arial"/>
+                <a:cs typeface="Arial"/>
+                <a:sym typeface="Arial"/>
+              </a:rPr>
+              <a:t>”</a:t>
+            </a:r>
+          </a:p>
+          <a:p>
+            <a:pPr marL="749300" marR="0" lvl="0" indent="-371094" algn="l" rtl="0">
+              <a:lnSpc>
+                <a:spcPct val="100000"/>
+              </a:lnSpc>
+              <a:spcBef>
+                <a:spcPts val="3500"/>
+              </a:spcBef>
+              <a:spcAft>
+                <a:spcPts val="0"/>
+              </a:spcAft>
+              <a:buClr>
+                <a:schemeClr val="lt1"/>
+              </a:buClr>
+              <a:buSzPct val="100000"/>
+              <a:buFont typeface="Cabin"/>
+              <a:buChar char="•"/>
+            </a:pPr>
+            <a:r>
+              <a:rPr lang="en-US" sz="3600" u="none" strike="noStrike" cap="none" dirty="0">
+                <a:solidFill>
+                  <a:schemeClr val="lt1"/>
+                </a:solidFill>
+                <a:latin typeface="Arial" charset="0"/>
+                <a:ea typeface="Arial" charset="0"/>
+                <a:cs typeface="Arial" charset="0"/>
+                <a:sym typeface="Cabin"/>
+              </a:rPr>
+              <a:t>We do this by having more than one place </a:t>
+            </a:r>
+            <a:r>
+              <a:rPr lang="en-US" sz="3600" b="0" i="0" u="none" strike="noStrike" cap="none" dirty="0">
+                <a:solidFill>
+                  <a:schemeClr val="lt1"/>
+                </a:solidFill>
+                <a:latin typeface="Arial"/>
+                <a:ea typeface="Arial"/>
+                <a:cs typeface="Arial"/>
+                <a:sym typeface="Arial"/>
+              </a:rPr>
+              <a:t>“</a:t>
+            </a:r>
+            <a:r>
+              <a:rPr lang="en-US" sz="3600" u="none" strike="noStrike" cap="none" dirty="0">
+                <a:solidFill>
+                  <a:schemeClr val="lt1"/>
+                </a:solidFill>
+                <a:latin typeface="Arial" charset="0"/>
+                <a:ea typeface="Arial" charset="0"/>
+                <a:cs typeface="Arial" charset="0"/>
+                <a:sym typeface="Cabin"/>
+              </a:rPr>
+              <a:t>in</a:t>
+            </a:r>
+            <a:r>
+              <a:rPr lang="en-US" sz="3600" b="0" i="0" u="none" strike="noStrike" cap="none" dirty="0">
+                <a:solidFill>
+                  <a:schemeClr val="lt1"/>
+                </a:solidFill>
+                <a:latin typeface="Arial"/>
+                <a:ea typeface="Arial"/>
+                <a:cs typeface="Arial"/>
+                <a:sym typeface="Arial"/>
+              </a:rPr>
+              <a:t>”</a:t>
+            </a:r>
+            <a:r>
+              <a:rPr lang="en-US" sz="3600" u="none" strike="noStrike" cap="none" dirty="0">
+                <a:solidFill>
+                  <a:schemeClr val="lt1"/>
+                </a:solidFill>
+                <a:latin typeface="Arial" charset="0"/>
+                <a:ea typeface="Arial" charset="0"/>
+                <a:cs typeface="Arial" charset="0"/>
+                <a:sym typeface="Cabin"/>
+              </a:rPr>
+              <a:t> the variable</a:t>
+            </a:r>
+          </a:p>
+          <a:p>
+            <a:pPr marL="749300" marR="0" lvl="0" indent="-371094" algn="l" rtl="0">
+              <a:lnSpc>
+                <a:spcPct val="100000"/>
+              </a:lnSpc>
+              <a:spcBef>
+                <a:spcPts val="3500"/>
+              </a:spcBef>
+              <a:spcAft>
+                <a:spcPts val="0"/>
+              </a:spcAft>
+              <a:buClr>
+                <a:schemeClr val="lt1"/>
+              </a:buClr>
+              <a:buSzPct val="100000"/>
+              <a:buFont typeface="Cabin"/>
+              <a:buChar char="•"/>
+            </a:pPr>
+            <a:r>
+              <a:rPr lang="en-US" sz="3600" u="none" strike="noStrike" cap="none" dirty="0">
+                <a:solidFill>
+                  <a:schemeClr val="lt1"/>
+                </a:solidFill>
+                <a:latin typeface="Arial" charset="0"/>
+                <a:ea typeface="Arial" charset="0"/>
+                <a:cs typeface="Arial" charset="0"/>
+                <a:sym typeface="Cabin"/>
+              </a:rPr>
+              <a:t>We have ways of finding the different places in the variable</a:t>
+            </a:r>
+          </a:p>
+        </p:txBody>
+      </p:sp>
+      <p:pic>
+        <p:nvPicPr>
+          <p:cNvPr id="214" name="Shape 214"/>
+          <p:cNvPicPr preferRelativeResize="0"/>
+          <p:nvPr/>
+        </p:nvPicPr>
+        <p:blipFill rotWithShape="1">
+          <a:blip r:embed="rId3">
+            <a:alphaModFix/>
+          </a:blip>
+          <a:srcRect/>
+          <a:stretch/>
+        </p:blipFill>
+        <p:spPr>
+          <a:xfrm>
+            <a:off x="12515849" y="860850"/>
+            <a:ext cx="2357975" cy="1742650"/>
+          </a:xfrm>
+          <a:prstGeom prst="rect">
+            <a:avLst/>
+          </a:prstGeom>
+          <a:noFill/>
+          <a:ln>
+            <a:noFill/>
+          </a:ln>
+        </p:spPr>
+      </p:pic>
+    </p:spTree>
+  </p:cSld>
+  <p:clrMapOvr>
+    <a:masterClrMapping/>
+  </p:clrMapOvr>
+</p:sld>
+</file>
+
+<file path=ppt/slides/slide20.xml><?xml version="1.0" encoding="utf-8"?>
 <p:sld xmlns:a="http://schemas.openxmlformats.org/drawingml/2006/main" xmlns:r="http://schemas.openxmlformats.org/officeDocument/2006/relationships" xmlns:p="http://schemas.openxmlformats.org/presentationml/2006/main">
   <p:cSld>
     <p:spTree>
@@ -14284,378 +16858,7 @@
 </p:sld>
 </file>
 
-<file path=ppt/slides/slide2.xml><?xml version="1.0" encoding="utf-8"?>
-<p:sld xmlns:a="http://schemas.openxmlformats.org/drawingml/2006/main" xmlns:r="http://schemas.openxmlformats.org/officeDocument/2006/relationships" xmlns:p="http://schemas.openxmlformats.org/presentationml/2006/main">
-  <p:cSld>
-    <p:spTree>
-      <p:nvGrpSpPr>
-        <p:cNvPr id="1" name="Shape 211"/>
-        <p:cNvGrpSpPr/>
-        <p:nvPr/>
-      </p:nvGrpSpPr>
-      <p:grpSpPr>
-        <a:xfrm>
-          <a:off x="0" y="0"/>
-          <a:ext cx="0" cy="0"/>
-          <a:chOff x="0" y="0"/>
-          <a:chExt cx="0" cy="0"/>
-        </a:xfrm>
-      </p:grpSpPr>
-      <p:sp>
-        <p:nvSpPr>
-          <p:cNvPr id="212" name="Shape 212"/>
-          <p:cNvSpPr txBox="1">
-            <a:spLocks noGrp="1"/>
-          </p:cNvSpPr>
-          <p:nvPr>
-            <p:ph type="title"/>
-          </p:nvPr>
-        </p:nvSpPr>
-        <p:spPr>
-          <a:xfrm>
-            <a:off x="1155700" y="789709"/>
-            <a:ext cx="9788525" cy="1750290"/>
-          </a:xfrm>
-          <a:prstGeom prst="rect">
-            <a:avLst/>
-          </a:prstGeom>
-          <a:noFill/>
-          <a:ln>
-            <a:noFill/>
-          </a:ln>
-        </p:spPr>
-        <p:txBody>
-          <a:bodyPr lIns="38100" tIns="38100" rIns="38100" bIns="38100" anchor="ctr" anchorCtr="0">
-            <a:noAutofit/>
-          </a:bodyPr>
-          <a:lstStyle/>
-          <a:p>
-            <a:pPr marL="0" marR="0" lvl="0" indent="0" algn="ctr" rtl="0">
-              <a:lnSpc>
-                <a:spcPct val="100000"/>
-              </a:lnSpc>
-              <a:spcBef>
-                <a:spcPts val="0"/>
-              </a:spcBef>
-              <a:spcAft>
-                <a:spcPts val="0"/>
-              </a:spcAft>
-              <a:buClr>
-                <a:srgbClr val="FF00FF"/>
-              </a:buClr>
-              <a:buSzPct val="25000"/>
-              <a:buFont typeface="Cabin"/>
-              <a:buNone/>
-            </a:pPr>
-            <a:r>
-              <a:rPr lang="en-US" sz="7600" u="none" strike="noStrike" cap="none">
-                <a:solidFill>
-                  <a:srgbClr val="FFD966"/>
-                </a:solidFill>
-                <a:latin typeface="Arial" charset="0"/>
-                <a:ea typeface="Arial" charset="0"/>
-                <a:cs typeface="Arial" charset="0"/>
-                <a:sym typeface="Cabin"/>
-              </a:rPr>
-              <a:t>What is a Collection?</a:t>
-            </a:r>
-          </a:p>
-        </p:txBody>
-      </p:sp>
-      <p:sp>
-        <p:nvSpPr>
-          <p:cNvPr id="213" name="Shape 213"/>
-          <p:cNvSpPr txBox="1">
-            <a:spLocks noGrp="1"/>
-          </p:cNvSpPr>
-          <p:nvPr>
-            <p:ph type="body" idx="1"/>
-          </p:nvPr>
-        </p:nvSpPr>
-        <p:spPr>
-          <a:prstGeom prst="rect">
-            <a:avLst/>
-          </a:prstGeom>
-          <a:noFill/>
-          <a:ln>
-            <a:noFill/>
-          </a:ln>
-        </p:spPr>
-        <p:txBody>
-          <a:bodyPr lIns="38100" tIns="38100" rIns="38100" bIns="38100" anchor="ctr" anchorCtr="0">
-            <a:noAutofit/>
-          </a:bodyPr>
-          <a:lstStyle/>
-          <a:p>
-            <a:pPr marL="749300" marR="0" lvl="0" indent="-371094" algn="l" rtl="0">
-              <a:lnSpc>
-                <a:spcPct val="100000"/>
-              </a:lnSpc>
-              <a:spcBef>
-                <a:spcPts val="0"/>
-              </a:spcBef>
-              <a:spcAft>
-                <a:spcPts val="0"/>
-              </a:spcAft>
-              <a:buClr>
-                <a:schemeClr val="lt1"/>
-              </a:buClr>
-              <a:buSzPct val="100000"/>
-              <a:buFont typeface="Cabin"/>
-              <a:buChar char="•"/>
-            </a:pPr>
-            <a:r>
-              <a:rPr lang="en-US" sz="3600" u="none" strike="noStrike" cap="none">
-                <a:solidFill>
-                  <a:schemeClr val="lt1"/>
-                </a:solidFill>
-                <a:latin typeface="Arial" charset="0"/>
-                <a:ea typeface="Arial" charset="0"/>
-                <a:cs typeface="Arial" charset="0"/>
-                <a:sym typeface="Cabin"/>
-              </a:rPr>
-              <a:t>A collection is nice because we can put more than one value in </a:t>
-            </a:r>
-            <a:r>
-              <a:rPr lang="en-US" sz="3600">
-                <a:solidFill>
-                  <a:schemeClr val="lt1"/>
-                </a:solidFill>
-                <a:latin typeface="Arial" charset="0"/>
-                <a:ea typeface="Arial" charset="0"/>
-                <a:cs typeface="Arial" charset="0"/>
-                <a:sym typeface="Cabin"/>
-              </a:rPr>
-              <a:t>it</a:t>
-            </a:r>
-            <a:r>
-              <a:rPr lang="en-US" sz="3600" u="none" strike="noStrike" cap="none">
-                <a:solidFill>
-                  <a:schemeClr val="lt1"/>
-                </a:solidFill>
-                <a:latin typeface="Arial" charset="0"/>
-                <a:ea typeface="Arial" charset="0"/>
-                <a:cs typeface="Arial" charset="0"/>
-                <a:sym typeface="Cabin"/>
-              </a:rPr>
-              <a:t> and carry them all around in one convenient package</a:t>
-            </a:r>
-          </a:p>
-          <a:p>
-            <a:pPr marL="749300" marR="0" lvl="0" indent="-371094" algn="l" rtl="0">
-              <a:lnSpc>
-                <a:spcPct val="100000"/>
-              </a:lnSpc>
-              <a:spcBef>
-                <a:spcPts val="3500"/>
-              </a:spcBef>
-              <a:spcAft>
-                <a:spcPts val="0"/>
-              </a:spcAft>
-              <a:buClr>
-                <a:schemeClr val="lt1"/>
-              </a:buClr>
-              <a:buSzPct val="100000"/>
-              <a:buFont typeface="Cabin"/>
-              <a:buChar char="•"/>
-            </a:pPr>
-            <a:r>
-              <a:rPr lang="en-US" sz="3600" u="none" strike="noStrike" cap="none">
-                <a:solidFill>
-                  <a:schemeClr val="lt1"/>
-                </a:solidFill>
-                <a:latin typeface="Arial" charset="0"/>
-                <a:ea typeface="Arial" charset="0"/>
-                <a:cs typeface="Arial" charset="0"/>
-                <a:sym typeface="Cabin"/>
-              </a:rPr>
-              <a:t>We have a bunch of values in a single </a:t>
-            </a:r>
-            <a:r>
-              <a:rPr lang="en-US" sz="3600" b="0" i="0" u="none" strike="noStrike" cap="none">
-                <a:solidFill>
-                  <a:schemeClr val="lt1"/>
-                </a:solidFill>
-                <a:latin typeface="Arial"/>
-                <a:ea typeface="Arial"/>
-                <a:cs typeface="Arial"/>
-                <a:sym typeface="Arial"/>
-              </a:rPr>
-              <a:t>“</a:t>
-            </a:r>
-            <a:r>
-              <a:rPr lang="en-US" sz="3600" u="none" strike="noStrike" cap="none">
-                <a:solidFill>
-                  <a:schemeClr val="lt1"/>
-                </a:solidFill>
-                <a:latin typeface="Arial" charset="0"/>
-                <a:ea typeface="Arial" charset="0"/>
-                <a:cs typeface="Arial" charset="0"/>
-                <a:sym typeface="Cabin"/>
-              </a:rPr>
-              <a:t>variable</a:t>
-            </a:r>
-            <a:r>
-              <a:rPr lang="en-US" sz="3600" b="0" i="0" u="none" strike="noStrike" cap="none">
-                <a:solidFill>
-                  <a:schemeClr val="lt1"/>
-                </a:solidFill>
-                <a:latin typeface="Arial"/>
-                <a:ea typeface="Arial"/>
-                <a:cs typeface="Arial"/>
-                <a:sym typeface="Arial"/>
-              </a:rPr>
-              <a:t>”</a:t>
-            </a:r>
-          </a:p>
-          <a:p>
-            <a:pPr marL="749300" marR="0" lvl="0" indent="-371094" algn="l" rtl="0">
-              <a:lnSpc>
-                <a:spcPct val="100000"/>
-              </a:lnSpc>
-              <a:spcBef>
-                <a:spcPts val="3500"/>
-              </a:spcBef>
-              <a:spcAft>
-                <a:spcPts val="0"/>
-              </a:spcAft>
-              <a:buClr>
-                <a:schemeClr val="lt1"/>
-              </a:buClr>
-              <a:buSzPct val="100000"/>
-              <a:buFont typeface="Cabin"/>
-              <a:buChar char="•"/>
-            </a:pPr>
-            <a:r>
-              <a:rPr lang="en-US" sz="3600" u="none" strike="noStrike" cap="none">
-                <a:solidFill>
-                  <a:schemeClr val="lt1"/>
-                </a:solidFill>
-                <a:latin typeface="Arial" charset="0"/>
-                <a:ea typeface="Arial" charset="0"/>
-                <a:cs typeface="Arial" charset="0"/>
-                <a:sym typeface="Cabin"/>
-              </a:rPr>
-              <a:t>We do this by having more than one place </a:t>
-            </a:r>
-            <a:r>
-              <a:rPr lang="en-US" sz="3600" b="0" i="0" u="none" strike="noStrike" cap="none">
-                <a:solidFill>
-                  <a:schemeClr val="lt1"/>
-                </a:solidFill>
-                <a:latin typeface="Arial"/>
-                <a:ea typeface="Arial"/>
-                <a:cs typeface="Arial"/>
-                <a:sym typeface="Arial"/>
-              </a:rPr>
-              <a:t>“</a:t>
-            </a:r>
-            <a:r>
-              <a:rPr lang="en-US" sz="3600" u="none" strike="noStrike" cap="none">
-                <a:solidFill>
-                  <a:schemeClr val="lt1"/>
-                </a:solidFill>
-                <a:latin typeface="Arial" charset="0"/>
-                <a:ea typeface="Arial" charset="0"/>
-                <a:cs typeface="Arial" charset="0"/>
-                <a:sym typeface="Cabin"/>
-              </a:rPr>
-              <a:t>in</a:t>
-            </a:r>
-            <a:r>
-              <a:rPr lang="en-US" sz="3600" b="0" i="0" u="none" strike="noStrike" cap="none">
-                <a:solidFill>
-                  <a:schemeClr val="lt1"/>
-                </a:solidFill>
-                <a:latin typeface="Arial"/>
-                <a:ea typeface="Arial"/>
-                <a:cs typeface="Arial"/>
-                <a:sym typeface="Arial"/>
-              </a:rPr>
-              <a:t>”</a:t>
-            </a:r>
-            <a:r>
-              <a:rPr lang="en-US" sz="3600" u="none" strike="noStrike" cap="none">
-                <a:solidFill>
-                  <a:schemeClr val="lt1"/>
-                </a:solidFill>
-                <a:latin typeface="Arial" charset="0"/>
-                <a:ea typeface="Arial" charset="0"/>
-                <a:cs typeface="Arial" charset="0"/>
-                <a:sym typeface="Cabin"/>
-              </a:rPr>
-              <a:t> the variable</a:t>
-            </a:r>
-          </a:p>
-          <a:p>
-            <a:pPr marL="749300" marR="0" lvl="0" indent="-371094" algn="l" rtl="0">
-              <a:lnSpc>
-                <a:spcPct val="100000"/>
-              </a:lnSpc>
-              <a:spcBef>
-                <a:spcPts val="3500"/>
-              </a:spcBef>
-              <a:spcAft>
-                <a:spcPts val="0"/>
-              </a:spcAft>
-              <a:buClr>
-                <a:schemeClr val="lt1"/>
-              </a:buClr>
-              <a:buSzPct val="100000"/>
-              <a:buFont typeface="Cabin"/>
-              <a:buChar char="•"/>
-            </a:pPr>
-            <a:r>
-              <a:rPr lang="en-US" sz="3600" u="none" strike="noStrike" cap="none">
-                <a:solidFill>
-                  <a:schemeClr val="lt1"/>
-                </a:solidFill>
-                <a:latin typeface="Arial" charset="0"/>
-                <a:ea typeface="Arial" charset="0"/>
-                <a:cs typeface="Arial" charset="0"/>
-                <a:sym typeface="Cabin"/>
-              </a:rPr>
-              <a:t>We have ways of finding the different places in the variable</a:t>
-            </a:r>
-          </a:p>
-        </p:txBody>
-      </p:sp>
-      <p:pic>
-        <p:nvPicPr>
-          <p:cNvPr id="214" name="Shape 214"/>
-          <p:cNvPicPr preferRelativeResize="0"/>
-          <p:nvPr/>
-        </p:nvPicPr>
-        <p:blipFill rotWithShape="1">
-          <a:blip r:embed="rId3">
-            <a:alphaModFix/>
-          </a:blip>
-          <a:srcRect/>
-          <a:stretch/>
-        </p:blipFill>
-        <p:spPr>
-          <a:xfrm>
-            <a:off x="12515849" y="860850"/>
-            <a:ext cx="2357975" cy="1742650"/>
-          </a:xfrm>
-          <a:prstGeom prst="rect">
-            <a:avLst/>
-          </a:prstGeom>
-          <a:noFill/>
-          <a:ln>
-            <a:noFill/>
-          </a:ln>
-        </p:spPr>
-      </p:pic>
-    </p:spTree>
-  </p:cSld>
-  <p:clrMapOvr>
-    <a:masterClrMapping/>
-  </p:clrMapOvr>
-</p:sld>
-</file>
-
-<file path=ppt/slides/slide20.xml><?xml version="1.0" encoding="utf-8"?>
+<file path=ppt/slides/slide21.xml><?xml version="1.0" encoding="utf-8"?>
 <p:sld xmlns:a="http://schemas.openxmlformats.org/drawingml/2006/main" xmlns:r="http://schemas.openxmlformats.org/officeDocument/2006/relationships" xmlns:p="http://schemas.openxmlformats.org/presentationml/2006/main">
   <p:cSld>
     <p:spTree>
@@ -14726,7 +16929,7 @@
 </p:sld>
 </file>
 
-<file path=ppt/slides/slide21.xml><?xml version="1.0" encoding="utf-8"?>
+<file path=ppt/slides/slide22.xml><?xml version="1.0" encoding="utf-8"?>
 <p:sld xmlns:a="http://schemas.openxmlformats.org/drawingml/2006/main" xmlns:r="http://schemas.openxmlformats.org/officeDocument/2006/relationships" xmlns:p="http://schemas.openxmlformats.org/presentationml/2006/main">
   <p:cSld>
     <p:spTree>
@@ -15075,7 +17278,7 @@
 </p:sld>
 </file>
 
-<file path=ppt/slides/slide22.xml><?xml version="1.0" encoding="utf-8"?>
+<file path=ppt/slides/slide23.xml><?xml version="1.0" encoding="utf-8"?>
 <p:sld xmlns:a="http://schemas.openxmlformats.org/drawingml/2006/main" xmlns:r="http://schemas.openxmlformats.org/officeDocument/2006/relationships" xmlns:p="http://schemas.openxmlformats.org/presentationml/2006/main">
   <p:cSld>
     <p:spTree>
@@ -15961,7 +18164,7 @@
 </p:sld>
 </file>
 
-<file path=ppt/slides/slide23.xml><?xml version="1.0" encoding="utf-8"?>
+<file path=ppt/slides/slide24.xml><?xml version="1.0" encoding="utf-8"?>
 <p:sld xmlns:a="http://schemas.openxmlformats.org/drawingml/2006/main" xmlns:r="http://schemas.openxmlformats.org/officeDocument/2006/relationships" xmlns:p="http://schemas.openxmlformats.org/presentationml/2006/main">
   <p:cSld>
     <p:spTree>
@@ -16557,7 +18760,7 @@
 </p:sld>
 </file>
 
-<file path=ppt/slides/slide24.xml><?xml version="1.0" encoding="utf-8"?>
+<file path=ppt/slides/slide25.xml><?xml version="1.0" encoding="utf-8"?>
 <p:sld xmlns:a="http://schemas.openxmlformats.org/drawingml/2006/main" xmlns:r="http://schemas.openxmlformats.org/officeDocument/2006/relationships" xmlns:p="http://schemas.openxmlformats.org/presentationml/2006/main">
   <p:cSld>
     <p:spTree>
@@ -17592,7 +19795,7 @@
 </p:sld>
 </file>
 
-<file path=ppt/slides/slide25.xml><?xml version="1.0" encoding="utf-8"?>
+<file path=ppt/slides/slide26.xml><?xml version="1.0" encoding="utf-8"?>
 <p:sld xmlns:a="http://schemas.openxmlformats.org/drawingml/2006/main" xmlns:r="http://schemas.openxmlformats.org/officeDocument/2006/relationships" xmlns:p="http://schemas.openxmlformats.org/presentationml/2006/main">
   <p:cSld>
     <p:spTree>
@@ -18525,7 +20728,7 @@
 </p:sld>
 </file>
 
-<file path=ppt/slides/slide26.xml><?xml version="1.0" encoding="utf-8"?>
+<file path=ppt/slides/slide27.xml><?xml version="1.0" encoding="utf-8"?>
 <p:sld xmlns:a="http://schemas.openxmlformats.org/drawingml/2006/main" xmlns:r="http://schemas.openxmlformats.org/officeDocument/2006/relationships" xmlns:p="http://schemas.openxmlformats.org/presentationml/2006/main">
   <p:cSld>
     <p:spTree>
@@ -19675,7 +21878,7 @@
 </p:sld>
 </file>
 
-<file path=ppt/slides/slide27.xml><?xml version="1.0" encoding="utf-8"?>
+<file path=ppt/slides/slide28.xml><?xml version="1.0" encoding="utf-8"?>
 <p:sld xmlns:a="http://schemas.openxmlformats.org/drawingml/2006/main" xmlns:r="http://schemas.openxmlformats.org/officeDocument/2006/relationships" xmlns:p="http://schemas.openxmlformats.org/presentationml/2006/main">
   <p:cSld>
     <p:spTree>
@@ -21013,7 +23216,7 @@
 </p:sld>
 </file>
 
-<file path=ppt/slides/slide28.xml><?xml version="1.0" encoding="utf-8"?>
+<file path=ppt/slides/slide29.xml><?xml version="1.0" encoding="utf-8"?>
 <p:sld xmlns:a="http://schemas.openxmlformats.org/drawingml/2006/main" xmlns:r="http://schemas.openxmlformats.org/officeDocument/2006/relationships" xmlns:p="http://schemas.openxmlformats.org/presentationml/2006/main">
   <p:cSld>
     <p:spTree>
@@ -22308,115 +24511,6 @@
         <p14:creationId xmlns:p14="http://schemas.microsoft.com/office/powerpoint/2010/main" val="1572319757"/>
       </p:ext>
     </p:extLst>
-  </p:cSld>
-  <p:clrMapOvr>
-    <a:masterClrMapping/>
-  </p:clrMapOvr>
-</p:sld>
-</file>
-
-<file path=ppt/slides/slide29.xml><?xml version="1.0" encoding="utf-8"?>
-<p:sld xmlns:a="http://schemas.openxmlformats.org/drawingml/2006/main" xmlns:r="http://schemas.openxmlformats.org/officeDocument/2006/relationships" xmlns:p="http://schemas.openxmlformats.org/presentationml/2006/main">
-  <p:cSld>
-    <p:spTree>
-      <p:nvGrpSpPr>
-        <p:cNvPr id="1" name="Shape 493"/>
-        <p:cNvGrpSpPr/>
-        <p:nvPr/>
-      </p:nvGrpSpPr>
-      <p:grpSpPr>
-        <a:xfrm>
-          <a:off x="0" y="0"/>
-          <a:ext cx="0" cy="0"/>
-          <a:chOff x="0" y="0"/>
-          <a:chExt cx="0" cy="0"/>
-        </a:xfrm>
-      </p:grpSpPr>
-      <p:sp>
-        <p:nvSpPr>
-          <p:cNvPr id="494" name="Shape 494"/>
-          <p:cNvSpPr txBox="1">
-            <a:spLocks noGrp="1"/>
-          </p:cNvSpPr>
-          <p:nvPr>
-            <p:ph type="title"/>
-          </p:nvPr>
-        </p:nvSpPr>
-        <p:spPr>
-          <a:prstGeom prst="rect">
-            <a:avLst/>
-          </a:prstGeom>
-          <a:noFill/>
-          <a:ln>
-            <a:noFill/>
-          </a:ln>
-        </p:spPr>
-        <p:txBody>
-          <a:bodyPr lIns="38100" tIns="38100" rIns="38100" bIns="38100" anchor="ctr" anchorCtr="0">
-            <a:noAutofit/>
-          </a:bodyPr>
-          <a:lstStyle/>
-          <a:p>
-            <a:pPr marL="0" marR="0" lvl="0" indent="0" algn="ctr" rtl="0">
-              <a:lnSpc>
-                <a:spcPct val="100000"/>
-              </a:lnSpc>
-              <a:spcBef>
-                <a:spcPts val="0"/>
-              </a:spcBef>
-              <a:spcAft>
-                <a:spcPts val="0"/>
-              </a:spcAft>
-              <a:buClr>
-                <a:srgbClr val="00FF00"/>
-              </a:buClr>
-              <a:buSzPct val="25000"/>
-              <a:buFont typeface="Cabin"/>
-              <a:buNone/>
-            </a:pPr>
-            <a:r>
-              <a:rPr lang="en-US" sz="7600" u="none" strike="noStrike" cap="none" dirty="0">
-                <a:solidFill>
-                  <a:srgbClr val="FFD966"/>
-                </a:solidFill>
-                <a:latin typeface="Arial" charset="0"/>
-                <a:ea typeface="Arial" charset="0"/>
-                <a:cs typeface="Arial" charset="0"/>
-                <a:sym typeface="Cabin"/>
-              </a:rPr>
-              <a:t>Summary</a:t>
-            </a:r>
-          </a:p>
-        </p:txBody>
-      </p:sp>
-      <p:pic>
-        <p:nvPicPr>
-          <p:cNvPr id="495" name="Shape 495"/>
-          <p:cNvPicPr preferRelativeResize="0"/>
-          <p:nvPr/>
-        </p:nvPicPr>
-        <p:blipFill rotWithShape="1">
-          <a:blip r:embed="rId3">
-            <a:alphaModFix/>
-          </a:blip>
-          <a:srcRect/>
-          <a:stretch/>
-        </p:blipFill>
-        <p:spPr>
-          <a:xfrm>
-            <a:off x="1152526" y="2160493"/>
-            <a:ext cx="13935074" cy="6022974"/>
-          </a:xfrm>
-          <a:prstGeom prst="rect">
-            <a:avLst/>
-          </a:prstGeom>
-          <a:noFill/>
-          <a:ln>
-            <a:noFill/>
-          </a:ln>
-        </p:spPr>
-      </p:pic>
-    </p:spTree>
   </p:cSld>
   <p:clrMapOvr>
     <a:masterClrMapping/>
@@ -22484,7 +24578,7 @@
               <a:buNone/>
             </a:pPr>
             <a:r>
-              <a:rPr lang="en-US" sz="7600" u="none" strike="noStrike" cap="none">
+              <a:rPr lang="en-US" sz="7600" u="none" strike="noStrike" cap="none" dirty="0">
                 <a:solidFill>
                   <a:srgbClr val="FFD966"/>
                 </a:solidFill>
@@ -22496,7 +24590,7 @@
               <a:t>What is Not a </a:t>
             </a:r>
             <a:r>
-              <a:rPr lang="en-US" sz="7600" b="0" i="0" u="none" strike="noStrike" cap="none">
+              <a:rPr lang="en-US" sz="7600" b="0" i="0" u="none" strike="noStrike" cap="none" dirty="0">
                 <a:solidFill>
                   <a:srgbClr val="FFD966"/>
                 </a:solidFill>
@@ -22508,7 +24602,7 @@
               <a:t>“</a:t>
             </a:r>
             <a:r>
-              <a:rPr lang="en-US" sz="7600" u="none" strike="noStrike" cap="none">
+              <a:rPr lang="en-US" sz="7600" u="none" strike="noStrike" cap="none" dirty="0">
                 <a:solidFill>
                   <a:srgbClr val="FFD966"/>
                 </a:solidFill>
@@ -22520,7 +24614,7 @@
               <a:t>Collection</a:t>
             </a:r>
             <a:r>
-              <a:rPr lang="en-US" sz="7600" b="0" i="0" u="none" strike="noStrike" cap="none">
+              <a:rPr lang="en-US" sz="7600" b="0" i="0" u="none" strike="noStrike" cap="none" dirty="0">
                 <a:solidFill>
                   <a:srgbClr val="FFD966"/>
                 </a:solidFill>
@@ -23496,7 +25590,7 @@
         <p:spPr>
           <a:xfrm>
             <a:off x="608202" y="2603500"/>
-            <a:ext cx="14479398" cy="5702299"/>
+            <a:ext cx="8300054" cy="4968875"/>
           </a:xfrm>
           <a:prstGeom prst="rect">
             <a:avLst/>
@@ -23530,7 +25624,7 @@
               <a:buChar char="•"/>
             </a:pPr>
             <a:r>
-              <a:rPr lang="en-US" sz="3600" u="none" strike="noStrike" cap="none">
+              <a:rPr lang="en-US" sz="3600" u="none" strike="noStrike" cap="none" dirty="0">
                 <a:solidFill>
                   <a:srgbClr val="00FF00"/>
                 </a:solidFill>
@@ -23560,34 +25654,41 @@
               <a:buNone/>
             </a:pPr>
             <a:r>
-              <a:rPr lang="en-US" sz="3600" u="none" strike="noStrike" cap="none">
-                <a:solidFill>
-                  <a:schemeClr val="lt1"/>
-                </a:solidFill>
-                <a:latin typeface="Arial" charset="0"/>
-                <a:ea typeface="Arial" charset="0"/>
-                <a:cs typeface="Arial" charset="0"/>
-                <a:sym typeface="Cabin"/>
-              </a:rPr>
-              <a:t> - A linear collection of values that stay in order</a:t>
-            </a:r>
-          </a:p>
-          <a:p>
-            <a:pPr marL="568706" marR="0" lvl="0" indent="-390906" algn="l" rtl="0">
-              <a:spcBef>
-                <a:spcPts val="3500"/>
-              </a:spcBef>
-              <a:spcAft>
-                <a:spcPts val="0"/>
-              </a:spcAft>
-              <a:buClr>
-                <a:schemeClr val="lt1"/>
-              </a:buClr>
-              <a:buSzPct val="171000"/>
-              <a:buFont typeface="Cabin"/>
-              <a:buNone/>
-            </a:pPr>
-            <a:endParaRPr sz="3600" u="none" strike="noStrike" cap="none">
+              <a:rPr lang="en-US" sz="3600" dirty="0">
+                <a:solidFill>
+                  <a:schemeClr val="lt1"/>
+                </a:solidFill>
+                <a:latin typeface="Arial" charset="0"/>
+                <a:ea typeface="Arial" charset="0"/>
+                <a:cs typeface="Arial" charset="0"/>
+                <a:sym typeface="Cabin"/>
+              </a:rPr>
+              <a:t>A linear collection of values</a:t>
+            </a:r>
+            <a:br>
+              <a:rPr lang="en-US" sz="3600" dirty="0">
+                <a:solidFill>
+                  <a:schemeClr val="lt1"/>
+                </a:solidFill>
+                <a:latin typeface="Arial" charset="0"/>
+                <a:ea typeface="Arial" charset="0"/>
+                <a:cs typeface="Arial" charset="0"/>
+                <a:sym typeface="Cabin"/>
+              </a:rPr>
+            </a:br>
+            <a:r>
+              <a:rPr lang="en-US" sz="3600" dirty="0">
+                <a:solidFill>
+                  <a:schemeClr val="lt1"/>
+                </a:solidFill>
+                <a:latin typeface="Arial" charset="0"/>
+                <a:ea typeface="Arial" charset="0"/>
+                <a:cs typeface="Arial" charset="0"/>
+                <a:sym typeface="Cabin"/>
+              </a:rPr>
+              <a:t>Lookup by position 0 .. length-1</a:t>
+            </a:r>
+            <a:endParaRPr lang="en-US" sz="3600" u="none" strike="noStrike" cap="none" dirty="0">
               <a:solidFill>
                 <a:schemeClr val="lt1"/>
               </a:solidFill>
@@ -23616,7 +25717,7 @@
               <a:buChar char="•"/>
             </a:pPr>
             <a:r>
-              <a:rPr lang="en-US" sz="3600" u="none" strike="noStrike" cap="none">
+              <a:rPr lang="en-US" sz="3600" u="none" strike="noStrike" cap="none" dirty="0">
                 <a:solidFill>
                   <a:srgbClr val="FF00FF"/>
                 </a:solidFill>
@@ -23646,176 +25747,52 @@
               <a:buNone/>
             </a:pPr>
             <a:r>
-              <a:rPr lang="en-US" sz="3600" u="none" strike="noStrike" cap="none">
-                <a:solidFill>
-                  <a:schemeClr val="lt1"/>
-                </a:solidFill>
-                <a:latin typeface="Arial" charset="0"/>
-                <a:ea typeface="Arial" charset="0"/>
-                <a:cs typeface="Arial" charset="0"/>
-                <a:sym typeface="Cabin"/>
-              </a:rPr>
-              <a:t> - A </a:t>
-            </a:r>
-            <a:r>
-              <a:rPr lang="en-US" sz="3600" b="0" i="0" u="none" strike="noStrike" cap="none">
-                <a:solidFill>
-                  <a:schemeClr val="lt1"/>
-                </a:solidFill>
-                <a:latin typeface="Arial"/>
-                <a:ea typeface="Arial"/>
-                <a:cs typeface="Arial"/>
-                <a:sym typeface="Arial"/>
-              </a:rPr>
-              <a:t>“</a:t>
-            </a:r>
-            <a:r>
-              <a:rPr lang="en-US" sz="3600" u="none" strike="noStrike" cap="none">
-                <a:solidFill>
-                  <a:schemeClr val="lt1"/>
-                </a:solidFill>
-                <a:latin typeface="Arial" charset="0"/>
-                <a:ea typeface="Arial" charset="0"/>
-                <a:cs typeface="Arial" charset="0"/>
-                <a:sym typeface="Cabin"/>
-              </a:rPr>
-              <a:t>bag</a:t>
-            </a:r>
-            <a:r>
-              <a:rPr lang="en-US" sz="3600" b="0" i="0" u="none" strike="noStrike" cap="none">
-                <a:solidFill>
-                  <a:schemeClr val="lt1"/>
-                </a:solidFill>
-                <a:latin typeface="Arial"/>
-                <a:ea typeface="Arial"/>
-                <a:cs typeface="Arial"/>
-                <a:sym typeface="Arial"/>
-              </a:rPr>
-              <a:t>”</a:t>
-            </a:r>
-            <a:r>
-              <a:rPr lang="en-US" sz="3600" u="none" strike="noStrike" cap="none">
-                <a:solidFill>
-                  <a:schemeClr val="lt1"/>
-                </a:solidFill>
-                <a:latin typeface="Arial" charset="0"/>
-                <a:ea typeface="Arial" charset="0"/>
-                <a:cs typeface="Arial" charset="0"/>
-                <a:sym typeface="Cabin"/>
-              </a:rPr>
-              <a:t> of values, each with its own label</a:t>
-            </a:r>
+              <a:rPr lang="en-US" sz="3600" u="none" strike="noStrike" cap="none" dirty="0">
+                <a:solidFill>
+                  <a:schemeClr val="lt1"/>
+                </a:solidFill>
+                <a:latin typeface="Arial" charset="0"/>
+                <a:ea typeface="Arial" charset="0"/>
+                <a:cs typeface="Arial" charset="0"/>
+                <a:sym typeface="Cabin"/>
+              </a:rPr>
+              <a:t>A linear collection of key-value pairs</a:t>
+            </a:r>
+            <a:br>
+              <a:rPr lang="en-US" sz="3600" u="none" strike="noStrike" cap="none" dirty="0">
+                <a:solidFill>
+                  <a:schemeClr val="lt1"/>
+                </a:solidFill>
+                <a:latin typeface="Arial" charset="0"/>
+                <a:ea typeface="Arial" charset="0"/>
+                <a:cs typeface="Arial" charset="0"/>
+                <a:sym typeface="Cabin"/>
+              </a:rPr>
+            </a:br>
+            <a:r>
+              <a:rPr lang="en-US" sz="3600" dirty="0">
+                <a:solidFill>
+                  <a:schemeClr val="lt1"/>
+                </a:solidFill>
+                <a:latin typeface="Arial" charset="0"/>
+                <a:ea typeface="Arial" charset="0"/>
+                <a:cs typeface="Arial" charset="0"/>
+                <a:sym typeface="Cabin"/>
+              </a:rPr>
+              <a:t>Lookup by "tag" or "key"</a:t>
+            </a:r>
+            <a:endParaRPr lang="en-US" sz="3600" u="none" strike="noStrike" cap="none" dirty="0">
+              <a:solidFill>
+                <a:schemeClr val="lt1"/>
+              </a:solidFill>
+              <a:latin typeface="Arial" charset="0"/>
+              <a:ea typeface="Arial" charset="0"/>
+              <a:cs typeface="Arial" charset="0"/>
+              <a:sym typeface="Cabin"/>
+            </a:endParaRPr>
           </a:p>
         </p:txBody>
       </p:sp>
-      <p:pic>
-        <p:nvPicPr>
-          <p:cNvPr id="228" name="Shape 228"/>
-          <p:cNvPicPr preferRelativeResize="0"/>
-          <p:nvPr/>
-        </p:nvPicPr>
-        <p:blipFill rotWithShape="1">
-          <a:blip r:embed="rId3">
-            <a:alphaModFix/>
-          </a:blip>
-          <a:srcRect/>
-          <a:stretch/>
-        </p:blipFill>
-        <p:spPr>
-          <a:xfrm>
-            <a:off x="13081000" y="2400300"/>
-            <a:ext cx="2400300" cy="2451100"/>
-          </a:xfrm>
-          <a:prstGeom prst="rect">
-            <a:avLst/>
-          </a:prstGeom>
-          <a:noFill/>
-          <a:ln>
-            <a:noFill/>
-          </a:ln>
-        </p:spPr>
-      </p:pic>
-      <p:pic>
-        <p:nvPicPr>
-          <p:cNvPr id="229" name="Shape 229"/>
-          <p:cNvPicPr preferRelativeResize="0"/>
-          <p:nvPr/>
-        </p:nvPicPr>
-        <p:blipFill rotWithShape="1">
-          <a:blip r:embed="rId4">
-            <a:alphaModFix/>
-          </a:blip>
-          <a:srcRect/>
-          <a:stretch/>
-        </p:blipFill>
-        <p:spPr>
-          <a:xfrm>
-            <a:off x="11603036" y="2438400"/>
-            <a:ext cx="815975" cy="2374899"/>
-          </a:xfrm>
-          <a:prstGeom prst="rect">
-            <a:avLst/>
-          </a:prstGeom>
-          <a:noFill/>
-          <a:ln>
-            <a:noFill/>
-          </a:ln>
-        </p:spPr>
-      </p:pic>
-      <p:pic>
-        <p:nvPicPr>
-          <p:cNvPr id="230" name="Shape 230"/>
-          <p:cNvPicPr preferRelativeResize="0"/>
-          <p:nvPr/>
-        </p:nvPicPr>
-        <p:blipFill rotWithShape="1">
-          <a:blip r:embed="rId5">
-            <a:alphaModFix/>
-          </a:blip>
-          <a:srcRect/>
-          <a:stretch/>
-        </p:blipFill>
-        <p:spPr>
-          <a:xfrm>
-            <a:off x="12901613" y="5321301"/>
-            <a:ext cx="2668586" cy="2816924"/>
-          </a:xfrm>
-          <a:prstGeom prst="rect">
-            <a:avLst/>
-          </a:prstGeom>
-          <a:noFill/>
-          <a:ln>
-            <a:noFill/>
-          </a:ln>
-        </p:spPr>
-      </p:pic>
-      <p:pic>
-        <p:nvPicPr>
-          <p:cNvPr id="231" name="Shape 231"/>
-          <p:cNvPicPr preferRelativeResize="0"/>
-          <p:nvPr/>
-        </p:nvPicPr>
-        <p:blipFill rotWithShape="1">
-          <a:blip r:embed="rId6">
-            <a:alphaModFix/>
-          </a:blip>
-          <a:srcRect/>
-          <a:stretch/>
-        </p:blipFill>
-        <p:spPr>
-          <a:xfrm>
-            <a:off x="10529886" y="5562600"/>
-            <a:ext cx="1889125" cy="1384299"/>
-          </a:xfrm>
-          <a:prstGeom prst="rect">
-            <a:avLst/>
-          </a:prstGeom>
-          <a:noFill/>
-          <a:ln>
-            <a:noFill/>
-          </a:ln>
-        </p:spPr>
-      </p:pic>
       <p:pic>
         <p:nvPicPr>
           <p:cNvPr id="232" name="Shape 232"/>
@@ -23823,7 +25800,7 @@
           <p:nvPr/>
         </p:nvPicPr>
         <p:blipFill rotWithShape="1">
-          <a:blip r:embed="rId7">
+          <a:blip r:embed="rId3">
             <a:alphaModFix/>
           </a:blip>
           <a:srcRect/>
@@ -23843,6 +25820,175 @@
           </a:ln>
         </p:spPr>
       </p:pic>
+      <p:sp>
+        <p:nvSpPr>
+          <p:cNvPr id="3" name="TextBox 2">
+            <a:extLst>
+              <a:ext uri="{FF2B5EF4-FFF2-40B4-BE49-F238E27FC236}">
+                <a16:creationId xmlns:a16="http://schemas.microsoft.com/office/drawing/2014/main" id="{A4BC4DC6-E905-8907-17C8-BE8B76D97351}"/>
+              </a:ext>
+            </a:extLst>
+          </p:cNvPr>
+          <p:cNvSpPr txBox="1"/>
+          <p:nvPr/>
+        </p:nvSpPr>
+        <p:spPr>
+          <a:xfrm>
+            <a:off x="8908256" y="7782579"/>
+            <a:ext cx="8129586" cy="523220"/>
+          </a:xfrm>
+          <a:prstGeom prst="rect">
+            <a:avLst/>
+          </a:prstGeom>
+          <a:noFill/>
+        </p:spPr>
+        <p:txBody>
+          <a:bodyPr wrap="square">
+            <a:spAutoFit/>
+          </a:bodyPr>
+          <a:lstStyle/>
+          <a:p>
+            <a:r>
+              <a:rPr lang="en-US" dirty="0">
+                <a:solidFill>
+                  <a:schemeClr val="bg1"/>
+                </a:solidFill>
+              </a:rPr>
+              <a:t>https://</a:t>
+            </a:r>
+            <a:r>
+              <a:rPr lang="en-US" dirty="0" err="1">
+                <a:solidFill>
+                  <a:schemeClr val="bg1"/>
+                </a:solidFill>
+              </a:rPr>
+              <a:t>en.wikipedia.org</a:t>
+            </a:r>
+            <a:r>
+              <a:rPr lang="en-US" dirty="0">
+                <a:solidFill>
+                  <a:schemeClr val="bg1"/>
+                </a:solidFill>
+              </a:rPr>
+              <a:t>/wiki/</a:t>
+            </a:r>
+            <a:r>
+              <a:rPr lang="en-US" dirty="0" err="1">
+                <a:solidFill>
+                  <a:schemeClr val="bg1"/>
+                </a:solidFill>
+              </a:rPr>
+              <a:t>Index_card</a:t>
+            </a:r>
+            <a:r>
+              <a:rPr lang="en-US" dirty="0">
+                <a:solidFill>
+                  <a:schemeClr val="bg1"/>
+                </a:solidFill>
+              </a:rPr>
+              <a:t>#/media/File:LA2-katalogkort.jpg</a:t>
+            </a:r>
+          </a:p>
+          <a:p>
+            <a:r>
+              <a:rPr lang="en-US" dirty="0">
+                <a:solidFill>
+                  <a:schemeClr val="bg1"/>
+                </a:solidFill>
+              </a:rPr>
+              <a:t>https://</a:t>
+            </a:r>
+            <a:r>
+              <a:rPr lang="en-US" dirty="0" err="1">
+                <a:solidFill>
+                  <a:schemeClr val="bg1"/>
+                </a:solidFill>
+              </a:rPr>
+              <a:t>commons.wikimedia.org</a:t>
+            </a:r>
+            <a:r>
+              <a:rPr lang="en-US" dirty="0">
+                <a:solidFill>
+                  <a:schemeClr val="bg1"/>
+                </a:solidFill>
+              </a:rPr>
+              <a:t>/wiki/</a:t>
+            </a:r>
+            <a:r>
+              <a:rPr lang="en-US" dirty="0" err="1">
+                <a:solidFill>
+                  <a:schemeClr val="bg1"/>
+                </a:solidFill>
+              </a:rPr>
+              <a:t>File:Shelves-of-file-folders.jpg</a:t>
+            </a:r>
+            <a:endParaRPr lang="en-US" dirty="0">
+              <a:solidFill>
+                <a:schemeClr val="bg1"/>
+              </a:solidFill>
+            </a:endParaRPr>
+          </a:p>
+        </p:txBody>
+      </p:sp>
+      <p:pic>
+        <p:nvPicPr>
+          <p:cNvPr id="5" name="Picture 4" descr="A card catalog in a drawer&#10;&#10;Description automatically generated">
+            <a:extLst>
+              <a:ext uri="{FF2B5EF4-FFF2-40B4-BE49-F238E27FC236}">
+                <a16:creationId xmlns:a16="http://schemas.microsoft.com/office/drawing/2014/main" id="{A22806FF-D008-D791-0AE0-47B452D86F72}"/>
+              </a:ext>
+            </a:extLst>
+          </p:cNvPr>
+          <p:cNvPicPr>
+            <a:picLocks noChangeAspect="1"/>
+          </p:cNvPicPr>
+          <p:nvPr/>
+        </p:nvPicPr>
+        <p:blipFill>
+          <a:blip r:embed="rId4"/>
+          <a:stretch>
+            <a:fillRect/>
+          </a:stretch>
+        </p:blipFill>
+        <p:spPr>
+          <a:xfrm>
+            <a:off x="9628187" y="2539999"/>
+            <a:ext cx="2732873" cy="2335583"/>
+          </a:xfrm>
+          <a:prstGeom prst="rect">
+            <a:avLst/>
+          </a:prstGeom>
+        </p:spPr>
+      </p:pic>
+      <p:pic>
+        <p:nvPicPr>
+          <p:cNvPr id="7" name="Picture 6" descr="A shelf with file folders with labels on them">
+            <a:extLst>
+              <a:ext uri="{FF2B5EF4-FFF2-40B4-BE49-F238E27FC236}">
+                <a16:creationId xmlns:a16="http://schemas.microsoft.com/office/drawing/2014/main" id="{EDB1DF77-F231-3BC4-6244-282D20BF09EB}"/>
+              </a:ext>
+            </a:extLst>
+          </p:cNvPr>
+          <p:cNvPicPr>
+            <a:picLocks noChangeAspect="1"/>
+          </p:cNvPicPr>
+          <p:nvPr/>
+        </p:nvPicPr>
+        <p:blipFill rotWithShape="1">
+          <a:blip r:embed="rId5"/>
+          <a:srcRect t="24220" r="55874" b="27715"/>
+          <a:stretch/>
+        </p:blipFill>
+        <p:spPr>
+          <a:xfrm>
+            <a:off x="13080991" y="3462663"/>
+            <a:ext cx="2516188" cy="3654425"/>
+          </a:xfrm>
+          <a:prstGeom prst="rect">
+            <a:avLst/>
+          </a:prstGeom>
+        </p:spPr>
+      </p:pic>
     </p:spTree>
   </p:cSld>
   <p:clrMapOvr>
@@ -23852,505 +25998,6 @@
 </file>
 
 <file path=ppt/slides/slide5.xml><?xml version="1.0" encoding="utf-8"?>
-<p:sld xmlns:a="http://schemas.openxmlformats.org/drawingml/2006/main" xmlns:r="http://schemas.openxmlformats.org/officeDocument/2006/relationships" xmlns:p="http://schemas.openxmlformats.org/presentationml/2006/main">
-  <p:cSld>
-    <p:spTree>
-      <p:nvGrpSpPr>
-        <p:cNvPr id="1" name="Shape 236"/>
-        <p:cNvGrpSpPr/>
-        <p:nvPr/>
-      </p:nvGrpSpPr>
-      <p:grpSpPr>
-        <a:xfrm>
-          <a:off x="0" y="0"/>
-          <a:ext cx="0" cy="0"/>
-          <a:chOff x="0" y="0"/>
-          <a:chExt cx="0" cy="0"/>
-        </a:xfrm>
-      </p:grpSpPr>
-      <p:sp>
-        <p:nvSpPr>
-          <p:cNvPr id="237" name="Shape 237"/>
-          <p:cNvSpPr txBox="1">
-            <a:spLocks noGrp="1"/>
-          </p:cNvSpPr>
-          <p:nvPr>
-            <p:ph type="title"/>
-          </p:nvPr>
-        </p:nvSpPr>
-        <p:spPr>
-          <a:xfrm>
-            <a:off x="1155700" y="789709"/>
-            <a:ext cx="5916613" cy="1750290"/>
-          </a:xfrm>
-          <a:prstGeom prst="rect">
-            <a:avLst/>
-          </a:prstGeom>
-          <a:noFill/>
-          <a:ln>
-            <a:noFill/>
-          </a:ln>
-        </p:spPr>
-        <p:txBody>
-          <a:bodyPr lIns="38100" tIns="38100" rIns="38100" bIns="38100" anchor="ctr" anchorCtr="0">
-            <a:noAutofit/>
-          </a:bodyPr>
-          <a:lstStyle/>
-          <a:p>
-            <a:pPr marL="0" marR="0" lvl="0" indent="0" algn="ctr" rtl="0">
-              <a:lnSpc>
-                <a:spcPct val="100000"/>
-              </a:lnSpc>
-              <a:spcBef>
-                <a:spcPts val="0"/>
-              </a:spcBef>
-              <a:spcAft>
-                <a:spcPts val="0"/>
-              </a:spcAft>
-              <a:buClr>
-                <a:schemeClr val="lt1"/>
-              </a:buClr>
-              <a:buSzPct val="25000"/>
-              <a:buFont typeface="Cabin"/>
-              <a:buNone/>
-            </a:pPr>
-            <a:r>
-              <a:rPr lang="en-US" sz="7600" u="none" strike="noStrike" cap="none">
-                <a:solidFill>
-                  <a:srgbClr val="FFD966"/>
-                </a:solidFill>
-                <a:latin typeface="Arial" charset="0"/>
-                <a:ea typeface="Arial" charset="0"/>
-                <a:cs typeface="Arial" charset="0"/>
-                <a:sym typeface="Cabin"/>
-              </a:rPr>
-              <a:t>Dictionaries</a:t>
-            </a:r>
-          </a:p>
-        </p:txBody>
-      </p:sp>
-      <p:pic>
-        <p:nvPicPr>
-          <p:cNvPr id="239" name="Shape 239"/>
-          <p:cNvPicPr preferRelativeResize="0"/>
-          <p:nvPr/>
-        </p:nvPicPr>
-        <p:blipFill rotWithShape="1">
-          <a:blip r:embed="rId3">
-            <a:alphaModFix/>
-          </a:blip>
-          <a:srcRect/>
-          <a:stretch/>
-        </p:blipFill>
-        <p:spPr>
-          <a:xfrm>
-            <a:off x="1848212" y="2803241"/>
-            <a:ext cx="4533899" cy="3320999"/>
-          </a:xfrm>
-          <a:prstGeom prst="rect">
-            <a:avLst/>
-          </a:prstGeom>
-          <a:noFill/>
-          <a:ln>
-            <a:noFill/>
-          </a:ln>
-        </p:spPr>
-      </p:pic>
-      <p:pic>
-        <p:nvPicPr>
-          <p:cNvPr id="238" name="Shape 238"/>
-          <p:cNvPicPr preferRelativeResize="0"/>
-          <p:nvPr/>
-        </p:nvPicPr>
-        <p:blipFill rotWithShape="1">
-          <a:blip r:embed="rId4">
-            <a:alphaModFix/>
-          </a:blip>
-          <a:srcRect/>
-          <a:stretch/>
-        </p:blipFill>
-        <p:spPr>
-          <a:xfrm>
-            <a:off x="8990015" y="900108"/>
-            <a:ext cx="6069011" cy="6376987"/>
-          </a:xfrm>
-          <a:prstGeom prst="rect">
-            <a:avLst/>
-          </a:prstGeom>
-          <a:noFill/>
-          <a:ln>
-            <a:noFill/>
-          </a:ln>
-        </p:spPr>
-      </p:pic>
-      <p:sp>
-        <p:nvSpPr>
-          <p:cNvPr id="240" name="Shape 240"/>
-          <p:cNvSpPr txBox="1"/>
-          <p:nvPr/>
-        </p:nvSpPr>
-        <p:spPr>
-          <a:xfrm>
-            <a:off x="12151603" y="5868681"/>
-            <a:ext cx="1483640" cy="511119"/>
-          </a:xfrm>
-          <a:prstGeom prst="rect">
-            <a:avLst/>
-          </a:prstGeom>
-          <a:solidFill>
-            <a:srgbClr val="FF40FF"/>
-          </a:solidFill>
-          <a:ln>
-            <a:noFill/>
-          </a:ln>
-        </p:spPr>
-        <p:txBody>
-          <a:bodyPr lIns="0" tIns="0" rIns="0" bIns="0" anchor="ctr" anchorCtr="0">
-            <a:noAutofit/>
-          </a:bodyPr>
-          <a:lstStyle/>
-          <a:p>
-            <a:pPr marL="0" marR="0" lvl="0" indent="0" algn="ctr" rtl="0">
-              <a:lnSpc>
-                <a:spcPct val="100000"/>
-              </a:lnSpc>
-              <a:spcBef>
-                <a:spcPts val="0"/>
-              </a:spcBef>
-              <a:spcAft>
-                <a:spcPts val="0"/>
-              </a:spcAft>
-              <a:buClr>
-                <a:schemeClr val="lt1"/>
-              </a:buClr>
-              <a:buSzPct val="25000"/>
-              <a:buFont typeface="Cabin"/>
-              <a:buNone/>
-            </a:pPr>
-            <a:r>
-              <a:rPr lang="en-US" sz="2800" u="none" strike="noStrike" cap="none">
-                <a:solidFill>
-                  <a:schemeClr val="lt1"/>
-                </a:solidFill>
-                <a:latin typeface="Arial" charset="0"/>
-                <a:ea typeface="Arial" charset="0"/>
-                <a:cs typeface="Arial" charset="0"/>
-                <a:sym typeface="Cabin"/>
-              </a:rPr>
-              <a:t>money</a:t>
-            </a:r>
-          </a:p>
-        </p:txBody>
-      </p:sp>
-      <p:sp>
-        <p:nvSpPr>
-          <p:cNvPr id="241" name="Shape 241"/>
-          <p:cNvSpPr txBox="1"/>
-          <p:nvPr/>
-        </p:nvSpPr>
-        <p:spPr>
-          <a:xfrm>
-            <a:off x="13710807" y="3406564"/>
-            <a:ext cx="1149375" cy="511119"/>
-          </a:xfrm>
-          <a:prstGeom prst="rect">
-            <a:avLst/>
-          </a:prstGeom>
-          <a:solidFill>
-            <a:srgbClr val="FF40FF"/>
-          </a:solidFill>
-          <a:ln>
-            <a:noFill/>
-          </a:ln>
-        </p:spPr>
-        <p:txBody>
-          <a:bodyPr lIns="0" tIns="0" rIns="0" bIns="0" anchor="ctr" anchorCtr="0">
-            <a:noAutofit/>
-          </a:bodyPr>
-          <a:lstStyle/>
-          <a:p>
-            <a:pPr marL="0" marR="0" lvl="0" indent="0" algn="ctr" rtl="0">
-              <a:lnSpc>
-                <a:spcPct val="100000"/>
-              </a:lnSpc>
-              <a:spcBef>
-                <a:spcPts val="0"/>
-              </a:spcBef>
-              <a:spcAft>
-                <a:spcPts val="0"/>
-              </a:spcAft>
-              <a:buClr>
-                <a:schemeClr val="lt1"/>
-              </a:buClr>
-              <a:buSzPct val="25000"/>
-              <a:buFont typeface="Cabin"/>
-              <a:buNone/>
-            </a:pPr>
-            <a:r>
-              <a:rPr lang="en-US" sz="2800" u="none" strike="noStrike" cap="none">
-                <a:solidFill>
-                  <a:schemeClr val="lt1"/>
-                </a:solidFill>
-                <a:latin typeface="Arial" charset="0"/>
-                <a:ea typeface="Arial" charset="0"/>
-                <a:cs typeface="Arial" charset="0"/>
-                <a:sym typeface="Cabin"/>
-              </a:rPr>
-              <a:t>tissue</a:t>
-            </a:r>
-          </a:p>
-        </p:txBody>
-      </p:sp>
-      <p:sp>
-        <p:nvSpPr>
-          <p:cNvPr id="242" name="Shape 242"/>
-          <p:cNvSpPr txBox="1"/>
-          <p:nvPr/>
-        </p:nvSpPr>
-        <p:spPr>
-          <a:xfrm>
-            <a:off x="9036008" y="3834304"/>
-            <a:ext cx="1691379" cy="511119"/>
-          </a:xfrm>
-          <a:prstGeom prst="rect">
-            <a:avLst/>
-          </a:prstGeom>
-          <a:solidFill>
-            <a:srgbClr val="FF40FF"/>
-          </a:solidFill>
-          <a:ln>
-            <a:noFill/>
-          </a:ln>
-        </p:spPr>
-        <p:txBody>
-          <a:bodyPr lIns="0" tIns="0" rIns="0" bIns="0" anchor="ctr" anchorCtr="0">
-            <a:noAutofit/>
-          </a:bodyPr>
-          <a:lstStyle/>
-          <a:p>
-            <a:pPr marL="0" marR="0" lvl="0" indent="0" algn="ctr" rtl="0">
-              <a:lnSpc>
-                <a:spcPct val="100000"/>
-              </a:lnSpc>
-              <a:spcBef>
-                <a:spcPts val="0"/>
-              </a:spcBef>
-              <a:spcAft>
-                <a:spcPts val="0"/>
-              </a:spcAft>
-              <a:buClr>
-                <a:schemeClr val="lt1"/>
-              </a:buClr>
-              <a:buSzPct val="25000"/>
-              <a:buFont typeface="Cabin"/>
-              <a:buNone/>
-            </a:pPr>
-            <a:r>
-              <a:rPr lang="en-US" sz="2800" u="none" strike="noStrike" cap="none">
-                <a:solidFill>
-                  <a:schemeClr val="lt1"/>
-                </a:solidFill>
-                <a:latin typeface="Arial" charset="0"/>
-                <a:ea typeface="Arial" charset="0"/>
-                <a:cs typeface="Arial" charset="0"/>
-                <a:sym typeface="Cabin"/>
-              </a:rPr>
-              <a:t>calculator</a:t>
-            </a:r>
-          </a:p>
-        </p:txBody>
-      </p:sp>
-      <p:sp>
-        <p:nvSpPr>
-          <p:cNvPr id="243" name="Shape 243"/>
-          <p:cNvSpPr txBox="1"/>
-          <p:nvPr/>
-        </p:nvSpPr>
-        <p:spPr>
-          <a:xfrm>
-            <a:off x="8224838" y="5180123"/>
-            <a:ext cx="1691379" cy="511119"/>
-          </a:xfrm>
-          <a:prstGeom prst="rect">
-            <a:avLst/>
-          </a:prstGeom>
-          <a:solidFill>
-            <a:srgbClr val="FF40FF"/>
-          </a:solidFill>
-          <a:ln>
-            <a:noFill/>
-          </a:ln>
-        </p:spPr>
-        <p:txBody>
-          <a:bodyPr lIns="0" tIns="0" rIns="0" bIns="0" anchor="ctr" anchorCtr="0">
-            <a:noAutofit/>
-          </a:bodyPr>
-          <a:lstStyle/>
-          <a:p>
-            <a:pPr marL="0" marR="0" lvl="0" indent="0" algn="ctr" rtl="0">
-              <a:lnSpc>
-                <a:spcPct val="100000"/>
-              </a:lnSpc>
-              <a:spcBef>
-                <a:spcPts val="0"/>
-              </a:spcBef>
-              <a:spcAft>
-                <a:spcPts val="0"/>
-              </a:spcAft>
-              <a:buClr>
-                <a:schemeClr val="lt1"/>
-              </a:buClr>
-              <a:buSzPct val="25000"/>
-              <a:buFont typeface="Cabin"/>
-              <a:buNone/>
-            </a:pPr>
-            <a:r>
-              <a:rPr lang="en-US" sz="2800" u="none" strike="noStrike" cap="none">
-                <a:solidFill>
-                  <a:schemeClr val="lt1"/>
-                </a:solidFill>
-                <a:latin typeface="Arial" charset="0"/>
-                <a:ea typeface="Arial" charset="0"/>
-                <a:cs typeface="Arial" charset="0"/>
-                <a:sym typeface="Cabin"/>
-              </a:rPr>
-              <a:t>perfume</a:t>
-            </a:r>
-          </a:p>
-        </p:txBody>
-      </p:sp>
-      <p:sp>
-        <p:nvSpPr>
-          <p:cNvPr id="244" name="Shape 244"/>
-          <p:cNvSpPr txBox="1"/>
-          <p:nvPr/>
-        </p:nvSpPr>
-        <p:spPr>
-          <a:xfrm>
-            <a:off x="9033241" y="6525941"/>
-            <a:ext cx="1096636" cy="511119"/>
-          </a:xfrm>
-          <a:prstGeom prst="rect">
-            <a:avLst/>
-          </a:prstGeom>
-          <a:solidFill>
-            <a:srgbClr val="FF40FF"/>
-          </a:solidFill>
-          <a:ln>
-            <a:noFill/>
-          </a:ln>
-        </p:spPr>
-        <p:txBody>
-          <a:bodyPr lIns="0" tIns="0" rIns="0" bIns="0" anchor="ctr" anchorCtr="0">
-            <a:noAutofit/>
-          </a:bodyPr>
-          <a:lstStyle/>
-          <a:p>
-            <a:pPr marL="0" marR="0" lvl="0" indent="0" algn="ctr" rtl="0">
-              <a:lnSpc>
-                <a:spcPct val="100000"/>
-              </a:lnSpc>
-              <a:spcBef>
-                <a:spcPts val="0"/>
-              </a:spcBef>
-              <a:spcAft>
-                <a:spcPts val="0"/>
-              </a:spcAft>
-              <a:buClr>
-                <a:schemeClr val="lt1"/>
-              </a:buClr>
-              <a:buSzPct val="25000"/>
-              <a:buFont typeface="Cabin"/>
-              <a:buNone/>
-            </a:pPr>
-            <a:r>
-              <a:rPr lang="en-US" sz="2800" u="none" strike="noStrike" cap="none">
-                <a:solidFill>
-                  <a:schemeClr val="lt1"/>
-                </a:solidFill>
-                <a:latin typeface="Arial" charset="0"/>
-                <a:ea typeface="Arial" charset="0"/>
-                <a:cs typeface="Arial" charset="0"/>
-                <a:sym typeface="Cabin"/>
-              </a:rPr>
-              <a:t>candy</a:t>
-            </a:r>
-          </a:p>
-        </p:txBody>
-      </p:sp>
-      <p:sp>
-        <p:nvSpPr>
-          <p:cNvPr id="245" name="Shape 245"/>
-          <p:cNvSpPr txBox="1"/>
-          <p:nvPr/>
-        </p:nvSpPr>
-        <p:spPr>
-          <a:xfrm>
-            <a:off x="2754395" y="7508572"/>
-            <a:ext cx="11531099" cy="622199"/>
-          </a:xfrm>
-          <a:prstGeom prst="rect">
-            <a:avLst/>
-          </a:prstGeom>
-          <a:noFill/>
-          <a:ln>
-            <a:noFill/>
-          </a:ln>
-        </p:spPr>
-        <p:txBody>
-          <a:bodyPr lIns="0" tIns="0" rIns="0" bIns="0" anchor="ctr" anchorCtr="0">
-            <a:noAutofit/>
-          </a:bodyPr>
-          <a:lstStyle/>
-          <a:p>
-            <a:pPr marL="0" marR="0" lvl="0" indent="0" algn="ctr" rtl="0">
-              <a:lnSpc>
-                <a:spcPct val="100000"/>
-              </a:lnSpc>
-              <a:spcBef>
-                <a:spcPts val="0"/>
-              </a:spcBef>
-              <a:spcAft>
-                <a:spcPts val="0"/>
-              </a:spcAft>
-              <a:buClr>
-                <a:schemeClr val="lt1"/>
-              </a:buClr>
-              <a:buSzPct val="25000"/>
-              <a:buFont typeface="Cabin"/>
-              <a:buNone/>
-            </a:pPr>
-            <a:r>
-              <a:rPr lang="en-US" sz="3000" u="sng" strike="noStrike" cap="none" dirty="0">
-                <a:solidFill>
-                  <a:srgbClr val="FFFF00"/>
-                </a:solidFill>
-                <a:latin typeface="Arial" charset="0"/>
-                <a:ea typeface="Arial" charset="0"/>
-                <a:cs typeface="Arial" charset="0"/>
-                <a:sym typeface="Cabin"/>
-                <a:hlinkClick r:id="rId5">
-                  <a:extLst>
-                    <a:ext uri="{A12FA001-AC4F-418D-AE19-62706E023703}">
-                      <ahyp:hlinkClr xmlns:ahyp="http://schemas.microsoft.com/office/drawing/2018/hyperlinkcolor" val="tx"/>
-                    </a:ext>
-                  </a:extLst>
-                </a:hlinkClick>
-              </a:rPr>
-              <a:t>http://en.wikipedia.org/wiki/Associative_array</a:t>
-            </a:r>
-          </a:p>
-        </p:txBody>
-      </p:sp>
-    </p:spTree>
-  </p:cSld>
-  <p:clrMapOvr>
-    <a:masterClrMapping/>
-  </p:clrMapOvr>
-</p:sld>
-</file>
-
-<file path=ppt/slides/slide6.xml><?xml version="1.0" encoding="utf-8"?>
 <p:sld xmlns:a="http://schemas.openxmlformats.org/drawingml/2006/main" xmlns:r="http://schemas.openxmlformats.org/officeDocument/2006/relationships" xmlns:p="http://schemas.openxmlformats.org/presentationml/2006/main">
   <p:cSld>
     <p:spTree>
@@ -24414,7 +26061,7 @@
               <a:buNone/>
             </a:pPr>
             <a:r>
-              <a:rPr lang="en-US" sz="7600" u="none" strike="noStrike" cap="none">
+              <a:rPr lang="en-US" sz="7600" u="none" strike="noStrike" cap="none" dirty="0">
                 <a:solidFill>
                   <a:srgbClr val="FFD966"/>
                 </a:solidFill>
@@ -24471,7 +26118,7 @@
               <a:buChar char="•"/>
             </a:pPr>
             <a:r>
-              <a:rPr lang="en-US" sz="3000" u="none" strike="noStrike" cap="none">
+              <a:rPr lang="en-US" sz="3000" u="none" strike="noStrike" cap="none" dirty="0">
                 <a:solidFill>
                   <a:schemeClr val="lt1"/>
                 </a:solidFill>
@@ -24502,7 +26149,7 @@
               <a:buChar char="•"/>
             </a:pPr>
             <a:r>
-              <a:rPr lang="en-US" sz="3000" u="none" strike="noStrike" cap="none">
+              <a:rPr lang="en-US" sz="3000" u="none" strike="noStrike" cap="none" dirty="0">
                 <a:solidFill>
                   <a:schemeClr val="lt1"/>
                 </a:solidFill>
@@ -24533,16 +26180,28 @@
               <a:buChar char="•"/>
             </a:pPr>
             <a:r>
-              <a:rPr lang="en-US" sz="3000" u="none" strike="noStrike" cap="none">
-                <a:solidFill>
-                  <a:schemeClr val="lt1"/>
-                </a:solidFill>
-                <a:latin typeface="Arial" charset="0"/>
-                <a:ea typeface="Arial" charset="0"/>
-                <a:cs typeface="Arial" charset="0"/>
-                <a:sym typeface="Cabin"/>
-              </a:rPr>
-              <a:t>Dictionaries have different names in different languages</a:t>
+              <a:rPr lang="en-US" sz="3000" dirty="0">
+                <a:solidFill>
+                  <a:schemeClr val="lt1"/>
+                </a:solidFill>
+                <a:latin typeface="Arial" charset="0"/>
+                <a:ea typeface="Arial" charset="0"/>
+                <a:cs typeface="Arial" charset="0"/>
+                <a:sym typeface="Cabin"/>
+              </a:rPr>
+              <a:t>Similar concepts </a:t>
+            </a:r>
+            <a:r>
+              <a:rPr lang="en-US" sz="3000" u="none" strike="noStrike" cap="none" dirty="0">
+                <a:solidFill>
+                  <a:schemeClr val="lt1"/>
+                </a:solidFill>
+                <a:latin typeface="Arial" charset="0"/>
+                <a:ea typeface="Arial" charset="0"/>
+                <a:cs typeface="Arial" charset="0"/>
+                <a:sym typeface="Cabin"/>
+              </a:rPr>
+              <a:t>in different programming languages</a:t>
             </a:r>
           </a:p>
           <a:p>
@@ -24563,7 +26222,7 @@
               <a:buNone/>
             </a:pPr>
             <a:r>
-              <a:rPr lang="en-US" sz="3000" u="none" strike="noStrike" cap="none">
+              <a:rPr lang="en-US" sz="3000" u="none" strike="noStrike" cap="none" dirty="0">
                 <a:solidFill>
                   <a:schemeClr val="lt1"/>
                 </a:solidFill>
@@ -24575,7 +26234,7 @@
               <a:t>-  Associative Arrays - Perl / P</a:t>
             </a:r>
             <a:r>
-              <a:rPr lang="en-US" sz="3000">
+              <a:rPr lang="en-US" sz="3000" dirty="0">
                 <a:solidFill>
                   <a:schemeClr val="lt1"/>
                 </a:solidFill>
@@ -24605,7 +26264,7 @@
               <a:buNone/>
             </a:pPr>
             <a:r>
-              <a:rPr lang="en-US" sz="3000" u="none" strike="noStrike" cap="none">
+              <a:rPr lang="en-US" sz="3000" u="none" strike="noStrike" cap="none" dirty="0">
                 <a:solidFill>
                   <a:schemeClr val="lt1"/>
                 </a:solidFill>
@@ -24635,45 +26294,68 @@
               <a:buNone/>
             </a:pPr>
             <a:r>
-              <a:rPr lang="en-US" sz="3000" u="none" strike="noStrike" cap="none">
-                <a:solidFill>
-                  <a:schemeClr val="lt1"/>
-                </a:solidFill>
-                <a:latin typeface="Arial" charset="0"/>
-                <a:ea typeface="Arial" charset="0"/>
-                <a:cs typeface="Arial" charset="0"/>
-                <a:sym typeface="Cabin"/>
-              </a:rPr>
-              <a:t>-  Property Bag - C# / .Net</a:t>
-            </a:r>
+              <a:rPr lang="en-US" sz="3000" u="none" strike="noStrike" cap="none" dirty="0">
+                <a:solidFill>
+                  <a:schemeClr val="lt1"/>
+                </a:solidFill>
+                <a:latin typeface="Arial" charset="0"/>
+                <a:ea typeface="Arial" charset="0"/>
+                <a:cs typeface="Arial" charset="0"/>
+                <a:sym typeface="Cabin"/>
+              </a:rPr>
+              <a:t>-  Property Bag - C# / </a:t>
+            </a:r>
+            <a:r>
+              <a:rPr lang="en-US" sz="3000" u="none" strike="noStrike" cap="none" dirty="0" err="1">
+                <a:solidFill>
+                  <a:schemeClr val="lt1"/>
+                </a:solidFill>
+                <a:latin typeface="Arial" charset="0"/>
+                <a:ea typeface="Arial" charset="0"/>
+                <a:cs typeface="Arial" charset="0"/>
+                <a:sym typeface="Cabin"/>
+              </a:rPr>
+              <a:t>.Net</a:t>
+            </a:r>
+            <a:endParaRPr lang="en-US" sz="3000" u="none" strike="noStrike" cap="none" dirty="0">
+              <a:solidFill>
+                <a:schemeClr val="lt1"/>
+              </a:solidFill>
+              <a:latin typeface="Arial" charset="0"/>
+              <a:ea typeface="Arial" charset="0"/>
+              <a:cs typeface="Arial" charset="0"/>
+              <a:sym typeface="Cabin"/>
+            </a:endParaRPr>
           </a:p>
         </p:txBody>
       </p:sp>
       <p:pic>
         <p:nvPicPr>
-          <p:cNvPr id="253" name="Shape 253"/>
-          <p:cNvPicPr preferRelativeResize="0"/>
+          <p:cNvPr id="2" name="Picture 1" descr="A shelf with file folders with labels on them">
+            <a:extLst>
+              <a:ext uri="{FF2B5EF4-FFF2-40B4-BE49-F238E27FC236}">
+                <a16:creationId xmlns:a16="http://schemas.microsoft.com/office/drawing/2014/main" id="{0BC68F8A-EBD4-84F3-ADB8-B522FBA38B6B}"/>
+              </a:ext>
+            </a:extLst>
+          </p:cNvPr>
+          <p:cNvPicPr>
+            <a:picLocks noChangeAspect="1"/>
+          </p:cNvPicPr>
           <p:nvPr/>
         </p:nvPicPr>
         <p:blipFill rotWithShape="1">
-          <a:blip r:embed="rId3">
-            <a:alphaModFix/>
-          </a:blip>
-          <a:srcRect/>
+          <a:blip r:embed="rId3"/>
+          <a:srcRect t="24220" r="55874" b="27715"/>
           <a:stretch/>
         </p:blipFill>
         <p:spPr>
           <a:xfrm>
-            <a:off x="13517562" y="1081087"/>
-            <a:ext cx="2201862" cy="2324099"/>
+            <a:off x="12480127" y="4824414"/>
+            <a:ext cx="2516188" cy="3654425"/>
           </a:xfrm>
           <a:prstGeom prst="rect">
             <a:avLst/>
           </a:prstGeom>
-          <a:noFill/>
-          <a:ln>
-            <a:noFill/>
-          </a:ln>
         </p:spPr>
       </p:pic>
     </p:spTree>
@@ -24684,7 +26366,214 @@
 </p:sld>
 </file>
 
+<file path=ppt/slides/slide6.xml><?xml version="1.0" encoding="utf-8"?>
+<p:sld xmlns:a="http://schemas.openxmlformats.org/drawingml/2006/main" xmlns:r="http://schemas.openxmlformats.org/officeDocument/2006/relationships" xmlns:p="http://schemas.openxmlformats.org/presentationml/2006/main">
+  <p:cSld>
+    <p:spTree>
+      <p:nvGrpSpPr>
+        <p:cNvPr id="1" name=""/>
+        <p:cNvGrpSpPr/>
+        <p:nvPr/>
+      </p:nvGrpSpPr>
+      <p:grpSpPr>
+        <a:xfrm>
+          <a:off x="0" y="0"/>
+          <a:ext cx="0" cy="0"/>
+          <a:chOff x="0" y="0"/>
+          <a:chExt cx="0" cy="0"/>
+        </a:xfrm>
+      </p:grpSpPr>
+      <p:sp>
+        <p:nvSpPr>
+          <p:cNvPr id="2" name="Title 1">
+            <a:extLst>
+              <a:ext uri="{FF2B5EF4-FFF2-40B4-BE49-F238E27FC236}">
+                <a16:creationId xmlns:a16="http://schemas.microsoft.com/office/drawing/2014/main" id="{99042AC7-48CC-BB51-C84E-676616EC5892}"/>
+              </a:ext>
+            </a:extLst>
+          </p:cNvPr>
+          <p:cNvSpPr>
+            <a:spLocks noGrp="1"/>
+          </p:cNvSpPr>
+          <p:nvPr>
+            <p:ph type="title"/>
+          </p:nvPr>
+        </p:nvSpPr>
+        <p:spPr/>
+        <p:txBody>
+          <a:bodyPr/>
+          <a:lstStyle/>
+          <a:p>
+            <a:r>
+              <a:rPr lang="en-US" dirty="0"/>
+              <a:t>Dictionaries over time in Python</a:t>
+            </a:r>
+          </a:p>
+        </p:txBody>
+      </p:sp>
+      <p:sp>
+        <p:nvSpPr>
+          <p:cNvPr id="5" name="Text Placeholder 4">
+            <a:extLst>
+              <a:ext uri="{FF2B5EF4-FFF2-40B4-BE49-F238E27FC236}">
+                <a16:creationId xmlns:a16="http://schemas.microsoft.com/office/drawing/2014/main" id="{51B38BE2-A722-6CDB-1376-ECC593A04B95}"/>
+              </a:ext>
+            </a:extLst>
+          </p:cNvPr>
+          <p:cNvSpPr>
+            <a:spLocks noGrp="1"/>
+          </p:cNvSpPr>
+          <p:nvPr>
+            <p:ph type="body" idx="1"/>
+          </p:nvPr>
+        </p:nvSpPr>
+        <p:spPr>
+          <a:xfrm>
+            <a:off x="1155699" y="2603500"/>
+            <a:ext cx="12578229" cy="5702299"/>
+          </a:xfrm>
+        </p:spPr>
+        <p:txBody>
+          <a:bodyPr/>
+          <a:lstStyle/>
+          <a:p>
+            <a:r>
+              <a:rPr lang="en-US" dirty="0"/>
+              <a:t>Python 3.7 and later dictionaries keep entries in the order they were inserted</a:t>
+            </a:r>
+          </a:p>
+          <a:p>
+            <a:r>
+              <a:rPr lang="en-US" dirty="0"/>
+              <a:t>Prior to Python 3.7 dictionaries did not keep entries in the order of insertion (a pure hash table)</a:t>
+            </a:r>
+          </a:p>
+          <a:p>
+            <a:r>
+              <a:rPr lang="en-US" dirty="0"/>
+              <a:t>"insertion order" is not "sorted by key order"</a:t>
+            </a:r>
+          </a:p>
+        </p:txBody>
+      </p:sp>
+    </p:spTree>
+    <p:extLst>
+      <p:ext uri="{BB962C8B-B14F-4D97-AF65-F5344CB8AC3E}">
+        <p14:creationId xmlns:p14="http://schemas.microsoft.com/office/powerpoint/2010/main" val="2997282618"/>
+      </p:ext>
+    </p:extLst>
+  </p:cSld>
+  <p:clrMapOvr>
+    <a:masterClrMapping/>
+  </p:clrMapOvr>
+</p:sld>
+</file>
+
 <file path=ppt/slides/slide7.xml><?xml version="1.0" encoding="utf-8"?>
+<p:sld xmlns:a="http://schemas.openxmlformats.org/drawingml/2006/main" xmlns:r="http://schemas.openxmlformats.org/officeDocument/2006/relationships" xmlns:p="http://schemas.openxmlformats.org/presentationml/2006/main">
+  <p:cSld>
+    <p:spTree>
+      <p:nvGrpSpPr>
+        <p:cNvPr id="1" name=""/>
+        <p:cNvGrpSpPr/>
+        <p:nvPr/>
+      </p:nvGrpSpPr>
+      <p:grpSpPr>
+        <a:xfrm>
+          <a:off x="0" y="0"/>
+          <a:ext cx="0" cy="0"/>
+          <a:chOff x="0" y="0"/>
+          <a:chExt cx="0" cy="0"/>
+        </a:xfrm>
+      </p:grpSpPr>
+      <p:sp>
+        <p:nvSpPr>
+          <p:cNvPr id="2" name="Title 1">
+            <a:extLst>
+              <a:ext uri="{FF2B5EF4-FFF2-40B4-BE49-F238E27FC236}">
+                <a16:creationId xmlns:a16="http://schemas.microsoft.com/office/drawing/2014/main" id="{E41C490E-F485-47F1-E46A-76EFBB68CF6D}"/>
+              </a:ext>
+            </a:extLst>
+          </p:cNvPr>
+          <p:cNvSpPr>
+            <a:spLocks noGrp="1"/>
+          </p:cNvSpPr>
+          <p:nvPr>
+            <p:ph type="title"/>
+          </p:nvPr>
+        </p:nvSpPr>
+        <p:spPr/>
+        <p:txBody>
+          <a:bodyPr/>
+          <a:lstStyle/>
+          <a:p>
+            <a:r>
+              <a:rPr lang="en-US" dirty="0"/>
+              <a:t>Below the Abstraction</a:t>
+            </a:r>
+          </a:p>
+        </p:txBody>
+      </p:sp>
+      <p:sp>
+        <p:nvSpPr>
+          <p:cNvPr id="3" name="Text Placeholder 2">
+            <a:extLst>
+              <a:ext uri="{FF2B5EF4-FFF2-40B4-BE49-F238E27FC236}">
+                <a16:creationId xmlns:a16="http://schemas.microsoft.com/office/drawing/2014/main" id="{EF317C0C-98DF-088C-E5C4-44EB0293DC40}"/>
+              </a:ext>
+            </a:extLst>
+          </p:cNvPr>
+          <p:cNvSpPr>
+            <a:spLocks noGrp="1"/>
+          </p:cNvSpPr>
+          <p:nvPr>
+            <p:ph type="body" idx="1"/>
+          </p:nvPr>
+        </p:nvSpPr>
+        <p:spPr/>
+        <p:txBody>
+          <a:bodyPr/>
+          <a:lstStyle/>
+          <a:p>
+            <a:r>
+              <a:rPr lang="en-US" dirty="0"/>
+              <a:t>Python lists, dictionaries, and tuples are "abstract objects" designed to be easy to use</a:t>
+            </a:r>
+          </a:p>
+          <a:p>
+            <a:r>
+              <a:rPr lang="en-US" dirty="0"/>
+              <a:t>For now we will just understand them and use them and thank the creators of Python for making them easy for us</a:t>
+            </a:r>
+          </a:p>
+          <a:p>
+            <a:r>
+              <a:rPr lang="en-US" dirty="0"/>
+              <a:t>Using Python collections is easy.  Creating the code to support them is tricky and uses Computer Science concepts like dynamic memory, arrays, linked lists, hash maps and trees.</a:t>
+            </a:r>
+          </a:p>
+          <a:p>
+            <a:r>
+              <a:rPr lang="en-US" dirty="0"/>
+              <a:t>But that implementation detail is for a later course…</a:t>
+            </a:r>
+          </a:p>
+        </p:txBody>
+      </p:sp>
+    </p:spTree>
+    <p:extLst>
+      <p:ext uri="{BB962C8B-B14F-4D97-AF65-F5344CB8AC3E}">
+        <p14:creationId xmlns:p14="http://schemas.microsoft.com/office/powerpoint/2010/main" val="2548384270"/>
+      </p:ext>
+    </p:extLst>
+  </p:cSld>
+  <p:clrMapOvr>
+    <a:masterClrMapping/>
+  </p:clrMapOvr>
+</p:sld>
+</file>
+
+<file path=ppt/slides/slide8.xml><?xml version="1.0" encoding="utf-8"?>
 <p:sld xmlns:a="http://schemas.openxmlformats.org/drawingml/2006/main" xmlns:r="http://schemas.openxmlformats.org/officeDocument/2006/relationships" xmlns:p="http://schemas.openxmlformats.org/presentationml/2006/main">
   <p:cSld>
     <p:spTree>
@@ -24748,53 +26637,29 @@
               <a:buChar char="•"/>
             </a:pPr>
             <a:r>
-              <a:rPr lang="en-US" sz="3600" u="none" strike="noStrike" cap="none" dirty="0">
-                <a:solidFill>
-                  <a:schemeClr val="lt1"/>
-                </a:solidFill>
-                <a:latin typeface="Arial" charset="0"/>
-                <a:ea typeface="Arial" charset="0"/>
-                <a:cs typeface="Arial" charset="0"/>
-                <a:sym typeface="Cabin"/>
-              </a:rPr>
-              <a:t>Lists </a:t>
-            </a:r>
-            <a:r>
-              <a:rPr lang="en-US" sz="3600" u="none" strike="noStrike" cap="none" dirty="0">
-                <a:solidFill>
-                  <a:srgbClr val="00FFFF"/>
-                </a:solidFill>
-                <a:latin typeface="Arial" charset="0"/>
-                <a:ea typeface="Arial" charset="0"/>
-                <a:cs typeface="Arial" charset="0"/>
-                <a:sym typeface="Cabin"/>
-              </a:rPr>
-              <a:t>index</a:t>
-            </a:r>
-            <a:r>
-              <a:rPr lang="en-US" sz="3600" u="none" strike="noStrike" cap="none" dirty="0">
-                <a:solidFill>
-                  <a:schemeClr val="lt1"/>
-                </a:solidFill>
-                <a:latin typeface="Arial" charset="0"/>
-                <a:ea typeface="Arial" charset="0"/>
-                <a:cs typeface="Arial" charset="0"/>
-                <a:sym typeface="Cabin"/>
-              </a:rPr>
-              <a:t> their entries based on the position in the list</a:t>
-            </a:r>
-          </a:p>
-          <a:p>
-            <a:pPr marL="749300" marR="0" lvl="0" indent="-371094" algn="l" rtl="0">
-              <a:lnSpc>
-                <a:spcPct val="100000"/>
-              </a:lnSpc>
-              <a:spcBef>
-                <a:spcPts val="3500"/>
-              </a:spcBef>
-              <a:spcAft>
-                <a:spcPts val="0"/>
-              </a:spcAft>
+              <a:rPr lang="en-US" dirty="0">
+                <a:solidFill>
+                  <a:schemeClr val="lt1"/>
+                </a:solidFill>
+                <a:latin typeface="Arial" charset="0"/>
+                <a:ea typeface="Arial" charset="0"/>
+                <a:cs typeface="Arial" charset="0"/>
+                <a:sym typeface="Cabin"/>
+              </a:rPr>
+              <a:t>We append values to the end of a List and look them up by position</a:t>
+            </a:r>
+            <a:endParaRPr lang="en-US" sz="3600" u="none" strike="noStrike" cap="none" dirty="0">
+              <a:solidFill>
+                <a:schemeClr val="lt1"/>
+              </a:solidFill>
+              <a:latin typeface="Arial" charset="0"/>
+              <a:ea typeface="Arial" charset="0"/>
+              <a:cs typeface="Arial" charset="0"/>
+              <a:sym typeface="Cabin"/>
+            </a:endParaRPr>
+          </a:p>
+          <a:p>
+            <a:pPr marL="749300" indent="-371094">
               <a:buClr>
                 <a:srgbClr val="FF00FF"/>
               </a:buClr>
@@ -24803,6 +26668,18 @@
               <a:buChar char="•"/>
             </a:pPr>
             <a:r>
+              <a:rPr lang="en-US" dirty="0">
+                <a:solidFill>
+                  <a:schemeClr val="lt1"/>
+                </a:solidFill>
+                <a:latin typeface="Arial" charset="0"/>
+                <a:ea typeface="Arial" charset="0"/>
+                <a:cs typeface="Arial" charset="0"/>
+                <a:sym typeface="Cabin"/>
+              </a:rPr>
+              <a:t>We insert values into a  </a:t>
+            </a:r>
+            <a:r>
               <a:rPr lang="en-US" sz="3600" u="none" strike="noStrike" cap="none" dirty="0">
                 <a:solidFill>
                   <a:srgbClr val="FF00FF"/>
@@ -24812,7 +26689,7 @@
                 <a:cs typeface="Arial" charset="0"/>
                 <a:sym typeface="Cabin"/>
               </a:rPr>
-              <a:t>Dictionaries</a:t>
+              <a:t>Dictionary</a:t>
             </a:r>
             <a:r>
               <a:rPr lang="en-US" sz="3600" u="none" strike="noStrike" cap="none" dirty="0">
@@ -24824,123 +26701,29 @@
                 <a:cs typeface="Arial" charset="0"/>
                 <a:sym typeface="Cabin"/>
               </a:rPr>
-              <a:t> are like bags - no order</a:t>
-            </a:r>
-          </a:p>
-          <a:p>
-            <a:pPr marL="749300" marR="0" lvl="0" indent="-371094" algn="l" rtl="0">
-              <a:lnSpc>
-                <a:spcPct val="100000"/>
-              </a:lnSpc>
-              <a:spcBef>
-                <a:spcPts val="3500"/>
-              </a:spcBef>
-              <a:spcAft>
-                <a:spcPts val="0"/>
-              </a:spcAft>
-              <a:buClr>
+              <a:t> </a:t>
+            </a:r>
+            <a:r>
+              <a:rPr lang="en-US" dirty="0">
+                <a:solidFill>
+                  <a:schemeClr val="lt1"/>
+                </a:solidFill>
+                <a:latin typeface="Arial" charset="0"/>
+                <a:ea typeface="Arial" charset="0"/>
+                <a:cs typeface="Arial" charset="0"/>
+                <a:sym typeface="Cabin"/>
+              </a:rPr>
+              <a:t>using a key and retrieve them using a key</a:t>
+            </a:r>
+            <a:endParaRPr lang="en-US" sz="3600" u="none" strike="noStrike" cap="none" dirty="0">
+              <a:solidFill>
                 <a:schemeClr val="lt1"/>
-              </a:buClr>
-              <a:buSzPct val="100000"/>
-              <a:buFont typeface="Cabin"/>
-              <a:buChar char="•"/>
-            </a:pPr>
-            <a:r>
-              <a:rPr lang="en-US" sz="3600" u="none" strike="noStrike" cap="none" dirty="0">
-                <a:solidFill>
-                  <a:schemeClr val="lt1"/>
-                </a:solidFill>
-                <a:latin typeface="Arial" charset="0"/>
-                <a:ea typeface="Arial" charset="0"/>
-                <a:cs typeface="Arial" charset="0"/>
-                <a:sym typeface="Cabin"/>
-              </a:rPr>
-              <a:t>So we </a:t>
-            </a:r>
-            <a:r>
-              <a:rPr lang="en-US" sz="3600" u="none" strike="noStrike" cap="none" dirty="0">
-                <a:solidFill>
-                  <a:srgbClr val="00FFFF"/>
-                </a:solidFill>
-                <a:latin typeface="Arial" charset="0"/>
-                <a:ea typeface="Arial" charset="0"/>
-                <a:cs typeface="Arial" charset="0"/>
-                <a:sym typeface="Cabin"/>
-              </a:rPr>
-              <a:t>index</a:t>
-            </a:r>
-            <a:r>
-              <a:rPr lang="en-US" sz="3600" u="none" strike="noStrike" cap="none" dirty="0">
-                <a:solidFill>
-                  <a:schemeClr val="lt1"/>
-                </a:solidFill>
-                <a:latin typeface="Arial" charset="0"/>
-                <a:ea typeface="Arial" charset="0"/>
-                <a:cs typeface="Arial" charset="0"/>
-                <a:sym typeface="Cabin"/>
-              </a:rPr>
-              <a:t> the things we put in the </a:t>
-            </a:r>
-            <a:r>
-              <a:rPr lang="en-US" sz="3600" u="none" strike="noStrike" cap="none" dirty="0">
-                <a:solidFill>
-                  <a:srgbClr val="FF00FF"/>
-                </a:solidFill>
-                <a:latin typeface="Arial" charset="0"/>
-                <a:ea typeface="Arial" charset="0"/>
-                <a:cs typeface="Arial" charset="0"/>
-                <a:sym typeface="Cabin"/>
-              </a:rPr>
-              <a:t>dictionary</a:t>
-            </a:r>
-            <a:r>
-              <a:rPr lang="en-US" sz="3600" u="none" strike="noStrike" cap="none" dirty="0">
-                <a:solidFill>
-                  <a:schemeClr val="lt1"/>
-                </a:solidFill>
-                <a:latin typeface="Arial" charset="0"/>
-                <a:ea typeface="Arial" charset="0"/>
-                <a:cs typeface="Arial" charset="0"/>
-                <a:sym typeface="Cabin"/>
-              </a:rPr>
-              <a:t> with a </a:t>
-            </a:r>
-            <a:r>
-              <a:rPr lang="en-US" sz="3600" b="0" i="0" u="none" strike="noStrike" cap="none" dirty="0">
-                <a:solidFill>
-                  <a:srgbClr val="00FFFF"/>
-                </a:solidFill>
-                <a:latin typeface="Arial"/>
-                <a:ea typeface="Arial"/>
-                <a:cs typeface="Arial"/>
-                <a:sym typeface="Arial"/>
-              </a:rPr>
-              <a:t>“</a:t>
-            </a:r>
-            <a:r>
-              <a:rPr lang="en-US" sz="3600" u="none" strike="noStrike" cap="none" dirty="0">
-                <a:solidFill>
-                  <a:srgbClr val="00FFFF"/>
-                </a:solidFill>
-                <a:latin typeface="Arial" charset="0"/>
-                <a:ea typeface="Arial" charset="0"/>
-                <a:cs typeface="Arial" charset="0"/>
-                <a:sym typeface="Cabin"/>
-              </a:rPr>
-              <a:t>lookup tag</a:t>
-            </a:r>
-            <a:r>
-              <a:rPr lang="en-US" sz="3600" b="0" i="0" u="none" strike="noStrike" cap="none" dirty="0">
-                <a:solidFill>
-                  <a:srgbClr val="00FFFF"/>
-                </a:solidFill>
-                <a:latin typeface="Arial"/>
-                <a:ea typeface="Arial"/>
-                <a:cs typeface="Arial"/>
-                <a:sym typeface="Arial"/>
-              </a:rPr>
-              <a:t>”</a:t>
-            </a:r>
+              </a:solidFill>
+              <a:latin typeface="Arial" charset="0"/>
+              <a:ea typeface="Arial" charset="0"/>
+              <a:cs typeface="Arial" charset="0"/>
+              <a:sym typeface="Cabin"/>
+            </a:endParaRPr>
           </a:p>
         </p:txBody>
       </p:sp>
@@ -25343,7 +27126,7 @@
                 <a:cs typeface="Courier"/>
                 <a:sym typeface="Courier New"/>
               </a:rPr>
-              <a:t>{'money': 12, 'tissues': 75, 'candy': 3}</a:t>
+              <a:t>{'money': 12, 'candy': 3, 'tissues': 75}</a:t>
             </a:r>
           </a:p>
           <a:p>
@@ -25650,7 +27433,7 @@
                 <a:cs typeface="Courier"/>
                 <a:sym typeface="Courier New"/>
               </a:rPr>
-              <a:t>{'money': 12, 'tissues': 75, </a:t>
+              <a:t>{'money': 12, </a:t>
             </a:r>
             <a:r>
               <a:rPr lang="en-US" sz="2400" b="1" i="0" u="none" strike="noStrike" cap="none" dirty="0">
@@ -25674,7 +27457,7 @@
                 <a:cs typeface="Courier"/>
                 <a:sym typeface="Courier New"/>
               </a:rPr>
-              <a:t>}</a:t>
+              <a:t>, 'tissues': 75}</a:t>
             </a:r>
           </a:p>
         </p:txBody>
@@ -25726,7 +27509,7 @@
               <a:buNone/>
             </a:pPr>
             <a:r>
-              <a:rPr lang="en-US" sz="7600" u="none" strike="noStrike" cap="none">
+              <a:rPr lang="en-US" sz="7600" u="none" strike="noStrike" cap="none" dirty="0">
                 <a:solidFill>
                   <a:srgbClr val="FFD966"/>
                 </a:solidFill>
@@ -25748,7 +27531,7 @@
 </p:sld>
 </file>
 
-<file path=ppt/slides/slide8.xml><?xml version="1.0" encoding="utf-8"?>
+<file path=ppt/slides/slide9.xml><?xml version="1.0" encoding="utf-8"?>
 <p:sld xmlns:a="http://schemas.openxmlformats.org/drawingml/2006/main" xmlns:r="http://schemas.openxmlformats.org/officeDocument/2006/relationships" xmlns:p="http://schemas.openxmlformats.org/presentationml/2006/main">
   <p:cSld>
     <p:spTree>
@@ -27356,2383 +29139,6 @@
                 <a:sym typeface="Courier New"/>
               </a:rPr>
               <a:t>}</a:t>
-            </a:r>
-          </a:p>
-        </p:txBody>
-      </p:sp>
-    </p:spTree>
-  </p:cSld>
-  <p:clrMapOvr>
-    <a:masterClrMapping/>
-  </p:clrMapOvr>
-</p:sld>
-</file>
-
-<file path=ppt/slides/slide9.xml><?xml version="1.0" encoding="utf-8"?>
-<p:sld xmlns:a="http://schemas.openxmlformats.org/drawingml/2006/main" xmlns:r="http://schemas.openxmlformats.org/officeDocument/2006/relationships" xmlns:p="http://schemas.openxmlformats.org/presentationml/2006/main">
-  <p:cSld>
-    <p:spTree>
-      <p:nvGrpSpPr>
-        <p:cNvPr id="1" name="Shape 272"/>
-        <p:cNvGrpSpPr/>
-        <p:nvPr/>
-      </p:nvGrpSpPr>
-      <p:grpSpPr>
-        <a:xfrm>
-          <a:off x="0" y="0"/>
-          <a:ext cx="0" cy="0"/>
-          <a:chOff x="0" y="0"/>
-          <a:chExt cx="0" cy="0"/>
-        </a:xfrm>
-      </p:grpSpPr>
-      <p:sp>
-        <p:nvSpPr>
-          <p:cNvPr id="273" name="Shape 273"/>
-          <p:cNvSpPr txBox="1"/>
-          <p:nvPr/>
-        </p:nvSpPr>
-        <p:spPr>
-          <a:xfrm>
-            <a:off x="1586675" y="779399"/>
-            <a:ext cx="5690999" cy="3592576"/>
-          </a:xfrm>
-          <a:prstGeom prst="rect">
-            <a:avLst/>
-          </a:prstGeom>
-          <a:noFill/>
-          <a:ln>
-            <a:noFill/>
-          </a:ln>
-        </p:spPr>
-        <p:txBody>
-          <a:bodyPr lIns="0" tIns="0" rIns="0" bIns="0" anchor="ctr" anchorCtr="0">
-            <a:noAutofit/>
-          </a:bodyPr>
-          <a:lstStyle/>
-          <a:p>
-            <a:pPr marL="0" marR="0" lvl="0" indent="0" algn="l" rtl="0">
-              <a:lnSpc>
-                <a:spcPct val="100000"/>
-              </a:lnSpc>
-              <a:spcBef>
-                <a:spcPts val="0"/>
-              </a:spcBef>
-              <a:spcAft>
-                <a:spcPts val="0"/>
-              </a:spcAft>
-              <a:buClr>
-                <a:srgbClr val="00FF00"/>
-              </a:buClr>
-              <a:buSzPct val="25000"/>
-              <a:buFont typeface="Cabin"/>
-              <a:buNone/>
-            </a:pPr>
-            <a:r>
-              <a:rPr lang="en-US" sz="2800" b="1" i="0" u="none" strike="noStrike" cap="none" dirty="0">
-                <a:solidFill>
-                  <a:srgbClr val="00FF00"/>
-                </a:solidFill>
-                <a:latin typeface="Courier"/>
-                <a:ea typeface="Courier"/>
-                <a:cs typeface="Courier"/>
-                <a:sym typeface="Courier New"/>
-              </a:rPr>
-              <a:t>&gt;&gt;&gt; </a:t>
-            </a:r>
-            <a:r>
-              <a:rPr lang="en-US" sz="2800" b="1" i="0" u="none" strike="noStrike" cap="none" dirty="0" err="1">
-                <a:solidFill>
-                  <a:srgbClr val="00FF00"/>
-                </a:solidFill>
-                <a:latin typeface="Courier"/>
-                <a:ea typeface="Courier"/>
-                <a:cs typeface="Courier"/>
-                <a:sym typeface="Courier New"/>
-              </a:rPr>
-              <a:t>lst</a:t>
-            </a:r>
-            <a:r>
-              <a:rPr lang="en-US" sz="2800" b="1" i="0" u="none" strike="noStrike" cap="none" dirty="0">
-                <a:solidFill>
-                  <a:srgbClr val="00FF00"/>
-                </a:solidFill>
-                <a:latin typeface="Courier"/>
-                <a:ea typeface="Courier"/>
-                <a:cs typeface="Courier"/>
-                <a:sym typeface="Courier New"/>
-              </a:rPr>
-              <a:t> =</a:t>
-            </a:r>
-            <a:r>
-              <a:rPr lang="en-US" sz="2800" b="1" i="0" u="none" strike="noStrike" cap="none" dirty="0">
-                <a:solidFill>
-                  <a:srgbClr val="0000FF"/>
-                </a:solidFill>
-                <a:latin typeface="Courier"/>
-                <a:ea typeface="Courier"/>
-                <a:cs typeface="Courier"/>
-                <a:sym typeface="Courier New"/>
-              </a:rPr>
-              <a:t> </a:t>
-            </a:r>
-            <a:r>
-              <a:rPr lang="en-US" sz="2800" b="1" i="0" u="none" strike="noStrike" cap="none" dirty="0">
-                <a:solidFill>
-                  <a:srgbClr val="00FFFF"/>
-                </a:solidFill>
-                <a:latin typeface="Courier"/>
-                <a:ea typeface="Courier"/>
-                <a:cs typeface="Courier"/>
-                <a:sym typeface="Courier New"/>
-              </a:rPr>
-              <a:t>list()</a:t>
-            </a:r>
-          </a:p>
-          <a:p>
-            <a:pPr marL="0" marR="0" lvl="0" indent="0" algn="l" rtl="0">
-              <a:lnSpc>
-                <a:spcPct val="100000"/>
-              </a:lnSpc>
-              <a:spcBef>
-                <a:spcPts val="0"/>
-              </a:spcBef>
-              <a:spcAft>
-                <a:spcPts val="0"/>
-              </a:spcAft>
-              <a:buClr>
-                <a:srgbClr val="00FF00"/>
-              </a:buClr>
-              <a:buSzPct val="25000"/>
-              <a:buFont typeface="Cabin"/>
-              <a:buNone/>
-            </a:pPr>
-            <a:r>
-              <a:rPr lang="en-US" sz="2800" b="1" i="0" u="none" strike="noStrike" cap="none" dirty="0">
-                <a:solidFill>
-                  <a:srgbClr val="00FF00"/>
-                </a:solidFill>
-                <a:latin typeface="Courier"/>
-                <a:ea typeface="Courier"/>
-                <a:cs typeface="Courier"/>
-                <a:sym typeface="Courier New"/>
-              </a:rPr>
-              <a:t>&gt;&gt;&gt; </a:t>
-            </a:r>
-            <a:r>
-              <a:rPr lang="en-US" sz="2800" b="1" i="0" u="none" strike="noStrike" cap="none" dirty="0" err="1">
-                <a:solidFill>
-                  <a:srgbClr val="00FF00"/>
-                </a:solidFill>
-                <a:latin typeface="Courier"/>
-                <a:ea typeface="Courier"/>
-                <a:cs typeface="Courier"/>
-                <a:sym typeface="Courier New"/>
-              </a:rPr>
-              <a:t>lst.append</a:t>
-            </a:r>
-            <a:r>
-              <a:rPr lang="en-US" sz="2800" b="1" i="0" u="none" strike="noStrike" cap="none" dirty="0">
-                <a:solidFill>
-                  <a:srgbClr val="00FF00"/>
-                </a:solidFill>
-                <a:latin typeface="Courier"/>
-                <a:ea typeface="Courier"/>
-                <a:cs typeface="Courier"/>
-                <a:sym typeface="Courier New"/>
-              </a:rPr>
-              <a:t>(</a:t>
-            </a:r>
-            <a:r>
-              <a:rPr lang="en-US" sz="2800" b="1" i="0" u="none" strike="noStrike" cap="none" dirty="0">
-                <a:solidFill>
-                  <a:srgbClr val="FFFF00"/>
-                </a:solidFill>
-                <a:latin typeface="Courier"/>
-                <a:ea typeface="Courier"/>
-                <a:cs typeface="Courier"/>
-                <a:sym typeface="Courier New"/>
-              </a:rPr>
-              <a:t>21</a:t>
-            </a:r>
-            <a:r>
-              <a:rPr lang="en-US" sz="2800" b="1" i="0" u="none" strike="noStrike" cap="none" dirty="0">
-                <a:solidFill>
-                  <a:srgbClr val="00FF00"/>
-                </a:solidFill>
-                <a:latin typeface="Courier"/>
-                <a:ea typeface="Courier"/>
-                <a:cs typeface="Courier"/>
-                <a:sym typeface="Courier New"/>
-              </a:rPr>
-              <a:t>)</a:t>
-            </a:r>
-          </a:p>
-          <a:p>
-            <a:pPr marL="0" marR="0" lvl="0" indent="0" algn="l" rtl="0">
-              <a:lnSpc>
-                <a:spcPct val="100000"/>
-              </a:lnSpc>
-              <a:spcBef>
-                <a:spcPts val="0"/>
-              </a:spcBef>
-              <a:spcAft>
-                <a:spcPts val="0"/>
-              </a:spcAft>
-              <a:buClr>
-                <a:srgbClr val="00FF00"/>
-              </a:buClr>
-              <a:buSzPct val="25000"/>
-              <a:buFont typeface="Cabin"/>
-              <a:buNone/>
-            </a:pPr>
-            <a:r>
-              <a:rPr lang="en-US" sz="2800" b="1" i="0" u="none" strike="noStrike" cap="none" dirty="0">
-                <a:solidFill>
-                  <a:srgbClr val="00FF00"/>
-                </a:solidFill>
-                <a:latin typeface="Courier"/>
-                <a:ea typeface="Courier"/>
-                <a:cs typeface="Courier"/>
-                <a:sym typeface="Courier New"/>
-              </a:rPr>
-              <a:t>&gt;&gt;&gt; </a:t>
-            </a:r>
-            <a:r>
-              <a:rPr lang="en-US" sz="2800" b="1" i="0" u="none" strike="noStrike" cap="none" dirty="0" err="1">
-                <a:solidFill>
-                  <a:srgbClr val="00FF00"/>
-                </a:solidFill>
-                <a:latin typeface="Courier"/>
-                <a:ea typeface="Courier"/>
-                <a:cs typeface="Courier"/>
-                <a:sym typeface="Courier New"/>
-              </a:rPr>
-              <a:t>lst.append</a:t>
-            </a:r>
-            <a:r>
-              <a:rPr lang="en-US" sz="2800" b="1" i="0" u="none" strike="noStrike" cap="none" dirty="0">
-                <a:solidFill>
-                  <a:srgbClr val="00FF00"/>
-                </a:solidFill>
-                <a:latin typeface="Courier"/>
-                <a:ea typeface="Courier"/>
-                <a:cs typeface="Courier"/>
-                <a:sym typeface="Courier New"/>
-              </a:rPr>
-              <a:t>(</a:t>
-            </a:r>
-            <a:r>
-              <a:rPr lang="en-US" sz="2800" b="1" i="0" u="none" strike="noStrike" cap="none" dirty="0">
-                <a:solidFill>
-                  <a:srgbClr val="FFFF00"/>
-                </a:solidFill>
-                <a:latin typeface="Courier"/>
-                <a:ea typeface="Courier"/>
-                <a:cs typeface="Courier"/>
-                <a:sym typeface="Courier New"/>
-              </a:rPr>
-              <a:t>183</a:t>
-            </a:r>
-            <a:r>
-              <a:rPr lang="en-US" sz="2800" b="1" i="0" u="none" strike="noStrike" cap="none" dirty="0">
-                <a:solidFill>
-                  <a:srgbClr val="00FF00"/>
-                </a:solidFill>
-                <a:latin typeface="Courier"/>
-                <a:ea typeface="Courier"/>
-                <a:cs typeface="Courier"/>
-                <a:sym typeface="Courier New"/>
-              </a:rPr>
-              <a:t>)</a:t>
-            </a:r>
-          </a:p>
-          <a:p>
-            <a:pPr lvl="0">
-              <a:buClr>
-                <a:srgbClr val="00FF00"/>
-              </a:buClr>
-              <a:buSzPct val="25000"/>
-            </a:pPr>
-            <a:r>
-              <a:rPr lang="en-US" sz="2800" b="1" i="0" u="none" strike="noStrike" cap="none" dirty="0">
-                <a:solidFill>
-                  <a:srgbClr val="00FF00"/>
-                </a:solidFill>
-                <a:latin typeface="Courier"/>
-                <a:ea typeface="Courier"/>
-                <a:cs typeface="Courier"/>
-                <a:sym typeface="Courier New"/>
-              </a:rPr>
-              <a:t>&gt;&gt;&gt; </a:t>
-            </a:r>
-            <a:r>
-              <a:rPr lang="en-US" sz="2800" b="1" i="0" u="none" strike="noStrike" cap="none" dirty="0">
-                <a:solidFill>
-                  <a:srgbClr val="FFFF00"/>
-                </a:solidFill>
-                <a:latin typeface="Courier"/>
-                <a:ea typeface="Courier"/>
-                <a:cs typeface="Courier"/>
-                <a:sym typeface="Courier New"/>
-              </a:rPr>
-              <a:t>print(</a:t>
-            </a:r>
-            <a:r>
-              <a:rPr lang="en-US" sz="2800" b="1" i="0" u="none" strike="noStrike" cap="none" dirty="0" err="1">
-                <a:solidFill>
-                  <a:srgbClr val="00FF00"/>
-                </a:solidFill>
-                <a:latin typeface="Courier"/>
-                <a:ea typeface="Courier"/>
-                <a:cs typeface="Courier"/>
-                <a:sym typeface="Courier New"/>
-              </a:rPr>
-              <a:t>lst</a:t>
-            </a:r>
-            <a:r>
-              <a:rPr lang="en-US" sz="2800" b="1" dirty="0">
-                <a:solidFill>
-                  <a:srgbClr val="FFFF00"/>
-                </a:solidFill>
-                <a:latin typeface="Courier"/>
-                <a:ea typeface="Courier"/>
-                <a:cs typeface="Courier"/>
-                <a:sym typeface="Courier New"/>
-              </a:rPr>
-              <a:t>)</a:t>
-            </a:r>
-            <a:endParaRPr lang="en-US" sz="2800" b="1" i="0" u="none" strike="noStrike" cap="none" dirty="0">
-              <a:solidFill>
-                <a:srgbClr val="00FF00"/>
-              </a:solidFill>
-              <a:latin typeface="Courier"/>
-              <a:ea typeface="Courier"/>
-              <a:cs typeface="Courier"/>
-              <a:sym typeface="Courier New"/>
-            </a:endParaRPr>
-          </a:p>
-          <a:p>
-            <a:pPr marL="0" marR="0" lvl="0" indent="0" algn="l" rtl="0">
-              <a:lnSpc>
-                <a:spcPct val="100000"/>
-              </a:lnSpc>
-              <a:spcBef>
-                <a:spcPts val="0"/>
-              </a:spcBef>
-              <a:spcAft>
-                <a:spcPts val="0"/>
-              </a:spcAft>
-              <a:buClr>
-                <a:srgbClr val="00FF00"/>
-              </a:buClr>
-              <a:buSzPct val="25000"/>
-              <a:buFont typeface="Cabin"/>
-              <a:buNone/>
-            </a:pPr>
-            <a:r>
-              <a:rPr lang="en-US" sz="2800" b="1" i="0" u="none" strike="noStrike" cap="none" dirty="0">
-                <a:solidFill>
-                  <a:srgbClr val="00FF00"/>
-                </a:solidFill>
-                <a:latin typeface="Courier"/>
-                <a:ea typeface="Courier"/>
-                <a:cs typeface="Courier"/>
-                <a:sym typeface="Courier New"/>
-              </a:rPr>
-              <a:t>[</a:t>
-            </a:r>
-            <a:r>
-              <a:rPr lang="en-US" sz="2800" b="1" i="0" u="none" strike="noStrike" cap="none" dirty="0">
-                <a:solidFill>
-                  <a:srgbClr val="FFFF00"/>
-                </a:solidFill>
-                <a:latin typeface="Courier"/>
-                <a:ea typeface="Courier"/>
-                <a:cs typeface="Courier"/>
-                <a:sym typeface="Courier New"/>
-              </a:rPr>
-              <a:t>21, 183</a:t>
-            </a:r>
-            <a:r>
-              <a:rPr lang="en-US" sz="2800" b="1" i="0" u="none" strike="noStrike" cap="none" dirty="0">
-                <a:solidFill>
-                  <a:srgbClr val="00FF00"/>
-                </a:solidFill>
-                <a:latin typeface="Courier"/>
-                <a:ea typeface="Courier"/>
-                <a:cs typeface="Courier"/>
-                <a:sym typeface="Courier New"/>
-              </a:rPr>
-              <a:t>]</a:t>
-            </a:r>
-          </a:p>
-          <a:p>
-            <a:pPr marL="0" marR="0" lvl="0" indent="0" algn="l" rtl="0">
-              <a:lnSpc>
-                <a:spcPct val="100000"/>
-              </a:lnSpc>
-              <a:spcBef>
-                <a:spcPts val="0"/>
-              </a:spcBef>
-              <a:spcAft>
-                <a:spcPts val="0"/>
-              </a:spcAft>
-              <a:buClr>
-                <a:srgbClr val="00FF00"/>
-              </a:buClr>
-              <a:buSzPct val="25000"/>
-              <a:buFont typeface="Cabin"/>
-              <a:buNone/>
-            </a:pPr>
-            <a:r>
-              <a:rPr lang="en-US" sz="2800" b="1" i="0" u="none" strike="noStrike" cap="none" dirty="0">
-                <a:solidFill>
-                  <a:srgbClr val="00FF00"/>
-                </a:solidFill>
-                <a:latin typeface="Courier"/>
-                <a:ea typeface="Courier"/>
-                <a:cs typeface="Courier"/>
-                <a:sym typeface="Courier New"/>
-              </a:rPr>
-              <a:t>&gt;&gt;&gt; </a:t>
-            </a:r>
-            <a:r>
-              <a:rPr lang="en-US" sz="2800" b="1" i="0" u="none" strike="noStrike" cap="none" dirty="0" err="1">
-                <a:solidFill>
-                  <a:srgbClr val="00FF00"/>
-                </a:solidFill>
-                <a:latin typeface="Courier"/>
-                <a:ea typeface="Courier"/>
-                <a:cs typeface="Courier"/>
-                <a:sym typeface="Courier New"/>
-              </a:rPr>
-              <a:t>lst</a:t>
-            </a:r>
-            <a:r>
-              <a:rPr lang="en-US" sz="2800" b="1" i="0" u="none" strike="noStrike" cap="none" dirty="0">
-                <a:solidFill>
-                  <a:srgbClr val="FF7F00"/>
-                </a:solidFill>
-                <a:latin typeface="Courier"/>
-                <a:ea typeface="Courier"/>
-                <a:cs typeface="Courier"/>
-                <a:sym typeface="Courier New"/>
-              </a:rPr>
-              <a:t>[0]</a:t>
-            </a:r>
-            <a:r>
-              <a:rPr lang="en-US" sz="2800" b="1" i="0" u="none" strike="noStrike" cap="none" dirty="0">
-                <a:solidFill>
-                  <a:srgbClr val="00FF00"/>
-                </a:solidFill>
-                <a:latin typeface="Courier"/>
-                <a:ea typeface="Courier"/>
-                <a:cs typeface="Courier"/>
-                <a:sym typeface="Courier New"/>
-              </a:rPr>
-              <a:t> = </a:t>
-            </a:r>
-            <a:r>
-              <a:rPr lang="en-US" sz="2800" b="1" i="0" u="none" strike="noStrike" cap="none" dirty="0">
-                <a:solidFill>
-                  <a:srgbClr val="FFFF00"/>
-                </a:solidFill>
-                <a:latin typeface="Courier"/>
-                <a:ea typeface="Courier"/>
-                <a:cs typeface="Courier"/>
-                <a:sym typeface="Courier New"/>
-              </a:rPr>
-              <a:t>23</a:t>
-            </a:r>
-          </a:p>
-          <a:p>
-            <a:pPr lvl="0">
-              <a:buClr>
-                <a:srgbClr val="00FF00"/>
-              </a:buClr>
-              <a:buSzPct val="25000"/>
-            </a:pPr>
-            <a:r>
-              <a:rPr lang="en-US" sz="2800" b="1" i="0" u="none" strike="noStrike" cap="none" dirty="0">
-                <a:solidFill>
-                  <a:srgbClr val="00FF00"/>
-                </a:solidFill>
-                <a:latin typeface="Courier"/>
-                <a:ea typeface="Courier"/>
-                <a:cs typeface="Courier"/>
-                <a:sym typeface="Courier New"/>
-              </a:rPr>
-              <a:t>&gt;&gt;&gt; </a:t>
-            </a:r>
-            <a:r>
-              <a:rPr lang="en-US" sz="2800" b="1" i="0" u="none" strike="noStrike" cap="none" dirty="0">
-                <a:solidFill>
-                  <a:srgbClr val="FFFF00"/>
-                </a:solidFill>
-                <a:latin typeface="Courier"/>
-                <a:ea typeface="Courier"/>
-                <a:cs typeface="Courier"/>
-                <a:sym typeface="Courier New"/>
-              </a:rPr>
-              <a:t>print(</a:t>
-            </a:r>
-            <a:r>
-              <a:rPr lang="en-US" sz="2800" b="1" i="0" u="none" strike="noStrike" cap="none" dirty="0" err="1">
-                <a:solidFill>
-                  <a:srgbClr val="00FF00"/>
-                </a:solidFill>
-                <a:latin typeface="Courier"/>
-                <a:ea typeface="Courier"/>
-                <a:cs typeface="Courier"/>
-                <a:sym typeface="Courier New"/>
-              </a:rPr>
-              <a:t>lst</a:t>
-            </a:r>
-            <a:r>
-              <a:rPr lang="en-US" sz="2800" b="1" dirty="0">
-                <a:solidFill>
-                  <a:srgbClr val="FFFF00"/>
-                </a:solidFill>
-                <a:latin typeface="Courier"/>
-                <a:ea typeface="Courier"/>
-                <a:cs typeface="Courier"/>
-                <a:sym typeface="Courier New"/>
-              </a:rPr>
-              <a:t>)</a:t>
-            </a:r>
-            <a:endParaRPr lang="en-US" sz="2800" b="1" i="0" u="none" strike="noStrike" cap="none" dirty="0">
-              <a:solidFill>
-                <a:srgbClr val="00FF00"/>
-              </a:solidFill>
-              <a:latin typeface="Courier"/>
-              <a:ea typeface="Courier"/>
-              <a:cs typeface="Courier"/>
-              <a:sym typeface="Courier New"/>
-            </a:endParaRPr>
-          </a:p>
-          <a:p>
-            <a:pPr marL="0" marR="0" lvl="0" indent="0" algn="l" rtl="0">
-              <a:lnSpc>
-                <a:spcPct val="100000"/>
-              </a:lnSpc>
-              <a:spcBef>
-                <a:spcPts val="0"/>
-              </a:spcBef>
-              <a:spcAft>
-                <a:spcPts val="0"/>
-              </a:spcAft>
-              <a:buClr>
-                <a:srgbClr val="00FF00"/>
-              </a:buClr>
-              <a:buSzPct val="25000"/>
-              <a:buFont typeface="Cabin"/>
-              <a:buNone/>
-            </a:pPr>
-            <a:r>
-              <a:rPr lang="en-US" sz="2800" b="1" i="0" u="none" strike="noStrike" cap="none" dirty="0">
-                <a:solidFill>
-                  <a:srgbClr val="00FF00"/>
-                </a:solidFill>
-                <a:latin typeface="Courier"/>
-                <a:ea typeface="Courier"/>
-                <a:cs typeface="Courier"/>
-                <a:sym typeface="Courier New"/>
-              </a:rPr>
-              <a:t>[</a:t>
-            </a:r>
-            <a:r>
-              <a:rPr lang="en-US" sz="2800" b="1" i="0" u="none" strike="noStrike" cap="none" dirty="0">
-                <a:solidFill>
-                  <a:srgbClr val="FFFF00"/>
-                </a:solidFill>
-                <a:latin typeface="Courier"/>
-                <a:ea typeface="Courier"/>
-                <a:cs typeface="Courier"/>
-                <a:sym typeface="Courier New"/>
-              </a:rPr>
-              <a:t>23, 183</a:t>
-            </a:r>
-            <a:r>
-              <a:rPr lang="en-US" sz="2800" b="1" i="0" u="none" strike="noStrike" cap="none" dirty="0">
-                <a:solidFill>
-                  <a:srgbClr val="00FF00"/>
-                </a:solidFill>
-                <a:latin typeface="Courier"/>
-                <a:ea typeface="Courier"/>
-                <a:cs typeface="Courier"/>
-                <a:sym typeface="Courier New"/>
-              </a:rPr>
-              <a:t>]</a:t>
-            </a:r>
-          </a:p>
-        </p:txBody>
-      </p:sp>
-      <p:sp>
-        <p:nvSpPr>
-          <p:cNvPr id="274" name="Shape 274"/>
-          <p:cNvSpPr txBox="1"/>
-          <p:nvPr/>
-        </p:nvSpPr>
-        <p:spPr>
-          <a:xfrm>
-            <a:off x="1586675" y="4519499"/>
-            <a:ext cx="6215699" cy="3940200"/>
-          </a:xfrm>
-          <a:prstGeom prst="rect">
-            <a:avLst/>
-          </a:prstGeom>
-          <a:noFill/>
-          <a:ln>
-            <a:noFill/>
-          </a:ln>
-        </p:spPr>
-        <p:txBody>
-          <a:bodyPr lIns="0" tIns="0" rIns="0" bIns="0" anchor="ctr" anchorCtr="0">
-            <a:noAutofit/>
-          </a:bodyPr>
-          <a:lstStyle/>
-          <a:p>
-            <a:pPr marL="0" marR="0" lvl="0" indent="0" algn="l" rtl="0">
-              <a:lnSpc>
-                <a:spcPct val="100000"/>
-              </a:lnSpc>
-              <a:spcBef>
-                <a:spcPts val="0"/>
-              </a:spcBef>
-              <a:spcAft>
-                <a:spcPts val="0"/>
-              </a:spcAft>
-              <a:buClr>
-                <a:srgbClr val="FF00FF"/>
-              </a:buClr>
-              <a:buSzPct val="25000"/>
-              <a:buFont typeface="Cabin"/>
-              <a:buNone/>
-            </a:pPr>
-            <a:r>
-              <a:rPr lang="en-US" sz="2800" b="1" i="0" u="none" strike="noStrike" cap="none" dirty="0">
-                <a:solidFill>
-                  <a:srgbClr val="FF00FF"/>
-                </a:solidFill>
-                <a:latin typeface="Courier"/>
-                <a:ea typeface="Courier"/>
-                <a:cs typeface="Courier"/>
-                <a:sym typeface="Courier New"/>
-              </a:rPr>
-              <a:t>&gt;&gt;&gt; </a:t>
-            </a:r>
-            <a:r>
-              <a:rPr lang="en-US" sz="2800" b="1" i="0" u="none" strike="noStrike" cap="none" dirty="0" err="1">
-                <a:solidFill>
-                  <a:srgbClr val="FF00FF"/>
-                </a:solidFill>
-                <a:latin typeface="Courier"/>
-                <a:ea typeface="Courier"/>
-                <a:cs typeface="Courier"/>
-                <a:sym typeface="Courier New"/>
-              </a:rPr>
-              <a:t>ddd</a:t>
-            </a:r>
-            <a:r>
-              <a:rPr lang="en-US" sz="2800" b="1" i="0" u="none" strike="noStrike" cap="none" dirty="0">
-                <a:solidFill>
-                  <a:srgbClr val="FF00FF"/>
-                </a:solidFill>
-                <a:latin typeface="Courier"/>
-                <a:ea typeface="Courier"/>
-                <a:cs typeface="Courier"/>
-                <a:sym typeface="Courier New"/>
-              </a:rPr>
-              <a:t> = </a:t>
-            </a:r>
-            <a:r>
-              <a:rPr lang="en-US" sz="2800" b="1" i="0" u="none" strike="noStrike" cap="none" dirty="0" err="1">
-                <a:solidFill>
-                  <a:srgbClr val="00FFFF"/>
-                </a:solidFill>
-                <a:latin typeface="Courier"/>
-                <a:ea typeface="Courier"/>
-                <a:cs typeface="Courier"/>
-                <a:sym typeface="Courier New"/>
-              </a:rPr>
-              <a:t>dict</a:t>
-            </a:r>
-            <a:r>
-              <a:rPr lang="en-US" sz="2800" b="1" i="0" u="none" strike="noStrike" cap="none" dirty="0">
-                <a:solidFill>
-                  <a:srgbClr val="00FFFF"/>
-                </a:solidFill>
-                <a:latin typeface="Courier"/>
-                <a:ea typeface="Courier"/>
-                <a:cs typeface="Courier"/>
-                <a:sym typeface="Courier New"/>
-              </a:rPr>
-              <a:t>()</a:t>
-            </a:r>
-          </a:p>
-          <a:p>
-            <a:pPr marL="0" marR="0" lvl="0" indent="0" algn="l" rtl="0">
-              <a:lnSpc>
-                <a:spcPct val="100000"/>
-              </a:lnSpc>
-              <a:spcBef>
-                <a:spcPts val="0"/>
-              </a:spcBef>
-              <a:spcAft>
-                <a:spcPts val="0"/>
-              </a:spcAft>
-              <a:buClr>
-                <a:srgbClr val="FF00FF"/>
-              </a:buClr>
-              <a:buSzPct val="25000"/>
-              <a:buFont typeface="Cabin"/>
-              <a:buNone/>
-            </a:pPr>
-            <a:r>
-              <a:rPr lang="en-US" sz="2800" b="1" i="0" u="none" strike="noStrike" cap="none" dirty="0">
-                <a:solidFill>
-                  <a:srgbClr val="FF00FF"/>
-                </a:solidFill>
-                <a:latin typeface="Courier"/>
-                <a:ea typeface="Courier"/>
-                <a:cs typeface="Courier"/>
-                <a:sym typeface="Courier New"/>
-              </a:rPr>
-              <a:t>&gt;&gt;&gt; </a:t>
-            </a:r>
-            <a:r>
-              <a:rPr lang="en-US" sz="2800" b="1" i="0" u="none" strike="noStrike" cap="none" dirty="0" err="1">
-                <a:solidFill>
-                  <a:srgbClr val="FF00FF"/>
-                </a:solidFill>
-                <a:latin typeface="Courier"/>
-                <a:ea typeface="Courier"/>
-                <a:cs typeface="Courier"/>
-                <a:sym typeface="Courier New"/>
-              </a:rPr>
-              <a:t>ddd</a:t>
-            </a:r>
-            <a:r>
-              <a:rPr lang="en-US" sz="2800" b="1" i="0" u="none" strike="noStrike" cap="none" dirty="0">
-                <a:solidFill>
-                  <a:srgbClr val="FF00FF"/>
-                </a:solidFill>
-                <a:latin typeface="Courier"/>
-                <a:ea typeface="Courier"/>
-                <a:cs typeface="Courier"/>
-                <a:sym typeface="Courier New"/>
-              </a:rPr>
-              <a:t>[</a:t>
-            </a:r>
-            <a:r>
-              <a:rPr lang="en-US" sz="2800" b="1" i="0" u="none" strike="noStrike" cap="none" dirty="0">
-                <a:solidFill>
-                  <a:srgbClr val="FF7F00"/>
-                </a:solidFill>
-                <a:latin typeface="Courier"/>
-                <a:ea typeface="Courier"/>
-                <a:cs typeface="Courier"/>
-                <a:sym typeface="Courier New"/>
-              </a:rPr>
-              <a:t>'age'</a:t>
-            </a:r>
-            <a:r>
-              <a:rPr lang="en-US" sz="2800" b="1" i="0" u="none" strike="noStrike" cap="none" dirty="0">
-                <a:solidFill>
-                  <a:srgbClr val="FF00FF"/>
-                </a:solidFill>
-                <a:latin typeface="Courier"/>
-                <a:ea typeface="Courier"/>
-                <a:cs typeface="Courier"/>
-                <a:sym typeface="Courier New"/>
-              </a:rPr>
-              <a:t>] = </a:t>
-            </a:r>
-            <a:r>
-              <a:rPr lang="en-US" sz="2800" b="1" i="0" u="none" strike="noStrike" cap="none" dirty="0">
-                <a:solidFill>
-                  <a:srgbClr val="FFFF00"/>
-                </a:solidFill>
-                <a:latin typeface="Courier"/>
-                <a:ea typeface="Courier"/>
-                <a:cs typeface="Courier"/>
-                <a:sym typeface="Courier New"/>
-              </a:rPr>
-              <a:t>21</a:t>
-            </a:r>
-          </a:p>
-          <a:p>
-            <a:pPr marL="0" marR="0" lvl="0" indent="0" algn="l" rtl="0">
-              <a:lnSpc>
-                <a:spcPct val="100000"/>
-              </a:lnSpc>
-              <a:spcBef>
-                <a:spcPts val="0"/>
-              </a:spcBef>
-              <a:spcAft>
-                <a:spcPts val="0"/>
-              </a:spcAft>
-              <a:buClr>
-                <a:srgbClr val="FF00FF"/>
-              </a:buClr>
-              <a:buSzPct val="25000"/>
-              <a:buFont typeface="Cabin"/>
-              <a:buNone/>
-            </a:pPr>
-            <a:r>
-              <a:rPr lang="en-US" sz="2800" b="1" i="0" u="none" strike="noStrike" cap="none" dirty="0">
-                <a:solidFill>
-                  <a:srgbClr val="FF00FF"/>
-                </a:solidFill>
-                <a:latin typeface="Courier"/>
-                <a:ea typeface="Courier"/>
-                <a:cs typeface="Courier"/>
-                <a:sym typeface="Courier New"/>
-              </a:rPr>
-              <a:t>&gt;&gt;&gt; </a:t>
-            </a:r>
-            <a:r>
-              <a:rPr lang="en-US" sz="2800" b="1" i="0" u="none" strike="noStrike" cap="none" dirty="0" err="1">
-                <a:solidFill>
-                  <a:srgbClr val="FF00FF"/>
-                </a:solidFill>
-                <a:latin typeface="Courier"/>
-                <a:ea typeface="Courier"/>
-                <a:cs typeface="Courier"/>
-                <a:sym typeface="Courier New"/>
-              </a:rPr>
-              <a:t>ddd</a:t>
-            </a:r>
-            <a:r>
-              <a:rPr lang="en-US" sz="2800" b="1" i="0" u="none" strike="noStrike" cap="none" dirty="0">
-                <a:solidFill>
-                  <a:srgbClr val="FF00FF"/>
-                </a:solidFill>
-                <a:latin typeface="Courier"/>
-                <a:ea typeface="Courier"/>
-                <a:cs typeface="Courier"/>
-                <a:sym typeface="Courier New"/>
-              </a:rPr>
-              <a:t>[</a:t>
-            </a:r>
-            <a:r>
-              <a:rPr lang="en-US" sz="2800" b="1" i="0" u="none" strike="noStrike" cap="none" dirty="0">
-                <a:solidFill>
-                  <a:srgbClr val="FF7F00"/>
-                </a:solidFill>
-                <a:latin typeface="Courier"/>
-                <a:ea typeface="Courier"/>
-                <a:cs typeface="Courier"/>
-                <a:sym typeface="Courier New"/>
-              </a:rPr>
-              <a:t>'course'</a:t>
-            </a:r>
-            <a:r>
-              <a:rPr lang="en-US" sz="2800" b="1" i="0" u="none" strike="noStrike" cap="none" dirty="0">
-                <a:solidFill>
-                  <a:srgbClr val="FF00FF"/>
-                </a:solidFill>
-                <a:latin typeface="Courier"/>
-                <a:ea typeface="Courier"/>
-                <a:cs typeface="Courier"/>
-                <a:sym typeface="Courier New"/>
-              </a:rPr>
-              <a:t>] = </a:t>
-            </a:r>
-            <a:r>
-              <a:rPr lang="en-US" sz="2800" b="1" i="0" u="none" strike="noStrike" cap="none" dirty="0">
-                <a:solidFill>
-                  <a:srgbClr val="FFFF00"/>
-                </a:solidFill>
-                <a:latin typeface="Courier"/>
-                <a:ea typeface="Courier"/>
-                <a:cs typeface="Courier"/>
-                <a:sym typeface="Courier New"/>
-              </a:rPr>
-              <a:t>182</a:t>
-            </a:r>
-          </a:p>
-          <a:p>
-            <a:pPr lvl="0">
-              <a:buClr>
-                <a:srgbClr val="FF00FF"/>
-              </a:buClr>
-              <a:buSzPct val="25000"/>
-            </a:pPr>
-            <a:r>
-              <a:rPr lang="en-US" sz="2800" b="1" i="0" u="none" strike="noStrike" cap="none" dirty="0">
-                <a:solidFill>
-                  <a:srgbClr val="FF00FF"/>
-                </a:solidFill>
-                <a:latin typeface="Courier"/>
-                <a:ea typeface="Courier"/>
-                <a:cs typeface="Courier"/>
-                <a:sym typeface="Courier New"/>
-              </a:rPr>
-              <a:t>&gt;&gt;&gt; </a:t>
-            </a:r>
-            <a:r>
-              <a:rPr lang="en-US" sz="2800" b="1" i="0" u="none" strike="noStrike" cap="none" dirty="0">
-                <a:solidFill>
-                  <a:srgbClr val="FFFF00"/>
-                </a:solidFill>
-                <a:latin typeface="Courier"/>
-                <a:ea typeface="Courier"/>
-                <a:cs typeface="Courier"/>
-                <a:sym typeface="Courier New"/>
-              </a:rPr>
-              <a:t>print(</a:t>
-            </a:r>
-            <a:r>
-              <a:rPr lang="en-US" sz="2800" b="1" i="0" u="none" strike="noStrike" cap="none" dirty="0" err="1">
-                <a:solidFill>
-                  <a:srgbClr val="FF00FF"/>
-                </a:solidFill>
-                <a:latin typeface="Courier"/>
-                <a:ea typeface="Courier"/>
-                <a:cs typeface="Courier"/>
-                <a:sym typeface="Courier New"/>
-              </a:rPr>
-              <a:t>ddd</a:t>
-            </a:r>
-            <a:r>
-              <a:rPr lang="en-US" sz="2800" b="1" dirty="0">
-                <a:solidFill>
-                  <a:srgbClr val="FFFF00"/>
-                </a:solidFill>
-                <a:latin typeface="Courier"/>
-                <a:ea typeface="Courier"/>
-                <a:cs typeface="Courier"/>
-                <a:sym typeface="Courier New"/>
-              </a:rPr>
-              <a:t>)</a:t>
-            </a:r>
-            <a:endParaRPr lang="en-US" sz="2800" b="1" i="0" u="none" strike="noStrike" cap="none" dirty="0">
-              <a:solidFill>
-                <a:srgbClr val="FF00FF"/>
-              </a:solidFill>
-              <a:latin typeface="Courier"/>
-              <a:ea typeface="Courier"/>
-              <a:cs typeface="Courier"/>
-              <a:sym typeface="Courier New"/>
-            </a:endParaRPr>
-          </a:p>
-          <a:p>
-            <a:pPr marL="0" marR="0" lvl="0" indent="0" algn="l" rtl="0">
-              <a:lnSpc>
-                <a:spcPct val="100000"/>
-              </a:lnSpc>
-              <a:spcBef>
-                <a:spcPts val="0"/>
-              </a:spcBef>
-              <a:spcAft>
-                <a:spcPts val="0"/>
-              </a:spcAft>
-              <a:buClr>
-                <a:srgbClr val="FF00FF"/>
-              </a:buClr>
-              <a:buSzPct val="25000"/>
-              <a:buFont typeface="Cabin"/>
-              <a:buNone/>
-            </a:pPr>
-            <a:r>
-              <a:rPr lang="en-US" sz="2800" b="1" i="0" u="none" strike="noStrike" cap="none" dirty="0">
-                <a:solidFill>
-                  <a:srgbClr val="FF00FF"/>
-                </a:solidFill>
-                <a:latin typeface="Courier"/>
-                <a:ea typeface="Courier"/>
-                <a:cs typeface="Courier"/>
-                <a:sym typeface="Courier New"/>
-              </a:rPr>
-              <a:t>{</a:t>
-            </a:r>
-            <a:r>
-              <a:rPr lang="en-US" sz="2800" b="1" i="0" u="none" strike="noStrike" cap="none" dirty="0">
-                <a:solidFill>
-                  <a:srgbClr val="FF7F00"/>
-                </a:solidFill>
-                <a:latin typeface="Courier"/>
-                <a:ea typeface="Courier"/>
-                <a:cs typeface="Courier"/>
-                <a:sym typeface="Courier New"/>
-              </a:rPr>
-              <a:t>'age'</a:t>
-            </a:r>
-            <a:r>
-              <a:rPr lang="en-US" sz="2800" b="1" i="0" u="none" strike="noStrike" cap="none" dirty="0">
-                <a:solidFill>
-                  <a:srgbClr val="FF00FF"/>
-                </a:solidFill>
-                <a:latin typeface="Courier"/>
-                <a:ea typeface="Courier"/>
-                <a:cs typeface="Courier"/>
-                <a:sym typeface="Courier New"/>
-              </a:rPr>
-              <a:t>: </a:t>
-            </a:r>
-            <a:r>
-              <a:rPr lang="en-US" sz="2800" b="1" i="0" u="none" strike="noStrike" cap="none" dirty="0">
-                <a:solidFill>
-                  <a:srgbClr val="FFFF00"/>
-                </a:solidFill>
-                <a:latin typeface="Courier"/>
-                <a:ea typeface="Courier"/>
-                <a:cs typeface="Courier"/>
-                <a:sym typeface="Courier New"/>
-              </a:rPr>
-              <a:t>21</a:t>
-            </a:r>
-            <a:r>
-              <a:rPr lang="en-US" sz="2800" b="1" i="0" u="none" strike="noStrike" cap="none" dirty="0">
-                <a:solidFill>
-                  <a:srgbClr val="FF00FF"/>
-                </a:solidFill>
-                <a:latin typeface="Courier"/>
-                <a:ea typeface="Courier"/>
-                <a:cs typeface="Courier"/>
-                <a:sym typeface="Courier New"/>
-              </a:rPr>
-              <a:t>, </a:t>
-            </a:r>
-            <a:r>
-              <a:rPr lang="en-US" sz="2800" b="1" i="0" u="none" strike="noStrike" cap="none" dirty="0">
-                <a:solidFill>
-                  <a:srgbClr val="FF7F00"/>
-                </a:solidFill>
-                <a:latin typeface="Courier"/>
-                <a:ea typeface="Courier"/>
-                <a:cs typeface="Courier"/>
-                <a:sym typeface="Courier New"/>
-              </a:rPr>
-              <a:t>'course'</a:t>
-            </a:r>
-            <a:r>
-              <a:rPr lang="en-US" sz="2800" b="1" i="0" u="none" strike="noStrike" cap="none" dirty="0">
-                <a:solidFill>
-                  <a:srgbClr val="FF00FF"/>
-                </a:solidFill>
-                <a:latin typeface="Courier"/>
-                <a:ea typeface="Courier"/>
-                <a:cs typeface="Courier"/>
-                <a:sym typeface="Courier New"/>
-              </a:rPr>
-              <a:t>: </a:t>
-            </a:r>
-            <a:r>
-              <a:rPr lang="en-US" sz="2800" b="1" i="0" u="none" strike="noStrike" cap="none" dirty="0">
-                <a:solidFill>
-                  <a:srgbClr val="FFFF00"/>
-                </a:solidFill>
-                <a:latin typeface="Courier"/>
-                <a:ea typeface="Courier"/>
-                <a:cs typeface="Courier"/>
-                <a:sym typeface="Courier New"/>
-              </a:rPr>
-              <a:t>182</a:t>
-            </a:r>
-            <a:r>
-              <a:rPr lang="en-US" sz="2800" b="1" i="0" u="none" strike="noStrike" cap="none" dirty="0">
-                <a:solidFill>
-                  <a:srgbClr val="FF00FF"/>
-                </a:solidFill>
-                <a:latin typeface="Courier"/>
-                <a:ea typeface="Courier"/>
-                <a:cs typeface="Courier"/>
-                <a:sym typeface="Courier New"/>
-              </a:rPr>
-              <a:t>}</a:t>
-            </a:r>
-          </a:p>
-          <a:p>
-            <a:pPr marL="0" marR="0" lvl="0" indent="0" algn="l" rtl="0">
-              <a:lnSpc>
-                <a:spcPct val="100000"/>
-              </a:lnSpc>
-              <a:spcBef>
-                <a:spcPts val="0"/>
-              </a:spcBef>
-              <a:spcAft>
-                <a:spcPts val="0"/>
-              </a:spcAft>
-              <a:buClr>
-                <a:srgbClr val="FF00FF"/>
-              </a:buClr>
-              <a:buSzPct val="25000"/>
-              <a:buFont typeface="Cabin"/>
-              <a:buNone/>
-            </a:pPr>
-            <a:r>
-              <a:rPr lang="en-US" sz="2800" b="1" i="0" u="none" strike="noStrike" cap="none" dirty="0">
-                <a:solidFill>
-                  <a:srgbClr val="FF00FF"/>
-                </a:solidFill>
-                <a:latin typeface="Courier"/>
-                <a:ea typeface="Courier"/>
-                <a:cs typeface="Courier"/>
-                <a:sym typeface="Courier New"/>
-              </a:rPr>
-              <a:t>&gt;&gt;&gt; </a:t>
-            </a:r>
-            <a:r>
-              <a:rPr lang="en-US" sz="2800" b="1" i="0" u="none" strike="noStrike" cap="none" dirty="0" err="1">
-                <a:solidFill>
-                  <a:srgbClr val="FF00FF"/>
-                </a:solidFill>
-                <a:latin typeface="Courier"/>
-                <a:ea typeface="Courier"/>
-                <a:cs typeface="Courier"/>
-                <a:sym typeface="Courier New"/>
-              </a:rPr>
-              <a:t>ddd</a:t>
-            </a:r>
-            <a:r>
-              <a:rPr lang="en-US" sz="2800" b="1" i="0" u="none" strike="noStrike" cap="none" dirty="0">
-                <a:solidFill>
-                  <a:srgbClr val="FF00FF"/>
-                </a:solidFill>
-                <a:latin typeface="Courier"/>
-                <a:ea typeface="Courier"/>
-                <a:cs typeface="Courier"/>
-                <a:sym typeface="Courier New"/>
-              </a:rPr>
-              <a:t>[</a:t>
-            </a:r>
-            <a:r>
-              <a:rPr lang="en-US" sz="2800" b="1" i="0" u="none" strike="noStrike" cap="none" dirty="0">
-                <a:solidFill>
-                  <a:srgbClr val="FF7F00"/>
-                </a:solidFill>
-                <a:latin typeface="Courier"/>
-                <a:ea typeface="Courier"/>
-                <a:cs typeface="Courier"/>
-                <a:sym typeface="Courier New"/>
-              </a:rPr>
-              <a:t>'age'</a:t>
-            </a:r>
-            <a:r>
-              <a:rPr lang="en-US" sz="2800" b="1" i="0" u="none" strike="noStrike" cap="none" dirty="0">
-                <a:solidFill>
-                  <a:srgbClr val="FF00FF"/>
-                </a:solidFill>
-                <a:latin typeface="Courier"/>
-                <a:ea typeface="Courier"/>
-                <a:cs typeface="Courier"/>
-                <a:sym typeface="Courier New"/>
-              </a:rPr>
-              <a:t>] = 23</a:t>
-            </a:r>
-          </a:p>
-          <a:p>
-            <a:pPr lvl="0">
-              <a:buClr>
-                <a:srgbClr val="FF00FF"/>
-              </a:buClr>
-              <a:buSzPct val="25000"/>
-            </a:pPr>
-            <a:r>
-              <a:rPr lang="en-US" sz="2800" b="1" i="0" u="none" strike="noStrike" cap="none" dirty="0">
-                <a:solidFill>
-                  <a:srgbClr val="FF00FF"/>
-                </a:solidFill>
-                <a:latin typeface="Courier"/>
-                <a:ea typeface="Courier"/>
-                <a:cs typeface="Courier"/>
-                <a:sym typeface="Courier New"/>
-              </a:rPr>
-              <a:t>&gt;&gt;&gt; </a:t>
-            </a:r>
-            <a:r>
-              <a:rPr lang="en-US" sz="2800" b="1" i="0" u="none" strike="noStrike" cap="none" dirty="0">
-                <a:solidFill>
-                  <a:srgbClr val="FFFF00"/>
-                </a:solidFill>
-                <a:latin typeface="Courier"/>
-                <a:ea typeface="Courier"/>
-                <a:cs typeface="Courier"/>
-                <a:sym typeface="Courier New"/>
-              </a:rPr>
-              <a:t>print(</a:t>
-            </a:r>
-            <a:r>
-              <a:rPr lang="en-US" sz="2800" b="1" i="0" u="none" strike="noStrike" cap="none" dirty="0" err="1">
-                <a:solidFill>
-                  <a:srgbClr val="FF00FF"/>
-                </a:solidFill>
-                <a:latin typeface="Courier"/>
-                <a:ea typeface="Courier"/>
-                <a:cs typeface="Courier"/>
-                <a:sym typeface="Courier New"/>
-              </a:rPr>
-              <a:t>ddd</a:t>
-            </a:r>
-            <a:r>
-              <a:rPr lang="en-US" sz="2800" b="1" dirty="0">
-                <a:solidFill>
-                  <a:srgbClr val="FFFF00"/>
-                </a:solidFill>
-                <a:latin typeface="Courier"/>
-                <a:ea typeface="Courier"/>
-                <a:cs typeface="Courier"/>
-                <a:sym typeface="Courier New"/>
-              </a:rPr>
-              <a:t>)</a:t>
-            </a:r>
-            <a:endParaRPr lang="en-US" sz="2800" b="1" i="0" u="none" strike="noStrike" cap="none" dirty="0">
-              <a:solidFill>
-                <a:srgbClr val="FF00FF"/>
-              </a:solidFill>
-              <a:latin typeface="Courier"/>
-              <a:ea typeface="Courier"/>
-              <a:cs typeface="Courier"/>
-              <a:sym typeface="Courier New"/>
-            </a:endParaRPr>
-          </a:p>
-          <a:p>
-            <a:pPr marL="0" marR="0" lvl="0" indent="0" algn="l" rtl="0">
-              <a:lnSpc>
-                <a:spcPct val="100000"/>
-              </a:lnSpc>
-              <a:spcBef>
-                <a:spcPts val="0"/>
-              </a:spcBef>
-              <a:spcAft>
-                <a:spcPts val="0"/>
-              </a:spcAft>
-              <a:buClr>
-                <a:srgbClr val="FF00FF"/>
-              </a:buClr>
-              <a:buSzPct val="25000"/>
-              <a:buFont typeface="Cabin"/>
-              <a:buNone/>
-            </a:pPr>
-            <a:r>
-              <a:rPr lang="en-US" sz="2800" b="1" i="0" u="none" strike="noStrike" cap="none" dirty="0">
-                <a:solidFill>
-                  <a:srgbClr val="FF00FF"/>
-                </a:solidFill>
-                <a:latin typeface="Courier"/>
-                <a:ea typeface="Courier"/>
-                <a:cs typeface="Courier"/>
-                <a:sym typeface="Courier New"/>
-              </a:rPr>
-              <a:t>{</a:t>
-            </a:r>
-            <a:r>
-              <a:rPr lang="en-US" sz="2800" b="1" i="0" u="none" strike="noStrike" cap="none" dirty="0">
-                <a:solidFill>
-                  <a:srgbClr val="FF7F00"/>
-                </a:solidFill>
-                <a:latin typeface="Courier"/>
-                <a:ea typeface="Courier"/>
-                <a:cs typeface="Courier"/>
-                <a:sym typeface="Courier New"/>
-              </a:rPr>
-              <a:t>'age'</a:t>
-            </a:r>
-            <a:r>
-              <a:rPr lang="en-US" sz="2800" b="1" i="0" u="none" strike="noStrike" cap="none" dirty="0">
-                <a:solidFill>
-                  <a:srgbClr val="FF00FF"/>
-                </a:solidFill>
-                <a:latin typeface="Courier"/>
-                <a:ea typeface="Courier"/>
-                <a:cs typeface="Courier"/>
-                <a:sym typeface="Courier New"/>
-              </a:rPr>
-              <a:t>: </a:t>
-            </a:r>
-            <a:r>
-              <a:rPr lang="en-US" sz="2800" b="1" i="0" u="none" strike="noStrike" cap="none" dirty="0">
-                <a:solidFill>
-                  <a:srgbClr val="FFFF00"/>
-                </a:solidFill>
-                <a:latin typeface="Courier"/>
-                <a:ea typeface="Courier"/>
-                <a:cs typeface="Courier"/>
-                <a:sym typeface="Courier New"/>
-              </a:rPr>
-              <a:t>23</a:t>
-            </a:r>
-            <a:r>
-              <a:rPr lang="en-US" sz="2800" b="1" i="0" u="none" strike="noStrike" cap="none" dirty="0">
-                <a:solidFill>
-                  <a:srgbClr val="FF00FF"/>
-                </a:solidFill>
-                <a:latin typeface="Courier"/>
-                <a:ea typeface="Courier"/>
-                <a:cs typeface="Courier"/>
-                <a:sym typeface="Courier New"/>
-              </a:rPr>
-              <a:t>, </a:t>
-            </a:r>
-            <a:r>
-              <a:rPr lang="en-US" sz="2800" b="1" i="0" u="none" strike="noStrike" cap="none" dirty="0">
-                <a:solidFill>
-                  <a:srgbClr val="FF7F00"/>
-                </a:solidFill>
-                <a:latin typeface="Courier"/>
-                <a:ea typeface="Courier"/>
-                <a:cs typeface="Courier"/>
-                <a:sym typeface="Courier New"/>
-              </a:rPr>
-              <a:t>'course'</a:t>
-            </a:r>
-            <a:r>
-              <a:rPr lang="en-US" sz="2800" b="1" i="0" u="none" strike="noStrike" cap="none" dirty="0">
-                <a:solidFill>
-                  <a:srgbClr val="FF00FF"/>
-                </a:solidFill>
-                <a:latin typeface="Courier"/>
-                <a:ea typeface="Courier"/>
-                <a:cs typeface="Courier"/>
-                <a:sym typeface="Courier New"/>
-              </a:rPr>
-              <a:t>: </a:t>
-            </a:r>
-            <a:r>
-              <a:rPr lang="en-US" sz="2800" b="1" i="0" u="none" strike="noStrike" cap="none" dirty="0">
-                <a:solidFill>
-                  <a:srgbClr val="FFFF00"/>
-                </a:solidFill>
-                <a:latin typeface="Courier"/>
-                <a:ea typeface="Courier"/>
-                <a:cs typeface="Courier"/>
-                <a:sym typeface="Courier New"/>
-              </a:rPr>
-              <a:t>182</a:t>
-            </a:r>
-            <a:r>
-              <a:rPr lang="en-US" sz="2800" b="1" i="0" u="none" strike="noStrike" cap="none" dirty="0">
-                <a:solidFill>
-                  <a:srgbClr val="FF00FF"/>
-                </a:solidFill>
-                <a:latin typeface="Courier"/>
-                <a:ea typeface="Courier"/>
-                <a:cs typeface="Courier"/>
-                <a:sym typeface="Courier New"/>
-              </a:rPr>
-              <a:t>}</a:t>
-            </a:r>
-          </a:p>
-        </p:txBody>
-      </p:sp>
-      <p:sp>
-        <p:nvSpPr>
-          <p:cNvPr id="275" name="Shape 275"/>
-          <p:cNvSpPr txBox="1"/>
-          <p:nvPr/>
-        </p:nvSpPr>
-        <p:spPr>
-          <a:xfrm>
-            <a:off x="10278270" y="2265299"/>
-            <a:ext cx="647700" cy="622199"/>
-          </a:xfrm>
-          <a:prstGeom prst="rect">
-            <a:avLst/>
-          </a:prstGeom>
-          <a:noFill/>
-          <a:ln>
-            <a:noFill/>
-          </a:ln>
-        </p:spPr>
-        <p:txBody>
-          <a:bodyPr lIns="0" tIns="0" rIns="0" bIns="0" anchor="ctr" anchorCtr="0">
-            <a:noAutofit/>
-          </a:bodyPr>
-          <a:lstStyle/>
-          <a:p>
-            <a:pPr marL="0" marR="0" lvl="0" indent="0" algn="r" rtl="0">
-              <a:lnSpc>
-                <a:spcPct val="100000"/>
-              </a:lnSpc>
-              <a:spcBef>
-                <a:spcPts val="0"/>
-              </a:spcBef>
-              <a:spcAft>
-                <a:spcPts val="0"/>
-              </a:spcAft>
-              <a:buClr>
-                <a:srgbClr val="FF7F00"/>
-              </a:buClr>
-              <a:buSzPct val="25000"/>
-              <a:buFont typeface="Cabin"/>
-              <a:buNone/>
-            </a:pPr>
-            <a:r>
-              <a:rPr lang="en-US" sz="3200" u="none" strike="noStrike" cap="none">
-                <a:solidFill>
-                  <a:srgbClr val="FF7F00"/>
-                </a:solidFill>
-                <a:latin typeface="Arial" charset="0"/>
-                <a:ea typeface="Arial" charset="0"/>
-                <a:cs typeface="Arial" charset="0"/>
-                <a:sym typeface="Cabin"/>
-              </a:rPr>
-              <a:t>[0]</a:t>
-            </a:r>
-          </a:p>
-        </p:txBody>
-      </p:sp>
-      <p:sp>
-        <p:nvSpPr>
-          <p:cNvPr id="276" name="Shape 276"/>
-          <p:cNvSpPr txBox="1"/>
-          <p:nvPr/>
-        </p:nvSpPr>
-        <p:spPr>
-          <a:xfrm>
-            <a:off x="11602245" y="2252599"/>
-            <a:ext cx="597000" cy="647700"/>
-          </a:xfrm>
-          <a:prstGeom prst="rect">
-            <a:avLst/>
-          </a:prstGeom>
-          <a:noFill/>
-          <a:ln w="25400" cap="rnd" cmpd="sng">
-            <a:solidFill>
-              <a:srgbClr val="FFFF00"/>
-            </a:solidFill>
-            <a:prstDash val="solid"/>
-            <a:miter/>
-            <a:headEnd type="none" w="med" len="med"/>
-            <a:tailEnd type="none" w="med" len="med"/>
-          </a:ln>
-        </p:spPr>
-        <p:txBody>
-          <a:bodyPr lIns="0" tIns="0" rIns="0" bIns="0" anchor="ctr" anchorCtr="0">
-            <a:noAutofit/>
-          </a:bodyPr>
-          <a:lstStyle/>
-          <a:p>
-            <a:pPr marL="0" marR="0" lvl="0" indent="0" algn="l" rtl="0">
-              <a:lnSpc>
-                <a:spcPct val="100000"/>
-              </a:lnSpc>
-              <a:spcBef>
-                <a:spcPts val="0"/>
-              </a:spcBef>
-              <a:spcAft>
-                <a:spcPts val="0"/>
-              </a:spcAft>
-              <a:buClr>
-                <a:schemeClr val="lt1"/>
-              </a:buClr>
-              <a:buSzPct val="25000"/>
-              <a:buFont typeface="Cabin"/>
-              <a:buNone/>
-            </a:pPr>
-            <a:r>
-              <a:rPr lang="en-US" sz="3200">
-                <a:solidFill>
-                  <a:schemeClr val="lt1"/>
-                </a:solidFill>
-                <a:latin typeface="Arial" charset="0"/>
-                <a:ea typeface="Arial" charset="0"/>
-                <a:cs typeface="Arial" charset="0"/>
-                <a:sym typeface="Cabin"/>
-              </a:rPr>
-              <a:t> </a:t>
-            </a:r>
-            <a:r>
-              <a:rPr lang="en-US" sz="3200" u="none" strike="noStrike" cap="none">
-                <a:solidFill>
-                  <a:schemeClr val="lt1"/>
-                </a:solidFill>
-                <a:latin typeface="Arial" charset="0"/>
-                <a:ea typeface="Arial" charset="0"/>
-                <a:cs typeface="Arial" charset="0"/>
-                <a:sym typeface="Cabin"/>
-              </a:rPr>
-              <a:t>21</a:t>
-            </a:r>
-          </a:p>
-        </p:txBody>
-      </p:sp>
-      <p:sp>
-        <p:nvSpPr>
-          <p:cNvPr id="277" name="Shape 277"/>
-          <p:cNvSpPr txBox="1"/>
-          <p:nvPr/>
-        </p:nvSpPr>
-        <p:spPr>
-          <a:xfrm>
-            <a:off x="10278270" y="3027299"/>
-            <a:ext cx="647700" cy="622199"/>
-          </a:xfrm>
-          <a:prstGeom prst="rect">
-            <a:avLst/>
-          </a:prstGeom>
-          <a:noFill/>
-          <a:ln>
-            <a:noFill/>
-          </a:ln>
-        </p:spPr>
-        <p:txBody>
-          <a:bodyPr lIns="0" tIns="0" rIns="0" bIns="0" anchor="ctr" anchorCtr="0">
-            <a:noAutofit/>
-          </a:bodyPr>
-          <a:lstStyle/>
-          <a:p>
-            <a:pPr marL="0" marR="0" lvl="0" indent="0" algn="r" rtl="0">
-              <a:lnSpc>
-                <a:spcPct val="100000"/>
-              </a:lnSpc>
-              <a:spcBef>
-                <a:spcPts val="0"/>
-              </a:spcBef>
-              <a:spcAft>
-                <a:spcPts val="0"/>
-              </a:spcAft>
-              <a:buClr>
-                <a:srgbClr val="FF7F00"/>
-              </a:buClr>
-              <a:buSzPct val="25000"/>
-              <a:buFont typeface="Cabin"/>
-              <a:buNone/>
-            </a:pPr>
-            <a:r>
-              <a:rPr lang="en-US" sz="3200" u="none" strike="noStrike" cap="none">
-                <a:solidFill>
-                  <a:srgbClr val="FF7F00"/>
-                </a:solidFill>
-                <a:latin typeface="Arial" charset="0"/>
-                <a:ea typeface="Arial" charset="0"/>
-                <a:cs typeface="Arial" charset="0"/>
-                <a:sym typeface="Cabin"/>
-              </a:rPr>
-              <a:t>[1]</a:t>
-            </a:r>
-          </a:p>
-        </p:txBody>
-      </p:sp>
-      <p:sp>
-        <p:nvSpPr>
-          <p:cNvPr id="278" name="Shape 278"/>
-          <p:cNvSpPr txBox="1"/>
-          <p:nvPr/>
-        </p:nvSpPr>
-        <p:spPr>
-          <a:xfrm>
-            <a:off x="11602245" y="3014599"/>
-            <a:ext cx="947699" cy="647700"/>
-          </a:xfrm>
-          <a:prstGeom prst="rect">
-            <a:avLst/>
-          </a:prstGeom>
-          <a:noFill/>
-          <a:ln w="25400" cap="rnd" cmpd="sng">
-            <a:solidFill>
-              <a:srgbClr val="FFFF00"/>
-            </a:solidFill>
-            <a:prstDash val="solid"/>
-            <a:miter/>
-            <a:headEnd type="none" w="med" len="med"/>
-            <a:tailEnd type="none" w="med" len="med"/>
-          </a:ln>
-        </p:spPr>
-        <p:txBody>
-          <a:bodyPr lIns="0" tIns="0" rIns="0" bIns="0" anchor="ctr" anchorCtr="0">
-            <a:noAutofit/>
-          </a:bodyPr>
-          <a:lstStyle/>
-          <a:p>
-            <a:pPr marL="0" marR="0" lvl="0" indent="0" algn="l" rtl="0">
-              <a:lnSpc>
-                <a:spcPct val="100000"/>
-              </a:lnSpc>
-              <a:spcBef>
-                <a:spcPts val="0"/>
-              </a:spcBef>
-              <a:spcAft>
-                <a:spcPts val="0"/>
-              </a:spcAft>
-              <a:buClr>
-                <a:schemeClr val="lt1"/>
-              </a:buClr>
-              <a:buSzPct val="25000"/>
-              <a:buFont typeface="Cabin"/>
-              <a:buNone/>
-            </a:pPr>
-            <a:r>
-              <a:rPr lang="en-US" sz="3200">
-                <a:solidFill>
-                  <a:schemeClr val="lt1"/>
-                </a:solidFill>
-                <a:latin typeface="Arial" charset="0"/>
-                <a:ea typeface="Arial" charset="0"/>
-                <a:cs typeface="Arial" charset="0"/>
-                <a:sym typeface="Cabin"/>
-              </a:rPr>
-              <a:t> </a:t>
-            </a:r>
-            <a:r>
-              <a:rPr lang="en-US" sz="3200" u="none" strike="noStrike" cap="none">
-                <a:solidFill>
-                  <a:schemeClr val="lt1"/>
-                </a:solidFill>
-                <a:latin typeface="Arial" charset="0"/>
-                <a:ea typeface="Arial" charset="0"/>
-                <a:cs typeface="Arial" charset="0"/>
-                <a:sym typeface="Cabin"/>
-              </a:rPr>
-              <a:t>183</a:t>
-            </a:r>
-          </a:p>
-        </p:txBody>
-      </p:sp>
-      <p:sp>
-        <p:nvSpPr>
-          <p:cNvPr id="279" name="Shape 279"/>
-          <p:cNvSpPr txBox="1"/>
-          <p:nvPr/>
-        </p:nvSpPr>
-        <p:spPr>
-          <a:xfrm>
-            <a:off x="13773945" y="2417699"/>
-            <a:ext cx="647700" cy="774599"/>
-          </a:xfrm>
-          <a:prstGeom prst="rect">
-            <a:avLst/>
-          </a:prstGeom>
-          <a:noFill/>
-          <a:ln>
-            <a:noFill/>
-          </a:ln>
-        </p:spPr>
-        <p:txBody>
-          <a:bodyPr lIns="0" tIns="0" rIns="0" bIns="0" anchor="ctr" anchorCtr="0">
-            <a:noAutofit/>
-          </a:bodyPr>
-          <a:lstStyle/>
-          <a:p>
-            <a:pPr marL="0" marR="0" lvl="0" indent="0" algn="ctr" rtl="0">
-              <a:lnSpc>
-                <a:spcPct val="100000"/>
-              </a:lnSpc>
-              <a:spcBef>
-                <a:spcPts val="0"/>
-              </a:spcBef>
-              <a:spcAft>
-                <a:spcPts val="0"/>
-              </a:spcAft>
-              <a:buClr>
-                <a:srgbClr val="00FF00"/>
-              </a:buClr>
-              <a:buSzPct val="25000"/>
-              <a:buFont typeface="Cabin"/>
-              <a:buNone/>
-            </a:pPr>
-            <a:r>
-              <a:rPr lang="en-US" sz="3200" u="none" strike="noStrike" cap="none">
-                <a:solidFill>
-                  <a:srgbClr val="00FF00"/>
-                </a:solidFill>
-                <a:latin typeface="Arial" charset="0"/>
-                <a:ea typeface="Arial" charset="0"/>
-                <a:cs typeface="Arial" charset="0"/>
-                <a:sym typeface="Cabin"/>
-              </a:rPr>
-              <a:t>l</a:t>
-            </a:r>
-            <a:r>
-              <a:rPr lang="en-US" sz="3200">
-                <a:solidFill>
-                  <a:srgbClr val="00FF00"/>
-                </a:solidFill>
-                <a:latin typeface="Arial" charset="0"/>
-                <a:ea typeface="Arial" charset="0"/>
-                <a:cs typeface="Arial" charset="0"/>
-                <a:sym typeface="Cabin"/>
-              </a:rPr>
-              <a:t>st</a:t>
-            </a:r>
-          </a:p>
-        </p:txBody>
-      </p:sp>
-      <p:sp>
-        <p:nvSpPr>
-          <p:cNvPr id="280" name="Shape 280"/>
-          <p:cNvSpPr txBox="1"/>
-          <p:nvPr/>
-        </p:nvSpPr>
-        <p:spPr>
-          <a:xfrm>
-            <a:off x="10202070" y="1465199"/>
-            <a:ext cx="798600" cy="622199"/>
-          </a:xfrm>
-          <a:prstGeom prst="rect">
-            <a:avLst/>
-          </a:prstGeom>
-          <a:noFill/>
-          <a:ln>
-            <a:noFill/>
-          </a:ln>
-        </p:spPr>
-        <p:txBody>
-          <a:bodyPr lIns="0" tIns="0" rIns="0" bIns="0" anchor="ctr" anchorCtr="0">
-            <a:noAutofit/>
-          </a:bodyPr>
-          <a:lstStyle/>
-          <a:p>
-            <a:pPr marL="0" marR="0" lvl="0" indent="0" algn="ctr" rtl="0">
-              <a:lnSpc>
-                <a:spcPct val="100000"/>
-              </a:lnSpc>
-              <a:spcBef>
-                <a:spcPts val="0"/>
-              </a:spcBef>
-              <a:spcAft>
-                <a:spcPts val="0"/>
-              </a:spcAft>
-              <a:buClr>
-                <a:srgbClr val="FF7F00"/>
-              </a:buClr>
-              <a:buSzPct val="25000"/>
-              <a:buFont typeface="Cabin"/>
-              <a:buNone/>
-            </a:pPr>
-            <a:r>
-              <a:rPr lang="en-US" sz="3200" u="none" strike="noStrike" cap="none">
-                <a:solidFill>
-                  <a:srgbClr val="FF7F00"/>
-                </a:solidFill>
-                <a:latin typeface="Arial" charset="0"/>
-                <a:ea typeface="Arial" charset="0"/>
-                <a:cs typeface="Arial" charset="0"/>
-                <a:sym typeface="Cabin"/>
-              </a:rPr>
-              <a:t>Key</a:t>
-            </a:r>
-          </a:p>
-        </p:txBody>
-      </p:sp>
-      <p:sp>
-        <p:nvSpPr>
-          <p:cNvPr id="281" name="Shape 281"/>
-          <p:cNvSpPr txBox="1"/>
-          <p:nvPr/>
-        </p:nvSpPr>
-        <p:spPr>
-          <a:xfrm>
-            <a:off x="11622881" y="1465199"/>
-            <a:ext cx="1106487" cy="622299"/>
-          </a:xfrm>
-          <a:prstGeom prst="rect">
-            <a:avLst/>
-          </a:prstGeom>
-          <a:noFill/>
-          <a:ln>
-            <a:noFill/>
-          </a:ln>
-        </p:spPr>
-        <p:txBody>
-          <a:bodyPr lIns="0" tIns="0" rIns="0" bIns="0" anchor="ctr" anchorCtr="0">
-            <a:noAutofit/>
-          </a:bodyPr>
-          <a:lstStyle/>
-          <a:p>
-            <a:pPr marL="0" marR="0" lvl="0" indent="0" algn="ctr" rtl="0">
-              <a:lnSpc>
-                <a:spcPct val="100000"/>
-              </a:lnSpc>
-              <a:spcBef>
-                <a:spcPts val="0"/>
-              </a:spcBef>
-              <a:spcAft>
-                <a:spcPts val="0"/>
-              </a:spcAft>
-              <a:buClr>
-                <a:srgbClr val="FFFF00"/>
-              </a:buClr>
-              <a:buSzPct val="25000"/>
-              <a:buFont typeface="Cabin"/>
-              <a:buNone/>
-            </a:pPr>
-            <a:r>
-              <a:rPr lang="en-US" sz="3200" u="none" strike="noStrike" cap="none">
-                <a:solidFill>
-                  <a:srgbClr val="FFFF00"/>
-                </a:solidFill>
-                <a:latin typeface="Arial" charset="0"/>
-                <a:ea typeface="Arial" charset="0"/>
-                <a:cs typeface="Arial" charset="0"/>
-                <a:sym typeface="Cabin"/>
-              </a:rPr>
-              <a:t>Value</a:t>
-            </a:r>
-          </a:p>
-        </p:txBody>
-      </p:sp>
-      <p:sp>
-        <p:nvSpPr>
-          <p:cNvPr id="282" name="Shape 282"/>
-          <p:cNvSpPr txBox="1"/>
-          <p:nvPr/>
-        </p:nvSpPr>
-        <p:spPr>
-          <a:xfrm>
-            <a:off x="9442540" y="7153208"/>
-            <a:ext cx="1847699" cy="622199"/>
-          </a:xfrm>
-          <a:prstGeom prst="rect">
-            <a:avLst/>
-          </a:prstGeom>
-          <a:noFill/>
-          <a:ln>
-            <a:noFill/>
-          </a:ln>
-        </p:spPr>
-        <p:txBody>
-          <a:bodyPr lIns="0" tIns="0" rIns="0" bIns="0" anchor="ctr" anchorCtr="0">
-            <a:noAutofit/>
-          </a:bodyPr>
-          <a:lstStyle/>
-          <a:p>
-            <a:pPr marL="0" marR="0" lvl="0" indent="0" algn="r" rtl="0">
-              <a:lnSpc>
-                <a:spcPct val="100000"/>
-              </a:lnSpc>
-              <a:spcBef>
-                <a:spcPts val="0"/>
-              </a:spcBef>
-              <a:spcAft>
-                <a:spcPts val="0"/>
-              </a:spcAft>
-              <a:buClr>
-                <a:srgbClr val="FF7F00"/>
-              </a:buClr>
-              <a:buSzPct val="25000"/>
-              <a:buFont typeface="Cabin"/>
-              <a:buNone/>
-            </a:pPr>
-            <a:r>
-              <a:rPr lang="en-US" sz="3200" u="none" strike="noStrike" cap="none">
-                <a:solidFill>
-                  <a:srgbClr val="FF7F00"/>
-                </a:solidFill>
-                <a:latin typeface="Arial" charset="0"/>
-                <a:ea typeface="Arial" charset="0"/>
-                <a:cs typeface="Arial" charset="0"/>
-                <a:sym typeface="Cabin"/>
-              </a:rPr>
-              <a:t>['course']</a:t>
-            </a:r>
-          </a:p>
-        </p:txBody>
-      </p:sp>
-      <p:sp>
-        <p:nvSpPr>
-          <p:cNvPr id="283" name="Shape 283"/>
-          <p:cNvSpPr txBox="1"/>
-          <p:nvPr/>
-        </p:nvSpPr>
-        <p:spPr>
-          <a:xfrm>
-            <a:off x="11814265" y="7140508"/>
-            <a:ext cx="947699" cy="647700"/>
-          </a:xfrm>
-          <a:prstGeom prst="rect">
-            <a:avLst/>
-          </a:prstGeom>
-          <a:noFill/>
-          <a:ln w="25400" cap="rnd" cmpd="sng">
-            <a:solidFill>
-              <a:srgbClr val="FFFF00"/>
-            </a:solidFill>
-            <a:prstDash val="solid"/>
-            <a:miter/>
-            <a:headEnd type="none" w="med" len="med"/>
-            <a:tailEnd type="none" w="med" len="med"/>
-          </a:ln>
-        </p:spPr>
-        <p:txBody>
-          <a:bodyPr lIns="0" tIns="0" rIns="0" bIns="0" anchor="ctr" anchorCtr="0">
-            <a:noAutofit/>
-          </a:bodyPr>
-          <a:lstStyle/>
-          <a:p>
-            <a:pPr marL="0" marR="0" lvl="0" indent="0" algn="l" rtl="0">
-              <a:lnSpc>
-                <a:spcPct val="100000"/>
-              </a:lnSpc>
-              <a:spcBef>
-                <a:spcPts val="0"/>
-              </a:spcBef>
-              <a:spcAft>
-                <a:spcPts val="0"/>
-              </a:spcAft>
-              <a:buClr>
-                <a:schemeClr val="lt1"/>
-              </a:buClr>
-              <a:buSzPct val="25000"/>
-              <a:buFont typeface="Cabin"/>
-              <a:buNone/>
-            </a:pPr>
-            <a:r>
-              <a:rPr lang="en-US" sz="3200">
-                <a:solidFill>
-                  <a:schemeClr val="lt1"/>
-                </a:solidFill>
-                <a:latin typeface="Arial" charset="0"/>
-                <a:ea typeface="Arial" charset="0"/>
-                <a:cs typeface="Arial" charset="0"/>
-                <a:sym typeface="Cabin"/>
-              </a:rPr>
-              <a:t> </a:t>
-            </a:r>
-            <a:r>
-              <a:rPr lang="en-US" sz="3200" u="none" strike="noStrike" cap="none">
-                <a:solidFill>
-                  <a:schemeClr val="lt1"/>
-                </a:solidFill>
-                <a:latin typeface="Arial" charset="0"/>
-                <a:ea typeface="Arial" charset="0"/>
-                <a:cs typeface="Arial" charset="0"/>
-                <a:sym typeface="Cabin"/>
-              </a:rPr>
-              <a:t>18</a:t>
-            </a:r>
-            <a:r>
-              <a:rPr lang="en-US" sz="3200">
-                <a:solidFill>
-                  <a:schemeClr val="lt1"/>
-                </a:solidFill>
-                <a:latin typeface="Arial" charset="0"/>
-                <a:ea typeface="Arial" charset="0"/>
-                <a:cs typeface="Arial" charset="0"/>
-                <a:sym typeface="Cabin"/>
-              </a:rPr>
-              <a:t>2</a:t>
-            </a:r>
-          </a:p>
-        </p:txBody>
-      </p:sp>
-      <p:sp>
-        <p:nvSpPr>
-          <p:cNvPr id="286" name="Shape 286"/>
-          <p:cNvSpPr txBox="1"/>
-          <p:nvPr/>
-        </p:nvSpPr>
-        <p:spPr>
-          <a:xfrm>
-            <a:off x="13608845" y="6569007"/>
-            <a:ext cx="996950" cy="774700"/>
-          </a:xfrm>
-          <a:prstGeom prst="rect">
-            <a:avLst/>
-          </a:prstGeom>
-          <a:noFill/>
-          <a:ln>
-            <a:noFill/>
-          </a:ln>
-        </p:spPr>
-        <p:txBody>
-          <a:bodyPr lIns="0" tIns="0" rIns="0" bIns="0" anchor="ctr" anchorCtr="0">
-            <a:noAutofit/>
-          </a:bodyPr>
-          <a:lstStyle/>
-          <a:p>
-            <a:pPr marL="0" marR="0" lvl="0" indent="0" algn="ctr" rtl="0">
-              <a:lnSpc>
-                <a:spcPct val="100000"/>
-              </a:lnSpc>
-              <a:spcBef>
-                <a:spcPts val="0"/>
-              </a:spcBef>
-              <a:spcAft>
-                <a:spcPts val="0"/>
-              </a:spcAft>
-              <a:buClr>
-                <a:srgbClr val="FF00FF"/>
-              </a:buClr>
-              <a:buSzPct val="25000"/>
-              <a:buFont typeface="Cabin"/>
-              <a:buNone/>
-            </a:pPr>
-            <a:r>
-              <a:rPr lang="en-US" sz="3200" u="none" strike="noStrike" cap="none">
-                <a:solidFill>
-                  <a:srgbClr val="FF00FF"/>
-                </a:solidFill>
-                <a:latin typeface="Arial" charset="0"/>
-                <a:ea typeface="Arial" charset="0"/>
-                <a:cs typeface="Arial" charset="0"/>
-                <a:sym typeface="Cabin"/>
-              </a:rPr>
-              <a:t>ddd</a:t>
-            </a:r>
-          </a:p>
-        </p:txBody>
-      </p:sp>
-      <p:sp>
-        <p:nvSpPr>
-          <p:cNvPr id="287" name="Shape 287"/>
-          <p:cNvSpPr txBox="1"/>
-          <p:nvPr/>
-        </p:nvSpPr>
-        <p:spPr>
-          <a:xfrm>
-            <a:off x="10329070" y="5565707"/>
-            <a:ext cx="798512" cy="622299"/>
-          </a:xfrm>
-          <a:prstGeom prst="rect">
-            <a:avLst/>
-          </a:prstGeom>
-          <a:noFill/>
-          <a:ln>
-            <a:noFill/>
-          </a:ln>
-        </p:spPr>
-        <p:txBody>
-          <a:bodyPr lIns="0" tIns="0" rIns="0" bIns="0" anchor="ctr" anchorCtr="0">
-            <a:noAutofit/>
-          </a:bodyPr>
-          <a:lstStyle/>
-          <a:p>
-            <a:pPr marL="0" marR="0" lvl="0" indent="0" algn="ctr" rtl="0">
-              <a:lnSpc>
-                <a:spcPct val="100000"/>
-              </a:lnSpc>
-              <a:spcBef>
-                <a:spcPts val="0"/>
-              </a:spcBef>
-              <a:spcAft>
-                <a:spcPts val="0"/>
-              </a:spcAft>
-              <a:buClr>
-                <a:srgbClr val="FF7F00"/>
-              </a:buClr>
-              <a:buSzPct val="25000"/>
-              <a:buFont typeface="Cabin"/>
-              <a:buNone/>
-            </a:pPr>
-            <a:r>
-              <a:rPr lang="en-US" sz="3200" u="none" strike="noStrike" cap="none">
-                <a:solidFill>
-                  <a:srgbClr val="FF7F00"/>
-                </a:solidFill>
-                <a:latin typeface="Arial" charset="0"/>
-                <a:ea typeface="Arial" charset="0"/>
-                <a:cs typeface="Arial" charset="0"/>
-                <a:sym typeface="Cabin"/>
-              </a:rPr>
-              <a:t>Key</a:t>
-            </a:r>
-          </a:p>
-        </p:txBody>
-      </p:sp>
-      <p:sp>
-        <p:nvSpPr>
-          <p:cNvPr id="288" name="Shape 288"/>
-          <p:cNvSpPr txBox="1"/>
-          <p:nvPr/>
-        </p:nvSpPr>
-        <p:spPr>
-          <a:xfrm>
-            <a:off x="11749882" y="5565707"/>
-            <a:ext cx="1106400" cy="622199"/>
-          </a:xfrm>
-          <a:prstGeom prst="rect">
-            <a:avLst/>
-          </a:prstGeom>
-          <a:noFill/>
-          <a:ln>
-            <a:noFill/>
-          </a:ln>
-        </p:spPr>
-        <p:txBody>
-          <a:bodyPr lIns="0" tIns="0" rIns="0" bIns="0" anchor="ctr" anchorCtr="0">
-            <a:noAutofit/>
-          </a:bodyPr>
-          <a:lstStyle/>
-          <a:p>
-            <a:pPr marL="0" marR="0" lvl="0" indent="0" algn="ctr" rtl="0">
-              <a:lnSpc>
-                <a:spcPct val="100000"/>
-              </a:lnSpc>
-              <a:spcBef>
-                <a:spcPts val="0"/>
-              </a:spcBef>
-              <a:spcAft>
-                <a:spcPts val="0"/>
-              </a:spcAft>
-              <a:buClr>
-                <a:srgbClr val="FFFF00"/>
-              </a:buClr>
-              <a:buSzPct val="25000"/>
-              <a:buFont typeface="Cabin"/>
-              <a:buNone/>
-            </a:pPr>
-            <a:r>
-              <a:rPr lang="en-US" sz="3200" u="none" strike="noStrike" cap="none">
-                <a:solidFill>
-                  <a:srgbClr val="FFFF00"/>
-                </a:solidFill>
-                <a:latin typeface="Arial" charset="0"/>
-                <a:ea typeface="Arial" charset="0"/>
-                <a:cs typeface="Arial" charset="0"/>
-                <a:sym typeface="Cabin"/>
-              </a:rPr>
-              <a:t>Value</a:t>
-            </a:r>
-          </a:p>
-        </p:txBody>
-      </p:sp>
-      <p:sp>
-        <p:nvSpPr>
-          <p:cNvPr id="289" name="Shape 289"/>
-          <p:cNvSpPr txBox="1"/>
-          <p:nvPr/>
-        </p:nvSpPr>
-        <p:spPr>
-          <a:xfrm>
-            <a:off x="10838656" y="779399"/>
-            <a:ext cx="947737" cy="774700"/>
-          </a:xfrm>
-          <a:prstGeom prst="rect">
-            <a:avLst/>
-          </a:prstGeom>
-          <a:noFill/>
-          <a:ln>
-            <a:noFill/>
-          </a:ln>
-        </p:spPr>
-        <p:txBody>
-          <a:bodyPr lIns="0" tIns="0" rIns="0" bIns="0" anchor="ctr" anchorCtr="0">
-            <a:noAutofit/>
-          </a:bodyPr>
-          <a:lstStyle/>
-          <a:p>
-            <a:pPr marL="0" marR="0" lvl="0" indent="0" algn="ctr" rtl="0">
-              <a:lnSpc>
-                <a:spcPct val="100000"/>
-              </a:lnSpc>
-              <a:spcBef>
-                <a:spcPts val="0"/>
-              </a:spcBef>
-              <a:spcAft>
-                <a:spcPts val="0"/>
-              </a:spcAft>
-              <a:buClr>
-                <a:srgbClr val="00FF00"/>
-              </a:buClr>
-              <a:buSzPct val="25000"/>
-              <a:buFont typeface="Cabin"/>
-              <a:buNone/>
-            </a:pPr>
-            <a:r>
-              <a:rPr lang="en-US" sz="3200" u="none" strike="noStrike" cap="none">
-                <a:solidFill>
-                  <a:srgbClr val="00FF00"/>
-                </a:solidFill>
-                <a:latin typeface="Arial" charset="0"/>
-                <a:ea typeface="Arial" charset="0"/>
-                <a:cs typeface="Arial" charset="0"/>
-                <a:sym typeface="Cabin"/>
-              </a:rPr>
-              <a:t>List</a:t>
-            </a:r>
-          </a:p>
-        </p:txBody>
-      </p:sp>
-      <p:sp>
-        <p:nvSpPr>
-          <p:cNvPr id="290" name="Shape 290"/>
-          <p:cNvSpPr txBox="1"/>
-          <p:nvPr/>
-        </p:nvSpPr>
-        <p:spPr>
-          <a:xfrm>
-            <a:off x="10100470" y="4765607"/>
-            <a:ext cx="2627400" cy="774599"/>
-          </a:xfrm>
-          <a:prstGeom prst="rect">
-            <a:avLst/>
-          </a:prstGeom>
-          <a:noFill/>
-          <a:ln>
-            <a:noFill/>
-          </a:ln>
-        </p:spPr>
-        <p:txBody>
-          <a:bodyPr lIns="0" tIns="0" rIns="0" bIns="0" anchor="ctr" anchorCtr="0">
-            <a:noAutofit/>
-          </a:bodyPr>
-          <a:lstStyle/>
-          <a:p>
-            <a:pPr marL="0" marR="0" lvl="0" indent="0" algn="ctr" rtl="0">
-              <a:lnSpc>
-                <a:spcPct val="100000"/>
-              </a:lnSpc>
-              <a:spcBef>
-                <a:spcPts val="0"/>
-              </a:spcBef>
-              <a:spcAft>
-                <a:spcPts val="0"/>
-              </a:spcAft>
-              <a:buClr>
-                <a:srgbClr val="FF00FF"/>
-              </a:buClr>
-              <a:buSzPct val="25000"/>
-              <a:buFont typeface="Cabin"/>
-              <a:buNone/>
-            </a:pPr>
-            <a:r>
-              <a:rPr lang="en-US" sz="3200" u="none" strike="noStrike" cap="none">
-                <a:solidFill>
-                  <a:srgbClr val="FF00FF"/>
-                </a:solidFill>
-                <a:latin typeface="Arial" charset="0"/>
-                <a:ea typeface="Arial" charset="0"/>
-                <a:cs typeface="Arial" charset="0"/>
-                <a:sym typeface="Cabin"/>
-              </a:rPr>
-              <a:t>Dictionary</a:t>
-            </a:r>
-          </a:p>
-        </p:txBody>
-      </p:sp>
-      <p:sp>
-        <p:nvSpPr>
-          <p:cNvPr id="4" name="Shape 284">
-            <a:extLst>
-              <a:ext uri="{FF2B5EF4-FFF2-40B4-BE49-F238E27FC236}">
-                <a16:creationId xmlns:a16="http://schemas.microsoft.com/office/drawing/2014/main" id="{C128BC83-F767-A6C5-2E81-E8D09907BC41}"/>
-              </a:ext>
-            </a:extLst>
-          </p:cNvPr>
-          <p:cNvSpPr txBox="1"/>
-          <p:nvPr/>
-        </p:nvSpPr>
-        <p:spPr>
-          <a:xfrm>
-            <a:off x="10055846" y="6340408"/>
-            <a:ext cx="1200299" cy="622199"/>
-          </a:xfrm>
-          <a:prstGeom prst="rect">
-            <a:avLst/>
-          </a:prstGeom>
-          <a:noFill/>
-          <a:ln>
-            <a:noFill/>
-          </a:ln>
-        </p:spPr>
-        <p:txBody>
-          <a:bodyPr lIns="0" tIns="0" rIns="0" bIns="0" anchor="ctr" anchorCtr="0">
-            <a:noAutofit/>
-          </a:bodyPr>
-          <a:lstStyle/>
-          <a:p>
-            <a:pPr marL="0" marR="0" lvl="0" indent="0" algn="r" rtl="0">
-              <a:lnSpc>
-                <a:spcPct val="100000"/>
-              </a:lnSpc>
-              <a:spcBef>
-                <a:spcPts val="0"/>
-              </a:spcBef>
-              <a:spcAft>
-                <a:spcPts val="0"/>
-              </a:spcAft>
-              <a:buClr>
-                <a:srgbClr val="FF7F00"/>
-              </a:buClr>
-              <a:buSzPct val="25000"/>
-              <a:buFont typeface="Cabin"/>
-              <a:buNone/>
-            </a:pPr>
-            <a:r>
-              <a:rPr lang="en-US" sz="3200" u="none" strike="noStrike" cap="none">
-                <a:solidFill>
-                  <a:srgbClr val="FF7F00"/>
-                </a:solidFill>
-                <a:latin typeface="Arial" charset="0"/>
-                <a:ea typeface="Arial" charset="0"/>
-                <a:cs typeface="Arial" charset="0"/>
-                <a:sym typeface="Cabin"/>
-              </a:rPr>
-              <a:t>['age']</a:t>
-            </a:r>
-          </a:p>
-        </p:txBody>
-      </p:sp>
-      <p:sp>
-        <p:nvSpPr>
-          <p:cNvPr id="5" name="Shape 285">
-            <a:extLst>
-              <a:ext uri="{FF2B5EF4-FFF2-40B4-BE49-F238E27FC236}">
-                <a16:creationId xmlns:a16="http://schemas.microsoft.com/office/drawing/2014/main" id="{BCA962B4-01F0-A7EE-E6F4-9CE9999175C7}"/>
-              </a:ext>
-            </a:extLst>
-          </p:cNvPr>
-          <p:cNvSpPr txBox="1"/>
-          <p:nvPr/>
-        </p:nvSpPr>
-        <p:spPr>
-          <a:xfrm>
-            <a:off x="11779871" y="6327708"/>
-            <a:ext cx="597000" cy="647700"/>
-          </a:xfrm>
-          <a:prstGeom prst="rect">
-            <a:avLst/>
-          </a:prstGeom>
-          <a:noFill/>
-          <a:ln w="25400" cap="rnd" cmpd="sng">
-            <a:solidFill>
-              <a:srgbClr val="FFFF00"/>
-            </a:solidFill>
-            <a:prstDash val="solid"/>
-            <a:miter/>
-            <a:headEnd type="none" w="med" len="med"/>
-            <a:tailEnd type="none" w="med" len="med"/>
-          </a:ln>
-        </p:spPr>
-        <p:txBody>
-          <a:bodyPr lIns="0" tIns="0" rIns="0" bIns="0" anchor="ctr" anchorCtr="0">
-            <a:noAutofit/>
-          </a:bodyPr>
-          <a:lstStyle/>
-          <a:p>
-            <a:pPr marL="0" marR="0" lvl="0" indent="0" algn="l" rtl="0">
-              <a:lnSpc>
-                <a:spcPct val="100000"/>
-              </a:lnSpc>
-              <a:spcBef>
-                <a:spcPts val="0"/>
-              </a:spcBef>
-              <a:spcAft>
-                <a:spcPts val="0"/>
-              </a:spcAft>
-              <a:buClr>
-                <a:schemeClr val="lt1"/>
-              </a:buClr>
-              <a:buSzPct val="25000"/>
-              <a:buFont typeface="Cabin"/>
-              <a:buNone/>
-            </a:pPr>
-            <a:r>
-              <a:rPr lang="en-US" sz="3200">
-                <a:solidFill>
-                  <a:schemeClr val="lt1"/>
-                </a:solidFill>
-                <a:latin typeface="Arial" charset="0"/>
-                <a:ea typeface="Arial" charset="0"/>
-                <a:cs typeface="Arial" charset="0"/>
-                <a:sym typeface="Cabin"/>
-              </a:rPr>
-              <a:t> </a:t>
-            </a:r>
-            <a:r>
-              <a:rPr lang="en-US" sz="3200" u="none" strike="noStrike" cap="none">
-                <a:solidFill>
-                  <a:schemeClr val="lt1"/>
-                </a:solidFill>
-                <a:latin typeface="Arial" charset="0"/>
-                <a:ea typeface="Arial" charset="0"/>
-                <a:cs typeface="Arial" charset="0"/>
-                <a:sym typeface="Cabin"/>
-              </a:rPr>
-              <a:t>21</a:t>
             </a:r>
           </a:p>
         </p:txBody>

--- a/lectures3/Pythonlearn-09-Dictionaries.pptx
+++ b/lectures3/Pythonlearn-09-Dictionaries.pptx
@@ -5,7 +5,7 @@
     <p:sldMasterId id="2147483704" r:id="rId1"/>
   </p:sldMasterIdLst>
   <p:notesMasterIdLst>
-    <p:notesMasterId r:id="rId33"/>
+    <p:notesMasterId r:id="rId32"/>
   </p:notesMasterIdLst>
   <p:sldIdLst>
     <p:sldId id="256" r:id="rId2"/>
@@ -15,9 +15,9 @@
     <p:sldId id="261" r:id="rId6"/>
     <p:sldId id="291" r:id="rId7"/>
     <p:sldId id="292" r:id="rId8"/>
-    <p:sldId id="262" r:id="rId9"/>
-    <p:sldId id="263" r:id="rId10"/>
-    <p:sldId id="264" r:id="rId11"/>
+    <p:sldId id="293" r:id="rId9"/>
+    <p:sldId id="262" r:id="rId10"/>
+    <p:sldId id="263" r:id="rId11"/>
     <p:sldId id="265" r:id="rId12"/>
     <p:sldId id="268" r:id="rId13"/>
     <p:sldId id="269" r:id="rId14"/>
@@ -27,18 +27,17 @@
     <p:sldId id="273" r:id="rId18"/>
     <p:sldId id="274" r:id="rId19"/>
     <p:sldId id="275" r:id="rId20"/>
-    <p:sldId id="276" r:id="rId21"/>
-    <p:sldId id="289" r:id="rId22"/>
-    <p:sldId id="277" r:id="rId23"/>
-    <p:sldId id="279" r:id="rId24"/>
-    <p:sldId id="280" r:id="rId25"/>
-    <p:sldId id="281" r:id="rId26"/>
-    <p:sldId id="282" r:id="rId27"/>
-    <p:sldId id="283" r:id="rId28"/>
-    <p:sldId id="284" r:id="rId29"/>
-    <p:sldId id="288" r:id="rId30"/>
-    <p:sldId id="290" r:id="rId31"/>
-    <p:sldId id="287" r:id="rId32"/>
+    <p:sldId id="289" r:id="rId21"/>
+    <p:sldId id="277" r:id="rId22"/>
+    <p:sldId id="279" r:id="rId23"/>
+    <p:sldId id="280" r:id="rId24"/>
+    <p:sldId id="281" r:id="rId25"/>
+    <p:sldId id="282" r:id="rId26"/>
+    <p:sldId id="283" r:id="rId27"/>
+    <p:sldId id="284" r:id="rId28"/>
+    <p:sldId id="288" r:id="rId29"/>
+    <p:sldId id="290" r:id="rId30"/>
+    <p:sldId id="287" r:id="rId31"/>
   </p:sldIdLst>
   <p:sldSz cx="16256000" cy="9144000"/>
   <p:notesSz cx="6858000" cy="9144000"/>
@@ -1494,112 +1493,6 @@
   <p:cSld>
     <p:spTree>
       <p:nvGrpSpPr>
-        <p:cNvPr id="1" name="Shape 409"/>
-        <p:cNvGrpSpPr/>
-        <p:nvPr/>
-      </p:nvGrpSpPr>
-      <p:grpSpPr>
-        <a:xfrm>
-          <a:off x="0" y="0"/>
-          <a:ext cx="0" cy="0"/>
-          <a:chOff x="0" y="0"/>
-          <a:chExt cx="0" cy="0"/>
-        </a:xfrm>
-      </p:grpSpPr>
-      <p:sp>
-        <p:nvSpPr>
-          <p:cNvPr id="410" name="Shape 410"/>
-          <p:cNvSpPr txBox="1">
-            <a:spLocks noGrp="1"/>
-          </p:cNvSpPr>
-          <p:nvPr>
-            <p:ph type="body" idx="1"/>
-          </p:nvPr>
-        </p:nvSpPr>
-        <p:spPr>
-          <a:xfrm>
-            <a:off x="685800" y="4343400"/>
-            <a:ext cx="5486399" cy="4114800"/>
-          </a:xfrm>
-          <a:prstGeom prst="rect">
-            <a:avLst/>
-          </a:prstGeom>
-        </p:spPr>
-        <p:txBody>
-          <a:bodyPr lIns="91425" tIns="91425" rIns="91425" bIns="91425" anchor="ctr" anchorCtr="0">
-            <a:noAutofit/>
-          </a:bodyPr>
-          <a:lstStyle/>
-          <a:p>
-            <a:pPr lvl="0">
-              <a:spcBef>
-                <a:spcPts val="0"/>
-              </a:spcBef>
-              <a:buNone/>
-            </a:pPr>
-            <a:endParaRPr/>
-          </a:p>
-        </p:txBody>
-      </p:sp>
-      <p:sp>
-        <p:nvSpPr>
-          <p:cNvPr id="411" name="Shape 411"/>
-          <p:cNvSpPr>
-            <a:spLocks noGrp="1" noRot="1" noChangeAspect="1"/>
-          </p:cNvSpPr>
-          <p:nvPr>
-            <p:ph type="sldImg" idx="2"/>
-          </p:nvPr>
-        </p:nvSpPr>
-        <p:spPr>
-          <a:xfrm>
-            <a:off x="381000" y="685800"/>
-            <a:ext cx="6096000" cy="3429000"/>
-          </a:xfrm>
-          <a:custGeom>
-            <a:avLst/>
-            <a:gdLst/>
-            <a:ahLst/>
-            <a:cxnLst/>
-            <a:rect l="0" t="0" r="0" b="0"/>
-            <a:pathLst>
-              <a:path w="120000" h="120000" extrusionOk="0">
-                <a:moveTo>
-                  <a:pt x="0" y="0"/>
-                </a:moveTo>
-                <a:lnTo>
-                  <a:pt x="120000" y="0"/>
-                </a:lnTo>
-                <a:lnTo>
-                  <a:pt x="120000" y="120000"/>
-                </a:lnTo>
-                <a:lnTo>
-                  <a:pt x="0" y="120000"/>
-                </a:lnTo>
-                <a:close/>
-              </a:path>
-            </a:pathLst>
-          </a:custGeom>
-        </p:spPr>
-      </p:sp>
-    </p:spTree>
-    <p:extLst>
-      <p:ext uri="{BB962C8B-B14F-4D97-AF65-F5344CB8AC3E}">
-        <p14:creationId xmlns:p14="http://schemas.microsoft.com/office/powerpoint/2010/main" val="762488364"/>
-      </p:ext>
-    </p:extLst>
-  </p:cSld>
-  <p:clrMapOvr>
-    <a:masterClrMapping/>
-  </p:clrMapOvr>
-</p:notes>
-</file>
-
-<file path=ppt/notesSlides/notesSlide19.xml><?xml version="1.0" encoding="utf-8"?>
-<p:notes xmlns:a="http://schemas.openxmlformats.org/drawingml/2006/main" xmlns:r="http://schemas.openxmlformats.org/officeDocument/2006/relationships" xmlns:p="http://schemas.openxmlformats.org/presentationml/2006/main" showMasterSp="0" showMasterPhAnim="0">
-  <p:cSld>
-    <p:spTree>
-      <p:nvGrpSpPr>
         <p:cNvPr id="1" name="Shape 417"/>
         <p:cNvGrpSpPr/>
         <p:nvPr/>
@@ -1692,6 +1585,112 @@
     <p:extLst>
       <p:ext uri="{BB962C8B-B14F-4D97-AF65-F5344CB8AC3E}">
         <p14:creationId xmlns:p14="http://schemas.microsoft.com/office/powerpoint/2010/main" val="1107012099"/>
+      </p:ext>
+    </p:extLst>
+  </p:cSld>
+  <p:clrMapOvr>
+    <a:masterClrMapping/>
+  </p:clrMapOvr>
+</p:notes>
+</file>
+
+<file path=ppt/notesSlides/notesSlide19.xml><?xml version="1.0" encoding="utf-8"?>
+<p:notes xmlns:a="http://schemas.openxmlformats.org/drawingml/2006/main" xmlns:r="http://schemas.openxmlformats.org/officeDocument/2006/relationships" xmlns:p="http://schemas.openxmlformats.org/presentationml/2006/main" showMasterSp="0" showMasterPhAnim="0">
+  <p:cSld>
+    <p:spTree>
+      <p:nvGrpSpPr>
+        <p:cNvPr id="1" name="Shape 430"/>
+        <p:cNvGrpSpPr/>
+        <p:nvPr/>
+      </p:nvGrpSpPr>
+      <p:grpSpPr>
+        <a:xfrm>
+          <a:off x="0" y="0"/>
+          <a:ext cx="0" cy="0"/>
+          <a:chOff x="0" y="0"/>
+          <a:chExt cx="0" cy="0"/>
+        </a:xfrm>
+      </p:grpSpPr>
+      <p:sp>
+        <p:nvSpPr>
+          <p:cNvPr id="431" name="Shape 431"/>
+          <p:cNvSpPr txBox="1">
+            <a:spLocks noGrp="1"/>
+          </p:cNvSpPr>
+          <p:nvPr>
+            <p:ph type="body" idx="1"/>
+          </p:nvPr>
+        </p:nvSpPr>
+        <p:spPr>
+          <a:xfrm>
+            <a:off x="685800" y="4343400"/>
+            <a:ext cx="5486399" cy="4114800"/>
+          </a:xfrm>
+          <a:prstGeom prst="rect">
+            <a:avLst/>
+          </a:prstGeom>
+        </p:spPr>
+        <p:txBody>
+          <a:bodyPr lIns="91425" tIns="91425" rIns="91425" bIns="91425" anchor="ctr" anchorCtr="0">
+            <a:noAutofit/>
+          </a:bodyPr>
+          <a:lstStyle/>
+          <a:p>
+            <a:pPr lvl="0">
+              <a:spcBef>
+                <a:spcPts val="0"/>
+              </a:spcBef>
+              <a:buNone/>
+            </a:pPr>
+            <a:endParaRPr/>
+          </a:p>
+        </p:txBody>
+      </p:sp>
+      <p:sp>
+        <p:nvSpPr>
+          <p:cNvPr id="432" name="Shape 432"/>
+          <p:cNvSpPr>
+            <a:spLocks noGrp="1" noRot="1" noChangeAspect="1"/>
+          </p:cNvSpPr>
+          <p:nvPr>
+            <p:ph type="sldImg" idx="2"/>
+          </p:nvPr>
+        </p:nvSpPr>
+        <p:spPr>
+          <a:xfrm>
+            <a:off x="381000" y="685800"/>
+            <a:ext cx="6096000" cy="3429000"/>
+          </a:xfrm>
+          <a:custGeom>
+            <a:avLst/>
+            <a:gdLst/>
+            <a:ahLst/>
+            <a:cxnLst/>
+            <a:rect l="0" t="0" r="0" b="0"/>
+            <a:pathLst>
+              <a:path w="120000" h="120000" extrusionOk="0">
+                <a:moveTo>
+                  <a:pt x="0" y="0"/>
+                </a:moveTo>
+                <a:lnTo>
+                  <a:pt x="120000" y="0"/>
+                </a:lnTo>
+                <a:lnTo>
+                  <a:pt x="120000" y="120000"/>
+                </a:lnTo>
+                <a:lnTo>
+                  <a:pt x="0" y="120000"/>
+                </a:lnTo>
+                <a:close/>
+              </a:path>
+            </a:pathLst>
+          </a:custGeom>
+        </p:spPr>
+      </p:sp>
+    </p:spTree>
+    <p:extLst>
+      <p:ext uri="{BB962C8B-B14F-4D97-AF65-F5344CB8AC3E}">
+        <p14:creationId xmlns:p14="http://schemas.microsoft.com/office/powerpoint/2010/main" val="2040504117"/>
       </p:ext>
     </p:extLst>
   </p:cSld>
@@ -1812,112 +1811,6 @@
   <p:cSld>
     <p:spTree>
       <p:nvGrpSpPr>
-        <p:cNvPr id="1" name="Shape 430"/>
-        <p:cNvGrpSpPr/>
-        <p:nvPr/>
-      </p:nvGrpSpPr>
-      <p:grpSpPr>
-        <a:xfrm>
-          <a:off x="0" y="0"/>
-          <a:ext cx="0" cy="0"/>
-          <a:chOff x="0" y="0"/>
-          <a:chExt cx="0" cy="0"/>
-        </a:xfrm>
-      </p:grpSpPr>
-      <p:sp>
-        <p:nvSpPr>
-          <p:cNvPr id="431" name="Shape 431"/>
-          <p:cNvSpPr txBox="1">
-            <a:spLocks noGrp="1"/>
-          </p:cNvSpPr>
-          <p:nvPr>
-            <p:ph type="body" idx="1"/>
-          </p:nvPr>
-        </p:nvSpPr>
-        <p:spPr>
-          <a:xfrm>
-            <a:off x="685800" y="4343400"/>
-            <a:ext cx="5486399" cy="4114800"/>
-          </a:xfrm>
-          <a:prstGeom prst="rect">
-            <a:avLst/>
-          </a:prstGeom>
-        </p:spPr>
-        <p:txBody>
-          <a:bodyPr lIns="91425" tIns="91425" rIns="91425" bIns="91425" anchor="ctr" anchorCtr="0">
-            <a:noAutofit/>
-          </a:bodyPr>
-          <a:lstStyle/>
-          <a:p>
-            <a:pPr lvl="0">
-              <a:spcBef>
-                <a:spcPts val="0"/>
-              </a:spcBef>
-              <a:buNone/>
-            </a:pPr>
-            <a:endParaRPr/>
-          </a:p>
-        </p:txBody>
-      </p:sp>
-      <p:sp>
-        <p:nvSpPr>
-          <p:cNvPr id="432" name="Shape 432"/>
-          <p:cNvSpPr>
-            <a:spLocks noGrp="1" noRot="1" noChangeAspect="1"/>
-          </p:cNvSpPr>
-          <p:nvPr>
-            <p:ph type="sldImg" idx="2"/>
-          </p:nvPr>
-        </p:nvSpPr>
-        <p:spPr>
-          <a:xfrm>
-            <a:off x="381000" y="685800"/>
-            <a:ext cx="6096000" cy="3429000"/>
-          </a:xfrm>
-          <a:custGeom>
-            <a:avLst/>
-            <a:gdLst/>
-            <a:ahLst/>
-            <a:cxnLst/>
-            <a:rect l="0" t="0" r="0" b="0"/>
-            <a:pathLst>
-              <a:path w="120000" h="120000" extrusionOk="0">
-                <a:moveTo>
-                  <a:pt x="0" y="0"/>
-                </a:moveTo>
-                <a:lnTo>
-                  <a:pt x="120000" y="0"/>
-                </a:lnTo>
-                <a:lnTo>
-                  <a:pt x="120000" y="120000"/>
-                </a:lnTo>
-                <a:lnTo>
-                  <a:pt x="0" y="120000"/>
-                </a:lnTo>
-                <a:close/>
-              </a:path>
-            </a:pathLst>
-          </a:custGeom>
-        </p:spPr>
-      </p:sp>
-    </p:spTree>
-    <p:extLst>
-      <p:ext uri="{BB962C8B-B14F-4D97-AF65-F5344CB8AC3E}">
-        <p14:creationId xmlns:p14="http://schemas.microsoft.com/office/powerpoint/2010/main" val="2040504117"/>
-      </p:ext>
-    </p:extLst>
-  </p:cSld>
-  <p:clrMapOvr>
-    <a:masterClrMapping/>
-  </p:clrMapOvr>
-</p:notes>
-</file>
-
-<file path=ppt/notesSlides/notesSlide21.xml><?xml version="1.0" encoding="utf-8"?>
-<p:notes xmlns:a="http://schemas.openxmlformats.org/drawingml/2006/main" xmlns:r="http://schemas.openxmlformats.org/officeDocument/2006/relationships" xmlns:p="http://schemas.openxmlformats.org/presentationml/2006/main" showMasterSp="0" showMasterPhAnim="0">
-  <p:cSld>
-    <p:spTree>
-      <p:nvGrpSpPr>
         <p:cNvPr id="1" name="Shape 437"/>
         <p:cNvGrpSpPr/>
         <p:nvPr/>
@@ -2019,7 +1912,7 @@
 </p:notes>
 </file>
 
-<file path=ppt/notesSlides/notesSlide22.xml><?xml version="1.0" encoding="utf-8"?>
+<file path=ppt/notesSlides/notesSlide21.xml><?xml version="1.0" encoding="utf-8"?>
 <p:notes xmlns:a="http://schemas.openxmlformats.org/drawingml/2006/main" xmlns:r="http://schemas.openxmlformats.org/officeDocument/2006/relationships" xmlns:p="http://schemas.openxmlformats.org/presentationml/2006/main" showMasterSp="0" showMasterPhAnim="0">
   <p:cSld>
     <p:spTree>
@@ -2125,7 +2018,7 @@
 </p:notes>
 </file>
 
-<file path=ppt/notesSlides/notesSlide23.xml><?xml version="1.0" encoding="utf-8"?>
+<file path=ppt/notesSlides/notesSlide22.xml><?xml version="1.0" encoding="utf-8"?>
 <p:notes xmlns:a="http://schemas.openxmlformats.org/drawingml/2006/main" xmlns:r="http://schemas.openxmlformats.org/officeDocument/2006/relationships" xmlns:p="http://schemas.openxmlformats.org/presentationml/2006/main" showMasterSp="0" showMasterPhAnim="0">
   <p:cSld>
     <p:spTree>
@@ -2231,7 +2124,7 @@
 </p:notes>
 </file>
 
-<file path=ppt/notesSlides/notesSlide24.xml><?xml version="1.0" encoding="utf-8"?>
+<file path=ppt/notesSlides/notesSlide23.xml><?xml version="1.0" encoding="utf-8"?>
 <p:notes xmlns:a="http://schemas.openxmlformats.org/drawingml/2006/main" xmlns:r="http://schemas.openxmlformats.org/officeDocument/2006/relationships" xmlns:p="http://schemas.openxmlformats.org/presentationml/2006/main" showMasterSp="0" showMasterPhAnim="0">
   <p:cSld>
     <p:spTree>
@@ -2337,7 +2230,7 @@
 </p:notes>
 </file>
 
-<file path=ppt/notesSlides/notesSlide25.xml><?xml version="1.0" encoding="utf-8"?>
+<file path=ppt/notesSlides/notesSlide24.xml><?xml version="1.0" encoding="utf-8"?>
 <p:notes xmlns:a="http://schemas.openxmlformats.org/drawingml/2006/main" xmlns:r="http://schemas.openxmlformats.org/officeDocument/2006/relationships" xmlns:p="http://schemas.openxmlformats.org/presentationml/2006/main" showMasterSp="0" showMasterPhAnim="0">
   <p:cSld>
     <p:spTree>
@@ -2443,7 +2336,7 @@
 </p:notes>
 </file>
 
-<file path=ppt/notesSlides/notesSlide26.xml><?xml version="1.0" encoding="utf-8"?>
+<file path=ppt/notesSlides/notesSlide25.xml><?xml version="1.0" encoding="utf-8"?>
 <p:notes xmlns:a="http://schemas.openxmlformats.org/drawingml/2006/main" xmlns:r="http://schemas.openxmlformats.org/officeDocument/2006/relationships" xmlns:p="http://schemas.openxmlformats.org/presentationml/2006/main" showMasterSp="0" showMasterPhAnim="0">
   <p:cSld>
     <p:spTree>
@@ -2549,7 +2442,7 @@
 </p:notes>
 </file>
 
-<file path=ppt/notesSlides/notesSlide27.xml><?xml version="1.0" encoding="utf-8"?>
+<file path=ppt/notesSlides/notesSlide26.xml><?xml version="1.0" encoding="utf-8"?>
 <p:notes xmlns:a="http://schemas.openxmlformats.org/drawingml/2006/main" xmlns:r="http://schemas.openxmlformats.org/officeDocument/2006/relationships" xmlns:p="http://schemas.openxmlformats.org/presentationml/2006/main" showMasterSp="0" showMasterPhAnim="0">
   <p:cSld>
     <p:spTree>
@@ -2655,7 +2548,7 @@
 </p:notes>
 </file>
 
-<file path=ppt/notesSlides/notesSlide28.xml><?xml version="1.0" encoding="utf-8"?>
+<file path=ppt/notesSlides/notesSlide27.xml><?xml version="1.0" encoding="utf-8"?>
 <p:notes xmlns:a="http://schemas.openxmlformats.org/drawingml/2006/main" xmlns:r="http://schemas.openxmlformats.org/officeDocument/2006/relationships" xmlns:p="http://schemas.openxmlformats.org/presentationml/2006/main" showMasterSp="0" showMasterPhAnim="0">
   <p:cSld>
     <p:spTree>
@@ -3175,6 +3068,112 @@
     </p:spTree>
     <p:extLst>
       <p:ext uri="{BB962C8B-B14F-4D97-AF65-F5344CB8AC3E}">
+        <p14:creationId xmlns:p14="http://schemas.microsoft.com/office/powerpoint/2010/main" val="690433475"/>
+      </p:ext>
+    </p:extLst>
+  </p:cSld>
+  <p:clrMapOvr>
+    <a:masterClrMapping/>
+  </p:clrMapOvr>
+</p:notes>
+</file>
+
+<file path=ppt/notesSlides/notesSlide7.xml><?xml version="1.0" encoding="utf-8"?>
+<p:notes xmlns:a="http://schemas.openxmlformats.org/drawingml/2006/main" xmlns:r="http://schemas.openxmlformats.org/officeDocument/2006/relationships" xmlns:p="http://schemas.openxmlformats.org/presentationml/2006/main" showMasterSp="0" showMasterPhAnim="0">
+  <p:cSld>
+    <p:spTree>
+      <p:nvGrpSpPr>
+        <p:cNvPr id="1" name="Shape 254"/>
+        <p:cNvGrpSpPr/>
+        <p:nvPr/>
+      </p:nvGrpSpPr>
+      <p:grpSpPr>
+        <a:xfrm>
+          <a:off x="0" y="0"/>
+          <a:ext cx="0" cy="0"/>
+          <a:chOff x="0" y="0"/>
+          <a:chExt cx="0" cy="0"/>
+        </a:xfrm>
+      </p:grpSpPr>
+      <p:sp>
+        <p:nvSpPr>
+          <p:cNvPr id="255" name="Shape 255"/>
+          <p:cNvSpPr txBox="1">
+            <a:spLocks noGrp="1"/>
+          </p:cNvSpPr>
+          <p:nvPr>
+            <p:ph type="body" idx="1"/>
+          </p:nvPr>
+        </p:nvSpPr>
+        <p:spPr>
+          <a:xfrm>
+            <a:off x="685800" y="4343400"/>
+            <a:ext cx="5486399" cy="4114800"/>
+          </a:xfrm>
+          <a:prstGeom prst="rect">
+            <a:avLst/>
+          </a:prstGeom>
+        </p:spPr>
+        <p:txBody>
+          <a:bodyPr lIns="91425" tIns="91425" rIns="91425" bIns="91425" anchor="ctr" anchorCtr="0">
+            <a:noAutofit/>
+          </a:bodyPr>
+          <a:lstStyle/>
+          <a:p>
+            <a:pPr lvl="0">
+              <a:spcBef>
+                <a:spcPts val="0"/>
+              </a:spcBef>
+              <a:buNone/>
+            </a:pPr>
+            <a:endParaRPr/>
+          </a:p>
+        </p:txBody>
+      </p:sp>
+      <p:sp>
+        <p:nvSpPr>
+          <p:cNvPr id="256" name="Shape 256"/>
+          <p:cNvSpPr>
+            <a:spLocks noGrp="1" noRot="1" noChangeAspect="1"/>
+          </p:cNvSpPr>
+          <p:nvPr>
+            <p:ph type="sldImg" idx="2"/>
+          </p:nvPr>
+        </p:nvSpPr>
+        <p:spPr>
+          <a:xfrm>
+            <a:off x="381000" y="685800"/>
+            <a:ext cx="6096000" cy="3429000"/>
+          </a:xfrm>
+          <a:custGeom>
+            <a:avLst/>
+            <a:gdLst/>
+            <a:ahLst/>
+            <a:cxnLst/>
+            <a:rect l="0" t="0" r="0" b="0"/>
+            <a:pathLst>
+              <a:path w="120000" h="120000" extrusionOk="0">
+                <a:moveTo>
+                  <a:pt x="0" y="0"/>
+                </a:moveTo>
+                <a:lnTo>
+                  <a:pt x="120000" y="0"/>
+                </a:lnTo>
+                <a:lnTo>
+                  <a:pt x="120000" y="120000"/>
+                </a:lnTo>
+                <a:lnTo>
+                  <a:pt x="0" y="120000"/>
+                </a:lnTo>
+                <a:close/>
+              </a:path>
+            </a:pathLst>
+          </a:custGeom>
+        </p:spPr>
+      </p:sp>
+    </p:spTree>
+    <p:extLst>
+      <p:ext uri="{BB962C8B-B14F-4D97-AF65-F5344CB8AC3E}">
         <p14:creationId xmlns:p14="http://schemas.microsoft.com/office/powerpoint/2010/main" val="1062725854"/>
       </p:ext>
     </p:extLst>
@@ -3185,7 +3184,7 @@
 </p:notes>
 </file>
 
-<file path=ppt/notesSlides/notesSlide7.xml><?xml version="1.0" encoding="utf-8"?>
+<file path=ppt/notesSlides/notesSlide8.xml><?xml version="1.0" encoding="utf-8"?>
 <p:notes xmlns:a="http://schemas.openxmlformats.org/drawingml/2006/main" xmlns:r="http://schemas.openxmlformats.org/officeDocument/2006/relationships" xmlns:p="http://schemas.openxmlformats.org/presentationml/2006/main" showMasterSp="0" showMasterPhAnim="0">
   <p:cSld>
     <p:spTree>
@@ -3282,112 +3281,6 @@
     <p:extLst>
       <p:ext uri="{BB962C8B-B14F-4D97-AF65-F5344CB8AC3E}">
         <p14:creationId xmlns:p14="http://schemas.microsoft.com/office/powerpoint/2010/main" val="611936079"/>
-      </p:ext>
-    </p:extLst>
-  </p:cSld>
-  <p:clrMapOvr>
-    <a:masterClrMapping/>
-  </p:clrMapOvr>
-</p:notes>
-</file>
-
-<file path=ppt/notesSlides/notesSlide8.xml><?xml version="1.0" encoding="utf-8"?>
-<p:notes xmlns:a="http://schemas.openxmlformats.org/drawingml/2006/main" xmlns:r="http://schemas.openxmlformats.org/officeDocument/2006/relationships" xmlns:p="http://schemas.openxmlformats.org/presentationml/2006/main" showMasterSp="0" showMasterPhAnim="0">
-  <p:cSld>
-    <p:spTree>
-      <p:nvGrpSpPr>
-        <p:cNvPr id="1" name="Shape 269"/>
-        <p:cNvGrpSpPr/>
-        <p:nvPr/>
-      </p:nvGrpSpPr>
-      <p:grpSpPr>
-        <a:xfrm>
-          <a:off x="0" y="0"/>
-          <a:ext cx="0" cy="0"/>
-          <a:chOff x="0" y="0"/>
-          <a:chExt cx="0" cy="0"/>
-        </a:xfrm>
-      </p:grpSpPr>
-      <p:sp>
-        <p:nvSpPr>
-          <p:cNvPr id="270" name="Shape 270"/>
-          <p:cNvSpPr txBox="1">
-            <a:spLocks noGrp="1"/>
-          </p:cNvSpPr>
-          <p:nvPr>
-            <p:ph type="body" idx="1"/>
-          </p:nvPr>
-        </p:nvSpPr>
-        <p:spPr>
-          <a:xfrm>
-            <a:off x="685800" y="4343400"/>
-            <a:ext cx="5486399" cy="4114800"/>
-          </a:xfrm>
-          <a:prstGeom prst="rect">
-            <a:avLst/>
-          </a:prstGeom>
-        </p:spPr>
-        <p:txBody>
-          <a:bodyPr lIns="91425" tIns="91425" rIns="91425" bIns="91425" anchor="ctr" anchorCtr="0">
-            <a:noAutofit/>
-          </a:bodyPr>
-          <a:lstStyle/>
-          <a:p>
-            <a:pPr lvl="0">
-              <a:spcBef>
-                <a:spcPts val="0"/>
-              </a:spcBef>
-              <a:buNone/>
-            </a:pPr>
-            <a:endParaRPr/>
-          </a:p>
-        </p:txBody>
-      </p:sp>
-      <p:sp>
-        <p:nvSpPr>
-          <p:cNvPr id="271" name="Shape 271"/>
-          <p:cNvSpPr>
-            <a:spLocks noGrp="1" noRot="1" noChangeAspect="1"/>
-          </p:cNvSpPr>
-          <p:nvPr>
-            <p:ph type="sldImg" idx="2"/>
-          </p:nvPr>
-        </p:nvSpPr>
-        <p:spPr>
-          <a:xfrm>
-            <a:off x="381000" y="685800"/>
-            <a:ext cx="6096000" cy="3429000"/>
-          </a:xfrm>
-          <a:custGeom>
-            <a:avLst/>
-            <a:gdLst/>
-            <a:ahLst/>
-            <a:cxnLst/>
-            <a:rect l="0" t="0" r="0" b="0"/>
-            <a:pathLst>
-              <a:path w="120000" h="120000" extrusionOk="0">
-                <a:moveTo>
-                  <a:pt x="0" y="0"/>
-                </a:moveTo>
-                <a:lnTo>
-                  <a:pt x="120000" y="0"/>
-                </a:lnTo>
-                <a:lnTo>
-                  <a:pt x="120000" y="120000"/>
-                </a:lnTo>
-                <a:lnTo>
-                  <a:pt x="0" y="120000"/>
-                </a:lnTo>
-                <a:close/>
-              </a:path>
-            </a:pathLst>
-          </a:custGeom>
-        </p:spPr>
-      </p:sp>
-    </p:spTree>
-    <p:extLst>
-      <p:ext uri="{BB962C8B-B14F-4D97-AF65-F5344CB8AC3E}">
-        <p14:creationId xmlns:p14="http://schemas.microsoft.com/office/powerpoint/2010/main" val="510494270"/>
       </p:ext>
     </p:extLst>
   </p:cSld>
@@ -5558,7 +5451,7 @@
   <p:cSld>
     <p:spTree>
       <p:nvGrpSpPr>
-        <p:cNvPr id="1" name="Shape 272"/>
+        <p:cNvPr id="1" name="Shape 264"/>
         <p:cNvGrpSpPr/>
         <p:nvPr/>
       </p:nvGrpSpPr>
@@ -5572,14 +5465,239 @@
       </p:grpSpPr>
       <p:sp>
         <p:nvSpPr>
-          <p:cNvPr id="273" name="Shape 273"/>
+          <p:cNvPr id="265" name="Shape 265"/>
+          <p:cNvSpPr txBox="1">
+            <a:spLocks noGrp="1"/>
+          </p:cNvSpPr>
+          <p:nvPr>
+            <p:ph type="title"/>
+          </p:nvPr>
+        </p:nvSpPr>
+        <p:spPr>
+          <a:prstGeom prst="rect">
+            <a:avLst/>
+          </a:prstGeom>
+          <a:noFill/>
+          <a:ln>
+            <a:noFill/>
+          </a:ln>
+        </p:spPr>
+        <p:txBody>
+          <a:bodyPr lIns="38100" tIns="38100" rIns="38100" bIns="38100" anchor="ctr" anchorCtr="0">
+            <a:noAutofit/>
+          </a:bodyPr>
+          <a:lstStyle/>
+          <a:p>
+            <a:pPr marL="0" marR="0" lvl="0" indent="0" algn="ctr" rtl="0">
+              <a:lnSpc>
+                <a:spcPct val="100000"/>
+              </a:lnSpc>
+              <a:spcBef>
+                <a:spcPts val="0"/>
+              </a:spcBef>
+              <a:spcAft>
+                <a:spcPts val="0"/>
+              </a:spcAft>
+              <a:buClr>
+                <a:srgbClr val="FF7F00"/>
+              </a:buClr>
+              <a:buSzPct val="25000"/>
+              <a:buFont typeface="Cabin"/>
+              <a:buNone/>
+            </a:pPr>
+            <a:r>
+              <a:rPr lang="en-US" sz="6600" u="none" strike="noStrike" cap="none" dirty="0">
+                <a:solidFill>
+                  <a:srgbClr val="FFD966"/>
+                </a:solidFill>
+                <a:latin typeface="Arial" charset="0"/>
+                <a:ea typeface="Arial" charset="0"/>
+                <a:cs typeface="Arial" charset="0"/>
+                <a:sym typeface="Cabin"/>
+              </a:rPr>
+              <a:t>Comparing Lists and Dictionaries</a:t>
+            </a:r>
+          </a:p>
+        </p:txBody>
+      </p:sp>
+      <p:sp>
+        <p:nvSpPr>
+          <p:cNvPr id="266" name="Shape 266"/>
+          <p:cNvSpPr txBox="1">
+            <a:spLocks noGrp="1"/>
+          </p:cNvSpPr>
+          <p:nvPr>
+            <p:ph type="body" idx="1"/>
+          </p:nvPr>
+        </p:nvSpPr>
+        <p:spPr>
+          <a:xfrm>
+            <a:off x="1155700" y="2603501"/>
+            <a:ext cx="13931900" cy="1765300"/>
+          </a:xfrm>
+          <a:prstGeom prst="rect">
+            <a:avLst/>
+          </a:prstGeom>
+          <a:noFill/>
+          <a:ln>
+            <a:noFill/>
+          </a:ln>
+        </p:spPr>
+        <p:txBody>
+          <a:bodyPr lIns="38100" tIns="38100" rIns="38100" bIns="38100" anchor="ctr" anchorCtr="0">
+            <a:noAutofit/>
+          </a:bodyPr>
+          <a:lstStyle/>
+          <a:p>
+            <a:pPr marL="215900" marR="0" lvl="0" indent="0" algn="l" rtl="0">
+              <a:lnSpc>
+                <a:spcPct val="100000"/>
+              </a:lnSpc>
+              <a:spcBef>
+                <a:spcPts val="0"/>
+              </a:spcBef>
+              <a:spcAft>
+                <a:spcPts val="0"/>
+              </a:spcAft>
+              <a:buClr>
+                <a:srgbClr val="FF00FF"/>
+              </a:buClr>
+              <a:buSzPct val="171000"/>
+              <a:buNone/>
+            </a:pPr>
+            <a:r>
+              <a:rPr lang="en-US" sz="3600" u="none" strike="noStrike" cap="none" dirty="0">
+                <a:solidFill>
+                  <a:srgbClr val="FF00FF"/>
+                </a:solidFill>
+                <a:latin typeface="Arial" charset="0"/>
+                <a:ea typeface="Arial" charset="0"/>
+                <a:cs typeface="Arial" charset="0"/>
+                <a:sym typeface="Cabin"/>
+              </a:rPr>
+              <a:t>Dictionaries</a:t>
+            </a:r>
+            <a:r>
+              <a:rPr lang="en-US" sz="3600" u="none" strike="noStrike" cap="none" dirty="0">
+                <a:solidFill>
+                  <a:schemeClr val="lt1"/>
+                </a:solidFill>
+                <a:latin typeface="Arial" charset="0"/>
+                <a:ea typeface="Arial" charset="0"/>
+                <a:cs typeface="Arial" charset="0"/>
+                <a:sym typeface="Cabin"/>
+              </a:rPr>
+              <a:t> are like </a:t>
+            </a:r>
+            <a:r>
+              <a:rPr lang="en-US" sz="3600" dirty="0">
+                <a:solidFill>
+                  <a:srgbClr val="00FF00"/>
+                </a:solidFill>
+                <a:latin typeface="Arial" charset="0"/>
+                <a:ea typeface="Arial" charset="0"/>
+                <a:cs typeface="Arial" charset="0"/>
+                <a:sym typeface="Cabin"/>
+              </a:rPr>
+              <a:t>l</a:t>
+            </a:r>
+            <a:r>
+              <a:rPr lang="en-US" sz="3600" u="none" strike="noStrike" cap="none" dirty="0">
+                <a:solidFill>
+                  <a:srgbClr val="00FF00"/>
+                </a:solidFill>
+                <a:latin typeface="Arial" charset="0"/>
+                <a:ea typeface="Arial" charset="0"/>
+                <a:cs typeface="Arial" charset="0"/>
+                <a:sym typeface="Cabin"/>
+              </a:rPr>
+              <a:t>ists</a:t>
+            </a:r>
+            <a:r>
+              <a:rPr lang="en-US" sz="3600" u="none" strike="noStrike" cap="none" dirty="0">
+                <a:solidFill>
+                  <a:schemeClr val="lt1"/>
+                </a:solidFill>
+                <a:latin typeface="Arial" charset="0"/>
+                <a:ea typeface="Arial" charset="0"/>
+                <a:cs typeface="Arial" charset="0"/>
+                <a:sym typeface="Cabin"/>
+              </a:rPr>
+              <a:t> except that they use </a:t>
+            </a:r>
+            <a:r>
+              <a:rPr lang="en-US" sz="3600" u="none" strike="noStrike" cap="none" dirty="0">
+                <a:solidFill>
+                  <a:srgbClr val="FF7F00"/>
+                </a:solidFill>
+                <a:latin typeface="Arial" charset="0"/>
+                <a:ea typeface="Arial" charset="0"/>
+                <a:cs typeface="Arial" charset="0"/>
+                <a:sym typeface="Cabin"/>
+              </a:rPr>
+              <a:t>keys</a:t>
+            </a:r>
+            <a:r>
+              <a:rPr lang="en-US" sz="3600" u="none" strike="noStrike" cap="none" dirty="0">
+                <a:solidFill>
+                  <a:schemeClr val="lt1"/>
+                </a:solidFill>
+                <a:latin typeface="Arial" charset="0"/>
+                <a:ea typeface="Arial" charset="0"/>
+                <a:cs typeface="Arial" charset="0"/>
+                <a:sym typeface="Cabin"/>
+              </a:rPr>
+              <a:t> instead of </a:t>
+            </a:r>
+            <a:r>
+              <a:rPr lang="en-US" sz="3600" u="none" strike="noStrike" cap="none" dirty="0">
+                <a:solidFill>
+                  <a:srgbClr val="FFFFFF"/>
+                </a:solidFill>
+                <a:latin typeface="Arial" charset="0"/>
+                <a:ea typeface="Arial" charset="0"/>
+                <a:cs typeface="Arial" charset="0"/>
+                <a:sym typeface="Cabin"/>
+              </a:rPr>
+              <a:t>positions</a:t>
+            </a:r>
+            <a:r>
+              <a:rPr lang="en-US" sz="3600" u="none" strike="noStrike" cap="none" dirty="0">
+                <a:solidFill>
+                  <a:schemeClr val="lt1"/>
+                </a:solidFill>
+                <a:latin typeface="Arial" charset="0"/>
+                <a:ea typeface="Arial" charset="0"/>
+                <a:cs typeface="Arial" charset="0"/>
+                <a:sym typeface="Cabin"/>
+              </a:rPr>
+              <a:t> to look up </a:t>
+            </a:r>
+            <a:r>
+              <a:rPr lang="en-US" sz="3600" u="none" strike="noStrike" cap="none" dirty="0">
+                <a:solidFill>
+                  <a:srgbClr val="FFFF00"/>
+                </a:solidFill>
+                <a:latin typeface="Arial" charset="0"/>
+                <a:ea typeface="Arial" charset="0"/>
+                <a:cs typeface="Arial" charset="0"/>
+                <a:sym typeface="Cabin"/>
+              </a:rPr>
+              <a:t>values</a:t>
+            </a:r>
+          </a:p>
+        </p:txBody>
+      </p:sp>
+      <p:sp>
+        <p:nvSpPr>
+          <p:cNvPr id="267" name="Shape 267"/>
           <p:cNvSpPr txBox="1"/>
           <p:nvPr/>
         </p:nvSpPr>
         <p:spPr>
           <a:xfrm>
-            <a:off x="1586675" y="779399"/>
-            <a:ext cx="5690999" cy="3592576"/>
+            <a:off x="2381250" y="4551344"/>
+            <a:ext cx="5059200" cy="3578243"/>
           </a:xfrm>
           <a:prstGeom prst="rect">
             <a:avLst/>
@@ -5613,7 +5731,7 @@
               <a:buNone/>
             </a:pPr>
             <a:r>
-              <a:rPr lang="en-US" sz="2800" b="1" i="0" u="none" strike="noStrike" cap="none" dirty="0">
+              <a:rPr lang="en-US" sz="3000" b="1" i="0" u="none" strike="noStrike" cap="none" dirty="0">
                 <a:solidFill>
                   <a:srgbClr val="00FF00"/>
                 </a:solidFill>
@@ -5625,7 +5743,7 @@
               <a:t>&gt;&gt;&gt; </a:t>
             </a:r>
             <a:r>
-              <a:rPr lang="en-US" sz="2800" b="1" i="0" u="none" strike="noStrike" cap="none" dirty="0" err="1">
+              <a:rPr lang="en-US" sz="3000" b="1" i="0" u="none" strike="noStrike" cap="none" dirty="0" err="1">
                 <a:solidFill>
                   <a:srgbClr val="00FF00"/>
                 </a:solidFill>
@@ -5637,7 +5755,7 @@
               <a:t>lst</a:t>
             </a:r>
             <a:r>
-              <a:rPr lang="en-US" sz="2800" b="1" i="0" u="none" strike="noStrike" cap="none" dirty="0">
+              <a:rPr lang="en-US" sz="3000" b="1" i="0" u="none" strike="noStrike" cap="none" dirty="0">
                 <a:solidFill>
                   <a:srgbClr val="00FF00"/>
                 </a:solidFill>
@@ -5646,22 +5764,10 @@
                 <a:cs typeface="Courier"/>
                 <a:sym typeface="Courier New"/>
               </a:rPr>
-              <a:t> =</a:t>
-            </a:r>
-            <a:r>
-              <a:rPr lang="en-US" sz="2800" b="1" i="0" u="none" strike="noStrike" cap="none" dirty="0">
-                <a:solidFill>
-                  <a:srgbClr val="0000FF"/>
-                </a:solidFill>
-                <a:latin typeface="Courier"/>
-                <a:ea typeface="Courier"/>
-                <a:cs typeface="Courier"/>
-                <a:sym typeface="Courier New"/>
-              </a:rPr>
-              <a:t> </a:t>
-            </a:r>
-            <a:r>
-              <a:rPr lang="en-US" sz="2800" b="1" i="0" u="none" strike="noStrike" cap="none" dirty="0">
+              <a:t> = </a:t>
+            </a:r>
+            <a:r>
+              <a:rPr lang="en-US" sz="3000" b="1" i="0" u="none" strike="noStrike" cap="none" dirty="0">
                 <a:solidFill>
                   <a:srgbClr val="00FFFF"/>
                 </a:solidFill>
@@ -5692,7 +5798,7 @@
               <a:buNone/>
             </a:pPr>
             <a:r>
-              <a:rPr lang="en-US" sz="2800" b="1" i="0" u="none" strike="noStrike" cap="none" dirty="0">
+              <a:rPr lang="en-US" sz="3000" b="1" i="0" u="none" strike="noStrike" cap="none" dirty="0">
                 <a:solidFill>
                   <a:srgbClr val="00FF00"/>
                 </a:solidFill>
@@ -5704,7 +5810,7 @@
               <a:t>&gt;&gt;&gt; </a:t>
             </a:r>
             <a:r>
-              <a:rPr lang="en-US" sz="2800" b="1" i="0" u="none" strike="noStrike" cap="none" dirty="0" err="1">
+              <a:rPr lang="en-US" sz="3000" b="1" i="0" u="none" strike="noStrike" cap="none" dirty="0" err="1">
                 <a:solidFill>
                   <a:srgbClr val="00FF00"/>
                 </a:solidFill>
@@ -5713,10 +5819,22 @@
                 <a:cs typeface="Courier"/>
                 <a:sym typeface="Courier New"/>
               </a:rPr>
-              <a:t>lst.append</a:t>
-            </a:r>
-            <a:r>
-              <a:rPr lang="en-US" sz="2800" b="1" i="0" u="none" strike="noStrike" cap="none" dirty="0">
+              <a:t>lst.</a:t>
+            </a:r>
+            <a:r>
+              <a:rPr lang="en-US" sz="3000" b="1" i="0" u="none" strike="noStrike" cap="none" dirty="0" err="1">
+                <a:solidFill>
+                  <a:srgbClr val="FF00FF"/>
+                </a:solidFill>
+                <a:latin typeface="Courier"/>
+                <a:ea typeface="Courier"/>
+                <a:cs typeface="Courier"/>
+                <a:sym typeface="Courier New"/>
+              </a:rPr>
+              <a:t>append</a:t>
+            </a:r>
+            <a:r>
+              <a:rPr lang="en-US" sz="3000" b="1" i="0" u="none" strike="noStrike" cap="none" dirty="0">
                 <a:solidFill>
                   <a:srgbClr val="00FF00"/>
                 </a:solidFill>
@@ -5728,7 +5846,7 @@
               <a:t>(</a:t>
             </a:r>
             <a:r>
-              <a:rPr lang="en-US" sz="2800" b="1" i="0" u="none" strike="noStrike" cap="none" dirty="0">
+              <a:rPr lang="en-US" sz="3000" b="1" i="0" u="none" strike="noStrike" cap="none" dirty="0">
                 <a:solidFill>
                   <a:srgbClr val="FFFF00"/>
                 </a:solidFill>
@@ -5740,7 +5858,7 @@
               <a:t>21</a:t>
             </a:r>
             <a:r>
-              <a:rPr lang="en-US" sz="2800" b="1" i="0" u="none" strike="noStrike" cap="none" dirty="0">
+              <a:rPr lang="en-US" sz="3000" b="1" i="0" u="none" strike="noStrike" cap="none" dirty="0">
                 <a:solidFill>
                   <a:srgbClr val="00FF00"/>
                 </a:solidFill>
@@ -5771,7 +5889,7 @@
               <a:buNone/>
             </a:pPr>
             <a:r>
-              <a:rPr lang="en-US" sz="2800" b="1" i="0" u="none" strike="noStrike" cap="none" dirty="0">
+              <a:rPr lang="en-US" sz="3000" b="1" i="0" u="none" strike="noStrike" cap="none" dirty="0">
                 <a:solidFill>
                   <a:srgbClr val="00FF00"/>
                 </a:solidFill>
@@ -5783,7 +5901,7 @@
               <a:t>&gt;&gt;&gt; </a:t>
             </a:r>
             <a:r>
-              <a:rPr lang="en-US" sz="2800" b="1" i="0" u="none" strike="noStrike" cap="none" dirty="0" err="1">
+              <a:rPr lang="en-US" sz="3000" b="1" i="0" u="none" strike="noStrike" cap="none" dirty="0" err="1">
                 <a:solidFill>
                   <a:srgbClr val="00FF00"/>
                 </a:solidFill>
@@ -5792,10 +5910,22 @@
                 <a:cs typeface="Courier"/>
                 <a:sym typeface="Courier New"/>
               </a:rPr>
-              <a:t>lst.append</a:t>
-            </a:r>
-            <a:r>
-              <a:rPr lang="en-US" sz="2800" b="1" i="0" u="none" strike="noStrike" cap="none" dirty="0">
+              <a:t>lst.</a:t>
+            </a:r>
+            <a:r>
+              <a:rPr lang="en-US" sz="3000" b="1" i="0" u="none" strike="noStrike" cap="none" dirty="0" err="1">
+                <a:solidFill>
+                  <a:srgbClr val="FF00FF"/>
+                </a:solidFill>
+                <a:latin typeface="Courier"/>
+                <a:ea typeface="Courier"/>
+                <a:cs typeface="Courier"/>
+                <a:sym typeface="Courier New"/>
+              </a:rPr>
+              <a:t>append</a:t>
+            </a:r>
+            <a:r>
+              <a:rPr lang="en-US" sz="3000" b="1" i="0" u="none" strike="noStrike" cap="none" dirty="0">
                 <a:solidFill>
                   <a:srgbClr val="00FF00"/>
                 </a:solidFill>
@@ -5807,7 +5937,7 @@
               <a:t>(</a:t>
             </a:r>
             <a:r>
-              <a:rPr lang="en-US" sz="2800" b="1" i="0" u="none" strike="noStrike" cap="none" dirty="0">
+              <a:rPr lang="en-US" sz="3000" b="1" i="0" u="none" strike="noStrike" cap="none" dirty="0">
                 <a:solidFill>
                   <a:srgbClr val="FFFF00"/>
                 </a:solidFill>
@@ -5819,7 +5949,7 @@
               <a:t>183</a:t>
             </a:r>
             <a:r>
-              <a:rPr lang="en-US" sz="2800" b="1" i="0" u="none" strike="noStrike" cap="none" dirty="0">
+              <a:rPr lang="en-US" sz="3000" b="1" i="0" u="none" strike="noStrike" cap="none" dirty="0">
                 <a:solidFill>
                   <a:srgbClr val="00FF00"/>
                 </a:solidFill>
@@ -5829,6 +5959,219 @@
                 <a:sym typeface="Courier New"/>
               </a:rPr>
               <a:t>)</a:t>
+            </a:r>
+          </a:p>
+          <a:p>
+            <a:pPr marL="0" marR="0" lvl="0" indent="0" algn="l" rtl="0">
+              <a:lnSpc>
+                <a:spcPct val="100000"/>
+              </a:lnSpc>
+              <a:spcBef>
+                <a:spcPts val="0"/>
+              </a:spcBef>
+              <a:spcAft>
+                <a:spcPts val="0"/>
+              </a:spcAft>
+              <a:buClr>
+                <a:srgbClr val="00FF00"/>
+              </a:buClr>
+              <a:buSzPct val="25000"/>
+              <a:buFont typeface="Cabin"/>
+              <a:buNone/>
+            </a:pPr>
+            <a:r>
+              <a:rPr lang="en-US" sz="3000" b="1" i="0" u="none" strike="noStrike" cap="none" dirty="0">
+                <a:solidFill>
+                  <a:srgbClr val="00FF00"/>
+                </a:solidFill>
+                <a:latin typeface="Courier"/>
+                <a:ea typeface="Courier"/>
+                <a:cs typeface="Courier"/>
+                <a:sym typeface="Courier New"/>
+              </a:rPr>
+              <a:t>&gt;&gt;&gt; </a:t>
+            </a:r>
+            <a:r>
+              <a:rPr lang="en-US" sz="3000" b="1" i="0" u="none" strike="noStrike" cap="none" dirty="0">
+                <a:solidFill>
+                  <a:srgbClr val="FFFF00"/>
+                </a:solidFill>
+                <a:latin typeface="Courier"/>
+                <a:ea typeface="Courier"/>
+                <a:cs typeface="Courier"/>
+                <a:sym typeface="Courier New"/>
+              </a:rPr>
+              <a:t>print(</a:t>
+            </a:r>
+            <a:r>
+              <a:rPr lang="en-US" sz="3000" b="1" i="0" u="none" strike="noStrike" cap="none" dirty="0" err="1">
+                <a:solidFill>
+                  <a:srgbClr val="00FF00"/>
+                </a:solidFill>
+                <a:latin typeface="Courier"/>
+                <a:ea typeface="Courier"/>
+                <a:cs typeface="Courier"/>
+                <a:sym typeface="Courier New"/>
+              </a:rPr>
+              <a:t>lst</a:t>
+            </a:r>
+            <a:r>
+              <a:rPr lang="en-US" sz="3000" b="1" i="0" u="none" strike="noStrike" cap="none" dirty="0">
+                <a:solidFill>
+                  <a:srgbClr val="FFFF00"/>
+                </a:solidFill>
+                <a:latin typeface="Courier"/>
+                <a:ea typeface="Courier"/>
+                <a:cs typeface="Courier"/>
+                <a:sym typeface="Courier New"/>
+              </a:rPr>
+              <a:t>)</a:t>
+            </a:r>
+          </a:p>
+          <a:p>
+            <a:pPr marL="0" marR="0" lvl="0" indent="0" algn="l" rtl="0">
+              <a:lnSpc>
+                <a:spcPct val="100000"/>
+              </a:lnSpc>
+              <a:spcBef>
+                <a:spcPts val="0"/>
+              </a:spcBef>
+              <a:spcAft>
+                <a:spcPts val="0"/>
+              </a:spcAft>
+              <a:buClr>
+                <a:srgbClr val="00FF00"/>
+              </a:buClr>
+              <a:buSzPct val="25000"/>
+              <a:buFont typeface="Cabin"/>
+              <a:buNone/>
+            </a:pPr>
+            <a:r>
+              <a:rPr lang="en-US" sz="3000" b="1" i="0" u="none" strike="noStrike" cap="none" dirty="0">
+                <a:solidFill>
+                  <a:srgbClr val="00FF00"/>
+                </a:solidFill>
+                <a:latin typeface="Courier"/>
+                <a:ea typeface="Courier"/>
+                <a:cs typeface="Courier"/>
+                <a:sym typeface="Courier New"/>
+              </a:rPr>
+              <a:t>[</a:t>
+            </a:r>
+            <a:r>
+              <a:rPr lang="en-US" sz="3000" b="1" i="0" u="none" strike="noStrike" cap="none" dirty="0">
+                <a:solidFill>
+                  <a:srgbClr val="FFFF00"/>
+                </a:solidFill>
+                <a:latin typeface="Courier"/>
+                <a:ea typeface="Courier"/>
+                <a:cs typeface="Courier"/>
+                <a:sym typeface="Courier New"/>
+              </a:rPr>
+              <a:t>21, 183</a:t>
+            </a:r>
+            <a:r>
+              <a:rPr lang="en-US" sz="3000" b="1" i="0" u="none" strike="noStrike" cap="none" dirty="0">
+                <a:solidFill>
+                  <a:srgbClr val="00FF00"/>
+                </a:solidFill>
+                <a:latin typeface="Courier"/>
+                <a:ea typeface="Courier"/>
+                <a:cs typeface="Courier"/>
+                <a:sym typeface="Courier New"/>
+              </a:rPr>
+              <a:t>]</a:t>
+            </a:r>
+          </a:p>
+          <a:p>
+            <a:pPr marL="0" marR="0" lvl="0" indent="0" algn="l" rtl="0">
+              <a:lnSpc>
+                <a:spcPct val="100000"/>
+              </a:lnSpc>
+              <a:spcBef>
+                <a:spcPts val="0"/>
+              </a:spcBef>
+              <a:spcAft>
+                <a:spcPts val="0"/>
+              </a:spcAft>
+              <a:buClr>
+                <a:srgbClr val="00FF00"/>
+              </a:buClr>
+              <a:buSzPct val="25000"/>
+              <a:buFont typeface="Cabin"/>
+              <a:buNone/>
+            </a:pPr>
+            <a:r>
+              <a:rPr lang="en-US" sz="3000" b="1" i="0" u="none" strike="noStrike" cap="none" dirty="0">
+                <a:solidFill>
+                  <a:srgbClr val="00FF00"/>
+                </a:solidFill>
+                <a:latin typeface="Courier"/>
+                <a:ea typeface="Courier"/>
+                <a:cs typeface="Courier"/>
+                <a:sym typeface="Courier New"/>
+              </a:rPr>
+              <a:t>&gt;&gt;&gt; </a:t>
+            </a:r>
+            <a:r>
+              <a:rPr lang="en-US" sz="3000" b="1" i="0" u="none" strike="noStrike" cap="none" dirty="0" err="1">
+                <a:solidFill>
+                  <a:srgbClr val="00FF00"/>
+                </a:solidFill>
+                <a:latin typeface="Courier"/>
+                <a:ea typeface="Courier"/>
+                <a:cs typeface="Courier"/>
+                <a:sym typeface="Courier New"/>
+              </a:rPr>
+              <a:t>lst</a:t>
+            </a:r>
+            <a:r>
+              <a:rPr lang="en-US" sz="3000" b="1" i="0" u="none" strike="noStrike" cap="none" dirty="0">
+                <a:solidFill>
+                  <a:srgbClr val="00FF00"/>
+                </a:solidFill>
+                <a:latin typeface="Courier"/>
+                <a:ea typeface="Courier"/>
+                <a:cs typeface="Courier"/>
+                <a:sym typeface="Courier New"/>
+              </a:rPr>
+              <a:t>[</a:t>
+            </a:r>
+            <a:r>
+              <a:rPr lang="en-US" sz="3000" b="1" i="0" u="none" strike="noStrike" cap="none" dirty="0">
+                <a:solidFill>
+                  <a:srgbClr val="FFFFFF"/>
+                </a:solidFill>
+                <a:latin typeface="Courier"/>
+                <a:ea typeface="Courier"/>
+                <a:cs typeface="Courier"/>
+                <a:sym typeface="Courier New"/>
+              </a:rPr>
+              <a:t>0</a:t>
+            </a:r>
+            <a:r>
+              <a:rPr lang="en-US" sz="3000" b="1" i="0" u="none" strike="noStrike" cap="none" dirty="0">
+                <a:solidFill>
+                  <a:srgbClr val="00FF00"/>
+                </a:solidFill>
+                <a:latin typeface="Courier"/>
+                <a:ea typeface="Courier"/>
+                <a:cs typeface="Courier"/>
+                <a:sym typeface="Courier New"/>
+              </a:rPr>
+              <a:t>] = </a:t>
+            </a:r>
+            <a:r>
+              <a:rPr lang="en-US" sz="3000" b="1" i="0" u="none" strike="noStrike" cap="none" dirty="0">
+                <a:solidFill>
+                  <a:srgbClr val="FFFF00"/>
+                </a:solidFill>
+                <a:latin typeface="Courier"/>
+                <a:ea typeface="Courier"/>
+                <a:cs typeface="Courier"/>
+                <a:sym typeface="Courier New"/>
+              </a:rPr>
+              <a:t>23</a:t>
             </a:r>
           </a:p>
           <a:p>
@@ -5839,7 +6182,7 @@
               <a:buSzPct val="25000"/>
             </a:pPr>
             <a:r>
-              <a:rPr lang="en-US" sz="2800" b="1" i="0" u="none" strike="noStrike" cap="none" dirty="0">
+              <a:rPr lang="en-US" sz="3000" b="1" i="0" u="none" strike="noStrike" cap="none" dirty="0">
                 <a:solidFill>
                   <a:srgbClr val="00FF00"/>
                 </a:solidFill>
@@ -5851,7 +6194,7 @@
               <a:t>&gt;&gt;&gt; </a:t>
             </a:r>
             <a:r>
-              <a:rPr lang="en-US" sz="2800" b="1" i="0" u="none" strike="noStrike" cap="none" dirty="0">
+              <a:rPr lang="en-US" sz="3000" b="1" i="0" u="none" strike="noStrike" cap="none" dirty="0">
                 <a:solidFill>
                   <a:srgbClr val="FFFF00"/>
                 </a:solidFill>
@@ -5863,7 +6206,7 @@
               <a:t>print(</a:t>
             </a:r>
             <a:r>
-              <a:rPr lang="en-US" sz="2800" b="1" i="0" u="none" strike="noStrike" cap="none" dirty="0" err="1">
+              <a:rPr lang="en-US" sz="3000" b="1" i="0" u="none" strike="noStrike" cap="none" dirty="0" err="1">
                 <a:solidFill>
                   <a:srgbClr val="00FF00"/>
                 </a:solidFill>
@@ -5875,7 +6218,7 @@
               <a:t>lst</a:t>
             </a:r>
             <a:r>
-              <a:rPr lang="en-US" sz="2800" b="1" dirty="0">
+              <a:rPr lang="en-US" sz="3000" b="1" dirty="0">
                 <a:solidFill>
                   <a:srgbClr val="FFFF00"/>
                 </a:solidFill>
@@ -5886,7 +6229,7 @@
               </a:rPr>
               <a:t>)</a:t>
             </a:r>
-            <a:endParaRPr lang="en-US" sz="2800" b="1" i="0" u="none" strike="noStrike" cap="none" dirty="0">
+            <a:endParaRPr lang="en-US" sz="3000" b="1" i="0" u="none" strike="noStrike" cap="none" dirty="0">
               <a:solidFill>
                 <a:srgbClr val="00FF00"/>
               </a:solidFill>
@@ -5915,7 +6258,7 @@
               <a:buNone/>
             </a:pPr>
             <a:r>
-              <a:rPr lang="en-US" sz="2800" b="1" i="0" u="none" strike="noStrike" cap="none" dirty="0">
+              <a:rPr lang="en-US" sz="3000" b="1" i="0" u="none" strike="noStrike" cap="none" dirty="0">
                 <a:solidFill>
                   <a:srgbClr val="00FF00"/>
                 </a:solidFill>
@@ -5927,7 +6270,7 @@
               <a:t>[</a:t>
             </a:r>
             <a:r>
-              <a:rPr lang="en-US" sz="2800" b="1" i="0" u="none" strike="noStrike" cap="none" dirty="0">
+              <a:rPr lang="en-US" sz="3000" b="1" i="0" u="none" strike="noStrike" cap="none" dirty="0">
                 <a:solidFill>
                   <a:srgbClr val="FFFF00"/>
                 </a:solidFill>
@@ -5936,209 +6279,10 @@
                 <a:cs typeface="Courier"/>
                 <a:sym typeface="Courier New"/>
               </a:rPr>
-              <a:t>21, 183</a:t>
-            </a:r>
-            <a:r>
-              <a:rPr lang="en-US" sz="2800" b="1" i="0" u="none" strike="noStrike" cap="none" dirty="0">
-                <a:solidFill>
-                  <a:srgbClr val="00FF00"/>
-                </a:solidFill>
-                <a:latin typeface="Courier"/>
-                <a:ea typeface="Courier"/>
-                <a:cs typeface="Courier"/>
-                <a:sym typeface="Courier New"/>
-              </a:rPr>
-              <a:t>]</a:t>
-            </a:r>
-          </a:p>
-          <a:p>
-            <a:pPr marL="0" marR="0" lvl="0" indent="0" algn="l" rtl="0">
-              <a:lnSpc>
-                <a:spcPct val="100000"/>
-              </a:lnSpc>
-              <a:spcBef>
-                <a:spcPts val="0"/>
-              </a:spcBef>
-              <a:spcAft>
-                <a:spcPts val="0"/>
-              </a:spcAft>
-              <a:buClr>
-                <a:srgbClr val="00FF00"/>
-              </a:buClr>
-              <a:buSzPct val="25000"/>
-              <a:buFont typeface="Cabin"/>
-              <a:buNone/>
-            </a:pPr>
-            <a:r>
-              <a:rPr lang="en-US" sz="2800" b="1" i="0" u="none" strike="noStrike" cap="none" dirty="0">
-                <a:solidFill>
-                  <a:srgbClr val="00FF00"/>
-                </a:solidFill>
-                <a:latin typeface="Courier"/>
-                <a:ea typeface="Courier"/>
-                <a:cs typeface="Courier"/>
-                <a:sym typeface="Courier New"/>
-              </a:rPr>
-              <a:t>&gt;&gt;&gt; </a:t>
-            </a:r>
-            <a:r>
-              <a:rPr lang="en-US" sz="2800" b="1" i="0" u="none" strike="noStrike" cap="none" dirty="0" err="1">
-                <a:solidFill>
-                  <a:srgbClr val="00FF00"/>
-                </a:solidFill>
-                <a:latin typeface="Courier"/>
-                <a:ea typeface="Courier"/>
-                <a:cs typeface="Courier"/>
-                <a:sym typeface="Courier New"/>
-              </a:rPr>
-              <a:t>lst</a:t>
-            </a:r>
-            <a:r>
-              <a:rPr lang="en-US" sz="2800" b="1" i="0" u="none" strike="noStrike" cap="none" dirty="0">
-                <a:solidFill>
-                  <a:srgbClr val="FF7F00"/>
-                </a:solidFill>
-                <a:latin typeface="Courier"/>
-                <a:ea typeface="Courier"/>
-                <a:cs typeface="Courier"/>
-                <a:sym typeface="Courier New"/>
-              </a:rPr>
-              <a:t>[0]</a:t>
-            </a:r>
-            <a:r>
-              <a:rPr lang="en-US" sz="2800" b="1" i="0" u="none" strike="noStrike" cap="none" dirty="0">
-                <a:solidFill>
-                  <a:srgbClr val="00FF00"/>
-                </a:solidFill>
-                <a:latin typeface="Courier"/>
-                <a:ea typeface="Courier"/>
-                <a:cs typeface="Courier"/>
-                <a:sym typeface="Courier New"/>
-              </a:rPr>
-              <a:t> = </a:t>
-            </a:r>
-            <a:r>
-              <a:rPr lang="en-US" sz="2800" b="1" i="0" u="none" strike="noStrike" cap="none" dirty="0">
-                <a:solidFill>
-                  <a:srgbClr val="FFFF00"/>
-                </a:solidFill>
-                <a:latin typeface="Courier"/>
-                <a:ea typeface="Courier"/>
-                <a:cs typeface="Courier"/>
-                <a:sym typeface="Courier New"/>
-              </a:rPr>
-              <a:t>23</a:t>
-            </a:r>
-          </a:p>
-          <a:p>
-            <a:pPr lvl="0">
-              <a:buClr>
-                <a:srgbClr val="00FF00"/>
-              </a:buClr>
-              <a:buSzPct val="25000"/>
-            </a:pPr>
-            <a:r>
-              <a:rPr lang="en-US" sz="2800" b="1" i="0" u="none" strike="noStrike" cap="none" dirty="0">
-                <a:solidFill>
-                  <a:srgbClr val="00FF00"/>
-                </a:solidFill>
-                <a:latin typeface="Courier"/>
-                <a:ea typeface="Courier"/>
-                <a:cs typeface="Courier"/>
-                <a:sym typeface="Courier New"/>
-              </a:rPr>
-              <a:t>&gt;&gt;&gt; </a:t>
-            </a:r>
-            <a:r>
-              <a:rPr lang="en-US" sz="2800" b="1" i="0" u="none" strike="noStrike" cap="none" dirty="0">
-                <a:solidFill>
-                  <a:srgbClr val="FFFF00"/>
-                </a:solidFill>
-                <a:latin typeface="Courier"/>
-                <a:ea typeface="Courier"/>
-                <a:cs typeface="Courier"/>
-                <a:sym typeface="Courier New"/>
-              </a:rPr>
-              <a:t>print(</a:t>
-            </a:r>
-            <a:r>
-              <a:rPr lang="en-US" sz="2800" b="1" i="0" u="none" strike="noStrike" cap="none" dirty="0" err="1">
-                <a:solidFill>
-                  <a:srgbClr val="00FF00"/>
-                </a:solidFill>
-                <a:latin typeface="Courier"/>
-                <a:ea typeface="Courier"/>
-                <a:cs typeface="Courier"/>
-                <a:sym typeface="Courier New"/>
-              </a:rPr>
-              <a:t>lst</a:t>
-            </a:r>
-            <a:r>
-              <a:rPr lang="en-US" sz="2800" b="1" dirty="0">
-                <a:solidFill>
-                  <a:srgbClr val="FFFF00"/>
-                </a:solidFill>
-                <a:latin typeface="Courier"/>
-                <a:ea typeface="Courier"/>
-                <a:cs typeface="Courier"/>
-                <a:sym typeface="Courier New"/>
-              </a:rPr>
-              <a:t>)</a:t>
-            </a:r>
-            <a:endParaRPr lang="en-US" sz="2800" b="1" i="0" u="none" strike="noStrike" cap="none" dirty="0">
-              <a:solidFill>
-                <a:srgbClr val="00FF00"/>
-              </a:solidFill>
-              <a:latin typeface="Courier"/>
-              <a:ea typeface="Courier"/>
-              <a:cs typeface="Courier"/>
-              <a:sym typeface="Courier New"/>
-            </a:endParaRPr>
-          </a:p>
-          <a:p>
-            <a:pPr marL="0" marR="0" lvl="0" indent="0" algn="l" rtl="0">
-              <a:lnSpc>
-                <a:spcPct val="100000"/>
-              </a:lnSpc>
-              <a:spcBef>
-                <a:spcPts val="0"/>
-              </a:spcBef>
-              <a:spcAft>
-                <a:spcPts val="0"/>
-              </a:spcAft>
-              <a:buClr>
-                <a:srgbClr val="00FF00"/>
-              </a:buClr>
-              <a:buSzPct val="25000"/>
-              <a:buFont typeface="Cabin"/>
-              <a:buNone/>
-            </a:pPr>
-            <a:r>
-              <a:rPr lang="en-US" sz="2800" b="1" i="0" u="none" strike="noStrike" cap="none" dirty="0">
-                <a:solidFill>
-                  <a:srgbClr val="00FF00"/>
-                </a:solidFill>
-                <a:latin typeface="Courier"/>
-                <a:ea typeface="Courier"/>
-                <a:cs typeface="Courier"/>
-                <a:sym typeface="Courier New"/>
-              </a:rPr>
-              <a:t>[</a:t>
-            </a:r>
-            <a:r>
-              <a:rPr lang="en-US" sz="2800" b="1" i="0" u="none" strike="noStrike" cap="none" dirty="0">
-                <a:solidFill>
-                  <a:srgbClr val="FFFF00"/>
-                </a:solidFill>
-                <a:latin typeface="Courier"/>
-                <a:ea typeface="Courier"/>
-                <a:cs typeface="Courier"/>
-                <a:sym typeface="Courier New"/>
-              </a:rPr>
               <a:t>23, 183</a:t>
             </a:r>
             <a:r>
-              <a:rPr lang="en-US" sz="2800" b="1" i="0" u="none" strike="noStrike" cap="none" dirty="0">
+              <a:rPr lang="en-US" sz="3000" b="1" i="0" u="none" strike="noStrike" cap="none" dirty="0">
                 <a:solidFill>
                   <a:srgbClr val="00FF00"/>
                 </a:solidFill>
@@ -6154,14 +6298,14 @@
       </p:sp>
       <p:sp>
         <p:nvSpPr>
-          <p:cNvPr id="274" name="Shape 274"/>
+          <p:cNvPr id="268" name="Shape 268"/>
           <p:cNvSpPr txBox="1"/>
           <p:nvPr/>
         </p:nvSpPr>
         <p:spPr>
           <a:xfrm>
-            <a:off x="1586675" y="4519499"/>
-            <a:ext cx="6215699" cy="3940200"/>
+            <a:off x="9083675" y="3997320"/>
+            <a:ext cx="6492600" cy="4432199"/>
           </a:xfrm>
           <a:prstGeom prst="rect">
             <a:avLst/>
@@ -6195,7 +6339,7 @@
               <a:buNone/>
             </a:pPr>
             <a:r>
-              <a:rPr lang="en-US" sz="2800" b="1" i="0" u="none" strike="noStrike" cap="none" dirty="0">
+              <a:rPr lang="en-US" sz="3000" b="1" i="0" u="none" strike="noStrike" cap="none" dirty="0">
                 <a:solidFill>
                   <a:srgbClr val="FF00FF"/>
                 </a:solidFill>
@@ -6207,7 +6351,7 @@
               <a:t>&gt;&gt;&gt; </a:t>
             </a:r>
             <a:r>
-              <a:rPr lang="en-US" sz="2800" b="1" i="0" u="none" strike="noStrike" cap="none" dirty="0" err="1">
+              <a:rPr lang="en-US" sz="3000" b="1" i="0" u="none" strike="noStrike" cap="none" dirty="0" err="1">
                 <a:solidFill>
                   <a:srgbClr val="FF00FF"/>
                 </a:solidFill>
@@ -6219,7 +6363,7 @@
               <a:t>ddd</a:t>
             </a:r>
             <a:r>
-              <a:rPr lang="en-US" sz="2800" b="1" i="0" u="none" strike="noStrike" cap="none" dirty="0">
+              <a:rPr lang="en-US" sz="3000" b="1" i="0" u="none" strike="noStrike" cap="none" dirty="0">
                 <a:solidFill>
                   <a:srgbClr val="FF00FF"/>
                 </a:solidFill>
@@ -6228,10 +6372,22 @@
                 <a:cs typeface="Courier"/>
                 <a:sym typeface="Courier New"/>
               </a:rPr>
-              <a:t> = </a:t>
-            </a:r>
-            <a:r>
-              <a:rPr lang="en-US" sz="2800" b="1" i="0" u="none" strike="noStrike" cap="none" dirty="0" err="1">
+              <a:t> =</a:t>
+            </a:r>
+            <a:r>
+              <a:rPr lang="en-US" sz="3000" b="1" i="0" u="none" strike="noStrike" cap="none" dirty="0">
+                <a:solidFill>
+                  <a:srgbClr val="0000FF"/>
+                </a:solidFill>
+                <a:latin typeface="Courier"/>
+                <a:ea typeface="Courier"/>
+                <a:cs typeface="Courier"/>
+                <a:sym typeface="Courier New"/>
+              </a:rPr>
+              <a:t> </a:t>
+            </a:r>
+            <a:r>
+              <a:rPr lang="en-US" sz="3000" b="1" i="0" u="none" strike="noStrike" cap="none" dirty="0" err="1">
                 <a:solidFill>
                   <a:srgbClr val="00FFFF"/>
                 </a:solidFill>
@@ -6243,7 +6399,7 @@
               <a:t>dict</a:t>
             </a:r>
             <a:r>
-              <a:rPr lang="en-US" sz="2800" b="1" i="0" u="none" strike="noStrike" cap="none" dirty="0">
+              <a:rPr lang="en-US" sz="3000" b="1" i="0" u="none" strike="noStrike" cap="none" dirty="0">
                 <a:solidFill>
                   <a:srgbClr val="00FFFF"/>
                 </a:solidFill>
@@ -6274,7 +6430,7 @@
               <a:buNone/>
             </a:pPr>
             <a:r>
-              <a:rPr lang="en-US" sz="2800" b="1" i="0" u="none" strike="noStrike" cap="none" dirty="0">
+              <a:rPr lang="en-US" sz="3000" b="1" i="0" u="none" strike="noStrike" cap="none" dirty="0">
                 <a:solidFill>
                   <a:srgbClr val="FF00FF"/>
                 </a:solidFill>
@@ -6286,7 +6442,7 @@
               <a:t>&gt;&gt;&gt; </a:t>
             </a:r>
             <a:r>
-              <a:rPr lang="en-US" sz="2800" b="1" i="0" u="none" strike="noStrike" cap="none" dirty="0" err="1">
+              <a:rPr lang="en-US" sz="3000" b="1" i="0" u="none" strike="noStrike" cap="none" dirty="0" err="1">
                 <a:solidFill>
                   <a:srgbClr val="FF00FF"/>
                 </a:solidFill>
@@ -6298,7 +6454,7 @@
               <a:t>ddd</a:t>
             </a:r>
             <a:r>
-              <a:rPr lang="en-US" sz="2800" b="1" i="0" u="none" strike="noStrike" cap="none" dirty="0">
+              <a:rPr lang="en-US" sz="3000" b="1" i="0" u="none" strike="noStrike" cap="none" dirty="0">
                 <a:solidFill>
                   <a:srgbClr val="FF00FF"/>
                 </a:solidFill>
@@ -6310,7 +6466,7 @@
               <a:t>[</a:t>
             </a:r>
             <a:r>
-              <a:rPr lang="en-US" sz="2800" b="1" i="0" u="none" strike="noStrike" cap="none" dirty="0">
+              <a:rPr lang="en-US" sz="3000" b="1" i="0" u="none" strike="noStrike" cap="none" dirty="0">
                 <a:solidFill>
                   <a:srgbClr val="FF7F00"/>
                 </a:solidFill>
@@ -6322,7 +6478,7 @@
               <a:t>'age'</a:t>
             </a:r>
             <a:r>
-              <a:rPr lang="en-US" sz="2800" b="1" i="0" u="none" strike="noStrike" cap="none" dirty="0">
+              <a:rPr lang="en-US" sz="3000" b="1" i="0" u="none" strike="noStrike" cap="none" dirty="0">
                 <a:solidFill>
                   <a:srgbClr val="FF00FF"/>
                 </a:solidFill>
@@ -6334,7 +6490,7 @@
               <a:t>] = </a:t>
             </a:r>
             <a:r>
-              <a:rPr lang="en-US" sz="2800" b="1" i="0" u="none" strike="noStrike" cap="none" dirty="0">
+              <a:rPr lang="en-US" sz="3000" b="1" i="0" u="none" strike="noStrike" cap="none" dirty="0">
                 <a:solidFill>
                   <a:srgbClr val="FFFF00"/>
                 </a:solidFill>
@@ -6365,7 +6521,7 @@
               <a:buNone/>
             </a:pPr>
             <a:r>
-              <a:rPr lang="en-US" sz="2800" b="1" i="0" u="none" strike="noStrike" cap="none" dirty="0">
+              <a:rPr lang="en-US" sz="3000" b="1" i="0" u="none" strike="noStrike" cap="none" dirty="0">
                 <a:solidFill>
                   <a:srgbClr val="FF00FF"/>
                 </a:solidFill>
@@ -6377,7 +6533,7 @@
               <a:t>&gt;&gt;&gt; </a:t>
             </a:r>
             <a:r>
-              <a:rPr lang="en-US" sz="2800" b="1" i="0" u="none" strike="noStrike" cap="none" dirty="0" err="1">
+              <a:rPr lang="en-US" sz="3000" b="1" i="0" u="none" strike="noStrike" cap="none" dirty="0" err="1">
                 <a:solidFill>
                   <a:srgbClr val="FF00FF"/>
                 </a:solidFill>
@@ -6389,7 +6545,7 @@
               <a:t>ddd</a:t>
             </a:r>
             <a:r>
-              <a:rPr lang="en-US" sz="2800" b="1" i="0" u="none" strike="noStrike" cap="none" dirty="0">
+              <a:rPr lang="en-US" sz="3000" b="1" i="0" u="none" strike="noStrike" cap="none" dirty="0">
                 <a:solidFill>
                   <a:srgbClr val="FF00FF"/>
                 </a:solidFill>
@@ -6401,7 +6557,7 @@
               <a:t>[</a:t>
             </a:r>
             <a:r>
-              <a:rPr lang="en-US" sz="2800" b="1" i="0" u="none" strike="noStrike" cap="none" dirty="0">
+              <a:rPr lang="en-US" sz="3000" b="1" i="0" u="none" strike="noStrike" cap="none" dirty="0">
                 <a:solidFill>
                   <a:srgbClr val="FF7F00"/>
                 </a:solidFill>
@@ -6413,7 +6569,7 @@
               <a:t>'course'</a:t>
             </a:r>
             <a:r>
-              <a:rPr lang="en-US" sz="2800" b="1" i="0" u="none" strike="noStrike" cap="none" dirty="0">
+              <a:rPr lang="en-US" sz="3000" b="1" i="0" u="none" strike="noStrike" cap="none" dirty="0">
                 <a:solidFill>
                   <a:srgbClr val="FF00FF"/>
                 </a:solidFill>
@@ -6425,7 +6581,7 @@
               <a:t>] = </a:t>
             </a:r>
             <a:r>
-              <a:rPr lang="en-US" sz="2800" b="1" i="0" u="none" strike="noStrike" cap="none" dirty="0">
+              <a:rPr lang="en-US" sz="3000" b="1" i="0" u="none" strike="noStrike" cap="none" dirty="0">
                 <a:solidFill>
                   <a:srgbClr val="FFFF00"/>
                 </a:solidFill>
@@ -6445,7 +6601,7 @@
               <a:buSzPct val="25000"/>
             </a:pPr>
             <a:r>
-              <a:rPr lang="en-US" sz="2800" b="1" i="0" u="none" strike="noStrike" cap="none" dirty="0">
+              <a:rPr lang="en-US" sz="3000" b="1" i="0" u="none" strike="noStrike" cap="none" dirty="0">
                 <a:solidFill>
                   <a:srgbClr val="FF00FF"/>
                 </a:solidFill>
@@ -6457,7 +6613,7 @@
               <a:t>&gt;&gt;&gt; </a:t>
             </a:r>
             <a:r>
-              <a:rPr lang="en-US" sz="2800" b="1" i="0" u="none" strike="noStrike" cap="none" dirty="0">
+              <a:rPr lang="en-US" sz="3000" b="1" i="0" u="none" strike="noStrike" cap="none" dirty="0">
                 <a:solidFill>
                   <a:srgbClr val="FFFF00"/>
                 </a:solidFill>
@@ -6469,7 +6625,7 @@
               <a:t>print(</a:t>
             </a:r>
             <a:r>
-              <a:rPr lang="en-US" sz="2800" b="1" i="0" u="none" strike="noStrike" cap="none" dirty="0" err="1">
+              <a:rPr lang="en-US" sz="3000" b="1" i="0" u="none" strike="noStrike" cap="none" dirty="0" err="1">
                 <a:solidFill>
                   <a:srgbClr val="FF00FF"/>
                 </a:solidFill>
@@ -6481,7 +6637,7 @@
               <a:t>ddd</a:t>
             </a:r>
             <a:r>
-              <a:rPr lang="en-US" sz="2800" b="1" dirty="0">
+              <a:rPr lang="en-US" sz="3000" b="1" dirty="0">
                 <a:solidFill>
                   <a:srgbClr val="FFFF00"/>
                 </a:solidFill>
@@ -6492,7 +6648,7 @@
               </a:rPr>
               <a:t>)</a:t>
             </a:r>
-            <a:endParaRPr lang="en-US" sz="2800" b="1" i="0" u="none" strike="noStrike" cap="none" dirty="0">
+            <a:endParaRPr lang="en-US" sz="3000" b="1" i="0" u="none" strike="noStrike" cap="none" dirty="0">
               <a:solidFill>
                 <a:srgbClr val="FF00FF"/>
               </a:solidFill>
@@ -6521,7 +6677,7 @@
               <a:buNone/>
             </a:pPr>
             <a:r>
-              <a:rPr lang="en-US" sz="2800" b="1" i="0" u="none" strike="noStrike" cap="none" dirty="0">
+              <a:rPr lang="en-US" sz="3000" b="1" i="0" u="none" strike="noStrike" cap="none" dirty="0">
                 <a:solidFill>
                   <a:srgbClr val="FF00FF"/>
                 </a:solidFill>
@@ -6533,7 +6689,7 @@
               <a:t>{</a:t>
             </a:r>
             <a:r>
-              <a:rPr lang="en-US" sz="2800" b="1" i="0" u="none" strike="noStrike" cap="none" dirty="0">
+              <a:rPr lang="en-US" sz="3000" b="1" i="0" u="none" strike="noStrike" cap="none" dirty="0">
                 <a:solidFill>
                   <a:srgbClr val="FF7F00"/>
                 </a:solidFill>
@@ -6545,7 +6701,7 @@
               <a:t>'age'</a:t>
             </a:r>
             <a:r>
-              <a:rPr lang="en-US" sz="2800" b="1" i="0" u="none" strike="noStrike" cap="none" dirty="0">
+              <a:rPr lang="en-US" sz="3000" b="1" i="0" u="none" strike="noStrike" cap="none" dirty="0">
                 <a:solidFill>
                   <a:srgbClr val="FF00FF"/>
                 </a:solidFill>
@@ -6557,7 +6713,7 @@
               <a:t>: </a:t>
             </a:r>
             <a:r>
-              <a:rPr lang="en-US" sz="2800" b="1" i="0" u="none" strike="noStrike" cap="none" dirty="0">
+              <a:rPr lang="en-US" sz="3000" b="1" i="0" u="none" strike="noStrike" cap="none" dirty="0">
                 <a:solidFill>
                   <a:srgbClr val="FFFF00"/>
                 </a:solidFill>
@@ -6569,7 +6725,7 @@
               <a:t>21</a:t>
             </a:r>
             <a:r>
-              <a:rPr lang="en-US" sz="2800" b="1" i="0" u="none" strike="noStrike" cap="none" dirty="0">
+              <a:rPr lang="en-US" sz="3000" b="1" i="0" u="none" strike="noStrike" cap="none" dirty="0">
                 <a:solidFill>
                   <a:srgbClr val="FF00FF"/>
                 </a:solidFill>
@@ -6581,7 +6737,7 @@
               <a:t>, </a:t>
             </a:r>
             <a:r>
-              <a:rPr lang="en-US" sz="2800" b="1" i="0" u="none" strike="noStrike" cap="none" dirty="0">
+              <a:rPr lang="en-US" sz="3000" b="1" i="0" u="none" strike="noStrike" cap="none" dirty="0">
                 <a:solidFill>
                   <a:srgbClr val="FF7F00"/>
                 </a:solidFill>
@@ -6593,7 +6749,7 @@
               <a:t>'course'</a:t>
             </a:r>
             <a:r>
-              <a:rPr lang="en-US" sz="2800" b="1" i="0" u="none" strike="noStrike" cap="none" dirty="0">
+              <a:rPr lang="en-US" sz="3000" b="1" i="0" u="none" strike="noStrike" cap="none" dirty="0">
                 <a:solidFill>
                   <a:srgbClr val="FF00FF"/>
                 </a:solidFill>
@@ -6605,7 +6761,7 @@
               <a:t>: </a:t>
             </a:r>
             <a:r>
-              <a:rPr lang="en-US" sz="2800" b="1" i="0" u="none" strike="noStrike" cap="none" dirty="0">
+              <a:rPr lang="en-US" sz="3000" b="1" i="0" u="none" strike="noStrike" cap="none" dirty="0">
                 <a:solidFill>
                   <a:srgbClr val="FFFF00"/>
                 </a:solidFill>
@@ -6617,7 +6773,7 @@
               <a:t>182</a:t>
             </a:r>
             <a:r>
-              <a:rPr lang="en-US" sz="2800" b="1" i="0" u="none" strike="noStrike" cap="none" dirty="0">
+              <a:rPr lang="en-US" sz="3000" b="1" i="0" u="none" strike="noStrike" cap="none" dirty="0">
                 <a:solidFill>
                   <a:srgbClr val="FF00FF"/>
                 </a:solidFill>
@@ -6648,7 +6804,7 @@
               <a:buNone/>
             </a:pPr>
             <a:r>
-              <a:rPr lang="en-US" sz="2800" b="1" i="0" u="none" strike="noStrike" cap="none" dirty="0">
+              <a:rPr lang="en-US" sz="3000" b="1" i="0" u="none" strike="noStrike" cap="none" dirty="0">
                 <a:solidFill>
                   <a:srgbClr val="FF00FF"/>
                 </a:solidFill>
@@ -6660,7 +6816,7 @@
               <a:t>&gt;&gt;&gt; </a:t>
             </a:r>
             <a:r>
-              <a:rPr lang="en-US" sz="2800" b="1" i="0" u="none" strike="noStrike" cap="none" dirty="0" err="1">
+              <a:rPr lang="en-US" sz="3000" b="1" i="0" u="none" strike="noStrike" cap="none" dirty="0" err="1">
                 <a:solidFill>
                   <a:srgbClr val="FF00FF"/>
                 </a:solidFill>
@@ -6672,7 +6828,7 @@
               <a:t>ddd</a:t>
             </a:r>
             <a:r>
-              <a:rPr lang="en-US" sz="2800" b="1" i="0" u="none" strike="noStrike" cap="none" dirty="0">
+              <a:rPr lang="en-US" sz="3000" b="1" i="0" u="none" strike="noStrike" cap="none" dirty="0">
                 <a:solidFill>
                   <a:srgbClr val="FF00FF"/>
                 </a:solidFill>
@@ -6684,7 +6840,7 @@
               <a:t>[</a:t>
             </a:r>
             <a:r>
-              <a:rPr lang="en-US" sz="2800" b="1" i="0" u="none" strike="noStrike" cap="none" dirty="0">
+              <a:rPr lang="en-US" sz="3000" b="1" i="0" u="none" strike="noStrike" cap="none" dirty="0">
                 <a:solidFill>
                   <a:srgbClr val="FF7F00"/>
                 </a:solidFill>
@@ -6696,7 +6852,7 @@
               <a:t>'age'</a:t>
             </a:r>
             <a:r>
-              <a:rPr lang="en-US" sz="2800" b="1" i="0" u="none" strike="noStrike" cap="none" dirty="0">
+              <a:rPr lang="en-US" sz="3000" b="1" i="0" u="none" strike="noStrike" cap="none" dirty="0">
                 <a:solidFill>
                   <a:srgbClr val="FF00FF"/>
                 </a:solidFill>
@@ -6716,7 +6872,7 @@
               <a:buSzPct val="25000"/>
             </a:pPr>
             <a:r>
-              <a:rPr lang="en-US" sz="2800" b="1" i="0" u="none" strike="noStrike" cap="none" dirty="0">
+              <a:rPr lang="en-US" sz="3000" b="1" i="0" u="none" strike="noStrike" cap="none" dirty="0">
                 <a:solidFill>
                   <a:srgbClr val="FF00FF"/>
                 </a:solidFill>
@@ -6728,7 +6884,7 @@
               <a:t>&gt;&gt;&gt; </a:t>
             </a:r>
             <a:r>
-              <a:rPr lang="en-US" sz="2800" b="1" i="0" u="none" strike="noStrike" cap="none" dirty="0">
+              <a:rPr lang="en-US" sz="3000" b="1" i="0" u="none" strike="noStrike" cap="none" dirty="0">
                 <a:solidFill>
                   <a:srgbClr val="FFFF00"/>
                 </a:solidFill>
@@ -6740,7 +6896,7 @@
               <a:t>print(</a:t>
             </a:r>
             <a:r>
-              <a:rPr lang="en-US" sz="2800" b="1" i="0" u="none" strike="noStrike" cap="none" dirty="0" err="1">
+              <a:rPr lang="en-US" sz="3000" b="1" i="0" u="none" strike="noStrike" cap="none" dirty="0" err="1">
                 <a:solidFill>
                   <a:srgbClr val="FF00FF"/>
                 </a:solidFill>
@@ -6752,7 +6908,7 @@
               <a:t>ddd</a:t>
             </a:r>
             <a:r>
-              <a:rPr lang="en-US" sz="2800" b="1" dirty="0">
+              <a:rPr lang="en-US" sz="3000" b="1" dirty="0">
                 <a:solidFill>
                   <a:srgbClr val="FFFF00"/>
                 </a:solidFill>
@@ -6763,7 +6919,7 @@
               </a:rPr>
               <a:t>)</a:t>
             </a:r>
-            <a:endParaRPr lang="en-US" sz="2800" b="1" i="0" u="none" strike="noStrike" cap="none" dirty="0">
+            <a:endParaRPr lang="en-US" sz="3000" b="1" i="0" u="none" strike="noStrike" cap="none" dirty="0">
               <a:solidFill>
                 <a:srgbClr val="FF00FF"/>
               </a:solidFill>
@@ -6792,7 +6948,7 @@
               <a:buNone/>
             </a:pPr>
             <a:r>
-              <a:rPr lang="en-US" sz="2800" b="1" i="0" u="none" strike="noStrike" cap="none" dirty="0">
+              <a:rPr lang="en-US" sz="3000" b="1" i="0" u="none" strike="noStrike" cap="none" dirty="0">
                 <a:solidFill>
                   <a:srgbClr val="FF00FF"/>
                 </a:solidFill>
@@ -6804,7 +6960,7 @@
               <a:t>{</a:t>
             </a:r>
             <a:r>
-              <a:rPr lang="en-US" sz="2800" b="1" i="0" u="none" strike="noStrike" cap="none" dirty="0">
+              <a:rPr lang="en-US" sz="3000" b="1" i="0" u="none" strike="noStrike" cap="none" dirty="0">
                 <a:solidFill>
                   <a:srgbClr val="FF7F00"/>
                 </a:solidFill>
@@ -6816,7 +6972,7 @@
               <a:t>'age'</a:t>
             </a:r>
             <a:r>
-              <a:rPr lang="en-US" sz="2800" b="1" i="0" u="none" strike="noStrike" cap="none" dirty="0">
+              <a:rPr lang="en-US" sz="3000" b="1" i="0" u="none" strike="noStrike" cap="none" dirty="0">
                 <a:solidFill>
                   <a:srgbClr val="FF00FF"/>
                 </a:solidFill>
@@ -6828,7 +6984,7 @@
               <a:t>: </a:t>
             </a:r>
             <a:r>
-              <a:rPr lang="en-US" sz="2800" b="1" i="0" u="none" strike="noStrike" cap="none" dirty="0">
+              <a:rPr lang="en-US" sz="3000" b="1" i="0" u="none" strike="noStrike" cap="none" dirty="0">
                 <a:solidFill>
                   <a:srgbClr val="FFFF00"/>
                 </a:solidFill>
@@ -6840,7 +6996,7 @@
               <a:t>23</a:t>
             </a:r>
             <a:r>
-              <a:rPr lang="en-US" sz="2800" b="1" i="0" u="none" strike="noStrike" cap="none" dirty="0">
+              <a:rPr lang="en-US" sz="3000" b="1" i="0" u="none" strike="noStrike" cap="none" dirty="0">
                 <a:solidFill>
                   <a:srgbClr val="FF00FF"/>
                 </a:solidFill>
@@ -6852,7 +7008,7 @@
               <a:t>, </a:t>
             </a:r>
             <a:r>
-              <a:rPr lang="en-US" sz="2800" b="1" i="0" u="none" strike="noStrike" cap="none" dirty="0">
+              <a:rPr lang="en-US" sz="3000" b="1" i="0" u="none" strike="noStrike" cap="none" dirty="0">
                 <a:solidFill>
                   <a:srgbClr val="FF7F00"/>
                 </a:solidFill>
@@ -6864,7 +7020,7 @@
               <a:t>'course'</a:t>
             </a:r>
             <a:r>
-              <a:rPr lang="en-US" sz="2800" b="1" i="0" u="none" strike="noStrike" cap="none" dirty="0">
+              <a:rPr lang="en-US" sz="3000" b="1" i="0" u="none" strike="noStrike" cap="none" dirty="0">
                 <a:solidFill>
                   <a:srgbClr val="FF00FF"/>
                 </a:solidFill>
@@ -6876,7 +7032,7 @@
               <a:t>: </a:t>
             </a:r>
             <a:r>
-              <a:rPr lang="en-US" sz="2800" b="1" i="0" u="none" strike="noStrike" cap="none" dirty="0">
+              <a:rPr lang="en-US" sz="3000" b="1" i="0" u="none" strike="noStrike" cap="none" dirty="0">
                 <a:solidFill>
                   <a:srgbClr val="FFFF00"/>
                 </a:solidFill>
@@ -6888,7 +7044,7 @@
               <a:t>182</a:t>
             </a:r>
             <a:r>
-              <a:rPr lang="en-US" sz="2800" b="1" i="0" u="none" strike="noStrike" cap="none" dirty="0">
+              <a:rPr lang="en-US" sz="3000" b="1" i="0" u="none" strike="noStrike" cap="none" dirty="0">
                 <a:solidFill>
                   <a:srgbClr val="FF00FF"/>
                 </a:solidFill>
@@ -6898,1026 +7054,6 @@
                 <a:sym typeface="Courier New"/>
               </a:rPr>
               <a:t>}</a:t>
-            </a:r>
-          </a:p>
-        </p:txBody>
-      </p:sp>
-      <p:sp>
-        <p:nvSpPr>
-          <p:cNvPr id="275" name="Shape 275"/>
-          <p:cNvSpPr txBox="1"/>
-          <p:nvPr/>
-        </p:nvSpPr>
-        <p:spPr>
-          <a:xfrm>
-            <a:off x="10278270" y="2265299"/>
-            <a:ext cx="647700" cy="622199"/>
-          </a:xfrm>
-          <a:prstGeom prst="rect">
-            <a:avLst/>
-          </a:prstGeom>
-          <a:noFill/>
-          <a:ln>
-            <a:noFill/>
-          </a:ln>
-        </p:spPr>
-        <p:txBody>
-          <a:bodyPr lIns="0" tIns="0" rIns="0" bIns="0" anchor="ctr" anchorCtr="0">
-            <a:noAutofit/>
-          </a:bodyPr>
-          <a:lstStyle/>
-          <a:p>
-            <a:pPr marL="0" marR="0" lvl="0" indent="0" algn="r" rtl="0">
-              <a:lnSpc>
-                <a:spcPct val="100000"/>
-              </a:lnSpc>
-              <a:spcBef>
-                <a:spcPts val="0"/>
-              </a:spcBef>
-              <a:spcAft>
-                <a:spcPts val="0"/>
-              </a:spcAft>
-              <a:buClr>
-                <a:srgbClr val="FF7F00"/>
-              </a:buClr>
-              <a:buSzPct val="25000"/>
-              <a:buFont typeface="Cabin"/>
-              <a:buNone/>
-            </a:pPr>
-            <a:r>
-              <a:rPr lang="en-US" sz="3200" u="none" strike="noStrike" cap="none">
-                <a:solidFill>
-                  <a:srgbClr val="FF7F00"/>
-                </a:solidFill>
-                <a:latin typeface="Arial" charset="0"/>
-                <a:ea typeface="Arial" charset="0"/>
-                <a:cs typeface="Arial" charset="0"/>
-                <a:sym typeface="Cabin"/>
-              </a:rPr>
-              <a:t>[0]</a:t>
-            </a:r>
-          </a:p>
-        </p:txBody>
-      </p:sp>
-      <p:sp>
-        <p:nvSpPr>
-          <p:cNvPr id="276" name="Shape 276"/>
-          <p:cNvSpPr txBox="1"/>
-          <p:nvPr/>
-        </p:nvSpPr>
-        <p:spPr>
-          <a:xfrm>
-            <a:off x="11602245" y="2252599"/>
-            <a:ext cx="597000" cy="647700"/>
-          </a:xfrm>
-          <a:prstGeom prst="rect">
-            <a:avLst/>
-          </a:prstGeom>
-          <a:noFill/>
-          <a:ln w="25400" cap="rnd" cmpd="sng">
-            <a:solidFill>
-              <a:srgbClr val="FFFF00"/>
-            </a:solidFill>
-            <a:prstDash val="solid"/>
-            <a:miter/>
-            <a:headEnd type="none" w="med" len="med"/>
-            <a:tailEnd type="none" w="med" len="med"/>
-          </a:ln>
-        </p:spPr>
-        <p:txBody>
-          <a:bodyPr lIns="0" tIns="0" rIns="0" bIns="0" anchor="ctr" anchorCtr="0">
-            <a:noAutofit/>
-          </a:bodyPr>
-          <a:lstStyle/>
-          <a:p>
-            <a:pPr marL="0" marR="0" lvl="0" indent="0" algn="l" rtl="0">
-              <a:lnSpc>
-                <a:spcPct val="100000"/>
-              </a:lnSpc>
-              <a:spcBef>
-                <a:spcPts val="0"/>
-              </a:spcBef>
-              <a:spcAft>
-                <a:spcPts val="0"/>
-              </a:spcAft>
-              <a:buClr>
-                <a:schemeClr val="lt1"/>
-              </a:buClr>
-              <a:buSzPct val="25000"/>
-              <a:buFont typeface="Cabin"/>
-              <a:buNone/>
-            </a:pPr>
-            <a:r>
-              <a:rPr lang="en-US" sz="3200">
-                <a:solidFill>
-                  <a:schemeClr val="lt1"/>
-                </a:solidFill>
-                <a:latin typeface="Arial" charset="0"/>
-                <a:ea typeface="Arial" charset="0"/>
-                <a:cs typeface="Arial" charset="0"/>
-                <a:sym typeface="Cabin"/>
-              </a:rPr>
-              <a:t> </a:t>
-            </a:r>
-            <a:r>
-              <a:rPr lang="en-US" sz="3200" u="none" strike="noStrike" cap="none">
-                <a:solidFill>
-                  <a:schemeClr val="lt1"/>
-                </a:solidFill>
-                <a:latin typeface="Arial" charset="0"/>
-                <a:ea typeface="Arial" charset="0"/>
-                <a:cs typeface="Arial" charset="0"/>
-                <a:sym typeface="Cabin"/>
-              </a:rPr>
-              <a:t>21</a:t>
-            </a:r>
-          </a:p>
-        </p:txBody>
-      </p:sp>
-      <p:sp>
-        <p:nvSpPr>
-          <p:cNvPr id="277" name="Shape 277"/>
-          <p:cNvSpPr txBox="1"/>
-          <p:nvPr/>
-        </p:nvSpPr>
-        <p:spPr>
-          <a:xfrm>
-            <a:off x="10278270" y="3027299"/>
-            <a:ext cx="647700" cy="622199"/>
-          </a:xfrm>
-          <a:prstGeom prst="rect">
-            <a:avLst/>
-          </a:prstGeom>
-          <a:noFill/>
-          <a:ln>
-            <a:noFill/>
-          </a:ln>
-        </p:spPr>
-        <p:txBody>
-          <a:bodyPr lIns="0" tIns="0" rIns="0" bIns="0" anchor="ctr" anchorCtr="0">
-            <a:noAutofit/>
-          </a:bodyPr>
-          <a:lstStyle/>
-          <a:p>
-            <a:pPr marL="0" marR="0" lvl="0" indent="0" algn="r" rtl="0">
-              <a:lnSpc>
-                <a:spcPct val="100000"/>
-              </a:lnSpc>
-              <a:spcBef>
-                <a:spcPts val="0"/>
-              </a:spcBef>
-              <a:spcAft>
-                <a:spcPts val="0"/>
-              </a:spcAft>
-              <a:buClr>
-                <a:srgbClr val="FF7F00"/>
-              </a:buClr>
-              <a:buSzPct val="25000"/>
-              <a:buFont typeface="Cabin"/>
-              <a:buNone/>
-            </a:pPr>
-            <a:r>
-              <a:rPr lang="en-US" sz="3200" u="none" strike="noStrike" cap="none">
-                <a:solidFill>
-                  <a:srgbClr val="FF7F00"/>
-                </a:solidFill>
-                <a:latin typeface="Arial" charset="0"/>
-                <a:ea typeface="Arial" charset="0"/>
-                <a:cs typeface="Arial" charset="0"/>
-                <a:sym typeface="Cabin"/>
-              </a:rPr>
-              <a:t>[1]</a:t>
-            </a:r>
-          </a:p>
-        </p:txBody>
-      </p:sp>
-      <p:sp>
-        <p:nvSpPr>
-          <p:cNvPr id="278" name="Shape 278"/>
-          <p:cNvSpPr txBox="1"/>
-          <p:nvPr/>
-        </p:nvSpPr>
-        <p:spPr>
-          <a:xfrm>
-            <a:off x="11602245" y="3014599"/>
-            <a:ext cx="947699" cy="647700"/>
-          </a:xfrm>
-          <a:prstGeom prst="rect">
-            <a:avLst/>
-          </a:prstGeom>
-          <a:noFill/>
-          <a:ln w="25400" cap="rnd" cmpd="sng">
-            <a:solidFill>
-              <a:srgbClr val="FFFF00"/>
-            </a:solidFill>
-            <a:prstDash val="solid"/>
-            <a:miter/>
-            <a:headEnd type="none" w="med" len="med"/>
-            <a:tailEnd type="none" w="med" len="med"/>
-          </a:ln>
-        </p:spPr>
-        <p:txBody>
-          <a:bodyPr lIns="0" tIns="0" rIns="0" bIns="0" anchor="ctr" anchorCtr="0">
-            <a:noAutofit/>
-          </a:bodyPr>
-          <a:lstStyle/>
-          <a:p>
-            <a:pPr marL="0" marR="0" lvl="0" indent="0" algn="l" rtl="0">
-              <a:lnSpc>
-                <a:spcPct val="100000"/>
-              </a:lnSpc>
-              <a:spcBef>
-                <a:spcPts val="0"/>
-              </a:spcBef>
-              <a:spcAft>
-                <a:spcPts val="0"/>
-              </a:spcAft>
-              <a:buClr>
-                <a:schemeClr val="lt1"/>
-              </a:buClr>
-              <a:buSzPct val="25000"/>
-              <a:buFont typeface="Cabin"/>
-              <a:buNone/>
-            </a:pPr>
-            <a:r>
-              <a:rPr lang="en-US" sz="3200">
-                <a:solidFill>
-                  <a:schemeClr val="lt1"/>
-                </a:solidFill>
-                <a:latin typeface="Arial" charset="0"/>
-                <a:ea typeface="Arial" charset="0"/>
-                <a:cs typeface="Arial" charset="0"/>
-                <a:sym typeface="Cabin"/>
-              </a:rPr>
-              <a:t> </a:t>
-            </a:r>
-            <a:r>
-              <a:rPr lang="en-US" sz="3200" u="none" strike="noStrike" cap="none">
-                <a:solidFill>
-                  <a:schemeClr val="lt1"/>
-                </a:solidFill>
-                <a:latin typeface="Arial" charset="0"/>
-                <a:ea typeface="Arial" charset="0"/>
-                <a:cs typeface="Arial" charset="0"/>
-                <a:sym typeface="Cabin"/>
-              </a:rPr>
-              <a:t>183</a:t>
-            </a:r>
-          </a:p>
-        </p:txBody>
-      </p:sp>
-      <p:sp>
-        <p:nvSpPr>
-          <p:cNvPr id="279" name="Shape 279"/>
-          <p:cNvSpPr txBox="1"/>
-          <p:nvPr/>
-        </p:nvSpPr>
-        <p:spPr>
-          <a:xfrm>
-            <a:off x="13773945" y="2417699"/>
-            <a:ext cx="647700" cy="774599"/>
-          </a:xfrm>
-          <a:prstGeom prst="rect">
-            <a:avLst/>
-          </a:prstGeom>
-          <a:noFill/>
-          <a:ln>
-            <a:noFill/>
-          </a:ln>
-        </p:spPr>
-        <p:txBody>
-          <a:bodyPr lIns="0" tIns="0" rIns="0" bIns="0" anchor="ctr" anchorCtr="0">
-            <a:noAutofit/>
-          </a:bodyPr>
-          <a:lstStyle/>
-          <a:p>
-            <a:pPr marL="0" marR="0" lvl="0" indent="0" algn="ctr" rtl="0">
-              <a:lnSpc>
-                <a:spcPct val="100000"/>
-              </a:lnSpc>
-              <a:spcBef>
-                <a:spcPts val="0"/>
-              </a:spcBef>
-              <a:spcAft>
-                <a:spcPts val="0"/>
-              </a:spcAft>
-              <a:buClr>
-                <a:srgbClr val="00FF00"/>
-              </a:buClr>
-              <a:buSzPct val="25000"/>
-              <a:buFont typeface="Cabin"/>
-              <a:buNone/>
-            </a:pPr>
-            <a:r>
-              <a:rPr lang="en-US" sz="3200" u="none" strike="noStrike" cap="none">
-                <a:solidFill>
-                  <a:srgbClr val="00FF00"/>
-                </a:solidFill>
-                <a:latin typeface="Arial" charset="0"/>
-                <a:ea typeface="Arial" charset="0"/>
-                <a:cs typeface="Arial" charset="0"/>
-                <a:sym typeface="Cabin"/>
-              </a:rPr>
-              <a:t>l</a:t>
-            </a:r>
-            <a:r>
-              <a:rPr lang="en-US" sz="3200">
-                <a:solidFill>
-                  <a:srgbClr val="00FF00"/>
-                </a:solidFill>
-                <a:latin typeface="Arial" charset="0"/>
-                <a:ea typeface="Arial" charset="0"/>
-                <a:cs typeface="Arial" charset="0"/>
-                <a:sym typeface="Cabin"/>
-              </a:rPr>
-              <a:t>st</a:t>
-            </a:r>
-          </a:p>
-        </p:txBody>
-      </p:sp>
-      <p:sp>
-        <p:nvSpPr>
-          <p:cNvPr id="280" name="Shape 280"/>
-          <p:cNvSpPr txBox="1"/>
-          <p:nvPr/>
-        </p:nvSpPr>
-        <p:spPr>
-          <a:xfrm>
-            <a:off x="10202070" y="1465199"/>
-            <a:ext cx="798600" cy="622199"/>
-          </a:xfrm>
-          <a:prstGeom prst="rect">
-            <a:avLst/>
-          </a:prstGeom>
-          <a:noFill/>
-          <a:ln>
-            <a:noFill/>
-          </a:ln>
-        </p:spPr>
-        <p:txBody>
-          <a:bodyPr lIns="0" tIns="0" rIns="0" bIns="0" anchor="ctr" anchorCtr="0">
-            <a:noAutofit/>
-          </a:bodyPr>
-          <a:lstStyle/>
-          <a:p>
-            <a:pPr marL="0" marR="0" lvl="0" indent="0" algn="ctr" rtl="0">
-              <a:lnSpc>
-                <a:spcPct val="100000"/>
-              </a:lnSpc>
-              <a:spcBef>
-                <a:spcPts val="0"/>
-              </a:spcBef>
-              <a:spcAft>
-                <a:spcPts val="0"/>
-              </a:spcAft>
-              <a:buClr>
-                <a:srgbClr val="FF7F00"/>
-              </a:buClr>
-              <a:buSzPct val="25000"/>
-              <a:buFont typeface="Cabin"/>
-              <a:buNone/>
-            </a:pPr>
-            <a:r>
-              <a:rPr lang="en-US" sz="3200" u="none" strike="noStrike" cap="none">
-                <a:solidFill>
-                  <a:srgbClr val="FF7F00"/>
-                </a:solidFill>
-                <a:latin typeface="Arial" charset="0"/>
-                <a:ea typeface="Arial" charset="0"/>
-                <a:cs typeface="Arial" charset="0"/>
-                <a:sym typeface="Cabin"/>
-              </a:rPr>
-              <a:t>Key</a:t>
-            </a:r>
-          </a:p>
-        </p:txBody>
-      </p:sp>
-      <p:sp>
-        <p:nvSpPr>
-          <p:cNvPr id="281" name="Shape 281"/>
-          <p:cNvSpPr txBox="1"/>
-          <p:nvPr/>
-        </p:nvSpPr>
-        <p:spPr>
-          <a:xfrm>
-            <a:off x="11622881" y="1465199"/>
-            <a:ext cx="1106487" cy="622299"/>
-          </a:xfrm>
-          <a:prstGeom prst="rect">
-            <a:avLst/>
-          </a:prstGeom>
-          <a:noFill/>
-          <a:ln>
-            <a:noFill/>
-          </a:ln>
-        </p:spPr>
-        <p:txBody>
-          <a:bodyPr lIns="0" tIns="0" rIns="0" bIns="0" anchor="ctr" anchorCtr="0">
-            <a:noAutofit/>
-          </a:bodyPr>
-          <a:lstStyle/>
-          <a:p>
-            <a:pPr marL="0" marR="0" lvl="0" indent="0" algn="ctr" rtl="0">
-              <a:lnSpc>
-                <a:spcPct val="100000"/>
-              </a:lnSpc>
-              <a:spcBef>
-                <a:spcPts val="0"/>
-              </a:spcBef>
-              <a:spcAft>
-                <a:spcPts val="0"/>
-              </a:spcAft>
-              <a:buClr>
-                <a:srgbClr val="FFFF00"/>
-              </a:buClr>
-              <a:buSzPct val="25000"/>
-              <a:buFont typeface="Cabin"/>
-              <a:buNone/>
-            </a:pPr>
-            <a:r>
-              <a:rPr lang="en-US" sz="3200" u="none" strike="noStrike" cap="none">
-                <a:solidFill>
-                  <a:srgbClr val="FFFF00"/>
-                </a:solidFill>
-                <a:latin typeface="Arial" charset="0"/>
-                <a:ea typeface="Arial" charset="0"/>
-                <a:cs typeface="Arial" charset="0"/>
-                <a:sym typeface="Cabin"/>
-              </a:rPr>
-              <a:t>Value</a:t>
-            </a:r>
-          </a:p>
-        </p:txBody>
-      </p:sp>
-      <p:sp>
-        <p:nvSpPr>
-          <p:cNvPr id="282" name="Shape 282"/>
-          <p:cNvSpPr txBox="1"/>
-          <p:nvPr/>
-        </p:nvSpPr>
-        <p:spPr>
-          <a:xfrm>
-            <a:off x="9442540" y="7153208"/>
-            <a:ext cx="1847699" cy="622199"/>
-          </a:xfrm>
-          <a:prstGeom prst="rect">
-            <a:avLst/>
-          </a:prstGeom>
-          <a:noFill/>
-          <a:ln>
-            <a:noFill/>
-          </a:ln>
-        </p:spPr>
-        <p:txBody>
-          <a:bodyPr lIns="0" tIns="0" rIns="0" bIns="0" anchor="ctr" anchorCtr="0">
-            <a:noAutofit/>
-          </a:bodyPr>
-          <a:lstStyle/>
-          <a:p>
-            <a:pPr marL="0" marR="0" lvl="0" indent="0" algn="r" rtl="0">
-              <a:lnSpc>
-                <a:spcPct val="100000"/>
-              </a:lnSpc>
-              <a:spcBef>
-                <a:spcPts val="0"/>
-              </a:spcBef>
-              <a:spcAft>
-                <a:spcPts val="0"/>
-              </a:spcAft>
-              <a:buClr>
-                <a:srgbClr val="FF7F00"/>
-              </a:buClr>
-              <a:buSzPct val="25000"/>
-              <a:buFont typeface="Cabin"/>
-              <a:buNone/>
-            </a:pPr>
-            <a:r>
-              <a:rPr lang="en-US" sz="3200" u="none" strike="noStrike" cap="none">
-                <a:solidFill>
-                  <a:srgbClr val="FF7F00"/>
-                </a:solidFill>
-                <a:latin typeface="Arial" charset="0"/>
-                <a:ea typeface="Arial" charset="0"/>
-                <a:cs typeface="Arial" charset="0"/>
-                <a:sym typeface="Cabin"/>
-              </a:rPr>
-              <a:t>['course']</a:t>
-            </a:r>
-          </a:p>
-        </p:txBody>
-      </p:sp>
-      <p:sp>
-        <p:nvSpPr>
-          <p:cNvPr id="283" name="Shape 283"/>
-          <p:cNvSpPr txBox="1"/>
-          <p:nvPr/>
-        </p:nvSpPr>
-        <p:spPr>
-          <a:xfrm>
-            <a:off x="11814265" y="7140508"/>
-            <a:ext cx="947699" cy="647700"/>
-          </a:xfrm>
-          <a:prstGeom prst="rect">
-            <a:avLst/>
-          </a:prstGeom>
-          <a:noFill/>
-          <a:ln w="25400" cap="rnd" cmpd="sng">
-            <a:solidFill>
-              <a:srgbClr val="FFFF00"/>
-            </a:solidFill>
-            <a:prstDash val="solid"/>
-            <a:miter/>
-            <a:headEnd type="none" w="med" len="med"/>
-            <a:tailEnd type="none" w="med" len="med"/>
-          </a:ln>
-        </p:spPr>
-        <p:txBody>
-          <a:bodyPr lIns="0" tIns="0" rIns="0" bIns="0" anchor="ctr" anchorCtr="0">
-            <a:noAutofit/>
-          </a:bodyPr>
-          <a:lstStyle/>
-          <a:p>
-            <a:pPr marL="0" marR="0" lvl="0" indent="0" algn="l" rtl="0">
-              <a:lnSpc>
-                <a:spcPct val="100000"/>
-              </a:lnSpc>
-              <a:spcBef>
-                <a:spcPts val="0"/>
-              </a:spcBef>
-              <a:spcAft>
-                <a:spcPts val="0"/>
-              </a:spcAft>
-              <a:buClr>
-                <a:schemeClr val="lt1"/>
-              </a:buClr>
-              <a:buSzPct val="25000"/>
-              <a:buFont typeface="Cabin"/>
-              <a:buNone/>
-            </a:pPr>
-            <a:r>
-              <a:rPr lang="en-US" sz="3200">
-                <a:solidFill>
-                  <a:schemeClr val="lt1"/>
-                </a:solidFill>
-                <a:latin typeface="Arial" charset="0"/>
-                <a:ea typeface="Arial" charset="0"/>
-                <a:cs typeface="Arial" charset="0"/>
-                <a:sym typeface="Cabin"/>
-              </a:rPr>
-              <a:t> </a:t>
-            </a:r>
-            <a:r>
-              <a:rPr lang="en-US" sz="3200" u="none" strike="noStrike" cap="none">
-                <a:solidFill>
-                  <a:schemeClr val="lt1"/>
-                </a:solidFill>
-                <a:latin typeface="Arial" charset="0"/>
-                <a:ea typeface="Arial" charset="0"/>
-                <a:cs typeface="Arial" charset="0"/>
-                <a:sym typeface="Cabin"/>
-              </a:rPr>
-              <a:t>18</a:t>
-            </a:r>
-            <a:r>
-              <a:rPr lang="en-US" sz="3200">
-                <a:solidFill>
-                  <a:schemeClr val="lt1"/>
-                </a:solidFill>
-                <a:latin typeface="Arial" charset="0"/>
-                <a:ea typeface="Arial" charset="0"/>
-                <a:cs typeface="Arial" charset="0"/>
-                <a:sym typeface="Cabin"/>
-              </a:rPr>
-              <a:t>2</a:t>
-            </a:r>
-          </a:p>
-        </p:txBody>
-      </p:sp>
-      <p:sp>
-        <p:nvSpPr>
-          <p:cNvPr id="286" name="Shape 286"/>
-          <p:cNvSpPr txBox="1"/>
-          <p:nvPr/>
-        </p:nvSpPr>
-        <p:spPr>
-          <a:xfrm>
-            <a:off x="13608845" y="6569007"/>
-            <a:ext cx="996950" cy="774700"/>
-          </a:xfrm>
-          <a:prstGeom prst="rect">
-            <a:avLst/>
-          </a:prstGeom>
-          <a:noFill/>
-          <a:ln>
-            <a:noFill/>
-          </a:ln>
-        </p:spPr>
-        <p:txBody>
-          <a:bodyPr lIns="0" tIns="0" rIns="0" bIns="0" anchor="ctr" anchorCtr="0">
-            <a:noAutofit/>
-          </a:bodyPr>
-          <a:lstStyle/>
-          <a:p>
-            <a:pPr marL="0" marR="0" lvl="0" indent="0" algn="ctr" rtl="0">
-              <a:lnSpc>
-                <a:spcPct val="100000"/>
-              </a:lnSpc>
-              <a:spcBef>
-                <a:spcPts val="0"/>
-              </a:spcBef>
-              <a:spcAft>
-                <a:spcPts val="0"/>
-              </a:spcAft>
-              <a:buClr>
-                <a:srgbClr val="FF00FF"/>
-              </a:buClr>
-              <a:buSzPct val="25000"/>
-              <a:buFont typeface="Cabin"/>
-              <a:buNone/>
-            </a:pPr>
-            <a:r>
-              <a:rPr lang="en-US" sz="3200" u="none" strike="noStrike" cap="none">
-                <a:solidFill>
-                  <a:srgbClr val="FF00FF"/>
-                </a:solidFill>
-                <a:latin typeface="Arial" charset="0"/>
-                <a:ea typeface="Arial" charset="0"/>
-                <a:cs typeface="Arial" charset="0"/>
-                <a:sym typeface="Cabin"/>
-              </a:rPr>
-              <a:t>ddd</a:t>
-            </a:r>
-          </a:p>
-        </p:txBody>
-      </p:sp>
-      <p:sp>
-        <p:nvSpPr>
-          <p:cNvPr id="287" name="Shape 287"/>
-          <p:cNvSpPr txBox="1"/>
-          <p:nvPr/>
-        </p:nvSpPr>
-        <p:spPr>
-          <a:xfrm>
-            <a:off x="10329070" y="5565707"/>
-            <a:ext cx="798512" cy="622299"/>
-          </a:xfrm>
-          <a:prstGeom prst="rect">
-            <a:avLst/>
-          </a:prstGeom>
-          <a:noFill/>
-          <a:ln>
-            <a:noFill/>
-          </a:ln>
-        </p:spPr>
-        <p:txBody>
-          <a:bodyPr lIns="0" tIns="0" rIns="0" bIns="0" anchor="ctr" anchorCtr="0">
-            <a:noAutofit/>
-          </a:bodyPr>
-          <a:lstStyle/>
-          <a:p>
-            <a:pPr marL="0" marR="0" lvl="0" indent="0" algn="ctr" rtl="0">
-              <a:lnSpc>
-                <a:spcPct val="100000"/>
-              </a:lnSpc>
-              <a:spcBef>
-                <a:spcPts val="0"/>
-              </a:spcBef>
-              <a:spcAft>
-                <a:spcPts val="0"/>
-              </a:spcAft>
-              <a:buClr>
-                <a:srgbClr val="FF7F00"/>
-              </a:buClr>
-              <a:buSzPct val="25000"/>
-              <a:buFont typeface="Cabin"/>
-              <a:buNone/>
-            </a:pPr>
-            <a:r>
-              <a:rPr lang="en-US" sz="3200" u="none" strike="noStrike" cap="none">
-                <a:solidFill>
-                  <a:srgbClr val="FF7F00"/>
-                </a:solidFill>
-                <a:latin typeface="Arial" charset="0"/>
-                <a:ea typeface="Arial" charset="0"/>
-                <a:cs typeface="Arial" charset="0"/>
-                <a:sym typeface="Cabin"/>
-              </a:rPr>
-              <a:t>Key</a:t>
-            </a:r>
-          </a:p>
-        </p:txBody>
-      </p:sp>
-      <p:sp>
-        <p:nvSpPr>
-          <p:cNvPr id="288" name="Shape 288"/>
-          <p:cNvSpPr txBox="1"/>
-          <p:nvPr/>
-        </p:nvSpPr>
-        <p:spPr>
-          <a:xfrm>
-            <a:off x="11749882" y="5565707"/>
-            <a:ext cx="1106400" cy="622199"/>
-          </a:xfrm>
-          <a:prstGeom prst="rect">
-            <a:avLst/>
-          </a:prstGeom>
-          <a:noFill/>
-          <a:ln>
-            <a:noFill/>
-          </a:ln>
-        </p:spPr>
-        <p:txBody>
-          <a:bodyPr lIns="0" tIns="0" rIns="0" bIns="0" anchor="ctr" anchorCtr="0">
-            <a:noAutofit/>
-          </a:bodyPr>
-          <a:lstStyle/>
-          <a:p>
-            <a:pPr marL="0" marR="0" lvl="0" indent="0" algn="ctr" rtl="0">
-              <a:lnSpc>
-                <a:spcPct val="100000"/>
-              </a:lnSpc>
-              <a:spcBef>
-                <a:spcPts val="0"/>
-              </a:spcBef>
-              <a:spcAft>
-                <a:spcPts val="0"/>
-              </a:spcAft>
-              <a:buClr>
-                <a:srgbClr val="FFFF00"/>
-              </a:buClr>
-              <a:buSzPct val="25000"/>
-              <a:buFont typeface="Cabin"/>
-              <a:buNone/>
-            </a:pPr>
-            <a:r>
-              <a:rPr lang="en-US" sz="3200" u="none" strike="noStrike" cap="none">
-                <a:solidFill>
-                  <a:srgbClr val="FFFF00"/>
-                </a:solidFill>
-                <a:latin typeface="Arial" charset="0"/>
-                <a:ea typeface="Arial" charset="0"/>
-                <a:cs typeface="Arial" charset="0"/>
-                <a:sym typeface="Cabin"/>
-              </a:rPr>
-              <a:t>Value</a:t>
-            </a:r>
-          </a:p>
-        </p:txBody>
-      </p:sp>
-      <p:sp>
-        <p:nvSpPr>
-          <p:cNvPr id="289" name="Shape 289"/>
-          <p:cNvSpPr txBox="1"/>
-          <p:nvPr/>
-        </p:nvSpPr>
-        <p:spPr>
-          <a:xfrm>
-            <a:off x="10838656" y="779399"/>
-            <a:ext cx="947737" cy="774700"/>
-          </a:xfrm>
-          <a:prstGeom prst="rect">
-            <a:avLst/>
-          </a:prstGeom>
-          <a:noFill/>
-          <a:ln>
-            <a:noFill/>
-          </a:ln>
-        </p:spPr>
-        <p:txBody>
-          <a:bodyPr lIns="0" tIns="0" rIns="0" bIns="0" anchor="ctr" anchorCtr="0">
-            <a:noAutofit/>
-          </a:bodyPr>
-          <a:lstStyle/>
-          <a:p>
-            <a:pPr marL="0" marR="0" lvl="0" indent="0" algn="ctr" rtl="0">
-              <a:lnSpc>
-                <a:spcPct val="100000"/>
-              </a:lnSpc>
-              <a:spcBef>
-                <a:spcPts val="0"/>
-              </a:spcBef>
-              <a:spcAft>
-                <a:spcPts val="0"/>
-              </a:spcAft>
-              <a:buClr>
-                <a:srgbClr val="00FF00"/>
-              </a:buClr>
-              <a:buSzPct val="25000"/>
-              <a:buFont typeface="Cabin"/>
-              <a:buNone/>
-            </a:pPr>
-            <a:r>
-              <a:rPr lang="en-US" sz="3200" u="none" strike="noStrike" cap="none">
-                <a:solidFill>
-                  <a:srgbClr val="00FF00"/>
-                </a:solidFill>
-                <a:latin typeface="Arial" charset="0"/>
-                <a:ea typeface="Arial" charset="0"/>
-                <a:cs typeface="Arial" charset="0"/>
-                <a:sym typeface="Cabin"/>
-              </a:rPr>
-              <a:t>List</a:t>
-            </a:r>
-          </a:p>
-        </p:txBody>
-      </p:sp>
-      <p:sp>
-        <p:nvSpPr>
-          <p:cNvPr id="290" name="Shape 290"/>
-          <p:cNvSpPr txBox="1"/>
-          <p:nvPr/>
-        </p:nvSpPr>
-        <p:spPr>
-          <a:xfrm>
-            <a:off x="10100470" y="4765607"/>
-            <a:ext cx="2627400" cy="774599"/>
-          </a:xfrm>
-          <a:prstGeom prst="rect">
-            <a:avLst/>
-          </a:prstGeom>
-          <a:noFill/>
-          <a:ln>
-            <a:noFill/>
-          </a:ln>
-        </p:spPr>
-        <p:txBody>
-          <a:bodyPr lIns="0" tIns="0" rIns="0" bIns="0" anchor="ctr" anchorCtr="0">
-            <a:noAutofit/>
-          </a:bodyPr>
-          <a:lstStyle/>
-          <a:p>
-            <a:pPr marL="0" marR="0" lvl="0" indent="0" algn="ctr" rtl="0">
-              <a:lnSpc>
-                <a:spcPct val="100000"/>
-              </a:lnSpc>
-              <a:spcBef>
-                <a:spcPts val="0"/>
-              </a:spcBef>
-              <a:spcAft>
-                <a:spcPts val="0"/>
-              </a:spcAft>
-              <a:buClr>
-                <a:srgbClr val="FF00FF"/>
-              </a:buClr>
-              <a:buSzPct val="25000"/>
-              <a:buFont typeface="Cabin"/>
-              <a:buNone/>
-            </a:pPr>
-            <a:r>
-              <a:rPr lang="en-US" sz="3200" u="none" strike="noStrike" cap="none">
-                <a:solidFill>
-                  <a:srgbClr val="FF00FF"/>
-                </a:solidFill>
-                <a:latin typeface="Arial" charset="0"/>
-                <a:ea typeface="Arial" charset="0"/>
-                <a:cs typeface="Arial" charset="0"/>
-                <a:sym typeface="Cabin"/>
-              </a:rPr>
-              <a:t>Dictionary</a:t>
-            </a:r>
-          </a:p>
-        </p:txBody>
-      </p:sp>
-      <p:sp>
-        <p:nvSpPr>
-          <p:cNvPr id="4" name="Shape 284">
-            <a:extLst>
-              <a:ext uri="{FF2B5EF4-FFF2-40B4-BE49-F238E27FC236}">
-                <a16:creationId xmlns:a16="http://schemas.microsoft.com/office/drawing/2014/main" id="{C128BC83-F767-A6C5-2E81-E8D09907BC41}"/>
-              </a:ext>
-            </a:extLst>
-          </p:cNvPr>
-          <p:cNvSpPr txBox="1"/>
-          <p:nvPr/>
-        </p:nvSpPr>
-        <p:spPr>
-          <a:xfrm>
-            <a:off x="10055846" y="6340408"/>
-            <a:ext cx="1200299" cy="622199"/>
-          </a:xfrm>
-          <a:prstGeom prst="rect">
-            <a:avLst/>
-          </a:prstGeom>
-          <a:noFill/>
-          <a:ln>
-            <a:noFill/>
-          </a:ln>
-        </p:spPr>
-        <p:txBody>
-          <a:bodyPr lIns="0" tIns="0" rIns="0" bIns="0" anchor="ctr" anchorCtr="0">
-            <a:noAutofit/>
-          </a:bodyPr>
-          <a:lstStyle/>
-          <a:p>
-            <a:pPr marL="0" marR="0" lvl="0" indent="0" algn="r" rtl="0">
-              <a:lnSpc>
-                <a:spcPct val="100000"/>
-              </a:lnSpc>
-              <a:spcBef>
-                <a:spcPts val="0"/>
-              </a:spcBef>
-              <a:spcAft>
-                <a:spcPts val="0"/>
-              </a:spcAft>
-              <a:buClr>
-                <a:srgbClr val="FF7F00"/>
-              </a:buClr>
-              <a:buSzPct val="25000"/>
-              <a:buFont typeface="Cabin"/>
-              <a:buNone/>
-            </a:pPr>
-            <a:r>
-              <a:rPr lang="en-US" sz="3200" u="none" strike="noStrike" cap="none">
-                <a:solidFill>
-                  <a:srgbClr val="FF7F00"/>
-                </a:solidFill>
-                <a:latin typeface="Arial" charset="0"/>
-                <a:ea typeface="Arial" charset="0"/>
-                <a:cs typeface="Arial" charset="0"/>
-                <a:sym typeface="Cabin"/>
-              </a:rPr>
-              <a:t>['age']</a:t>
-            </a:r>
-          </a:p>
-        </p:txBody>
-      </p:sp>
-      <p:sp>
-        <p:nvSpPr>
-          <p:cNvPr id="5" name="Shape 285">
-            <a:extLst>
-              <a:ext uri="{FF2B5EF4-FFF2-40B4-BE49-F238E27FC236}">
-                <a16:creationId xmlns:a16="http://schemas.microsoft.com/office/drawing/2014/main" id="{BCA962B4-01F0-A7EE-E6F4-9CE9999175C7}"/>
-              </a:ext>
-            </a:extLst>
-          </p:cNvPr>
-          <p:cNvSpPr txBox="1"/>
-          <p:nvPr/>
-        </p:nvSpPr>
-        <p:spPr>
-          <a:xfrm>
-            <a:off x="11779871" y="6327708"/>
-            <a:ext cx="597000" cy="647700"/>
-          </a:xfrm>
-          <a:prstGeom prst="rect">
-            <a:avLst/>
-          </a:prstGeom>
-          <a:noFill/>
-          <a:ln w="25400" cap="rnd" cmpd="sng">
-            <a:solidFill>
-              <a:srgbClr val="FFFF00"/>
-            </a:solidFill>
-            <a:prstDash val="solid"/>
-            <a:miter/>
-            <a:headEnd type="none" w="med" len="med"/>
-            <a:tailEnd type="none" w="med" len="med"/>
-          </a:ln>
-        </p:spPr>
-        <p:txBody>
-          <a:bodyPr lIns="0" tIns="0" rIns="0" bIns="0" anchor="ctr" anchorCtr="0">
-            <a:noAutofit/>
-          </a:bodyPr>
-          <a:lstStyle/>
-          <a:p>
-            <a:pPr marL="0" marR="0" lvl="0" indent="0" algn="l" rtl="0">
-              <a:lnSpc>
-                <a:spcPct val="100000"/>
-              </a:lnSpc>
-              <a:spcBef>
-                <a:spcPts val="0"/>
-              </a:spcBef>
-              <a:spcAft>
-                <a:spcPts val="0"/>
-              </a:spcAft>
-              <a:buClr>
-                <a:schemeClr val="lt1"/>
-              </a:buClr>
-              <a:buSzPct val="25000"/>
-              <a:buFont typeface="Cabin"/>
-              <a:buNone/>
-            </a:pPr>
-            <a:r>
-              <a:rPr lang="en-US" sz="3200">
-                <a:solidFill>
-                  <a:schemeClr val="lt1"/>
-                </a:solidFill>
-                <a:latin typeface="Arial" charset="0"/>
-                <a:ea typeface="Arial" charset="0"/>
-                <a:cs typeface="Arial" charset="0"/>
-                <a:sym typeface="Cabin"/>
-              </a:rPr>
-              <a:t> </a:t>
-            </a:r>
-            <a:r>
-              <a:rPr lang="en-US" sz="3200" u="none" strike="noStrike" cap="none">
-                <a:solidFill>
-                  <a:schemeClr val="lt1"/>
-                </a:solidFill>
-                <a:latin typeface="Arial" charset="0"/>
-                <a:ea typeface="Arial" charset="0"/>
-                <a:cs typeface="Arial" charset="0"/>
-                <a:sym typeface="Cabin"/>
-              </a:rPr>
-              <a:t>21</a:t>
             </a:r>
           </a:p>
         </p:txBody>
@@ -16071,798 +15207,6 @@
   <p:cSld>
     <p:spTree>
       <p:nvGrpSpPr>
-        <p:cNvPr id="1" name="Shape 412"/>
-        <p:cNvGrpSpPr/>
-        <p:nvPr/>
-      </p:nvGrpSpPr>
-      <p:grpSpPr>
-        <a:xfrm>
-          <a:off x="0" y="0"/>
-          <a:ext cx="0" cy="0"/>
-          <a:chOff x="0" y="0"/>
-          <a:chExt cx="0" cy="0"/>
-        </a:xfrm>
-      </p:grpSpPr>
-      <p:pic>
-        <p:nvPicPr>
-          <p:cNvPr id="413" name="Shape 413"/>
-          <p:cNvPicPr preferRelativeResize="0"/>
-          <p:nvPr/>
-        </p:nvPicPr>
-        <p:blipFill rotWithShape="1">
-          <a:blip r:embed="rId3">
-            <a:alphaModFix/>
-          </a:blip>
-          <a:srcRect/>
-          <a:stretch/>
-        </p:blipFill>
-        <p:spPr>
-          <a:xfrm>
-            <a:off x="11260136" y="3187700"/>
-            <a:ext cx="4638674" cy="3467099"/>
-          </a:xfrm>
-          <a:prstGeom prst="rect">
-            <a:avLst/>
-          </a:prstGeom>
-          <a:noFill/>
-          <a:ln>
-            <a:noFill/>
-          </a:ln>
-        </p:spPr>
-      </p:pic>
-      <p:sp>
-        <p:nvSpPr>
-          <p:cNvPr id="414" name="Shape 414"/>
-          <p:cNvSpPr txBox="1"/>
-          <p:nvPr/>
-        </p:nvSpPr>
-        <p:spPr>
-          <a:xfrm>
-            <a:off x="3020973" y="7302601"/>
-            <a:ext cx="10558500" cy="622199"/>
-          </a:xfrm>
-          <a:prstGeom prst="rect">
-            <a:avLst/>
-          </a:prstGeom>
-          <a:noFill/>
-          <a:ln>
-            <a:noFill/>
-          </a:ln>
-        </p:spPr>
-        <p:txBody>
-          <a:bodyPr lIns="0" tIns="0" rIns="0" bIns="0" anchor="ctr" anchorCtr="0">
-            <a:noAutofit/>
-          </a:bodyPr>
-          <a:lstStyle/>
-          <a:p>
-            <a:pPr marL="0" marR="0" lvl="0" indent="0" algn="ctr" rtl="0">
-              <a:lnSpc>
-                <a:spcPct val="100000"/>
-              </a:lnSpc>
-              <a:spcBef>
-                <a:spcPts val="0"/>
-              </a:spcBef>
-              <a:spcAft>
-                <a:spcPts val="0"/>
-              </a:spcAft>
-              <a:buClr>
-                <a:srgbClr val="FFFF00"/>
-              </a:buClr>
-              <a:buSzPct val="25000"/>
-              <a:buFont typeface="Cabin"/>
-              <a:buNone/>
-            </a:pPr>
-            <a:endParaRPr lang="en-US" sz="3000" u="sng" strike="noStrike" cap="none" dirty="0">
-              <a:solidFill>
-                <a:srgbClr val="FFFF00"/>
-              </a:solidFill>
-              <a:latin typeface="Arial" charset="0"/>
-              <a:ea typeface="Arial" charset="0"/>
-              <a:cs typeface="Arial" charset="0"/>
-              <a:sym typeface="Cabin"/>
-              <a:hlinkClick r:id="rId4"/>
-            </a:endParaRPr>
-          </a:p>
-        </p:txBody>
-      </p:sp>
-      <p:sp>
-        <p:nvSpPr>
-          <p:cNvPr id="415" name="Shape 415"/>
-          <p:cNvSpPr txBox="1"/>
-          <p:nvPr/>
-        </p:nvSpPr>
-        <p:spPr>
-          <a:xfrm>
-            <a:off x="508000" y="3810000"/>
-            <a:ext cx="10558462" cy="2154236"/>
-          </a:xfrm>
-          <a:prstGeom prst="rect">
-            <a:avLst/>
-          </a:prstGeom>
-          <a:noFill/>
-          <a:ln>
-            <a:noFill/>
-          </a:ln>
-        </p:spPr>
-        <p:txBody>
-          <a:bodyPr lIns="0" tIns="0" rIns="0" bIns="0" anchor="ctr" anchorCtr="0">
-            <a:noAutofit/>
-          </a:bodyPr>
-          <a:lstStyle/>
-          <a:p>
-            <a:pPr marL="0" marR="0" lvl="0" indent="0" algn="l" rtl="0">
-              <a:lnSpc>
-                <a:spcPct val="100000"/>
-              </a:lnSpc>
-              <a:spcBef>
-                <a:spcPts val="0"/>
-              </a:spcBef>
-              <a:spcAft>
-                <a:spcPts val="0"/>
-              </a:spcAft>
-              <a:buClr>
-                <a:srgbClr val="00FF00"/>
-              </a:buClr>
-              <a:buSzPct val="25000"/>
-              <a:buFont typeface="Courier New"/>
-              <a:buNone/>
-            </a:pPr>
-            <a:r>
-              <a:rPr lang="en-US" sz="2800" b="1" i="0" u="none" strike="noStrike" cap="none" dirty="0">
-                <a:solidFill>
-                  <a:srgbClr val="00FF00"/>
-                </a:solidFill>
-                <a:latin typeface="Courier"/>
-                <a:ea typeface="Courier"/>
-                <a:cs typeface="Courier"/>
-                <a:sym typeface="Courier New"/>
-              </a:rPr>
-              <a:t>counts</a:t>
-            </a:r>
-            <a:r>
-              <a:rPr lang="en-US" sz="2800" b="1" i="0" u="none" strike="noStrike" cap="none" dirty="0">
-                <a:solidFill>
-                  <a:schemeClr val="lt1"/>
-                </a:solidFill>
-                <a:latin typeface="Courier"/>
-                <a:ea typeface="Courier"/>
-                <a:cs typeface="Courier"/>
-                <a:sym typeface="Courier New"/>
-              </a:rPr>
-              <a:t> = </a:t>
-            </a:r>
-            <a:r>
-              <a:rPr lang="en-US" sz="2800" b="1" i="0" u="none" strike="noStrike" cap="none" dirty="0" err="1">
-                <a:solidFill>
-                  <a:srgbClr val="FF00FF"/>
-                </a:solidFill>
-                <a:latin typeface="Courier"/>
-                <a:ea typeface="Courier"/>
-                <a:cs typeface="Courier"/>
-                <a:sym typeface="Courier New"/>
-              </a:rPr>
-              <a:t>dict</a:t>
-            </a:r>
-            <a:r>
-              <a:rPr lang="en-US" sz="2800" b="1" i="0" u="none" strike="noStrike" cap="none" dirty="0">
-                <a:solidFill>
-                  <a:schemeClr val="lt1"/>
-                </a:solidFill>
-                <a:latin typeface="Courier"/>
-                <a:ea typeface="Courier"/>
-                <a:cs typeface="Courier"/>
-                <a:sym typeface="Courier New"/>
-              </a:rPr>
-              <a:t>()</a:t>
-            </a:r>
-          </a:p>
-          <a:p>
-            <a:pPr marL="0" marR="0" lvl="0" indent="0" algn="l" rtl="0">
-              <a:lnSpc>
-                <a:spcPct val="100000"/>
-              </a:lnSpc>
-              <a:spcBef>
-                <a:spcPts val="0"/>
-              </a:spcBef>
-              <a:spcAft>
-                <a:spcPts val="0"/>
-              </a:spcAft>
-              <a:buClr>
-                <a:srgbClr val="00FF00"/>
-              </a:buClr>
-              <a:buSzPct val="25000"/>
-              <a:buFont typeface="Courier New"/>
-              <a:buNone/>
-            </a:pPr>
-            <a:r>
-              <a:rPr lang="en-US" sz="2800" b="1" i="0" u="none" strike="noStrike" cap="none" dirty="0">
-                <a:solidFill>
-                  <a:srgbClr val="00FF00"/>
-                </a:solidFill>
-                <a:latin typeface="Courier"/>
-                <a:ea typeface="Courier"/>
-                <a:cs typeface="Courier"/>
-                <a:sym typeface="Courier New"/>
-              </a:rPr>
-              <a:t>names</a:t>
-            </a:r>
-            <a:r>
-              <a:rPr lang="en-US" sz="2800" b="1" i="0" u="none" strike="noStrike" cap="none" dirty="0">
-                <a:solidFill>
-                  <a:schemeClr val="lt1"/>
-                </a:solidFill>
-                <a:latin typeface="Courier"/>
-                <a:ea typeface="Courier"/>
-                <a:cs typeface="Courier"/>
-                <a:sym typeface="Courier New"/>
-              </a:rPr>
-              <a:t> = ['</a:t>
-            </a:r>
-            <a:r>
-              <a:rPr lang="en-US" sz="2800" b="1" i="0" u="none" strike="noStrike" cap="none" dirty="0" err="1">
-                <a:solidFill>
-                  <a:schemeClr val="lt1"/>
-                </a:solidFill>
-                <a:latin typeface="Courier"/>
-                <a:ea typeface="Courier"/>
-                <a:cs typeface="Courier"/>
-                <a:sym typeface="Courier New"/>
-              </a:rPr>
-              <a:t>csev</a:t>
-            </a:r>
-            <a:r>
-              <a:rPr lang="en-US" sz="2800" b="1" i="0" u="none" strike="noStrike" cap="none" dirty="0">
-                <a:solidFill>
-                  <a:schemeClr val="lt1"/>
-                </a:solidFill>
-                <a:latin typeface="Courier"/>
-                <a:ea typeface="Courier"/>
-                <a:cs typeface="Courier"/>
-                <a:sym typeface="Courier New"/>
-              </a:rPr>
-              <a:t>', '</a:t>
-            </a:r>
-            <a:r>
-              <a:rPr lang="en-US" sz="2800" b="1" i="0" u="none" strike="noStrike" cap="none" dirty="0" err="1">
-                <a:solidFill>
-                  <a:schemeClr val="lt1"/>
-                </a:solidFill>
-                <a:latin typeface="Courier"/>
-                <a:ea typeface="Courier"/>
-                <a:cs typeface="Courier"/>
-                <a:sym typeface="Courier New"/>
-              </a:rPr>
-              <a:t>cwen</a:t>
-            </a:r>
-            <a:r>
-              <a:rPr lang="en-US" sz="2800" b="1" i="0" u="none" strike="noStrike" cap="none" dirty="0">
-                <a:solidFill>
-                  <a:schemeClr val="lt1"/>
-                </a:solidFill>
-                <a:latin typeface="Courier"/>
-                <a:ea typeface="Courier"/>
-                <a:cs typeface="Courier"/>
-                <a:sym typeface="Courier New"/>
-              </a:rPr>
-              <a:t>', '</a:t>
-            </a:r>
-            <a:r>
-              <a:rPr lang="en-US" sz="2800" b="1" i="0" u="none" strike="noStrike" cap="none" dirty="0" err="1">
-                <a:solidFill>
-                  <a:schemeClr val="lt1"/>
-                </a:solidFill>
-                <a:latin typeface="Courier"/>
-                <a:ea typeface="Courier"/>
-                <a:cs typeface="Courier"/>
-                <a:sym typeface="Courier New"/>
-              </a:rPr>
-              <a:t>csev</a:t>
-            </a:r>
-            <a:r>
-              <a:rPr lang="en-US" sz="2800" b="1" i="0" u="none" strike="noStrike" cap="none" dirty="0">
-                <a:solidFill>
-                  <a:schemeClr val="lt1"/>
-                </a:solidFill>
-                <a:latin typeface="Courier"/>
-                <a:ea typeface="Courier"/>
-                <a:cs typeface="Courier"/>
-                <a:sym typeface="Courier New"/>
-              </a:rPr>
-              <a:t>', '</a:t>
-            </a:r>
-            <a:r>
-              <a:rPr lang="en-US" sz="2800" b="1" i="0" u="none" strike="noStrike" cap="none" dirty="0" err="1">
-                <a:solidFill>
-                  <a:schemeClr val="lt1"/>
-                </a:solidFill>
-                <a:latin typeface="Courier"/>
-                <a:ea typeface="Courier"/>
-                <a:cs typeface="Courier"/>
-                <a:sym typeface="Courier New"/>
-              </a:rPr>
-              <a:t>zqian</a:t>
-            </a:r>
-            <a:r>
-              <a:rPr lang="en-US" sz="2800" b="1" i="0" u="none" strike="noStrike" cap="none" dirty="0">
-                <a:solidFill>
-                  <a:schemeClr val="lt1"/>
-                </a:solidFill>
-                <a:latin typeface="Courier"/>
-                <a:ea typeface="Courier"/>
-                <a:cs typeface="Courier"/>
-                <a:sym typeface="Courier New"/>
-              </a:rPr>
-              <a:t>', '</a:t>
-            </a:r>
-            <a:r>
-              <a:rPr lang="en-US" sz="2800" b="1" i="0" u="none" strike="noStrike" cap="none" dirty="0" err="1">
-                <a:solidFill>
-                  <a:schemeClr val="lt1"/>
-                </a:solidFill>
-                <a:latin typeface="Courier"/>
-                <a:ea typeface="Courier"/>
-                <a:cs typeface="Courier"/>
-                <a:sym typeface="Courier New"/>
-              </a:rPr>
-              <a:t>cwen</a:t>
-            </a:r>
-            <a:r>
-              <a:rPr lang="en-US" sz="2800" b="1" i="0" u="none" strike="noStrike" cap="none" dirty="0">
-                <a:solidFill>
-                  <a:schemeClr val="lt1"/>
-                </a:solidFill>
-                <a:latin typeface="Courier"/>
-                <a:ea typeface="Courier"/>
-                <a:cs typeface="Courier"/>
-                <a:sym typeface="Courier New"/>
-              </a:rPr>
-              <a:t>']</a:t>
-            </a:r>
-          </a:p>
-          <a:p>
-            <a:pPr marL="0" marR="0" lvl="0" indent="0" algn="l" rtl="0">
-              <a:lnSpc>
-                <a:spcPct val="100000"/>
-              </a:lnSpc>
-              <a:spcBef>
-                <a:spcPts val="0"/>
-              </a:spcBef>
-              <a:spcAft>
-                <a:spcPts val="0"/>
-              </a:spcAft>
-              <a:buClr>
-                <a:srgbClr val="FFFF00"/>
-              </a:buClr>
-              <a:buSzPct val="25000"/>
-              <a:buFont typeface="Courier New"/>
-              <a:buNone/>
-            </a:pPr>
-            <a:r>
-              <a:rPr lang="en-US" sz="2800" b="1" i="0" u="none" strike="noStrike" cap="none" dirty="0">
-                <a:solidFill>
-                  <a:srgbClr val="FFFF00"/>
-                </a:solidFill>
-                <a:latin typeface="Courier"/>
-                <a:ea typeface="Courier"/>
-                <a:cs typeface="Courier"/>
-                <a:sym typeface="Courier New"/>
-              </a:rPr>
-              <a:t>for</a:t>
-            </a:r>
-            <a:r>
-              <a:rPr lang="en-US" sz="2800" b="1" i="0" u="none" strike="noStrike" cap="none" dirty="0">
-                <a:solidFill>
-                  <a:schemeClr val="lt1"/>
-                </a:solidFill>
-                <a:latin typeface="Courier"/>
-                <a:ea typeface="Courier"/>
-                <a:cs typeface="Courier"/>
-                <a:sym typeface="Courier New"/>
-              </a:rPr>
-              <a:t> </a:t>
-            </a:r>
-            <a:r>
-              <a:rPr lang="en-US" sz="2800" b="1" i="0" u="none" strike="noStrike" cap="none" dirty="0">
-                <a:solidFill>
-                  <a:srgbClr val="00FF00"/>
-                </a:solidFill>
-                <a:latin typeface="Courier"/>
-                <a:ea typeface="Courier"/>
-                <a:cs typeface="Courier"/>
-                <a:sym typeface="Courier New"/>
-              </a:rPr>
-              <a:t>name</a:t>
-            </a:r>
-            <a:r>
-              <a:rPr lang="en-US" sz="2800" b="1" i="0" u="none" strike="noStrike" cap="none" dirty="0">
-                <a:solidFill>
-                  <a:schemeClr val="lt1"/>
-                </a:solidFill>
-                <a:latin typeface="Courier"/>
-                <a:ea typeface="Courier"/>
-                <a:cs typeface="Courier"/>
-                <a:sym typeface="Courier New"/>
-              </a:rPr>
-              <a:t> </a:t>
-            </a:r>
-            <a:r>
-              <a:rPr lang="en-US" sz="2800" b="1" i="0" u="none" strike="noStrike" cap="none" dirty="0">
-                <a:solidFill>
-                  <a:srgbClr val="FFFF00"/>
-                </a:solidFill>
-                <a:latin typeface="Courier"/>
-                <a:ea typeface="Courier"/>
-                <a:cs typeface="Courier"/>
-                <a:sym typeface="Courier New"/>
-              </a:rPr>
-              <a:t>in</a:t>
-            </a:r>
-            <a:r>
-              <a:rPr lang="en-US" sz="2800" b="1" i="0" u="none" strike="noStrike" cap="none" dirty="0">
-                <a:solidFill>
-                  <a:schemeClr val="lt1"/>
-                </a:solidFill>
-                <a:latin typeface="Courier"/>
-                <a:ea typeface="Courier"/>
-                <a:cs typeface="Courier"/>
-                <a:sym typeface="Courier New"/>
-              </a:rPr>
-              <a:t> </a:t>
-            </a:r>
-            <a:r>
-              <a:rPr lang="en-US" sz="2800" b="1" i="0" u="none" strike="noStrike" cap="none" dirty="0">
-                <a:solidFill>
-                  <a:srgbClr val="00FF00"/>
-                </a:solidFill>
-                <a:latin typeface="Courier"/>
-                <a:ea typeface="Courier"/>
-                <a:cs typeface="Courier"/>
-                <a:sym typeface="Courier New"/>
-              </a:rPr>
-              <a:t>names</a:t>
-            </a:r>
-            <a:r>
-              <a:rPr lang="en-US" sz="2800" b="1" i="0" u="none" strike="noStrike" cap="none" dirty="0">
-                <a:solidFill>
-                  <a:schemeClr val="lt1"/>
-                </a:solidFill>
-                <a:latin typeface="Courier"/>
-                <a:ea typeface="Courier"/>
-                <a:cs typeface="Courier"/>
-                <a:sym typeface="Courier New"/>
-              </a:rPr>
-              <a:t> :</a:t>
-            </a:r>
-          </a:p>
-          <a:p>
-            <a:pPr marL="0" marR="0" lvl="0" indent="0" algn="l" rtl="0">
-              <a:lnSpc>
-                <a:spcPct val="100000"/>
-              </a:lnSpc>
-              <a:spcBef>
-                <a:spcPts val="0"/>
-              </a:spcBef>
-              <a:spcAft>
-                <a:spcPts val="0"/>
-              </a:spcAft>
-              <a:buClr>
-                <a:schemeClr val="lt1"/>
-              </a:buClr>
-              <a:buSzPct val="25000"/>
-              <a:buFont typeface="Courier New"/>
-              <a:buNone/>
-            </a:pPr>
-            <a:r>
-              <a:rPr lang="en-US" sz="2800" b="1" i="0" u="none" strike="noStrike" cap="none" dirty="0">
-                <a:solidFill>
-                  <a:schemeClr val="lt1"/>
-                </a:solidFill>
-                <a:latin typeface="Courier"/>
-                <a:ea typeface="Courier"/>
-                <a:cs typeface="Courier"/>
-                <a:sym typeface="Courier New"/>
-              </a:rPr>
-              <a:t>    </a:t>
-            </a:r>
-            <a:r>
-              <a:rPr lang="en-US" sz="2800" b="1" i="0" u="none" strike="noStrike" cap="none" dirty="0">
-                <a:solidFill>
-                  <a:srgbClr val="00FF00"/>
-                </a:solidFill>
-                <a:latin typeface="Courier"/>
-                <a:ea typeface="Courier"/>
-                <a:cs typeface="Courier"/>
-                <a:sym typeface="Courier New"/>
-              </a:rPr>
-              <a:t>counts</a:t>
-            </a:r>
-            <a:r>
-              <a:rPr lang="en-US" sz="2800" b="1" i="0" u="none" strike="noStrike" cap="none" dirty="0">
-                <a:solidFill>
-                  <a:srgbClr val="00FFFF"/>
-                </a:solidFill>
-                <a:latin typeface="Courier"/>
-                <a:ea typeface="Courier"/>
-                <a:cs typeface="Courier"/>
-                <a:sym typeface="Courier New"/>
-              </a:rPr>
-              <a:t>[name]</a:t>
-            </a:r>
-            <a:r>
-              <a:rPr lang="en-US" sz="2800" b="1" i="0" u="none" strike="noStrike" cap="none" dirty="0">
-                <a:solidFill>
-                  <a:schemeClr val="lt1"/>
-                </a:solidFill>
-                <a:latin typeface="Courier"/>
-                <a:ea typeface="Courier"/>
-                <a:cs typeface="Courier"/>
-                <a:sym typeface="Courier New"/>
-              </a:rPr>
-              <a:t> = </a:t>
-            </a:r>
-            <a:r>
-              <a:rPr lang="en-US" sz="2800" b="1" i="0" u="none" strike="noStrike" cap="none" dirty="0" err="1">
-                <a:solidFill>
-                  <a:srgbClr val="00FF00"/>
-                </a:solidFill>
-                <a:latin typeface="Courier"/>
-                <a:ea typeface="Courier"/>
-                <a:cs typeface="Courier"/>
-                <a:sym typeface="Courier New"/>
-              </a:rPr>
-              <a:t>counts</a:t>
-            </a:r>
-            <a:r>
-              <a:rPr lang="en-US" sz="2800" b="1" i="0" u="none" strike="noStrike" cap="none" dirty="0" err="1">
-                <a:solidFill>
-                  <a:srgbClr val="FF00FF"/>
-                </a:solidFill>
-                <a:latin typeface="Courier"/>
-                <a:ea typeface="Courier"/>
-                <a:cs typeface="Courier"/>
-                <a:sym typeface="Courier New"/>
-              </a:rPr>
-              <a:t>.get</a:t>
-            </a:r>
-            <a:r>
-              <a:rPr lang="en-US" sz="2800" b="1" i="0" u="none" strike="noStrike" cap="none" dirty="0">
-                <a:solidFill>
-                  <a:srgbClr val="00FF00"/>
-                </a:solidFill>
-                <a:latin typeface="Courier"/>
-                <a:ea typeface="Courier"/>
-                <a:cs typeface="Courier"/>
-                <a:sym typeface="Courier New"/>
-              </a:rPr>
-              <a:t>(</a:t>
-            </a:r>
-            <a:r>
-              <a:rPr lang="en-US" sz="2800" b="1" i="0" u="none" strike="noStrike" cap="none" dirty="0">
-                <a:solidFill>
-                  <a:srgbClr val="00FFFF"/>
-                </a:solidFill>
-                <a:latin typeface="Courier"/>
-                <a:ea typeface="Courier"/>
-                <a:cs typeface="Courier"/>
-                <a:sym typeface="Courier New"/>
-              </a:rPr>
-              <a:t>name, </a:t>
-            </a:r>
-            <a:r>
-              <a:rPr lang="en-US" sz="2800" b="1" i="0" u="none" strike="noStrike" cap="none" dirty="0">
-                <a:solidFill>
-                  <a:srgbClr val="FF7F00"/>
-                </a:solidFill>
-                <a:latin typeface="Courier"/>
-                <a:ea typeface="Courier"/>
-                <a:cs typeface="Courier"/>
-                <a:sym typeface="Courier New"/>
-              </a:rPr>
-              <a:t>0</a:t>
-            </a:r>
-            <a:r>
-              <a:rPr lang="en-US" sz="2800" b="1" i="0" u="none" strike="noStrike" cap="none" dirty="0">
-                <a:solidFill>
-                  <a:srgbClr val="00FFFF"/>
-                </a:solidFill>
-                <a:latin typeface="Courier"/>
-                <a:ea typeface="Courier"/>
-                <a:cs typeface="Courier"/>
-                <a:sym typeface="Courier New"/>
-              </a:rPr>
-              <a:t>)</a:t>
-            </a:r>
-            <a:r>
-              <a:rPr lang="en-US" sz="2800" b="1" i="0" u="none" strike="noStrike" cap="none" dirty="0">
-                <a:solidFill>
-                  <a:schemeClr val="lt1"/>
-                </a:solidFill>
-                <a:latin typeface="Courier"/>
-                <a:ea typeface="Courier"/>
-                <a:cs typeface="Courier"/>
-                <a:sym typeface="Courier New"/>
-              </a:rPr>
-              <a:t> + 1</a:t>
-            </a:r>
-          </a:p>
-          <a:p>
-            <a:pPr marL="0" marR="0" lvl="0" indent="0" algn="l" rtl="0">
-              <a:lnSpc>
-                <a:spcPct val="100000"/>
-              </a:lnSpc>
-              <a:spcBef>
-                <a:spcPts val="0"/>
-              </a:spcBef>
-              <a:spcAft>
-                <a:spcPts val="0"/>
-              </a:spcAft>
-              <a:buClr>
-                <a:srgbClr val="FFFF00"/>
-              </a:buClr>
-              <a:buSzPct val="25000"/>
-              <a:buFont typeface="Courier New"/>
-              <a:buNone/>
-            </a:pPr>
-            <a:r>
-              <a:rPr lang="en-US" sz="2800" b="1" i="0" u="none" strike="noStrike" cap="none" dirty="0">
-                <a:solidFill>
-                  <a:srgbClr val="FFFF00"/>
-                </a:solidFill>
-                <a:latin typeface="Courier"/>
-                <a:ea typeface="Courier"/>
-                <a:cs typeface="Courier"/>
-                <a:sym typeface="Courier New"/>
-              </a:rPr>
-              <a:t>print(</a:t>
-            </a:r>
-            <a:r>
-              <a:rPr lang="en-US" sz="2800" b="1" i="0" u="none" strike="noStrike" cap="none" dirty="0">
-                <a:solidFill>
-                  <a:srgbClr val="00FF00"/>
-                </a:solidFill>
-                <a:latin typeface="Courier"/>
-                <a:ea typeface="Courier"/>
-                <a:cs typeface="Courier"/>
-                <a:sym typeface="Courier New"/>
-              </a:rPr>
-              <a:t>counts</a:t>
-            </a:r>
-            <a:r>
-              <a:rPr lang="en-US" sz="2800" b="1" i="0" u="none" strike="noStrike" cap="none" dirty="0">
-                <a:solidFill>
-                  <a:srgbClr val="FFFF00"/>
-                </a:solidFill>
-                <a:latin typeface="Courier"/>
-                <a:ea typeface="Courier"/>
-                <a:cs typeface="Courier"/>
-                <a:sym typeface="Courier New"/>
-              </a:rPr>
-              <a:t>)</a:t>
-            </a:r>
-          </a:p>
-        </p:txBody>
-      </p:sp>
-      <p:sp>
-        <p:nvSpPr>
-          <p:cNvPr id="416" name="Shape 416"/>
-          <p:cNvSpPr txBox="1">
-            <a:spLocks noGrp="1"/>
-          </p:cNvSpPr>
-          <p:nvPr>
-            <p:ph type="title"/>
-          </p:nvPr>
-        </p:nvSpPr>
-        <p:spPr>
-          <a:prstGeom prst="rect">
-            <a:avLst/>
-          </a:prstGeom>
-          <a:noFill/>
-          <a:ln>
-            <a:noFill/>
-          </a:ln>
-        </p:spPr>
-        <p:txBody>
-          <a:bodyPr lIns="38100" tIns="38100" rIns="38100" bIns="38100" anchor="ctr" anchorCtr="0">
-            <a:noAutofit/>
-          </a:bodyPr>
-          <a:lstStyle/>
-          <a:p>
-            <a:pPr marL="0" marR="0" lvl="0" indent="0" algn="ctr" rtl="0">
-              <a:lnSpc>
-                <a:spcPct val="100000"/>
-              </a:lnSpc>
-              <a:spcBef>
-                <a:spcPts val="0"/>
-              </a:spcBef>
-              <a:spcAft>
-                <a:spcPts val="0"/>
-              </a:spcAft>
-              <a:buClr>
-                <a:srgbClr val="FFFF00"/>
-              </a:buClr>
-              <a:buSzPct val="25000"/>
-              <a:buFont typeface="Cabin"/>
-              <a:buNone/>
-            </a:pPr>
-            <a:r>
-              <a:rPr lang="en-US" sz="7600" u="none" strike="noStrike" cap="none">
-                <a:solidFill>
-                  <a:srgbClr val="FFD966"/>
-                </a:solidFill>
-                <a:latin typeface="Arial" charset="0"/>
-                <a:ea typeface="Arial" charset="0"/>
-                <a:cs typeface="Arial" charset="0"/>
-                <a:sym typeface="Cabin"/>
-              </a:rPr>
-              <a:t>Simplified Counting with </a:t>
-            </a:r>
-            <a:r>
-              <a:rPr lang="en-US" sz="7600" u="none" strike="noStrike" cap="none">
-                <a:solidFill>
-                  <a:srgbClr val="FF00FF"/>
-                </a:solidFill>
-                <a:latin typeface="Arial" charset="0"/>
-                <a:ea typeface="Arial" charset="0"/>
-                <a:cs typeface="Arial" charset="0"/>
-                <a:sym typeface="Cabin"/>
-              </a:rPr>
-              <a:t>get()</a:t>
-            </a:r>
-          </a:p>
-        </p:txBody>
-      </p:sp>
-      <p:sp>
-        <p:nvSpPr>
-          <p:cNvPr id="2" name="TextBox 1">
-            <a:extLst>
-              <a:ext uri="{FF2B5EF4-FFF2-40B4-BE49-F238E27FC236}">
-                <a16:creationId xmlns:a16="http://schemas.microsoft.com/office/drawing/2014/main" id="{CEFB681B-6E66-F1B0-E0F3-1ED99A642161}"/>
-              </a:ext>
-            </a:extLst>
-          </p:cNvPr>
-          <p:cNvSpPr txBox="1"/>
-          <p:nvPr/>
-        </p:nvSpPr>
-        <p:spPr>
-          <a:xfrm>
-            <a:off x="1857374" y="7168595"/>
-            <a:ext cx="12064999" cy="523220"/>
-          </a:xfrm>
-          <a:prstGeom prst="rect">
-            <a:avLst/>
-          </a:prstGeom>
-          <a:noFill/>
-        </p:spPr>
-        <p:txBody>
-          <a:bodyPr wrap="square" rtlCol="0">
-            <a:spAutoFit/>
-          </a:bodyPr>
-          <a:lstStyle/>
-          <a:p>
-            <a:r>
-              <a:rPr lang="en-US" sz="2800" dirty="0">
-                <a:solidFill>
-                  <a:srgbClr val="FFFF00"/>
-                </a:solidFill>
-              </a:rPr>
-              <a:t>Sesame Street - Counting Is Wonderful (The National Counting Day Song)</a:t>
-            </a:r>
-          </a:p>
-        </p:txBody>
-      </p:sp>
-    </p:spTree>
-  </p:cSld>
-  <p:clrMapOvr>
-    <a:masterClrMapping/>
-  </p:clrMapOvr>
-</p:sld>
-</file>
-
-<file path=ppt/slides/slide21.xml><?xml version="1.0" encoding="utf-8"?>
-<p:sld xmlns:a="http://schemas.openxmlformats.org/drawingml/2006/main" xmlns:r="http://schemas.openxmlformats.org/officeDocument/2006/relationships" xmlns:p="http://schemas.openxmlformats.org/presentationml/2006/main">
-  <p:cSld>
-    <p:spTree>
-      <p:nvGrpSpPr>
         <p:cNvPr id="1" name=""/>
         <p:cNvGrpSpPr/>
         <p:nvPr/>
@@ -16929,7 +15273,7 @@
 </p:sld>
 </file>
 
-<file path=ppt/slides/slide22.xml><?xml version="1.0" encoding="utf-8"?>
+<file path=ppt/slides/slide21.xml><?xml version="1.0" encoding="utf-8"?>
 <p:sld xmlns:a="http://schemas.openxmlformats.org/drawingml/2006/main" xmlns:r="http://schemas.openxmlformats.org/officeDocument/2006/relationships" xmlns:p="http://schemas.openxmlformats.org/presentationml/2006/main">
   <p:cSld>
     <p:spTree>
@@ -17278,7 +15622,7 @@
 </p:sld>
 </file>
 
-<file path=ppt/slides/slide23.xml><?xml version="1.0" encoding="utf-8"?>
+<file path=ppt/slides/slide22.xml><?xml version="1.0" encoding="utf-8"?>
 <p:sld xmlns:a="http://schemas.openxmlformats.org/drawingml/2006/main" xmlns:r="http://schemas.openxmlformats.org/officeDocument/2006/relationships" xmlns:p="http://schemas.openxmlformats.org/presentationml/2006/main">
   <p:cSld>
     <p:spTree>
@@ -18164,7 +16508,7 @@
 </p:sld>
 </file>
 
-<file path=ppt/slides/slide24.xml><?xml version="1.0" encoding="utf-8"?>
+<file path=ppt/slides/slide23.xml><?xml version="1.0" encoding="utf-8"?>
 <p:sld xmlns:a="http://schemas.openxmlformats.org/drawingml/2006/main" xmlns:r="http://schemas.openxmlformats.org/officeDocument/2006/relationships" xmlns:p="http://schemas.openxmlformats.org/presentationml/2006/main">
   <p:cSld>
     <p:spTree>
@@ -18760,7 +17104,7 @@
 </p:sld>
 </file>
 
-<file path=ppt/slides/slide25.xml><?xml version="1.0" encoding="utf-8"?>
+<file path=ppt/slides/slide24.xml><?xml version="1.0" encoding="utf-8"?>
 <p:sld xmlns:a="http://schemas.openxmlformats.org/drawingml/2006/main" xmlns:r="http://schemas.openxmlformats.org/officeDocument/2006/relationships" xmlns:p="http://schemas.openxmlformats.org/presentationml/2006/main">
   <p:cSld>
     <p:spTree>
@@ -19795,7 +18139,7 @@
 </p:sld>
 </file>
 
-<file path=ppt/slides/slide26.xml><?xml version="1.0" encoding="utf-8"?>
+<file path=ppt/slides/slide25.xml><?xml version="1.0" encoding="utf-8"?>
 <p:sld xmlns:a="http://schemas.openxmlformats.org/drawingml/2006/main" xmlns:r="http://schemas.openxmlformats.org/officeDocument/2006/relationships" xmlns:p="http://schemas.openxmlformats.org/presentationml/2006/main">
   <p:cSld>
     <p:spTree>
@@ -20728,7 +19072,7 @@
 </p:sld>
 </file>
 
-<file path=ppt/slides/slide27.xml><?xml version="1.0" encoding="utf-8"?>
+<file path=ppt/slides/slide26.xml><?xml version="1.0" encoding="utf-8"?>
 <p:sld xmlns:a="http://schemas.openxmlformats.org/drawingml/2006/main" xmlns:r="http://schemas.openxmlformats.org/officeDocument/2006/relationships" xmlns:p="http://schemas.openxmlformats.org/presentationml/2006/main">
   <p:cSld>
     <p:spTree>
@@ -21878,7 +20222,7 @@
 </p:sld>
 </file>
 
-<file path=ppt/slides/slide28.xml><?xml version="1.0" encoding="utf-8"?>
+<file path=ppt/slides/slide27.xml><?xml version="1.0" encoding="utf-8"?>
 <p:sld xmlns:a="http://schemas.openxmlformats.org/drawingml/2006/main" xmlns:r="http://schemas.openxmlformats.org/officeDocument/2006/relationships" xmlns:p="http://schemas.openxmlformats.org/presentationml/2006/main">
   <p:cSld>
     <p:spTree>
@@ -23216,7 +21560,7 @@
 </p:sld>
 </file>
 
-<file path=ppt/slides/slide29.xml><?xml version="1.0" encoding="utf-8"?>
+<file path=ppt/slides/slide28.xml><?xml version="1.0" encoding="utf-8"?>
 <p:sld xmlns:a="http://schemas.openxmlformats.org/drawingml/2006/main" xmlns:r="http://schemas.openxmlformats.org/officeDocument/2006/relationships" xmlns:p="http://schemas.openxmlformats.org/presentationml/2006/main">
   <p:cSld>
     <p:spTree>
@@ -24509,6 +22853,190 @@
     <p:extLst>
       <p:ext uri="{BB962C8B-B14F-4D97-AF65-F5344CB8AC3E}">
         <p14:creationId xmlns:p14="http://schemas.microsoft.com/office/powerpoint/2010/main" val="1572319757"/>
+      </p:ext>
+    </p:extLst>
+  </p:cSld>
+  <p:clrMapOvr>
+    <a:masterClrMapping/>
+  </p:clrMapOvr>
+</p:sld>
+</file>
+
+<file path=ppt/slides/slide29.xml><?xml version="1.0" encoding="utf-8"?>
+<p:sld xmlns:a="http://schemas.openxmlformats.org/drawingml/2006/main" xmlns:r="http://schemas.openxmlformats.org/officeDocument/2006/relationships" xmlns:p="http://schemas.openxmlformats.org/presentationml/2006/main">
+  <p:cSld>
+    <p:spTree>
+      <p:nvGrpSpPr>
+        <p:cNvPr id="1" name="Shape 493"/>
+        <p:cNvGrpSpPr/>
+        <p:nvPr/>
+      </p:nvGrpSpPr>
+      <p:grpSpPr>
+        <a:xfrm>
+          <a:off x="0" y="0"/>
+          <a:ext cx="0" cy="0"/>
+          <a:chOff x="0" y="0"/>
+          <a:chExt cx="0" cy="0"/>
+        </a:xfrm>
+      </p:grpSpPr>
+      <p:sp>
+        <p:nvSpPr>
+          <p:cNvPr id="494" name="Shape 494"/>
+          <p:cNvSpPr txBox="1">
+            <a:spLocks noGrp="1"/>
+          </p:cNvSpPr>
+          <p:nvPr>
+            <p:ph type="title"/>
+          </p:nvPr>
+        </p:nvSpPr>
+        <p:spPr>
+          <a:prstGeom prst="rect">
+            <a:avLst/>
+          </a:prstGeom>
+          <a:noFill/>
+          <a:ln>
+            <a:noFill/>
+          </a:ln>
+        </p:spPr>
+        <p:txBody>
+          <a:bodyPr lIns="38100" tIns="38100" rIns="38100" bIns="38100" anchor="ctr" anchorCtr="0">
+            <a:noAutofit/>
+          </a:bodyPr>
+          <a:lstStyle/>
+          <a:p>
+            <a:pPr marL="0" marR="0" lvl="0" indent="0" algn="ctr" rtl="0">
+              <a:lnSpc>
+                <a:spcPct val="100000"/>
+              </a:lnSpc>
+              <a:spcBef>
+                <a:spcPts val="0"/>
+              </a:spcBef>
+              <a:spcAft>
+                <a:spcPts val="0"/>
+              </a:spcAft>
+              <a:buClr>
+                <a:srgbClr val="00FF00"/>
+              </a:buClr>
+              <a:buSzPct val="25000"/>
+              <a:buFont typeface="Cabin"/>
+              <a:buNone/>
+            </a:pPr>
+            <a:r>
+              <a:rPr lang="en-US" sz="7600" u="none" strike="noStrike" cap="none" dirty="0">
+                <a:solidFill>
+                  <a:srgbClr val="FFD966"/>
+                </a:solidFill>
+                <a:latin typeface="Arial" charset="0"/>
+                <a:ea typeface="Arial" charset="0"/>
+                <a:cs typeface="Arial" charset="0"/>
+                <a:sym typeface="Cabin"/>
+              </a:rPr>
+              <a:t>Summary</a:t>
+            </a:r>
+          </a:p>
+        </p:txBody>
+      </p:sp>
+      <p:sp>
+        <p:nvSpPr>
+          <p:cNvPr id="7" name="Text Placeholder 6">
+            <a:extLst>
+              <a:ext uri="{FF2B5EF4-FFF2-40B4-BE49-F238E27FC236}">
+                <a16:creationId xmlns:a16="http://schemas.microsoft.com/office/drawing/2014/main" id="{5C917ABA-52CF-F293-C085-1DEE75312D1F}"/>
+              </a:ext>
+            </a:extLst>
+          </p:cNvPr>
+          <p:cNvSpPr>
+            <a:spLocks noGrp="1"/>
+          </p:cNvSpPr>
+          <p:nvPr>
+            <p:ph type="body" idx="1"/>
+          </p:nvPr>
+        </p:nvSpPr>
+        <p:spPr/>
+        <p:txBody>
+          <a:bodyPr>
+            <a:normAutofit fontScale="92500" lnSpcReduction="20000"/>
+          </a:bodyPr>
+          <a:lstStyle/>
+          <a:p>
+            <a:r>
+              <a:rPr lang="en-US" dirty="0">
+                <a:solidFill>
+                  <a:schemeClr val="bg1"/>
+                </a:solidFill>
+              </a:rPr>
+              <a:t> What is a collection</a:t>
+            </a:r>
+          </a:p>
+          <a:p>
+            <a:r>
+              <a:rPr lang="en-US" dirty="0">
+                <a:solidFill>
+                  <a:schemeClr val="bg1"/>
+                </a:solidFill>
+              </a:rPr>
+              <a:t> Lists versus dictionaries</a:t>
+            </a:r>
+          </a:p>
+          <a:p>
+            <a:r>
+              <a:rPr lang="en-US" dirty="0">
+                <a:solidFill>
+                  <a:schemeClr val="bg1"/>
+                </a:solidFill>
+              </a:rPr>
+              <a:t>Dictionary Constants</a:t>
+            </a:r>
+          </a:p>
+          <a:p>
+            <a:r>
+              <a:rPr lang="en-US" dirty="0">
+                <a:solidFill>
+                  <a:schemeClr val="bg1"/>
+                </a:solidFill>
+              </a:rPr>
+              <a:t>The most common word</a:t>
+            </a:r>
+          </a:p>
+          <a:p>
+            <a:r>
+              <a:rPr lang="en-US" dirty="0">
+                <a:solidFill>
+                  <a:schemeClr val="bg1"/>
+                </a:solidFill>
+              </a:rPr>
+              <a:t>Using the get() method</a:t>
+            </a:r>
+          </a:p>
+          <a:p>
+            <a:r>
+              <a:rPr lang="en-US" dirty="0">
+                <a:solidFill>
+                  <a:schemeClr val="bg1"/>
+                </a:solidFill>
+              </a:rPr>
+              <a:t>Writing dictionary loops</a:t>
+            </a:r>
+          </a:p>
+          <a:p>
+            <a:r>
+              <a:rPr lang="en-US" dirty="0">
+                <a:solidFill>
+                  <a:schemeClr val="bg1"/>
+                </a:solidFill>
+              </a:rPr>
+              <a:t>Sneak peek: Tuples</a:t>
+            </a:r>
+          </a:p>
+          <a:p>
+            <a:endParaRPr lang="en-US" dirty="0"/>
+          </a:p>
+        </p:txBody>
+      </p:sp>
+    </p:spTree>
+    <p:extLst>
+      <p:ext uri="{BB962C8B-B14F-4D97-AF65-F5344CB8AC3E}">
+        <p14:creationId xmlns:p14="http://schemas.microsoft.com/office/powerpoint/2010/main" val="1663557445"/>
       </p:ext>
     </p:extLst>
   </p:cSld>
@@ -25019,190 +23547,6 @@
 </file>
 
 <file path=ppt/slides/slide30.xml><?xml version="1.0" encoding="utf-8"?>
-<p:sld xmlns:a="http://schemas.openxmlformats.org/drawingml/2006/main" xmlns:r="http://schemas.openxmlformats.org/officeDocument/2006/relationships" xmlns:p="http://schemas.openxmlformats.org/presentationml/2006/main">
-  <p:cSld>
-    <p:spTree>
-      <p:nvGrpSpPr>
-        <p:cNvPr id="1" name="Shape 493"/>
-        <p:cNvGrpSpPr/>
-        <p:nvPr/>
-      </p:nvGrpSpPr>
-      <p:grpSpPr>
-        <a:xfrm>
-          <a:off x="0" y="0"/>
-          <a:ext cx="0" cy="0"/>
-          <a:chOff x="0" y="0"/>
-          <a:chExt cx="0" cy="0"/>
-        </a:xfrm>
-      </p:grpSpPr>
-      <p:sp>
-        <p:nvSpPr>
-          <p:cNvPr id="494" name="Shape 494"/>
-          <p:cNvSpPr txBox="1">
-            <a:spLocks noGrp="1"/>
-          </p:cNvSpPr>
-          <p:nvPr>
-            <p:ph type="title"/>
-          </p:nvPr>
-        </p:nvSpPr>
-        <p:spPr>
-          <a:prstGeom prst="rect">
-            <a:avLst/>
-          </a:prstGeom>
-          <a:noFill/>
-          <a:ln>
-            <a:noFill/>
-          </a:ln>
-        </p:spPr>
-        <p:txBody>
-          <a:bodyPr lIns="38100" tIns="38100" rIns="38100" bIns="38100" anchor="ctr" anchorCtr="0">
-            <a:noAutofit/>
-          </a:bodyPr>
-          <a:lstStyle/>
-          <a:p>
-            <a:pPr marL="0" marR="0" lvl="0" indent="0" algn="ctr" rtl="0">
-              <a:lnSpc>
-                <a:spcPct val="100000"/>
-              </a:lnSpc>
-              <a:spcBef>
-                <a:spcPts val="0"/>
-              </a:spcBef>
-              <a:spcAft>
-                <a:spcPts val="0"/>
-              </a:spcAft>
-              <a:buClr>
-                <a:srgbClr val="00FF00"/>
-              </a:buClr>
-              <a:buSzPct val="25000"/>
-              <a:buFont typeface="Cabin"/>
-              <a:buNone/>
-            </a:pPr>
-            <a:r>
-              <a:rPr lang="en-US" sz="7600" u="none" strike="noStrike" cap="none" dirty="0">
-                <a:solidFill>
-                  <a:srgbClr val="FFD966"/>
-                </a:solidFill>
-                <a:latin typeface="Arial" charset="0"/>
-                <a:ea typeface="Arial" charset="0"/>
-                <a:cs typeface="Arial" charset="0"/>
-                <a:sym typeface="Cabin"/>
-              </a:rPr>
-              <a:t>Summary</a:t>
-            </a:r>
-          </a:p>
-        </p:txBody>
-      </p:sp>
-      <p:sp>
-        <p:nvSpPr>
-          <p:cNvPr id="7" name="Text Placeholder 6">
-            <a:extLst>
-              <a:ext uri="{FF2B5EF4-FFF2-40B4-BE49-F238E27FC236}">
-                <a16:creationId xmlns:a16="http://schemas.microsoft.com/office/drawing/2014/main" id="{5C917ABA-52CF-F293-C085-1DEE75312D1F}"/>
-              </a:ext>
-            </a:extLst>
-          </p:cNvPr>
-          <p:cNvSpPr>
-            <a:spLocks noGrp="1"/>
-          </p:cNvSpPr>
-          <p:nvPr>
-            <p:ph type="body" idx="1"/>
-          </p:nvPr>
-        </p:nvSpPr>
-        <p:spPr/>
-        <p:txBody>
-          <a:bodyPr>
-            <a:normAutofit fontScale="92500" lnSpcReduction="20000"/>
-          </a:bodyPr>
-          <a:lstStyle/>
-          <a:p>
-            <a:r>
-              <a:rPr lang="en-US" dirty="0">
-                <a:solidFill>
-                  <a:schemeClr val="bg1"/>
-                </a:solidFill>
-              </a:rPr>
-              <a:t> What is a collection</a:t>
-            </a:r>
-          </a:p>
-          <a:p>
-            <a:r>
-              <a:rPr lang="en-US" dirty="0">
-                <a:solidFill>
-                  <a:schemeClr val="bg1"/>
-                </a:solidFill>
-              </a:rPr>
-              <a:t> Lists versus dictionaries</a:t>
-            </a:r>
-          </a:p>
-          <a:p>
-            <a:r>
-              <a:rPr lang="en-US" dirty="0">
-                <a:solidFill>
-                  <a:schemeClr val="bg1"/>
-                </a:solidFill>
-              </a:rPr>
-              <a:t>Dictionary Constants</a:t>
-            </a:r>
-          </a:p>
-          <a:p>
-            <a:r>
-              <a:rPr lang="en-US" dirty="0">
-                <a:solidFill>
-                  <a:schemeClr val="bg1"/>
-                </a:solidFill>
-              </a:rPr>
-              <a:t>The most common word</a:t>
-            </a:r>
-          </a:p>
-          <a:p>
-            <a:r>
-              <a:rPr lang="en-US" dirty="0">
-                <a:solidFill>
-                  <a:schemeClr val="bg1"/>
-                </a:solidFill>
-              </a:rPr>
-              <a:t>Using the get() method</a:t>
-            </a:r>
-          </a:p>
-          <a:p>
-            <a:r>
-              <a:rPr lang="en-US" dirty="0">
-                <a:solidFill>
-                  <a:schemeClr val="bg1"/>
-                </a:solidFill>
-              </a:rPr>
-              <a:t>Writing dictionary loops</a:t>
-            </a:r>
-          </a:p>
-          <a:p>
-            <a:r>
-              <a:rPr lang="en-US" dirty="0">
-                <a:solidFill>
-                  <a:schemeClr val="bg1"/>
-                </a:solidFill>
-              </a:rPr>
-              <a:t>Sneak peek: Tuples</a:t>
-            </a:r>
-          </a:p>
-          <a:p>
-            <a:endParaRPr lang="en-US" dirty="0"/>
-          </a:p>
-        </p:txBody>
-      </p:sp>
-    </p:spTree>
-    <p:extLst>
-      <p:ext uri="{BB962C8B-B14F-4D97-AF65-F5344CB8AC3E}">
-        <p14:creationId xmlns:p14="http://schemas.microsoft.com/office/powerpoint/2010/main" val="1663557445"/>
-      </p:ext>
-    </p:extLst>
-  </p:cSld>
-  <p:clrMapOvr>
-    <a:masterClrMapping/>
-  </p:clrMapOvr>
-</p:sld>
-</file>
-
-<file path=ppt/slides/slide31.xml><?xml version="1.0" encoding="utf-8"?>
 <p:sld xmlns:a="http://schemas.openxmlformats.org/drawingml/2006/main" xmlns:r="http://schemas.openxmlformats.org/officeDocument/2006/relationships" xmlns:p="http://schemas.openxmlformats.org/presentationml/2006/main">
   <p:cSld>
     <p:spTree>
@@ -26438,20 +24782,32 @@
           <a:lstStyle/>
           <a:p>
             <a:r>
+              <a:rPr lang="en-US"/>
+              <a:t>Prior to Python 3.7 dictionaries </a:t>
+            </a:r>
+            <a:r>
+              <a:rPr lang="en-US" u="sng">
+                <a:solidFill>
+                  <a:srgbClr val="FFFF00"/>
+                </a:solidFill>
+              </a:rPr>
+              <a:t>did not</a:t>
+            </a:r>
+            <a:r>
+              <a:rPr lang="en-US"/>
+              <a:t> keep entries in the order of insertion </a:t>
+            </a:r>
+          </a:p>
+          <a:p>
+            <a:r>
               <a:rPr lang="en-US" dirty="0"/>
-              <a:t>Python 3.7 and later dictionaries keep entries in the order they were inserted</a:t>
+              <a:t>Python 3.7 (2018) and later dictionaries keep entries in the order they were inserted</a:t>
             </a:r>
           </a:p>
           <a:p>
             <a:r>
               <a:rPr lang="en-US" dirty="0"/>
-              <a:t>Prior to Python 3.7 dictionaries did not keep entries in the order of insertion (a pure hash table)</a:t>
-            </a:r>
-          </a:p>
-          <a:p>
-            <a:r>
-              <a:rPr lang="en-US" dirty="0"/>
-              <a:t>"insertion order" is not "sorted by key order"</a:t>
+              <a:t>"insertion order" is not "always sorted order"</a:t>
             </a:r>
           </a:p>
         </p:txBody>
@@ -26530,9 +24886,16 @@
             <p:ph type="body" idx="1"/>
           </p:nvPr>
         </p:nvSpPr>
-        <p:spPr/>
+        <p:spPr>
+          <a:xfrm>
+            <a:off x="1155700" y="2603501"/>
+            <a:ext cx="13931900" cy="5049630"/>
+          </a:xfrm>
+        </p:spPr>
         <p:txBody>
-          <a:bodyPr/>
+          <a:bodyPr>
+            <a:normAutofit fontScale="92500" lnSpcReduction="20000"/>
+          </a:bodyPr>
           <a:lstStyle/>
           <a:p>
             <a:r>
@@ -26791,7 +25154,7 @@
                 <a:cs typeface="Courier"/>
                 <a:sym typeface="Courier New"/>
               </a:rPr>
-              <a:t>purse</a:t>
+              <a:t>cards</a:t>
             </a:r>
             <a:r>
               <a:rPr lang="en-US" sz="2400" b="1" i="0" u="none" strike="noStrike" cap="none" dirty="0">
@@ -26806,7 +25169,7 @@
               <a:t> = </a:t>
             </a:r>
             <a:r>
-              <a:rPr lang="en-US" sz="2400" b="1" i="0" u="none" strike="noStrike" cap="none" dirty="0" err="1">
+              <a:rPr lang="en-US" sz="2400" b="1" i="0" u="none" strike="noStrike" cap="none" dirty="0">
                 <a:solidFill>
                   <a:srgbClr val="FF00FF"/>
                 </a:solidFill>
@@ -26815,7 +25178,7 @@
                 <a:cs typeface="Courier"/>
                 <a:sym typeface="Courier New"/>
               </a:rPr>
-              <a:t>dict</a:t>
+              <a:t>list</a:t>
             </a:r>
             <a:r>
               <a:rPr lang="en-US" sz="2400" b="1" i="0" u="none" strike="noStrike" cap="none" dirty="0">
@@ -26861,6 +25224,18 @@
               <a:t>&gt;&gt;&gt; </a:t>
             </a:r>
             <a:r>
+              <a:rPr lang="en-US" sz="2400" b="1" i="0" u="none" strike="noStrike" cap="none" dirty="0" err="1">
+                <a:solidFill>
+                  <a:srgbClr val="00FF00"/>
+                </a:solidFill>
+                <a:latin typeface="Courier"/>
+                <a:ea typeface="Courier"/>
+                <a:cs typeface="Courier"/>
+                <a:sym typeface="Courier New"/>
+              </a:rPr>
+              <a:t>cards.append</a:t>
+            </a:r>
+            <a:r>
               <a:rPr lang="en-US" sz="2400" b="1" i="0" u="none" strike="noStrike" cap="none" dirty="0">
                 <a:solidFill>
                   <a:srgbClr val="00FF00"/>
@@ -26870,32 +25245,41 @@
                 <a:cs typeface="Courier"/>
                 <a:sym typeface="Courier New"/>
               </a:rPr>
-              <a:t>purse</a:t>
+              <a:t>(</a:t>
             </a:r>
             <a:r>
               <a:rPr lang="en-US" sz="2400" b="1" i="0" u="none" strike="noStrike" cap="none" dirty="0">
                 <a:solidFill>
-                  <a:srgbClr val="00FFFF"/>
-                </a:solidFill>
-                <a:latin typeface="Courier"/>
-                <a:ea typeface="Courier"/>
-                <a:cs typeface="Courier"/>
-                <a:sym typeface="Courier New"/>
-              </a:rPr>
-              <a:t>['money']</a:t>
+                  <a:schemeClr val="lt1"/>
+                </a:solidFill>
+                <a:latin typeface="Courier"/>
+                <a:ea typeface="Courier"/>
+                <a:cs typeface="Courier"/>
+                <a:sym typeface="Courier New"/>
+              </a:rPr>
+              <a:t>12</a:t>
             </a:r>
             <a:r>
               <a:rPr lang="en-US" sz="2400" b="1" i="0" u="none" strike="noStrike" cap="none" dirty="0">
                 <a:solidFill>
-                  <a:schemeClr val="lt1"/>
-                </a:solidFill>
-                <a:latin typeface="Courier"/>
-                <a:ea typeface="Courier"/>
-                <a:cs typeface="Courier"/>
-                <a:sym typeface="Courier New"/>
-              </a:rPr>
-              <a:t> = 12</a:t>
-            </a:r>
+                  <a:srgbClr val="00FF00"/>
+                </a:solidFill>
+                <a:latin typeface="Courier"/>
+                <a:ea typeface="Courier"/>
+                <a:cs typeface="Courier"/>
+                <a:sym typeface="Courier New"/>
+              </a:rPr>
+              <a:t>)</a:t>
+            </a:r>
+            <a:endParaRPr lang="en-US" sz="2400" b="1" i="0" u="none" strike="noStrike" cap="none" dirty="0">
+              <a:solidFill>
+                <a:schemeClr val="lt1"/>
+              </a:solidFill>
+              <a:latin typeface="Courier"/>
+              <a:ea typeface="Courier"/>
+              <a:cs typeface="Courier"/>
+              <a:sym typeface="Courier New"/>
+            </a:endParaRPr>
           </a:p>
           <a:p>
             <a:pPr marL="0" marR="0" lvl="0" indent="0" algn="l" rtl="0">
@@ -26928,6 +25312,18 @@
               <a:t>&gt;&gt;&gt; </a:t>
             </a:r>
             <a:r>
+              <a:rPr lang="en-US" sz="2400" b="1" i="0" u="none" strike="noStrike" cap="none" dirty="0" err="1">
+                <a:solidFill>
+                  <a:srgbClr val="00FF00"/>
+                </a:solidFill>
+                <a:latin typeface="Courier"/>
+                <a:ea typeface="Courier"/>
+                <a:cs typeface="Courier"/>
+                <a:sym typeface="Courier New"/>
+              </a:rPr>
+              <a:t>cards.append</a:t>
+            </a:r>
+            <a:r>
               <a:rPr lang="en-US" sz="2400" b="1" i="0" u="none" strike="noStrike" cap="none" dirty="0">
                 <a:solidFill>
                   <a:srgbClr val="00FF00"/>
@@ -26937,32 +25333,41 @@
                 <a:cs typeface="Courier"/>
                 <a:sym typeface="Courier New"/>
               </a:rPr>
-              <a:t>purse</a:t>
+              <a:t>(</a:t>
             </a:r>
             <a:r>
               <a:rPr lang="en-US" sz="2400" b="1" i="0" u="none" strike="noStrike" cap="none" dirty="0">
                 <a:solidFill>
-                  <a:srgbClr val="00FFFF"/>
-                </a:solidFill>
-                <a:latin typeface="Courier"/>
-                <a:ea typeface="Courier"/>
-                <a:cs typeface="Courier"/>
-                <a:sym typeface="Courier New"/>
-              </a:rPr>
-              <a:t>['candy']</a:t>
+                  <a:schemeClr val="lt1"/>
+                </a:solidFill>
+                <a:latin typeface="Courier"/>
+                <a:ea typeface="Courier"/>
+                <a:cs typeface="Courier"/>
+                <a:sym typeface="Courier New"/>
+              </a:rPr>
+              <a:t>3</a:t>
             </a:r>
             <a:r>
               <a:rPr lang="en-US" sz="2400" b="1" i="0" u="none" strike="noStrike" cap="none" dirty="0">
                 <a:solidFill>
-                  <a:schemeClr val="lt1"/>
-                </a:solidFill>
-                <a:latin typeface="Courier"/>
-                <a:ea typeface="Courier"/>
-                <a:cs typeface="Courier"/>
-                <a:sym typeface="Courier New"/>
-              </a:rPr>
-              <a:t> = 3</a:t>
-            </a:r>
+                  <a:srgbClr val="00FF00"/>
+                </a:solidFill>
+                <a:latin typeface="Courier"/>
+                <a:ea typeface="Courier"/>
+                <a:cs typeface="Courier"/>
+                <a:sym typeface="Courier New"/>
+              </a:rPr>
+              <a:t>)</a:t>
+            </a:r>
+            <a:endParaRPr lang="en-US" sz="2400" b="1" i="0" u="none" strike="noStrike" cap="none" dirty="0">
+              <a:solidFill>
+                <a:schemeClr val="lt1"/>
+              </a:solidFill>
+              <a:latin typeface="Courier"/>
+              <a:ea typeface="Courier"/>
+              <a:cs typeface="Courier"/>
+              <a:sym typeface="Courier New"/>
+            </a:endParaRPr>
           </a:p>
           <a:p>
             <a:pPr marL="0" marR="0" lvl="0" indent="0" algn="l" rtl="0">
@@ -26995,6 +25400,18 @@
               <a:t>&gt;&gt;&gt; </a:t>
             </a:r>
             <a:r>
+              <a:rPr lang="en-US" sz="2400" b="1" i="0" u="none" strike="noStrike" cap="none" dirty="0" err="1">
+                <a:solidFill>
+                  <a:srgbClr val="00FF00"/>
+                </a:solidFill>
+                <a:latin typeface="Courier"/>
+                <a:ea typeface="Courier"/>
+                <a:cs typeface="Courier"/>
+                <a:sym typeface="Courier New"/>
+              </a:rPr>
+              <a:t>cards.append</a:t>
+            </a:r>
+            <a:r>
               <a:rPr lang="en-US" sz="2400" b="1" i="0" u="none" strike="noStrike" cap="none" dirty="0">
                 <a:solidFill>
                   <a:srgbClr val="00FF00"/>
@@ -27004,32 +25421,41 @@
                 <a:cs typeface="Courier"/>
                 <a:sym typeface="Courier New"/>
               </a:rPr>
-              <a:t>purse</a:t>
+              <a:t>(</a:t>
+            </a:r>
+            <a:r>
+              <a:rPr lang="en-US" sz="2400" b="1" dirty="0">
+                <a:solidFill>
+                  <a:schemeClr val="lt1"/>
+                </a:solidFill>
+                <a:latin typeface="Courier"/>
+                <a:ea typeface="Courier"/>
+                <a:cs typeface="Courier"/>
+                <a:sym typeface="Courier New"/>
+              </a:rPr>
+              <a:t>75</a:t>
             </a:r>
             <a:r>
               <a:rPr lang="en-US" sz="2400" b="1" i="0" u="none" strike="noStrike" cap="none" dirty="0">
                 <a:solidFill>
-                  <a:srgbClr val="00FFFF"/>
-                </a:solidFill>
-                <a:latin typeface="Courier"/>
-                <a:ea typeface="Courier"/>
-                <a:cs typeface="Courier"/>
-                <a:sym typeface="Courier New"/>
-              </a:rPr>
-              <a:t>['tissues']</a:t>
-            </a:r>
-            <a:r>
-              <a:rPr lang="en-US" sz="2400" b="1" i="0" u="none" strike="noStrike" cap="none" dirty="0">
-                <a:solidFill>
-                  <a:schemeClr val="lt1"/>
-                </a:solidFill>
-                <a:latin typeface="Courier"/>
-                <a:ea typeface="Courier"/>
-                <a:cs typeface="Courier"/>
-                <a:sym typeface="Courier New"/>
-              </a:rPr>
-              <a:t> = 75</a:t>
-            </a:r>
+                  <a:srgbClr val="00FF00"/>
+                </a:solidFill>
+                <a:latin typeface="Courier"/>
+                <a:ea typeface="Courier"/>
+                <a:cs typeface="Courier"/>
+                <a:sym typeface="Courier New"/>
+              </a:rPr>
+              <a:t>)</a:t>
+            </a:r>
+            <a:endParaRPr lang="en-US" sz="2400" b="1" i="0" u="none" strike="noStrike" cap="none" dirty="0">
+              <a:solidFill>
+                <a:schemeClr val="lt1"/>
+              </a:solidFill>
+              <a:latin typeface="Courier"/>
+              <a:ea typeface="Courier"/>
+              <a:cs typeface="Courier"/>
+              <a:sym typeface="Courier New"/>
+            </a:endParaRPr>
           </a:p>
           <a:p>
             <a:pPr marL="0" marR="0" lvl="0" indent="0" algn="l" rtl="0">
@@ -27083,7 +25509,7 @@
                 <a:cs typeface="Courier"/>
                 <a:sym typeface="Courier New"/>
               </a:rPr>
-              <a:t>purse</a:t>
+              <a:t>cards</a:t>
             </a:r>
             <a:r>
               <a:rPr lang="en-US" sz="2400" b="1" i="0" u="none" strike="noStrike" cap="none" dirty="0">
@@ -27117,6 +25543,18 @@
               <a:buNone/>
             </a:pPr>
             <a:r>
+              <a:rPr lang="en-US" sz="2400" b="1" dirty="0">
+                <a:solidFill>
+                  <a:schemeClr val="lt1"/>
+                </a:solidFill>
+                <a:latin typeface="Courier"/>
+                <a:ea typeface="Courier"/>
+                <a:cs typeface="Courier"/>
+                <a:sym typeface="Courier New"/>
+              </a:rPr>
+              <a:t>[</a:t>
+            </a:r>
+            <a:r>
               <a:rPr lang="en-US" sz="2400" b="1" i="0" u="none" strike="noStrike" cap="none" dirty="0">
                 <a:solidFill>
                   <a:schemeClr val="lt1"/>
@@ -27126,8 +25564,29 @@
                 <a:cs typeface="Courier"/>
                 <a:sym typeface="Courier New"/>
               </a:rPr>
-              <a:t>{'money': 12, 'candy': 3, 'tissues': 75}</a:t>
-            </a:r>
+              <a:t>12, 3, 75</a:t>
+            </a:r>
+            <a:r>
+              <a:rPr lang="en-US" sz="2400" b="1" dirty="0">
+                <a:solidFill>
+                  <a:schemeClr val="lt1"/>
+                </a:solidFill>
+                <a:latin typeface="Courier"/>
+                <a:ea typeface="Courier"/>
+                <a:cs typeface="Courier"/>
+                <a:sym typeface="Courier New"/>
+              </a:rPr>
+              <a:t>]</a:t>
+            </a:r>
+            <a:endParaRPr lang="en-US" sz="2400" b="1" i="0" u="none" strike="noStrike" cap="none" dirty="0">
+              <a:solidFill>
+                <a:schemeClr val="lt1"/>
+              </a:solidFill>
+              <a:latin typeface="Courier"/>
+              <a:ea typeface="Courier"/>
+              <a:cs typeface="Courier"/>
+              <a:sym typeface="Courier New"/>
+            </a:endParaRPr>
           </a:p>
           <a:p>
             <a:pPr>
@@ -27170,7 +25629,7 @@
                 <a:cs typeface="Courier"/>
                 <a:sym typeface="Courier New"/>
               </a:rPr>
-              <a:t>purse</a:t>
+              <a:t>cards</a:t>
             </a:r>
             <a:r>
               <a:rPr lang="en-US" sz="2400" b="1" i="0" u="none" strike="noStrike" cap="none" dirty="0">
@@ -27182,7 +25641,7 @@
                 <a:cs typeface="Courier"/>
                 <a:sym typeface="Courier New"/>
               </a:rPr>
-              <a:t>['candy']</a:t>
+              <a:t>[1]</a:t>
             </a:r>
             <a:r>
               <a:rPr lang="en-US" sz="2400" b="1" dirty="0">
@@ -27277,7 +25736,7 @@
                 <a:cs typeface="Courier"/>
                 <a:sym typeface="Courier New"/>
               </a:rPr>
-              <a:t>purse</a:t>
+              <a:t>cards</a:t>
             </a:r>
             <a:r>
               <a:rPr lang="en-US" sz="2400" b="1" i="0" u="none" strike="noStrike" cap="none" dirty="0">
@@ -27289,7 +25748,7 @@
                 <a:cs typeface="Courier"/>
                 <a:sym typeface="Courier New"/>
               </a:rPr>
-              <a:t>['candy']</a:t>
+              <a:t>[1]</a:t>
             </a:r>
             <a:r>
               <a:rPr lang="en-US" sz="2400" b="1" i="0" u="none" strike="noStrike" cap="none" dirty="0">
@@ -27313,7 +25772,7 @@
                 <a:cs typeface="Courier"/>
                 <a:sym typeface="Courier New"/>
               </a:rPr>
-              <a:t>purse</a:t>
+              <a:t>cards</a:t>
             </a:r>
             <a:r>
               <a:rPr lang="en-US" sz="2400" b="1" i="0" u="none" strike="noStrike" cap="none" dirty="0">
@@ -27325,7 +25784,7 @@
                 <a:cs typeface="Courier"/>
                 <a:sym typeface="Courier New"/>
               </a:rPr>
-              <a:t>['candy']</a:t>
+              <a:t>[1]</a:t>
             </a:r>
             <a:r>
               <a:rPr lang="en-US" sz="2400" b="1" i="0" u="none" strike="noStrike" cap="none" dirty="0">
@@ -27381,7 +25840,7 @@
                 <a:cs typeface="Courier"/>
                 <a:sym typeface="Courier New"/>
               </a:rPr>
-              <a:t>purse</a:t>
+              <a:t>cards</a:t>
             </a:r>
             <a:r>
               <a:rPr lang="en-US" sz="2400" b="1" dirty="0">
@@ -27424,6 +25883,18 @@
               <a:buNone/>
             </a:pPr>
             <a:r>
+              <a:rPr lang="en-US" sz="2400" b="1" dirty="0">
+                <a:solidFill>
+                  <a:schemeClr val="lt1"/>
+                </a:solidFill>
+                <a:latin typeface="Courier"/>
+                <a:ea typeface="Courier"/>
+                <a:cs typeface="Courier"/>
+                <a:sym typeface="Courier New"/>
+              </a:rPr>
+              <a:t>[</a:t>
+            </a:r>
+            <a:r>
               <a:rPr lang="en-US" sz="2400" b="1" i="0" u="none" strike="noStrike" cap="none" dirty="0">
                 <a:solidFill>
                   <a:schemeClr val="lt1"/>
@@ -27433,7 +25904,7 @@
                 <a:cs typeface="Courier"/>
                 <a:sym typeface="Courier New"/>
               </a:rPr>
-              <a:t>{'money': 12, </a:t>
+              <a:t>12, </a:t>
             </a:r>
             <a:r>
               <a:rPr lang="en-US" sz="2400" b="1" i="0" u="none" strike="noStrike" cap="none" dirty="0">
@@ -27445,7 +25916,7 @@
                 <a:cs typeface="Courier"/>
                 <a:sym typeface="Courier New"/>
               </a:rPr>
-              <a:t>'candy': 5</a:t>
+              <a:t>5</a:t>
             </a:r>
             <a:r>
               <a:rPr lang="en-US" sz="2400" b="1" i="0" u="none" strike="noStrike" cap="none" dirty="0">
@@ -27457,8 +25928,29 @@
                 <a:cs typeface="Courier"/>
                 <a:sym typeface="Courier New"/>
               </a:rPr>
-              <a:t>, 'tissues': 75}</a:t>
-            </a:r>
+              <a:t>, 75</a:t>
+            </a:r>
+            <a:r>
+              <a:rPr lang="en-US" sz="2400" b="1" dirty="0">
+                <a:solidFill>
+                  <a:schemeClr val="lt1"/>
+                </a:solidFill>
+                <a:latin typeface="Courier"/>
+                <a:ea typeface="Courier"/>
+                <a:cs typeface="Courier"/>
+                <a:sym typeface="Courier New"/>
+              </a:rPr>
+              <a:t>]</a:t>
+            </a:r>
+            <a:endParaRPr lang="en-US" sz="2400" b="1" i="0" u="none" strike="noStrike" cap="none" dirty="0">
+              <a:solidFill>
+                <a:schemeClr val="lt1"/>
+              </a:solidFill>
+              <a:latin typeface="Courier"/>
+              <a:ea typeface="Courier"/>
+              <a:cs typeface="Courier"/>
+              <a:sym typeface="Courier New"/>
+            </a:endParaRPr>
           </a:p>
         </p:txBody>
       </p:sp>
@@ -27518,12 +26010,47 @@
                 <a:cs typeface="Arial" charset="0"/>
                 <a:sym typeface="Cabin"/>
               </a:rPr>
-              <a:t>Dictionaries</a:t>
+              <a:t>Lists (Review)</a:t>
             </a:r>
           </a:p>
         </p:txBody>
       </p:sp>
+      <p:pic>
+        <p:nvPicPr>
+          <p:cNvPr id="2" name="Picture 1" descr="A card catalog in a drawer&#10;&#10;Description automatically generated">
+            <a:extLst>
+              <a:ext uri="{FF2B5EF4-FFF2-40B4-BE49-F238E27FC236}">
+                <a16:creationId xmlns:a16="http://schemas.microsoft.com/office/drawing/2014/main" id="{3FF18574-4414-ED1B-31FA-977D9E215126}"/>
+              </a:ext>
+            </a:extLst>
+          </p:cNvPr>
+          <p:cNvPicPr>
+            <a:picLocks noChangeAspect="1"/>
+          </p:cNvPicPr>
+          <p:nvPr/>
+        </p:nvPicPr>
+        <p:blipFill>
+          <a:blip r:embed="rId3"/>
+          <a:stretch>
+            <a:fillRect/>
+          </a:stretch>
+        </p:blipFill>
+        <p:spPr>
+          <a:xfrm>
+            <a:off x="12509933" y="905163"/>
+            <a:ext cx="2732873" cy="2335583"/>
+          </a:xfrm>
+          <a:prstGeom prst="rect">
+            <a:avLst/>
+          </a:prstGeom>
+        </p:spPr>
+      </p:pic>
     </p:spTree>
+    <p:extLst>
+      <p:ext uri="{BB962C8B-B14F-4D97-AF65-F5344CB8AC3E}">
+        <p14:creationId xmlns:p14="http://schemas.microsoft.com/office/powerpoint/2010/main" val="3662532256"/>
+      </p:ext>
+    </p:extLst>
   </p:cSld>
   <p:clrMapOvr>
     <a:masterClrMapping/>
@@ -27536,7 +26063,7 @@
   <p:cSld>
     <p:spTree>
       <p:nvGrpSpPr>
-        <p:cNvPr id="1" name="Shape 264"/>
+        <p:cNvPr id="1" name="Shape 257"/>
         <p:cNvGrpSpPr/>
         <p:nvPr/>
       </p:nvGrpSpPr>
@@ -27550,64 +26077,7 @@
       </p:grpSpPr>
       <p:sp>
         <p:nvSpPr>
-          <p:cNvPr id="265" name="Shape 265"/>
-          <p:cNvSpPr txBox="1">
-            <a:spLocks noGrp="1"/>
-          </p:cNvSpPr>
-          <p:nvPr>
-            <p:ph type="title"/>
-          </p:nvPr>
-        </p:nvSpPr>
-        <p:spPr>
-          <a:prstGeom prst="rect">
-            <a:avLst/>
-          </a:prstGeom>
-          <a:noFill/>
-          <a:ln>
-            <a:noFill/>
-          </a:ln>
-        </p:spPr>
-        <p:txBody>
-          <a:bodyPr lIns="38100" tIns="38100" rIns="38100" bIns="38100" anchor="ctr" anchorCtr="0">
-            <a:noAutofit/>
-          </a:bodyPr>
-          <a:lstStyle/>
-          <a:p>
-            <a:pPr marL="0" marR="0" lvl="0" indent="0" algn="ctr" rtl="0">
-              <a:lnSpc>
-                <a:spcPct val="100000"/>
-              </a:lnSpc>
-              <a:spcBef>
-                <a:spcPts val="0"/>
-              </a:spcBef>
-              <a:spcAft>
-                <a:spcPts val="0"/>
-              </a:spcAft>
-              <a:buClr>
-                <a:srgbClr val="FF7F00"/>
-              </a:buClr>
-              <a:buSzPct val="25000"/>
-              <a:buFont typeface="Cabin"/>
-              <a:buNone/>
-            </a:pPr>
-            <a:r>
-              <a:rPr lang="en-US" sz="6600" u="none" strike="noStrike" cap="none" dirty="0">
-                <a:solidFill>
-                  <a:srgbClr val="FFD966"/>
-                </a:solidFill>
-                <a:latin typeface="Arial" charset="0"/>
-                <a:ea typeface="Arial" charset="0"/>
-                <a:cs typeface="Arial" charset="0"/>
-                <a:sym typeface="Cabin"/>
-              </a:rPr>
-              <a:t>Comparing Lists and Dictionaries</a:t>
-            </a:r>
-          </a:p>
-        </p:txBody>
-      </p:sp>
-      <p:sp>
-        <p:nvSpPr>
-          <p:cNvPr id="266" name="Shape 266"/>
+          <p:cNvPr id="259" name="Shape 259"/>
           <p:cNvSpPr txBox="1">
             <a:spLocks noGrp="1"/>
           </p:cNvSpPr>
@@ -27617,8 +26087,8 @@
         </p:nvSpPr>
         <p:spPr>
           <a:xfrm>
-            <a:off x="1155700" y="2603501"/>
-            <a:ext cx="13931900" cy="1765300"/>
+            <a:off x="1155700" y="2603500"/>
+            <a:ext cx="6488113" cy="5702299"/>
           </a:xfrm>
           <a:prstGeom prst="rect">
             <a:avLst/>
@@ -27634,7 +26104,7 @@
           </a:bodyPr>
           <a:lstStyle/>
           <a:p>
-            <a:pPr marL="215900" marR="0" lvl="0" indent="0" algn="l" rtl="0">
+            <a:pPr marL="749300" marR="0" lvl="0" indent="-371094" algn="l" rtl="0">
               <a:lnSpc>
                 <a:spcPct val="100000"/>
               </a:lnSpc>
@@ -27645,11 +26115,55 @@
                 <a:spcPts val="0"/>
               </a:spcAft>
               <a:buClr>
+                <a:schemeClr val="lt1"/>
+              </a:buClr>
+              <a:buSzPct val="100000"/>
+              <a:buFont typeface="Cabin"/>
+              <a:buChar char="•"/>
+            </a:pPr>
+            <a:r>
+              <a:rPr lang="en-US" dirty="0">
+                <a:solidFill>
+                  <a:schemeClr val="lt1"/>
+                </a:solidFill>
+                <a:latin typeface="Arial" charset="0"/>
+                <a:ea typeface="Arial" charset="0"/>
+                <a:cs typeface="Arial" charset="0"/>
+                <a:sym typeface="Cabin"/>
+              </a:rPr>
+              <a:t>We append values to the end of a List and look them up by position</a:t>
+            </a:r>
+            <a:endParaRPr lang="en-US" sz="3600" u="none" strike="noStrike" cap="none" dirty="0">
+              <a:solidFill>
+                <a:schemeClr val="lt1"/>
+              </a:solidFill>
+              <a:latin typeface="Arial" charset="0"/>
+              <a:ea typeface="Arial" charset="0"/>
+              <a:cs typeface="Arial" charset="0"/>
+              <a:sym typeface="Cabin"/>
+            </a:endParaRPr>
+          </a:p>
+          <a:p>
+            <a:pPr marL="749300" indent="-371094">
+              <a:buClr>
                 <a:srgbClr val="FF00FF"/>
               </a:buClr>
-              <a:buSzPct val="171000"/>
-              <a:buNone/>
-            </a:pPr>
+              <a:buSzPct val="100000"/>
+              <a:buFont typeface="Cabin"/>
+              <a:buChar char="•"/>
+            </a:pPr>
+            <a:r>
+              <a:rPr lang="en-US" dirty="0">
+                <a:solidFill>
+                  <a:schemeClr val="lt1"/>
+                </a:solidFill>
+                <a:latin typeface="Arial" charset="0"/>
+                <a:ea typeface="Arial" charset="0"/>
+                <a:cs typeface="Arial" charset="0"/>
+                <a:sym typeface="Cabin"/>
+              </a:rPr>
+              <a:t>We insert values into a  </a:t>
+            </a:r>
             <a:r>
               <a:rPr lang="en-US" sz="3600" u="none" strike="noStrike" cap="none" dirty="0">
                 <a:solidFill>
@@ -27660,7 +26174,7 @@
                 <a:cs typeface="Arial" charset="0"/>
                 <a:sym typeface="Cabin"/>
               </a:rPr>
-              <a:t>Dictionaries</a:t>
+              <a:t>Dictionary</a:t>
             </a:r>
             <a:r>
               <a:rPr lang="en-US" sz="3600" u="none" strike="noStrike" cap="none" dirty="0">
@@ -27672,117 +26186,42 @@
                 <a:cs typeface="Arial" charset="0"/>
                 <a:sym typeface="Cabin"/>
               </a:rPr>
-              <a:t> are like </a:t>
-            </a:r>
-            <a:r>
-              <a:rPr lang="en-US" sz="3600" dirty="0">
-                <a:solidFill>
-                  <a:srgbClr val="00FF00"/>
-                </a:solidFill>
-                <a:latin typeface="Arial" charset="0"/>
-                <a:ea typeface="Arial" charset="0"/>
-                <a:cs typeface="Arial" charset="0"/>
-                <a:sym typeface="Cabin"/>
-              </a:rPr>
-              <a:t>l</a:t>
-            </a:r>
-            <a:r>
-              <a:rPr lang="en-US" sz="3600" u="none" strike="noStrike" cap="none" dirty="0">
-                <a:solidFill>
-                  <a:srgbClr val="00FF00"/>
-                </a:solidFill>
-                <a:latin typeface="Arial" charset="0"/>
-                <a:ea typeface="Arial" charset="0"/>
-                <a:cs typeface="Arial" charset="0"/>
-                <a:sym typeface="Cabin"/>
-              </a:rPr>
-              <a:t>ists</a:t>
-            </a:r>
-            <a:r>
-              <a:rPr lang="en-US" sz="3600" u="none" strike="noStrike" cap="none" dirty="0">
-                <a:solidFill>
-                  <a:schemeClr val="lt1"/>
-                </a:solidFill>
-                <a:latin typeface="Arial" charset="0"/>
-                <a:ea typeface="Arial" charset="0"/>
-                <a:cs typeface="Arial" charset="0"/>
-                <a:sym typeface="Cabin"/>
-              </a:rPr>
-              <a:t> except that they use </a:t>
-            </a:r>
-            <a:r>
-              <a:rPr lang="en-US" sz="3600" u="none" strike="noStrike" cap="none" dirty="0">
-                <a:solidFill>
-                  <a:srgbClr val="FF7F00"/>
-                </a:solidFill>
-                <a:latin typeface="Arial" charset="0"/>
-                <a:ea typeface="Arial" charset="0"/>
-                <a:cs typeface="Arial" charset="0"/>
-                <a:sym typeface="Cabin"/>
-              </a:rPr>
-              <a:t>keys</a:t>
-            </a:r>
-            <a:r>
-              <a:rPr lang="en-US" sz="3600" u="none" strike="noStrike" cap="none" dirty="0">
-                <a:solidFill>
-                  <a:schemeClr val="lt1"/>
-                </a:solidFill>
-                <a:latin typeface="Arial" charset="0"/>
-                <a:ea typeface="Arial" charset="0"/>
-                <a:cs typeface="Arial" charset="0"/>
-                <a:sym typeface="Cabin"/>
-              </a:rPr>
-              <a:t> instead of </a:t>
-            </a:r>
-            <a:r>
-              <a:rPr lang="en-US" sz="3600" u="none" strike="noStrike" cap="none" dirty="0">
-                <a:solidFill>
-                  <a:srgbClr val="FFFFFF"/>
-                </a:solidFill>
-                <a:latin typeface="Arial" charset="0"/>
-                <a:ea typeface="Arial" charset="0"/>
-                <a:cs typeface="Arial" charset="0"/>
-                <a:sym typeface="Cabin"/>
-              </a:rPr>
-              <a:t>numbers</a:t>
-            </a:r>
-            <a:r>
-              <a:rPr lang="en-US" sz="3600" u="none" strike="noStrike" cap="none" dirty="0">
-                <a:solidFill>
-                  <a:schemeClr val="lt1"/>
-                </a:solidFill>
-                <a:latin typeface="Arial" charset="0"/>
-                <a:ea typeface="Arial" charset="0"/>
-                <a:cs typeface="Arial" charset="0"/>
-                <a:sym typeface="Cabin"/>
-              </a:rPr>
-              <a:t> to look up </a:t>
-            </a:r>
-            <a:r>
-              <a:rPr lang="en-US" sz="3600" u="none" strike="noStrike" cap="none" dirty="0">
-                <a:solidFill>
-                  <a:srgbClr val="FFFF00"/>
-                </a:solidFill>
-                <a:latin typeface="Arial" charset="0"/>
-                <a:ea typeface="Arial" charset="0"/>
-                <a:cs typeface="Arial" charset="0"/>
-                <a:sym typeface="Cabin"/>
-              </a:rPr>
-              <a:t>values</a:t>
-            </a:r>
+              <a:t> </a:t>
+            </a:r>
+            <a:r>
+              <a:rPr lang="en-US" dirty="0">
+                <a:solidFill>
+                  <a:schemeClr val="lt1"/>
+                </a:solidFill>
+                <a:latin typeface="Arial" charset="0"/>
+                <a:ea typeface="Arial" charset="0"/>
+                <a:cs typeface="Arial" charset="0"/>
+                <a:sym typeface="Cabin"/>
+              </a:rPr>
+              <a:t>using a key and retrieve them using a key</a:t>
+            </a:r>
+            <a:endParaRPr lang="en-US" sz="3600" u="none" strike="noStrike" cap="none" dirty="0">
+              <a:solidFill>
+                <a:schemeClr val="lt1"/>
+              </a:solidFill>
+              <a:latin typeface="Arial" charset="0"/>
+              <a:ea typeface="Arial" charset="0"/>
+              <a:cs typeface="Arial" charset="0"/>
+              <a:sym typeface="Cabin"/>
+            </a:endParaRPr>
           </a:p>
         </p:txBody>
       </p:sp>
       <p:sp>
         <p:nvSpPr>
-          <p:cNvPr id="267" name="Shape 267"/>
+          <p:cNvPr id="260" name="Shape 260"/>
           <p:cNvSpPr txBox="1"/>
           <p:nvPr/>
         </p:nvSpPr>
         <p:spPr>
           <a:xfrm>
-            <a:off x="2381250" y="4551344"/>
-            <a:ext cx="5059200" cy="3578243"/>
+            <a:off x="8242774" y="2314575"/>
+            <a:ext cx="7746207" cy="5514975"/>
           </a:xfrm>
           <a:prstGeom prst="rect">
             <a:avLst/>
@@ -27809,14 +26248,26 @@
                 <a:spcPts val="0"/>
               </a:spcAft>
               <a:buClr>
-                <a:srgbClr val="00FF00"/>
+                <a:schemeClr val="lt1"/>
               </a:buClr>
               <a:buSzPct val="25000"/>
               <a:buFont typeface="Cabin"/>
               <a:buNone/>
             </a:pPr>
             <a:r>
-              <a:rPr lang="en-US" sz="3000" b="1" i="0" u="none" strike="noStrike" cap="none" dirty="0">
+              <a:rPr lang="en-US" sz="2400" b="1" i="0" u="none" strike="noStrike" cap="none" dirty="0">
+                <a:solidFill>
+                  <a:schemeClr val="lt1"/>
+                </a:solidFill>
+                <a:latin typeface="Courier"/>
+                <a:ea typeface="Courier"/>
+                <a:cs typeface="Courier"/>
+                <a:sym typeface="Courier New"/>
+              </a:rPr>
+              <a:t>&gt;&gt;&gt; </a:t>
+            </a:r>
+            <a:r>
+              <a:rPr lang="en-US" sz="2400" b="1" dirty="0">
                 <a:solidFill>
                   <a:srgbClr val="00FF00"/>
                 </a:solidFill>
@@ -27825,24 +26276,12 @@
                 <a:cs typeface="Courier"/>
                 <a:sym typeface="Courier New"/>
               </a:rPr>
-              <a:t>&gt;&gt;&gt; </a:t>
-            </a:r>
-            <a:r>
-              <a:rPr lang="en-US" sz="3000" b="1" i="0" u="none" strike="noStrike" cap="none" dirty="0" err="1">
-                <a:solidFill>
-                  <a:srgbClr val="00FF00"/>
-                </a:solidFill>
-                <a:latin typeface="Courier"/>
-                <a:ea typeface="Courier"/>
-                <a:cs typeface="Courier"/>
-                <a:sym typeface="Courier New"/>
-              </a:rPr>
-              <a:t>lst</a:t>
-            </a:r>
-            <a:r>
-              <a:rPr lang="en-US" sz="3000" b="1" i="0" u="none" strike="noStrike" cap="none" dirty="0">
-                <a:solidFill>
-                  <a:srgbClr val="00FF00"/>
+              <a:t>cabinet</a:t>
+            </a:r>
+            <a:r>
+              <a:rPr lang="en-US" sz="2400" b="1" i="0" u="none" strike="noStrike" cap="none" dirty="0">
+                <a:solidFill>
+                  <a:schemeClr val="lt1"/>
                 </a:solidFill>
                 <a:latin typeface="Courier"/>
                 <a:ea typeface="Courier"/>
@@ -27852,16 +26291,28 @@
               <a:t> = </a:t>
             </a:r>
             <a:r>
-              <a:rPr lang="en-US" sz="3000" b="1" i="0" u="none" strike="noStrike" cap="none" dirty="0">
-                <a:solidFill>
-                  <a:srgbClr val="00FFFF"/>
-                </a:solidFill>
-                <a:latin typeface="Courier"/>
-                <a:ea typeface="Courier"/>
-                <a:cs typeface="Courier"/>
-                <a:sym typeface="Courier New"/>
-              </a:rPr>
-              <a:t>list()</a:t>
+              <a:rPr lang="en-US" sz="2400" b="1" i="0" u="none" strike="noStrike" cap="none" dirty="0" err="1">
+                <a:solidFill>
+                  <a:srgbClr val="FF00FF"/>
+                </a:solidFill>
+                <a:latin typeface="Courier"/>
+                <a:ea typeface="Courier"/>
+                <a:cs typeface="Courier"/>
+                <a:sym typeface="Courier New"/>
+              </a:rPr>
+              <a:t>dict</a:t>
+            </a:r>
+            <a:r>
+              <a:rPr lang="en-US" sz="2400" b="1" i="0" u="none" strike="noStrike" cap="none" dirty="0">
+                <a:solidFill>
+                  <a:schemeClr val="lt1"/>
+                </a:solidFill>
+                <a:latin typeface="Courier"/>
+                <a:ea typeface="Courier"/>
+                <a:cs typeface="Courier"/>
+                <a:sym typeface="Courier New"/>
+              </a:rPr>
+              <a:t>()</a:t>
             </a:r>
           </a:p>
           <a:p>
@@ -27876,14 +26327,26 @@
                 <a:spcPts val="0"/>
               </a:spcAft>
               <a:buClr>
-                <a:srgbClr val="00FF00"/>
+                <a:schemeClr val="lt1"/>
               </a:buClr>
               <a:buSzPct val="25000"/>
               <a:buFont typeface="Cabin"/>
               <a:buNone/>
             </a:pPr>
             <a:r>
-              <a:rPr lang="en-US" sz="3000" b="1" i="0" u="none" strike="noStrike" cap="none" dirty="0">
+              <a:rPr lang="en-US" sz="2400" b="1" i="0" u="none" strike="noStrike" cap="none" dirty="0">
+                <a:solidFill>
+                  <a:schemeClr val="lt1"/>
+                </a:solidFill>
+                <a:latin typeface="Courier"/>
+                <a:ea typeface="Courier"/>
+                <a:cs typeface="Courier"/>
+                <a:sym typeface="Courier New"/>
+              </a:rPr>
+              <a:t>&gt;&gt;&gt; </a:t>
+            </a:r>
+            <a:r>
+              <a:rPr lang="en-US" sz="2400" b="1" i="0" u="none" strike="noStrike" cap="none" dirty="0">
                 <a:solidFill>
                   <a:srgbClr val="00FF00"/>
                 </a:solidFill>
@@ -27892,67 +26355,31 @@
                 <a:cs typeface="Courier"/>
                 <a:sym typeface="Courier New"/>
               </a:rPr>
-              <a:t>&gt;&gt;&gt; </a:t>
-            </a:r>
-            <a:r>
-              <a:rPr lang="en-US" sz="3000" b="1" i="0" u="none" strike="noStrike" cap="none" dirty="0" err="1">
-                <a:solidFill>
-                  <a:srgbClr val="00FF00"/>
-                </a:solidFill>
-                <a:latin typeface="Courier"/>
-                <a:ea typeface="Courier"/>
-                <a:cs typeface="Courier"/>
-                <a:sym typeface="Courier New"/>
-              </a:rPr>
-              <a:t>lst.</a:t>
-            </a:r>
-            <a:r>
-              <a:rPr lang="en-US" sz="3000" b="1" i="0" u="none" strike="noStrike" cap="none" dirty="0" err="1">
-                <a:solidFill>
-                  <a:srgbClr val="FF00FF"/>
-                </a:solidFill>
-                <a:latin typeface="Courier"/>
-                <a:ea typeface="Courier"/>
-                <a:cs typeface="Courier"/>
-                <a:sym typeface="Courier New"/>
-              </a:rPr>
-              <a:t>append</a:t>
-            </a:r>
-            <a:r>
-              <a:rPr lang="en-US" sz="3000" b="1" i="0" u="none" strike="noStrike" cap="none" dirty="0">
-                <a:solidFill>
-                  <a:srgbClr val="00FF00"/>
-                </a:solidFill>
-                <a:latin typeface="Courier"/>
-                <a:ea typeface="Courier"/>
-                <a:cs typeface="Courier"/>
-                <a:sym typeface="Courier New"/>
-              </a:rPr>
-              <a:t>(</a:t>
-            </a:r>
-            <a:r>
-              <a:rPr lang="en-US" sz="3000" b="1" i="0" u="none" strike="noStrike" cap="none" dirty="0">
-                <a:solidFill>
-                  <a:srgbClr val="FFFF00"/>
-                </a:solidFill>
-                <a:latin typeface="Courier"/>
-                <a:ea typeface="Courier"/>
-                <a:cs typeface="Courier"/>
-                <a:sym typeface="Courier New"/>
-              </a:rPr>
-              <a:t>21</a:t>
-            </a:r>
-            <a:r>
-              <a:rPr lang="en-US" sz="3000" b="1" i="0" u="none" strike="noStrike" cap="none" dirty="0">
-                <a:solidFill>
-                  <a:srgbClr val="00FF00"/>
-                </a:solidFill>
-                <a:latin typeface="Courier"/>
-                <a:ea typeface="Courier"/>
-                <a:cs typeface="Courier"/>
-                <a:sym typeface="Courier New"/>
-              </a:rPr>
-              <a:t>)</a:t>
+              <a:t>cabinet</a:t>
+            </a:r>
+            <a:r>
+              <a:rPr lang="en-US" sz="2400" b="1" i="0" u="none" strike="noStrike" cap="none" dirty="0">
+                <a:solidFill>
+                  <a:srgbClr val="00FFFF"/>
+                </a:solidFill>
+                <a:latin typeface="Courier"/>
+                <a:ea typeface="Courier"/>
+                <a:cs typeface="Courier"/>
+                <a:sym typeface="Courier New"/>
+              </a:rPr>
+              <a:t>['summer']</a:t>
+            </a:r>
+            <a:r>
+              <a:rPr lang="en-US" sz="2400" b="1" i="0" u="none" strike="noStrike" cap="none" dirty="0">
+                <a:solidFill>
+                  <a:schemeClr val="lt1"/>
+                </a:solidFill>
+                <a:latin typeface="Courier"/>
+                <a:ea typeface="Courier"/>
+                <a:cs typeface="Courier"/>
+                <a:sym typeface="Courier New"/>
+              </a:rPr>
+              <a:t> = 12</a:t>
             </a:r>
           </a:p>
           <a:p>
@@ -27967,14 +26394,26 @@
                 <a:spcPts val="0"/>
               </a:spcAft>
               <a:buClr>
-                <a:srgbClr val="00FF00"/>
+                <a:schemeClr val="lt1"/>
               </a:buClr>
               <a:buSzPct val="25000"/>
               <a:buFont typeface="Cabin"/>
               <a:buNone/>
             </a:pPr>
             <a:r>
-              <a:rPr lang="en-US" sz="3000" b="1" i="0" u="none" strike="noStrike" cap="none" dirty="0">
+              <a:rPr lang="en-US" sz="2400" b="1" i="0" u="none" strike="noStrike" cap="none" dirty="0">
+                <a:solidFill>
+                  <a:schemeClr val="lt1"/>
+                </a:solidFill>
+                <a:latin typeface="Courier"/>
+                <a:ea typeface="Courier"/>
+                <a:cs typeface="Courier"/>
+                <a:sym typeface="Courier New"/>
+              </a:rPr>
+              <a:t>&gt;&gt;&gt; </a:t>
+            </a:r>
+            <a:r>
+              <a:rPr lang="en-US" sz="2400" b="1" dirty="0">
                 <a:solidFill>
                   <a:srgbClr val="00FF00"/>
                 </a:solidFill>
@@ -27983,67 +26422,31 @@
                 <a:cs typeface="Courier"/>
                 <a:sym typeface="Courier New"/>
               </a:rPr>
-              <a:t>&gt;&gt;&gt; </a:t>
-            </a:r>
-            <a:r>
-              <a:rPr lang="en-US" sz="3000" b="1" i="0" u="none" strike="noStrike" cap="none" dirty="0" err="1">
-                <a:solidFill>
-                  <a:srgbClr val="00FF00"/>
-                </a:solidFill>
-                <a:latin typeface="Courier"/>
-                <a:ea typeface="Courier"/>
-                <a:cs typeface="Courier"/>
-                <a:sym typeface="Courier New"/>
-              </a:rPr>
-              <a:t>lst.</a:t>
-            </a:r>
-            <a:r>
-              <a:rPr lang="en-US" sz="3000" b="1" i="0" u="none" strike="noStrike" cap="none" dirty="0" err="1">
-                <a:solidFill>
-                  <a:srgbClr val="FF00FF"/>
-                </a:solidFill>
-                <a:latin typeface="Courier"/>
-                <a:ea typeface="Courier"/>
-                <a:cs typeface="Courier"/>
-                <a:sym typeface="Courier New"/>
-              </a:rPr>
-              <a:t>append</a:t>
-            </a:r>
-            <a:r>
-              <a:rPr lang="en-US" sz="3000" b="1" i="0" u="none" strike="noStrike" cap="none" dirty="0">
-                <a:solidFill>
-                  <a:srgbClr val="00FF00"/>
-                </a:solidFill>
-                <a:latin typeface="Courier"/>
-                <a:ea typeface="Courier"/>
-                <a:cs typeface="Courier"/>
-                <a:sym typeface="Courier New"/>
-              </a:rPr>
-              <a:t>(</a:t>
-            </a:r>
-            <a:r>
-              <a:rPr lang="en-US" sz="3000" b="1" i="0" u="none" strike="noStrike" cap="none" dirty="0">
-                <a:solidFill>
-                  <a:srgbClr val="FFFF00"/>
-                </a:solidFill>
-                <a:latin typeface="Courier"/>
-                <a:ea typeface="Courier"/>
-                <a:cs typeface="Courier"/>
-                <a:sym typeface="Courier New"/>
-              </a:rPr>
-              <a:t>183</a:t>
-            </a:r>
-            <a:r>
-              <a:rPr lang="en-US" sz="3000" b="1" i="0" u="none" strike="noStrike" cap="none" dirty="0">
-                <a:solidFill>
-                  <a:srgbClr val="00FF00"/>
-                </a:solidFill>
-                <a:latin typeface="Courier"/>
-                <a:ea typeface="Courier"/>
-                <a:cs typeface="Courier"/>
-                <a:sym typeface="Courier New"/>
-              </a:rPr>
-              <a:t>)</a:t>
+              <a:t>cabinet</a:t>
+            </a:r>
+            <a:r>
+              <a:rPr lang="en-US" sz="2400" b="1" i="0" u="none" strike="noStrike" cap="none" dirty="0">
+                <a:solidFill>
+                  <a:srgbClr val="00FFFF"/>
+                </a:solidFill>
+                <a:latin typeface="Courier"/>
+                <a:ea typeface="Courier"/>
+                <a:cs typeface="Courier"/>
+                <a:sym typeface="Courier New"/>
+              </a:rPr>
+              <a:t>['fall']</a:t>
+            </a:r>
+            <a:r>
+              <a:rPr lang="en-US" sz="2400" b="1" i="0" u="none" strike="noStrike" cap="none" dirty="0">
+                <a:solidFill>
+                  <a:schemeClr val="lt1"/>
+                </a:solidFill>
+                <a:latin typeface="Courier"/>
+                <a:ea typeface="Courier"/>
+                <a:cs typeface="Courier"/>
+                <a:sym typeface="Courier New"/>
+              </a:rPr>
+              <a:t> = 3</a:t>
             </a:r>
           </a:p>
           <a:p>
@@ -28058,14 +26461,26 @@
                 <a:spcPts val="0"/>
               </a:spcAft>
               <a:buClr>
-                <a:srgbClr val="00FF00"/>
+                <a:schemeClr val="lt1"/>
               </a:buClr>
               <a:buSzPct val="25000"/>
               <a:buFont typeface="Cabin"/>
               <a:buNone/>
             </a:pPr>
             <a:r>
-              <a:rPr lang="en-US" sz="3000" b="1" i="0" u="none" strike="noStrike" cap="none" dirty="0">
+              <a:rPr lang="en-US" sz="2400" b="1" i="0" u="none" strike="noStrike" cap="none" dirty="0">
+                <a:solidFill>
+                  <a:schemeClr val="lt1"/>
+                </a:solidFill>
+                <a:latin typeface="Courier"/>
+                <a:ea typeface="Courier"/>
+                <a:cs typeface="Courier"/>
+                <a:sym typeface="Courier New"/>
+              </a:rPr>
+              <a:t>&gt;&gt;&gt; </a:t>
+            </a:r>
+            <a:r>
+              <a:rPr lang="en-US" sz="2400" b="1" i="0" u="none" strike="noStrike" cap="none" dirty="0">
                 <a:solidFill>
                   <a:srgbClr val="00FF00"/>
                 </a:solidFill>
@@ -28074,43 +26489,31 @@
                 <a:cs typeface="Courier"/>
                 <a:sym typeface="Courier New"/>
               </a:rPr>
-              <a:t>&gt;&gt;&gt; </a:t>
-            </a:r>
-            <a:r>
-              <a:rPr lang="en-US" sz="3000" b="1" i="0" u="none" strike="noStrike" cap="none" dirty="0">
-                <a:solidFill>
-                  <a:srgbClr val="FFFF00"/>
-                </a:solidFill>
-                <a:latin typeface="Courier"/>
-                <a:ea typeface="Courier"/>
-                <a:cs typeface="Courier"/>
-                <a:sym typeface="Courier New"/>
-              </a:rPr>
-              <a:t>print(</a:t>
-            </a:r>
-            <a:r>
-              <a:rPr lang="en-US" sz="3000" b="1" i="0" u="none" strike="noStrike" cap="none" dirty="0" err="1">
-                <a:solidFill>
-                  <a:srgbClr val="00FF00"/>
-                </a:solidFill>
-                <a:latin typeface="Courier"/>
-                <a:ea typeface="Courier"/>
-                <a:cs typeface="Courier"/>
-                <a:sym typeface="Courier New"/>
-              </a:rPr>
-              <a:t>lst</a:t>
-            </a:r>
-            <a:r>
-              <a:rPr lang="en-US" sz="3000" b="1" i="0" u="none" strike="noStrike" cap="none" dirty="0">
-                <a:solidFill>
-                  <a:srgbClr val="FFFF00"/>
-                </a:solidFill>
-                <a:latin typeface="Courier"/>
-                <a:ea typeface="Courier"/>
-                <a:cs typeface="Courier"/>
-                <a:sym typeface="Courier New"/>
-              </a:rPr>
-              <a:t>)</a:t>
+              <a:t>cabinet</a:t>
+            </a:r>
+            <a:r>
+              <a:rPr lang="en-US" sz="2400" b="1" i="0" u="none" strike="noStrike" cap="none" dirty="0">
+                <a:solidFill>
+                  <a:srgbClr val="00FFFF"/>
+                </a:solidFill>
+                <a:latin typeface="Courier"/>
+                <a:ea typeface="Courier"/>
+                <a:cs typeface="Courier"/>
+                <a:sym typeface="Courier New"/>
+              </a:rPr>
+              <a:t>['spring']</a:t>
+            </a:r>
+            <a:r>
+              <a:rPr lang="en-US" sz="2400" b="1" i="0" u="none" strike="noStrike" cap="none" dirty="0">
+                <a:solidFill>
+                  <a:schemeClr val="lt1"/>
+                </a:solidFill>
+                <a:latin typeface="Courier"/>
+                <a:ea typeface="Courier"/>
+                <a:cs typeface="Courier"/>
+                <a:sym typeface="Courier New"/>
+              </a:rPr>
+              <a:t> = 75</a:t>
             </a:r>
           </a:p>
           <a:p>
@@ -28125,14 +26528,38 @@
                 <a:spcPts val="0"/>
               </a:spcAft>
               <a:buClr>
-                <a:srgbClr val="00FF00"/>
+                <a:schemeClr val="lt1"/>
               </a:buClr>
               <a:buSzPct val="25000"/>
               <a:buFont typeface="Cabin"/>
               <a:buNone/>
             </a:pPr>
             <a:r>
-              <a:rPr lang="en-US" sz="3000" b="1" i="0" u="none" strike="noStrike" cap="none" dirty="0">
+              <a:rPr lang="en-US" sz="2400" b="1" i="0" u="none" strike="noStrike" cap="none" dirty="0">
+                <a:solidFill>
+                  <a:schemeClr val="lt1"/>
+                </a:solidFill>
+                <a:latin typeface="Courier"/>
+                <a:ea typeface="Courier"/>
+                <a:cs typeface="Courier"/>
+                <a:sym typeface="Courier New"/>
+              </a:rPr>
+              <a:t>&gt;&gt;&gt; </a:t>
+            </a:r>
+            <a:r>
+              <a:rPr lang="en-US" sz="2400" b="1" i="0" u="none" strike="noStrike" cap="none" dirty="0">
+                <a:solidFill>
+                  <a:srgbClr val="FFFF00"/>
+                </a:solidFill>
+                <a:latin typeface="Courier"/>
+                <a:ea typeface="Courier"/>
+                <a:cs typeface="Courier"/>
+                <a:sym typeface="Courier New"/>
+              </a:rPr>
+              <a:t>print(</a:t>
+            </a:r>
+            <a:r>
+              <a:rPr lang="en-US" sz="2400" b="1" i="0" u="none" strike="noStrike" cap="none" dirty="0">
                 <a:solidFill>
                   <a:srgbClr val="00FF00"/>
                 </a:solidFill>
@@ -28141,10 +26568,10 @@
                 <a:cs typeface="Courier"/>
                 <a:sym typeface="Courier New"/>
               </a:rPr>
-              <a:t>[</a:t>
-            </a:r>
-            <a:r>
-              <a:rPr lang="en-US" sz="3000" b="1" i="0" u="none" strike="noStrike" cap="none" dirty="0">
+              <a:t>cabinet</a:t>
+            </a:r>
+            <a:r>
+              <a:rPr lang="en-US" sz="2400" b="1" i="0" u="none" strike="noStrike" cap="none" dirty="0">
                 <a:solidFill>
                   <a:srgbClr val="FFFF00"/>
                 </a:solidFill>
@@ -28153,19 +26580,7 @@
                 <a:cs typeface="Courier"/>
                 <a:sym typeface="Courier New"/>
               </a:rPr>
-              <a:t>21, 183</a:t>
-            </a:r>
-            <a:r>
-              <a:rPr lang="en-US" sz="3000" b="1" i="0" u="none" strike="noStrike" cap="none" dirty="0">
-                <a:solidFill>
-                  <a:srgbClr val="00FF00"/>
-                </a:solidFill>
-                <a:latin typeface="Courier"/>
-                <a:ea typeface="Courier"/>
-                <a:cs typeface="Courier"/>
-                <a:sym typeface="Courier New"/>
-              </a:rPr>
-              <a:t>]</a:t>
+              <a:t>)</a:t>
             </a:r>
           </a:p>
           <a:p>
@@ -28180,94 +26595,58 @@
                 <a:spcPts val="0"/>
               </a:spcAft>
               <a:buClr>
-                <a:srgbClr val="00FF00"/>
+                <a:schemeClr val="lt1"/>
               </a:buClr>
               <a:buSzPct val="25000"/>
               <a:buFont typeface="Cabin"/>
               <a:buNone/>
             </a:pPr>
             <a:r>
-              <a:rPr lang="en-US" sz="3000" b="1" i="0" u="none" strike="noStrike" cap="none" dirty="0">
-                <a:solidFill>
-                  <a:srgbClr val="00FF00"/>
-                </a:solidFill>
-                <a:latin typeface="Courier"/>
-                <a:ea typeface="Courier"/>
-                <a:cs typeface="Courier"/>
-                <a:sym typeface="Courier New"/>
-              </a:rPr>
-              <a:t>&gt;&gt;&gt; </a:t>
-            </a:r>
-            <a:r>
-              <a:rPr lang="en-US" sz="3000" b="1" i="0" u="none" strike="noStrike" cap="none" dirty="0" err="1">
-                <a:solidFill>
-                  <a:srgbClr val="00FF00"/>
-                </a:solidFill>
-                <a:latin typeface="Courier"/>
-                <a:ea typeface="Courier"/>
-                <a:cs typeface="Courier"/>
-                <a:sym typeface="Courier New"/>
-              </a:rPr>
-              <a:t>lst</a:t>
-            </a:r>
-            <a:r>
-              <a:rPr lang="en-US" sz="3000" b="1" i="0" u="none" strike="noStrike" cap="none" dirty="0">
-                <a:solidFill>
-                  <a:srgbClr val="00FF00"/>
-                </a:solidFill>
-                <a:latin typeface="Courier"/>
-                <a:ea typeface="Courier"/>
-                <a:cs typeface="Courier"/>
-                <a:sym typeface="Courier New"/>
-              </a:rPr>
-              <a:t>[</a:t>
-            </a:r>
-            <a:r>
-              <a:rPr lang="en-US" sz="3000" b="1" i="0" u="none" strike="noStrike" cap="none" dirty="0">
-                <a:solidFill>
-                  <a:srgbClr val="FFFFFF"/>
-                </a:solidFill>
-                <a:latin typeface="Courier"/>
-                <a:ea typeface="Courier"/>
-                <a:cs typeface="Courier"/>
-                <a:sym typeface="Courier New"/>
-              </a:rPr>
-              <a:t>0</a:t>
-            </a:r>
-            <a:r>
-              <a:rPr lang="en-US" sz="3000" b="1" i="0" u="none" strike="noStrike" cap="none" dirty="0">
-                <a:solidFill>
-                  <a:srgbClr val="00FF00"/>
-                </a:solidFill>
-                <a:latin typeface="Courier"/>
-                <a:ea typeface="Courier"/>
-                <a:cs typeface="Courier"/>
-                <a:sym typeface="Courier New"/>
-              </a:rPr>
-              <a:t>] = </a:t>
-            </a:r>
-            <a:r>
-              <a:rPr lang="en-US" sz="3000" b="1" i="0" u="none" strike="noStrike" cap="none" dirty="0">
-                <a:solidFill>
-                  <a:srgbClr val="FFFF00"/>
-                </a:solidFill>
-                <a:latin typeface="Courier"/>
-                <a:ea typeface="Courier"/>
-                <a:cs typeface="Courier"/>
-                <a:sym typeface="Courier New"/>
-              </a:rPr>
-              <a:t>23</a:t>
-            </a:r>
-          </a:p>
-          <a:p>
-            <a:pPr lvl="0">
+              <a:rPr lang="en-US" sz="2400" b="1" i="0" u="none" strike="noStrike" cap="none" dirty="0">
+                <a:solidFill>
+                  <a:schemeClr val="lt1"/>
+                </a:solidFill>
+                <a:latin typeface="Courier"/>
+                <a:ea typeface="Courier"/>
+                <a:cs typeface="Courier"/>
+                <a:sym typeface="Courier New"/>
+              </a:rPr>
+              <a:t>{'summer': 12, fall': 3, spring': 75}</a:t>
+            </a:r>
+          </a:p>
+          <a:p>
+            <a:pPr>
               <a:buClr>
-                <a:srgbClr val="00FF00"/>
+                <a:schemeClr val="lt1"/>
               </a:buClr>
               <a:buSzPct val="25000"/>
             </a:pPr>
             <a:r>
-              <a:rPr lang="en-US" sz="3000" b="1" i="0" u="none" strike="noStrike" cap="none" dirty="0">
+              <a:rPr lang="en-US" sz="2400" b="1" i="0" u="none" strike="noStrike" cap="none" dirty="0">
+                <a:solidFill>
+                  <a:schemeClr val="lt1"/>
+                </a:solidFill>
+                <a:latin typeface="Courier"/>
+                <a:ea typeface="Courier"/>
+                <a:cs typeface="Courier"/>
+                <a:sym typeface="Courier New"/>
+              </a:rPr>
+              <a:t>&gt;&gt;&gt; </a:t>
+            </a:r>
+            <a:r>
+              <a:rPr lang="en-US" sz="2400" b="1" i="0" u="none" strike="noStrike" cap="none" dirty="0">
+                <a:solidFill>
+                  <a:srgbClr val="FFFF00"/>
+                </a:solidFill>
+                <a:latin typeface="Courier"/>
+                <a:ea typeface="Courier"/>
+                <a:cs typeface="Courier"/>
+                <a:sym typeface="Courier New"/>
+              </a:rPr>
+              <a:t>print(</a:t>
+            </a:r>
+            <a:r>
+              <a:rPr lang="en-US" sz="2400" b="1" i="0" u="none" strike="noStrike" cap="none" dirty="0">
                 <a:solidFill>
                   <a:srgbClr val="00FF00"/>
                 </a:solidFill>
@@ -28276,10 +26655,197 @@
                 <a:cs typeface="Courier"/>
                 <a:sym typeface="Courier New"/>
               </a:rPr>
+              <a:t>cabinet</a:t>
+            </a:r>
+            <a:r>
+              <a:rPr lang="en-US" sz="2400" b="1" i="0" u="none" strike="noStrike" cap="none" dirty="0">
+                <a:solidFill>
+                  <a:srgbClr val="00FFFF"/>
+                </a:solidFill>
+                <a:latin typeface="Courier"/>
+                <a:ea typeface="Courier"/>
+                <a:cs typeface="Courier"/>
+                <a:sym typeface="Courier New"/>
+              </a:rPr>
+              <a:t>['fall']</a:t>
+            </a:r>
+            <a:r>
+              <a:rPr lang="en-US" sz="2400" b="1" dirty="0">
+                <a:solidFill>
+                  <a:srgbClr val="FFFF00"/>
+                </a:solidFill>
+                <a:latin typeface="Courier"/>
+                <a:ea typeface="Courier"/>
+                <a:cs typeface="Courier"/>
+                <a:sym typeface="Courier New"/>
+              </a:rPr>
+              <a:t>)</a:t>
+            </a:r>
+            <a:endParaRPr lang="en-US" sz="2400" b="1" i="0" u="none" strike="noStrike" cap="none" dirty="0">
+              <a:solidFill>
+                <a:srgbClr val="00FFFF"/>
+              </a:solidFill>
+              <a:latin typeface="Courier"/>
+              <a:ea typeface="Courier"/>
+              <a:cs typeface="Courier"/>
+              <a:sym typeface="Courier New"/>
+            </a:endParaRPr>
+          </a:p>
+          <a:p>
+            <a:pPr marL="0" marR="0" lvl="0" indent="0" algn="l" rtl="0">
+              <a:lnSpc>
+                <a:spcPct val="100000"/>
+              </a:lnSpc>
+              <a:spcBef>
+                <a:spcPts val="0"/>
+              </a:spcBef>
+              <a:spcAft>
+                <a:spcPts val="0"/>
+              </a:spcAft>
+              <a:buClr>
+                <a:schemeClr val="lt1"/>
+              </a:buClr>
+              <a:buSzPct val="25000"/>
+              <a:buFont typeface="Cabin"/>
+              <a:buNone/>
+            </a:pPr>
+            <a:r>
+              <a:rPr lang="en-US" sz="2400" b="1" i="0" u="none" strike="noStrike" cap="none" dirty="0">
+                <a:solidFill>
+                  <a:schemeClr val="lt1"/>
+                </a:solidFill>
+                <a:latin typeface="Courier"/>
+                <a:ea typeface="Courier"/>
+                <a:cs typeface="Courier"/>
+                <a:sym typeface="Courier New"/>
+              </a:rPr>
+              <a:t>3</a:t>
+            </a:r>
+          </a:p>
+          <a:p>
+            <a:pPr marL="0" marR="0" lvl="0" indent="0" algn="l" rtl="0">
+              <a:lnSpc>
+                <a:spcPct val="100000"/>
+              </a:lnSpc>
+              <a:spcBef>
+                <a:spcPts val="0"/>
+              </a:spcBef>
+              <a:spcAft>
+                <a:spcPts val="0"/>
+              </a:spcAft>
+              <a:buClr>
+                <a:schemeClr val="lt1"/>
+              </a:buClr>
+              <a:buSzPct val="25000"/>
+              <a:buFont typeface="Cabin"/>
+              <a:buNone/>
+            </a:pPr>
+            <a:r>
+              <a:rPr lang="en-US" sz="2400" b="1" i="0" u="none" strike="noStrike" cap="none" dirty="0">
+                <a:solidFill>
+                  <a:schemeClr val="lt1"/>
+                </a:solidFill>
+                <a:latin typeface="Courier"/>
+                <a:ea typeface="Courier"/>
+                <a:cs typeface="Courier"/>
+                <a:sym typeface="Courier New"/>
+              </a:rPr>
               <a:t>&gt;&gt;&gt; </a:t>
             </a:r>
             <a:r>
-              <a:rPr lang="en-US" sz="3000" b="1" i="0" u="none" strike="noStrike" cap="none" dirty="0">
+              <a:rPr lang="en-US" sz="2400" b="1" i="0" u="none" strike="noStrike" cap="none" dirty="0">
+                <a:solidFill>
+                  <a:srgbClr val="00FF00"/>
+                </a:solidFill>
+                <a:latin typeface="Courier"/>
+                <a:ea typeface="Courier"/>
+                <a:cs typeface="Courier"/>
+                <a:sym typeface="Courier New"/>
+              </a:rPr>
+              <a:t>cabinet</a:t>
+            </a:r>
+            <a:r>
+              <a:rPr lang="en-US" sz="2400" b="1" i="0" u="none" strike="noStrike" cap="none" dirty="0">
+                <a:solidFill>
+                  <a:srgbClr val="00FFFF"/>
+                </a:solidFill>
+                <a:latin typeface="Courier"/>
+                <a:ea typeface="Courier"/>
+                <a:cs typeface="Courier"/>
+                <a:sym typeface="Courier New"/>
+              </a:rPr>
+              <a:t>['fall']</a:t>
+            </a:r>
+            <a:r>
+              <a:rPr lang="en-US" sz="2400" b="1" i="0" u="none" strike="noStrike" cap="none" dirty="0">
+                <a:solidFill>
+                  <a:schemeClr val="lt1"/>
+                </a:solidFill>
+                <a:latin typeface="Courier"/>
+                <a:ea typeface="Courier"/>
+                <a:cs typeface="Courier"/>
+                <a:sym typeface="Courier New"/>
+              </a:rPr>
+              <a:t> = </a:t>
+            </a:r>
+            <a:r>
+              <a:rPr lang="en-US" sz="2400" b="1" i="0" u="none" strike="noStrike" cap="none" dirty="0">
+                <a:solidFill>
+                  <a:srgbClr val="00FF00"/>
+                </a:solidFill>
+                <a:latin typeface="Courier"/>
+                <a:ea typeface="Courier"/>
+                <a:cs typeface="Courier"/>
+                <a:sym typeface="Courier New"/>
+              </a:rPr>
+              <a:t>cabinet</a:t>
+            </a:r>
+            <a:r>
+              <a:rPr lang="en-US" sz="2400" b="1" i="0" u="none" strike="noStrike" cap="none" dirty="0">
+                <a:solidFill>
+                  <a:srgbClr val="00FFFF"/>
+                </a:solidFill>
+                <a:latin typeface="Courier"/>
+                <a:ea typeface="Courier"/>
+                <a:cs typeface="Courier"/>
+                <a:sym typeface="Courier New"/>
+              </a:rPr>
+              <a:t>['fall']</a:t>
+            </a:r>
+            <a:r>
+              <a:rPr lang="en-US" sz="2400" b="1" i="0" u="none" strike="noStrike" cap="none" dirty="0">
+                <a:solidFill>
+                  <a:schemeClr val="lt1"/>
+                </a:solidFill>
+                <a:latin typeface="Courier"/>
+                <a:ea typeface="Courier"/>
+                <a:cs typeface="Courier"/>
+                <a:sym typeface="Courier New"/>
+              </a:rPr>
+              <a:t> + 2</a:t>
+            </a:r>
+          </a:p>
+          <a:p>
+            <a:pPr>
+              <a:buClr>
+                <a:schemeClr val="lt1"/>
+              </a:buClr>
+              <a:buSzPct val="25000"/>
+            </a:pPr>
+            <a:r>
+              <a:rPr lang="en-US" sz="2400" b="1" i="0" u="none" strike="noStrike" cap="none" dirty="0">
+                <a:solidFill>
+                  <a:schemeClr val="lt1"/>
+                </a:solidFill>
+                <a:latin typeface="Courier"/>
+                <a:ea typeface="Courier"/>
+                <a:cs typeface="Courier"/>
+                <a:sym typeface="Courier New"/>
+              </a:rPr>
+              <a:t>&gt;&gt;&gt; </a:t>
+            </a:r>
+            <a:r>
+              <a:rPr lang="en-US" sz="2400" b="1" i="0" u="none" strike="noStrike" cap="none" dirty="0">
                 <a:solidFill>
                   <a:srgbClr val="FFFF00"/>
                 </a:solidFill>
@@ -28291,7 +26857,7 @@
               <a:t>print(</a:t>
             </a:r>
             <a:r>
-              <a:rPr lang="en-US" sz="3000" b="1" i="0" u="none" strike="noStrike" cap="none" dirty="0" err="1">
+              <a:rPr lang="en-US" sz="2400" b="1" i="0" u="none" strike="noStrike" cap="none" dirty="0">
                 <a:solidFill>
                   <a:srgbClr val="00FF00"/>
                 </a:solidFill>
@@ -28300,10 +26866,10 @@
                 <a:cs typeface="Courier"/>
                 <a:sym typeface="Courier New"/>
               </a:rPr>
-              <a:t>lst</a:t>
-            </a:r>
-            <a:r>
-              <a:rPr lang="en-US" sz="3000" b="1" dirty="0">
+              <a:t>cabinet</a:t>
+            </a:r>
+            <a:r>
+              <a:rPr lang="en-US" sz="2400" b="1" dirty="0">
                 <a:solidFill>
                   <a:srgbClr val="FFFF00"/>
                 </a:solidFill>
@@ -28314,7 +26880,7 @@
               </a:rPr>
               <a:t>)</a:t>
             </a:r>
-            <a:endParaRPr lang="en-US" sz="3000" b="1" i="0" u="none" strike="noStrike" cap="none" dirty="0">
+            <a:endParaRPr lang="en-US" sz="2400" b="1" i="0" u="none" strike="noStrike" cap="none" dirty="0">
               <a:solidFill>
                 <a:srgbClr val="00FF00"/>
               </a:solidFill>
@@ -28336,61 +26902,65 @@
                 <a:spcPts val="0"/>
               </a:spcAft>
               <a:buClr>
-                <a:srgbClr val="00FF00"/>
+                <a:schemeClr val="lt1"/>
               </a:buClr>
               <a:buSzPct val="25000"/>
               <a:buFont typeface="Cabin"/>
               <a:buNone/>
             </a:pPr>
             <a:r>
-              <a:rPr lang="en-US" sz="3000" b="1" i="0" u="none" strike="noStrike" cap="none" dirty="0">
-                <a:solidFill>
-                  <a:srgbClr val="00FF00"/>
-                </a:solidFill>
-                <a:latin typeface="Courier"/>
-                <a:ea typeface="Courier"/>
-                <a:cs typeface="Courier"/>
-                <a:sym typeface="Courier New"/>
-              </a:rPr>
-              <a:t>[</a:t>
-            </a:r>
-            <a:r>
-              <a:rPr lang="en-US" sz="3000" b="1" i="0" u="none" strike="noStrike" cap="none" dirty="0">
-                <a:solidFill>
-                  <a:srgbClr val="FFFF00"/>
-                </a:solidFill>
-                <a:latin typeface="Courier"/>
-                <a:ea typeface="Courier"/>
-                <a:cs typeface="Courier"/>
-                <a:sym typeface="Courier New"/>
-              </a:rPr>
-              <a:t>23, 183</a:t>
-            </a:r>
-            <a:r>
-              <a:rPr lang="en-US" sz="3000" b="1" i="0" u="none" strike="noStrike" cap="none" dirty="0">
-                <a:solidFill>
-                  <a:srgbClr val="00FF00"/>
-                </a:solidFill>
-                <a:latin typeface="Courier"/>
-                <a:ea typeface="Courier"/>
-                <a:cs typeface="Courier"/>
-                <a:sym typeface="Courier New"/>
-              </a:rPr>
-              <a:t>]</a:t>
+              <a:rPr lang="en-US" sz="2400" b="1" i="0" u="none" strike="noStrike" cap="none" dirty="0">
+                <a:solidFill>
+                  <a:schemeClr val="lt1"/>
+                </a:solidFill>
+                <a:latin typeface="Courier"/>
+                <a:ea typeface="Courier"/>
+                <a:cs typeface="Courier"/>
+                <a:sym typeface="Courier New"/>
+              </a:rPr>
+              <a:t>{'summer': 12, </a:t>
+            </a:r>
+            <a:r>
+              <a:rPr lang="en-US" sz="2400" b="1" i="0" u="none" strike="noStrike" cap="none" dirty="0">
+                <a:solidFill>
+                  <a:srgbClr val="00FFFF"/>
+                </a:solidFill>
+                <a:latin typeface="Courier"/>
+                <a:ea typeface="Courier"/>
+                <a:cs typeface="Courier"/>
+                <a:sym typeface="Courier New"/>
+              </a:rPr>
+              <a:t>'fall': 5</a:t>
+            </a:r>
+            <a:r>
+              <a:rPr lang="en-US" sz="2400" b="1" i="0" u="none" strike="noStrike" cap="none" dirty="0">
+                <a:solidFill>
+                  <a:schemeClr val="lt1"/>
+                </a:solidFill>
+                <a:latin typeface="Courier"/>
+                <a:ea typeface="Courier"/>
+                <a:cs typeface="Courier"/>
+                <a:sym typeface="Courier New"/>
+              </a:rPr>
+              <a:t>, 'spring': 75}</a:t>
             </a:r>
           </a:p>
         </p:txBody>
       </p:sp>
       <p:sp>
         <p:nvSpPr>
-          <p:cNvPr id="268" name="Shape 268"/>
-          <p:cNvSpPr txBox="1"/>
-          <p:nvPr/>
+          <p:cNvPr id="6" name="Shape 250"/>
+          <p:cNvSpPr txBox="1">
+            <a:spLocks noGrp="1"/>
+          </p:cNvSpPr>
+          <p:nvPr>
+            <p:ph type="title"/>
+          </p:nvPr>
         </p:nvSpPr>
         <p:spPr>
           <a:xfrm>
-            <a:off x="9083675" y="3997320"/>
-            <a:ext cx="6492600" cy="4432199"/>
+            <a:off x="1155700" y="789709"/>
+            <a:ext cx="12582521" cy="1750290"/>
           </a:xfrm>
           <a:prstGeom prst="rect">
             <a:avLst/>
@@ -28401,12 +26971,12 @@
           </a:ln>
         </p:spPr>
         <p:txBody>
-          <a:bodyPr lIns="0" tIns="0" rIns="0" bIns="0" anchor="ctr" anchorCtr="0">
+          <a:bodyPr lIns="38100" tIns="38100" rIns="38100" bIns="38100" anchor="ctr" anchorCtr="0">
             <a:noAutofit/>
           </a:bodyPr>
           <a:lstStyle/>
           <a:p>
-            <a:pPr marL="0" marR="0" lvl="0" indent="0" algn="l" rtl="0">
+            <a:pPr marL="0" marR="0" lvl="0" indent="0" algn="ctr" rtl="0">
               <a:lnSpc>
                 <a:spcPct val="100000"/>
               </a:lnSpc>
@@ -28424,725 +26994,49 @@
               <a:buNone/>
             </a:pPr>
             <a:r>
-              <a:rPr lang="en-US" sz="3000" b="1" i="0" u="none" strike="noStrike" cap="none" dirty="0">
-                <a:solidFill>
-                  <a:srgbClr val="FF00FF"/>
-                </a:solidFill>
-                <a:latin typeface="Courier"/>
-                <a:ea typeface="Courier"/>
-                <a:cs typeface="Courier"/>
-                <a:sym typeface="Courier New"/>
-              </a:rPr>
-              <a:t>&gt;&gt;&gt; </a:t>
-            </a:r>
-            <a:r>
-              <a:rPr lang="en-US" sz="3000" b="1" i="0" u="none" strike="noStrike" cap="none" dirty="0" err="1">
-                <a:solidFill>
-                  <a:srgbClr val="FF00FF"/>
-                </a:solidFill>
-                <a:latin typeface="Courier"/>
-                <a:ea typeface="Courier"/>
-                <a:cs typeface="Courier"/>
-                <a:sym typeface="Courier New"/>
-              </a:rPr>
-              <a:t>ddd</a:t>
-            </a:r>
-            <a:r>
-              <a:rPr lang="en-US" sz="3000" b="1" i="0" u="none" strike="noStrike" cap="none" dirty="0">
-                <a:solidFill>
-                  <a:srgbClr val="FF00FF"/>
-                </a:solidFill>
-                <a:latin typeface="Courier"/>
-                <a:ea typeface="Courier"/>
-                <a:cs typeface="Courier"/>
-                <a:sym typeface="Courier New"/>
-              </a:rPr>
-              <a:t> =</a:t>
-            </a:r>
-            <a:r>
-              <a:rPr lang="en-US" sz="3000" b="1" i="0" u="none" strike="noStrike" cap="none" dirty="0">
-                <a:solidFill>
-                  <a:srgbClr val="0000FF"/>
-                </a:solidFill>
-                <a:latin typeface="Courier"/>
-                <a:ea typeface="Courier"/>
-                <a:cs typeface="Courier"/>
-                <a:sym typeface="Courier New"/>
-              </a:rPr>
-              <a:t> </a:t>
-            </a:r>
-            <a:r>
-              <a:rPr lang="en-US" sz="3000" b="1" i="0" u="none" strike="noStrike" cap="none" dirty="0" err="1">
-                <a:solidFill>
-                  <a:srgbClr val="00FFFF"/>
-                </a:solidFill>
-                <a:latin typeface="Courier"/>
-                <a:ea typeface="Courier"/>
-                <a:cs typeface="Courier"/>
-                <a:sym typeface="Courier New"/>
-              </a:rPr>
-              <a:t>dict</a:t>
-            </a:r>
-            <a:r>
-              <a:rPr lang="en-US" sz="3000" b="1" i="0" u="none" strike="noStrike" cap="none" dirty="0">
-                <a:solidFill>
-                  <a:srgbClr val="00FFFF"/>
-                </a:solidFill>
-                <a:latin typeface="Courier"/>
-                <a:ea typeface="Courier"/>
-                <a:cs typeface="Courier"/>
-                <a:sym typeface="Courier New"/>
-              </a:rPr>
-              <a:t>()</a:t>
-            </a:r>
-          </a:p>
-          <a:p>
-            <a:pPr marL="0" marR="0" lvl="0" indent="0" algn="l" rtl="0">
-              <a:lnSpc>
-                <a:spcPct val="100000"/>
-              </a:lnSpc>
-              <a:spcBef>
-                <a:spcPts val="0"/>
-              </a:spcBef>
-              <a:spcAft>
-                <a:spcPts val="0"/>
-              </a:spcAft>
-              <a:buClr>
-                <a:srgbClr val="FF00FF"/>
-              </a:buClr>
-              <a:buSzPct val="25000"/>
-              <a:buFont typeface="Cabin"/>
-              <a:buNone/>
-            </a:pPr>
-            <a:r>
-              <a:rPr lang="en-US" sz="3000" b="1" i="0" u="none" strike="noStrike" cap="none" dirty="0">
-                <a:solidFill>
-                  <a:srgbClr val="FF00FF"/>
-                </a:solidFill>
-                <a:latin typeface="Courier"/>
-                <a:ea typeface="Courier"/>
-                <a:cs typeface="Courier"/>
-                <a:sym typeface="Courier New"/>
-              </a:rPr>
-              <a:t>&gt;&gt;&gt; </a:t>
-            </a:r>
-            <a:r>
-              <a:rPr lang="en-US" sz="3000" b="1" i="0" u="none" strike="noStrike" cap="none" dirty="0" err="1">
-                <a:solidFill>
-                  <a:srgbClr val="FF00FF"/>
-                </a:solidFill>
-                <a:latin typeface="Courier"/>
-                <a:ea typeface="Courier"/>
-                <a:cs typeface="Courier"/>
-                <a:sym typeface="Courier New"/>
-              </a:rPr>
-              <a:t>ddd</a:t>
-            </a:r>
-            <a:r>
-              <a:rPr lang="en-US" sz="3000" b="1" i="0" u="none" strike="noStrike" cap="none" dirty="0">
-                <a:solidFill>
-                  <a:srgbClr val="FF00FF"/>
-                </a:solidFill>
-                <a:latin typeface="Courier"/>
-                <a:ea typeface="Courier"/>
-                <a:cs typeface="Courier"/>
-                <a:sym typeface="Courier New"/>
-              </a:rPr>
-              <a:t>[</a:t>
-            </a:r>
-            <a:r>
-              <a:rPr lang="en-US" sz="3000" b="1" i="0" u="none" strike="noStrike" cap="none" dirty="0">
-                <a:solidFill>
-                  <a:srgbClr val="FF7F00"/>
-                </a:solidFill>
-                <a:latin typeface="Courier"/>
-                <a:ea typeface="Courier"/>
-                <a:cs typeface="Courier"/>
-                <a:sym typeface="Courier New"/>
-              </a:rPr>
-              <a:t>'age'</a:t>
-            </a:r>
-            <a:r>
-              <a:rPr lang="en-US" sz="3000" b="1" i="0" u="none" strike="noStrike" cap="none" dirty="0">
-                <a:solidFill>
-                  <a:srgbClr val="FF00FF"/>
-                </a:solidFill>
-                <a:latin typeface="Courier"/>
-                <a:ea typeface="Courier"/>
-                <a:cs typeface="Courier"/>
-                <a:sym typeface="Courier New"/>
-              </a:rPr>
-              <a:t>] = </a:t>
-            </a:r>
-            <a:r>
-              <a:rPr lang="en-US" sz="3000" b="1" i="0" u="none" strike="noStrike" cap="none" dirty="0">
-                <a:solidFill>
-                  <a:srgbClr val="FFFF00"/>
-                </a:solidFill>
-                <a:latin typeface="Courier"/>
-                <a:ea typeface="Courier"/>
-                <a:cs typeface="Courier"/>
-                <a:sym typeface="Courier New"/>
-              </a:rPr>
-              <a:t>21</a:t>
-            </a:r>
-          </a:p>
-          <a:p>
-            <a:pPr marL="0" marR="0" lvl="0" indent="0" algn="l" rtl="0">
-              <a:lnSpc>
-                <a:spcPct val="100000"/>
-              </a:lnSpc>
-              <a:spcBef>
-                <a:spcPts val="0"/>
-              </a:spcBef>
-              <a:spcAft>
-                <a:spcPts val="0"/>
-              </a:spcAft>
-              <a:buClr>
-                <a:srgbClr val="FF00FF"/>
-              </a:buClr>
-              <a:buSzPct val="25000"/>
-              <a:buFont typeface="Cabin"/>
-              <a:buNone/>
-            </a:pPr>
-            <a:r>
-              <a:rPr lang="en-US" sz="3000" b="1" i="0" u="none" strike="noStrike" cap="none" dirty="0">
-                <a:solidFill>
-                  <a:srgbClr val="FF00FF"/>
-                </a:solidFill>
-                <a:latin typeface="Courier"/>
-                <a:ea typeface="Courier"/>
-                <a:cs typeface="Courier"/>
-                <a:sym typeface="Courier New"/>
-              </a:rPr>
-              <a:t>&gt;&gt;&gt; </a:t>
-            </a:r>
-            <a:r>
-              <a:rPr lang="en-US" sz="3000" b="1" i="0" u="none" strike="noStrike" cap="none" dirty="0" err="1">
-                <a:solidFill>
-                  <a:srgbClr val="FF00FF"/>
-                </a:solidFill>
-                <a:latin typeface="Courier"/>
-                <a:ea typeface="Courier"/>
-                <a:cs typeface="Courier"/>
-                <a:sym typeface="Courier New"/>
-              </a:rPr>
-              <a:t>ddd</a:t>
-            </a:r>
-            <a:r>
-              <a:rPr lang="en-US" sz="3000" b="1" i="0" u="none" strike="noStrike" cap="none" dirty="0">
-                <a:solidFill>
-                  <a:srgbClr val="FF00FF"/>
-                </a:solidFill>
-                <a:latin typeface="Courier"/>
-                <a:ea typeface="Courier"/>
-                <a:cs typeface="Courier"/>
-                <a:sym typeface="Courier New"/>
-              </a:rPr>
-              <a:t>[</a:t>
-            </a:r>
-            <a:r>
-              <a:rPr lang="en-US" sz="3000" b="1" i="0" u="none" strike="noStrike" cap="none" dirty="0">
-                <a:solidFill>
-                  <a:srgbClr val="FF7F00"/>
-                </a:solidFill>
-                <a:latin typeface="Courier"/>
-                <a:ea typeface="Courier"/>
-                <a:cs typeface="Courier"/>
-                <a:sym typeface="Courier New"/>
-              </a:rPr>
-              <a:t>'course'</a:t>
-            </a:r>
-            <a:r>
-              <a:rPr lang="en-US" sz="3000" b="1" i="0" u="none" strike="noStrike" cap="none" dirty="0">
-                <a:solidFill>
-                  <a:srgbClr val="FF00FF"/>
-                </a:solidFill>
-                <a:latin typeface="Courier"/>
-                <a:ea typeface="Courier"/>
-                <a:cs typeface="Courier"/>
-                <a:sym typeface="Courier New"/>
-              </a:rPr>
-              <a:t>] = </a:t>
-            </a:r>
-            <a:r>
-              <a:rPr lang="en-US" sz="3000" b="1" i="0" u="none" strike="noStrike" cap="none" dirty="0">
-                <a:solidFill>
-                  <a:srgbClr val="FFFF00"/>
-                </a:solidFill>
-                <a:latin typeface="Courier"/>
-                <a:ea typeface="Courier"/>
-                <a:cs typeface="Courier"/>
-                <a:sym typeface="Courier New"/>
-              </a:rPr>
-              <a:t>182</a:t>
-            </a:r>
-          </a:p>
-          <a:p>
-            <a:pPr lvl="0">
-              <a:buClr>
-                <a:srgbClr val="FF00FF"/>
-              </a:buClr>
-              <a:buSzPct val="25000"/>
-            </a:pPr>
-            <a:r>
-              <a:rPr lang="en-US" sz="3000" b="1" i="0" u="none" strike="noStrike" cap="none" dirty="0">
-                <a:solidFill>
-                  <a:srgbClr val="FF00FF"/>
-                </a:solidFill>
-                <a:latin typeface="Courier"/>
-                <a:ea typeface="Courier"/>
-                <a:cs typeface="Courier"/>
-                <a:sym typeface="Courier New"/>
-              </a:rPr>
-              <a:t>&gt;&gt;&gt; </a:t>
-            </a:r>
-            <a:r>
-              <a:rPr lang="en-US" sz="3000" b="1" i="0" u="none" strike="noStrike" cap="none" dirty="0">
-                <a:solidFill>
-                  <a:srgbClr val="FFFF00"/>
-                </a:solidFill>
-                <a:latin typeface="Courier"/>
-                <a:ea typeface="Courier"/>
-                <a:cs typeface="Courier"/>
-                <a:sym typeface="Courier New"/>
-              </a:rPr>
-              <a:t>print(</a:t>
-            </a:r>
-            <a:r>
-              <a:rPr lang="en-US" sz="3000" b="1" i="0" u="none" strike="noStrike" cap="none" dirty="0" err="1">
-                <a:solidFill>
-                  <a:srgbClr val="FF00FF"/>
-                </a:solidFill>
-                <a:latin typeface="Courier"/>
-                <a:ea typeface="Courier"/>
-                <a:cs typeface="Courier"/>
-                <a:sym typeface="Courier New"/>
-              </a:rPr>
-              <a:t>ddd</a:t>
-            </a:r>
-            <a:r>
-              <a:rPr lang="en-US" sz="3000" b="1" dirty="0">
-                <a:solidFill>
-                  <a:srgbClr val="FFFF00"/>
-                </a:solidFill>
-                <a:latin typeface="Courier"/>
-                <a:ea typeface="Courier"/>
-                <a:cs typeface="Courier"/>
-                <a:sym typeface="Courier New"/>
-              </a:rPr>
-              <a:t>)</a:t>
-            </a:r>
-            <a:endParaRPr lang="en-US" sz="3000" b="1" i="0" u="none" strike="noStrike" cap="none" dirty="0">
-              <a:solidFill>
-                <a:srgbClr val="FF00FF"/>
-              </a:solidFill>
-              <a:latin typeface="Courier"/>
-              <a:ea typeface="Courier"/>
-              <a:cs typeface="Courier"/>
-              <a:sym typeface="Courier New"/>
-            </a:endParaRPr>
-          </a:p>
-          <a:p>
-            <a:pPr marL="0" marR="0" lvl="0" indent="0" algn="l" rtl="0">
-              <a:lnSpc>
-                <a:spcPct val="100000"/>
-              </a:lnSpc>
-              <a:spcBef>
-                <a:spcPts val="0"/>
-              </a:spcBef>
-              <a:spcAft>
-                <a:spcPts val="0"/>
-              </a:spcAft>
-              <a:buClr>
-                <a:srgbClr val="FF00FF"/>
-              </a:buClr>
-              <a:buSzPct val="25000"/>
-              <a:buFont typeface="Cabin"/>
-              <a:buNone/>
-            </a:pPr>
-            <a:r>
-              <a:rPr lang="en-US" sz="3000" b="1" i="0" u="none" strike="noStrike" cap="none" dirty="0">
-                <a:solidFill>
-                  <a:srgbClr val="FF00FF"/>
-                </a:solidFill>
-                <a:latin typeface="Courier"/>
-                <a:ea typeface="Courier"/>
-                <a:cs typeface="Courier"/>
-                <a:sym typeface="Courier New"/>
-              </a:rPr>
-              <a:t>{</a:t>
-            </a:r>
-            <a:r>
-              <a:rPr lang="en-US" sz="3000" b="1" i="0" u="none" strike="noStrike" cap="none" dirty="0">
-                <a:solidFill>
-                  <a:srgbClr val="FF7F00"/>
-                </a:solidFill>
-                <a:latin typeface="Courier"/>
-                <a:ea typeface="Courier"/>
-                <a:cs typeface="Courier"/>
-                <a:sym typeface="Courier New"/>
-              </a:rPr>
-              <a:t>'age'</a:t>
-            </a:r>
-            <a:r>
-              <a:rPr lang="en-US" sz="3000" b="1" i="0" u="none" strike="noStrike" cap="none" dirty="0">
-                <a:solidFill>
-                  <a:srgbClr val="FF00FF"/>
-                </a:solidFill>
-                <a:latin typeface="Courier"/>
-                <a:ea typeface="Courier"/>
-                <a:cs typeface="Courier"/>
-                <a:sym typeface="Courier New"/>
-              </a:rPr>
-              <a:t>: </a:t>
-            </a:r>
-            <a:r>
-              <a:rPr lang="en-US" sz="3000" b="1" i="0" u="none" strike="noStrike" cap="none" dirty="0">
-                <a:solidFill>
-                  <a:srgbClr val="FFFF00"/>
-                </a:solidFill>
-                <a:latin typeface="Courier"/>
-                <a:ea typeface="Courier"/>
-                <a:cs typeface="Courier"/>
-                <a:sym typeface="Courier New"/>
-              </a:rPr>
-              <a:t>21</a:t>
-            </a:r>
-            <a:r>
-              <a:rPr lang="en-US" sz="3000" b="1" i="0" u="none" strike="noStrike" cap="none" dirty="0">
-                <a:solidFill>
-                  <a:srgbClr val="FF00FF"/>
-                </a:solidFill>
-                <a:latin typeface="Courier"/>
-                <a:ea typeface="Courier"/>
-                <a:cs typeface="Courier"/>
-                <a:sym typeface="Courier New"/>
-              </a:rPr>
-              <a:t>, </a:t>
-            </a:r>
-            <a:r>
-              <a:rPr lang="en-US" sz="3000" b="1" i="0" u="none" strike="noStrike" cap="none" dirty="0">
-                <a:solidFill>
-                  <a:srgbClr val="FF7F00"/>
-                </a:solidFill>
-                <a:latin typeface="Courier"/>
-                <a:ea typeface="Courier"/>
-                <a:cs typeface="Courier"/>
-                <a:sym typeface="Courier New"/>
-              </a:rPr>
-              <a:t>'course'</a:t>
-            </a:r>
-            <a:r>
-              <a:rPr lang="en-US" sz="3000" b="1" i="0" u="none" strike="noStrike" cap="none" dirty="0">
-                <a:solidFill>
-                  <a:srgbClr val="FF00FF"/>
-                </a:solidFill>
-                <a:latin typeface="Courier"/>
-                <a:ea typeface="Courier"/>
-                <a:cs typeface="Courier"/>
-                <a:sym typeface="Courier New"/>
-              </a:rPr>
-              <a:t>: </a:t>
-            </a:r>
-            <a:r>
-              <a:rPr lang="en-US" sz="3000" b="1" i="0" u="none" strike="noStrike" cap="none" dirty="0">
-                <a:solidFill>
-                  <a:srgbClr val="FFFF00"/>
-                </a:solidFill>
-                <a:latin typeface="Courier"/>
-                <a:ea typeface="Courier"/>
-                <a:cs typeface="Courier"/>
-                <a:sym typeface="Courier New"/>
-              </a:rPr>
-              <a:t>182</a:t>
-            </a:r>
-            <a:r>
-              <a:rPr lang="en-US" sz="3000" b="1" i="0" u="none" strike="noStrike" cap="none" dirty="0">
-                <a:solidFill>
-                  <a:srgbClr val="FF00FF"/>
-                </a:solidFill>
-                <a:latin typeface="Courier"/>
-                <a:ea typeface="Courier"/>
-                <a:cs typeface="Courier"/>
-                <a:sym typeface="Courier New"/>
-              </a:rPr>
-              <a:t>}</a:t>
-            </a:r>
-          </a:p>
-          <a:p>
-            <a:pPr marL="0" marR="0" lvl="0" indent="0" algn="l" rtl="0">
-              <a:lnSpc>
-                <a:spcPct val="100000"/>
-              </a:lnSpc>
-              <a:spcBef>
-                <a:spcPts val="0"/>
-              </a:spcBef>
-              <a:spcAft>
-                <a:spcPts val="0"/>
-              </a:spcAft>
-              <a:buClr>
-                <a:srgbClr val="FF00FF"/>
-              </a:buClr>
-              <a:buSzPct val="25000"/>
-              <a:buFont typeface="Cabin"/>
-              <a:buNone/>
-            </a:pPr>
-            <a:r>
-              <a:rPr lang="en-US" sz="3000" b="1" i="0" u="none" strike="noStrike" cap="none" dirty="0">
-                <a:solidFill>
-                  <a:srgbClr val="FF00FF"/>
-                </a:solidFill>
-                <a:latin typeface="Courier"/>
-                <a:ea typeface="Courier"/>
-                <a:cs typeface="Courier"/>
-                <a:sym typeface="Courier New"/>
-              </a:rPr>
-              <a:t>&gt;&gt;&gt; </a:t>
-            </a:r>
-            <a:r>
-              <a:rPr lang="en-US" sz="3000" b="1" i="0" u="none" strike="noStrike" cap="none" dirty="0" err="1">
-                <a:solidFill>
-                  <a:srgbClr val="FF00FF"/>
-                </a:solidFill>
-                <a:latin typeface="Courier"/>
-                <a:ea typeface="Courier"/>
-                <a:cs typeface="Courier"/>
-                <a:sym typeface="Courier New"/>
-              </a:rPr>
-              <a:t>ddd</a:t>
-            </a:r>
-            <a:r>
-              <a:rPr lang="en-US" sz="3000" b="1" i="0" u="none" strike="noStrike" cap="none" dirty="0">
-                <a:solidFill>
-                  <a:srgbClr val="FF00FF"/>
-                </a:solidFill>
-                <a:latin typeface="Courier"/>
-                <a:ea typeface="Courier"/>
-                <a:cs typeface="Courier"/>
-                <a:sym typeface="Courier New"/>
-              </a:rPr>
-              <a:t>[</a:t>
-            </a:r>
-            <a:r>
-              <a:rPr lang="en-US" sz="3000" b="1" i="0" u="none" strike="noStrike" cap="none" dirty="0">
-                <a:solidFill>
-                  <a:srgbClr val="FF7F00"/>
-                </a:solidFill>
-                <a:latin typeface="Courier"/>
-                <a:ea typeface="Courier"/>
-                <a:cs typeface="Courier"/>
-                <a:sym typeface="Courier New"/>
-              </a:rPr>
-              <a:t>'age'</a:t>
-            </a:r>
-            <a:r>
-              <a:rPr lang="en-US" sz="3000" b="1" i="0" u="none" strike="noStrike" cap="none" dirty="0">
-                <a:solidFill>
-                  <a:srgbClr val="FF00FF"/>
-                </a:solidFill>
-                <a:latin typeface="Courier"/>
-                <a:ea typeface="Courier"/>
-                <a:cs typeface="Courier"/>
-                <a:sym typeface="Courier New"/>
-              </a:rPr>
-              <a:t>] = 23</a:t>
-            </a:r>
-          </a:p>
-          <a:p>
-            <a:pPr lvl="0">
-              <a:buClr>
-                <a:srgbClr val="FF00FF"/>
-              </a:buClr>
-              <a:buSzPct val="25000"/>
-            </a:pPr>
-            <a:r>
-              <a:rPr lang="en-US" sz="3000" b="1" i="0" u="none" strike="noStrike" cap="none" dirty="0">
-                <a:solidFill>
-                  <a:srgbClr val="FF00FF"/>
-                </a:solidFill>
-                <a:latin typeface="Courier"/>
-                <a:ea typeface="Courier"/>
-                <a:cs typeface="Courier"/>
-                <a:sym typeface="Courier New"/>
-              </a:rPr>
-              <a:t>&gt;&gt;&gt; </a:t>
-            </a:r>
-            <a:r>
-              <a:rPr lang="en-US" sz="3000" b="1" i="0" u="none" strike="noStrike" cap="none" dirty="0">
-                <a:solidFill>
-                  <a:srgbClr val="FFFF00"/>
-                </a:solidFill>
-                <a:latin typeface="Courier"/>
-                <a:ea typeface="Courier"/>
-                <a:cs typeface="Courier"/>
-                <a:sym typeface="Courier New"/>
-              </a:rPr>
-              <a:t>print(</a:t>
-            </a:r>
-            <a:r>
-              <a:rPr lang="en-US" sz="3000" b="1" i="0" u="none" strike="noStrike" cap="none" dirty="0" err="1">
-                <a:solidFill>
-                  <a:srgbClr val="FF00FF"/>
-                </a:solidFill>
-                <a:latin typeface="Courier"/>
-                <a:ea typeface="Courier"/>
-                <a:cs typeface="Courier"/>
-                <a:sym typeface="Courier New"/>
-              </a:rPr>
-              <a:t>ddd</a:t>
-            </a:r>
-            <a:r>
-              <a:rPr lang="en-US" sz="3000" b="1" dirty="0">
-                <a:solidFill>
-                  <a:srgbClr val="FFFF00"/>
-                </a:solidFill>
-                <a:latin typeface="Courier"/>
-                <a:ea typeface="Courier"/>
-                <a:cs typeface="Courier"/>
-                <a:sym typeface="Courier New"/>
-              </a:rPr>
-              <a:t>)</a:t>
-            </a:r>
-            <a:endParaRPr lang="en-US" sz="3000" b="1" i="0" u="none" strike="noStrike" cap="none" dirty="0">
-              <a:solidFill>
-                <a:srgbClr val="FF00FF"/>
-              </a:solidFill>
-              <a:latin typeface="Courier"/>
-              <a:ea typeface="Courier"/>
-              <a:cs typeface="Courier"/>
-              <a:sym typeface="Courier New"/>
-            </a:endParaRPr>
-          </a:p>
-          <a:p>
-            <a:pPr marL="0" marR="0" lvl="0" indent="0" algn="l" rtl="0">
-              <a:lnSpc>
-                <a:spcPct val="100000"/>
-              </a:lnSpc>
-              <a:spcBef>
-                <a:spcPts val="0"/>
-              </a:spcBef>
-              <a:spcAft>
-                <a:spcPts val="0"/>
-              </a:spcAft>
-              <a:buClr>
-                <a:srgbClr val="FF00FF"/>
-              </a:buClr>
-              <a:buSzPct val="25000"/>
-              <a:buFont typeface="Cabin"/>
-              <a:buNone/>
-            </a:pPr>
-            <a:r>
-              <a:rPr lang="en-US" sz="3000" b="1" i="0" u="none" strike="noStrike" cap="none" dirty="0">
-                <a:solidFill>
-                  <a:srgbClr val="FF00FF"/>
-                </a:solidFill>
-                <a:latin typeface="Courier"/>
-                <a:ea typeface="Courier"/>
-                <a:cs typeface="Courier"/>
-                <a:sym typeface="Courier New"/>
-              </a:rPr>
-              <a:t>{</a:t>
-            </a:r>
-            <a:r>
-              <a:rPr lang="en-US" sz="3000" b="1" i="0" u="none" strike="noStrike" cap="none" dirty="0">
-                <a:solidFill>
-                  <a:srgbClr val="FF7F00"/>
-                </a:solidFill>
-                <a:latin typeface="Courier"/>
-                <a:ea typeface="Courier"/>
-                <a:cs typeface="Courier"/>
-                <a:sym typeface="Courier New"/>
-              </a:rPr>
-              <a:t>'age'</a:t>
-            </a:r>
-            <a:r>
-              <a:rPr lang="en-US" sz="3000" b="1" i="0" u="none" strike="noStrike" cap="none" dirty="0">
-                <a:solidFill>
-                  <a:srgbClr val="FF00FF"/>
-                </a:solidFill>
-                <a:latin typeface="Courier"/>
-                <a:ea typeface="Courier"/>
-                <a:cs typeface="Courier"/>
-                <a:sym typeface="Courier New"/>
-              </a:rPr>
-              <a:t>: </a:t>
-            </a:r>
-            <a:r>
-              <a:rPr lang="en-US" sz="3000" b="1" i="0" u="none" strike="noStrike" cap="none" dirty="0">
-                <a:solidFill>
-                  <a:srgbClr val="FFFF00"/>
-                </a:solidFill>
-                <a:latin typeface="Courier"/>
-                <a:ea typeface="Courier"/>
-                <a:cs typeface="Courier"/>
-                <a:sym typeface="Courier New"/>
-              </a:rPr>
-              <a:t>23</a:t>
-            </a:r>
-            <a:r>
-              <a:rPr lang="en-US" sz="3000" b="1" i="0" u="none" strike="noStrike" cap="none" dirty="0">
-                <a:solidFill>
-                  <a:srgbClr val="FF00FF"/>
-                </a:solidFill>
-                <a:latin typeface="Courier"/>
-                <a:ea typeface="Courier"/>
-                <a:cs typeface="Courier"/>
-                <a:sym typeface="Courier New"/>
-              </a:rPr>
-              <a:t>, </a:t>
-            </a:r>
-            <a:r>
-              <a:rPr lang="en-US" sz="3000" b="1" i="0" u="none" strike="noStrike" cap="none" dirty="0">
-                <a:solidFill>
-                  <a:srgbClr val="FF7F00"/>
-                </a:solidFill>
-                <a:latin typeface="Courier"/>
-                <a:ea typeface="Courier"/>
-                <a:cs typeface="Courier"/>
-                <a:sym typeface="Courier New"/>
-              </a:rPr>
-              <a:t>'course'</a:t>
-            </a:r>
-            <a:r>
-              <a:rPr lang="en-US" sz="3000" b="1" i="0" u="none" strike="noStrike" cap="none" dirty="0">
-                <a:solidFill>
-                  <a:srgbClr val="FF00FF"/>
-                </a:solidFill>
-                <a:latin typeface="Courier"/>
-                <a:ea typeface="Courier"/>
-                <a:cs typeface="Courier"/>
-                <a:sym typeface="Courier New"/>
-              </a:rPr>
-              <a:t>: </a:t>
-            </a:r>
-            <a:r>
-              <a:rPr lang="en-US" sz="3000" b="1" i="0" u="none" strike="noStrike" cap="none" dirty="0">
-                <a:solidFill>
-                  <a:srgbClr val="FFFF00"/>
-                </a:solidFill>
-                <a:latin typeface="Courier"/>
-                <a:ea typeface="Courier"/>
-                <a:cs typeface="Courier"/>
-                <a:sym typeface="Courier New"/>
-              </a:rPr>
-              <a:t>182</a:t>
-            </a:r>
-            <a:r>
-              <a:rPr lang="en-US" sz="3000" b="1" i="0" u="none" strike="noStrike" cap="none" dirty="0">
-                <a:solidFill>
-                  <a:srgbClr val="FF00FF"/>
-                </a:solidFill>
-                <a:latin typeface="Courier"/>
-                <a:ea typeface="Courier"/>
-                <a:cs typeface="Courier"/>
-                <a:sym typeface="Courier New"/>
-              </a:rPr>
-              <a:t>}</a:t>
+              <a:rPr lang="en-US" sz="7600" u="none" strike="noStrike" cap="none" dirty="0">
+                <a:solidFill>
+                  <a:srgbClr val="FFD966"/>
+                </a:solidFill>
+                <a:latin typeface="Arial" charset="0"/>
+                <a:ea typeface="Arial" charset="0"/>
+                <a:cs typeface="Arial" charset="0"/>
+                <a:sym typeface="Cabin"/>
+              </a:rPr>
+              <a:t>Dictionaries</a:t>
             </a:r>
           </a:p>
         </p:txBody>
       </p:sp>
+      <p:pic>
+        <p:nvPicPr>
+          <p:cNvPr id="2" name="Picture 1" descr="A shelf with file folders with labels on them">
+            <a:extLst>
+              <a:ext uri="{FF2B5EF4-FFF2-40B4-BE49-F238E27FC236}">
+                <a16:creationId xmlns:a16="http://schemas.microsoft.com/office/drawing/2014/main" id="{58B87987-CDA8-8E1D-4121-30AD54732461}"/>
+              </a:ext>
+            </a:extLst>
+          </p:cNvPr>
+          <p:cNvPicPr>
+            <a:picLocks noChangeAspect="1"/>
+          </p:cNvPicPr>
+          <p:nvPr/>
+        </p:nvPicPr>
+        <p:blipFill rotWithShape="1">
+          <a:blip r:embed="rId3"/>
+          <a:srcRect t="31157" r="55874" b="33492"/>
+          <a:stretch/>
+        </p:blipFill>
+        <p:spPr>
+          <a:xfrm>
+            <a:off x="13472794" y="789709"/>
+            <a:ext cx="2516188" cy="2687782"/>
+          </a:xfrm>
+          <a:prstGeom prst="rect">
+            <a:avLst/>
+          </a:prstGeom>
+        </p:spPr>
+      </p:pic>
     </p:spTree>
   </p:cSld>
   <p:clrMapOvr>

--- a/lectures3/Pythonlearn-09-Dictionaries.pptx
+++ b/lectures3/Pythonlearn-09-Dictionaries.pptx
@@ -17011,91 +17011,6 @@
           </a:p>
         </p:txBody>
       </p:sp>
-      <p:sp>
-        <p:nvSpPr>
-          <p:cNvPr id="443" name="Shape 443"/>
-          <p:cNvSpPr txBox="1"/>
-          <p:nvPr/>
-        </p:nvSpPr>
-        <p:spPr>
-          <a:xfrm>
-            <a:off x="9458325" y="7724249"/>
-            <a:ext cx="6905500" cy="457200"/>
-          </a:xfrm>
-          <a:prstGeom prst="rect">
-            <a:avLst/>
-          </a:prstGeom>
-          <a:noFill/>
-          <a:ln>
-            <a:noFill/>
-          </a:ln>
-        </p:spPr>
-        <p:txBody>
-          <a:bodyPr lIns="0" tIns="0" rIns="0" bIns="0" anchor="ctr" anchorCtr="0">
-            <a:noAutofit/>
-          </a:bodyPr>
-          <a:lstStyle/>
-          <a:p>
-            <a:pPr marL="0" marR="0" lvl="0" indent="0" algn="ctr" rtl="0">
-              <a:lnSpc>
-                <a:spcPct val="100000"/>
-              </a:lnSpc>
-              <a:spcBef>
-                <a:spcPts val="0"/>
-              </a:spcBef>
-              <a:spcAft>
-                <a:spcPts val="0"/>
-              </a:spcAft>
-              <a:buClr>
-                <a:schemeClr val="lt1"/>
-              </a:buClr>
-              <a:buSzPct val="25000"/>
-              <a:buFont typeface="Cabin"/>
-              <a:buNone/>
-            </a:pPr>
-            <a:r>
-              <a:rPr lang="en-US" sz="1800" u="sng" strike="noStrike" cap="none">
-                <a:solidFill>
-                  <a:srgbClr val="FFFF00"/>
-                </a:solidFill>
-                <a:latin typeface="Arial" charset="0"/>
-                <a:ea typeface="Arial" charset="0"/>
-                <a:cs typeface="Arial" charset="0"/>
-                <a:sym typeface="Cabin"/>
-                <a:hlinkClick r:id="rId3"/>
-              </a:rPr>
-              <a:t>http://www.flickr.com/photos/71502646@N00/2526007974/</a:t>
-            </a:r>
-          </a:p>
-        </p:txBody>
-      </p:sp>
-      <p:pic>
-        <p:nvPicPr>
-          <p:cNvPr id="444" name="Shape 444"/>
-          <p:cNvPicPr preferRelativeResize="0"/>
-          <p:nvPr/>
-        </p:nvPicPr>
-        <p:blipFill rotWithShape="1">
-          <a:blip r:embed="rId4">
-            <a:alphaModFix/>
-          </a:blip>
-          <a:srcRect/>
-          <a:stretch/>
-        </p:blipFill>
-        <p:spPr>
-          <a:xfrm>
-            <a:off x="12714303" y="1038225"/>
-            <a:ext cx="2927399" cy="1943100"/>
-          </a:xfrm>
-          <a:prstGeom prst="rect">
-            <a:avLst/>
-          </a:prstGeom>
-          <a:noFill/>
-          <a:ln>
-            <a:noFill/>
-          </a:ln>
-        </p:spPr>
-      </p:pic>
     </p:spTree>
   </p:cSld>
   <p:clrMapOvr>
@@ -18104,33 +18019,6 @@
           </a:p>
         </p:txBody>
       </p:sp>
-      <p:pic>
-        <p:nvPicPr>
-          <p:cNvPr id="451" name="Shape 451"/>
-          <p:cNvPicPr preferRelativeResize="0"/>
-          <p:nvPr/>
-        </p:nvPicPr>
-        <p:blipFill rotWithShape="1">
-          <a:blip r:embed="rId3">
-            <a:alphaModFix/>
-          </a:blip>
-          <a:srcRect/>
-          <a:stretch/>
-        </p:blipFill>
-        <p:spPr>
-          <a:xfrm>
-            <a:off x="563562" y="5912964"/>
-            <a:ext cx="1689000" cy="1122299"/>
-          </a:xfrm>
-          <a:prstGeom prst="rect">
-            <a:avLst/>
-          </a:prstGeom>
-          <a:noFill/>
-          <a:ln>
-            <a:noFill/>
-          </a:ln>
-        </p:spPr>
-      </p:pic>
     </p:spTree>
   </p:cSld>
   <p:clrMapOvr>

--- a/lectures3/Pythonlearn-09-Dictionaries.pptx
+++ b/lectures3/Pythonlearn-09-Dictionaries.pptx
@@ -20,7 +20,7 @@
     <p:sldId id="263" r:id="rId11"/>
     <p:sldId id="265" r:id="rId12"/>
     <p:sldId id="268" r:id="rId13"/>
-    <p:sldId id="269" r:id="rId14"/>
+    <p:sldId id="294" r:id="rId14"/>
     <p:sldId id="270" r:id="rId15"/>
     <p:sldId id="271" r:id="rId16"/>
     <p:sldId id="272" r:id="rId17"/>
@@ -751,7 +751,7 @@
   <p:cSld>
     <p:spTree>
       <p:nvGrpSpPr>
-        <p:cNvPr id="1" name="Shape 327"/>
+        <p:cNvPr id="1" name="Shape 345"/>
         <p:cNvGrpSpPr/>
         <p:nvPr/>
       </p:nvGrpSpPr>
@@ -765,7 +765,7 @@
       </p:grpSpPr>
       <p:sp>
         <p:nvSpPr>
-          <p:cNvPr id="328" name="Shape 328"/>
+          <p:cNvPr id="346" name="Shape 346"/>
           <p:cNvSpPr txBox="1">
             <a:spLocks noGrp="1"/>
           </p:cNvSpPr>
@@ -800,7 +800,7 @@
       </p:sp>
       <p:sp>
         <p:nvSpPr>
-          <p:cNvPr id="329" name="Shape 329"/>
+          <p:cNvPr id="347" name="Shape 347"/>
           <p:cNvSpPr>
             <a:spLocks noGrp="1" noRot="1" noChangeAspect="1"/>
           </p:cNvSpPr>
@@ -842,7 +842,7 @@
     </p:spTree>
     <p:extLst>
       <p:ext uri="{BB962C8B-B14F-4D97-AF65-F5344CB8AC3E}">
-        <p14:creationId xmlns:p14="http://schemas.microsoft.com/office/powerpoint/2010/main" val="142698504"/>
+        <p14:creationId xmlns:p14="http://schemas.microsoft.com/office/powerpoint/2010/main" val="3120901860"/>
       </p:ext>
     </p:extLst>
   </p:cSld>
@@ -8096,7 +8096,7 @@
   <p:cSld>
     <p:spTree>
       <p:nvGrpSpPr>
-        <p:cNvPr id="1" name="Shape 330"/>
+        <p:cNvPr id="1" name="Shape 348"/>
         <p:cNvGrpSpPr/>
         <p:nvPr/>
       </p:nvGrpSpPr>
@@ -8110,7 +8110,7 @@
       </p:grpSpPr>
       <p:sp>
         <p:nvSpPr>
-          <p:cNvPr id="331" name="Shape 331"/>
+          <p:cNvPr id="349" name="Shape 349"/>
           <p:cNvSpPr txBox="1">
             <a:spLocks noGrp="1"/>
           </p:cNvSpPr>
@@ -8167,7 +8167,7 @@
       </p:sp>
       <p:sp>
         <p:nvSpPr>
-          <p:cNvPr id="332" name="Shape 332"/>
+          <p:cNvPr id="350" name="Shape 350"/>
           <p:cNvSpPr txBox="1"/>
           <p:nvPr/>
         </p:nvSpPr>
@@ -8224,7 +8224,7 @@
       </p:sp>
       <p:sp>
         <p:nvSpPr>
-          <p:cNvPr id="333" name="Shape 333"/>
+          <p:cNvPr id="351" name="Shape 351"/>
           <p:cNvSpPr txBox="1"/>
           <p:nvPr/>
         </p:nvSpPr>
@@ -8281,13 +8281,13 @@
       </p:sp>
       <p:sp>
         <p:nvSpPr>
-          <p:cNvPr id="334" name="Shape 334"/>
+          <p:cNvPr id="352" name="Shape 352"/>
           <p:cNvSpPr txBox="1"/>
           <p:nvPr/>
         </p:nvSpPr>
         <p:spPr>
           <a:xfrm>
-            <a:off x="1344600" y="7136125"/>
+            <a:off x="1273048" y="7136125"/>
             <a:ext cx="2189100" cy="1066799"/>
           </a:xfrm>
           <a:prstGeom prst="rect">
@@ -8338,13 +8338,13 @@
       </p:sp>
       <p:sp>
         <p:nvSpPr>
-          <p:cNvPr id="335" name="Shape 335"/>
+          <p:cNvPr id="353" name="Shape 353"/>
           <p:cNvSpPr txBox="1"/>
           <p:nvPr/>
         </p:nvSpPr>
         <p:spPr>
           <a:xfrm>
-            <a:off x="1236075" y="2844000"/>
+            <a:off x="1237272" y="2844000"/>
             <a:ext cx="3887699" cy="1066799"/>
           </a:xfrm>
           <a:prstGeom prst="rect">
@@ -8395,7 +8395,7 @@
       </p:sp>
       <p:sp>
         <p:nvSpPr>
-          <p:cNvPr id="336" name="Shape 336"/>
+          <p:cNvPr id="354" name="Shape 354"/>
           <p:cNvSpPr txBox="1"/>
           <p:nvPr/>
         </p:nvSpPr>
@@ -8452,7 +8452,7 @@
       </p:sp>
       <p:sp>
         <p:nvSpPr>
-          <p:cNvPr id="337" name="Shape 337"/>
+          <p:cNvPr id="355" name="Shape 355"/>
           <p:cNvSpPr txBox="1"/>
           <p:nvPr/>
         </p:nvSpPr>
@@ -8509,7 +8509,7 @@
       </p:sp>
       <p:sp>
         <p:nvSpPr>
-          <p:cNvPr id="338" name="Shape 338"/>
+          <p:cNvPr id="356" name="Shape 356"/>
           <p:cNvSpPr txBox="1"/>
           <p:nvPr/>
         </p:nvSpPr>
@@ -8566,7 +8566,7 @@
       </p:sp>
       <p:sp>
         <p:nvSpPr>
-          <p:cNvPr id="339" name="Shape 339"/>
+          <p:cNvPr id="357" name="Shape 357"/>
           <p:cNvSpPr txBox="1"/>
           <p:nvPr/>
         </p:nvSpPr>
@@ -8607,7 +8607,7 @@
               <a:buNone/>
             </a:pPr>
             <a:r>
-              <a:rPr lang="en-US" sz="6000" u="none" strike="noStrike" cap="none">
+              <a:rPr lang="en-US" sz="6600" u="none" strike="noStrike" cap="none">
                 <a:solidFill>
                   <a:srgbClr val="FF00FF"/>
                 </a:solidFill>
@@ -8623,7 +8623,7 @@
       </p:sp>
       <p:sp>
         <p:nvSpPr>
-          <p:cNvPr id="340" name="Shape 340"/>
+          <p:cNvPr id="358" name="Shape 358"/>
           <p:cNvSpPr txBox="1"/>
           <p:nvPr/>
         </p:nvSpPr>
@@ -8680,13 +8680,13 @@
       </p:sp>
       <p:sp>
         <p:nvSpPr>
-          <p:cNvPr id="341" name="Shape 341"/>
+          <p:cNvPr id="359" name="Shape 359"/>
           <p:cNvSpPr txBox="1"/>
           <p:nvPr/>
         </p:nvSpPr>
         <p:spPr>
           <a:xfrm>
-            <a:off x="5856545" y="4197225"/>
+            <a:off x="6049446" y="4197225"/>
             <a:ext cx="3676499" cy="1066799"/>
           </a:xfrm>
           <a:prstGeom prst="rect">
@@ -8737,7 +8737,7 @@
       </p:sp>
       <p:sp>
         <p:nvSpPr>
-          <p:cNvPr id="342" name="Shape 342"/>
+          <p:cNvPr id="360" name="Shape 360"/>
           <p:cNvSpPr txBox="1"/>
           <p:nvPr/>
         </p:nvSpPr>
@@ -8794,7 +8794,7 @@
       </p:sp>
       <p:sp>
         <p:nvSpPr>
-          <p:cNvPr id="343" name="Shape 343"/>
+          <p:cNvPr id="361" name="Shape 361"/>
           <p:cNvSpPr txBox="1"/>
           <p:nvPr/>
         </p:nvSpPr>
@@ -8851,7 +8851,7 @@
       </p:sp>
       <p:sp>
         <p:nvSpPr>
-          <p:cNvPr id="344" name="Shape 344"/>
+          <p:cNvPr id="362" name="Shape 362"/>
           <p:cNvSpPr txBox="1"/>
           <p:nvPr/>
         </p:nvSpPr>
@@ -8907,6 +8907,11 @@
         </p:txBody>
       </p:sp>
     </p:spTree>
+    <p:extLst>
+      <p:ext uri="{BB962C8B-B14F-4D97-AF65-F5344CB8AC3E}">
+        <p14:creationId xmlns:p14="http://schemas.microsoft.com/office/powerpoint/2010/main" val="845412354"/>
+      </p:ext>
+    </p:extLst>
   </p:cSld>
   <p:clrMapOvr>
     <a:masterClrMapping/>
@@ -13125,7 +13130,7 @@
               <a:buNone/>
             </a:pPr>
             <a:r>
-              <a:rPr lang="en-US" sz="3000" i="0" u="none" strike="noStrike" cap="none" dirty="0">
+              <a:rPr lang="en-US" sz="3000" b="1" i="0" u="none" strike="noStrike" cap="none" dirty="0">
                 <a:solidFill>
                   <a:schemeClr val="lt1"/>
                 </a:solidFill>
@@ -13137,7 +13142,7 @@
               <a:t>   </a:t>
             </a:r>
             <a:r>
-              <a:rPr lang="en-US" sz="3000" i="0" u="none" strike="noStrike" cap="none" dirty="0">
+              <a:rPr lang="en-US" sz="3000" b="1" i="0" u="none" strike="noStrike" cap="none" dirty="0">
                 <a:solidFill>
                   <a:srgbClr val="FFFF00"/>
                 </a:solidFill>
@@ -13149,7 +13154,7 @@
               <a:t> if </a:t>
             </a:r>
             <a:r>
-              <a:rPr lang="en-US" sz="3000" i="0" u="none" strike="noStrike" cap="none" dirty="0">
+              <a:rPr lang="en-US" sz="3000" b="1" i="0" u="none" strike="noStrike" cap="none" dirty="0">
                 <a:solidFill>
                   <a:srgbClr val="00FF00"/>
                 </a:solidFill>
@@ -13161,7 +13166,7 @@
               <a:t>name</a:t>
             </a:r>
             <a:r>
-              <a:rPr lang="en-US" sz="3000" i="0" u="none" strike="noStrike" cap="none" dirty="0">
+              <a:rPr lang="en-US" sz="3000" b="1" i="0" u="none" strike="noStrike" cap="none" dirty="0">
                 <a:solidFill>
                   <a:schemeClr val="lt1"/>
                 </a:solidFill>
@@ -13173,7 +13178,7 @@
               <a:t> </a:t>
             </a:r>
             <a:r>
-              <a:rPr lang="en-US" sz="3000" i="0" u="none" strike="noStrike" cap="none" dirty="0">
+              <a:rPr lang="en-US" sz="3000" b="1" i="0" u="none" strike="noStrike" cap="none" dirty="0">
                 <a:solidFill>
                   <a:srgbClr val="FFFF00"/>
                 </a:solidFill>
@@ -13185,7 +13190,7 @@
               <a:t>in</a:t>
             </a:r>
             <a:r>
-              <a:rPr lang="en-US" sz="3000" i="0" u="none" strike="noStrike" cap="none" dirty="0">
+              <a:rPr lang="en-US" sz="3000" b="1" i="0" u="none" strike="noStrike" cap="none" dirty="0">
                 <a:solidFill>
                   <a:schemeClr val="lt1"/>
                 </a:solidFill>
@@ -13197,7 +13202,7 @@
               <a:t> </a:t>
             </a:r>
             <a:r>
-              <a:rPr lang="en-US" sz="3000" i="0" u="none" strike="noStrike" cap="none" dirty="0">
+              <a:rPr lang="en-US" sz="3000" b="1" i="0" u="none" strike="noStrike" cap="none" dirty="0">
                 <a:solidFill>
                   <a:srgbClr val="00FF00"/>
                 </a:solidFill>
@@ -13209,7 +13214,7 @@
               <a:t>counts</a:t>
             </a:r>
             <a:r>
-              <a:rPr lang="en-US" sz="3000" i="0" u="none" strike="noStrike" cap="none" dirty="0">
+              <a:rPr lang="en-US" sz="3000" b="1" i="0" u="none" strike="noStrike" cap="none" dirty="0">
                 <a:solidFill>
                   <a:schemeClr val="lt1"/>
                 </a:solidFill>
@@ -13240,7 +13245,7 @@
               <a:buNone/>
             </a:pPr>
             <a:r>
-              <a:rPr lang="en-US" sz="3000" i="0" u="none" strike="noStrike" cap="none" dirty="0">
+              <a:rPr lang="en-US" sz="3000" b="1" i="0" u="none" strike="noStrike" cap="none" dirty="0">
                 <a:solidFill>
                   <a:schemeClr val="lt1"/>
                 </a:solidFill>
@@ -13252,7 +13257,7 @@
               <a:t>       </a:t>
             </a:r>
             <a:r>
-              <a:rPr lang="en-US" sz="3000" i="0" u="none" strike="noStrike" cap="none" dirty="0">
+              <a:rPr lang="en-US" sz="3000" b="1" i="0" u="none" strike="noStrike" cap="none" dirty="0">
                 <a:solidFill>
                   <a:srgbClr val="FFFF00"/>
                 </a:solidFill>
@@ -13264,7 +13269,7 @@
               <a:t>x =</a:t>
             </a:r>
             <a:r>
-              <a:rPr lang="en-US" sz="3000" i="0" u="none" strike="noStrike" cap="none" dirty="0">
+              <a:rPr lang="en-US" sz="3000" b="1" i="0" u="none" strike="noStrike" cap="none" dirty="0">
                 <a:solidFill>
                   <a:srgbClr val="00FF00"/>
                 </a:solidFill>
@@ -13276,7 +13281,7 @@
               <a:t> counts</a:t>
             </a:r>
             <a:r>
-              <a:rPr lang="en-US" sz="3000" i="0" u="none" strike="noStrike" cap="none" dirty="0">
+              <a:rPr lang="en-US" sz="3000" b="1" i="0" u="none" strike="noStrike" cap="none" dirty="0">
                 <a:solidFill>
                   <a:srgbClr val="00FFFF"/>
                 </a:solidFill>
@@ -13307,7 +13312,7 @@
               <a:buNone/>
             </a:pPr>
             <a:r>
-              <a:rPr lang="en-US" sz="3000" i="0" u="none" strike="noStrike" cap="none" dirty="0">
+              <a:rPr lang="en-US" sz="3000" b="1" i="0" u="none" strike="noStrike" cap="none" dirty="0">
                 <a:solidFill>
                   <a:schemeClr val="lt1"/>
                 </a:solidFill>
@@ -13319,7 +13324,7 @@
               <a:t>    </a:t>
             </a:r>
             <a:r>
-              <a:rPr lang="en-US" sz="3000" i="0" u="none" strike="noStrike" cap="none" dirty="0">
+              <a:rPr lang="en-US" sz="3000" b="1" i="0" u="none" strike="noStrike" cap="none" dirty="0">
                 <a:solidFill>
                   <a:srgbClr val="FFFF00"/>
                 </a:solidFill>
@@ -13331,7 +13336,7 @@
               <a:t>else</a:t>
             </a:r>
             <a:r>
-              <a:rPr lang="en-US" sz="3000" i="0" u="none" strike="noStrike" cap="none" dirty="0">
+              <a:rPr lang="en-US" sz="3000" b="1" i="0" u="none" strike="noStrike" cap="none" dirty="0">
                 <a:solidFill>
                   <a:schemeClr val="lt1"/>
                 </a:solidFill>
@@ -13362,7 +13367,7 @@
               <a:buNone/>
             </a:pPr>
             <a:r>
-              <a:rPr lang="en-US" sz="3000" i="0" u="none" strike="noStrike" cap="none" dirty="0">
+              <a:rPr lang="en-US" sz="3000" b="1" i="0" u="none" strike="noStrike" cap="none" dirty="0">
                 <a:solidFill>
                   <a:schemeClr val="lt1"/>
                 </a:solidFill>
@@ -13374,7 +13379,7 @@
               <a:t>       </a:t>
             </a:r>
             <a:r>
-              <a:rPr lang="en-US" sz="3000" i="0" u="none" strike="noStrike" cap="none" dirty="0">
+              <a:rPr lang="en-US" sz="3000" b="1" i="0" u="none" strike="noStrike" cap="none" dirty="0">
                 <a:solidFill>
                   <a:srgbClr val="FFFF00"/>
                 </a:solidFill>
@@ -13386,7 +13391,7 @@
               <a:t>x =</a:t>
             </a:r>
             <a:r>
-              <a:rPr lang="en-US" sz="3000" i="0" u="none" strike="noStrike" cap="none" dirty="0">
+              <a:rPr lang="en-US" sz="3000" b="1" i="0" u="none" strike="noStrike" cap="none" dirty="0">
                 <a:solidFill>
                   <a:schemeClr val="lt1"/>
                 </a:solidFill>
@@ -13398,7 +13403,7 @@
               <a:t> </a:t>
             </a:r>
             <a:r>
-              <a:rPr lang="en-US" sz="3000" i="0" u="none" strike="noStrike" cap="none" dirty="0">
+              <a:rPr lang="en-US" sz="3000" b="1" i="0" u="none" strike="noStrike" cap="none" dirty="0">
                 <a:solidFill>
                   <a:srgbClr val="FF7F00"/>
                 </a:solidFill>
@@ -26917,7 +26922,7 @@
         </p:blipFill>
         <p:spPr>
           <a:xfrm>
-            <a:off x="13472794" y="789709"/>
+            <a:off x="13472794" y="800860"/>
             <a:ext cx="2516188" cy="2687782"/>
           </a:xfrm>
           <a:prstGeom prst="rect">
